--- a/lecture.pptx
+++ b/lecture.pptx
@@ -902,14 +902,14 @@
           </a:ln>
           <a:extLst>
             <a:ext uri="{909E8E84-426E-40dd-AFC4-6F175D3DCCD1}">
-              <a14:hiddenFill xmlns="" xmlns:a14="http://schemas.microsoft.com/office/drawing/2010/main">
+              <a14:hiddenFill xmlns:a14="http://schemas.microsoft.com/office/drawing/2010/main" xmlns="">
                 <a:solidFill>
                   <a:srgbClr val="FFFFFF"/>
                 </a:solidFill>
               </a14:hiddenFill>
             </a:ext>
             <a:ext uri="{FAA26D3D-D897-4be2-8F04-BA451C77F1D7}">
-              <ma14:placeholderFlag xmlns="" xmlns:ma14="http://schemas.microsoft.com/office/mac/drawingml/2011/main" val="1"/>
+              <ma14:placeholderFlag xmlns:ma14="http://schemas.microsoft.com/office/mac/drawingml/2011/main" xmlns="" val="1"/>
             </a:ext>
           </a:extLst>
         </p:spPr>
@@ -928,14 +928,14 @@
           <a:noFill/>
           <a:extLst>
             <a:ext uri="{909E8E84-426E-40dd-AFC4-6F175D3DCCD1}">
-              <a14:hiddenFill xmlns="" xmlns:a14="http://schemas.microsoft.com/office/drawing/2010/main">
+              <a14:hiddenFill xmlns:a14="http://schemas.microsoft.com/office/drawing/2010/main" xmlns="">
                 <a:solidFill>
                   <a:srgbClr val="FFFFFF"/>
                 </a:solidFill>
               </a14:hiddenFill>
             </a:ext>
             <a:ext uri="{91240B29-F687-4f45-9708-019B960494DF}">
-              <a14:hiddenLine xmlns="" xmlns:a14="http://schemas.microsoft.com/office/drawing/2010/main" w="9525">
+              <a14:hiddenLine xmlns:a14="http://schemas.microsoft.com/office/drawing/2010/main" xmlns="" w="9525">
                 <a:solidFill>
                   <a:srgbClr val="000000"/>
                 </a:solidFill>
@@ -1015,14 +1015,14 @@
           </a:ln>
           <a:extLst>
             <a:ext uri="{909E8E84-426E-40dd-AFC4-6F175D3DCCD1}">
-              <a14:hiddenFill xmlns="" xmlns:a14="http://schemas.microsoft.com/office/drawing/2010/main">
+              <a14:hiddenFill xmlns:a14="http://schemas.microsoft.com/office/drawing/2010/main" xmlns="">
                 <a:solidFill>
                   <a:srgbClr val="FFFFFF"/>
                 </a:solidFill>
               </a14:hiddenFill>
             </a:ext>
             <a:ext uri="{FAA26D3D-D897-4be2-8F04-BA451C77F1D7}">
-              <ma14:placeholderFlag xmlns="" xmlns:ma14="http://schemas.microsoft.com/office/mac/drawingml/2011/main" val="1"/>
+              <ma14:placeholderFlag xmlns:ma14="http://schemas.microsoft.com/office/mac/drawingml/2011/main" xmlns="" val="1"/>
             </a:ext>
           </a:extLst>
         </p:spPr>
@@ -1041,14 +1041,14 @@
           <a:noFill/>
           <a:extLst>
             <a:ext uri="{909E8E84-426E-40dd-AFC4-6F175D3DCCD1}">
-              <a14:hiddenFill xmlns="" xmlns:a14="http://schemas.microsoft.com/office/drawing/2010/main">
+              <a14:hiddenFill xmlns:a14="http://schemas.microsoft.com/office/drawing/2010/main" xmlns="">
                 <a:solidFill>
                   <a:srgbClr val="FFFFFF"/>
                 </a:solidFill>
               </a14:hiddenFill>
             </a:ext>
             <a:ext uri="{91240B29-F687-4f45-9708-019B960494DF}">
-              <a14:hiddenLine xmlns="" xmlns:a14="http://schemas.microsoft.com/office/drawing/2010/main" w="9525">
+              <a14:hiddenLine xmlns:a14="http://schemas.microsoft.com/office/drawing/2010/main" xmlns="" w="9525">
                 <a:solidFill>
                   <a:srgbClr val="000000"/>
                 </a:solidFill>
@@ -1067,17 +1067,243 @@
           </a:bodyPr>
           <a:lstStyle/>
           <a:p>
-            <a:pPr>
-              <a:spcBef>
-                <a:spcPct val="0"/>
-              </a:spcBef>
-            </a:pPr>
             <a:r>
-              <a:rPr lang="en-US">
-                <a:latin typeface="BentonSans Book" charset="0"/>
+              <a:rPr lang="en-US" b="0" dirty="0">
+                <a:effectLst/>
               </a:rPr>
-              <a:t>Bulleted Copy</a:t>
+              <a:t>Picture credit: </a:t>
             </a:r>
+            <a:r>
+              <a:rPr lang="en-US" dirty="0">
+                <a:hlinkClick r:id="rId3"/>
+              </a:rPr>
+              <a:t>https://www.npr.org/sections/health-shots/2015/01/12/375663920/the-doctor-who-championed-hand-washing-and-saved-women-s-lives</a:t>
+            </a:r>
+            <a:endParaRPr lang="en-US" b="0" dirty="0">
+              <a:effectLst/>
+            </a:endParaRPr>
+          </a:p>
+          <a:p>
+            <a:pPr lvl="3" rtl="0" fontAlgn="base"/>
+            <a:r>
+              <a:rPr lang="en-US" sz="1800" b="0" i="0" u="none" strike="noStrike" kern="1200" dirty="0">
+                <a:solidFill>
+                  <a:schemeClr val="tx1"/>
+                </a:solidFill>
+                <a:effectLst/>
+                <a:latin typeface="BentonSans Book"/>
+                <a:ea typeface="ＭＳ Ｐゴシック" charset="0"/>
+                <a:cs typeface="+mn-cs"/>
+              </a:rPr>
+              <a:t>- Simple Table from 1847</a:t>
+            </a:r>
+          </a:p>
+          <a:p>
+            <a:pPr lvl="3" rtl="0" fontAlgn="base"/>
+            <a:r>
+              <a:rPr lang="en-US" sz="1800" b="0" i="0" u="none" strike="noStrike" kern="1200" dirty="0">
+                <a:solidFill>
+                  <a:schemeClr val="tx1"/>
+                </a:solidFill>
+                <a:effectLst/>
+                <a:latin typeface="BentonSans Book"/>
+                <a:ea typeface="ＭＳ Ｐゴシック" charset="0"/>
+                <a:cs typeface="+mn-cs"/>
+              </a:rPr>
+              <a:t>- Microscopic germs, invisible to the eye, can make us sick!</a:t>
+            </a:r>
+          </a:p>
+          <a:p>
+            <a:pPr lvl="3" rtl="0" fontAlgn="base"/>
+            <a:r>
+              <a:rPr lang="en-US" sz="1800" b="0" i="0" u="none" strike="noStrike" kern="1200" dirty="0">
+                <a:solidFill>
+                  <a:schemeClr val="tx1"/>
+                </a:solidFill>
+                <a:effectLst/>
+                <a:latin typeface="BentonSans Book"/>
+                <a:ea typeface="ＭＳ Ｐゴシック" charset="0"/>
+                <a:cs typeface="+mn-cs"/>
+              </a:rPr>
+              <a:t>- A doctor who doesn’t wash his hands can spread his disease from one person to another</a:t>
+            </a:r>
+          </a:p>
+          <a:p>
+            <a:pPr lvl="3" rtl="0" fontAlgn="base"/>
+            <a:r>
+              <a:rPr lang="en-US" sz="1800" b="0" i="0" u="none" strike="noStrike" kern="1200" dirty="0">
+                <a:solidFill>
+                  <a:schemeClr val="tx1"/>
+                </a:solidFill>
+                <a:effectLst/>
+                <a:latin typeface="BentonSans Book"/>
+                <a:ea typeface="ＭＳ Ｐゴシック" charset="0"/>
+                <a:cs typeface="+mn-cs"/>
+              </a:rPr>
+              <a:t>- Discovery made with data by Ignaz Semmelweis</a:t>
+            </a:r>
+          </a:p>
+          <a:p>
+            <a:pPr lvl="3" rtl="0" fontAlgn="base"/>
+            <a:r>
+              <a:rPr lang="en-US" sz="1800" b="0" i="0" u="none" strike="noStrike" kern="1200" dirty="0">
+                <a:solidFill>
+                  <a:schemeClr val="tx1"/>
+                </a:solidFill>
+                <a:effectLst/>
+                <a:latin typeface="BentonSans Book"/>
+                <a:ea typeface="ＭＳ Ｐゴシック" charset="0"/>
+                <a:cs typeface="+mn-cs"/>
+              </a:rPr>
+              <a:t>- In his first year, in fact in his first six months, using this data right here, after being turned down from a more prestigious job he discovered the Germ Theory of Disease</a:t>
+            </a:r>
+          </a:p>
+          <a:p>
+            <a:pPr lvl="3" rtl="0" fontAlgn="base"/>
+            <a:r>
+              <a:rPr lang="en-US" sz="1800" b="0" i="0" u="none" strike="noStrike" kern="1200" dirty="0">
+                <a:solidFill>
+                  <a:schemeClr val="tx1"/>
+                </a:solidFill>
+                <a:effectLst/>
+                <a:latin typeface="BentonSans Book"/>
+                <a:ea typeface="ＭＳ Ｐゴシック" charset="0"/>
+                <a:cs typeface="+mn-cs"/>
+              </a:rPr>
+              <a:t>- He noticed that doctors coming from autopsies who then delivered babies had dramatically higher maternal mortality rates due to puerperal fever.</a:t>
+            </a:r>
+          </a:p>
+          <a:p>
+            <a:pPr lvl="3" rtl="0" fontAlgn="base"/>
+            <a:r>
+              <a:rPr lang="en-US" sz="1800" b="0" i="0" u="none" strike="noStrike" kern="1200" dirty="0">
+                <a:solidFill>
+                  <a:schemeClr val="tx1"/>
+                </a:solidFill>
+                <a:effectLst/>
+                <a:latin typeface="BentonSans Book"/>
+                <a:ea typeface="ＭＳ Ｐゴシック" charset="0"/>
+                <a:cs typeface="+mn-cs"/>
+              </a:rPr>
+              <a:t>- After asking doctors to wash their hands before examining pregnant women he documented a reduction in mortality rate from 18% to 2.2% over a year</a:t>
+            </a:r>
+          </a:p>
+          <a:p>
+            <a:pPr lvl="3" rtl="0" fontAlgn="base"/>
+            <a:r>
+              <a:rPr lang="en-US" sz="1800" b="0" i="0" u="none" strike="noStrike" kern="1200" dirty="0">
+                <a:solidFill>
+                  <a:schemeClr val="tx1"/>
+                </a:solidFill>
+                <a:effectLst/>
+                <a:latin typeface="BentonSans Book"/>
+                <a:ea typeface="ＭＳ Ｐゴシック" charset="0"/>
+                <a:cs typeface="+mn-cs"/>
+              </a:rPr>
+              <a:t>- He, originally, was mocked for this. He had no explanation but from the data he knew that when doctors washed their hands it saved lives.</a:t>
+            </a:r>
+          </a:p>
+          <a:p>
+            <a:pPr lvl="3" rtl="0" fontAlgn="base"/>
+            <a:r>
+              <a:rPr lang="en-US" sz="1800" b="0" i="0" u="none" strike="noStrike" kern="1200" dirty="0">
+                <a:solidFill>
+                  <a:schemeClr val="tx1"/>
+                </a:solidFill>
+                <a:effectLst/>
+                <a:latin typeface="BentonSans Book"/>
+                <a:ea typeface="ＭＳ Ｐゴシック" charset="0"/>
+                <a:cs typeface="+mn-cs"/>
+              </a:rPr>
+              <a:t>- He died in an insane asylum at age 47 before his theory was ever accepted.</a:t>
+            </a:r>
+          </a:p>
+          <a:p>
+            <a:pPr lvl="3" rtl="0" fontAlgn="base"/>
+            <a:r>
+              <a:rPr lang="en-US" sz="1800" b="0" i="0" u="none" strike="noStrike" kern="1200" dirty="0">
+                <a:solidFill>
+                  <a:schemeClr val="tx1"/>
+                </a:solidFill>
+                <a:effectLst/>
+                <a:latin typeface="BentonSans Book"/>
+                <a:ea typeface="ＭＳ Ｐゴシック" charset="0"/>
+                <a:cs typeface="+mn-cs"/>
+              </a:rPr>
+              <a:t>- A few years after his death in 1865, Louis Pasteur confirmed germ theory and Joseph Lister used their research to practice and operate with hygienic methods with great success.</a:t>
+            </a:r>
+          </a:p>
+          <a:p>
+            <a:pPr lvl="3" rtl="0" fontAlgn="base"/>
+            <a:r>
+              <a:rPr lang="en-US" sz="1800" b="0" i="0" u="none" strike="noStrike" kern="1200" dirty="0">
+                <a:solidFill>
+                  <a:schemeClr val="tx1"/>
+                </a:solidFill>
+                <a:effectLst/>
+                <a:latin typeface="BentonSans Book"/>
+                <a:ea typeface="ＭＳ Ｐゴシック" charset="0"/>
+                <a:cs typeface="+mn-cs"/>
+              </a:rPr>
+              <a:t>- John Snow also contributed to this replacement of miasma theory (disease spread through bad air, even caused by things like bad breath).</a:t>
+            </a:r>
+          </a:p>
+          <a:p>
+            <a:pPr lvl="4" rtl="0" fontAlgn="base"/>
+            <a:r>
+              <a:rPr lang="en-US" sz="1800" b="0" i="0" u="none" strike="noStrike" kern="1200" dirty="0">
+                <a:solidFill>
+                  <a:schemeClr val="tx1"/>
+                </a:solidFill>
+                <a:effectLst/>
+                <a:latin typeface="BentonSans Book"/>
+                <a:ea typeface="ＭＳ Ｐゴシック" charset="0"/>
+                <a:cs typeface="+mn-cs"/>
+              </a:rPr>
+              <a:t>- Game of Thrones!</a:t>
+            </a:r>
+          </a:p>
+          <a:p>
+            <a:pPr lvl="0"/>
+            <a:r>
+              <a:rPr lang="en-US" sz="2000" b="0" i="0" u="none" strike="noStrike" kern="1200" dirty="0">
+                <a:solidFill>
+                  <a:schemeClr val="tx1"/>
+                </a:solidFill>
+                <a:effectLst/>
+                <a:latin typeface="BentonSans Book"/>
+                <a:ea typeface="ＭＳ Ｐゴシック" charset="0"/>
+                <a:cs typeface="ＭＳ Ｐゴシック" charset="0"/>
+              </a:rPr>
+              <a:t>		- Wrote essay called </a:t>
+            </a:r>
+            <a:r>
+              <a:rPr lang="en-US" sz="1800" b="0" i="1" u="none" strike="noStrike" kern="1200" dirty="0">
+                <a:solidFill>
+                  <a:schemeClr val="tx1"/>
+                </a:solidFill>
+                <a:effectLst/>
+                <a:latin typeface="BentonSans Book"/>
+                <a:ea typeface="ＭＳ Ｐゴシック" charset="0"/>
+                <a:cs typeface="ＭＳ Ｐゴシック" charset="0"/>
+              </a:rPr>
+              <a:t>On the Mode of Communication of Cholera </a:t>
+            </a:r>
+            <a:r>
+              <a:rPr lang="en-US" sz="1800" b="0" i="0" u="none" strike="noStrike" kern="1200" dirty="0">
+                <a:solidFill>
+                  <a:schemeClr val="tx1"/>
+                </a:solidFill>
+                <a:effectLst/>
+                <a:latin typeface="BentonSans Book"/>
+                <a:ea typeface="ＭＳ Ｐゴシック" charset="0"/>
+                <a:cs typeface="ＭＳ Ｐゴシック" charset="0"/>
+              </a:rPr>
+              <a:t>in 1849</a:t>
+            </a:r>
+            <a:endParaRPr lang="en-US" dirty="0">
+              <a:latin typeface="BentonSans Book" charset="0"/>
+            </a:endParaRPr>
           </a:p>
         </p:txBody>
       </p:sp>
@@ -1128,14 +1354,14 @@
           </a:ln>
           <a:extLst>
             <a:ext uri="{909E8E84-426E-40dd-AFC4-6F175D3DCCD1}">
-              <a14:hiddenFill xmlns="" xmlns:a14="http://schemas.microsoft.com/office/drawing/2010/main">
+              <a14:hiddenFill xmlns:a14="http://schemas.microsoft.com/office/drawing/2010/main" xmlns="">
                 <a:solidFill>
                   <a:srgbClr val="FFFFFF"/>
                 </a:solidFill>
               </a14:hiddenFill>
             </a:ext>
             <a:ext uri="{FAA26D3D-D897-4be2-8F04-BA451C77F1D7}">
-              <ma14:placeholderFlag xmlns="" xmlns:ma14="http://schemas.microsoft.com/office/mac/drawingml/2011/main" val="1"/>
+              <ma14:placeholderFlag xmlns:ma14="http://schemas.microsoft.com/office/mac/drawingml/2011/main" xmlns="" val="1"/>
             </a:ext>
           </a:extLst>
         </p:spPr>
@@ -1154,14 +1380,14 @@
           <a:noFill/>
           <a:extLst>
             <a:ext uri="{909E8E84-426E-40dd-AFC4-6F175D3DCCD1}">
-              <a14:hiddenFill xmlns="" xmlns:a14="http://schemas.microsoft.com/office/drawing/2010/main">
+              <a14:hiddenFill xmlns:a14="http://schemas.microsoft.com/office/drawing/2010/main" xmlns="">
                 <a:solidFill>
                   <a:srgbClr val="FFFFFF"/>
                 </a:solidFill>
               </a14:hiddenFill>
             </a:ext>
             <a:ext uri="{91240B29-F687-4f45-9708-019B960494DF}">
-              <a14:hiddenLine xmlns="" xmlns:a14="http://schemas.microsoft.com/office/drawing/2010/main" w="9525">
+              <a14:hiddenLine xmlns:a14="http://schemas.microsoft.com/office/drawing/2010/main" xmlns="" w="9525">
                 <a:solidFill>
                   <a:srgbClr val="000000"/>
                 </a:solidFill>
@@ -1241,14 +1467,14 @@
           </a:ln>
           <a:extLst>
             <a:ext uri="{909E8E84-426E-40dd-AFC4-6F175D3DCCD1}">
-              <a14:hiddenFill xmlns="" xmlns:a14="http://schemas.microsoft.com/office/drawing/2010/main">
+              <a14:hiddenFill xmlns:a14="http://schemas.microsoft.com/office/drawing/2010/main" xmlns="">
                 <a:solidFill>
                   <a:srgbClr val="FFFFFF"/>
                 </a:solidFill>
               </a14:hiddenFill>
             </a:ext>
             <a:ext uri="{FAA26D3D-D897-4be2-8F04-BA451C77F1D7}">
-              <ma14:placeholderFlag xmlns="" xmlns:ma14="http://schemas.microsoft.com/office/mac/drawingml/2011/main" val="1"/>
+              <ma14:placeholderFlag xmlns:ma14="http://schemas.microsoft.com/office/mac/drawingml/2011/main" xmlns="" val="1"/>
             </a:ext>
           </a:extLst>
         </p:spPr>
@@ -1267,14 +1493,14 @@
           <a:noFill/>
           <a:extLst>
             <a:ext uri="{909E8E84-426E-40dd-AFC4-6F175D3DCCD1}">
-              <a14:hiddenFill xmlns="" xmlns:a14="http://schemas.microsoft.com/office/drawing/2010/main">
+              <a14:hiddenFill xmlns:a14="http://schemas.microsoft.com/office/drawing/2010/main" xmlns="">
                 <a:solidFill>
                   <a:srgbClr val="FFFFFF"/>
                 </a:solidFill>
               </a14:hiddenFill>
             </a:ext>
             <a:ext uri="{91240B29-F687-4f45-9708-019B960494DF}">
-              <a14:hiddenLine xmlns="" xmlns:a14="http://schemas.microsoft.com/office/drawing/2010/main" w="9525">
+              <a14:hiddenLine xmlns:a14="http://schemas.microsoft.com/office/drawing/2010/main" xmlns="" w="9525">
                 <a:solidFill>
                   <a:srgbClr val="000000"/>
                 </a:solidFill>
@@ -1354,14 +1580,14 @@
           </a:ln>
           <a:extLst>
             <a:ext uri="{909E8E84-426E-40dd-AFC4-6F175D3DCCD1}">
-              <a14:hiddenFill xmlns="" xmlns:a14="http://schemas.microsoft.com/office/drawing/2010/main">
+              <a14:hiddenFill xmlns:a14="http://schemas.microsoft.com/office/drawing/2010/main" xmlns="">
                 <a:solidFill>
                   <a:srgbClr val="FFFFFF"/>
                 </a:solidFill>
               </a14:hiddenFill>
             </a:ext>
             <a:ext uri="{FAA26D3D-D897-4be2-8F04-BA451C77F1D7}">
-              <ma14:placeholderFlag xmlns="" xmlns:ma14="http://schemas.microsoft.com/office/mac/drawingml/2011/main" val="1"/>
+              <ma14:placeholderFlag xmlns:ma14="http://schemas.microsoft.com/office/mac/drawingml/2011/main" xmlns="" val="1"/>
             </a:ext>
           </a:extLst>
         </p:spPr>
@@ -1380,14 +1606,14 @@
           <a:noFill/>
           <a:extLst>
             <a:ext uri="{909E8E84-426E-40dd-AFC4-6F175D3DCCD1}">
-              <a14:hiddenFill xmlns="" xmlns:a14="http://schemas.microsoft.com/office/drawing/2010/main">
+              <a14:hiddenFill xmlns:a14="http://schemas.microsoft.com/office/drawing/2010/main" xmlns="">
                 <a:solidFill>
                   <a:srgbClr val="FFFFFF"/>
                 </a:solidFill>
               </a14:hiddenFill>
             </a:ext>
             <a:ext uri="{91240B29-F687-4f45-9708-019B960494DF}">
-              <a14:hiddenLine xmlns="" xmlns:a14="http://schemas.microsoft.com/office/drawing/2010/main" w="9525">
+              <a14:hiddenLine xmlns:a14="http://schemas.microsoft.com/office/drawing/2010/main" xmlns="" w="9525">
                 <a:solidFill>
                   <a:srgbClr val="000000"/>
                 </a:solidFill>
@@ -1467,14 +1693,14 @@
           </a:ln>
           <a:extLst>
             <a:ext uri="{909E8E84-426E-40dd-AFC4-6F175D3DCCD1}">
-              <a14:hiddenFill xmlns="" xmlns:a14="http://schemas.microsoft.com/office/drawing/2010/main">
+              <a14:hiddenFill xmlns:a14="http://schemas.microsoft.com/office/drawing/2010/main" xmlns="">
                 <a:solidFill>
                   <a:srgbClr val="FFFFFF"/>
                 </a:solidFill>
               </a14:hiddenFill>
             </a:ext>
             <a:ext uri="{FAA26D3D-D897-4be2-8F04-BA451C77F1D7}">
-              <ma14:placeholderFlag xmlns="" xmlns:ma14="http://schemas.microsoft.com/office/mac/drawingml/2011/main" val="1"/>
+              <ma14:placeholderFlag xmlns:ma14="http://schemas.microsoft.com/office/mac/drawingml/2011/main" xmlns="" val="1"/>
             </a:ext>
           </a:extLst>
         </p:spPr>
@@ -1493,14 +1719,14 @@
           <a:noFill/>
           <a:extLst>
             <a:ext uri="{909E8E84-426E-40dd-AFC4-6F175D3DCCD1}">
-              <a14:hiddenFill xmlns="" xmlns:a14="http://schemas.microsoft.com/office/drawing/2010/main">
+              <a14:hiddenFill xmlns:a14="http://schemas.microsoft.com/office/drawing/2010/main" xmlns="">
                 <a:solidFill>
                   <a:srgbClr val="FFFFFF"/>
                 </a:solidFill>
               </a14:hiddenFill>
             </a:ext>
             <a:ext uri="{91240B29-F687-4f45-9708-019B960494DF}">
-              <a14:hiddenLine xmlns="" xmlns:a14="http://schemas.microsoft.com/office/drawing/2010/main" w="9525">
+              <a14:hiddenLine xmlns:a14="http://schemas.microsoft.com/office/drawing/2010/main" xmlns="" w="9525">
                 <a:solidFill>
                   <a:srgbClr val="000000"/>
                 </a:solidFill>
@@ -1580,14 +1806,14 @@
           </a:ln>
           <a:extLst>
             <a:ext uri="{909E8E84-426E-40dd-AFC4-6F175D3DCCD1}">
-              <a14:hiddenFill xmlns="" xmlns:a14="http://schemas.microsoft.com/office/drawing/2010/main">
+              <a14:hiddenFill xmlns:a14="http://schemas.microsoft.com/office/drawing/2010/main" xmlns="">
                 <a:solidFill>
                   <a:srgbClr val="FFFFFF"/>
                 </a:solidFill>
               </a14:hiddenFill>
             </a:ext>
             <a:ext uri="{FAA26D3D-D897-4be2-8F04-BA451C77F1D7}">
-              <ma14:placeholderFlag xmlns="" xmlns:ma14="http://schemas.microsoft.com/office/mac/drawingml/2011/main" val="1"/>
+              <ma14:placeholderFlag xmlns:ma14="http://schemas.microsoft.com/office/mac/drawingml/2011/main" xmlns="" val="1"/>
             </a:ext>
           </a:extLst>
         </p:spPr>
@@ -1606,14 +1832,14 @@
           <a:noFill/>
           <a:extLst>
             <a:ext uri="{909E8E84-426E-40dd-AFC4-6F175D3DCCD1}">
-              <a14:hiddenFill xmlns="" xmlns:a14="http://schemas.microsoft.com/office/drawing/2010/main">
+              <a14:hiddenFill xmlns:a14="http://schemas.microsoft.com/office/drawing/2010/main" xmlns="">
                 <a:solidFill>
                   <a:srgbClr val="FFFFFF"/>
                 </a:solidFill>
               </a14:hiddenFill>
             </a:ext>
             <a:ext uri="{91240B29-F687-4f45-9708-019B960494DF}">
-              <a14:hiddenLine xmlns="" xmlns:a14="http://schemas.microsoft.com/office/drawing/2010/main" w="9525">
+              <a14:hiddenLine xmlns:a14="http://schemas.microsoft.com/office/drawing/2010/main" xmlns="" w="9525">
                 <a:solidFill>
                   <a:srgbClr val="000000"/>
                 </a:solidFill>
@@ -1693,14 +1919,14 @@
           </a:ln>
           <a:extLst>
             <a:ext uri="{909E8E84-426E-40dd-AFC4-6F175D3DCCD1}">
-              <a14:hiddenFill xmlns="" xmlns:a14="http://schemas.microsoft.com/office/drawing/2010/main">
+              <a14:hiddenFill xmlns:a14="http://schemas.microsoft.com/office/drawing/2010/main" xmlns="">
                 <a:solidFill>
                   <a:srgbClr val="FFFFFF"/>
                 </a:solidFill>
               </a14:hiddenFill>
             </a:ext>
             <a:ext uri="{FAA26D3D-D897-4be2-8F04-BA451C77F1D7}">
-              <ma14:placeholderFlag xmlns="" xmlns:ma14="http://schemas.microsoft.com/office/mac/drawingml/2011/main" val="1"/>
+              <ma14:placeholderFlag xmlns:ma14="http://schemas.microsoft.com/office/mac/drawingml/2011/main" xmlns="" val="1"/>
             </a:ext>
           </a:extLst>
         </p:spPr>
@@ -1719,14 +1945,14 @@
           <a:noFill/>
           <a:extLst>
             <a:ext uri="{909E8E84-426E-40dd-AFC4-6F175D3DCCD1}">
-              <a14:hiddenFill xmlns="" xmlns:a14="http://schemas.microsoft.com/office/drawing/2010/main">
+              <a14:hiddenFill xmlns:a14="http://schemas.microsoft.com/office/drawing/2010/main" xmlns="">
                 <a:solidFill>
                   <a:srgbClr val="FFFFFF"/>
                 </a:solidFill>
               </a14:hiddenFill>
             </a:ext>
             <a:ext uri="{91240B29-F687-4f45-9708-019B960494DF}">
-              <a14:hiddenLine xmlns="" xmlns:a14="http://schemas.microsoft.com/office/drawing/2010/main" w="9525">
+              <a14:hiddenLine xmlns:a14="http://schemas.microsoft.com/office/drawing/2010/main" xmlns="" w="9525">
                 <a:solidFill>
                   <a:srgbClr val="000000"/>
                 </a:solidFill>
@@ -1806,14 +2032,14 @@
           </a:ln>
           <a:extLst>
             <a:ext uri="{909E8E84-426E-40dd-AFC4-6F175D3DCCD1}">
-              <a14:hiddenFill xmlns="" xmlns:a14="http://schemas.microsoft.com/office/drawing/2010/main">
+              <a14:hiddenFill xmlns:a14="http://schemas.microsoft.com/office/drawing/2010/main" xmlns="">
                 <a:solidFill>
                   <a:srgbClr val="FFFFFF"/>
                 </a:solidFill>
               </a14:hiddenFill>
             </a:ext>
             <a:ext uri="{FAA26D3D-D897-4be2-8F04-BA451C77F1D7}">
-              <ma14:placeholderFlag xmlns="" xmlns:ma14="http://schemas.microsoft.com/office/mac/drawingml/2011/main" val="1"/>
+              <ma14:placeholderFlag xmlns:ma14="http://schemas.microsoft.com/office/mac/drawingml/2011/main" xmlns="" val="1"/>
             </a:ext>
           </a:extLst>
         </p:spPr>
@@ -1832,14 +2058,14 @@
           <a:noFill/>
           <a:extLst>
             <a:ext uri="{909E8E84-426E-40dd-AFC4-6F175D3DCCD1}">
-              <a14:hiddenFill xmlns="" xmlns:a14="http://schemas.microsoft.com/office/drawing/2010/main">
+              <a14:hiddenFill xmlns:a14="http://schemas.microsoft.com/office/drawing/2010/main" xmlns="">
                 <a:solidFill>
                   <a:srgbClr val="FFFFFF"/>
                 </a:solidFill>
               </a14:hiddenFill>
             </a:ext>
             <a:ext uri="{91240B29-F687-4f45-9708-019B960494DF}">
-              <a14:hiddenLine xmlns="" xmlns:a14="http://schemas.microsoft.com/office/drawing/2010/main" w="9525">
+              <a14:hiddenLine xmlns:a14="http://schemas.microsoft.com/office/drawing/2010/main" xmlns="" w="9525">
                 <a:solidFill>
                   <a:srgbClr val="000000"/>
                 </a:solidFill>
@@ -1849,7 +2075,7 @@
               </a14:hiddenLine>
             </a:ext>
             <a:ext uri="{FAA26D3D-D897-4be2-8F04-BA451C77F1D7}">
-              <ma14:placeholderFlag xmlns="" xmlns:ma14="http://schemas.microsoft.com/office/mac/drawingml/2011/main" val="1"/>
+              <ma14:placeholderFlag xmlns:ma14="http://schemas.microsoft.com/office/mac/drawingml/2011/main" xmlns="" val="1"/>
             </a:ext>
           </a:extLst>
         </p:spPr>
@@ -1886,14 +2112,14 @@
           <a:noFill/>
           <a:extLst>
             <a:ext uri="{909E8E84-426E-40dd-AFC4-6F175D3DCCD1}">
-              <a14:hiddenFill xmlns="" xmlns:a14="http://schemas.microsoft.com/office/drawing/2010/main">
+              <a14:hiddenFill xmlns:a14="http://schemas.microsoft.com/office/drawing/2010/main" xmlns="">
                 <a:solidFill>
                   <a:srgbClr val="FFFFFF"/>
                 </a:solidFill>
               </a14:hiddenFill>
             </a:ext>
             <a:ext uri="{91240B29-F687-4f45-9708-019B960494DF}">
-              <a14:hiddenLine xmlns="" xmlns:a14="http://schemas.microsoft.com/office/drawing/2010/main" w="9525">
+              <a14:hiddenLine xmlns:a14="http://schemas.microsoft.com/office/drawing/2010/main" xmlns="" w="9525">
                 <a:solidFill>
                   <a:srgbClr val="000000"/>
                 </a:solidFill>
@@ -2132,14 +2358,14 @@
           </a:ln>
           <a:extLst>
             <a:ext uri="{909E8E84-426E-40dd-AFC4-6F175D3DCCD1}">
-              <a14:hiddenFill xmlns="" xmlns:a14="http://schemas.microsoft.com/office/drawing/2010/main">
+              <a14:hiddenFill xmlns:a14="http://schemas.microsoft.com/office/drawing/2010/main" xmlns="">
                 <a:solidFill>
                   <a:srgbClr val="FFFFFF"/>
                 </a:solidFill>
               </a14:hiddenFill>
             </a:ext>
             <a:ext uri="{FAA26D3D-D897-4be2-8F04-BA451C77F1D7}">
-              <ma14:placeholderFlag xmlns="" xmlns:ma14="http://schemas.microsoft.com/office/mac/drawingml/2011/main" val="1"/>
+              <ma14:placeholderFlag xmlns:ma14="http://schemas.microsoft.com/office/mac/drawingml/2011/main" xmlns="" val="1"/>
             </a:ext>
           </a:extLst>
         </p:spPr>
@@ -2158,14 +2384,14 @@
           <a:noFill/>
           <a:extLst>
             <a:ext uri="{909E8E84-426E-40dd-AFC4-6F175D3DCCD1}">
-              <a14:hiddenFill xmlns="" xmlns:a14="http://schemas.microsoft.com/office/drawing/2010/main">
+              <a14:hiddenFill xmlns:a14="http://schemas.microsoft.com/office/drawing/2010/main" xmlns="">
                 <a:solidFill>
                   <a:srgbClr val="FFFFFF"/>
                 </a:solidFill>
               </a14:hiddenFill>
             </a:ext>
             <a:ext uri="{91240B29-F687-4f45-9708-019B960494DF}">
-              <a14:hiddenLine xmlns="" xmlns:a14="http://schemas.microsoft.com/office/drawing/2010/main" w="9525">
+              <a14:hiddenLine xmlns:a14="http://schemas.microsoft.com/office/drawing/2010/main" xmlns="" w="9525">
                 <a:solidFill>
                   <a:srgbClr val="000000"/>
                 </a:solidFill>
@@ -2175,7 +2401,7 @@
               </a14:hiddenLine>
             </a:ext>
             <a:ext uri="{FAA26D3D-D897-4be2-8F04-BA451C77F1D7}">
-              <ma14:placeholderFlag xmlns="" xmlns:ma14="http://schemas.microsoft.com/office/mac/drawingml/2011/main" val="1"/>
+              <ma14:placeholderFlag xmlns:ma14="http://schemas.microsoft.com/office/mac/drawingml/2011/main" xmlns="" val="1"/>
             </a:ext>
           </a:extLst>
         </p:spPr>
@@ -2212,14 +2438,14 @@
           <a:noFill/>
           <a:extLst>
             <a:ext uri="{909E8E84-426E-40dd-AFC4-6F175D3DCCD1}">
-              <a14:hiddenFill xmlns="" xmlns:a14="http://schemas.microsoft.com/office/drawing/2010/main">
+              <a14:hiddenFill xmlns:a14="http://schemas.microsoft.com/office/drawing/2010/main" xmlns="">
                 <a:solidFill>
                   <a:srgbClr val="FFFFFF"/>
                 </a:solidFill>
               </a14:hiddenFill>
             </a:ext>
             <a:ext uri="{91240B29-F687-4f45-9708-019B960494DF}">
-              <a14:hiddenLine xmlns="" xmlns:a14="http://schemas.microsoft.com/office/drawing/2010/main" w="9525">
+              <a14:hiddenLine xmlns:a14="http://schemas.microsoft.com/office/drawing/2010/main" xmlns="" w="9525">
                 <a:solidFill>
                   <a:srgbClr val="000000"/>
                 </a:solidFill>
@@ -2414,14 +2640,14 @@
           <a:noFill/>
           <a:extLst>
             <a:ext uri="{909E8E84-426E-40dd-AFC4-6F175D3DCCD1}">
-              <a14:hiddenFill xmlns="" xmlns:a14="http://schemas.microsoft.com/office/drawing/2010/main">
+              <a14:hiddenFill xmlns:a14="http://schemas.microsoft.com/office/drawing/2010/main" xmlns="">
                 <a:solidFill>
                   <a:srgbClr val="FFFFFF"/>
                 </a:solidFill>
               </a14:hiddenFill>
             </a:ext>
             <a:ext uri="{91240B29-F687-4f45-9708-019B960494DF}">
-              <a14:hiddenLine xmlns="" xmlns:a14="http://schemas.microsoft.com/office/drawing/2010/main" w="9525">
+              <a14:hiddenLine xmlns:a14="http://schemas.microsoft.com/office/drawing/2010/main" xmlns="" w="9525">
                 <a:solidFill>
                   <a:srgbClr val="000000"/>
                 </a:solidFill>
@@ -2622,14 +2848,14 @@
           </a:ln>
           <a:extLst>
             <a:ext uri="{909E8E84-426E-40dd-AFC4-6F175D3DCCD1}">
-              <a14:hiddenFill xmlns="" xmlns:a14="http://schemas.microsoft.com/office/drawing/2010/main">
+              <a14:hiddenFill xmlns:a14="http://schemas.microsoft.com/office/drawing/2010/main" xmlns="">
                 <a:solidFill>
                   <a:srgbClr val="FFFFFF"/>
                 </a:solidFill>
               </a14:hiddenFill>
             </a:ext>
             <a:ext uri="{FAA26D3D-D897-4be2-8F04-BA451C77F1D7}">
-              <ma14:placeholderFlag xmlns="" xmlns:ma14="http://schemas.microsoft.com/office/mac/drawingml/2011/main" val="1"/>
+              <ma14:placeholderFlag xmlns:ma14="http://schemas.microsoft.com/office/mac/drawingml/2011/main" xmlns="" val="1"/>
             </a:ext>
           </a:extLst>
         </p:spPr>
@@ -2648,14 +2874,14 @@
           <a:noFill/>
           <a:extLst>
             <a:ext uri="{909E8E84-426E-40dd-AFC4-6F175D3DCCD1}">
-              <a14:hiddenFill xmlns="" xmlns:a14="http://schemas.microsoft.com/office/drawing/2010/main">
+              <a14:hiddenFill xmlns:a14="http://schemas.microsoft.com/office/drawing/2010/main" xmlns="">
                 <a:solidFill>
                   <a:srgbClr val="FFFFFF"/>
                 </a:solidFill>
               </a14:hiddenFill>
             </a:ext>
             <a:ext uri="{91240B29-F687-4f45-9708-019B960494DF}">
-              <a14:hiddenLine xmlns="" xmlns:a14="http://schemas.microsoft.com/office/drawing/2010/main" w="9525">
+              <a14:hiddenLine xmlns:a14="http://schemas.microsoft.com/office/drawing/2010/main" xmlns="" w="9525">
                 <a:solidFill>
                   <a:srgbClr val="000000"/>
                 </a:solidFill>
@@ -2665,7 +2891,7 @@
               </a14:hiddenLine>
             </a:ext>
             <a:ext uri="{FAA26D3D-D897-4be2-8F04-BA451C77F1D7}">
-              <ma14:placeholderFlag xmlns="" xmlns:ma14="http://schemas.microsoft.com/office/mac/drawingml/2011/main" val="1"/>
+              <ma14:placeholderFlag xmlns:ma14="http://schemas.microsoft.com/office/mac/drawingml/2011/main" xmlns="" val="1"/>
             </a:ext>
           </a:extLst>
         </p:spPr>
@@ -2702,14 +2928,14 @@
           <a:noFill/>
           <a:extLst>
             <a:ext uri="{909E8E84-426E-40dd-AFC4-6F175D3DCCD1}">
-              <a14:hiddenFill xmlns="" xmlns:a14="http://schemas.microsoft.com/office/drawing/2010/main">
+              <a14:hiddenFill xmlns:a14="http://schemas.microsoft.com/office/drawing/2010/main" xmlns="">
                 <a:solidFill>
                   <a:srgbClr val="FFFFFF"/>
                 </a:solidFill>
               </a14:hiddenFill>
             </a:ext>
             <a:ext uri="{91240B29-F687-4f45-9708-019B960494DF}">
-              <a14:hiddenLine xmlns="" xmlns:a14="http://schemas.microsoft.com/office/drawing/2010/main" w="9525">
+              <a14:hiddenLine xmlns:a14="http://schemas.microsoft.com/office/drawing/2010/main" xmlns="" w="9525">
                 <a:solidFill>
                   <a:srgbClr val="000000"/>
                 </a:solidFill>
@@ -2904,14 +3130,14 @@
           <a:noFill/>
           <a:extLst>
             <a:ext uri="{909E8E84-426E-40dd-AFC4-6F175D3DCCD1}">
-              <a14:hiddenFill xmlns="" xmlns:a14="http://schemas.microsoft.com/office/drawing/2010/main">
+              <a14:hiddenFill xmlns:a14="http://schemas.microsoft.com/office/drawing/2010/main" xmlns="">
                 <a:solidFill>
                   <a:srgbClr val="FFFFFF"/>
                 </a:solidFill>
               </a14:hiddenFill>
             </a:ext>
             <a:ext uri="{91240B29-F687-4f45-9708-019B960494DF}">
-              <a14:hiddenLine xmlns="" xmlns:a14="http://schemas.microsoft.com/office/drawing/2010/main" w="9525">
+              <a14:hiddenLine xmlns:a14="http://schemas.microsoft.com/office/drawing/2010/main" xmlns="" w="9525">
                 <a:solidFill>
                   <a:srgbClr val="000000"/>
                 </a:solidFill>
@@ -3112,14 +3338,14 @@
           </a:ln>
           <a:extLst>
             <a:ext uri="{909E8E84-426E-40dd-AFC4-6F175D3DCCD1}">
-              <a14:hiddenFill xmlns="" xmlns:a14="http://schemas.microsoft.com/office/drawing/2010/main">
+              <a14:hiddenFill xmlns:a14="http://schemas.microsoft.com/office/drawing/2010/main" xmlns="">
                 <a:solidFill>
                   <a:srgbClr val="FFFFFF"/>
                 </a:solidFill>
               </a14:hiddenFill>
             </a:ext>
             <a:ext uri="{FAA26D3D-D897-4be2-8F04-BA451C77F1D7}">
-              <ma14:placeholderFlag xmlns="" xmlns:ma14="http://schemas.microsoft.com/office/mac/drawingml/2011/main" val="1"/>
+              <ma14:placeholderFlag xmlns:ma14="http://schemas.microsoft.com/office/mac/drawingml/2011/main" xmlns="" val="1"/>
             </a:ext>
           </a:extLst>
         </p:spPr>
@@ -3138,14 +3364,14 @@
           <a:noFill/>
           <a:extLst>
             <a:ext uri="{909E8E84-426E-40dd-AFC4-6F175D3DCCD1}">
-              <a14:hiddenFill xmlns="" xmlns:a14="http://schemas.microsoft.com/office/drawing/2010/main">
+              <a14:hiddenFill xmlns:a14="http://schemas.microsoft.com/office/drawing/2010/main" xmlns="">
                 <a:solidFill>
                   <a:srgbClr val="FFFFFF"/>
                 </a:solidFill>
               </a14:hiddenFill>
             </a:ext>
             <a:ext uri="{91240B29-F687-4f45-9708-019B960494DF}">
-              <a14:hiddenLine xmlns="" xmlns:a14="http://schemas.microsoft.com/office/drawing/2010/main" w="9525">
+              <a14:hiddenLine xmlns:a14="http://schemas.microsoft.com/office/drawing/2010/main" xmlns="" w="9525">
                 <a:solidFill>
                   <a:srgbClr val="000000"/>
                 </a:solidFill>
@@ -3225,14 +3451,14 @@
           </a:ln>
           <a:extLst>
             <a:ext uri="{909E8E84-426E-40dd-AFC4-6F175D3DCCD1}">
-              <a14:hiddenFill xmlns="" xmlns:a14="http://schemas.microsoft.com/office/drawing/2010/main">
+              <a14:hiddenFill xmlns:a14="http://schemas.microsoft.com/office/drawing/2010/main" xmlns="">
                 <a:solidFill>
                   <a:srgbClr val="FFFFFF"/>
                 </a:solidFill>
               </a14:hiddenFill>
             </a:ext>
             <a:ext uri="{FAA26D3D-D897-4be2-8F04-BA451C77F1D7}">
-              <ma14:placeholderFlag xmlns="" xmlns:ma14="http://schemas.microsoft.com/office/mac/drawingml/2011/main" val="1"/>
+              <ma14:placeholderFlag xmlns:ma14="http://schemas.microsoft.com/office/mac/drawingml/2011/main" xmlns="" val="1"/>
             </a:ext>
           </a:extLst>
         </p:spPr>
@@ -3251,14 +3477,14 @@
           <a:noFill/>
           <a:extLst>
             <a:ext uri="{909E8E84-426E-40dd-AFC4-6F175D3DCCD1}">
-              <a14:hiddenFill xmlns="" xmlns:a14="http://schemas.microsoft.com/office/drawing/2010/main">
+              <a14:hiddenFill xmlns:a14="http://schemas.microsoft.com/office/drawing/2010/main" xmlns="">
                 <a:solidFill>
                   <a:srgbClr val="FFFFFF"/>
                 </a:solidFill>
               </a14:hiddenFill>
             </a:ext>
             <a:ext uri="{91240B29-F687-4f45-9708-019B960494DF}">
-              <a14:hiddenLine xmlns="" xmlns:a14="http://schemas.microsoft.com/office/drawing/2010/main" w="9525">
+              <a14:hiddenLine xmlns:a14="http://schemas.microsoft.com/office/drawing/2010/main" xmlns="" w="9525">
                 <a:solidFill>
                   <a:srgbClr val="000000"/>
                 </a:solidFill>
@@ -3268,7 +3494,7 @@
               </a14:hiddenLine>
             </a:ext>
             <a:ext uri="{FAA26D3D-D897-4be2-8F04-BA451C77F1D7}">
-              <ma14:placeholderFlag xmlns="" xmlns:ma14="http://schemas.microsoft.com/office/mac/drawingml/2011/main" val="1"/>
+              <ma14:placeholderFlag xmlns:ma14="http://schemas.microsoft.com/office/mac/drawingml/2011/main" xmlns="" val="1"/>
             </a:ext>
           </a:extLst>
         </p:spPr>
@@ -3305,14 +3531,14 @@
           <a:noFill/>
           <a:extLst>
             <a:ext uri="{909E8E84-426E-40dd-AFC4-6F175D3DCCD1}">
-              <a14:hiddenFill xmlns="" xmlns:a14="http://schemas.microsoft.com/office/drawing/2010/main">
+              <a14:hiddenFill xmlns:a14="http://schemas.microsoft.com/office/drawing/2010/main" xmlns="">
                 <a:solidFill>
                   <a:srgbClr val="FFFFFF"/>
                 </a:solidFill>
               </a14:hiddenFill>
             </a:ext>
             <a:ext uri="{91240B29-F687-4f45-9708-019B960494DF}">
-              <a14:hiddenLine xmlns="" xmlns:a14="http://schemas.microsoft.com/office/drawing/2010/main" w="9525">
+              <a14:hiddenLine xmlns:a14="http://schemas.microsoft.com/office/drawing/2010/main" xmlns="" w="9525">
                 <a:solidFill>
                   <a:srgbClr val="000000"/>
                 </a:solidFill>
@@ -3507,14 +3733,14 @@
           <a:noFill/>
           <a:extLst>
             <a:ext uri="{909E8E84-426E-40dd-AFC4-6F175D3DCCD1}">
-              <a14:hiddenFill xmlns="" xmlns:a14="http://schemas.microsoft.com/office/drawing/2010/main">
+              <a14:hiddenFill xmlns:a14="http://schemas.microsoft.com/office/drawing/2010/main" xmlns="">
                 <a:solidFill>
                   <a:srgbClr val="FFFFFF"/>
                 </a:solidFill>
               </a14:hiddenFill>
             </a:ext>
             <a:ext uri="{91240B29-F687-4f45-9708-019B960494DF}">
-              <a14:hiddenLine xmlns="" xmlns:a14="http://schemas.microsoft.com/office/drawing/2010/main" w="9525">
+              <a14:hiddenLine xmlns:a14="http://schemas.microsoft.com/office/drawing/2010/main" xmlns="" w="9525">
                 <a:solidFill>
                   <a:srgbClr val="000000"/>
                 </a:solidFill>
@@ -3715,14 +3941,14 @@
           </a:ln>
           <a:extLst>
             <a:ext uri="{909E8E84-426E-40dd-AFC4-6F175D3DCCD1}">
-              <a14:hiddenFill xmlns="" xmlns:a14="http://schemas.microsoft.com/office/drawing/2010/main">
+              <a14:hiddenFill xmlns:a14="http://schemas.microsoft.com/office/drawing/2010/main" xmlns="">
                 <a:solidFill>
                   <a:srgbClr val="FFFFFF"/>
                 </a:solidFill>
               </a14:hiddenFill>
             </a:ext>
             <a:ext uri="{FAA26D3D-D897-4be2-8F04-BA451C77F1D7}">
-              <ma14:placeholderFlag xmlns="" xmlns:ma14="http://schemas.microsoft.com/office/mac/drawingml/2011/main" val="1"/>
+              <ma14:placeholderFlag xmlns:ma14="http://schemas.microsoft.com/office/mac/drawingml/2011/main" xmlns="" val="1"/>
             </a:ext>
           </a:extLst>
         </p:spPr>
@@ -3741,14 +3967,14 @@
           <a:noFill/>
           <a:extLst>
             <a:ext uri="{909E8E84-426E-40dd-AFC4-6F175D3DCCD1}">
-              <a14:hiddenFill xmlns="" xmlns:a14="http://schemas.microsoft.com/office/drawing/2010/main">
+              <a14:hiddenFill xmlns:a14="http://schemas.microsoft.com/office/drawing/2010/main" xmlns="">
                 <a:solidFill>
                   <a:srgbClr val="FFFFFF"/>
                 </a:solidFill>
               </a14:hiddenFill>
             </a:ext>
             <a:ext uri="{91240B29-F687-4f45-9708-019B960494DF}">
-              <a14:hiddenLine xmlns="" xmlns:a14="http://schemas.microsoft.com/office/drawing/2010/main" w="9525">
+              <a14:hiddenLine xmlns:a14="http://schemas.microsoft.com/office/drawing/2010/main" xmlns="" w="9525">
                 <a:solidFill>
                   <a:srgbClr val="000000"/>
                 </a:solidFill>
@@ -3758,7 +3984,7 @@
               </a14:hiddenLine>
             </a:ext>
             <a:ext uri="{FAA26D3D-D897-4be2-8F04-BA451C77F1D7}">
-              <ma14:placeholderFlag xmlns="" xmlns:ma14="http://schemas.microsoft.com/office/mac/drawingml/2011/main" val="1"/>
+              <ma14:placeholderFlag xmlns:ma14="http://schemas.microsoft.com/office/mac/drawingml/2011/main" xmlns="" val="1"/>
             </a:ext>
           </a:extLst>
         </p:spPr>
@@ -3795,14 +4021,14 @@
           <a:noFill/>
           <a:extLst>
             <a:ext uri="{909E8E84-426E-40dd-AFC4-6F175D3DCCD1}">
-              <a14:hiddenFill xmlns="" xmlns:a14="http://schemas.microsoft.com/office/drawing/2010/main">
+              <a14:hiddenFill xmlns:a14="http://schemas.microsoft.com/office/drawing/2010/main" xmlns="">
                 <a:solidFill>
                   <a:srgbClr val="FFFFFF"/>
                 </a:solidFill>
               </a14:hiddenFill>
             </a:ext>
             <a:ext uri="{91240B29-F687-4f45-9708-019B960494DF}">
-              <a14:hiddenLine xmlns="" xmlns:a14="http://schemas.microsoft.com/office/drawing/2010/main" w="9525">
+              <a14:hiddenLine xmlns:a14="http://schemas.microsoft.com/office/drawing/2010/main" xmlns="" w="9525">
                 <a:solidFill>
                   <a:srgbClr val="000000"/>
                 </a:solidFill>
@@ -3997,14 +4223,14 @@
           <a:noFill/>
           <a:extLst>
             <a:ext uri="{909E8E84-426E-40dd-AFC4-6F175D3DCCD1}">
-              <a14:hiddenFill xmlns="" xmlns:a14="http://schemas.microsoft.com/office/drawing/2010/main">
+              <a14:hiddenFill xmlns:a14="http://schemas.microsoft.com/office/drawing/2010/main" xmlns="">
                 <a:solidFill>
                   <a:srgbClr val="FFFFFF"/>
                 </a:solidFill>
               </a14:hiddenFill>
             </a:ext>
             <a:ext uri="{91240B29-F687-4f45-9708-019B960494DF}">
-              <a14:hiddenLine xmlns="" xmlns:a14="http://schemas.microsoft.com/office/drawing/2010/main" w="9525">
+              <a14:hiddenLine xmlns:a14="http://schemas.microsoft.com/office/drawing/2010/main" xmlns="" w="9525">
                 <a:solidFill>
                   <a:srgbClr val="000000"/>
                 </a:solidFill>
@@ -4205,14 +4431,14 @@
           </a:ln>
           <a:extLst>
             <a:ext uri="{909E8E84-426E-40dd-AFC4-6F175D3DCCD1}">
-              <a14:hiddenFill xmlns="" xmlns:a14="http://schemas.microsoft.com/office/drawing/2010/main">
+              <a14:hiddenFill xmlns:a14="http://schemas.microsoft.com/office/drawing/2010/main" xmlns="">
                 <a:solidFill>
                   <a:srgbClr val="FFFFFF"/>
                 </a:solidFill>
               </a14:hiddenFill>
             </a:ext>
             <a:ext uri="{FAA26D3D-D897-4be2-8F04-BA451C77F1D7}">
-              <ma14:placeholderFlag xmlns="" xmlns:ma14="http://schemas.microsoft.com/office/mac/drawingml/2011/main" val="1"/>
+              <ma14:placeholderFlag xmlns:ma14="http://schemas.microsoft.com/office/mac/drawingml/2011/main" xmlns="" val="1"/>
             </a:ext>
           </a:extLst>
         </p:spPr>
@@ -4231,14 +4457,14 @@
           <a:noFill/>
           <a:extLst>
             <a:ext uri="{909E8E84-426E-40dd-AFC4-6F175D3DCCD1}">
-              <a14:hiddenFill xmlns="" xmlns:a14="http://schemas.microsoft.com/office/drawing/2010/main">
+              <a14:hiddenFill xmlns:a14="http://schemas.microsoft.com/office/drawing/2010/main" xmlns="">
                 <a:solidFill>
                   <a:srgbClr val="FFFFFF"/>
                 </a:solidFill>
               </a14:hiddenFill>
             </a:ext>
             <a:ext uri="{91240B29-F687-4f45-9708-019B960494DF}">
-              <a14:hiddenLine xmlns="" xmlns:a14="http://schemas.microsoft.com/office/drawing/2010/main" w="9525">
+              <a14:hiddenLine xmlns:a14="http://schemas.microsoft.com/office/drawing/2010/main" xmlns="" w="9525">
                 <a:solidFill>
                   <a:srgbClr val="000000"/>
                 </a:solidFill>
@@ -4248,7 +4474,7 @@
               </a14:hiddenLine>
             </a:ext>
             <a:ext uri="{FAA26D3D-D897-4be2-8F04-BA451C77F1D7}">
-              <ma14:placeholderFlag xmlns="" xmlns:ma14="http://schemas.microsoft.com/office/mac/drawingml/2011/main" val="1"/>
+              <ma14:placeholderFlag xmlns:ma14="http://schemas.microsoft.com/office/mac/drawingml/2011/main" xmlns="" val="1"/>
             </a:ext>
           </a:extLst>
         </p:spPr>
@@ -4285,14 +4511,14 @@
           <a:noFill/>
           <a:extLst>
             <a:ext uri="{909E8E84-426E-40dd-AFC4-6F175D3DCCD1}">
-              <a14:hiddenFill xmlns="" xmlns:a14="http://schemas.microsoft.com/office/drawing/2010/main">
+              <a14:hiddenFill xmlns:a14="http://schemas.microsoft.com/office/drawing/2010/main" xmlns="">
                 <a:solidFill>
                   <a:srgbClr val="FFFFFF"/>
                 </a:solidFill>
               </a14:hiddenFill>
             </a:ext>
             <a:ext uri="{91240B29-F687-4f45-9708-019B960494DF}">
-              <a14:hiddenLine xmlns="" xmlns:a14="http://schemas.microsoft.com/office/drawing/2010/main" w="9525">
+              <a14:hiddenLine xmlns:a14="http://schemas.microsoft.com/office/drawing/2010/main" xmlns="" w="9525">
                 <a:solidFill>
                   <a:srgbClr val="000000"/>
                 </a:solidFill>
@@ -4487,14 +4713,14 @@
           <a:noFill/>
           <a:extLst>
             <a:ext uri="{909E8E84-426E-40dd-AFC4-6F175D3DCCD1}">
-              <a14:hiddenFill xmlns="" xmlns:a14="http://schemas.microsoft.com/office/drawing/2010/main">
+              <a14:hiddenFill xmlns:a14="http://schemas.microsoft.com/office/drawing/2010/main" xmlns="">
                 <a:solidFill>
                   <a:srgbClr val="FFFFFF"/>
                 </a:solidFill>
               </a14:hiddenFill>
             </a:ext>
             <a:ext uri="{91240B29-F687-4f45-9708-019B960494DF}">
-              <a14:hiddenLine xmlns="" xmlns:a14="http://schemas.microsoft.com/office/drawing/2010/main" w="9525">
+              <a14:hiddenLine xmlns:a14="http://schemas.microsoft.com/office/drawing/2010/main" xmlns="" w="9525">
                 <a:solidFill>
                   <a:srgbClr val="000000"/>
                 </a:solidFill>
@@ -4695,14 +4921,14 @@
           </a:ln>
           <a:extLst>
             <a:ext uri="{909E8E84-426E-40dd-AFC4-6F175D3DCCD1}">
-              <a14:hiddenFill xmlns="" xmlns:a14="http://schemas.microsoft.com/office/drawing/2010/main">
+              <a14:hiddenFill xmlns:a14="http://schemas.microsoft.com/office/drawing/2010/main" xmlns="">
                 <a:solidFill>
                   <a:srgbClr val="FFFFFF"/>
                 </a:solidFill>
               </a14:hiddenFill>
             </a:ext>
             <a:ext uri="{FAA26D3D-D897-4be2-8F04-BA451C77F1D7}">
-              <ma14:placeholderFlag xmlns="" xmlns:ma14="http://schemas.microsoft.com/office/mac/drawingml/2011/main" val="1"/>
+              <ma14:placeholderFlag xmlns:ma14="http://schemas.microsoft.com/office/mac/drawingml/2011/main" xmlns="" val="1"/>
             </a:ext>
           </a:extLst>
         </p:spPr>
@@ -4721,14 +4947,14 @@
           <a:noFill/>
           <a:extLst>
             <a:ext uri="{909E8E84-426E-40dd-AFC4-6F175D3DCCD1}">
-              <a14:hiddenFill xmlns="" xmlns:a14="http://schemas.microsoft.com/office/drawing/2010/main">
+              <a14:hiddenFill xmlns:a14="http://schemas.microsoft.com/office/drawing/2010/main" xmlns="">
                 <a:solidFill>
                   <a:srgbClr val="FFFFFF"/>
                 </a:solidFill>
               </a14:hiddenFill>
             </a:ext>
             <a:ext uri="{91240B29-F687-4f45-9708-019B960494DF}">
-              <a14:hiddenLine xmlns="" xmlns:a14="http://schemas.microsoft.com/office/drawing/2010/main" w="9525">
+              <a14:hiddenLine xmlns:a14="http://schemas.microsoft.com/office/drawing/2010/main" xmlns="" w="9525">
                 <a:solidFill>
                   <a:srgbClr val="000000"/>
                 </a:solidFill>
@@ -4738,7 +4964,7 @@
               </a14:hiddenLine>
             </a:ext>
             <a:ext uri="{FAA26D3D-D897-4be2-8F04-BA451C77F1D7}">
-              <ma14:placeholderFlag xmlns="" xmlns:ma14="http://schemas.microsoft.com/office/mac/drawingml/2011/main" val="1"/>
+              <ma14:placeholderFlag xmlns:ma14="http://schemas.microsoft.com/office/mac/drawingml/2011/main" xmlns="" val="1"/>
             </a:ext>
           </a:extLst>
         </p:spPr>
@@ -4775,14 +5001,14 @@
           <a:noFill/>
           <a:extLst>
             <a:ext uri="{909E8E84-426E-40dd-AFC4-6F175D3DCCD1}">
-              <a14:hiddenFill xmlns="" xmlns:a14="http://schemas.microsoft.com/office/drawing/2010/main">
+              <a14:hiddenFill xmlns:a14="http://schemas.microsoft.com/office/drawing/2010/main" xmlns="">
                 <a:solidFill>
                   <a:srgbClr val="FFFFFF"/>
                 </a:solidFill>
               </a14:hiddenFill>
             </a:ext>
             <a:ext uri="{91240B29-F687-4f45-9708-019B960494DF}">
-              <a14:hiddenLine xmlns="" xmlns:a14="http://schemas.microsoft.com/office/drawing/2010/main" w="9525">
+              <a14:hiddenLine xmlns:a14="http://schemas.microsoft.com/office/drawing/2010/main" xmlns="" w="9525">
                 <a:solidFill>
                   <a:srgbClr val="000000"/>
                 </a:solidFill>
@@ -4977,14 +5203,14 @@
           <a:noFill/>
           <a:extLst>
             <a:ext uri="{909E8E84-426E-40dd-AFC4-6F175D3DCCD1}">
-              <a14:hiddenFill xmlns="" xmlns:a14="http://schemas.microsoft.com/office/drawing/2010/main">
+              <a14:hiddenFill xmlns:a14="http://schemas.microsoft.com/office/drawing/2010/main" xmlns="">
                 <a:solidFill>
                   <a:srgbClr val="FFFFFF"/>
                 </a:solidFill>
               </a14:hiddenFill>
             </a:ext>
             <a:ext uri="{91240B29-F687-4f45-9708-019B960494DF}">
-              <a14:hiddenLine xmlns="" xmlns:a14="http://schemas.microsoft.com/office/drawing/2010/main" w="9525">
+              <a14:hiddenLine xmlns:a14="http://schemas.microsoft.com/office/drawing/2010/main" xmlns="" w="9525">
                 <a:solidFill>
                   <a:srgbClr val="000000"/>
                 </a:solidFill>
@@ -5185,14 +5411,14 @@
           </a:ln>
           <a:extLst>
             <a:ext uri="{909E8E84-426E-40dd-AFC4-6F175D3DCCD1}">
-              <a14:hiddenFill xmlns="" xmlns:a14="http://schemas.microsoft.com/office/drawing/2010/main">
+              <a14:hiddenFill xmlns:a14="http://schemas.microsoft.com/office/drawing/2010/main" xmlns="">
                 <a:solidFill>
                   <a:srgbClr val="FFFFFF"/>
                 </a:solidFill>
               </a14:hiddenFill>
             </a:ext>
             <a:ext uri="{FAA26D3D-D897-4be2-8F04-BA451C77F1D7}">
-              <ma14:placeholderFlag xmlns="" xmlns:ma14="http://schemas.microsoft.com/office/mac/drawingml/2011/main" val="1"/>
+              <ma14:placeholderFlag xmlns:ma14="http://schemas.microsoft.com/office/mac/drawingml/2011/main" xmlns="" val="1"/>
             </a:ext>
           </a:extLst>
         </p:spPr>
@@ -5211,14 +5437,14 @@
           <a:noFill/>
           <a:extLst>
             <a:ext uri="{909E8E84-426E-40dd-AFC4-6F175D3DCCD1}">
-              <a14:hiddenFill xmlns="" xmlns:a14="http://schemas.microsoft.com/office/drawing/2010/main">
+              <a14:hiddenFill xmlns:a14="http://schemas.microsoft.com/office/drawing/2010/main" xmlns="">
                 <a:solidFill>
                   <a:srgbClr val="FFFFFF"/>
                 </a:solidFill>
               </a14:hiddenFill>
             </a:ext>
             <a:ext uri="{91240B29-F687-4f45-9708-019B960494DF}">
-              <a14:hiddenLine xmlns="" xmlns:a14="http://schemas.microsoft.com/office/drawing/2010/main" w="9525">
+              <a14:hiddenLine xmlns:a14="http://schemas.microsoft.com/office/drawing/2010/main" xmlns="" w="9525">
                 <a:solidFill>
                   <a:srgbClr val="000000"/>
                 </a:solidFill>
@@ -5303,14 +5529,14 @@
           </a:ln>
           <a:extLst>
             <a:ext uri="{909E8E84-426E-40dd-AFC4-6F175D3DCCD1}">
-              <a14:hiddenFill xmlns="" xmlns:a14="http://schemas.microsoft.com/office/drawing/2010/main">
+              <a14:hiddenFill xmlns:a14="http://schemas.microsoft.com/office/drawing/2010/main" xmlns="">
                 <a:solidFill>
                   <a:srgbClr val="FFFFFF"/>
                 </a:solidFill>
               </a14:hiddenFill>
             </a:ext>
             <a:ext uri="{FAA26D3D-D897-4be2-8F04-BA451C77F1D7}">
-              <ma14:placeholderFlag xmlns="" xmlns:ma14="http://schemas.microsoft.com/office/mac/drawingml/2011/main" val="1"/>
+              <ma14:placeholderFlag xmlns:ma14="http://schemas.microsoft.com/office/mac/drawingml/2011/main" xmlns="" val="1"/>
             </a:ext>
           </a:extLst>
         </p:spPr>
@@ -5329,14 +5555,14 @@
           <a:noFill/>
           <a:extLst>
             <a:ext uri="{909E8E84-426E-40dd-AFC4-6F175D3DCCD1}">
-              <a14:hiddenFill xmlns="" xmlns:a14="http://schemas.microsoft.com/office/drawing/2010/main">
+              <a14:hiddenFill xmlns:a14="http://schemas.microsoft.com/office/drawing/2010/main" xmlns="">
                 <a:solidFill>
                   <a:srgbClr val="FFFFFF"/>
                 </a:solidFill>
               </a14:hiddenFill>
             </a:ext>
             <a:ext uri="{91240B29-F687-4f45-9708-019B960494DF}">
-              <a14:hiddenLine xmlns="" xmlns:a14="http://schemas.microsoft.com/office/drawing/2010/main" w="9525">
+              <a14:hiddenLine xmlns:a14="http://schemas.microsoft.com/office/drawing/2010/main" xmlns="" w="9525">
                 <a:solidFill>
                   <a:srgbClr val="000000"/>
                 </a:solidFill>
@@ -5421,14 +5647,14 @@
           </a:ln>
           <a:extLst>
             <a:ext uri="{909E8E84-426E-40dd-AFC4-6F175D3DCCD1}">
-              <a14:hiddenFill xmlns="" xmlns:a14="http://schemas.microsoft.com/office/drawing/2010/main">
+              <a14:hiddenFill xmlns:a14="http://schemas.microsoft.com/office/drawing/2010/main" xmlns="">
                 <a:solidFill>
                   <a:srgbClr val="FFFFFF"/>
                 </a:solidFill>
               </a14:hiddenFill>
             </a:ext>
             <a:ext uri="{FAA26D3D-D897-4be2-8F04-BA451C77F1D7}">
-              <ma14:placeholderFlag xmlns="" xmlns:ma14="http://schemas.microsoft.com/office/mac/drawingml/2011/main" val="1"/>
+              <ma14:placeholderFlag xmlns:ma14="http://schemas.microsoft.com/office/mac/drawingml/2011/main" xmlns="" val="1"/>
             </a:ext>
           </a:extLst>
         </p:spPr>
@@ -5447,14 +5673,14 @@
           <a:noFill/>
           <a:extLst>
             <a:ext uri="{909E8E84-426E-40dd-AFC4-6F175D3DCCD1}">
-              <a14:hiddenFill xmlns="" xmlns:a14="http://schemas.microsoft.com/office/drawing/2010/main">
+              <a14:hiddenFill xmlns:a14="http://schemas.microsoft.com/office/drawing/2010/main" xmlns="">
                 <a:solidFill>
                   <a:srgbClr val="FFFFFF"/>
                 </a:solidFill>
               </a14:hiddenFill>
             </a:ext>
             <a:ext uri="{91240B29-F687-4f45-9708-019B960494DF}">
-              <a14:hiddenLine xmlns="" xmlns:a14="http://schemas.microsoft.com/office/drawing/2010/main" w="9525">
+              <a14:hiddenLine xmlns:a14="http://schemas.microsoft.com/office/drawing/2010/main" xmlns="" w="9525">
                 <a:solidFill>
                   <a:srgbClr val="000000"/>
                 </a:solidFill>
@@ -5534,14 +5760,14 @@
           </a:ln>
           <a:extLst>
             <a:ext uri="{909E8E84-426E-40dd-AFC4-6F175D3DCCD1}">
-              <a14:hiddenFill xmlns="" xmlns:a14="http://schemas.microsoft.com/office/drawing/2010/main">
+              <a14:hiddenFill xmlns:a14="http://schemas.microsoft.com/office/drawing/2010/main" xmlns="">
                 <a:solidFill>
                   <a:srgbClr val="FFFFFF"/>
                 </a:solidFill>
               </a14:hiddenFill>
             </a:ext>
             <a:ext uri="{FAA26D3D-D897-4be2-8F04-BA451C77F1D7}">
-              <ma14:placeholderFlag xmlns="" xmlns:ma14="http://schemas.microsoft.com/office/mac/drawingml/2011/main" val="1"/>
+              <ma14:placeholderFlag xmlns:ma14="http://schemas.microsoft.com/office/mac/drawingml/2011/main" xmlns="" val="1"/>
             </a:ext>
           </a:extLst>
         </p:spPr>
@@ -5560,14 +5786,14 @@
           <a:noFill/>
           <a:extLst>
             <a:ext uri="{909E8E84-426E-40dd-AFC4-6F175D3DCCD1}">
-              <a14:hiddenFill xmlns="" xmlns:a14="http://schemas.microsoft.com/office/drawing/2010/main">
+              <a14:hiddenFill xmlns:a14="http://schemas.microsoft.com/office/drawing/2010/main" xmlns="">
                 <a:solidFill>
                   <a:srgbClr val="FFFFFF"/>
                 </a:solidFill>
               </a14:hiddenFill>
             </a:ext>
             <a:ext uri="{91240B29-F687-4f45-9708-019B960494DF}">
-              <a14:hiddenLine xmlns="" xmlns:a14="http://schemas.microsoft.com/office/drawing/2010/main" w="9525">
+              <a14:hiddenLine xmlns:a14="http://schemas.microsoft.com/office/drawing/2010/main" xmlns="" w="9525">
                 <a:solidFill>
                   <a:srgbClr val="000000"/>
                 </a:solidFill>
@@ -5647,14 +5873,14 @@
           </a:ln>
           <a:extLst>
             <a:ext uri="{909E8E84-426E-40dd-AFC4-6F175D3DCCD1}">
-              <a14:hiddenFill xmlns="" xmlns:a14="http://schemas.microsoft.com/office/drawing/2010/main">
+              <a14:hiddenFill xmlns:a14="http://schemas.microsoft.com/office/drawing/2010/main" xmlns="">
                 <a:solidFill>
                   <a:srgbClr val="FFFFFF"/>
                 </a:solidFill>
               </a14:hiddenFill>
             </a:ext>
             <a:ext uri="{FAA26D3D-D897-4be2-8F04-BA451C77F1D7}">
-              <ma14:placeholderFlag xmlns="" xmlns:ma14="http://schemas.microsoft.com/office/mac/drawingml/2011/main" val="1"/>
+              <ma14:placeholderFlag xmlns:ma14="http://schemas.microsoft.com/office/mac/drawingml/2011/main" xmlns="" val="1"/>
             </a:ext>
           </a:extLst>
         </p:spPr>
@@ -5673,14 +5899,14 @@
           <a:noFill/>
           <a:extLst>
             <a:ext uri="{909E8E84-426E-40dd-AFC4-6F175D3DCCD1}">
-              <a14:hiddenFill xmlns="" xmlns:a14="http://schemas.microsoft.com/office/drawing/2010/main">
+              <a14:hiddenFill xmlns:a14="http://schemas.microsoft.com/office/drawing/2010/main" xmlns="">
                 <a:solidFill>
                   <a:srgbClr val="FFFFFF"/>
                 </a:solidFill>
               </a14:hiddenFill>
             </a:ext>
             <a:ext uri="{91240B29-F687-4f45-9708-019B960494DF}">
-              <a14:hiddenLine xmlns="" xmlns:a14="http://schemas.microsoft.com/office/drawing/2010/main" w="9525">
+              <a14:hiddenLine xmlns:a14="http://schemas.microsoft.com/office/drawing/2010/main" xmlns="" w="9525">
                 <a:solidFill>
                   <a:srgbClr val="000000"/>
                 </a:solidFill>
@@ -5760,14 +5986,14 @@
           </a:ln>
           <a:extLst>
             <a:ext uri="{909E8E84-426E-40dd-AFC4-6F175D3DCCD1}">
-              <a14:hiddenFill xmlns="" xmlns:a14="http://schemas.microsoft.com/office/drawing/2010/main">
+              <a14:hiddenFill xmlns:a14="http://schemas.microsoft.com/office/drawing/2010/main" xmlns="">
                 <a:solidFill>
                   <a:srgbClr val="FFFFFF"/>
                 </a:solidFill>
               </a14:hiddenFill>
             </a:ext>
             <a:ext uri="{FAA26D3D-D897-4be2-8F04-BA451C77F1D7}">
-              <ma14:placeholderFlag xmlns="" xmlns:ma14="http://schemas.microsoft.com/office/mac/drawingml/2011/main" val="1"/>
+              <ma14:placeholderFlag xmlns:ma14="http://schemas.microsoft.com/office/mac/drawingml/2011/main" xmlns="" val="1"/>
             </a:ext>
           </a:extLst>
         </p:spPr>
@@ -5786,14 +6012,14 @@
           <a:noFill/>
           <a:extLst>
             <a:ext uri="{909E8E84-426E-40dd-AFC4-6F175D3DCCD1}">
-              <a14:hiddenFill xmlns="" xmlns:a14="http://schemas.microsoft.com/office/drawing/2010/main">
+              <a14:hiddenFill xmlns:a14="http://schemas.microsoft.com/office/drawing/2010/main" xmlns="">
                 <a:solidFill>
                   <a:srgbClr val="FFFFFF"/>
                 </a:solidFill>
               </a14:hiddenFill>
             </a:ext>
             <a:ext uri="{91240B29-F687-4f45-9708-019B960494DF}">
-              <a14:hiddenLine xmlns="" xmlns:a14="http://schemas.microsoft.com/office/drawing/2010/main" w="9525">
+              <a14:hiddenLine xmlns:a14="http://schemas.microsoft.com/office/drawing/2010/main" xmlns="" w="9525">
                 <a:solidFill>
                   <a:srgbClr val="000000"/>
                 </a:solidFill>
@@ -5873,14 +6099,14 @@
           </a:ln>
           <a:extLst>
             <a:ext uri="{909E8E84-426E-40dd-AFC4-6F175D3DCCD1}">
-              <a14:hiddenFill xmlns="" xmlns:a14="http://schemas.microsoft.com/office/drawing/2010/main">
+              <a14:hiddenFill xmlns:a14="http://schemas.microsoft.com/office/drawing/2010/main" xmlns="">
                 <a:solidFill>
                   <a:srgbClr val="FFFFFF"/>
                 </a:solidFill>
               </a14:hiddenFill>
             </a:ext>
             <a:ext uri="{FAA26D3D-D897-4be2-8F04-BA451C77F1D7}">
-              <ma14:placeholderFlag xmlns="" xmlns:ma14="http://schemas.microsoft.com/office/mac/drawingml/2011/main" val="1"/>
+              <ma14:placeholderFlag xmlns:ma14="http://schemas.microsoft.com/office/mac/drawingml/2011/main" xmlns="" val="1"/>
             </a:ext>
           </a:extLst>
         </p:spPr>
@@ -5899,14 +6125,14 @@
           <a:noFill/>
           <a:extLst>
             <a:ext uri="{909E8E84-426E-40dd-AFC4-6F175D3DCCD1}">
-              <a14:hiddenFill xmlns="" xmlns:a14="http://schemas.microsoft.com/office/drawing/2010/main">
+              <a14:hiddenFill xmlns:a14="http://schemas.microsoft.com/office/drawing/2010/main" xmlns="">
                 <a:solidFill>
                   <a:srgbClr val="FFFFFF"/>
                 </a:solidFill>
               </a14:hiddenFill>
             </a:ext>
             <a:ext uri="{91240B29-F687-4f45-9708-019B960494DF}">
-              <a14:hiddenLine xmlns="" xmlns:a14="http://schemas.microsoft.com/office/drawing/2010/main" w="9525">
+              <a14:hiddenLine xmlns:a14="http://schemas.microsoft.com/office/drawing/2010/main" xmlns="" w="9525">
                 <a:solidFill>
                   <a:srgbClr val="000000"/>
                 </a:solidFill>
@@ -5986,14 +6212,14 @@
           </a:ln>
           <a:extLst>
             <a:ext uri="{909E8E84-426E-40dd-AFC4-6F175D3DCCD1}">
-              <a14:hiddenFill xmlns="" xmlns:a14="http://schemas.microsoft.com/office/drawing/2010/main">
+              <a14:hiddenFill xmlns:a14="http://schemas.microsoft.com/office/drawing/2010/main" xmlns="">
                 <a:solidFill>
                   <a:srgbClr val="FFFFFF"/>
                 </a:solidFill>
               </a14:hiddenFill>
             </a:ext>
             <a:ext uri="{FAA26D3D-D897-4be2-8F04-BA451C77F1D7}">
-              <ma14:placeholderFlag xmlns="" xmlns:ma14="http://schemas.microsoft.com/office/mac/drawingml/2011/main" val="1"/>
+              <ma14:placeholderFlag xmlns:ma14="http://schemas.microsoft.com/office/mac/drawingml/2011/main" xmlns="" val="1"/>
             </a:ext>
           </a:extLst>
         </p:spPr>
@@ -6012,14 +6238,14 @@
           <a:noFill/>
           <a:extLst>
             <a:ext uri="{909E8E84-426E-40dd-AFC4-6F175D3DCCD1}">
-              <a14:hiddenFill xmlns="" xmlns:a14="http://schemas.microsoft.com/office/drawing/2010/main">
+              <a14:hiddenFill xmlns:a14="http://schemas.microsoft.com/office/drawing/2010/main" xmlns="">
                 <a:solidFill>
                   <a:srgbClr val="FFFFFF"/>
                 </a:solidFill>
               </a14:hiddenFill>
             </a:ext>
             <a:ext uri="{91240B29-F687-4f45-9708-019B960494DF}">
-              <a14:hiddenLine xmlns="" xmlns:a14="http://schemas.microsoft.com/office/drawing/2010/main" w="9525">
+              <a14:hiddenLine xmlns:a14="http://schemas.microsoft.com/office/drawing/2010/main" xmlns="" w="9525">
                 <a:solidFill>
                   <a:srgbClr val="000000"/>
                 </a:solidFill>
@@ -6099,14 +6325,14 @@
           </a:ln>
           <a:extLst>
             <a:ext uri="{909E8E84-426E-40dd-AFC4-6F175D3DCCD1}">
-              <a14:hiddenFill xmlns="" xmlns:a14="http://schemas.microsoft.com/office/drawing/2010/main">
+              <a14:hiddenFill xmlns:a14="http://schemas.microsoft.com/office/drawing/2010/main" xmlns="">
                 <a:solidFill>
                   <a:srgbClr val="FFFFFF"/>
                 </a:solidFill>
               </a14:hiddenFill>
             </a:ext>
             <a:ext uri="{FAA26D3D-D897-4be2-8F04-BA451C77F1D7}">
-              <ma14:placeholderFlag xmlns="" xmlns:ma14="http://schemas.microsoft.com/office/mac/drawingml/2011/main" val="1"/>
+              <ma14:placeholderFlag xmlns:ma14="http://schemas.microsoft.com/office/mac/drawingml/2011/main" xmlns="" val="1"/>
             </a:ext>
           </a:extLst>
         </p:spPr>
@@ -6125,14 +6351,14 @@
           <a:noFill/>
           <a:extLst>
             <a:ext uri="{909E8E84-426E-40dd-AFC4-6F175D3DCCD1}">
-              <a14:hiddenFill xmlns="" xmlns:a14="http://schemas.microsoft.com/office/drawing/2010/main">
+              <a14:hiddenFill xmlns:a14="http://schemas.microsoft.com/office/drawing/2010/main" xmlns="">
                 <a:solidFill>
                   <a:srgbClr val="FFFFFF"/>
                 </a:solidFill>
               </a14:hiddenFill>
             </a:ext>
             <a:ext uri="{91240B29-F687-4f45-9708-019B960494DF}">
-              <a14:hiddenLine xmlns="" xmlns:a14="http://schemas.microsoft.com/office/drawing/2010/main" w="9525">
+              <a14:hiddenLine xmlns:a14="http://schemas.microsoft.com/office/drawing/2010/main" xmlns="" w="9525">
                 <a:solidFill>
                   <a:srgbClr val="000000"/>
                 </a:solidFill>
@@ -6281,14 +6507,14 @@
           </a:ln>
           <a:extLst>
             <a:ext uri="{909E8E84-426E-40dd-AFC4-6F175D3DCCD1}">
-              <a14:hiddenFill xmlns="" xmlns:a14="http://schemas.microsoft.com/office/drawing/2010/main">
+              <a14:hiddenFill xmlns:a14="http://schemas.microsoft.com/office/drawing/2010/main" xmlns="">
                 <a:solidFill>
                   <a:srgbClr val="FFFFFF"/>
                 </a:solidFill>
               </a14:hiddenFill>
             </a:ext>
             <a:ext uri="{91240B29-F687-4f45-9708-019B960494DF}">
-              <a14:hiddenLine xmlns="" xmlns:a14="http://schemas.microsoft.com/office/drawing/2010/main" w="9525">
+              <a14:hiddenLine xmlns:a14="http://schemas.microsoft.com/office/drawing/2010/main" xmlns="" w="9525">
                 <a:solidFill>
                   <a:srgbClr val="000000"/>
                 </a:solidFill>
@@ -7039,14 +7265,14 @@
           </a:ln>
           <a:extLst>
             <a:ext uri="{909E8E84-426E-40dd-AFC4-6F175D3DCCD1}">
-              <a14:hiddenFill xmlns="" xmlns:a14="http://schemas.microsoft.com/office/drawing/2010/main">
+              <a14:hiddenFill xmlns:a14="http://schemas.microsoft.com/office/drawing/2010/main" xmlns="">
                 <a:solidFill>
                   <a:srgbClr val="FFFFFF"/>
                 </a:solidFill>
               </a14:hiddenFill>
             </a:ext>
             <a:ext uri="{91240B29-F687-4f45-9708-019B960494DF}">
-              <a14:hiddenLine xmlns="" xmlns:a14="http://schemas.microsoft.com/office/drawing/2010/main" w="9525">
+              <a14:hiddenLine xmlns:a14="http://schemas.microsoft.com/office/drawing/2010/main" xmlns="" w="9525">
                 <a:solidFill>
                   <a:srgbClr val="000000"/>
                 </a:solidFill>
@@ -8829,14 +9055,14 @@
           </a:ln>
           <a:extLst>
             <a:ext uri="{909E8E84-426E-40dd-AFC4-6F175D3DCCD1}">
-              <a14:hiddenFill xmlns="" xmlns:a14="http://schemas.microsoft.com/office/drawing/2010/main">
+              <a14:hiddenFill xmlns:a14="http://schemas.microsoft.com/office/drawing/2010/main" xmlns="">
                 <a:solidFill>
                   <a:srgbClr val="FFFFFF"/>
                 </a:solidFill>
               </a14:hiddenFill>
             </a:ext>
             <a:ext uri="{91240B29-F687-4f45-9708-019B960494DF}">
-              <a14:hiddenLine xmlns="" xmlns:a14="http://schemas.microsoft.com/office/drawing/2010/main" w="9525">
+              <a14:hiddenLine xmlns:a14="http://schemas.microsoft.com/office/drawing/2010/main" xmlns="" w="9525">
                 <a:solidFill>
                   <a:srgbClr val="000000"/>
                 </a:solidFill>
@@ -8846,7 +9072,7 @@
               </a14:hiddenLine>
             </a:ext>
             <a:ext uri="{FAA26D3D-D897-4be2-8F04-BA451C77F1D7}">
-              <ma14:placeholderFlag xmlns="" xmlns:ma14="http://schemas.microsoft.com/office/mac/drawingml/2011/main" val="1"/>
+              <ma14:placeholderFlag xmlns:ma14="http://schemas.microsoft.com/office/mac/drawingml/2011/main" xmlns="" val="1"/>
             </a:ext>
           </a:extLst>
         </p:spPr>
@@ -9614,63 +9840,106 @@
             <a:spLocks noGrp="1"/>
           </p:cNvSpPr>
           <p:nvPr>
-            <p:ph idx="14"/>
+            <p:ph idx="13"/>
           </p:nvPr>
         </p:nvSpPr>
-        <p:spPr/>
+        <p:spPr>
+          <a:xfrm>
+            <a:off x="7329803" y="1887752"/>
+            <a:ext cx="6649347" cy="5084469"/>
+          </a:xfrm>
+        </p:spPr>
         <p:txBody>
           <a:bodyPr/>
           <a:lstStyle/>
           <a:p>
             <a:pPr marL="457200" indent="-457200" defTabSz="1306221" fontAlgn="auto">
+              <a:buFont typeface="Arial" panose="020B0604020202020204" pitchFamily="34" charset="0"/>
+              <a:buChar char="•"/>
               <a:defRPr/>
             </a:pPr>
             <a:r>
-              <a:rPr lang="en-US" dirty="0">
-                <a:ea typeface="+mn-ea"/>
-              </a:rPr>
-              <a:t>[First Point]</a:t>
+              <a:rPr lang="en-US" dirty="0"/>
+              <a:t>Took data on surgeries in a simple table</a:t>
             </a:r>
           </a:p>
           <a:p>
             <a:pPr marL="457200" indent="-457200" defTabSz="1306221" fontAlgn="auto">
+              <a:buFont typeface="Arial" panose="020B0604020202020204" pitchFamily="34" charset="0"/>
+              <a:buChar char="•"/>
               <a:defRPr/>
             </a:pPr>
             <a:r>
-              <a:rPr lang="en-US" dirty="0">
-                <a:ea typeface="+mn-ea"/>
-              </a:rPr>
-              <a:t>[Second Point]</a:t>
+              <a:rPr lang="en-US" dirty="0"/>
+              <a:t>Noticed births assisted by doctors had significantly higher mortality rates than those assisted by midwives</a:t>
             </a:r>
           </a:p>
           <a:p>
-            <a:pPr marL="681038" lvl="2" indent="-457200" defTabSz="1306221" fontAlgn="auto">
+            <a:pPr marL="457200" indent="-457200" defTabSz="1306221" fontAlgn="auto">
+              <a:buFont typeface="Arial" panose="020B0604020202020204" pitchFamily="34" charset="0"/>
+              <a:buChar char="•"/>
               <a:defRPr/>
             </a:pPr>
             <a:r>
-              <a:rPr lang="en-US" dirty="0">
-                <a:latin typeface="Merriweather Light"/>
-                <a:ea typeface="+mn-ea"/>
-                <a:cs typeface="Merriweather Light"/>
-              </a:rPr>
-              <a:t>[Sub bullet]</a:t>
+              <a:rPr lang="en-US" dirty="0"/>
+              <a:t>Theorized something invisible to the eye must be transferring from previous surgeries</a:t>
             </a:r>
           </a:p>
           <a:p>
-            <a:pPr marL="681038" lvl="2" indent="-457200" defTabSz="1306221" fontAlgn="auto">
+            <a:pPr marL="457200" indent="-457200" defTabSz="1306221" fontAlgn="auto">
+              <a:buFont typeface="Arial" panose="020B0604020202020204" pitchFamily="34" charset="0"/>
+              <a:buChar char="•"/>
               <a:defRPr/>
             </a:pPr>
             <a:r>
-              <a:rPr lang="en-US" dirty="0">
-                <a:latin typeface="Merriweather Light"/>
-                <a:ea typeface="+mn-ea"/>
-                <a:cs typeface="Merriweather Light"/>
-              </a:rPr>
-              <a:t>[Sub bullet]</a:t>
+              <a:rPr lang="en-US" dirty="0"/>
+              <a:t>Asked doctors to wash their hands before examining pregnant women</a:t>
+            </a:r>
+          </a:p>
+          <a:p>
+            <a:pPr marL="457200" indent="-457200" defTabSz="1306221" fontAlgn="auto">
+              <a:buFont typeface="Arial" panose="020B0604020202020204" pitchFamily="34" charset="0"/>
+              <a:buChar char="•"/>
+              <a:defRPr/>
+            </a:pPr>
+            <a:r>
+              <a:rPr lang="en-US" dirty="0"/>
+              <a:t>Mortality rate decreased from 18% to 2.2%</a:t>
             </a:r>
           </a:p>
         </p:txBody>
       </p:sp>
+      <p:pic>
+        <p:nvPicPr>
+          <p:cNvPr id="6" name="Picture Placeholder 5">
+            <a:extLst>
+              <a:ext uri="{FF2B5EF4-FFF2-40B4-BE49-F238E27FC236}">
+                <a16:creationId xmlns:a16="http://schemas.microsoft.com/office/drawing/2014/main" id="{070D9BDA-892E-4AE2-97F5-F56E3AC1B5E4}"/>
+              </a:ext>
+            </a:extLst>
+          </p:cNvPr>
+          <p:cNvPicPr>
+            <a:picLocks noGrp="1" noChangeAspect="1"/>
+          </p:cNvPicPr>
+          <p:nvPr>
+            <p:ph type="pic" sz="quarter" idx="10"/>
+          </p:nvPr>
+        </p:nvPicPr>
+        <p:blipFill>
+          <a:blip r:embed="rId3">
+            <a:extLst>
+              <a:ext uri="{28A0092B-C50C-407E-A947-70E740481C1C}">
+                <a14:useLocalDpi xmlns:a14="http://schemas.microsoft.com/office/drawing/2010/main" val="0"/>
+              </a:ext>
+            </a:extLst>
+          </a:blip>
+          <a:srcRect l="18766" r="18766"/>
+          <a:stretch>
+            <a:fillRect/>
+          </a:stretch>
+        </p:blipFill>
+        <p:spPr/>
+      </p:pic>
       <p:sp>
         <p:nvSpPr>
           <p:cNvPr id="5" name="Text Placeholder 1"/>
@@ -9684,7 +9953,7 @@
         <p:spPr>
           <a:xfrm>
             <a:off x="710057" y="598699"/>
-            <a:ext cx="13269093" cy="577081"/>
+            <a:ext cx="13269093" cy="1009507"/>
           </a:xfrm>
           <a:prstGeom prst="rect">
             <a:avLst/>
@@ -9695,21 +9964,11 @@
           <a:lstStyle/>
           <a:p>
             <a:pPr defTabSz="1306221" fontAlgn="auto">
-              <a:lnSpc>
-                <a:spcPct val="80000"/>
-              </a:lnSpc>
-              <a:spcAft>
-                <a:spcPts val="0"/>
-              </a:spcAft>
-              <a:buFont typeface="Arial" panose="020B0604020202020204" pitchFamily="34" charset="0"/>
-              <a:buNone/>
               <a:defRPr/>
             </a:pPr>
             <a:r>
-              <a:rPr lang="en-US" dirty="0">
-                <a:ea typeface="+mn-ea"/>
-              </a:rPr>
-              <a:t>[Title/Topic]</a:t>
+              <a:rPr lang="en-US" sz="8000" dirty="0"/>
+              <a:t>Ignaz Semmelweis</a:t>
             </a:r>
           </a:p>
         </p:txBody>
@@ -10204,7 +10463,7 @@
           </a:ln>
           <a:extLst>
             <a:ext uri="{FAA26D3D-D897-4be2-8F04-BA451C77F1D7}">
-              <ma14:placeholderFlag xmlns="" xmlns:ma14="http://schemas.microsoft.com/office/mac/drawingml/2011/main" val="1"/>
+              <ma14:placeholderFlag xmlns:ma14="http://schemas.microsoft.com/office/mac/drawingml/2011/main" xmlns="" val="1"/>
             </a:ext>
           </a:extLst>
         </p:spPr>
@@ -10257,14 +10516,14 @@
           </a:ln>
           <a:extLst>
             <a:ext uri="{909E8E84-426E-40dd-AFC4-6F175D3DCCD1}">
-              <a14:hiddenFill xmlns="" xmlns:a14="http://schemas.microsoft.com/office/drawing/2010/main">
+              <a14:hiddenFill xmlns:a14="http://schemas.microsoft.com/office/drawing/2010/main" xmlns="">
                 <a:solidFill>
                   <a:srgbClr val="FFFFFF"/>
                 </a:solidFill>
               </a14:hiddenFill>
             </a:ext>
             <a:ext uri="{FAA26D3D-D897-4be2-8F04-BA451C77F1D7}">
-              <ma14:placeholderFlag xmlns="" xmlns:ma14="http://schemas.microsoft.com/office/mac/drawingml/2011/main" val="1"/>
+              <ma14:placeholderFlag xmlns:ma14="http://schemas.microsoft.com/office/mac/drawingml/2011/main" xmlns="" val="1"/>
             </a:ext>
           </a:extLst>
         </p:spPr>
@@ -11858,7 +12117,7 @@
           </a:ln>
           <a:extLst>
             <a:ext uri="{909E8E84-426E-40dd-AFC4-6F175D3DCCD1}">
-              <a14:hiddenFill xmlns="" xmlns:a14="http://schemas.microsoft.com/office/drawing/2010/main">
+              <a14:hiddenFill xmlns:a14="http://schemas.microsoft.com/office/drawing/2010/main" xmlns="">
                 <a:solidFill>
                   <a:srgbClr val="FFFFFF"/>
                 </a:solidFill>
@@ -11888,14 +12147,14 @@
           <a:noFill/>
           <a:extLst>
             <a:ext uri="{909E8E84-426E-40dd-AFC4-6F175D3DCCD1}">
-              <a14:hiddenFill xmlns="" xmlns:a14="http://schemas.microsoft.com/office/drawing/2010/main">
+              <a14:hiddenFill xmlns:a14="http://schemas.microsoft.com/office/drawing/2010/main" xmlns="">
                 <a:solidFill>
                   <a:srgbClr val="FFFFFF"/>
                 </a:solidFill>
               </a14:hiddenFill>
             </a:ext>
             <a:ext uri="{91240B29-F687-4f45-9708-019B960494DF}">
-              <a14:hiddenLine xmlns="" xmlns:a14="http://schemas.microsoft.com/office/drawing/2010/main" w="9525">
+              <a14:hiddenLine xmlns:a14="http://schemas.microsoft.com/office/drawing/2010/main" xmlns="" w="9525">
                 <a:solidFill>
                   <a:srgbClr val="000000"/>
                 </a:solidFill>
@@ -12238,14 +12497,14 @@
           <a:noFill/>
           <a:extLst>
             <a:ext uri="{909E8E84-426E-40dd-AFC4-6F175D3DCCD1}">
-              <a14:hiddenFill xmlns="" xmlns:a14="http://schemas.microsoft.com/office/drawing/2010/main">
+              <a14:hiddenFill xmlns:a14="http://schemas.microsoft.com/office/drawing/2010/main" xmlns="">
                 <a:solidFill>
                   <a:srgbClr val="FFFFFF"/>
                 </a:solidFill>
               </a14:hiddenFill>
             </a:ext>
             <a:ext uri="{91240B29-F687-4f45-9708-019B960494DF}">
-              <a14:hiddenLine xmlns="" xmlns:a14="http://schemas.microsoft.com/office/drawing/2010/main" w="9525">
+              <a14:hiddenLine xmlns:a14="http://schemas.microsoft.com/office/drawing/2010/main" xmlns="" w="9525">
                 <a:solidFill>
                   <a:srgbClr val="000000"/>
                 </a:solidFill>
@@ -12290,14 +12549,14 @@
           <a:noFill/>
           <a:extLst>
             <a:ext uri="{909E8E84-426E-40dd-AFC4-6F175D3DCCD1}">
-              <a14:hiddenFill xmlns="" xmlns:a14="http://schemas.microsoft.com/office/drawing/2010/main">
+              <a14:hiddenFill xmlns:a14="http://schemas.microsoft.com/office/drawing/2010/main" xmlns="">
                 <a:solidFill>
                   <a:srgbClr val="FFFFFF"/>
                 </a:solidFill>
               </a14:hiddenFill>
             </a:ext>
             <a:ext uri="{91240B29-F687-4f45-9708-019B960494DF}">
-              <a14:hiddenLine xmlns="" xmlns:a14="http://schemas.microsoft.com/office/drawing/2010/main" w="9525">
+              <a14:hiddenLine xmlns:a14="http://schemas.microsoft.com/office/drawing/2010/main" xmlns="" w="9525">
                 <a:solidFill>
                   <a:srgbClr val="000000"/>
                 </a:solidFill>
@@ -12488,7 +12747,7 @@
           </a:ln>
           <a:extLst>
             <a:ext uri="{909E8E84-426E-40dd-AFC4-6F175D3DCCD1}">
-              <a14:hiddenFill xmlns="" xmlns:a14="http://schemas.microsoft.com/office/drawing/2010/main">
+              <a14:hiddenFill xmlns:a14="http://schemas.microsoft.com/office/drawing/2010/main" xmlns="">
                 <a:solidFill>
                   <a:srgbClr val="FFFFFF"/>
                 </a:solidFill>
@@ -12532,14 +12791,14 @@
           </a:ln>
           <a:extLst>
             <a:ext uri="{909E8E84-426E-40dd-AFC4-6F175D3DCCD1}">
-              <a14:hiddenFill xmlns="" xmlns:a14="http://schemas.microsoft.com/office/drawing/2010/main">
+              <a14:hiddenFill xmlns:a14="http://schemas.microsoft.com/office/drawing/2010/main" xmlns="">
                 <a:solidFill>
                   <a:srgbClr val="FFFFFF"/>
                 </a:solidFill>
               </a14:hiddenFill>
             </a:ext>
             <a:ext uri="{91240B29-F687-4f45-9708-019B960494DF}">
-              <a14:hiddenLine xmlns="" xmlns:a14="http://schemas.microsoft.com/office/drawing/2010/main" w="9525">
+              <a14:hiddenLine xmlns:a14="http://schemas.microsoft.com/office/drawing/2010/main" xmlns="" w="9525">
                 <a:solidFill>
                   <a:srgbClr val="000000"/>
                 </a:solidFill>
@@ -12592,14 +12851,14 @@
           <a:effectLst/>
           <a:extLst>
             <a:ext uri="{909E8E84-426E-40dd-AFC4-6F175D3DCCD1}">
-              <a14:hiddenFill xmlns="" xmlns:a14="http://schemas.microsoft.com/office/drawing/2010/main">
+              <a14:hiddenFill xmlns:a14="http://schemas.microsoft.com/office/drawing/2010/main" xmlns="">
                 <a:solidFill>
                   <a:schemeClr val="accent1"/>
                 </a:solidFill>
               </a14:hiddenFill>
             </a:ext>
             <a:ext uri="{AF507438-7753-43e0-B8FC-AC1667EBCBE1}">
-              <a14:hiddenEffects xmlns="" xmlns:a14="http://schemas.microsoft.com/office/drawing/2010/main">
+              <a14:hiddenEffects xmlns:a14="http://schemas.microsoft.com/office/drawing/2010/main" xmlns="">
                 <a:effectLst>
                   <a:outerShdw dist="35921" dir="2700000" algn="ctr" rotWithShape="0">
                     <a:schemeClr val="bg2"/>
@@ -12858,14 +13117,14 @@
           </a:ln>
           <a:extLst>
             <a:ext uri="{909E8E84-426E-40dd-AFC4-6F175D3DCCD1}">
-              <a14:hiddenFill xmlns="" xmlns:a14="http://schemas.microsoft.com/office/drawing/2010/main">
+              <a14:hiddenFill xmlns:a14="http://schemas.microsoft.com/office/drawing/2010/main" xmlns="">
                 <a:solidFill>
                   <a:srgbClr val="FFFFFF"/>
                 </a:solidFill>
               </a14:hiddenFill>
             </a:ext>
             <a:ext uri="{91240B29-F687-4f45-9708-019B960494DF}">
-              <a14:hiddenLine xmlns="" xmlns:a14="http://schemas.microsoft.com/office/drawing/2010/main" w="9525">
+              <a14:hiddenLine xmlns:a14="http://schemas.microsoft.com/office/drawing/2010/main" xmlns="" w="9525">
                 <a:solidFill>
                   <a:srgbClr val="000000"/>
                 </a:solidFill>
@@ -13148,14 +13407,14 @@
           </a:ln>
           <a:extLst>
             <a:ext uri="{909E8E84-426E-40dd-AFC4-6F175D3DCCD1}">
-              <a14:hiddenFill xmlns="" xmlns:a14="http://schemas.microsoft.com/office/drawing/2010/main">
+              <a14:hiddenFill xmlns:a14="http://schemas.microsoft.com/office/drawing/2010/main" xmlns="">
                 <a:solidFill>
                   <a:srgbClr val="FFFFFF"/>
                 </a:solidFill>
               </a14:hiddenFill>
             </a:ext>
             <a:ext uri="{91240B29-F687-4f45-9708-019B960494DF}">
-              <a14:hiddenLine xmlns="" xmlns:a14="http://schemas.microsoft.com/office/drawing/2010/main" w="9525">
+              <a14:hiddenLine xmlns:a14="http://schemas.microsoft.com/office/drawing/2010/main" xmlns="" w="9525">
                 <a:solidFill>
                   <a:srgbClr val="000000"/>
                 </a:solidFill>
@@ -13358,14 +13617,14 @@
           </a:ln>
           <a:extLst>
             <a:ext uri="{909E8E84-426E-40dd-AFC4-6F175D3DCCD1}">
-              <a14:hiddenFill xmlns="" xmlns:a14="http://schemas.microsoft.com/office/drawing/2010/main">
+              <a14:hiddenFill xmlns:a14="http://schemas.microsoft.com/office/drawing/2010/main" xmlns="">
                 <a:solidFill>
                   <a:srgbClr val="FFFFFF"/>
                 </a:solidFill>
               </a14:hiddenFill>
             </a:ext>
             <a:ext uri="{91240B29-F687-4f45-9708-019B960494DF}">
-              <a14:hiddenLine xmlns="" xmlns:a14="http://schemas.microsoft.com/office/drawing/2010/main" w="9525">
+              <a14:hiddenLine xmlns:a14="http://schemas.microsoft.com/office/drawing/2010/main" xmlns="" w="9525">
                 <a:solidFill>
                   <a:srgbClr val="000000"/>
                 </a:solidFill>
@@ -13412,14 +13671,14 @@
           </a:ln>
           <a:extLst>
             <a:ext uri="{909E8E84-426E-40dd-AFC4-6F175D3DCCD1}">
-              <a14:hiddenFill xmlns="" xmlns:a14="http://schemas.microsoft.com/office/drawing/2010/main">
+              <a14:hiddenFill xmlns:a14="http://schemas.microsoft.com/office/drawing/2010/main" xmlns="">
                 <a:solidFill>
                   <a:srgbClr val="FFFFFF"/>
                 </a:solidFill>
               </a14:hiddenFill>
             </a:ext>
             <a:ext uri="{91240B29-F687-4f45-9708-019B960494DF}">
-              <a14:hiddenLine xmlns="" xmlns:a14="http://schemas.microsoft.com/office/drawing/2010/main" w="9525">
+              <a14:hiddenLine xmlns:a14="http://schemas.microsoft.com/office/drawing/2010/main" xmlns="" w="9525">
                 <a:solidFill>
                   <a:srgbClr val="000000"/>
                 </a:solidFill>
@@ -13466,14 +13725,14 @@
           </a:ln>
           <a:extLst>
             <a:ext uri="{909E8E84-426E-40dd-AFC4-6F175D3DCCD1}">
-              <a14:hiddenFill xmlns="" xmlns:a14="http://schemas.microsoft.com/office/drawing/2010/main">
+              <a14:hiddenFill xmlns:a14="http://schemas.microsoft.com/office/drawing/2010/main" xmlns="">
                 <a:solidFill>
                   <a:srgbClr val="FFFFFF"/>
                 </a:solidFill>
               </a14:hiddenFill>
             </a:ext>
             <a:ext uri="{91240B29-F687-4f45-9708-019B960494DF}">
-              <a14:hiddenLine xmlns="" xmlns:a14="http://schemas.microsoft.com/office/drawing/2010/main" w="9525">
+              <a14:hiddenLine xmlns:a14="http://schemas.microsoft.com/office/drawing/2010/main" xmlns="" w="9525">
                 <a:solidFill>
                   <a:srgbClr val="000000"/>
                 </a:solidFill>
@@ -18596,7 +18855,7 @@
             </a:ln>
             <a:extLst>
               <a:ext uri="{91240B29-F687-4f45-9708-019B960494DF}">
-                <a14:hiddenLine xmlns="" xmlns:a14="http://schemas.microsoft.com/office/drawing/2010/main" w="9525">
+                <a14:hiddenLine xmlns:a14="http://schemas.microsoft.com/office/drawing/2010/main" xmlns="" w="9525">
                   <a:solidFill>
                     <a:srgbClr val="000000"/>
                   </a:solidFill>
@@ -18697,7 +18956,7 @@
             </a:ln>
             <a:extLst>
               <a:ext uri="{91240B29-F687-4f45-9708-019B960494DF}">
-                <a14:hiddenLine xmlns="" xmlns:a14="http://schemas.microsoft.com/office/drawing/2010/main" w="9525">
+                <a14:hiddenLine xmlns:a14="http://schemas.microsoft.com/office/drawing/2010/main" xmlns="" w="9525">
                   <a:solidFill>
                     <a:srgbClr val="000000"/>
                   </a:solidFill>
@@ -18798,7 +19057,7 @@
             </a:ln>
             <a:extLst>
               <a:ext uri="{91240B29-F687-4f45-9708-019B960494DF}">
-                <a14:hiddenLine xmlns="" xmlns:a14="http://schemas.microsoft.com/office/drawing/2010/main" w="9525">
+                <a14:hiddenLine xmlns:a14="http://schemas.microsoft.com/office/drawing/2010/main" xmlns="" w="9525">
                   <a:solidFill>
                     <a:srgbClr val="000000"/>
                   </a:solidFill>
@@ -18899,7 +19158,7 @@
             </a:ln>
             <a:extLst>
               <a:ext uri="{91240B29-F687-4f45-9708-019B960494DF}">
-                <a14:hiddenLine xmlns="" xmlns:a14="http://schemas.microsoft.com/office/drawing/2010/main" w="9525">
+                <a14:hiddenLine xmlns:a14="http://schemas.microsoft.com/office/drawing/2010/main" xmlns="" w="9525">
                   <a:solidFill>
                     <a:srgbClr val="000000"/>
                   </a:solidFill>
@@ -19000,7 +19259,7 @@
             </a:ln>
             <a:extLst>
               <a:ext uri="{91240B29-F687-4f45-9708-019B960494DF}">
-                <a14:hiddenLine xmlns="" xmlns:a14="http://schemas.microsoft.com/office/drawing/2010/main" w="9525">
+                <a14:hiddenLine xmlns:a14="http://schemas.microsoft.com/office/drawing/2010/main" xmlns="" w="9525">
                   <a:solidFill>
                     <a:srgbClr val="000000"/>
                   </a:solidFill>
@@ -22102,7 +22361,7 @@
             </a:ln>
             <a:extLst>
               <a:ext uri="{91240B29-F687-4f45-9708-019B960494DF}">
-                <a14:hiddenLine xmlns="" xmlns:a14="http://schemas.microsoft.com/office/drawing/2010/main" w="9525">
+                <a14:hiddenLine xmlns:a14="http://schemas.microsoft.com/office/drawing/2010/main" xmlns="" w="9525">
                   <a:solidFill>
                     <a:srgbClr val="000000"/>
                   </a:solidFill>
@@ -22838,7 +23097,7 @@
             </a:ln>
             <a:extLst>
               <a:ext uri="{91240B29-F687-4f45-9708-019B960494DF}">
-                <a14:hiddenLine xmlns="" xmlns:a14="http://schemas.microsoft.com/office/drawing/2010/main" w="9525">
+                <a14:hiddenLine xmlns:a14="http://schemas.microsoft.com/office/drawing/2010/main" xmlns="" w="9525">
                   <a:solidFill>
                     <a:srgbClr val="000000"/>
                   </a:solidFill>
@@ -23025,7 +23284,7 @@
             </a:ln>
             <a:extLst>
               <a:ext uri="{91240B29-F687-4f45-9708-019B960494DF}">
-                <a14:hiddenLine xmlns="" xmlns:a14="http://schemas.microsoft.com/office/drawing/2010/main" w="9525">
+                <a14:hiddenLine xmlns:a14="http://schemas.microsoft.com/office/drawing/2010/main" xmlns="" w="9525">
                   <a:solidFill>
                     <a:srgbClr val="000000"/>
                   </a:solidFill>
@@ -24119,7 +24378,7 @@
             </a:ln>
             <a:extLst>
               <a:ext uri="{91240B29-F687-4f45-9708-019B960494DF}">
-                <a14:hiddenLine xmlns="" xmlns:a14="http://schemas.microsoft.com/office/drawing/2010/main" w="9525">
+                <a14:hiddenLine xmlns:a14="http://schemas.microsoft.com/office/drawing/2010/main" xmlns="" w="9525">
                   <a:solidFill>
                     <a:srgbClr val="000000"/>
                   </a:solidFill>
@@ -26764,7 +27023,7 @@
           </a:ln>
           <a:extLst>
             <a:ext uri="{91240B29-F687-4f45-9708-019B960494DF}">
-              <a14:hiddenLine xmlns="" xmlns:a14="http://schemas.microsoft.com/office/drawing/2010/main" w="9525">
+              <a14:hiddenLine xmlns:a14="http://schemas.microsoft.com/office/drawing/2010/main" xmlns="" w="9525">
                 <a:solidFill>
                   <a:srgbClr val="000000"/>
                 </a:solidFill>
@@ -28143,7 +28402,7 @@
           </a:ln>
           <a:extLst>
             <a:ext uri="{91240B29-F687-4f45-9708-019B960494DF}">
-              <a14:hiddenLine xmlns="" xmlns:a14="http://schemas.microsoft.com/office/drawing/2010/main" w="9525">
+              <a14:hiddenLine xmlns:a14="http://schemas.microsoft.com/office/drawing/2010/main" xmlns="" w="9525">
                 <a:solidFill>
                   <a:srgbClr val="000000"/>
                 </a:solidFill>
@@ -28186,14 +28445,14 @@
           </a:ln>
           <a:extLst>
             <a:ext uri="{909E8E84-426E-40dd-AFC4-6F175D3DCCD1}">
-              <a14:hiddenFill xmlns="" xmlns:a14="http://schemas.microsoft.com/office/drawing/2010/main">
+              <a14:hiddenFill xmlns:a14="http://schemas.microsoft.com/office/drawing/2010/main" xmlns="">
                 <a:solidFill>
                   <a:srgbClr val="FFFFFF"/>
                 </a:solidFill>
               </a14:hiddenFill>
             </a:ext>
             <a:ext uri="{91240B29-F687-4f45-9708-019B960494DF}">
-              <a14:hiddenLine xmlns="" xmlns:a14="http://schemas.microsoft.com/office/drawing/2010/main" w="9525">
+              <a14:hiddenLine xmlns:a14="http://schemas.microsoft.com/office/drawing/2010/main" xmlns="" w="9525">
                 <a:solidFill>
                   <a:srgbClr val="000000"/>
                 </a:solidFill>
@@ -28357,14 +28616,14 @@
           </a:ln>
           <a:extLst>
             <a:ext uri="{909E8E84-426E-40dd-AFC4-6F175D3DCCD1}">
-              <a14:hiddenFill xmlns="" xmlns:a14="http://schemas.microsoft.com/office/drawing/2010/main">
+              <a14:hiddenFill xmlns:a14="http://schemas.microsoft.com/office/drawing/2010/main" xmlns="">
                 <a:solidFill>
                   <a:srgbClr val="FFFFFF"/>
                 </a:solidFill>
               </a14:hiddenFill>
             </a:ext>
             <a:ext uri="{91240B29-F687-4f45-9708-019B960494DF}">
-              <a14:hiddenLine xmlns="" xmlns:a14="http://schemas.microsoft.com/office/drawing/2010/main" w="9525">
+              <a14:hiddenLine xmlns:a14="http://schemas.microsoft.com/office/drawing/2010/main" xmlns="" w="9525">
                 <a:solidFill>
                   <a:srgbClr val="000000"/>
                 </a:solidFill>
@@ -28528,14 +28787,14 @@
           </a:ln>
           <a:extLst>
             <a:ext uri="{909E8E84-426E-40dd-AFC4-6F175D3DCCD1}">
-              <a14:hiddenFill xmlns="" xmlns:a14="http://schemas.microsoft.com/office/drawing/2010/main">
+              <a14:hiddenFill xmlns:a14="http://schemas.microsoft.com/office/drawing/2010/main" xmlns="">
                 <a:solidFill>
                   <a:srgbClr val="FFFFFF"/>
                 </a:solidFill>
               </a14:hiddenFill>
             </a:ext>
             <a:ext uri="{91240B29-F687-4f45-9708-019B960494DF}">
-              <a14:hiddenLine xmlns="" xmlns:a14="http://schemas.microsoft.com/office/drawing/2010/main" w="9525">
+              <a14:hiddenLine xmlns:a14="http://schemas.microsoft.com/office/drawing/2010/main" xmlns="" w="9525">
                 <a:solidFill>
                   <a:srgbClr val="000000"/>
                 </a:solidFill>
@@ -28699,14 +28958,14 @@
           </a:ln>
           <a:extLst>
             <a:ext uri="{909E8E84-426E-40dd-AFC4-6F175D3DCCD1}">
-              <a14:hiddenFill xmlns="" xmlns:a14="http://schemas.microsoft.com/office/drawing/2010/main">
+              <a14:hiddenFill xmlns:a14="http://schemas.microsoft.com/office/drawing/2010/main" xmlns="">
                 <a:solidFill>
                   <a:srgbClr val="FFFFFF"/>
                 </a:solidFill>
               </a14:hiddenFill>
             </a:ext>
             <a:ext uri="{91240B29-F687-4f45-9708-019B960494DF}">
-              <a14:hiddenLine xmlns="" xmlns:a14="http://schemas.microsoft.com/office/drawing/2010/main" w="9525">
+              <a14:hiddenLine xmlns:a14="http://schemas.microsoft.com/office/drawing/2010/main" xmlns="" w="9525">
                 <a:solidFill>
                   <a:srgbClr val="000000"/>
                 </a:solidFill>
@@ -28870,14 +29129,14 @@
           </a:ln>
           <a:extLst>
             <a:ext uri="{909E8E84-426E-40dd-AFC4-6F175D3DCCD1}">
-              <a14:hiddenFill xmlns="" xmlns:a14="http://schemas.microsoft.com/office/drawing/2010/main">
+              <a14:hiddenFill xmlns:a14="http://schemas.microsoft.com/office/drawing/2010/main" xmlns="">
                 <a:solidFill>
                   <a:srgbClr val="FFFFFF"/>
                 </a:solidFill>
               </a14:hiddenFill>
             </a:ext>
             <a:ext uri="{91240B29-F687-4f45-9708-019B960494DF}">
-              <a14:hiddenLine xmlns="" xmlns:a14="http://schemas.microsoft.com/office/drawing/2010/main" w="9525">
+              <a14:hiddenLine xmlns:a14="http://schemas.microsoft.com/office/drawing/2010/main" xmlns="" w="9525">
                 <a:solidFill>
                   <a:srgbClr val="000000"/>
                 </a:solidFill>
@@ -29041,14 +29300,14 @@
           </a:ln>
           <a:extLst>
             <a:ext uri="{909E8E84-426E-40dd-AFC4-6F175D3DCCD1}">
-              <a14:hiddenFill xmlns="" xmlns:a14="http://schemas.microsoft.com/office/drawing/2010/main">
+              <a14:hiddenFill xmlns:a14="http://schemas.microsoft.com/office/drawing/2010/main" xmlns="">
                 <a:solidFill>
                   <a:srgbClr val="FFFFFF"/>
                 </a:solidFill>
               </a14:hiddenFill>
             </a:ext>
             <a:ext uri="{91240B29-F687-4f45-9708-019B960494DF}">
-              <a14:hiddenLine xmlns="" xmlns:a14="http://schemas.microsoft.com/office/drawing/2010/main" w="9525">
+              <a14:hiddenLine xmlns:a14="http://schemas.microsoft.com/office/drawing/2010/main" xmlns="" w="9525">
                 <a:solidFill>
                   <a:srgbClr val="000000"/>
                 </a:solidFill>
@@ -31431,7 +31690,7 @@
           </a:ln>
           <a:extLst>
             <a:ext uri="{91240B29-F687-4f45-9708-019B960494DF}">
-              <a14:hiddenLine xmlns="" xmlns:a14="http://schemas.microsoft.com/office/drawing/2010/main" w="9525">
+              <a14:hiddenLine xmlns:a14="http://schemas.microsoft.com/office/drawing/2010/main" xmlns="" w="9525">
                 <a:solidFill>
                   <a:srgbClr val="000000"/>
                 </a:solidFill>
@@ -31889,7 +32148,7 @@
           </a:ln>
           <a:extLst>
             <a:ext uri="{91240B29-F687-4f45-9708-019B960494DF}">
-              <a14:hiddenLine xmlns="" xmlns:a14="http://schemas.microsoft.com/office/drawing/2010/main" w="9525">
+              <a14:hiddenLine xmlns:a14="http://schemas.microsoft.com/office/drawing/2010/main" xmlns="" w="9525">
                 <a:solidFill>
                   <a:srgbClr val="000000"/>
                 </a:solidFill>
@@ -32382,7 +32641,7 @@
             </a:ln>
             <a:extLst>
               <a:ext uri="{91240B29-F687-4f45-9708-019B960494DF}">
-                <a14:hiddenLine xmlns="" xmlns:a14="http://schemas.microsoft.com/office/drawing/2010/main" w="9525">
+                <a14:hiddenLine xmlns:a14="http://schemas.microsoft.com/office/drawing/2010/main" xmlns="" w="9525">
                   <a:solidFill>
                     <a:srgbClr val="000000"/>
                   </a:solidFill>
@@ -33118,7 +33377,7 @@
             </a:ln>
             <a:extLst>
               <a:ext uri="{91240B29-F687-4f45-9708-019B960494DF}">
-                <a14:hiddenLine xmlns="" xmlns:a14="http://schemas.microsoft.com/office/drawing/2010/main" w="9525">
+                <a14:hiddenLine xmlns:a14="http://schemas.microsoft.com/office/drawing/2010/main" xmlns="" w="9525">
                   <a:solidFill>
                     <a:srgbClr val="000000"/>
                   </a:solidFill>
@@ -33305,7 +33564,7 @@
             </a:ln>
             <a:extLst>
               <a:ext uri="{91240B29-F687-4f45-9708-019B960494DF}">
-                <a14:hiddenLine xmlns="" xmlns:a14="http://schemas.microsoft.com/office/drawing/2010/main" w="9525">
+                <a14:hiddenLine xmlns:a14="http://schemas.microsoft.com/office/drawing/2010/main" xmlns="" w="9525">
                   <a:solidFill>
                     <a:srgbClr val="000000"/>
                   </a:solidFill>
@@ -34399,7 +34658,7 @@
             </a:ln>
             <a:extLst>
               <a:ext uri="{91240B29-F687-4f45-9708-019B960494DF}">
-                <a14:hiddenLine xmlns="" xmlns:a14="http://schemas.microsoft.com/office/drawing/2010/main" w="9525">
+                <a14:hiddenLine xmlns:a14="http://schemas.microsoft.com/office/drawing/2010/main" xmlns="" w="9525">
                   <a:solidFill>
                     <a:srgbClr val="000000"/>
                   </a:solidFill>
@@ -35185,7 +35444,7 @@
           </a:ln>
           <a:extLst>
             <a:ext uri="{91240B29-F687-4f45-9708-019B960494DF}">
-              <a14:hiddenLine xmlns="" xmlns:a14="http://schemas.microsoft.com/office/drawing/2010/main" w="9525">
+              <a14:hiddenLine xmlns:a14="http://schemas.microsoft.com/office/drawing/2010/main" xmlns="" w="9525">
                 <a:solidFill>
                   <a:srgbClr val="000000"/>
                 </a:solidFill>
@@ -35228,14 +35487,14 @@
           </a:ln>
           <a:extLst>
             <a:ext uri="{909E8E84-426E-40dd-AFC4-6F175D3DCCD1}">
-              <a14:hiddenFill xmlns="" xmlns:a14="http://schemas.microsoft.com/office/drawing/2010/main">
+              <a14:hiddenFill xmlns:a14="http://schemas.microsoft.com/office/drawing/2010/main" xmlns="">
                 <a:solidFill>
                   <a:srgbClr val="FFFFFF"/>
                 </a:solidFill>
               </a14:hiddenFill>
             </a:ext>
             <a:ext uri="{91240B29-F687-4f45-9708-019B960494DF}">
-              <a14:hiddenLine xmlns="" xmlns:a14="http://schemas.microsoft.com/office/drawing/2010/main" w="9525">
+              <a14:hiddenLine xmlns:a14="http://schemas.microsoft.com/office/drawing/2010/main" xmlns="" w="9525">
                 <a:solidFill>
                   <a:srgbClr val="000000"/>
                 </a:solidFill>
@@ -35399,14 +35658,14 @@
           </a:ln>
           <a:extLst>
             <a:ext uri="{909E8E84-426E-40dd-AFC4-6F175D3DCCD1}">
-              <a14:hiddenFill xmlns="" xmlns:a14="http://schemas.microsoft.com/office/drawing/2010/main">
+              <a14:hiddenFill xmlns:a14="http://schemas.microsoft.com/office/drawing/2010/main" xmlns="">
                 <a:solidFill>
                   <a:srgbClr val="FFFFFF"/>
                 </a:solidFill>
               </a14:hiddenFill>
             </a:ext>
             <a:ext uri="{91240B29-F687-4f45-9708-019B960494DF}">
-              <a14:hiddenLine xmlns="" xmlns:a14="http://schemas.microsoft.com/office/drawing/2010/main" w="9525">
+              <a14:hiddenLine xmlns:a14="http://schemas.microsoft.com/office/drawing/2010/main" xmlns="" w="9525">
                 <a:solidFill>
                   <a:srgbClr val="000000"/>
                 </a:solidFill>
@@ -35704,14 +35963,14 @@
           </a:ln>
           <a:extLst>
             <a:ext uri="{909E8E84-426E-40dd-AFC4-6F175D3DCCD1}">
-              <a14:hiddenFill xmlns="" xmlns:a14="http://schemas.microsoft.com/office/drawing/2010/main">
+              <a14:hiddenFill xmlns:a14="http://schemas.microsoft.com/office/drawing/2010/main" xmlns="">
                 <a:solidFill>
                   <a:srgbClr val="FFFFFF"/>
                 </a:solidFill>
               </a14:hiddenFill>
             </a:ext>
             <a:ext uri="{91240B29-F687-4f45-9708-019B960494DF}">
-              <a14:hiddenLine xmlns="" xmlns:a14="http://schemas.microsoft.com/office/drawing/2010/main" w="9525">
+              <a14:hiddenLine xmlns:a14="http://schemas.microsoft.com/office/drawing/2010/main" xmlns="" w="9525">
                 <a:solidFill>
                   <a:srgbClr val="000000"/>
                 </a:solidFill>
@@ -35758,14 +36017,14 @@
           </a:ln>
           <a:extLst>
             <a:ext uri="{909E8E84-426E-40dd-AFC4-6F175D3DCCD1}">
-              <a14:hiddenFill xmlns="" xmlns:a14="http://schemas.microsoft.com/office/drawing/2010/main">
+              <a14:hiddenFill xmlns:a14="http://schemas.microsoft.com/office/drawing/2010/main" xmlns="">
                 <a:solidFill>
                   <a:srgbClr val="FFFFFF"/>
                 </a:solidFill>
               </a14:hiddenFill>
             </a:ext>
             <a:ext uri="{91240B29-F687-4f45-9708-019B960494DF}">
-              <a14:hiddenLine xmlns="" xmlns:a14="http://schemas.microsoft.com/office/drawing/2010/main" w="9525">
+              <a14:hiddenLine xmlns:a14="http://schemas.microsoft.com/office/drawing/2010/main" xmlns="" w="9525">
                 <a:solidFill>
                   <a:srgbClr val="000000"/>
                 </a:solidFill>
@@ -36287,7 +36546,7 @@
           </a:solidFill>
           <a:extLst>
             <a:ext uri="{91240B29-F687-4f45-9708-019B960494DF}">
-              <a14:hiddenLine xmlns="" xmlns:a14="http://schemas.microsoft.com/office/drawing/2010/main" w="9525">
+              <a14:hiddenLine xmlns:a14="http://schemas.microsoft.com/office/drawing/2010/main" xmlns="" w="9525">
                 <a:solidFill>
                   <a:srgbClr val="000000"/>
                 </a:solidFill>
@@ -36357,7 +36616,7 @@
           </a:solidFill>
           <a:extLst>
             <a:ext uri="{91240B29-F687-4f45-9708-019B960494DF}">
-              <a14:hiddenLine xmlns="" xmlns:a14="http://schemas.microsoft.com/office/drawing/2010/main" w="9525">
+              <a14:hiddenLine xmlns:a14="http://schemas.microsoft.com/office/drawing/2010/main" xmlns="" w="9525">
                 <a:solidFill>
                   <a:srgbClr val="000000"/>
                 </a:solidFill>
@@ -36444,14 +36703,14 @@
           <a:noFill/>
           <a:extLst>
             <a:ext uri="{909E8E84-426E-40dd-AFC4-6F175D3DCCD1}">
-              <a14:hiddenFill xmlns="" xmlns:a14="http://schemas.microsoft.com/office/drawing/2010/main">
+              <a14:hiddenFill xmlns:a14="http://schemas.microsoft.com/office/drawing/2010/main" xmlns="">
                 <a:solidFill>
                   <a:srgbClr val="FFFFFF"/>
                 </a:solidFill>
               </a14:hiddenFill>
             </a:ext>
             <a:ext uri="{91240B29-F687-4f45-9708-019B960494DF}">
-              <a14:hiddenLine xmlns="" xmlns:a14="http://schemas.microsoft.com/office/drawing/2010/main" w="9525">
+              <a14:hiddenLine xmlns:a14="http://schemas.microsoft.com/office/drawing/2010/main" xmlns="" w="9525">
                 <a:solidFill>
                   <a:srgbClr val="000000"/>
                 </a:solidFill>

--- a/lecture.pptx
+++ b/lecture.pptx
@@ -5,10 +5,10 @@
     <p:sldMasterId id="2147483875" r:id="rId1"/>
   </p:sldMasterIdLst>
   <p:notesMasterIdLst>
-    <p:notesMasterId r:id="rId36"/>
+    <p:notesMasterId r:id="rId37"/>
   </p:notesMasterIdLst>
   <p:handoutMasterIdLst>
-    <p:handoutMasterId r:id="rId37"/>
+    <p:handoutMasterId r:id="rId38"/>
   </p:handoutMasterIdLst>
   <p:sldIdLst>
     <p:sldId id="256" r:id="rId2"/>
@@ -22,29 +22,30 @@
     <p:sldId id="526" r:id="rId10"/>
     <p:sldId id="318" r:id="rId11"/>
     <p:sldId id="501" r:id="rId12"/>
-    <p:sldId id="525" r:id="rId13"/>
-    <p:sldId id="319" r:id="rId14"/>
-    <p:sldId id="422" r:id="rId15"/>
-    <p:sldId id="423" r:id="rId16"/>
-    <p:sldId id="424" r:id="rId17"/>
-    <p:sldId id="343" r:id="rId18"/>
-    <p:sldId id="523" r:id="rId19"/>
-    <p:sldId id="511" r:id="rId20"/>
-    <p:sldId id="502" r:id="rId21"/>
-    <p:sldId id="503" r:id="rId22"/>
-    <p:sldId id="504" r:id="rId23"/>
-    <p:sldId id="524" r:id="rId24"/>
-    <p:sldId id="513" r:id="rId25"/>
-    <p:sldId id="514" r:id="rId26"/>
-    <p:sldId id="532" r:id="rId27"/>
-    <p:sldId id="533" r:id="rId28"/>
-    <p:sldId id="534" r:id="rId29"/>
-    <p:sldId id="509" r:id="rId30"/>
-    <p:sldId id="510" r:id="rId31"/>
-    <p:sldId id="508" r:id="rId32"/>
-    <p:sldId id="536" r:id="rId33"/>
-    <p:sldId id="537" r:id="rId34"/>
-    <p:sldId id="538" r:id="rId35"/>
+    <p:sldId id="540" r:id="rId13"/>
+    <p:sldId id="525" r:id="rId14"/>
+    <p:sldId id="319" r:id="rId15"/>
+    <p:sldId id="422" r:id="rId16"/>
+    <p:sldId id="423" r:id="rId17"/>
+    <p:sldId id="424" r:id="rId18"/>
+    <p:sldId id="343" r:id="rId19"/>
+    <p:sldId id="523" r:id="rId20"/>
+    <p:sldId id="511" r:id="rId21"/>
+    <p:sldId id="502" r:id="rId22"/>
+    <p:sldId id="503" r:id="rId23"/>
+    <p:sldId id="504" r:id="rId24"/>
+    <p:sldId id="524" r:id="rId25"/>
+    <p:sldId id="513" r:id="rId26"/>
+    <p:sldId id="514" r:id="rId27"/>
+    <p:sldId id="532" r:id="rId28"/>
+    <p:sldId id="533" r:id="rId29"/>
+    <p:sldId id="534" r:id="rId30"/>
+    <p:sldId id="509" r:id="rId31"/>
+    <p:sldId id="510" r:id="rId32"/>
+    <p:sldId id="508" r:id="rId33"/>
+    <p:sldId id="536" r:id="rId34"/>
+    <p:sldId id="537" r:id="rId35"/>
+    <p:sldId id="538" r:id="rId36"/>
   </p:sldIdLst>
   <p:sldSz cx="14630400" cy="8229600"/>
   <p:notesSz cx="6858000" cy="9144000"/>
@@ -1334,6 +1335,350 @@
       </p:grpSpPr>
       <p:sp>
         <p:nvSpPr>
+          <p:cNvPr id="46081" name="Slide Image Placeholder 1"/>
+          <p:cNvSpPr>
+            <a:spLocks noGrp="1" noRot="1" noChangeAspect="1"/>
+          </p:cNvSpPr>
+          <p:nvPr>
+            <p:ph type="sldImg"/>
+          </p:nvPr>
+        </p:nvSpPr>
+        <p:spPr bwMode="auto">
+          <a:noFill/>
+          <a:ln>
+            <a:solidFill>
+              <a:srgbClr val="000000"/>
+            </a:solidFill>
+            <a:miter lim="800000"/>
+            <a:headEnd/>
+            <a:tailEnd/>
+          </a:ln>
+          <a:extLst>
+            <a:ext uri="{909E8E84-426E-40dd-AFC4-6F175D3DCCD1}">
+              <a14:hiddenFill xmlns:a14="http://schemas.microsoft.com/office/drawing/2010/main" xmlns="">
+                <a:solidFill>
+                  <a:srgbClr val="FFFFFF"/>
+                </a:solidFill>
+              </a14:hiddenFill>
+            </a:ext>
+            <a:ext uri="{FAA26D3D-D897-4be2-8F04-BA451C77F1D7}">
+              <ma14:placeholderFlag xmlns:ma14="http://schemas.microsoft.com/office/mac/drawingml/2011/main" xmlns="" val="1"/>
+            </a:ext>
+          </a:extLst>
+        </p:spPr>
+      </p:sp>
+      <p:sp>
+        <p:nvSpPr>
+          <p:cNvPr id="46082" name="Notes Placeholder 2"/>
+          <p:cNvSpPr>
+            <a:spLocks noGrp="1"/>
+          </p:cNvSpPr>
+          <p:nvPr>
+            <p:ph type="body" idx="1"/>
+          </p:nvPr>
+        </p:nvSpPr>
+        <p:spPr bwMode="auto">
+          <a:noFill/>
+          <a:extLst>
+            <a:ext uri="{909E8E84-426E-40dd-AFC4-6F175D3DCCD1}">
+              <a14:hiddenFill xmlns:a14="http://schemas.microsoft.com/office/drawing/2010/main" xmlns="">
+                <a:solidFill>
+                  <a:srgbClr val="FFFFFF"/>
+                </a:solidFill>
+              </a14:hiddenFill>
+            </a:ext>
+            <a:ext uri="{91240B29-F687-4f45-9708-019B960494DF}">
+              <a14:hiddenLine xmlns:a14="http://schemas.microsoft.com/office/drawing/2010/main" xmlns="" w="9525">
+                <a:solidFill>
+                  <a:srgbClr val="000000"/>
+                </a:solidFill>
+                <a:miter lim="800000"/>
+                <a:headEnd/>
+                <a:tailEnd/>
+              </a14:hiddenLine>
+            </a:ext>
+          </a:extLst>
+        </p:spPr>
+        <p:txBody>
+          <a:bodyPr wrap="square" numCol="1" anchor="t" anchorCtr="0" compatLnSpc="1">
+            <a:prstTxWarp prst="textNoShape">
+              <a:avLst/>
+            </a:prstTxWarp>
+          </a:bodyPr>
+          <a:lstStyle/>
+          <a:p>
+            <a:r>
+              <a:rPr lang="en-US" b="0" dirty="0">
+                <a:effectLst/>
+              </a:rPr>
+              <a:t>Picture credit: </a:t>
+            </a:r>
+            <a:r>
+              <a:rPr lang="en-US" dirty="0">
+                <a:hlinkClick r:id="rId3"/>
+              </a:rPr>
+              <a:t>https://www.npr.org/sections/health-shots/2015/01/12/375663920/the-doctor-who-championed-hand-washing-and-saved-women-s-lives</a:t>
+            </a:r>
+            <a:endParaRPr lang="en-US" b="0" dirty="0">
+              <a:effectLst/>
+            </a:endParaRPr>
+          </a:p>
+          <a:p>
+            <a:pPr lvl="3" rtl="0" fontAlgn="base"/>
+            <a:r>
+              <a:rPr lang="en-US" sz="1800" b="0" i="0" u="none" strike="noStrike" kern="1200" dirty="0">
+                <a:solidFill>
+                  <a:schemeClr val="tx1"/>
+                </a:solidFill>
+                <a:effectLst/>
+                <a:latin typeface="BentonSans Book"/>
+                <a:ea typeface="ＭＳ Ｐゴシック" charset="0"/>
+                <a:cs typeface="+mn-cs"/>
+              </a:rPr>
+              <a:t>- Simple Table from 1847</a:t>
+            </a:r>
+          </a:p>
+          <a:p>
+            <a:pPr lvl="3" rtl="0" fontAlgn="base"/>
+            <a:r>
+              <a:rPr lang="en-US" sz="1800" b="0" i="0" u="none" strike="noStrike" kern="1200" dirty="0">
+                <a:solidFill>
+                  <a:schemeClr val="tx1"/>
+                </a:solidFill>
+                <a:effectLst/>
+                <a:latin typeface="BentonSans Book"/>
+                <a:ea typeface="ＭＳ Ｐゴシック" charset="0"/>
+                <a:cs typeface="+mn-cs"/>
+              </a:rPr>
+              <a:t>- Microscopic germs, invisible to the eye, can make us sick!</a:t>
+            </a:r>
+          </a:p>
+          <a:p>
+            <a:pPr lvl="3" rtl="0" fontAlgn="base"/>
+            <a:r>
+              <a:rPr lang="en-US" sz="1800" b="0" i="0" u="none" strike="noStrike" kern="1200" dirty="0">
+                <a:solidFill>
+                  <a:schemeClr val="tx1"/>
+                </a:solidFill>
+                <a:effectLst/>
+                <a:latin typeface="BentonSans Book"/>
+                <a:ea typeface="ＭＳ Ｐゴシック" charset="0"/>
+                <a:cs typeface="+mn-cs"/>
+              </a:rPr>
+              <a:t>- A doctor who doesn’t wash his hands can spread his disease from one person to another</a:t>
+            </a:r>
+          </a:p>
+          <a:p>
+            <a:pPr lvl="3" rtl="0" fontAlgn="base"/>
+            <a:r>
+              <a:rPr lang="en-US" sz="1800" b="0" i="0" u="none" strike="noStrike" kern="1200" dirty="0">
+                <a:solidFill>
+                  <a:schemeClr val="tx1"/>
+                </a:solidFill>
+                <a:effectLst/>
+                <a:latin typeface="BentonSans Book"/>
+                <a:ea typeface="ＭＳ Ｐゴシック" charset="0"/>
+                <a:cs typeface="+mn-cs"/>
+              </a:rPr>
+              <a:t>- Discovery made with data by Ignaz Semmelweis</a:t>
+            </a:r>
+          </a:p>
+          <a:p>
+            <a:pPr lvl="3" rtl="0" fontAlgn="base"/>
+            <a:r>
+              <a:rPr lang="en-US" sz="1800" b="0" i="0" u="none" strike="noStrike" kern="1200" dirty="0">
+                <a:solidFill>
+                  <a:schemeClr val="tx1"/>
+                </a:solidFill>
+                <a:effectLst/>
+                <a:latin typeface="BentonSans Book"/>
+                <a:ea typeface="ＭＳ Ｐゴシック" charset="0"/>
+                <a:cs typeface="+mn-cs"/>
+              </a:rPr>
+              <a:t>- In his first year, in fact in his first six months, using this data right here, after being turned down from a more prestigious job he discovered the Germ Theory of Disease</a:t>
+            </a:r>
+          </a:p>
+          <a:p>
+            <a:pPr lvl="3" rtl="0" fontAlgn="base"/>
+            <a:r>
+              <a:rPr lang="en-US" sz="1800" b="0" i="0" u="none" strike="noStrike" kern="1200" dirty="0">
+                <a:solidFill>
+                  <a:schemeClr val="tx1"/>
+                </a:solidFill>
+                <a:effectLst/>
+                <a:latin typeface="BentonSans Book"/>
+                <a:ea typeface="ＭＳ Ｐゴシック" charset="0"/>
+                <a:cs typeface="+mn-cs"/>
+              </a:rPr>
+              <a:t>- He noticed that doctors coming from autopsies who then delivered babies had dramatically higher maternal mortality rates due to puerperal fever.</a:t>
+            </a:r>
+          </a:p>
+          <a:p>
+            <a:pPr lvl="3" rtl="0" fontAlgn="base"/>
+            <a:r>
+              <a:rPr lang="en-US" sz="1800" b="0" i="0" u="none" strike="noStrike" kern="1200" dirty="0">
+                <a:solidFill>
+                  <a:schemeClr val="tx1"/>
+                </a:solidFill>
+                <a:effectLst/>
+                <a:latin typeface="BentonSans Book"/>
+                <a:ea typeface="ＭＳ Ｐゴシック" charset="0"/>
+                <a:cs typeface="+mn-cs"/>
+              </a:rPr>
+              <a:t>- After asking doctors to wash their hands before examining pregnant women he documented a reduction in mortality rate from 18% to 2.2% over a year</a:t>
+            </a:r>
+          </a:p>
+          <a:p>
+            <a:pPr lvl="3" rtl="0" fontAlgn="base"/>
+            <a:r>
+              <a:rPr lang="en-US" sz="1800" b="0" i="0" u="none" strike="noStrike" kern="1200" dirty="0">
+                <a:solidFill>
+                  <a:schemeClr val="tx1"/>
+                </a:solidFill>
+                <a:effectLst/>
+                <a:latin typeface="BentonSans Book"/>
+                <a:ea typeface="ＭＳ Ｐゴシック" charset="0"/>
+                <a:cs typeface="+mn-cs"/>
+              </a:rPr>
+              <a:t>- He, originally, was mocked for this. He had no explanation but from the data he knew that when doctors washed their hands it saved lives.</a:t>
+            </a:r>
+          </a:p>
+          <a:p>
+            <a:pPr lvl="3" rtl="0" fontAlgn="base"/>
+            <a:r>
+              <a:rPr lang="en-US" sz="1800" b="0" i="0" u="none" strike="noStrike" kern="1200" dirty="0">
+                <a:solidFill>
+                  <a:schemeClr val="tx1"/>
+                </a:solidFill>
+                <a:effectLst/>
+                <a:latin typeface="BentonSans Book"/>
+                <a:ea typeface="ＭＳ Ｐゴシック" charset="0"/>
+                <a:cs typeface="+mn-cs"/>
+              </a:rPr>
+              <a:t>- He died in an insane asylum at age 47 before his theory was ever accepted.</a:t>
+            </a:r>
+          </a:p>
+          <a:p>
+            <a:pPr lvl="3" rtl="0" fontAlgn="base"/>
+            <a:r>
+              <a:rPr lang="en-US" sz="1800" b="0" i="0" u="none" strike="noStrike" kern="1200" dirty="0">
+                <a:solidFill>
+                  <a:schemeClr val="tx1"/>
+                </a:solidFill>
+                <a:effectLst/>
+                <a:latin typeface="BentonSans Book"/>
+                <a:ea typeface="ＭＳ Ｐゴシック" charset="0"/>
+                <a:cs typeface="+mn-cs"/>
+              </a:rPr>
+              <a:t>- A few years after his death in 1865, Louis Pasteur confirmed germ theory and Joseph Lister used their research to practice and operate with hygienic methods with great success.</a:t>
+            </a:r>
+          </a:p>
+          <a:p>
+            <a:pPr lvl="3" rtl="0" fontAlgn="base"/>
+            <a:r>
+              <a:rPr lang="en-US" sz="1800" b="0" i="0" u="none" strike="noStrike" kern="1200" dirty="0">
+                <a:solidFill>
+                  <a:schemeClr val="tx1"/>
+                </a:solidFill>
+                <a:effectLst/>
+                <a:latin typeface="BentonSans Book"/>
+                <a:ea typeface="ＭＳ Ｐゴシック" charset="0"/>
+                <a:cs typeface="+mn-cs"/>
+              </a:rPr>
+              <a:t>- John Snow also contributed to this replacement of miasma theory (disease spread through bad air, even caused by things like bad breath).</a:t>
+            </a:r>
+          </a:p>
+          <a:p>
+            <a:pPr lvl="4" rtl="0" fontAlgn="base"/>
+            <a:r>
+              <a:rPr lang="en-US" sz="1800" b="0" i="0" u="none" strike="noStrike" kern="1200" dirty="0">
+                <a:solidFill>
+                  <a:schemeClr val="tx1"/>
+                </a:solidFill>
+                <a:effectLst/>
+                <a:latin typeface="BentonSans Book"/>
+                <a:ea typeface="ＭＳ Ｐゴシック" charset="0"/>
+                <a:cs typeface="+mn-cs"/>
+              </a:rPr>
+              <a:t>- Game of Thrones!</a:t>
+            </a:r>
+          </a:p>
+          <a:p>
+            <a:pPr lvl="0"/>
+            <a:r>
+              <a:rPr lang="en-US" sz="2000" b="0" i="0" u="none" strike="noStrike" kern="1200" dirty="0">
+                <a:solidFill>
+                  <a:schemeClr val="tx1"/>
+                </a:solidFill>
+                <a:effectLst/>
+                <a:latin typeface="BentonSans Book"/>
+                <a:ea typeface="ＭＳ Ｐゴシック" charset="0"/>
+                <a:cs typeface="ＭＳ Ｐゴシック" charset="0"/>
+              </a:rPr>
+              <a:t>		- Wrote essay called </a:t>
+            </a:r>
+            <a:r>
+              <a:rPr lang="en-US" sz="1800" b="0" i="1" u="none" strike="noStrike" kern="1200" dirty="0">
+                <a:solidFill>
+                  <a:schemeClr val="tx1"/>
+                </a:solidFill>
+                <a:effectLst/>
+                <a:latin typeface="BentonSans Book"/>
+                <a:ea typeface="ＭＳ Ｐゴシック" charset="0"/>
+                <a:cs typeface="ＭＳ Ｐゴシック" charset="0"/>
+              </a:rPr>
+              <a:t>On the Mode of Communication of Cholera </a:t>
+            </a:r>
+            <a:r>
+              <a:rPr lang="en-US" sz="1800" b="0" i="0" u="none" strike="noStrike" kern="1200" dirty="0">
+                <a:solidFill>
+                  <a:schemeClr val="tx1"/>
+                </a:solidFill>
+                <a:effectLst/>
+                <a:latin typeface="BentonSans Book"/>
+                <a:ea typeface="ＭＳ Ｐゴシック" charset="0"/>
+                <a:cs typeface="ＭＳ Ｐゴシック" charset="0"/>
+              </a:rPr>
+              <a:t>in 1849</a:t>
+            </a:r>
+            <a:endParaRPr lang="en-US" dirty="0">
+              <a:latin typeface="BentonSans Book" charset="0"/>
+            </a:endParaRPr>
+          </a:p>
+        </p:txBody>
+      </p:sp>
+    </p:spTree>
+    <p:extLst>
+      <p:ext uri="{BB962C8B-B14F-4D97-AF65-F5344CB8AC3E}">
+        <p14:creationId xmlns:p14="http://schemas.microsoft.com/office/powerpoint/2010/main" val="509396539"/>
+      </p:ext>
+    </p:extLst>
+  </p:cSld>
+  <p:clrMapOvr>
+    <a:masterClrMapping/>
+  </p:clrMapOvr>
+</p:notes>
+</file>
+
+<file path=ppt/notesSlides/notesSlide12.xml><?xml version="1.0" encoding="utf-8"?>
+<p:notes xmlns:a="http://schemas.openxmlformats.org/drawingml/2006/main" xmlns:r="http://schemas.openxmlformats.org/officeDocument/2006/relationships" xmlns:p="http://schemas.openxmlformats.org/presentationml/2006/main">
+  <p:cSld>
+    <p:spTree>
+      <p:nvGrpSpPr>
+        <p:cNvPr id="1" name=""/>
+        <p:cNvGrpSpPr/>
+        <p:nvPr/>
+      </p:nvGrpSpPr>
+      <p:grpSpPr>
+        <a:xfrm>
+          <a:off x="0" y="0"/>
+          <a:ext cx="0" cy="0"/>
+          <a:chOff x="0" y="0"/>
+          <a:chExt cx="0" cy="0"/>
+        </a:xfrm>
+      </p:grpSpPr>
+      <p:sp>
+        <p:nvSpPr>
           <p:cNvPr id="47105" name="Slide Image Placeholder 1"/>
           <p:cNvSpPr>
             <a:spLocks noGrp="1" noRot="1" noChangeAspect="1"/>
@@ -1428,7 +1773,7 @@
 </p:notes>
 </file>
 
-<file path=ppt/notesSlides/notesSlide12.xml><?xml version="1.0" encoding="utf-8"?>
+<file path=ppt/notesSlides/notesSlide13.xml><?xml version="1.0" encoding="utf-8"?>
 <p:notes xmlns:a="http://schemas.openxmlformats.org/drawingml/2006/main" xmlns:r="http://schemas.openxmlformats.org/officeDocument/2006/relationships" xmlns:p="http://schemas.openxmlformats.org/presentationml/2006/main">
   <p:cSld>
     <p:spTree>
@@ -1541,7 +1886,7 @@
 </p:notes>
 </file>
 
-<file path=ppt/notesSlides/notesSlide13.xml><?xml version="1.0" encoding="utf-8"?>
+<file path=ppt/notesSlides/notesSlide14.xml><?xml version="1.0" encoding="utf-8"?>
 <p:notes xmlns:a="http://schemas.openxmlformats.org/drawingml/2006/main" xmlns:r="http://schemas.openxmlformats.org/officeDocument/2006/relationships" xmlns:p="http://schemas.openxmlformats.org/presentationml/2006/main">
   <p:cSld>
     <p:spTree>
@@ -1654,7 +1999,7 @@
 </p:notes>
 </file>
 
-<file path=ppt/notesSlides/notesSlide14.xml><?xml version="1.0" encoding="utf-8"?>
+<file path=ppt/notesSlides/notesSlide15.xml><?xml version="1.0" encoding="utf-8"?>
 <p:notes xmlns:a="http://schemas.openxmlformats.org/drawingml/2006/main" xmlns:r="http://schemas.openxmlformats.org/officeDocument/2006/relationships" xmlns:p="http://schemas.openxmlformats.org/presentationml/2006/main">
   <p:cSld>
     <p:spTree>
@@ -1767,7 +2112,7 @@
 </p:notes>
 </file>
 
-<file path=ppt/notesSlides/notesSlide15.xml><?xml version="1.0" encoding="utf-8"?>
+<file path=ppt/notesSlides/notesSlide16.xml><?xml version="1.0" encoding="utf-8"?>
 <p:notes xmlns:a="http://schemas.openxmlformats.org/drawingml/2006/main" xmlns:r="http://schemas.openxmlformats.org/officeDocument/2006/relationships" xmlns:p="http://schemas.openxmlformats.org/presentationml/2006/main">
   <p:cSld>
     <p:spTree>
@@ -1880,7 +2225,7 @@
 </p:notes>
 </file>
 
-<file path=ppt/notesSlides/notesSlide16.xml><?xml version="1.0" encoding="utf-8"?>
+<file path=ppt/notesSlides/notesSlide17.xml><?xml version="1.0" encoding="utf-8"?>
 <p:notes xmlns:a="http://schemas.openxmlformats.org/drawingml/2006/main" xmlns:r="http://schemas.openxmlformats.org/officeDocument/2006/relationships" xmlns:p="http://schemas.openxmlformats.org/presentationml/2006/main">
   <p:cSld>
     <p:spTree>
@@ -1993,7 +2338,7 @@
 </p:notes>
 </file>
 
-<file path=ppt/notesSlides/notesSlide17.xml><?xml version="1.0" encoding="utf-8"?>
+<file path=ppt/notesSlides/notesSlide18.xml><?xml version="1.0" encoding="utf-8"?>
 <p:notes xmlns:a="http://schemas.openxmlformats.org/drawingml/2006/main" xmlns:r="http://schemas.openxmlformats.org/officeDocument/2006/relationships" xmlns:p="http://schemas.openxmlformats.org/presentationml/2006/main">
   <p:cSld>
     <p:spTree>
@@ -2319,7 +2664,7 @@
 </p:notes>
 </file>
 
-<file path=ppt/notesSlides/notesSlide18.xml><?xml version="1.0" encoding="utf-8"?>
+<file path=ppt/notesSlides/notesSlide19.xml><?xml version="1.0" encoding="utf-8"?>
 <p:notes xmlns:a="http://schemas.openxmlformats.org/drawingml/2006/main" xmlns:r="http://schemas.openxmlformats.org/officeDocument/2006/relationships" xmlns:p="http://schemas.openxmlformats.org/presentationml/2006/main">
   <p:cSld>
     <p:spTree>
@@ -2809,7 +3154,120 @@
 </p:notes>
 </file>
 
-<file path=ppt/notesSlides/notesSlide19.xml><?xml version="1.0" encoding="utf-8"?>
+<file path=ppt/notesSlides/notesSlide2.xml><?xml version="1.0" encoding="utf-8"?>
+<p:notes xmlns:a="http://schemas.openxmlformats.org/drawingml/2006/main" xmlns:r="http://schemas.openxmlformats.org/officeDocument/2006/relationships" xmlns:p="http://schemas.openxmlformats.org/presentationml/2006/main">
+  <p:cSld>
+    <p:spTree>
+      <p:nvGrpSpPr>
+        <p:cNvPr id="1" name=""/>
+        <p:cNvGrpSpPr/>
+        <p:nvPr/>
+      </p:nvGrpSpPr>
+      <p:grpSpPr>
+        <a:xfrm>
+          <a:off x="0" y="0"/>
+          <a:ext cx="0" cy="0"/>
+          <a:chOff x="0" y="0"/>
+          <a:chExt cx="0" cy="0"/>
+        </a:xfrm>
+      </p:grpSpPr>
+      <p:sp>
+        <p:nvSpPr>
+          <p:cNvPr id="37889" name="Slide Image Placeholder 1"/>
+          <p:cNvSpPr>
+            <a:spLocks noGrp="1" noRot="1" noChangeAspect="1"/>
+          </p:cNvSpPr>
+          <p:nvPr>
+            <p:ph type="sldImg"/>
+          </p:nvPr>
+        </p:nvSpPr>
+        <p:spPr bwMode="auto">
+          <a:noFill/>
+          <a:ln>
+            <a:solidFill>
+              <a:srgbClr val="000000"/>
+            </a:solidFill>
+            <a:miter lim="800000"/>
+            <a:headEnd/>
+            <a:tailEnd/>
+          </a:ln>
+          <a:extLst>
+            <a:ext uri="{909E8E84-426E-40dd-AFC4-6F175D3DCCD1}">
+              <a14:hiddenFill xmlns:a14="http://schemas.microsoft.com/office/drawing/2010/main" xmlns="">
+                <a:solidFill>
+                  <a:srgbClr val="FFFFFF"/>
+                </a:solidFill>
+              </a14:hiddenFill>
+            </a:ext>
+            <a:ext uri="{FAA26D3D-D897-4be2-8F04-BA451C77F1D7}">
+              <ma14:placeholderFlag xmlns:ma14="http://schemas.microsoft.com/office/mac/drawingml/2011/main" xmlns="" val="1"/>
+            </a:ext>
+          </a:extLst>
+        </p:spPr>
+      </p:sp>
+      <p:sp>
+        <p:nvSpPr>
+          <p:cNvPr id="37890" name="Notes Placeholder 2"/>
+          <p:cNvSpPr>
+            <a:spLocks noGrp="1"/>
+          </p:cNvSpPr>
+          <p:nvPr>
+            <p:ph type="body" idx="1"/>
+          </p:nvPr>
+        </p:nvSpPr>
+        <p:spPr bwMode="auto">
+          <a:noFill/>
+          <a:extLst>
+            <a:ext uri="{909E8E84-426E-40dd-AFC4-6F175D3DCCD1}">
+              <a14:hiddenFill xmlns:a14="http://schemas.microsoft.com/office/drawing/2010/main" xmlns="">
+                <a:solidFill>
+                  <a:srgbClr val="FFFFFF"/>
+                </a:solidFill>
+              </a14:hiddenFill>
+            </a:ext>
+            <a:ext uri="{91240B29-F687-4f45-9708-019B960494DF}">
+              <a14:hiddenLine xmlns:a14="http://schemas.microsoft.com/office/drawing/2010/main" xmlns="" w="9525">
+                <a:solidFill>
+                  <a:srgbClr val="000000"/>
+                </a:solidFill>
+                <a:miter lim="800000"/>
+                <a:headEnd/>
+                <a:tailEnd/>
+              </a14:hiddenLine>
+            </a:ext>
+          </a:extLst>
+        </p:spPr>
+        <p:txBody>
+          <a:bodyPr wrap="square" numCol="1" anchor="t" anchorCtr="0" compatLnSpc="1">
+            <a:prstTxWarp prst="textNoShape">
+              <a:avLst/>
+            </a:prstTxWarp>
+          </a:bodyPr>
+          <a:lstStyle/>
+          <a:p>
+            <a:pPr>
+              <a:spcBef>
+                <a:spcPct val="0"/>
+              </a:spcBef>
+            </a:pPr>
+            <a:r>
+              <a:rPr lang="en-US">
+                <a:latin typeface="BentonSans Book" charset="0"/>
+              </a:rPr>
+              <a:t>Table of Contents</a:t>
+            </a:r>
+          </a:p>
+        </p:txBody>
+      </p:sp>
+    </p:spTree>
+  </p:cSld>
+  <p:clrMapOvr>
+    <a:masterClrMapping/>
+  </p:clrMapOvr>
+</p:notes>
+</file>
+
+<file path=ppt/notesSlides/notesSlide20.xml><?xml version="1.0" encoding="utf-8"?>
 <p:notes xmlns:a="http://schemas.openxmlformats.org/drawingml/2006/main" xmlns:r="http://schemas.openxmlformats.org/officeDocument/2006/relationships" xmlns:p="http://schemas.openxmlformats.org/presentationml/2006/main">
   <p:cSld>
     <p:spTree>
@@ -3299,120 +3757,7 @@
 </p:notes>
 </file>
 
-<file path=ppt/notesSlides/notesSlide2.xml><?xml version="1.0" encoding="utf-8"?>
-<p:notes xmlns:a="http://schemas.openxmlformats.org/drawingml/2006/main" xmlns:r="http://schemas.openxmlformats.org/officeDocument/2006/relationships" xmlns:p="http://schemas.openxmlformats.org/presentationml/2006/main">
-  <p:cSld>
-    <p:spTree>
-      <p:nvGrpSpPr>
-        <p:cNvPr id="1" name=""/>
-        <p:cNvGrpSpPr/>
-        <p:nvPr/>
-      </p:nvGrpSpPr>
-      <p:grpSpPr>
-        <a:xfrm>
-          <a:off x="0" y="0"/>
-          <a:ext cx="0" cy="0"/>
-          <a:chOff x="0" y="0"/>
-          <a:chExt cx="0" cy="0"/>
-        </a:xfrm>
-      </p:grpSpPr>
-      <p:sp>
-        <p:nvSpPr>
-          <p:cNvPr id="37889" name="Slide Image Placeholder 1"/>
-          <p:cNvSpPr>
-            <a:spLocks noGrp="1" noRot="1" noChangeAspect="1"/>
-          </p:cNvSpPr>
-          <p:nvPr>
-            <p:ph type="sldImg"/>
-          </p:nvPr>
-        </p:nvSpPr>
-        <p:spPr bwMode="auto">
-          <a:noFill/>
-          <a:ln>
-            <a:solidFill>
-              <a:srgbClr val="000000"/>
-            </a:solidFill>
-            <a:miter lim="800000"/>
-            <a:headEnd/>
-            <a:tailEnd/>
-          </a:ln>
-          <a:extLst>
-            <a:ext uri="{909E8E84-426E-40dd-AFC4-6F175D3DCCD1}">
-              <a14:hiddenFill xmlns:a14="http://schemas.microsoft.com/office/drawing/2010/main" xmlns="">
-                <a:solidFill>
-                  <a:srgbClr val="FFFFFF"/>
-                </a:solidFill>
-              </a14:hiddenFill>
-            </a:ext>
-            <a:ext uri="{FAA26D3D-D897-4be2-8F04-BA451C77F1D7}">
-              <ma14:placeholderFlag xmlns:ma14="http://schemas.microsoft.com/office/mac/drawingml/2011/main" xmlns="" val="1"/>
-            </a:ext>
-          </a:extLst>
-        </p:spPr>
-      </p:sp>
-      <p:sp>
-        <p:nvSpPr>
-          <p:cNvPr id="37890" name="Notes Placeholder 2"/>
-          <p:cNvSpPr>
-            <a:spLocks noGrp="1"/>
-          </p:cNvSpPr>
-          <p:nvPr>
-            <p:ph type="body" idx="1"/>
-          </p:nvPr>
-        </p:nvSpPr>
-        <p:spPr bwMode="auto">
-          <a:noFill/>
-          <a:extLst>
-            <a:ext uri="{909E8E84-426E-40dd-AFC4-6F175D3DCCD1}">
-              <a14:hiddenFill xmlns:a14="http://schemas.microsoft.com/office/drawing/2010/main" xmlns="">
-                <a:solidFill>
-                  <a:srgbClr val="FFFFFF"/>
-                </a:solidFill>
-              </a14:hiddenFill>
-            </a:ext>
-            <a:ext uri="{91240B29-F687-4f45-9708-019B960494DF}">
-              <a14:hiddenLine xmlns:a14="http://schemas.microsoft.com/office/drawing/2010/main" xmlns="" w="9525">
-                <a:solidFill>
-                  <a:srgbClr val="000000"/>
-                </a:solidFill>
-                <a:miter lim="800000"/>
-                <a:headEnd/>
-                <a:tailEnd/>
-              </a14:hiddenLine>
-            </a:ext>
-          </a:extLst>
-        </p:spPr>
-        <p:txBody>
-          <a:bodyPr wrap="square" numCol="1" anchor="t" anchorCtr="0" compatLnSpc="1">
-            <a:prstTxWarp prst="textNoShape">
-              <a:avLst/>
-            </a:prstTxWarp>
-          </a:bodyPr>
-          <a:lstStyle/>
-          <a:p>
-            <a:pPr>
-              <a:spcBef>
-                <a:spcPct val="0"/>
-              </a:spcBef>
-            </a:pPr>
-            <a:r>
-              <a:rPr lang="en-US">
-                <a:latin typeface="BentonSans Book" charset="0"/>
-              </a:rPr>
-              <a:t>Table of Contents</a:t>
-            </a:r>
-          </a:p>
-        </p:txBody>
-      </p:sp>
-    </p:spTree>
-  </p:cSld>
-  <p:clrMapOvr>
-    <a:masterClrMapping/>
-  </p:clrMapOvr>
-</p:notes>
-</file>
-
-<file path=ppt/notesSlides/notesSlide20.xml><?xml version="1.0" encoding="utf-8"?>
+<file path=ppt/notesSlides/notesSlide21.xml><?xml version="1.0" encoding="utf-8"?>
 <p:notes xmlns:a="http://schemas.openxmlformats.org/drawingml/2006/main" xmlns:r="http://schemas.openxmlformats.org/officeDocument/2006/relationships" xmlns:p="http://schemas.openxmlformats.org/presentationml/2006/main">
   <p:cSld>
     <p:spTree>
@@ -3902,7 +4247,7 @@
 </p:notes>
 </file>
 
-<file path=ppt/notesSlides/notesSlide21.xml><?xml version="1.0" encoding="utf-8"?>
+<file path=ppt/notesSlides/notesSlide22.xml><?xml version="1.0" encoding="utf-8"?>
 <p:notes xmlns:a="http://schemas.openxmlformats.org/drawingml/2006/main" xmlns:r="http://schemas.openxmlformats.org/officeDocument/2006/relationships" xmlns:p="http://schemas.openxmlformats.org/presentationml/2006/main">
   <p:cSld>
     <p:spTree>
@@ -4392,7 +4737,7 @@
 </p:notes>
 </file>
 
-<file path=ppt/notesSlides/notesSlide22.xml><?xml version="1.0" encoding="utf-8"?>
+<file path=ppt/notesSlides/notesSlide23.xml><?xml version="1.0" encoding="utf-8"?>
 <p:notes xmlns:a="http://schemas.openxmlformats.org/drawingml/2006/main" xmlns:r="http://schemas.openxmlformats.org/officeDocument/2006/relationships" xmlns:p="http://schemas.openxmlformats.org/presentationml/2006/main">
   <p:cSld>
     <p:spTree>
@@ -4882,7 +5227,7 @@
 </p:notes>
 </file>
 
-<file path=ppt/notesSlides/notesSlide23.xml><?xml version="1.0" encoding="utf-8"?>
+<file path=ppt/notesSlides/notesSlide24.xml><?xml version="1.0" encoding="utf-8"?>
 <p:notes xmlns:a="http://schemas.openxmlformats.org/drawingml/2006/main" xmlns:r="http://schemas.openxmlformats.org/officeDocument/2006/relationships" xmlns:p="http://schemas.openxmlformats.org/presentationml/2006/main">
   <p:cSld>
     <p:spTree>
@@ -5372,7 +5717,7 @@
 </p:notes>
 </file>
 
-<file path=ppt/notesSlides/notesSlide24.xml><?xml version="1.0" encoding="utf-8"?>
+<file path=ppt/notesSlides/notesSlide25.xml><?xml version="1.0" encoding="utf-8"?>
 <p:notes xmlns:a="http://schemas.openxmlformats.org/drawingml/2006/main" xmlns:r="http://schemas.openxmlformats.org/officeDocument/2006/relationships" xmlns:p="http://schemas.openxmlformats.org/presentationml/2006/main">
   <p:cSld>
     <p:spTree>
@@ -5490,7 +5835,7 @@
 </p:notes>
 </file>
 
-<file path=ppt/notesSlides/notesSlide25.xml><?xml version="1.0" encoding="utf-8"?>
+<file path=ppt/notesSlides/notesSlide26.xml><?xml version="1.0" encoding="utf-8"?>
 <p:notes xmlns:a="http://schemas.openxmlformats.org/drawingml/2006/main" xmlns:r="http://schemas.openxmlformats.org/officeDocument/2006/relationships" xmlns:p="http://schemas.openxmlformats.org/presentationml/2006/main">
   <p:cSld>
     <p:spTree>
@@ -9871,7 +10216,7 @@
             </a:pPr>
             <a:r>
               <a:rPr lang="en-US" dirty="0"/>
-              <a:t>Noticed births assisted by doctors had significantly higher mortality rates than those assisted by midwives</a:t>
+              <a:t>Births assisted by doctors had higher mortality rates than those assisted by midwives</a:t>
             </a:r>
           </a:p>
           <a:p>
@@ -9982,6 +10327,292 @@
 </file>
 
 <file path=ppt/slides/slide12.xml><?xml version="1.0" encoding="utf-8"?>
+<p:sld xmlns:a="http://schemas.openxmlformats.org/drawingml/2006/main" xmlns:r="http://schemas.openxmlformats.org/officeDocument/2006/relationships" xmlns:p="http://schemas.openxmlformats.org/presentationml/2006/main">
+  <p:cSld>
+    <p:spTree>
+      <p:nvGrpSpPr>
+        <p:cNvPr id="1" name=""/>
+        <p:cNvGrpSpPr/>
+        <p:nvPr/>
+      </p:nvGrpSpPr>
+      <p:grpSpPr>
+        <a:xfrm>
+          <a:off x="0" y="0"/>
+          <a:ext cx="0" cy="0"/>
+          <a:chOff x="0" y="0"/>
+          <a:chExt cx="0" cy="0"/>
+        </a:xfrm>
+      </p:grpSpPr>
+      <p:sp>
+        <p:nvSpPr>
+          <p:cNvPr id="4" name="Content Placeholder 3"/>
+          <p:cNvSpPr>
+            <a:spLocks noGrp="1"/>
+          </p:cNvSpPr>
+          <p:nvPr>
+            <p:ph idx="13"/>
+          </p:nvPr>
+        </p:nvSpPr>
+        <p:spPr>
+          <a:xfrm>
+            <a:off x="7329803" y="1887752"/>
+            <a:ext cx="6649347" cy="5084469"/>
+          </a:xfrm>
+        </p:spPr>
+        <p:txBody>
+          <a:bodyPr/>
+          <a:lstStyle/>
+          <a:p>
+            <a:pPr marL="457200" indent="-457200" defTabSz="1306221" fontAlgn="auto">
+              <a:buFont typeface="Arial" panose="020B0604020202020204" pitchFamily="34" charset="0"/>
+              <a:buChar char="•"/>
+              <a:defRPr/>
+            </a:pPr>
+            <a:r>
+              <a:rPr lang="en-US" dirty="0"/>
+              <a:t>Germ Theory of Disease</a:t>
+            </a:r>
+          </a:p>
+          <a:p>
+            <a:pPr marL="457200" indent="-457200" defTabSz="1306221" fontAlgn="auto">
+              <a:buFont typeface="Arial" panose="020B0604020202020204" pitchFamily="34" charset="0"/>
+              <a:buChar char="•"/>
+              <a:defRPr/>
+            </a:pPr>
+            <a:r>
+              <a:rPr lang="en-US" dirty="0"/>
+              <a:t>Replaced Miasma theory</a:t>
+            </a:r>
+          </a:p>
+          <a:p>
+            <a:pPr marL="457200" indent="-457200" defTabSz="1306221" fontAlgn="auto">
+              <a:buFont typeface="Arial" panose="020B0604020202020204" pitchFamily="34" charset="0"/>
+              <a:buChar char="•"/>
+              <a:defRPr/>
+            </a:pPr>
+            <a:r>
+              <a:rPr lang="en-US" dirty="0"/>
+              <a:t>Saved </a:t>
+            </a:r>
+            <a:r>
+              <a:rPr lang="en-US" b="1" dirty="0"/>
+              <a:t>many</a:t>
+            </a:r>
+            <a:r>
+              <a:rPr lang="en-US" i="1" dirty="0"/>
+              <a:t> </a:t>
+            </a:r>
+            <a:r>
+              <a:rPr lang="en-US" dirty="0"/>
+              <a:t>lives</a:t>
+            </a:r>
+          </a:p>
+          <a:p>
+            <a:pPr marL="457200" indent="-457200" defTabSz="1306221" fontAlgn="auto">
+              <a:buFont typeface="Arial" panose="020B0604020202020204" pitchFamily="34" charset="0"/>
+              <a:buChar char="•"/>
+              <a:defRPr/>
+            </a:pPr>
+            <a:r>
+              <a:rPr lang="en-US" dirty="0"/>
+              <a:t>Community did not accept it</a:t>
+            </a:r>
+          </a:p>
+          <a:p>
+            <a:pPr marL="457200" indent="-457200" defTabSz="1306221" fontAlgn="auto">
+              <a:buFont typeface="Arial" panose="020B0604020202020204" pitchFamily="34" charset="0"/>
+              <a:buChar char="•"/>
+              <a:defRPr/>
+            </a:pPr>
+            <a:r>
+              <a:rPr lang="en-US" dirty="0"/>
+              <a:t>Died in an insane asylum</a:t>
+            </a:r>
+          </a:p>
+          <a:p>
+            <a:pPr marL="457200" indent="-457200" defTabSz="1306221" fontAlgn="auto">
+              <a:buFont typeface="Arial" panose="020B0604020202020204" pitchFamily="34" charset="0"/>
+              <a:buChar char="•"/>
+              <a:defRPr/>
+            </a:pPr>
+            <a:r>
+              <a:rPr lang="en-US" dirty="0"/>
+              <a:t>Jo</a:t>
+            </a:r>
+            <a:r>
+              <a:rPr lang="en-US" strike="sngStrike" dirty="0"/>
+              <a:t>h</a:t>
+            </a:r>
+            <a:r>
+              <a:rPr lang="en-US" dirty="0"/>
+              <a:t>n Snow!</a:t>
+            </a:r>
+          </a:p>
+          <a:p>
+            <a:pPr marL="796925" lvl="1" indent="-457200" defTabSz="1306221" fontAlgn="auto">
+              <a:buFont typeface="Arial" panose="020B0604020202020204" pitchFamily="34" charset="0"/>
+              <a:buChar char="•"/>
+              <a:defRPr/>
+            </a:pPr>
+            <a:r>
+              <a:rPr lang="en-US" dirty="0"/>
+              <a:t>With research from Louis Pasteur, Joseph Lister and others confirmed the theory</a:t>
+            </a:r>
+          </a:p>
+          <a:p>
+            <a:pPr marL="796925" lvl="1" indent="-457200" defTabSz="1306221" fontAlgn="auto">
+              <a:buFont typeface="Arial" panose="020B0604020202020204" pitchFamily="34" charset="0"/>
+              <a:buChar char="•"/>
+              <a:defRPr/>
+            </a:pPr>
+            <a:r>
+              <a:rPr lang="en-US" dirty="0"/>
+              <a:t>Wrote persuasive essay called </a:t>
+            </a:r>
+            <a:r>
+              <a:rPr lang="en-US" i="1" dirty="0"/>
+              <a:t>On the Mode of Communication of Cholera</a:t>
+            </a:r>
+            <a:r>
+              <a:rPr lang="en-US" dirty="0"/>
+              <a:t> (1849)</a:t>
+            </a:r>
+          </a:p>
+          <a:p>
+            <a:pPr marL="796925" lvl="1" indent="-457200" defTabSz="1306221" fontAlgn="auto">
+              <a:buFont typeface="Arial" panose="020B0604020202020204" pitchFamily="34" charset="0"/>
+              <a:buChar char="•"/>
+              <a:defRPr/>
+            </a:pPr>
+            <a:endParaRPr lang="en-US" dirty="0"/>
+          </a:p>
+        </p:txBody>
+      </p:sp>
+      <p:pic>
+        <p:nvPicPr>
+          <p:cNvPr id="6" name="Picture Placeholder 5">
+            <a:extLst>
+              <a:ext uri="{FF2B5EF4-FFF2-40B4-BE49-F238E27FC236}">
+                <a16:creationId xmlns:a16="http://schemas.microsoft.com/office/drawing/2014/main" id="{070D9BDA-892E-4AE2-97F5-F56E3AC1B5E4}"/>
+              </a:ext>
+            </a:extLst>
+          </p:cNvPr>
+          <p:cNvPicPr>
+            <a:picLocks noGrp="1" noChangeAspect="1"/>
+          </p:cNvPicPr>
+          <p:nvPr>
+            <p:ph type="pic" sz="quarter" idx="10"/>
+          </p:nvPr>
+        </p:nvPicPr>
+        <p:blipFill>
+          <a:blip r:embed="rId3">
+            <a:extLst>
+              <a:ext uri="{28A0092B-C50C-407E-A947-70E740481C1C}">
+                <a14:useLocalDpi xmlns:a14="http://schemas.microsoft.com/office/drawing/2010/main" val="0"/>
+              </a:ext>
+            </a:extLst>
+          </a:blip>
+          <a:srcRect l="18766" r="18766"/>
+          <a:stretch>
+            <a:fillRect/>
+          </a:stretch>
+        </p:blipFill>
+        <p:spPr/>
+      </p:pic>
+      <p:sp>
+        <p:nvSpPr>
+          <p:cNvPr id="5" name="Text Placeholder 1"/>
+          <p:cNvSpPr>
+            <a:spLocks noGrp="1"/>
+          </p:cNvSpPr>
+          <p:nvPr>
+            <p:ph type="body" sz="quarter" idx="12"/>
+          </p:nvPr>
+        </p:nvSpPr>
+        <p:spPr>
+          <a:xfrm>
+            <a:off x="710057" y="598699"/>
+            <a:ext cx="13269093" cy="1009507"/>
+          </a:xfrm>
+          <a:prstGeom prst="rect">
+            <a:avLst/>
+          </a:prstGeom>
+        </p:spPr>
+        <p:txBody>
+          <a:bodyPr/>
+          <a:lstStyle/>
+          <a:p>
+            <a:pPr defTabSz="1306221" fontAlgn="auto">
+              <a:defRPr/>
+            </a:pPr>
+            <a:r>
+              <a:rPr lang="en-US" sz="8000" dirty="0"/>
+              <a:t>Ignaz Semmelweis (continued)</a:t>
+            </a:r>
+          </a:p>
+        </p:txBody>
+      </p:sp>
+      <p:pic>
+        <p:nvPicPr>
+          <p:cNvPr id="1030" name="Picture 6">
+            <a:extLst>
+              <a:ext uri="{FF2B5EF4-FFF2-40B4-BE49-F238E27FC236}">
+                <a16:creationId xmlns:a16="http://schemas.microsoft.com/office/drawing/2014/main" id="{364361C8-B591-4D47-BCFE-E8B0AB54CE54}"/>
+              </a:ext>
+            </a:extLst>
+          </p:cNvPr>
+          <p:cNvPicPr>
+            <a:picLocks noChangeAspect="1" noChangeArrowheads="1"/>
+          </p:cNvPicPr>
+          <p:nvPr/>
+        </p:nvPicPr>
+        <p:blipFill>
+          <a:blip r:embed="rId4">
+            <a:extLst>
+              <a:ext uri="{28A0092B-C50C-407E-A947-70E740481C1C}">
+                <a14:useLocalDpi xmlns:a14="http://schemas.microsoft.com/office/drawing/2010/main" val="0"/>
+              </a:ext>
+            </a:extLst>
+          </a:blip>
+          <a:srcRect/>
+          <a:stretch>
+            <a:fillRect/>
+          </a:stretch>
+        </p:blipFill>
+        <p:spPr bwMode="auto">
+          <a:xfrm>
+            <a:off x="1083612" y="1869073"/>
+            <a:ext cx="5395241" cy="5395241"/>
+          </a:xfrm>
+          <a:prstGeom prst="rect">
+            <a:avLst/>
+          </a:prstGeom>
+          <a:noFill/>
+          <a:extLst>
+            <a:ext uri="{909E8E84-426E-40DD-AFC4-6F175D3DCCD1}">
+              <a14:hiddenFill xmlns:a14="http://schemas.microsoft.com/office/drawing/2010/main">
+                <a:solidFill>
+                  <a:srgbClr val="FFFFFF"/>
+                </a:solidFill>
+              </a14:hiddenFill>
+            </a:ext>
+          </a:extLst>
+        </p:spPr>
+      </p:pic>
+    </p:spTree>
+    <p:extLst>
+      <p:ext uri="{BB962C8B-B14F-4D97-AF65-F5344CB8AC3E}">
+        <p14:creationId xmlns:p14="http://schemas.microsoft.com/office/powerpoint/2010/main" val="797736528"/>
+      </p:ext>
+    </p:extLst>
+  </p:cSld>
+  <p:clrMapOvr>
+    <a:masterClrMapping/>
+  </p:clrMapOvr>
+</p:sld>
+</file>
+
+<file path=ppt/slides/slide13.xml><?xml version="1.0" encoding="utf-8"?>
 <p:sld xmlns:a="http://schemas.openxmlformats.org/drawingml/2006/main" xmlns:r="http://schemas.openxmlformats.org/officeDocument/2006/relationships" xmlns:p="http://schemas.openxmlformats.org/presentationml/2006/main">
   <p:cSld>
     <p:spTree>
@@ -10161,7 +10792,7 @@
 </p:sld>
 </file>
 
-<file path=ppt/slides/slide13.xml><?xml version="1.0" encoding="utf-8"?>
+<file path=ppt/slides/slide14.xml><?xml version="1.0" encoding="utf-8"?>
 <p:sld xmlns:a="http://schemas.openxmlformats.org/drawingml/2006/main" xmlns:r="http://schemas.openxmlformats.org/officeDocument/2006/relationships" xmlns:p="http://schemas.openxmlformats.org/presentationml/2006/main">
   <p:cSld>
     <p:spTree>
@@ -10255,7 +10886,7 @@
 </p:sld>
 </file>
 
-<file path=ppt/slides/slide14.xml><?xml version="1.0" encoding="utf-8"?>
+<file path=ppt/slides/slide15.xml><?xml version="1.0" encoding="utf-8"?>
 <p:sld xmlns:a="http://schemas.openxmlformats.org/drawingml/2006/main" xmlns:r="http://schemas.openxmlformats.org/officeDocument/2006/relationships" xmlns:p="http://schemas.openxmlformats.org/presentationml/2006/main">
   <p:cSld>
     <p:spTree>
@@ -10356,7 +10987,7 @@
 </p:sld>
 </file>
 
-<file path=ppt/slides/slide15.xml><?xml version="1.0" encoding="utf-8"?>
+<file path=ppt/slides/slide16.xml><?xml version="1.0" encoding="utf-8"?>
 <p:sld xmlns:a="http://schemas.openxmlformats.org/drawingml/2006/main" xmlns:r="http://schemas.openxmlformats.org/officeDocument/2006/relationships" xmlns:p="http://schemas.openxmlformats.org/presentationml/2006/main">
   <p:cSld>
     <p:spTree>
@@ -10428,7 +11059,7 @@
 </p:sld>
 </file>
 
-<file path=ppt/slides/slide16.xml><?xml version="1.0" encoding="utf-8"?>
+<file path=ppt/slides/slide17.xml><?xml version="1.0" encoding="utf-8"?>
 <p:sld xmlns:a="http://schemas.openxmlformats.org/drawingml/2006/main" xmlns:r="http://schemas.openxmlformats.org/officeDocument/2006/relationships" xmlns:p="http://schemas.openxmlformats.org/presentationml/2006/main">
   <p:cSld>
     <p:spTree>
@@ -10476,7 +11107,7 @@
 </p:sld>
 </file>
 
-<file path=ppt/slides/slide17.xml><?xml version="1.0" encoding="utf-8"?>
+<file path=ppt/slides/slide18.xml><?xml version="1.0" encoding="utf-8"?>
 <p:sld xmlns:a="http://schemas.openxmlformats.org/drawingml/2006/main" xmlns:r="http://schemas.openxmlformats.org/officeDocument/2006/relationships" xmlns:p="http://schemas.openxmlformats.org/presentationml/2006/main">
   <p:cSld>
     <p:spTree>
@@ -10565,7 +11196,7 @@
 </p:sld>
 </file>
 
-<file path=ppt/slides/slide18.xml><?xml version="1.0" encoding="utf-8"?>
+<file path=ppt/slides/slide19.xml><?xml version="1.0" encoding="utf-8"?>
 <p:sld xmlns:a="http://schemas.openxmlformats.org/drawingml/2006/main" xmlns:r="http://schemas.openxmlformats.org/officeDocument/2006/relationships" xmlns:p="http://schemas.openxmlformats.org/presentationml/2006/main">
   <p:cSld>
     <p:spTree>
@@ -10622,7 +11253,114 @@
 </p:sld>
 </file>
 
-<file path=ppt/slides/slide19.xml><?xml version="1.0" encoding="utf-8"?>
+<file path=ppt/slides/slide2.xml><?xml version="1.0" encoding="utf-8"?>
+<p:sld xmlns:a="http://schemas.openxmlformats.org/drawingml/2006/main" xmlns:r="http://schemas.openxmlformats.org/officeDocument/2006/relationships" xmlns:p="http://schemas.openxmlformats.org/presentationml/2006/main">
+  <p:cSld>
+    <p:spTree>
+      <p:nvGrpSpPr>
+        <p:cNvPr id="1" name=""/>
+        <p:cNvGrpSpPr/>
+        <p:nvPr/>
+      </p:nvGrpSpPr>
+      <p:grpSpPr>
+        <a:xfrm>
+          <a:off x="0" y="0"/>
+          <a:ext cx="0" cy="0"/>
+          <a:chOff x="0" y="0"/>
+          <a:chExt cx="0" cy="0"/>
+        </a:xfrm>
+      </p:grpSpPr>
+      <p:sp>
+        <p:nvSpPr>
+          <p:cNvPr id="2" name="Content Placeholder 1"/>
+          <p:cNvSpPr>
+            <a:spLocks noGrp="1"/>
+          </p:cNvSpPr>
+          <p:nvPr>
+            <p:ph idx="14"/>
+          </p:nvPr>
+        </p:nvSpPr>
+        <p:spPr>
+          <a:xfrm>
+            <a:off x="704476" y="1893515"/>
+            <a:ext cx="13273820" cy="815608"/>
+          </a:xfrm>
+        </p:spPr>
+        <p:txBody>
+          <a:bodyPr/>
+          <a:lstStyle/>
+          <a:p>
+            <a:pPr marL="457200" indent="-457200" defTabSz="1306221" fontAlgn="auto">
+              <a:defRPr/>
+            </a:pPr>
+            <a:r>
+              <a:rPr lang="en-US" sz="2400" dirty="0">
+                <a:ea typeface="+mn-ea"/>
+              </a:rPr>
+              <a:t>Anime, spicy food, Japan, David, Tableau</a:t>
+            </a:r>
+          </a:p>
+          <a:p>
+            <a:pPr marL="457200" indent="-457200" defTabSz="1306221" fontAlgn="auto">
+              <a:defRPr/>
+            </a:pPr>
+            <a:endParaRPr lang="en-US" sz="2400" dirty="0">
+              <a:ea typeface="+mn-ea"/>
+            </a:endParaRPr>
+          </a:p>
+        </p:txBody>
+      </p:sp>
+      <p:sp>
+        <p:nvSpPr>
+          <p:cNvPr id="3" name="Text Placeholder 2"/>
+          <p:cNvSpPr>
+            <a:spLocks noGrp="1"/>
+          </p:cNvSpPr>
+          <p:nvPr>
+            <p:ph type="body" sz="quarter" idx="12"/>
+          </p:nvPr>
+        </p:nvSpPr>
+        <p:spPr>
+          <a:prstGeom prst="rect">
+            <a:avLst/>
+          </a:prstGeom>
+        </p:spPr>
+        <p:txBody>
+          <a:bodyPr/>
+          <a:lstStyle/>
+          <a:p>
+            <a:pPr defTabSz="1306221" fontAlgn="auto">
+              <a:spcAft>
+                <a:spcPts val="0"/>
+              </a:spcAft>
+              <a:defRPr/>
+            </a:pPr>
+            <a:r>
+              <a:rPr lang="en-US">
+                <a:ea typeface="+mn-ea"/>
+              </a:rPr>
+              <a:t>About Me</a:t>
+            </a:r>
+            <a:endParaRPr lang="en-US" dirty="0">
+              <a:ea typeface="+mn-ea"/>
+            </a:endParaRPr>
+          </a:p>
+        </p:txBody>
+      </p:sp>
+    </p:spTree>
+    <p:extLst>
+      <p:ext uri="{BB962C8B-B14F-4D97-AF65-F5344CB8AC3E}">
+        <p14:creationId xmlns:p14="http://schemas.microsoft.com/office/powerpoint/2010/main" val="609250667"/>
+      </p:ext>
+    </p:extLst>
+  </p:cSld>
+  <p:clrMapOvr>
+    <a:masterClrMapping/>
+  </p:clrMapOvr>
+</p:sld>
+</file>
+
+<file path=ppt/slides/slide20.xml><?xml version="1.0" encoding="utf-8"?>
 <p:sld xmlns:a="http://schemas.openxmlformats.org/drawingml/2006/main" xmlns:r="http://schemas.openxmlformats.org/officeDocument/2006/relationships" xmlns:p="http://schemas.openxmlformats.org/presentationml/2006/main">
   <p:cSld>
     <p:spTree>
@@ -10830,114 +11568,7 @@
 </p:sld>
 </file>
 
-<file path=ppt/slides/slide2.xml><?xml version="1.0" encoding="utf-8"?>
-<p:sld xmlns:a="http://schemas.openxmlformats.org/drawingml/2006/main" xmlns:r="http://schemas.openxmlformats.org/officeDocument/2006/relationships" xmlns:p="http://schemas.openxmlformats.org/presentationml/2006/main">
-  <p:cSld>
-    <p:spTree>
-      <p:nvGrpSpPr>
-        <p:cNvPr id="1" name=""/>
-        <p:cNvGrpSpPr/>
-        <p:nvPr/>
-      </p:nvGrpSpPr>
-      <p:grpSpPr>
-        <a:xfrm>
-          <a:off x="0" y="0"/>
-          <a:ext cx="0" cy="0"/>
-          <a:chOff x="0" y="0"/>
-          <a:chExt cx="0" cy="0"/>
-        </a:xfrm>
-      </p:grpSpPr>
-      <p:sp>
-        <p:nvSpPr>
-          <p:cNvPr id="2" name="Content Placeholder 1"/>
-          <p:cNvSpPr>
-            <a:spLocks noGrp="1"/>
-          </p:cNvSpPr>
-          <p:nvPr>
-            <p:ph idx="14"/>
-          </p:nvPr>
-        </p:nvSpPr>
-        <p:spPr>
-          <a:xfrm>
-            <a:off x="704476" y="1893515"/>
-            <a:ext cx="13273820" cy="815608"/>
-          </a:xfrm>
-        </p:spPr>
-        <p:txBody>
-          <a:bodyPr/>
-          <a:lstStyle/>
-          <a:p>
-            <a:pPr marL="457200" indent="-457200" defTabSz="1306221" fontAlgn="auto">
-              <a:defRPr/>
-            </a:pPr>
-            <a:r>
-              <a:rPr lang="en-US" sz="2400" dirty="0">
-                <a:ea typeface="+mn-ea"/>
-              </a:rPr>
-              <a:t>Anime, spicy food, Japan, David, Tableau</a:t>
-            </a:r>
-          </a:p>
-          <a:p>
-            <a:pPr marL="457200" indent="-457200" defTabSz="1306221" fontAlgn="auto">
-              <a:defRPr/>
-            </a:pPr>
-            <a:endParaRPr lang="en-US" sz="2400" dirty="0">
-              <a:ea typeface="+mn-ea"/>
-            </a:endParaRPr>
-          </a:p>
-        </p:txBody>
-      </p:sp>
-      <p:sp>
-        <p:nvSpPr>
-          <p:cNvPr id="3" name="Text Placeholder 2"/>
-          <p:cNvSpPr>
-            <a:spLocks noGrp="1"/>
-          </p:cNvSpPr>
-          <p:nvPr>
-            <p:ph type="body" sz="quarter" idx="12"/>
-          </p:nvPr>
-        </p:nvSpPr>
-        <p:spPr>
-          <a:prstGeom prst="rect">
-            <a:avLst/>
-          </a:prstGeom>
-        </p:spPr>
-        <p:txBody>
-          <a:bodyPr/>
-          <a:lstStyle/>
-          <a:p>
-            <a:pPr defTabSz="1306221" fontAlgn="auto">
-              <a:spcAft>
-                <a:spcPts val="0"/>
-              </a:spcAft>
-              <a:defRPr/>
-            </a:pPr>
-            <a:r>
-              <a:rPr lang="en-US">
-                <a:ea typeface="+mn-ea"/>
-              </a:rPr>
-              <a:t>About Me</a:t>
-            </a:r>
-            <a:endParaRPr lang="en-US" dirty="0">
-              <a:ea typeface="+mn-ea"/>
-            </a:endParaRPr>
-          </a:p>
-        </p:txBody>
-      </p:sp>
-    </p:spTree>
-    <p:extLst>
-      <p:ext uri="{BB962C8B-B14F-4D97-AF65-F5344CB8AC3E}">
-        <p14:creationId xmlns:p14="http://schemas.microsoft.com/office/powerpoint/2010/main" val="609250667"/>
-      </p:ext>
-    </p:extLst>
-  </p:cSld>
-  <p:clrMapOvr>
-    <a:masterClrMapping/>
-  </p:clrMapOvr>
-</p:sld>
-</file>
-
-<file path=ppt/slides/slide20.xml><?xml version="1.0" encoding="utf-8"?>
+<file path=ppt/slides/slide21.xml><?xml version="1.0" encoding="utf-8"?>
 <p:sld xmlns:a="http://schemas.openxmlformats.org/drawingml/2006/main" xmlns:r="http://schemas.openxmlformats.org/officeDocument/2006/relationships" xmlns:p="http://schemas.openxmlformats.org/presentationml/2006/main">
   <p:cSld>
     <p:spTree>
@@ -12224,7 +12855,7 @@
 </p:sld>
 </file>
 
-<file path=ppt/slides/slide21.xml><?xml version="1.0" encoding="utf-8"?>
+<file path=ppt/slides/slide22.xml><?xml version="1.0" encoding="utf-8"?>
 <p:sld xmlns:a="http://schemas.openxmlformats.org/drawingml/2006/main" xmlns:r="http://schemas.openxmlformats.org/officeDocument/2006/relationships" xmlns:p="http://schemas.openxmlformats.org/presentationml/2006/main">
   <p:cSld>
     <p:spTree>
@@ -12459,7 +13090,7 @@
 </p:sld>
 </file>
 
-<file path=ppt/slides/slide22.xml><?xml version="1.0" encoding="utf-8"?>
+<file path=ppt/slides/slide23.xml><?xml version="1.0" encoding="utf-8"?>
 <p:sld xmlns:a="http://schemas.openxmlformats.org/drawingml/2006/main" xmlns:r="http://schemas.openxmlformats.org/officeDocument/2006/relationships" xmlns:p="http://schemas.openxmlformats.org/presentationml/2006/main">
   <p:cSld>
     <p:spTree>
@@ -13029,7 +13660,7 @@
 </p:sld>
 </file>
 
-<file path=ppt/slides/slide23.xml><?xml version="1.0" encoding="utf-8"?>
+<file path=ppt/slides/slide24.xml><?xml version="1.0" encoding="utf-8"?>
 <p:sld xmlns:a="http://schemas.openxmlformats.org/drawingml/2006/main" xmlns:r="http://schemas.openxmlformats.org/officeDocument/2006/relationships" xmlns:p="http://schemas.openxmlformats.org/presentationml/2006/main">
   <p:cSld>
     <p:spTree>
@@ -13453,7 +14084,7 @@
 </p:sld>
 </file>
 
-<file path=ppt/slides/slide24.xml><?xml version="1.0" encoding="utf-8"?>
+<file path=ppt/slides/slide25.xml><?xml version="1.0" encoding="utf-8"?>
 <p:sld xmlns:a="http://schemas.openxmlformats.org/drawingml/2006/main" xmlns:r="http://schemas.openxmlformats.org/officeDocument/2006/relationships" xmlns:p="http://schemas.openxmlformats.org/presentationml/2006/main">
   <p:cSld>
     <p:spTree>
@@ -14286,7 +14917,7 @@
 </p:sld>
 </file>
 
-<file path=ppt/slides/slide25.xml><?xml version="1.0" encoding="utf-8"?>
+<file path=ppt/slides/slide26.xml><?xml version="1.0" encoding="utf-8"?>
 <p:sld xmlns:a="http://schemas.openxmlformats.org/drawingml/2006/main" xmlns:r="http://schemas.openxmlformats.org/officeDocument/2006/relationships" xmlns:p="http://schemas.openxmlformats.org/presentationml/2006/main">
   <p:cSld>
     <p:spTree>
@@ -35815,7 +36446,7 @@
 </p:sld>
 </file>
 
-<file path=ppt/slides/slide26.xml><?xml version="1.0" encoding="utf-8"?>
+<file path=ppt/slides/slide27.xml><?xml version="1.0" encoding="utf-8"?>
 <p:sld xmlns:a="http://schemas.openxmlformats.org/drawingml/2006/main" xmlns:r="http://schemas.openxmlformats.org/officeDocument/2006/relationships" xmlns:p="http://schemas.openxmlformats.org/presentationml/2006/main">
   <p:cSld>
     <p:spTree>
@@ -36255,7 +36886,7 @@
 </p:sld>
 </file>
 
-<file path=ppt/slides/slide27.xml><?xml version="1.0" encoding="utf-8"?>
+<file path=ppt/slides/slide28.xml><?xml version="1.0" encoding="utf-8"?>
 <p:sld xmlns:a="http://schemas.openxmlformats.org/drawingml/2006/main" xmlns:r="http://schemas.openxmlformats.org/officeDocument/2006/relationships" xmlns:p="http://schemas.openxmlformats.org/presentationml/2006/main">
   <p:cSld>
     <p:spTree>
@@ -36351,7 +36982,7 @@
 </p:sld>
 </file>
 
-<file path=ppt/slides/slide28.xml><?xml version="1.0" encoding="utf-8"?>
+<file path=ppt/slides/slide29.xml><?xml version="1.0" encoding="utf-8"?>
 <p:sld xmlns:a="http://schemas.openxmlformats.org/drawingml/2006/main" xmlns:r="http://schemas.openxmlformats.org/officeDocument/2006/relationships" xmlns:p="http://schemas.openxmlformats.org/presentationml/2006/main">
   <p:cSld>
     <p:spTree>
@@ -36785,7 +37416,259 @@
 </p:sld>
 </file>
 
-<file path=ppt/slides/slide29.xml><?xml version="1.0" encoding="utf-8"?>
+<file path=ppt/slides/slide3.xml><?xml version="1.0" encoding="utf-8"?>
+<p:sld xmlns:a="http://schemas.openxmlformats.org/drawingml/2006/main" xmlns:r="http://schemas.openxmlformats.org/officeDocument/2006/relationships" xmlns:p="http://schemas.openxmlformats.org/presentationml/2006/main">
+  <p:cSld>
+    <p:spTree>
+      <p:nvGrpSpPr>
+        <p:cNvPr id="1" name=""/>
+        <p:cNvGrpSpPr/>
+        <p:nvPr/>
+      </p:nvGrpSpPr>
+      <p:grpSpPr>
+        <a:xfrm>
+          <a:off x="0" y="0"/>
+          <a:ext cx="0" cy="0"/>
+          <a:chOff x="0" y="0"/>
+          <a:chExt cx="0" cy="0"/>
+        </a:xfrm>
+      </p:grpSpPr>
+      <p:sp>
+        <p:nvSpPr>
+          <p:cNvPr id="8" name="Text Placeholder 7"/>
+          <p:cNvSpPr>
+            <a:spLocks noGrp="1"/>
+          </p:cNvSpPr>
+          <p:nvPr>
+            <p:ph type="body" sz="quarter" idx="11"/>
+          </p:nvPr>
+        </p:nvSpPr>
+        <p:spPr>
+          <a:xfrm>
+            <a:off x="725488" y="1812925"/>
+            <a:ext cx="5337175" cy="3951288"/>
+          </a:xfrm>
+        </p:spPr>
+        <p:txBody>
+          <a:bodyPr anchor="t"/>
+          <a:lstStyle/>
+          <a:p>
+            <a:pPr defTabSz="1306221" fontAlgn="auto">
+              <a:spcAft>
+                <a:spcPts val="0"/>
+              </a:spcAft>
+              <a:defRPr/>
+            </a:pPr>
+            <a:r>
+              <a:rPr lang="en-US" dirty="0">
+                <a:ea typeface="+mn-ea"/>
+              </a:rPr>
+              <a:t>[Topic One]</a:t>
+            </a:r>
+          </a:p>
+          <a:p>
+            <a:pPr defTabSz="1306221" fontAlgn="auto">
+              <a:spcAft>
+                <a:spcPts val="0"/>
+              </a:spcAft>
+              <a:defRPr/>
+            </a:pPr>
+            <a:r>
+              <a:rPr lang="en-US" dirty="0">
+                <a:ea typeface="+mn-ea"/>
+              </a:rPr>
+              <a:t>[Topic Two]</a:t>
+            </a:r>
+          </a:p>
+          <a:p>
+            <a:pPr defTabSz="1306221" fontAlgn="auto">
+              <a:spcAft>
+                <a:spcPts val="0"/>
+              </a:spcAft>
+              <a:defRPr/>
+            </a:pPr>
+            <a:r>
+              <a:rPr lang="en-US" dirty="0">
+                <a:ea typeface="+mn-ea"/>
+              </a:rPr>
+              <a:t>[Topic Three]</a:t>
+            </a:r>
+          </a:p>
+          <a:p>
+            <a:pPr defTabSz="1306221" fontAlgn="auto">
+              <a:spcAft>
+                <a:spcPts val="0"/>
+              </a:spcAft>
+              <a:defRPr/>
+            </a:pPr>
+            <a:r>
+              <a:rPr lang="en-US" dirty="0">
+                <a:ea typeface="+mn-ea"/>
+              </a:rPr>
+              <a:t>[Topic Four]</a:t>
+            </a:r>
+          </a:p>
+          <a:p>
+            <a:pPr defTabSz="1306221" fontAlgn="auto">
+              <a:spcAft>
+                <a:spcPts val="0"/>
+              </a:spcAft>
+              <a:defRPr/>
+            </a:pPr>
+            <a:r>
+              <a:rPr lang="en-US" dirty="0">
+                <a:ea typeface="+mn-ea"/>
+              </a:rPr>
+              <a:t>[Topic Five]</a:t>
+            </a:r>
+          </a:p>
+          <a:p>
+            <a:pPr defTabSz="1306221" fontAlgn="auto">
+              <a:spcAft>
+                <a:spcPts val="0"/>
+              </a:spcAft>
+              <a:defRPr/>
+            </a:pPr>
+            <a:r>
+              <a:rPr lang="en-US" dirty="0">
+                <a:ea typeface="+mn-ea"/>
+              </a:rPr>
+              <a:t>[Topic Six]</a:t>
+            </a:r>
+          </a:p>
+        </p:txBody>
+      </p:sp>
+      <p:sp>
+        <p:nvSpPr>
+          <p:cNvPr id="9" name="Text Placeholder 8"/>
+          <p:cNvSpPr>
+            <a:spLocks noGrp="1"/>
+          </p:cNvSpPr>
+          <p:nvPr>
+            <p:ph type="body" sz="quarter" idx="12"/>
+          </p:nvPr>
+        </p:nvSpPr>
+        <p:spPr>
+          <a:xfrm>
+            <a:off x="8545513" y="1812925"/>
+            <a:ext cx="5414962" cy="3951288"/>
+          </a:xfrm>
+        </p:spPr>
+        <p:txBody>
+          <a:bodyPr anchor="t"/>
+          <a:lstStyle/>
+          <a:p>
+            <a:pPr>
+              <a:defRPr/>
+            </a:pPr>
+            <a:r>
+              <a:rPr lang="en-US" dirty="0">
+                <a:ea typeface="+mn-ea"/>
+              </a:rPr>
+              <a:t>Slide [#]</a:t>
+            </a:r>
+          </a:p>
+          <a:p>
+            <a:pPr>
+              <a:defRPr/>
+            </a:pPr>
+            <a:r>
+              <a:rPr lang="en-US" dirty="0">
+                <a:ea typeface="+mn-ea"/>
+              </a:rPr>
+              <a:t>Slide [#]</a:t>
+            </a:r>
+          </a:p>
+          <a:p>
+            <a:pPr>
+              <a:defRPr/>
+            </a:pPr>
+            <a:r>
+              <a:rPr lang="en-US" dirty="0">
+                <a:ea typeface="+mn-ea"/>
+              </a:rPr>
+              <a:t>Slide [#]</a:t>
+            </a:r>
+          </a:p>
+          <a:p>
+            <a:pPr>
+              <a:defRPr/>
+            </a:pPr>
+            <a:r>
+              <a:rPr lang="en-US" dirty="0">
+                <a:ea typeface="+mn-ea"/>
+              </a:rPr>
+              <a:t>Slide [#]</a:t>
+            </a:r>
+          </a:p>
+          <a:p>
+            <a:pPr>
+              <a:defRPr/>
+            </a:pPr>
+            <a:r>
+              <a:rPr lang="en-US" dirty="0">
+                <a:ea typeface="+mn-ea"/>
+              </a:rPr>
+              <a:t>Slide [#]</a:t>
+            </a:r>
+          </a:p>
+          <a:p>
+            <a:pPr>
+              <a:defRPr/>
+            </a:pPr>
+            <a:r>
+              <a:rPr lang="en-US" dirty="0">
+                <a:ea typeface="+mn-ea"/>
+              </a:rPr>
+              <a:t>Slide [#]</a:t>
+            </a:r>
+          </a:p>
+        </p:txBody>
+      </p:sp>
+      <p:sp>
+        <p:nvSpPr>
+          <p:cNvPr id="2" name="Text Placeholder 1"/>
+          <p:cNvSpPr>
+            <a:spLocks noGrp="1"/>
+          </p:cNvSpPr>
+          <p:nvPr>
+            <p:ph type="body" sz="quarter" idx="13"/>
+          </p:nvPr>
+        </p:nvSpPr>
+        <p:spPr>
+          <a:xfrm>
+            <a:off x="712788" y="600075"/>
+            <a:ext cx="13244512" cy="635000"/>
+          </a:xfrm>
+        </p:spPr>
+        <p:txBody>
+          <a:bodyPr/>
+          <a:lstStyle/>
+          <a:p>
+            <a:pPr defTabSz="1306221" fontAlgn="auto">
+              <a:spcAft>
+                <a:spcPts val="0"/>
+              </a:spcAft>
+              <a:defRPr/>
+            </a:pPr>
+            <a:r>
+              <a:rPr lang="en-US" dirty="0">
+                <a:ea typeface="+mn-ea"/>
+              </a:rPr>
+              <a:t>Table of Contents/Agenda</a:t>
+            </a:r>
+          </a:p>
+        </p:txBody>
+      </p:sp>
+    </p:spTree>
+  </p:cSld>
+  <p:clrMapOvr>
+    <a:masterClrMapping/>
+  </p:clrMapOvr>
+</p:sld>
+</file>
+
+<file path=ppt/slides/slide30.xml><?xml version="1.0" encoding="utf-8"?>
 <p:sld xmlns:a="http://schemas.openxmlformats.org/drawingml/2006/main" xmlns:r="http://schemas.openxmlformats.org/officeDocument/2006/relationships" xmlns:p="http://schemas.openxmlformats.org/presentationml/2006/main">
   <p:cSld>
     <p:spTree>
@@ -38745,259 +39628,7 @@
 </p:sld>
 </file>
 
-<file path=ppt/slides/slide3.xml><?xml version="1.0" encoding="utf-8"?>
-<p:sld xmlns:a="http://schemas.openxmlformats.org/drawingml/2006/main" xmlns:r="http://schemas.openxmlformats.org/officeDocument/2006/relationships" xmlns:p="http://schemas.openxmlformats.org/presentationml/2006/main">
-  <p:cSld>
-    <p:spTree>
-      <p:nvGrpSpPr>
-        <p:cNvPr id="1" name=""/>
-        <p:cNvGrpSpPr/>
-        <p:nvPr/>
-      </p:nvGrpSpPr>
-      <p:grpSpPr>
-        <a:xfrm>
-          <a:off x="0" y="0"/>
-          <a:ext cx="0" cy="0"/>
-          <a:chOff x="0" y="0"/>
-          <a:chExt cx="0" cy="0"/>
-        </a:xfrm>
-      </p:grpSpPr>
-      <p:sp>
-        <p:nvSpPr>
-          <p:cNvPr id="8" name="Text Placeholder 7"/>
-          <p:cNvSpPr>
-            <a:spLocks noGrp="1"/>
-          </p:cNvSpPr>
-          <p:nvPr>
-            <p:ph type="body" sz="quarter" idx="11"/>
-          </p:nvPr>
-        </p:nvSpPr>
-        <p:spPr>
-          <a:xfrm>
-            <a:off x="725488" y="1812925"/>
-            <a:ext cx="5337175" cy="3951288"/>
-          </a:xfrm>
-        </p:spPr>
-        <p:txBody>
-          <a:bodyPr anchor="t"/>
-          <a:lstStyle/>
-          <a:p>
-            <a:pPr defTabSz="1306221" fontAlgn="auto">
-              <a:spcAft>
-                <a:spcPts val="0"/>
-              </a:spcAft>
-              <a:defRPr/>
-            </a:pPr>
-            <a:r>
-              <a:rPr lang="en-US" dirty="0">
-                <a:ea typeface="+mn-ea"/>
-              </a:rPr>
-              <a:t>[Topic One]</a:t>
-            </a:r>
-          </a:p>
-          <a:p>
-            <a:pPr defTabSz="1306221" fontAlgn="auto">
-              <a:spcAft>
-                <a:spcPts val="0"/>
-              </a:spcAft>
-              <a:defRPr/>
-            </a:pPr>
-            <a:r>
-              <a:rPr lang="en-US" dirty="0">
-                <a:ea typeface="+mn-ea"/>
-              </a:rPr>
-              <a:t>[Topic Two]</a:t>
-            </a:r>
-          </a:p>
-          <a:p>
-            <a:pPr defTabSz="1306221" fontAlgn="auto">
-              <a:spcAft>
-                <a:spcPts val="0"/>
-              </a:spcAft>
-              <a:defRPr/>
-            </a:pPr>
-            <a:r>
-              <a:rPr lang="en-US" dirty="0">
-                <a:ea typeface="+mn-ea"/>
-              </a:rPr>
-              <a:t>[Topic Three]</a:t>
-            </a:r>
-          </a:p>
-          <a:p>
-            <a:pPr defTabSz="1306221" fontAlgn="auto">
-              <a:spcAft>
-                <a:spcPts val="0"/>
-              </a:spcAft>
-              <a:defRPr/>
-            </a:pPr>
-            <a:r>
-              <a:rPr lang="en-US" dirty="0">
-                <a:ea typeface="+mn-ea"/>
-              </a:rPr>
-              <a:t>[Topic Four]</a:t>
-            </a:r>
-          </a:p>
-          <a:p>
-            <a:pPr defTabSz="1306221" fontAlgn="auto">
-              <a:spcAft>
-                <a:spcPts val="0"/>
-              </a:spcAft>
-              <a:defRPr/>
-            </a:pPr>
-            <a:r>
-              <a:rPr lang="en-US" dirty="0">
-                <a:ea typeface="+mn-ea"/>
-              </a:rPr>
-              <a:t>[Topic Five]</a:t>
-            </a:r>
-          </a:p>
-          <a:p>
-            <a:pPr defTabSz="1306221" fontAlgn="auto">
-              <a:spcAft>
-                <a:spcPts val="0"/>
-              </a:spcAft>
-              <a:defRPr/>
-            </a:pPr>
-            <a:r>
-              <a:rPr lang="en-US" dirty="0">
-                <a:ea typeface="+mn-ea"/>
-              </a:rPr>
-              <a:t>[Topic Six]</a:t>
-            </a:r>
-          </a:p>
-        </p:txBody>
-      </p:sp>
-      <p:sp>
-        <p:nvSpPr>
-          <p:cNvPr id="9" name="Text Placeholder 8"/>
-          <p:cNvSpPr>
-            <a:spLocks noGrp="1"/>
-          </p:cNvSpPr>
-          <p:nvPr>
-            <p:ph type="body" sz="quarter" idx="12"/>
-          </p:nvPr>
-        </p:nvSpPr>
-        <p:spPr>
-          <a:xfrm>
-            <a:off x="8545513" y="1812925"/>
-            <a:ext cx="5414962" cy="3951288"/>
-          </a:xfrm>
-        </p:spPr>
-        <p:txBody>
-          <a:bodyPr anchor="t"/>
-          <a:lstStyle/>
-          <a:p>
-            <a:pPr>
-              <a:defRPr/>
-            </a:pPr>
-            <a:r>
-              <a:rPr lang="en-US" dirty="0">
-                <a:ea typeface="+mn-ea"/>
-              </a:rPr>
-              <a:t>Slide [#]</a:t>
-            </a:r>
-          </a:p>
-          <a:p>
-            <a:pPr>
-              <a:defRPr/>
-            </a:pPr>
-            <a:r>
-              <a:rPr lang="en-US" dirty="0">
-                <a:ea typeface="+mn-ea"/>
-              </a:rPr>
-              <a:t>Slide [#]</a:t>
-            </a:r>
-          </a:p>
-          <a:p>
-            <a:pPr>
-              <a:defRPr/>
-            </a:pPr>
-            <a:r>
-              <a:rPr lang="en-US" dirty="0">
-                <a:ea typeface="+mn-ea"/>
-              </a:rPr>
-              <a:t>Slide [#]</a:t>
-            </a:r>
-          </a:p>
-          <a:p>
-            <a:pPr>
-              <a:defRPr/>
-            </a:pPr>
-            <a:r>
-              <a:rPr lang="en-US" dirty="0">
-                <a:ea typeface="+mn-ea"/>
-              </a:rPr>
-              <a:t>Slide [#]</a:t>
-            </a:r>
-          </a:p>
-          <a:p>
-            <a:pPr>
-              <a:defRPr/>
-            </a:pPr>
-            <a:r>
-              <a:rPr lang="en-US" dirty="0">
-                <a:ea typeface="+mn-ea"/>
-              </a:rPr>
-              <a:t>Slide [#]</a:t>
-            </a:r>
-          </a:p>
-          <a:p>
-            <a:pPr>
-              <a:defRPr/>
-            </a:pPr>
-            <a:r>
-              <a:rPr lang="en-US" dirty="0">
-                <a:ea typeface="+mn-ea"/>
-              </a:rPr>
-              <a:t>Slide [#]</a:t>
-            </a:r>
-          </a:p>
-        </p:txBody>
-      </p:sp>
-      <p:sp>
-        <p:nvSpPr>
-          <p:cNvPr id="2" name="Text Placeholder 1"/>
-          <p:cNvSpPr>
-            <a:spLocks noGrp="1"/>
-          </p:cNvSpPr>
-          <p:nvPr>
-            <p:ph type="body" sz="quarter" idx="13"/>
-          </p:nvPr>
-        </p:nvSpPr>
-        <p:spPr>
-          <a:xfrm>
-            <a:off x="712788" y="600075"/>
-            <a:ext cx="13244512" cy="635000"/>
-          </a:xfrm>
-        </p:spPr>
-        <p:txBody>
-          <a:bodyPr/>
-          <a:lstStyle/>
-          <a:p>
-            <a:pPr defTabSz="1306221" fontAlgn="auto">
-              <a:spcAft>
-                <a:spcPts val="0"/>
-              </a:spcAft>
-              <a:defRPr/>
-            </a:pPr>
-            <a:r>
-              <a:rPr lang="en-US" dirty="0">
-                <a:ea typeface="+mn-ea"/>
-              </a:rPr>
-              <a:t>Table of Contents/Agenda</a:t>
-            </a:r>
-          </a:p>
-        </p:txBody>
-      </p:sp>
-    </p:spTree>
-  </p:cSld>
-  <p:clrMapOvr>
-    <a:masterClrMapping/>
-  </p:clrMapOvr>
-</p:sld>
-</file>
-
-<file path=ppt/slides/slide30.xml><?xml version="1.0" encoding="utf-8"?>
+<file path=ppt/slides/slide31.xml><?xml version="1.0" encoding="utf-8"?>
 <p:sld xmlns:a="http://schemas.openxmlformats.org/drawingml/2006/main" xmlns:r="http://schemas.openxmlformats.org/officeDocument/2006/relationships" xmlns:p="http://schemas.openxmlformats.org/presentationml/2006/main">
   <p:cSld>
     <p:spTree>
@@ -41111,7 +41742,7 @@
 </p:sld>
 </file>
 
-<file path=ppt/slides/slide31.xml><?xml version="1.0" encoding="utf-8"?>
+<file path=ppt/slides/slide32.xml><?xml version="1.0" encoding="utf-8"?>
 <p:sld xmlns:a="http://schemas.openxmlformats.org/drawingml/2006/main" xmlns:r="http://schemas.openxmlformats.org/officeDocument/2006/relationships" xmlns:p="http://schemas.openxmlformats.org/presentationml/2006/main">
   <p:cSld>
     <p:spTree>
@@ -42695,7 +43326,7 @@
 </p:sld>
 </file>
 
-<file path=ppt/slides/slide32.xml><?xml version="1.0" encoding="utf-8"?>
+<file path=ppt/slides/slide33.xml><?xml version="1.0" encoding="utf-8"?>
 <p:sld xmlns:a="http://schemas.openxmlformats.org/drawingml/2006/main" xmlns:r="http://schemas.openxmlformats.org/officeDocument/2006/relationships" xmlns:p="http://schemas.openxmlformats.org/presentationml/2006/main">
   <p:cSld>
     <p:spTree>
@@ -42794,7 +43425,7 @@
 </p:sld>
 </file>
 
-<file path=ppt/slides/slide33.xml><?xml version="1.0" encoding="utf-8"?>
+<file path=ppt/slides/slide34.xml><?xml version="1.0" encoding="utf-8"?>
 <p:sld xmlns:a="http://schemas.openxmlformats.org/drawingml/2006/main" xmlns:r="http://schemas.openxmlformats.org/officeDocument/2006/relationships" xmlns:p="http://schemas.openxmlformats.org/presentationml/2006/main">
   <p:cSld>
     <p:spTree>
@@ -42900,7 +43531,7 @@
 </p:sld>
 </file>
 
-<file path=ppt/slides/slide34.xml><?xml version="1.0" encoding="utf-8"?>
+<file path=ppt/slides/slide35.xml><?xml version="1.0" encoding="utf-8"?>
 <p:sld xmlns:a="http://schemas.openxmlformats.org/drawingml/2006/main" xmlns:r="http://schemas.openxmlformats.org/officeDocument/2006/relationships" xmlns:p="http://schemas.openxmlformats.org/presentationml/2006/main">
   <p:cSld>
     <p:spTree>

--- a/lecture.pptx
+++ b/lecture.pptx
@@ -1080,12 +1080,33 @@
               </a:rPr>
               <a:t>https://www.npr.org/sections/health-shots/2015/01/12/375663920/the-doctor-who-championed-hand-washing-and-saved-women-s-lives</a:t>
             </a:r>
+            <a:endParaRPr lang="en-US" dirty="0"/>
+          </a:p>
+          <a:p>
+            <a:r>
+              <a:rPr lang="en-US" b="0" dirty="0">
+                <a:effectLst/>
+              </a:rPr>
+              <a:t>Table credit: </a:t>
+            </a:r>
+            <a:r>
+              <a:rPr lang="en-US" dirty="0">
+                <a:hlinkClick r:id="rId4"/>
+              </a:rPr>
+              <a:t>https://en.wikipedia.org/wiki/Ignaz_Semmelweis</a:t>
+            </a:r>
+            <a:endParaRPr lang="en-US" dirty="0"/>
+          </a:p>
+          <a:p>
             <a:endParaRPr lang="en-US" b="0" dirty="0">
               <a:effectLst/>
             </a:endParaRPr>
           </a:p>
           <a:p>
-            <a:pPr lvl="3" rtl="0" fontAlgn="base"/>
+            <a:pPr marL="2244725" lvl="3" indent="-285750" rtl="0" fontAlgn="base">
+              <a:buFontTx/>
+              <a:buChar char="-"/>
+            </a:pPr>
             <a:r>
               <a:rPr lang="en-US" sz="1800" b="0" i="0" u="none" strike="noStrike" kern="1200" dirty="0">
                 <a:solidFill>
@@ -1096,7 +1117,79 @@
                 <a:ea typeface="ＭＳ Ｐゴシック" charset="0"/>
                 <a:cs typeface="+mn-cs"/>
               </a:rPr>
-              <a:t>- Simple Table from 1847</a:t>
+              <a:t>Hungarian physician</a:t>
+            </a:r>
+          </a:p>
+          <a:p>
+            <a:pPr marL="2244725" lvl="3" indent="-285750" rtl="0" fontAlgn="base">
+              <a:buFontTx/>
+              <a:buChar char="-"/>
+            </a:pPr>
+            <a:r>
+              <a:rPr lang="en-US" sz="1800" b="0" i="0" u="none" strike="noStrike" kern="1200" dirty="0">
+                <a:solidFill>
+                  <a:schemeClr val="tx1"/>
+                </a:solidFill>
+                <a:effectLst/>
+                <a:latin typeface="BentonSans Book"/>
+                <a:ea typeface="ＭＳ Ｐゴシック" charset="0"/>
+                <a:cs typeface="+mn-cs"/>
+              </a:rPr>
+              <a:t>Pioneer of antiseptic </a:t>
+            </a:r>
+            <a:r>
+              <a:rPr lang="en-US" sz="1800" b="0" i="0" u="none" strike="noStrike" kern="1200" dirty="0" err="1">
+                <a:solidFill>
+                  <a:schemeClr val="tx1"/>
+                </a:solidFill>
+                <a:effectLst/>
+                <a:latin typeface="BentonSans Book"/>
+                <a:ea typeface="ＭＳ Ｐゴシック" charset="0"/>
+                <a:cs typeface="+mn-cs"/>
+              </a:rPr>
+              <a:t>prcedures</a:t>
+            </a:r>
+            <a:endParaRPr lang="en-US" sz="1800" b="0" i="0" u="none" strike="noStrike" kern="1200" dirty="0">
+              <a:solidFill>
+                <a:schemeClr val="tx1"/>
+              </a:solidFill>
+              <a:effectLst/>
+              <a:latin typeface="BentonSans Book"/>
+              <a:ea typeface="ＭＳ Ｐゴシック" charset="0"/>
+              <a:cs typeface="+mn-cs"/>
+            </a:endParaRPr>
+          </a:p>
+          <a:p>
+            <a:pPr marL="2244725" lvl="3" indent="-285750" rtl="0" fontAlgn="base">
+              <a:buFontTx/>
+              <a:buChar char="-"/>
+            </a:pPr>
+            <a:r>
+              <a:rPr lang="en-US" sz="1800" b="0" i="0" u="none" strike="noStrike" kern="1200" dirty="0">
+                <a:solidFill>
+                  <a:schemeClr val="tx1"/>
+                </a:solidFill>
+                <a:effectLst/>
+                <a:latin typeface="BentonSans Book"/>
+                <a:ea typeface="ＭＳ Ｐゴシック" charset="0"/>
+                <a:cs typeface="+mn-cs"/>
+              </a:rPr>
+              <a:t>Wash hands with chlorinated lime water</a:t>
+            </a:r>
+          </a:p>
+          <a:p>
+            <a:pPr lvl="3" rtl="0" fontAlgn="base"/>
+            <a:r>
+              <a:rPr lang="en-US" sz="1800" b="0" i="0" u="none" strike="noStrike" kern="1200" dirty="0">
+                <a:solidFill>
+                  <a:schemeClr val="tx1"/>
+                </a:solidFill>
+                <a:effectLst/>
+                <a:latin typeface="BentonSans Book"/>
+                <a:ea typeface="ＭＳ Ｐゴシック" charset="0"/>
+                <a:cs typeface="+mn-cs"/>
+              </a:rPr>
+              <a:t> Simple Table from 1847</a:t>
             </a:r>
           </a:p>
           <a:p>
@@ -10026,8 +10119,17 @@
               <a:rPr lang="en-US" dirty="0">
                 <a:ea typeface="+mn-ea"/>
               </a:rPr>
-              <a:t>[High-level content]</a:t>
+              <a:t>Why </a:t>
             </a:r>
+            <a:r>
+              <a:rPr lang="en-US">
+                <a:ea typeface="+mn-ea"/>
+              </a:rPr>
+              <a:t>does data matter?</a:t>
+            </a:r>
+            <a:endParaRPr lang="en-US" dirty="0">
+              <a:ea typeface="+mn-ea"/>
+            </a:endParaRPr>
           </a:p>
           <a:p>
             <a:pPr defTabSz="1306221" fontAlgn="auto">
@@ -10318,6 +10420,53 @@
           </a:p>
         </p:txBody>
       </p:sp>
+      <p:pic>
+        <p:nvPicPr>
+          <p:cNvPr id="2050" name="Picture 2">
+            <a:extLst>
+              <a:ext uri="{FF2B5EF4-FFF2-40B4-BE49-F238E27FC236}">
+                <a16:creationId xmlns:a16="http://schemas.microsoft.com/office/drawing/2014/main" id="{A312213D-0257-498F-944A-21D5B13C4F29}"/>
+              </a:ext>
+            </a:extLst>
+          </p:cNvPr>
+          <p:cNvPicPr>
+            <a:picLocks noChangeAspect="1" noChangeArrowheads="1"/>
+          </p:cNvPicPr>
+          <p:nvPr/>
+        </p:nvPicPr>
+        <p:blipFill>
+          <a:blip r:embed="rId4">
+            <a:extLst>
+              <a:ext uri="{28A0092B-C50C-407E-A947-70E740481C1C}">
+                <a14:useLocalDpi xmlns:a14="http://schemas.microsoft.com/office/drawing/2010/main" val="0"/>
+              </a:ext>
+            </a:extLst>
+          </a:blip>
+          <a:srcRect/>
+          <a:stretch>
+            <a:fillRect/>
+          </a:stretch>
+        </p:blipFill>
+        <p:spPr bwMode="auto">
+          <a:xfrm>
+            <a:off x="423488" y="2925215"/>
+            <a:ext cx="6581775" cy="3295650"/>
+          </a:xfrm>
+          <a:prstGeom prst="rect">
+            <a:avLst/>
+          </a:prstGeom>
+          <a:noFill/>
+          <a:extLst>
+            <a:ext uri="{909E8E84-426E-40DD-AFC4-6F175D3DCCD1}">
+              <a14:hiddenFill xmlns:a14="http://schemas.microsoft.com/office/drawing/2010/main">
+                <a:solidFill>
+                  <a:srgbClr val="FFFFFF"/>
+                </a:solidFill>
+              </a14:hiddenFill>
+            </a:ext>
+          </a:extLst>
+        </p:spPr>
+      </p:pic>
     </p:spTree>
   </p:cSld>
   <p:clrMapOvr>
@@ -10426,7 +10575,7 @@
             </a:pPr>
             <a:r>
               <a:rPr lang="en-US" dirty="0"/>
-              <a:t>Died in an insane asylum</a:t>
+              <a:t>Semmelweis died in an insane asylum</a:t>
             </a:r>
           </a:p>
           <a:p>

--- a/lecture.pptx
+++ b/lecture.pptx
@@ -5,10 +5,10 @@
     <p:sldMasterId id="2147483875" r:id="rId1"/>
   </p:sldMasterIdLst>
   <p:notesMasterIdLst>
-    <p:notesMasterId r:id="rId37"/>
+    <p:notesMasterId r:id="rId38"/>
   </p:notesMasterIdLst>
   <p:handoutMasterIdLst>
-    <p:handoutMasterId r:id="rId38"/>
+    <p:handoutMasterId r:id="rId39"/>
   </p:handoutMasterIdLst>
   <p:sldIdLst>
     <p:sldId id="256" r:id="rId2"/>
@@ -23,29 +23,30 @@
     <p:sldId id="318" r:id="rId11"/>
     <p:sldId id="501" r:id="rId12"/>
     <p:sldId id="540" r:id="rId13"/>
-    <p:sldId id="525" r:id="rId14"/>
-    <p:sldId id="319" r:id="rId15"/>
-    <p:sldId id="422" r:id="rId16"/>
-    <p:sldId id="423" r:id="rId17"/>
-    <p:sldId id="424" r:id="rId18"/>
-    <p:sldId id="343" r:id="rId19"/>
-    <p:sldId id="523" r:id="rId20"/>
-    <p:sldId id="511" r:id="rId21"/>
-    <p:sldId id="502" r:id="rId22"/>
-    <p:sldId id="503" r:id="rId23"/>
-    <p:sldId id="504" r:id="rId24"/>
-    <p:sldId id="524" r:id="rId25"/>
-    <p:sldId id="513" r:id="rId26"/>
-    <p:sldId id="514" r:id="rId27"/>
-    <p:sldId id="532" r:id="rId28"/>
-    <p:sldId id="533" r:id="rId29"/>
-    <p:sldId id="534" r:id="rId30"/>
-    <p:sldId id="509" r:id="rId31"/>
-    <p:sldId id="510" r:id="rId32"/>
-    <p:sldId id="508" r:id="rId33"/>
-    <p:sldId id="536" r:id="rId34"/>
-    <p:sldId id="537" r:id="rId35"/>
-    <p:sldId id="538" r:id="rId36"/>
+    <p:sldId id="541" r:id="rId14"/>
+    <p:sldId id="525" r:id="rId15"/>
+    <p:sldId id="319" r:id="rId16"/>
+    <p:sldId id="422" r:id="rId17"/>
+    <p:sldId id="423" r:id="rId18"/>
+    <p:sldId id="424" r:id="rId19"/>
+    <p:sldId id="343" r:id="rId20"/>
+    <p:sldId id="523" r:id="rId21"/>
+    <p:sldId id="511" r:id="rId22"/>
+    <p:sldId id="502" r:id="rId23"/>
+    <p:sldId id="503" r:id="rId24"/>
+    <p:sldId id="504" r:id="rId25"/>
+    <p:sldId id="524" r:id="rId26"/>
+    <p:sldId id="513" r:id="rId27"/>
+    <p:sldId id="514" r:id="rId28"/>
+    <p:sldId id="532" r:id="rId29"/>
+    <p:sldId id="533" r:id="rId30"/>
+    <p:sldId id="534" r:id="rId31"/>
+    <p:sldId id="509" r:id="rId32"/>
+    <p:sldId id="510" r:id="rId33"/>
+    <p:sldId id="508" r:id="rId34"/>
+    <p:sldId id="536" r:id="rId35"/>
+    <p:sldId id="537" r:id="rId36"/>
+    <p:sldId id="538" r:id="rId37"/>
   </p:sldIdLst>
   <p:sldSz cx="14630400" cy="8229600"/>
   <p:notesSz cx="6858000" cy="9144000"/>
@@ -1772,6 +1773,236 @@
       </p:grpSpPr>
       <p:sp>
         <p:nvSpPr>
+          <p:cNvPr id="46081" name="Slide Image Placeholder 1"/>
+          <p:cNvSpPr>
+            <a:spLocks noGrp="1" noRot="1" noChangeAspect="1"/>
+          </p:cNvSpPr>
+          <p:nvPr>
+            <p:ph type="sldImg"/>
+          </p:nvPr>
+        </p:nvSpPr>
+        <p:spPr bwMode="auto">
+          <a:noFill/>
+          <a:ln>
+            <a:solidFill>
+              <a:srgbClr val="000000"/>
+            </a:solidFill>
+            <a:miter lim="800000"/>
+            <a:headEnd/>
+            <a:tailEnd/>
+          </a:ln>
+          <a:extLst>
+            <a:ext uri="{909E8E84-426E-40dd-AFC4-6F175D3DCCD1}">
+              <a14:hiddenFill xmlns:a14="http://schemas.microsoft.com/office/drawing/2010/main" xmlns="">
+                <a:solidFill>
+                  <a:srgbClr val="FFFFFF"/>
+                </a:solidFill>
+              </a14:hiddenFill>
+            </a:ext>
+            <a:ext uri="{FAA26D3D-D897-4be2-8F04-BA451C77F1D7}">
+              <ma14:placeholderFlag xmlns:ma14="http://schemas.microsoft.com/office/mac/drawingml/2011/main" xmlns="" val="1"/>
+            </a:ext>
+          </a:extLst>
+        </p:spPr>
+      </p:sp>
+      <p:sp>
+        <p:nvSpPr>
+          <p:cNvPr id="46082" name="Notes Placeholder 2"/>
+          <p:cNvSpPr>
+            <a:spLocks noGrp="1"/>
+          </p:cNvSpPr>
+          <p:nvPr>
+            <p:ph type="body" idx="1"/>
+          </p:nvPr>
+        </p:nvSpPr>
+        <p:spPr bwMode="auto">
+          <a:noFill/>
+          <a:extLst>
+            <a:ext uri="{909E8E84-426E-40dd-AFC4-6F175D3DCCD1}">
+              <a14:hiddenFill xmlns:a14="http://schemas.microsoft.com/office/drawing/2010/main" xmlns="">
+                <a:solidFill>
+                  <a:srgbClr val="FFFFFF"/>
+                </a:solidFill>
+              </a14:hiddenFill>
+            </a:ext>
+            <a:ext uri="{91240B29-F687-4f45-9708-019B960494DF}">
+              <a14:hiddenLine xmlns:a14="http://schemas.microsoft.com/office/drawing/2010/main" xmlns="" w="9525">
+                <a:solidFill>
+                  <a:srgbClr val="000000"/>
+                </a:solidFill>
+                <a:miter lim="800000"/>
+                <a:headEnd/>
+                <a:tailEnd/>
+              </a14:hiddenLine>
+            </a:ext>
+          </a:extLst>
+        </p:spPr>
+        <p:txBody>
+          <a:bodyPr wrap="square" numCol="1" anchor="t" anchorCtr="0" compatLnSpc="1">
+            <a:prstTxWarp prst="textNoShape">
+              <a:avLst/>
+            </a:prstTxWarp>
+          </a:bodyPr>
+          <a:lstStyle/>
+          <a:p>
+            <a:endParaRPr lang="en-US" b="0" dirty="0">
+              <a:effectLst/>
+            </a:endParaRPr>
+          </a:p>
+          <a:p>
+            <a:pPr lvl="2" rtl="0" fontAlgn="base"/>
+            <a:r>
+              <a:rPr lang="en-US" sz="1800" b="0" i="0" u="none" strike="noStrike" kern="1200" dirty="0">
+                <a:solidFill>
+                  <a:schemeClr val="tx1"/>
+                </a:solidFill>
+                <a:effectLst/>
+                <a:latin typeface="BentonSans Book"/>
+                <a:ea typeface="ＭＳ Ｐゴシック" charset="0"/>
+                <a:cs typeface="+mn-cs"/>
+              </a:rPr>
+              <a:t>Steven Levitt, author of Freakonomics</a:t>
+            </a:r>
+          </a:p>
+          <a:p>
+            <a:pPr lvl="3" rtl="0" fontAlgn="base"/>
+            <a:r>
+              <a:rPr lang="en-US" sz="1800" b="0" i="0" u="none" strike="noStrike" kern="1200" dirty="0">
+                <a:solidFill>
+                  <a:schemeClr val="tx1"/>
+                </a:solidFill>
+                <a:effectLst/>
+                <a:latin typeface="BentonSans Book"/>
+                <a:ea typeface="ＭＳ Ｐゴシック" charset="0"/>
+                <a:cs typeface="+mn-cs"/>
+              </a:rPr>
+              <a:t>This shows test answers for students in different classrooms</a:t>
+            </a:r>
+          </a:p>
+          <a:p>
+            <a:pPr lvl="3" rtl="0" fontAlgn="base"/>
+            <a:r>
+              <a:rPr lang="en-US" sz="1800" b="0" i="0" u="none" strike="noStrike" kern="1200" dirty="0">
+                <a:solidFill>
+                  <a:schemeClr val="tx1"/>
+                </a:solidFill>
+                <a:effectLst/>
+                <a:latin typeface="BentonSans Book"/>
+                <a:ea typeface="ＭＳ Ｐゴシック" charset="0"/>
+                <a:cs typeface="+mn-cs"/>
+              </a:rPr>
+              <a:t>A letter indicates a correct answer and a number indicates an incorrect answer</a:t>
+            </a:r>
+          </a:p>
+          <a:p>
+            <a:pPr lvl="3" rtl="0" fontAlgn="base"/>
+            <a:r>
+              <a:rPr lang="en-US" sz="1800" b="0" i="0" u="none" strike="noStrike" kern="1200" dirty="0">
+                <a:solidFill>
+                  <a:schemeClr val="tx1"/>
+                </a:solidFill>
+                <a:effectLst/>
+                <a:latin typeface="BentonSans Book"/>
+                <a:ea typeface="ＭＳ Ｐゴシック" charset="0"/>
+                <a:cs typeface="+mn-cs"/>
+              </a:rPr>
+              <a:t>This data is trying to tell us that over 200 teachers in the Chicago public school system are cheating</a:t>
+            </a:r>
+          </a:p>
+          <a:p>
+            <a:pPr lvl="3" rtl="0" fontAlgn="base"/>
+            <a:r>
+              <a:rPr lang="en-US" sz="1800" b="0" i="0" u="none" strike="noStrike" kern="1200" dirty="0">
+                <a:solidFill>
+                  <a:schemeClr val="tx1"/>
+                </a:solidFill>
+                <a:effectLst/>
+                <a:latin typeface="BentonSans Book"/>
+                <a:ea typeface="ＭＳ Ｐゴシック" charset="0"/>
+                <a:cs typeface="+mn-cs"/>
+              </a:rPr>
+              <a:t>They’re changing the answers that students are filling out on tests to make themselves look better</a:t>
+            </a:r>
+          </a:p>
+          <a:p>
+            <a:pPr lvl="3" rtl="0" fontAlgn="base"/>
+            <a:r>
+              <a:rPr lang="en-US" sz="1800" b="0" i="0" u="none" strike="noStrike" kern="1200" dirty="0">
+                <a:solidFill>
+                  <a:schemeClr val="tx1"/>
+                </a:solidFill>
+                <a:effectLst/>
+                <a:latin typeface="BentonSans Book"/>
+                <a:ea typeface="ＭＳ Ｐゴシック" charset="0"/>
+                <a:cs typeface="+mn-cs"/>
+              </a:rPr>
+              <a:t>You’ll see it if you just look at it the right way</a:t>
+            </a:r>
+          </a:p>
+          <a:p>
+            <a:pPr lvl="3" rtl="0" fontAlgn="base"/>
+            <a:r>
+              <a:rPr lang="en-US" sz="1800" b="0" i="0" u="none" strike="noStrike" kern="1200" dirty="0">
+                <a:solidFill>
+                  <a:schemeClr val="tx1"/>
+                </a:solidFill>
+                <a:effectLst/>
+                <a:latin typeface="BentonSans Book"/>
+                <a:ea typeface="ＭＳ Ｐゴシック" charset="0"/>
+                <a:cs typeface="+mn-cs"/>
+              </a:rPr>
+              <a:t>The Chicago Public Schools teaches more than 400,00 students a year. In 1996 The Chicago Public School system adopted “high-stakes” testing. This enacted minimum scores required on a number of tests in the 3rd, 6th and 8th grade. What was unique here was that it held the school accountable for these scores. For example, a school could be shut down entirely if it didn’t meet minimum reading scores or staff members could have a raise withheld, a promotion cancelled or even be dismissed if they did not meet certain thresholds. </a:t>
+            </a:r>
+          </a:p>
+          <a:p>
+            <a:pPr lvl="3" rtl="0" fontAlgn="base"/>
+            <a:r>
+              <a:rPr lang="en-US" sz="1800" b="0" i="0" u="none" strike="noStrike" kern="1200" dirty="0">
+                <a:solidFill>
+                  <a:schemeClr val="tx1"/>
+                </a:solidFill>
+                <a:effectLst/>
+                <a:latin typeface="BentonSans Book"/>
+                <a:ea typeface="ＭＳ Ｐゴシック" charset="0"/>
+                <a:cs typeface="+mn-cs"/>
+              </a:rPr>
+              <a:t>Chicago Public Schools made available a database of the test answers for every CPS student from third grade through seventh grade from 1993 to 2000. This amounts to roughly 30,000 students per grade per year, more than 700,000 sets of test answers, and nearly 100 million individual answers. The data, organized by classroom, included each student’s question-by-question answer strings for reading and math tests</a:t>
+            </a:r>
+          </a:p>
+        </p:txBody>
+      </p:sp>
+    </p:spTree>
+    <p:extLst>
+      <p:ext uri="{BB962C8B-B14F-4D97-AF65-F5344CB8AC3E}">
+        <p14:creationId xmlns:p14="http://schemas.microsoft.com/office/powerpoint/2010/main" val="820239968"/>
+      </p:ext>
+    </p:extLst>
+  </p:cSld>
+  <p:clrMapOvr>
+    <a:masterClrMapping/>
+  </p:clrMapOvr>
+</p:notes>
+</file>
+
+<file path=ppt/notesSlides/notesSlide13.xml><?xml version="1.0" encoding="utf-8"?>
+<p:notes xmlns:a="http://schemas.openxmlformats.org/drawingml/2006/main" xmlns:r="http://schemas.openxmlformats.org/officeDocument/2006/relationships" xmlns:p="http://schemas.openxmlformats.org/presentationml/2006/main">
+  <p:cSld>
+    <p:spTree>
+      <p:nvGrpSpPr>
+        <p:cNvPr id="1" name=""/>
+        <p:cNvGrpSpPr/>
+        <p:nvPr/>
+      </p:nvGrpSpPr>
+      <p:grpSpPr>
+        <a:xfrm>
+          <a:off x="0" y="0"/>
+          <a:ext cx="0" cy="0"/>
+          <a:chOff x="0" y="0"/>
+          <a:chExt cx="0" cy="0"/>
+        </a:xfrm>
+      </p:grpSpPr>
+      <p:sp>
+        <p:nvSpPr>
           <p:cNvPr id="47105" name="Slide Image Placeholder 1"/>
           <p:cNvSpPr>
             <a:spLocks noGrp="1" noRot="1" noChangeAspect="1"/>
@@ -1866,7 +2097,7 @@
 </p:notes>
 </file>
 
-<file path=ppt/notesSlides/notesSlide13.xml><?xml version="1.0" encoding="utf-8"?>
+<file path=ppt/notesSlides/notesSlide14.xml><?xml version="1.0" encoding="utf-8"?>
 <p:notes xmlns:a="http://schemas.openxmlformats.org/drawingml/2006/main" xmlns:r="http://schemas.openxmlformats.org/officeDocument/2006/relationships" xmlns:p="http://schemas.openxmlformats.org/presentationml/2006/main">
   <p:cSld>
     <p:spTree>
@@ -1979,7 +2210,7 @@
 </p:notes>
 </file>
 
-<file path=ppt/notesSlides/notesSlide14.xml><?xml version="1.0" encoding="utf-8"?>
+<file path=ppt/notesSlides/notesSlide15.xml><?xml version="1.0" encoding="utf-8"?>
 <p:notes xmlns:a="http://schemas.openxmlformats.org/drawingml/2006/main" xmlns:r="http://schemas.openxmlformats.org/officeDocument/2006/relationships" xmlns:p="http://schemas.openxmlformats.org/presentationml/2006/main">
   <p:cSld>
     <p:spTree>
@@ -2092,7 +2323,7 @@
 </p:notes>
 </file>
 
-<file path=ppt/notesSlides/notesSlide15.xml><?xml version="1.0" encoding="utf-8"?>
+<file path=ppt/notesSlides/notesSlide16.xml><?xml version="1.0" encoding="utf-8"?>
 <p:notes xmlns:a="http://schemas.openxmlformats.org/drawingml/2006/main" xmlns:r="http://schemas.openxmlformats.org/officeDocument/2006/relationships" xmlns:p="http://schemas.openxmlformats.org/presentationml/2006/main">
   <p:cSld>
     <p:spTree>
@@ -2205,7 +2436,7 @@
 </p:notes>
 </file>
 
-<file path=ppt/notesSlides/notesSlide16.xml><?xml version="1.0" encoding="utf-8"?>
+<file path=ppt/notesSlides/notesSlide17.xml><?xml version="1.0" encoding="utf-8"?>
 <p:notes xmlns:a="http://schemas.openxmlformats.org/drawingml/2006/main" xmlns:r="http://schemas.openxmlformats.org/officeDocument/2006/relationships" xmlns:p="http://schemas.openxmlformats.org/presentationml/2006/main">
   <p:cSld>
     <p:spTree>
@@ -2318,7 +2549,7 @@
 </p:notes>
 </file>
 
-<file path=ppt/notesSlides/notesSlide17.xml><?xml version="1.0" encoding="utf-8"?>
+<file path=ppt/notesSlides/notesSlide18.xml><?xml version="1.0" encoding="utf-8"?>
 <p:notes xmlns:a="http://schemas.openxmlformats.org/drawingml/2006/main" xmlns:r="http://schemas.openxmlformats.org/officeDocument/2006/relationships" xmlns:p="http://schemas.openxmlformats.org/presentationml/2006/main">
   <p:cSld>
     <p:spTree>
@@ -2431,7 +2662,7 @@
 </p:notes>
 </file>
 
-<file path=ppt/notesSlides/notesSlide18.xml><?xml version="1.0" encoding="utf-8"?>
+<file path=ppt/notesSlides/notesSlide19.xml><?xml version="1.0" encoding="utf-8"?>
 <p:notes xmlns:a="http://schemas.openxmlformats.org/drawingml/2006/main" xmlns:r="http://schemas.openxmlformats.org/officeDocument/2006/relationships" xmlns:p="http://schemas.openxmlformats.org/presentationml/2006/main">
   <p:cSld>
     <p:spTree>
@@ -2757,7 +2988,120 @@
 </p:notes>
 </file>
 
-<file path=ppt/notesSlides/notesSlide19.xml><?xml version="1.0" encoding="utf-8"?>
+<file path=ppt/notesSlides/notesSlide2.xml><?xml version="1.0" encoding="utf-8"?>
+<p:notes xmlns:a="http://schemas.openxmlformats.org/drawingml/2006/main" xmlns:r="http://schemas.openxmlformats.org/officeDocument/2006/relationships" xmlns:p="http://schemas.openxmlformats.org/presentationml/2006/main">
+  <p:cSld>
+    <p:spTree>
+      <p:nvGrpSpPr>
+        <p:cNvPr id="1" name=""/>
+        <p:cNvGrpSpPr/>
+        <p:nvPr/>
+      </p:nvGrpSpPr>
+      <p:grpSpPr>
+        <a:xfrm>
+          <a:off x="0" y="0"/>
+          <a:ext cx="0" cy="0"/>
+          <a:chOff x="0" y="0"/>
+          <a:chExt cx="0" cy="0"/>
+        </a:xfrm>
+      </p:grpSpPr>
+      <p:sp>
+        <p:nvSpPr>
+          <p:cNvPr id="37889" name="Slide Image Placeholder 1"/>
+          <p:cNvSpPr>
+            <a:spLocks noGrp="1" noRot="1" noChangeAspect="1"/>
+          </p:cNvSpPr>
+          <p:nvPr>
+            <p:ph type="sldImg"/>
+          </p:nvPr>
+        </p:nvSpPr>
+        <p:spPr bwMode="auto">
+          <a:noFill/>
+          <a:ln>
+            <a:solidFill>
+              <a:srgbClr val="000000"/>
+            </a:solidFill>
+            <a:miter lim="800000"/>
+            <a:headEnd/>
+            <a:tailEnd/>
+          </a:ln>
+          <a:extLst>
+            <a:ext uri="{909E8E84-426E-40dd-AFC4-6F175D3DCCD1}">
+              <a14:hiddenFill xmlns:a14="http://schemas.microsoft.com/office/drawing/2010/main" xmlns="">
+                <a:solidFill>
+                  <a:srgbClr val="FFFFFF"/>
+                </a:solidFill>
+              </a14:hiddenFill>
+            </a:ext>
+            <a:ext uri="{FAA26D3D-D897-4be2-8F04-BA451C77F1D7}">
+              <ma14:placeholderFlag xmlns:ma14="http://schemas.microsoft.com/office/mac/drawingml/2011/main" xmlns="" val="1"/>
+            </a:ext>
+          </a:extLst>
+        </p:spPr>
+      </p:sp>
+      <p:sp>
+        <p:nvSpPr>
+          <p:cNvPr id="37890" name="Notes Placeholder 2"/>
+          <p:cNvSpPr>
+            <a:spLocks noGrp="1"/>
+          </p:cNvSpPr>
+          <p:nvPr>
+            <p:ph type="body" idx="1"/>
+          </p:nvPr>
+        </p:nvSpPr>
+        <p:spPr bwMode="auto">
+          <a:noFill/>
+          <a:extLst>
+            <a:ext uri="{909E8E84-426E-40dd-AFC4-6F175D3DCCD1}">
+              <a14:hiddenFill xmlns:a14="http://schemas.microsoft.com/office/drawing/2010/main" xmlns="">
+                <a:solidFill>
+                  <a:srgbClr val="FFFFFF"/>
+                </a:solidFill>
+              </a14:hiddenFill>
+            </a:ext>
+            <a:ext uri="{91240B29-F687-4f45-9708-019B960494DF}">
+              <a14:hiddenLine xmlns:a14="http://schemas.microsoft.com/office/drawing/2010/main" xmlns="" w="9525">
+                <a:solidFill>
+                  <a:srgbClr val="000000"/>
+                </a:solidFill>
+                <a:miter lim="800000"/>
+                <a:headEnd/>
+                <a:tailEnd/>
+              </a14:hiddenLine>
+            </a:ext>
+          </a:extLst>
+        </p:spPr>
+        <p:txBody>
+          <a:bodyPr wrap="square" numCol="1" anchor="t" anchorCtr="0" compatLnSpc="1">
+            <a:prstTxWarp prst="textNoShape">
+              <a:avLst/>
+            </a:prstTxWarp>
+          </a:bodyPr>
+          <a:lstStyle/>
+          <a:p>
+            <a:pPr>
+              <a:spcBef>
+                <a:spcPct val="0"/>
+              </a:spcBef>
+            </a:pPr>
+            <a:r>
+              <a:rPr lang="en-US">
+                <a:latin typeface="BentonSans Book" charset="0"/>
+              </a:rPr>
+              <a:t>Table of Contents</a:t>
+            </a:r>
+          </a:p>
+        </p:txBody>
+      </p:sp>
+    </p:spTree>
+  </p:cSld>
+  <p:clrMapOvr>
+    <a:masterClrMapping/>
+  </p:clrMapOvr>
+</p:notes>
+</file>
+
+<file path=ppt/notesSlides/notesSlide20.xml><?xml version="1.0" encoding="utf-8"?>
 <p:notes xmlns:a="http://schemas.openxmlformats.org/drawingml/2006/main" xmlns:r="http://schemas.openxmlformats.org/officeDocument/2006/relationships" xmlns:p="http://schemas.openxmlformats.org/presentationml/2006/main">
   <p:cSld>
     <p:spTree>
@@ -3247,120 +3591,7 @@
 </p:notes>
 </file>
 
-<file path=ppt/notesSlides/notesSlide2.xml><?xml version="1.0" encoding="utf-8"?>
-<p:notes xmlns:a="http://schemas.openxmlformats.org/drawingml/2006/main" xmlns:r="http://schemas.openxmlformats.org/officeDocument/2006/relationships" xmlns:p="http://schemas.openxmlformats.org/presentationml/2006/main">
-  <p:cSld>
-    <p:spTree>
-      <p:nvGrpSpPr>
-        <p:cNvPr id="1" name=""/>
-        <p:cNvGrpSpPr/>
-        <p:nvPr/>
-      </p:nvGrpSpPr>
-      <p:grpSpPr>
-        <a:xfrm>
-          <a:off x="0" y="0"/>
-          <a:ext cx="0" cy="0"/>
-          <a:chOff x="0" y="0"/>
-          <a:chExt cx="0" cy="0"/>
-        </a:xfrm>
-      </p:grpSpPr>
-      <p:sp>
-        <p:nvSpPr>
-          <p:cNvPr id="37889" name="Slide Image Placeholder 1"/>
-          <p:cNvSpPr>
-            <a:spLocks noGrp="1" noRot="1" noChangeAspect="1"/>
-          </p:cNvSpPr>
-          <p:nvPr>
-            <p:ph type="sldImg"/>
-          </p:nvPr>
-        </p:nvSpPr>
-        <p:spPr bwMode="auto">
-          <a:noFill/>
-          <a:ln>
-            <a:solidFill>
-              <a:srgbClr val="000000"/>
-            </a:solidFill>
-            <a:miter lim="800000"/>
-            <a:headEnd/>
-            <a:tailEnd/>
-          </a:ln>
-          <a:extLst>
-            <a:ext uri="{909E8E84-426E-40dd-AFC4-6F175D3DCCD1}">
-              <a14:hiddenFill xmlns:a14="http://schemas.microsoft.com/office/drawing/2010/main" xmlns="">
-                <a:solidFill>
-                  <a:srgbClr val="FFFFFF"/>
-                </a:solidFill>
-              </a14:hiddenFill>
-            </a:ext>
-            <a:ext uri="{FAA26D3D-D897-4be2-8F04-BA451C77F1D7}">
-              <ma14:placeholderFlag xmlns:ma14="http://schemas.microsoft.com/office/mac/drawingml/2011/main" xmlns="" val="1"/>
-            </a:ext>
-          </a:extLst>
-        </p:spPr>
-      </p:sp>
-      <p:sp>
-        <p:nvSpPr>
-          <p:cNvPr id="37890" name="Notes Placeholder 2"/>
-          <p:cNvSpPr>
-            <a:spLocks noGrp="1"/>
-          </p:cNvSpPr>
-          <p:nvPr>
-            <p:ph type="body" idx="1"/>
-          </p:nvPr>
-        </p:nvSpPr>
-        <p:spPr bwMode="auto">
-          <a:noFill/>
-          <a:extLst>
-            <a:ext uri="{909E8E84-426E-40dd-AFC4-6F175D3DCCD1}">
-              <a14:hiddenFill xmlns:a14="http://schemas.microsoft.com/office/drawing/2010/main" xmlns="">
-                <a:solidFill>
-                  <a:srgbClr val="FFFFFF"/>
-                </a:solidFill>
-              </a14:hiddenFill>
-            </a:ext>
-            <a:ext uri="{91240B29-F687-4f45-9708-019B960494DF}">
-              <a14:hiddenLine xmlns:a14="http://schemas.microsoft.com/office/drawing/2010/main" xmlns="" w="9525">
-                <a:solidFill>
-                  <a:srgbClr val="000000"/>
-                </a:solidFill>
-                <a:miter lim="800000"/>
-                <a:headEnd/>
-                <a:tailEnd/>
-              </a14:hiddenLine>
-            </a:ext>
-          </a:extLst>
-        </p:spPr>
-        <p:txBody>
-          <a:bodyPr wrap="square" numCol="1" anchor="t" anchorCtr="0" compatLnSpc="1">
-            <a:prstTxWarp prst="textNoShape">
-              <a:avLst/>
-            </a:prstTxWarp>
-          </a:bodyPr>
-          <a:lstStyle/>
-          <a:p>
-            <a:pPr>
-              <a:spcBef>
-                <a:spcPct val="0"/>
-              </a:spcBef>
-            </a:pPr>
-            <a:r>
-              <a:rPr lang="en-US">
-                <a:latin typeface="BentonSans Book" charset="0"/>
-              </a:rPr>
-              <a:t>Table of Contents</a:t>
-            </a:r>
-          </a:p>
-        </p:txBody>
-      </p:sp>
-    </p:spTree>
-  </p:cSld>
-  <p:clrMapOvr>
-    <a:masterClrMapping/>
-  </p:clrMapOvr>
-</p:notes>
-</file>
-
-<file path=ppt/notesSlides/notesSlide20.xml><?xml version="1.0" encoding="utf-8"?>
+<file path=ppt/notesSlides/notesSlide21.xml><?xml version="1.0" encoding="utf-8"?>
 <p:notes xmlns:a="http://schemas.openxmlformats.org/drawingml/2006/main" xmlns:r="http://schemas.openxmlformats.org/officeDocument/2006/relationships" xmlns:p="http://schemas.openxmlformats.org/presentationml/2006/main">
   <p:cSld>
     <p:spTree>
@@ -3850,7 +4081,7 @@
 </p:notes>
 </file>
 
-<file path=ppt/notesSlides/notesSlide21.xml><?xml version="1.0" encoding="utf-8"?>
+<file path=ppt/notesSlides/notesSlide22.xml><?xml version="1.0" encoding="utf-8"?>
 <p:notes xmlns:a="http://schemas.openxmlformats.org/drawingml/2006/main" xmlns:r="http://schemas.openxmlformats.org/officeDocument/2006/relationships" xmlns:p="http://schemas.openxmlformats.org/presentationml/2006/main">
   <p:cSld>
     <p:spTree>
@@ -4340,7 +4571,7 @@
 </p:notes>
 </file>
 
-<file path=ppt/notesSlides/notesSlide22.xml><?xml version="1.0" encoding="utf-8"?>
+<file path=ppt/notesSlides/notesSlide23.xml><?xml version="1.0" encoding="utf-8"?>
 <p:notes xmlns:a="http://schemas.openxmlformats.org/drawingml/2006/main" xmlns:r="http://schemas.openxmlformats.org/officeDocument/2006/relationships" xmlns:p="http://schemas.openxmlformats.org/presentationml/2006/main">
   <p:cSld>
     <p:spTree>
@@ -4830,7 +5061,7 @@
 </p:notes>
 </file>
 
-<file path=ppt/notesSlides/notesSlide23.xml><?xml version="1.0" encoding="utf-8"?>
+<file path=ppt/notesSlides/notesSlide24.xml><?xml version="1.0" encoding="utf-8"?>
 <p:notes xmlns:a="http://schemas.openxmlformats.org/drawingml/2006/main" xmlns:r="http://schemas.openxmlformats.org/officeDocument/2006/relationships" xmlns:p="http://schemas.openxmlformats.org/presentationml/2006/main">
   <p:cSld>
     <p:spTree>
@@ -5320,7 +5551,7 @@
 </p:notes>
 </file>
 
-<file path=ppt/notesSlides/notesSlide24.xml><?xml version="1.0" encoding="utf-8"?>
+<file path=ppt/notesSlides/notesSlide25.xml><?xml version="1.0" encoding="utf-8"?>
 <p:notes xmlns:a="http://schemas.openxmlformats.org/drawingml/2006/main" xmlns:r="http://schemas.openxmlformats.org/officeDocument/2006/relationships" xmlns:p="http://schemas.openxmlformats.org/presentationml/2006/main">
   <p:cSld>
     <p:spTree>
@@ -5810,7 +6041,7 @@
 </p:notes>
 </file>
 
-<file path=ppt/notesSlides/notesSlide25.xml><?xml version="1.0" encoding="utf-8"?>
+<file path=ppt/notesSlides/notesSlide26.xml><?xml version="1.0" encoding="utf-8"?>
 <p:notes xmlns:a="http://schemas.openxmlformats.org/drawingml/2006/main" xmlns:r="http://schemas.openxmlformats.org/officeDocument/2006/relationships" xmlns:p="http://schemas.openxmlformats.org/presentationml/2006/main">
   <p:cSld>
     <p:spTree>
@@ -5928,7 +6159,7 @@
 </p:notes>
 </file>
 
-<file path=ppt/notesSlides/notesSlide26.xml><?xml version="1.0" encoding="utf-8"?>
+<file path=ppt/notesSlides/notesSlide27.xml><?xml version="1.0" encoding="utf-8"?>
 <p:notes xmlns:a="http://schemas.openxmlformats.org/drawingml/2006/main" xmlns:r="http://schemas.openxmlformats.org/officeDocument/2006/relationships" xmlns:p="http://schemas.openxmlformats.org/presentationml/2006/main">
   <p:cSld>
     <p:spTree>
@@ -10119,17 +10350,8 @@
               <a:rPr lang="en-US" dirty="0">
                 <a:ea typeface="+mn-ea"/>
               </a:rPr>
-              <a:t>Why </a:t>
+              <a:t>Why does data matter?</a:t>
             </a:r>
-            <a:r>
-              <a:rPr lang="en-US">
-                <a:ea typeface="+mn-ea"/>
-              </a:rPr>
-              <a:t>does data matter?</a:t>
-            </a:r>
-            <a:endParaRPr lang="en-US" dirty="0">
-              <a:ea typeface="+mn-ea"/>
-            </a:endParaRPr>
           </a:p>
           <a:p>
             <a:pPr defTabSz="1306221" fontAlgn="auto">
@@ -10307,7 +10529,7 @@
             </a:pPr>
             <a:r>
               <a:rPr lang="en-US" dirty="0"/>
-              <a:t>Took data on surgeries in a simple table</a:t>
+              <a:t>Took mortality rates data in a simple table</a:t>
             </a:r>
           </a:p>
           <a:p>
@@ -10780,6 +11002,290 @@
       </p:grpSpPr>
       <p:sp>
         <p:nvSpPr>
+          <p:cNvPr id="4" name="Content Placeholder 3"/>
+          <p:cNvSpPr>
+            <a:spLocks noGrp="1"/>
+          </p:cNvSpPr>
+          <p:nvPr>
+            <p:ph idx="13"/>
+          </p:nvPr>
+        </p:nvSpPr>
+        <p:spPr>
+          <a:xfrm>
+            <a:off x="7329803" y="1887752"/>
+            <a:ext cx="6649347" cy="6771084"/>
+          </a:xfrm>
+        </p:spPr>
+        <p:txBody>
+          <a:bodyPr/>
+          <a:lstStyle/>
+          <a:p>
+            <a:pPr marL="457200" indent="-457200" defTabSz="1306221" fontAlgn="auto">
+              <a:buFont typeface="Arial" panose="020B0604020202020204" pitchFamily="34" charset="0"/>
+              <a:buChar char="•"/>
+              <a:defRPr/>
+            </a:pPr>
+            <a:r>
+              <a:rPr lang="en-US" dirty="0"/>
+              <a:t>Economist, author of </a:t>
+            </a:r>
+            <a:r>
+              <a:rPr lang="en-US" i="1" dirty="0"/>
+              <a:t>Freakonomics</a:t>
+            </a:r>
+          </a:p>
+          <a:p>
+            <a:pPr marL="457200" indent="-457200" defTabSz="1306221" fontAlgn="auto">
+              <a:buFont typeface="Arial" panose="020B0604020202020204" pitchFamily="34" charset="0"/>
+              <a:buChar char="•"/>
+              <a:defRPr/>
+            </a:pPr>
+            <a:r>
+              <a:rPr lang="en-US" dirty="0"/>
+              <a:t>Chicago Public School System switched to new testing criterium</a:t>
+            </a:r>
+          </a:p>
+          <a:p>
+            <a:pPr marL="796925" lvl="1" indent="-457200" defTabSz="1306221" fontAlgn="auto">
+              <a:buFont typeface="Arial" panose="020B0604020202020204" pitchFamily="34" charset="0"/>
+              <a:buChar char="•"/>
+              <a:defRPr/>
+            </a:pPr>
+            <a:r>
+              <a:rPr lang="en-US" dirty="0"/>
+              <a:t>Introduced potential penalties and restrictions on teachers and schools</a:t>
+            </a:r>
+          </a:p>
+          <a:p>
+            <a:pPr marL="796925" lvl="1" indent="-457200" defTabSz="1306221" fontAlgn="auto">
+              <a:buFont typeface="Arial" panose="020B0604020202020204" pitchFamily="34" charset="0"/>
+              <a:buChar char="•"/>
+              <a:defRPr/>
+            </a:pPr>
+            <a:r>
+              <a:rPr lang="en-US" dirty="0"/>
+              <a:t>Grades improved, substantially</a:t>
+            </a:r>
+          </a:p>
+          <a:p>
+            <a:pPr marL="457200" indent="-457200" defTabSz="1306221" fontAlgn="auto">
+              <a:buFont typeface="Arial" panose="020B0604020202020204" pitchFamily="34" charset="0"/>
+              <a:buChar char="•"/>
+              <a:defRPr/>
+            </a:pPr>
+            <a:r>
+              <a:rPr lang="en-US" dirty="0"/>
+              <a:t>Released test scores publicly</a:t>
+            </a:r>
+          </a:p>
+          <a:p>
+            <a:pPr marL="796925" lvl="1" indent="-457200" defTabSz="1306221" fontAlgn="auto">
+              <a:buFont typeface="Arial" panose="020B0604020202020204" pitchFamily="34" charset="0"/>
+              <a:buChar char="•"/>
+              <a:defRPr/>
+            </a:pPr>
+            <a:r>
+              <a:rPr lang="en-US" dirty="0"/>
+              <a:t>1993 – 2000</a:t>
+            </a:r>
+          </a:p>
+          <a:p>
+            <a:pPr marL="796925" lvl="1" indent="-457200" defTabSz="1306221" fontAlgn="auto">
+              <a:buFont typeface="Arial" panose="020B0604020202020204" pitchFamily="34" charset="0"/>
+              <a:buChar char="•"/>
+              <a:defRPr/>
+            </a:pPr>
+            <a:r>
+              <a:rPr lang="en-US" dirty="0"/>
+              <a:t>400,000 students per year</a:t>
+            </a:r>
+          </a:p>
+          <a:p>
+            <a:pPr marL="796925" lvl="1" indent="-457200" defTabSz="1306221" fontAlgn="auto">
+              <a:buFont typeface="Arial" panose="020B0604020202020204" pitchFamily="34" charset="0"/>
+              <a:buChar char="•"/>
+              <a:defRPr/>
+            </a:pPr>
+            <a:r>
+              <a:rPr lang="en-US" dirty="0"/>
+              <a:t>700,000 tests, organized by classroom</a:t>
+            </a:r>
+          </a:p>
+          <a:p>
+            <a:pPr marL="796925" lvl="1" indent="-457200" defTabSz="1306221" fontAlgn="auto">
+              <a:buFont typeface="Arial" panose="020B0604020202020204" pitchFamily="34" charset="0"/>
+              <a:buChar char="•"/>
+              <a:defRPr/>
+            </a:pPr>
+            <a:r>
+              <a:rPr lang="en-US" dirty="0"/>
+              <a:t>100 million individual answers</a:t>
+            </a:r>
+          </a:p>
+          <a:p>
+            <a:pPr marL="796925" lvl="1" indent="-457200" defTabSz="1306221" fontAlgn="auto">
+              <a:buFont typeface="Arial" panose="020B0604020202020204" pitchFamily="34" charset="0"/>
+              <a:buChar char="•"/>
+              <a:defRPr/>
+            </a:pPr>
+            <a:r>
+              <a:rPr lang="en-US" dirty="0"/>
+              <a:t>Letter == </a:t>
+            </a:r>
+            <a:r>
+              <a:rPr lang="en-US"/>
+              <a:t>correct answer; </a:t>
+            </a:r>
+            <a:r>
+              <a:rPr lang="en-US" dirty="0"/>
+              <a:t>number </a:t>
+            </a:r>
+            <a:r>
+              <a:rPr lang="en-US"/>
+              <a:t>== incorrect</a:t>
+            </a:r>
+            <a:endParaRPr lang="en-US" dirty="0"/>
+          </a:p>
+          <a:p>
+            <a:pPr marL="796925" lvl="1" indent="-457200" defTabSz="1306221" fontAlgn="auto">
+              <a:buFont typeface="Arial" panose="020B0604020202020204" pitchFamily="34" charset="0"/>
+              <a:buChar char="•"/>
+              <a:defRPr/>
+            </a:pPr>
+            <a:endParaRPr lang="en-US" dirty="0"/>
+          </a:p>
+          <a:p>
+            <a:pPr marL="796925" lvl="1" indent="-457200" defTabSz="1306221" fontAlgn="auto">
+              <a:buFont typeface="Arial" panose="020B0604020202020204" pitchFamily="34" charset="0"/>
+              <a:buChar char="•"/>
+              <a:defRPr/>
+            </a:pPr>
+            <a:endParaRPr lang="en-US" dirty="0"/>
+          </a:p>
+          <a:p>
+            <a:pPr marL="457200" indent="-457200" defTabSz="1306221" fontAlgn="auto">
+              <a:buFont typeface="Arial" panose="020B0604020202020204" pitchFamily="34" charset="0"/>
+              <a:buChar char="•"/>
+              <a:defRPr/>
+            </a:pPr>
+            <a:endParaRPr lang="en-US" dirty="0"/>
+          </a:p>
+        </p:txBody>
+      </p:sp>
+      <p:sp>
+        <p:nvSpPr>
+          <p:cNvPr id="5" name="Text Placeholder 1"/>
+          <p:cNvSpPr>
+            <a:spLocks noGrp="1"/>
+          </p:cNvSpPr>
+          <p:nvPr>
+            <p:ph type="body" sz="quarter" idx="12"/>
+          </p:nvPr>
+        </p:nvSpPr>
+        <p:spPr>
+          <a:xfrm>
+            <a:off x="710057" y="598699"/>
+            <a:ext cx="13269093" cy="1009507"/>
+          </a:xfrm>
+          <a:prstGeom prst="rect">
+            <a:avLst/>
+          </a:prstGeom>
+        </p:spPr>
+        <p:txBody>
+          <a:bodyPr/>
+          <a:lstStyle/>
+          <a:p>
+            <a:pPr defTabSz="1306221" fontAlgn="auto">
+              <a:defRPr/>
+            </a:pPr>
+            <a:r>
+              <a:rPr lang="en-US" sz="8000" dirty="0"/>
+              <a:t>Steven Levitt</a:t>
+            </a:r>
+          </a:p>
+        </p:txBody>
+      </p:sp>
+      <p:pic>
+        <p:nvPicPr>
+          <p:cNvPr id="9" name="Picture 2" descr="https://lh5.googleusercontent.com/2nHtAaAidypwtGoBo7Wnzmm5s87KRds7ueFFJlOfX9W6UtpCx2Sb9fEihOTuXDiFErIkxow78-I6hL7JwiESyO1Cs3TQcqEt5pmrYe9w0d7rtgoaIT5hcz5am1oc0luazVt94T8Z">
+            <a:extLst>
+              <a:ext uri="{FF2B5EF4-FFF2-40B4-BE49-F238E27FC236}">
+                <a16:creationId xmlns:a16="http://schemas.microsoft.com/office/drawing/2014/main" id="{782B2912-AEDF-4FBF-AB2F-BC91C856DFB0}"/>
+              </a:ext>
+            </a:extLst>
+          </p:cNvPr>
+          <p:cNvPicPr>
+            <a:picLocks noGrp="1" noChangeAspect="1" noChangeArrowheads="1"/>
+          </p:cNvPicPr>
+          <p:nvPr>
+            <p:ph type="pic" sz="quarter" idx="10"/>
+          </p:nvPr>
+        </p:nvPicPr>
+        <p:blipFill>
+          <a:blip r:embed="rId3" cstate="email">
+            <a:extLst>
+              <a:ext uri="{28A0092B-C50C-407E-A947-70E740481C1C}">
+                <a14:useLocalDpi xmlns:a14="http://schemas.microsoft.com/office/drawing/2010/main" val="0"/>
+              </a:ext>
+            </a:extLst>
+          </a:blip>
+          <a:srcRect t="2378" b="2378"/>
+          <a:stretch>
+            <a:fillRect/>
+          </a:stretch>
+        </p:blipFill>
+        <p:spPr bwMode="auto">
+          <a:xfrm>
+            <a:off x="704850" y="1868488"/>
+            <a:ext cx="6019800" cy="5408612"/>
+          </a:xfrm>
+          <a:prstGeom prst="rect">
+            <a:avLst/>
+          </a:prstGeom>
+          <a:noFill/>
+          <a:extLst>
+            <a:ext uri="{909E8E84-426E-40DD-AFC4-6F175D3DCCD1}">
+              <a14:hiddenFill xmlns:a14="http://schemas.microsoft.com/office/drawing/2010/main">
+                <a:solidFill>
+                  <a:srgbClr val="FFFFFF"/>
+                </a:solidFill>
+              </a14:hiddenFill>
+            </a:ext>
+          </a:extLst>
+        </p:spPr>
+      </p:pic>
+    </p:spTree>
+    <p:extLst>
+      <p:ext uri="{BB962C8B-B14F-4D97-AF65-F5344CB8AC3E}">
+        <p14:creationId xmlns:p14="http://schemas.microsoft.com/office/powerpoint/2010/main" val="326706762"/>
+      </p:ext>
+    </p:extLst>
+  </p:cSld>
+  <p:clrMapOvr>
+    <a:masterClrMapping/>
+  </p:clrMapOvr>
+</p:sld>
+</file>
+
+<file path=ppt/slides/slide14.xml><?xml version="1.0" encoding="utf-8"?>
+<p:sld xmlns:a="http://schemas.openxmlformats.org/drawingml/2006/main" xmlns:r="http://schemas.openxmlformats.org/officeDocument/2006/relationships" xmlns:p="http://schemas.openxmlformats.org/presentationml/2006/main">
+  <p:cSld>
+    <p:spTree>
+      <p:nvGrpSpPr>
+        <p:cNvPr id="1" name=""/>
+        <p:cNvGrpSpPr/>
+        <p:nvPr/>
+      </p:nvGrpSpPr>
+      <p:grpSpPr>
+        <a:xfrm>
+          <a:off x="0" y="0"/>
+          <a:ext cx="0" cy="0"/>
+          <a:chOff x="0" y="0"/>
+          <a:chExt cx="0" cy="0"/>
+        </a:xfrm>
+      </p:grpSpPr>
+      <p:sp>
+        <p:nvSpPr>
           <p:cNvPr id="5" name="Content Placeholder 4"/>
           <p:cNvSpPr>
             <a:spLocks noGrp="1"/>
@@ -10941,7 +11447,7 @@
 </p:sld>
 </file>
 
-<file path=ppt/slides/slide14.xml><?xml version="1.0" encoding="utf-8"?>
+<file path=ppt/slides/slide15.xml><?xml version="1.0" encoding="utf-8"?>
 <p:sld xmlns:a="http://schemas.openxmlformats.org/drawingml/2006/main" xmlns:r="http://schemas.openxmlformats.org/officeDocument/2006/relationships" xmlns:p="http://schemas.openxmlformats.org/presentationml/2006/main">
   <p:cSld>
     <p:spTree>
@@ -11035,7 +11541,7 @@
 </p:sld>
 </file>
 
-<file path=ppt/slides/slide15.xml><?xml version="1.0" encoding="utf-8"?>
+<file path=ppt/slides/slide16.xml><?xml version="1.0" encoding="utf-8"?>
 <p:sld xmlns:a="http://schemas.openxmlformats.org/drawingml/2006/main" xmlns:r="http://schemas.openxmlformats.org/officeDocument/2006/relationships" xmlns:p="http://schemas.openxmlformats.org/presentationml/2006/main">
   <p:cSld>
     <p:spTree>
@@ -11136,7 +11642,7 @@
 </p:sld>
 </file>
 
-<file path=ppt/slides/slide16.xml><?xml version="1.0" encoding="utf-8"?>
+<file path=ppt/slides/slide17.xml><?xml version="1.0" encoding="utf-8"?>
 <p:sld xmlns:a="http://schemas.openxmlformats.org/drawingml/2006/main" xmlns:r="http://schemas.openxmlformats.org/officeDocument/2006/relationships" xmlns:p="http://schemas.openxmlformats.org/presentationml/2006/main">
   <p:cSld>
     <p:spTree>
@@ -11208,7 +11714,7 @@
 </p:sld>
 </file>
 
-<file path=ppt/slides/slide17.xml><?xml version="1.0" encoding="utf-8"?>
+<file path=ppt/slides/slide18.xml><?xml version="1.0" encoding="utf-8"?>
 <p:sld xmlns:a="http://schemas.openxmlformats.org/drawingml/2006/main" xmlns:r="http://schemas.openxmlformats.org/officeDocument/2006/relationships" xmlns:p="http://schemas.openxmlformats.org/presentationml/2006/main">
   <p:cSld>
     <p:spTree>
@@ -11256,7 +11762,7 @@
 </p:sld>
 </file>
 
-<file path=ppt/slides/slide18.xml><?xml version="1.0" encoding="utf-8"?>
+<file path=ppt/slides/slide19.xml><?xml version="1.0" encoding="utf-8"?>
 <p:sld xmlns:a="http://schemas.openxmlformats.org/drawingml/2006/main" xmlns:r="http://schemas.openxmlformats.org/officeDocument/2006/relationships" xmlns:p="http://schemas.openxmlformats.org/presentationml/2006/main">
   <p:cSld>
     <p:spTree>
@@ -11337,63 +11843,6 @@
           </a:prstGeom>
         </p:spPr>
       </p:pic>
-    </p:spTree>
-  </p:cSld>
-  <p:clrMapOvr>
-    <a:masterClrMapping/>
-  </p:clrMapOvr>
-</p:sld>
-</file>
-
-<file path=ppt/slides/slide19.xml><?xml version="1.0" encoding="utf-8"?>
-<p:sld xmlns:a="http://schemas.openxmlformats.org/drawingml/2006/main" xmlns:r="http://schemas.openxmlformats.org/officeDocument/2006/relationships" xmlns:p="http://schemas.openxmlformats.org/presentationml/2006/main">
-  <p:cSld>
-    <p:spTree>
-      <p:nvGrpSpPr>
-        <p:cNvPr id="1" name=""/>
-        <p:cNvGrpSpPr/>
-        <p:nvPr/>
-      </p:nvGrpSpPr>
-      <p:grpSpPr>
-        <a:xfrm>
-          <a:off x="0" y="0"/>
-          <a:ext cx="0" cy="0"/>
-          <a:chOff x="0" y="0"/>
-          <a:chExt cx="0" cy="0"/>
-        </a:xfrm>
-      </p:grpSpPr>
-      <p:sp>
-        <p:nvSpPr>
-          <p:cNvPr id="21505" name="Title 1"/>
-          <p:cNvSpPr>
-            <a:spLocks noGrp="1"/>
-          </p:cNvSpPr>
-          <p:nvPr>
-            <p:ph type="title" idx="4294967295"/>
-          </p:nvPr>
-        </p:nvSpPr>
-        <p:spPr>
-          <a:xfrm>
-            <a:off x="704850" y="1811338"/>
-            <a:ext cx="13274675" cy="635000"/>
-          </a:xfrm>
-        </p:spPr>
-        <p:txBody>
-          <a:bodyPr/>
-          <a:lstStyle/>
-          <a:p>
-            <a:r>
-              <a:rPr lang="en-US">
-                <a:solidFill>
-                  <a:srgbClr val="4C4C4C"/>
-                </a:solidFill>
-                <a:latin typeface="BentonSans Book" charset="0"/>
-              </a:rPr>
-              <a:t>Instructional Slides</a:t>
-            </a:r>
-          </a:p>
-        </p:txBody>
-      </p:sp>
     </p:spTree>
   </p:cSld>
   <p:clrMapOvr>
@@ -11510,6 +11959,63 @@
 </file>
 
 <file path=ppt/slides/slide20.xml><?xml version="1.0" encoding="utf-8"?>
+<p:sld xmlns:a="http://schemas.openxmlformats.org/drawingml/2006/main" xmlns:r="http://schemas.openxmlformats.org/officeDocument/2006/relationships" xmlns:p="http://schemas.openxmlformats.org/presentationml/2006/main">
+  <p:cSld>
+    <p:spTree>
+      <p:nvGrpSpPr>
+        <p:cNvPr id="1" name=""/>
+        <p:cNvGrpSpPr/>
+        <p:nvPr/>
+      </p:nvGrpSpPr>
+      <p:grpSpPr>
+        <a:xfrm>
+          <a:off x="0" y="0"/>
+          <a:ext cx="0" cy="0"/>
+          <a:chOff x="0" y="0"/>
+          <a:chExt cx="0" cy="0"/>
+        </a:xfrm>
+      </p:grpSpPr>
+      <p:sp>
+        <p:nvSpPr>
+          <p:cNvPr id="21505" name="Title 1"/>
+          <p:cNvSpPr>
+            <a:spLocks noGrp="1"/>
+          </p:cNvSpPr>
+          <p:nvPr>
+            <p:ph type="title" idx="4294967295"/>
+          </p:nvPr>
+        </p:nvSpPr>
+        <p:spPr>
+          <a:xfrm>
+            <a:off x="704850" y="1811338"/>
+            <a:ext cx="13274675" cy="635000"/>
+          </a:xfrm>
+        </p:spPr>
+        <p:txBody>
+          <a:bodyPr/>
+          <a:lstStyle/>
+          <a:p>
+            <a:r>
+              <a:rPr lang="en-US">
+                <a:solidFill>
+                  <a:srgbClr val="4C4C4C"/>
+                </a:solidFill>
+                <a:latin typeface="BentonSans Book" charset="0"/>
+              </a:rPr>
+              <a:t>Instructional Slides</a:t>
+            </a:r>
+          </a:p>
+        </p:txBody>
+      </p:sp>
+    </p:spTree>
+  </p:cSld>
+  <p:clrMapOvr>
+    <a:masterClrMapping/>
+  </p:clrMapOvr>
+</p:sld>
+</file>
+
+<file path=ppt/slides/slide21.xml><?xml version="1.0" encoding="utf-8"?>
 <p:sld xmlns:a="http://schemas.openxmlformats.org/drawingml/2006/main" xmlns:r="http://schemas.openxmlformats.org/officeDocument/2006/relationships" xmlns:p="http://schemas.openxmlformats.org/presentationml/2006/main">
   <p:cSld>
     <p:spTree>
@@ -11717,7 +12223,7 @@
 </p:sld>
 </file>
 
-<file path=ppt/slides/slide21.xml><?xml version="1.0" encoding="utf-8"?>
+<file path=ppt/slides/slide22.xml><?xml version="1.0" encoding="utf-8"?>
 <p:sld xmlns:a="http://schemas.openxmlformats.org/drawingml/2006/main" xmlns:r="http://schemas.openxmlformats.org/officeDocument/2006/relationships" xmlns:p="http://schemas.openxmlformats.org/presentationml/2006/main">
   <p:cSld>
     <p:spTree>
@@ -13004,7 +13510,7 @@
 </p:sld>
 </file>
 
-<file path=ppt/slides/slide22.xml><?xml version="1.0" encoding="utf-8"?>
+<file path=ppt/slides/slide23.xml><?xml version="1.0" encoding="utf-8"?>
 <p:sld xmlns:a="http://schemas.openxmlformats.org/drawingml/2006/main" xmlns:r="http://schemas.openxmlformats.org/officeDocument/2006/relationships" xmlns:p="http://schemas.openxmlformats.org/presentationml/2006/main">
   <p:cSld>
     <p:spTree>
@@ -13239,7 +13745,7 @@
 </p:sld>
 </file>
 
-<file path=ppt/slides/slide23.xml><?xml version="1.0" encoding="utf-8"?>
+<file path=ppt/slides/slide24.xml><?xml version="1.0" encoding="utf-8"?>
 <p:sld xmlns:a="http://schemas.openxmlformats.org/drawingml/2006/main" xmlns:r="http://schemas.openxmlformats.org/officeDocument/2006/relationships" xmlns:p="http://schemas.openxmlformats.org/presentationml/2006/main">
   <p:cSld>
     <p:spTree>
@@ -13809,7 +14315,7 @@
 </p:sld>
 </file>
 
-<file path=ppt/slides/slide24.xml><?xml version="1.0" encoding="utf-8"?>
+<file path=ppt/slides/slide25.xml><?xml version="1.0" encoding="utf-8"?>
 <p:sld xmlns:a="http://schemas.openxmlformats.org/drawingml/2006/main" xmlns:r="http://schemas.openxmlformats.org/officeDocument/2006/relationships" xmlns:p="http://schemas.openxmlformats.org/presentationml/2006/main">
   <p:cSld>
     <p:spTree>
@@ -14233,7 +14739,7 @@
 </p:sld>
 </file>
 
-<file path=ppt/slides/slide25.xml><?xml version="1.0" encoding="utf-8"?>
+<file path=ppt/slides/slide26.xml><?xml version="1.0" encoding="utf-8"?>
 <p:sld xmlns:a="http://schemas.openxmlformats.org/drawingml/2006/main" xmlns:r="http://schemas.openxmlformats.org/officeDocument/2006/relationships" xmlns:p="http://schemas.openxmlformats.org/presentationml/2006/main">
   <p:cSld>
     <p:spTree>
@@ -15066,7 +15572,7 @@
 </p:sld>
 </file>
 
-<file path=ppt/slides/slide26.xml><?xml version="1.0" encoding="utf-8"?>
+<file path=ppt/slides/slide27.xml><?xml version="1.0" encoding="utf-8"?>
 <p:sld xmlns:a="http://schemas.openxmlformats.org/drawingml/2006/main" xmlns:r="http://schemas.openxmlformats.org/officeDocument/2006/relationships" xmlns:p="http://schemas.openxmlformats.org/presentationml/2006/main">
   <p:cSld>
     <p:spTree>
@@ -36595,7 +37101,7 @@
 </p:sld>
 </file>
 
-<file path=ppt/slides/slide27.xml><?xml version="1.0" encoding="utf-8"?>
+<file path=ppt/slides/slide28.xml><?xml version="1.0" encoding="utf-8"?>
 <p:sld xmlns:a="http://schemas.openxmlformats.org/drawingml/2006/main" xmlns:r="http://schemas.openxmlformats.org/officeDocument/2006/relationships" xmlns:p="http://schemas.openxmlformats.org/presentationml/2006/main">
   <p:cSld>
     <p:spTree>
@@ -37035,7 +37541,7 @@
 </p:sld>
 </file>
 
-<file path=ppt/slides/slide28.xml><?xml version="1.0" encoding="utf-8"?>
+<file path=ppt/slides/slide29.xml><?xml version="1.0" encoding="utf-8"?>
 <p:sld xmlns:a="http://schemas.openxmlformats.org/drawingml/2006/main" xmlns:r="http://schemas.openxmlformats.org/officeDocument/2006/relationships" xmlns:p="http://schemas.openxmlformats.org/presentationml/2006/main">
   <p:cSld>
     <p:spTree>
@@ -37122,440 +37628,6 @@
     <p:extLst>
       <p:ext uri="{BB962C8B-B14F-4D97-AF65-F5344CB8AC3E}">
         <p14:creationId xmlns:p14="http://schemas.microsoft.com/office/powerpoint/2010/main" val="1429312328"/>
-      </p:ext>
-    </p:extLst>
-  </p:cSld>
-  <p:clrMapOvr>
-    <a:masterClrMapping/>
-  </p:clrMapOvr>
-</p:sld>
-</file>
-
-<file path=ppt/slides/slide29.xml><?xml version="1.0" encoding="utf-8"?>
-<p:sld xmlns:a="http://schemas.openxmlformats.org/drawingml/2006/main" xmlns:r="http://schemas.openxmlformats.org/officeDocument/2006/relationships" xmlns:p="http://schemas.openxmlformats.org/presentationml/2006/main">
-  <p:cSld>
-    <p:spTree>
-      <p:nvGrpSpPr>
-        <p:cNvPr id="1" name=""/>
-        <p:cNvGrpSpPr/>
-        <p:nvPr/>
-      </p:nvGrpSpPr>
-      <p:grpSpPr>
-        <a:xfrm>
-          <a:off x="0" y="0"/>
-          <a:ext cx="0" cy="0"/>
-          <a:chOff x="0" y="0"/>
-          <a:chExt cx="0" cy="0"/>
-        </a:xfrm>
-      </p:grpSpPr>
-      <p:pic>
-        <p:nvPicPr>
-          <p:cNvPr id="5" name="Picture 4" descr="FJ8A1987_2-b.jpg"/>
-          <p:cNvPicPr>
-            <a:picLocks noChangeAspect="1"/>
-          </p:cNvPicPr>
-          <p:nvPr/>
-        </p:nvPicPr>
-        <p:blipFill>
-          <a:blip r:embed="rId2">
-            <a:extLst>
-              <a:ext uri="{28A0092B-C50C-407E-A947-70E740481C1C}">
-                <a14:useLocalDpi xmlns:a14="http://schemas.microsoft.com/office/drawing/2010/main" val="0"/>
-              </a:ext>
-            </a:extLst>
-          </a:blip>
-          <a:stretch>
-            <a:fillRect/>
-          </a:stretch>
-        </p:blipFill>
-        <p:spPr>
-          <a:xfrm>
-            <a:off x="707608" y="1776715"/>
-            <a:ext cx="4114800" cy="2743200"/>
-          </a:xfrm>
-          <a:prstGeom prst="rect">
-            <a:avLst/>
-          </a:prstGeom>
-        </p:spPr>
-      </p:pic>
-      <p:pic>
-        <p:nvPicPr>
-          <p:cNvPr id="2" name="Picture 1" descr="sm_J8A9086.jpg"/>
-          <p:cNvPicPr>
-            <a:picLocks noChangeAspect="1"/>
-          </p:cNvPicPr>
-          <p:nvPr/>
-        </p:nvPicPr>
-        <p:blipFill>
-          <a:blip r:embed="rId3" cstate="email">
-            <a:extLst>
-              <a:ext uri="{28A0092B-C50C-407E-A947-70E740481C1C}">
-                <a14:useLocalDpi xmlns:a14="http://schemas.microsoft.com/office/drawing/2010/main" val="0"/>
-              </a:ext>
-            </a:extLst>
-          </a:blip>
-          <a:stretch>
-            <a:fillRect/>
-          </a:stretch>
-        </p:blipFill>
-        <p:spPr>
-          <a:xfrm>
-            <a:off x="9862076" y="1754539"/>
-            <a:ext cx="4118297" cy="2745531"/>
-          </a:xfrm>
-          <a:prstGeom prst="rect">
-            <a:avLst/>
-          </a:prstGeom>
-        </p:spPr>
-      </p:pic>
-      <p:sp>
-        <p:nvSpPr>
-          <p:cNvPr id="8" name="Text Placeholder 7"/>
-          <p:cNvSpPr>
-            <a:spLocks noGrp="1"/>
-          </p:cNvSpPr>
-          <p:nvPr>
-            <p:ph type="body" sz="quarter" idx="4294967295"/>
-          </p:nvPr>
-        </p:nvSpPr>
-        <p:spPr>
-          <a:xfrm>
-            <a:off x="5263623" y="5076825"/>
-            <a:ext cx="4130675" cy="2262188"/>
-          </a:xfrm>
-          <a:prstGeom prst="rect">
-            <a:avLst/>
-          </a:prstGeom>
-          <a:solidFill>
-            <a:srgbClr val="FFFFFF"/>
-          </a:solidFill>
-        </p:spPr>
-        <p:txBody>
-          <a:bodyPr lIns="0" tIns="0" rIns="0" bIns="0">
-            <a:spAutoFit/>
-          </a:bodyPr>
-          <a:lstStyle/>
-          <a:p>
-            <a:pPr marL="0" indent="0" defTabSz="1306221" fontAlgn="auto">
-              <a:spcBef>
-                <a:spcPts val="0"/>
-              </a:spcBef>
-              <a:spcAft>
-                <a:spcPts val="0"/>
-              </a:spcAft>
-              <a:buFont typeface="Arial" panose="020B0604020202020204" pitchFamily="34" charset="0"/>
-              <a:buNone/>
-              <a:defRPr/>
-            </a:pPr>
-            <a:r>
-              <a:rPr lang="en-US" sz="2100" dirty="0">
-                <a:solidFill>
-                  <a:schemeClr val="accent5"/>
-                </a:solidFill>
-                <a:latin typeface="Merriweather Light"/>
-                <a:ea typeface="+mn-ea"/>
-                <a:cs typeface="Merriweather Light"/>
-              </a:rPr>
-              <a:t>Software Focused: Photography is a good way </a:t>
-            </a:r>
-            <a:br>
-              <a:rPr lang="en-US" sz="2100" dirty="0">
-                <a:solidFill>
-                  <a:schemeClr val="accent5"/>
-                </a:solidFill>
-                <a:latin typeface="Merriweather Light"/>
-                <a:ea typeface="+mn-ea"/>
-                <a:cs typeface="Merriweather Light"/>
-              </a:rPr>
-            </a:br>
-            <a:r>
-              <a:rPr lang="en-US" sz="2100" dirty="0">
-                <a:solidFill>
-                  <a:schemeClr val="accent5"/>
-                </a:solidFill>
-                <a:latin typeface="Merriweather Light"/>
-                <a:ea typeface="+mn-ea"/>
-                <a:cs typeface="Merriweather Light"/>
-              </a:rPr>
-              <a:t>to help contextualize and humanize content.</a:t>
-            </a:r>
-            <a:br>
-              <a:rPr lang="en-US" sz="2100" dirty="0">
-                <a:solidFill>
-                  <a:schemeClr val="accent5"/>
-                </a:solidFill>
-                <a:latin typeface="Merriweather Light"/>
-                <a:ea typeface="+mn-ea"/>
-                <a:cs typeface="Merriweather Light"/>
-              </a:rPr>
-            </a:br>
-            <a:r>
-              <a:rPr lang="en-US" sz="2100" dirty="0">
-                <a:solidFill>
-                  <a:schemeClr val="accent5"/>
-                </a:solidFill>
-                <a:latin typeface="Merriweather Light"/>
-                <a:ea typeface="+mn-ea"/>
-                <a:cs typeface="Merriweather Light"/>
-              </a:rPr>
-              <a:t>Focusing in on product screens as a main visual makes our product front and center.</a:t>
-            </a:r>
-          </a:p>
-        </p:txBody>
-      </p:sp>
-      <p:sp>
-        <p:nvSpPr>
-          <p:cNvPr id="31746" name="Text Placeholder 3"/>
-          <p:cNvSpPr>
-            <a:spLocks noGrp="1"/>
-          </p:cNvSpPr>
-          <p:nvPr>
-            <p:ph type="body" sz="quarter" idx="4294967295"/>
-          </p:nvPr>
-        </p:nvSpPr>
-        <p:spPr bwMode="auto">
-          <a:xfrm>
-            <a:off x="695325" y="5080000"/>
-            <a:ext cx="4114800" cy="1665288"/>
-          </a:xfrm>
-          <a:prstGeom prst="rect">
-            <a:avLst/>
-          </a:prstGeom>
-          <a:solidFill>
-            <a:schemeClr val="bg1"/>
-          </a:solidFill>
-          <a:extLst>
-            <a:ext uri="{91240B29-F687-4f45-9708-019B960494DF}">
-              <a14:hiddenLine xmlns:a14="http://schemas.microsoft.com/office/drawing/2010/main" xmlns="" w="9525">
-                <a:solidFill>
-                  <a:srgbClr val="000000"/>
-                </a:solidFill>
-                <a:miter lim="800000"/>
-                <a:headEnd/>
-                <a:tailEnd/>
-              </a14:hiddenLine>
-            </a:ext>
-          </a:extLst>
-        </p:spPr>
-        <p:txBody>
-          <a:bodyPr lIns="0" tIns="0" rIns="0" bIns="0">
-            <a:spAutoFit/>
-          </a:bodyPr>
-          <a:lstStyle/>
-          <a:p>
-            <a:pPr marL="0" indent="0">
-              <a:buFont typeface="Arial" charset="0"/>
-              <a:buNone/>
-            </a:pPr>
-            <a:r>
-              <a:rPr lang="en-US" sz="2100" dirty="0">
-                <a:solidFill>
-                  <a:srgbClr val="4C4C4C"/>
-                </a:solidFill>
-                <a:latin typeface="Merriweather Light" charset="0"/>
-                <a:cs typeface="Merriweather Light" charset="0"/>
-              </a:rPr>
-              <a:t>Context Important: Composed photos can tell a story through context within the photo’s environment.</a:t>
-            </a:r>
-          </a:p>
-          <a:p>
-            <a:pPr marL="0" indent="0">
-              <a:buFont typeface="Arial" charset="0"/>
-              <a:buNone/>
-            </a:pPr>
-            <a:endParaRPr lang="en-US" sz="2100" dirty="0">
-              <a:solidFill>
-                <a:srgbClr val="4C4C4C"/>
-              </a:solidFill>
-              <a:latin typeface="Merriweather Light" charset="0"/>
-              <a:cs typeface="Merriweather Light" charset="0"/>
-            </a:endParaRPr>
-          </a:p>
-        </p:txBody>
-      </p:sp>
-      <p:sp>
-        <p:nvSpPr>
-          <p:cNvPr id="31747" name="Text Placeholder 4"/>
-          <p:cNvSpPr>
-            <a:spLocks noGrp="1"/>
-          </p:cNvSpPr>
-          <p:nvPr>
-            <p:ph type="body" sz="quarter" idx="4294967295"/>
-          </p:nvPr>
-        </p:nvSpPr>
-        <p:spPr bwMode="auto">
-          <a:xfrm>
-            <a:off x="9769475" y="5075238"/>
-            <a:ext cx="4114800" cy="1681162"/>
-          </a:xfrm>
-          <a:prstGeom prst="rect">
-            <a:avLst/>
-          </a:prstGeom>
-          <a:solidFill>
-            <a:srgbClr val="FFFFFF"/>
-          </a:solidFill>
-          <a:extLst>
-            <a:ext uri="{91240B29-F687-4f45-9708-019B960494DF}">
-              <a14:hiddenLine xmlns:a14="http://schemas.microsoft.com/office/drawing/2010/main" xmlns="" w="9525">
-                <a:solidFill>
-                  <a:srgbClr val="000000"/>
-                </a:solidFill>
-                <a:miter lim="800000"/>
-                <a:headEnd/>
-                <a:tailEnd/>
-              </a14:hiddenLine>
-            </a:ext>
-          </a:extLst>
-        </p:spPr>
-        <p:txBody>
-          <a:bodyPr lIns="0" tIns="0" rIns="0" bIns="0">
-            <a:spAutoFit/>
-          </a:bodyPr>
-          <a:lstStyle/>
-          <a:p>
-            <a:pPr marL="0" indent="0">
-              <a:buFont typeface="Arial" charset="0"/>
-              <a:buNone/>
-            </a:pPr>
-            <a:r>
-              <a:rPr lang="en-US" sz="2100" dirty="0">
-                <a:solidFill>
-                  <a:srgbClr val="4C4C4C"/>
-                </a:solidFill>
-                <a:latin typeface="Merriweather Light" charset="0"/>
-                <a:cs typeface="Merriweather Light" charset="0"/>
-              </a:rPr>
-              <a:t>Lifestyle Important: Photos that show more lifestyle, environment, </a:t>
-            </a:r>
-            <a:br>
-              <a:rPr lang="en-US" sz="2100" dirty="0">
-                <a:solidFill>
-                  <a:srgbClr val="4C4C4C"/>
-                </a:solidFill>
-                <a:latin typeface="Merriweather Light" charset="0"/>
-                <a:cs typeface="Merriweather Light" charset="0"/>
-              </a:rPr>
-            </a:br>
-            <a:r>
-              <a:rPr lang="en-US" sz="2100" dirty="0">
-                <a:solidFill>
-                  <a:srgbClr val="4C4C4C"/>
-                </a:solidFill>
-                <a:latin typeface="Merriweather Light" charset="0"/>
-                <a:cs typeface="Merriweather Light" charset="0"/>
-              </a:rPr>
-              <a:t>and context used.</a:t>
-            </a:r>
-          </a:p>
-          <a:p>
-            <a:pPr marL="0" indent="0">
-              <a:buFont typeface="Arial" charset="0"/>
-              <a:buNone/>
-            </a:pPr>
-            <a:endParaRPr lang="en-US" sz="2100" dirty="0">
-              <a:solidFill>
-                <a:srgbClr val="4C4C4C"/>
-              </a:solidFill>
-              <a:latin typeface="Merriweather Light" charset="0"/>
-              <a:cs typeface="Merriweather Light" charset="0"/>
-            </a:endParaRPr>
-          </a:p>
-        </p:txBody>
-      </p:sp>
-      <p:sp>
-        <p:nvSpPr>
-          <p:cNvPr id="31748" name="Text Placeholder 2"/>
-          <p:cNvSpPr>
-            <a:spLocks noGrp="1"/>
-          </p:cNvSpPr>
-          <p:nvPr>
-            <p:ph type="body" sz="quarter" idx="4294967295"/>
-          </p:nvPr>
-        </p:nvSpPr>
-        <p:spPr bwMode="auto">
-          <a:xfrm>
-            <a:off x="693738" y="581025"/>
-            <a:ext cx="13268325" cy="635000"/>
-          </a:xfrm>
-          <a:prstGeom prst="rect">
-            <a:avLst/>
-          </a:prstGeom>
-          <a:noFill/>
-          <a:extLst>
-            <a:ext uri="{909E8E84-426E-40dd-AFC4-6F175D3DCCD1}">
-              <a14:hiddenFill xmlns:a14="http://schemas.microsoft.com/office/drawing/2010/main" xmlns="">
-                <a:solidFill>
-                  <a:srgbClr val="FFFFFF"/>
-                </a:solidFill>
-              </a14:hiddenFill>
-            </a:ext>
-            <a:ext uri="{91240B29-F687-4f45-9708-019B960494DF}">
-              <a14:hiddenLine xmlns:a14="http://schemas.microsoft.com/office/drawing/2010/main" xmlns="" w="9525">
-                <a:solidFill>
-                  <a:srgbClr val="000000"/>
-                </a:solidFill>
-                <a:miter lim="800000"/>
-                <a:headEnd/>
-                <a:tailEnd/>
-              </a14:hiddenLine>
-            </a:ext>
-          </a:extLst>
-        </p:spPr>
-        <p:txBody>
-          <a:bodyPr/>
-          <a:lstStyle/>
-          <a:p>
-            <a:pPr marL="0" indent="0">
-              <a:buFont typeface="Arial" charset="0"/>
-              <a:buNone/>
-            </a:pPr>
-            <a:r>
-              <a:rPr lang="en-US" dirty="0">
-                <a:solidFill>
-                  <a:srgbClr val="4C4C4C"/>
-                </a:solidFill>
-                <a:latin typeface="BentonSans Book" charset="0"/>
-                <a:cs typeface="BentonSans Book" charset="0"/>
-              </a:rPr>
-              <a:t>Tableau Photography</a:t>
-            </a:r>
-          </a:p>
-        </p:txBody>
-      </p:sp>
-      <p:pic>
-        <p:nvPicPr>
-          <p:cNvPr id="7" name="Picture 6" descr="sm_J8A9060-sm.jpg"/>
-          <p:cNvPicPr>
-            <a:picLocks noChangeAspect="1"/>
-          </p:cNvPicPr>
-          <p:nvPr/>
-        </p:nvPicPr>
-        <p:blipFill>
-          <a:blip r:embed="rId4">
-            <a:extLst>
-              <a:ext uri="{28A0092B-C50C-407E-A947-70E740481C1C}">
-                <a14:useLocalDpi xmlns:a14="http://schemas.microsoft.com/office/drawing/2010/main" val="0"/>
-              </a:ext>
-            </a:extLst>
-          </a:blip>
-          <a:stretch>
-            <a:fillRect/>
-          </a:stretch>
-        </p:blipFill>
-        <p:spPr>
-          <a:xfrm>
-            <a:off x="5285088" y="1750257"/>
-            <a:ext cx="4114800" cy="2743200"/>
-          </a:xfrm>
-          <a:prstGeom prst="rect">
-            <a:avLst/>
-          </a:prstGeom>
-        </p:spPr>
-      </p:pic>
-    </p:spTree>
-    <p:extLst>
-      <p:ext uri="{BB962C8B-B14F-4D97-AF65-F5344CB8AC3E}">
-        <p14:creationId xmlns:p14="http://schemas.microsoft.com/office/powerpoint/2010/main" val="762184433"/>
       </p:ext>
     </p:extLst>
   </p:cSld>
@@ -37818,6 +37890,440 @@
 </file>
 
 <file path=ppt/slides/slide30.xml><?xml version="1.0" encoding="utf-8"?>
+<p:sld xmlns:a="http://schemas.openxmlformats.org/drawingml/2006/main" xmlns:r="http://schemas.openxmlformats.org/officeDocument/2006/relationships" xmlns:p="http://schemas.openxmlformats.org/presentationml/2006/main">
+  <p:cSld>
+    <p:spTree>
+      <p:nvGrpSpPr>
+        <p:cNvPr id="1" name=""/>
+        <p:cNvGrpSpPr/>
+        <p:nvPr/>
+      </p:nvGrpSpPr>
+      <p:grpSpPr>
+        <a:xfrm>
+          <a:off x="0" y="0"/>
+          <a:ext cx="0" cy="0"/>
+          <a:chOff x="0" y="0"/>
+          <a:chExt cx="0" cy="0"/>
+        </a:xfrm>
+      </p:grpSpPr>
+      <p:pic>
+        <p:nvPicPr>
+          <p:cNvPr id="5" name="Picture 4" descr="FJ8A1987_2-b.jpg"/>
+          <p:cNvPicPr>
+            <a:picLocks noChangeAspect="1"/>
+          </p:cNvPicPr>
+          <p:nvPr/>
+        </p:nvPicPr>
+        <p:blipFill>
+          <a:blip r:embed="rId2">
+            <a:extLst>
+              <a:ext uri="{28A0092B-C50C-407E-A947-70E740481C1C}">
+                <a14:useLocalDpi xmlns:a14="http://schemas.microsoft.com/office/drawing/2010/main" val="0"/>
+              </a:ext>
+            </a:extLst>
+          </a:blip>
+          <a:stretch>
+            <a:fillRect/>
+          </a:stretch>
+        </p:blipFill>
+        <p:spPr>
+          <a:xfrm>
+            <a:off x="707608" y="1776715"/>
+            <a:ext cx="4114800" cy="2743200"/>
+          </a:xfrm>
+          <a:prstGeom prst="rect">
+            <a:avLst/>
+          </a:prstGeom>
+        </p:spPr>
+      </p:pic>
+      <p:pic>
+        <p:nvPicPr>
+          <p:cNvPr id="2" name="Picture 1" descr="sm_J8A9086.jpg"/>
+          <p:cNvPicPr>
+            <a:picLocks noChangeAspect="1"/>
+          </p:cNvPicPr>
+          <p:nvPr/>
+        </p:nvPicPr>
+        <p:blipFill>
+          <a:blip r:embed="rId3" cstate="email">
+            <a:extLst>
+              <a:ext uri="{28A0092B-C50C-407E-A947-70E740481C1C}">
+                <a14:useLocalDpi xmlns:a14="http://schemas.microsoft.com/office/drawing/2010/main" val="0"/>
+              </a:ext>
+            </a:extLst>
+          </a:blip>
+          <a:stretch>
+            <a:fillRect/>
+          </a:stretch>
+        </p:blipFill>
+        <p:spPr>
+          <a:xfrm>
+            <a:off x="9862076" y="1754539"/>
+            <a:ext cx="4118297" cy="2745531"/>
+          </a:xfrm>
+          <a:prstGeom prst="rect">
+            <a:avLst/>
+          </a:prstGeom>
+        </p:spPr>
+      </p:pic>
+      <p:sp>
+        <p:nvSpPr>
+          <p:cNvPr id="8" name="Text Placeholder 7"/>
+          <p:cNvSpPr>
+            <a:spLocks noGrp="1"/>
+          </p:cNvSpPr>
+          <p:nvPr>
+            <p:ph type="body" sz="quarter" idx="4294967295"/>
+          </p:nvPr>
+        </p:nvSpPr>
+        <p:spPr>
+          <a:xfrm>
+            <a:off x="5263623" y="5076825"/>
+            <a:ext cx="4130675" cy="2262188"/>
+          </a:xfrm>
+          <a:prstGeom prst="rect">
+            <a:avLst/>
+          </a:prstGeom>
+          <a:solidFill>
+            <a:srgbClr val="FFFFFF"/>
+          </a:solidFill>
+        </p:spPr>
+        <p:txBody>
+          <a:bodyPr lIns="0" tIns="0" rIns="0" bIns="0">
+            <a:spAutoFit/>
+          </a:bodyPr>
+          <a:lstStyle/>
+          <a:p>
+            <a:pPr marL="0" indent="0" defTabSz="1306221" fontAlgn="auto">
+              <a:spcBef>
+                <a:spcPts val="0"/>
+              </a:spcBef>
+              <a:spcAft>
+                <a:spcPts val="0"/>
+              </a:spcAft>
+              <a:buFont typeface="Arial" panose="020B0604020202020204" pitchFamily="34" charset="0"/>
+              <a:buNone/>
+              <a:defRPr/>
+            </a:pPr>
+            <a:r>
+              <a:rPr lang="en-US" sz="2100" dirty="0">
+                <a:solidFill>
+                  <a:schemeClr val="accent5"/>
+                </a:solidFill>
+                <a:latin typeface="Merriweather Light"/>
+                <a:ea typeface="+mn-ea"/>
+                <a:cs typeface="Merriweather Light"/>
+              </a:rPr>
+              <a:t>Software Focused: Photography is a good way </a:t>
+            </a:r>
+            <a:br>
+              <a:rPr lang="en-US" sz="2100" dirty="0">
+                <a:solidFill>
+                  <a:schemeClr val="accent5"/>
+                </a:solidFill>
+                <a:latin typeface="Merriweather Light"/>
+                <a:ea typeface="+mn-ea"/>
+                <a:cs typeface="Merriweather Light"/>
+              </a:rPr>
+            </a:br>
+            <a:r>
+              <a:rPr lang="en-US" sz="2100" dirty="0">
+                <a:solidFill>
+                  <a:schemeClr val="accent5"/>
+                </a:solidFill>
+                <a:latin typeface="Merriweather Light"/>
+                <a:ea typeface="+mn-ea"/>
+                <a:cs typeface="Merriweather Light"/>
+              </a:rPr>
+              <a:t>to help contextualize and humanize content.</a:t>
+            </a:r>
+            <a:br>
+              <a:rPr lang="en-US" sz="2100" dirty="0">
+                <a:solidFill>
+                  <a:schemeClr val="accent5"/>
+                </a:solidFill>
+                <a:latin typeface="Merriweather Light"/>
+                <a:ea typeface="+mn-ea"/>
+                <a:cs typeface="Merriweather Light"/>
+              </a:rPr>
+            </a:br>
+            <a:r>
+              <a:rPr lang="en-US" sz="2100" dirty="0">
+                <a:solidFill>
+                  <a:schemeClr val="accent5"/>
+                </a:solidFill>
+                <a:latin typeface="Merriweather Light"/>
+                <a:ea typeface="+mn-ea"/>
+                <a:cs typeface="Merriweather Light"/>
+              </a:rPr>
+              <a:t>Focusing in on product screens as a main visual makes our product front and center.</a:t>
+            </a:r>
+          </a:p>
+        </p:txBody>
+      </p:sp>
+      <p:sp>
+        <p:nvSpPr>
+          <p:cNvPr id="31746" name="Text Placeholder 3"/>
+          <p:cNvSpPr>
+            <a:spLocks noGrp="1"/>
+          </p:cNvSpPr>
+          <p:nvPr>
+            <p:ph type="body" sz="quarter" idx="4294967295"/>
+          </p:nvPr>
+        </p:nvSpPr>
+        <p:spPr bwMode="auto">
+          <a:xfrm>
+            <a:off x="695325" y="5080000"/>
+            <a:ext cx="4114800" cy="1665288"/>
+          </a:xfrm>
+          <a:prstGeom prst="rect">
+            <a:avLst/>
+          </a:prstGeom>
+          <a:solidFill>
+            <a:schemeClr val="bg1"/>
+          </a:solidFill>
+          <a:extLst>
+            <a:ext uri="{91240B29-F687-4f45-9708-019B960494DF}">
+              <a14:hiddenLine xmlns:a14="http://schemas.microsoft.com/office/drawing/2010/main" xmlns="" w="9525">
+                <a:solidFill>
+                  <a:srgbClr val="000000"/>
+                </a:solidFill>
+                <a:miter lim="800000"/>
+                <a:headEnd/>
+                <a:tailEnd/>
+              </a14:hiddenLine>
+            </a:ext>
+          </a:extLst>
+        </p:spPr>
+        <p:txBody>
+          <a:bodyPr lIns="0" tIns="0" rIns="0" bIns="0">
+            <a:spAutoFit/>
+          </a:bodyPr>
+          <a:lstStyle/>
+          <a:p>
+            <a:pPr marL="0" indent="0">
+              <a:buFont typeface="Arial" charset="0"/>
+              <a:buNone/>
+            </a:pPr>
+            <a:r>
+              <a:rPr lang="en-US" sz="2100" dirty="0">
+                <a:solidFill>
+                  <a:srgbClr val="4C4C4C"/>
+                </a:solidFill>
+                <a:latin typeface="Merriweather Light" charset="0"/>
+                <a:cs typeface="Merriweather Light" charset="0"/>
+              </a:rPr>
+              <a:t>Context Important: Composed photos can tell a story through context within the photo’s environment.</a:t>
+            </a:r>
+          </a:p>
+          <a:p>
+            <a:pPr marL="0" indent="0">
+              <a:buFont typeface="Arial" charset="0"/>
+              <a:buNone/>
+            </a:pPr>
+            <a:endParaRPr lang="en-US" sz="2100" dirty="0">
+              <a:solidFill>
+                <a:srgbClr val="4C4C4C"/>
+              </a:solidFill>
+              <a:latin typeface="Merriweather Light" charset="0"/>
+              <a:cs typeface="Merriweather Light" charset="0"/>
+            </a:endParaRPr>
+          </a:p>
+        </p:txBody>
+      </p:sp>
+      <p:sp>
+        <p:nvSpPr>
+          <p:cNvPr id="31747" name="Text Placeholder 4"/>
+          <p:cNvSpPr>
+            <a:spLocks noGrp="1"/>
+          </p:cNvSpPr>
+          <p:nvPr>
+            <p:ph type="body" sz="quarter" idx="4294967295"/>
+          </p:nvPr>
+        </p:nvSpPr>
+        <p:spPr bwMode="auto">
+          <a:xfrm>
+            <a:off x="9769475" y="5075238"/>
+            <a:ext cx="4114800" cy="1681162"/>
+          </a:xfrm>
+          <a:prstGeom prst="rect">
+            <a:avLst/>
+          </a:prstGeom>
+          <a:solidFill>
+            <a:srgbClr val="FFFFFF"/>
+          </a:solidFill>
+          <a:extLst>
+            <a:ext uri="{91240B29-F687-4f45-9708-019B960494DF}">
+              <a14:hiddenLine xmlns:a14="http://schemas.microsoft.com/office/drawing/2010/main" xmlns="" w="9525">
+                <a:solidFill>
+                  <a:srgbClr val="000000"/>
+                </a:solidFill>
+                <a:miter lim="800000"/>
+                <a:headEnd/>
+                <a:tailEnd/>
+              </a14:hiddenLine>
+            </a:ext>
+          </a:extLst>
+        </p:spPr>
+        <p:txBody>
+          <a:bodyPr lIns="0" tIns="0" rIns="0" bIns="0">
+            <a:spAutoFit/>
+          </a:bodyPr>
+          <a:lstStyle/>
+          <a:p>
+            <a:pPr marL="0" indent="0">
+              <a:buFont typeface="Arial" charset="0"/>
+              <a:buNone/>
+            </a:pPr>
+            <a:r>
+              <a:rPr lang="en-US" sz="2100" dirty="0">
+                <a:solidFill>
+                  <a:srgbClr val="4C4C4C"/>
+                </a:solidFill>
+                <a:latin typeface="Merriweather Light" charset="0"/>
+                <a:cs typeface="Merriweather Light" charset="0"/>
+              </a:rPr>
+              <a:t>Lifestyle Important: Photos that show more lifestyle, environment, </a:t>
+            </a:r>
+            <a:br>
+              <a:rPr lang="en-US" sz="2100" dirty="0">
+                <a:solidFill>
+                  <a:srgbClr val="4C4C4C"/>
+                </a:solidFill>
+                <a:latin typeface="Merriweather Light" charset="0"/>
+                <a:cs typeface="Merriweather Light" charset="0"/>
+              </a:rPr>
+            </a:br>
+            <a:r>
+              <a:rPr lang="en-US" sz="2100" dirty="0">
+                <a:solidFill>
+                  <a:srgbClr val="4C4C4C"/>
+                </a:solidFill>
+                <a:latin typeface="Merriweather Light" charset="0"/>
+                <a:cs typeface="Merriweather Light" charset="0"/>
+              </a:rPr>
+              <a:t>and context used.</a:t>
+            </a:r>
+          </a:p>
+          <a:p>
+            <a:pPr marL="0" indent="0">
+              <a:buFont typeface="Arial" charset="0"/>
+              <a:buNone/>
+            </a:pPr>
+            <a:endParaRPr lang="en-US" sz="2100" dirty="0">
+              <a:solidFill>
+                <a:srgbClr val="4C4C4C"/>
+              </a:solidFill>
+              <a:latin typeface="Merriweather Light" charset="0"/>
+              <a:cs typeface="Merriweather Light" charset="0"/>
+            </a:endParaRPr>
+          </a:p>
+        </p:txBody>
+      </p:sp>
+      <p:sp>
+        <p:nvSpPr>
+          <p:cNvPr id="31748" name="Text Placeholder 2"/>
+          <p:cNvSpPr>
+            <a:spLocks noGrp="1"/>
+          </p:cNvSpPr>
+          <p:nvPr>
+            <p:ph type="body" sz="quarter" idx="4294967295"/>
+          </p:nvPr>
+        </p:nvSpPr>
+        <p:spPr bwMode="auto">
+          <a:xfrm>
+            <a:off x="693738" y="581025"/>
+            <a:ext cx="13268325" cy="635000"/>
+          </a:xfrm>
+          <a:prstGeom prst="rect">
+            <a:avLst/>
+          </a:prstGeom>
+          <a:noFill/>
+          <a:extLst>
+            <a:ext uri="{909E8E84-426E-40dd-AFC4-6F175D3DCCD1}">
+              <a14:hiddenFill xmlns:a14="http://schemas.microsoft.com/office/drawing/2010/main" xmlns="">
+                <a:solidFill>
+                  <a:srgbClr val="FFFFFF"/>
+                </a:solidFill>
+              </a14:hiddenFill>
+            </a:ext>
+            <a:ext uri="{91240B29-F687-4f45-9708-019B960494DF}">
+              <a14:hiddenLine xmlns:a14="http://schemas.microsoft.com/office/drawing/2010/main" xmlns="" w="9525">
+                <a:solidFill>
+                  <a:srgbClr val="000000"/>
+                </a:solidFill>
+                <a:miter lim="800000"/>
+                <a:headEnd/>
+                <a:tailEnd/>
+              </a14:hiddenLine>
+            </a:ext>
+          </a:extLst>
+        </p:spPr>
+        <p:txBody>
+          <a:bodyPr/>
+          <a:lstStyle/>
+          <a:p>
+            <a:pPr marL="0" indent="0">
+              <a:buFont typeface="Arial" charset="0"/>
+              <a:buNone/>
+            </a:pPr>
+            <a:r>
+              <a:rPr lang="en-US" dirty="0">
+                <a:solidFill>
+                  <a:srgbClr val="4C4C4C"/>
+                </a:solidFill>
+                <a:latin typeface="BentonSans Book" charset="0"/>
+                <a:cs typeface="BentonSans Book" charset="0"/>
+              </a:rPr>
+              <a:t>Tableau Photography</a:t>
+            </a:r>
+          </a:p>
+        </p:txBody>
+      </p:sp>
+      <p:pic>
+        <p:nvPicPr>
+          <p:cNvPr id="7" name="Picture 6" descr="sm_J8A9060-sm.jpg"/>
+          <p:cNvPicPr>
+            <a:picLocks noChangeAspect="1"/>
+          </p:cNvPicPr>
+          <p:nvPr/>
+        </p:nvPicPr>
+        <p:blipFill>
+          <a:blip r:embed="rId4">
+            <a:extLst>
+              <a:ext uri="{28A0092B-C50C-407E-A947-70E740481C1C}">
+                <a14:useLocalDpi xmlns:a14="http://schemas.microsoft.com/office/drawing/2010/main" val="0"/>
+              </a:ext>
+            </a:extLst>
+          </a:blip>
+          <a:stretch>
+            <a:fillRect/>
+          </a:stretch>
+        </p:blipFill>
+        <p:spPr>
+          <a:xfrm>
+            <a:off x="5285088" y="1750257"/>
+            <a:ext cx="4114800" cy="2743200"/>
+          </a:xfrm>
+          <a:prstGeom prst="rect">
+            <a:avLst/>
+          </a:prstGeom>
+        </p:spPr>
+      </p:pic>
+    </p:spTree>
+    <p:extLst>
+      <p:ext uri="{BB962C8B-B14F-4D97-AF65-F5344CB8AC3E}">
+        <p14:creationId xmlns:p14="http://schemas.microsoft.com/office/powerpoint/2010/main" val="762184433"/>
+      </p:ext>
+    </p:extLst>
+  </p:cSld>
+  <p:clrMapOvr>
+    <a:masterClrMapping/>
+  </p:clrMapOvr>
+</p:sld>
+</file>
+
+<file path=ppt/slides/slide31.xml><?xml version="1.0" encoding="utf-8"?>
 <p:sld xmlns:a="http://schemas.openxmlformats.org/drawingml/2006/main" xmlns:r="http://schemas.openxmlformats.org/officeDocument/2006/relationships" xmlns:p="http://schemas.openxmlformats.org/presentationml/2006/main">
   <p:cSld>
     <p:spTree>
@@ -39777,7 +40283,7 @@
 </p:sld>
 </file>
 
-<file path=ppt/slides/slide31.xml><?xml version="1.0" encoding="utf-8"?>
+<file path=ppt/slides/slide32.xml><?xml version="1.0" encoding="utf-8"?>
 <p:sld xmlns:a="http://schemas.openxmlformats.org/drawingml/2006/main" xmlns:r="http://schemas.openxmlformats.org/officeDocument/2006/relationships" xmlns:p="http://schemas.openxmlformats.org/presentationml/2006/main">
   <p:cSld>
     <p:spTree>
@@ -41891,7 +42397,7 @@
 </p:sld>
 </file>
 
-<file path=ppt/slides/slide32.xml><?xml version="1.0" encoding="utf-8"?>
+<file path=ppt/slides/slide33.xml><?xml version="1.0" encoding="utf-8"?>
 <p:sld xmlns:a="http://schemas.openxmlformats.org/drawingml/2006/main" xmlns:r="http://schemas.openxmlformats.org/officeDocument/2006/relationships" xmlns:p="http://schemas.openxmlformats.org/presentationml/2006/main">
   <p:cSld>
     <p:spTree>
@@ -43475,7 +43981,7 @@
 </p:sld>
 </file>
 
-<file path=ppt/slides/slide33.xml><?xml version="1.0" encoding="utf-8"?>
+<file path=ppt/slides/slide34.xml><?xml version="1.0" encoding="utf-8"?>
 <p:sld xmlns:a="http://schemas.openxmlformats.org/drawingml/2006/main" xmlns:r="http://schemas.openxmlformats.org/officeDocument/2006/relationships" xmlns:p="http://schemas.openxmlformats.org/presentationml/2006/main">
   <p:cSld>
     <p:spTree>
@@ -43574,7 +44080,7 @@
 </p:sld>
 </file>
 
-<file path=ppt/slides/slide34.xml><?xml version="1.0" encoding="utf-8"?>
+<file path=ppt/slides/slide35.xml><?xml version="1.0" encoding="utf-8"?>
 <p:sld xmlns:a="http://schemas.openxmlformats.org/drawingml/2006/main" xmlns:r="http://schemas.openxmlformats.org/officeDocument/2006/relationships" xmlns:p="http://schemas.openxmlformats.org/presentationml/2006/main">
   <p:cSld>
     <p:spTree>
@@ -43680,7 +44186,7 @@
 </p:sld>
 </file>
 
-<file path=ppt/slides/slide35.xml><?xml version="1.0" encoding="utf-8"?>
+<file path=ppt/slides/slide36.xml><?xml version="1.0" encoding="utf-8"?>
 <p:sld xmlns:a="http://schemas.openxmlformats.org/drawingml/2006/main" xmlns:r="http://schemas.openxmlformats.org/officeDocument/2006/relationships" xmlns:p="http://schemas.openxmlformats.org/presentationml/2006/main">
   <p:cSld>
     <p:spTree>

--- a/lecture.pptx
+++ b/lecture.pptx
@@ -5,10 +5,10 @@
     <p:sldMasterId id="2147483875" r:id="rId1"/>
   </p:sldMasterIdLst>
   <p:notesMasterIdLst>
-    <p:notesMasterId r:id="rId38"/>
+    <p:notesMasterId r:id="rId39"/>
   </p:notesMasterIdLst>
   <p:handoutMasterIdLst>
-    <p:handoutMasterId r:id="rId39"/>
+    <p:handoutMasterId r:id="rId40"/>
   </p:handoutMasterIdLst>
   <p:sldIdLst>
     <p:sldId id="256" r:id="rId2"/>
@@ -24,29 +24,30 @@
     <p:sldId id="501" r:id="rId12"/>
     <p:sldId id="540" r:id="rId13"/>
     <p:sldId id="541" r:id="rId14"/>
-    <p:sldId id="525" r:id="rId15"/>
-    <p:sldId id="319" r:id="rId16"/>
-    <p:sldId id="422" r:id="rId17"/>
-    <p:sldId id="423" r:id="rId18"/>
-    <p:sldId id="424" r:id="rId19"/>
-    <p:sldId id="343" r:id="rId20"/>
-    <p:sldId id="523" r:id="rId21"/>
-    <p:sldId id="511" r:id="rId22"/>
-    <p:sldId id="502" r:id="rId23"/>
-    <p:sldId id="503" r:id="rId24"/>
-    <p:sldId id="504" r:id="rId25"/>
-    <p:sldId id="524" r:id="rId26"/>
-    <p:sldId id="513" r:id="rId27"/>
-    <p:sldId id="514" r:id="rId28"/>
-    <p:sldId id="532" r:id="rId29"/>
-    <p:sldId id="533" r:id="rId30"/>
-    <p:sldId id="534" r:id="rId31"/>
-    <p:sldId id="509" r:id="rId32"/>
-    <p:sldId id="510" r:id="rId33"/>
-    <p:sldId id="508" r:id="rId34"/>
-    <p:sldId id="536" r:id="rId35"/>
-    <p:sldId id="537" r:id="rId36"/>
-    <p:sldId id="538" r:id="rId37"/>
+    <p:sldId id="542" r:id="rId15"/>
+    <p:sldId id="525" r:id="rId16"/>
+    <p:sldId id="319" r:id="rId17"/>
+    <p:sldId id="422" r:id="rId18"/>
+    <p:sldId id="423" r:id="rId19"/>
+    <p:sldId id="424" r:id="rId20"/>
+    <p:sldId id="343" r:id="rId21"/>
+    <p:sldId id="523" r:id="rId22"/>
+    <p:sldId id="511" r:id="rId23"/>
+    <p:sldId id="502" r:id="rId24"/>
+    <p:sldId id="503" r:id="rId25"/>
+    <p:sldId id="504" r:id="rId26"/>
+    <p:sldId id="524" r:id="rId27"/>
+    <p:sldId id="513" r:id="rId28"/>
+    <p:sldId id="514" r:id="rId29"/>
+    <p:sldId id="532" r:id="rId30"/>
+    <p:sldId id="533" r:id="rId31"/>
+    <p:sldId id="534" r:id="rId32"/>
+    <p:sldId id="509" r:id="rId33"/>
+    <p:sldId id="510" r:id="rId34"/>
+    <p:sldId id="508" r:id="rId35"/>
+    <p:sldId id="536" r:id="rId36"/>
+    <p:sldId id="537" r:id="rId37"/>
+    <p:sldId id="538" r:id="rId38"/>
   </p:sldIdLst>
   <p:sldSz cx="14630400" cy="8229600"/>
   <p:notesSz cx="6858000" cy="9144000"/>
@@ -2003,6 +2004,124 @@
       </p:grpSpPr>
       <p:sp>
         <p:nvSpPr>
+          <p:cNvPr id="49153" name="Slide Image Placeholder 1"/>
+          <p:cNvSpPr>
+            <a:spLocks noGrp="1" noRot="1" noChangeAspect="1"/>
+          </p:cNvSpPr>
+          <p:nvPr>
+            <p:ph type="sldImg"/>
+          </p:nvPr>
+        </p:nvSpPr>
+        <p:spPr bwMode="auto">
+          <a:noFill/>
+          <a:ln>
+            <a:solidFill>
+              <a:srgbClr val="000000"/>
+            </a:solidFill>
+            <a:miter lim="800000"/>
+            <a:headEnd/>
+            <a:tailEnd/>
+          </a:ln>
+          <a:extLst>
+            <a:ext uri="{909E8E84-426E-40dd-AFC4-6F175D3DCCD1}">
+              <a14:hiddenFill xmlns:a14="http://schemas.microsoft.com/office/drawing/2010/main" xmlns="">
+                <a:solidFill>
+                  <a:srgbClr val="FFFFFF"/>
+                </a:solidFill>
+              </a14:hiddenFill>
+            </a:ext>
+            <a:ext uri="{FAA26D3D-D897-4be2-8F04-BA451C77F1D7}">
+              <ma14:placeholderFlag xmlns:ma14="http://schemas.microsoft.com/office/mac/drawingml/2011/main" xmlns="" val="1"/>
+            </a:ext>
+          </a:extLst>
+        </p:spPr>
+      </p:sp>
+      <p:sp>
+        <p:nvSpPr>
+          <p:cNvPr id="49154" name="Notes Placeholder 2"/>
+          <p:cNvSpPr>
+            <a:spLocks noGrp="1"/>
+          </p:cNvSpPr>
+          <p:nvPr>
+            <p:ph type="body" idx="1"/>
+          </p:nvPr>
+        </p:nvSpPr>
+        <p:spPr bwMode="auto">
+          <a:noFill/>
+          <a:extLst>
+            <a:ext uri="{909E8E84-426E-40dd-AFC4-6F175D3DCCD1}">
+              <a14:hiddenFill xmlns:a14="http://schemas.microsoft.com/office/drawing/2010/main" xmlns="">
+                <a:solidFill>
+                  <a:srgbClr val="FFFFFF"/>
+                </a:solidFill>
+              </a14:hiddenFill>
+            </a:ext>
+            <a:ext uri="{91240B29-F687-4f45-9708-019B960494DF}">
+              <a14:hiddenLine xmlns:a14="http://schemas.microsoft.com/office/drawing/2010/main" xmlns="" w="9525">
+                <a:solidFill>
+                  <a:srgbClr val="000000"/>
+                </a:solidFill>
+                <a:miter lim="800000"/>
+                <a:headEnd/>
+                <a:tailEnd/>
+              </a14:hiddenLine>
+            </a:ext>
+          </a:extLst>
+        </p:spPr>
+        <p:txBody>
+          <a:bodyPr wrap="square" numCol="1" anchor="t" anchorCtr="0" compatLnSpc="1">
+            <a:prstTxWarp prst="textNoShape">
+              <a:avLst/>
+            </a:prstTxWarp>
+          </a:bodyPr>
+          <a:lstStyle/>
+          <a:p>
+            <a:pPr>
+              <a:spcBef>
+                <a:spcPct val="0"/>
+              </a:spcBef>
+            </a:pPr>
+            <a:r>
+              <a:rPr lang="en-US">
+                <a:latin typeface="BentonSans Book" charset="0"/>
+              </a:rPr>
+              <a:t>Image &amp; Copy</a:t>
+            </a:r>
+          </a:p>
+        </p:txBody>
+      </p:sp>
+    </p:spTree>
+    <p:extLst>
+      <p:ext uri="{BB962C8B-B14F-4D97-AF65-F5344CB8AC3E}">
+        <p14:creationId xmlns:p14="http://schemas.microsoft.com/office/powerpoint/2010/main" val="4277145548"/>
+      </p:ext>
+    </p:extLst>
+  </p:cSld>
+  <p:clrMapOvr>
+    <a:masterClrMapping/>
+  </p:clrMapOvr>
+</p:notes>
+</file>
+
+<file path=ppt/notesSlides/notesSlide14.xml><?xml version="1.0" encoding="utf-8"?>
+<p:notes xmlns:a="http://schemas.openxmlformats.org/drawingml/2006/main" xmlns:r="http://schemas.openxmlformats.org/officeDocument/2006/relationships" xmlns:p="http://schemas.openxmlformats.org/presentationml/2006/main">
+  <p:cSld>
+    <p:spTree>
+      <p:nvGrpSpPr>
+        <p:cNvPr id="1" name=""/>
+        <p:cNvGrpSpPr/>
+        <p:nvPr/>
+      </p:nvGrpSpPr>
+      <p:grpSpPr>
+        <a:xfrm>
+          <a:off x="0" y="0"/>
+          <a:ext cx="0" cy="0"/>
+          <a:chOff x="0" y="0"/>
+          <a:chExt cx="0" cy="0"/>
+        </a:xfrm>
+      </p:grpSpPr>
+      <p:sp>
+        <p:nvSpPr>
           <p:cNvPr id="47105" name="Slide Image Placeholder 1"/>
           <p:cNvSpPr>
             <a:spLocks noGrp="1" noRot="1" noChangeAspect="1"/>
@@ -2097,7 +2216,7 @@
 </p:notes>
 </file>
 
-<file path=ppt/notesSlides/notesSlide14.xml><?xml version="1.0" encoding="utf-8"?>
+<file path=ppt/notesSlides/notesSlide15.xml><?xml version="1.0" encoding="utf-8"?>
 <p:notes xmlns:a="http://schemas.openxmlformats.org/drawingml/2006/main" xmlns:r="http://schemas.openxmlformats.org/officeDocument/2006/relationships" xmlns:p="http://schemas.openxmlformats.org/presentationml/2006/main">
   <p:cSld>
     <p:spTree>
@@ -2210,7 +2329,7 @@
 </p:notes>
 </file>
 
-<file path=ppt/notesSlides/notesSlide15.xml><?xml version="1.0" encoding="utf-8"?>
+<file path=ppt/notesSlides/notesSlide16.xml><?xml version="1.0" encoding="utf-8"?>
 <p:notes xmlns:a="http://schemas.openxmlformats.org/drawingml/2006/main" xmlns:r="http://schemas.openxmlformats.org/officeDocument/2006/relationships" xmlns:p="http://schemas.openxmlformats.org/presentationml/2006/main">
   <p:cSld>
     <p:spTree>
@@ -2323,7 +2442,7 @@
 </p:notes>
 </file>
 
-<file path=ppt/notesSlides/notesSlide16.xml><?xml version="1.0" encoding="utf-8"?>
+<file path=ppt/notesSlides/notesSlide17.xml><?xml version="1.0" encoding="utf-8"?>
 <p:notes xmlns:a="http://schemas.openxmlformats.org/drawingml/2006/main" xmlns:r="http://schemas.openxmlformats.org/officeDocument/2006/relationships" xmlns:p="http://schemas.openxmlformats.org/presentationml/2006/main">
   <p:cSld>
     <p:spTree>
@@ -2436,7 +2555,7 @@
 </p:notes>
 </file>
 
-<file path=ppt/notesSlides/notesSlide17.xml><?xml version="1.0" encoding="utf-8"?>
+<file path=ppt/notesSlides/notesSlide18.xml><?xml version="1.0" encoding="utf-8"?>
 <p:notes xmlns:a="http://schemas.openxmlformats.org/drawingml/2006/main" xmlns:r="http://schemas.openxmlformats.org/officeDocument/2006/relationships" xmlns:p="http://schemas.openxmlformats.org/presentationml/2006/main">
   <p:cSld>
     <p:spTree>
@@ -2549,7 +2668,7 @@
 </p:notes>
 </file>
 
-<file path=ppt/notesSlides/notesSlide18.xml><?xml version="1.0" encoding="utf-8"?>
+<file path=ppt/notesSlides/notesSlide19.xml><?xml version="1.0" encoding="utf-8"?>
 <p:notes xmlns:a="http://schemas.openxmlformats.org/drawingml/2006/main" xmlns:r="http://schemas.openxmlformats.org/officeDocument/2006/relationships" xmlns:p="http://schemas.openxmlformats.org/presentationml/2006/main">
   <p:cSld>
     <p:spTree>
@@ -2662,7 +2781,120 @@
 </p:notes>
 </file>
 
-<file path=ppt/notesSlides/notesSlide19.xml><?xml version="1.0" encoding="utf-8"?>
+<file path=ppt/notesSlides/notesSlide2.xml><?xml version="1.0" encoding="utf-8"?>
+<p:notes xmlns:a="http://schemas.openxmlformats.org/drawingml/2006/main" xmlns:r="http://schemas.openxmlformats.org/officeDocument/2006/relationships" xmlns:p="http://schemas.openxmlformats.org/presentationml/2006/main">
+  <p:cSld>
+    <p:spTree>
+      <p:nvGrpSpPr>
+        <p:cNvPr id="1" name=""/>
+        <p:cNvGrpSpPr/>
+        <p:nvPr/>
+      </p:nvGrpSpPr>
+      <p:grpSpPr>
+        <a:xfrm>
+          <a:off x="0" y="0"/>
+          <a:ext cx="0" cy="0"/>
+          <a:chOff x="0" y="0"/>
+          <a:chExt cx="0" cy="0"/>
+        </a:xfrm>
+      </p:grpSpPr>
+      <p:sp>
+        <p:nvSpPr>
+          <p:cNvPr id="37889" name="Slide Image Placeholder 1"/>
+          <p:cNvSpPr>
+            <a:spLocks noGrp="1" noRot="1" noChangeAspect="1"/>
+          </p:cNvSpPr>
+          <p:nvPr>
+            <p:ph type="sldImg"/>
+          </p:nvPr>
+        </p:nvSpPr>
+        <p:spPr bwMode="auto">
+          <a:noFill/>
+          <a:ln>
+            <a:solidFill>
+              <a:srgbClr val="000000"/>
+            </a:solidFill>
+            <a:miter lim="800000"/>
+            <a:headEnd/>
+            <a:tailEnd/>
+          </a:ln>
+          <a:extLst>
+            <a:ext uri="{909E8E84-426E-40dd-AFC4-6F175D3DCCD1}">
+              <a14:hiddenFill xmlns:a14="http://schemas.microsoft.com/office/drawing/2010/main" xmlns="">
+                <a:solidFill>
+                  <a:srgbClr val="FFFFFF"/>
+                </a:solidFill>
+              </a14:hiddenFill>
+            </a:ext>
+            <a:ext uri="{FAA26D3D-D897-4be2-8F04-BA451C77F1D7}">
+              <ma14:placeholderFlag xmlns:ma14="http://schemas.microsoft.com/office/mac/drawingml/2011/main" xmlns="" val="1"/>
+            </a:ext>
+          </a:extLst>
+        </p:spPr>
+      </p:sp>
+      <p:sp>
+        <p:nvSpPr>
+          <p:cNvPr id="37890" name="Notes Placeholder 2"/>
+          <p:cNvSpPr>
+            <a:spLocks noGrp="1"/>
+          </p:cNvSpPr>
+          <p:nvPr>
+            <p:ph type="body" idx="1"/>
+          </p:nvPr>
+        </p:nvSpPr>
+        <p:spPr bwMode="auto">
+          <a:noFill/>
+          <a:extLst>
+            <a:ext uri="{909E8E84-426E-40dd-AFC4-6F175D3DCCD1}">
+              <a14:hiddenFill xmlns:a14="http://schemas.microsoft.com/office/drawing/2010/main" xmlns="">
+                <a:solidFill>
+                  <a:srgbClr val="FFFFFF"/>
+                </a:solidFill>
+              </a14:hiddenFill>
+            </a:ext>
+            <a:ext uri="{91240B29-F687-4f45-9708-019B960494DF}">
+              <a14:hiddenLine xmlns:a14="http://schemas.microsoft.com/office/drawing/2010/main" xmlns="" w="9525">
+                <a:solidFill>
+                  <a:srgbClr val="000000"/>
+                </a:solidFill>
+                <a:miter lim="800000"/>
+                <a:headEnd/>
+                <a:tailEnd/>
+              </a14:hiddenLine>
+            </a:ext>
+          </a:extLst>
+        </p:spPr>
+        <p:txBody>
+          <a:bodyPr wrap="square" numCol="1" anchor="t" anchorCtr="0" compatLnSpc="1">
+            <a:prstTxWarp prst="textNoShape">
+              <a:avLst/>
+            </a:prstTxWarp>
+          </a:bodyPr>
+          <a:lstStyle/>
+          <a:p>
+            <a:pPr>
+              <a:spcBef>
+                <a:spcPct val="0"/>
+              </a:spcBef>
+            </a:pPr>
+            <a:r>
+              <a:rPr lang="en-US">
+                <a:latin typeface="BentonSans Book" charset="0"/>
+              </a:rPr>
+              <a:t>Table of Contents</a:t>
+            </a:r>
+          </a:p>
+        </p:txBody>
+      </p:sp>
+    </p:spTree>
+  </p:cSld>
+  <p:clrMapOvr>
+    <a:masterClrMapping/>
+  </p:clrMapOvr>
+</p:notes>
+</file>
+
+<file path=ppt/notesSlides/notesSlide20.xml><?xml version="1.0" encoding="utf-8"?>
 <p:notes xmlns:a="http://schemas.openxmlformats.org/drawingml/2006/main" xmlns:r="http://schemas.openxmlformats.org/officeDocument/2006/relationships" xmlns:p="http://schemas.openxmlformats.org/presentationml/2006/main">
   <p:cSld>
     <p:spTree>
@@ -2988,120 +3220,7 @@
 </p:notes>
 </file>
 
-<file path=ppt/notesSlides/notesSlide2.xml><?xml version="1.0" encoding="utf-8"?>
-<p:notes xmlns:a="http://schemas.openxmlformats.org/drawingml/2006/main" xmlns:r="http://schemas.openxmlformats.org/officeDocument/2006/relationships" xmlns:p="http://schemas.openxmlformats.org/presentationml/2006/main">
-  <p:cSld>
-    <p:spTree>
-      <p:nvGrpSpPr>
-        <p:cNvPr id="1" name=""/>
-        <p:cNvGrpSpPr/>
-        <p:nvPr/>
-      </p:nvGrpSpPr>
-      <p:grpSpPr>
-        <a:xfrm>
-          <a:off x="0" y="0"/>
-          <a:ext cx="0" cy="0"/>
-          <a:chOff x="0" y="0"/>
-          <a:chExt cx="0" cy="0"/>
-        </a:xfrm>
-      </p:grpSpPr>
-      <p:sp>
-        <p:nvSpPr>
-          <p:cNvPr id="37889" name="Slide Image Placeholder 1"/>
-          <p:cNvSpPr>
-            <a:spLocks noGrp="1" noRot="1" noChangeAspect="1"/>
-          </p:cNvSpPr>
-          <p:nvPr>
-            <p:ph type="sldImg"/>
-          </p:nvPr>
-        </p:nvSpPr>
-        <p:spPr bwMode="auto">
-          <a:noFill/>
-          <a:ln>
-            <a:solidFill>
-              <a:srgbClr val="000000"/>
-            </a:solidFill>
-            <a:miter lim="800000"/>
-            <a:headEnd/>
-            <a:tailEnd/>
-          </a:ln>
-          <a:extLst>
-            <a:ext uri="{909E8E84-426E-40dd-AFC4-6F175D3DCCD1}">
-              <a14:hiddenFill xmlns:a14="http://schemas.microsoft.com/office/drawing/2010/main" xmlns="">
-                <a:solidFill>
-                  <a:srgbClr val="FFFFFF"/>
-                </a:solidFill>
-              </a14:hiddenFill>
-            </a:ext>
-            <a:ext uri="{FAA26D3D-D897-4be2-8F04-BA451C77F1D7}">
-              <ma14:placeholderFlag xmlns:ma14="http://schemas.microsoft.com/office/mac/drawingml/2011/main" xmlns="" val="1"/>
-            </a:ext>
-          </a:extLst>
-        </p:spPr>
-      </p:sp>
-      <p:sp>
-        <p:nvSpPr>
-          <p:cNvPr id="37890" name="Notes Placeholder 2"/>
-          <p:cNvSpPr>
-            <a:spLocks noGrp="1"/>
-          </p:cNvSpPr>
-          <p:nvPr>
-            <p:ph type="body" idx="1"/>
-          </p:nvPr>
-        </p:nvSpPr>
-        <p:spPr bwMode="auto">
-          <a:noFill/>
-          <a:extLst>
-            <a:ext uri="{909E8E84-426E-40dd-AFC4-6F175D3DCCD1}">
-              <a14:hiddenFill xmlns:a14="http://schemas.microsoft.com/office/drawing/2010/main" xmlns="">
-                <a:solidFill>
-                  <a:srgbClr val="FFFFFF"/>
-                </a:solidFill>
-              </a14:hiddenFill>
-            </a:ext>
-            <a:ext uri="{91240B29-F687-4f45-9708-019B960494DF}">
-              <a14:hiddenLine xmlns:a14="http://schemas.microsoft.com/office/drawing/2010/main" xmlns="" w="9525">
-                <a:solidFill>
-                  <a:srgbClr val="000000"/>
-                </a:solidFill>
-                <a:miter lim="800000"/>
-                <a:headEnd/>
-                <a:tailEnd/>
-              </a14:hiddenLine>
-            </a:ext>
-          </a:extLst>
-        </p:spPr>
-        <p:txBody>
-          <a:bodyPr wrap="square" numCol="1" anchor="t" anchorCtr="0" compatLnSpc="1">
-            <a:prstTxWarp prst="textNoShape">
-              <a:avLst/>
-            </a:prstTxWarp>
-          </a:bodyPr>
-          <a:lstStyle/>
-          <a:p>
-            <a:pPr>
-              <a:spcBef>
-                <a:spcPct val="0"/>
-              </a:spcBef>
-            </a:pPr>
-            <a:r>
-              <a:rPr lang="en-US">
-                <a:latin typeface="BentonSans Book" charset="0"/>
-              </a:rPr>
-              <a:t>Table of Contents</a:t>
-            </a:r>
-          </a:p>
-        </p:txBody>
-      </p:sp>
-    </p:spTree>
-  </p:cSld>
-  <p:clrMapOvr>
-    <a:masterClrMapping/>
-  </p:clrMapOvr>
-</p:notes>
-</file>
-
-<file path=ppt/notesSlides/notesSlide20.xml><?xml version="1.0" encoding="utf-8"?>
+<file path=ppt/notesSlides/notesSlide21.xml><?xml version="1.0" encoding="utf-8"?>
 <p:notes xmlns:a="http://schemas.openxmlformats.org/drawingml/2006/main" xmlns:r="http://schemas.openxmlformats.org/officeDocument/2006/relationships" xmlns:p="http://schemas.openxmlformats.org/presentationml/2006/main">
   <p:cSld>
     <p:spTree>
@@ -3591,7 +3710,7 @@
 </p:notes>
 </file>
 
-<file path=ppt/notesSlides/notesSlide21.xml><?xml version="1.0" encoding="utf-8"?>
+<file path=ppt/notesSlides/notesSlide22.xml><?xml version="1.0" encoding="utf-8"?>
 <p:notes xmlns:a="http://schemas.openxmlformats.org/drawingml/2006/main" xmlns:r="http://schemas.openxmlformats.org/officeDocument/2006/relationships" xmlns:p="http://schemas.openxmlformats.org/presentationml/2006/main">
   <p:cSld>
     <p:spTree>
@@ -4081,7 +4200,7 @@
 </p:notes>
 </file>
 
-<file path=ppt/notesSlides/notesSlide22.xml><?xml version="1.0" encoding="utf-8"?>
+<file path=ppt/notesSlides/notesSlide23.xml><?xml version="1.0" encoding="utf-8"?>
 <p:notes xmlns:a="http://schemas.openxmlformats.org/drawingml/2006/main" xmlns:r="http://schemas.openxmlformats.org/officeDocument/2006/relationships" xmlns:p="http://schemas.openxmlformats.org/presentationml/2006/main">
   <p:cSld>
     <p:spTree>
@@ -4571,7 +4690,7 @@
 </p:notes>
 </file>
 
-<file path=ppt/notesSlides/notesSlide23.xml><?xml version="1.0" encoding="utf-8"?>
+<file path=ppt/notesSlides/notesSlide24.xml><?xml version="1.0" encoding="utf-8"?>
 <p:notes xmlns:a="http://schemas.openxmlformats.org/drawingml/2006/main" xmlns:r="http://schemas.openxmlformats.org/officeDocument/2006/relationships" xmlns:p="http://schemas.openxmlformats.org/presentationml/2006/main">
   <p:cSld>
     <p:spTree>
@@ -5061,7 +5180,7 @@
 </p:notes>
 </file>
 
-<file path=ppt/notesSlides/notesSlide24.xml><?xml version="1.0" encoding="utf-8"?>
+<file path=ppt/notesSlides/notesSlide25.xml><?xml version="1.0" encoding="utf-8"?>
 <p:notes xmlns:a="http://schemas.openxmlformats.org/drawingml/2006/main" xmlns:r="http://schemas.openxmlformats.org/officeDocument/2006/relationships" xmlns:p="http://schemas.openxmlformats.org/presentationml/2006/main">
   <p:cSld>
     <p:spTree>
@@ -5551,7 +5670,7 @@
 </p:notes>
 </file>
 
-<file path=ppt/notesSlides/notesSlide25.xml><?xml version="1.0" encoding="utf-8"?>
+<file path=ppt/notesSlides/notesSlide26.xml><?xml version="1.0" encoding="utf-8"?>
 <p:notes xmlns:a="http://schemas.openxmlformats.org/drawingml/2006/main" xmlns:r="http://schemas.openxmlformats.org/officeDocument/2006/relationships" xmlns:p="http://schemas.openxmlformats.org/presentationml/2006/main">
   <p:cSld>
     <p:spTree>
@@ -6041,7 +6160,7 @@
 </p:notes>
 </file>
 
-<file path=ppt/notesSlides/notesSlide26.xml><?xml version="1.0" encoding="utf-8"?>
+<file path=ppt/notesSlides/notesSlide27.xml><?xml version="1.0" encoding="utf-8"?>
 <p:notes xmlns:a="http://schemas.openxmlformats.org/drawingml/2006/main" xmlns:r="http://schemas.openxmlformats.org/officeDocument/2006/relationships" xmlns:p="http://schemas.openxmlformats.org/presentationml/2006/main">
   <p:cSld>
     <p:spTree>
@@ -6159,7 +6278,7 @@
 </p:notes>
 </file>
 
-<file path=ppt/notesSlides/notesSlide27.xml><?xml version="1.0" encoding="utf-8"?>
+<file path=ppt/notesSlides/notesSlide28.xml><?xml version="1.0" encoding="utf-8"?>
 <p:notes xmlns:a="http://schemas.openxmlformats.org/drawingml/2006/main" xmlns:r="http://schemas.openxmlformats.org/officeDocument/2006/relationships" xmlns:p="http://schemas.openxmlformats.org/presentationml/2006/main">
   <p:cSld>
     <p:spTree>
@@ -11130,21 +11249,8 @@
             </a:pPr>
             <a:r>
               <a:rPr lang="en-US" dirty="0"/>
-              <a:t>Letter == </a:t>
+              <a:t>Letter == correct answer; number == incorrect</a:t>
             </a:r>
-            <a:r>
-              <a:rPr lang="en-US"/>
-              <a:t>correct answer; </a:t>
-            </a:r>
-            <a:r>
-              <a:rPr lang="en-US" dirty="0"/>
-              <a:t>number </a:t>
-            </a:r>
-            <a:r>
-              <a:rPr lang="en-US"/>
-              <a:t>== incorrect</a:t>
-            </a:r>
-            <a:endParaRPr lang="en-US" dirty="0"/>
           </a:p>
           <a:p>
             <a:pPr marL="796925" lvl="1" indent="-457200" defTabSz="1306221" fontAlgn="auto">
@@ -11268,6 +11374,256 @@
 </file>
 
 <file path=ppt/slides/slide14.xml><?xml version="1.0" encoding="utf-8"?>
+<p:sld xmlns:a="http://schemas.openxmlformats.org/drawingml/2006/main" xmlns:r="http://schemas.openxmlformats.org/officeDocument/2006/relationships" xmlns:p="http://schemas.openxmlformats.org/presentationml/2006/main">
+  <p:cSld>
+    <p:spTree>
+      <p:nvGrpSpPr>
+        <p:cNvPr id="1" name=""/>
+        <p:cNvGrpSpPr/>
+        <p:nvPr/>
+      </p:nvGrpSpPr>
+      <p:grpSpPr>
+        <a:xfrm>
+          <a:off x="0" y="0"/>
+          <a:ext cx="0" cy="0"/>
+          <a:chOff x="0" y="0"/>
+          <a:chExt cx="0" cy="0"/>
+        </a:xfrm>
+      </p:grpSpPr>
+      <p:sp>
+        <p:nvSpPr>
+          <p:cNvPr id="4" name="Content Placeholder 3"/>
+          <p:cNvSpPr>
+            <a:spLocks noGrp="1"/>
+          </p:cNvSpPr>
+          <p:nvPr>
+            <p:ph idx="13"/>
+          </p:nvPr>
+        </p:nvSpPr>
+        <p:spPr/>
+        <p:txBody>
+          <a:bodyPr/>
+          <a:lstStyle/>
+          <a:p>
+            <a:pPr defTabSz="1306221" fontAlgn="auto">
+              <a:spcAft>
+                <a:spcPts val="0"/>
+              </a:spcAft>
+              <a:defRPr/>
+            </a:pPr>
+            <a:endParaRPr lang="en-US" dirty="0">
+              <a:ea typeface="+mn-ea"/>
+            </a:endParaRPr>
+          </a:p>
+        </p:txBody>
+      </p:sp>
+      <p:sp>
+        <p:nvSpPr>
+          <p:cNvPr id="3" name="Text Placeholder 2"/>
+          <p:cNvSpPr>
+            <a:spLocks noGrp="1"/>
+          </p:cNvSpPr>
+          <p:nvPr>
+            <p:ph type="body" sz="quarter" idx="12"/>
+          </p:nvPr>
+        </p:nvSpPr>
+        <p:spPr>
+          <a:prstGeom prst="rect">
+            <a:avLst/>
+          </a:prstGeom>
+        </p:spPr>
+        <p:txBody>
+          <a:bodyPr/>
+          <a:lstStyle/>
+          <a:p>
+            <a:pPr defTabSz="1306221" fontAlgn="auto">
+              <a:spcAft>
+                <a:spcPts val="0"/>
+              </a:spcAft>
+              <a:defRPr/>
+            </a:pPr>
+            <a:r>
+              <a:rPr lang="en-US" dirty="0">
+                <a:ea typeface="+mn-ea"/>
+              </a:rPr>
+              <a:t>What’s Different Here?</a:t>
+            </a:r>
+          </a:p>
+        </p:txBody>
+      </p:sp>
+      <p:sp>
+        <p:nvSpPr>
+          <p:cNvPr id="7" name="Picture Placeholder 6">
+            <a:extLst>
+              <a:ext uri="{FF2B5EF4-FFF2-40B4-BE49-F238E27FC236}">
+                <a16:creationId xmlns:a16="http://schemas.microsoft.com/office/drawing/2014/main" id="{AECBC1B0-DF9D-4949-BD86-32ED8DFB5DDD}"/>
+              </a:ext>
+            </a:extLst>
+          </p:cNvPr>
+          <p:cNvSpPr>
+            <a:spLocks noGrp="1"/>
+          </p:cNvSpPr>
+          <p:nvPr>
+            <p:ph type="pic" sz="quarter" idx="10"/>
+          </p:nvPr>
+        </p:nvSpPr>
+        <p:spPr/>
+      </p:sp>
+      <p:pic>
+        <p:nvPicPr>
+          <p:cNvPr id="4106" name="Picture 10" descr="https://cdn-images-1.medium.com/max/1600/0*LUE_Wa0aJ2kTNhfW.">
+            <a:extLst>
+              <a:ext uri="{FF2B5EF4-FFF2-40B4-BE49-F238E27FC236}">
+                <a16:creationId xmlns:a16="http://schemas.microsoft.com/office/drawing/2014/main" id="{57161E5D-C2A1-4481-BF8B-36BA82856C83}"/>
+              </a:ext>
+            </a:extLst>
+          </p:cNvPr>
+          <p:cNvPicPr>
+            <a:picLocks noChangeAspect="1" noChangeArrowheads="1"/>
+          </p:cNvPicPr>
+          <p:nvPr/>
+        </p:nvPicPr>
+        <p:blipFill>
+          <a:blip r:embed="rId3" cstate="email">
+            <a:extLst>
+              <a:ext uri="{28A0092B-C50C-407E-A947-70E740481C1C}">
+                <a14:useLocalDpi xmlns:a14="http://schemas.microsoft.com/office/drawing/2010/main" val="0"/>
+              </a:ext>
+            </a:extLst>
+          </a:blip>
+          <a:srcRect/>
+          <a:stretch>
+            <a:fillRect/>
+          </a:stretch>
+        </p:blipFill>
+        <p:spPr bwMode="auto">
+          <a:xfrm>
+            <a:off x="704476" y="1692542"/>
+            <a:ext cx="5711748" cy="5388481"/>
+          </a:xfrm>
+          <a:prstGeom prst="rect">
+            <a:avLst/>
+          </a:prstGeom>
+          <a:noFill/>
+          <a:extLst>
+            <a:ext uri="{909E8E84-426E-40DD-AFC4-6F175D3DCCD1}">
+              <a14:hiddenFill xmlns:a14="http://schemas.microsoft.com/office/drawing/2010/main">
+                <a:solidFill>
+                  <a:srgbClr val="FFFFFF"/>
+                </a:solidFill>
+              </a14:hiddenFill>
+            </a:ext>
+          </a:extLst>
+        </p:spPr>
+      </p:pic>
+      <p:pic>
+        <p:nvPicPr>
+          <p:cNvPr id="4108" name="Picture 12" descr="https://cdn-images-1.medium.com/max/1600/0*C1dsWj4KkCoQpBBe.">
+            <a:extLst>
+              <a:ext uri="{FF2B5EF4-FFF2-40B4-BE49-F238E27FC236}">
+                <a16:creationId xmlns:a16="http://schemas.microsoft.com/office/drawing/2014/main" id="{8AAAEEB3-CD20-46DD-B856-079A6D5C1E14}"/>
+              </a:ext>
+            </a:extLst>
+          </p:cNvPr>
+          <p:cNvPicPr>
+            <a:picLocks noChangeAspect="1" noChangeArrowheads="1"/>
+          </p:cNvPicPr>
+          <p:nvPr/>
+        </p:nvPicPr>
+        <p:blipFill>
+          <a:blip r:embed="rId4" cstate="email">
+            <a:extLst>
+              <a:ext uri="{28A0092B-C50C-407E-A947-70E740481C1C}">
+                <a14:useLocalDpi xmlns:a14="http://schemas.microsoft.com/office/drawing/2010/main" val="0"/>
+              </a:ext>
+            </a:extLst>
+          </a:blip>
+          <a:srcRect/>
+          <a:stretch>
+            <a:fillRect/>
+          </a:stretch>
+        </p:blipFill>
+        <p:spPr bwMode="auto">
+          <a:xfrm>
+            <a:off x="6905146" y="2055107"/>
+            <a:ext cx="7073915" cy="5035866"/>
+          </a:xfrm>
+          <a:prstGeom prst="rect">
+            <a:avLst/>
+          </a:prstGeom>
+          <a:noFill/>
+          <a:extLst>
+            <a:ext uri="{909E8E84-426E-40DD-AFC4-6F175D3DCCD1}">
+              <a14:hiddenFill xmlns:a14="http://schemas.microsoft.com/office/drawing/2010/main">
+                <a:solidFill>
+                  <a:srgbClr val="FFFFFF"/>
+                </a:solidFill>
+              </a14:hiddenFill>
+            </a:ext>
+          </a:extLst>
+        </p:spPr>
+      </p:pic>
+      <p:pic>
+        <p:nvPicPr>
+          <p:cNvPr id="19" name="Picture 14" descr="https://cdn-images-1.medium.com/max/1600/0*kDLKkN3Wy9U3EZ6R.">
+            <a:extLst>
+              <a:ext uri="{FF2B5EF4-FFF2-40B4-BE49-F238E27FC236}">
+                <a16:creationId xmlns:a16="http://schemas.microsoft.com/office/drawing/2014/main" id="{6633C1A3-C36B-43FB-9E2A-39058D9A265C}"/>
+              </a:ext>
+            </a:extLst>
+          </p:cNvPr>
+          <p:cNvPicPr>
+            <a:picLocks noChangeAspect="1" noChangeArrowheads="1"/>
+          </p:cNvPicPr>
+          <p:nvPr/>
+        </p:nvPicPr>
+        <p:blipFill>
+          <a:blip r:embed="rId5" cstate="email">
+            <a:extLst>
+              <a:ext uri="{28A0092B-C50C-407E-A947-70E740481C1C}">
+                <a14:useLocalDpi xmlns:a14="http://schemas.microsoft.com/office/drawing/2010/main" val="0"/>
+              </a:ext>
+            </a:extLst>
+          </a:blip>
+          <a:srcRect/>
+          <a:stretch>
+            <a:fillRect/>
+          </a:stretch>
+        </p:blipFill>
+        <p:spPr bwMode="auto">
+          <a:xfrm>
+            <a:off x="651250" y="1869074"/>
+            <a:ext cx="5842933" cy="4977775"/>
+          </a:xfrm>
+          <a:prstGeom prst="rect">
+            <a:avLst/>
+          </a:prstGeom>
+          <a:noFill/>
+          <a:extLst>
+            <a:ext uri="{909E8E84-426E-40DD-AFC4-6F175D3DCCD1}">
+              <a14:hiddenFill xmlns:a14="http://schemas.microsoft.com/office/drawing/2010/main">
+                <a:solidFill>
+                  <a:srgbClr val="FFFFFF"/>
+                </a:solidFill>
+              </a14:hiddenFill>
+            </a:ext>
+          </a:extLst>
+        </p:spPr>
+      </p:pic>
+    </p:spTree>
+    <p:extLst>
+      <p:ext uri="{BB962C8B-B14F-4D97-AF65-F5344CB8AC3E}">
+        <p14:creationId xmlns:p14="http://schemas.microsoft.com/office/powerpoint/2010/main" val="4218308422"/>
+      </p:ext>
+    </p:extLst>
+  </p:cSld>
+  <p:clrMapOvr>
+    <a:masterClrMapping/>
+  </p:clrMapOvr>
+</p:sld>
+</file>
+
+<file path=ppt/slides/slide15.xml><?xml version="1.0" encoding="utf-8"?>
 <p:sld xmlns:a="http://schemas.openxmlformats.org/drawingml/2006/main" xmlns:r="http://schemas.openxmlformats.org/officeDocument/2006/relationships" xmlns:p="http://schemas.openxmlformats.org/presentationml/2006/main">
   <p:cSld>
     <p:spTree>
@@ -11447,7 +11803,7 @@
 </p:sld>
 </file>
 
-<file path=ppt/slides/slide15.xml><?xml version="1.0" encoding="utf-8"?>
+<file path=ppt/slides/slide16.xml><?xml version="1.0" encoding="utf-8"?>
 <p:sld xmlns:a="http://schemas.openxmlformats.org/drawingml/2006/main" xmlns:r="http://schemas.openxmlformats.org/officeDocument/2006/relationships" xmlns:p="http://schemas.openxmlformats.org/presentationml/2006/main">
   <p:cSld>
     <p:spTree>
@@ -11541,7 +11897,7 @@
 </p:sld>
 </file>
 
-<file path=ppt/slides/slide16.xml><?xml version="1.0" encoding="utf-8"?>
+<file path=ppt/slides/slide17.xml><?xml version="1.0" encoding="utf-8"?>
 <p:sld xmlns:a="http://schemas.openxmlformats.org/drawingml/2006/main" xmlns:r="http://schemas.openxmlformats.org/officeDocument/2006/relationships" xmlns:p="http://schemas.openxmlformats.org/presentationml/2006/main">
   <p:cSld>
     <p:spTree>
@@ -11642,7 +11998,7 @@
 </p:sld>
 </file>
 
-<file path=ppt/slides/slide17.xml><?xml version="1.0" encoding="utf-8"?>
+<file path=ppt/slides/slide18.xml><?xml version="1.0" encoding="utf-8"?>
 <p:sld xmlns:a="http://schemas.openxmlformats.org/drawingml/2006/main" xmlns:r="http://schemas.openxmlformats.org/officeDocument/2006/relationships" xmlns:p="http://schemas.openxmlformats.org/presentationml/2006/main">
   <p:cSld>
     <p:spTree>
@@ -11714,7 +12070,7 @@
 </p:sld>
 </file>
 
-<file path=ppt/slides/slide18.xml><?xml version="1.0" encoding="utf-8"?>
+<file path=ppt/slides/slide19.xml><?xml version="1.0" encoding="utf-8"?>
 <p:sld xmlns:a="http://schemas.openxmlformats.org/drawingml/2006/main" xmlns:r="http://schemas.openxmlformats.org/officeDocument/2006/relationships" xmlns:p="http://schemas.openxmlformats.org/presentationml/2006/main">
   <p:cSld>
     <p:spTree>
@@ -11754,95 +12110,6 @@
           </a:extLst>
         </p:spPr>
       </p:sp>
-    </p:spTree>
-  </p:cSld>
-  <p:clrMapOvr>
-    <a:masterClrMapping/>
-  </p:clrMapOvr>
-</p:sld>
-</file>
-
-<file path=ppt/slides/slide19.xml><?xml version="1.0" encoding="utf-8"?>
-<p:sld xmlns:a="http://schemas.openxmlformats.org/drawingml/2006/main" xmlns:r="http://schemas.openxmlformats.org/officeDocument/2006/relationships" xmlns:p="http://schemas.openxmlformats.org/presentationml/2006/main">
-  <p:cSld>
-    <p:spTree>
-      <p:nvGrpSpPr>
-        <p:cNvPr id="1" name=""/>
-        <p:cNvGrpSpPr/>
-        <p:nvPr/>
-      </p:nvGrpSpPr>
-      <p:grpSpPr>
-        <a:xfrm>
-          <a:off x="0" y="0"/>
-          <a:ext cx="0" cy="0"/>
-          <a:chOff x="0" y="0"/>
-          <a:chExt cx="0" cy="0"/>
-        </a:xfrm>
-      </p:grpSpPr>
-      <p:sp>
-        <p:nvSpPr>
-          <p:cNvPr id="20481" name="Picture Placeholder 1"/>
-          <p:cNvSpPr>
-            <a:spLocks noGrp="1"/>
-          </p:cNvSpPr>
-          <p:nvPr>
-            <p:ph type="pic" sz="quarter" idx="10"/>
-          </p:nvPr>
-        </p:nvSpPr>
-        <p:spPr bwMode="auto">
-          <a:xfrm>
-            <a:off x="0" y="0"/>
-            <a:ext cx="14630400" cy="8229600"/>
-          </a:xfrm>
-          <a:noFill/>
-          <a:ln>
-            <a:miter lim="800000"/>
-            <a:headEnd/>
-            <a:tailEnd/>
-          </a:ln>
-          <a:extLst>
-            <a:ext uri="{909E8E84-426E-40dd-AFC4-6F175D3DCCD1}">
-              <a14:hiddenFill xmlns:a14="http://schemas.microsoft.com/office/drawing/2010/main" xmlns="">
-                <a:solidFill>
-                  <a:srgbClr val="FFFFFF"/>
-                </a:solidFill>
-              </a14:hiddenFill>
-            </a:ext>
-            <a:ext uri="{FAA26D3D-D897-4be2-8F04-BA451C77F1D7}">
-              <ma14:placeholderFlag xmlns:ma14="http://schemas.microsoft.com/office/mac/drawingml/2011/main" xmlns="" val="1"/>
-            </a:ext>
-          </a:extLst>
-        </p:spPr>
-      </p:sp>
-      <p:pic>
-        <p:nvPicPr>
-          <p:cNvPr id="6" name="Picture 5" descr="Bottom_Viz_August-09.png"/>
-          <p:cNvPicPr>
-            <a:picLocks noChangeAspect="1"/>
-          </p:cNvPicPr>
-          <p:nvPr/>
-        </p:nvPicPr>
-        <p:blipFill rotWithShape="1">
-          <a:blip r:embed="rId3" cstate="email">
-            <a:extLst>
-              <a:ext uri="{28A0092B-C50C-407E-A947-70E740481C1C}">
-                <a14:useLocalDpi xmlns:a14="http://schemas.microsoft.com/office/drawing/2010/main" val="0"/>
-              </a:ext>
-            </a:extLst>
-          </a:blip>
-          <a:srcRect l="1098" b="58330"/>
-          <a:stretch/>
-        </p:blipFill>
-        <p:spPr>
-          <a:xfrm flipH="1">
-            <a:off x="0" y="6910529"/>
-            <a:ext cx="14630400" cy="1319071"/>
-          </a:xfrm>
-          <a:prstGeom prst="rect">
-            <a:avLst/>
-          </a:prstGeom>
-        </p:spPr>
-      </p:pic>
     </p:spTree>
   </p:cSld>
   <p:clrMapOvr>
@@ -11977,6 +12244,95 @@
       </p:grpSpPr>
       <p:sp>
         <p:nvSpPr>
+          <p:cNvPr id="20481" name="Picture Placeholder 1"/>
+          <p:cNvSpPr>
+            <a:spLocks noGrp="1"/>
+          </p:cNvSpPr>
+          <p:nvPr>
+            <p:ph type="pic" sz="quarter" idx="10"/>
+          </p:nvPr>
+        </p:nvSpPr>
+        <p:spPr bwMode="auto">
+          <a:xfrm>
+            <a:off x="0" y="0"/>
+            <a:ext cx="14630400" cy="8229600"/>
+          </a:xfrm>
+          <a:noFill/>
+          <a:ln>
+            <a:miter lim="800000"/>
+            <a:headEnd/>
+            <a:tailEnd/>
+          </a:ln>
+          <a:extLst>
+            <a:ext uri="{909E8E84-426E-40dd-AFC4-6F175D3DCCD1}">
+              <a14:hiddenFill xmlns:a14="http://schemas.microsoft.com/office/drawing/2010/main" xmlns="">
+                <a:solidFill>
+                  <a:srgbClr val="FFFFFF"/>
+                </a:solidFill>
+              </a14:hiddenFill>
+            </a:ext>
+            <a:ext uri="{FAA26D3D-D897-4be2-8F04-BA451C77F1D7}">
+              <ma14:placeholderFlag xmlns:ma14="http://schemas.microsoft.com/office/mac/drawingml/2011/main" xmlns="" val="1"/>
+            </a:ext>
+          </a:extLst>
+        </p:spPr>
+      </p:sp>
+      <p:pic>
+        <p:nvPicPr>
+          <p:cNvPr id="6" name="Picture 5" descr="Bottom_Viz_August-09.png"/>
+          <p:cNvPicPr>
+            <a:picLocks noChangeAspect="1"/>
+          </p:cNvPicPr>
+          <p:nvPr/>
+        </p:nvPicPr>
+        <p:blipFill rotWithShape="1">
+          <a:blip r:embed="rId3" cstate="email">
+            <a:extLst>
+              <a:ext uri="{28A0092B-C50C-407E-A947-70E740481C1C}">
+                <a14:useLocalDpi xmlns:a14="http://schemas.microsoft.com/office/drawing/2010/main" val="0"/>
+              </a:ext>
+            </a:extLst>
+          </a:blip>
+          <a:srcRect l="1098" b="58330"/>
+          <a:stretch/>
+        </p:blipFill>
+        <p:spPr>
+          <a:xfrm flipH="1">
+            <a:off x="0" y="6910529"/>
+            <a:ext cx="14630400" cy="1319071"/>
+          </a:xfrm>
+          <a:prstGeom prst="rect">
+            <a:avLst/>
+          </a:prstGeom>
+        </p:spPr>
+      </p:pic>
+    </p:spTree>
+  </p:cSld>
+  <p:clrMapOvr>
+    <a:masterClrMapping/>
+  </p:clrMapOvr>
+</p:sld>
+</file>
+
+<file path=ppt/slides/slide21.xml><?xml version="1.0" encoding="utf-8"?>
+<p:sld xmlns:a="http://schemas.openxmlformats.org/drawingml/2006/main" xmlns:r="http://schemas.openxmlformats.org/officeDocument/2006/relationships" xmlns:p="http://schemas.openxmlformats.org/presentationml/2006/main">
+  <p:cSld>
+    <p:spTree>
+      <p:nvGrpSpPr>
+        <p:cNvPr id="1" name=""/>
+        <p:cNvGrpSpPr/>
+        <p:nvPr/>
+      </p:nvGrpSpPr>
+      <p:grpSpPr>
+        <a:xfrm>
+          <a:off x="0" y="0"/>
+          <a:ext cx="0" cy="0"/>
+          <a:chOff x="0" y="0"/>
+          <a:chExt cx="0" cy="0"/>
+        </a:xfrm>
+      </p:grpSpPr>
+      <p:sp>
+        <p:nvSpPr>
           <p:cNvPr id="21505" name="Title 1"/>
           <p:cNvSpPr>
             <a:spLocks noGrp="1"/>
@@ -12015,7 +12371,7 @@
 </p:sld>
 </file>
 
-<file path=ppt/slides/slide21.xml><?xml version="1.0" encoding="utf-8"?>
+<file path=ppt/slides/slide22.xml><?xml version="1.0" encoding="utf-8"?>
 <p:sld xmlns:a="http://schemas.openxmlformats.org/drawingml/2006/main" xmlns:r="http://schemas.openxmlformats.org/officeDocument/2006/relationships" xmlns:p="http://schemas.openxmlformats.org/presentationml/2006/main">
   <p:cSld>
     <p:spTree>
@@ -12223,7 +12579,7 @@
 </p:sld>
 </file>
 
-<file path=ppt/slides/slide22.xml><?xml version="1.0" encoding="utf-8"?>
+<file path=ppt/slides/slide23.xml><?xml version="1.0" encoding="utf-8"?>
 <p:sld xmlns:a="http://schemas.openxmlformats.org/drawingml/2006/main" xmlns:r="http://schemas.openxmlformats.org/officeDocument/2006/relationships" xmlns:p="http://schemas.openxmlformats.org/presentationml/2006/main">
   <p:cSld>
     <p:spTree>
@@ -13510,7 +13866,7 @@
 </p:sld>
 </file>
 
-<file path=ppt/slides/slide23.xml><?xml version="1.0" encoding="utf-8"?>
+<file path=ppt/slides/slide24.xml><?xml version="1.0" encoding="utf-8"?>
 <p:sld xmlns:a="http://schemas.openxmlformats.org/drawingml/2006/main" xmlns:r="http://schemas.openxmlformats.org/officeDocument/2006/relationships" xmlns:p="http://schemas.openxmlformats.org/presentationml/2006/main">
   <p:cSld>
     <p:spTree>
@@ -13745,7 +14101,7 @@
 </p:sld>
 </file>
 
-<file path=ppt/slides/slide24.xml><?xml version="1.0" encoding="utf-8"?>
+<file path=ppt/slides/slide25.xml><?xml version="1.0" encoding="utf-8"?>
 <p:sld xmlns:a="http://schemas.openxmlformats.org/drawingml/2006/main" xmlns:r="http://schemas.openxmlformats.org/officeDocument/2006/relationships" xmlns:p="http://schemas.openxmlformats.org/presentationml/2006/main">
   <p:cSld>
     <p:spTree>
@@ -14315,7 +14671,7 @@
 </p:sld>
 </file>
 
-<file path=ppt/slides/slide25.xml><?xml version="1.0" encoding="utf-8"?>
+<file path=ppt/slides/slide26.xml><?xml version="1.0" encoding="utf-8"?>
 <p:sld xmlns:a="http://schemas.openxmlformats.org/drawingml/2006/main" xmlns:r="http://schemas.openxmlformats.org/officeDocument/2006/relationships" xmlns:p="http://schemas.openxmlformats.org/presentationml/2006/main">
   <p:cSld>
     <p:spTree>
@@ -14739,7 +15095,7 @@
 </p:sld>
 </file>
 
-<file path=ppt/slides/slide26.xml><?xml version="1.0" encoding="utf-8"?>
+<file path=ppt/slides/slide27.xml><?xml version="1.0" encoding="utf-8"?>
 <p:sld xmlns:a="http://schemas.openxmlformats.org/drawingml/2006/main" xmlns:r="http://schemas.openxmlformats.org/officeDocument/2006/relationships" xmlns:p="http://schemas.openxmlformats.org/presentationml/2006/main">
   <p:cSld>
     <p:spTree>
@@ -15572,7 +15928,7 @@
 </p:sld>
 </file>
 
-<file path=ppt/slides/slide27.xml><?xml version="1.0" encoding="utf-8"?>
+<file path=ppt/slides/slide28.xml><?xml version="1.0" encoding="utf-8"?>
 <p:sld xmlns:a="http://schemas.openxmlformats.org/drawingml/2006/main" xmlns:r="http://schemas.openxmlformats.org/officeDocument/2006/relationships" xmlns:p="http://schemas.openxmlformats.org/presentationml/2006/main">
   <p:cSld>
     <p:spTree>
@@ -37101,7 +37457,7 @@
 </p:sld>
 </file>
 
-<file path=ppt/slides/slide28.xml><?xml version="1.0" encoding="utf-8"?>
+<file path=ppt/slides/slide29.xml><?xml version="1.0" encoding="utf-8"?>
 <p:sld xmlns:a="http://schemas.openxmlformats.org/drawingml/2006/main" xmlns:r="http://schemas.openxmlformats.org/officeDocument/2006/relationships" xmlns:p="http://schemas.openxmlformats.org/presentationml/2006/main">
   <p:cSld>
     <p:spTree>
@@ -37532,102 +37888,6 @@
     <p:extLst>
       <p:ext uri="{BB962C8B-B14F-4D97-AF65-F5344CB8AC3E}">
         <p14:creationId xmlns:p14="http://schemas.microsoft.com/office/powerpoint/2010/main" val="4226113712"/>
-      </p:ext>
-    </p:extLst>
-  </p:cSld>
-  <p:clrMapOvr>
-    <a:masterClrMapping/>
-  </p:clrMapOvr>
-</p:sld>
-</file>
-
-<file path=ppt/slides/slide29.xml><?xml version="1.0" encoding="utf-8"?>
-<p:sld xmlns:a="http://schemas.openxmlformats.org/drawingml/2006/main" xmlns:r="http://schemas.openxmlformats.org/officeDocument/2006/relationships" xmlns:p="http://schemas.openxmlformats.org/presentationml/2006/main">
-  <p:cSld>
-    <p:spTree>
-      <p:nvGrpSpPr>
-        <p:cNvPr id="1" name=""/>
-        <p:cNvGrpSpPr/>
-        <p:nvPr/>
-      </p:nvGrpSpPr>
-      <p:grpSpPr>
-        <a:xfrm>
-          <a:off x="0" y="0"/>
-          <a:ext cx="0" cy="0"/>
-          <a:chOff x="0" y="0"/>
-          <a:chExt cx="0" cy="0"/>
-        </a:xfrm>
-      </p:grpSpPr>
-      <p:pic>
-        <p:nvPicPr>
-          <p:cNvPr id="3" name="Picture 2" descr="T10_3devices.png"/>
-          <p:cNvPicPr>
-            <a:picLocks noChangeAspect="1"/>
-          </p:cNvPicPr>
-          <p:nvPr/>
-        </p:nvPicPr>
-        <p:blipFill>
-          <a:blip r:embed="rId2">
-            <a:extLst>
-              <a:ext uri="{28A0092B-C50C-407E-A947-70E740481C1C}">
-                <a14:useLocalDpi xmlns:a14="http://schemas.microsoft.com/office/drawing/2010/main" val="0"/>
-              </a:ext>
-            </a:extLst>
-          </a:blip>
-          <a:stretch>
-            <a:fillRect/>
-          </a:stretch>
-        </p:blipFill>
-        <p:spPr>
-          <a:xfrm>
-            <a:off x="1281885" y="866429"/>
-            <a:ext cx="12030075" cy="6419850"/>
-          </a:xfrm>
-          <a:prstGeom prst="rect">
-            <a:avLst/>
-          </a:prstGeom>
-        </p:spPr>
-      </p:pic>
-      <p:sp>
-        <p:nvSpPr>
-          <p:cNvPr id="2" name="Text Placeholder 1"/>
-          <p:cNvSpPr>
-            <a:spLocks noGrp="1"/>
-          </p:cNvSpPr>
-          <p:nvPr>
-            <p:ph type="body" sz="quarter" idx="12"/>
-          </p:nvPr>
-        </p:nvSpPr>
-        <p:spPr>
-          <a:prstGeom prst="rect">
-            <a:avLst/>
-          </a:prstGeom>
-        </p:spPr>
-        <p:txBody>
-          <a:bodyPr/>
-          <a:lstStyle/>
-          <a:p>
-            <a:pPr defTabSz="1306221" fontAlgn="auto">
-              <a:spcAft>
-                <a:spcPts val="0"/>
-              </a:spcAft>
-              <a:buFont typeface="Arial" panose="020B0604020202020204" pitchFamily="34" charset="0"/>
-              <a:buNone/>
-              <a:defRPr/>
-            </a:pPr>
-            <a:r>
-              <a:rPr lang="en-US" dirty="0">
-                <a:ea typeface="+mn-ea"/>
-              </a:rPr>
-              <a:t>All Devices</a:t>
-            </a:r>
-          </a:p>
-        </p:txBody>
-      </p:sp>
-    </p:spTree>
-    <p:extLst>
-      <p:ext uri="{BB962C8B-B14F-4D97-AF65-F5344CB8AC3E}">
-        <p14:creationId xmlns:p14="http://schemas.microsoft.com/office/powerpoint/2010/main" val="1429312328"/>
       </p:ext>
     </p:extLst>
   </p:cSld>
@@ -37908,6 +38168,102 @@
       </p:grpSpPr>
       <p:pic>
         <p:nvPicPr>
+          <p:cNvPr id="3" name="Picture 2" descr="T10_3devices.png"/>
+          <p:cNvPicPr>
+            <a:picLocks noChangeAspect="1"/>
+          </p:cNvPicPr>
+          <p:nvPr/>
+        </p:nvPicPr>
+        <p:blipFill>
+          <a:blip r:embed="rId2">
+            <a:extLst>
+              <a:ext uri="{28A0092B-C50C-407E-A947-70E740481C1C}">
+                <a14:useLocalDpi xmlns:a14="http://schemas.microsoft.com/office/drawing/2010/main" val="0"/>
+              </a:ext>
+            </a:extLst>
+          </a:blip>
+          <a:stretch>
+            <a:fillRect/>
+          </a:stretch>
+        </p:blipFill>
+        <p:spPr>
+          <a:xfrm>
+            <a:off x="1281885" y="866429"/>
+            <a:ext cx="12030075" cy="6419850"/>
+          </a:xfrm>
+          <a:prstGeom prst="rect">
+            <a:avLst/>
+          </a:prstGeom>
+        </p:spPr>
+      </p:pic>
+      <p:sp>
+        <p:nvSpPr>
+          <p:cNvPr id="2" name="Text Placeholder 1"/>
+          <p:cNvSpPr>
+            <a:spLocks noGrp="1"/>
+          </p:cNvSpPr>
+          <p:nvPr>
+            <p:ph type="body" sz="quarter" idx="12"/>
+          </p:nvPr>
+        </p:nvSpPr>
+        <p:spPr>
+          <a:prstGeom prst="rect">
+            <a:avLst/>
+          </a:prstGeom>
+        </p:spPr>
+        <p:txBody>
+          <a:bodyPr/>
+          <a:lstStyle/>
+          <a:p>
+            <a:pPr defTabSz="1306221" fontAlgn="auto">
+              <a:spcAft>
+                <a:spcPts val="0"/>
+              </a:spcAft>
+              <a:buFont typeface="Arial" panose="020B0604020202020204" pitchFamily="34" charset="0"/>
+              <a:buNone/>
+              <a:defRPr/>
+            </a:pPr>
+            <a:r>
+              <a:rPr lang="en-US" dirty="0">
+                <a:ea typeface="+mn-ea"/>
+              </a:rPr>
+              <a:t>All Devices</a:t>
+            </a:r>
+          </a:p>
+        </p:txBody>
+      </p:sp>
+    </p:spTree>
+    <p:extLst>
+      <p:ext uri="{BB962C8B-B14F-4D97-AF65-F5344CB8AC3E}">
+        <p14:creationId xmlns:p14="http://schemas.microsoft.com/office/powerpoint/2010/main" val="1429312328"/>
+      </p:ext>
+    </p:extLst>
+  </p:cSld>
+  <p:clrMapOvr>
+    <a:masterClrMapping/>
+  </p:clrMapOvr>
+</p:sld>
+</file>
+
+<file path=ppt/slides/slide31.xml><?xml version="1.0" encoding="utf-8"?>
+<p:sld xmlns:a="http://schemas.openxmlformats.org/drawingml/2006/main" xmlns:r="http://schemas.openxmlformats.org/officeDocument/2006/relationships" xmlns:p="http://schemas.openxmlformats.org/presentationml/2006/main">
+  <p:cSld>
+    <p:spTree>
+      <p:nvGrpSpPr>
+        <p:cNvPr id="1" name=""/>
+        <p:cNvGrpSpPr/>
+        <p:nvPr/>
+      </p:nvGrpSpPr>
+      <p:grpSpPr>
+        <a:xfrm>
+          <a:off x="0" y="0"/>
+          <a:ext cx="0" cy="0"/>
+          <a:chOff x="0" y="0"/>
+          <a:chExt cx="0" cy="0"/>
+        </a:xfrm>
+      </p:grpSpPr>
+      <p:pic>
+        <p:nvPicPr>
           <p:cNvPr id="5" name="Picture 4" descr="FJ8A1987_2-b.jpg"/>
           <p:cNvPicPr>
             <a:picLocks noChangeAspect="1"/>
@@ -38323,7 +38679,7 @@
 </p:sld>
 </file>
 
-<file path=ppt/slides/slide31.xml><?xml version="1.0" encoding="utf-8"?>
+<file path=ppt/slides/slide32.xml><?xml version="1.0" encoding="utf-8"?>
 <p:sld xmlns:a="http://schemas.openxmlformats.org/drawingml/2006/main" xmlns:r="http://schemas.openxmlformats.org/officeDocument/2006/relationships" xmlns:p="http://schemas.openxmlformats.org/presentationml/2006/main">
   <p:cSld>
     <p:spTree>
@@ -40283,7 +40639,7 @@
 </p:sld>
 </file>
 
-<file path=ppt/slides/slide32.xml><?xml version="1.0" encoding="utf-8"?>
+<file path=ppt/slides/slide33.xml><?xml version="1.0" encoding="utf-8"?>
 <p:sld xmlns:a="http://schemas.openxmlformats.org/drawingml/2006/main" xmlns:r="http://schemas.openxmlformats.org/officeDocument/2006/relationships" xmlns:p="http://schemas.openxmlformats.org/presentationml/2006/main">
   <p:cSld>
     <p:spTree>
@@ -42397,7 +42753,7 @@
 </p:sld>
 </file>
 
-<file path=ppt/slides/slide33.xml><?xml version="1.0" encoding="utf-8"?>
+<file path=ppt/slides/slide34.xml><?xml version="1.0" encoding="utf-8"?>
 <p:sld xmlns:a="http://schemas.openxmlformats.org/drawingml/2006/main" xmlns:r="http://schemas.openxmlformats.org/officeDocument/2006/relationships" xmlns:p="http://schemas.openxmlformats.org/presentationml/2006/main">
   <p:cSld>
     <p:spTree>
@@ -43981,7 +44337,7 @@
 </p:sld>
 </file>
 
-<file path=ppt/slides/slide34.xml><?xml version="1.0" encoding="utf-8"?>
+<file path=ppt/slides/slide35.xml><?xml version="1.0" encoding="utf-8"?>
 <p:sld xmlns:a="http://schemas.openxmlformats.org/drawingml/2006/main" xmlns:r="http://schemas.openxmlformats.org/officeDocument/2006/relationships" xmlns:p="http://schemas.openxmlformats.org/presentationml/2006/main">
   <p:cSld>
     <p:spTree>
@@ -44080,7 +44436,7 @@
 </p:sld>
 </file>
 
-<file path=ppt/slides/slide35.xml><?xml version="1.0" encoding="utf-8"?>
+<file path=ppt/slides/slide36.xml><?xml version="1.0" encoding="utf-8"?>
 <p:sld xmlns:a="http://schemas.openxmlformats.org/drawingml/2006/main" xmlns:r="http://schemas.openxmlformats.org/officeDocument/2006/relationships" xmlns:p="http://schemas.openxmlformats.org/presentationml/2006/main">
   <p:cSld>
     <p:spTree>
@@ -44186,7 +44542,7 @@
 </p:sld>
 </file>
 
-<file path=ppt/slides/slide36.xml><?xml version="1.0" encoding="utf-8"?>
+<file path=ppt/slides/slide37.xml><?xml version="1.0" encoding="utf-8"?>
 <p:sld xmlns:a="http://schemas.openxmlformats.org/drawingml/2006/main" xmlns:r="http://schemas.openxmlformats.org/officeDocument/2006/relationships" xmlns:p="http://schemas.openxmlformats.org/presentationml/2006/main">
   <p:cSld>
     <p:spTree>

--- a/lecture.pptx
+++ b/lecture.pptx
@@ -5,10 +5,10 @@
     <p:sldMasterId id="2147483875" r:id="rId1"/>
   </p:sldMasterIdLst>
   <p:notesMasterIdLst>
-    <p:notesMasterId r:id="rId39"/>
+    <p:notesMasterId r:id="rId43"/>
   </p:notesMasterIdLst>
   <p:handoutMasterIdLst>
-    <p:handoutMasterId r:id="rId40"/>
+    <p:handoutMasterId r:id="rId44"/>
   </p:handoutMasterIdLst>
   <p:sldIdLst>
     <p:sldId id="256" r:id="rId2"/>
@@ -25,29 +25,33 @@
     <p:sldId id="540" r:id="rId13"/>
     <p:sldId id="541" r:id="rId14"/>
     <p:sldId id="542" r:id="rId15"/>
-    <p:sldId id="525" r:id="rId16"/>
-    <p:sldId id="319" r:id="rId17"/>
-    <p:sldId id="422" r:id="rId18"/>
-    <p:sldId id="423" r:id="rId19"/>
-    <p:sldId id="424" r:id="rId20"/>
-    <p:sldId id="343" r:id="rId21"/>
-    <p:sldId id="523" r:id="rId22"/>
-    <p:sldId id="511" r:id="rId23"/>
-    <p:sldId id="502" r:id="rId24"/>
-    <p:sldId id="503" r:id="rId25"/>
-    <p:sldId id="504" r:id="rId26"/>
-    <p:sldId id="524" r:id="rId27"/>
-    <p:sldId id="513" r:id="rId28"/>
-    <p:sldId id="514" r:id="rId29"/>
-    <p:sldId id="532" r:id="rId30"/>
-    <p:sldId id="533" r:id="rId31"/>
-    <p:sldId id="534" r:id="rId32"/>
-    <p:sldId id="509" r:id="rId33"/>
-    <p:sldId id="510" r:id="rId34"/>
-    <p:sldId id="508" r:id="rId35"/>
-    <p:sldId id="536" r:id="rId36"/>
-    <p:sldId id="537" r:id="rId37"/>
-    <p:sldId id="538" r:id="rId38"/>
+    <p:sldId id="543" r:id="rId16"/>
+    <p:sldId id="544" r:id="rId17"/>
+    <p:sldId id="546" r:id="rId18"/>
+    <p:sldId id="547" r:id="rId19"/>
+    <p:sldId id="525" r:id="rId20"/>
+    <p:sldId id="319" r:id="rId21"/>
+    <p:sldId id="422" r:id="rId22"/>
+    <p:sldId id="423" r:id="rId23"/>
+    <p:sldId id="424" r:id="rId24"/>
+    <p:sldId id="343" r:id="rId25"/>
+    <p:sldId id="523" r:id="rId26"/>
+    <p:sldId id="511" r:id="rId27"/>
+    <p:sldId id="502" r:id="rId28"/>
+    <p:sldId id="503" r:id="rId29"/>
+    <p:sldId id="504" r:id="rId30"/>
+    <p:sldId id="524" r:id="rId31"/>
+    <p:sldId id="513" r:id="rId32"/>
+    <p:sldId id="514" r:id="rId33"/>
+    <p:sldId id="532" r:id="rId34"/>
+    <p:sldId id="533" r:id="rId35"/>
+    <p:sldId id="534" r:id="rId36"/>
+    <p:sldId id="509" r:id="rId37"/>
+    <p:sldId id="510" r:id="rId38"/>
+    <p:sldId id="508" r:id="rId39"/>
+    <p:sldId id="536" r:id="rId40"/>
+    <p:sldId id="537" r:id="rId41"/>
+    <p:sldId id="538" r:id="rId42"/>
   </p:sldIdLst>
   <p:sldSz cx="14630400" cy="8229600"/>
   <p:notesSz cx="6858000" cy="9144000"/>
@@ -314,7 +318,7 @@
               <a:pPr>
                 <a:defRPr/>
               </a:pPr>
-              <a:t>5/25/2019</a:t>
+              <a:t>5/26/2019</a:t>
             </a:fld>
             <a:endParaRPr lang="en-US" dirty="0"/>
           </a:p>
@@ -538,7 +542,7 @@
               <a:pPr>
                 <a:defRPr/>
               </a:pPr>
-              <a:t>5/25/2019</a:t>
+              <a:t>5/26/2019</a:t>
             </a:fld>
             <a:endParaRPr lang="en-US" dirty="0"/>
           </a:p>
@@ -905,14 +909,14 @@
           </a:ln>
           <a:extLst>
             <a:ext uri="{909E8E84-426E-40dd-AFC4-6F175D3DCCD1}">
-              <a14:hiddenFill xmlns:a14="http://schemas.microsoft.com/office/drawing/2010/main" xmlns="">
+              <a14:hiddenFill xmlns="" xmlns:a14="http://schemas.microsoft.com/office/drawing/2010/main">
                 <a:solidFill>
                   <a:srgbClr val="FFFFFF"/>
                 </a:solidFill>
               </a14:hiddenFill>
             </a:ext>
             <a:ext uri="{FAA26D3D-D897-4be2-8F04-BA451C77F1D7}">
-              <ma14:placeholderFlag xmlns:ma14="http://schemas.microsoft.com/office/mac/drawingml/2011/main" xmlns="" val="1"/>
+              <ma14:placeholderFlag xmlns="" xmlns:ma14="http://schemas.microsoft.com/office/mac/drawingml/2011/main" val="1"/>
             </a:ext>
           </a:extLst>
         </p:spPr>
@@ -931,14 +935,14 @@
           <a:noFill/>
           <a:extLst>
             <a:ext uri="{909E8E84-426E-40dd-AFC4-6F175D3DCCD1}">
-              <a14:hiddenFill xmlns:a14="http://schemas.microsoft.com/office/drawing/2010/main" xmlns="">
+              <a14:hiddenFill xmlns="" xmlns:a14="http://schemas.microsoft.com/office/drawing/2010/main">
                 <a:solidFill>
                   <a:srgbClr val="FFFFFF"/>
                 </a:solidFill>
               </a14:hiddenFill>
             </a:ext>
             <a:ext uri="{91240B29-F687-4f45-9708-019B960494DF}">
-              <a14:hiddenLine xmlns:a14="http://schemas.microsoft.com/office/drawing/2010/main" xmlns="" w="9525">
+              <a14:hiddenLine xmlns="" xmlns:a14="http://schemas.microsoft.com/office/drawing/2010/main" w="9525">
                 <a:solidFill>
                   <a:srgbClr val="000000"/>
                 </a:solidFill>
@@ -1018,14 +1022,14 @@
           </a:ln>
           <a:extLst>
             <a:ext uri="{909E8E84-426E-40dd-AFC4-6F175D3DCCD1}">
-              <a14:hiddenFill xmlns:a14="http://schemas.microsoft.com/office/drawing/2010/main" xmlns="">
+              <a14:hiddenFill xmlns="" xmlns:a14="http://schemas.microsoft.com/office/drawing/2010/main">
                 <a:solidFill>
                   <a:srgbClr val="FFFFFF"/>
                 </a:solidFill>
               </a14:hiddenFill>
             </a:ext>
             <a:ext uri="{FAA26D3D-D897-4be2-8F04-BA451C77F1D7}">
-              <ma14:placeholderFlag xmlns:ma14="http://schemas.microsoft.com/office/mac/drawingml/2011/main" xmlns="" val="1"/>
+              <ma14:placeholderFlag xmlns="" xmlns:ma14="http://schemas.microsoft.com/office/mac/drawingml/2011/main" val="1"/>
             </a:ext>
           </a:extLst>
         </p:spPr>
@@ -1044,14 +1048,14 @@
           <a:noFill/>
           <a:extLst>
             <a:ext uri="{909E8E84-426E-40dd-AFC4-6F175D3DCCD1}">
-              <a14:hiddenFill xmlns:a14="http://schemas.microsoft.com/office/drawing/2010/main" xmlns="">
+              <a14:hiddenFill xmlns="" xmlns:a14="http://schemas.microsoft.com/office/drawing/2010/main">
                 <a:solidFill>
                   <a:srgbClr val="FFFFFF"/>
                 </a:solidFill>
               </a14:hiddenFill>
             </a:ext>
             <a:ext uri="{91240B29-F687-4f45-9708-019B960494DF}">
-              <a14:hiddenLine xmlns:a14="http://schemas.microsoft.com/office/drawing/2010/main" xmlns="" w="9525">
+              <a14:hiddenLine xmlns="" xmlns:a14="http://schemas.microsoft.com/office/drawing/2010/main" w="9525">
                 <a:solidFill>
                   <a:srgbClr val="000000"/>
                 </a:solidFill>
@@ -1450,14 +1454,14 @@
           </a:ln>
           <a:extLst>
             <a:ext uri="{909E8E84-426E-40dd-AFC4-6F175D3DCCD1}">
-              <a14:hiddenFill xmlns:a14="http://schemas.microsoft.com/office/drawing/2010/main" xmlns="">
+              <a14:hiddenFill xmlns="" xmlns:a14="http://schemas.microsoft.com/office/drawing/2010/main">
                 <a:solidFill>
                   <a:srgbClr val="FFFFFF"/>
                 </a:solidFill>
               </a14:hiddenFill>
             </a:ext>
             <a:ext uri="{FAA26D3D-D897-4be2-8F04-BA451C77F1D7}">
-              <ma14:placeholderFlag xmlns:ma14="http://schemas.microsoft.com/office/mac/drawingml/2011/main" xmlns="" val="1"/>
+              <ma14:placeholderFlag xmlns="" xmlns:ma14="http://schemas.microsoft.com/office/mac/drawingml/2011/main" val="1"/>
             </a:ext>
           </a:extLst>
         </p:spPr>
@@ -1476,14 +1480,14 @@
           <a:noFill/>
           <a:extLst>
             <a:ext uri="{909E8E84-426E-40dd-AFC4-6F175D3DCCD1}">
-              <a14:hiddenFill xmlns:a14="http://schemas.microsoft.com/office/drawing/2010/main" xmlns="">
+              <a14:hiddenFill xmlns="" xmlns:a14="http://schemas.microsoft.com/office/drawing/2010/main">
                 <a:solidFill>
                   <a:srgbClr val="FFFFFF"/>
                 </a:solidFill>
               </a14:hiddenFill>
             </a:ext>
             <a:ext uri="{91240B29-F687-4f45-9708-019B960494DF}">
-              <a14:hiddenLine xmlns:a14="http://schemas.microsoft.com/office/drawing/2010/main" xmlns="" w="9525">
+              <a14:hiddenLine xmlns="" xmlns:a14="http://schemas.microsoft.com/office/drawing/2010/main" w="9525">
                 <a:solidFill>
                   <a:srgbClr val="000000"/>
                 </a:solidFill>
@@ -1794,14 +1798,14 @@
           </a:ln>
           <a:extLst>
             <a:ext uri="{909E8E84-426E-40dd-AFC4-6F175D3DCCD1}">
-              <a14:hiddenFill xmlns:a14="http://schemas.microsoft.com/office/drawing/2010/main" xmlns="">
+              <a14:hiddenFill xmlns="" xmlns:a14="http://schemas.microsoft.com/office/drawing/2010/main">
                 <a:solidFill>
                   <a:srgbClr val="FFFFFF"/>
                 </a:solidFill>
               </a14:hiddenFill>
             </a:ext>
             <a:ext uri="{FAA26D3D-D897-4be2-8F04-BA451C77F1D7}">
-              <ma14:placeholderFlag xmlns:ma14="http://schemas.microsoft.com/office/mac/drawingml/2011/main" xmlns="" val="1"/>
+              <ma14:placeholderFlag xmlns="" xmlns:ma14="http://schemas.microsoft.com/office/mac/drawingml/2011/main" val="1"/>
             </a:ext>
           </a:extLst>
         </p:spPr>
@@ -1820,14 +1824,14 @@
           <a:noFill/>
           <a:extLst>
             <a:ext uri="{909E8E84-426E-40dd-AFC4-6F175D3DCCD1}">
-              <a14:hiddenFill xmlns:a14="http://schemas.microsoft.com/office/drawing/2010/main" xmlns="">
+              <a14:hiddenFill xmlns="" xmlns:a14="http://schemas.microsoft.com/office/drawing/2010/main">
                 <a:solidFill>
                   <a:srgbClr val="FFFFFF"/>
                 </a:solidFill>
               </a14:hiddenFill>
             </a:ext>
             <a:ext uri="{91240B29-F687-4f45-9708-019B960494DF}">
-              <a14:hiddenLine xmlns:a14="http://schemas.microsoft.com/office/drawing/2010/main" xmlns="" w="9525">
+              <a14:hiddenLine xmlns="" xmlns:a14="http://schemas.microsoft.com/office/drawing/2010/main" w="9525">
                 <a:solidFill>
                   <a:srgbClr val="000000"/>
                 </a:solidFill>
@@ -2024,14 +2028,14 @@
           </a:ln>
           <a:extLst>
             <a:ext uri="{909E8E84-426E-40dd-AFC4-6F175D3DCCD1}">
-              <a14:hiddenFill xmlns:a14="http://schemas.microsoft.com/office/drawing/2010/main" xmlns="">
+              <a14:hiddenFill xmlns="" xmlns:a14="http://schemas.microsoft.com/office/drawing/2010/main">
                 <a:solidFill>
                   <a:srgbClr val="FFFFFF"/>
                 </a:solidFill>
               </a14:hiddenFill>
             </a:ext>
             <a:ext uri="{FAA26D3D-D897-4be2-8F04-BA451C77F1D7}">
-              <ma14:placeholderFlag xmlns:ma14="http://schemas.microsoft.com/office/mac/drawingml/2011/main" xmlns="" val="1"/>
+              <ma14:placeholderFlag xmlns="" xmlns:ma14="http://schemas.microsoft.com/office/mac/drawingml/2011/main" val="1"/>
             </a:ext>
           </a:extLst>
         </p:spPr>
@@ -2050,14 +2054,14 @@
           <a:noFill/>
           <a:extLst>
             <a:ext uri="{909E8E84-426E-40dd-AFC4-6F175D3DCCD1}">
-              <a14:hiddenFill xmlns:a14="http://schemas.microsoft.com/office/drawing/2010/main" xmlns="">
+              <a14:hiddenFill xmlns="" xmlns:a14="http://schemas.microsoft.com/office/drawing/2010/main">
                 <a:solidFill>
                   <a:srgbClr val="FFFFFF"/>
                 </a:solidFill>
               </a14:hiddenFill>
             </a:ext>
             <a:ext uri="{91240B29-F687-4f45-9708-019B960494DF}">
-              <a14:hiddenLine xmlns:a14="http://schemas.microsoft.com/office/drawing/2010/main" xmlns="" w="9525">
+              <a14:hiddenLine xmlns="" xmlns:a14="http://schemas.microsoft.com/office/drawing/2010/main" w="9525">
                 <a:solidFill>
                   <a:srgbClr val="000000"/>
                 </a:solidFill>
@@ -2082,7 +2086,7 @@
               </a:spcBef>
             </a:pPr>
             <a:r>
-              <a:rPr lang="en-US">
+              <a:rPr lang="en-US" dirty="0">
                 <a:latin typeface="BentonSans Book" charset="0"/>
               </a:rPr>
               <a:t>Image &amp; Copy</a:t>
@@ -2122,7 +2126,7 @@
       </p:grpSpPr>
       <p:sp>
         <p:nvSpPr>
-          <p:cNvPr id="47105" name="Slide Image Placeholder 1"/>
+          <p:cNvPr id="46081" name="Slide Image Placeholder 1"/>
           <p:cNvSpPr>
             <a:spLocks noGrp="1" noRot="1" noChangeAspect="1"/>
           </p:cNvSpPr>
@@ -2142,21 +2146,21 @@
           </a:ln>
           <a:extLst>
             <a:ext uri="{909E8E84-426E-40dd-AFC4-6F175D3DCCD1}">
-              <a14:hiddenFill xmlns:a14="http://schemas.microsoft.com/office/drawing/2010/main" xmlns="">
+              <a14:hiddenFill xmlns="" xmlns:a14="http://schemas.microsoft.com/office/drawing/2010/main">
                 <a:solidFill>
                   <a:srgbClr val="FFFFFF"/>
                 </a:solidFill>
               </a14:hiddenFill>
             </a:ext>
             <a:ext uri="{FAA26D3D-D897-4be2-8F04-BA451C77F1D7}">
-              <ma14:placeholderFlag xmlns:ma14="http://schemas.microsoft.com/office/mac/drawingml/2011/main" xmlns="" val="1"/>
+              <ma14:placeholderFlag xmlns="" xmlns:ma14="http://schemas.microsoft.com/office/mac/drawingml/2011/main" val="1"/>
             </a:ext>
           </a:extLst>
         </p:spPr>
       </p:sp>
       <p:sp>
         <p:nvSpPr>
-          <p:cNvPr id="47106" name="Notes Placeholder 2"/>
+          <p:cNvPr id="46082" name="Notes Placeholder 2"/>
           <p:cNvSpPr>
             <a:spLocks noGrp="1"/>
           </p:cNvSpPr>
@@ -2168,14 +2172,14 @@
           <a:noFill/>
           <a:extLst>
             <a:ext uri="{909E8E84-426E-40dd-AFC4-6F175D3DCCD1}">
-              <a14:hiddenFill xmlns:a14="http://schemas.microsoft.com/office/drawing/2010/main" xmlns="">
+              <a14:hiddenFill xmlns="" xmlns:a14="http://schemas.microsoft.com/office/drawing/2010/main">
                 <a:solidFill>
                   <a:srgbClr val="FFFFFF"/>
                 </a:solidFill>
               </a14:hiddenFill>
             </a:ext>
             <a:ext uri="{91240B29-F687-4f45-9708-019B960494DF}">
-              <a14:hiddenLine xmlns:a14="http://schemas.microsoft.com/office/drawing/2010/main" xmlns="" w="9525">
+              <a14:hiddenLine xmlns="" xmlns:a14="http://schemas.microsoft.com/office/drawing/2010/main" w="9525">
                 <a:solidFill>
                   <a:srgbClr val="000000"/>
                 </a:solidFill>
@@ -2194,21 +2198,98 @@
           </a:bodyPr>
           <a:lstStyle/>
           <a:p>
-            <a:pPr>
-              <a:spcBef>
-                <a:spcPct val="0"/>
-              </a:spcBef>
-            </a:pPr>
+            <a:endParaRPr lang="en-US" b="0" dirty="0">
+              <a:effectLst/>
+            </a:endParaRPr>
+          </a:p>
+          <a:p>
+            <a:endParaRPr lang="en-US" b="0" dirty="0">
+              <a:effectLst/>
+            </a:endParaRPr>
+          </a:p>
+          <a:p>
+            <a:pPr lvl="2" rtl="0" fontAlgn="base"/>
             <a:r>
-              <a:rPr lang="en-US">
-                <a:latin typeface="BentonSans Book" charset="0"/>
+              <a:rPr lang="en-US" sz="1800" b="0" i="0" u="none" strike="noStrike" kern="1200" dirty="0">
+                <a:solidFill>
+                  <a:schemeClr val="tx1"/>
+                </a:solidFill>
+                <a:effectLst/>
+                <a:latin typeface="BentonSans Book"/>
+                <a:ea typeface="ＭＳ Ｐゴシック" charset="0"/>
+                <a:cs typeface="+mn-cs"/>
               </a:rPr>
-              <a:t>Bulleted Copy – 2 Column</a:t>
+              <a:t>Great minds are constantly changing the way they look at a problem. Dmitri Mendeleev is a great example of this.</a:t>
+            </a:r>
+          </a:p>
+          <a:p>
+            <a:pPr lvl="2" rtl="0" fontAlgn="base"/>
+            <a:r>
+              <a:rPr lang="en-US" sz="1800" b="0" i="0" u="none" strike="noStrike" kern="1200" dirty="0">
+                <a:solidFill>
+                  <a:schemeClr val="tx1"/>
+                </a:solidFill>
+                <a:effectLst/>
+                <a:latin typeface="BentonSans Book"/>
+                <a:ea typeface="ＭＳ Ｐゴシック" charset="0"/>
+                <a:cs typeface="+mn-cs"/>
+              </a:rPr>
+              <a:t>He took this collection of data and looked at it like this, then this, then this.</a:t>
+            </a:r>
+          </a:p>
+          <a:p>
+            <a:pPr lvl="2" rtl="0" fontAlgn="base"/>
+            <a:r>
+              <a:rPr lang="en-US" sz="1800" b="0" i="0" u="none" strike="noStrike" kern="1200" dirty="0">
+                <a:solidFill>
+                  <a:schemeClr val="tx1"/>
+                </a:solidFill>
+                <a:effectLst/>
+                <a:latin typeface="BentonSans Book"/>
+                <a:ea typeface="ＭＳ Ｐゴシック" charset="0"/>
+                <a:cs typeface="+mn-cs"/>
+              </a:rPr>
+              <a:t>In an involved thinking process looked at this way then this way then this way. And finally in this way.</a:t>
+            </a:r>
+          </a:p>
+          <a:p>
+            <a:pPr lvl="2" rtl="0" fontAlgn="base"/>
+            <a:r>
+              <a:rPr lang="en-US" sz="1800" b="0" i="0" u="none" strike="noStrike" kern="1200" dirty="0">
+                <a:solidFill>
+                  <a:schemeClr val="tx1"/>
+                </a:solidFill>
+                <a:effectLst/>
+                <a:latin typeface="BentonSans Book"/>
+                <a:ea typeface="ＭＳ Ｐゴシック" charset="0"/>
+                <a:cs typeface="+mn-cs"/>
+              </a:rPr>
+              <a:t>There is no difference between the data stored in that first table and the last one. Not any difference at all.</a:t>
+            </a:r>
+          </a:p>
+          <a:p>
+            <a:pPr lvl="2" rtl="0" fontAlgn="base"/>
+            <a:r>
+              <a:rPr lang="en-US" sz="1800" b="0" i="0" u="none" strike="noStrike" kern="1200" dirty="0">
+                <a:solidFill>
+                  <a:schemeClr val="tx1"/>
+                </a:solidFill>
+                <a:effectLst/>
+                <a:latin typeface="BentonSans Book"/>
+                <a:ea typeface="ＭＳ Ｐゴシック" charset="0"/>
+                <a:cs typeface="+mn-cs"/>
+              </a:rPr>
+              <a:t>Here’s the power of perspective shifting. The first table is virtually useless. The last table is one of the most impactful tables of data ever created. You can predict the behavior of elements and even predict new elements.</a:t>
             </a:r>
           </a:p>
         </p:txBody>
       </p:sp>
     </p:spTree>
+    <p:extLst>
+      <p:ext uri="{BB962C8B-B14F-4D97-AF65-F5344CB8AC3E}">
+        <p14:creationId xmlns:p14="http://schemas.microsoft.com/office/powerpoint/2010/main" val="3540949035"/>
+      </p:ext>
+    </p:extLst>
   </p:cSld>
   <p:clrMapOvr>
     <a:masterClrMapping/>
@@ -2255,14 +2336,14 @@
           </a:ln>
           <a:extLst>
             <a:ext uri="{909E8E84-426E-40dd-AFC4-6F175D3DCCD1}">
-              <a14:hiddenFill xmlns:a14="http://schemas.microsoft.com/office/drawing/2010/main" xmlns="">
+              <a14:hiddenFill xmlns="" xmlns:a14="http://schemas.microsoft.com/office/drawing/2010/main">
                 <a:solidFill>
                   <a:srgbClr val="FFFFFF"/>
                 </a:solidFill>
               </a14:hiddenFill>
             </a:ext>
             <a:ext uri="{FAA26D3D-D897-4be2-8F04-BA451C77F1D7}">
-              <ma14:placeholderFlag xmlns:ma14="http://schemas.microsoft.com/office/mac/drawingml/2011/main" xmlns="" val="1"/>
+              <ma14:placeholderFlag xmlns="" xmlns:ma14="http://schemas.microsoft.com/office/mac/drawingml/2011/main" val="1"/>
             </a:ext>
           </a:extLst>
         </p:spPr>
@@ -2281,14 +2362,14 @@
           <a:noFill/>
           <a:extLst>
             <a:ext uri="{909E8E84-426E-40dd-AFC4-6F175D3DCCD1}">
-              <a14:hiddenFill xmlns:a14="http://schemas.microsoft.com/office/drawing/2010/main" xmlns="">
+              <a14:hiddenFill xmlns="" xmlns:a14="http://schemas.microsoft.com/office/drawing/2010/main">
                 <a:solidFill>
                   <a:srgbClr val="FFFFFF"/>
                 </a:solidFill>
               </a14:hiddenFill>
             </a:ext>
             <a:ext uri="{91240B29-F687-4f45-9708-019B960494DF}">
-              <a14:hiddenLine xmlns:a14="http://schemas.microsoft.com/office/drawing/2010/main" xmlns="" w="9525">
+              <a14:hiddenLine xmlns="" xmlns:a14="http://schemas.microsoft.com/office/drawing/2010/main" w="9525">
                 <a:solidFill>
                   <a:srgbClr val="000000"/>
                 </a:solidFill>
@@ -2322,6 +2403,11 @@
         </p:txBody>
       </p:sp>
     </p:spTree>
+    <p:extLst>
+      <p:ext uri="{BB962C8B-B14F-4D97-AF65-F5344CB8AC3E}">
+        <p14:creationId xmlns:p14="http://schemas.microsoft.com/office/powerpoint/2010/main" val="3221621139"/>
+      </p:ext>
+    </p:extLst>
   </p:cSld>
   <p:clrMapOvr>
     <a:masterClrMapping/>
@@ -2330,345 +2416,6 @@
 </file>
 
 <file path=ppt/notesSlides/notesSlide16.xml><?xml version="1.0" encoding="utf-8"?>
-<p:notes xmlns:a="http://schemas.openxmlformats.org/drawingml/2006/main" xmlns:r="http://schemas.openxmlformats.org/officeDocument/2006/relationships" xmlns:p="http://schemas.openxmlformats.org/presentationml/2006/main">
-  <p:cSld>
-    <p:spTree>
-      <p:nvGrpSpPr>
-        <p:cNvPr id="1" name=""/>
-        <p:cNvGrpSpPr/>
-        <p:nvPr/>
-      </p:nvGrpSpPr>
-      <p:grpSpPr>
-        <a:xfrm>
-          <a:off x="0" y="0"/>
-          <a:ext cx="0" cy="0"/>
-          <a:chOff x="0" y="0"/>
-          <a:chExt cx="0" cy="0"/>
-        </a:xfrm>
-      </p:grpSpPr>
-      <p:sp>
-        <p:nvSpPr>
-          <p:cNvPr id="49153" name="Slide Image Placeholder 1"/>
-          <p:cNvSpPr>
-            <a:spLocks noGrp="1" noRot="1" noChangeAspect="1"/>
-          </p:cNvSpPr>
-          <p:nvPr>
-            <p:ph type="sldImg"/>
-          </p:nvPr>
-        </p:nvSpPr>
-        <p:spPr bwMode="auto">
-          <a:noFill/>
-          <a:ln>
-            <a:solidFill>
-              <a:srgbClr val="000000"/>
-            </a:solidFill>
-            <a:miter lim="800000"/>
-            <a:headEnd/>
-            <a:tailEnd/>
-          </a:ln>
-          <a:extLst>
-            <a:ext uri="{909E8E84-426E-40dd-AFC4-6F175D3DCCD1}">
-              <a14:hiddenFill xmlns:a14="http://schemas.microsoft.com/office/drawing/2010/main" xmlns="">
-                <a:solidFill>
-                  <a:srgbClr val="FFFFFF"/>
-                </a:solidFill>
-              </a14:hiddenFill>
-            </a:ext>
-            <a:ext uri="{FAA26D3D-D897-4be2-8F04-BA451C77F1D7}">
-              <ma14:placeholderFlag xmlns:ma14="http://schemas.microsoft.com/office/mac/drawingml/2011/main" xmlns="" val="1"/>
-            </a:ext>
-          </a:extLst>
-        </p:spPr>
-      </p:sp>
-      <p:sp>
-        <p:nvSpPr>
-          <p:cNvPr id="49154" name="Notes Placeholder 2"/>
-          <p:cNvSpPr>
-            <a:spLocks noGrp="1"/>
-          </p:cNvSpPr>
-          <p:nvPr>
-            <p:ph type="body" idx="1"/>
-          </p:nvPr>
-        </p:nvSpPr>
-        <p:spPr bwMode="auto">
-          <a:noFill/>
-          <a:extLst>
-            <a:ext uri="{909E8E84-426E-40dd-AFC4-6F175D3DCCD1}">
-              <a14:hiddenFill xmlns:a14="http://schemas.microsoft.com/office/drawing/2010/main" xmlns="">
-                <a:solidFill>
-                  <a:srgbClr val="FFFFFF"/>
-                </a:solidFill>
-              </a14:hiddenFill>
-            </a:ext>
-            <a:ext uri="{91240B29-F687-4f45-9708-019B960494DF}">
-              <a14:hiddenLine xmlns:a14="http://schemas.microsoft.com/office/drawing/2010/main" xmlns="" w="9525">
-                <a:solidFill>
-                  <a:srgbClr val="000000"/>
-                </a:solidFill>
-                <a:miter lim="800000"/>
-                <a:headEnd/>
-                <a:tailEnd/>
-              </a14:hiddenLine>
-            </a:ext>
-          </a:extLst>
-        </p:spPr>
-        <p:txBody>
-          <a:bodyPr wrap="square" numCol="1" anchor="t" anchorCtr="0" compatLnSpc="1">
-            <a:prstTxWarp prst="textNoShape">
-              <a:avLst/>
-            </a:prstTxWarp>
-          </a:bodyPr>
-          <a:lstStyle/>
-          <a:p>
-            <a:pPr>
-              <a:spcBef>
-                <a:spcPct val="0"/>
-              </a:spcBef>
-            </a:pPr>
-            <a:r>
-              <a:rPr lang="en-US">
-                <a:latin typeface="BentonSans Book" charset="0"/>
-              </a:rPr>
-              <a:t>Image &amp; Copy</a:t>
-            </a:r>
-          </a:p>
-        </p:txBody>
-      </p:sp>
-    </p:spTree>
-  </p:cSld>
-  <p:clrMapOvr>
-    <a:masterClrMapping/>
-  </p:clrMapOvr>
-</p:notes>
-</file>
-
-<file path=ppt/notesSlides/notesSlide17.xml><?xml version="1.0" encoding="utf-8"?>
-<p:notes xmlns:a="http://schemas.openxmlformats.org/drawingml/2006/main" xmlns:r="http://schemas.openxmlformats.org/officeDocument/2006/relationships" xmlns:p="http://schemas.openxmlformats.org/presentationml/2006/main">
-  <p:cSld>
-    <p:spTree>
-      <p:nvGrpSpPr>
-        <p:cNvPr id="1" name=""/>
-        <p:cNvGrpSpPr/>
-        <p:nvPr/>
-      </p:nvGrpSpPr>
-      <p:grpSpPr>
-        <a:xfrm>
-          <a:off x="0" y="0"/>
-          <a:ext cx="0" cy="0"/>
-          <a:chOff x="0" y="0"/>
-          <a:chExt cx="0" cy="0"/>
-        </a:xfrm>
-      </p:grpSpPr>
-      <p:sp>
-        <p:nvSpPr>
-          <p:cNvPr id="50177" name="Slide Image Placeholder 1"/>
-          <p:cNvSpPr>
-            <a:spLocks noGrp="1" noRot="1" noChangeAspect="1"/>
-          </p:cNvSpPr>
-          <p:nvPr>
-            <p:ph type="sldImg"/>
-          </p:nvPr>
-        </p:nvSpPr>
-        <p:spPr bwMode="auto">
-          <a:noFill/>
-          <a:ln>
-            <a:solidFill>
-              <a:srgbClr val="000000"/>
-            </a:solidFill>
-            <a:miter lim="800000"/>
-            <a:headEnd/>
-            <a:tailEnd/>
-          </a:ln>
-          <a:extLst>
-            <a:ext uri="{909E8E84-426E-40dd-AFC4-6F175D3DCCD1}">
-              <a14:hiddenFill xmlns:a14="http://schemas.microsoft.com/office/drawing/2010/main" xmlns="">
-                <a:solidFill>
-                  <a:srgbClr val="FFFFFF"/>
-                </a:solidFill>
-              </a14:hiddenFill>
-            </a:ext>
-            <a:ext uri="{FAA26D3D-D897-4be2-8F04-BA451C77F1D7}">
-              <ma14:placeholderFlag xmlns:ma14="http://schemas.microsoft.com/office/mac/drawingml/2011/main" xmlns="" val="1"/>
-            </a:ext>
-          </a:extLst>
-        </p:spPr>
-      </p:sp>
-      <p:sp>
-        <p:nvSpPr>
-          <p:cNvPr id="50178" name="Notes Placeholder 2"/>
-          <p:cNvSpPr>
-            <a:spLocks noGrp="1"/>
-          </p:cNvSpPr>
-          <p:nvPr>
-            <p:ph type="body" idx="1"/>
-          </p:nvPr>
-        </p:nvSpPr>
-        <p:spPr bwMode="auto">
-          <a:noFill/>
-          <a:extLst>
-            <a:ext uri="{909E8E84-426E-40dd-AFC4-6F175D3DCCD1}">
-              <a14:hiddenFill xmlns:a14="http://schemas.microsoft.com/office/drawing/2010/main" xmlns="">
-                <a:solidFill>
-                  <a:srgbClr val="FFFFFF"/>
-                </a:solidFill>
-              </a14:hiddenFill>
-            </a:ext>
-            <a:ext uri="{91240B29-F687-4f45-9708-019B960494DF}">
-              <a14:hiddenLine xmlns:a14="http://schemas.microsoft.com/office/drawing/2010/main" xmlns="" w="9525">
-                <a:solidFill>
-                  <a:srgbClr val="000000"/>
-                </a:solidFill>
-                <a:miter lim="800000"/>
-                <a:headEnd/>
-                <a:tailEnd/>
-              </a14:hiddenLine>
-            </a:ext>
-          </a:extLst>
-        </p:spPr>
-        <p:txBody>
-          <a:bodyPr wrap="square" numCol="1" anchor="t" anchorCtr="0" compatLnSpc="1">
-            <a:prstTxWarp prst="textNoShape">
-              <a:avLst/>
-            </a:prstTxWarp>
-          </a:bodyPr>
-          <a:lstStyle/>
-          <a:p>
-            <a:pPr>
-              <a:spcBef>
-                <a:spcPct val="0"/>
-              </a:spcBef>
-            </a:pPr>
-            <a:r>
-              <a:rPr lang="en-US">
-                <a:latin typeface="BentonSans Book" charset="0"/>
-              </a:rPr>
-              <a:t>Table</a:t>
-            </a:r>
-          </a:p>
-        </p:txBody>
-      </p:sp>
-    </p:spTree>
-  </p:cSld>
-  <p:clrMapOvr>
-    <a:masterClrMapping/>
-  </p:clrMapOvr>
-</p:notes>
-</file>
-
-<file path=ppt/notesSlides/notesSlide18.xml><?xml version="1.0" encoding="utf-8"?>
-<p:notes xmlns:a="http://schemas.openxmlformats.org/drawingml/2006/main" xmlns:r="http://schemas.openxmlformats.org/officeDocument/2006/relationships" xmlns:p="http://schemas.openxmlformats.org/presentationml/2006/main">
-  <p:cSld>
-    <p:spTree>
-      <p:nvGrpSpPr>
-        <p:cNvPr id="1" name=""/>
-        <p:cNvGrpSpPr/>
-        <p:nvPr/>
-      </p:nvGrpSpPr>
-      <p:grpSpPr>
-        <a:xfrm>
-          <a:off x="0" y="0"/>
-          <a:ext cx="0" cy="0"/>
-          <a:chOff x="0" y="0"/>
-          <a:chExt cx="0" cy="0"/>
-        </a:xfrm>
-      </p:grpSpPr>
-      <p:sp>
-        <p:nvSpPr>
-          <p:cNvPr id="51201" name="Slide Image Placeholder 1"/>
-          <p:cNvSpPr>
-            <a:spLocks noGrp="1" noRot="1" noChangeAspect="1"/>
-          </p:cNvSpPr>
-          <p:nvPr>
-            <p:ph type="sldImg"/>
-          </p:nvPr>
-        </p:nvSpPr>
-        <p:spPr bwMode="auto">
-          <a:noFill/>
-          <a:ln>
-            <a:solidFill>
-              <a:srgbClr val="000000"/>
-            </a:solidFill>
-            <a:miter lim="800000"/>
-            <a:headEnd/>
-            <a:tailEnd/>
-          </a:ln>
-          <a:extLst>
-            <a:ext uri="{909E8E84-426E-40dd-AFC4-6F175D3DCCD1}">
-              <a14:hiddenFill xmlns:a14="http://schemas.microsoft.com/office/drawing/2010/main" xmlns="">
-                <a:solidFill>
-                  <a:srgbClr val="FFFFFF"/>
-                </a:solidFill>
-              </a14:hiddenFill>
-            </a:ext>
-            <a:ext uri="{FAA26D3D-D897-4be2-8F04-BA451C77F1D7}">
-              <ma14:placeholderFlag xmlns:ma14="http://schemas.microsoft.com/office/mac/drawingml/2011/main" xmlns="" val="1"/>
-            </a:ext>
-          </a:extLst>
-        </p:spPr>
-      </p:sp>
-      <p:sp>
-        <p:nvSpPr>
-          <p:cNvPr id="51202" name="Notes Placeholder 2"/>
-          <p:cNvSpPr>
-            <a:spLocks noGrp="1"/>
-          </p:cNvSpPr>
-          <p:nvPr>
-            <p:ph type="body" idx="1"/>
-          </p:nvPr>
-        </p:nvSpPr>
-        <p:spPr bwMode="auto">
-          <a:noFill/>
-          <a:extLst>
-            <a:ext uri="{909E8E84-426E-40dd-AFC4-6F175D3DCCD1}">
-              <a14:hiddenFill xmlns:a14="http://schemas.microsoft.com/office/drawing/2010/main" xmlns="">
-                <a:solidFill>
-                  <a:srgbClr val="FFFFFF"/>
-                </a:solidFill>
-              </a14:hiddenFill>
-            </a:ext>
-            <a:ext uri="{91240B29-F687-4f45-9708-019B960494DF}">
-              <a14:hiddenLine xmlns:a14="http://schemas.microsoft.com/office/drawing/2010/main" xmlns="" w="9525">
-                <a:solidFill>
-                  <a:srgbClr val="000000"/>
-                </a:solidFill>
-                <a:miter lim="800000"/>
-                <a:headEnd/>
-                <a:tailEnd/>
-              </a14:hiddenLine>
-            </a:ext>
-          </a:extLst>
-        </p:spPr>
-        <p:txBody>
-          <a:bodyPr wrap="square" numCol="1" anchor="t" anchorCtr="0" compatLnSpc="1">
-            <a:prstTxWarp prst="textNoShape">
-              <a:avLst/>
-            </a:prstTxWarp>
-          </a:bodyPr>
-          <a:lstStyle/>
-          <a:p>
-            <a:pPr>
-              <a:spcBef>
-                <a:spcPct val="0"/>
-              </a:spcBef>
-            </a:pPr>
-            <a:r>
-              <a:rPr lang="en-US">
-                <a:latin typeface="BentonSans Book" charset="0"/>
-              </a:rPr>
-              <a:t>Full Page Image – No Color Bar</a:t>
-            </a:r>
-          </a:p>
-        </p:txBody>
-      </p:sp>
-    </p:spTree>
-  </p:cSld>
-  <p:clrMapOvr>
-    <a:masterClrMapping/>
-  </p:clrMapOvr>
-</p:notes>
-</file>
-
-<file path=ppt/notesSlides/notesSlide19.xml><?xml version="1.0" encoding="utf-8"?>
 <p:notes xmlns:a="http://schemas.openxmlformats.org/drawingml/2006/main" xmlns:r="http://schemas.openxmlformats.org/officeDocument/2006/relationships" xmlns:p="http://schemas.openxmlformats.org/presentationml/2006/main">
   <p:cSld>
     <p:spTree>
@@ -2707,14 +2454,14 @@
           </a:ln>
           <a:extLst>
             <a:ext uri="{909E8E84-426E-40dd-AFC4-6F175D3DCCD1}">
-              <a14:hiddenFill xmlns:a14="http://schemas.microsoft.com/office/drawing/2010/main" xmlns="">
+              <a14:hiddenFill xmlns="" xmlns:a14="http://schemas.microsoft.com/office/drawing/2010/main">
                 <a:solidFill>
                   <a:srgbClr val="FFFFFF"/>
                 </a:solidFill>
               </a14:hiddenFill>
             </a:ext>
             <a:ext uri="{FAA26D3D-D897-4be2-8F04-BA451C77F1D7}">
-              <ma14:placeholderFlag xmlns:ma14="http://schemas.microsoft.com/office/mac/drawingml/2011/main" xmlns="" val="1"/>
+              <ma14:placeholderFlag xmlns="" xmlns:ma14="http://schemas.microsoft.com/office/mac/drawingml/2011/main" val="1"/>
             </a:ext>
           </a:extLst>
         </p:spPr>
@@ -2733,14 +2480,14 @@
           <a:noFill/>
           <a:extLst>
             <a:ext uri="{909E8E84-426E-40dd-AFC4-6F175D3DCCD1}">
-              <a14:hiddenFill xmlns:a14="http://schemas.microsoft.com/office/drawing/2010/main" xmlns="">
+              <a14:hiddenFill xmlns="" xmlns:a14="http://schemas.microsoft.com/office/drawing/2010/main">
                 <a:solidFill>
                   <a:srgbClr val="FFFFFF"/>
                 </a:solidFill>
               </a14:hiddenFill>
             </a:ext>
             <a:ext uri="{91240B29-F687-4f45-9708-019B960494DF}">
-              <a14:hiddenLine xmlns:a14="http://schemas.microsoft.com/office/drawing/2010/main" xmlns="" w="9525">
+              <a14:hiddenLine xmlns="" xmlns:a14="http://schemas.microsoft.com/office/drawing/2010/main" w="9525">
                 <a:solidFill>
                   <a:srgbClr val="000000"/>
                 </a:solidFill>
@@ -2769,6 +2516,355 @@
                 <a:latin typeface="BentonSans Book" charset="0"/>
               </a:rPr>
               <a:t>Full Page Image w Color Bar</a:t>
+            </a:r>
+          </a:p>
+        </p:txBody>
+      </p:sp>
+    </p:spTree>
+    <p:extLst>
+      <p:ext uri="{BB962C8B-B14F-4D97-AF65-F5344CB8AC3E}">
+        <p14:creationId xmlns:p14="http://schemas.microsoft.com/office/powerpoint/2010/main" val="4182658893"/>
+      </p:ext>
+    </p:extLst>
+  </p:cSld>
+  <p:clrMapOvr>
+    <a:masterClrMapping/>
+  </p:clrMapOvr>
+</p:notes>
+</file>
+
+<file path=ppt/notesSlides/notesSlide17.xml><?xml version="1.0" encoding="utf-8"?>
+<p:notes xmlns:a="http://schemas.openxmlformats.org/drawingml/2006/main" xmlns:r="http://schemas.openxmlformats.org/officeDocument/2006/relationships" xmlns:p="http://schemas.openxmlformats.org/presentationml/2006/main">
+  <p:cSld>
+    <p:spTree>
+      <p:nvGrpSpPr>
+        <p:cNvPr id="1" name=""/>
+        <p:cNvGrpSpPr/>
+        <p:nvPr/>
+      </p:nvGrpSpPr>
+      <p:grpSpPr>
+        <a:xfrm>
+          <a:off x="0" y="0"/>
+          <a:ext cx="0" cy="0"/>
+          <a:chOff x="0" y="0"/>
+          <a:chExt cx="0" cy="0"/>
+        </a:xfrm>
+      </p:grpSpPr>
+      <p:sp>
+        <p:nvSpPr>
+          <p:cNvPr id="52225" name="Slide Image Placeholder 1"/>
+          <p:cNvSpPr>
+            <a:spLocks noGrp="1" noRot="1" noChangeAspect="1"/>
+          </p:cNvSpPr>
+          <p:nvPr>
+            <p:ph type="sldImg"/>
+          </p:nvPr>
+        </p:nvSpPr>
+        <p:spPr bwMode="auto">
+          <a:noFill/>
+          <a:ln>
+            <a:solidFill>
+              <a:srgbClr val="000000"/>
+            </a:solidFill>
+            <a:miter lim="800000"/>
+            <a:headEnd/>
+            <a:tailEnd/>
+          </a:ln>
+          <a:extLst>
+            <a:ext uri="{909E8E84-426E-40dd-AFC4-6F175D3DCCD1}">
+              <a14:hiddenFill xmlns="" xmlns:a14="http://schemas.microsoft.com/office/drawing/2010/main">
+                <a:solidFill>
+                  <a:srgbClr val="FFFFFF"/>
+                </a:solidFill>
+              </a14:hiddenFill>
+            </a:ext>
+            <a:ext uri="{FAA26D3D-D897-4be2-8F04-BA451C77F1D7}">
+              <ma14:placeholderFlag xmlns="" xmlns:ma14="http://schemas.microsoft.com/office/mac/drawingml/2011/main" val="1"/>
+            </a:ext>
+          </a:extLst>
+        </p:spPr>
+      </p:sp>
+      <p:sp>
+        <p:nvSpPr>
+          <p:cNvPr id="52226" name="Notes Placeholder 2"/>
+          <p:cNvSpPr>
+            <a:spLocks noGrp="1"/>
+          </p:cNvSpPr>
+          <p:nvPr>
+            <p:ph type="body" idx="1"/>
+          </p:nvPr>
+        </p:nvSpPr>
+        <p:spPr bwMode="auto">
+          <a:noFill/>
+          <a:extLst>
+            <a:ext uri="{909E8E84-426E-40dd-AFC4-6F175D3DCCD1}">
+              <a14:hiddenFill xmlns="" xmlns:a14="http://schemas.microsoft.com/office/drawing/2010/main">
+                <a:solidFill>
+                  <a:srgbClr val="FFFFFF"/>
+                </a:solidFill>
+              </a14:hiddenFill>
+            </a:ext>
+            <a:ext uri="{91240B29-F687-4f45-9708-019B960494DF}">
+              <a14:hiddenLine xmlns="" xmlns:a14="http://schemas.microsoft.com/office/drawing/2010/main" w="9525">
+                <a:solidFill>
+                  <a:srgbClr val="000000"/>
+                </a:solidFill>
+                <a:miter lim="800000"/>
+                <a:headEnd/>
+                <a:tailEnd/>
+              </a14:hiddenLine>
+            </a:ext>
+          </a:extLst>
+        </p:spPr>
+        <p:txBody>
+          <a:bodyPr wrap="square" numCol="1" anchor="t" anchorCtr="0" compatLnSpc="1">
+            <a:prstTxWarp prst="textNoShape">
+              <a:avLst/>
+            </a:prstTxWarp>
+          </a:bodyPr>
+          <a:lstStyle/>
+          <a:p>
+            <a:pPr>
+              <a:spcBef>
+                <a:spcPct val="0"/>
+              </a:spcBef>
+            </a:pPr>
+            <a:r>
+              <a:rPr lang="en-US">
+                <a:latin typeface="BentonSans Book" charset="0"/>
+              </a:rPr>
+              <a:t>Full Page Image w Color Bar</a:t>
+            </a:r>
+          </a:p>
+        </p:txBody>
+      </p:sp>
+    </p:spTree>
+    <p:extLst>
+      <p:ext uri="{BB962C8B-B14F-4D97-AF65-F5344CB8AC3E}">
+        <p14:creationId xmlns:p14="http://schemas.microsoft.com/office/powerpoint/2010/main" val="2121838283"/>
+      </p:ext>
+    </p:extLst>
+  </p:cSld>
+  <p:clrMapOvr>
+    <a:masterClrMapping/>
+  </p:clrMapOvr>
+</p:notes>
+</file>
+
+<file path=ppt/notesSlides/notesSlide18.xml><?xml version="1.0" encoding="utf-8"?>
+<p:notes xmlns:a="http://schemas.openxmlformats.org/drawingml/2006/main" xmlns:r="http://schemas.openxmlformats.org/officeDocument/2006/relationships" xmlns:p="http://schemas.openxmlformats.org/presentationml/2006/main">
+  <p:cSld>
+    <p:spTree>
+      <p:nvGrpSpPr>
+        <p:cNvPr id="1" name=""/>
+        <p:cNvGrpSpPr/>
+        <p:nvPr/>
+      </p:nvGrpSpPr>
+      <p:grpSpPr>
+        <a:xfrm>
+          <a:off x="0" y="0"/>
+          <a:ext cx="0" cy="0"/>
+          <a:chOff x="0" y="0"/>
+          <a:chExt cx="0" cy="0"/>
+        </a:xfrm>
+      </p:grpSpPr>
+      <p:sp>
+        <p:nvSpPr>
+          <p:cNvPr id="47105" name="Slide Image Placeholder 1"/>
+          <p:cNvSpPr>
+            <a:spLocks noGrp="1" noRot="1" noChangeAspect="1"/>
+          </p:cNvSpPr>
+          <p:nvPr>
+            <p:ph type="sldImg"/>
+          </p:nvPr>
+        </p:nvSpPr>
+        <p:spPr bwMode="auto">
+          <a:noFill/>
+          <a:ln>
+            <a:solidFill>
+              <a:srgbClr val="000000"/>
+            </a:solidFill>
+            <a:miter lim="800000"/>
+            <a:headEnd/>
+            <a:tailEnd/>
+          </a:ln>
+          <a:extLst>
+            <a:ext uri="{909E8E84-426E-40dd-AFC4-6F175D3DCCD1}">
+              <a14:hiddenFill xmlns="" xmlns:a14="http://schemas.microsoft.com/office/drawing/2010/main">
+                <a:solidFill>
+                  <a:srgbClr val="FFFFFF"/>
+                </a:solidFill>
+              </a14:hiddenFill>
+            </a:ext>
+            <a:ext uri="{FAA26D3D-D897-4be2-8F04-BA451C77F1D7}">
+              <ma14:placeholderFlag xmlns="" xmlns:ma14="http://schemas.microsoft.com/office/mac/drawingml/2011/main" val="1"/>
+            </a:ext>
+          </a:extLst>
+        </p:spPr>
+      </p:sp>
+      <p:sp>
+        <p:nvSpPr>
+          <p:cNvPr id="47106" name="Notes Placeholder 2"/>
+          <p:cNvSpPr>
+            <a:spLocks noGrp="1"/>
+          </p:cNvSpPr>
+          <p:nvPr>
+            <p:ph type="body" idx="1"/>
+          </p:nvPr>
+        </p:nvSpPr>
+        <p:spPr bwMode="auto">
+          <a:noFill/>
+          <a:extLst>
+            <a:ext uri="{909E8E84-426E-40dd-AFC4-6F175D3DCCD1}">
+              <a14:hiddenFill xmlns="" xmlns:a14="http://schemas.microsoft.com/office/drawing/2010/main">
+                <a:solidFill>
+                  <a:srgbClr val="FFFFFF"/>
+                </a:solidFill>
+              </a14:hiddenFill>
+            </a:ext>
+            <a:ext uri="{91240B29-F687-4f45-9708-019B960494DF}">
+              <a14:hiddenLine xmlns="" xmlns:a14="http://schemas.microsoft.com/office/drawing/2010/main" w="9525">
+                <a:solidFill>
+                  <a:srgbClr val="000000"/>
+                </a:solidFill>
+                <a:miter lim="800000"/>
+                <a:headEnd/>
+                <a:tailEnd/>
+              </a14:hiddenLine>
+            </a:ext>
+          </a:extLst>
+        </p:spPr>
+        <p:txBody>
+          <a:bodyPr wrap="square" numCol="1" anchor="t" anchorCtr="0" compatLnSpc="1">
+            <a:prstTxWarp prst="textNoShape">
+              <a:avLst/>
+            </a:prstTxWarp>
+          </a:bodyPr>
+          <a:lstStyle/>
+          <a:p>
+            <a:pPr>
+              <a:spcBef>
+                <a:spcPct val="0"/>
+              </a:spcBef>
+            </a:pPr>
+            <a:r>
+              <a:rPr lang="en-US">
+                <a:latin typeface="BentonSans Book" charset="0"/>
+              </a:rPr>
+              <a:t>Bulleted Copy – 2 Column</a:t>
+            </a:r>
+          </a:p>
+        </p:txBody>
+      </p:sp>
+    </p:spTree>
+  </p:cSld>
+  <p:clrMapOvr>
+    <a:masterClrMapping/>
+  </p:clrMapOvr>
+</p:notes>
+</file>
+
+<file path=ppt/notesSlides/notesSlide19.xml><?xml version="1.0" encoding="utf-8"?>
+<p:notes xmlns:a="http://schemas.openxmlformats.org/drawingml/2006/main" xmlns:r="http://schemas.openxmlformats.org/officeDocument/2006/relationships" xmlns:p="http://schemas.openxmlformats.org/presentationml/2006/main">
+  <p:cSld>
+    <p:spTree>
+      <p:nvGrpSpPr>
+        <p:cNvPr id="1" name=""/>
+        <p:cNvGrpSpPr/>
+        <p:nvPr/>
+      </p:nvGrpSpPr>
+      <p:grpSpPr>
+        <a:xfrm>
+          <a:off x="0" y="0"/>
+          <a:ext cx="0" cy="0"/>
+          <a:chOff x="0" y="0"/>
+          <a:chExt cx="0" cy="0"/>
+        </a:xfrm>
+      </p:grpSpPr>
+      <p:sp>
+        <p:nvSpPr>
+          <p:cNvPr id="48129" name="Slide Image Placeholder 1"/>
+          <p:cNvSpPr>
+            <a:spLocks noGrp="1" noRot="1" noChangeAspect="1"/>
+          </p:cNvSpPr>
+          <p:nvPr>
+            <p:ph type="sldImg"/>
+          </p:nvPr>
+        </p:nvSpPr>
+        <p:spPr bwMode="auto">
+          <a:noFill/>
+          <a:ln>
+            <a:solidFill>
+              <a:srgbClr val="000000"/>
+            </a:solidFill>
+            <a:miter lim="800000"/>
+            <a:headEnd/>
+            <a:tailEnd/>
+          </a:ln>
+          <a:extLst>
+            <a:ext uri="{909E8E84-426E-40dd-AFC4-6F175D3DCCD1}">
+              <a14:hiddenFill xmlns="" xmlns:a14="http://schemas.microsoft.com/office/drawing/2010/main">
+                <a:solidFill>
+                  <a:srgbClr val="FFFFFF"/>
+                </a:solidFill>
+              </a14:hiddenFill>
+            </a:ext>
+            <a:ext uri="{FAA26D3D-D897-4be2-8F04-BA451C77F1D7}">
+              <ma14:placeholderFlag xmlns="" xmlns:ma14="http://schemas.microsoft.com/office/mac/drawingml/2011/main" val="1"/>
+            </a:ext>
+          </a:extLst>
+        </p:spPr>
+      </p:sp>
+      <p:sp>
+        <p:nvSpPr>
+          <p:cNvPr id="48130" name="Notes Placeholder 2"/>
+          <p:cNvSpPr>
+            <a:spLocks noGrp="1"/>
+          </p:cNvSpPr>
+          <p:nvPr>
+            <p:ph type="body" idx="1"/>
+          </p:nvPr>
+        </p:nvSpPr>
+        <p:spPr bwMode="auto">
+          <a:noFill/>
+          <a:extLst>
+            <a:ext uri="{909E8E84-426E-40dd-AFC4-6F175D3DCCD1}">
+              <a14:hiddenFill xmlns="" xmlns:a14="http://schemas.microsoft.com/office/drawing/2010/main">
+                <a:solidFill>
+                  <a:srgbClr val="FFFFFF"/>
+                </a:solidFill>
+              </a14:hiddenFill>
+            </a:ext>
+            <a:ext uri="{91240B29-F687-4f45-9708-019B960494DF}">
+              <a14:hiddenLine xmlns="" xmlns:a14="http://schemas.microsoft.com/office/drawing/2010/main" w="9525">
+                <a:solidFill>
+                  <a:srgbClr val="000000"/>
+                </a:solidFill>
+                <a:miter lim="800000"/>
+                <a:headEnd/>
+                <a:tailEnd/>
+              </a14:hiddenLine>
+            </a:ext>
+          </a:extLst>
+        </p:spPr>
+        <p:txBody>
+          <a:bodyPr wrap="square" numCol="1" anchor="t" anchorCtr="0" compatLnSpc="1">
+            <a:prstTxWarp prst="textNoShape">
+              <a:avLst/>
+            </a:prstTxWarp>
+          </a:bodyPr>
+          <a:lstStyle/>
+          <a:p>
+            <a:pPr>
+              <a:spcBef>
+                <a:spcPct val="0"/>
+              </a:spcBef>
+            </a:pPr>
+            <a:r>
+              <a:rPr lang="en-US">
+                <a:latin typeface="BentonSans Book" charset="0"/>
+              </a:rPr>
+              <a:t>Quote</a:t>
             </a:r>
           </a:p>
         </p:txBody>
@@ -2820,14 +2916,14 @@
           </a:ln>
           <a:extLst>
             <a:ext uri="{909E8E84-426E-40dd-AFC4-6F175D3DCCD1}">
-              <a14:hiddenFill xmlns:a14="http://schemas.microsoft.com/office/drawing/2010/main" xmlns="">
+              <a14:hiddenFill xmlns="" xmlns:a14="http://schemas.microsoft.com/office/drawing/2010/main">
                 <a:solidFill>
                   <a:srgbClr val="FFFFFF"/>
                 </a:solidFill>
               </a14:hiddenFill>
             </a:ext>
             <a:ext uri="{FAA26D3D-D897-4be2-8F04-BA451C77F1D7}">
-              <ma14:placeholderFlag xmlns:ma14="http://schemas.microsoft.com/office/mac/drawingml/2011/main" xmlns="" val="1"/>
+              <ma14:placeholderFlag xmlns="" xmlns:ma14="http://schemas.microsoft.com/office/mac/drawingml/2011/main" val="1"/>
             </a:ext>
           </a:extLst>
         </p:spPr>
@@ -2846,14 +2942,14 @@
           <a:noFill/>
           <a:extLst>
             <a:ext uri="{909E8E84-426E-40dd-AFC4-6F175D3DCCD1}">
-              <a14:hiddenFill xmlns:a14="http://schemas.microsoft.com/office/drawing/2010/main" xmlns="">
+              <a14:hiddenFill xmlns="" xmlns:a14="http://schemas.microsoft.com/office/drawing/2010/main">
                 <a:solidFill>
                   <a:srgbClr val="FFFFFF"/>
                 </a:solidFill>
               </a14:hiddenFill>
             </a:ext>
             <a:ext uri="{91240B29-F687-4f45-9708-019B960494DF}">
-              <a14:hiddenLine xmlns:a14="http://schemas.microsoft.com/office/drawing/2010/main" xmlns="" w="9525">
+              <a14:hiddenLine xmlns="" xmlns:a14="http://schemas.microsoft.com/office/drawing/2010/main" w="9525">
                 <a:solidFill>
                   <a:srgbClr val="000000"/>
                 </a:solidFill>
@@ -2913,6 +3009,458 @@
       </p:grpSpPr>
       <p:sp>
         <p:nvSpPr>
+          <p:cNvPr id="49153" name="Slide Image Placeholder 1"/>
+          <p:cNvSpPr>
+            <a:spLocks noGrp="1" noRot="1" noChangeAspect="1"/>
+          </p:cNvSpPr>
+          <p:nvPr>
+            <p:ph type="sldImg"/>
+          </p:nvPr>
+        </p:nvSpPr>
+        <p:spPr bwMode="auto">
+          <a:noFill/>
+          <a:ln>
+            <a:solidFill>
+              <a:srgbClr val="000000"/>
+            </a:solidFill>
+            <a:miter lim="800000"/>
+            <a:headEnd/>
+            <a:tailEnd/>
+          </a:ln>
+          <a:extLst>
+            <a:ext uri="{909E8E84-426E-40dd-AFC4-6F175D3DCCD1}">
+              <a14:hiddenFill xmlns="" xmlns:a14="http://schemas.microsoft.com/office/drawing/2010/main">
+                <a:solidFill>
+                  <a:srgbClr val="FFFFFF"/>
+                </a:solidFill>
+              </a14:hiddenFill>
+            </a:ext>
+            <a:ext uri="{FAA26D3D-D897-4be2-8F04-BA451C77F1D7}">
+              <ma14:placeholderFlag xmlns="" xmlns:ma14="http://schemas.microsoft.com/office/mac/drawingml/2011/main" val="1"/>
+            </a:ext>
+          </a:extLst>
+        </p:spPr>
+      </p:sp>
+      <p:sp>
+        <p:nvSpPr>
+          <p:cNvPr id="49154" name="Notes Placeholder 2"/>
+          <p:cNvSpPr>
+            <a:spLocks noGrp="1"/>
+          </p:cNvSpPr>
+          <p:nvPr>
+            <p:ph type="body" idx="1"/>
+          </p:nvPr>
+        </p:nvSpPr>
+        <p:spPr bwMode="auto">
+          <a:noFill/>
+          <a:extLst>
+            <a:ext uri="{909E8E84-426E-40dd-AFC4-6F175D3DCCD1}">
+              <a14:hiddenFill xmlns="" xmlns:a14="http://schemas.microsoft.com/office/drawing/2010/main">
+                <a:solidFill>
+                  <a:srgbClr val="FFFFFF"/>
+                </a:solidFill>
+              </a14:hiddenFill>
+            </a:ext>
+            <a:ext uri="{91240B29-F687-4f45-9708-019B960494DF}">
+              <a14:hiddenLine xmlns="" xmlns:a14="http://schemas.microsoft.com/office/drawing/2010/main" w="9525">
+                <a:solidFill>
+                  <a:srgbClr val="000000"/>
+                </a:solidFill>
+                <a:miter lim="800000"/>
+                <a:headEnd/>
+                <a:tailEnd/>
+              </a14:hiddenLine>
+            </a:ext>
+          </a:extLst>
+        </p:spPr>
+        <p:txBody>
+          <a:bodyPr wrap="square" numCol="1" anchor="t" anchorCtr="0" compatLnSpc="1">
+            <a:prstTxWarp prst="textNoShape">
+              <a:avLst/>
+            </a:prstTxWarp>
+          </a:bodyPr>
+          <a:lstStyle/>
+          <a:p>
+            <a:pPr>
+              <a:spcBef>
+                <a:spcPct val="0"/>
+              </a:spcBef>
+            </a:pPr>
+            <a:r>
+              <a:rPr lang="en-US">
+                <a:latin typeface="BentonSans Book" charset="0"/>
+              </a:rPr>
+              <a:t>Image &amp; Copy</a:t>
+            </a:r>
+          </a:p>
+        </p:txBody>
+      </p:sp>
+    </p:spTree>
+  </p:cSld>
+  <p:clrMapOvr>
+    <a:masterClrMapping/>
+  </p:clrMapOvr>
+</p:notes>
+</file>
+
+<file path=ppt/notesSlides/notesSlide21.xml><?xml version="1.0" encoding="utf-8"?>
+<p:notes xmlns:a="http://schemas.openxmlformats.org/drawingml/2006/main" xmlns:r="http://schemas.openxmlformats.org/officeDocument/2006/relationships" xmlns:p="http://schemas.openxmlformats.org/presentationml/2006/main">
+  <p:cSld>
+    <p:spTree>
+      <p:nvGrpSpPr>
+        <p:cNvPr id="1" name=""/>
+        <p:cNvGrpSpPr/>
+        <p:nvPr/>
+      </p:nvGrpSpPr>
+      <p:grpSpPr>
+        <a:xfrm>
+          <a:off x="0" y="0"/>
+          <a:ext cx="0" cy="0"/>
+          <a:chOff x="0" y="0"/>
+          <a:chExt cx="0" cy="0"/>
+        </a:xfrm>
+      </p:grpSpPr>
+      <p:sp>
+        <p:nvSpPr>
+          <p:cNvPr id="50177" name="Slide Image Placeholder 1"/>
+          <p:cNvSpPr>
+            <a:spLocks noGrp="1" noRot="1" noChangeAspect="1"/>
+          </p:cNvSpPr>
+          <p:nvPr>
+            <p:ph type="sldImg"/>
+          </p:nvPr>
+        </p:nvSpPr>
+        <p:spPr bwMode="auto">
+          <a:noFill/>
+          <a:ln>
+            <a:solidFill>
+              <a:srgbClr val="000000"/>
+            </a:solidFill>
+            <a:miter lim="800000"/>
+            <a:headEnd/>
+            <a:tailEnd/>
+          </a:ln>
+          <a:extLst>
+            <a:ext uri="{909E8E84-426E-40dd-AFC4-6F175D3DCCD1}">
+              <a14:hiddenFill xmlns="" xmlns:a14="http://schemas.microsoft.com/office/drawing/2010/main">
+                <a:solidFill>
+                  <a:srgbClr val="FFFFFF"/>
+                </a:solidFill>
+              </a14:hiddenFill>
+            </a:ext>
+            <a:ext uri="{FAA26D3D-D897-4be2-8F04-BA451C77F1D7}">
+              <ma14:placeholderFlag xmlns="" xmlns:ma14="http://schemas.microsoft.com/office/mac/drawingml/2011/main" val="1"/>
+            </a:ext>
+          </a:extLst>
+        </p:spPr>
+      </p:sp>
+      <p:sp>
+        <p:nvSpPr>
+          <p:cNvPr id="50178" name="Notes Placeholder 2"/>
+          <p:cNvSpPr>
+            <a:spLocks noGrp="1"/>
+          </p:cNvSpPr>
+          <p:nvPr>
+            <p:ph type="body" idx="1"/>
+          </p:nvPr>
+        </p:nvSpPr>
+        <p:spPr bwMode="auto">
+          <a:noFill/>
+          <a:extLst>
+            <a:ext uri="{909E8E84-426E-40dd-AFC4-6F175D3DCCD1}">
+              <a14:hiddenFill xmlns="" xmlns:a14="http://schemas.microsoft.com/office/drawing/2010/main">
+                <a:solidFill>
+                  <a:srgbClr val="FFFFFF"/>
+                </a:solidFill>
+              </a14:hiddenFill>
+            </a:ext>
+            <a:ext uri="{91240B29-F687-4f45-9708-019B960494DF}">
+              <a14:hiddenLine xmlns="" xmlns:a14="http://schemas.microsoft.com/office/drawing/2010/main" w="9525">
+                <a:solidFill>
+                  <a:srgbClr val="000000"/>
+                </a:solidFill>
+                <a:miter lim="800000"/>
+                <a:headEnd/>
+                <a:tailEnd/>
+              </a14:hiddenLine>
+            </a:ext>
+          </a:extLst>
+        </p:spPr>
+        <p:txBody>
+          <a:bodyPr wrap="square" numCol="1" anchor="t" anchorCtr="0" compatLnSpc="1">
+            <a:prstTxWarp prst="textNoShape">
+              <a:avLst/>
+            </a:prstTxWarp>
+          </a:bodyPr>
+          <a:lstStyle/>
+          <a:p>
+            <a:pPr>
+              <a:spcBef>
+                <a:spcPct val="0"/>
+              </a:spcBef>
+            </a:pPr>
+            <a:r>
+              <a:rPr lang="en-US">
+                <a:latin typeface="BentonSans Book" charset="0"/>
+              </a:rPr>
+              <a:t>Table</a:t>
+            </a:r>
+          </a:p>
+        </p:txBody>
+      </p:sp>
+    </p:spTree>
+  </p:cSld>
+  <p:clrMapOvr>
+    <a:masterClrMapping/>
+  </p:clrMapOvr>
+</p:notes>
+</file>
+
+<file path=ppt/notesSlides/notesSlide22.xml><?xml version="1.0" encoding="utf-8"?>
+<p:notes xmlns:a="http://schemas.openxmlformats.org/drawingml/2006/main" xmlns:r="http://schemas.openxmlformats.org/officeDocument/2006/relationships" xmlns:p="http://schemas.openxmlformats.org/presentationml/2006/main">
+  <p:cSld>
+    <p:spTree>
+      <p:nvGrpSpPr>
+        <p:cNvPr id="1" name=""/>
+        <p:cNvGrpSpPr/>
+        <p:nvPr/>
+      </p:nvGrpSpPr>
+      <p:grpSpPr>
+        <a:xfrm>
+          <a:off x="0" y="0"/>
+          <a:ext cx="0" cy="0"/>
+          <a:chOff x="0" y="0"/>
+          <a:chExt cx="0" cy="0"/>
+        </a:xfrm>
+      </p:grpSpPr>
+      <p:sp>
+        <p:nvSpPr>
+          <p:cNvPr id="51201" name="Slide Image Placeholder 1"/>
+          <p:cNvSpPr>
+            <a:spLocks noGrp="1" noRot="1" noChangeAspect="1"/>
+          </p:cNvSpPr>
+          <p:nvPr>
+            <p:ph type="sldImg"/>
+          </p:nvPr>
+        </p:nvSpPr>
+        <p:spPr bwMode="auto">
+          <a:noFill/>
+          <a:ln>
+            <a:solidFill>
+              <a:srgbClr val="000000"/>
+            </a:solidFill>
+            <a:miter lim="800000"/>
+            <a:headEnd/>
+            <a:tailEnd/>
+          </a:ln>
+          <a:extLst>
+            <a:ext uri="{909E8E84-426E-40dd-AFC4-6F175D3DCCD1}">
+              <a14:hiddenFill xmlns="" xmlns:a14="http://schemas.microsoft.com/office/drawing/2010/main">
+                <a:solidFill>
+                  <a:srgbClr val="FFFFFF"/>
+                </a:solidFill>
+              </a14:hiddenFill>
+            </a:ext>
+            <a:ext uri="{FAA26D3D-D897-4be2-8F04-BA451C77F1D7}">
+              <ma14:placeholderFlag xmlns="" xmlns:ma14="http://schemas.microsoft.com/office/mac/drawingml/2011/main" val="1"/>
+            </a:ext>
+          </a:extLst>
+        </p:spPr>
+      </p:sp>
+      <p:sp>
+        <p:nvSpPr>
+          <p:cNvPr id="51202" name="Notes Placeholder 2"/>
+          <p:cNvSpPr>
+            <a:spLocks noGrp="1"/>
+          </p:cNvSpPr>
+          <p:nvPr>
+            <p:ph type="body" idx="1"/>
+          </p:nvPr>
+        </p:nvSpPr>
+        <p:spPr bwMode="auto">
+          <a:noFill/>
+          <a:extLst>
+            <a:ext uri="{909E8E84-426E-40dd-AFC4-6F175D3DCCD1}">
+              <a14:hiddenFill xmlns="" xmlns:a14="http://schemas.microsoft.com/office/drawing/2010/main">
+                <a:solidFill>
+                  <a:srgbClr val="FFFFFF"/>
+                </a:solidFill>
+              </a14:hiddenFill>
+            </a:ext>
+            <a:ext uri="{91240B29-F687-4f45-9708-019B960494DF}">
+              <a14:hiddenLine xmlns="" xmlns:a14="http://schemas.microsoft.com/office/drawing/2010/main" w="9525">
+                <a:solidFill>
+                  <a:srgbClr val="000000"/>
+                </a:solidFill>
+                <a:miter lim="800000"/>
+                <a:headEnd/>
+                <a:tailEnd/>
+              </a14:hiddenLine>
+            </a:ext>
+          </a:extLst>
+        </p:spPr>
+        <p:txBody>
+          <a:bodyPr wrap="square" numCol="1" anchor="t" anchorCtr="0" compatLnSpc="1">
+            <a:prstTxWarp prst="textNoShape">
+              <a:avLst/>
+            </a:prstTxWarp>
+          </a:bodyPr>
+          <a:lstStyle/>
+          <a:p>
+            <a:pPr>
+              <a:spcBef>
+                <a:spcPct val="0"/>
+              </a:spcBef>
+            </a:pPr>
+            <a:r>
+              <a:rPr lang="en-US">
+                <a:latin typeface="BentonSans Book" charset="0"/>
+              </a:rPr>
+              <a:t>Full Page Image – No Color Bar</a:t>
+            </a:r>
+          </a:p>
+        </p:txBody>
+      </p:sp>
+    </p:spTree>
+  </p:cSld>
+  <p:clrMapOvr>
+    <a:masterClrMapping/>
+  </p:clrMapOvr>
+</p:notes>
+</file>
+
+<file path=ppt/notesSlides/notesSlide23.xml><?xml version="1.0" encoding="utf-8"?>
+<p:notes xmlns:a="http://schemas.openxmlformats.org/drawingml/2006/main" xmlns:r="http://schemas.openxmlformats.org/officeDocument/2006/relationships" xmlns:p="http://schemas.openxmlformats.org/presentationml/2006/main">
+  <p:cSld>
+    <p:spTree>
+      <p:nvGrpSpPr>
+        <p:cNvPr id="1" name=""/>
+        <p:cNvGrpSpPr/>
+        <p:nvPr/>
+      </p:nvGrpSpPr>
+      <p:grpSpPr>
+        <a:xfrm>
+          <a:off x="0" y="0"/>
+          <a:ext cx="0" cy="0"/>
+          <a:chOff x="0" y="0"/>
+          <a:chExt cx="0" cy="0"/>
+        </a:xfrm>
+      </p:grpSpPr>
+      <p:sp>
+        <p:nvSpPr>
+          <p:cNvPr id="52225" name="Slide Image Placeholder 1"/>
+          <p:cNvSpPr>
+            <a:spLocks noGrp="1" noRot="1" noChangeAspect="1"/>
+          </p:cNvSpPr>
+          <p:nvPr>
+            <p:ph type="sldImg"/>
+          </p:nvPr>
+        </p:nvSpPr>
+        <p:spPr bwMode="auto">
+          <a:noFill/>
+          <a:ln>
+            <a:solidFill>
+              <a:srgbClr val="000000"/>
+            </a:solidFill>
+            <a:miter lim="800000"/>
+            <a:headEnd/>
+            <a:tailEnd/>
+          </a:ln>
+          <a:extLst>
+            <a:ext uri="{909E8E84-426E-40dd-AFC4-6F175D3DCCD1}">
+              <a14:hiddenFill xmlns="" xmlns:a14="http://schemas.microsoft.com/office/drawing/2010/main">
+                <a:solidFill>
+                  <a:srgbClr val="FFFFFF"/>
+                </a:solidFill>
+              </a14:hiddenFill>
+            </a:ext>
+            <a:ext uri="{FAA26D3D-D897-4be2-8F04-BA451C77F1D7}">
+              <ma14:placeholderFlag xmlns="" xmlns:ma14="http://schemas.microsoft.com/office/mac/drawingml/2011/main" val="1"/>
+            </a:ext>
+          </a:extLst>
+        </p:spPr>
+      </p:sp>
+      <p:sp>
+        <p:nvSpPr>
+          <p:cNvPr id="52226" name="Notes Placeholder 2"/>
+          <p:cNvSpPr>
+            <a:spLocks noGrp="1"/>
+          </p:cNvSpPr>
+          <p:nvPr>
+            <p:ph type="body" idx="1"/>
+          </p:nvPr>
+        </p:nvSpPr>
+        <p:spPr bwMode="auto">
+          <a:noFill/>
+          <a:extLst>
+            <a:ext uri="{909E8E84-426E-40dd-AFC4-6F175D3DCCD1}">
+              <a14:hiddenFill xmlns="" xmlns:a14="http://schemas.microsoft.com/office/drawing/2010/main">
+                <a:solidFill>
+                  <a:srgbClr val="FFFFFF"/>
+                </a:solidFill>
+              </a14:hiddenFill>
+            </a:ext>
+            <a:ext uri="{91240B29-F687-4f45-9708-019B960494DF}">
+              <a14:hiddenLine xmlns="" xmlns:a14="http://schemas.microsoft.com/office/drawing/2010/main" w="9525">
+                <a:solidFill>
+                  <a:srgbClr val="000000"/>
+                </a:solidFill>
+                <a:miter lim="800000"/>
+                <a:headEnd/>
+                <a:tailEnd/>
+              </a14:hiddenLine>
+            </a:ext>
+          </a:extLst>
+        </p:spPr>
+        <p:txBody>
+          <a:bodyPr wrap="square" numCol="1" anchor="t" anchorCtr="0" compatLnSpc="1">
+            <a:prstTxWarp prst="textNoShape">
+              <a:avLst/>
+            </a:prstTxWarp>
+          </a:bodyPr>
+          <a:lstStyle/>
+          <a:p>
+            <a:pPr>
+              <a:spcBef>
+                <a:spcPct val="0"/>
+              </a:spcBef>
+            </a:pPr>
+            <a:r>
+              <a:rPr lang="en-US">
+                <a:latin typeface="BentonSans Book" charset="0"/>
+              </a:rPr>
+              <a:t>Full Page Image w Color Bar</a:t>
+            </a:r>
+          </a:p>
+        </p:txBody>
+      </p:sp>
+    </p:spTree>
+  </p:cSld>
+  <p:clrMapOvr>
+    <a:masterClrMapping/>
+  </p:clrMapOvr>
+</p:notes>
+</file>
+
+<file path=ppt/notesSlides/notesSlide24.xml><?xml version="1.0" encoding="utf-8"?>
+<p:notes xmlns:a="http://schemas.openxmlformats.org/drawingml/2006/main" xmlns:r="http://schemas.openxmlformats.org/officeDocument/2006/relationships" xmlns:p="http://schemas.openxmlformats.org/presentationml/2006/main">
+  <p:cSld>
+    <p:spTree>
+      <p:nvGrpSpPr>
+        <p:cNvPr id="1" name=""/>
+        <p:cNvGrpSpPr/>
+        <p:nvPr/>
+      </p:nvGrpSpPr>
+      <p:grpSpPr>
+        <a:xfrm>
+          <a:off x="0" y="0"/>
+          <a:ext cx="0" cy="0"/>
+          <a:chOff x="0" y="0"/>
+          <a:chExt cx="0" cy="0"/>
+        </a:xfrm>
+      </p:grpSpPr>
+      <p:sp>
+        <p:nvSpPr>
           <p:cNvPr id="53249" name="Slide Image Placeholder 1"/>
           <p:cNvSpPr>
             <a:spLocks noGrp="1" noRot="1" noChangeAspect="1"/>
@@ -2933,14 +3481,14 @@
           </a:ln>
           <a:extLst>
             <a:ext uri="{909E8E84-426E-40dd-AFC4-6F175D3DCCD1}">
-              <a14:hiddenFill xmlns:a14="http://schemas.microsoft.com/office/drawing/2010/main" xmlns="">
+              <a14:hiddenFill xmlns="" xmlns:a14="http://schemas.microsoft.com/office/drawing/2010/main">
                 <a:solidFill>
                   <a:srgbClr val="FFFFFF"/>
                 </a:solidFill>
               </a14:hiddenFill>
             </a:ext>
             <a:ext uri="{FAA26D3D-D897-4be2-8F04-BA451C77F1D7}">
-              <ma14:placeholderFlag xmlns:ma14="http://schemas.microsoft.com/office/mac/drawingml/2011/main" xmlns="" val="1"/>
+              <ma14:placeholderFlag xmlns="" xmlns:ma14="http://schemas.microsoft.com/office/mac/drawingml/2011/main" val="1"/>
             </a:ext>
           </a:extLst>
         </p:spPr>
@@ -2959,14 +3507,14 @@
           <a:noFill/>
           <a:extLst>
             <a:ext uri="{909E8E84-426E-40dd-AFC4-6F175D3DCCD1}">
-              <a14:hiddenFill xmlns:a14="http://schemas.microsoft.com/office/drawing/2010/main" xmlns="">
+              <a14:hiddenFill xmlns="" xmlns:a14="http://schemas.microsoft.com/office/drawing/2010/main">
                 <a:solidFill>
                   <a:srgbClr val="FFFFFF"/>
                 </a:solidFill>
               </a14:hiddenFill>
             </a:ext>
             <a:ext uri="{91240B29-F687-4f45-9708-019B960494DF}">
-              <a14:hiddenLine xmlns:a14="http://schemas.microsoft.com/office/drawing/2010/main" xmlns="" w="9525">
+              <a14:hiddenLine xmlns="" xmlns:a14="http://schemas.microsoft.com/office/drawing/2010/main" w="9525">
                 <a:solidFill>
                   <a:srgbClr val="000000"/>
                 </a:solidFill>
@@ -2976,7 +3524,7 @@
               </a14:hiddenLine>
             </a:ext>
             <a:ext uri="{FAA26D3D-D897-4be2-8F04-BA451C77F1D7}">
-              <ma14:placeholderFlag xmlns:ma14="http://schemas.microsoft.com/office/mac/drawingml/2011/main" xmlns="" val="1"/>
+              <ma14:placeholderFlag xmlns="" xmlns:ma14="http://schemas.microsoft.com/office/mac/drawingml/2011/main" val="1"/>
             </a:ext>
           </a:extLst>
         </p:spPr>
@@ -3013,14 +3561,14 @@
           <a:noFill/>
           <a:extLst>
             <a:ext uri="{909E8E84-426E-40dd-AFC4-6F175D3DCCD1}">
-              <a14:hiddenFill xmlns:a14="http://schemas.microsoft.com/office/drawing/2010/main" xmlns="">
+              <a14:hiddenFill xmlns="" xmlns:a14="http://schemas.microsoft.com/office/drawing/2010/main">
                 <a:solidFill>
                   <a:srgbClr val="FFFFFF"/>
                 </a:solidFill>
               </a14:hiddenFill>
             </a:ext>
             <a:ext uri="{91240B29-F687-4f45-9708-019B960494DF}">
-              <a14:hiddenLine xmlns:a14="http://schemas.microsoft.com/office/drawing/2010/main" xmlns="" w="9525">
+              <a14:hiddenLine xmlns="" xmlns:a14="http://schemas.microsoft.com/office/drawing/2010/main" w="9525">
                 <a:solidFill>
                   <a:srgbClr val="000000"/>
                 </a:solidFill>
@@ -3166,7 +3714,7 @@
                   <a:spcPct val="0"/>
                 </a:spcAft>
               </a:pPr>
-              <a:t>5/25/2019</a:t>
+              <a:t>5/26/2019</a:t>
             </a:fld>
             <a:endParaRPr lang="en-US" sz="1200">
               <a:latin typeface="BentonSans Book" charset="0"/>
@@ -3220,7 +3768,7 @@
 </p:notes>
 </file>
 
-<file path=ppt/notesSlides/notesSlide21.xml><?xml version="1.0" encoding="utf-8"?>
+<file path=ppt/notesSlides/notesSlide25.xml><?xml version="1.0" encoding="utf-8"?>
 <p:notes xmlns:a="http://schemas.openxmlformats.org/drawingml/2006/main" xmlns:r="http://schemas.openxmlformats.org/officeDocument/2006/relationships" xmlns:p="http://schemas.openxmlformats.org/presentationml/2006/main">
   <p:cSld>
     <p:spTree>
@@ -3259,14 +3807,14 @@
           </a:ln>
           <a:extLst>
             <a:ext uri="{909E8E84-426E-40dd-AFC4-6F175D3DCCD1}">
-              <a14:hiddenFill xmlns:a14="http://schemas.microsoft.com/office/drawing/2010/main" xmlns="">
+              <a14:hiddenFill xmlns="" xmlns:a14="http://schemas.microsoft.com/office/drawing/2010/main">
                 <a:solidFill>
                   <a:srgbClr val="FFFFFF"/>
                 </a:solidFill>
               </a14:hiddenFill>
             </a:ext>
             <a:ext uri="{FAA26D3D-D897-4be2-8F04-BA451C77F1D7}">
-              <ma14:placeholderFlag xmlns:ma14="http://schemas.microsoft.com/office/mac/drawingml/2011/main" xmlns="" val="1"/>
+              <ma14:placeholderFlag xmlns="" xmlns:ma14="http://schemas.microsoft.com/office/mac/drawingml/2011/main" val="1"/>
             </a:ext>
           </a:extLst>
         </p:spPr>
@@ -3285,14 +3833,14 @@
           <a:noFill/>
           <a:extLst>
             <a:ext uri="{909E8E84-426E-40dd-AFC4-6F175D3DCCD1}">
-              <a14:hiddenFill xmlns:a14="http://schemas.microsoft.com/office/drawing/2010/main" xmlns="">
+              <a14:hiddenFill xmlns="" xmlns:a14="http://schemas.microsoft.com/office/drawing/2010/main">
                 <a:solidFill>
                   <a:srgbClr val="FFFFFF"/>
                 </a:solidFill>
               </a14:hiddenFill>
             </a:ext>
             <a:ext uri="{91240B29-F687-4f45-9708-019B960494DF}">
-              <a14:hiddenLine xmlns:a14="http://schemas.microsoft.com/office/drawing/2010/main" xmlns="" w="9525">
+              <a14:hiddenLine xmlns="" xmlns:a14="http://schemas.microsoft.com/office/drawing/2010/main" w="9525">
                 <a:solidFill>
                   <a:srgbClr val="000000"/>
                 </a:solidFill>
@@ -3302,7 +3850,7 @@
               </a14:hiddenLine>
             </a:ext>
             <a:ext uri="{FAA26D3D-D897-4be2-8F04-BA451C77F1D7}">
-              <ma14:placeholderFlag xmlns:ma14="http://schemas.microsoft.com/office/mac/drawingml/2011/main" xmlns="" val="1"/>
+              <ma14:placeholderFlag xmlns="" xmlns:ma14="http://schemas.microsoft.com/office/mac/drawingml/2011/main" val="1"/>
             </a:ext>
           </a:extLst>
         </p:spPr>
@@ -3339,14 +3887,14 @@
           <a:noFill/>
           <a:extLst>
             <a:ext uri="{909E8E84-426E-40dd-AFC4-6F175D3DCCD1}">
-              <a14:hiddenFill xmlns:a14="http://schemas.microsoft.com/office/drawing/2010/main" xmlns="">
+              <a14:hiddenFill xmlns="" xmlns:a14="http://schemas.microsoft.com/office/drawing/2010/main">
                 <a:solidFill>
                   <a:srgbClr val="FFFFFF"/>
                 </a:solidFill>
               </a14:hiddenFill>
             </a:ext>
             <a:ext uri="{91240B29-F687-4f45-9708-019B960494DF}">
-              <a14:hiddenLine xmlns:a14="http://schemas.microsoft.com/office/drawing/2010/main" xmlns="" w="9525">
+              <a14:hiddenLine xmlns="" xmlns:a14="http://schemas.microsoft.com/office/drawing/2010/main" w="9525">
                 <a:solidFill>
                   <a:srgbClr val="000000"/>
                 </a:solidFill>
@@ -3541,14 +4089,14 @@
           <a:noFill/>
           <a:extLst>
             <a:ext uri="{909E8E84-426E-40dd-AFC4-6F175D3DCCD1}">
-              <a14:hiddenFill xmlns:a14="http://schemas.microsoft.com/office/drawing/2010/main" xmlns="">
+              <a14:hiddenFill xmlns="" xmlns:a14="http://schemas.microsoft.com/office/drawing/2010/main">
                 <a:solidFill>
                   <a:srgbClr val="FFFFFF"/>
                 </a:solidFill>
               </a14:hiddenFill>
             </a:ext>
             <a:ext uri="{91240B29-F687-4f45-9708-019B960494DF}">
-              <a14:hiddenLine xmlns:a14="http://schemas.microsoft.com/office/drawing/2010/main" xmlns="" w="9525">
+              <a14:hiddenLine xmlns="" xmlns:a14="http://schemas.microsoft.com/office/drawing/2010/main" w="9525">
                 <a:solidFill>
                   <a:srgbClr val="000000"/>
                 </a:solidFill>
@@ -3694,7 +4242,7 @@
                   <a:spcPct val="0"/>
                 </a:spcAft>
               </a:pPr>
-              <a:t>5/25/2019</a:t>
+              <a:t>5/26/2019</a:t>
             </a:fld>
             <a:endParaRPr lang="en-US" sz="1200">
               <a:latin typeface="BentonSans Book" charset="0"/>
@@ -3710,7 +4258,7 @@
 </p:notes>
 </file>
 
-<file path=ppt/notesSlides/notesSlide22.xml><?xml version="1.0" encoding="utf-8"?>
+<file path=ppt/notesSlides/notesSlide26.xml><?xml version="1.0" encoding="utf-8"?>
 <p:notes xmlns:a="http://schemas.openxmlformats.org/drawingml/2006/main" xmlns:r="http://schemas.openxmlformats.org/officeDocument/2006/relationships" xmlns:p="http://schemas.openxmlformats.org/presentationml/2006/main">
   <p:cSld>
     <p:spTree>
@@ -3749,14 +4297,14 @@
           </a:ln>
           <a:extLst>
             <a:ext uri="{909E8E84-426E-40dd-AFC4-6F175D3DCCD1}">
-              <a14:hiddenFill xmlns:a14="http://schemas.microsoft.com/office/drawing/2010/main" xmlns="">
+              <a14:hiddenFill xmlns="" xmlns:a14="http://schemas.microsoft.com/office/drawing/2010/main">
                 <a:solidFill>
                   <a:srgbClr val="FFFFFF"/>
                 </a:solidFill>
               </a14:hiddenFill>
             </a:ext>
             <a:ext uri="{FAA26D3D-D897-4be2-8F04-BA451C77F1D7}">
-              <ma14:placeholderFlag xmlns:ma14="http://schemas.microsoft.com/office/mac/drawingml/2011/main" xmlns="" val="1"/>
+              <ma14:placeholderFlag xmlns="" xmlns:ma14="http://schemas.microsoft.com/office/mac/drawingml/2011/main" val="1"/>
             </a:ext>
           </a:extLst>
         </p:spPr>
@@ -3775,14 +4323,14 @@
           <a:noFill/>
           <a:extLst>
             <a:ext uri="{909E8E84-426E-40dd-AFC4-6F175D3DCCD1}">
-              <a14:hiddenFill xmlns:a14="http://schemas.microsoft.com/office/drawing/2010/main" xmlns="">
+              <a14:hiddenFill xmlns="" xmlns:a14="http://schemas.microsoft.com/office/drawing/2010/main">
                 <a:solidFill>
                   <a:srgbClr val="FFFFFF"/>
                 </a:solidFill>
               </a14:hiddenFill>
             </a:ext>
             <a:ext uri="{91240B29-F687-4f45-9708-019B960494DF}">
-              <a14:hiddenLine xmlns:a14="http://schemas.microsoft.com/office/drawing/2010/main" xmlns="" w="9525">
+              <a14:hiddenLine xmlns="" xmlns:a14="http://schemas.microsoft.com/office/drawing/2010/main" w="9525">
                 <a:solidFill>
                   <a:srgbClr val="000000"/>
                 </a:solidFill>
@@ -3792,7 +4340,7 @@
               </a14:hiddenLine>
             </a:ext>
             <a:ext uri="{FAA26D3D-D897-4be2-8F04-BA451C77F1D7}">
-              <ma14:placeholderFlag xmlns:ma14="http://schemas.microsoft.com/office/mac/drawingml/2011/main" xmlns="" val="1"/>
+              <ma14:placeholderFlag xmlns="" xmlns:ma14="http://schemas.microsoft.com/office/mac/drawingml/2011/main" val="1"/>
             </a:ext>
           </a:extLst>
         </p:spPr>
@@ -3829,14 +4377,14 @@
           <a:noFill/>
           <a:extLst>
             <a:ext uri="{909E8E84-426E-40dd-AFC4-6F175D3DCCD1}">
-              <a14:hiddenFill xmlns:a14="http://schemas.microsoft.com/office/drawing/2010/main" xmlns="">
+              <a14:hiddenFill xmlns="" xmlns:a14="http://schemas.microsoft.com/office/drawing/2010/main">
                 <a:solidFill>
                   <a:srgbClr val="FFFFFF"/>
                 </a:solidFill>
               </a14:hiddenFill>
             </a:ext>
             <a:ext uri="{91240B29-F687-4f45-9708-019B960494DF}">
-              <a14:hiddenLine xmlns:a14="http://schemas.microsoft.com/office/drawing/2010/main" xmlns="" w="9525">
+              <a14:hiddenLine xmlns="" xmlns:a14="http://schemas.microsoft.com/office/drawing/2010/main" w="9525">
                 <a:solidFill>
                   <a:srgbClr val="000000"/>
                 </a:solidFill>
@@ -4031,14 +4579,14 @@
           <a:noFill/>
           <a:extLst>
             <a:ext uri="{909E8E84-426E-40dd-AFC4-6F175D3DCCD1}">
-              <a14:hiddenFill xmlns:a14="http://schemas.microsoft.com/office/drawing/2010/main" xmlns="">
+              <a14:hiddenFill xmlns="" xmlns:a14="http://schemas.microsoft.com/office/drawing/2010/main">
                 <a:solidFill>
                   <a:srgbClr val="FFFFFF"/>
                 </a:solidFill>
               </a14:hiddenFill>
             </a:ext>
             <a:ext uri="{91240B29-F687-4f45-9708-019B960494DF}">
-              <a14:hiddenLine xmlns:a14="http://schemas.microsoft.com/office/drawing/2010/main" xmlns="" w="9525">
+              <a14:hiddenLine xmlns="" xmlns:a14="http://schemas.microsoft.com/office/drawing/2010/main" w="9525">
                 <a:solidFill>
                   <a:srgbClr val="000000"/>
                 </a:solidFill>
@@ -4184,7 +4732,7 @@
                   <a:spcPct val="0"/>
                 </a:spcAft>
               </a:pPr>
-              <a:t>5/25/2019</a:t>
+              <a:t>5/26/2019</a:t>
             </a:fld>
             <a:endParaRPr lang="en-US" sz="1200">
               <a:latin typeface="BentonSans Book" charset="0"/>
@@ -4200,7 +4748,7 @@
 </p:notes>
 </file>
 
-<file path=ppt/notesSlides/notesSlide23.xml><?xml version="1.0" encoding="utf-8"?>
+<file path=ppt/notesSlides/notesSlide27.xml><?xml version="1.0" encoding="utf-8"?>
 <p:notes xmlns:a="http://schemas.openxmlformats.org/drawingml/2006/main" xmlns:r="http://schemas.openxmlformats.org/officeDocument/2006/relationships" xmlns:p="http://schemas.openxmlformats.org/presentationml/2006/main">
   <p:cSld>
     <p:spTree>
@@ -4239,14 +4787,14 @@
           </a:ln>
           <a:extLst>
             <a:ext uri="{909E8E84-426E-40dd-AFC4-6F175D3DCCD1}">
-              <a14:hiddenFill xmlns:a14="http://schemas.microsoft.com/office/drawing/2010/main" xmlns="">
+              <a14:hiddenFill xmlns="" xmlns:a14="http://schemas.microsoft.com/office/drawing/2010/main">
                 <a:solidFill>
                   <a:srgbClr val="FFFFFF"/>
                 </a:solidFill>
               </a14:hiddenFill>
             </a:ext>
             <a:ext uri="{FAA26D3D-D897-4be2-8F04-BA451C77F1D7}">
-              <ma14:placeholderFlag xmlns:ma14="http://schemas.microsoft.com/office/mac/drawingml/2011/main" xmlns="" val="1"/>
+              <ma14:placeholderFlag xmlns="" xmlns:ma14="http://schemas.microsoft.com/office/mac/drawingml/2011/main" val="1"/>
             </a:ext>
           </a:extLst>
         </p:spPr>
@@ -4265,14 +4813,14 @@
           <a:noFill/>
           <a:extLst>
             <a:ext uri="{909E8E84-426E-40dd-AFC4-6F175D3DCCD1}">
-              <a14:hiddenFill xmlns:a14="http://schemas.microsoft.com/office/drawing/2010/main" xmlns="">
+              <a14:hiddenFill xmlns="" xmlns:a14="http://schemas.microsoft.com/office/drawing/2010/main">
                 <a:solidFill>
                   <a:srgbClr val="FFFFFF"/>
                 </a:solidFill>
               </a14:hiddenFill>
             </a:ext>
             <a:ext uri="{91240B29-F687-4f45-9708-019B960494DF}">
-              <a14:hiddenLine xmlns:a14="http://schemas.microsoft.com/office/drawing/2010/main" xmlns="" w="9525">
+              <a14:hiddenLine xmlns="" xmlns:a14="http://schemas.microsoft.com/office/drawing/2010/main" w="9525">
                 <a:solidFill>
                   <a:srgbClr val="000000"/>
                 </a:solidFill>
@@ -4282,7 +4830,7 @@
               </a14:hiddenLine>
             </a:ext>
             <a:ext uri="{FAA26D3D-D897-4be2-8F04-BA451C77F1D7}">
-              <ma14:placeholderFlag xmlns:ma14="http://schemas.microsoft.com/office/mac/drawingml/2011/main" xmlns="" val="1"/>
+              <ma14:placeholderFlag xmlns="" xmlns:ma14="http://schemas.microsoft.com/office/mac/drawingml/2011/main" val="1"/>
             </a:ext>
           </a:extLst>
         </p:spPr>
@@ -4319,14 +4867,14 @@
           <a:noFill/>
           <a:extLst>
             <a:ext uri="{909E8E84-426E-40dd-AFC4-6F175D3DCCD1}">
-              <a14:hiddenFill xmlns:a14="http://schemas.microsoft.com/office/drawing/2010/main" xmlns="">
+              <a14:hiddenFill xmlns="" xmlns:a14="http://schemas.microsoft.com/office/drawing/2010/main">
                 <a:solidFill>
                   <a:srgbClr val="FFFFFF"/>
                 </a:solidFill>
               </a14:hiddenFill>
             </a:ext>
             <a:ext uri="{91240B29-F687-4f45-9708-019B960494DF}">
-              <a14:hiddenLine xmlns:a14="http://schemas.microsoft.com/office/drawing/2010/main" xmlns="" w="9525">
+              <a14:hiddenLine xmlns="" xmlns:a14="http://schemas.microsoft.com/office/drawing/2010/main" w="9525">
                 <a:solidFill>
                   <a:srgbClr val="000000"/>
                 </a:solidFill>
@@ -4521,14 +5069,14 @@
           <a:noFill/>
           <a:extLst>
             <a:ext uri="{909E8E84-426E-40dd-AFC4-6F175D3DCCD1}">
-              <a14:hiddenFill xmlns:a14="http://schemas.microsoft.com/office/drawing/2010/main" xmlns="">
+              <a14:hiddenFill xmlns="" xmlns:a14="http://schemas.microsoft.com/office/drawing/2010/main">
                 <a:solidFill>
                   <a:srgbClr val="FFFFFF"/>
                 </a:solidFill>
               </a14:hiddenFill>
             </a:ext>
             <a:ext uri="{91240B29-F687-4f45-9708-019B960494DF}">
-              <a14:hiddenLine xmlns:a14="http://schemas.microsoft.com/office/drawing/2010/main" xmlns="" w="9525">
+              <a14:hiddenLine xmlns="" xmlns:a14="http://schemas.microsoft.com/office/drawing/2010/main" w="9525">
                 <a:solidFill>
                   <a:srgbClr val="000000"/>
                 </a:solidFill>
@@ -4674,7 +5222,7 @@
                   <a:spcPct val="0"/>
                 </a:spcAft>
               </a:pPr>
-              <a:t>5/25/2019</a:t>
+              <a:t>5/26/2019</a:t>
             </a:fld>
             <a:endParaRPr lang="en-US" sz="1200">
               <a:latin typeface="BentonSans Book" charset="0"/>
@@ -4690,7 +5238,7 @@
 </p:notes>
 </file>
 
-<file path=ppt/notesSlides/notesSlide24.xml><?xml version="1.0" encoding="utf-8"?>
+<file path=ppt/notesSlides/notesSlide28.xml><?xml version="1.0" encoding="utf-8"?>
 <p:notes xmlns:a="http://schemas.openxmlformats.org/drawingml/2006/main" xmlns:r="http://schemas.openxmlformats.org/officeDocument/2006/relationships" xmlns:p="http://schemas.openxmlformats.org/presentationml/2006/main">
   <p:cSld>
     <p:spTree>
@@ -4729,14 +5277,14 @@
           </a:ln>
           <a:extLst>
             <a:ext uri="{909E8E84-426E-40dd-AFC4-6F175D3DCCD1}">
-              <a14:hiddenFill xmlns:a14="http://schemas.microsoft.com/office/drawing/2010/main" xmlns="">
+              <a14:hiddenFill xmlns="" xmlns:a14="http://schemas.microsoft.com/office/drawing/2010/main">
                 <a:solidFill>
                   <a:srgbClr val="FFFFFF"/>
                 </a:solidFill>
               </a14:hiddenFill>
             </a:ext>
             <a:ext uri="{FAA26D3D-D897-4be2-8F04-BA451C77F1D7}">
-              <ma14:placeholderFlag xmlns:ma14="http://schemas.microsoft.com/office/mac/drawingml/2011/main" xmlns="" val="1"/>
+              <ma14:placeholderFlag xmlns="" xmlns:ma14="http://schemas.microsoft.com/office/mac/drawingml/2011/main" val="1"/>
             </a:ext>
           </a:extLst>
         </p:spPr>
@@ -4755,14 +5303,14 @@
           <a:noFill/>
           <a:extLst>
             <a:ext uri="{909E8E84-426E-40dd-AFC4-6F175D3DCCD1}">
-              <a14:hiddenFill xmlns:a14="http://schemas.microsoft.com/office/drawing/2010/main" xmlns="">
+              <a14:hiddenFill xmlns="" xmlns:a14="http://schemas.microsoft.com/office/drawing/2010/main">
                 <a:solidFill>
                   <a:srgbClr val="FFFFFF"/>
                 </a:solidFill>
               </a14:hiddenFill>
             </a:ext>
             <a:ext uri="{91240B29-F687-4f45-9708-019B960494DF}">
-              <a14:hiddenLine xmlns:a14="http://schemas.microsoft.com/office/drawing/2010/main" xmlns="" w="9525">
+              <a14:hiddenLine xmlns="" xmlns:a14="http://schemas.microsoft.com/office/drawing/2010/main" w="9525">
                 <a:solidFill>
                   <a:srgbClr val="000000"/>
                 </a:solidFill>
@@ -4772,7 +5320,7 @@
               </a14:hiddenLine>
             </a:ext>
             <a:ext uri="{FAA26D3D-D897-4be2-8F04-BA451C77F1D7}">
-              <ma14:placeholderFlag xmlns:ma14="http://schemas.microsoft.com/office/mac/drawingml/2011/main" xmlns="" val="1"/>
+              <ma14:placeholderFlag xmlns="" xmlns:ma14="http://schemas.microsoft.com/office/mac/drawingml/2011/main" val="1"/>
             </a:ext>
           </a:extLst>
         </p:spPr>
@@ -4809,14 +5357,14 @@
           <a:noFill/>
           <a:extLst>
             <a:ext uri="{909E8E84-426E-40dd-AFC4-6F175D3DCCD1}">
-              <a14:hiddenFill xmlns:a14="http://schemas.microsoft.com/office/drawing/2010/main" xmlns="">
+              <a14:hiddenFill xmlns="" xmlns:a14="http://schemas.microsoft.com/office/drawing/2010/main">
                 <a:solidFill>
                   <a:srgbClr val="FFFFFF"/>
                 </a:solidFill>
               </a14:hiddenFill>
             </a:ext>
             <a:ext uri="{91240B29-F687-4f45-9708-019B960494DF}">
-              <a14:hiddenLine xmlns:a14="http://schemas.microsoft.com/office/drawing/2010/main" xmlns="" w="9525">
+              <a14:hiddenLine xmlns="" xmlns:a14="http://schemas.microsoft.com/office/drawing/2010/main" w="9525">
                 <a:solidFill>
                   <a:srgbClr val="000000"/>
                 </a:solidFill>
@@ -5011,14 +5559,14 @@
           <a:noFill/>
           <a:extLst>
             <a:ext uri="{909E8E84-426E-40dd-AFC4-6F175D3DCCD1}">
-              <a14:hiddenFill xmlns:a14="http://schemas.microsoft.com/office/drawing/2010/main" xmlns="">
+              <a14:hiddenFill xmlns="" xmlns:a14="http://schemas.microsoft.com/office/drawing/2010/main">
                 <a:solidFill>
                   <a:srgbClr val="FFFFFF"/>
                 </a:solidFill>
               </a14:hiddenFill>
             </a:ext>
             <a:ext uri="{91240B29-F687-4f45-9708-019B960494DF}">
-              <a14:hiddenLine xmlns:a14="http://schemas.microsoft.com/office/drawing/2010/main" xmlns="" w="9525">
+              <a14:hiddenLine xmlns="" xmlns:a14="http://schemas.microsoft.com/office/drawing/2010/main" w="9525">
                 <a:solidFill>
                   <a:srgbClr val="000000"/>
                 </a:solidFill>
@@ -5164,7 +5712,7 @@
                   <a:spcPct val="0"/>
                 </a:spcAft>
               </a:pPr>
-              <a:t>5/25/2019</a:t>
+              <a:t>5/26/2019</a:t>
             </a:fld>
             <a:endParaRPr lang="en-US" sz="1200">
               <a:latin typeface="BentonSans Book" charset="0"/>
@@ -5180,7 +5728,7 @@
 </p:notes>
 </file>
 
-<file path=ppt/notesSlides/notesSlide25.xml><?xml version="1.0" encoding="utf-8"?>
+<file path=ppt/notesSlides/notesSlide29.xml><?xml version="1.0" encoding="utf-8"?>
 <p:notes xmlns:a="http://schemas.openxmlformats.org/drawingml/2006/main" xmlns:r="http://schemas.openxmlformats.org/officeDocument/2006/relationships" xmlns:p="http://schemas.openxmlformats.org/presentationml/2006/main">
   <p:cSld>
     <p:spTree>
@@ -5219,14 +5767,14 @@
           </a:ln>
           <a:extLst>
             <a:ext uri="{909E8E84-426E-40dd-AFC4-6F175D3DCCD1}">
-              <a14:hiddenFill xmlns:a14="http://schemas.microsoft.com/office/drawing/2010/main" xmlns="">
+              <a14:hiddenFill xmlns="" xmlns:a14="http://schemas.microsoft.com/office/drawing/2010/main">
                 <a:solidFill>
                   <a:srgbClr val="FFFFFF"/>
                 </a:solidFill>
               </a14:hiddenFill>
             </a:ext>
             <a:ext uri="{FAA26D3D-D897-4be2-8F04-BA451C77F1D7}">
-              <ma14:placeholderFlag xmlns:ma14="http://schemas.microsoft.com/office/mac/drawingml/2011/main" xmlns="" val="1"/>
+              <ma14:placeholderFlag xmlns="" xmlns:ma14="http://schemas.microsoft.com/office/mac/drawingml/2011/main" val="1"/>
             </a:ext>
           </a:extLst>
         </p:spPr>
@@ -5245,14 +5793,14 @@
           <a:noFill/>
           <a:extLst>
             <a:ext uri="{909E8E84-426E-40dd-AFC4-6F175D3DCCD1}">
-              <a14:hiddenFill xmlns:a14="http://schemas.microsoft.com/office/drawing/2010/main" xmlns="">
+              <a14:hiddenFill xmlns="" xmlns:a14="http://schemas.microsoft.com/office/drawing/2010/main">
                 <a:solidFill>
                   <a:srgbClr val="FFFFFF"/>
                 </a:solidFill>
               </a14:hiddenFill>
             </a:ext>
             <a:ext uri="{91240B29-F687-4f45-9708-019B960494DF}">
-              <a14:hiddenLine xmlns:a14="http://schemas.microsoft.com/office/drawing/2010/main" xmlns="" w="9525">
+              <a14:hiddenLine xmlns="" xmlns:a14="http://schemas.microsoft.com/office/drawing/2010/main" w="9525">
                 <a:solidFill>
                   <a:srgbClr val="000000"/>
                 </a:solidFill>
@@ -5262,7 +5810,7 @@
               </a14:hiddenLine>
             </a:ext>
             <a:ext uri="{FAA26D3D-D897-4be2-8F04-BA451C77F1D7}">
-              <ma14:placeholderFlag xmlns:ma14="http://schemas.microsoft.com/office/mac/drawingml/2011/main" xmlns="" val="1"/>
+              <ma14:placeholderFlag xmlns="" xmlns:ma14="http://schemas.microsoft.com/office/mac/drawingml/2011/main" val="1"/>
             </a:ext>
           </a:extLst>
         </p:spPr>
@@ -5299,14 +5847,14 @@
           <a:noFill/>
           <a:extLst>
             <a:ext uri="{909E8E84-426E-40dd-AFC4-6F175D3DCCD1}">
-              <a14:hiddenFill xmlns:a14="http://schemas.microsoft.com/office/drawing/2010/main" xmlns="">
+              <a14:hiddenFill xmlns="" xmlns:a14="http://schemas.microsoft.com/office/drawing/2010/main">
                 <a:solidFill>
                   <a:srgbClr val="FFFFFF"/>
                 </a:solidFill>
               </a14:hiddenFill>
             </a:ext>
             <a:ext uri="{91240B29-F687-4f45-9708-019B960494DF}">
-              <a14:hiddenLine xmlns:a14="http://schemas.microsoft.com/office/drawing/2010/main" xmlns="" w="9525">
+              <a14:hiddenLine xmlns="" xmlns:a14="http://schemas.microsoft.com/office/drawing/2010/main" w="9525">
                 <a:solidFill>
                   <a:srgbClr val="000000"/>
                 </a:solidFill>
@@ -5501,14 +6049,14 @@
           <a:noFill/>
           <a:extLst>
             <a:ext uri="{909E8E84-426E-40dd-AFC4-6F175D3DCCD1}">
-              <a14:hiddenFill xmlns:a14="http://schemas.microsoft.com/office/drawing/2010/main" xmlns="">
+              <a14:hiddenFill xmlns="" xmlns:a14="http://schemas.microsoft.com/office/drawing/2010/main">
                 <a:solidFill>
                   <a:srgbClr val="FFFFFF"/>
                 </a:solidFill>
               </a14:hiddenFill>
             </a:ext>
             <a:ext uri="{91240B29-F687-4f45-9708-019B960494DF}">
-              <a14:hiddenLine xmlns:a14="http://schemas.microsoft.com/office/drawing/2010/main" xmlns="" w="9525">
+              <a14:hiddenLine xmlns="" xmlns:a14="http://schemas.microsoft.com/office/drawing/2010/main" w="9525">
                 <a:solidFill>
                   <a:srgbClr val="000000"/>
                 </a:solidFill>
@@ -5654,7 +6202,7 @@
                   <a:spcPct val="0"/>
                 </a:spcAft>
               </a:pPr>
-              <a:t>5/25/2019</a:t>
+              <a:t>5/26/2019</a:t>
             </a:fld>
             <a:endParaRPr lang="en-US" sz="1200">
               <a:latin typeface="BentonSans Book" charset="0"/>
@@ -5670,7 +6218,120 @@
 </p:notes>
 </file>
 
-<file path=ppt/notesSlides/notesSlide26.xml><?xml version="1.0" encoding="utf-8"?>
+<file path=ppt/notesSlides/notesSlide3.xml><?xml version="1.0" encoding="utf-8"?>
+<p:notes xmlns:a="http://schemas.openxmlformats.org/drawingml/2006/main" xmlns:r="http://schemas.openxmlformats.org/officeDocument/2006/relationships" xmlns:p="http://schemas.openxmlformats.org/presentationml/2006/main">
+  <p:cSld>
+    <p:spTree>
+      <p:nvGrpSpPr>
+        <p:cNvPr id="1" name=""/>
+        <p:cNvGrpSpPr/>
+        <p:nvPr/>
+      </p:nvGrpSpPr>
+      <p:grpSpPr>
+        <a:xfrm>
+          <a:off x="0" y="0"/>
+          <a:ext cx="0" cy="0"/>
+          <a:chOff x="0" y="0"/>
+          <a:chExt cx="0" cy="0"/>
+        </a:xfrm>
+      </p:grpSpPr>
+      <p:sp>
+        <p:nvSpPr>
+          <p:cNvPr id="38913" name="Slide Image Placeholder 1"/>
+          <p:cNvSpPr>
+            <a:spLocks noGrp="1" noRot="1" noChangeAspect="1"/>
+          </p:cNvSpPr>
+          <p:nvPr>
+            <p:ph type="sldImg"/>
+          </p:nvPr>
+        </p:nvSpPr>
+        <p:spPr bwMode="auto">
+          <a:noFill/>
+          <a:ln>
+            <a:solidFill>
+              <a:srgbClr val="000000"/>
+            </a:solidFill>
+            <a:miter lim="800000"/>
+            <a:headEnd/>
+            <a:tailEnd/>
+          </a:ln>
+          <a:extLst>
+            <a:ext uri="{909E8E84-426E-40dd-AFC4-6F175D3DCCD1}">
+              <a14:hiddenFill xmlns="" xmlns:a14="http://schemas.microsoft.com/office/drawing/2010/main">
+                <a:solidFill>
+                  <a:srgbClr val="FFFFFF"/>
+                </a:solidFill>
+              </a14:hiddenFill>
+            </a:ext>
+            <a:ext uri="{FAA26D3D-D897-4be2-8F04-BA451C77F1D7}">
+              <ma14:placeholderFlag xmlns="" xmlns:ma14="http://schemas.microsoft.com/office/mac/drawingml/2011/main" val="1"/>
+            </a:ext>
+          </a:extLst>
+        </p:spPr>
+      </p:sp>
+      <p:sp>
+        <p:nvSpPr>
+          <p:cNvPr id="38914" name="Notes Placeholder 2"/>
+          <p:cNvSpPr>
+            <a:spLocks noGrp="1"/>
+          </p:cNvSpPr>
+          <p:nvPr>
+            <p:ph type="body" idx="1"/>
+          </p:nvPr>
+        </p:nvSpPr>
+        <p:spPr bwMode="auto">
+          <a:noFill/>
+          <a:extLst>
+            <a:ext uri="{909E8E84-426E-40dd-AFC4-6F175D3DCCD1}">
+              <a14:hiddenFill xmlns="" xmlns:a14="http://schemas.microsoft.com/office/drawing/2010/main">
+                <a:solidFill>
+                  <a:srgbClr val="FFFFFF"/>
+                </a:solidFill>
+              </a14:hiddenFill>
+            </a:ext>
+            <a:ext uri="{91240B29-F687-4f45-9708-019B960494DF}">
+              <a14:hiddenLine xmlns="" xmlns:a14="http://schemas.microsoft.com/office/drawing/2010/main" w="9525">
+                <a:solidFill>
+                  <a:srgbClr val="000000"/>
+                </a:solidFill>
+                <a:miter lim="800000"/>
+                <a:headEnd/>
+                <a:tailEnd/>
+              </a14:hiddenLine>
+            </a:ext>
+          </a:extLst>
+        </p:spPr>
+        <p:txBody>
+          <a:bodyPr wrap="square" numCol="1" anchor="t" anchorCtr="0" compatLnSpc="1">
+            <a:prstTxWarp prst="textNoShape">
+              <a:avLst/>
+            </a:prstTxWarp>
+          </a:bodyPr>
+          <a:lstStyle/>
+          <a:p>
+            <a:pPr>
+              <a:spcBef>
+                <a:spcPct val="0"/>
+              </a:spcBef>
+            </a:pPr>
+            <a:r>
+              <a:rPr lang="en-US">
+                <a:latin typeface="BentonSans Book" charset="0"/>
+              </a:rPr>
+              <a:t>Section Header</a:t>
+            </a:r>
+          </a:p>
+        </p:txBody>
+      </p:sp>
+    </p:spTree>
+  </p:cSld>
+  <p:clrMapOvr>
+    <a:masterClrMapping/>
+  </p:clrMapOvr>
+</p:notes>
+</file>
+
+<file path=ppt/notesSlides/notesSlide30.xml><?xml version="1.0" encoding="utf-8"?>
 <p:notes xmlns:a="http://schemas.openxmlformats.org/drawingml/2006/main" xmlns:r="http://schemas.openxmlformats.org/officeDocument/2006/relationships" xmlns:p="http://schemas.openxmlformats.org/presentationml/2006/main">
   <p:cSld>
     <p:spTree>
@@ -5709,14 +6370,14 @@
           </a:ln>
           <a:extLst>
             <a:ext uri="{909E8E84-426E-40dd-AFC4-6F175D3DCCD1}">
-              <a14:hiddenFill xmlns:a14="http://schemas.microsoft.com/office/drawing/2010/main" xmlns="">
+              <a14:hiddenFill xmlns="" xmlns:a14="http://schemas.microsoft.com/office/drawing/2010/main">
                 <a:solidFill>
                   <a:srgbClr val="FFFFFF"/>
                 </a:solidFill>
               </a14:hiddenFill>
             </a:ext>
             <a:ext uri="{FAA26D3D-D897-4be2-8F04-BA451C77F1D7}">
-              <ma14:placeholderFlag xmlns:ma14="http://schemas.microsoft.com/office/mac/drawingml/2011/main" xmlns="" val="1"/>
+              <ma14:placeholderFlag xmlns="" xmlns:ma14="http://schemas.microsoft.com/office/mac/drawingml/2011/main" val="1"/>
             </a:ext>
           </a:extLst>
         </p:spPr>
@@ -5735,14 +6396,14 @@
           <a:noFill/>
           <a:extLst>
             <a:ext uri="{909E8E84-426E-40dd-AFC4-6F175D3DCCD1}">
-              <a14:hiddenFill xmlns:a14="http://schemas.microsoft.com/office/drawing/2010/main" xmlns="">
+              <a14:hiddenFill xmlns="" xmlns:a14="http://schemas.microsoft.com/office/drawing/2010/main">
                 <a:solidFill>
                   <a:srgbClr val="FFFFFF"/>
                 </a:solidFill>
               </a14:hiddenFill>
             </a:ext>
             <a:ext uri="{91240B29-F687-4f45-9708-019B960494DF}">
-              <a14:hiddenLine xmlns:a14="http://schemas.microsoft.com/office/drawing/2010/main" xmlns="" w="9525">
+              <a14:hiddenLine xmlns="" xmlns:a14="http://schemas.microsoft.com/office/drawing/2010/main" w="9525">
                 <a:solidFill>
                   <a:srgbClr val="000000"/>
                 </a:solidFill>
@@ -5752,7 +6413,7 @@
               </a14:hiddenLine>
             </a:ext>
             <a:ext uri="{FAA26D3D-D897-4be2-8F04-BA451C77F1D7}">
-              <ma14:placeholderFlag xmlns:ma14="http://schemas.microsoft.com/office/mac/drawingml/2011/main" xmlns="" val="1"/>
+              <ma14:placeholderFlag xmlns="" xmlns:ma14="http://schemas.microsoft.com/office/mac/drawingml/2011/main" val="1"/>
             </a:ext>
           </a:extLst>
         </p:spPr>
@@ -5789,14 +6450,14 @@
           <a:noFill/>
           <a:extLst>
             <a:ext uri="{909E8E84-426E-40dd-AFC4-6F175D3DCCD1}">
-              <a14:hiddenFill xmlns:a14="http://schemas.microsoft.com/office/drawing/2010/main" xmlns="">
+              <a14:hiddenFill xmlns="" xmlns:a14="http://schemas.microsoft.com/office/drawing/2010/main">
                 <a:solidFill>
                   <a:srgbClr val="FFFFFF"/>
                 </a:solidFill>
               </a14:hiddenFill>
             </a:ext>
             <a:ext uri="{91240B29-F687-4f45-9708-019B960494DF}">
-              <a14:hiddenLine xmlns:a14="http://schemas.microsoft.com/office/drawing/2010/main" xmlns="" w="9525">
+              <a14:hiddenLine xmlns="" xmlns:a14="http://schemas.microsoft.com/office/drawing/2010/main" w="9525">
                 <a:solidFill>
                   <a:srgbClr val="000000"/>
                 </a:solidFill>
@@ -5991,14 +6652,14 @@
           <a:noFill/>
           <a:extLst>
             <a:ext uri="{909E8E84-426E-40dd-AFC4-6F175D3DCCD1}">
-              <a14:hiddenFill xmlns:a14="http://schemas.microsoft.com/office/drawing/2010/main" xmlns="">
+              <a14:hiddenFill xmlns="" xmlns:a14="http://schemas.microsoft.com/office/drawing/2010/main">
                 <a:solidFill>
                   <a:srgbClr val="FFFFFF"/>
                 </a:solidFill>
               </a14:hiddenFill>
             </a:ext>
             <a:ext uri="{91240B29-F687-4f45-9708-019B960494DF}">
-              <a14:hiddenLine xmlns:a14="http://schemas.microsoft.com/office/drawing/2010/main" xmlns="" w="9525">
+              <a14:hiddenLine xmlns="" xmlns:a14="http://schemas.microsoft.com/office/drawing/2010/main" w="9525">
                 <a:solidFill>
                   <a:srgbClr val="000000"/>
                 </a:solidFill>
@@ -6144,7 +6805,7 @@
                   <a:spcPct val="0"/>
                 </a:spcAft>
               </a:pPr>
-              <a:t>5/25/2019</a:t>
+              <a:t>5/26/2019</a:t>
             </a:fld>
             <a:endParaRPr lang="en-US" sz="1200">
               <a:latin typeface="BentonSans Book" charset="0"/>
@@ -6160,7 +6821,7 @@
 </p:notes>
 </file>
 
-<file path=ppt/notesSlides/notesSlide27.xml><?xml version="1.0" encoding="utf-8"?>
+<file path=ppt/notesSlides/notesSlide31.xml><?xml version="1.0" encoding="utf-8"?>
 <p:notes xmlns:a="http://schemas.openxmlformats.org/drawingml/2006/main" xmlns:r="http://schemas.openxmlformats.org/officeDocument/2006/relationships" xmlns:p="http://schemas.openxmlformats.org/presentationml/2006/main">
   <p:cSld>
     <p:spTree>
@@ -6199,14 +6860,14 @@
           </a:ln>
           <a:extLst>
             <a:ext uri="{909E8E84-426E-40dd-AFC4-6F175D3DCCD1}">
-              <a14:hiddenFill xmlns:a14="http://schemas.microsoft.com/office/drawing/2010/main" xmlns="">
+              <a14:hiddenFill xmlns="" xmlns:a14="http://schemas.microsoft.com/office/drawing/2010/main">
                 <a:solidFill>
                   <a:srgbClr val="FFFFFF"/>
                 </a:solidFill>
               </a14:hiddenFill>
             </a:ext>
             <a:ext uri="{FAA26D3D-D897-4be2-8F04-BA451C77F1D7}">
-              <ma14:placeholderFlag xmlns:ma14="http://schemas.microsoft.com/office/mac/drawingml/2011/main" xmlns="" val="1"/>
+              <ma14:placeholderFlag xmlns="" xmlns:ma14="http://schemas.microsoft.com/office/mac/drawingml/2011/main" val="1"/>
             </a:ext>
           </a:extLst>
         </p:spPr>
@@ -6225,14 +6886,14 @@
           <a:noFill/>
           <a:extLst>
             <a:ext uri="{909E8E84-426E-40dd-AFC4-6F175D3DCCD1}">
-              <a14:hiddenFill xmlns:a14="http://schemas.microsoft.com/office/drawing/2010/main" xmlns="">
+              <a14:hiddenFill xmlns="" xmlns:a14="http://schemas.microsoft.com/office/drawing/2010/main">
                 <a:solidFill>
                   <a:srgbClr val="FFFFFF"/>
                 </a:solidFill>
               </a14:hiddenFill>
             </a:ext>
             <a:ext uri="{91240B29-F687-4f45-9708-019B960494DF}">
-              <a14:hiddenLine xmlns:a14="http://schemas.microsoft.com/office/drawing/2010/main" xmlns="" w="9525">
+              <a14:hiddenLine xmlns="" xmlns:a14="http://schemas.microsoft.com/office/drawing/2010/main" w="9525">
                 <a:solidFill>
                   <a:srgbClr val="000000"/>
                 </a:solidFill>
@@ -6278,7 +6939,7 @@
 </p:notes>
 </file>
 
-<file path=ppt/notesSlides/notesSlide28.xml><?xml version="1.0" encoding="utf-8"?>
+<file path=ppt/notesSlides/notesSlide32.xml><?xml version="1.0" encoding="utf-8"?>
 <p:notes xmlns:a="http://schemas.openxmlformats.org/drawingml/2006/main" xmlns:r="http://schemas.openxmlformats.org/officeDocument/2006/relationships" xmlns:p="http://schemas.openxmlformats.org/presentationml/2006/main">
   <p:cSld>
     <p:spTree>
@@ -6317,14 +6978,14 @@
           </a:ln>
           <a:extLst>
             <a:ext uri="{909E8E84-426E-40dd-AFC4-6F175D3DCCD1}">
-              <a14:hiddenFill xmlns:a14="http://schemas.microsoft.com/office/drawing/2010/main" xmlns="">
+              <a14:hiddenFill xmlns="" xmlns:a14="http://schemas.microsoft.com/office/drawing/2010/main">
                 <a:solidFill>
                   <a:srgbClr val="FFFFFF"/>
                 </a:solidFill>
               </a14:hiddenFill>
             </a:ext>
             <a:ext uri="{FAA26D3D-D897-4be2-8F04-BA451C77F1D7}">
-              <ma14:placeholderFlag xmlns:ma14="http://schemas.microsoft.com/office/mac/drawingml/2011/main" xmlns="" val="1"/>
+              <ma14:placeholderFlag xmlns="" xmlns:ma14="http://schemas.microsoft.com/office/mac/drawingml/2011/main" val="1"/>
             </a:ext>
           </a:extLst>
         </p:spPr>
@@ -6343,14 +7004,14 @@
           <a:noFill/>
           <a:extLst>
             <a:ext uri="{909E8E84-426E-40dd-AFC4-6F175D3DCCD1}">
-              <a14:hiddenFill xmlns:a14="http://schemas.microsoft.com/office/drawing/2010/main" xmlns="">
+              <a14:hiddenFill xmlns="" xmlns:a14="http://schemas.microsoft.com/office/drawing/2010/main">
                 <a:solidFill>
                   <a:srgbClr val="FFFFFF"/>
                 </a:solidFill>
               </a14:hiddenFill>
             </a:ext>
             <a:ext uri="{91240B29-F687-4f45-9708-019B960494DF}">
-              <a14:hiddenLine xmlns:a14="http://schemas.microsoft.com/office/drawing/2010/main" xmlns="" w="9525">
+              <a14:hiddenLine xmlns="" xmlns:a14="http://schemas.microsoft.com/office/drawing/2010/main" w="9525">
                 <a:solidFill>
                   <a:srgbClr val="000000"/>
                 </a:solidFill>
@@ -6389,119 +7050,6 @@
         <p14:creationId xmlns:p14="http://schemas.microsoft.com/office/powerpoint/2010/main" val="2330032350"/>
       </p:ext>
     </p:extLst>
-  </p:cSld>
-  <p:clrMapOvr>
-    <a:masterClrMapping/>
-  </p:clrMapOvr>
-</p:notes>
-</file>
-
-<file path=ppt/notesSlides/notesSlide3.xml><?xml version="1.0" encoding="utf-8"?>
-<p:notes xmlns:a="http://schemas.openxmlformats.org/drawingml/2006/main" xmlns:r="http://schemas.openxmlformats.org/officeDocument/2006/relationships" xmlns:p="http://schemas.openxmlformats.org/presentationml/2006/main">
-  <p:cSld>
-    <p:spTree>
-      <p:nvGrpSpPr>
-        <p:cNvPr id="1" name=""/>
-        <p:cNvGrpSpPr/>
-        <p:nvPr/>
-      </p:nvGrpSpPr>
-      <p:grpSpPr>
-        <a:xfrm>
-          <a:off x="0" y="0"/>
-          <a:ext cx="0" cy="0"/>
-          <a:chOff x="0" y="0"/>
-          <a:chExt cx="0" cy="0"/>
-        </a:xfrm>
-      </p:grpSpPr>
-      <p:sp>
-        <p:nvSpPr>
-          <p:cNvPr id="38913" name="Slide Image Placeholder 1"/>
-          <p:cNvSpPr>
-            <a:spLocks noGrp="1" noRot="1" noChangeAspect="1"/>
-          </p:cNvSpPr>
-          <p:nvPr>
-            <p:ph type="sldImg"/>
-          </p:nvPr>
-        </p:nvSpPr>
-        <p:spPr bwMode="auto">
-          <a:noFill/>
-          <a:ln>
-            <a:solidFill>
-              <a:srgbClr val="000000"/>
-            </a:solidFill>
-            <a:miter lim="800000"/>
-            <a:headEnd/>
-            <a:tailEnd/>
-          </a:ln>
-          <a:extLst>
-            <a:ext uri="{909E8E84-426E-40dd-AFC4-6F175D3DCCD1}">
-              <a14:hiddenFill xmlns:a14="http://schemas.microsoft.com/office/drawing/2010/main" xmlns="">
-                <a:solidFill>
-                  <a:srgbClr val="FFFFFF"/>
-                </a:solidFill>
-              </a14:hiddenFill>
-            </a:ext>
-            <a:ext uri="{FAA26D3D-D897-4be2-8F04-BA451C77F1D7}">
-              <ma14:placeholderFlag xmlns:ma14="http://schemas.microsoft.com/office/mac/drawingml/2011/main" xmlns="" val="1"/>
-            </a:ext>
-          </a:extLst>
-        </p:spPr>
-      </p:sp>
-      <p:sp>
-        <p:nvSpPr>
-          <p:cNvPr id="38914" name="Notes Placeholder 2"/>
-          <p:cNvSpPr>
-            <a:spLocks noGrp="1"/>
-          </p:cNvSpPr>
-          <p:nvPr>
-            <p:ph type="body" idx="1"/>
-          </p:nvPr>
-        </p:nvSpPr>
-        <p:spPr bwMode="auto">
-          <a:noFill/>
-          <a:extLst>
-            <a:ext uri="{909E8E84-426E-40dd-AFC4-6F175D3DCCD1}">
-              <a14:hiddenFill xmlns:a14="http://schemas.microsoft.com/office/drawing/2010/main" xmlns="">
-                <a:solidFill>
-                  <a:srgbClr val="FFFFFF"/>
-                </a:solidFill>
-              </a14:hiddenFill>
-            </a:ext>
-            <a:ext uri="{91240B29-F687-4f45-9708-019B960494DF}">
-              <a14:hiddenLine xmlns:a14="http://schemas.microsoft.com/office/drawing/2010/main" xmlns="" w="9525">
-                <a:solidFill>
-                  <a:srgbClr val="000000"/>
-                </a:solidFill>
-                <a:miter lim="800000"/>
-                <a:headEnd/>
-                <a:tailEnd/>
-              </a14:hiddenLine>
-            </a:ext>
-          </a:extLst>
-        </p:spPr>
-        <p:txBody>
-          <a:bodyPr wrap="square" numCol="1" anchor="t" anchorCtr="0" compatLnSpc="1">
-            <a:prstTxWarp prst="textNoShape">
-              <a:avLst/>
-            </a:prstTxWarp>
-          </a:bodyPr>
-          <a:lstStyle/>
-          <a:p>
-            <a:pPr>
-              <a:spcBef>
-                <a:spcPct val="0"/>
-              </a:spcBef>
-            </a:pPr>
-            <a:r>
-              <a:rPr lang="en-US">
-                <a:latin typeface="BentonSans Book" charset="0"/>
-              </a:rPr>
-              <a:t>Section Header</a:t>
-            </a:r>
-          </a:p>
-        </p:txBody>
-      </p:sp>
-    </p:spTree>
   </p:cSld>
   <p:clrMapOvr>
     <a:masterClrMapping/>
@@ -6548,14 +7096,14 @@
           </a:ln>
           <a:extLst>
             <a:ext uri="{909E8E84-426E-40dd-AFC4-6F175D3DCCD1}">
-              <a14:hiddenFill xmlns:a14="http://schemas.microsoft.com/office/drawing/2010/main" xmlns="">
+              <a14:hiddenFill xmlns="" xmlns:a14="http://schemas.microsoft.com/office/drawing/2010/main">
                 <a:solidFill>
                   <a:srgbClr val="FFFFFF"/>
                 </a:solidFill>
               </a14:hiddenFill>
             </a:ext>
             <a:ext uri="{FAA26D3D-D897-4be2-8F04-BA451C77F1D7}">
-              <ma14:placeholderFlag xmlns:ma14="http://schemas.microsoft.com/office/mac/drawingml/2011/main" xmlns="" val="1"/>
+              <ma14:placeholderFlag xmlns="" xmlns:ma14="http://schemas.microsoft.com/office/mac/drawingml/2011/main" val="1"/>
             </a:ext>
           </a:extLst>
         </p:spPr>
@@ -6574,14 +7122,14 @@
           <a:noFill/>
           <a:extLst>
             <a:ext uri="{909E8E84-426E-40dd-AFC4-6F175D3DCCD1}">
-              <a14:hiddenFill xmlns:a14="http://schemas.microsoft.com/office/drawing/2010/main" xmlns="">
+              <a14:hiddenFill xmlns="" xmlns:a14="http://schemas.microsoft.com/office/drawing/2010/main">
                 <a:solidFill>
                   <a:srgbClr val="FFFFFF"/>
                 </a:solidFill>
               </a14:hiddenFill>
             </a:ext>
             <a:ext uri="{91240B29-F687-4f45-9708-019B960494DF}">
-              <a14:hiddenLine xmlns:a14="http://schemas.microsoft.com/office/drawing/2010/main" xmlns="" w="9525">
+              <a14:hiddenLine xmlns="" xmlns:a14="http://schemas.microsoft.com/office/drawing/2010/main" w="9525">
                 <a:solidFill>
                   <a:srgbClr val="000000"/>
                 </a:solidFill>
@@ -6661,14 +7209,14 @@
           </a:ln>
           <a:extLst>
             <a:ext uri="{909E8E84-426E-40dd-AFC4-6F175D3DCCD1}">
-              <a14:hiddenFill xmlns:a14="http://schemas.microsoft.com/office/drawing/2010/main" xmlns="">
+              <a14:hiddenFill xmlns="" xmlns:a14="http://schemas.microsoft.com/office/drawing/2010/main">
                 <a:solidFill>
                   <a:srgbClr val="FFFFFF"/>
                 </a:solidFill>
               </a14:hiddenFill>
             </a:ext>
             <a:ext uri="{FAA26D3D-D897-4be2-8F04-BA451C77F1D7}">
-              <ma14:placeholderFlag xmlns:ma14="http://schemas.microsoft.com/office/mac/drawingml/2011/main" xmlns="" val="1"/>
+              <ma14:placeholderFlag xmlns="" xmlns:ma14="http://schemas.microsoft.com/office/mac/drawingml/2011/main" val="1"/>
             </a:ext>
           </a:extLst>
         </p:spPr>
@@ -6687,14 +7235,14 @@
           <a:noFill/>
           <a:extLst>
             <a:ext uri="{909E8E84-426E-40dd-AFC4-6F175D3DCCD1}">
-              <a14:hiddenFill xmlns:a14="http://schemas.microsoft.com/office/drawing/2010/main" xmlns="">
+              <a14:hiddenFill xmlns="" xmlns:a14="http://schemas.microsoft.com/office/drawing/2010/main">
                 <a:solidFill>
                   <a:srgbClr val="FFFFFF"/>
                 </a:solidFill>
               </a14:hiddenFill>
             </a:ext>
             <a:ext uri="{91240B29-F687-4f45-9708-019B960494DF}">
-              <a14:hiddenLine xmlns:a14="http://schemas.microsoft.com/office/drawing/2010/main" xmlns="" w="9525">
+              <a14:hiddenLine xmlns="" xmlns:a14="http://schemas.microsoft.com/office/drawing/2010/main" w="9525">
                 <a:solidFill>
                   <a:srgbClr val="000000"/>
                 </a:solidFill>
@@ -6774,14 +7322,14 @@
           </a:ln>
           <a:extLst>
             <a:ext uri="{909E8E84-426E-40dd-AFC4-6F175D3DCCD1}">
-              <a14:hiddenFill xmlns:a14="http://schemas.microsoft.com/office/drawing/2010/main" xmlns="">
+              <a14:hiddenFill xmlns="" xmlns:a14="http://schemas.microsoft.com/office/drawing/2010/main">
                 <a:solidFill>
                   <a:srgbClr val="FFFFFF"/>
                 </a:solidFill>
               </a14:hiddenFill>
             </a:ext>
             <a:ext uri="{FAA26D3D-D897-4be2-8F04-BA451C77F1D7}">
-              <ma14:placeholderFlag xmlns:ma14="http://schemas.microsoft.com/office/mac/drawingml/2011/main" xmlns="" val="1"/>
+              <ma14:placeholderFlag xmlns="" xmlns:ma14="http://schemas.microsoft.com/office/mac/drawingml/2011/main" val="1"/>
             </a:ext>
           </a:extLst>
         </p:spPr>
@@ -6800,14 +7348,14 @@
           <a:noFill/>
           <a:extLst>
             <a:ext uri="{909E8E84-426E-40dd-AFC4-6F175D3DCCD1}">
-              <a14:hiddenFill xmlns:a14="http://schemas.microsoft.com/office/drawing/2010/main" xmlns="">
+              <a14:hiddenFill xmlns="" xmlns:a14="http://schemas.microsoft.com/office/drawing/2010/main">
                 <a:solidFill>
                   <a:srgbClr val="FFFFFF"/>
                 </a:solidFill>
               </a14:hiddenFill>
             </a:ext>
             <a:ext uri="{91240B29-F687-4f45-9708-019B960494DF}">
-              <a14:hiddenLine xmlns:a14="http://schemas.microsoft.com/office/drawing/2010/main" xmlns="" w="9525">
+              <a14:hiddenLine xmlns="" xmlns:a14="http://schemas.microsoft.com/office/drawing/2010/main" w="9525">
                 <a:solidFill>
                   <a:srgbClr val="000000"/>
                 </a:solidFill>
@@ -6887,14 +7435,14 @@
           </a:ln>
           <a:extLst>
             <a:ext uri="{909E8E84-426E-40dd-AFC4-6F175D3DCCD1}">
-              <a14:hiddenFill xmlns:a14="http://schemas.microsoft.com/office/drawing/2010/main" xmlns="">
+              <a14:hiddenFill xmlns="" xmlns:a14="http://schemas.microsoft.com/office/drawing/2010/main">
                 <a:solidFill>
                   <a:srgbClr val="FFFFFF"/>
                 </a:solidFill>
               </a14:hiddenFill>
             </a:ext>
             <a:ext uri="{FAA26D3D-D897-4be2-8F04-BA451C77F1D7}">
-              <ma14:placeholderFlag xmlns:ma14="http://schemas.microsoft.com/office/mac/drawingml/2011/main" xmlns="" val="1"/>
+              <ma14:placeholderFlag xmlns="" xmlns:ma14="http://schemas.microsoft.com/office/mac/drawingml/2011/main" val="1"/>
             </a:ext>
           </a:extLst>
         </p:spPr>
@@ -6913,14 +7461,14 @@
           <a:noFill/>
           <a:extLst>
             <a:ext uri="{909E8E84-426E-40dd-AFC4-6F175D3DCCD1}">
-              <a14:hiddenFill xmlns:a14="http://schemas.microsoft.com/office/drawing/2010/main" xmlns="">
+              <a14:hiddenFill xmlns="" xmlns:a14="http://schemas.microsoft.com/office/drawing/2010/main">
                 <a:solidFill>
                   <a:srgbClr val="FFFFFF"/>
                 </a:solidFill>
               </a14:hiddenFill>
             </a:ext>
             <a:ext uri="{91240B29-F687-4f45-9708-019B960494DF}">
-              <a14:hiddenLine xmlns:a14="http://schemas.microsoft.com/office/drawing/2010/main" xmlns="" w="9525">
+              <a14:hiddenLine xmlns="" xmlns:a14="http://schemas.microsoft.com/office/drawing/2010/main" w="9525">
                 <a:solidFill>
                   <a:srgbClr val="000000"/>
                 </a:solidFill>
@@ -7000,14 +7548,14 @@
           </a:ln>
           <a:extLst>
             <a:ext uri="{909E8E84-426E-40dd-AFC4-6F175D3DCCD1}">
-              <a14:hiddenFill xmlns:a14="http://schemas.microsoft.com/office/drawing/2010/main" xmlns="">
+              <a14:hiddenFill xmlns="" xmlns:a14="http://schemas.microsoft.com/office/drawing/2010/main">
                 <a:solidFill>
                   <a:srgbClr val="FFFFFF"/>
                 </a:solidFill>
               </a14:hiddenFill>
             </a:ext>
             <a:ext uri="{FAA26D3D-D897-4be2-8F04-BA451C77F1D7}">
-              <ma14:placeholderFlag xmlns:ma14="http://schemas.microsoft.com/office/mac/drawingml/2011/main" xmlns="" val="1"/>
+              <ma14:placeholderFlag xmlns="" xmlns:ma14="http://schemas.microsoft.com/office/mac/drawingml/2011/main" val="1"/>
             </a:ext>
           </a:extLst>
         </p:spPr>
@@ -7026,14 +7574,14 @@
           <a:noFill/>
           <a:extLst>
             <a:ext uri="{909E8E84-426E-40dd-AFC4-6F175D3DCCD1}">
-              <a14:hiddenFill xmlns:a14="http://schemas.microsoft.com/office/drawing/2010/main" xmlns="">
+              <a14:hiddenFill xmlns="" xmlns:a14="http://schemas.microsoft.com/office/drawing/2010/main">
                 <a:solidFill>
                   <a:srgbClr val="FFFFFF"/>
                 </a:solidFill>
               </a14:hiddenFill>
             </a:ext>
             <a:ext uri="{91240B29-F687-4f45-9708-019B960494DF}">
-              <a14:hiddenLine xmlns:a14="http://schemas.microsoft.com/office/drawing/2010/main" xmlns="" w="9525">
+              <a14:hiddenLine xmlns="" xmlns:a14="http://schemas.microsoft.com/office/drawing/2010/main" w="9525">
                 <a:solidFill>
                   <a:srgbClr val="000000"/>
                 </a:solidFill>
@@ -7113,14 +7661,14 @@
           </a:ln>
           <a:extLst>
             <a:ext uri="{909E8E84-426E-40dd-AFC4-6F175D3DCCD1}">
-              <a14:hiddenFill xmlns:a14="http://schemas.microsoft.com/office/drawing/2010/main" xmlns="">
+              <a14:hiddenFill xmlns="" xmlns:a14="http://schemas.microsoft.com/office/drawing/2010/main">
                 <a:solidFill>
                   <a:srgbClr val="FFFFFF"/>
                 </a:solidFill>
               </a14:hiddenFill>
             </a:ext>
             <a:ext uri="{FAA26D3D-D897-4be2-8F04-BA451C77F1D7}">
-              <ma14:placeholderFlag xmlns:ma14="http://schemas.microsoft.com/office/mac/drawingml/2011/main" xmlns="" val="1"/>
+              <ma14:placeholderFlag xmlns="" xmlns:ma14="http://schemas.microsoft.com/office/mac/drawingml/2011/main" val="1"/>
             </a:ext>
           </a:extLst>
         </p:spPr>
@@ -7139,14 +7687,14 @@
           <a:noFill/>
           <a:extLst>
             <a:ext uri="{909E8E84-426E-40dd-AFC4-6F175D3DCCD1}">
-              <a14:hiddenFill xmlns:a14="http://schemas.microsoft.com/office/drawing/2010/main" xmlns="">
+              <a14:hiddenFill xmlns="" xmlns:a14="http://schemas.microsoft.com/office/drawing/2010/main">
                 <a:solidFill>
                   <a:srgbClr val="FFFFFF"/>
                 </a:solidFill>
               </a14:hiddenFill>
             </a:ext>
             <a:ext uri="{91240B29-F687-4f45-9708-019B960494DF}">
-              <a14:hiddenLine xmlns:a14="http://schemas.microsoft.com/office/drawing/2010/main" xmlns="" w="9525">
+              <a14:hiddenLine xmlns="" xmlns:a14="http://schemas.microsoft.com/office/drawing/2010/main" w="9525">
                 <a:solidFill>
                   <a:srgbClr val="000000"/>
                 </a:solidFill>
@@ -7295,14 +7843,14 @@
           </a:ln>
           <a:extLst>
             <a:ext uri="{909E8E84-426E-40dd-AFC4-6F175D3DCCD1}">
-              <a14:hiddenFill xmlns:a14="http://schemas.microsoft.com/office/drawing/2010/main" xmlns="">
+              <a14:hiddenFill xmlns="" xmlns:a14="http://schemas.microsoft.com/office/drawing/2010/main">
                 <a:solidFill>
                   <a:srgbClr val="FFFFFF"/>
                 </a:solidFill>
               </a14:hiddenFill>
             </a:ext>
             <a:ext uri="{91240B29-F687-4f45-9708-019B960494DF}">
-              <a14:hiddenLine xmlns:a14="http://schemas.microsoft.com/office/drawing/2010/main" xmlns="" w="9525">
+              <a14:hiddenLine xmlns="" xmlns:a14="http://schemas.microsoft.com/office/drawing/2010/main" w="9525">
                 <a:solidFill>
                   <a:srgbClr val="000000"/>
                 </a:solidFill>
@@ -8053,14 +8601,14 @@
           </a:ln>
           <a:extLst>
             <a:ext uri="{909E8E84-426E-40dd-AFC4-6F175D3DCCD1}">
-              <a14:hiddenFill xmlns:a14="http://schemas.microsoft.com/office/drawing/2010/main" xmlns="">
+              <a14:hiddenFill xmlns="" xmlns:a14="http://schemas.microsoft.com/office/drawing/2010/main">
                 <a:solidFill>
                   <a:srgbClr val="FFFFFF"/>
                 </a:solidFill>
               </a14:hiddenFill>
             </a:ext>
             <a:ext uri="{91240B29-F687-4f45-9708-019B960494DF}">
-              <a14:hiddenLine xmlns:a14="http://schemas.microsoft.com/office/drawing/2010/main" xmlns="" w="9525">
+              <a14:hiddenLine xmlns="" xmlns:a14="http://schemas.microsoft.com/office/drawing/2010/main" w="9525">
                 <a:solidFill>
                   <a:srgbClr val="000000"/>
                 </a:solidFill>
@@ -9843,14 +10391,14 @@
           </a:ln>
           <a:extLst>
             <a:ext uri="{909E8E84-426E-40dd-AFC4-6F175D3DCCD1}">
-              <a14:hiddenFill xmlns:a14="http://schemas.microsoft.com/office/drawing/2010/main" xmlns="">
+              <a14:hiddenFill xmlns="" xmlns:a14="http://schemas.microsoft.com/office/drawing/2010/main">
                 <a:solidFill>
                   <a:srgbClr val="FFFFFF"/>
                 </a:solidFill>
               </a14:hiddenFill>
             </a:ext>
             <a:ext uri="{91240B29-F687-4f45-9708-019B960494DF}">
-              <a14:hiddenLine xmlns:a14="http://schemas.microsoft.com/office/drawing/2010/main" xmlns="" w="9525">
+              <a14:hiddenLine xmlns="" xmlns:a14="http://schemas.microsoft.com/office/drawing/2010/main" w="9525">
                 <a:solidFill>
                   <a:srgbClr val="000000"/>
                 </a:solidFill>
@@ -9860,7 +10408,7 @@
               </a14:hiddenLine>
             </a:ext>
             <a:ext uri="{FAA26D3D-D897-4be2-8F04-BA451C77F1D7}">
-              <ma14:placeholderFlag xmlns:ma14="http://schemas.microsoft.com/office/mac/drawingml/2011/main" xmlns="" val="1"/>
+              <ma14:placeholderFlag xmlns="" xmlns:ma14="http://schemas.microsoft.com/office/mac/drawingml/2011/main" val="1"/>
             </a:ext>
           </a:extLst>
         </p:spPr>
@@ -11392,33 +11940,6 @@
       </p:grpSpPr>
       <p:sp>
         <p:nvSpPr>
-          <p:cNvPr id="4" name="Content Placeholder 3"/>
-          <p:cNvSpPr>
-            <a:spLocks noGrp="1"/>
-          </p:cNvSpPr>
-          <p:nvPr>
-            <p:ph idx="13"/>
-          </p:nvPr>
-        </p:nvSpPr>
-        <p:spPr/>
-        <p:txBody>
-          <a:bodyPr/>
-          <a:lstStyle/>
-          <a:p>
-            <a:pPr defTabSz="1306221" fontAlgn="auto">
-              <a:spcAft>
-                <a:spcPts val="0"/>
-              </a:spcAft>
-              <a:defRPr/>
-            </a:pPr>
-            <a:endParaRPr lang="en-US" dirty="0">
-              <a:ea typeface="+mn-ea"/>
-            </a:endParaRPr>
-          </a:p>
-        </p:txBody>
-      </p:sp>
-      <p:sp>
-        <p:nvSpPr>
           <p:cNvPr id="3" name="Text Placeholder 2"/>
           <p:cNvSpPr>
             <a:spLocks noGrp="1"/>
@@ -11450,24 +11971,6 @@
             </a:r>
           </a:p>
         </p:txBody>
-      </p:sp>
-      <p:sp>
-        <p:nvSpPr>
-          <p:cNvPr id="7" name="Picture Placeholder 6">
-            <a:extLst>
-              <a:ext uri="{FF2B5EF4-FFF2-40B4-BE49-F238E27FC236}">
-                <a16:creationId xmlns:a16="http://schemas.microsoft.com/office/drawing/2014/main" id="{AECBC1B0-DF9D-4949-BD86-32ED8DFB5DDD}"/>
-              </a:ext>
-            </a:extLst>
-          </p:cNvPr>
-          <p:cNvSpPr>
-            <a:spLocks noGrp="1"/>
-          </p:cNvSpPr>
-          <p:nvPr>
-            <p:ph type="pic" sz="quarter" idx="10"/>
-          </p:nvPr>
-        </p:nvSpPr>
-        <p:spPr/>
       </p:sp>
       <p:pic>
         <p:nvPicPr>
@@ -11545,7 +12048,7 @@
         </p:blipFill>
         <p:spPr bwMode="auto">
           <a:xfrm>
-            <a:off x="6905146" y="2055107"/>
+            <a:off x="6905146" y="1982619"/>
             <a:ext cx="7073915" cy="5035866"/>
           </a:xfrm>
           <a:prstGeom prst="rect">
@@ -11624,6 +12127,1238 @@
 </file>
 
 <file path=ppt/slides/slide15.xml><?xml version="1.0" encoding="utf-8"?>
+<p:sld xmlns:a="http://schemas.openxmlformats.org/drawingml/2006/main" xmlns:r="http://schemas.openxmlformats.org/officeDocument/2006/relationships" xmlns:p="http://schemas.openxmlformats.org/presentationml/2006/main">
+  <p:cSld>
+    <p:spTree>
+      <p:nvGrpSpPr>
+        <p:cNvPr id="1" name=""/>
+        <p:cNvGrpSpPr/>
+        <p:nvPr/>
+      </p:nvGrpSpPr>
+      <p:grpSpPr>
+        <a:xfrm>
+          <a:off x="0" y="0"/>
+          <a:ext cx="0" cy="0"/>
+          <a:chOff x="0" y="0"/>
+          <a:chExt cx="0" cy="0"/>
+        </a:xfrm>
+      </p:grpSpPr>
+      <p:sp>
+        <p:nvSpPr>
+          <p:cNvPr id="4" name="Content Placeholder 3"/>
+          <p:cNvSpPr>
+            <a:spLocks noGrp="1"/>
+          </p:cNvSpPr>
+          <p:nvPr>
+            <p:ph idx="13"/>
+          </p:nvPr>
+        </p:nvSpPr>
+        <p:spPr>
+          <a:xfrm>
+            <a:off x="7329803" y="1887752"/>
+            <a:ext cx="6649347" cy="3323987"/>
+          </a:xfrm>
+        </p:spPr>
+        <p:txBody>
+          <a:bodyPr/>
+          <a:lstStyle/>
+          <a:p>
+            <a:pPr marL="796925" lvl="1" indent="-457200" defTabSz="1306221" fontAlgn="auto">
+              <a:buFont typeface="Arial" panose="020B0604020202020204" pitchFamily="34" charset="0"/>
+              <a:buChar char="•"/>
+              <a:defRPr/>
+            </a:pPr>
+            <a:r>
+              <a:rPr lang="en-US" dirty="0"/>
+              <a:t>Russian chemist and inventor</a:t>
+            </a:r>
+          </a:p>
+          <a:p>
+            <a:pPr marL="796925" lvl="1" indent="-457200" defTabSz="1306221" fontAlgn="auto">
+              <a:buFont typeface="Arial" panose="020B0604020202020204" pitchFamily="34" charset="0"/>
+              <a:buChar char="•"/>
+              <a:defRPr/>
+            </a:pPr>
+            <a:r>
+              <a:rPr lang="en-US" dirty="0"/>
+              <a:t>Became teacher in 1867 and made a great discovery while writing his textbook – </a:t>
+            </a:r>
+            <a:r>
+              <a:rPr lang="en-US" i="1" dirty="0"/>
+              <a:t>Principles of Chemistry</a:t>
+            </a:r>
+          </a:p>
+          <a:p>
+            <a:pPr marL="796925" lvl="1" indent="-457200" defTabSz="1306221" fontAlgn="auto">
+              <a:buFont typeface="Arial" panose="020B0604020202020204" pitchFamily="34" charset="0"/>
+              <a:buChar char="•"/>
+              <a:defRPr/>
+            </a:pPr>
+            <a:r>
+              <a:rPr lang="en-US" dirty="0"/>
+              <a:t>Viewed elements from a different perspective, playing with how to visualize them</a:t>
+            </a:r>
+          </a:p>
+          <a:p>
+            <a:pPr marL="796925" lvl="1" indent="-457200" defTabSz="1306221" fontAlgn="auto">
+              <a:buFont typeface="Arial" panose="020B0604020202020204" pitchFamily="34" charset="0"/>
+              <a:buChar char="•"/>
+              <a:defRPr/>
+            </a:pPr>
+            <a:endParaRPr lang="en-US" dirty="0"/>
+          </a:p>
+          <a:p>
+            <a:pPr marL="457200" indent="-457200" defTabSz="1306221" fontAlgn="auto">
+              <a:buFont typeface="Arial" panose="020B0604020202020204" pitchFamily="34" charset="0"/>
+              <a:buChar char="•"/>
+              <a:defRPr/>
+            </a:pPr>
+            <a:endParaRPr lang="en-US" dirty="0"/>
+          </a:p>
+        </p:txBody>
+      </p:sp>
+      <p:sp>
+        <p:nvSpPr>
+          <p:cNvPr id="5" name="Text Placeholder 1"/>
+          <p:cNvSpPr>
+            <a:spLocks noGrp="1"/>
+          </p:cNvSpPr>
+          <p:nvPr>
+            <p:ph type="body" sz="quarter" idx="12"/>
+          </p:nvPr>
+        </p:nvSpPr>
+        <p:spPr>
+          <a:xfrm>
+            <a:off x="710057" y="598699"/>
+            <a:ext cx="13269093" cy="1009507"/>
+          </a:xfrm>
+          <a:prstGeom prst="rect">
+            <a:avLst/>
+          </a:prstGeom>
+        </p:spPr>
+        <p:txBody>
+          <a:bodyPr/>
+          <a:lstStyle/>
+          <a:p>
+            <a:pPr defTabSz="1306221" fontAlgn="auto">
+              <a:defRPr/>
+            </a:pPr>
+            <a:r>
+              <a:rPr lang="en-US" sz="8000" dirty="0"/>
+              <a:t>Dmitri Mendeleev</a:t>
+            </a:r>
+          </a:p>
+        </p:txBody>
+      </p:sp>
+      <p:pic>
+        <p:nvPicPr>
+          <p:cNvPr id="1026" name="Picture 2" descr="https://lh6.googleusercontent.com/a2PMKW8mhxvKQHekMr-j8tX9I2FT835fgtBlOojWQbGw6t0iBw54WkMLWqK3iG_7sbkWCJAnbftZFGssUac_xAahEmVmwX47hfGeWOEVKbDaStp2WnhWguwhPtFnBZQ4tnlbW4-x">
+            <a:extLst>
+              <a:ext uri="{FF2B5EF4-FFF2-40B4-BE49-F238E27FC236}">
+                <a16:creationId xmlns:a16="http://schemas.microsoft.com/office/drawing/2014/main" id="{86B4DD78-FED8-4216-A9E9-040487BE6E8F}"/>
+              </a:ext>
+            </a:extLst>
+          </p:cNvPr>
+          <p:cNvPicPr>
+            <a:picLocks noChangeAspect="1" noChangeArrowheads="1"/>
+          </p:cNvPicPr>
+          <p:nvPr/>
+        </p:nvPicPr>
+        <p:blipFill>
+          <a:blip r:embed="rId3">
+            <a:extLst>
+              <a:ext uri="{28A0092B-C50C-407E-A947-70E740481C1C}">
+                <a14:useLocalDpi xmlns:a14="http://schemas.microsoft.com/office/drawing/2010/main" val="0"/>
+              </a:ext>
+            </a:extLst>
+          </a:blip>
+          <a:srcRect/>
+          <a:stretch>
+            <a:fillRect/>
+          </a:stretch>
+        </p:blipFill>
+        <p:spPr bwMode="auto">
+          <a:xfrm>
+            <a:off x="2375209" y="2306327"/>
+            <a:ext cx="2997239" cy="4073171"/>
+          </a:xfrm>
+          <a:prstGeom prst="rect">
+            <a:avLst/>
+          </a:prstGeom>
+          <a:noFill/>
+          <a:extLst>
+            <a:ext uri="{909E8E84-426E-40DD-AFC4-6F175D3DCCD1}">
+              <a14:hiddenFill xmlns:a14="http://schemas.microsoft.com/office/drawing/2010/main">
+                <a:solidFill>
+                  <a:srgbClr val="FFFFFF"/>
+                </a:solidFill>
+              </a14:hiddenFill>
+            </a:ext>
+          </a:extLst>
+        </p:spPr>
+      </p:pic>
+      <p:pic>
+        <p:nvPicPr>
+          <p:cNvPr id="1036" name="Picture 12" descr="https://www.meta-synthesis.com/webbook/35_pt/pt02.jpg">
+            <a:extLst>
+              <a:ext uri="{FF2B5EF4-FFF2-40B4-BE49-F238E27FC236}">
+                <a16:creationId xmlns:a16="http://schemas.microsoft.com/office/drawing/2014/main" id="{09DDC015-737C-44D0-A360-635D2C5243C3}"/>
+              </a:ext>
+            </a:extLst>
+          </p:cNvPr>
+          <p:cNvPicPr>
+            <a:picLocks noChangeAspect="1" noChangeArrowheads="1"/>
+          </p:cNvPicPr>
+          <p:nvPr/>
+        </p:nvPicPr>
+        <p:blipFill>
+          <a:blip r:embed="rId4">
+            <a:extLst>
+              <a:ext uri="{28A0092B-C50C-407E-A947-70E740481C1C}">
+                <a14:useLocalDpi xmlns:a14="http://schemas.microsoft.com/office/drawing/2010/main" val="0"/>
+              </a:ext>
+            </a:extLst>
+          </a:blip>
+          <a:srcRect/>
+          <a:stretch>
+            <a:fillRect/>
+          </a:stretch>
+        </p:blipFill>
+        <p:spPr bwMode="auto">
+          <a:xfrm>
+            <a:off x="6178241" y="3753147"/>
+            <a:ext cx="6076950" cy="3162300"/>
+          </a:xfrm>
+          <a:prstGeom prst="rect">
+            <a:avLst/>
+          </a:prstGeom>
+          <a:noFill/>
+          <a:extLst>
+            <a:ext uri="{909E8E84-426E-40DD-AFC4-6F175D3DCCD1}">
+              <a14:hiddenFill xmlns:a14="http://schemas.microsoft.com/office/drawing/2010/main">
+                <a:solidFill>
+                  <a:srgbClr val="FFFFFF"/>
+                </a:solidFill>
+              </a14:hiddenFill>
+            </a:ext>
+          </a:extLst>
+        </p:spPr>
+      </p:pic>
+      <p:pic>
+        <p:nvPicPr>
+          <p:cNvPr id="1044" name="Picture 20" descr="https://upload.wikimedia.org/wikipedia/commons/thumb/a/aa/Periodic_table_by_Mendeleev%2C_1871.svg/750px-Periodic_table_by_Mendeleev%2C_1871.svg.png">
+            <a:extLst>
+              <a:ext uri="{FF2B5EF4-FFF2-40B4-BE49-F238E27FC236}">
+                <a16:creationId xmlns:a16="http://schemas.microsoft.com/office/drawing/2014/main" id="{4546D2B3-33BD-4F0C-B3EE-B9A9925ACB1C}"/>
+              </a:ext>
+            </a:extLst>
+          </p:cNvPr>
+          <p:cNvPicPr>
+            <a:picLocks noChangeAspect="1" noChangeArrowheads="1"/>
+          </p:cNvPicPr>
+          <p:nvPr/>
+        </p:nvPicPr>
+        <p:blipFill>
+          <a:blip r:embed="rId5" cstate="email">
+            <a:extLst>
+              <a:ext uri="{28A0092B-C50C-407E-A947-70E740481C1C}">
+                <a14:useLocalDpi xmlns:a14="http://schemas.microsoft.com/office/drawing/2010/main" val="0"/>
+              </a:ext>
+            </a:extLst>
+          </a:blip>
+          <a:srcRect/>
+          <a:stretch>
+            <a:fillRect/>
+          </a:stretch>
+        </p:blipFill>
+        <p:spPr bwMode="auto">
+          <a:xfrm>
+            <a:off x="6404511" y="4295318"/>
+            <a:ext cx="4705587" cy="2553565"/>
+          </a:xfrm>
+          <a:prstGeom prst="rect">
+            <a:avLst/>
+          </a:prstGeom>
+          <a:noFill/>
+          <a:extLst>
+            <a:ext uri="{909E8E84-426E-40DD-AFC4-6F175D3DCCD1}">
+              <a14:hiddenFill xmlns:a14="http://schemas.microsoft.com/office/drawing/2010/main">
+                <a:solidFill>
+                  <a:srgbClr val="FFFFFF"/>
+                </a:solidFill>
+              </a14:hiddenFill>
+            </a:ext>
+          </a:extLst>
+        </p:spPr>
+      </p:pic>
+      <p:pic>
+        <p:nvPicPr>
+          <p:cNvPr id="1038" name="Picture 14" descr="https://www.meta-synthesis.com/webbook/35_pt/Mendeleev%27sPeriodic.gif">
+            <a:extLst>
+              <a:ext uri="{FF2B5EF4-FFF2-40B4-BE49-F238E27FC236}">
+                <a16:creationId xmlns:a16="http://schemas.microsoft.com/office/drawing/2014/main" id="{B3772036-5325-4B20-AB61-C782EEE16A69}"/>
+              </a:ext>
+            </a:extLst>
+          </p:cNvPr>
+          <p:cNvPicPr>
+            <a:picLocks noChangeAspect="1" noChangeArrowheads="1"/>
+          </p:cNvPicPr>
+          <p:nvPr/>
+        </p:nvPicPr>
+        <p:blipFill>
+          <a:blip r:embed="rId6" cstate="email">
+            <a:extLst>
+              <a:ext uri="{28A0092B-C50C-407E-A947-70E740481C1C}">
+                <a14:useLocalDpi xmlns:a14="http://schemas.microsoft.com/office/drawing/2010/main" val="0"/>
+              </a:ext>
+            </a:extLst>
+          </a:blip>
+          <a:srcRect/>
+          <a:stretch>
+            <a:fillRect/>
+          </a:stretch>
+        </p:blipFill>
+        <p:spPr bwMode="auto">
+          <a:xfrm>
+            <a:off x="7717682" y="4228756"/>
+            <a:ext cx="4217169" cy="2686691"/>
+          </a:xfrm>
+          <a:prstGeom prst="rect">
+            <a:avLst/>
+          </a:prstGeom>
+          <a:noFill/>
+          <a:extLst>
+            <a:ext uri="{909E8E84-426E-40DD-AFC4-6F175D3DCCD1}">
+              <a14:hiddenFill xmlns:a14="http://schemas.microsoft.com/office/drawing/2010/main">
+                <a:solidFill>
+                  <a:srgbClr val="FFFFFF"/>
+                </a:solidFill>
+              </a14:hiddenFill>
+            </a:ext>
+          </a:extLst>
+        </p:spPr>
+      </p:pic>
+    </p:spTree>
+    <p:extLst>
+      <p:ext uri="{BB962C8B-B14F-4D97-AF65-F5344CB8AC3E}">
+        <p14:creationId xmlns:p14="http://schemas.microsoft.com/office/powerpoint/2010/main" val="3447946221"/>
+      </p:ext>
+    </p:extLst>
+  </p:cSld>
+  <p:clrMapOvr>
+    <a:masterClrMapping/>
+  </p:clrMapOvr>
+</p:sld>
+</file>
+
+<file path=ppt/slides/slide16.xml><?xml version="1.0" encoding="utf-8"?>
+<p:sld xmlns:a="http://schemas.openxmlformats.org/drawingml/2006/main" xmlns:r="http://schemas.openxmlformats.org/officeDocument/2006/relationships" xmlns:p="http://schemas.openxmlformats.org/presentationml/2006/main">
+  <p:cSld>
+    <p:spTree>
+      <p:nvGrpSpPr>
+        <p:cNvPr id="1" name=""/>
+        <p:cNvGrpSpPr/>
+        <p:nvPr/>
+      </p:nvGrpSpPr>
+      <p:grpSpPr>
+        <a:xfrm>
+          <a:off x="0" y="0"/>
+          <a:ext cx="0" cy="0"/>
+          <a:chOff x="0" y="0"/>
+          <a:chExt cx="0" cy="0"/>
+        </a:xfrm>
+      </p:grpSpPr>
+      <p:sp>
+        <p:nvSpPr>
+          <p:cNvPr id="16385" name="Title 1"/>
+          <p:cNvSpPr>
+            <a:spLocks noGrp="1"/>
+          </p:cNvSpPr>
+          <p:nvPr>
+            <p:ph type="title"/>
+          </p:nvPr>
+        </p:nvSpPr>
+        <p:spPr>
+          <a:xfrm>
+            <a:off x="3276600" y="1680117"/>
+            <a:ext cx="8077200" cy="4000006"/>
+          </a:xfrm>
+        </p:spPr>
+        <p:txBody>
+          <a:bodyPr/>
+          <a:lstStyle/>
+          <a:p>
+            <a:r>
+              <a:rPr lang="en-US" dirty="0">
+                <a:solidFill>
+                  <a:srgbClr val="4C4C4C"/>
+                </a:solidFill>
+                <a:latin typeface="BentonSans Book" charset="0"/>
+              </a:rPr>
+              <a:t>“</a:t>
+            </a:r>
+            <a:r>
+              <a:rPr lang="en-US" dirty="0"/>
+              <a:t>I saw in a dream a table where all the elements fell into place as required. Awakening, I immediately wrote it down on a piece of paper</a:t>
+            </a:r>
+            <a:r>
+              <a:rPr lang="en-US" dirty="0">
+                <a:solidFill>
+                  <a:srgbClr val="4C4C4C"/>
+                </a:solidFill>
+                <a:latin typeface="BentonSans Book" charset="0"/>
+              </a:rPr>
+              <a:t>.”</a:t>
+            </a:r>
+          </a:p>
+        </p:txBody>
+      </p:sp>
+      <p:sp>
+        <p:nvSpPr>
+          <p:cNvPr id="3" name="Text Placeholder 2"/>
+          <p:cNvSpPr>
+            <a:spLocks noGrp="1"/>
+          </p:cNvSpPr>
+          <p:nvPr>
+            <p:ph type="body" sz="quarter" idx="11"/>
+          </p:nvPr>
+        </p:nvSpPr>
+        <p:spPr>
+          <a:xfrm>
+            <a:off x="3560763" y="5846948"/>
+            <a:ext cx="8077200" cy="276225"/>
+          </a:xfrm>
+        </p:spPr>
+        <p:txBody>
+          <a:bodyPr/>
+          <a:lstStyle/>
+          <a:p>
+            <a:pPr defTabSz="1306221" fontAlgn="auto">
+              <a:spcAft>
+                <a:spcPts val="0"/>
+              </a:spcAft>
+              <a:buFont typeface="Arial" panose="020B0604020202020204" pitchFamily="34" charset="0"/>
+              <a:buNone/>
+              <a:defRPr/>
+            </a:pPr>
+            <a:r>
+              <a:rPr lang="en-US" sz="1800" dirty="0">
+                <a:ea typeface="+mn-ea"/>
+              </a:rPr>
+              <a:t>Dmitri Mendeleev</a:t>
+            </a:r>
+          </a:p>
+        </p:txBody>
+      </p:sp>
+    </p:spTree>
+    <p:extLst>
+      <p:ext uri="{BB962C8B-B14F-4D97-AF65-F5344CB8AC3E}">
+        <p14:creationId xmlns:p14="http://schemas.microsoft.com/office/powerpoint/2010/main" val="988820585"/>
+      </p:ext>
+    </p:extLst>
+  </p:cSld>
+  <p:clrMapOvr>
+    <a:masterClrMapping/>
+  </p:clrMapOvr>
+</p:sld>
+</file>
+
+<file path=ppt/slides/slide17.xml><?xml version="1.0" encoding="utf-8"?>
+<p:sld xmlns:a="http://schemas.openxmlformats.org/drawingml/2006/main" xmlns:r="http://schemas.openxmlformats.org/officeDocument/2006/relationships" xmlns:p="http://schemas.openxmlformats.org/presentationml/2006/main">
+  <p:cSld>
+    <p:spTree>
+      <p:nvGrpSpPr>
+        <p:cNvPr id="1" name=""/>
+        <p:cNvGrpSpPr/>
+        <p:nvPr/>
+      </p:nvGrpSpPr>
+      <p:grpSpPr>
+        <a:xfrm>
+          <a:off x="0" y="0"/>
+          <a:ext cx="0" cy="0"/>
+          <a:chOff x="0" y="0"/>
+          <a:chExt cx="0" cy="0"/>
+        </a:xfrm>
+      </p:grpSpPr>
+      <p:pic>
+        <p:nvPicPr>
+          <p:cNvPr id="6" name="Picture 5" descr="Bottom_Viz_August-09.png"/>
+          <p:cNvPicPr>
+            <a:picLocks noChangeAspect="1"/>
+          </p:cNvPicPr>
+          <p:nvPr/>
+        </p:nvPicPr>
+        <p:blipFill rotWithShape="1">
+          <a:blip r:embed="rId3" cstate="email">
+            <a:extLst>
+              <a:ext uri="{28A0092B-C50C-407E-A947-70E740481C1C}">
+                <a14:useLocalDpi xmlns:a14="http://schemas.microsoft.com/office/drawing/2010/main" val="0"/>
+              </a:ext>
+            </a:extLst>
+          </a:blip>
+          <a:srcRect l="1098" b="58330"/>
+          <a:stretch/>
+        </p:blipFill>
+        <p:spPr>
+          <a:xfrm flipH="1">
+            <a:off x="0" y="6910529"/>
+            <a:ext cx="14630400" cy="1319071"/>
+          </a:xfrm>
+          <a:prstGeom prst="rect">
+            <a:avLst/>
+          </a:prstGeom>
+        </p:spPr>
+      </p:pic>
+      <p:pic>
+        <p:nvPicPr>
+          <p:cNvPr id="3074" name="Picture 2" descr="https://www.meta-synthesis.com/webbook/35_pt/First_Draft_PT.png">
+            <a:extLst>
+              <a:ext uri="{FF2B5EF4-FFF2-40B4-BE49-F238E27FC236}">
+                <a16:creationId xmlns:a16="http://schemas.microsoft.com/office/drawing/2014/main" id="{9B2B273E-9194-48CB-9E38-7C01E24B8626}"/>
+              </a:ext>
+            </a:extLst>
+          </p:cNvPr>
+          <p:cNvPicPr>
+            <a:picLocks noChangeAspect="1" noChangeArrowheads="1"/>
+          </p:cNvPicPr>
+          <p:nvPr/>
+        </p:nvPicPr>
+        <p:blipFill>
+          <a:blip r:embed="rId4" cstate="email">
+            <a:extLst>
+              <a:ext uri="{28A0092B-C50C-407E-A947-70E740481C1C}">
+                <a14:useLocalDpi xmlns:a14="http://schemas.microsoft.com/office/drawing/2010/main" val="0"/>
+              </a:ext>
+            </a:extLst>
+          </a:blip>
+          <a:srcRect/>
+          <a:stretch>
+            <a:fillRect/>
+          </a:stretch>
+        </p:blipFill>
+        <p:spPr bwMode="auto">
+          <a:xfrm>
+            <a:off x="3297089" y="630572"/>
+            <a:ext cx="3978275" cy="6279957"/>
+          </a:xfrm>
+          <a:prstGeom prst="rect">
+            <a:avLst/>
+          </a:prstGeom>
+          <a:noFill/>
+          <a:extLst>
+            <a:ext uri="{909E8E84-426E-40DD-AFC4-6F175D3DCCD1}">
+              <a14:hiddenFill xmlns:a14="http://schemas.microsoft.com/office/drawing/2010/main">
+                <a:solidFill>
+                  <a:srgbClr val="FFFFFF"/>
+                </a:solidFill>
+              </a14:hiddenFill>
+            </a:ext>
+          </a:extLst>
+        </p:spPr>
+      </p:pic>
+      <p:sp>
+        <p:nvSpPr>
+          <p:cNvPr id="10" name="Text Placeholder 1">
+            <a:extLst>
+              <a:ext uri="{FF2B5EF4-FFF2-40B4-BE49-F238E27FC236}">
+                <a16:creationId xmlns:a16="http://schemas.microsoft.com/office/drawing/2014/main" id="{6810FE93-ECFD-4BB2-A1BA-63EC2FA4EBF8}"/>
+              </a:ext>
+            </a:extLst>
+          </p:cNvPr>
+          <p:cNvSpPr txBox="1">
+            <a:spLocks/>
+          </p:cNvSpPr>
+          <p:nvPr/>
+        </p:nvSpPr>
+        <p:spPr>
+          <a:xfrm>
+            <a:off x="7844083" y="2761043"/>
+            <a:ext cx="5513770" cy="1009507"/>
+          </a:xfrm>
+          <a:prstGeom prst="rect">
+            <a:avLst/>
+          </a:prstGeom>
+        </p:spPr>
+        <p:txBody>
+          <a:bodyPr anchor="ctr"/>
+          <a:lstStyle>
+            <a:lvl1pPr marL="488950" indent="-488950" algn="l" defTabSz="1304925" rtl="0" eaLnBrk="1" fontAlgn="base" hangingPunct="1">
+              <a:spcBef>
+                <a:spcPct val="20000"/>
+              </a:spcBef>
+              <a:spcAft>
+                <a:spcPct val="0"/>
+              </a:spcAft>
+              <a:buFont typeface="Arial" charset="0"/>
+              <a:buChar char="•"/>
+              <a:defRPr sz="4600" kern="1200">
+                <a:solidFill>
+                  <a:schemeClr val="tx1"/>
+                </a:solidFill>
+                <a:latin typeface="+mn-lt"/>
+                <a:ea typeface="ＭＳ Ｐゴシック" charset="0"/>
+                <a:cs typeface="ＭＳ Ｐゴシック" charset="0"/>
+              </a:defRPr>
+            </a:lvl1pPr>
+            <a:lvl2pPr marL="1060450" indent="-407988" algn="l" defTabSz="1304925" rtl="0" eaLnBrk="1" fontAlgn="base" hangingPunct="1">
+              <a:spcBef>
+                <a:spcPct val="20000"/>
+              </a:spcBef>
+              <a:spcAft>
+                <a:spcPct val="0"/>
+              </a:spcAft>
+              <a:buFont typeface="Arial" charset="0"/>
+              <a:buChar char="–"/>
+              <a:defRPr sz="4000" kern="1200">
+                <a:solidFill>
+                  <a:schemeClr val="tx1"/>
+                </a:solidFill>
+                <a:latin typeface="+mn-lt"/>
+                <a:ea typeface="ＭＳ Ｐゴシック" charset="0"/>
+                <a:cs typeface="+mn-cs"/>
+              </a:defRPr>
+            </a:lvl2pPr>
+            <a:lvl3pPr marL="1631950" indent="-325438" algn="l" defTabSz="1304925" rtl="0" eaLnBrk="1" fontAlgn="base" hangingPunct="1">
+              <a:spcBef>
+                <a:spcPct val="20000"/>
+              </a:spcBef>
+              <a:spcAft>
+                <a:spcPct val="0"/>
+              </a:spcAft>
+              <a:buFont typeface="Arial" charset="0"/>
+              <a:buChar char="•"/>
+              <a:defRPr sz="3400" kern="1200">
+                <a:solidFill>
+                  <a:schemeClr val="tx1"/>
+                </a:solidFill>
+                <a:latin typeface="+mn-lt"/>
+                <a:ea typeface="ＭＳ Ｐゴシック" charset="0"/>
+                <a:cs typeface="+mn-cs"/>
+              </a:defRPr>
+            </a:lvl3pPr>
+            <a:lvl4pPr marL="2284413" indent="-325438" algn="l" defTabSz="1304925" rtl="0" eaLnBrk="1" fontAlgn="base" hangingPunct="1">
+              <a:spcBef>
+                <a:spcPct val="20000"/>
+              </a:spcBef>
+              <a:spcAft>
+                <a:spcPct val="0"/>
+              </a:spcAft>
+              <a:buFont typeface="Arial" charset="0"/>
+              <a:buChar char="–"/>
+              <a:defRPr sz="2900" kern="1200">
+                <a:solidFill>
+                  <a:schemeClr val="tx1"/>
+                </a:solidFill>
+                <a:latin typeface="+mn-lt"/>
+                <a:ea typeface="ＭＳ Ｐゴシック" charset="0"/>
+                <a:cs typeface="+mn-cs"/>
+              </a:defRPr>
+            </a:lvl4pPr>
+            <a:lvl5pPr marL="2938463" indent="-325438" algn="l" defTabSz="1304925" rtl="0" eaLnBrk="1" fontAlgn="base" hangingPunct="1">
+              <a:spcBef>
+                <a:spcPct val="20000"/>
+              </a:spcBef>
+              <a:spcAft>
+                <a:spcPct val="0"/>
+              </a:spcAft>
+              <a:buFont typeface="Arial" charset="0"/>
+              <a:buChar char="»"/>
+              <a:defRPr sz="2900" kern="1200">
+                <a:solidFill>
+                  <a:schemeClr val="tx1"/>
+                </a:solidFill>
+                <a:latin typeface="+mn-lt"/>
+                <a:ea typeface="ＭＳ Ｐゴシック" charset="0"/>
+                <a:cs typeface="+mn-cs"/>
+              </a:defRPr>
+            </a:lvl5pPr>
+            <a:lvl6pPr marL="3592106" indent="-326555" algn="l" defTabSz="1306221" rtl="0" eaLnBrk="1" latinLnBrk="0" hangingPunct="1">
+              <a:spcBef>
+                <a:spcPct val="20000"/>
+              </a:spcBef>
+              <a:buFont typeface="Arial" panose="020B0604020202020204" pitchFamily="34" charset="0"/>
+              <a:buChar char="•"/>
+              <a:defRPr sz="2900" kern="1200">
+                <a:solidFill>
+                  <a:schemeClr val="tx1"/>
+                </a:solidFill>
+                <a:latin typeface="+mn-lt"/>
+                <a:ea typeface="+mn-ea"/>
+                <a:cs typeface="+mn-cs"/>
+              </a:defRPr>
+            </a:lvl6pPr>
+            <a:lvl7pPr marL="4245216" indent="-326555" algn="l" defTabSz="1306221" rtl="0" eaLnBrk="1" latinLnBrk="0" hangingPunct="1">
+              <a:spcBef>
+                <a:spcPct val="20000"/>
+              </a:spcBef>
+              <a:buFont typeface="Arial" panose="020B0604020202020204" pitchFamily="34" charset="0"/>
+              <a:buChar char="•"/>
+              <a:defRPr sz="2900" kern="1200">
+                <a:solidFill>
+                  <a:schemeClr val="tx1"/>
+                </a:solidFill>
+                <a:latin typeface="+mn-lt"/>
+                <a:ea typeface="+mn-ea"/>
+                <a:cs typeface="+mn-cs"/>
+              </a:defRPr>
+            </a:lvl7pPr>
+            <a:lvl8pPr marL="4898326" indent="-326555" algn="l" defTabSz="1306221" rtl="0" eaLnBrk="1" latinLnBrk="0" hangingPunct="1">
+              <a:spcBef>
+                <a:spcPct val="20000"/>
+              </a:spcBef>
+              <a:buFont typeface="Arial" panose="020B0604020202020204" pitchFamily="34" charset="0"/>
+              <a:buChar char="•"/>
+              <a:defRPr sz="2900" kern="1200">
+                <a:solidFill>
+                  <a:schemeClr val="tx1"/>
+                </a:solidFill>
+                <a:latin typeface="+mn-lt"/>
+                <a:ea typeface="+mn-ea"/>
+                <a:cs typeface="+mn-cs"/>
+              </a:defRPr>
+            </a:lvl8pPr>
+            <a:lvl9pPr marL="5551437" indent="-326555" algn="l" defTabSz="1306221" rtl="0" eaLnBrk="1" latinLnBrk="0" hangingPunct="1">
+              <a:spcBef>
+                <a:spcPct val="20000"/>
+              </a:spcBef>
+              <a:buFont typeface="Arial" panose="020B0604020202020204" pitchFamily="34" charset="0"/>
+              <a:buChar char="•"/>
+              <a:defRPr sz="2900" kern="1200">
+                <a:solidFill>
+                  <a:schemeClr val="tx1"/>
+                </a:solidFill>
+                <a:latin typeface="+mn-lt"/>
+                <a:ea typeface="+mn-ea"/>
+                <a:cs typeface="+mn-cs"/>
+              </a:defRPr>
+            </a:lvl9pPr>
+          </a:lstStyle>
+          <a:p>
+            <a:pPr marL="0" indent="0" defTabSz="1306221" fontAlgn="auto">
+              <a:buNone/>
+              <a:defRPr/>
+            </a:pPr>
+            <a:r>
+              <a:rPr lang="en-US" sz="8000" dirty="0"/>
+              <a:t>1868 </a:t>
+            </a:r>
+          </a:p>
+          <a:p>
+            <a:pPr marL="0" indent="0" defTabSz="1306221" fontAlgn="auto">
+              <a:buNone/>
+              <a:defRPr/>
+            </a:pPr>
+            <a:r>
+              <a:rPr lang="en-US" sz="8000" dirty="0"/>
+              <a:t>First</a:t>
+            </a:r>
+          </a:p>
+          <a:p>
+            <a:pPr marL="0" indent="0" defTabSz="1306221" fontAlgn="auto">
+              <a:buNone/>
+              <a:defRPr/>
+            </a:pPr>
+            <a:r>
+              <a:rPr lang="en-US" sz="8000" dirty="0"/>
+              <a:t>Draft</a:t>
+            </a:r>
+          </a:p>
+        </p:txBody>
+      </p:sp>
+    </p:spTree>
+    <p:extLst>
+      <p:ext uri="{BB962C8B-B14F-4D97-AF65-F5344CB8AC3E}">
+        <p14:creationId xmlns:p14="http://schemas.microsoft.com/office/powerpoint/2010/main" val="3840652395"/>
+      </p:ext>
+    </p:extLst>
+  </p:cSld>
+  <p:clrMapOvr>
+    <a:masterClrMapping/>
+  </p:clrMapOvr>
+</p:sld>
+</file>
+
+<file path=ppt/slides/slide18.xml><?xml version="1.0" encoding="utf-8"?>
+<p:sld xmlns:a="http://schemas.openxmlformats.org/drawingml/2006/main" xmlns:r="http://schemas.openxmlformats.org/officeDocument/2006/relationships" xmlns:p="http://schemas.openxmlformats.org/presentationml/2006/main">
+  <p:cSld>
+    <p:spTree>
+      <p:nvGrpSpPr>
+        <p:cNvPr id="1" name=""/>
+        <p:cNvGrpSpPr/>
+        <p:nvPr/>
+      </p:nvGrpSpPr>
+      <p:grpSpPr>
+        <a:xfrm>
+          <a:off x="0" y="0"/>
+          <a:ext cx="0" cy="0"/>
+          <a:chOff x="0" y="0"/>
+          <a:chExt cx="0" cy="0"/>
+        </a:xfrm>
+      </p:grpSpPr>
+      <p:pic>
+        <p:nvPicPr>
+          <p:cNvPr id="4100" name="Picture 4" descr="https://upload.wikimedia.org/wikipedia/commons/thumb/4/4d/Mendeleev%27s_1869_periodic_table.svg/375px-Mendeleev%27s_1869_periodic_table.svg.png">
+            <a:extLst>
+              <a:ext uri="{FF2B5EF4-FFF2-40B4-BE49-F238E27FC236}">
+                <a16:creationId xmlns:a16="http://schemas.microsoft.com/office/drawing/2014/main" id="{04884433-1862-41BE-947A-9C5E3917F541}"/>
+              </a:ext>
+            </a:extLst>
+          </p:cNvPr>
+          <p:cNvPicPr>
+            <a:picLocks noChangeAspect="1" noChangeArrowheads="1"/>
+          </p:cNvPicPr>
+          <p:nvPr/>
+        </p:nvPicPr>
+        <p:blipFill>
+          <a:blip r:embed="rId3">
+            <a:extLst>
+              <a:ext uri="{28A0092B-C50C-407E-A947-70E740481C1C}">
+                <a14:useLocalDpi xmlns:a14="http://schemas.microsoft.com/office/drawing/2010/main" val="0"/>
+              </a:ext>
+            </a:extLst>
+          </a:blip>
+          <a:srcRect/>
+          <a:stretch>
+            <a:fillRect/>
+          </a:stretch>
+        </p:blipFill>
+        <p:spPr bwMode="auto">
+          <a:xfrm>
+            <a:off x="1689411" y="455850"/>
+            <a:ext cx="5961690" cy="6629400"/>
+          </a:xfrm>
+          <a:prstGeom prst="rect">
+            <a:avLst/>
+          </a:prstGeom>
+          <a:noFill/>
+          <a:extLst>
+            <a:ext uri="{909E8E84-426E-40DD-AFC4-6F175D3DCCD1}">
+              <a14:hiddenFill xmlns:a14="http://schemas.microsoft.com/office/drawing/2010/main">
+                <a:solidFill>
+                  <a:srgbClr val="FFFFFF"/>
+                </a:solidFill>
+              </a14:hiddenFill>
+            </a:ext>
+          </a:extLst>
+        </p:spPr>
+      </p:pic>
+      <p:pic>
+        <p:nvPicPr>
+          <p:cNvPr id="6" name="Picture 5" descr="Bottom_Viz_August-09.png"/>
+          <p:cNvPicPr>
+            <a:picLocks noChangeAspect="1"/>
+          </p:cNvPicPr>
+          <p:nvPr/>
+        </p:nvPicPr>
+        <p:blipFill rotWithShape="1">
+          <a:blip r:embed="rId4" cstate="email">
+            <a:extLst>
+              <a:ext uri="{28A0092B-C50C-407E-A947-70E740481C1C}">
+                <a14:useLocalDpi xmlns:a14="http://schemas.microsoft.com/office/drawing/2010/main" val="0"/>
+              </a:ext>
+            </a:extLst>
+          </a:blip>
+          <a:srcRect l="1098" b="58330"/>
+          <a:stretch/>
+        </p:blipFill>
+        <p:spPr>
+          <a:xfrm flipH="1">
+            <a:off x="0" y="6910529"/>
+            <a:ext cx="14630400" cy="1319071"/>
+          </a:xfrm>
+          <a:prstGeom prst="rect">
+            <a:avLst/>
+          </a:prstGeom>
+        </p:spPr>
+      </p:pic>
+      <p:sp>
+        <p:nvSpPr>
+          <p:cNvPr id="10" name="Text Placeholder 1">
+            <a:extLst>
+              <a:ext uri="{FF2B5EF4-FFF2-40B4-BE49-F238E27FC236}">
+                <a16:creationId xmlns:a16="http://schemas.microsoft.com/office/drawing/2014/main" id="{6810FE93-ECFD-4BB2-A1BA-63EC2FA4EBF8}"/>
+              </a:ext>
+            </a:extLst>
+          </p:cNvPr>
+          <p:cNvSpPr txBox="1">
+            <a:spLocks/>
+          </p:cNvSpPr>
+          <p:nvPr/>
+        </p:nvSpPr>
+        <p:spPr>
+          <a:xfrm>
+            <a:off x="7844083" y="2761043"/>
+            <a:ext cx="5513770" cy="1009507"/>
+          </a:xfrm>
+          <a:prstGeom prst="rect">
+            <a:avLst/>
+          </a:prstGeom>
+        </p:spPr>
+        <p:txBody>
+          <a:bodyPr anchor="ctr"/>
+          <a:lstStyle>
+            <a:lvl1pPr marL="488950" indent="-488950" algn="l" defTabSz="1304925" rtl="0" eaLnBrk="1" fontAlgn="base" hangingPunct="1">
+              <a:spcBef>
+                <a:spcPct val="20000"/>
+              </a:spcBef>
+              <a:spcAft>
+                <a:spcPct val="0"/>
+              </a:spcAft>
+              <a:buFont typeface="Arial" charset="0"/>
+              <a:buChar char="•"/>
+              <a:defRPr sz="4600" kern="1200">
+                <a:solidFill>
+                  <a:schemeClr val="tx1"/>
+                </a:solidFill>
+                <a:latin typeface="+mn-lt"/>
+                <a:ea typeface="ＭＳ Ｐゴシック" charset="0"/>
+                <a:cs typeface="ＭＳ Ｐゴシック" charset="0"/>
+              </a:defRPr>
+            </a:lvl1pPr>
+            <a:lvl2pPr marL="1060450" indent="-407988" algn="l" defTabSz="1304925" rtl="0" eaLnBrk="1" fontAlgn="base" hangingPunct="1">
+              <a:spcBef>
+                <a:spcPct val="20000"/>
+              </a:spcBef>
+              <a:spcAft>
+                <a:spcPct val="0"/>
+              </a:spcAft>
+              <a:buFont typeface="Arial" charset="0"/>
+              <a:buChar char="–"/>
+              <a:defRPr sz="4000" kern="1200">
+                <a:solidFill>
+                  <a:schemeClr val="tx1"/>
+                </a:solidFill>
+                <a:latin typeface="+mn-lt"/>
+                <a:ea typeface="ＭＳ Ｐゴシック" charset="0"/>
+                <a:cs typeface="+mn-cs"/>
+              </a:defRPr>
+            </a:lvl2pPr>
+            <a:lvl3pPr marL="1631950" indent="-325438" algn="l" defTabSz="1304925" rtl="0" eaLnBrk="1" fontAlgn="base" hangingPunct="1">
+              <a:spcBef>
+                <a:spcPct val="20000"/>
+              </a:spcBef>
+              <a:spcAft>
+                <a:spcPct val="0"/>
+              </a:spcAft>
+              <a:buFont typeface="Arial" charset="0"/>
+              <a:buChar char="•"/>
+              <a:defRPr sz="3400" kern="1200">
+                <a:solidFill>
+                  <a:schemeClr val="tx1"/>
+                </a:solidFill>
+                <a:latin typeface="+mn-lt"/>
+                <a:ea typeface="ＭＳ Ｐゴシック" charset="0"/>
+                <a:cs typeface="+mn-cs"/>
+              </a:defRPr>
+            </a:lvl3pPr>
+            <a:lvl4pPr marL="2284413" indent="-325438" algn="l" defTabSz="1304925" rtl="0" eaLnBrk="1" fontAlgn="base" hangingPunct="1">
+              <a:spcBef>
+                <a:spcPct val="20000"/>
+              </a:spcBef>
+              <a:spcAft>
+                <a:spcPct val="0"/>
+              </a:spcAft>
+              <a:buFont typeface="Arial" charset="0"/>
+              <a:buChar char="–"/>
+              <a:defRPr sz="2900" kern="1200">
+                <a:solidFill>
+                  <a:schemeClr val="tx1"/>
+                </a:solidFill>
+                <a:latin typeface="+mn-lt"/>
+                <a:ea typeface="ＭＳ Ｐゴシック" charset="0"/>
+                <a:cs typeface="+mn-cs"/>
+              </a:defRPr>
+            </a:lvl4pPr>
+            <a:lvl5pPr marL="2938463" indent="-325438" algn="l" defTabSz="1304925" rtl="0" eaLnBrk="1" fontAlgn="base" hangingPunct="1">
+              <a:spcBef>
+                <a:spcPct val="20000"/>
+              </a:spcBef>
+              <a:spcAft>
+                <a:spcPct val="0"/>
+              </a:spcAft>
+              <a:buFont typeface="Arial" charset="0"/>
+              <a:buChar char="»"/>
+              <a:defRPr sz="2900" kern="1200">
+                <a:solidFill>
+                  <a:schemeClr val="tx1"/>
+                </a:solidFill>
+                <a:latin typeface="+mn-lt"/>
+                <a:ea typeface="ＭＳ Ｐゴシック" charset="0"/>
+                <a:cs typeface="+mn-cs"/>
+              </a:defRPr>
+            </a:lvl5pPr>
+            <a:lvl6pPr marL="3592106" indent="-326555" algn="l" defTabSz="1306221" rtl="0" eaLnBrk="1" latinLnBrk="0" hangingPunct="1">
+              <a:spcBef>
+                <a:spcPct val="20000"/>
+              </a:spcBef>
+              <a:buFont typeface="Arial" panose="020B0604020202020204" pitchFamily="34" charset="0"/>
+              <a:buChar char="•"/>
+              <a:defRPr sz="2900" kern="1200">
+                <a:solidFill>
+                  <a:schemeClr val="tx1"/>
+                </a:solidFill>
+                <a:latin typeface="+mn-lt"/>
+                <a:ea typeface="+mn-ea"/>
+                <a:cs typeface="+mn-cs"/>
+              </a:defRPr>
+            </a:lvl6pPr>
+            <a:lvl7pPr marL="4245216" indent="-326555" algn="l" defTabSz="1306221" rtl="0" eaLnBrk="1" latinLnBrk="0" hangingPunct="1">
+              <a:spcBef>
+                <a:spcPct val="20000"/>
+              </a:spcBef>
+              <a:buFont typeface="Arial" panose="020B0604020202020204" pitchFamily="34" charset="0"/>
+              <a:buChar char="•"/>
+              <a:defRPr sz="2900" kern="1200">
+                <a:solidFill>
+                  <a:schemeClr val="tx1"/>
+                </a:solidFill>
+                <a:latin typeface="+mn-lt"/>
+                <a:ea typeface="+mn-ea"/>
+                <a:cs typeface="+mn-cs"/>
+              </a:defRPr>
+            </a:lvl7pPr>
+            <a:lvl8pPr marL="4898326" indent="-326555" algn="l" defTabSz="1306221" rtl="0" eaLnBrk="1" latinLnBrk="0" hangingPunct="1">
+              <a:spcBef>
+                <a:spcPct val="20000"/>
+              </a:spcBef>
+              <a:buFont typeface="Arial" panose="020B0604020202020204" pitchFamily="34" charset="0"/>
+              <a:buChar char="•"/>
+              <a:defRPr sz="2900" kern="1200">
+                <a:solidFill>
+                  <a:schemeClr val="tx1"/>
+                </a:solidFill>
+                <a:latin typeface="+mn-lt"/>
+                <a:ea typeface="+mn-ea"/>
+                <a:cs typeface="+mn-cs"/>
+              </a:defRPr>
+            </a:lvl8pPr>
+            <a:lvl9pPr marL="5551437" indent="-326555" algn="l" defTabSz="1306221" rtl="0" eaLnBrk="1" latinLnBrk="0" hangingPunct="1">
+              <a:spcBef>
+                <a:spcPct val="20000"/>
+              </a:spcBef>
+              <a:buFont typeface="Arial" panose="020B0604020202020204" pitchFamily="34" charset="0"/>
+              <a:buChar char="•"/>
+              <a:defRPr sz="2900" kern="1200">
+                <a:solidFill>
+                  <a:schemeClr val="tx1"/>
+                </a:solidFill>
+                <a:latin typeface="+mn-lt"/>
+                <a:ea typeface="+mn-ea"/>
+                <a:cs typeface="+mn-cs"/>
+              </a:defRPr>
+            </a:lvl9pPr>
+          </a:lstStyle>
+          <a:p>
+            <a:pPr marL="0" indent="0" defTabSz="1306221" fontAlgn="auto">
+              <a:buNone/>
+              <a:defRPr/>
+            </a:pPr>
+            <a:r>
+              <a:rPr lang="en-US" sz="8000" dirty="0"/>
+              <a:t>1869</a:t>
+            </a:r>
+          </a:p>
+          <a:p>
+            <a:pPr marL="0" indent="0" defTabSz="1306221" fontAlgn="auto">
+              <a:buNone/>
+              <a:defRPr/>
+            </a:pPr>
+            <a:r>
+              <a:rPr lang="en-US" sz="8000" dirty="0"/>
+              <a:t>Mendeleev’s</a:t>
+            </a:r>
+          </a:p>
+          <a:p>
+            <a:pPr marL="0" indent="0" defTabSz="1306221" fontAlgn="auto">
+              <a:buNone/>
+              <a:defRPr/>
+            </a:pPr>
+            <a:r>
+              <a:rPr lang="en-US" sz="8000" dirty="0"/>
+              <a:t>Tabelle I</a:t>
+            </a:r>
+          </a:p>
+        </p:txBody>
+      </p:sp>
+      <p:pic>
+        <p:nvPicPr>
+          <p:cNvPr id="4098" name="Picture 2" descr="Mendeleev's Tabelle I">
+            <a:extLst>
+              <a:ext uri="{FF2B5EF4-FFF2-40B4-BE49-F238E27FC236}">
+                <a16:creationId xmlns:a16="http://schemas.microsoft.com/office/drawing/2014/main" id="{CEA8D233-AAF9-4080-9347-5FAEAE130916}"/>
+              </a:ext>
+            </a:extLst>
+          </p:cNvPr>
+          <p:cNvPicPr>
+            <a:picLocks noChangeAspect="1" noChangeArrowheads="1"/>
+          </p:cNvPicPr>
+          <p:nvPr/>
+        </p:nvPicPr>
+        <p:blipFill>
+          <a:blip r:embed="rId5" cstate="email">
+            <a:extLst>
+              <a:ext uri="{28A0092B-C50C-407E-A947-70E740481C1C}">
+                <a14:useLocalDpi xmlns:a14="http://schemas.microsoft.com/office/drawing/2010/main" val="0"/>
+              </a:ext>
+            </a:extLst>
+          </a:blip>
+          <a:srcRect/>
+          <a:stretch>
+            <a:fillRect/>
+          </a:stretch>
+        </p:blipFill>
+        <p:spPr bwMode="auto">
+          <a:xfrm>
+            <a:off x="2681370" y="455850"/>
+            <a:ext cx="4594798" cy="6629400"/>
+          </a:xfrm>
+          <a:prstGeom prst="rect">
+            <a:avLst/>
+          </a:prstGeom>
+          <a:noFill/>
+          <a:extLst>
+            <a:ext uri="{909E8E84-426E-40DD-AFC4-6F175D3DCCD1}">
+              <a14:hiddenFill xmlns:a14="http://schemas.microsoft.com/office/drawing/2010/main">
+                <a:solidFill>
+                  <a:srgbClr val="FFFFFF"/>
+                </a:solidFill>
+              </a14:hiddenFill>
+            </a:ext>
+          </a:extLst>
+        </p:spPr>
+      </p:pic>
+    </p:spTree>
+    <p:extLst>
+      <p:ext uri="{BB962C8B-B14F-4D97-AF65-F5344CB8AC3E}">
+        <p14:creationId xmlns:p14="http://schemas.microsoft.com/office/powerpoint/2010/main" val="2189500259"/>
+      </p:ext>
+    </p:extLst>
+  </p:cSld>
+  <p:clrMapOvr>
+    <a:masterClrMapping/>
+  </p:clrMapOvr>
+  <p:timing>
+    <p:tnLst>
+      <p:par>
+        <p:cTn id="1" dur="indefinite" restart="never" nodeType="tmRoot">
+          <p:childTnLst>
+            <p:seq concurrent="1" nextAc="seek">
+              <p:cTn id="2" dur="indefinite" nodeType="mainSeq">
+                <p:childTnLst>
+                  <p:par>
+                    <p:cTn id="3" fill="hold">
+                      <p:stCondLst>
+                        <p:cond delay="indefinite"/>
+                      </p:stCondLst>
+                      <p:childTnLst>
+                        <p:par>
+                          <p:cTn id="4" fill="hold">
+                            <p:stCondLst>
+                              <p:cond delay="0"/>
+                            </p:stCondLst>
+                            <p:childTnLst>
+                              <p:par>
+                                <p:cTn id="5" presetID="10" presetClass="exit" presetSubtype="0" fill="hold" nodeType="clickEffect">
+                                  <p:stCondLst>
+                                    <p:cond delay="0"/>
+                                  </p:stCondLst>
+                                  <p:childTnLst>
+                                    <p:animEffect transition="out" filter="fade">
+                                      <p:cBhvr>
+                                        <p:cTn id="6" dur="500"/>
+                                        <p:tgtEl>
+                                          <p:spTgt spid="4098"/>
+                                        </p:tgtEl>
+                                      </p:cBhvr>
+                                    </p:animEffect>
+                                    <p:set>
+                                      <p:cBhvr>
+                                        <p:cTn id="7" dur="1" fill="hold">
+                                          <p:stCondLst>
+                                            <p:cond delay="499"/>
+                                          </p:stCondLst>
+                                        </p:cTn>
+                                        <p:tgtEl>
+                                          <p:spTgt spid="4098"/>
+                                        </p:tgtEl>
+                                        <p:attrNameLst>
+                                          <p:attrName>style.visibility</p:attrName>
+                                        </p:attrNameLst>
+                                      </p:cBhvr>
+                                      <p:to>
+                                        <p:strVal val="hidden"/>
+                                      </p:to>
+                                    </p:set>
+                                  </p:childTnLst>
+                                </p:cTn>
+                              </p:par>
+                              <p:par>
+                                <p:cTn id="8" presetID="10" presetClass="entr" presetSubtype="0" fill="hold" nodeType="withEffect">
+                                  <p:stCondLst>
+                                    <p:cond delay="300"/>
+                                  </p:stCondLst>
+                                  <p:childTnLst>
+                                    <p:set>
+                                      <p:cBhvr>
+                                        <p:cTn id="9" dur="1" fill="hold">
+                                          <p:stCondLst>
+                                            <p:cond delay="0"/>
+                                          </p:stCondLst>
+                                        </p:cTn>
+                                        <p:tgtEl>
+                                          <p:spTgt spid="4100"/>
+                                        </p:tgtEl>
+                                        <p:attrNameLst>
+                                          <p:attrName>style.visibility</p:attrName>
+                                        </p:attrNameLst>
+                                      </p:cBhvr>
+                                      <p:to>
+                                        <p:strVal val="visible"/>
+                                      </p:to>
+                                    </p:set>
+                                    <p:animEffect transition="in" filter="fade">
+                                      <p:cBhvr>
+                                        <p:cTn id="10" dur="500"/>
+                                        <p:tgtEl>
+                                          <p:spTgt spid="4100"/>
+                                        </p:tgtEl>
+                                      </p:cBhvr>
+                                    </p:animEffect>
+                                  </p:childTnLst>
+                                </p:cTn>
+                              </p:par>
+                            </p:childTnLst>
+                          </p:cTn>
+                        </p:par>
+                      </p:childTnLst>
+                    </p:cTn>
+                  </p:par>
+                </p:childTnLst>
+              </p:cTn>
+              <p:prevCondLst>
+                <p:cond evt="onPrev" delay="0">
+                  <p:tgtEl>
+                    <p:sldTgt/>
+                  </p:tgtEl>
+                </p:cond>
+              </p:prevCondLst>
+              <p:nextCondLst>
+                <p:cond evt="onNext" delay="0">
+                  <p:tgtEl>
+                    <p:sldTgt/>
+                  </p:tgtEl>
+                </p:cond>
+              </p:nextCondLst>
+            </p:seq>
+          </p:childTnLst>
+        </p:cTn>
+      </p:par>
+    </p:tnLst>
+  </p:timing>
+</p:sld>
+</file>
+
+<file path=ppt/slides/slide19.xml><?xml version="1.0" encoding="utf-8"?>
 <p:sld xmlns:a="http://schemas.openxmlformats.org/drawingml/2006/main" xmlns:r="http://schemas.openxmlformats.org/officeDocument/2006/relationships" xmlns:p="http://schemas.openxmlformats.org/presentationml/2006/main">
   <p:cSld>
     <p:spTree>
@@ -11803,321 +13538,6 @@
 </p:sld>
 </file>
 
-<file path=ppt/slides/slide16.xml><?xml version="1.0" encoding="utf-8"?>
-<p:sld xmlns:a="http://schemas.openxmlformats.org/drawingml/2006/main" xmlns:r="http://schemas.openxmlformats.org/officeDocument/2006/relationships" xmlns:p="http://schemas.openxmlformats.org/presentationml/2006/main">
-  <p:cSld>
-    <p:spTree>
-      <p:nvGrpSpPr>
-        <p:cNvPr id="1" name=""/>
-        <p:cNvGrpSpPr/>
-        <p:nvPr/>
-      </p:nvGrpSpPr>
-      <p:grpSpPr>
-        <a:xfrm>
-          <a:off x="0" y="0"/>
-          <a:ext cx="0" cy="0"/>
-          <a:chOff x="0" y="0"/>
-          <a:chExt cx="0" cy="0"/>
-        </a:xfrm>
-      </p:grpSpPr>
-      <p:sp>
-        <p:nvSpPr>
-          <p:cNvPr id="16385" name="Title 1"/>
-          <p:cNvSpPr>
-            <a:spLocks noGrp="1"/>
-          </p:cNvSpPr>
-          <p:nvPr>
-            <p:ph type="title"/>
-          </p:nvPr>
-        </p:nvSpPr>
-        <p:spPr>
-          <a:xfrm>
-            <a:off x="3276600" y="2438400"/>
-            <a:ext cx="8077200" cy="830263"/>
-          </a:xfrm>
-        </p:spPr>
-        <p:txBody>
-          <a:bodyPr/>
-          <a:lstStyle/>
-          <a:p>
-            <a:r>
-              <a:rPr lang="en-US">
-                <a:solidFill>
-                  <a:srgbClr val="4C4C4C"/>
-                </a:solidFill>
-                <a:latin typeface="BentonSans Book" charset="0"/>
-              </a:rPr>
-              <a:t>“Insert quote here.”</a:t>
-            </a:r>
-          </a:p>
-        </p:txBody>
-      </p:sp>
-      <p:sp>
-        <p:nvSpPr>
-          <p:cNvPr id="3" name="Text Placeholder 2"/>
-          <p:cNvSpPr>
-            <a:spLocks noGrp="1"/>
-          </p:cNvSpPr>
-          <p:nvPr>
-            <p:ph type="body" sz="quarter" idx="11"/>
-          </p:nvPr>
-        </p:nvSpPr>
-        <p:spPr>
-          <a:xfrm>
-            <a:off x="3560763" y="3733800"/>
-            <a:ext cx="8077200" cy="276225"/>
-          </a:xfrm>
-        </p:spPr>
-        <p:txBody>
-          <a:bodyPr/>
-          <a:lstStyle/>
-          <a:p>
-            <a:pPr defTabSz="1306221" fontAlgn="auto">
-              <a:spcAft>
-                <a:spcPts val="0"/>
-              </a:spcAft>
-              <a:buFont typeface="Arial" panose="020B0604020202020204" pitchFamily="34" charset="0"/>
-              <a:buNone/>
-              <a:defRPr/>
-            </a:pPr>
-            <a:r>
-              <a:rPr lang="en-US" sz="1800" dirty="0">
-                <a:ea typeface="+mn-ea"/>
-              </a:rPr>
-              <a:t>Name, Title, Company</a:t>
-            </a:r>
-          </a:p>
-        </p:txBody>
-      </p:sp>
-    </p:spTree>
-  </p:cSld>
-  <p:clrMapOvr>
-    <a:masterClrMapping/>
-  </p:clrMapOvr>
-</p:sld>
-</file>
-
-<file path=ppt/slides/slide17.xml><?xml version="1.0" encoding="utf-8"?>
-<p:sld xmlns:a="http://schemas.openxmlformats.org/drawingml/2006/main" xmlns:r="http://schemas.openxmlformats.org/officeDocument/2006/relationships" xmlns:p="http://schemas.openxmlformats.org/presentationml/2006/main">
-  <p:cSld>
-    <p:spTree>
-      <p:nvGrpSpPr>
-        <p:cNvPr id="1" name=""/>
-        <p:cNvGrpSpPr/>
-        <p:nvPr/>
-      </p:nvGrpSpPr>
-      <p:grpSpPr>
-        <a:xfrm>
-          <a:off x="0" y="0"/>
-          <a:ext cx="0" cy="0"/>
-          <a:chOff x="0" y="0"/>
-          <a:chExt cx="0" cy="0"/>
-        </a:xfrm>
-      </p:grpSpPr>
-      <p:sp>
-        <p:nvSpPr>
-          <p:cNvPr id="4" name="Content Placeholder 3"/>
-          <p:cNvSpPr>
-            <a:spLocks noGrp="1"/>
-          </p:cNvSpPr>
-          <p:nvPr>
-            <p:ph idx="13"/>
-          </p:nvPr>
-        </p:nvSpPr>
-        <p:spPr/>
-        <p:txBody>
-          <a:bodyPr/>
-          <a:lstStyle/>
-          <a:p>
-            <a:pPr defTabSz="1306221" fontAlgn="auto">
-              <a:spcAft>
-                <a:spcPts val="0"/>
-              </a:spcAft>
-              <a:defRPr/>
-            </a:pPr>
-            <a:r>
-              <a:rPr lang="en-US" dirty="0">
-                <a:ea typeface="+mn-ea"/>
-              </a:rPr>
-              <a:t>[Content relevant to image]</a:t>
-            </a:r>
-          </a:p>
-        </p:txBody>
-      </p:sp>
-      <p:sp>
-        <p:nvSpPr>
-          <p:cNvPr id="2" name="Picture Placeholder 1"/>
-          <p:cNvSpPr>
-            <a:spLocks noGrp="1"/>
-          </p:cNvSpPr>
-          <p:nvPr>
-            <p:ph type="pic" sz="quarter" idx="10"/>
-          </p:nvPr>
-        </p:nvSpPr>
-        <p:spPr/>
-      </p:sp>
-      <p:sp>
-        <p:nvSpPr>
-          <p:cNvPr id="3" name="Text Placeholder 2"/>
-          <p:cNvSpPr>
-            <a:spLocks noGrp="1"/>
-          </p:cNvSpPr>
-          <p:nvPr>
-            <p:ph type="body" sz="quarter" idx="12"/>
-          </p:nvPr>
-        </p:nvSpPr>
-        <p:spPr>
-          <a:prstGeom prst="rect">
-            <a:avLst/>
-          </a:prstGeom>
-        </p:spPr>
-        <p:txBody>
-          <a:bodyPr/>
-          <a:lstStyle/>
-          <a:p>
-            <a:pPr defTabSz="1306221" fontAlgn="auto">
-              <a:spcAft>
-                <a:spcPts val="0"/>
-              </a:spcAft>
-              <a:defRPr/>
-            </a:pPr>
-            <a:r>
-              <a:rPr lang="en-US" dirty="0">
-                <a:ea typeface="+mn-ea"/>
-              </a:rPr>
-              <a:t>[Title/Topic]</a:t>
-            </a:r>
-          </a:p>
-        </p:txBody>
-      </p:sp>
-    </p:spTree>
-  </p:cSld>
-  <p:clrMapOvr>
-    <a:masterClrMapping/>
-  </p:clrMapOvr>
-</p:sld>
-</file>
-
-<file path=ppt/slides/slide18.xml><?xml version="1.0" encoding="utf-8"?>
-<p:sld xmlns:a="http://schemas.openxmlformats.org/drawingml/2006/main" xmlns:r="http://schemas.openxmlformats.org/officeDocument/2006/relationships" xmlns:p="http://schemas.openxmlformats.org/presentationml/2006/main">
-  <p:cSld>
-    <p:spTree>
-      <p:nvGrpSpPr>
-        <p:cNvPr id="1" name=""/>
-        <p:cNvGrpSpPr/>
-        <p:nvPr/>
-      </p:nvGrpSpPr>
-      <p:grpSpPr>
-        <a:xfrm>
-          <a:off x="0" y="0"/>
-          <a:ext cx="0" cy="0"/>
-          <a:chOff x="0" y="0"/>
-          <a:chExt cx="0" cy="0"/>
-        </a:xfrm>
-      </p:grpSpPr>
-      <p:sp>
-        <p:nvSpPr>
-          <p:cNvPr id="2" name="Table Placeholder 1"/>
-          <p:cNvSpPr>
-            <a:spLocks noGrp="1"/>
-          </p:cNvSpPr>
-          <p:nvPr>
-            <p:ph type="tbl" sz="quarter" idx="10"/>
-          </p:nvPr>
-        </p:nvSpPr>
-        <p:spPr/>
-      </p:sp>
-      <p:sp>
-        <p:nvSpPr>
-          <p:cNvPr id="3" name="Text Placeholder 2"/>
-          <p:cNvSpPr>
-            <a:spLocks noGrp="1"/>
-          </p:cNvSpPr>
-          <p:nvPr>
-            <p:ph type="body" sz="quarter" idx="12"/>
-          </p:nvPr>
-        </p:nvSpPr>
-        <p:spPr>
-          <a:prstGeom prst="rect">
-            <a:avLst/>
-          </a:prstGeom>
-        </p:spPr>
-        <p:txBody>
-          <a:bodyPr/>
-          <a:lstStyle/>
-          <a:p>
-            <a:pPr defTabSz="1306221" fontAlgn="auto">
-              <a:spcAft>
-                <a:spcPts val="0"/>
-              </a:spcAft>
-              <a:defRPr/>
-            </a:pPr>
-            <a:r>
-              <a:rPr lang="en-US" dirty="0">
-                <a:ea typeface="+mn-ea"/>
-                <a:cs typeface="+mn-cs"/>
-              </a:rPr>
-              <a:t>[Title/Topic]</a:t>
-            </a:r>
-          </a:p>
-        </p:txBody>
-      </p:sp>
-    </p:spTree>
-  </p:cSld>
-  <p:clrMapOvr>
-    <a:masterClrMapping/>
-  </p:clrMapOvr>
-</p:sld>
-</file>
-
-<file path=ppt/slides/slide19.xml><?xml version="1.0" encoding="utf-8"?>
-<p:sld xmlns:a="http://schemas.openxmlformats.org/drawingml/2006/main" xmlns:r="http://schemas.openxmlformats.org/officeDocument/2006/relationships" xmlns:p="http://schemas.openxmlformats.org/presentationml/2006/main">
-  <p:cSld>
-    <p:spTree>
-      <p:nvGrpSpPr>
-        <p:cNvPr id="1" name=""/>
-        <p:cNvGrpSpPr/>
-        <p:nvPr/>
-      </p:nvGrpSpPr>
-      <p:grpSpPr>
-        <a:xfrm>
-          <a:off x="0" y="0"/>
-          <a:ext cx="0" cy="0"/>
-          <a:chOff x="0" y="0"/>
-          <a:chExt cx="0" cy="0"/>
-        </a:xfrm>
-      </p:grpSpPr>
-      <p:sp>
-        <p:nvSpPr>
-          <p:cNvPr id="19457" name="Picture Placeholder 1"/>
-          <p:cNvSpPr>
-            <a:spLocks noGrp="1"/>
-          </p:cNvSpPr>
-          <p:nvPr>
-            <p:ph type="pic" sz="quarter" idx="10"/>
-          </p:nvPr>
-        </p:nvSpPr>
-        <p:spPr bwMode="auto">
-          <a:ln>
-            <a:miter lim="800000"/>
-            <a:headEnd/>
-            <a:tailEnd/>
-          </a:ln>
-          <a:extLst>
-            <a:ext uri="{FAA26D3D-D897-4be2-8F04-BA451C77F1D7}">
-              <ma14:placeholderFlag xmlns:ma14="http://schemas.microsoft.com/office/mac/drawingml/2011/main" xmlns="" val="1"/>
-            </a:ext>
-          </a:extLst>
-        </p:spPr>
-      </p:sp>
-    </p:spTree>
-  </p:cSld>
-  <p:clrMapOvr>
-    <a:masterClrMapping/>
-  </p:clrMapOvr>
-</p:sld>
-</file>
-
 <file path=ppt/slides/slide2.xml><?xml version="1.0" encoding="utf-8"?>
 <p:sld xmlns:a="http://schemas.openxmlformats.org/drawingml/2006/main" xmlns:r="http://schemas.openxmlformats.org/officeDocument/2006/relationships" xmlns:p="http://schemas.openxmlformats.org/presentationml/2006/main">
   <p:cSld>
@@ -12244,6 +13664,321 @@
       </p:grpSpPr>
       <p:sp>
         <p:nvSpPr>
+          <p:cNvPr id="16385" name="Title 1"/>
+          <p:cNvSpPr>
+            <a:spLocks noGrp="1"/>
+          </p:cNvSpPr>
+          <p:nvPr>
+            <p:ph type="title"/>
+          </p:nvPr>
+        </p:nvSpPr>
+        <p:spPr>
+          <a:xfrm>
+            <a:off x="3276600" y="2438400"/>
+            <a:ext cx="8077200" cy="830263"/>
+          </a:xfrm>
+        </p:spPr>
+        <p:txBody>
+          <a:bodyPr/>
+          <a:lstStyle/>
+          <a:p>
+            <a:r>
+              <a:rPr lang="en-US">
+                <a:solidFill>
+                  <a:srgbClr val="4C4C4C"/>
+                </a:solidFill>
+                <a:latin typeface="BentonSans Book" charset="0"/>
+              </a:rPr>
+              <a:t>“Insert quote here.”</a:t>
+            </a:r>
+          </a:p>
+        </p:txBody>
+      </p:sp>
+      <p:sp>
+        <p:nvSpPr>
+          <p:cNvPr id="3" name="Text Placeholder 2"/>
+          <p:cNvSpPr>
+            <a:spLocks noGrp="1"/>
+          </p:cNvSpPr>
+          <p:nvPr>
+            <p:ph type="body" sz="quarter" idx="11"/>
+          </p:nvPr>
+        </p:nvSpPr>
+        <p:spPr>
+          <a:xfrm>
+            <a:off x="3560763" y="3733800"/>
+            <a:ext cx="8077200" cy="276225"/>
+          </a:xfrm>
+        </p:spPr>
+        <p:txBody>
+          <a:bodyPr/>
+          <a:lstStyle/>
+          <a:p>
+            <a:pPr defTabSz="1306221" fontAlgn="auto">
+              <a:spcAft>
+                <a:spcPts val="0"/>
+              </a:spcAft>
+              <a:buFont typeface="Arial" panose="020B0604020202020204" pitchFamily="34" charset="0"/>
+              <a:buNone/>
+              <a:defRPr/>
+            </a:pPr>
+            <a:r>
+              <a:rPr lang="en-US" sz="1800" dirty="0">
+                <a:ea typeface="+mn-ea"/>
+              </a:rPr>
+              <a:t>Name, Title, Company</a:t>
+            </a:r>
+          </a:p>
+        </p:txBody>
+      </p:sp>
+    </p:spTree>
+  </p:cSld>
+  <p:clrMapOvr>
+    <a:masterClrMapping/>
+  </p:clrMapOvr>
+</p:sld>
+</file>
+
+<file path=ppt/slides/slide21.xml><?xml version="1.0" encoding="utf-8"?>
+<p:sld xmlns:a="http://schemas.openxmlformats.org/drawingml/2006/main" xmlns:r="http://schemas.openxmlformats.org/officeDocument/2006/relationships" xmlns:p="http://schemas.openxmlformats.org/presentationml/2006/main">
+  <p:cSld>
+    <p:spTree>
+      <p:nvGrpSpPr>
+        <p:cNvPr id="1" name=""/>
+        <p:cNvGrpSpPr/>
+        <p:nvPr/>
+      </p:nvGrpSpPr>
+      <p:grpSpPr>
+        <a:xfrm>
+          <a:off x="0" y="0"/>
+          <a:ext cx="0" cy="0"/>
+          <a:chOff x="0" y="0"/>
+          <a:chExt cx="0" cy="0"/>
+        </a:xfrm>
+      </p:grpSpPr>
+      <p:sp>
+        <p:nvSpPr>
+          <p:cNvPr id="4" name="Content Placeholder 3"/>
+          <p:cNvSpPr>
+            <a:spLocks noGrp="1"/>
+          </p:cNvSpPr>
+          <p:nvPr>
+            <p:ph idx="13"/>
+          </p:nvPr>
+        </p:nvSpPr>
+        <p:spPr/>
+        <p:txBody>
+          <a:bodyPr/>
+          <a:lstStyle/>
+          <a:p>
+            <a:pPr defTabSz="1306221" fontAlgn="auto">
+              <a:spcAft>
+                <a:spcPts val="0"/>
+              </a:spcAft>
+              <a:defRPr/>
+            </a:pPr>
+            <a:r>
+              <a:rPr lang="en-US" dirty="0">
+                <a:ea typeface="+mn-ea"/>
+              </a:rPr>
+              <a:t>[Content relevant to image]</a:t>
+            </a:r>
+          </a:p>
+        </p:txBody>
+      </p:sp>
+      <p:sp>
+        <p:nvSpPr>
+          <p:cNvPr id="2" name="Picture Placeholder 1"/>
+          <p:cNvSpPr>
+            <a:spLocks noGrp="1"/>
+          </p:cNvSpPr>
+          <p:nvPr>
+            <p:ph type="pic" sz="quarter" idx="10"/>
+          </p:nvPr>
+        </p:nvSpPr>
+        <p:spPr/>
+      </p:sp>
+      <p:sp>
+        <p:nvSpPr>
+          <p:cNvPr id="3" name="Text Placeholder 2"/>
+          <p:cNvSpPr>
+            <a:spLocks noGrp="1"/>
+          </p:cNvSpPr>
+          <p:nvPr>
+            <p:ph type="body" sz="quarter" idx="12"/>
+          </p:nvPr>
+        </p:nvSpPr>
+        <p:spPr>
+          <a:prstGeom prst="rect">
+            <a:avLst/>
+          </a:prstGeom>
+        </p:spPr>
+        <p:txBody>
+          <a:bodyPr/>
+          <a:lstStyle/>
+          <a:p>
+            <a:pPr defTabSz="1306221" fontAlgn="auto">
+              <a:spcAft>
+                <a:spcPts val="0"/>
+              </a:spcAft>
+              <a:defRPr/>
+            </a:pPr>
+            <a:r>
+              <a:rPr lang="en-US" dirty="0">
+                <a:ea typeface="+mn-ea"/>
+              </a:rPr>
+              <a:t>[Title/Topic]</a:t>
+            </a:r>
+          </a:p>
+        </p:txBody>
+      </p:sp>
+    </p:spTree>
+  </p:cSld>
+  <p:clrMapOvr>
+    <a:masterClrMapping/>
+  </p:clrMapOvr>
+</p:sld>
+</file>
+
+<file path=ppt/slides/slide22.xml><?xml version="1.0" encoding="utf-8"?>
+<p:sld xmlns:a="http://schemas.openxmlformats.org/drawingml/2006/main" xmlns:r="http://schemas.openxmlformats.org/officeDocument/2006/relationships" xmlns:p="http://schemas.openxmlformats.org/presentationml/2006/main">
+  <p:cSld>
+    <p:spTree>
+      <p:nvGrpSpPr>
+        <p:cNvPr id="1" name=""/>
+        <p:cNvGrpSpPr/>
+        <p:nvPr/>
+      </p:nvGrpSpPr>
+      <p:grpSpPr>
+        <a:xfrm>
+          <a:off x="0" y="0"/>
+          <a:ext cx="0" cy="0"/>
+          <a:chOff x="0" y="0"/>
+          <a:chExt cx="0" cy="0"/>
+        </a:xfrm>
+      </p:grpSpPr>
+      <p:sp>
+        <p:nvSpPr>
+          <p:cNvPr id="2" name="Table Placeholder 1"/>
+          <p:cNvSpPr>
+            <a:spLocks noGrp="1"/>
+          </p:cNvSpPr>
+          <p:nvPr>
+            <p:ph type="tbl" sz="quarter" idx="10"/>
+          </p:nvPr>
+        </p:nvSpPr>
+        <p:spPr/>
+      </p:sp>
+      <p:sp>
+        <p:nvSpPr>
+          <p:cNvPr id="3" name="Text Placeholder 2"/>
+          <p:cNvSpPr>
+            <a:spLocks noGrp="1"/>
+          </p:cNvSpPr>
+          <p:nvPr>
+            <p:ph type="body" sz="quarter" idx="12"/>
+          </p:nvPr>
+        </p:nvSpPr>
+        <p:spPr>
+          <a:prstGeom prst="rect">
+            <a:avLst/>
+          </a:prstGeom>
+        </p:spPr>
+        <p:txBody>
+          <a:bodyPr/>
+          <a:lstStyle/>
+          <a:p>
+            <a:pPr defTabSz="1306221" fontAlgn="auto">
+              <a:spcAft>
+                <a:spcPts val="0"/>
+              </a:spcAft>
+              <a:defRPr/>
+            </a:pPr>
+            <a:r>
+              <a:rPr lang="en-US" dirty="0">
+                <a:ea typeface="+mn-ea"/>
+                <a:cs typeface="+mn-cs"/>
+              </a:rPr>
+              <a:t>[Title/Topic]</a:t>
+            </a:r>
+          </a:p>
+        </p:txBody>
+      </p:sp>
+    </p:spTree>
+  </p:cSld>
+  <p:clrMapOvr>
+    <a:masterClrMapping/>
+  </p:clrMapOvr>
+</p:sld>
+</file>
+
+<file path=ppt/slides/slide23.xml><?xml version="1.0" encoding="utf-8"?>
+<p:sld xmlns:a="http://schemas.openxmlformats.org/drawingml/2006/main" xmlns:r="http://schemas.openxmlformats.org/officeDocument/2006/relationships" xmlns:p="http://schemas.openxmlformats.org/presentationml/2006/main">
+  <p:cSld>
+    <p:spTree>
+      <p:nvGrpSpPr>
+        <p:cNvPr id="1" name=""/>
+        <p:cNvGrpSpPr/>
+        <p:nvPr/>
+      </p:nvGrpSpPr>
+      <p:grpSpPr>
+        <a:xfrm>
+          <a:off x="0" y="0"/>
+          <a:ext cx="0" cy="0"/>
+          <a:chOff x="0" y="0"/>
+          <a:chExt cx="0" cy="0"/>
+        </a:xfrm>
+      </p:grpSpPr>
+      <p:sp>
+        <p:nvSpPr>
+          <p:cNvPr id="19457" name="Picture Placeholder 1"/>
+          <p:cNvSpPr>
+            <a:spLocks noGrp="1"/>
+          </p:cNvSpPr>
+          <p:nvPr>
+            <p:ph type="pic" sz="quarter" idx="10"/>
+          </p:nvPr>
+        </p:nvSpPr>
+        <p:spPr bwMode="auto">
+          <a:ln>
+            <a:miter lim="800000"/>
+            <a:headEnd/>
+            <a:tailEnd/>
+          </a:ln>
+          <a:extLst>
+            <a:ext uri="{FAA26D3D-D897-4be2-8F04-BA451C77F1D7}">
+              <ma14:placeholderFlag xmlns="" xmlns:ma14="http://schemas.microsoft.com/office/mac/drawingml/2011/main" val="1"/>
+            </a:ext>
+          </a:extLst>
+        </p:spPr>
+      </p:sp>
+    </p:spTree>
+  </p:cSld>
+  <p:clrMapOvr>
+    <a:masterClrMapping/>
+  </p:clrMapOvr>
+</p:sld>
+</file>
+
+<file path=ppt/slides/slide24.xml><?xml version="1.0" encoding="utf-8"?>
+<p:sld xmlns:a="http://schemas.openxmlformats.org/drawingml/2006/main" xmlns:r="http://schemas.openxmlformats.org/officeDocument/2006/relationships" xmlns:p="http://schemas.openxmlformats.org/presentationml/2006/main">
+  <p:cSld>
+    <p:spTree>
+      <p:nvGrpSpPr>
+        <p:cNvPr id="1" name=""/>
+        <p:cNvGrpSpPr/>
+        <p:nvPr/>
+      </p:nvGrpSpPr>
+      <p:grpSpPr>
+        <a:xfrm>
+          <a:off x="0" y="0"/>
+          <a:ext cx="0" cy="0"/>
+          <a:chOff x="0" y="0"/>
+          <a:chExt cx="0" cy="0"/>
+        </a:xfrm>
+      </p:grpSpPr>
+      <p:sp>
+        <p:nvSpPr>
           <p:cNvPr id="20481" name="Picture Placeholder 1"/>
           <p:cNvSpPr>
             <a:spLocks noGrp="1"/>
@@ -12265,14 +14000,14 @@
           </a:ln>
           <a:extLst>
             <a:ext uri="{909E8E84-426E-40dd-AFC4-6F175D3DCCD1}">
-              <a14:hiddenFill xmlns:a14="http://schemas.microsoft.com/office/drawing/2010/main" xmlns="">
+              <a14:hiddenFill xmlns="" xmlns:a14="http://schemas.microsoft.com/office/drawing/2010/main">
                 <a:solidFill>
                   <a:srgbClr val="FFFFFF"/>
                 </a:solidFill>
               </a14:hiddenFill>
             </a:ext>
             <a:ext uri="{FAA26D3D-D897-4be2-8F04-BA451C77F1D7}">
-              <ma14:placeholderFlag xmlns:ma14="http://schemas.microsoft.com/office/mac/drawingml/2011/main" xmlns="" val="1"/>
+              <ma14:placeholderFlag xmlns="" xmlns:ma14="http://schemas.microsoft.com/office/mac/drawingml/2011/main" val="1"/>
             </a:ext>
           </a:extLst>
         </p:spPr>
@@ -12314,7 +14049,7 @@
 </p:sld>
 </file>
 
-<file path=ppt/slides/slide21.xml><?xml version="1.0" encoding="utf-8"?>
+<file path=ppt/slides/slide25.xml><?xml version="1.0" encoding="utf-8"?>
 <p:sld xmlns:a="http://schemas.openxmlformats.org/drawingml/2006/main" xmlns:r="http://schemas.openxmlformats.org/officeDocument/2006/relationships" xmlns:p="http://schemas.openxmlformats.org/presentationml/2006/main">
   <p:cSld>
     <p:spTree>
@@ -12371,7 +14106,7 @@
 </p:sld>
 </file>
 
-<file path=ppt/slides/slide22.xml><?xml version="1.0" encoding="utf-8"?>
+<file path=ppt/slides/slide26.xml><?xml version="1.0" encoding="utf-8"?>
 <p:sld xmlns:a="http://schemas.openxmlformats.org/drawingml/2006/main" xmlns:r="http://schemas.openxmlformats.org/officeDocument/2006/relationships" xmlns:p="http://schemas.openxmlformats.org/presentationml/2006/main">
   <p:cSld>
     <p:spTree>
@@ -12579,7 +14314,7 @@
 </p:sld>
 </file>
 
-<file path=ppt/slides/slide23.xml><?xml version="1.0" encoding="utf-8"?>
+<file path=ppt/slides/slide27.xml><?xml version="1.0" encoding="utf-8"?>
 <p:sld xmlns:a="http://schemas.openxmlformats.org/drawingml/2006/main" xmlns:r="http://schemas.openxmlformats.org/officeDocument/2006/relationships" xmlns:p="http://schemas.openxmlformats.org/presentationml/2006/main">
   <p:cSld>
     <p:spTree>
@@ -13759,7 +15494,7 @@
           </a:ln>
           <a:extLst>
             <a:ext uri="{909E8E84-426E-40dd-AFC4-6F175D3DCCD1}">
-              <a14:hiddenFill xmlns:a14="http://schemas.microsoft.com/office/drawing/2010/main" xmlns="">
+              <a14:hiddenFill xmlns="" xmlns:a14="http://schemas.microsoft.com/office/drawing/2010/main">
                 <a:solidFill>
                   <a:srgbClr val="FFFFFF"/>
                 </a:solidFill>
@@ -13789,14 +15524,14 @@
           <a:noFill/>
           <a:extLst>
             <a:ext uri="{909E8E84-426E-40dd-AFC4-6F175D3DCCD1}">
-              <a14:hiddenFill xmlns:a14="http://schemas.microsoft.com/office/drawing/2010/main" xmlns="">
+              <a14:hiddenFill xmlns="" xmlns:a14="http://schemas.microsoft.com/office/drawing/2010/main">
                 <a:solidFill>
                   <a:srgbClr val="FFFFFF"/>
                 </a:solidFill>
               </a14:hiddenFill>
             </a:ext>
             <a:ext uri="{91240B29-F687-4f45-9708-019B960494DF}">
-              <a14:hiddenLine xmlns:a14="http://schemas.microsoft.com/office/drawing/2010/main" xmlns="" w="9525">
+              <a14:hiddenLine xmlns="" xmlns:a14="http://schemas.microsoft.com/office/drawing/2010/main" w="9525">
                 <a:solidFill>
                   <a:srgbClr val="000000"/>
                 </a:solidFill>
@@ -13866,7 +15601,7 @@
 </p:sld>
 </file>
 
-<file path=ppt/slides/slide24.xml><?xml version="1.0" encoding="utf-8"?>
+<file path=ppt/slides/slide28.xml><?xml version="1.0" encoding="utf-8"?>
 <p:sld xmlns:a="http://schemas.openxmlformats.org/drawingml/2006/main" xmlns:r="http://schemas.openxmlformats.org/officeDocument/2006/relationships" xmlns:p="http://schemas.openxmlformats.org/presentationml/2006/main">
   <p:cSld>
     <p:spTree>
@@ -14101,7 +15836,7 @@
 </p:sld>
 </file>
 
-<file path=ppt/slides/slide25.xml><?xml version="1.0" encoding="utf-8"?>
+<file path=ppt/slides/slide29.xml><?xml version="1.0" encoding="utf-8"?>
 <p:sld xmlns:a="http://schemas.openxmlformats.org/drawingml/2006/main" xmlns:r="http://schemas.openxmlformats.org/officeDocument/2006/relationships" xmlns:p="http://schemas.openxmlformats.org/presentationml/2006/main">
   <p:cSld>
     <p:spTree>
@@ -14139,14 +15874,14 @@
           <a:noFill/>
           <a:extLst>
             <a:ext uri="{909E8E84-426E-40dd-AFC4-6F175D3DCCD1}">
-              <a14:hiddenFill xmlns:a14="http://schemas.microsoft.com/office/drawing/2010/main" xmlns="">
+              <a14:hiddenFill xmlns="" xmlns:a14="http://schemas.microsoft.com/office/drawing/2010/main">
                 <a:solidFill>
                   <a:srgbClr val="FFFFFF"/>
                 </a:solidFill>
               </a14:hiddenFill>
             </a:ext>
             <a:ext uri="{91240B29-F687-4f45-9708-019B960494DF}">
-              <a14:hiddenLine xmlns:a14="http://schemas.microsoft.com/office/drawing/2010/main" xmlns="" w="9525">
+              <a14:hiddenLine xmlns="" xmlns:a14="http://schemas.microsoft.com/office/drawing/2010/main" w="9525">
                 <a:solidFill>
                   <a:srgbClr val="000000"/>
                 </a:solidFill>
@@ -14191,14 +15926,14 @@
           <a:noFill/>
           <a:extLst>
             <a:ext uri="{909E8E84-426E-40dd-AFC4-6F175D3DCCD1}">
-              <a14:hiddenFill xmlns:a14="http://schemas.microsoft.com/office/drawing/2010/main" xmlns="">
+              <a14:hiddenFill xmlns="" xmlns:a14="http://schemas.microsoft.com/office/drawing/2010/main">
                 <a:solidFill>
                   <a:srgbClr val="FFFFFF"/>
                 </a:solidFill>
               </a14:hiddenFill>
             </a:ext>
             <a:ext uri="{91240B29-F687-4f45-9708-019B960494DF}">
-              <a14:hiddenLine xmlns:a14="http://schemas.microsoft.com/office/drawing/2010/main" xmlns="" w="9525">
+              <a14:hiddenLine xmlns="" xmlns:a14="http://schemas.microsoft.com/office/drawing/2010/main" w="9525">
                 <a:solidFill>
                   <a:srgbClr val="000000"/>
                 </a:solidFill>
@@ -14389,7 +16124,7 @@
           </a:ln>
           <a:extLst>
             <a:ext uri="{909E8E84-426E-40dd-AFC4-6F175D3DCCD1}">
-              <a14:hiddenFill xmlns:a14="http://schemas.microsoft.com/office/drawing/2010/main" xmlns="">
+              <a14:hiddenFill xmlns="" xmlns:a14="http://schemas.microsoft.com/office/drawing/2010/main">
                 <a:solidFill>
                   <a:srgbClr val="FFFFFF"/>
                 </a:solidFill>
@@ -14433,14 +16168,14 @@
           </a:ln>
           <a:extLst>
             <a:ext uri="{909E8E84-426E-40dd-AFC4-6F175D3DCCD1}">
-              <a14:hiddenFill xmlns:a14="http://schemas.microsoft.com/office/drawing/2010/main" xmlns="">
+              <a14:hiddenFill xmlns="" xmlns:a14="http://schemas.microsoft.com/office/drawing/2010/main">
                 <a:solidFill>
                   <a:srgbClr val="FFFFFF"/>
                 </a:solidFill>
               </a14:hiddenFill>
             </a:ext>
             <a:ext uri="{91240B29-F687-4f45-9708-019B960494DF}">
-              <a14:hiddenLine xmlns:a14="http://schemas.microsoft.com/office/drawing/2010/main" xmlns="" w="9525">
+              <a14:hiddenLine xmlns="" xmlns:a14="http://schemas.microsoft.com/office/drawing/2010/main" w="9525">
                 <a:solidFill>
                   <a:srgbClr val="000000"/>
                 </a:solidFill>
@@ -14493,14 +16228,14 @@
           <a:effectLst/>
           <a:extLst>
             <a:ext uri="{909E8E84-426E-40dd-AFC4-6F175D3DCCD1}">
-              <a14:hiddenFill xmlns:a14="http://schemas.microsoft.com/office/drawing/2010/main" xmlns="">
+              <a14:hiddenFill xmlns="" xmlns:a14="http://schemas.microsoft.com/office/drawing/2010/main">
                 <a:solidFill>
                   <a:schemeClr val="accent1"/>
                 </a:solidFill>
               </a14:hiddenFill>
             </a:ext>
             <a:ext uri="{AF507438-7753-43e0-B8FC-AC1667EBCBE1}">
-              <a14:hiddenEffects xmlns:a14="http://schemas.microsoft.com/office/drawing/2010/main" xmlns="">
+              <a14:hiddenEffects xmlns="" xmlns:a14="http://schemas.microsoft.com/office/drawing/2010/main">
                 <a:effectLst>
                   <a:outerShdw dist="35921" dir="2700000" algn="ctr" rotWithShape="0">
                     <a:schemeClr val="bg2"/>
@@ -14671,7 +16406,259 @@
 </p:sld>
 </file>
 
-<file path=ppt/slides/slide26.xml><?xml version="1.0" encoding="utf-8"?>
+<file path=ppt/slides/slide3.xml><?xml version="1.0" encoding="utf-8"?>
+<p:sld xmlns:a="http://schemas.openxmlformats.org/drawingml/2006/main" xmlns:r="http://schemas.openxmlformats.org/officeDocument/2006/relationships" xmlns:p="http://schemas.openxmlformats.org/presentationml/2006/main">
+  <p:cSld>
+    <p:spTree>
+      <p:nvGrpSpPr>
+        <p:cNvPr id="1" name=""/>
+        <p:cNvGrpSpPr/>
+        <p:nvPr/>
+      </p:nvGrpSpPr>
+      <p:grpSpPr>
+        <a:xfrm>
+          <a:off x="0" y="0"/>
+          <a:ext cx="0" cy="0"/>
+          <a:chOff x="0" y="0"/>
+          <a:chExt cx="0" cy="0"/>
+        </a:xfrm>
+      </p:grpSpPr>
+      <p:sp>
+        <p:nvSpPr>
+          <p:cNvPr id="8" name="Text Placeholder 7"/>
+          <p:cNvSpPr>
+            <a:spLocks noGrp="1"/>
+          </p:cNvSpPr>
+          <p:nvPr>
+            <p:ph type="body" sz="quarter" idx="11"/>
+          </p:nvPr>
+        </p:nvSpPr>
+        <p:spPr>
+          <a:xfrm>
+            <a:off x="725488" y="1812925"/>
+            <a:ext cx="5337175" cy="3951288"/>
+          </a:xfrm>
+        </p:spPr>
+        <p:txBody>
+          <a:bodyPr anchor="t"/>
+          <a:lstStyle/>
+          <a:p>
+            <a:pPr defTabSz="1306221" fontAlgn="auto">
+              <a:spcAft>
+                <a:spcPts val="0"/>
+              </a:spcAft>
+              <a:defRPr/>
+            </a:pPr>
+            <a:r>
+              <a:rPr lang="en-US" dirty="0">
+                <a:ea typeface="+mn-ea"/>
+              </a:rPr>
+              <a:t>[Topic One]</a:t>
+            </a:r>
+          </a:p>
+          <a:p>
+            <a:pPr defTabSz="1306221" fontAlgn="auto">
+              <a:spcAft>
+                <a:spcPts val="0"/>
+              </a:spcAft>
+              <a:defRPr/>
+            </a:pPr>
+            <a:r>
+              <a:rPr lang="en-US" dirty="0">
+                <a:ea typeface="+mn-ea"/>
+              </a:rPr>
+              <a:t>[Topic Two]</a:t>
+            </a:r>
+          </a:p>
+          <a:p>
+            <a:pPr defTabSz="1306221" fontAlgn="auto">
+              <a:spcAft>
+                <a:spcPts val="0"/>
+              </a:spcAft>
+              <a:defRPr/>
+            </a:pPr>
+            <a:r>
+              <a:rPr lang="en-US" dirty="0">
+                <a:ea typeface="+mn-ea"/>
+              </a:rPr>
+              <a:t>[Topic Three]</a:t>
+            </a:r>
+          </a:p>
+          <a:p>
+            <a:pPr defTabSz="1306221" fontAlgn="auto">
+              <a:spcAft>
+                <a:spcPts val="0"/>
+              </a:spcAft>
+              <a:defRPr/>
+            </a:pPr>
+            <a:r>
+              <a:rPr lang="en-US" dirty="0">
+                <a:ea typeface="+mn-ea"/>
+              </a:rPr>
+              <a:t>[Topic Four]</a:t>
+            </a:r>
+          </a:p>
+          <a:p>
+            <a:pPr defTabSz="1306221" fontAlgn="auto">
+              <a:spcAft>
+                <a:spcPts val="0"/>
+              </a:spcAft>
+              <a:defRPr/>
+            </a:pPr>
+            <a:r>
+              <a:rPr lang="en-US" dirty="0">
+                <a:ea typeface="+mn-ea"/>
+              </a:rPr>
+              <a:t>[Topic Five]</a:t>
+            </a:r>
+          </a:p>
+          <a:p>
+            <a:pPr defTabSz="1306221" fontAlgn="auto">
+              <a:spcAft>
+                <a:spcPts val="0"/>
+              </a:spcAft>
+              <a:defRPr/>
+            </a:pPr>
+            <a:r>
+              <a:rPr lang="en-US" dirty="0">
+                <a:ea typeface="+mn-ea"/>
+              </a:rPr>
+              <a:t>[Topic Six]</a:t>
+            </a:r>
+          </a:p>
+        </p:txBody>
+      </p:sp>
+      <p:sp>
+        <p:nvSpPr>
+          <p:cNvPr id="9" name="Text Placeholder 8"/>
+          <p:cNvSpPr>
+            <a:spLocks noGrp="1"/>
+          </p:cNvSpPr>
+          <p:nvPr>
+            <p:ph type="body" sz="quarter" idx="12"/>
+          </p:nvPr>
+        </p:nvSpPr>
+        <p:spPr>
+          <a:xfrm>
+            <a:off x="8545513" y="1812925"/>
+            <a:ext cx="5414962" cy="3951288"/>
+          </a:xfrm>
+        </p:spPr>
+        <p:txBody>
+          <a:bodyPr anchor="t"/>
+          <a:lstStyle/>
+          <a:p>
+            <a:pPr>
+              <a:defRPr/>
+            </a:pPr>
+            <a:r>
+              <a:rPr lang="en-US" dirty="0">
+                <a:ea typeface="+mn-ea"/>
+              </a:rPr>
+              <a:t>Slide [#]</a:t>
+            </a:r>
+          </a:p>
+          <a:p>
+            <a:pPr>
+              <a:defRPr/>
+            </a:pPr>
+            <a:r>
+              <a:rPr lang="en-US" dirty="0">
+                <a:ea typeface="+mn-ea"/>
+              </a:rPr>
+              <a:t>Slide [#]</a:t>
+            </a:r>
+          </a:p>
+          <a:p>
+            <a:pPr>
+              <a:defRPr/>
+            </a:pPr>
+            <a:r>
+              <a:rPr lang="en-US" dirty="0">
+                <a:ea typeface="+mn-ea"/>
+              </a:rPr>
+              <a:t>Slide [#]</a:t>
+            </a:r>
+          </a:p>
+          <a:p>
+            <a:pPr>
+              <a:defRPr/>
+            </a:pPr>
+            <a:r>
+              <a:rPr lang="en-US" dirty="0">
+                <a:ea typeface="+mn-ea"/>
+              </a:rPr>
+              <a:t>Slide [#]</a:t>
+            </a:r>
+          </a:p>
+          <a:p>
+            <a:pPr>
+              <a:defRPr/>
+            </a:pPr>
+            <a:r>
+              <a:rPr lang="en-US" dirty="0">
+                <a:ea typeface="+mn-ea"/>
+              </a:rPr>
+              <a:t>Slide [#]</a:t>
+            </a:r>
+          </a:p>
+          <a:p>
+            <a:pPr>
+              <a:defRPr/>
+            </a:pPr>
+            <a:r>
+              <a:rPr lang="en-US" dirty="0">
+                <a:ea typeface="+mn-ea"/>
+              </a:rPr>
+              <a:t>Slide [#]</a:t>
+            </a:r>
+          </a:p>
+        </p:txBody>
+      </p:sp>
+      <p:sp>
+        <p:nvSpPr>
+          <p:cNvPr id="2" name="Text Placeholder 1"/>
+          <p:cNvSpPr>
+            <a:spLocks noGrp="1"/>
+          </p:cNvSpPr>
+          <p:nvPr>
+            <p:ph type="body" sz="quarter" idx="13"/>
+          </p:nvPr>
+        </p:nvSpPr>
+        <p:spPr>
+          <a:xfrm>
+            <a:off x="712788" y="600075"/>
+            <a:ext cx="13244512" cy="635000"/>
+          </a:xfrm>
+        </p:spPr>
+        <p:txBody>
+          <a:bodyPr/>
+          <a:lstStyle/>
+          <a:p>
+            <a:pPr defTabSz="1306221" fontAlgn="auto">
+              <a:spcAft>
+                <a:spcPts val="0"/>
+              </a:spcAft>
+              <a:defRPr/>
+            </a:pPr>
+            <a:r>
+              <a:rPr lang="en-US" dirty="0">
+                <a:ea typeface="+mn-ea"/>
+              </a:rPr>
+              <a:t>Table of Contents/Agenda</a:t>
+            </a:r>
+          </a:p>
+        </p:txBody>
+      </p:sp>
+    </p:spTree>
+  </p:cSld>
+  <p:clrMapOvr>
+    <a:masterClrMapping/>
+  </p:clrMapOvr>
+</p:sld>
+</file>
+
+<file path=ppt/slides/slide30.xml><?xml version="1.0" encoding="utf-8"?>
 <p:sld xmlns:a="http://schemas.openxmlformats.org/drawingml/2006/main" xmlns:r="http://schemas.openxmlformats.org/officeDocument/2006/relationships" xmlns:p="http://schemas.openxmlformats.org/presentationml/2006/main">
   <p:cSld>
     <p:spTree>
@@ -14759,14 +16746,14 @@
           </a:ln>
           <a:extLst>
             <a:ext uri="{909E8E84-426E-40dd-AFC4-6F175D3DCCD1}">
-              <a14:hiddenFill xmlns:a14="http://schemas.microsoft.com/office/drawing/2010/main" xmlns="">
+              <a14:hiddenFill xmlns="" xmlns:a14="http://schemas.microsoft.com/office/drawing/2010/main">
                 <a:solidFill>
                   <a:srgbClr val="FFFFFF"/>
                 </a:solidFill>
               </a14:hiddenFill>
             </a:ext>
             <a:ext uri="{91240B29-F687-4f45-9708-019B960494DF}">
-              <a14:hiddenLine xmlns:a14="http://schemas.microsoft.com/office/drawing/2010/main" xmlns="" w="9525">
+              <a14:hiddenLine xmlns="" xmlns:a14="http://schemas.microsoft.com/office/drawing/2010/main" w="9525">
                 <a:solidFill>
                   <a:srgbClr val="000000"/>
                 </a:solidFill>
@@ -15049,14 +17036,14 @@
           </a:ln>
           <a:extLst>
             <a:ext uri="{909E8E84-426E-40dd-AFC4-6F175D3DCCD1}">
-              <a14:hiddenFill xmlns:a14="http://schemas.microsoft.com/office/drawing/2010/main" xmlns="">
+              <a14:hiddenFill xmlns="" xmlns:a14="http://schemas.microsoft.com/office/drawing/2010/main">
                 <a:solidFill>
                   <a:srgbClr val="FFFFFF"/>
                 </a:solidFill>
               </a14:hiddenFill>
             </a:ext>
             <a:ext uri="{91240B29-F687-4f45-9708-019B960494DF}">
-              <a14:hiddenLine xmlns:a14="http://schemas.microsoft.com/office/drawing/2010/main" xmlns="" w="9525">
+              <a14:hiddenLine xmlns="" xmlns:a14="http://schemas.microsoft.com/office/drawing/2010/main" w="9525">
                 <a:solidFill>
                   <a:srgbClr val="000000"/>
                 </a:solidFill>
@@ -15095,7 +17082,7 @@
 </p:sld>
 </file>
 
-<file path=ppt/slides/slide27.xml><?xml version="1.0" encoding="utf-8"?>
+<file path=ppt/slides/slide31.xml><?xml version="1.0" encoding="utf-8"?>
 <p:sld xmlns:a="http://schemas.openxmlformats.org/drawingml/2006/main" xmlns:r="http://schemas.openxmlformats.org/officeDocument/2006/relationships" xmlns:p="http://schemas.openxmlformats.org/presentationml/2006/main">
   <p:cSld>
     <p:spTree>
@@ -15259,14 +17246,14 @@
           </a:ln>
           <a:extLst>
             <a:ext uri="{909E8E84-426E-40dd-AFC4-6F175D3DCCD1}">
-              <a14:hiddenFill xmlns:a14="http://schemas.microsoft.com/office/drawing/2010/main" xmlns="">
+              <a14:hiddenFill xmlns="" xmlns:a14="http://schemas.microsoft.com/office/drawing/2010/main">
                 <a:solidFill>
                   <a:srgbClr val="FFFFFF"/>
                 </a:solidFill>
               </a14:hiddenFill>
             </a:ext>
             <a:ext uri="{91240B29-F687-4f45-9708-019B960494DF}">
-              <a14:hiddenLine xmlns:a14="http://schemas.microsoft.com/office/drawing/2010/main" xmlns="" w="9525">
+              <a14:hiddenLine xmlns="" xmlns:a14="http://schemas.microsoft.com/office/drawing/2010/main" w="9525">
                 <a:solidFill>
                   <a:srgbClr val="000000"/>
                 </a:solidFill>
@@ -15313,14 +17300,14 @@
           </a:ln>
           <a:extLst>
             <a:ext uri="{909E8E84-426E-40dd-AFC4-6F175D3DCCD1}">
-              <a14:hiddenFill xmlns:a14="http://schemas.microsoft.com/office/drawing/2010/main" xmlns="">
+              <a14:hiddenFill xmlns="" xmlns:a14="http://schemas.microsoft.com/office/drawing/2010/main">
                 <a:solidFill>
                   <a:srgbClr val="FFFFFF"/>
                 </a:solidFill>
               </a14:hiddenFill>
             </a:ext>
             <a:ext uri="{91240B29-F687-4f45-9708-019B960494DF}">
-              <a14:hiddenLine xmlns:a14="http://schemas.microsoft.com/office/drawing/2010/main" xmlns="" w="9525">
+              <a14:hiddenLine xmlns="" xmlns:a14="http://schemas.microsoft.com/office/drawing/2010/main" w="9525">
                 <a:solidFill>
                   <a:srgbClr val="000000"/>
                 </a:solidFill>
@@ -15367,14 +17354,14 @@
           </a:ln>
           <a:extLst>
             <a:ext uri="{909E8E84-426E-40dd-AFC4-6F175D3DCCD1}">
-              <a14:hiddenFill xmlns:a14="http://schemas.microsoft.com/office/drawing/2010/main" xmlns="">
+              <a14:hiddenFill xmlns="" xmlns:a14="http://schemas.microsoft.com/office/drawing/2010/main">
                 <a:solidFill>
                   <a:srgbClr val="FFFFFF"/>
                 </a:solidFill>
               </a14:hiddenFill>
             </a:ext>
             <a:ext uri="{91240B29-F687-4f45-9708-019B960494DF}">
-              <a14:hiddenLine xmlns:a14="http://schemas.microsoft.com/office/drawing/2010/main" xmlns="" w="9525">
+              <a14:hiddenLine xmlns="" xmlns:a14="http://schemas.microsoft.com/office/drawing/2010/main" w="9525">
                 <a:solidFill>
                   <a:srgbClr val="000000"/>
                 </a:solidFill>
@@ -15928,7 +17915,7 @@
 </p:sld>
 </file>
 
-<file path=ppt/slides/slide28.xml><?xml version="1.0" encoding="utf-8"?>
+<file path=ppt/slides/slide32.xml><?xml version="1.0" encoding="utf-8"?>
 <p:sld xmlns:a="http://schemas.openxmlformats.org/drawingml/2006/main" xmlns:r="http://schemas.openxmlformats.org/officeDocument/2006/relationships" xmlns:p="http://schemas.openxmlformats.org/presentationml/2006/main">
   <p:cSld>
     <p:spTree>
@@ -20497,7 +22484,7 @@
             </a:ln>
             <a:extLst>
               <a:ext uri="{91240B29-F687-4f45-9708-019B960494DF}">
-                <a14:hiddenLine xmlns:a14="http://schemas.microsoft.com/office/drawing/2010/main" xmlns="" w="9525">
+                <a14:hiddenLine xmlns="" xmlns:a14="http://schemas.microsoft.com/office/drawing/2010/main" w="9525">
                   <a:solidFill>
                     <a:srgbClr val="000000"/>
                   </a:solidFill>
@@ -20598,7 +22585,7 @@
             </a:ln>
             <a:extLst>
               <a:ext uri="{91240B29-F687-4f45-9708-019B960494DF}">
-                <a14:hiddenLine xmlns:a14="http://schemas.microsoft.com/office/drawing/2010/main" xmlns="" w="9525">
+                <a14:hiddenLine xmlns="" xmlns:a14="http://schemas.microsoft.com/office/drawing/2010/main" w="9525">
                   <a:solidFill>
                     <a:srgbClr val="000000"/>
                   </a:solidFill>
@@ -20699,7 +22686,7 @@
             </a:ln>
             <a:extLst>
               <a:ext uri="{91240B29-F687-4f45-9708-019B960494DF}">
-                <a14:hiddenLine xmlns:a14="http://schemas.microsoft.com/office/drawing/2010/main" xmlns="" w="9525">
+                <a14:hiddenLine xmlns="" xmlns:a14="http://schemas.microsoft.com/office/drawing/2010/main" w="9525">
                   <a:solidFill>
                     <a:srgbClr val="000000"/>
                   </a:solidFill>
@@ -20800,7 +22787,7 @@
             </a:ln>
             <a:extLst>
               <a:ext uri="{91240B29-F687-4f45-9708-019B960494DF}">
-                <a14:hiddenLine xmlns:a14="http://schemas.microsoft.com/office/drawing/2010/main" xmlns="" w="9525">
+                <a14:hiddenLine xmlns="" xmlns:a14="http://schemas.microsoft.com/office/drawing/2010/main" w="9525">
                   <a:solidFill>
                     <a:srgbClr val="000000"/>
                   </a:solidFill>
@@ -20901,7 +22888,7 @@
             </a:ln>
             <a:extLst>
               <a:ext uri="{91240B29-F687-4f45-9708-019B960494DF}">
-                <a14:hiddenLine xmlns:a14="http://schemas.microsoft.com/office/drawing/2010/main" xmlns="" w="9525">
+                <a14:hiddenLine xmlns="" xmlns:a14="http://schemas.microsoft.com/office/drawing/2010/main" w="9525">
                   <a:solidFill>
                     <a:srgbClr val="000000"/>
                   </a:solidFill>
@@ -24003,7 +25990,7 @@
             </a:ln>
             <a:extLst>
               <a:ext uri="{91240B29-F687-4f45-9708-019B960494DF}">
-                <a14:hiddenLine xmlns:a14="http://schemas.microsoft.com/office/drawing/2010/main" xmlns="" w="9525">
+                <a14:hiddenLine xmlns="" xmlns:a14="http://schemas.microsoft.com/office/drawing/2010/main" w="9525">
                   <a:solidFill>
                     <a:srgbClr val="000000"/>
                   </a:solidFill>
@@ -24739,7 +26726,7 @@
             </a:ln>
             <a:extLst>
               <a:ext uri="{91240B29-F687-4f45-9708-019B960494DF}">
-                <a14:hiddenLine xmlns:a14="http://schemas.microsoft.com/office/drawing/2010/main" xmlns="" w="9525">
+                <a14:hiddenLine xmlns="" xmlns:a14="http://schemas.microsoft.com/office/drawing/2010/main" w="9525">
                   <a:solidFill>
                     <a:srgbClr val="000000"/>
                   </a:solidFill>
@@ -24926,7 +26913,7 @@
             </a:ln>
             <a:extLst>
               <a:ext uri="{91240B29-F687-4f45-9708-019B960494DF}">
-                <a14:hiddenLine xmlns:a14="http://schemas.microsoft.com/office/drawing/2010/main" xmlns="" w="9525">
+                <a14:hiddenLine xmlns="" xmlns:a14="http://schemas.microsoft.com/office/drawing/2010/main" w="9525">
                   <a:solidFill>
                     <a:srgbClr val="000000"/>
                   </a:solidFill>
@@ -26020,7 +28007,7 @@
             </a:ln>
             <a:extLst>
               <a:ext uri="{91240B29-F687-4f45-9708-019B960494DF}">
-                <a14:hiddenLine xmlns:a14="http://schemas.microsoft.com/office/drawing/2010/main" xmlns="" w="9525">
+                <a14:hiddenLine xmlns="" xmlns:a14="http://schemas.microsoft.com/office/drawing/2010/main" w="9525">
                   <a:solidFill>
                     <a:srgbClr val="000000"/>
                   </a:solidFill>
@@ -28665,7 +30652,7 @@
           </a:ln>
           <a:extLst>
             <a:ext uri="{91240B29-F687-4f45-9708-019B960494DF}">
-              <a14:hiddenLine xmlns:a14="http://schemas.microsoft.com/office/drawing/2010/main" xmlns="" w="9525">
+              <a14:hiddenLine xmlns="" xmlns:a14="http://schemas.microsoft.com/office/drawing/2010/main" w="9525">
                 <a:solidFill>
                   <a:srgbClr val="000000"/>
                 </a:solidFill>
@@ -30044,7 +32031,7 @@
           </a:ln>
           <a:extLst>
             <a:ext uri="{91240B29-F687-4f45-9708-019B960494DF}">
-              <a14:hiddenLine xmlns:a14="http://schemas.microsoft.com/office/drawing/2010/main" xmlns="" w="9525">
+              <a14:hiddenLine xmlns="" xmlns:a14="http://schemas.microsoft.com/office/drawing/2010/main" w="9525">
                 <a:solidFill>
                   <a:srgbClr val="000000"/>
                 </a:solidFill>
@@ -30087,14 +32074,14 @@
           </a:ln>
           <a:extLst>
             <a:ext uri="{909E8E84-426E-40dd-AFC4-6F175D3DCCD1}">
-              <a14:hiddenFill xmlns:a14="http://schemas.microsoft.com/office/drawing/2010/main" xmlns="">
+              <a14:hiddenFill xmlns="" xmlns:a14="http://schemas.microsoft.com/office/drawing/2010/main">
                 <a:solidFill>
                   <a:srgbClr val="FFFFFF"/>
                 </a:solidFill>
               </a14:hiddenFill>
             </a:ext>
             <a:ext uri="{91240B29-F687-4f45-9708-019B960494DF}">
-              <a14:hiddenLine xmlns:a14="http://schemas.microsoft.com/office/drawing/2010/main" xmlns="" w="9525">
+              <a14:hiddenLine xmlns="" xmlns:a14="http://schemas.microsoft.com/office/drawing/2010/main" w="9525">
                 <a:solidFill>
                   <a:srgbClr val="000000"/>
                 </a:solidFill>
@@ -30258,14 +32245,14 @@
           </a:ln>
           <a:extLst>
             <a:ext uri="{909E8E84-426E-40dd-AFC4-6F175D3DCCD1}">
-              <a14:hiddenFill xmlns:a14="http://schemas.microsoft.com/office/drawing/2010/main" xmlns="">
+              <a14:hiddenFill xmlns="" xmlns:a14="http://schemas.microsoft.com/office/drawing/2010/main">
                 <a:solidFill>
                   <a:srgbClr val="FFFFFF"/>
                 </a:solidFill>
               </a14:hiddenFill>
             </a:ext>
             <a:ext uri="{91240B29-F687-4f45-9708-019B960494DF}">
-              <a14:hiddenLine xmlns:a14="http://schemas.microsoft.com/office/drawing/2010/main" xmlns="" w="9525">
+              <a14:hiddenLine xmlns="" xmlns:a14="http://schemas.microsoft.com/office/drawing/2010/main" w="9525">
                 <a:solidFill>
                   <a:srgbClr val="000000"/>
                 </a:solidFill>
@@ -30429,14 +32416,14 @@
           </a:ln>
           <a:extLst>
             <a:ext uri="{909E8E84-426E-40dd-AFC4-6F175D3DCCD1}">
-              <a14:hiddenFill xmlns:a14="http://schemas.microsoft.com/office/drawing/2010/main" xmlns="">
+              <a14:hiddenFill xmlns="" xmlns:a14="http://schemas.microsoft.com/office/drawing/2010/main">
                 <a:solidFill>
                   <a:srgbClr val="FFFFFF"/>
                 </a:solidFill>
               </a14:hiddenFill>
             </a:ext>
             <a:ext uri="{91240B29-F687-4f45-9708-019B960494DF}">
-              <a14:hiddenLine xmlns:a14="http://schemas.microsoft.com/office/drawing/2010/main" xmlns="" w="9525">
+              <a14:hiddenLine xmlns="" xmlns:a14="http://schemas.microsoft.com/office/drawing/2010/main" w="9525">
                 <a:solidFill>
                   <a:srgbClr val="000000"/>
                 </a:solidFill>
@@ -30600,14 +32587,14 @@
           </a:ln>
           <a:extLst>
             <a:ext uri="{909E8E84-426E-40dd-AFC4-6F175D3DCCD1}">
-              <a14:hiddenFill xmlns:a14="http://schemas.microsoft.com/office/drawing/2010/main" xmlns="">
+              <a14:hiddenFill xmlns="" xmlns:a14="http://schemas.microsoft.com/office/drawing/2010/main">
                 <a:solidFill>
                   <a:srgbClr val="FFFFFF"/>
                 </a:solidFill>
               </a14:hiddenFill>
             </a:ext>
             <a:ext uri="{91240B29-F687-4f45-9708-019B960494DF}">
-              <a14:hiddenLine xmlns:a14="http://schemas.microsoft.com/office/drawing/2010/main" xmlns="" w="9525">
+              <a14:hiddenLine xmlns="" xmlns:a14="http://schemas.microsoft.com/office/drawing/2010/main" w="9525">
                 <a:solidFill>
                   <a:srgbClr val="000000"/>
                 </a:solidFill>
@@ -30771,14 +32758,14 @@
           </a:ln>
           <a:extLst>
             <a:ext uri="{909E8E84-426E-40dd-AFC4-6F175D3DCCD1}">
-              <a14:hiddenFill xmlns:a14="http://schemas.microsoft.com/office/drawing/2010/main" xmlns="">
+              <a14:hiddenFill xmlns="" xmlns:a14="http://schemas.microsoft.com/office/drawing/2010/main">
                 <a:solidFill>
                   <a:srgbClr val="FFFFFF"/>
                 </a:solidFill>
               </a14:hiddenFill>
             </a:ext>
             <a:ext uri="{91240B29-F687-4f45-9708-019B960494DF}">
-              <a14:hiddenLine xmlns:a14="http://schemas.microsoft.com/office/drawing/2010/main" xmlns="" w="9525">
+              <a14:hiddenLine xmlns="" xmlns:a14="http://schemas.microsoft.com/office/drawing/2010/main" w="9525">
                 <a:solidFill>
                   <a:srgbClr val="000000"/>
                 </a:solidFill>
@@ -30942,14 +32929,14 @@
           </a:ln>
           <a:extLst>
             <a:ext uri="{909E8E84-426E-40dd-AFC4-6F175D3DCCD1}">
-              <a14:hiddenFill xmlns:a14="http://schemas.microsoft.com/office/drawing/2010/main" xmlns="">
+              <a14:hiddenFill xmlns="" xmlns:a14="http://schemas.microsoft.com/office/drawing/2010/main">
                 <a:solidFill>
                   <a:srgbClr val="FFFFFF"/>
                 </a:solidFill>
               </a14:hiddenFill>
             </a:ext>
             <a:ext uri="{91240B29-F687-4f45-9708-019B960494DF}">
-              <a14:hiddenLine xmlns:a14="http://schemas.microsoft.com/office/drawing/2010/main" xmlns="" w="9525">
+              <a14:hiddenLine xmlns="" xmlns:a14="http://schemas.microsoft.com/office/drawing/2010/main" w="9525">
                 <a:solidFill>
                   <a:srgbClr val="000000"/>
                 </a:solidFill>
@@ -33332,7 +35319,7 @@
           </a:ln>
           <a:extLst>
             <a:ext uri="{91240B29-F687-4f45-9708-019B960494DF}">
-              <a14:hiddenLine xmlns:a14="http://schemas.microsoft.com/office/drawing/2010/main" xmlns="" w="9525">
+              <a14:hiddenLine xmlns="" xmlns:a14="http://schemas.microsoft.com/office/drawing/2010/main" w="9525">
                 <a:solidFill>
                   <a:srgbClr val="000000"/>
                 </a:solidFill>
@@ -33790,7 +35777,7 @@
           </a:ln>
           <a:extLst>
             <a:ext uri="{91240B29-F687-4f45-9708-019B960494DF}">
-              <a14:hiddenLine xmlns:a14="http://schemas.microsoft.com/office/drawing/2010/main" xmlns="" w="9525">
+              <a14:hiddenLine xmlns="" xmlns:a14="http://schemas.microsoft.com/office/drawing/2010/main" w="9525">
                 <a:solidFill>
                   <a:srgbClr val="000000"/>
                 </a:solidFill>
@@ -34283,7 +36270,7 @@
             </a:ln>
             <a:extLst>
               <a:ext uri="{91240B29-F687-4f45-9708-019B960494DF}">
-                <a14:hiddenLine xmlns:a14="http://schemas.microsoft.com/office/drawing/2010/main" xmlns="" w="9525">
+                <a14:hiddenLine xmlns="" xmlns:a14="http://schemas.microsoft.com/office/drawing/2010/main" w="9525">
                   <a:solidFill>
                     <a:srgbClr val="000000"/>
                   </a:solidFill>
@@ -35019,7 +37006,7 @@
             </a:ln>
             <a:extLst>
               <a:ext uri="{91240B29-F687-4f45-9708-019B960494DF}">
-                <a14:hiddenLine xmlns:a14="http://schemas.microsoft.com/office/drawing/2010/main" xmlns="" w="9525">
+                <a14:hiddenLine xmlns="" xmlns:a14="http://schemas.microsoft.com/office/drawing/2010/main" w="9525">
                   <a:solidFill>
                     <a:srgbClr val="000000"/>
                   </a:solidFill>
@@ -35206,7 +37193,7 @@
             </a:ln>
             <a:extLst>
               <a:ext uri="{91240B29-F687-4f45-9708-019B960494DF}">
-                <a14:hiddenLine xmlns:a14="http://schemas.microsoft.com/office/drawing/2010/main" xmlns="" w="9525">
+                <a14:hiddenLine xmlns="" xmlns:a14="http://schemas.microsoft.com/office/drawing/2010/main" w="9525">
                   <a:solidFill>
                     <a:srgbClr val="000000"/>
                   </a:solidFill>
@@ -36300,7 +38287,7 @@
             </a:ln>
             <a:extLst>
               <a:ext uri="{91240B29-F687-4f45-9708-019B960494DF}">
-                <a14:hiddenLine xmlns:a14="http://schemas.microsoft.com/office/drawing/2010/main" xmlns="" w="9525">
+                <a14:hiddenLine xmlns="" xmlns:a14="http://schemas.microsoft.com/office/drawing/2010/main" w="9525">
                   <a:solidFill>
                     <a:srgbClr val="000000"/>
                   </a:solidFill>
@@ -37086,7 +39073,7 @@
           </a:ln>
           <a:extLst>
             <a:ext uri="{91240B29-F687-4f45-9708-019B960494DF}">
-              <a14:hiddenLine xmlns:a14="http://schemas.microsoft.com/office/drawing/2010/main" xmlns="" w="9525">
+              <a14:hiddenLine xmlns="" xmlns:a14="http://schemas.microsoft.com/office/drawing/2010/main" w="9525">
                 <a:solidFill>
                   <a:srgbClr val="000000"/>
                 </a:solidFill>
@@ -37129,14 +39116,14 @@
           </a:ln>
           <a:extLst>
             <a:ext uri="{909E8E84-426E-40dd-AFC4-6F175D3DCCD1}">
-              <a14:hiddenFill xmlns:a14="http://schemas.microsoft.com/office/drawing/2010/main" xmlns="">
+              <a14:hiddenFill xmlns="" xmlns:a14="http://schemas.microsoft.com/office/drawing/2010/main">
                 <a:solidFill>
                   <a:srgbClr val="FFFFFF"/>
                 </a:solidFill>
               </a14:hiddenFill>
             </a:ext>
             <a:ext uri="{91240B29-F687-4f45-9708-019B960494DF}">
-              <a14:hiddenLine xmlns:a14="http://schemas.microsoft.com/office/drawing/2010/main" xmlns="" w="9525">
+              <a14:hiddenLine xmlns="" xmlns:a14="http://schemas.microsoft.com/office/drawing/2010/main" w="9525">
                 <a:solidFill>
                   <a:srgbClr val="000000"/>
                 </a:solidFill>
@@ -37300,14 +39287,14 @@
           </a:ln>
           <a:extLst>
             <a:ext uri="{909E8E84-426E-40dd-AFC4-6F175D3DCCD1}">
-              <a14:hiddenFill xmlns:a14="http://schemas.microsoft.com/office/drawing/2010/main" xmlns="">
+              <a14:hiddenFill xmlns="" xmlns:a14="http://schemas.microsoft.com/office/drawing/2010/main">
                 <a:solidFill>
                   <a:srgbClr val="FFFFFF"/>
                 </a:solidFill>
               </a14:hiddenFill>
             </a:ext>
             <a:ext uri="{91240B29-F687-4f45-9708-019B960494DF}">
-              <a14:hiddenLine xmlns:a14="http://schemas.microsoft.com/office/drawing/2010/main" xmlns="" w="9525">
+              <a14:hiddenLine xmlns="" xmlns:a14="http://schemas.microsoft.com/office/drawing/2010/main" w="9525">
                 <a:solidFill>
                   <a:srgbClr val="000000"/>
                 </a:solidFill>
@@ -37457,7 +39444,7 @@
 </p:sld>
 </file>
 
-<file path=ppt/slides/slide29.xml><?xml version="1.0" encoding="utf-8"?>
+<file path=ppt/slides/slide33.xml><?xml version="1.0" encoding="utf-8"?>
 <p:sld xmlns:a="http://schemas.openxmlformats.org/drawingml/2006/main" xmlns:r="http://schemas.openxmlformats.org/officeDocument/2006/relationships" xmlns:p="http://schemas.openxmlformats.org/presentationml/2006/main">
   <p:cSld>
     <p:spTree>
@@ -37605,14 +39592,14 @@
           </a:ln>
           <a:extLst>
             <a:ext uri="{909E8E84-426E-40dd-AFC4-6F175D3DCCD1}">
-              <a14:hiddenFill xmlns:a14="http://schemas.microsoft.com/office/drawing/2010/main" xmlns="">
+              <a14:hiddenFill xmlns="" xmlns:a14="http://schemas.microsoft.com/office/drawing/2010/main">
                 <a:solidFill>
                   <a:srgbClr val="FFFFFF"/>
                 </a:solidFill>
               </a14:hiddenFill>
             </a:ext>
             <a:ext uri="{91240B29-F687-4f45-9708-019B960494DF}">
-              <a14:hiddenLine xmlns:a14="http://schemas.microsoft.com/office/drawing/2010/main" xmlns="" w="9525">
+              <a14:hiddenLine xmlns="" xmlns:a14="http://schemas.microsoft.com/office/drawing/2010/main" w="9525">
                 <a:solidFill>
                   <a:srgbClr val="000000"/>
                 </a:solidFill>
@@ -37659,14 +39646,14 @@
           </a:ln>
           <a:extLst>
             <a:ext uri="{909E8E84-426E-40dd-AFC4-6F175D3DCCD1}">
-              <a14:hiddenFill xmlns:a14="http://schemas.microsoft.com/office/drawing/2010/main" xmlns="">
+              <a14:hiddenFill xmlns="" xmlns:a14="http://schemas.microsoft.com/office/drawing/2010/main">
                 <a:solidFill>
                   <a:srgbClr val="FFFFFF"/>
                 </a:solidFill>
               </a14:hiddenFill>
             </a:ext>
             <a:ext uri="{91240B29-F687-4f45-9708-019B960494DF}">
-              <a14:hiddenLine xmlns:a14="http://schemas.microsoft.com/office/drawing/2010/main" xmlns="" w="9525">
+              <a14:hiddenLine xmlns="" xmlns:a14="http://schemas.microsoft.com/office/drawing/2010/main" w="9525">
                 <a:solidFill>
                   <a:srgbClr val="000000"/>
                 </a:solidFill>
@@ -37897,259 +39884,7 @@
 </p:sld>
 </file>
 
-<file path=ppt/slides/slide3.xml><?xml version="1.0" encoding="utf-8"?>
-<p:sld xmlns:a="http://schemas.openxmlformats.org/drawingml/2006/main" xmlns:r="http://schemas.openxmlformats.org/officeDocument/2006/relationships" xmlns:p="http://schemas.openxmlformats.org/presentationml/2006/main">
-  <p:cSld>
-    <p:spTree>
-      <p:nvGrpSpPr>
-        <p:cNvPr id="1" name=""/>
-        <p:cNvGrpSpPr/>
-        <p:nvPr/>
-      </p:nvGrpSpPr>
-      <p:grpSpPr>
-        <a:xfrm>
-          <a:off x="0" y="0"/>
-          <a:ext cx="0" cy="0"/>
-          <a:chOff x="0" y="0"/>
-          <a:chExt cx="0" cy="0"/>
-        </a:xfrm>
-      </p:grpSpPr>
-      <p:sp>
-        <p:nvSpPr>
-          <p:cNvPr id="8" name="Text Placeholder 7"/>
-          <p:cNvSpPr>
-            <a:spLocks noGrp="1"/>
-          </p:cNvSpPr>
-          <p:nvPr>
-            <p:ph type="body" sz="quarter" idx="11"/>
-          </p:nvPr>
-        </p:nvSpPr>
-        <p:spPr>
-          <a:xfrm>
-            <a:off x="725488" y="1812925"/>
-            <a:ext cx="5337175" cy="3951288"/>
-          </a:xfrm>
-        </p:spPr>
-        <p:txBody>
-          <a:bodyPr anchor="t"/>
-          <a:lstStyle/>
-          <a:p>
-            <a:pPr defTabSz="1306221" fontAlgn="auto">
-              <a:spcAft>
-                <a:spcPts val="0"/>
-              </a:spcAft>
-              <a:defRPr/>
-            </a:pPr>
-            <a:r>
-              <a:rPr lang="en-US" dirty="0">
-                <a:ea typeface="+mn-ea"/>
-              </a:rPr>
-              <a:t>[Topic One]</a:t>
-            </a:r>
-          </a:p>
-          <a:p>
-            <a:pPr defTabSz="1306221" fontAlgn="auto">
-              <a:spcAft>
-                <a:spcPts val="0"/>
-              </a:spcAft>
-              <a:defRPr/>
-            </a:pPr>
-            <a:r>
-              <a:rPr lang="en-US" dirty="0">
-                <a:ea typeface="+mn-ea"/>
-              </a:rPr>
-              <a:t>[Topic Two]</a:t>
-            </a:r>
-          </a:p>
-          <a:p>
-            <a:pPr defTabSz="1306221" fontAlgn="auto">
-              <a:spcAft>
-                <a:spcPts val="0"/>
-              </a:spcAft>
-              <a:defRPr/>
-            </a:pPr>
-            <a:r>
-              <a:rPr lang="en-US" dirty="0">
-                <a:ea typeface="+mn-ea"/>
-              </a:rPr>
-              <a:t>[Topic Three]</a:t>
-            </a:r>
-          </a:p>
-          <a:p>
-            <a:pPr defTabSz="1306221" fontAlgn="auto">
-              <a:spcAft>
-                <a:spcPts val="0"/>
-              </a:spcAft>
-              <a:defRPr/>
-            </a:pPr>
-            <a:r>
-              <a:rPr lang="en-US" dirty="0">
-                <a:ea typeface="+mn-ea"/>
-              </a:rPr>
-              <a:t>[Topic Four]</a:t>
-            </a:r>
-          </a:p>
-          <a:p>
-            <a:pPr defTabSz="1306221" fontAlgn="auto">
-              <a:spcAft>
-                <a:spcPts val="0"/>
-              </a:spcAft>
-              <a:defRPr/>
-            </a:pPr>
-            <a:r>
-              <a:rPr lang="en-US" dirty="0">
-                <a:ea typeface="+mn-ea"/>
-              </a:rPr>
-              <a:t>[Topic Five]</a:t>
-            </a:r>
-          </a:p>
-          <a:p>
-            <a:pPr defTabSz="1306221" fontAlgn="auto">
-              <a:spcAft>
-                <a:spcPts val="0"/>
-              </a:spcAft>
-              <a:defRPr/>
-            </a:pPr>
-            <a:r>
-              <a:rPr lang="en-US" dirty="0">
-                <a:ea typeface="+mn-ea"/>
-              </a:rPr>
-              <a:t>[Topic Six]</a:t>
-            </a:r>
-          </a:p>
-        </p:txBody>
-      </p:sp>
-      <p:sp>
-        <p:nvSpPr>
-          <p:cNvPr id="9" name="Text Placeholder 8"/>
-          <p:cNvSpPr>
-            <a:spLocks noGrp="1"/>
-          </p:cNvSpPr>
-          <p:nvPr>
-            <p:ph type="body" sz="quarter" idx="12"/>
-          </p:nvPr>
-        </p:nvSpPr>
-        <p:spPr>
-          <a:xfrm>
-            <a:off x="8545513" y="1812925"/>
-            <a:ext cx="5414962" cy="3951288"/>
-          </a:xfrm>
-        </p:spPr>
-        <p:txBody>
-          <a:bodyPr anchor="t"/>
-          <a:lstStyle/>
-          <a:p>
-            <a:pPr>
-              <a:defRPr/>
-            </a:pPr>
-            <a:r>
-              <a:rPr lang="en-US" dirty="0">
-                <a:ea typeface="+mn-ea"/>
-              </a:rPr>
-              <a:t>Slide [#]</a:t>
-            </a:r>
-          </a:p>
-          <a:p>
-            <a:pPr>
-              <a:defRPr/>
-            </a:pPr>
-            <a:r>
-              <a:rPr lang="en-US" dirty="0">
-                <a:ea typeface="+mn-ea"/>
-              </a:rPr>
-              <a:t>Slide [#]</a:t>
-            </a:r>
-          </a:p>
-          <a:p>
-            <a:pPr>
-              <a:defRPr/>
-            </a:pPr>
-            <a:r>
-              <a:rPr lang="en-US" dirty="0">
-                <a:ea typeface="+mn-ea"/>
-              </a:rPr>
-              <a:t>Slide [#]</a:t>
-            </a:r>
-          </a:p>
-          <a:p>
-            <a:pPr>
-              <a:defRPr/>
-            </a:pPr>
-            <a:r>
-              <a:rPr lang="en-US" dirty="0">
-                <a:ea typeface="+mn-ea"/>
-              </a:rPr>
-              <a:t>Slide [#]</a:t>
-            </a:r>
-          </a:p>
-          <a:p>
-            <a:pPr>
-              <a:defRPr/>
-            </a:pPr>
-            <a:r>
-              <a:rPr lang="en-US" dirty="0">
-                <a:ea typeface="+mn-ea"/>
-              </a:rPr>
-              <a:t>Slide [#]</a:t>
-            </a:r>
-          </a:p>
-          <a:p>
-            <a:pPr>
-              <a:defRPr/>
-            </a:pPr>
-            <a:r>
-              <a:rPr lang="en-US" dirty="0">
-                <a:ea typeface="+mn-ea"/>
-              </a:rPr>
-              <a:t>Slide [#]</a:t>
-            </a:r>
-          </a:p>
-        </p:txBody>
-      </p:sp>
-      <p:sp>
-        <p:nvSpPr>
-          <p:cNvPr id="2" name="Text Placeholder 1"/>
-          <p:cNvSpPr>
-            <a:spLocks noGrp="1"/>
-          </p:cNvSpPr>
-          <p:nvPr>
-            <p:ph type="body" sz="quarter" idx="13"/>
-          </p:nvPr>
-        </p:nvSpPr>
-        <p:spPr>
-          <a:xfrm>
-            <a:off x="712788" y="600075"/>
-            <a:ext cx="13244512" cy="635000"/>
-          </a:xfrm>
-        </p:spPr>
-        <p:txBody>
-          <a:bodyPr/>
-          <a:lstStyle/>
-          <a:p>
-            <a:pPr defTabSz="1306221" fontAlgn="auto">
-              <a:spcAft>
-                <a:spcPts val="0"/>
-              </a:spcAft>
-              <a:defRPr/>
-            </a:pPr>
-            <a:r>
-              <a:rPr lang="en-US" dirty="0">
-                <a:ea typeface="+mn-ea"/>
-              </a:rPr>
-              <a:t>Table of Contents/Agenda</a:t>
-            </a:r>
-          </a:p>
-        </p:txBody>
-      </p:sp>
-    </p:spTree>
-  </p:cSld>
-  <p:clrMapOvr>
-    <a:masterClrMapping/>
-  </p:clrMapOvr>
-</p:sld>
-</file>
-
-<file path=ppt/slides/slide30.xml><?xml version="1.0" encoding="utf-8"?>
+<file path=ppt/slides/slide34.xml><?xml version="1.0" encoding="utf-8"?>
 <p:sld xmlns:a="http://schemas.openxmlformats.org/drawingml/2006/main" xmlns:r="http://schemas.openxmlformats.org/officeDocument/2006/relationships" xmlns:p="http://schemas.openxmlformats.org/presentationml/2006/main">
   <p:cSld>
     <p:spTree>
@@ -38245,7 +39980,7 @@
 </p:sld>
 </file>
 
-<file path=ppt/slides/slide31.xml><?xml version="1.0" encoding="utf-8"?>
+<file path=ppt/slides/slide35.xml><?xml version="1.0" encoding="utf-8"?>
 <p:sld xmlns:a="http://schemas.openxmlformats.org/drawingml/2006/main" xmlns:r="http://schemas.openxmlformats.org/officeDocument/2006/relationships" xmlns:p="http://schemas.openxmlformats.org/presentationml/2006/main">
   <p:cSld>
     <p:spTree>
@@ -38440,7 +40175,7 @@
           </a:solidFill>
           <a:extLst>
             <a:ext uri="{91240B29-F687-4f45-9708-019B960494DF}">
-              <a14:hiddenLine xmlns:a14="http://schemas.microsoft.com/office/drawing/2010/main" xmlns="" w="9525">
+              <a14:hiddenLine xmlns="" xmlns:a14="http://schemas.microsoft.com/office/drawing/2010/main" w="9525">
                 <a:solidFill>
                   <a:srgbClr val="000000"/>
                 </a:solidFill>
@@ -38510,7 +40245,7 @@
           </a:solidFill>
           <a:extLst>
             <a:ext uri="{91240B29-F687-4f45-9708-019B960494DF}">
-              <a14:hiddenLine xmlns:a14="http://schemas.microsoft.com/office/drawing/2010/main" xmlns="" w="9525">
+              <a14:hiddenLine xmlns="" xmlns:a14="http://schemas.microsoft.com/office/drawing/2010/main" w="9525">
                 <a:solidFill>
                   <a:srgbClr val="000000"/>
                 </a:solidFill>
@@ -38597,14 +40332,14 @@
           <a:noFill/>
           <a:extLst>
             <a:ext uri="{909E8E84-426E-40dd-AFC4-6F175D3DCCD1}">
-              <a14:hiddenFill xmlns:a14="http://schemas.microsoft.com/office/drawing/2010/main" xmlns="">
+              <a14:hiddenFill xmlns="" xmlns:a14="http://schemas.microsoft.com/office/drawing/2010/main">
                 <a:solidFill>
                   <a:srgbClr val="FFFFFF"/>
                 </a:solidFill>
               </a14:hiddenFill>
             </a:ext>
             <a:ext uri="{91240B29-F687-4f45-9708-019B960494DF}">
-              <a14:hiddenLine xmlns:a14="http://schemas.microsoft.com/office/drawing/2010/main" xmlns="" w="9525">
+              <a14:hiddenLine xmlns="" xmlns:a14="http://schemas.microsoft.com/office/drawing/2010/main" w="9525">
                 <a:solidFill>
                   <a:srgbClr val="000000"/>
                 </a:solidFill>
@@ -38679,7 +40414,7 @@
 </p:sld>
 </file>
 
-<file path=ppt/slides/slide32.xml><?xml version="1.0" encoding="utf-8"?>
+<file path=ppt/slides/slide36.xml><?xml version="1.0" encoding="utf-8"?>
 <p:sld xmlns:a="http://schemas.openxmlformats.org/drawingml/2006/main" xmlns:r="http://schemas.openxmlformats.org/officeDocument/2006/relationships" xmlns:p="http://schemas.openxmlformats.org/presentationml/2006/main">
   <p:cSld>
     <p:spTree>
@@ -40639,7 +42374,7 @@
 </p:sld>
 </file>
 
-<file path=ppt/slides/slide33.xml><?xml version="1.0" encoding="utf-8"?>
+<file path=ppt/slides/slide37.xml><?xml version="1.0" encoding="utf-8"?>
 <p:sld xmlns:a="http://schemas.openxmlformats.org/drawingml/2006/main" xmlns:r="http://schemas.openxmlformats.org/officeDocument/2006/relationships" xmlns:p="http://schemas.openxmlformats.org/presentationml/2006/main">
   <p:cSld>
     <p:spTree>
@@ -42753,7 +44488,7 @@
 </p:sld>
 </file>
 
-<file path=ppt/slides/slide34.xml><?xml version="1.0" encoding="utf-8"?>
+<file path=ppt/slides/slide38.xml><?xml version="1.0" encoding="utf-8"?>
 <p:sld xmlns:a="http://schemas.openxmlformats.org/drawingml/2006/main" xmlns:r="http://schemas.openxmlformats.org/officeDocument/2006/relationships" xmlns:p="http://schemas.openxmlformats.org/presentationml/2006/main">
   <p:cSld>
     <p:spTree>
@@ -44337,7 +46072,7 @@
 </p:sld>
 </file>
 
-<file path=ppt/slides/slide35.xml><?xml version="1.0" encoding="utf-8"?>
+<file path=ppt/slides/slide39.xml><?xml version="1.0" encoding="utf-8"?>
 <p:sld xmlns:a="http://schemas.openxmlformats.org/drawingml/2006/main" xmlns:r="http://schemas.openxmlformats.org/officeDocument/2006/relationships" xmlns:p="http://schemas.openxmlformats.org/presentationml/2006/main">
   <p:cSld>
     <p:spTree>
@@ -44436,7 +46171,64 @@
 </p:sld>
 </file>
 
-<file path=ppt/slides/slide36.xml><?xml version="1.0" encoding="utf-8"?>
+<file path=ppt/slides/slide4.xml><?xml version="1.0" encoding="utf-8"?>
+<p:sld xmlns:a="http://schemas.openxmlformats.org/drawingml/2006/main" xmlns:r="http://schemas.openxmlformats.org/officeDocument/2006/relationships" xmlns:p="http://schemas.openxmlformats.org/presentationml/2006/main">
+  <p:cSld>
+    <p:spTree>
+      <p:nvGrpSpPr>
+        <p:cNvPr id="1" name=""/>
+        <p:cNvGrpSpPr/>
+        <p:nvPr/>
+      </p:nvGrpSpPr>
+      <p:grpSpPr>
+        <a:xfrm>
+          <a:off x="0" y="0"/>
+          <a:ext cx="0" cy="0"/>
+          <a:chOff x="0" y="0"/>
+          <a:chExt cx="0" cy="0"/>
+        </a:xfrm>
+      </p:grpSpPr>
+      <p:sp>
+        <p:nvSpPr>
+          <p:cNvPr id="7169" name="Title 1"/>
+          <p:cNvSpPr>
+            <a:spLocks noGrp="1"/>
+          </p:cNvSpPr>
+          <p:nvPr>
+            <p:ph type="title" idx="4294967295"/>
+          </p:nvPr>
+        </p:nvSpPr>
+        <p:spPr>
+          <a:xfrm>
+            <a:off x="704850" y="1811338"/>
+            <a:ext cx="13274675" cy="635000"/>
+          </a:xfrm>
+        </p:spPr>
+        <p:txBody>
+          <a:bodyPr/>
+          <a:lstStyle/>
+          <a:p>
+            <a:r>
+              <a:rPr lang="en-US">
+                <a:solidFill>
+                  <a:srgbClr val="4C4C4C"/>
+                </a:solidFill>
+                <a:latin typeface="BentonSans Book" charset="0"/>
+              </a:rPr>
+              <a:t>[Topic One]</a:t>
+            </a:r>
+          </a:p>
+        </p:txBody>
+      </p:sp>
+    </p:spTree>
+  </p:cSld>
+  <p:clrMapOvr>
+    <a:masterClrMapping/>
+  </p:clrMapOvr>
+</p:sld>
+</file>
+
+<file path=ppt/slides/slide40.xml><?xml version="1.0" encoding="utf-8"?>
 <p:sld xmlns:a="http://schemas.openxmlformats.org/drawingml/2006/main" xmlns:r="http://schemas.openxmlformats.org/officeDocument/2006/relationships" xmlns:p="http://schemas.openxmlformats.org/presentationml/2006/main">
   <p:cSld>
     <p:spTree>
@@ -44542,7 +46334,7 @@
 </p:sld>
 </file>
 
-<file path=ppt/slides/slide37.xml><?xml version="1.0" encoding="utf-8"?>
+<file path=ppt/slides/slide41.xml><?xml version="1.0" encoding="utf-8"?>
 <p:sld xmlns:a="http://schemas.openxmlformats.org/drawingml/2006/main" xmlns:r="http://schemas.openxmlformats.org/officeDocument/2006/relationships" xmlns:p="http://schemas.openxmlformats.org/presentationml/2006/main">
   <p:cSld>
     <p:spTree>
@@ -44631,63 +46423,6 @@
         <p14:creationId xmlns:p14="http://schemas.microsoft.com/office/powerpoint/2010/main" val="3819498973"/>
       </p:ext>
     </p:extLst>
-  </p:cSld>
-  <p:clrMapOvr>
-    <a:masterClrMapping/>
-  </p:clrMapOvr>
-</p:sld>
-</file>
-
-<file path=ppt/slides/slide4.xml><?xml version="1.0" encoding="utf-8"?>
-<p:sld xmlns:a="http://schemas.openxmlformats.org/drawingml/2006/main" xmlns:r="http://schemas.openxmlformats.org/officeDocument/2006/relationships" xmlns:p="http://schemas.openxmlformats.org/presentationml/2006/main">
-  <p:cSld>
-    <p:spTree>
-      <p:nvGrpSpPr>
-        <p:cNvPr id="1" name=""/>
-        <p:cNvGrpSpPr/>
-        <p:nvPr/>
-      </p:nvGrpSpPr>
-      <p:grpSpPr>
-        <a:xfrm>
-          <a:off x="0" y="0"/>
-          <a:ext cx="0" cy="0"/>
-          <a:chOff x="0" y="0"/>
-          <a:chExt cx="0" cy="0"/>
-        </a:xfrm>
-      </p:grpSpPr>
-      <p:sp>
-        <p:nvSpPr>
-          <p:cNvPr id="7169" name="Title 1"/>
-          <p:cNvSpPr>
-            <a:spLocks noGrp="1"/>
-          </p:cNvSpPr>
-          <p:nvPr>
-            <p:ph type="title" idx="4294967295"/>
-          </p:nvPr>
-        </p:nvSpPr>
-        <p:spPr>
-          <a:xfrm>
-            <a:off x="704850" y="1811338"/>
-            <a:ext cx="13274675" cy="635000"/>
-          </a:xfrm>
-        </p:spPr>
-        <p:txBody>
-          <a:bodyPr/>
-          <a:lstStyle/>
-          <a:p>
-            <a:r>
-              <a:rPr lang="en-US">
-                <a:solidFill>
-                  <a:srgbClr val="4C4C4C"/>
-                </a:solidFill>
-                <a:latin typeface="BentonSans Book" charset="0"/>
-              </a:rPr>
-              <a:t>[Topic One]</a:t>
-            </a:r>
-          </a:p>
-        </p:txBody>
-      </p:sp>
-    </p:spTree>
   </p:cSld>
   <p:clrMapOvr>
     <a:masterClrMapping/>

--- a/lecture.pptx
+++ b/lecture.pptx
@@ -323,7 +323,7 @@
               <a:pPr>
                 <a:defRPr/>
               </a:pPr>
-              <a:t>5/26/2019</a:t>
+              <a:t>5/27/2019</a:t>
             </a:fld>
             <a:endParaRPr lang="en-US" dirty="0"/>
           </a:p>
@@ -547,7 +547,7 @@
               <a:pPr>
                 <a:defRPr/>
               </a:pPr>
-              <a:t>5/26/2019</a:t>
+              <a:t>5/27/2019</a:t>
             </a:fld>
             <a:endParaRPr lang="en-US" dirty="0"/>
           </a:p>
@@ -914,14 +914,14 @@
           </a:ln>
           <a:extLst>
             <a:ext uri="{909E8E84-426E-40dd-AFC4-6F175D3DCCD1}">
-              <a14:hiddenFill xmlns="" xmlns:a14="http://schemas.microsoft.com/office/drawing/2010/main">
+              <a14:hiddenFill xmlns:a14="http://schemas.microsoft.com/office/drawing/2010/main" xmlns="">
                 <a:solidFill>
                   <a:srgbClr val="FFFFFF"/>
                 </a:solidFill>
               </a14:hiddenFill>
             </a:ext>
             <a:ext uri="{FAA26D3D-D897-4be2-8F04-BA451C77F1D7}">
-              <ma14:placeholderFlag xmlns="" xmlns:ma14="http://schemas.microsoft.com/office/mac/drawingml/2011/main" val="1"/>
+              <ma14:placeholderFlag xmlns:ma14="http://schemas.microsoft.com/office/mac/drawingml/2011/main" xmlns="" val="1"/>
             </a:ext>
           </a:extLst>
         </p:spPr>
@@ -940,14 +940,14 @@
           <a:noFill/>
           <a:extLst>
             <a:ext uri="{909E8E84-426E-40dd-AFC4-6F175D3DCCD1}">
-              <a14:hiddenFill xmlns="" xmlns:a14="http://schemas.microsoft.com/office/drawing/2010/main">
+              <a14:hiddenFill xmlns:a14="http://schemas.microsoft.com/office/drawing/2010/main" xmlns="">
                 <a:solidFill>
                   <a:srgbClr val="FFFFFF"/>
                 </a:solidFill>
               </a14:hiddenFill>
             </a:ext>
             <a:ext uri="{91240B29-F687-4f45-9708-019B960494DF}">
-              <a14:hiddenLine xmlns="" xmlns:a14="http://schemas.microsoft.com/office/drawing/2010/main" w="9525">
+              <a14:hiddenLine xmlns:a14="http://schemas.microsoft.com/office/drawing/2010/main" xmlns="" w="9525">
                 <a:solidFill>
                   <a:srgbClr val="000000"/>
                 </a:solidFill>
@@ -1027,14 +1027,14 @@
           </a:ln>
           <a:extLst>
             <a:ext uri="{909E8E84-426E-40dd-AFC4-6F175D3DCCD1}">
-              <a14:hiddenFill xmlns="" xmlns:a14="http://schemas.microsoft.com/office/drawing/2010/main">
+              <a14:hiddenFill xmlns:a14="http://schemas.microsoft.com/office/drawing/2010/main" xmlns="">
                 <a:solidFill>
                   <a:srgbClr val="FFFFFF"/>
                 </a:solidFill>
               </a14:hiddenFill>
             </a:ext>
             <a:ext uri="{FAA26D3D-D897-4be2-8F04-BA451C77F1D7}">
-              <ma14:placeholderFlag xmlns="" xmlns:ma14="http://schemas.microsoft.com/office/mac/drawingml/2011/main" val="1"/>
+              <ma14:placeholderFlag xmlns:ma14="http://schemas.microsoft.com/office/mac/drawingml/2011/main" xmlns="" val="1"/>
             </a:ext>
           </a:extLst>
         </p:spPr>
@@ -1053,14 +1053,14 @@
           <a:noFill/>
           <a:extLst>
             <a:ext uri="{909E8E84-426E-40dd-AFC4-6F175D3DCCD1}">
-              <a14:hiddenFill xmlns="" xmlns:a14="http://schemas.microsoft.com/office/drawing/2010/main">
+              <a14:hiddenFill xmlns:a14="http://schemas.microsoft.com/office/drawing/2010/main" xmlns="">
                 <a:solidFill>
                   <a:srgbClr val="FFFFFF"/>
                 </a:solidFill>
               </a14:hiddenFill>
             </a:ext>
             <a:ext uri="{91240B29-F687-4f45-9708-019B960494DF}">
-              <a14:hiddenLine xmlns="" xmlns:a14="http://schemas.microsoft.com/office/drawing/2010/main" w="9525">
+              <a14:hiddenLine xmlns:a14="http://schemas.microsoft.com/office/drawing/2010/main" xmlns="" w="9525">
                 <a:solidFill>
                   <a:srgbClr val="000000"/>
                 </a:solidFill>
@@ -1140,14 +1140,14 @@
           </a:ln>
           <a:extLst>
             <a:ext uri="{909E8E84-426E-40dd-AFC4-6F175D3DCCD1}">
-              <a14:hiddenFill xmlns="" xmlns:a14="http://schemas.microsoft.com/office/drawing/2010/main">
+              <a14:hiddenFill xmlns:a14="http://schemas.microsoft.com/office/drawing/2010/main" xmlns="">
                 <a:solidFill>
                   <a:srgbClr val="FFFFFF"/>
                 </a:solidFill>
               </a14:hiddenFill>
             </a:ext>
             <a:ext uri="{FAA26D3D-D897-4be2-8F04-BA451C77F1D7}">
-              <ma14:placeholderFlag xmlns="" xmlns:ma14="http://schemas.microsoft.com/office/mac/drawingml/2011/main" val="1"/>
+              <ma14:placeholderFlag xmlns:ma14="http://schemas.microsoft.com/office/mac/drawingml/2011/main" xmlns="" val="1"/>
             </a:ext>
           </a:extLst>
         </p:spPr>
@@ -1166,14 +1166,14 @@
           <a:noFill/>
           <a:extLst>
             <a:ext uri="{909E8E84-426E-40dd-AFC4-6F175D3DCCD1}">
-              <a14:hiddenFill xmlns="" xmlns:a14="http://schemas.microsoft.com/office/drawing/2010/main">
+              <a14:hiddenFill xmlns:a14="http://schemas.microsoft.com/office/drawing/2010/main" xmlns="">
                 <a:solidFill>
                   <a:srgbClr val="FFFFFF"/>
                 </a:solidFill>
               </a14:hiddenFill>
             </a:ext>
             <a:ext uri="{91240B29-F687-4f45-9708-019B960494DF}">
-              <a14:hiddenLine xmlns="" xmlns:a14="http://schemas.microsoft.com/office/drawing/2010/main" w="9525">
+              <a14:hiddenLine xmlns:a14="http://schemas.microsoft.com/office/drawing/2010/main" xmlns="" w="9525">
                 <a:solidFill>
                   <a:srgbClr val="000000"/>
                 </a:solidFill>
@@ -1253,14 +1253,14 @@
           </a:ln>
           <a:extLst>
             <a:ext uri="{909E8E84-426E-40dd-AFC4-6F175D3DCCD1}">
-              <a14:hiddenFill xmlns="" xmlns:a14="http://schemas.microsoft.com/office/drawing/2010/main">
+              <a14:hiddenFill xmlns:a14="http://schemas.microsoft.com/office/drawing/2010/main" xmlns="">
                 <a:solidFill>
                   <a:srgbClr val="FFFFFF"/>
                 </a:solidFill>
               </a14:hiddenFill>
             </a:ext>
             <a:ext uri="{FAA26D3D-D897-4be2-8F04-BA451C77F1D7}">
-              <ma14:placeholderFlag xmlns="" xmlns:ma14="http://schemas.microsoft.com/office/mac/drawingml/2011/main" val="1"/>
+              <ma14:placeholderFlag xmlns:ma14="http://schemas.microsoft.com/office/mac/drawingml/2011/main" xmlns="" val="1"/>
             </a:ext>
           </a:extLst>
         </p:spPr>
@@ -1279,14 +1279,14 @@
           <a:noFill/>
           <a:extLst>
             <a:ext uri="{909E8E84-426E-40dd-AFC4-6F175D3DCCD1}">
-              <a14:hiddenFill xmlns="" xmlns:a14="http://schemas.microsoft.com/office/drawing/2010/main">
+              <a14:hiddenFill xmlns:a14="http://schemas.microsoft.com/office/drawing/2010/main" xmlns="">
                 <a:solidFill>
                   <a:srgbClr val="FFFFFF"/>
                 </a:solidFill>
               </a14:hiddenFill>
             </a:ext>
             <a:ext uri="{91240B29-F687-4f45-9708-019B960494DF}">
-              <a14:hiddenLine xmlns="" xmlns:a14="http://schemas.microsoft.com/office/drawing/2010/main" w="9525">
+              <a14:hiddenLine xmlns:a14="http://schemas.microsoft.com/office/drawing/2010/main" xmlns="" w="9525">
                 <a:solidFill>
                   <a:srgbClr val="000000"/>
                 </a:solidFill>
@@ -1366,14 +1366,14 @@
           </a:ln>
           <a:extLst>
             <a:ext uri="{909E8E84-426E-40dd-AFC4-6F175D3DCCD1}">
-              <a14:hiddenFill xmlns="" xmlns:a14="http://schemas.microsoft.com/office/drawing/2010/main">
+              <a14:hiddenFill xmlns:a14="http://schemas.microsoft.com/office/drawing/2010/main" xmlns="">
                 <a:solidFill>
                   <a:srgbClr val="FFFFFF"/>
                 </a:solidFill>
               </a14:hiddenFill>
             </a:ext>
             <a:ext uri="{FAA26D3D-D897-4be2-8F04-BA451C77F1D7}">
-              <ma14:placeholderFlag xmlns="" xmlns:ma14="http://schemas.microsoft.com/office/mac/drawingml/2011/main" val="1"/>
+              <ma14:placeholderFlag xmlns:ma14="http://schemas.microsoft.com/office/mac/drawingml/2011/main" xmlns="" val="1"/>
             </a:ext>
           </a:extLst>
         </p:spPr>
@@ -1392,14 +1392,14 @@
           <a:noFill/>
           <a:extLst>
             <a:ext uri="{909E8E84-426E-40dd-AFC4-6F175D3DCCD1}">
-              <a14:hiddenFill xmlns="" xmlns:a14="http://schemas.microsoft.com/office/drawing/2010/main">
+              <a14:hiddenFill xmlns:a14="http://schemas.microsoft.com/office/drawing/2010/main" xmlns="">
                 <a:solidFill>
                   <a:srgbClr val="FFFFFF"/>
                 </a:solidFill>
               </a14:hiddenFill>
             </a:ext>
             <a:ext uri="{91240B29-F687-4f45-9708-019B960494DF}">
-              <a14:hiddenLine xmlns="" xmlns:a14="http://schemas.microsoft.com/office/drawing/2010/main" w="9525">
+              <a14:hiddenLine xmlns:a14="http://schemas.microsoft.com/office/drawing/2010/main" xmlns="" w="9525">
                 <a:solidFill>
                   <a:srgbClr val="000000"/>
                 </a:solidFill>
@@ -1479,14 +1479,14 @@
           </a:ln>
           <a:extLst>
             <a:ext uri="{909E8E84-426E-40dd-AFC4-6F175D3DCCD1}">
-              <a14:hiddenFill xmlns="" xmlns:a14="http://schemas.microsoft.com/office/drawing/2010/main">
+              <a14:hiddenFill xmlns:a14="http://schemas.microsoft.com/office/drawing/2010/main" xmlns="">
                 <a:solidFill>
                   <a:srgbClr val="FFFFFF"/>
                 </a:solidFill>
               </a14:hiddenFill>
             </a:ext>
             <a:ext uri="{FAA26D3D-D897-4be2-8F04-BA451C77F1D7}">
-              <ma14:placeholderFlag xmlns="" xmlns:ma14="http://schemas.microsoft.com/office/mac/drawingml/2011/main" val="1"/>
+              <ma14:placeholderFlag xmlns:ma14="http://schemas.microsoft.com/office/mac/drawingml/2011/main" xmlns="" val="1"/>
             </a:ext>
           </a:extLst>
         </p:spPr>
@@ -1505,14 +1505,14 @@
           <a:noFill/>
           <a:extLst>
             <a:ext uri="{909E8E84-426E-40dd-AFC4-6F175D3DCCD1}">
-              <a14:hiddenFill xmlns="" xmlns:a14="http://schemas.microsoft.com/office/drawing/2010/main">
+              <a14:hiddenFill xmlns:a14="http://schemas.microsoft.com/office/drawing/2010/main" xmlns="">
                 <a:solidFill>
                   <a:srgbClr val="FFFFFF"/>
                 </a:solidFill>
               </a14:hiddenFill>
             </a:ext>
             <a:ext uri="{91240B29-F687-4f45-9708-019B960494DF}">
-              <a14:hiddenLine xmlns="" xmlns:a14="http://schemas.microsoft.com/office/drawing/2010/main" w="9525">
+              <a14:hiddenLine xmlns:a14="http://schemas.microsoft.com/office/drawing/2010/main" xmlns="" w="9525">
                 <a:solidFill>
                   <a:srgbClr val="000000"/>
                 </a:solidFill>
@@ -1911,14 +1911,14 @@
           </a:ln>
           <a:extLst>
             <a:ext uri="{909E8E84-426E-40dd-AFC4-6F175D3DCCD1}">
-              <a14:hiddenFill xmlns="" xmlns:a14="http://schemas.microsoft.com/office/drawing/2010/main">
+              <a14:hiddenFill xmlns:a14="http://schemas.microsoft.com/office/drawing/2010/main" xmlns="">
                 <a:solidFill>
                   <a:srgbClr val="FFFFFF"/>
                 </a:solidFill>
               </a14:hiddenFill>
             </a:ext>
             <a:ext uri="{FAA26D3D-D897-4be2-8F04-BA451C77F1D7}">
-              <ma14:placeholderFlag xmlns="" xmlns:ma14="http://schemas.microsoft.com/office/mac/drawingml/2011/main" val="1"/>
+              <ma14:placeholderFlag xmlns:ma14="http://schemas.microsoft.com/office/mac/drawingml/2011/main" xmlns="" val="1"/>
             </a:ext>
           </a:extLst>
         </p:spPr>
@@ -1937,14 +1937,14 @@
           <a:noFill/>
           <a:extLst>
             <a:ext uri="{909E8E84-426E-40dd-AFC4-6F175D3DCCD1}">
-              <a14:hiddenFill xmlns="" xmlns:a14="http://schemas.microsoft.com/office/drawing/2010/main">
+              <a14:hiddenFill xmlns:a14="http://schemas.microsoft.com/office/drawing/2010/main" xmlns="">
                 <a:solidFill>
                   <a:srgbClr val="FFFFFF"/>
                 </a:solidFill>
               </a14:hiddenFill>
             </a:ext>
             <a:ext uri="{91240B29-F687-4f45-9708-019B960494DF}">
-              <a14:hiddenLine xmlns="" xmlns:a14="http://schemas.microsoft.com/office/drawing/2010/main" w="9525">
+              <a14:hiddenLine xmlns:a14="http://schemas.microsoft.com/office/drawing/2010/main" xmlns="" w="9525">
                 <a:solidFill>
                   <a:srgbClr val="000000"/>
                 </a:solidFill>
@@ -2255,14 +2255,14 @@
           </a:ln>
           <a:extLst>
             <a:ext uri="{909E8E84-426E-40dd-AFC4-6F175D3DCCD1}">
-              <a14:hiddenFill xmlns="" xmlns:a14="http://schemas.microsoft.com/office/drawing/2010/main">
+              <a14:hiddenFill xmlns:a14="http://schemas.microsoft.com/office/drawing/2010/main" xmlns="">
                 <a:solidFill>
                   <a:srgbClr val="FFFFFF"/>
                 </a:solidFill>
               </a14:hiddenFill>
             </a:ext>
             <a:ext uri="{FAA26D3D-D897-4be2-8F04-BA451C77F1D7}">
-              <ma14:placeholderFlag xmlns="" xmlns:ma14="http://schemas.microsoft.com/office/mac/drawingml/2011/main" val="1"/>
+              <ma14:placeholderFlag xmlns:ma14="http://schemas.microsoft.com/office/mac/drawingml/2011/main" xmlns="" val="1"/>
             </a:ext>
           </a:extLst>
         </p:spPr>
@@ -2281,14 +2281,14 @@
           <a:noFill/>
           <a:extLst>
             <a:ext uri="{909E8E84-426E-40dd-AFC4-6F175D3DCCD1}">
-              <a14:hiddenFill xmlns="" xmlns:a14="http://schemas.microsoft.com/office/drawing/2010/main">
+              <a14:hiddenFill xmlns:a14="http://schemas.microsoft.com/office/drawing/2010/main" xmlns="">
                 <a:solidFill>
                   <a:srgbClr val="FFFFFF"/>
                 </a:solidFill>
               </a14:hiddenFill>
             </a:ext>
             <a:ext uri="{91240B29-F687-4f45-9708-019B960494DF}">
-              <a14:hiddenLine xmlns="" xmlns:a14="http://schemas.microsoft.com/office/drawing/2010/main" w="9525">
+              <a14:hiddenLine xmlns:a14="http://schemas.microsoft.com/office/drawing/2010/main" xmlns="" w="9525">
                 <a:solidFill>
                   <a:srgbClr val="000000"/>
                 </a:solidFill>
@@ -2445,14 +2445,14 @@
           </a:ln>
           <a:extLst>
             <a:ext uri="{909E8E84-426E-40dd-AFC4-6F175D3DCCD1}">
-              <a14:hiddenFill xmlns="" xmlns:a14="http://schemas.microsoft.com/office/drawing/2010/main">
+              <a14:hiddenFill xmlns:a14="http://schemas.microsoft.com/office/drawing/2010/main" xmlns="">
                 <a:solidFill>
                   <a:srgbClr val="FFFFFF"/>
                 </a:solidFill>
               </a14:hiddenFill>
             </a:ext>
             <a:ext uri="{FAA26D3D-D897-4be2-8F04-BA451C77F1D7}">
-              <ma14:placeholderFlag xmlns="" xmlns:ma14="http://schemas.microsoft.com/office/mac/drawingml/2011/main" val="1"/>
+              <ma14:placeholderFlag xmlns:ma14="http://schemas.microsoft.com/office/mac/drawingml/2011/main" xmlns="" val="1"/>
             </a:ext>
           </a:extLst>
         </p:spPr>
@@ -2471,14 +2471,14 @@
           <a:noFill/>
           <a:extLst>
             <a:ext uri="{909E8E84-426E-40dd-AFC4-6F175D3DCCD1}">
-              <a14:hiddenFill xmlns="" xmlns:a14="http://schemas.microsoft.com/office/drawing/2010/main">
+              <a14:hiddenFill xmlns:a14="http://schemas.microsoft.com/office/drawing/2010/main" xmlns="">
                 <a:solidFill>
                   <a:srgbClr val="FFFFFF"/>
                 </a:solidFill>
               </a14:hiddenFill>
             </a:ext>
             <a:ext uri="{91240B29-F687-4f45-9708-019B960494DF}">
-              <a14:hiddenLine xmlns="" xmlns:a14="http://schemas.microsoft.com/office/drawing/2010/main" w="9525">
+              <a14:hiddenLine xmlns:a14="http://schemas.microsoft.com/office/drawing/2010/main" xmlns="" w="9525">
                 <a:solidFill>
                   <a:srgbClr val="000000"/>
                 </a:solidFill>
@@ -2563,14 +2563,14 @@
           </a:ln>
           <a:extLst>
             <a:ext uri="{909E8E84-426E-40dd-AFC4-6F175D3DCCD1}">
-              <a14:hiddenFill xmlns="" xmlns:a14="http://schemas.microsoft.com/office/drawing/2010/main">
+              <a14:hiddenFill xmlns:a14="http://schemas.microsoft.com/office/drawing/2010/main" xmlns="">
                 <a:solidFill>
                   <a:srgbClr val="FFFFFF"/>
                 </a:solidFill>
               </a14:hiddenFill>
             </a:ext>
             <a:ext uri="{FAA26D3D-D897-4be2-8F04-BA451C77F1D7}">
-              <ma14:placeholderFlag xmlns="" xmlns:ma14="http://schemas.microsoft.com/office/mac/drawingml/2011/main" val="1"/>
+              <ma14:placeholderFlag xmlns:ma14="http://schemas.microsoft.com/office/mac/drawingml/2011/main" xmlns="" val="1"/>
             </a:ext>
           </a:extLst>
         </p:spPr>
@@ -2589,14 +2589,14 @@
           <a:noFill/>
           <a:extLst>
             <a:ext uri="{909E8E84-426E-40dd-AFC4-6F175D3DCCD1}">
-              <a14:hiddenFill xmlns="" xmlns:a14="http://schemas.microsoft.com/office/drawing/2010/main">
+              <a14:hiddenFill xmlns:a14="http://schemas.microsoft.com/office/drawing/2010/main" xmlns="">
                 <a:solidFill>
                   <a:srgbClr val="FFFFFF"/>
                 </a:solidFill>
               </a14:hiddenFill>
             </a:ext>
             <a:ext uri="{91240B29-F687-4f45-9708-019B960494DF}">
-              <a14:hiddenLine xmlns="" xmlns:a14="http://schemas.microsoft.com/office/drawing/2010/main" w="9525">
+              <a14:hiddenLine xmlns:a14="http://schemas.microsoft.com/office/drawing/2010/main" xmlns="" w="9525">
                 <a:solidFill>
                   <a:srgbClr val="000000"/>
                 </a:solidFill>
@@ -2684,14 +2684,14 @@
           </a:ln>
           <a:extLst>
             <a:ext uri="{909E8E84-426E-40dd-AFC4-6F175D3DCCD1}">
-              <a14:hiddenFill xmlns="" xmlns:a14="http://schemas.microsoft.com/office/drawing/2010/main">
+              <a14:hiddenFill xmlns:a14="http://schemas.microsoft.com/office/drawing/2010/main" xmlns="">
                 <a:solidFill>
                   <a:srgbClr val="FFFFFF"/>
                 </a:solidFill>
               </a14:hiddenFill>
             </a:ext>
             <a:ext uri="{FAA26D3D-D897-4be2-8F04-BA451C77F1D7}">
-              <ma14:placeholderFlag xmlns="" xmlns:ma14="http://schemas.microsoft.com/office/mac/drawingml/2011/main" val="1"/>
+              <ma14:placeholderFlag xmlns:ma14="http://schemas.microsoft.com/office/mac/drawingml/2011/main" xmlns="" val="1"/>
             </a:ext>
           </a:extLst>
         </p:spPr>
@@ -2710,14 +2710,14 @@
           <a:noFill/>
           <a:extLst>
             <a:ext uri="{909E8E84-426E-40dd-AFC4-6F175D3DCCD1}">
-              <a14:hiddenFill xmlns="" xmlns:a14="http://schemas.microsoft.com/office/drawing/2010/main">
+              <a14:hiddenFill xmlns:a14="http://schemas.microsoft.com/office/drawing/2010/main" xmlns="">
                 <a:solidFill>
                   <a:srgbClr val="FFFFFF"/>
                 </a:solidFill>
               </a14:hiddenFill>
             </a:ext>
             <a:ext uri="{91240B29-F687-4f45-9708-019B960494DF}">
-              <a14:hiddenLine xmlns="" xmlns:a14="http://schemas.microsoft.com/office/drawing/2010/main" w="9525">
+              <a14:hiddenLine xmlns:a14="http://schemas.microsoft.com/office/drawing/2010/main" xmlns="" w="9525">
                 <a:solidFill>
                   <a:srgbClr val="000000"/>
                 </a:solidFill>
@@ -2805,14 +2805,14 @@
           </a:ln>
           <a:extLst>
             <a:ext uri="{909E8E84-426E-40dd-AFC4-6F175D3DCCD1}">
-              <a14:hiddenFill xmlns="" xmlns:a14="http://schemas.microsoft.com/office/drawing/2010/main">
+              <a14:hiddenFill xmlns:a14="http://schemas.microsoft.com/office/drawing/2010/main" xmlns="">
                 <a:solidFill>
                   <a:srgbClr val="FFFFFF"/>
                 </a:solidFill>
               </a14:hiddenFill>
             </a:ext>
             <a:ext uri="{FAA26D3D-D897-4be2-8F04-BA451C77F1D7}">
-              <ma14:placeholderFlag xmlns="" xmlns:ma14="http://schemas.microsoft.com/office/mac/drawingml/2011/main" val="1"/>
+              <ma14:placeholderFlag xmlns:ma14="http://schemas.microsoft.com/office/mac/drawingml/2011/main" xmlns="" val="1"/>
             </a:ext>
           </a:extLst>
         </p:spPr>
@@ -2831,14 +2831,14 @@
           <a:noFill/>
           <a:extLst>
             <a:ext uri="{909E8E84-426E-40dd-AFC4-6F175D3DCCD1}">
-              <a14:hiddenFill xmlns="" xmlns:a14="http://schemas.microsoft.com/office/drawing/2010/main">
+              <a14:hiddenFill xmlns:a14="http://schemas.microsoft.com/office/drawing/2010/main" xmlns="">
                 <a:solidFill>
                   <a:srgbClr val="FFFFFF"/>
                 </a:solidFill>
               </a14:hiddenFill>
             </a:ext>
             <a:ext uri="{91240B29-F687-4f45-9708-019B960494DF}">
-              <a14:hiddenLine xmlns="" xmlns:a14="http://schemas.microsoft.com/office/drawing/2010/main" w="9525">
+              <a14:hiddenLine xmlns:a14="http://schemas.microsoft.com/office/drawing/2010/main" xmlns="" w="9525">
                 <a:solidFill>
                   <a:srgbClr val="000000"/>
                 </a:solidFill>
@@ -2926,14 +2926,14 @@
           </a:ln>
           <a:extLst>
             <a:ext uri="{909E8E84-426E-40dd-AFC4-6F175D3DCCD1}">
-              <a14:hiddenFill xmlns="" xmlns:a14="http://schemas.microsoft.com/office/drawing/2010/main">
+              <a14:hiddenFill xmlns:a14="http://schemas.microsoft.com/office/drawing/2010/main" xmlns="">
                 <a:solidFill>
                   <a:srgbClr val="FFFFFF"/>
                 </a:solidFill>
               </a14:hiddenFill>
             </a:ext>
             <a:ext uri="{FAA26D3D-D897-4be2-8F04-BA451C77F1D7}">
-              <ma14:placeholderFlag xmlns="" xmlns:ma14="http://schemas.microsoft.com/office/mac/drawingml/2011/main" val="1"/>
+              <ma14:placeholderFlag xmlns:ma14="http://schemas.microsoft.com/office/mac/drawingml/2011/main" xmlns="" val="1"/>
             </a:ext>
           </a:extLst>
         </p:spPr>
@@ -2952,14 +2952,14 @@
           <a:noFill/>
           <a:extLst>
             <a:ext uri="{909E8E84-426E-40dd-AFC4-6F175D3DCCD1}">
-              <a14:hiddenFill xmlns="" xmlns:a14="http://schemas.microsoft.com/office/drawing/2010/main">
+              <a14:hiddenFill xmlns:a14="http://schemas.microsoft.com/office/drawing/2010/main" xmlns="">
                 <a:solidFill>
                   <a:srgbClr val="FFFFFF"/>
                 </a:solidFill>
               </a14:hiddenFill>
             </a:ext>
             <a:ext uri="{91240B29-F687-4f45-9708-019B960494DF}">
-              <a14:hiddenLine xmlns="" xmlns:a14="http://schemas.microsoft.com/office/drawing/2010/main" w="9525">
+              <a14:hiddenLine xmlns:a14="http://schemas.microsoft.com/office/drawing/2010/main" xmlns="" w="9525">
                 <a:solidFill>
                   <a:srgbClr val="000000"/>
                 </a:solidFill>
@@ -3047,14 +3047,14 @@
           </a:ln>
           <a:extLst>
             <a:ext uri="{909E8E84-426E-40dd-AFC4-6F175D3DCCD1}">
-              <a14:hiddenFill xmlns="" xmlns:a14="http://schemas.microsoft.com/office/drawing/2010/main">
+              <a14:hiddenFill xmlns:a14="http://schemas.microsoft.com/office/drawing/2010/main" xmlns="">
                 <a:solidFill>
                   <a:srgbClr val="FFFFFF"/>
                 </a:solidFill>
               </a14:hiddenFill>
             </a:ext>
             <a:ext uri="{FAA26D3D-D897-4be2-8F04-BA451C77F1D7}">
-              <ma14:placeholderFlag xmlns="" xmlns:ma14="http://schemas.microsoft.com/office/mac/drawingml/2011/main" val="1"/>
+              <ma14:placeholderFlag xmlns:ma14="http://schemas.microsoft.com/office/mac/drawingml/2011/main" xmlns="" val="1"/>
             </a:ext>
           </a:extLst>
         </p:spPr>
@@ -3073,14 +3073,14 @@
           <a:noFill/>
           <a:extLst>
             <a:ext uri="{909E8E84-426E-40dd-AFC4-6F175D3DCCD1}">
-              <a14:hiddenFill xmlns="" xmlns:a14="http://schemas.microsoft.com/office/drawing/2010/main">
+              <a14:hiddenFill xmlns:a14="http://schemas.microsoft.com/office/drawing/2010/main" xmlns="">
                 <a:solidFill>
                   <a:srgbClr val="FFFFFF"/>
                 </a:solidFill>
               </a14:hiddenFill>
             </a:ext>
             <a:ext uri="{91240B29-F687-4f45-9708-019B960494DF}">
-              <a14:hiddenLine xmlns="" xmlns:a14="http://schemas.microsoft.com/office/drawing/2010/main" w="9525">
+              <a14:hiddenLine xmlns:a14="http://schemas.microsoft.com/office/drawing/2010/main" xmlns="" w="9525">
                 <a:solidFill>
                   <a:srgbClr val="000000"/>
                 </a:solidFill>
@@ -3168,14 +3168,14 @@
           </a:ln>
           <a:extLst>
             <a:ext uri="{909E8E84-426E-40dd-AFC4-6F175D3DCCD1}">
-              <a14:hiddenFill xmlns="" xmlns:a14="http://schemas.microsoft.com/office/drawing/2010/main">
+              <a14:hiddenFill xmlns:a14="http://schemas.microsoft.com/office/drawing/2010/main" xmlns="">
                 <a:solidFill>
                   <a:srgbClr val="FFFFFF"/>
                 </a:solidFill>
               </a14:hiddenFill>
             </a:ext>
             <a:ext uri="{FAA26D3D-D897-4be2-8F04-BA451C77F1D7}">
-              <ma14:placeholderFlag xmlns="" xmlns:ma14="http://schemas.microsoft.com/office/mac/drawingml/2011/main" val="1"/>
+              <ma14:placeholderFlag xmlns:ma14="http://schemas.microsoft.com/office/mac/drawingml/2011/main" xmlns="" val="1"/>
             </a:ext>
           </a:extLst>
         </p:spPr>
@@ -3194,14 +3194,14 @@
           <a:noFill/>
           <a:extLst>
             <a:ext uri="{909E8E84-426E-40dd-AFC4-6F175D3DCCD1}">
-              <a14:hiddenFill xmlns="" xmlns:a14="http://schemas.microsoft.com/office/drawing/2010/main">
+              <a14:hiddenFill xmlns:a14="http://schemas.microsoft.com/office/drawing/2010/main" xmlns="">
                 <a:solidFill>
                   <a:srgbClr val="FFFFFF"/>
                 </a:solidFill>
               </a14:hiddenFill>
             </a:ext>
             <a:ext uri="{91240B29-F687-4f45-9708-019B960494DF}">
-              <a14:hiddenLine xmlns="" xmlns:a14="http://schemas.microsoft.com/office/drawing/2010/main" w="9525">
+              <a14:hiddenLine xmlns:a14="http://schemas.microsoft.com/office/drawing/2010/main" xmlns="" w="9525">
                 <a:solidFill>
                   <a:srgbClr val="000000"/>
                 </a:solidFill>
@@ -3398,14 +3398,14 @@
           </a:ln>
           <a:extLst>
             <a:ext uri="{909E8E84-426E-40dd-AFC4-6F175D3DCCD1}">
-              <a14:hiddenFill xmlns="" xmlns:a14="http://schemas.microsoft.com/office/drawing/2010/main">
+              <a14:hiddenFill xmlns:a14="http://schemas.microsoft.com/office/drawing/2010/main" xmlns="">
                 <a:solidFill>
                   <a:srgbClr val="FFFFFF"/>
                 </a:solidFill>
               </a14:hiddenFill>
             </a:ext>
             <a:ext uri="{FAA26D3D-D897-4be2-8F04-BA451C77F1D7}">
-              <ma14:placeholderFlag xmlns="" xmlns:ma14="http://schemas.microsoft.com/office/mac/drawingml/2011/main" val="1"/>
+              <ma14:placeholderFlag xmlns:ma14="http://schemas.microsoft.com/office/mac/drawingml/2011/main" xmlns="" val="1"/>
             </a:ext>
           </a:extLst>
         </p:spPr>
@@ -3424,14 +3424,14 @@
           <a:noFill/>
           <a:extLst>
             <a:ext uri="{909E8E84-426E-40dd-AFC4-6F175D3DCCD1}">
-              <a14:hiddenFill xmlns="" xmlns:a14="http://schemas.microsoft.com/office/drawing/2010/main">
+              <a14:hiddenFill xmlns:a14="http://schemas.microsoft.com/office/drawing/2010/main" xmlns="">
                 <a:solidFill>
                   <a:srgbClr val="FFFFFF"/>
                 </a:solidFill>
               </a14:hiddenFill>
             </a:ext>
             <a:ext uri="{91240B29-F687-4f45-9708-019B960494DF}">
-              <a14:hiddenLine xmlns="" xmlns:a14="http://schemas.microsoft.com/office/drawing/2010/main" w="9525">
+              <a14:hiddenLine xmlns:a14="http://schemas.microsoft.com/office/drawing/2010/main" xmlns="" w="9525">
                 <a:solidFill>
                   <a:srgbClr val="000000"/>
                 </a:solidFill>
@@ -3516,14 +3516,14 @@
           </a:ln>
           <a:extLst>
             <a:ext uri="{909E8E84-426E-40dd-AFC4-6F175D3DCCD1}">
-              <a14:hiddenFill xmlns="" xmlns:a14="http://schemas.microsoft.com/office/drawing/2010/main">
+              <a14:hiddenFill xmlns:a14="http://schemas.microsoft.com/office/drawing/2010/main" xmlns="">
                 <a:solidFill>
                   <a:srgbClr val="FFFFFF"/>
                 </a:solidFill>
               </a14:hiddenFill>
             </a:ext>
             <a:ext uri="{FAA26D3D-D897-4be2-8F04-BA451C77F1D7}">
-              <ma14:placeholderFlag xmlns="" xmlns:ma14="http://schemas.microsoft.com/office/mac/drawingml/2011/main" val="1"/>
+              <ma14:placeholderFlag xmlns:ma14="http://schemas.microsoft.com/office/mac/drawingml/2011/main" xmlns="" val="1"/>
             </a:ext>
           </a:extLst>
         </p:spPr>
@@ -3542,14 +3542,14 @@
           <a:noFill/>
           <a:extLst>
             <a:ext uri="{909E8E84-426E-40dd-AFC4-6F175D3DCCD1}">
-              <a14:hiddenFill xmlns="" xmlns:a14="http://schemas.microsoft.com/office/drawing/2010/main">
+              <a14:hiddenFill xmlns:a14="http://schemas.microsoft.com/office/drawing/2010/main" xmlns="">
                 <a:solidFill>
                   <a:srgbClr val="FFFFFF"/>
                 </a:solidFill>
               </a14:hiddenFill>
             </a:ext>
             <a:ext uri="{91240B29-F687-4f45-9708-019B960494DF}">
-              <a14:hiddenLine xmlns="" xmlns:a14="http://schemas.microsoft.com/office/drawing/2010/main" w="9525">
+              <a14:hiddenLine xmlns:a14="http://schemas.microsoft.com/office/drawing/2010/main" xmlns="" w="9525">
                 <a:solidFill>
                   <a:srgbClr val="000000"/>
                 </a:solidFill>
@@ -3629,14 +3629,14 @@
           </a:ln>
           <a:extLst>
             <a:ext uri="{909E8E84-426E-40dd-AFC4-6F175D3DCCD1}">
-              <a14:hiddenFill xmlns="" xmlns:a14="http://schemas.microsoft.com/office/drawing/2010/main">
+              <a14:hiddenFill xmlns:a14="http://schemas.microsoft.com/office/drawing/2010/main" xmlns="">
                 <a:solidFill>
                   <a:srgbClr val="FFFFFF"/>
                 </a:solidFill>
               </a14:hiddenFill>
             </a:ext>
             <a:ext uri="{FAA26D3D-D897-4be2-8F04-BA451C77F1D7}">
-              <ma14:placeholderFlag xmlns="" xmlns:ma14="http://schemas.microsoft.com/office/mac/drawingml/2011/main" val="1"/>
+              <ma14:placeholderFlag xmlns:ma14="http://schemas.microsoft.com/office/mac/drawingml/2011/main" xmlns="" val="1"/>
             </a:ext>
           </a:extLst>
         </p:spPr>
@@ -3655,14 +3655,14 @@
           <a:noFill/>
           <a:extLst>
             <a:ext uri="{909E8E84-426E-40dd-AFC4-6F175D3DCCD1}">
-              <a14:hiddenFill xmlns="" xmlns:a14="http://schemas.microsoft.com/office/drawing/2010/main">
+              <a14:hiddenFill xmlns:a14="http://schemas.microsoft.com/office/drawing/2010/main" xmlns="">
                 <a:solidFill>
                   <a:srgbClr val="FFFFFF"/>
                 </a:solidFill>
               </a14:hiddenFill>
             </a:ext>
             <a:ext uri="{91240B29-F687-4f45-9708-019B960494DF}">
-              <a14:hiddenLine xmlns="" xmlns:a14="http://schemas.microsoft.com/office/drawing/2010/main" w="9525">
+              <a14:hiddenLine xmlns:a14="http://schemas.microsoft.com/office/drawing/2010/main" xmlns="" w="9525">
                 <a:solidFill>
                   <a:srgbClr val="000000"/>
                 </a:solidFill>
@@ -3742,14 +3742,14 @@
           </a:ln>
           <a:extLst>
             <a:ext uri="{909E8E84-426E-40dd-AFC4-6F175D3DCCD1}">
-              <a14:hiddenFill xmlns="" xmlns:a14="http://schemas.microsoft.com/office/drawing/2010/main">
+              <a14:hiddenFill xmlns:a14="http://schemas.microsoft.com/office/drawing/2010/main" xmlns="">
                 <a:solidFill>
                   <a:srgbClr val="FFFFFF"/>
                 </a:solidFill>
               </a14:hiddenFill>
             </a:ext>
             <a:ext uri="{FAA26D3D-D897-4be2-8F04-BA451C77F1D7}">
-              <ma14:placeholderFlag xmlns="" xmlns:ma14="http://schemas.microsoft.com/office/mac/drawingml/2011/main" val="1"/>
+              <ma14:placeholderFlag xmlns:ma14="http://schemas.microsoft.com/office/mac/drawingml/2011/main" xmlns="" val="1"/>
             </a:ext>
           </a:extLst>
         </p:spPr>
@@ -3768,14 +3768,14 @@
           <a:noFill/>
           <a:extLst>
             <a:ext uri="{909E8E84-426E-40dd-AFC4-6F175D3DCCD1}">
-              <a14:hiddenFill xmlns="" xmlns:a14="http://schemas.microsoft.com/office/drawing/2010/main">
+              <a14:hiddenFill xmlns:a14="http://schemas.microsoft.com/office/drawing/2010/main" xmlns="">
                 <a:solidFill>
                   <a:srgbClr val="FFFFFF"/>
                 </a:solidFill>
               </a14:hiddenFill>
             </a:ext>
             <a:ext uri="{91240B29-F687-4f45-9708-019B960494DF}">
-              <a14:hiddenLine xmlns="" xmlns:a14="http://schemas.microsoft.com/office/drawing/2010/main" w="9525">
+              <a14:hiddenLine xmlns:a14="http://schemas.microsoft.com/office/drawing/2010/main" xmlns="" w="9525">
                 <a:solidFill>
                   <a:srgbClr val="000000"/>
                 </a:solidFill>
@@ -3855,14 +3855,14 @@
           </a:ln>
           <a:extLst>
             <a:ext uri="{909E8E84-426E-40dd-AFC4-6F175D3DCCD1}">
-              <a14:hiddenFill xmlns="" xmlns:a14="http://schemas.microsoft.com/office/drawing/2010/main">
+              <a14:hiddenFill xmlns:a14="http://schemas.microsoft.com/office/drawing/2010/main" xmlns="">
                 <a:solidFill>
                   <a:srgbClr val="FFFFFF"/>
                 </a:solidFill>
               </a14:hiddenFill>
             </a:ext>
             <a:ext uri="{FAA26D3D-D897-4be2-8F04-BA451C77F1D7}">
-              <ma14:placeholderFlag xmlns="" xmlns:ma14="http://schemas.microsoft.com/office/mac/drawingml/2011/main" val="1"/>
+              <ma14:placeholderFlag xmlns:ma14="http://schemas.microsoft.com/office/mac/drawingml/2011/main" xmlns="" val="1"/>
             </a:ext>
           </a:extLst>
         </p:spPr>
@@ -3881,14 +3881,14 @@
           <a:noFill/>
           <a:extLst>
             <a:ext uri="{909E8E84-426E-40dd-AFC4-6F175D3DCCD1}">
-              <a14:hiddenFill xmlns="" xmlns:a14="http://schemas.microsoft.com/office/drawing/2010/main">
+              <a14:hiddenFill xmlns:a14="http://schemas.microsoft.com/office/drawing/2010/main" xmlns="">
                 <a:solidFill>
                   <a:srgbClr val="FFFFFF"/>
                 </a:solidFill>
               </a14:hiddenFill>
             </a:ext>
             <a:ext uri="{91240B29-F687-4f45-9708-019B960494DF}">
-              <a14:hiddenLine xmlns="" xmlns:a14="http://schemas.microsoft.com/office/drawing/2010/main" w="9525">
+              <a14:hiddenLine xmlns:a14="http://schemas.microsoft.com/office/drawing/2010/main" xmlns="" w="9525">
                 <a:solidFill>
                   <a:srgbClr val="000000"/>
                 </a:solidFill>
@@ -3968,14 +3968,14 @@
           </a:ln>
           <a:extLst>
             <a:ext uri="{909E8E84-426E-40dd-AFC4-6F175D3DCCD1}">
-              <a14:hiddenFill xmlns="" xmlns:a14="http://schemas.microsoft.com/office/drawing/2010/main">
+              <a14:hiddenFill xmlns:a14="http://schemas.microsoft.com/office/drawing/2010/main" xmlns="">
                 <a:solidFill>
                   <a:srgbClr val="FFFFFF"/>
                 </a:solidFill>
               </a14:hiddenFill>
             </a:ext>
             <a:ext uri="{FAA26D3D-D897-4be2-8F04-BA451C77F1D7}">
-              <ma14:placeholderFlag xmlns="" xmlns:ma14="http://schemas.microsoft.com/office/mac/drawingml/2011/main" val="1"/>
+              <ma14:placeholderFlag xmlns:ma14="http://schemas.microsoft.com/office/mac/drawingml/2011/main" xmlns="" val="1"/>
             </a:ext>
           </a:extLst>
         </p:spPr>
@@ -3994,14 +3994,14 @@
           <a:noFill/>
           <a:extLst>
             <a:ext uri="{909E8E84-426E-40dd-AFC4-6F175D3DCCD1}">
-              <a14:hiddenFill xmlns="" xmlns:a14="http://schemas.microsoft.com/office/drawing/2010/main">
+              <a14:hiddenFill xmlns:a14="http://schemas.microsoft.com/office/drawing/2010/main" xmlns="">
                 <a:solidFill>
                   <a:srgbClr val="FFFFFF"/>
                 </a:solidFill>
               </a14:hiddenFill>
             </a:ext>
             <a:ext uri="{91240B29-F687-4f45-9708-019B960494DF}">
-              <a14:hiddenLine xmlns="" xmlns:a14="http://schemas.microsoft.com/office/drawing/2010/main" w="9525">
+              <a14:hiddenLine xmlns:a14="http://schemas.microsoft.com/office/drawing/2010/main" xmlns="" w="9525">
                 <a:solidFill>
                   <a:srgbClr val="000000"/>
                 </a:solidFill>
@@ -4011,7 +4011,7 @@
               </a14:hiddenLine>
             </a:ext>
             <a:ext uri="{FAA26D3D-D897-4be2-8F04-BA451C77F1D7}">
-              <ma14:placeholderFlag xmlns="" xmlns:ma14="http://schemas.microsoft.com/office/mac/drawingml/2011/main" val="1"/>
+              <ma14:placeholderFlag xmlns:ma14="http://schemas.microsoft.com/office/mac/drawingml/2011/main" xmlns="" val="1"/>
             </a:ext>
           </a:extLst>
         </p:spPr>
@@ -4048,14 +4048,14 @@
           <a:noFill/>
           <a:extLst>
             <a:ext uri="{909E8E84-426E-40dd-AFC4-6F175D3DCCD1}">
-              <a14:hiddenFill xmlns="" xmlns:a14="http://schemas.microsoft.com/office/drawing/2010/main">
+              <a14:hiddenFill xmlns:a14="http://schemas.microsoft.com/office/drawing/2010/main" xmlns="">
                 <a:solidFill>
                   <a:srgbClr val="FFFFFF"/>
                 </a:solidFill>
               </a14:hiddenFill>
             </a:ext>
             <a:ext uri="{91240B29-F687-4f45-9708-019B960494DF}">
-              <a14:hiddenLine xmlns="" xmlns:a14="http://schemas.microsoft.com/office/drawing/2010/main" w="9525">
+              <a14:hiddenLine xmlns:a14="http://schemas.microsoft.com/office/drawing/2010/main" xmlns="" w="9525">
                 <a:solidFill>
                   <a:srgbClr val="000000"/>
                 </a:solidFill>
@@ -4201,7 +4201,7 @@
                   <a:spcPct val="0"/>
                 </a:spcAft>
               </a:pPr>
-              <a:t>5/26/2019</a:t>
+              <a:t>5/27/2019</a:t>
             </a:fld>
             <a:endParaRPr lang="en-US" sz="1200">
               <a:latin typeface="BentonSans Book" charset="0"/>
@@ -4294,14 +4294,14 @@
           </a:ln>
           <a:extLst>
             <a:ext uri="{909E8E84-426E-40dd-AFC4-6F175D3DCCD1}">
-              <a14:hiddenFill xmlns="" xmlns:a14="http://schemas.microsoft.com/office/drawing/2010/main">
+              <a14:hiddenFill xmlns:a14="http://schemas.microsoft.com/office/drawing/2010/main" xmlns="">
                 <a:solidFill>
                   <a:srgbClr val="FFFFFF"/>
                 </a:solidFill>
               </a14:hiddenFill>
             </a:ext>
             <a:ext uri="{FAA26D3D-D897-4be2-8F04-BA451C77F1D7}">
-              <ma14:placeholderFlag xmlns="" xmlns:ma14="http://schemas.microsoft.com/office/mac/drawingml/2011/main" val="1"/>
+              <ma14:placeholderFlag xmlns:ma14="http://schemas.microsoft.com/office/mac/drawingml/2011/main" xmlns="" val="1"/>
             </a:ext>
           </a:extLst>
         </p:spPr>
@@ -4320,14 +4320,14 @@
           <a:noFill/>
           <a:extLst>
             <a:ext uri="{909E8E84-426E-40dd-AFC4-6F175D3DCCD1}">
-              <a14:hiddenFill xmlns="" xmlns:a14="http://schemas.microsoft.com/office/drawing/2010/main">
+              <a14:hiddenFill xmlns:a14="http://schemas.microsoft.com/office/drawing/2010/main" xmlns="">
                 <a:solidFill>
                   <a:srgbClr val="FFFFFF"/>
                 </a:solidFill>
               </a14:hiddenFill>
             </a:ext>
             <a:ext uri="{91240B29-F687-4f45-9708-019B960494DF}">
-              <a14:hiddenLine xmlns="" xmlns:a14="http://schemas.microsoft.com/office/drawing/2010/main" w="9525">
+              <a14:hiddenLine xmlns:a14="http://schemas.microsoft.com/office/drawing/2010/main" xmlns="" w="9525">
                 <a:solidFill>
                   <a:srgbClr val="000000"/>
                 </a:solidFill>
@@ -4337,7 +4337,7 @@
               </a14:hiddenLine>
             </a:ext>
             <a:ext uri="{FAA26D3D-D897-4be2-8F04-BA451C77F1D7}">
-              <ma14:placeholderFlag xmlns="" xmlns:ma14="http://schemas.microsoft.com/office/mac/drawingml/2011/main" val="1"/>
+              <ma14:placeholderFlag xmlns:ma14="http://schemas.microsoft.com/office/mac/drawingml/2011/main" xmlns="" val="1"/>
             </a:ext>
           </a:extLst>
         </p:spPr>
@@ -4374,14 +4374,14 @@
           <a:noFill/>
           <a:extLst>
             <a:ext uri="{909E8E84-426E-40dd-AFC4-6F175D3DCCD1}">
-              <a14:hiddenFill xmlns="" xmlns:a14="http://schemas.microsoft.com/office/drawing/2010/main">
+              <a14:hiddenFill xmlns:a14="http://schemas.microsoft.com/office/drawing/2010/main" xmlns="">
                 <a:solidFill>
                   <a:srgbClr val="FFFFFF"/>
                 </a:solidFill>
               </a14:hiddenFill>
             </a:ext>
             <a:ext uri="{91240B29-F687-4f45-9708-019B960494DF}">
-              <a14:hiddenLine xmlns="" xmlns:a14="http://schemas.microsoft.com/office/drawing/2010/main" w="9525">
+              <a14:hiddenLine xmlns:a14="http://schemas.microsoft.com/office/drawing/2010/main" xmlns="" w="9525">
                 <a:solidFill>
                   <a:srgbClr val="000000"/>
                 </a:solidFill>
@@ -4576,14 +4576,14 @@
           <a:noFill/>
           <a:extLst>
             <a:ext uri="{909E8E84-426E-40dd-AFC4-6F175D3DCCD1}">
-              <a14:hiddenFill xmlns="" xmlns:a14="http://schemas.microsoft.com/office/drawing/2010/main">
+              <a14:hiddenFill xmlns:a14="http://schemas.microsoft.com/office/drawing/2010/main" xmlns="">
                 <a:solidFill>
                   <a:srgbClr val="FFFFFF"/>
                 </a:solidFill>
               </a14:hiddenFill>
             </a:ext>
             <a:ext uri="{91240B29-F687-4f45-9708-019B960494DF}">
-              <a14:hiddenLine xmlns="" xmlns:a14="http://schemas.microsoft.com/office/drawing/2010/main" w="9525">
+              <a14:hiddenLine xmlns:a14="http://schemas.microsoft.com/office/drawing/2010/main" xmlns="" w="9525">
                 <a:solidFill>
                   <a:srgbClr val="000000"/>
                 </a:solidFill>
@@ -4729,7 +4729,7 @@
                   <a:spcPct val="0"/>
                 </a:spcAft>
               </a:pPr>
-              <a:t>5/26/2019</a:t>
+              <a:t>5/27/2019</a:t>
             </a:fld>
             <a:endParaRPr lang="en-US" sz="1200">
               <a:latin typeface="BentonSans Book" charset="0"/>
@@ -4784,14 +4784,14 @@
           </a:ln>
           <a:extLst>
             <a:ext uri="{909E8E84-426E-40dd-AFC4-6F175D3DCCD1}">
-              <a14:hiddenFill xmlns="" xmlns:a14="http://schemas.microsoft.com/office/drawing/2010/main">
+              <a14:hiddenFill xmlns:a14="http://schemas.microsoft.com/office/drawing/2010/main" xmlns="">
                 <a:solidFill>
                   <a:srgbClr val="FFFFFF"/>
                 </a:solidFill>
               </a14:hiddenFill>
             </a:ext>
             <a:ext uri="{FAA26D3D-D897-4be2-8F04-BA451C77F1D7}">
-              <ma14:placeholderFlag xmlns="" xmlns:ma14="http://schemas.microsoft.com/office/mac/drawingml/2011/main" val="1"/>
+              <ma14:placeholderFlag xmlns:ma14="http://schemas.microsoft.com/office/mac/drawingml/2011/main" xmlns="" val="1"/>
             </a:ext>
           </a:extLst>
         </p:spPr>
@@ -4810,14 +4810,14 @@
           <a:noFill/>
           <a:extLst>
             <a:ext uri="{909E8E84-426E-40dd-AFC4-6F175D3DCCD1}">
-              <a14:hiddenFill xmlns="" xmlns:a14="http://schemas.microsoft.com/office/drawing/2010/main">
+              <a14:hiddenFill xmlns:a14="http://schemas.microsoft.com/office/drawing/2010/main" xmlns="">
                 <a:solidFill>
                   <a:srgbClr val="FFFFFF"/>
                 </a:solidFill>
               </a14:hiddenFill>
             </a:ext>
             <a:ext uri="{91240B29-F687-4f45-9708-019B960494DF}">
-              <a14:hiddenLine xmlns="" xmlns:a14="http://schemas.microsoft.com/office/drawing/2010/main" w="9525">
+              <a14:hiddenLine xmlns:a14="http://schemas.microsoft.com/office/drawing/2010/main" xmlns="" w="9525">
                 <a:solidFill>
                   <a:srgbClr val="000000"/>
                 </a:solidFill>
@@ -4900,14 +4900,14 @@
           </a:ln>
           <a:extLst>
             <a:ext uri="{909E8E84-426E-40dd-AFC4-6F175D3DCCD1}">
-              <a14:hiddenFill xmlns="" xmlns:a14="http://schemas.microsoft.com/office/drawing/2010/main">
+              <a14:hiddenFill xmlns:a14="http://schemas.microsoft.com/office/drawing/2010/main" xmlns="">
                 <a:solidFill>
                   <a:srgbClr val="FFFFFF"/>
                 </a:solidFill>
               </a14:hiddenFill>
             </a:ext>
             <a:ext uri="{FAA26D3D-D897-4be2-8F04-BA451C77F1D7}">
-              <ma14:placeholderFlag xmlns="" xmlns:ma14="http://schemas.microsoft.com/office/mac/drawingml/2011/main" val="1"/>
+              <ma14:placeholderFlag xmlns:ma14="http://schemas.microsoft.com/office/mac/drawingml/2011/main" xmlns="" val="1"/>
             </a:ext>
           </a:extLst>
         </p:spPr>
@@ -4926,14 +4926,14 @@
           <a:noFill/>
           <a:extLst>
             <a:ext uri="{909E8E84-426E-40dd-AFC4-6F175D3DCCD1}">
-              <a14:hiddenFill xmlns="" xmlns:a14="http://schemas.microsoft.com/office/drawing/2010/main">
+              <a14:hiddenFill xmlns:a14="http://schemas.microsoft.com/office/drawing/2010/main" xmlns="">
                 <a:solidFill>
                   <a:srgbClr val="FFFFFF"/>
                 </a:solidFill>
               </a14:hiddenFill>
             </a:ext>
             <a:ext uri="{91240B29-F687-4f45-9708-019B960494DF}">
-              <a14:hiddenLine xmlns="" xmlns:a14="http://schemas.microsoft.com/office/drawing/2010/main" w="9525">
+              <a14:hiddenLine xmlns:a14="http://schemas.microsoft.com/office/drawing/2010/main" xmlns="" w="9525">
                 <a:solidFill>
                   <a:srgbClr val="000000"/>
                 </a:solidFill>
@@ -4943,7 +4943,7 @@
               </a14:hiddenLine>
             </a:ext>
             <a:ext uri="{FAA26D3D-D897-4be2-8F04-BA451C77F1D7}">
-              <ma14:placeholderFlag xmlns="" xmlns:ma14="http://schemas.microsoft.com/office/mac/drawingml/2011/main" val="1"/>
+              <ma14:placeholderFlag xmlns:ma14="http://schemas.microsoft.com/office/mac/drawingml/2011/main" xmlns="" val="1"/>
             </a:ext>
           </a:extLst>
         </p:spPr>
@@ -4980,14 +4980,14 @@
           <a:noFill/>
           <a:extLst>
             <a:ext uri="{909E8E84-426E-40dd-AFC4-6F175D3DCCD1}">
-              <a14:hiddenFill xmlns="" xmlns:a14="http://schemas.microsoft.com/office/drawing/2010/main">
+              <a14:hiddenFill xmlns:a14="http://schemas.microsoft.com/office/drawing/2010/main" xmlns="">
                 <a:solidFill>
                   <a:srgbClr val="FFFFFF"/>
                 </a:solidFill>
               </a14:hiddenFill>
             </a:ext>
             <a:ext uri="{91240B29-F687-4f45-9708-019B960494DF}">
-              <a14:hiddenLine xmlns="" xmlns:a14="http://schemas.microsoft.com/office/drawing/2010/main" w="9525">
+              <a14:hiddenLine xmlns:a14="http://schemas.microsoft.com/office/drawing/2010/main" xmlns="" w="9525">
                 <a:solidFill>
                   <a:srgbClr val="000000"/>
                 </a:solidFill>
@@ -5182,14 +5182,14 @@
           <a:noFill/>
           <a:extLst>
             <a:ext uri="{909E8E84-426E-40dd-AFC4-6F175D3DCCD1}">
-              <a14:hiddenFill xmlns="" xmlns:a14="http://schemas.microsoft.com/office/drawing/2010/main">
+              <a14:hiddenFill xmlns:a14="http://schemas.microsoft.com/office/drawing/2010/main" xmlns="">
                 <a:solidFill>
                   <a:srgbClr val="FFFFFF"/>
                 </a:solidFill>
               </a14:hiddenFill>
             </a:ext>
             <a:ext uri="{91240B29-F687-4f45-9708-019B960494DF}">
-              <a14:hiddenLine xmlns="" xmlns:a14="http://schemas.microsoft.com/office/drawing/2010/main" w="9525">
+              <a14:hiddenLine xmlns:a14="http://schemas.microsoft.com/office/drawing/2010/main" xmlns="" w="9525">
                 <a:solidFill>
                   <a:srgbClr val="000000"/>
                 </a:solidFill>
@@ -5335,7 +5335,7 @@
                   <a:spcPct val="0"/>
                 </a:spcAft>
               </a:pPr>
-              <a:t>5/26/2019</a:t>
+              <a:t>5/27/2019</a:t>
             </a:fld>
             <a:endParaRPr lang="en-US" sz="1200">
               <a:latin typeface="BentonSans Book" charset="0"/>
@@ -5390,14 +5390,14 @@
           </a:ln>
           <a:extLst>
             <a:ext uri="{909E8E84-426E-40dd-AFC4-6F175D3DCCD1}">
-              <a14:hiddenFill xmlns="" xmlns:a14="http://schemas.microsoft.com/office/drawing/2010/main">
+              <a14:hiddenFill xmlns:a14="http://schemas.microsoft.com/office/drawing/2010/main" xmlns="">
                 <a:solidFill>
                   <a:srgbClr val="FFFFFF"/>
                 </a:solidFill>
               </a14:hiddenFill>
             </a:ext>
             <a:ext uri="{FAA26D3D-D897-4be2-8F04-BA451C77F1D7}">
-              <ma14:placeholderFlag xmlns="" xmlns:ma14="http://schemas.microsoft.com/office/mac/drawingml/2011/main" val="1"/>
+              <ma14:placeholderFlag xmlns:ma14="http://schemas.microsoft.com/office/mac/drawingml/2011/main" xmlns="" val="1"/>
             </a:ext>
           </a:extLst>
         </p:spPr>
@@ -5416,14 +5416,14 @@
           <a:noFill/>
           <a:extLst>
             <a:ext uri="{909E8E84-426E-40dd-AFC4-6F175D3DCCD1}">
-              <a14:hiddenFill xmlns="" xmlns:a14="http://schemas.microsoft.com/office/drawing/2010/main">
+              <a14:hiddenFill xmlns:a14="http://schemas.microsoft.com/office/drawing/2010/main" xmlns="">
                 <a:solidFill>
                   <a:srgbClr val="FFFFFF"/>
                 </a:solidFill>
               </a14:hiddenFill>
             </a:ext>
             <a:ext uri="{91240B29-F687-4f45-9708-019B960494DF}">
-              <a14:hiddenLine xmlns="" xmlns:a14="http://schemas.microsoft.com/office/drawing/2010/main" w="9525">
+              <a14:hiddenLine xmlns:a14="http://schemas.microsoft.com/office/drawing/2010/main" xmlns="" w="9525">
                 <a:solidFill>
                   <a:srgbClr val="000000"/>
                 </a:solidFill>
@@ -5433,7 +5433,7 @@
               </a14:hiddenLine>
             </a:ext>
             <a:ext uri="{FAA26D3D-D897-4be2-8F04-BA451C77F1D7}">
-              <ma14:placeholderFlag xmlns="" xmlns:ma14="http://schemas.microsoft.com/office/mac/drawingml/2011/main" val="1"/>
+              <ma14:placeholderFlag xmlns:ma14="http://schemas.microsoft.com/office/mac/drawingml/2011/main" xmlns="" val="1"/>
             </a:ext>
           </a:extLst>
         </p:spPr>
@@ -5470,14 +5470,14 @@
           <a:noFill/>
           <a:extLst>
             <a:ext uri="{909E8E84-426E-40dd-AFC4-6F175D3DCCD1}">
-              <a14:hiddenFill xmlns="" xmlns:a14="http://schemas.microsoft.com/office/drawing/2010/main">
+              <a14:hiddenFill xmlns:a14="http://schemas.microsoft.com/office/drawing/2010/main" xmlns="">
                 <a:solidFill>
                   <a:srgbClr val="FFFFFF"/>
                 </a:solidFill>
               </a14:hiddenFill>
             </a:ext>
             <a:ext uri="{91240B29-F687-4f45-9708-019B960494DF}">
-              <a14:hiddenLine xmlns="" xmlns:a14="http://schemas.microsoft.com/office/drawing/2010/main" w="9525">
+              <a14:hiddenLine xmlns:a14="http://schemas.microsoft.com/office/drawing/2010/main" xmlns="" w="9525">
                 <a:solidFill>
                   <a:srgbClr val="000000"/>
                 </a:solidFill>
@@ -5672,14 +5672,14 @@
           <a:noFill/>
           <a:extLst>
             <a:ext uri="{909E8E84-426E-40dd-AFC4-6F175D3DCCD1}">
-              <a14:hiddenFill xmlns="" xmlns:a14="http://schemas.microsoft.com/office/drawing/2010/main">
+              <a14:hiddenFill xmlns:a14="http://schemas.microsoft.com/office/drawing/2010/main" xmlns="">
                 <a:solidFill>
                   <a:srgbClr val="FFFFFF"/>
                 </a:solidFill>
               </a14:hiddenFill>
             </a:ext>
             <a:ext uri="{91240B29-F687-4f45-9708-019B960494DF}">
-              <a14:hiddenLine xmlns="" xmlns:a14="http://schemas.microsoft.com/office/drawing/2010/main" w="9525">
+              <a14:hiddenLine xmlns:a14="http://schemas.microsoft.com/office/drawing/2010/main" xmlns="" w="9525">
                 <a:solidFill>
                   <a:srgbClr val="000000"/>
                 </a:solidFill>
@@ -5825,7 +5825,7 @@
                   <a:spcPct val="0"/>
                 </a:spcAft>
               </a:pPr>
-              <a:t>5/26/2019</a:t>
+              <a:t>5/27/2019</a:t>
             </a:fld>
             <a:endParaRPr lang="en-US" sz="1200">
               <a:latin typeface="BentonSans Book" charset="0"/>
@@ -5880,14 +5880,14 @@
           </a:ln>
           <a:extLst>
             <a:ext uri="{909E8E84-426E-40dd-AFC4-6F175D3DCCD1}">
-              <a14:hiddenFill xmlns="" xmlns:a14="http://schemas.microsoft.com/office/drawing/2010/main">
+              <a14:hiddenFill xmlns:a14="http://schemas.microsoft.com/office/drawing/2010/main" xmlns="">
                 <a:solidFill>
                   <a:srgbClr val="FFFFFF"/>
                 </a:solidFill>
               </a14:hiddenFill>
             </a:ext>
             <a:ext uri="{FAA26D3D-D897-4be2-8F04-BA451C77F1D7}">
-              <ma14:placeholderFlag xmlns="" xmlns:ma14="http://schemas.microsoft.com/office/mac/drawingml/2011/main" val="1"/>
+              <ma14:placeholderFlag xmlns:ma14="http://schemas.microsoft.com/office/mac/drawingml/2011/main" xmlns="" val="1"/>
             </a:ext>
           </a:extLst>
         </p:spPr>
@@ -5906,14 +5906,14 @@
           <a:noFill/>
           <a:extLst>
             <a:ext uri="{909E8E84-426E-40dd-AFC4-6F175D3DCCD1}">
-              <a14:hiddenFill xmlns="" xmlns:a14="http://schemas.microsoft.com/office/drawing/2010/main">
+              <a14:hiddenFill xmlns:a14="http://schemas.microsoft.com/office/drawing/2010/main" xmlns="">
                 <a:solidFill>
                   <a:srgbClr val="FFFFFF"/>
                 </a:solidFill>
               </a14:hiddenFill>
             </a:ext>
             <a:ext uri="{91240B29-F687-4f45-9708-019B960494DF}">
-              <a14:hiddenLine xmlns="" xmlns:a14="http://schemas.microsoft.com/office/drawing/2010/main" w="9525">
+              <a14:hiddenLine xmlns:a14="http://schemas.microsoft.com/office/drawing/2010/main" xmlns="" w="9525">
                 <a:solidFill>
                   <a:srgbClr val="000000"/>
                 </a:solidFill>
@@ -5923,7 +5923,7 @@
               </a14:hiddenLine>
             </a:ext>
             <a:ext uri="{FAA26D3D-D897-4be2-8F04-BA451C77F1D7}">
-              <ma14:placeholderFlag xmlns="" xmlns:ma14="http://schemas.microsoft.com/office/mac/drawingml/2011/main" val="1"/>
+              <ma14:placeholderFlag xmlns:ma14="http://schemas.microsoft.com/office/mac/drawingml/2011/main" xmlns="" val="1"/>
             </a:ext>
           </a:extLst>
         </p:spPr>
@@ -5960,14 +5960,14 @@
           <a:noFill/>
           <a:extLst>
             <a:ext uri="{909E8E84-426E-40dd-AFC4-6F175D3DCCD1}">
-              <a14:hiddenFill xmlns="" xmlns:a14="http://schemas.microsoft.com/office/drawing/2010/main">
+              <a14:hiddenFill xmlns:a14="http://schemas.microsoft.com/office/drawing/2010/main" xmlns="">
                 <a:solidFill>
                   <a:srgbClr val="FFFFFF"/>
                 </a:solidFill>
               </a14:hiddenFill>
             </a:ext>
             <a:ext uri="{91240B29-F687-4f45-9708-019B960494DF}">
-              <a14:hiddenLine xmlns="" xmlns:a14="http://schemas.microsoft.com/office/drawing/2010/main" w="9525">
+              <a14:hiddenLine xmlns:a14="http://schemas.microsoft.com/office/drawing/2010/main" xmlns="" w="9525">
                 <a:solidFill>
                   <a:srgbClr val="000000"/>
                 </a:solidFill>
@@ -6162,14 +6162,14 @@
           <a:noFill/>
           <a:extLst>
             <a:ext uri="{909E8E84-426E-40dd-AFC4-6F175D3DCCD1}">
-              <a14:hiddenFill xmlns="" xmlns:a14="http://schemas.microsoft.com/office/drawing/2010/main">
+              <a14:hiddenFill xmlns:a14="http://schemas.microsoft.com/office/drawing/2010/main" xmlns="">
                 <a:solidFill>
                   <a:srgbClr val="FFFFFF"/>
                 </a:solidFill>
               </a14:hiddenFill>
             </a:ext>
             <a:ext uri="{91240B29-F687-4f45-9708-019B960494DF}">
-              <a14:hiddenLine xmlns="" xmlns:a14="http://schemas.microsoft.com/office/drawing/2010/main" w="9525">
+              <a14:hiddenLine xmlns:a14="http://schemas.microsoft.com/office/drawing/2010/main" xmlns="" w="9525">
                 <a:solidFill>
                   <a:srgbClr val="000000"/>
                 </a:solidFill>
@@ -6315,7 +6315,7 @@
                   <a:spcPct val="0"/>
                 </a:spcAft>
               </a:pPr>
-              <a:t>5/26/2019</a:t>
+              <a:t>5/27/2019</a:t>
             </a:fld>
             <a:endParaRPr lang="en-US" sz="1200">
               <a:latin typeface="BentonSans Book" charset="0"/>
@@ -6370,14 +6370,14 @@
           </a:ln>
           <a:extLst>
             <a:ext uri="{909E8E84-426E-40dd-AFC4-6F175D3DCCD1}">
-              <a14:hiddenFill xmlns="" xmlns:a14="http://schemas.microsoft.com/office/drawing/2010/main">
+              <a14:hiddenFill xmlns:a14="http://schemas.microsoft.com/office/drawing/2010/main" xmlns="">
                 <a:solidFill>
                   <a:srgbClr val="FFFFFF"/>
                 </a:solidFill>
               </a14:hiddenFill>
             </a:ext>
             <a:ext uri="{FAA26D3D-D897-4be2-8F04-BA451C77F1D7}">
-              <ma14:placeholderFlag xmlns="" xmlns:ma14="http://schemas.microsoft.com/office/mac/drawingml/2011/main" val="1"/>
+              <ma14:placeholderFlag xmlns:ma14="http://schemas.microsoft.com/office/mac/drawingml/2011/main" xmlns="" val="1"/>
             </a:ext>
           </a:extLst>
         </p:spPr>
@@ -6396,14 +6396,14 @@
           <a:noFill/>
           <a:extLst>
             <a:ext uri="{909E8E84-426E-40dd-AFC4-6F175D3DCCD1}">
-              <a14:hiddenFill xmlns="" xmlns:a14="http://schemas.microsoft.com/office/drawing/2010/main">
+              <a14:hiddenFill xmlns:a14="http://schemas.microsoft.com/office/drawing/2010/main" xmlns="">
                 <a:solidFill>
                   <a:srgbClr val="FFFFFF"/>
                 </a:solidFill>
               </a14:hiddenFill>
             </a:ext>
             <a:ext uri="{91240B29-F687-4f45-9708-019B960494DF}">
-              <a14:hiddenLine xmlns="" xmlns:a14="http://schemas.microsoft.com/office/drawing/2010/main" w="9525">
+              <a14:hiddenLine xmlns:a14="http://schemas.microsoft.com/office/drawing/2010/main" xmlns="" w="9525">
                 <a:solidFill>
                   <a:srgbClr val="000000"/>
                 </a:solidFill>
@@ -6413,7 +6413,7 @@
               </a14:hiddenLine>
             </a:ext>
             <a:ext uri="{FAA26D3D-D897-4be2-8F04-BA451C77F1D7}">
-              <ma14:placeholderFlag xmlns="" xmlns:ma14="http://schemas.microsoft.com/office/mac/drawingml/2011/main" val="1"/>
+              <ma14:placeholderFlag xmlns:ma14="http://schemas.microsoft.com/office/mac/drawingml/2011/main" xmlns="" val="1"/>
             </a:ext>
           </a:extLst>
         </p:spPr>
@@ -6450,14 +6450,14 @@
           <a:noFill/>
           <a:extLst>
             <a:ext uri="{909E8E84-426E-40dd-AFC4-6F175D3DCCD1}">
-              <a14:hiddenFill xmlns="" xmlns:a14="http://schemas.microsoft.com/office/drawing/2010/main">
+              <a14:hiddenFill xmlns:a14="http://schemas.microsoft.com/office/drawing/2010/main" xmlns="">
                 <a:solidFill>
                   <a:srgbClr val="FFFFFF"/>
                 </a:solidFill>
               </a14:hiddenFill>
             </a:ext>
             <a:ext uri="{91240B29-F687-4f45-9708-019B960494DF}">
-              <a14:hiddenLine xmlns="" xmlns:a14="http://schemas.microsoft.com/office/drawing/2010/main" w="9525">
+              <a14:hiddenLine xmlns:a14="http://schemas.microsoft.com/office/drawing/2010/main" xmlns="" w="9525">
                 <a:solidFill>
                   <a:srgbClr val="000000"/>
                 </a:solidFill>
@@ -6652,14 +6652,14 @@
           <a:noFill/>
           <a:extLst>
             <a:ext uri="{909E8E84-426E-40dd-AFC4-6F175D3DCCD1}">
-              <a14:hiddenFill xmlns="" xmlns:a14="http://schemas.microsoft.com/office/drawing/2010/main">
+              <a14:hiddenFill xmlns:a14="http://schemas.microsoft.com/office/drawing/2010/main" xmlns="">
                 <a:solidFill>
                   <a:srgbClr val="FFFFFF"/>
                 </a:solidFill>
               </a14:hiddenFill>
             </a:ext>
             <a:ext uri="{91240B29-F687-4f45-9708-019B960494DF}">
-              <a14:hiddenLine xmlns="" xmlns:a14="http://schemas.microsoft.com/office/drawing/2010/main" w="9525">
+              <a14:hiddenLine xmlns:a14="http://schemas.microsoft.com/office/drawing/2010/main" xmlns="" w="9525">
                 <a:solidFill>
                   <a:srgbClr val="000000"/>
                 </a:solidFill>
@@ -6805,7 +6805,7 @@
                   <a:spcPct val="0"/>
                 </a:spcAft>
               </a:pPr>
-              <a:t>5/26/2019</a:t>
+              <a:t>5/27/2019</a:t>
             </a:fld>
             <a:endParaRPr lang="en-US" sz="1200">
               <a:latin typeface="BentonSans Book" charset="0"/>
@@ -6860,14 +6860,14 @@
           </a:ln>
           <a:extLst>
             <a:ext uri="{909E8E84-426E-40dd-AFC4-6F175D3DCCD1}">
-              <a14:hiddenFill xmlns="" xmlns:a14="http://schemas.microsoft.com/office/drawing/2010/main">
+              <a14:hiddenFill xmlns:a14="http://schemas.microsoft.com/office/drawing/2010/main" xmlns="">
                 <a:solidFill>
                   <a:srgbClr val="FFFFFF"/>
                 </a:solidFill>
               </a14:hiddenFill>
             </a:ext>
             <a:ext uri="{FAA26D3D-D897-4be2-8F04-BA451C77F1D7}">
-              <ma14:placeholderFlag xmlns="" xmlns:ma14="http://schemas.microsoft.com/office/mac/drawingml/2011/main" val="1"/>
+              <ma14:placeholderFlag xmlns:ma14="http://schemas.microsoft.com/office/mac/drawingml/2011/main" xmlns="" val="1"/>
             </a:ext>
           </a:extLst>
         </p:spPr>
@@ -6886,14 +6886,14 @@
           <a:noFill/>
           <a:extLst>
             <a:ext uri="{909E8E84-426E-40dd-AFC4-6F175D3DCCD1}">
-              <a14:hiddenFill xmlns="" xmlns:a14="http://schemas.microsoft.com/office/drawing/2010/main">
+              <a14:hiddenFill xmlns:a14="http://schemas.microsoft.com/office/drawing/2010/main" xmlns="">
                 <a:solidFill>
                   <a:srgbClr val="FFFFFF"/>
                 </a:solidFill>
               </a14:hiddenFill>
             </a:ext>
             <a:ext uri="{91240B29-F687-4f45-9708-019B960494DF}">
-              <a14:hiddenLine xmlns="" xmlns:a14="http://schemas.microsoft.com/office/drawing/2010/main" w="9525">
+              <a14:hiddenLine xmlns:a14="http://schemas.microsoft.com/office/drawing/2010/main" xmlns="" w="9525">
                 <a:solidFill>
                   <a:srgbClr val="000000"/>
                 </a:solidFill>
@@ -6903,7 +6903,7 @@
               </a14:hiddenLine>
             </a:ext>
             <a:ext uri="{FAA26D3D-D897-4be2-8F04-BA451C77F1D7}">
-              <ma14:placeholderFlag xmlns="" xmlns:ma14="http://schemas.microsoft.com/office/mac/drawingml/2011/main" val="1"/>
+              <ma14:placeholderFlag xmlns:ma14="http://schemas.microsoft.com/office/mac/drawingml/2011/main" xmlns="" val="1"/>
             </a:ext>
           </a:extLst>
         </p:spPr>
@@ -6940,14 +6940,14 @@
           <a:noFill/>
           <a:extLst>
             <a:ext uri="{909E8E84-426E-40dd-AFC4-6F175D3DCCD1}">
-              <a14:hiddenFill xmlns="" xmlns:a14="http://schemas.microsoft.com/office/drawing/2010/main">
+              <a14:hiddenFill xmlns:a14="http://schemas.microsoft.com/office/drawing/2010/main" xmlns="">
                 <a:solidFill>
                   <a:srgbClr val="FFFFFF"/>
                 </a:solidFill>
               </a14:hiddenFill>
             </a:ext>
             <a:ext uri="{91240B29-F687-4f45-9708-019B960494DF}">
-              <a14:hiddenLine xmlns="" xmlns:a14="http://schemas.microsoft.com/office/drawing/2010/main" w="9525">
+              <a14:hiddenLine xmlns:a14="http://schemas.microsoft.com/office/drawing/2010/main" xmlns="" w="9525">
                 <a:solidFill>
                   <a:srgbClr val="000000"/>
                 </a:solidFill>
@@ -7142,14 +7142,14 @@
           <a:noFill/>
           <a:extLst>
             <a:ext uri="{909E8E84-426E-40dd-AFC4-6F175D3DCCD1}">
-              <a14:hiddenFill xmlns="" xmlns:a14="http://schemas.microsoft.com/office/drawing/2010/main">
+              <a14:hiddenFill xmlns:a14="http://schemas.microsoft.com/office/drawing/2010/main" xmlns="">
                 <a:solidFill>
                   <a:srgbClr val="FFFFFF"/>
                 </a:solidFill>
               </a14:hiddenFill>
             </a:ext>
             <a:ext uri="{91240B29-F687-4f45-9708-019B960494DF}">
-              <a14:hiddenLine xmlns="" xmlns:a14="http://schemas.microsoft.com/office/drawing/2010/main" w="9525">
+              <a14:hiddenLine xmlns:a14="http://schemas.microsoft.com/office/drawing/2010/main" xmlns="" w="9525">
                 <a:solidFill>
                   <a:srgbClr val="000000"/>
                 </a:solidFill>
@@ -7295,7 +7295,7 @@
                   <a:spcPct val="0"/>
                 </a:spcAft>
               </a:pPr>
-              <a:t>5/26/2019</a:t>
+              <a:t>5/27/2019</a:t>
             </a:fld>
             <a:endParaRPr lang="en-US" sz="1200">
               <a:latin typeface="BentonSans Book" charset="0"/>
@@ -7350,14 +7350,14 @@
           </a:ln>
           <a:extLst>
             <a:ext uri="{909E8E84-426E-40dd-AFC4-6F175D3DCCD1}">
-              <a14:hiddenFill xmlns="" xmlns:a14="http://schemas.microsoft.com/office/drawing/2010/main">
+              <a14:hiddenFill xmlns:a14="http://schemas.microsoft.com/office/drawing/2010/main" xmlns="">
                 <a:solidFill>
                   <a:srgbClr val="FFFFFF"/>
                 </a:solidFill>
               </a14:hiddenFill>
             </a:ext>
             <a:ext uri="{FAA26D3D-D897-4be2-8F04-BA451C77F1D7}">
-              <ma14:placeholderFlag xmlns="" xmlns:ma14="http://schemas.microsoft.com/office/mac/drawingml/2011/main" val="1"/>
+              <ma14:placeholderFlag xmlns:ma14="http://schemas.microsoft.com/office/mac/drawingml/2011/main" xmlns="" val="1"/>
             </a:ext>
           </a:extLst>
         </p:spPr>
@@ -7376,14 +7376,14 @@
           <a:noFill/>
           <a:extLst>
             <a:ext uri="{909E8E84-426E-40dd-AFC4-6F175D3DCCD1}">
-              <a14:hiddenFill xmlns="" xmlns:a14="http://schemas.microsoft.com/office/drawing/2010/main">
+              <a14:hiddenFill xmlns:a14="http://schemas.microsoft.com/office/drawing/2010/main" xmlns="">
                 <a:solidFill>
                   <a:srgbClr val="FFFFFF"/>
                 </a:solidFill>
               </a14:hiddenFill>
             </a:ext>
             <a:ext uri="{91240B29-F687-4f45-9708-019B960494DF}">
-              <a14:hiddenLine xmlns="" xmlns:a14="http://schemas.microsoft.com/office/drawing/2010/main" w="9525">
+              <a14:hiddenLine xmlns:a14="http://schemas.microsoft.com/office/drawing/2010/main" xmlns="" w="9525">
                 <a:solidFill>
                   <a:srgbClr val="000000"/>
                 </a:solidFill>
@@ -7468,14 +7468,14 @@
           </a:ln>
           <a:extLst>
             <a:ext uri="{909E8E84-426E-40dd-AFC4-6F175D3DCCD1}">
-              <a14:hiddenFill xmlns="" xmlns:a14="http://schemas.microsoft.com/office/drawing/2010/main">
+              <a14:hiddenFill xmlns:a14="http://schemas.microsoft.com/office/drawing/2010/main" xmlns="">
                 <a:solidFill>
                   <a:srgbClr val="FFFFFF"/>
                 </a:solidFill>
               </a14:hiddenFill>
             </a:ext>
             <a:ext uri="{FAA26D3D-D897-4be2-8F04-BA451C77F1D7}">
-              <ma14:placeholderFlag xmlns="" xmlns:ma14="http://schemas.microsoft.com/office/mac/drawingml/2011/main" val="1"/>
+              <ma14:placeholderFlag xmlns:ma14="http://schemas.microsoft.com/office/mac/drawingml/2011/main" xmlns="" val="1"/>
             </a:ext>
           </a:extLst>
         </p:spPr>
@@ -7494,14 +7494,14 @@
           <a:noFill/>
           <a:extLst>
             <a:ext uri="{909E8E84-426E-40dd-AFC4-6F175D3DCCD1}">
-              <a14:hiddenFill xmlns="" xmlns:a14="http://schemas.microsoft.com/office/drawing/2010/main">
+              <a14:hiddenFill xmlns:a14="http://schemas.microsoft.com/office/drawing/2010/main" xmlns="">
                 <a:solidFill>
                   <a:srgbClr val="FFFFFF"/>
                 </a:solidFill>
               </a14:hiddenFill>
             </a:ext>
             <a:ext uri="{91240B29-F687-4f45-9708-019B960494DF}">
-              <a14:hiddenLine xmlns="" xmlns:a14="http://schemas.microsoft.com/office/drawing/2010/main" w="9525">
+              <a14:hiddenLine xmlns:a14="http://schemas.microsoft.com/office/drawing/2010/main" xmlns="" w="9525">
                 <a:solidFill>
                   <a:srgbClr val="000000"/>
                 </a:solidFill>
@@ -7586,14 +7586,14 @@
           </a:ln>
           <a:extLst>
             <a:ext uri="{909E8E84-426E-40dd-AFC4-6F175D3DCCD1}">
-              <a14:hiddenFill xmlns="" xmlns:a14="http://schemas.microsoft.com/office/drawing/2010/main">
+              <a14:hiddenFill xmlns:a14="http://schemas.microsoft.com/office/drawing/2010/main" xmlns="">
                 <a:solidFill>
                   <a:srgbClr val="FFFFFF"/>
                 </a:solidFill>
               </a14:hiddenFill>
             </a:ext>
             <a:ext uri="{FAA26D3D-D897-4be2-8F04-BA451C77F1D7}">
-              <ma14:placeholderFlag xmlns="" xmlns:ma14="http://schemas.microsoft.com/office/mac/drawingml/2011/main" val="1"/>
+              <ma14:placeholderFlag xmlns:ma14="http://schemas.microsoft.com/office/mac/drawingml/2011/main" xmlns="" val="1"/>
             </a:ext>
           </a:extLst>
         </p:spPr>
@@ -7612,14 +7612,14 @@
           <a:noFill/>
           <a:extLst>
             <a:ext uri="{909E8E84-426E-40dd-AFC4-6F175D3DCCD1}">
-              <a14:hiddenFill xmlns="" xmlns:a14="http://schemas.microsoft.com/office/drawing/2010/main">
+              <a14:hiddenFill xmlns:a14="http://schemas.microsoft.com/office/drawing/2010/main" xmlns="">
                 <a:solidFill>
                   <a:srgbClr val="FFFFFF"/>
                 </a:solidFill>
               </a14:hiddenFill>
             </a:ext>
             <a:ext uri="{91240B29-F687-4f45-9708-019B960494DF}">
-              <a14:hiddenLine xmlns="" xmlns:a14="http://schemas.microsoft.com/office/drawing/2010/main" w="9525">
+              <a14:hiddenLine xmlns:a14="http://schemas.microsoft.com/office/drawing/2010/main" xmlns="" w="9525">
                 <a:solidFill>
                   <a:srgbClr val="000000"/>
                 </a:solidFill>
@@ -7707,14 +7707,14 @@
           </a:ln>
           <a:extLst>
             <a:ext uri="{909E8E84-426E-40dd-AFC4-6F175D3DCCD1}">
-              <a14:hiddenFill xmlns="" xmlns:a14="http://schemas.microsoft.com/office/drawing/2010/main">
+              <a14:hiddenFill xmlns:a14="http://schemas.microsoft.com/office/drawing/2010/main" xmlns="">
                 <a:solidFill>
                   <a:srgbClr val="FFFFFF"/>
                 </a:solidFill>
               </a14:hiddenFill>
             </a:ext>
             <a:ext uri="{FAA26D3D-D897-4be2-8F04-BA451C77F1D7}">
-              <ma14:placeholderFlag xmlns="" xmlns:ma14="http://schemas.microsoft.com/office/mac/drawingml/2011/main" val="1"/>
+              <ma14:placeholderFlag xmlns:ma14="http://schemas.microsoft.com/office/mac/drawingml/2011/main" xmlns="" val="1"/>
             </a:ext>
           </a:extLst>
         </p:spPr>
@@ -7733,14 +7733,14 @@
           <a:noFill/>
           <a:extLst>
             <a:ext uri="{909E8E84-426E-40dd-AFC4-6F175D3DCCD1}">
-              <a14:hiddenFill xmlns="" xmlns:a14="http://schemas.microsoft.com/office/drawing/2010/main">
+              <a14:hiddenFill xmlns:a14="http://schemas.microsoft.com/office/drawing/2010/main" xmlns="">
                 <a:solidFill>
                   <a:srgbClr val="FFFFFF"/>
                 </a:solidFill>
               </a14:hiddenFill>
             </a:ext>
             <a:ext uri="{91240B29-F687-4f45-9708-019B960494DF}">
-              <a14:hiddenLine xmlns="" xmlns:a14="http://schemas.microsoft.com/office/drawing/2010/main" w="9525">
+              <a14:hiddenLine xmlns:a14="http://schemas.microsoft.com/office/drawing/2010/main" xmlns="" w="9525">
                 <a:solidFill>
                   <a:srgbClr val="000000"/>
                 </a:solidFill>
@@ -7820,14 +7820,14 @@
           </a:ln>
           <a:extLst>
             <a:ext uri="{909E8E84-426E-40dd-AFC4-6F175D3DCCD1}">
-              <a14:hiddenFill xmlns="" xmlns:a14="http://schemas.microsoft.com/office/drawing/2010/main">
+              <a14:hiddenFill xmlns:a14="http://schemas.microsoft.com/office/drawing/2010/main" xmlns="">
                 <a:solidFill>
                   <a:srgbClr val="FFFFFF"/>
                 </a:solidFill>
               </a14:hiddenFill>
             </a:ext>
             <a:ext uri="{FAA26D3D-D897-4be2-8F04-BA451C77F1D7}">
-              <ma14:placeholderFlag xmlns="" xmlns:ma14="http://schemas.microsoft.com/office/mac/drawingml/2011/main" val="1"/>
+              <ma14:placeholderFlag xmlns:ma14="http://schemas.microsoft.com/office/mac/drawingml/2011/main" xmlns="" val="1"/>
             </a:ext>
           </a:extLst>
         </p:spPr>
@@ -7846,14 +7846,14 @@
           <a:noFill/>
           <a:extLst>
             <a:ext uri="{909E8E84-426E-40dd-AFC4-6F175D3DCCD1}">
-              <a14:hiddenFill xmlns="" xmlns:a14="http://schemas.microsoft.com/office/drawing/2010/main">
+              <a14:hiddenFill xmlns:a14="http://schemas.microsoft.com/office/drawing/2010/main" xmlns="">
                 <a:solidFill>
                   <a:srgbClr val="FFFFFF"/>
                 </a:solidFill>
               </a14:hiddenFill>
             </a:ext>
             <a:ext uri="{91240B29-F687-4f45-9708-019B960494DF}">
-              <a14:hiddenLine xmlns="" xmlns:a14="http://schemas.microsoft.com/office/drawing/2010/main" w="9525">
+              <a14:hiddenLine xmlns:a14="http://schemas.microsoft.com/office/drawing/2010/main" xmlns="" w="9525">
                 <a:solidFill>
                   <a:srgbClr val="000000"/>
                 </a:solidFill>
@@ -7933,14 +7933,14 @@
           </a:ln>
           <a:extLst>
             <a:ext uri="{909E8E84-426E-40dd-AFC4-6F175D3DCCD1}">
-              <a14:hiddenFill xmlns="" xmlns:a14="http://schemas.microsoft.com/office/drawing/2010/main">
+              <a14:hiddenFill xmlns:a14="http://schemas.microsoft.com/office/drawing/2010/main" xmlns="">
                 <a:solidFill>
                   <a:srgbClr val="FFFFFF"/>
                 </a:solidFill>
               </a14:hiddenFill>
             </a:ext>
             <a:ext uri="{FAA26D3D-D897-4be2-8F04-BA451C77F1D7}">
-              <ma14:placeholderFlag xmlns="" xmlns:ma14="http://schemas.microsoft.com/office/mac/drawingml/2011/main" val="1"/>
+              <ma14:placeholderFlag xmlns:ma14="http://schemas.microsoft.com/office/mac/drawingml/2011/main" xmlns="" val="1"/>
             </a:ext>
           </a:extLst>
         </p:spPr>
@@ -7959,14 +7959,14 @@
           <a:noFill/>
           <a:extLst>
             <a:ext uri="{909E8E84-426E-40dd-AFC4-6F175D3DCCD1}">
-              <a14:hiddenFill xmlns="" xmlns:a14="http://schemas.microsoft.com/office/drawing/2010/main">
+              <a14:hiddenFill xmlns:a14="http://schemas.microsoft.com/office/drawing/2010/main" xmlns="">
                 <a:solidFill>
                   <a:srgbClr val="FFFFFF"/>
                 </a:solidFill>
               </a14:hiddenFill>
             </a:ext>
             <a:ext uri="{91240B29-F687-4f45-9708-019B960494DF}">
-              <a14:hiddenLine xmlns="" xmlns:a14="http://schemas.microsoft.com/office/drawing/2010/main" w="9525">
+              <a14:hiddenLine xmlns:a14="http://schemas.microsoft.com/office/drawing/2010/main" xmlns="" w="9525">
                 <a:solidFill>
                   <a:srgbClr val="000000"/>
                 </a:solidFill>
@@ -8046,14 +8046,14 @@
           </a:ln>
           <a:extLst>
             <a:ext uri="{909E8E84-426E-40dd-AFC4-6F175D3DCCD1}">
-              <a14:hiddenFill xmlns="" xmlns:a14="http://schemas.microsoft.com/office/drawing/2010/main">
+              <a14:hiddenFill xmlns:a14="http://schemas.microsoft.com/office/drawing/2010/main" xmlns="">
                 <a:solidFill>
                   <a:srgbClr val="FFFFFF"/>
                 </a:solidFill>
               </a14:hiddenFill>
             </a:ext>
             <a:ext uri="{FAA26D3D-D897-4be2-8F04-BA451C77F1D7}">
-              <ma14:placeholderFlag xmlns="" xmlns:ma14="http://schemas.microsoft.com/office/mac/drawingml/2011/main" val="1"/>
+              <ma14:placeholderFlag xmlns:ma14="http://schemas.microsoft.com/office/mac/drawingml/2011/main" xmlns="" val="1"/>
             </a:ext>
           </a:extLst>
         </p:spPr>
@@ -8072,14 +8072,14 @@
           <a:noFill/>
           <a:extLst>
             <a:ext uri="{909E8E84-426E-40dd-AFC4-6F175D3DCCD1}">
-              <a14:hiddenFill xmlns="" xmlns:a14="http://schemas.microsoft.com/office/drawing/2010/main">
+              <a14:hiddenFill xmlns:a14="http://schemas.microsoft.com/office/drawing/2010/main" xmlns="">
                 <a:solidFill>
                   <a:srgbClr val="FFFFFF"/>
                 </a:solidFill>
               </a14:hiddenFill>
             </a:ext>
             <a:ext uri="{91240B29-F687-4f45-9708-019B960494DF}">
-              <a14:hiddenLine xmlns="" xmlns:a14="http://schemas.microsoft.com/office/drawing/2010/main" w="9525">
+              <a14:hiddenLine xmlns:a14="http://schemas.microsoft.com/office/drawing/2010/main" xmlns="" w="9525">
                 <a:solidFill>
                   <a:srgbClr val="000000"/>
                 </a:solidFill>
@@ -8159,14 +8159,14 @@
           </a:ln>
           <a:extLst>
             <a:ext uri="{909E8E84-426E-40dd-AFC4-6F175D3DCCD1}">
-              <a14:hiddenFill xmlns="" xmlns:a14="http://schemas.microsoft.com/office/drawing/2010/main">
+              <a14:hiddenFill xmlns:a14="http://schemas.microsoft.com/office/drawing/2010/main" xmlns="">
                 <a:solidFill>
                   <a:srgbClr val="FFFFFF"/>
                 </a:solidFill>
               </a14:hiddenFill>
             </a:ext>
             <a:ext uri="{FAA26D3D-D897-4be2-8F04-BA451C77F1D7}">
-              <ma14:placeholderFlag xmlns="" xmlns:ma14="http://schemas.microsoft.com/office/mac/drawingml/2011/main" val="1"/>
+              <ma14:placeholderFlag xmlns:ma14="http://schemas.microsoft.com/office/mac/drawingml/2011/main" xmlns="" val="1"/>
             </a:ext>
           </a:extLst>
         </p:spPr>
@@ -8185,14 +8185,14 @@
           <a:noFill/>
           <a:extLst>
             <a:ext uri="{909E8E84-426E-40dd-AFC4-6F175D3DCCD1}">
-              <a14:hiddenFill xmlns="" xmlns:a14="http://schemas.microsoft.com/office/drawing/2010/main">
+              <a14:hiddenFill xmlns:a14="http://schemas.microsoft.com/office/drawing/2010/main" xmlns="">
                 <a:solidFill>
                   <a:srgbClr val="FFFFFF"/>
                 </a:solidFill>
               </a14:hiddenFill>
             </a:ext>
             <a:ext uri="{91240B29-F687-4f45-9708-019B960494DF}">
-              <a14:hiddenLine xmlns="" xmlns:a14="http://schemas.microsoft.com/office/drawing/2010/main" w="9525">
+              <a14:hiddenLine xmlns:a14="http://schemas.microsoft.com/office/drawing/2010/main" xmlns="" w="9525">
                 <a:solidFill>
                   <a:srgbClr val="000000"/>
                 </a:solidFill>
@@ -8341,14 +8341,14 @@
           </a:ln>
           <a:extLst>
             <a:ext uri="{909E8E84-426E-40dd-AFC4-6F175D3DCCD1}">
-              <a14:hiddenFill xmlns="" xmlns:a14="http://schemas.microsoft.com/office/drawing/2010/main">
+              <a14:hiddenFill xmlns:a14="http://schemas.microsoft.com/office/drawing/2010/main" xmlns="">
                 <a:solidFill>
                   <a:srgbClr val="FFFFFF"/>
                 </a:solidFill>
               </a14:hiddenFill>
             </a:ext>
             <a:ext uri="{91240B29-F687-4f45-9708-019B960494DF}">
-              <a14:hiddenLine xmlns="" xmlns:a14="http://schemas.microsoft.com/office/drawing/2010/main" w="9525">
+              <a14:hiddenLine xmlns:a14="http://schemas.microsoft.com/office/drawing/2010/main" xmlns="" w="9525">
                 <a:solidFill>
                   <a:srgbClr val="000000"/>
                 </a:solidFill>
@@ -9099,14 +9099,14 @@
           </a:ln>
           <a:extLst>
             <a:ext uri="{909E8E84-426E-40dd-AFC4-6F175D3DCCD1}">
-              <a14:hiddenFill xmlns="" xmlns:a14="http://schemas.microsoft.com/office/drawing/2010/main">
+              <a14:hiddenFill xmlns:a14="http://schemas.microsoft.com/office/drawing/2010/main" xmlns="">
                 <a:solidFill>
                   <a:srgbClr val="FFFFFF"/>
                 </a:solidFill>
               </a14:hiddenFill>
             </a:ext>
             <a:ext uri="{91240B29-F687-4f45-9708-019B960494DF}">
-              <a14:hiddenLine xmlns="" xmlns:a14="http://schemas.microsoft.com/office/drawing/2010/main" w="9525">
+              <a14:hiddenLine xmlns:a14="http://schemas.microsoft.com/office/drawing/2010/main" xmlns="" w="9525">
                 <a:solidFill>
                   <a:srgbClr val="000000"/>
                 </a:solidFill>
@@ -10889,14 +10889,14 @@
           </a:ln>
           <a:extLst>
             <a:ext uri="{909E8E84-426E-40dd-AFC4-6F175D3DCCD1}">
-              <a14:hiddenFill xmlns="" xmlns:a14="http://schemas.microsoft.com/office/drawing/2010/main">
+              <a14:hiddenFill xmlns:a14="http://schemas.microsoft.com/office/drawing/2010/main" xmlns="">
                 <a:solidFill>
                   <a:srgbClr val="FFFFFF"/>
                 </a:solidFill>
               </a14:hiddenFill>
             </a:ext>
             <a:ext uri="{91240B29-F687-4f45-9708-019B960494DF}">
-              <a14:hiddenLine xmlns="" xmlns:a14="http://schemas.microsoft.com/office/drawing/2010/main" w="9525">
+              <a14:hiddenLine xmlns:a14="http://schemas.microsoft.com/office/drawing/2010/main" xmlns="" w="9525">
                 <a:solidFill>
                   <a:srgbClr val="000000"/>
                 </a:solidFill>
@@ -10906,7 +10906,7 @@
               </a14:hiddenLine>
             </a:ext>
             <a:ext uri="{FAA26D3D-D897-4be2-8F04-BA451C77F1D7}">
-              <ma14:placeholderFlag xmlns="" xmlns:ma14="http://schemas.microsoft.com/office/mac/drawingml/2011/main" val="1"/>
+              <ma14:placeholderFlag xmlns:ma14="http://schemas.microsoft.com/office/mac/drawingml/2011/main" xmlns="" val="1"/>
             </a:ext>
           </a:extLst>
         </p:spPr>
@@ -11468,6 +11468,18 @@
   <p:clrMapOvr>
     <a:masterClrMapping/>
   </p:clrMapOvr>
+  <mc:AlternateContent xmlns:mc="http://schemas.openxmlformats.org/markup-compatibility/2006">
+    <mc:Choice xmlns:p15="http://schemas.microsoft.com/office/powerpoint/2012/main" Requires="p15">
+      <p:transition xmlns:p14="http://schemas.microsoft.com/office/powerpoint/2010/main" spd="slow" p14:dur="2000">
+        <p15:prstTrans prst="drape"/>
+      </p:transition>
+    </mc:Choice>
+    <mc:Fallback>
+      <p:transition spd="slow">
+        <p:fade/>
+      </p:transition>
+    </mc:Fallback>
+  </mc:AlternateContent>
 </p:sld>
 </file>
 
@@ -11501,7 +11513,7 @@
         <p:spPr>
           <a:xfrm>
             <a:off x="704850" y="1811338"/>
-            <a:ext cx="13274675" cy="635000"/>
+            <a:ext cx="13274675" cy="567848"/>
           </a:xfrm>
         </p:spPr>
         <p:txBody>
@@ -11515,8 +11527,20 @@
                 </a:solidFill>
                 <a:latin typeface="BentonSans Book" charset="0"/>
               </a:rPr>
-              <a:t>[Topic One]</a:t>
+              <a:t>Dat</a:t>
             </a:r>
+            <a:r>
+              <a:rPr lang="en-US">
+                <a:latin typeface="BentonSans Book" charset="0"/>
+              </a:rPr>
+              <a:t>a Growth</a:t>
+            </a:r>
+            <a:endParaRPr lang="en-US" dirty="0">
+              <a:solidFill>
+                <a:srgbClr val="4C4C4C"/>
+              </a:solidFill>
+              <a:latin typeface="BentonSans Book" charset="0"/>
+            </a:endParaRPr>
           </a:p>
         </p:txBody>
       </p:sp>
@@ -13924,6 +13948,9 @@
   <p:clrMapOvr>
     <a:masterClrMapping/>
   </p:clrMapOvr>
+  <p:transition spd="slow">
+    <p:push dir="u"/>
+  </p:transition>
 </p:sld>
 </file>
 
@@ -16785,14 +16812,14 @@
           </a:ln>
           <a:extLst>
             <a:ext uri="{909E8E84-426E-40dd-AFC4-6F175D3DCCD1}">
-              <a14:hiddenFill xmlns="" xmlns:a14="http://schemas.microsoft.com/office/drawing/2010/main">
+              <a14:hiddenFill xmlns:a14="http://schemas.microsoft.com/office/drawing/2010/main" xmlns="">
                 <a:solidFill>
                   <a:srgbClr val="FFFFFF"/>
                 </a:solidFill>
               </a14:hiddenFill>
             </a:ext>
             <a:ext uri="{FAA26D3D-D897-4be2-8F04-BA451C77F1D7}">
-              <ma14:placeholderFlag xmlns="" xmlns:ma14="http://schemas.microsoft.com/office/mac/drawingml/2011/main" val="1"/>
+              <ma14:placeholderFlag xmlns:ma14="http://schemas.microsoft.com/office/mac/drawingml/2011/main" xmlns="" val="1"/>
             </a:ext>
           </a:extLst>
         </p:spPr>
@@ -16892,6 +16919,9 @@
   <p:clrMapOvr>
     <a:masterClrMapping/>
   </p:clrMapOvr>
+  <p:transition spd="slow">
+    <p:cover/>
+  </p:transition>
 </p:sld>
 </file>
 
@@ -18340,7 +18370,7 @@
           </a:ln>
           <a:extLst>
             <a:ext uri="{909E8E84-426E-40dd-AFC4-6F175D3DCCD1}">
-              <a14:hiddenFill xmlns="" xmlns:a14="http://schemas.microsoft.com/office/drawing/2010/main">
+              <a14:hiddenFill xmlns:a14="http://schemas.microsoft.com/office/drawing/2010/main" xmlns="">
                 <a:solidFill>
                   <a:srgbClr val="FFFFFF"/>
                 </a:solidFill>
@@ -18370,14 +18400,14 @@
           <a:noFill/>
           <a:extLst>
             <a:ext uri="{909E8E84-426E-40dd-AFC4-6F175D3DCCD1}">
-              <a14:hiddenFill xmlns="" xmlns:a14="http://schemas.microsoft.com/office/drawing/2010/main">
+              <a14:hiddenFill xmlns:a14="http://schemas.microsoft.com/office/drawing/2010/main" xmlns="">
                 <a:solidFill>
                   <a:srgbClr val="FFFFFF"/>
                 </a:solidFill>
               </a14:hiddenFill>
             </a:ext>
             <a:ext uri="{91240B29-F687-4f45-9708-019B960494DF}">
-              <a14:hiddenLine xmlns="" xmlns:a14="http://schemas.microsoft.com/office/drawing/2010/main" w="9525">
+              <a14:hiddenLine xmlns:a14="http://schemas.microsoft.com/office/drawing/2010/main" xmlns="" w="9525">
                 <a:solidFill>
                   <a:srgbClr val="000000"/>
                 </a:solidFill>
@@ -18720,14 +18750,14 @@
           <a:noFill/>
           <a:extLst>
             <a:ext uri="{909E8E84-426E-40dd-AFC4-6F175D3DCCD1}">
-              <a14:hiddenFill xmlns="" xmlns:a14="http://schemas.microsoft.com/office/drawing/2010/main">
+              <a14:hiddenFill xmlns:a14="http://schemas.microsoft.com/office/drawing/2010/main" xmlns="">
                 <a:solidFill>
                   <a:srgbClr val="FFFFFF"/>
                 </a:solidFill>
               </a14:hiddenFill>
             </a:ext>
             <a:ext uri="{91240B29-F687-4f45-9708-019B960494DF}">
-              <a14:hiddenLine xmlns="" xmlns:a14="http://schemas.microsoft.com/office/drawing/2010/main" w="9525">
+              <a14:hiddenLine xmlns:a14="http://schemas.microsoft.com/office/drawing/2010/main" xmlns="" w="9525">
                 <a:solidFill>
                   <a:srgbClr val="000000"/>
                 </a:solidFill>
@@ -18772,14 +18802,14 @@
           <a:noFill/>
           <a:extLst>
             <a:ext uri="{909E8E84-426E-40dd-AFC4-6F175D3DCCD1}">
-              <a14:hiddenFill xmlns="" xmlns:a14="http://schemas.microsoft.com/office/drawing/2010/main">
+              <a14:hiddenFill xmlns:a14="http://schemas.microsoft.com/office/drawing/2010/main" xmlns="">
                 <a:solidFill>
                   <a:srgbClr val="FFFFFF"/>
                 </a:solidFill>
               </a14:hiddenFill>
             </a:ext>
             <a:ext uri="{91240B29-F687-4f45-9708-019B960494DF}">
-              <a14:hiddenLine xmlns="" xmlns:a14="http://schemas.microsoft.com/office/drawing/2010/main" w="9525">
+              <a14:hiddenLine xmlns:a14="http://schemas.microsoft.com/office/drawing/2010/main" xmlns="" w="9525">
                 <a:solidFill>
                   <a:srgbClr val="000000"/>
                 </a:solidFill>
@@ -18970,7 +19000,7 @@
           </a:ln>
           <a:extLst>
             <a:ext uri="{909E8E84-426E-40dd-AFC4-6F175D3DCCD1}">
-              <a14:hiddenFill xmlns="" xmlns:a14="http://schemas.microsoft.com/office/drawing/2010/main">
+              <a14:hiddenFill xmlns:a14="http://schemas.microsoft.com/office/drawing/2010/main" xmlns="">
                 <a:solidFill>
                   <a:srgbClr val="FFFFFF"/>
                 </a:solidFill>
@@ -19014,14 +19044,14 @@
           </a:ln>
           <a:extLst>
             <a:ext uri="{909E8E84-426E-40dd-AFC4-6F175D3DCCD1}">
-              <a14:hiddenFill xmlns="" xmlns:a14="http://schemas.microsoft.com/office/drawing/2010/main">
+              <a14:hiddenFill xmlns:a14="http://schemas.microsoft.com/office/drawing/2010/main" xmlns="">
                 <a:solidFill>
                   <a:srgbClr val="FFFFFF"/>
                 </a:solidFill>
               </a14:hiddenFill>
             </a:ext>
             <a:ext uri="{91240B29-F687-4f45-9708-019B960494DF}">
-              <a14:hiddenLine xmlns="" xmlns:a14="http://schemas.microsoft.com/office/drawing/2010/main" w="9525">
+              <a14:hiddenLine xmlns:a14="http://schemas.microsoft.com/office/drawing/2010/main" xmlns="" w="9525">
                 <a:solidFill>
                   <a:srgbClr val="000000"/>
                 </a:solidFill>
@@ -19074,14 +19104,14 @@
           <a:effectLst/>
           <a:extLst>
             <a:ext uri="{909E8E84-426E-40dd-AFC4-6F175D3DCCD1}">
-              <a14:hiddenFill xmlns="" xmlns:a14="http://schemas.microsoft.com/office/drawing/2010/main">
+              <a14:hiddenFill xmlns:a14="http://schemas.microsoft.com/office/drawing/2010/main" xmlns="">
                 <a:solidFill>
                   <a:schemeClr val="accent1"/>
                 </a:solidFill>
               </a14:hiddenFill>
             </a:ext>
             <a:ext uri="{AF507438-7753-43e0-B8FC-AC1667EBCBE1}">
-              <a14:hiddenEffects xmlns="" xmlns:a14="http://schemas.microsoft.com/office/drawing/2010/main">
+              <a14:hiddenEffects xmlns:a14="http://schemas.microsoft.com/office/drawing/2010/main" xmlns="">
                 <a:effectLst>
                   <a:outerShdw dist="35921" dir="2700000" algn="ctr" rotWithShape="0">
                     <a:schemeClr val="bg2"/>
@@ -19340,14 +19370,14 @@
           </a:ln>
           <a:extLst>
             <a:ext uri="{909E8E84-426E-40dd-AFC4-6F175D3DCCD1}">
-              <a14:hiddenFill xmlns="" xmlns:a14="http://schemas.microsoft.com/office/drawing/2010/main">
+              <a14:hiddenFill xmlns:a14="http://schemas.microsoft.com/office/drawing/2010/main" xmlns="">
                 <a:solidFill>
                   <a:srgbClr val="FFFFFF"/>
                 </a:solidFill>
               </a14:hiddenFill>
             </a:ext>
             <a:ext uri="{91240B29-F687-4f45-9708-019B960494DF}">
-              <a14:hiddenLine xmlns="" xmlns:a14="http://schemas.microsoft.com/office/drawing/2010/main" w="9525">
+              <a14:hiddenLine xmlns:a14="http://schemas.microsoft.com/office/drawing/2010/main" xmlns="" w="9525">
                 <a:solidFill>
                   <a:srgbClr val="000000"/>
                 </a:solidFill>
@@ -19630,14 +19660,14 @@
           </a:ln>
           <a:extLst>
             <a:ext uri="{909E8E84-426E-40dd-AFC4-6F175D3DCCD1}">
-              <a14:hiddenFill xmlns="" xmlns:a14="http://schemas.microsoft.com/office/drawing/2010/main">
+              <a14:hiddenFill xmlns:a14="http://schemas.microsoft.com/office/drawing/2010/main" xmlns="">
                 <a:solidFill>
                   <a:srgbClr val="FFFFFF"/>
                 </a:solidFill>
               </a14:hiddenFill>
             </a:ext>
             <a:ext uri="{91240B29-F687-4f45-9708-019B960494DF}">
-              <a14:hiddenLine xmlns="" xmlns:a14="http://schemas.microsoft.com/office/drawing/2010/main" w="9525">
+              <a14:hiddenLine xmlns:a14="http://schemas.microsoft.com/office/drawing/2010/main" xmlns="" w="9525">
                 <a:solidFill>
                   <a:srgbClr val="000000"/>
                 </a:solidFill>
@@ -19840,14 +19870,14 @@
           </a:ln>
           <a:extLst>
             <a:ext uri="{909E8E84-426E-40dd-AFC4-6F175D3DCCD1}">
-              <a14:hiddenFill xmlns="" xmlns:a14="http://schemas.microsoft.com/office/drawing/2010/main">
+              <a14:hiddenFill xmlns:a14="http://schemas.microsoft.com/office/drawing/2010/main" xmlns="">
                 <a:solidFill>
                   <a:srgbClr val="FFFFFF"/>
                 </a:solidFill>
               </a14:hiddenFill>
             </a:ext>
             <a:ext uri="{91240B29-F687-4f45-9708-019B960494DF}">
-              <a14:hiddenLine xmlns="" xmlns:a14="http://schemas.microsoft.com/office/drawing/2010/main" w="9525">
+              <a14:hiddenLine xmlns:a14="http://schemas.microsoft.com/office/drawing/2010/main" xmlns="" w="9525">
                 <a:solidFill>
                   <a:srgbClr val="000000"/>
                 </a:solidFill>
@@ -19894,14 +19924,14 @@
           </a:ln>
           <a:extLst>
             <a:ext uri="{909E8E84-426E-40dd-AFC4-6F175D3DCCD1}">
-              <a14:hiddenFill xmlns="" xmlns:a14="http://schemas.microsoft.com/office/drawing/2010/main">
+              <a14:hiddenFill xmlns:a14="http://schemas.microsoft.com/office/drawing/2010/main" xmlns="">
                 <a:solidFill>
                   <a:srgbClr val="FFFFFF"/>
                 </a:solidFill>
               </a14:hiddenFill>
             </a:ext>
             <a:ext uri="{91240B29-F687-4f45-9708-019B960494DF}">
-              <a14:hiddenLine xmlns="" xmlns:a14="http://schemas.microsoft.com/office/drawing/2010/main" w="9525">
+              <a14:hiddenLine xmlns:a14="http://schemas.microsoft.com/office/drawing/2010/main" xmlns="" w="9525">
                 <a:solidFill>
                   <a:srgbClr val="000000"/>
                 </a:solidFill>
@@ -19948,14 +19978,14 @@
           </a:ln>
           <a:extLst>
             <a:ext uri="{909E8E84-426E-40dd-AFC4-6F175D3DCCD1}">
-              <a14:hiddenFill xmlns="" xmlns:a14="http://schemas.microsoft.com/office/drawing/2010/main">
+              <a14:hiddenFill xmlns:a14="http://schemas.microsoft.com/office/drawing/2010/main" xmlns="">
                 <a:solidFill>
                   <a:srgbClr val="FFFFFF"/>
                 </a:solidFill>
               </a14:hiddenFill>
             </a:ext>
             <a:ext uri="{91240B29-F687-4f45-9708-019B960494DF}">
-              <a14:hiddenLine xmlns="" xmlns:a14="http://schemas.microsoft.com/office/drawing/2010/main" w="9525">
+              <a14:hiddenLine xmlns:a14="http://schemas.microsoft.com/office/drawing/2010/main" xmlns="" w="9525">
                 <a:solidFill>
                   <a:srgbClr val="000000"/>
                 </a:solidFill>
@@ -25078,7 +25108,7 @@
             </a:ln>
             <a:extLst>
               <a:ext uri="{91240B29-F687-4f45-9708-019B960494DF}">
-                <a14:hiddenLine xmlns="" xmlns:a14="http://schemas.microsoft.com/office/drawing/2010/main" w="9525">
+                <a14:hiddenLine xmlns:a14="http://schemas.microsoft.com/office/drawing/2010/main" xmlns="" w="9525">
                   <a:solidFill>
                     <a:srgbClr val="000000"/>
                   </a:solidFill>
@@ -25179,7 +25209,7 @@
             </a:ln>
             <a:extLst>
               <a:ext uri="{91240B29-F687-4f45-9708-019B960494DF}">
-                <a14:hiddenLine xmlns="" xmlns:a14="http://schemas.microsoft.com/office/drawing/2010/main" w="9525">
+                <a14:hiddenLine xmlns:a14="http://schemas.microsoft.com/office/drawing/2010/main" xmlns="" w="9525">
                   <a:solidFill>
                     <a:srgbClr val="000000"/>
                   </a:solidFill>
@@ -25280,7 +25310,7 @@
             </a:ln>
             <a:extLst>
               <a:ext uri="{91240B29-F687-4f45-9708-019B960494DF}">
-                <a14:hiddenLine xmlns="" xmlns:a14="http://schemas.microsoft.com/office/drawing/2010/main" w="9525">
+                <a14:hiddenLine xmlns:a14="http://schemas.microsoft.com/office/drawing/2010/main" xmlns="" w="9525">
                   <a:solidFill>
                     <a:srgbClr val="000000"/>
                   </a:solidFill>
@@ -25381,7 +25411,7 @@
             </a:ln>
             <a:extLst>
               <a:ext uri="{91240B29-F687-4f45-9708-019B960494DF}">
-                <a14:hiddenLine xmlns="" xmlns:a14="http://schemas.microsoft.com/office/drawing/2010/main" w="9525">
+                <a14:hiddenLine xmlns:a14="http://schemas.microsoft.com/office/drawing/2010/main" xmlns="" w="9525">
                   <a:solidFill>
                     <a:srgbClr val="000000"/>
                   </a:solidFill>
@@ -25482,7 +25512,7 @@
             </a:ln>
             <a:extLst>
               <a:ext uri="{91240B29-F687-4f45-9708-019B960494DF}">
-                <a14:hiddenLine xmlns="" xmlns:a14="http://schemas.microsoft.com/office/drawing/2010/main" w="9525">
+                <a14:hiddenLine xmlns:a14="http://schemas.microsoft.com/office/drawing/2010/main" xmlns="" w="9525">
                   <a:solidFill>
                     <a:srgbClr val="000000"/>
                   </a:solidFill>
@@ -28584,7 +28614,7 @@
             </a:ln>
             <a:extLst>
               <a:ext uri="{91240B29-F687-4f45-9708-019B960494DF}">
-                <a14:hiddenLine xmlns="" xmlns:a14="http://schemas.microsoft.com/office/drawing/2010/main" w="9525">
+                <a14:hiddenLine xmlns:a14="http://schemas.microsoft.com/office/drawing/2010/main" xmlns="" w="9525">
                   <a:solidFill>
                     <a:srgbClr val="000000"/>
                   </a:solidFill>
@@ -29320,7 +29350,7 @@
             </a:ln>
             <a:extLst>
               <a:ext uri="{91240B29-F687-4f45-9708-019B960494DF}">
-                <a14:hiddenLine xmlns="" xmlns:a14="http://schemas.microsoft.com/office/drawing/2010/main" w="9525">
+                <a14:hiddenLine xmlns:a14="http://schemas.microsoft.com/office/drawing/2010/main" xmlns="" w="9525">
                   <a:solidFill>
                     <a:srgbClr val="000000"/>
                   </a:solidFill>
@@ -29507,7 +29537,7 @@
             </a:ln>
             <a:extLst>
               <a:ext uri="{91240B29-F687-4f45-9708-019B960494DF}">
-                <a14:hiddenLine xmlns="" xmlns:a14="http://schemas.microsoft.com/office/drawing/2010/main" w="9525">
+                <a14:hiddenLine xmlns:a14="http://schemas.microsoft.com/office/drawing/2010/main" xmlns="" w="9525">
                   <a:solidFill>
                     <a:srgbClr val="000000"/>
                   </a:solidFill>
@@ -30601,7 +30631,7 @@
             </a:ln>
             <a:extLst>
               <a:ext uri="{91240B29-F687-4f45-9708-019B960494DF}">
-                <a14:hiddenLine xmlns="" xmlns:a14="http://schemas.microsoft.com/office/drawing/2010/main" w="9525">
+                <a14:hiddenLine xmlns:a14="http://schemas.microsoft.com/office/drawing/2010/main" xmlns="" w="9525">
                   <a:solidFill>
                     <a:srgbClr val="000000"/>
                   </a:solidFill>
@@ -33246,7 +33276,7 @@
           </a:ln>
           <a:extLst>
             <a:ext uri="{91240B29-F687-4f45-9708-019B960494DF}">
-              <a14:hiddenLine xmlns="" xmlns:a14="http://schemas.microsoft.com/office/drawing/2010/main" w="9525">
+              <a14:hiddenLine xmlns:a14="http://schemas.microsoft.com/office/drawing/2010/main" xmlns="" w="9525">
                 <a:solidFill>
                   <a:srgbClr val="000000"/>
                 </a:solidFill>
@@ -34625,7 +34655,7 @@
           </a:ln>
           <a:extLst>
             <a:ext uri="{91240B29-F687-4f45-9708-019B960494DF}">
-              <a14:hiddenLine xmlns="" xmlns:a14="http://schemas.microsoft.com/office/drawing/2010/main" w="9525">
+              <a14:hiddenLine xmlns:a14="http://schemas.microsoft.com/office/drawing/2010/main" xmlns="" w="9525">
                 <a:solidFill>
                   <a:srgbClr val="000000"/>
                 </a:solidFill>
@@ -34668,14 +34698,14 @@
           </a:ln>
           <a:extLst>
             <a:ext uri="{909E8E84-426E-40dd-AFC4-6F175D3DCCD1}">
-              <a14:hiddenFill xmlns="" xmlns:a14="http://schemas.microsoft.com/office/drawing/2010/main">
+              <a14:hiddenFill xmlns:a14="http://schemas.microsoft.com/office/drawing/2010/main" xmlns="">
                 <a:solidFill>
                   <a:srgbClr val="FFFFFF"/>
                 </a:solidFill>
               </a14:hiddenFill>
             </a:ext>
             <a:ext uri="{91240B29-F687-4f45-9708-019B960494DF}">
-              <a14:hiddenLine xmlns="" xmlns:a14="http://schemas.microsoft.com/office/drawing/2010/main" w="9525">
+              <a14:hiddenLine xmlns:a14="http://schemas.microsoft.com/office/drawing/2010/main" xmlns="" w="9525">
                 <a:solidFill>
                   <a:srgbClr val="000000"/>
                 </a:solidFill>
@@ -34839,14 +34869,14 @@
           </a:ln>
           <a:extLst>
             <a:ext uri="{909E8E84-426E-40dd-AFC4-6F175D3DCCD1}">
-              <a14:hiddenFill xmlns="" xmlns:a14="http://schemas.microsoft.com/office/drawing/2010/main">
+              <a14:hiddenFill xmlns:a14="http://schemas.microsoft.com/office/drawing/2010/main" xmlns="">
                 <a:solidFill>
                   <a:srgbClr val="FFFFFF"/>
                 </a:solidFill>
               </a14:hiddenFill>
             </a:ext>
             <a:ext uri="{91240B29-F687-4f45-9708-019B960494DF}">
-              <a14:hiddenLine xmlns="" xmlns:a14="http://schemas.microsoft.com/office/drawing/2010/main" w="9525">
+              <a14:hiddenLine xmlns:a14="http://schemas.microsoft.com/office/drawing/2010/main" xmlns="" w="9525">
                 <a:solidFill>
                   <a:srgbClr val="000000"/>
                 </a:solidFill>
@@ -35010,14 +35040,14 @@
           </a:ln>
           <a:extLst>
             <a:ext uri="{909E8E84-426E-40dd-AFC4-6F175D3DCCD1}">
-              <a14:hiddenFill xmlns="" xmlns:a14="http://schemas.microsoft.com/office/drawing/2010/main">
+              <a14:hiddenFill xmlns:a14="http://schemas.microsoft.com/office/drawing/2010/main" xmlns="">
                 <a:solidFill>
                   <a:srgbClr val="FFFFFF"/>
                 </a:solidFill>
               </a14:hiddenFill>
             </a:ext>
             <a:ext uri="{91240B29-F687-4f45-9708-019B960494DF}">
-              <a14:hiddenLine xmlns="" xmlns:a14="http://schemas.microsoft.com/office/drawing/2010/main" w="9525">
+              <a14:hiddenLine xmlns:a14="http://schemas.microsoft.com/office/drawing/2010/main" xmlns="" w="9525">
                 <a:solidFill>
                   <a:srgbClr val="000000"/>
                 </a:solidFill>
@@ -35181,14 +35211,14 @@
           </a:ln>
           <a:extLst>
             <a:ext uri="{909E8E84-426E-40dd-AFC4-6F175D3DCCD1}">
-              <a14:hiddenFill xmlns="" xmlns:a14="http://schemas.microsoft.com/office/drawing/2010/main">
+              <a14:hiddenFill xmlns:a14="http://schemas.microsoft.com/office/drawing/2010/main" xmlns="">
                 <a:solidFill>
                   <a:srgbClr val="FFFFFF"/>
                 </a:solidFill>
               </a14:hiddenFill>
             </a:ext>
             <a:ext uri="{91240B29-F687-4f45-9708-019B960494DF}">
-              <a14:hiddenLine xmlns="" xmlns:a14="http://schemas.microsoft.com/office/drawing/2010/main" w="9525">
+              <a14:hiddenLine xmlns:a14="http://schemas.microsoft.com/office/drawing/2010/main" xmlns="" w="9525">
                 <a:solidFill>
                   <a:srgbClr val="000000"/>
                 </a:solidFill>
@@ -35352,14 +35382,14 @@
           </a:ln>
           <a:extLst>
             <a:ext uri="{909E8E84-426E-40dd-AFC4-6F175D3DCCD1}">
-              <a14:hiddenFill xmlns="" xmlns:a14="http://schemas.microsoft.com/office/drawing/2010/main">
+              <a14:hiddenFill xmlns:a14="http://schemas.microsoft.com/office/drawing/2010/main" xmlns="">
                 <a:solidFill>
                   <a:srgbClr val="FFFFFF"/>
                 </a:solidFill>
               </a14:hiddenFill>
             </a:ext>
             <a:ext uri="{91240B29-F687-4f45-9708-019B960494DF}">
-              <a14:hiddenLine xmlns="" xmlns:a14="http://schemas.microsoft.com/office/drawing/2010/main" w="9525">
+              <a14:hiddenLine xmlns:a14="http://schemas.microsoft.com/office/drawing/2010/main" xmlns="" w="9525">
                 <a:solidFill>
                   <a:srgbClr val="000000"/>
                 </a:solidFill>
@@ -35523,14 +35553,14 @@
           </a:ln>
           <a:extLst>
             <a:ext uri="{909E8E84-426E-40dd-AFC4-6F175D3DCCD1}">
-              <a14:hiddenFill xmlns="" xmlns:a14="http://schemas.microsoft.com/office/drawing/2010/main">
+              <a14:hiddenFill xmlns:a14="http://schemas.microsoft.com/office/drawing/2010/main" xmlns="">
                 <a:solidFill>
                   <a:srgbClr val="FFFFFF"/>
                 </a:solidFill>
               </a14:hiddenFill>
             </a:ext>
             <a:ext uri="{91240B29-F687-4f45-9708-019B960494DF}">
-              <a14:hiddenLine xmlns="" xmlns:a14="http://schemas.microsoft.com/office/drawing/2010/main" w="9525">
+              <a14:hiddenLine xmlns:a14="http://schemas.microsoft.com/office/drawing/2010/main" xmlns="" w="9525">
                 <a:solidFill>
                   <a:srgbClr val="000000"/>
                 </a:solidFill>
@@ -37913,7 +37943,7 @@
           </a:ln>
           <a:extLst>
             <a:ext uri="{91240B29-F687-4f45-9708-019B960494DF}">
-              <a14:hiddenLine xmlns="" xmlns:a14="http://schemas.microsoft.com/office/drawing/2010/main" w="9525">
+              <a14:hiddenLine xmlns:a14="http://schemas.microsoft.com/office/drawing/2010/main" xmlns="" w="9525">
                 <a:solidFill>
                   <a:srgbClr val="000000"/>
                 </a:solidFill>
@@ -38371,7 +38401,7 @@
           </a:ln>
           <a:extLst>
             <a:ext uri="{91240B29-F687-4f45-9708-019B960494DF}">
-              <a14:hiddenLine xmlns="" xmlns:a14="http://schemas.microsoft.com/office/drawing/2010/main" w="9525">
+              <a14:hiddenLine xmlns:a14="http://schemas.microsoft.com/office/drawing/2010/main" xmlns="" w="9525">
                 <a:solidFill>
                   <a:srgbClr val="000000"/>
                 </a:solidFill>
@@ -38864,7 +38894,7 @@
             </a:ln>
             <a:extLst>
               <a:ext uri="{91240B29-F687-4f45-9708-019B960494DF}">
-                <a14:hiddenLine xmlns="" xmlns:a14="http://schemas.microsoft.com/office/drawing/2010/main" w="9525">
+                <a14:hiddenLine xmlns:a14="http://schemas.microsoft.com/office/drawing/2010/main" xmlns="" w="9525">
                   <a:solidFill>
                     <a:srgbClr val="000000"/>
                   </a:solidFill>
@@ -39600,7 +39630,7 @@
             </a:ln>
             <a:extLst>
               <a:ext uri="{91240B29-F687-4f45-9708-019B960494DF}">
-                <a14:hiddenLine xmlns="" xmlns:a14="http://schemas.microsoft.com/office/drawing/2010/main" w="9525">
+                <a14:hiddenLine xmlns:a14="http://schemas.microsoft.com/office/drawing/2010/main" xmlns="" w="9525">
                   <a:solidFill>
                     <a:srgbClr val="000000"/>
                   </a:solidFill>
@@ -39787,7 +39817,7 @@
             </a:ln>
             <a:extLst>
               <a:ext uri="{91240B29-F687-4f45-9708-019B960494DF}">
-                <a14:hiddenLine xmlns="" xmlns:a14="http://schemas.microsoft.com/office/drawing/2010/main" w="9525">
+                <a14:hiddenLine xmlns:a14="http://schemas.microsoft.com/office/drawing/2010/main" xmlns="" w="9525">
                   <a:solidFill>
                     <a:srgbClr val="000000"/>
                   </a:solidFill>
@@ -40881,7 +40911,7 @@
             </a:ln>
             <a:extLst>
               <a:ext uri="{91240B29-F687-4f45-9708-019B960494DF}">
-                <a14:hiddenLine xmlns="" xmlns:a14="http://schemas.microsoft.com/office/drawing/2010/main" w="9525">
+                <a14:hiddenLine xmlns:a14="http://schemas.microsoft.com/office/drawing/2010/main" xmlns="" w="9525">
                   <a:solidFill>
                     <a:srgbClr val="000000"/>
                   </a:solidFill>
@@ -41667,7 +41697,7 @@
           </a:ln>
           <a:extLst>
             <a:ext uri="{91240B29-F687-4f45-9708-019B960494DF}">
-              <a14:hiddenLine xmlns="" xmlns:a14="http://schemas.microsoft.com/office/drawing/2010/main" w="9525">
+              <a14:hiddenLine xmlns:a14="http://schemas.microsoft.com/office/drawing/2010/main" xmlns="" w="9525">
                 <a:solidFill>
                   <a:srgbClr val="000000"/>
                 </a:solidFill>
@@ -41710,14 +41740,14 @@
           </a:ln>
           <a:extLst>
             <a:ext uri="{909E8E84-426E-40dd-AFC4-6F175D3DCCD1}">
-              <a14:hiddenFill xmlns="" xmlns:a14="http://schemas.microsoft.com/office/drawing/2010/main">
+              <a14:hiddenFill xmlns:a14="http://schemas.microsoft.com/office/drawing/2010/main" xmlns="">
                 <a:solidFill>
                   <a:srgbClr val="FFFFFF"/>
                 </a:solidFill>
               </a14:hiddenFill>
             </a:ext>
             <a:ext uri="{91240B29-F687-4f45-9708-019B960494DF}">
-              <a14:hiddenLine xmlns="" xmlns:a14="http://schemas.microsoft.com/office/drawing/2010/main" w="9525">
+              <a14:hiddenLine xmlns:a14="http://schemas.microsoft.com/office/drawing/2010/main" xmlns="" w="9525">
                 <a:solidFill>
                   <a:srgbClr val="000000"/>
                 </a:solidFill>
@@ -41881,14 +41911,14 @@
           </a:ln>
           <a:extLst>
             <a:ext uri="{909E8E84-426E-40dd-AFC4-6F175D3DCCD1}">
-              <a14:hiddenFill xmlns="" xmlns:a14="http://schemas.microsoft.com/office/drawing/2010/main">
+              <a14:hiddenFill xmlns:a14="http://schemas.microsoft.com/office/drawing/2010/main" xmlns="">
                 <a:solidFill>
                   <a:srgbClr val="FFFFFF"/>
                 </a:solidFill>
               </a14:hiddenFill>
             </a:ext>
             <a:ext uri="{91240B29-F687-4f45-9708-019B960494DF}">
-              <a14:hiddenLine xmlns="" xmlns:a14="http://schemas.microsoft.com/office/drawing/2010/main" w="9525">
+              <a14:hiddenLine xmlns:a14="http://schemas.microsoft.com/office/drawing/2010/main" xmlns="" w="9525">
                 <a:solidFill>
                   <a:srgbClr val="000000"/>
                 </a:solidFill>
@@ -42186,14 +42216,14 @@
           </a:ln>
           <a:extLst>
             <a:ext uri="{909E8E84-426E-40dd-AFC4-6F175D3DCCD1}">
-              <a14:hiddenFill xmlns="" xmlns:a14="http://schemas.microsoft.com/office/drawing/2010/main">
+              <a14:hiddenFill xmlns:a14="http://schemas.microsoft.com/office/drawing/2010/main" xmlns="">
                 <a:solidFill>
                   <a:srgbClr val="FFFFFF"/>
                 </a:solidFill>
               </a14:hiddenFill>
             </a:ext>
             <a:ext uri="{91240B29-F687-4f45-9708-019B960494DF}">
-              <a14:hiddenLine xmlns="" xmlns:a14="http://schemas.microsoft.com/office/drawing/2010/main" w="9525">
+              <a14:hiddenLine xmlns:a14="http://schemas.microsoft.com/office/drawing/2010/main" xmlns="" w="9525">
                 <a:solidFill>
                   <a:srgbClr val="000000"/>
                 </a:solidFill>
@@ -42240,14 +42270,14 @@
           </a:ln>
           <a:extLst>
             <a:ext uri="{909E8E84-426E-40dd-AFC4-6F175D3DCCD1}">
-              <a14:hiddenFill xmlns="" xmlns:a14="http://schemas.microsoft.com/office/drawing/2010/main">
+              <a14:hiddenFill xmlns:a14="http://schemas.microsoft.com/office/drawing/2010/main" xmlns="">
                 <a:solidFill>
                   <a:srgbClr val="FFFFFF"/>
                 </a:solidFill>
               </a14:hiddenFill>
             </a:ext>
             <a:ext uri="{91240B29-F687-4f45-9708-019B960494DF}">
-              <a14:hiddenLine xmlns="" xmlns:a14="http://schemas.microsoft.com/office/drawing/2010/main" w="9525">
+              <a14:hiddenLine xmlns:a14="http://schemas.microsoft.com/office/drawing/2010/main" xmlns="" w="9525">
                 <a:solidFill>
                   <a:srgbClr val="000000"/>
                 </a:solidFill>
@@ -42632,7 +42662,7 @@
           </a:ln>
           <a:extLst>
             <a:ext uri="{FAA26D3D-D897-4be2-8F04-BA451C77F1D7}">
-              <ma14:placeholderFlag xmlns="" xmlns:ma14="http://schemas.microsoft.com/office/mac/drawingml/2011/main" val="1"/>
+              <ma14:placeholderFlag xmlns:ma14="http://schemas.microsoft.com/office/mac/drawingml/2011/main" xmlns="" val="1"/>
             </a:ext>
           </a:extLst>
         </p:spPr>
@@ -42642,6 +42672,9 @@
   <p:clrMapOvr>
     <a:masterClrMapping/>
   </p:clrMapOvr>
+  <p:transition spd="slow">
+    <p:cover/>
+  </p:transition>
 </p:sld>
 </file>
 
@@ -42840,7 +42873,7 @@
           </a:solidFill>
           <a:extLst>
             <a:ext uri="{91240B29-F687-4f45-9708-019B960494DF}">
-              <a14:hiddenLine xmlns="" xmlns:a14="http://schemas.microsoft.com/office/drawing/2010/main" w="9525">
+              <a14:hiddenLine xmlns:a14="http://schemas.microsoft.com/office/drawing/2010/main" xmlns="" w="9525">
                 <a:solidFill>
                   <a:srgbClr val="000000"/>
                 </a:solidFill>
@@ -42910,7 +42943,7 @@
           </a:solidFill>
           <a:extLst>
             <a:ext uri="{91240B29-F687-4f45-9708-019B960494DF}">
-              <a14:hiddenLine xmlns="" xmlns:a14="http://schemas.microsoft.com/office/drawing/2010/main" w="9525">
+              <a14:hiddenLine xmlns:a14="http://schemas.microsoft.com/office/drawing/2010/main" xmlns="" w="9525">
                 <a:solidFill>
                   <a:srgbClr val="000000"/>
                 </a:solidFill>
@@ -42997,14 +43030,14 @@
           <a:noFill/>
           <a:extLst>
             <a:ext uri="{909E8E84-426E-40dd-AFC4-6F175D3DCCD1}">
-              <a14:hiddenFill xmlns="" xmlns:a14="http://schemas.microsoft.com/office/drawing/2010/main">
+              <a14:hiddenFill xmlns:a14="http://schemas.microsoft.com/office/drawing/2010/main" xmlns="">
                 <a:solidFill>
                   <a:srgbClr val="FFFFFF"/>
                 </a:solidFill>
               </a14:hiddenFill>
             </a:ext>
             <a:ext uri="{91240B29-F687-4f45-9708-019B960494DF}">
-              <a14:hiddenLine xmlns="" xmlns:a14="http://schemas.microsoft.com/office/drawing/2010/main" w="9525">
+              <a14:hiddenLine xmlns:a14="http://schemas.microsoft.com/office/drawing/2010/main" xmlns="" w="9525">
                 <a:solidFill>
                   <a:srgbClr val="000000"/>
                 </a:solidFill>
@@ -49096,6 +49129,9 @@
   <p:clrMapOvr>
     <a:masterClrMapping/>
   </p:clrMapOvr>
+  <p:transition spd="slow">
+    <p:cover/>
+  </p:transition>
 </p:sld>
 </file>
 
@@ -49118,10 +49154,10 @@
       </p:grpSpPr>
       <p:pic>
         <p:nvPicPr>
-          <p:cNvPr id="4" name="Picture Placeholder 3">
+          <p:cNvPr id="6" name="Picture Placeholder 5">
             <a:extLst>
               <a:ext uri="{FF2B5EF4-FFF2-40B4-BE49-F238E27FC236}">
-                <a16:creationId xmlns:a16="http://schemas.microsoft.com/office/drawing/2014/main" id="{948C6700-8C57-46E3-8650-751EF66AABB6}"/>
+                <a16:creationId xmlns:a16="http://schemas.microsoft.com/office/drawing/2014/main" id="{F7F89766-138E-4143-9B57-976D4CA07254}"/>
               </a:ext>
             </a:extLst>
           </p:cNvPr>
@@ -49140,17 +49176,12 @@
               </a:ext>
             </a:extLst>
           </a:blip>
-          <a:srcRect t="12500" b="12500"/>
+          <a:srcRect t="7813" b="7813"/>
           <a:stretch>
             <a:fillRect/>
           </a:stretch>
         </p:blipFill>
-        <p:spPr>
-          <a:xfrm>
-            <a:off x="0" y="0"/>
-            <a:ext cx="14630400" cy="8229600"/>
-          </a:xfrm>
-        </p:spPr>
+        <p:spPr/>
       </p:pic>
     </p:spTree>
     <p:extLst>
@@ -49162,6 +49193,9 @@
   <p:clrMapOvr>
     <a:masterClrMapping/>
   </p:clrMapOvr>
+  <p:transition spd="slow">
+    <p:cover/>
+  </p:transition>
 </p:sld>
 </file>
 
@@ -49187,6 +49221,9 @@
   <p:clrMapOvr>
     <a:masterClrMapping/>
   </p:clrMapOvr>
+  <p:transition spd="slow">
+    <p:cover/>
+  </p:transition>
 </p:sld>
 </file>
 
@@ -49296,6 +49333,9 @@
   <p:clrMapOvr>
     <a:masterClrMapping/>
   </p:clrMapOvr>
+  <p:transition spd="slow">
+    <p:cover/>
+  </p:transition>
 </p:sld>
 </file>
 
@@ -49329,7 +49369,7 @@
         <p:spPr>
           <a:xfrm>
             <a:off x="725488" y="1812925"/>
-            <a:ext cx="5337175" cy="3951288"/>
+            <a:ext cx="5337175" cy="1872179"/>
           </a:xfrm>
         </p:spPr>
         <p:txBody>
@@ -49346,7 +49386,7 @@
               <a:rPr lang="en-US" dirty="0">
                 <a:ea typeface="+mn-ea"/>
               </a:rPr>
-              <a:t>[Topic One]</a:t>
+              <a:t>Data Growth</a:t>
             </a:r>
           </a:p>
           <a:p>
@@ -49360,7 +49400,7 @@
               <a:rPr lang="en-US" dirty="0">
                 <a:ea typeface="+mn-ea"/>
               </a:rPr>
-              <a:t>[Topic Two]</a:t>
+              <a:t>Why Does Data Matter?</a:t>
             </a:r>
           </a:p>
           <a:p>
@@ -49374,49 +49414,7 @@
               <a:rPr lang="en-US" dirty="0">
                 <a:ea typeface="+mn-ea"/>
               </a:rPr>
-              <a:t>[Topic Three]</a:t>
-            </a:r>
-          </a:p>
-          <a:p>
-            <a:pPr defTabSz="1306221" fontAlgn="auto">
-              <a:spcAft>
-                <a:spcPts val="0"/>
-              </a:spcAft>
-              <a:defRPr/>
-            </a:pPr>
-            <a:r>
-              <a:rPr lang="en-US" dirty="0">
-                <a:ea typeface="+mn-ea"/>
-              </a:rPr>
-              <a:t>[Topic Four]</a:t>
-            </a:r>
-          </a:p>
-          <a:p>
-            <a:pPr defTabSz="1306221" fontAlgn="auto">
-              <a:spcAft>
-                <a:spcPts val="0"/>
-              </a:spcAft>
-              <a:defRPr/>
-            </a:pPr>
-            <a:r>
-              <a:rPr lang="en-US" dirty="0">
-                <a:ea typeface="+mn-ea"/>
-              </a:rPr>
-              <a:t>[Topic Five]</a:t>
-            </a:r>
-          </a:p>
-          <a:p>
-            <a:pPr defTabSz="1306221" fontAlgn="auto">
-              <a:spcAft>
-                <a:spcPts val="0"/>
-              </a:spcAft>
-              <a:defRPr/>
-            </a:pPr>
-            <a:r>
-              <a:rPr lang="en-US" dirty="0">
-                <a:ea typeface="+mn-ea"/>
-              </a:rPr>
-              <a:t>[Topic Six]</a:t>
+              <a:t>Tableau</a:t>
             </a:r>
           </a:p>
         </p:txBody>

--- a/lecture.pptx
+++ b/lecture.pptx
@@ -5,58 +5,67 @@
     <p:sldMasterId id="2147483875" r:id="rId1"/>
   </p:sldMasterIdLst>
   <p:notesMasterIdLst>
-    <p:notesMasterId r:id="rId48"/>
+    <p:notesMasterId r:id="rId57"/>
   </p:notesMasterIdLst>
   <p:handoutMasterIdLst>
-    <p:handoutMasterId r:id="rId49"/>
+    <p:handoutMasterId r:id="rId58"/>
   </p:handoutMasterIdLst>
   <p:sldIdLst>
     <p:sldId id="256" r:id="rId2"/>
     <p:sldId id="553" r:id="rId3"/>
-    <p:sldId id="550" r:id="rId4"/>
-    <p:sldId id="424" r:id="rId5"/>
-    <p:sldId id="551" r:id="rId6"/>
-    <p:sldId id="552" r:id="rId7"/>
+    <p:sldId id="551" r:id="rId4"/>
+    <p:sldId id="552" r:id="rId5"/>
+    <p:sldId id="550" r:id="rId6"/>
+    <p:sldId id="564" r:id="rId7"/>
     <p:sldId id="426" r:id="rId8"/>
     <p:sldId id="423" r:id="rId9"/>
     <p:sldId id="302" r:id="rId10"/>
     <p:sldId id="348" r:id="rId11"/>
-    <p:sldId id="530" r:id="rId12"/>
-    <p:sldId id="531" r:id="rId13"/>
-    <p:sldId id="419" r:id="rId14"/>
-    <p:sldId id="526" r:id="rId15"/>
-    <p:sldId id="318" r:id="rId16"/>
-    <p:sldId id="501" r:id="rId17"/>
-    <p:sldId id="540" r:id="rId18"/>
-    <p:sldId id="543" r:id="rId19"/>
-    <p:sldId id="544" r:id="rId20"/>
-    <p:sldId id="546" r:id="rId21"/>
-    <p:sldId id="547" r:id="rId22"/>
-    <p:sldId id="548" r:id="rId23"/>
-    <p:sldId id="549" r:id="rId24"/>
-    <p:sldId id="541" r:id="rId25"/>
-    <p:sldId id="542" r:id="rId26"/>
-    <p:sldId id="525" r:id="rId27"/>
-    <p:sldId id="319" r:id="rId28"/>
-    <p:sldId id="422" r:id="rId29"/>
-    <p:sldId id="343" r:id="rId30"/>
-    <p:sldId id="523" r:id="rId31"/>
-    <p:sldId id="511" r:id="rId32"/>
-    <p:sldId id="502" r:id="rId33"/>
-    <p:sldId id="503" r:id="rId34"/>
-    <p:sldId id="504" r:id="rId35"/>
-    <p:sldId id="524" r:id="rId36"/>
-    <p:sldId id="513" r:id="rId37"/>
-    <p:sldId id="514" r:id="rId38"/>
-    <p:sldId id="532" r:id="rId39"/>
-    <p:sldId id="533" r:id="rId40"/>
-    <p:sldId id="534" r:id="rId41"/>
-    <p:sldId id="509" r:id="rId42"/>
-    <p:sldId id="510" r:id="rId43"/>
-    <p:sldId id="508" r:id="rId44"/>
-    <p:sldId id="536" r:id="rId45"/>
-    <p:sldId id="537" r:id="rId46"/>
-    <p:sldId id="538" r:id="rId47"/>
+    <p:sldId id="556" r:id="rId12"/>
+    <p:sldId id="555" r:id="rId13"/>
+    <p:sldId id="558" r:id="rId14"/>
+    <p:sldId id="559" r:id="rId15"/>
+    <p:sldId id="560" r:id="rId16"/>
+    <p:sldId id="561" r:id="rId17"/>
+    <p:sldId id="565" r:id="rId18"/>
+    <p:sldId id="563" r:id="rId19"/>
+    <p:sldId id="557" r:id="rId20"/>
+    <p:sldId id="530" r:id="rId21"/>
+    <p:sldId id="501" r:id="rId22"/>
+    <p:sldId id="540" r:id="rId23"/>
+    <p:sldId id="543" r:id="rId24"/>
+    <p:sldId id="544" r:id="rId25"/>
+    <p:sldId id="546" r:id="rId26"/>
+    <p:sldId id="547" r:id="rId27"/>
+    <p:sldId id="548" r:id="rId28"/>
+    <p:sldId id="549" r:id="rId29"/>
+    <p:sldId id="541" r:id="rId30"/>
+    <p:sldId id="542" r:id="rId31"/>
+    <p:sldId id="531" r:id="rId32"/>
+    <p:sldId id="419" r:id="rId33"/>
+    <p:sldId id="526" r:id="rId34"/>
+    <p:sldId id="318" r:id="rId35"/>
+    <p:sldId id="525" r:id="rId36"/>
+    <p:sldId id="319" r:id="rId37"/>
+    <p:sldId id="422" r:id="rId38"/>
+    <p:sldId id="343" r:id="rId39"/>
+    <p:sldId id="523" r:id="rId40"/>
+    <p:sldId id="511" r:id="rId41"/>
+    <p:sldId id="502" r:id="rId42"/>
+    <p:sldId id="503" r:id="rId43"/>
+    <p:sldId id="504" r:id="rId44"/>
+    <p:sldId id="524" r:id="rId45"/>
+    <p:sldId id="513" r:id="rId46"/>
+    <p:sldId id="514" r:id="rId47"/>
+    <p:sldId id="532" r:id="rId48"/>
+    <p:sldId id="533" r:id="rId49"/>
+    <p:sldId id="534" r:id="rId50"/>
+    <p:sldId id="509" r:id="rId51"/>
+    <p:sldId id="510" r:id="rId52"/>
+    <p:sldId id="508" r:id="rId53"/>
+    <p:sldId id="536" r:id="rId54"/>
+    <p:sldId id="537" r:id="rId55"/>
+    <p:sldId id="538" r:id="rId56"/>
   </p:sldIdLst>
   <p:sldSz cx="14630400" cy="8229600"/>
   <p:notesSz cx="6858000" cy="9144000"/>
@@ -1007,6 +1016,874 @@
       </p:grpSpPr>
       <p:sp>
         <p:nvSpPr>
+          <p:cNvPr id="48129" name="Slide Image Placeholder 1"/>
+          <p:cNvSpPr>
+            <a:spLocks noGrp="1" noRot="1" noChangeAspect="1"/>
+          </p:cNvSpPr>
+          <p:nvPr>
+            <p:ph type="sldImg"/>
+          </p:nvPr>
+        </p:nvSpPr>
+        <p:spPr bwMode="auto">
+          <a:noFill/>
+          <a:ln>
+            <a:solidFill>
+              <a:srgbClr val="000000"/>
+            </a:solidFill>
+            <a:miter lim="800000"/>
+            <a:headEnd/>
+            <a:tailEnd/>
+          </a:ln>
+          <a:extLst>
+            <a:ext uri="{909E8E84-426E-40dd-AFC4-6F175D3DCCD1}">
+              <a14:hiddenFill xmlns:a14="http://schemas.microsoft.com/office/drawing/2010/main" xmlns="">
+                <a:solidFill>
+                  <a:srgbClr val="FFFFFF"/>
+                </a:solidFill>
+              </a14:hiddenFill>
+            </a:ext>
+            <a:ext uri="{FAA26D3D-D897-4be2-8F04-BA451C77F1D7}">
+              <ma14:placeholderFlag xmlns:ma14="http://schemas.microsoft.com/office/mac/drawingml/2011/main" xmlns="" val="1"/>
+            </a:ext>
+          </a:extLst>
+        </p:spPr>
+      </p:sp>
+      <p:sp>
+        <p:nvSpPr>
+          <p:cNvPr id="48130" name="Notes Placeholder 2"/>
+          <p:cNvSpPr>
+            <a:spLocks noGrp="1"/>
+          </p:cNvSpPr>
+          <p:nvPr>
+            <p:ph type="body" idx="1"/>
+          </p:nvPr>
+        </p:nvSpPr>
+        <p:spPr bwMode="auto">
+          <a:noFill/>
+          <a:extLst>
+            <a:ext uri="{909E8E84-426E-40dd-AFC4-6F175D3DCCD1}">
+              <a14:hiddenFill xmlns:a14="http://schemas.microsoft.com/office/drawing/2010/main" xmlns="">
+                <a:solidFill>
+                  <a:srgbClr val="FFFFFF"/>
+                </a:solidFill>
+              </a14:hiddenFill>
+            </a:ext>
+            <a:ext uri="{91240B29-F687-4f45-9708-019B960494DF}">
+              <a14:hiddenLine xmlns:a14="http://schemas.microsoft.com/office/drawing/2010/main" xmlns="" w="9525">
+                <a:solidFill>
+                  <a:srgbClr val="000000"/>
+                </a:solidFill>
+                <a:miter lim="800000"/>
+                <a:headEnd/>
+                <a:tailEnd/>
+              </a14:hiddenLine>
+            </a:ext>
+          </a:extLst>
+        </p:spPr>
+        <p:txBody>
+          <a:bodyPr wrap="square" numCol="1" anchor="t" anchorCtr="0" compatLnSpc="1">
+            <a:prstTxWarp prst="textNoShape">
+              <a:avLst/>
+            </a:prstTxWarp>
+          </a:bodyPr>
+          <a:lstStyle/>
+          <a:p>
+            <a:pPr>
+              <a:spcBef>
+                <a:spcPct val="0"/>
+              </a:spcBef>
+            </a:pPr>
+            <a:r>
+              <a:rPr lang="en-US" dirty="0">
+                <a:hlinkClick r:id="rId3"/>
+              </a:rPr>
+              <a:t>https://healthitanalytics.com/news/big-data-to-see-explosive-growth-challenging-healthcare-organizations</a:t>
+            </a:r>
+            <a:endParaRPr lang="en-US" dirty="0">
+              <a:latin typeface="BentonSans Book" charset="0"/>
+            </a:endParaRPr>
+          </a:p>
+        </p:txBody>
+      </p:sp>
+    </p:spTree>
+    <p:extLst>
+      <p:ext uri="{BB962C8B-B14F-4D97-AF65-F5344CB8AC3E}">
+        <p14:creationId xmlns:p14="http://schemas.microsoft.com/office/powerpoint/2010/main" val="4187519096"/>
+      </p:ext>
+    </p:extLst>
+  </p:cSld>
+  <p:clrMapOvr>
+    <a:masterClrMapping/>
+  </p:clrMapOvr>
+</p:notes>
+</file>
+
+<file path=ppt/notesSlides/notesSlide11.xml><?xml version="1.0" encoding="utf-8"?>
+<p:notes xmlns:a="http://schemas.openxmlformats.org/drawingml/2006/main" xmlns:r="http://schemas.openxmlformats.org/officeDocument/2006/relationships" xmlns:p="http://schemas.openxmlformats.org/presentationml/2006/main">
+  <p:cSld>
+    <p:spTree>
+      <p:nvGrpSpPr>
+        <p:cNvPr id="1" name=""/>
+        <p:cNvGrpSpPr/>
+        <p:nvPr/>
+      </p:nvGrpSpPr>
+      <p:grpSpPr>
+        <a:xfrm>
+          <a:off x="0" y="0"/>
+          <a:ext cx="0" cy="0"/>
+          <a:chOff x="0" y="0"/>
+          <a:chExt cx="0" cy="0"/>
+        </a:xfrm>
+      </p:grpSpPr>
+      <p:sp>
+        <p:nvSpPr>
+          <p:cNvPr id="48129" name="Slide Image Placeholder 1"/>
+          <p:cNvSpPr>
+            <a:spLocks noGrp="1" noRot="1" noChangeAspect="1"/>
+          </p:cNvSpPr>
+          <p:nvPr>
+            <p:ph type="sldImg"/>
+          </p:nvPr>
+        </p:nvSpPr>
+        <p:spPr bwMode="auto">
+          <a:noFill/>
+          <a:ln>
+            <a:solidFill>
+              <a:srgbClr val="000000"/>
+            </a:solidFill>
+            <a:miter lim="800000"/>
+            <a:headEnd/>
+            <a:tailEnd/>
+          </a:ln>
+          <a:extLst>
+            <a:ext uri="{909E8E84-426E-40dd-AFC4-6F175D3DCCD1}">
+              <a14:hiddenFill xmlns:a14="http://schemas.microsoft.com/office/drawing/2010/main" xmlns="">
+                <a:solidFill>
+                  <a:srgbClr val="FFFFFF"/>
+                </a:solidFill>
+              </a14:hiddenFill>
+            </a:ext>
+            <a:ext uri="{FAA26D3D-D897-4be2-8F04-BA451C77F1D7}">
+              <ma14:placeholderFlag xmlns:ma14="http://schemas.microsoft.com/office/mac/drawingml/2011/main" xmlns="" val="1"/>
+            </a:ext>
+          </a:extLst>
+        </p:spPr>
+      </p:sp>
+      <p:sp>
+        <p:nvSpPr>
+          <p:cNvPr id="48130" name="Notes Placeholder 2"/>
+          <p:cNvSpPr>
+            <a:spLocks noGrp="1"/>
+          </p:cNvSpPr>
+          <p:nvPr>
+            <p:ph type="body" idx="1"/>
+          </p:nvPr>
+        </p:nvSpPr>
+        <p:spPr bwMode="auto">
+          <a:noFill/>
+          <a:extLst>
+            <a:ext uri="{909E8E84-426E-40dd-AFC4-6F175D3DCCD1}">
+              <a14:hiddenFill xmlns:a14="http://schemas.microsoft.com/office/drawing/2010/main" xmlns="">
+                <a:solidFill>
+                  <a:srgbClr val="FFFFFF"/>
+                </a:solidFill>
+              </a14:hiddenFill>
+            </a:ext>
+            <a:ext uri="{91240B29-F687-4f45-9708-019B960494DF}">
+              <a14:hiddenLine xmlns:a14="http://schemas.microsoft.com/office/drawing/2010/main" xmlns="" w="9525">
+                <a:solidFill>
+                  <a:srgbClr val="000000"/>
+                </a:solidFill>
+                <a:miter lim="800000"/>
+                <a:headEnd/>
+                <a:tailEnd/>
+              </a14:hiddenLine>
+            </a:ext>
+          </a:extLst>
+        </p:spPr>
+        <p:txBody>
+          <a:bodyPr wrap="square" numCol="1" anchor="t" anchorCtr="0" compatLnSpc="1">
+            <a:prstTxWarp prst="textNoShape">
+              <a:avLst/>
+            </a:prstTxWarp>
+          </a:bodyPr>
+          <a:lstStyle/>
+          <a:p>
+            <a:pPr>
+              <a:spcBef>
+                <a:spcPct val="0"/>
+              </a:spcBef>
+            </a:pPr>
+            <a:r>
+              <a:rPr lang="en-US" dirty="0">
+                <a:hlinkClick r:id="rId3"/>
+              </a:rPr>
+              <a:t>https://www.forbes.com/sites/louiscolumbus/2018/05/23/10-charts-that-will-change-your-perspective-of-big-datas-growth/#6743ec3d2926</a:t>
+            </a:r>
+            <a:endParaRPr lang="en-US" dirty="0">
+              <a:latin typeface="BentonSans Book" charset="0"/>
+            </a:endParaRPr>
+          </a:p>
+        </p:txBody>
+      </p:sp>
+    </p:spTree>
+    <p:extLst>
+      <p:ext uri="{BB962C8B-B14F-4D97-AF65-F5344CB8AC3E}">
+        <p14:creationId xmlns:p14="http://schemas.microsoft.com/office/powerpoint/2010/main" val="1375987646"/>
+      </p:ext>
+    </p:extLst>
+  </p:cSld>
+  <p:clrMapOvr>
+    <a:masterClrMapping/>
+  </p:clrMapOvr>
+</p:notes>
+</file>
+
+<file path=ppt/notesSlides/notesSlide12.xml><?xml version="1.0" encoding="utf-8"?>
+<p:notes xmlns:a="http://schemas.openxmlformats.org/drawingml/2006/main" xmlns:r="http://schemas.openxmlformats.org/officeDocument/2006/relationships" xmlns:p="http://schemas.openxmlformats.org/presentationml/2006/main">
+  <p:cSld>
+    <p:spTree>
+      <p:nvGrpSpPr>
+        <p:cNvPr id="1" name=""/>
+        <p:cNvGrpSpPr/>
+        <p:nvPr/>
+      </p:nvGrpSpPr>
+      <p:grpSpPr>
+        <a:xfrm>
+          <a:off x="0" y="0"/>
+          <a:ext cx="0" cy="0"/>
+          <a:chOff x="0" y="0"/>
+          <a:chExt cx="0" cy="0"/>
+        </a:xfrm>
+      </p:grpSpPr>
+      <p:sp>
+        <p:nvSpPr>
+          <p:cNvPr id="48129" name="Slide Image Placeholder 1"/>
+          <p:cNvSpPr>
+            <a:spLocks noGrp="1" noRot="1" noChangeAspect="1"/>
+          </p:cNvSpPr>
+          <p:nvPr>
+            <p:ph type="sldImg"/>
+          </p:nvPr>
+        </p:nvSpPr>
+        <p:spPr bwMode="auto">
+          <a:noFill/>
+          <a:ln>
+            <a:solidFill>
+              <a:srgbClr val="000000"/>
+            </a:solidFill>
+            <a:miter lim="800000"/>
+            <a:headEnd/>
+            <a:tailEnd/>
+          </a:ln>
+          <a:extLst>
+            <a:ext uri="{909E8E84-426E-40dd-AFC4-6F175D3DCCD1}">
+              <a14:hiddenFill xmlns:a14="http://schemas.microsoft.com/office/drawing/2010/main" xmlns="">
+                <a:solidFill>
+                  <a:srgbClr val="FFFFFF"/>
+                </a:solidFill>
+              </a14:hiddenFill>
+            </a:ext>
+            <a:ext uri="{FAA26D3D-D897-4be2-8F04-BA451C77F1D7}">
+              <ma14:placeholderFlag xmlns:ma14="http://schemas.microsoft.com/office/mac/drawingml/2011/main" xmlns="" val="1"/>
+            </a:ext>
+          </a:extLst>
+        </p:spPr>
+      </p:sp>
+      <p:sp>
+        <p:nvSpPr>
+          <p:cNvPr id="48130" name="Notes Placeholder 2"/>
+          <p:cNvSpPr>
+            <a:spLocks noGrp="1"/>
+          </p:cNvSpPr>
+          <p:nvPr>
+            <p:ph type="body" idx="1"/>
+          </p:nvPr>
+        </p:nvSpPr>
+        <p:spPr bwMode="auto">
+          <a:noFill/>
+          <a:extLst>
+            <a:ext uri="{909E8E84-426E-40dd-AFC4-6F175D3DCCD1}">
+              <a14:hiddenFill xmlns:a14="http://schemas.microsoft.com/office/drawing/2010/main" xmlns="">
+                <a:solidFill>
+                  <a:srgbClr val="FFFFFF"/>
+                </a:solidFill>
+              </a14:hiddenFill>
+            </a:ext>
+            <a:ext uri="{91240B29-F687-4f45-9708-019B960494DF}">
+              <a14:hiddenLine xmlns:a14="http://schemas.microsoft.com/office/drawing/2010/main" xmlns="" w="9525">
+                <a:solidFill>
+                  <a:srgbClr val="000000"/>
+                </a:solidFill>
+                <a:miter lim="800000"/>
+                <a:headEnd/>
+                <a:tailEnd/>
+              </a14:hiddenLine>
+            </a:ext>
+          </a:extLst>
+        </p:spPr>
+        <p:txBody>
+          <a:bodyPr wrap="square" numCol="1" anchor="t" anchorCtr="0" compatLnSpc="1">
+            <a:prstTxWarp prst="textNoShape">
+              <a:avLst/>
+            </a:prstTxWarp>
+          </a:bodyPr>
+          <a:lstStyle/>
+          <a:p>
+            <a:pPr>
+              <a:spcBef>
+                <a:spcPct val="0"/>
+              </a:spcBef>
+            </a:pPr>
+            <a:r>
+              <a:rPr lang="en-US" dirty="0">
+                <a:hlinkClick r:id="rId3"/>
+              </a:rPr>
+              <a:t>https://www.forbes.com/sites/louiscolumbus/2018/05/23/10-charts-that-will-change-your-perspective-of-big-datas-growth/#6743ec3d2926</a:t>
+            </a:r>
+            <a:endParaRPr lang="en-US" dirty="0">
+              <a:latin typeface="BentonSans Book" charset="0"/>
+            </a:endParaRPr>
+          </a:p>
+        </p:txBody>
+      </p:sp>
+    </p:spTree>
+    <p:extLst>
+      <p:ext uri="{BB962C8B-B14F-4D97-AF65-F5344CB8AC3E}">
+        <p14:creationId xmlns:p14="http://schemas.microsoft.com/office/powerpoint/2010/main" val="2429763012"/>
+      </p:ext>
+    </p:extLst>
+  </p:cSld>
+  <p:clrMapOvr>
+    <a:masterClrMapping/>
+  </p:clrMapOvr>
+</p:notes>
+</file>
+
+<file path=ppt/notesSlides/notesSlide13.xml><?xml version="1.0" encoding="utf-8"?>
+<p:notes xmlns:a="http://schemas.openxmlformats.org/drawingml/2006/main" xmlns:r="http://schemas.openxmlformats.org/officeDocument/2006/relationships" xmlns:p="http://schemas.openxmlformats.org/presentationml/2006/main">
+  <p:cSld>
+    <p:spTree>
+      <p:nvGrpSpPr>
+        <p:cNvPr id="1" name=""/>
+        <p:cNvGrpSpPr/>
+        <p:nvPr/>
+      </p:nvGrpSpPr>
+      <p:grpSpPr>
+        <a:xfrm>
+          <a:off x="0" y="0"/>
+          <a:ext cx="0" cy="0"/>
+          <a:chOff x="0" y="0"/>
+          <a:chExt cx="0" cy="0"/>
+        </a:xfrm>
+      </p:grpSpPr>
+      <p:sp>
+        <p:nvSpPr>
+          <p:cNvPr id="48129" name="Slide Image Placeholder 1"/>
+          <p:cNvSpPr>
+            <a:spLocks noGrp="1" noRot="1" noChangeAspect="1"/>
+          </p:cNvSpPr>
+          <p:nvPr>
+            <p:ph type="sldImg"/>
+          </p:nvPr>
+        </p:nvSpPr>
+        <p:spPr bwMode="auto">
+          <a:noFill/>
+          <a:ln>
+            <a:solidFill>
+              <a:srgbClr val="000000"/>
+            </a:solidFill>
+            <a:miter lim="800000"/>
+            <a:headEnd/>
+            <a:tailEnd/>
+          </a:ln>
+          <a:extLst>
+            <a:ext uri="{909E8E84-426E-40dd-AFC4-6F175D3DCCD1}">
+              <a14:hiddenFill xmlns:a14="http://schemas.microsoft.com/office/drawing/2010/main" xmlns="">
+                <a:solidFill>
+                  <a:srgbClr val="FFFFFF"/>
+                </a:solidFill>
+              </a14:hiddenFill>
+            </a:ext>
+            <a:ext uri="{FAA26D3D-D897-4be2-8F04-BA451C77F1D7}">
+              <ma14:placeholderFlag xmlns:ma14="http://schemas.microsoft.com/office/mac/drawingml/2011/main" xmlns="" val="1"/>
+            </a:ext>
+          </a:extLst>
+        </p:spPr>
+      </p:sp>
+      <p:sp>
+        <p:nvSpPr>
+          <p:cNvPr id="48130" name="Notes Placeholder 2"/>
+          <p:cNvSpPr>
+            <a:spLocks noGrp="1"/>
+          </p:cNvSpPr>
+          <p:nvPr>
+            <p:ph type="body" idx="1"/>
+          </p:nvPr>
+        </p:nvSpPr>
+        <p:spPr bwMode="auto">
+          <a:noFill/>
+          <a:extLst>
+            <a:ext uri="{909E8E84-426E-40dd-AFC4-6F175D3DCCD1}">
+              <a14:hiddenFill xmlns:a14="http://schemas.microsoft.com/office/drawing/2010/main" xmlns="">
+                <a:solidFill>
+                  <a:srgbClr val="FFFFFF"/>
+                </a:solidFill>
+              </a14:hiddenFill>
+            </a:ext>
+            <a:ext uri="{91240B29-F687-4f45-9708-019B960494DF}">
+              <a14:hiddenLine xmlns:a14="http://schemas.microsoft.com/office/drawing/2010/main" xmlns="" w="9525">
+                <a:solidFill>
+                  <a:srgbClr val="000000"/>
+                </a:solidFill>
+                <a:miter lim="800000"/>
+                <a:headEnd/>
+                <a:tailEnd/>
+              </a14:hiddenLine>
+            </a:ext>
+          </a:extLst>
+        </p:spPr>
+        <p:txBody>
+          <a:bodyPr wrap="square" numCol="1" anchor="t" anchorCtr="0" compatLnSpc="1">
+            <a:prstTxWarp prst="textNoShape">
+              <a:avLst/>
+            </a:prstTxWarp>
+          </a:bodyPr>
+          <a:lstStyle/>
+          <a:p>
+            <a:pPr>
+              <a:spcBef>
+                <a:spcPct val="0"/>
+              </a:spcBef>
+            </a:pPr>
+            <a:r>
+              <a:rPr lang="en-US" dirty="0">
+                <a:hlinkClick r:id="rId3"/>
+              </a:rPr>
+              <a:t>https://www.forbes.com/sites/louiscolumbus/2018/05/23/10-charts-that-will-change-your-perspective-of-big-datas-growth/#6743ec3d2926</a:t>
+            </a:r>
+            <a:endParaRPr lang="en-US" dirty="0">
+              <a:latin typeface="BentonSans Book" charset="0"/>
+            </a:endParaRPr>
+          </a:p>
+        </p:txBody>
+      </p:sp>
+    </p:spTree>
+    <p:extLst>
+      <p:ext uri="{BB962C8B-B14F-4D97-AF65-F5344CB8AC3E}">
+        <p14:creationId xmlns:p14="http://schemas.microsoft.com/office/powerpoint/2010/main" val="3713552103"/>
+      </p:ext>
+    </p:extLst>
+  </p:cSld>
+  <p:clrMapOvr>
+    <a:masterClrMapping/>
+  </p:clrMapOvr>
+</p:notes>
+</file>
+
+<file path=ppt/notesSlides/notesSlide14.xml><?xml version="1.0" encoding="utf-8"?>
+<p:notes xmlns:a="http://schemas.openxmlformats.org/drawingml/2006/main" xmlns:r="http://schemas.openxmlformats.org/officeDocument/2006/relationships" xmlns:p="http://schemas.openxmlformats.org/presentationml/2006/main">
+  <p:cSld>
+    <p:spTree>
+      <p:nvGrpSpPr>
+        <p:cNvPr id="1" name=""/>
+        <p:cNvGrpSpPr/>
+        <p:nvPr/>
+      </p:nvGrpSpPr>
+      <p:grpSpPr>
+        <a:xfrm>
+          <a:off x="0" y="0"/>
+          <a:ext cx="0" cy="0"/>
+          <a:chOff x="0" y="0"/>
+          <a:chExt cx="0" cy="0"/>
+        </a:xfrm>
+      </p:grpSpPr>
+      <p:sp>
+        <p:nvSpPr>
+          <p:cNvPr id="48129" name="Slide Image Placeholder 1"/>
+          <p:cNvSpPr>
+            <a:spLocks noGrp="1" noRot="1" noChangeAspect="1"/>
+          </p:cNvSpPr>
+          <p:nvPr>
+            <p:ph type="sldImg"/>
+          </p:nvPr>
+        </p:nvSpPr>
+        <p:spPr bwMode="auto">
+          <a:noFill/>
+          <a:ln>
+            <a:solidFill>
+              <a:srgbClr val="000000"/>
+            </a:solidFill>
+            <a:miter lim="800000"/>
+            <a:headEnd/>
+            <a:tailEnd/>
+          </a:ln>
+          <a:extLst>
+            <a:ext uri="{909E8E84-426E-40dd-AFC4-6F175D3DCCD1}">
+              <a14:hiddenFill xmlns:a14="http://schemas.microsoft.com/office/drawing/2010/main" xmlns="">
+                <a:solidFill>
+                  <a:srgbClr val="FFFFFF"/>
+                </a:solidFill>
+              </a14:hiddenFill>
+            </a:ext>
+            <a:ext uri="{FAA26D3D-D897-4be2-8F04-BA451C77F1D7}">
+              <ma14:placeholderFlag xmlns:ma14="http://schemas.microsoft.com/office/mac/drawingml/2011/main" xmlns="" val="1"/>
+            </a:ext>
+          </a:extLst>
+        </p:spPr>
+      </p:sp>
+      <p:sp>
+        <p:nvSpPr>
+          <p:cNvPr id="48130" name="Notes Placeholder 2"/>
+          <p:cNvSpPr>
+            <a:spLocks noGrp="1"/>
+          </p:cNvSpPr>
+          <p:nvPr>
+            <p:ph type="body" idx="1"/>
+          </p:nvPr>
+        </p:nvSpPr>
+        <p:spPr bwMode="auto">
+          <a:noFill/>
+          <a:extLst>
+            <a:ext uri="{909E8E84-426E-40dd-AFC4-6F175D3DCCD1}">
+              <a14:hiddenFill xmlns:a14="http://schemas.microsoft.com/office/drawing/2010/main" xmlns="">
+                <a:solidFill>
+                  <a:srgbClr val="FFFFFF"/>
+                </a:solidFill>
+              </a14:hiddenFill>
+            </a:ext>
+            <a:ext uri="{91240B29-F687-4f45-9708-019B960494DF}">
+              <a14:hiddenLine xmlns:a14="http://schemas.microsoft.com/office/drawing/2010/main" xmlns="" w="9525">
+                <a:solidFill>
+                  <a:srgbClr val="000000"/>
+                </a:solidFill>
+                <a:miter lim="800000"/>
+                <a:headEnd/>
+                <a:tailEnd/>
+              </a14:hiddenLine>
+            </a:ext>
+          </a:extLst>
+        </p:spPr>
+        <p:txBody>
+          <a:bodyPr wrap="square" numCol="1" anchor="t" anchorCtr="0" compatLnSpc="1">
+            <a:prstTxWarp prst="textNoShape">
+              <a:avLst/>
+            </a:prstTxWarp>
+          </a:bodyPr>
+          <a:lstStyle/>
+          <a:p>
+            <a:pPr>
+              <a:spcBef>
+                <a:spcPct val="0"/>
+              </a:spcBef>
+            </a:pPr>
+            <a:r>
+              <a:rPr lang="en-US" dirty="0">
+                <a:hlinkClick r:id="rId3"/>
+              </a:rPr>
+              <a:t>https://www.forbes.com/sites/louiscolumbus/2018/05/23/10-charts-that-will-change-your-perspective-of-big-datas-growth/#6743ec3d2926</a:t>
+            </a:r>
+            <a:endParaRPr lang="en-US" dirty="0">
+              <a:latin typeface="BentonSans Book" charset="0"/>
+            </a:endParaRPr>
+          </a:p>
+        </p:txBody>
+      </p:sp>
+    </p:spTree>
+    <p:extLst>
+      <p:ext uri="{BB962C8B-B14F-4D97-AF65-F5344CB8AC3E}">
+        <p14:creationId xmlns:p14="http://schemas.microsoft.com/office/powerpoint/2010/main" val="1735436956"/>
+      </p:ext>
+    </p:extLst>
+  </p:cSld>
+  <p:clrMapOvr>
+    <a:masterClrMapping/>
+  </p:clrMapOvr>
+</p:notes>
+</file>
+
+<file path=ppt/notesSlides/notesSlide15.xml><?xml version="1.0" encoding="utf-8"?>
+<p:notes xmlns:a="http://schemas.openxmlformats.org/drawingml/2006/main" xmlns:r="http://schemas.openxmlformats.org/officeDocument/2006/relationships" xmlns:p="http://schemas.openxmlformats.org/presentationml/2006/main">
+  <p:cSld>
+    <p:spTree>
+      <p:nvGrpSpPr>
+        <p:cNvPr id="1" name=""/>
+        <p:cNvGrpSpPr/>
+        <p:nvPr/>
+      </p:nvGrpSpPr>
+      <p:grpSpPr>
+        <a:xfrm>
+          <a:off x="0" y="0"/>
+          <a:ext cx="0" cy="0"/>
+          <a:chOff x="0" y="0"/>
+          <a:chExt cx="0" cy="0"/>
+        </a:xfrm>
+      </p:grpSpPr>
+      <p:sp>
+        <p:nvSpPr>
+          <p:cNvPr id="48129" name="Slide Image Placeholder 1"/>
+          <p:cNvSpPr>
+            <a:spLocks noGrp="1" noRot="1" noChangeAspect="1"/>
+          </p:cNvSpPr>
+          <p:nvPr>
+            <p:ph type="sldImg"/>
+          </p:nvPr>
+        </p:nvSpPr>
+        <p:spPr bwMode="auto">
+          <a:noFill/>
+          <a:ln>
+            <a:solidFill>
+              <a:srgbClr val="000000"/>
+            </a:solidFill>
+            <a:miter lim="800000"/>
+            <a:headEnd/>
+            <a:tailEnd/>
+          </a:ln>
+          <a:extLst>
+            <a:ext uri="{909E8E84-426E-40dd-AFC4-6F175D3DCCD1}">
+              <a14:hiddenFill xmlns:a14="http://schemas.microsoft.com/office/drawing/2010/main" xmlns="">
+                <a:solidFill>
+                  <a:srgbClr val="FFFFFF"/>
+                </a:solidFill>
+              </a14:hiddenFill>
+            </a:ext>
+            <a:ext uri="{FAA26D3D-D897-4be2-8F04-BA451C77F1D7}">
+              <ma14:placeholderFlag xmlns:ma14="http://schemas.microsoft.com/office/mac/drawingml/2011/main" xmlns="" val="1"/>
+            </a:ext>
+          </a:extLst>
+        </p:spPr>
+      </p:sp>
+      <p:sp>
+        <p:nvSpPr>
+          <p:cNvPr id="48130" name="Notes Placeholder 2"/>
+          <p:cNvSpPr>
+            <a:spLocks noGrp="1"/>
+          </p:cNvSpPr>
+          <p:nvPr>
+            <p:ph type="body" idx="1"/>
+          </p:nvPr>
+        </p:nvSpPr>
+        <p:spPr bwMode="auto">
+          <a:noFill/>
+          <a:extLst>
+            <a:ext uri="{909E8E84-426E-40dd-AFC4-6F175D3DCCD1}">
+              <a14:hiddenFill xmlns:a14="http://schemas.microsoft.com/office/drawing/2010/main" xmlns="">
+                <a:solidFill>
+                  <a:srgbClr val="FFFFFF"/>
+                </a:solidFill>
+              </a14:hiddenFill>
+            </a:ext>
+            <a:ext uri="{91240B29-F687-4f45-9708-019B960494DF}">
+              <a14:hiddenLine xmlns:a14="http://schemas.microsoft.com/office/drawing/2010/main" xmlns="" w="9525">
+                <a:solidFill>
+                  <a:srgbClr val="000000"/>
+                </a:solidFill>
+                <a:miter lim="800000"/>
+                <a:headEnd/>
+                <a:tailEnd/>
+              </a14:hiddenLine>
+            </a:ext>
+          </a:extLst>
+        </p:spPr>
+        <p:txBody>
+          <a:bodyPr wrap="square" numCol="1" anchor="t" anchorCtr="0" compatLnSpc="1">
+            <a:prstTxWarp prst="textNoShape">
+              <a:avLst/>
+            </a:prstTxWarp>
+          </a:bodyPr>
+          <a:lstStyle/>
+          <a:p>
+            <a:pPr>
+              <a:spcBef>
+                <a:spcPct val="0"/>
+              </a:spcBef>
+            </a:pPr>
+            <a:r>
+              <a:rPr lang="en-US" dirty="0">
+                <a:hlinkClick r:id="rId3"/>
+              </a:rPr>
+              <a:t>https://www.ibm.com/blogs/insights-on-business/consumer-products/2-5-quintillion-bytes-of-data-created-every-day-how-does-cpg-retail-manage-it/</a:t>
+            </a:r>
+            <a:endParaRPr lang="en-US" dirty="0">
+              <a:latin typeface="BentonSans Book" charset="0"/>
+            </a:endParaRPr>
+          </a:p>
+        </p:txBody>
+      </p:sp>
+    </p:spTree>
+    <p:extLst>
+      <p:ext uri="{BB962C8B-B14F-4D97-AF65-F5344CB8AC3E}">
+        <p14:creationId xmlns:p14="http://schemas.microsoft.com/office/powerpoint/2010/main" val="3531457613"/>
+      </p:ext>
+    </p:extLst>
+  </p:cSld>
+  <p:clrMapOvr>
+    <a:masterClrMapping/>
+  </p:clrMapOvr>
+</p:notes>
+</file>
+
+<file path=ppt/notesSlides/notesSlide16.xml><?xml version="1.0" encoding="utf-8"?>
+<p:notes xmlns:a="http://schemas.openxmlformats.org/drawingml/2006/main" xmlns:r="http://schemas.openxmlformats.org/officeDocument/2006/relationships" xmlns:p="http://schemas.openxmlformats.org/presentationml/2006/main">
+  <p:cSld>
+    <p:spTree>
+      <p:nvGrpSpPr>
+        <p:cNvPr id="1" name=""/>
+        <p:cNvGrpSpPr/>
+        <p:nvPr/>
+      </p:nvGrpSpPr>
+      <p:grpSpPr>
+        <a:xfrm>
+          <a:off x="0" y="0"/>
+          <a:ext cx="0" cy="0"/>
+          <a:chOff x="0" y="0"/>
+          <a:chExt cx="0" cy="0"/>
+        </a:xfrm>
+      </p:grpSpPr>
+      <p:sp>
+        <p:nvSpPr>
+          <p:cNvPr id="2" name="Slide Image Placeholder 1"/>
+          <p:cNvSpPr>
+            <a:spLocks noGrp="1" noRot="1" noChangeAspect="1"/>
+          </p:cNvSpPr>
+          <p:nvPr>
+            <p:ph type="sldImg"/>
+          </p:nvPr>
+        </p:nvSpPr>
+        <p:spPr/>
+      </p:sp>
+      <p:sp>
+        <p:nvSpPr>
+          <p:cNvPr id="3" name="Notes Placeholder 2"/>
+          <p:cNvSpPr>
+            <a:spLocks noGrp="1"/>
+          </p:cNvSpPr>
+          <p:nvPr>
+            <p:ph type="body" idx="1"/>
+          </p:nvPr>
+        </p:nvSpPr>
+        <p:spPr/>
+        <p:txBody>
+          <a:bodyPr/>
+          <a:lstStyle/>
+          <a:p>
+            <a:endParaRPr lang="en-US" dirty="0"/>
+          </a:p>
+        </p:txBody>
+      </p:sp>
+    </p:spTree>
+    <p:extLst>
+      <p:ext uri="{BB962C8B-B14F-4D97-AF65-F5344CB8AC3E}">
+        <p14:creationId xmlns:p14="http://schemas.microsoft.com/office/powerpoint/2010/main" val="4289732549"/>
+      </p:ext>
+    </p:extLst>
+  </p:cSld>
+  <p:clrMapOvr>
+    <a:masterClrMapping/>
+  </p:clrMapOvr>
+</p:notes>
+</file>
+
+<file path=ppt/notesSlides/notesSlide17.xml><?xml version="1.0" encoding="utf-8"?>
+<p:notes xmlns:a="http://schemas.openxmlformats.org/drawingml/2006/main" xmlns:r="http://schemas.openxmlformats.org/officeDocument/2006/relationships" xmlns:p="http://schemas.openxmlformats.org/presentationml/2006/main">
+  <p:cSld>
+    <p:spTree>
+      <p:nvGrpSpPr>
+        <p:cNvPr id="1" name=""/>
+        <p:cNvGrpSpPr/>
+        <p:nvPr/>
+      </p:nvGrpSpPr>
+      <p:grpSpPr>
+        <a:xfrm>
+          <a:off x="0" y="0"/>
+          <a:ext cx="0" cy="0"/>
+          <a:chOff x="0" y="0"/>
+          <a:chExt cx="0" cy="0"/>
+        </a:xfrm>
+      </p:grpSpPr>
+      <p:sp>
+        <p:nvSpPr>
+          <p:cNvPr id="2" name="Slide Image Placeholder 1"/>
+          <p:cNvSpPr>
+            <a:spLocks noGrp="1" noRot="1" noChangeAspect="1"/>
+          </p:cNvSpPr>
+          <p:nvPr>
+            <p:ph type="sldImg"/>
+          </p:nvPr>
+        </p:nvSpPr>
+        <p:spPr/>
+      </p:sp>
+      <p:sp>
+        <p:nvSpPr>
+          <p:cNvPr id="3" name="Notes Placeholder 2"/>
+          <p:cNvSpPr>
+            <a:spLocks noGrp="1"/>
+          </p:cNvSpPr>
+          <p:nvPr>
+            <p:ph type="body" idx="1"/>
+          </p:nvPr>
+        </p:nvSpPr>
+        <p:spPr/>
+        <p:txBody>
+          <a:bodyPr/>
+          <a:lstStyle/>
+          <a:p>
+            <a:r>
+              <a:rPr lang="en-US" dirty="0"/>
+              <a:t>Earthquakes are difficult to predict – one of the best predictors is just a twitter scraper looking at people talking about earthquakes</a:t>
+            </a:r>
+          </a:p>
+          <a:p>
+            <a:endParaRPr lang="en-US" dirty="0"/>
+          </a:p>
+          <a:p>
+            <a:r>
+              <a:rPr lang="en-US" sz="1800" kern="1200" dirty="0">
+                <a:solidFill>
+                  <a:schemeClr val="tx1"/>
+                </a:solidFill>
+                <a:latin typeface="BentonSans Book"/>
+                <a:ea typeface="ＭＳ Ｐゴシック" charset="0"/>
+                <a:cs typeface="ＭＳ Ｐゴシック" charset="0"/>
+              </a:rPr>
+              <a:t> improves many metrics (increases sales, decreases costs, reduces response times, etc.)</a:t>
+            </a:r>
+            <a:endParaRPr lang="en-US" dirty="0"/>
+          </a:p>
+        </p:txBody>
+      </p:sp>
+    </p:spTree>
+    <p:extLst>
+      <p:ext uri="{BB962C8B-B14F-4D97-AF65-F5344CB8AC3E}">
+        <p14:creationId xmlns:p14="http://schemas.microsoft.com/office/powerpoint/2010/main" val="690270063"/>
+      </p:ext>
+    </p:extLst>
+  </p:cSld>
+  <p:clrMapOvr>
+    <a:masterClrMapping/>
+  </p:clrMapOvr>
+</p:notes>
+</file>
+
+<file path=ppt/notesSlides/notesSlide18.xml><?xml version="1.0" encoding="utf-8"?>
+<p:notes xmlns:a="http://schemas.openxmlformats.org/drawingml/2006/main" xmlns:r="http://schemas.openxmlformats.org/officeDocument/2006/relationships" xmlns:p="http://schemas.openxmlformats.org/presentationml/2006/main">
+  <p:cSld>
+    <p:spTree>
+      <p:nvGrpSpPr>
+        <p:cNvPr id="1" name=""/>
+        <p:cNvGrpSpPr/>
+        <p:nvPr/>
+      </p:nvGrpSpPr>
+      <p:grpSpPr>
+        <a:xfrm>
+          <a:off x="0" y="0"/>
+          <a:ext cx="0" cy="0"/>
+          <a:chOff x="0" y="0"/>
+          <a:chExt cx="0" cy="0"/>
+        </a:xfrm>
+      </p:grpSpPr>
+      <p:sp>
+        <p:nvSpPr>
           <p:cNvPr id="38913" name="Slide Image Placeholder 1"/>
           <p:cNvSpPr>
             <a:spLocks noGrp="1" noRot="1" noChangeAspect="1"/>
@@ -1101,346 +1978,7 @@
 </p:notes>
 </file>
 
-<file path=ppt/notesSlides/notesSlide11.xml><?xml version="1.0" encoding="utf-8"?>
-<p:notes xmlns:a="http://schemas.openxmlformats.org/drawingml/2006/main" xmlns:r="http://schemas.openxmlformats.org/officeDocument/2006/relationships" xmlns:p="http://schemas.openxmlformats.org/presentationml/2006/main">
-  <p:cSld>
-    <p:spTree>
-      <p:nvGrpSpPr>
-        <p:cNvPr id="1" name=""/>
-        <p:cNvGrpSpPr/>
-        <p:nvPr/>
-      </p:nvGrpSpPr>
-      <p:grpSpPr>
-        <a:xfrm>
-          <a:off x="0" y="0"/>
-          <a:ext cx="0" cy="0"/>
-          <a:chOff x="0" y="0"/>
-          <a:chExt cx="0" cy="0"/>
-        </a:xfrm>
-      </p:grpSpPr>
-      <p:sp>
-        <p:nvSpPr>
-          <p:cNvPr id="43009" name="Slide Image Placeholder 1"/>
-          <p:cNvSpPr>
-            <a:spLocks noGrp="1" noRot="1" noChangeAspect="1"/>
-          </p:cNvSpPr>
-          <p:nvPr>
-            <p:ph type="sldImg"/>
-          </p:nvPr>
-        </p:nvSpPr>
-        <p:spPr bwMode="auto">
-          <a:noFill/>
-          <a:ln>
-            <a:solidFill>
-              <a:srgbClr val="000000"/>
-            </a:solidFill>
-            <a:miter lim="800000"/>
-            <a:headEnd/>
-            <a:tailEnd/>
-          </a:ln>
-          <a:extLst>
-            <a:ext uri="{909E8E84-426E-40dd-AFC4-6F175D3DCCD1}">
-              <a14:hiddenFill xmlns:a14="http://schemas.microsoft.com/office/drawing/2010/main" xmlns="">
-                <a:solidFill>
-                  <a:srgbClr val="FFFFFF"/>
-                </a:solidFill>
-              </a14:hiddenFill>
-            </a:ext>
-            <a:ext uri="{FAA26D3D-D897-4be2-8F04-BA451C77F1D7}">
-              <ma14:placeholderFlag xmlns:ma14="http://schemas.microsoft.com/office/mac/drawingml/2011/main" xmlns="" val="1"/>
-            </a:ext>
-          </a:extLst>
-        </p:spPr>
-      </p:sp>
-      <p:sp>
-        <p:nvSpPr>
-          <p:cNvPr id="43010" name="Notes Placeholder 2"/>
-          <p:cNvSpPr>
-            <a:spLocks noGrp="1"/>
-          </p:cNvSpPr>
-          <p:nvPr>
-            <p:ph type="body" idx="1"/>
-          </p:nvPr>
-        </p:nvSpPr>
-        <p:spPr bwMode="auto">
-          <a:noFill/>
-          <a:extLst>
-            <a:ext uri="{909E8E84-426E-40dd-AFC4-6F175D3DCCD1}">
-              <a14:hiddenFill xmlns:a14="http://schemas.microsoft.com/office/drawing/2010/main" xmlns="">
-                <a:solidFill>
-                  <a:srgbClr val="FFFFFF"/>
-                </a:solidFill>
-              </a14:hiddenFill>
-            </a:ext>
-            <a:ext uri="{91240B29-F687-4f45-9708-019B960494DF}">
-              <a14:hiddenLine xmlns:a14="http://schemas.microsoft.com/office/drawing/2010/main" xmlns="" w="9525">
-                <a:solidFill>
-                  <a:srgbClr val="000000"/>
-                </a:solidFill>
-                <a:miter lim="800000"/>
-                <a:headEnd/>
-                <a:tailEnd/>
-              </a14:hiddenLine>
-            </a:ext>
-          </a:extLst>
-        </p:spPr>
-        <p:txBody>
-          <a:bodyPr wrap="square" numCol="1" anchor="t" anchorCtr="0" compatLnSpc="1">
-            <a:prstTxWarp prst="textNoShape">
-              <a:avLst/>
-            </a:prstTxWarp>
-          </a:bodyPr>
-          <a:lstStyle/>
-          <a:p>
-            <a:pPr>
-              <a:spcBef>
-                <a:spcPct val="0"/>
-              </a:spcBef>
-            </a:pPr>
-            <a:r>
-              <a:rPr lang="en-US">
-                <a:latin typeface="BentonSans Book" charset="0"/>
-              </a:rPr>
-              <a:t>Title Only</a:t>
-            </a:r>
-          </a:p>
-        </p:txBody>
-      </p:sp>
-    </p:spTree>
-  </p:cSld>
-  <p:clrMapOvr>
-    <a:masterClrMapping/>
-  </p:clrMapOvr>
-</p:notes>
-</file>
-
-<file path=ppt/notesSlides/notesSlide12.xml><?xml version="1.0" encoding="utf-8"?>
-<p:notes xmlns:a="http://schemas.openxmlformats.org/drawingml/2006/main" xmlns:r="http://schemas.openxmlformats.org/officeDocument/2006/relationships" xmlns:p="http://schemas.openxmlformats.org/presentationml/2006/main">
-  <p:cSld>
-    <p:spTree>
-      <p:nvGrpSpPr>
-        <p:cNvPr id="1" name=""/>
-        <p:cNvGrpSpPr/>
-        <p:nvPr/>
-      </p:nvGrpSpPr>
-      <p:grpSpPr>
-        <a:xfrm>
-          <a:off x="0" y="0"/>
-          <a:ext cx="0" cy="0"/>
-          <a:chOff x="0" y="0"/>
-          <a:chExt cx="0" cy="0"/>
-        </a:xfrm>
-      </p:grpSpPr>
-      <p:sp>
-        <p:nvSpPr>
-          <p:cNvPr id="44033" name="Slide Image Placeholder 1"/>
-          <p:cNvSpPr>
-            <a:spLocks noGrp="1" noRot="1" noChangeAspect="1"/>
-          </p:cNvSpPr>
-          <p:nvPr>
-            <p:ph type="sldImg"/>
-          </p:nvPr>
-        </p:nvSpPr>
-        <p:spPr bwMode="auto">
-          <a:noFill/>
-          <a:ln>
-            <a:solidFill>
-              <a:srgbClr val="000000"/>
-            </a:solidFill>
-            <a:miter lim="800000"/>
-            <a:headEnd/>
-            <a:tailEnd/>
-          </a:ln>
-          <a:extLst>
-            <a:ext uri="{909E8E84-426E-40dd-AFC4-6F175D3DCCD1}">
-              <a14:hiddenFill xmlns:a14="http://schemas.microsoft.com/office/drawing/2010/main" xmlns="">
-                <a:solidFill>
-                  <a:srgbClr val="FFFFFF"/>
-                </a:solidFill>
-              </a14:hiddenFill>
-            </a:ext>
-            <a:ext uri="{FAA26D3D-D897-4be2-8F04-BA451C77F1D7}">
-              <ma14:placeholderFlag xmlns:ma14="http://schemas.microsoft.com/office/mac/drawingml/2011/main" xmlns="" val="1"/>
-            </a:ext>
-          </a:extLst>
-        </p:spPr>
-      </p:sp>
-      <p:sp>
-        <p:nvSpPr>
-          <p:cNvPr id="44034" name="Notes Placeholder 2"/>
-          <p:cNvSpPr>
-            <a:spLocks noGrp="1"/>
-          </p:cNvSpPr>
-          <p:nvPr>
-            <p:ph type="body" idx="1"/>
-          </p:nvPr>
-        </p:nvSpPr>
-        <p:spPr bwMode="auto">
-          <a:noFill/>
-          <a:extLst>
-            <a:ext uri="{909E8E84-426E-40dd-AFC4-6F175D3DCCD1}">
-              <a14:hiddenFill xmlns:a14="http://schemas.microsoft.com/office/drawing/2010/main" xmlns="">
-                <a:solidFill>
-                  <a:srgbClr val="FFFFFF"/>
-                </a:solidFill>
-              </a14:hiddenFill>
-            </a:ext>
-            <a:ext uri="{91240B29-F687-4f45-9708-019B960494DF}">
-              <a14:hiddenLine xmlns:a14="http://schemas.microsoft.com/office/drawing/2010/main" xmlns="" w="9525">
-                <a:solidFill>
-                  <a:srgbClr val="000000"/>
-                </a:solidFill>
-                <a:miter lim="800000"/>
-                <a:headEnd/>
-                <a:tailEnd/>
-              </a14:hiddenLine>
-            </a:ext>
-          </a:extLst>
-        </p:spPr>
-        <p:txBody>
-          <a:bodyPr wrap="square" numCol="1" anchor="t" anchorCtr="0" compatLnSpc="1">
-            <a:prstTxWarp prst="textNoShape">
-              <a:avLst/>
-            </a:prstTxWarp>
-          </a:bodyPr>
-          <a:lstStyle/>
-          <a:p>
-            <a:pPr>
-              <a:spcBef>
-                <a:spcPct val="0"/>
-              </a:spcBef>
-            </a:pPr>
-            <a:r>
-              <a:rPr lang="en-US">
-                <a:latin typeface="BentonSans Book" charset="0"/>
-              </a:rPr>
-              <a:t>Title &amp; Copy</a:t>
-            </a:r>
-          </a:p>
-        </p:txBody>
-      </p:sp>
-    </p:spTree>
-  </p:cSld>
-  <p:clrMapOvr>
-    <a:masterClrMapping/>
-  </p:clrMapOvr>
-</p:notes>
-</file>
-
-<file path=ppt/notesSlides/notesSlide13.xml><?xml version="1.0" encoding="utf-8"?>
-<p:notes xmlns:a="http://schemas.openxmlformats.org/drawingml/2006/main" xmlns:r="http://schemas.openxmlformats.org/officeDocument/2006/relationships" xmlns:p="http://schemas.openxmlformats.org/presentationml/2006/main">
-  <p:cSld>
-    <p:spTree>
-      <p:nvGrpSpPr>
-        <p:cNvPr id="1" name=""/>
-        <p:cNvGrpSpPr/>
-        <p:nvPr/>
-      </p:nvGrpSpPr>
-      <p:grpSpPr>
-        <a:xfrm>
-          <a:off x="0" y="0"/>
-          <a:ext cx="0" cy="0"/>
-          <a:chOff x="0" y="0"/>
-          <a:chExt cx="0" cy="0"/>
-        </a:xfrm>
-      </p:grpSpPr>
-      <p:sp>
-        <p:nvSpPr>
-          <p:cNvPr id="45057" name="Slide Image Placeholder 1"/>
-          <p:cNvSpPr>
-            <a:spLocks noGrp="1" noRot="1" noChangeAspect="1"/>
-          </p:cNvSpPr>
-          <p:nvPr>
-            <p:ph type="sldImg"/>
-          </p:nvPr>
-        </p:nvSpPr>
-        <p:spPr bwMode="auto">
-          <a:noFill/>
-          <a:ln>
-            <a:solidFill>
-              <a:srgbClr val="000000"/>
-            </a:solidFill>
-            <a:miter lim="800000"/>
-            <a:headEnd/>
-            <a:tailEnd/>
-          </a:ln>
-          <a:extLst>
-            <a:ext uri="{909E8E84-426E-40dd-AFC4-6F175D3DCCD1}">
-              <a14:hiddenFill xmlns:a14="http://schemas.microsoft.com/office/drawing/2010/main" xmlns="">
-                <a:solidFill>
-                  <a:srgbClr val="FFFFFF"/>
-                </a:solidFill>
-              </a14:hiddenFill>
-            </a:ext>
-            <a:ext uri="{FAA26D3D-D897-4be2-8F04-BA451C77F1D7}">
-              <ma14:placeholderFlag xmlns:ma14="http://schemas.microsoft.com/office/mac/drawingml/2011/main" xmlns="" val="1"/>
-            </a:ext>
-          </a:extLst>
-        </p:spPr>
-      </p:sp>
-      <p:sp>
-        <p:nvSpPr>
-          <p:cNvPr id="45058" name="Notes Placeholder 2"/>
-          <p:cNvSpPr>
-            <a:spLocks noGrp="1"/>
-          </p:cNvSpPr>
-          <p:nvPr>
-            <p:ph type="body" idx="1"/>
-          </p:nvPr>
-        </p:nvSpPr>
-        <p:spPr bwMode="auto">
-          <a:noFill/>
-          <a:extLst>
-            <a:ext uri="{909E8E84-426E-40dd-AFC4-6F175D3DCCD1}">
-              <a14:hiddenFill xmlns:a14="http://schemas.microsoft.com/office/drawing/2010/main" xmlns="">
-                <a:solidFill>
-                  <a:srgbClr val="FFFFFF"/>
-                </a:solidFill>
-              </a14:hiddenFill>
-            </a:ext>
-            <a:ext uri="{91240B29-F687-4f45-9708-019B960494DF}">
-              <a14:hiddenLine xmlns:a14="http://schemas.microsoft.com/office/drawing/2010/main" xmlns="" w="9525">
-                <a:solidFill>
-                  <a:srgbClr val="000000"/>
-                </a:solidFill>
-                <a:miter lim="800000"/>
-                <a:headEnd/>
-                <a:tailEnd/>
-              </a14:hiddenLine>
-            </a:ext>
-          </a:extLst>
-        </p:spPr>
-        <p:txBody>
-          <a:bodyPr wrap="square" numCol="1" anchor="t" anchorCtr="0" compatLnSpc="1">
-            <a:prstTxWarp prst="textNoShape">
-              <a:avLst/>
-            </a:prstTxWarp>
-          </a:bodyPr>
-          <a:lstStyle/>
-          <a:p>
-            <a:pPr>
-              <a:spcBef>
-                <a:spcPct val="0"/>
-              </a:spcBef>
-            </a:pPr>
-            <a:r>
-              <a:rPr lang="en-US">
-                <a:latin typeface="BentonSans Book" charset="0"/>
-              </a:rPr>
-              <a:t>Numbered List</a:t>
-            </a:r>
-          </a:p>
-        </p:txBody>
-      </p:sp>
-    </p:spTree>
-  </p:cSld>
-  <p:clrMapOvr>
-    <a:masterClrMapping/>
-  </p:clrMapOvr>
-</p:notes>
-</file>
-
-<file path=ppt/notesSlides/notesSlide14.xml><?xml version="1.0" encoding="utf-8"?>
+<file path=ppt/notesSlides/notesSlide19.xml><?xml version="1.0" encoding="utf-8"?>
 <p:notes xmlns:a="http://schemas.openxmlformats.org/drawingml/2006/main" xmlns:r="http://schemas.openxmlformats.org/officeDocument/2006/relationships" xmlns:p="http://schemas.openxmlformats.org/presentationml/2006/main">
   <p:cSld>
     <p:spTree>
@@ -1872,7 +2410,128 @@
 </p:notes>
 </file>
 
-<file path=ppt/notesSlides/notesSlide15.xml><?xml version="1.0" encoding="utf-8"?>
+<file path=ppt/notesSlides/notesSlide2.xml><?xml version="1.0" encoding="utf-8"?>
+<p:notes xmlns:a="http://schemas.openxmlformats.org/drawingml/2006/main" xmlns:r="http://schemas.openxmlformats.org/officeDocument/2006/relationships" xmlns:p="http://schemas.openxmlformats.org/presentationml/2006/main">
+  <p:cSld>
+    <p:spTree>
+      <p:nvGrpSpPr>
+        <p:cNvPr id="1" name=""/>
+        <p:cNvGrpSpPr/>
+        <p:nvPr/>
+      </p:nvGrpSpPr>
+      <p:grpSpPr>
+        <a:xfrm>
+          <a:off x="0" y="0"/>
+          <a:ext cx="0" cy="0"/>
+          <a:chOff x="0" y="0"/>
+          <a:chExt cx="0" cy="0"/>
+        </a:xfrm>
+      </p:grpSpPr>
+      <p:sp>
+        <p:nvSpPr>
+          <p:cNvPr id="51201" name="Slide Image Placeholder 1"/>
+          <p:cNvSpPr>
+            <a:spLocks noGrp="1" noRot="1" noChangeAspect="1"/>
+          </p:cNvSpPr>
+          <p:nvPr>
+            <p:ph type="sldImg"/>
+          </p:nvPr>
+        </p:nvSpPr>
+        <p:spPr bwMode="auto">
+          <a:noFill/>
+          <a:ln>
+            <a:solidFill>
+              <a:srgbClr val="000000"/>
+            </a:solidFill>
+            <a:miter lim="800000"/>
+            <a:headEnd/>
+            <a:tailEnd/>
+          </a:ln>
+          <a:extLst>
+            <a:ext uri="{909E8E84-426E-40dd-AFC4-6F175D3DCCD1}">
+              <a14:hiddenFill xmlns:a14="http://schemas.microsoft.com/office/drawing/2010/main" xmlns="">
+                <a:solidFill>
+                  <a:srgbClr val="FFFFFF"/>
+                </a:solidFill>
+              </a14:hiddenFill>
+            </a:ext>
+            <a:ext uri="{FAA26D3D-D897-4be2-8F04-BA451C77F1D7}">
+              <ma14:placeholderFlag xmlns:ma14="http://schemas.microsoft.com/office/mac/drawingml/2011/main" xmlns="" val="1"/>
+            </a:ext>
+          </a:extLst>
+        </p:spPr>
+      </p:sp>
+      <p:sp>
+        <p:nvSpPr>
+          <p:cNvPr id="51202" name="Notes Placeholder 2"/>
+          <p:cNvSpPr>
+            <a:spLocks noGrp="1"/>
+          </p:cNvSpPr>
+          <p:nvPr>
+            <p:ph type="body" idx="1"/>
+          </p:nvPr>
+        </p:nvSpPr>
+        <p:spPr bwMode="auto">
+          <a:noFill/>
+          <a:extLst>
+            <a:ext uri="{909E8E84-426E-40dd-AFC4-6F175D3DCCD1}">
+              <a14:hiddenFill xmlns:a14="http://schemas.microsoft.com/office/drawing/2010/main" xmlns="">
+                <a:solidFill>
+                  <a:srgbClr val="FFFFFF"/>
+                </a:solidFill>
+              </a14:hiddenFill>
+            </a:ext>
+            <a:ext uri="{91240B29-F687-4f45-9708-019B960494DF}">
+              <a14:hiddenLine xmlns:a14="http://schemas.microsoft.com/office/drawing/2010/main" xmlns="" w="9525">
+                <a:solidFill>
+                  <a:srgbClr val="000000"/>
+                </a:solidFill>
+                <a:miter lim="800000"/>
+                <a:headEnd/>
+                <a:tailEnd/>
+              </a14:hiddenLine>
+            </a:ext>
+          </a:extLst>
+        </p:spPr>
+        <p:txBody>
+          <a:bodyPr wrap="square" numCol="1" anchor="t" anchorCtr="0" compatLnSpc="1">
+            <a:prstTxWarp prst="textNoShape">
+              <a:avLst/>
+            </a:prstTxWarp>
+          </a:bodyPr>
+          <a:lstStyle/>
+          <a:p>
+            <a:pPr>
+              <a:spcBef>
+                <a:spcPct val="0"/>
+              </a:spcBef>
+            </a:pPr>
+            <a:r>
+              <a:rPr lang="en-US" dirty="0">
+                <a:hlinkClick r:id="rId3"/>
+              </a:rPr>
+              <a:t>https://www.utexas.edu/</a:t>
+            </a:r>
+            <a:endParaRPr lang="en-US" dirty="0">
+              <a:latin typeface="BentonSans Book" charset="0"/>
+            </a:endParaRPr>
+          </a:p>
+        </p:txBody>
+      </p:sp>
+    </p:spTree>
+    <p:extLst>
+      <p:ext uri="{BB962C8B-B14F-4D97-AF65-F5344CB8AC3E}">
+        <p14:creationId xmlns:p14="http://schemas.microsoft.com/office/powerpoint/2010/main" val="3294059804"/>
+      </p:ext>
+    </p:extLst>
+  </p:cSld>
+  <p:clrMapOvr>
+    <a:masterClrMapping/>
+  </p:clrMapOvr>
+</p:notes>
+</file>
+
+<file path=ppt/notesSlides/notesSlide20.xml><?xml version="1.0" encoding="utf-8"?>
 <p:notes xmlns:a="http://schemas.openxmlformats.org/drawingml/2006/main" xmlns:r="http://schemas.openxmlformats.org/officeDocument/2006/relationships" xmlns:p="http://schemas.openxmlformats.org/presentationml/2006/main">
   <p:cSld>
     <p:spTree>
@@ -2216,7 +2875,7 @@
 </p:notes>
 </file>
 
-<file path=ppt/notesSlides/notesSlide16.xml><?xml version="1.0" encoding="utf-8"?>
+<file path=ppt/notesSlides/notesSlide21.xml><?xml version="1.0" encoding="utf-8"?>
 <p:notes xmlns:a="http://schemas.openxmlformats.org/drawingml/2006/main" xmlns:r="http://schemas.openxmlformats.org/officeDocument/2006/relationships" xmlns:p="http://schemas.openxmlformats.org/presentationml/2006/main">
   <p:cSld>
     <p:spTree>
@@ -2406,7 +3065,7 @@
 </p:notes>
 </file>
 
-<file path=ppt/notesSlides/notesSlide17.xml><?xml version="1.0" encoding="utf-8"?>
+<file path=ppt/notesSlides/notesSlide22.xml><?xml version="1.0" encoding="utf-8"?>
 <p:notes xmlns:a="http://schemas.openxmlformats.org/drawingml/2006/main" xmlns:r="http://schemas.openxmlformats.org/officeDocument/2006/relationships" xmlns:p="http://schemas.openxmlformats.org/presentationml/2006/main">
   <p:cSld>
     <p:spTree>
@@ -2524,7 +3183,7 @@
 </p:notes>
 </file>
 
-<file path=ppt/notesSlides/notesSlide18.xml><?xml version="1.0" encoding="utf-8"?>
+<file path=ppt/notesSlides/notesSlide23.xml><?xml version="1.0" encoding="utf-8"?>
 <p:notes xmlns:a="http://schemas.openxmlformats.org/drawingml/2006/main" xmlns:r="http://schemas.openxmlformats.org/officeDocument/2006/relationships" xmlns:p="http://schemas.openxmlformats.org/presentationml/2006/main">
   <p:cSld>
     <p:spTree>
@@ -2645,7 +3304,7 @@
 </p:notes>
 </file>
 
-<file path=ppt/notesSlides/notesSlide19.xml><?xml version="1.0" encoding="utf-8"?>
+<file path=ppt/notesSlides/notesSlide24.xml><?xml version="1.0" encoding="utf-8"?>
 <p:notes xmlns:a="http://schemas.openxmlformats.org/drawingml/2006/main" xmlns:r="http://schemas.openxmlformats.org/officeDocument/2006/relationships" xmlns:p="http://schemas.openxmlformats.org/presentationml/2006/main">
   <p:cSld>
     <p:spTree>
@@ -2766,7 +3425,710 @@
 </p:notes>
 </file>
 
-<file path=ppt/notesSlides/notesSlide2.xml><?xml version="1.0" encoding="utf-8"?>
+<file path=ppt/notesSlides/notesSlide25.xml><?xml version="1.0" encoding="utf-8"?>
+<p:notes xmlns:a="http://schemas.openxmlformats.org/drawingml/2006/main" xmlns:r="http://schemas.openxmlformats.org/officeDocument/2006/relationships" xmlns:p="http://schemas.openxmlformats.org/presentationml/2006/main">
+  <p:cSld>
+    <p:spTree>
+      <p:nvGrpSpPr>
+        <p:cNvPr id="1" name=""/>
+        <p:cNvGrpSpPr/>
+        <p:nvPr/>
+      </p:nvGrpSpPr>
+      <p:grpSpPr>
+        <a:xfrm>
+          <a:off x="0" y="0"/>
+          <a:ext cx="0" cy="0"/>
+          <a:chOff x="0" y="0"/>
+          <a:chExt cx="0" cy="0"/>
+        </a:xfrm>
+      </p:grpSpPr>
+      <p:sp>
+        <p:nvSpPr>
+          <p:cNvPr id="52225" name="Slide Image Placeholder 1"/>
+          <p:cNvSpPr>
+            <a:spLocks noGrp="1" noRot="1" noChangeAspect="1"/>
+          </p:cNvSpPr>
+          <p:nvPr>
+            <p:ph type="sldImg"/>
+          </p:nvPr>
+        </p:nvSpPr>
+        <p:spPr bwMode="auto">
+          <a:noFill/>
+          <a:ln>
+            <a:solidFill>
+              <a:srgbClr val="000000"/>
+            </a:solidFill>
+            <a:miter lim="800000"/>
+            <a:headEnd/>
+            <a:tailEnd/>
+          </a:ln>
+          <a:extLst>
+            <a:ext uri="{909E8E84-426E-40dd-AFC4-6F175D3DCCD1}">
+              <a14:hiddenFill xmlns:a14="http://schemas.microsoft.com/office/drawing/2010/main" xmlns="">
+                <a:solidFill>
+                  <a:srgbClr val="FFFFFF"/>
+                </a:solidFill>
+              </a14:hiddenFill>
+            </a:ext>
+            <a:ext uri="{FAA26D3D-D897-4be2-8F04-BA451C77F1D7}">
+              <ma14:placeholderFlag xmlns:ma14="http://schemas.microsoft.com/office/mac/drawingml/2011/main" xmlns="" val="1"/>
+            </a:ext>
+          </a:extLst>
+        </p:spPr>
+      </p:sp>
+      <p:sp>
+        <p:nvSpPr>
+          <p:cNvPr id="52226" name="Notes Placeholder 2"/>
+          <p:cNvSpPr>
+            <a:spLocks noGrp="1"/>
+          </p:cNvSpPr>
+          <p:nvPr>
+            <p:ph type="body" idx="1"/>
+          </p:nvPr>
+        </p:nvSpPr>
+        <p:spPr bwMode="auto">
+          <a:noFill/>
+          <a:extLst>
+            <a:ext uri="{909E8E84-426E-40dd-AFC4-6F175D3DCCD1}">
+              <a14:hiddenFill xmlns:a14="http://schemas.microsoft.com/office/drawing/2010/main" xmlns="">
+                <a:solidFill>
+                  <a:srgbClr val="FFFFFF"/>
+                </a:solidFill>
+              </a14:hiddenFill>
+            </a:ext>
+            <a:ext uri="{91240B29-F687-4f45-9708-019B960494DF}">
+              <a14:hiddenLine xmlns:a14="http://schemas.microsoft.com/office/drawing/2010/main" xmlns="" w="9525">
+                <a:solidFill>
+                  <a:srgbClr val="000000"/>
+                </a:solidFill>
+                <a:miter lim="800000"/>
+                <a:headEnd/>
+                <a:tailEnd/>
+              </a14:hiddenLine>
+            </a:ext>
+          </a:extLst>
+        </p:spPr>
+        <p:txBody>
+          <a:bodyPr wrap="square" numCol="1" anchor="t" anchorCtr="0" compatLnSpc="1">
+            <a:prstTxWarp prst="textNoShape">
+              <a:avLst/>
+            </a:prstTxWarp>
+          </a:bodyPr>
+          <a:lstStyle/>
+          <a:p>
+            <a:pPr>
+              <a:spcBef>
+                <a:spcPct val="0"/>
+              </a:spcBef>
+            </a:pPr>
+            <a:r>
+              <a:rPr lang="en-US" dirty="0">
+                <a:hlinkClick r:id="rId3"/>
+              </a:rPr>
+              <a:t>https://www.meta-synthesis.com/webbook/35_pt/pt_database.php?Button=pre-1900+Formulations</a:t>
+            </a:r>
+            <a:endParaRPr lang="en-US" dirty="0">
+              <a:latin typeface="BentonSans Book" charset="0"/>
+            </a:endParaRPr>
+          </a:p>
+        </p:txBody>
+      </p:sp>
+    </p:spTree>
+    <p:extLst>
+      <p:ext uri="{BB962C8B-B14F-4D97-AF65-F5344CB8AC3E}">
+        <p14:creationId xmlns:p14="http://schemas.microsoft.com/office/powerpoint/2010/main" val="69022353"/>
+      </p:ext>
+    </p:extLst>
+  </p:cSld>
+  <p:clrMapOvr>
+    <a:masterClrMapping/>
+  </p:clrMapOvr>
+</p:notes>
+</file>
+
+<file path=ppt/notesSlides/notesSlide26.xml><?xml version="1.0" encoding="utf-8"?>
+<p:notes xmlns:a="http://schemas.openxmlformats.org/drawingml/2006/main" xmlns:r="http://schemas.openxmlformats.org/officeDocument/2006/relationships" xmlns:p="http://schemas.openxmlformats.org/presentationml/2006/main">
+  <p:cSld>
+    <p:spTree>
+      <p:nvGrpSpPr>
+        <p:cNvPr id="1" name=""/>
+        <p:cNvGrpSpPr/>
+        <p:nvPr/>
+      </p:nvGrpSpPr>
+      <p:grpSpPr>
+        <a:xfrm>
+          <a:off x="0" y="0"/>
+          <a:ext cx="0" cy="0"/>
+          <a:chOff x="0" y="0"/>
+          <a:chExt cx="0" cy="0"/>
+        </a:xfrm>
+      </p:grpSpPr>
+      <p:sp>
+        <p:nvSpPr>
+          <p:cNvPr id="51201" name="Slide Image Placeholder 1"/>
+          <p:cNvSpPr>
+            <a:spLocks noGrp="1" noRot="1" noChangeAspect="1"/>
+          </p:cNvSpPr>
+          <p:nvPr>
+            <p:ph type="sldImg"/>
+          </p:nvPr>
+        </p:nvSpPr>
+        <p:spPr bwMode="auto">
+          <a:noFill/>
+          <a:ln>
+            <a:solidFill>
+              <a:srgbClr val="000000"/>
+            </a:solidFill>
+            <a:miter lim="800000"/>
+            <a:headEnd/>
+            <a:tailEnd/>
+          </a:ln>
+          <a:extLst>
+            <a:ext uri="{909E8E84-426E-40dd-AFC4-6F175D3DCCD1}">
+              <a14:hiddenFill xmlns:a14="http://schemas.microsoft.com/office/drawing/2010/main" xmlns="">
+                <a:solidFill>
+                  <a:srgbClr val="FFFFFF"/>
+                </a:solidFill>
+              </a14:hiddenFill>
+            </a:ext>
+            <a:ext uri="{FAA26D3D-D897-4be2-8F04-BA451C77F1D7}">
+              <ma14:placeholderFlag xmlns:ma14="http://schemas.microsoft.com/office/mac/drawingml/2011/main" xmlns="" val="1"/>
+            </a:ext>
+          </a:extLst>
+        </p:spPr>
+      </p:sp>
+      <p:sp>
+        <p:nvSpPr>
+          <p:cNvPr id="51202" name="Notes Placeholder 2"/>
+          <p:cNvSpPr>
+            <a:spLocks noGrp="1"/>
+          </p:cNvSpPr>
+          <p:nvPr>
+            <p:ph type="body" idx="1"/>
+          </p:nvPr>
+        </p:nvSpPr>
+        <p:spPr bwMode="auto">
+          <a:noFill/>
+          <a:extLst>
+            <a:ext uri="{909E8E84-426E-40dd-AFC4-6F175D3DCCD1}">
+              <a14:hiddenFill xmlns:a14="http://schemas.microsoft.com/office/drawing/2010/main" xmlns="">
+                <a:solidFill>
+                  <a:srgbClr val="FFFFFF"/>
+                </a:solidFill>
+              </a14:hiddenFill>
+            </a:ext>
+            <a:ext uri="{91240B29-F687-4f45-9708-019B960494DF}">
+              <a14:hiddenLine xmlns:a14="http://schemas.microsoft.com/office/drawing/2010/main" xmlns="" w="9525">
+                <a:solidFill>
+                  <a:srgbClr val="000000"/>
+                </a:solidFill>
+                <a:miter lim="800000"/>
+                <a:headEnd/>
+                <a:tailEnd/>
+              </a14:hiddenLine>
+            </a:ext>
+          </a:extLst>
+        </p:spPr>
+        <p:txBody>
+          <a:bodyPr wrap="square" numCol="1" anchor="t" anchorCtr="0" compatLnSpc="1">
+            <a:prstTxWarp prst="textNoShape">
+              <a:avLst/>
+            </a:prstTxWarp>
+          </a:bodyPr>
+          <a:lstStyle/>
+          <a:p>
+            <a:pPr>
+              <a:spcBef>
+                <a:spcPct val="0"/>
+              </a:spcBef>
+            </a:pPr>
+            <a:r>
+              <a:rPr lang="en-US" dirty="0">
+                <a:hlinkClick r:id="rId3"/>
+              </a:rPr>
+              <a:t>https://saylordotorg.github.io/text_introductory-chemistry/s12-04-electronic-structure-and-the-p.html</a:t>
+            </a:r>
+            <a:endParaRPr lang="en-US" dirty="0">
+              <a:latin typeface="BentonSans Book" charset="0"/>
+            </a:endParaRPr>
+          </a:p>
+        </p:txBody>
+      </p:sp>
+    </p:spTree>
+    <p:extLst>
+      <p:ext uri="{BB962C8B-B14F-4D97-AF65-F5344CB8AC3E}">
+        <p14:creationId xmlns:p14="http://schemas.microsoft.com/office/powerpoint/2010/main" val="2926795780"/>
+      </p:ext>
+    </p:extLst>
+  </p:cSld>
+  <p:clrMapOvr>
+    <a:masterClrMapping/>
+  </p:clrMapOvr>
+</p:notes>
+</file>
+
+<file path=ppt/notesSlides/notesSlide27.xml><?xml version="1.0" encoding="utf-8"?>
+<p:notes xmlns:a="http://schemas.openxmlformats.org/drawingml/2006/main" xmlns:r="http://schemas.openxmlformats.org/officeDocument/2006/relationships" xmlns:p="http://schemas.openxmlformats.org/presentationml/2006/main">
+  <p:cSld>
+    <p:spTree>
+      <p:nvGrpSpPr>
+        <p:cNvPr id="1" name=""/>
+        <p:cNvGrpSpPr/>
+        <p:nvPr/>
+      </p:nvGrpSpPr>
+      <p:grpSpPr>
+        <a:xfrm>
+          <a:off x="0" y="0"/>
+          <a:ext cx="0" cy="0"/>
+          <a:chOff x="0" y="0"/>
+          <a:chExt cx="0" cy="0"/>
+        </a:xfrm>
+      </p:grpSpPr>
+      <p:sp>
+        <p:nvSpPr>
+          <p:cNvPr id="46081" name="Slide Image Placeholder 1"/>
+          <p:cNvSpPr>
+            <a:spLocks noGrp="1" noRot="1" noChangeAspect="1"/>
+          </p:cNvSpPr>
+          <p:nvPr>
+            <p:ph type="sldImg"/>
+          </p:nvPr>
+        </p:nvSpPr>
+        <p:spPr bwMode="auto">
+          <a:noFill/>
+          <a:ln>
+            <a:solidFill>
+              <a:srgbClr val="000000"/>
+            </a:solidFill>
+            <a:miter lim="800000"/>
+            <a:headEnd/>
+            <a:tailEnd/>
+          </a:ln>
+          <a:extLst>
+            <a:ext uri="{909E8E84-426E-40dd-AFC4-6F175D3DCCD1}">
+              <a14:hiddenFill xmlns:a14="http://schemas.microsoft.com/office/drawing/2010/main" xmlns="">
+                <a:solidFill>
+                  <a:srgbClr val="FFFFFF"/>
+                </a:solidFill>
+              </a14:hiddenFill>
+            </a:ext>
+            <a:ext uri="{FAA26D3D-D897-4be2-8F04-BA451C77F1D7}">
+              <ma14:placeholderFlag xmlns:ma14="http://schemas.microsoft.com/office/mac/drawingml/2011/main" xmlns="" val="1"/>
+            </a:ext>
+          </a:extLst>
+        </p:spPr>
+      </p:sp>
+      <p:sp>
+        <p:nvSpPr>
+          <p:cNvPr id="46082" name="Notes Placeholder 2"/>
+          <p:cNvSpPr>
+            <a:spLocks noGrp="1"/>
+          </p:cNvSpPr>
+          <p:nvPr>
+            <p:ph type="body" idx="1"/>
+          </p:nvPr>
+        </p:nvSpPr>
+        <p:spPr bwMode="auto">
+          <a:noFill/>
+          <a:extLst>
+            <a:ext uri="{909E8E84-426E-40dd-AFC4-6F175D3DCCD1}">
+              <a14:hiddenFill xmlns:a14="http://schemas.microsoft.com/office/drawing/2010/main" xmlns="">
+                <a:solidFill>
+                  <a:srgbClr val="FFFFFF"/>
+                </a:solidFill>
+              </a14:hiddenFill>
+            </a:ext>
+            <a:ext uri="{91240B29-F687-4f45-9708-019B960494DF}">
+              <a14:hiddenLine xmlns:a14="http://schemas.microsoft.com/office/drawing/2010/main" xmlns="" w="9525">
+                <a:solidFill>
+                  <a:srgbClr val="000000"/>
+                </a:solidFill>
+                <a:miter lim="800000"/>
+                <a:headEnd/>
+                <a:tailEnd/>
+              </a14:hiddenLine>
+            </a:ext>
+          </a:extLst>
+        </p:spPr>
+        <p:txBody>
+          <a:bodyPr wrap="square" numCol="1" anchor="t" anchorCtr="0" compatLnSpc="1">
+            <a:prstTxWarp prst="textNoShape">
+              <a:avLst/>
+            </a:prstTxWarp>
+          </a:bodyPr>
+          <a:lstStyle/>
+          <a:p>
+            <a:endParaRPr lang="en-US" b="0" dirty="0">
+              <a:effectLst/>
+            </a:endParaRPr>
+          </a:p>
+          <a:p>
+            <a:pPr lvl="2" rtl="0" fontAlgn="base"/>
+            <a:r>
+              <a:rPr lang="en-US" sz="1800" b="0" i="0" u="none" strike="noStrike" kern="1200" dirty="0">
+                <a:solidFill>
+                  <a:schemeClr val="tx1"/>
+                </a:solidFill>
+                <a:effectLst/>
+                <a:latin typeface="BentonSans Book"/>
+                <a:ea typeface="ＭＳ Ｐゴシック" charset="0"/>
+                <a:cs typeface="+mn-cs"/>
+              </a:rPr>
+              <a:t>Steven Levitt, author of Freakonomics</a:t>
+            </a:r>
+          </a:p>
+          <a:p>
+            <a:pPr lvl="3" rtl="0" fontAlgn="base"/>
+            <a:r>
+              <a:rPr lang="en-US" sz="1800" b="0" i="0" u="none" strike="noStrike" kern="1200" dirty="0">
+                <a:solidFill>
+                  <a:schemeClr val="tx1"/>
+                </a:solidFill>
+                <a:effectLst/>
+                <a:latin typeface="BentonSans Book"/>
+                <a:ea typeface="ＭＳ Ｐゴシック" charset="0"/>
+                <a:cs typeface="+mn-cs"/>
+              </a:rPr>
+              <a:t>This shows test answers for students in different classrooms</a:t>
+            </a:r>
+          </a:p>
+          <a:p>
+            <a:pPr lvl="3" rtl="0" fontAlgn="base"/>
+            <a:r>
+              <a:rPr lang="en-US" sz="1800" b="0" i="0" u="none" strike="noStrike" kern="1200" dirty="0">
+                <a:solidFill>
+                  <a:schemeClr val="tx1"/>
+                </a:solidFill>
+                <a:effectLst/>
+                <a:latin typeface="BentonSans Book"/>
+                <a:ea typeface="ＭＳ Ｐゴシック" charset="0"/>
+                <a:cs typeface="+mn-cs"/>
+              </a:rPr>
+              <a:t>A letter indicates a correct answer and a number indicates an incorrect answer</a:t>
+            </a:r>
+          </a:p>
+          <a:p>
+            <a:pPr lvl="3" rtl="0" fontAlgn="base"/>
+            <a:r>
+              <a:rPr lang="en-US" sz="1800" b="0" i="0" u="none" strike="noStrike" kern="1200" dirty="0">
+                <a:solidFill>
+                  <a:schemeClr val="tx1"/>
+                </a:solidFill>
+                <a:effectLst/>
+                <a:latin typeface="BentonSans Book"/>
+                <a:ea typeface="ＭＳ Ｐゴシック" charset="0"/>
+                <a:cs typeface="+mn-cs"/>
+              </a:rPr>
+              <a:t>This data is trying to tell us that over 200 teachers in the Chicago public school system are cheating</a:t>
+            </a:r>
+          </a:p>
+          <a:p>
+            <a:pPr lvl="3" rtl="0" fontAlgn="base"/>
+            <a:r>
+              <a:rPr lang="en-US" sz="1800" b="0" i="0" u="none" strike="noStrike" kern="1200" dirty="0">
+                <a:solidFill>
+                  <a:schemeClr val="tx1"/>
+                </a:solidFill>
+                <a:effectLst/>
+                <a:latin typeface="BentonSans Book"/>
+                <a:ea typeface="ＭＳ Ｐゴシック" charset="0"/>
+                <a:cs typeface="+mn-cs"/>
+              </a:rPr>
+              <a:t>They’re changing the answers that students are filling out on tests to make themselves look better</a:t>
+            </a:r>
+          </a:p>
+          <a:p>
+            <a:pPr lvl="3" rtl="0" fontAlgn="base"/>
+            <a:r>
+              <a:rPr lang="en-US" sz="1800" b="0" i="0" u="none" strike="noStrike" kern="1200" dirty="0">
+                <a:solidFill>
+                  <a:schemeClr val="tx1"/>
+                </a:solidFill>
+                <a:effectLst/>
+                <a:latin typeface="BentonSans Book"/>
+                <a:ea typeface="ＭＳ Ｐゴシック" charset="0"/>
+                <a:cs typeface="+mn-cs"/>
+              </a:rPr>
+              <a:t>You’ll see it if you just look at it the right way</a:t>
+            </a:r>
+          </a:p>
+          <a:p>
+            <a:pPr lvl="3" rtl="0" fontAlgn="base"/>
+            <a:r>
+              <a:rPr lang="en-US" sz="1800" b="0" i="0" u="none" strike="noStrike" kern="1200" dirty="0">
+                <a:solidFill>
+                  <a:schemeClr val="tx1"/>
+                </a:solidFill>
+                <a:effectLst/>
+                <a:latin typeface="BentonSans Book"/>
+                <a:ea typeface="ＭＳ Ｐゴシック" charset="0"/>
+                <a:cs typeface="+mn-cs"/>
+              </a:rPr>
+              <a:t>The Chicago Public Schools teaches more than 400,00 students a year. In 1996 The Chicago Public School system adopted “high-stakes” testing. This enacted minimum scores required on a number of tests in the 3rd, 6th and 8th grade. What was unique here was that it held the school accountable for these scores. For example, a school could be shut down entirely if it didn’t meet minimum reading scores or staff members could have a raise withheld, a promotion cancelled or even be dismissed if they did not meet certain thresholds. </a:t>
+            </a:r>
+          </a:p>
+          <a:p>
+            <a:pPr lvl="3" rtl="0" fontAlgn="base"/>
+            <a:r>
+              <a:rPr lang="en-US" sz="1800" b="0" i="0" u="none" strike="noStrike" kern="1200" dirty="0">
+                <a:solidFill>
+                  <a:schemeClr val="tx1"/>
+                </a:solidFill>
+                <a:effectLst/>
+                <a:latin typeface="BentonSans Book"/>
+                <a:ea typeface="ＭＳ Ｐゴシック" charset="0"/>
+                <a:cs typeface="+mn-cs"/>
+              </a:rPr>
+              <a:t>Chicago Public Schools made available a database of the test answers for every CPS student from third grade through seventh grade from 1993 to 2000. This amounts to roughly 30,000 students per grade per year, more than 700,000 sets of test answers, and nearly 100 million individual answers. The data, organized by classroom, included each student’s question-by-question answer strings for reading and math tests</a:t>
+            </a:r>
+          </a:p>
+        </p:txBody>
+      </p:sp>
+    </p:spTree>
+    <p:extLst>
+      <p:ext uri="{BB962C8B-B14F-4D97-AF65-F5344CB8AC3E}">
+        <p14:creationId xmlns:p14="http://schemas.microsoft.com/office/powerpoint/2010/main" val="820239968"/>
+      </p:ext>
+    </p:extLst>
+  </p:cSld>
+  <p:clrMapOvr>
+    <a:masterClrMapping/>
+  </p:clrMapOvr>
+</p:notes>
+</file>
+
+<file path=ppt/notesSlides/notesSlide28.xml><?xml version="1.0" encoding="utf-8"?>
+<p:notes xmlns:a="http://schemas.openxmlformats.org/drawingml/2006/main" xmlns:r="http://schemas.openxmlformats.org/officeDocument/2006/relationships" xmlns:p="http://schemas.openxmlformats.org/presentationml/2006/main">
+  <p:cSld>
+    <p:spTree>
+      <p:nvGrpSpPr>
+        <p:cNvPr id="1" name=""/>
+        <p:cNvGrpSpPr/>
+        <p:nvPr/>
+      </p:nvGrpSpPr>
+      <p:grpSpPr>
+        <a:xfrm>
+          <a:off x="0" y="0"/>
+          <a:ext cx="0" cy="0"/>
+          <a:chOff x="0" y="0"/>
+          <a:chExt cx="0" cy="0"/>
+        </a:xfrm>
+      </p:grpSpPr>
+      <p:sp>
+        <p:nvSpPr>
+          <p:cNvPr id="49153" name="Slide Image Placeholder 1"/>
+          <p:cNvSpPr>
+            <a:spLocks noGrp="1" noRot="1" noChangeAspect="1"/>
+          </p:cNvSpPr>
+          <p:nvPr>
+            <p:ph type="sldImg"/>
+          </p:nvPr>
+        </p:nvSpPr>
+        <p:spPr bwMode="auto">
+          <a:noFill/>
+          <a:ln>
+            <a:solidFill>
+              <a:srgbClr val="000000"/>
+            </a:solidFill>
+            <a:miter lim="800000"/>
+            <a:headEnd/>
+            <a:tailEnd/>
+          </a:ln>
+          <a:extLst>
+            <a:ext uri="{909E8E84-426E-40dd-AFC4-6F175D3DCCD1}">
+              <a14:hiddenFill xmlns:a14="http://schemas.microsoft.com/office/drawing/2010/main" xmlns="">
+                <a:solidFill>
+                  <a:srgbClr val="FFFFFF"/>
+                </a:solidFill>
+              </a14:hiddenFill>
+            </a:ext>
+            <a:ext uri="{FAA26D3D-D897-4be2-8F04-BA451C77F1D7}">
+              <ma14:placeholderFlag xmlns:ma14="http://schemas.microsoft.com/office/mac/drawingml/2011/main" xmlns="" val="1"/>
+            </a:ext>
+          </a:extLst>
+        </p:spPr>
+      </p:sp>
+      <p:sp>
+        <p:nvSpPr>
+          <p:cNvPr id="49154" name="Notes Placeholder 2"/>
+          <p:cNvSpPr>
+            <a:spLocks noGrp="1"/>
+          </p:cNvSpPr>
+          <p:nvPr>
+            <p:ph type="body" idx="1"/>
+          </p:nvPr>
+        </p:nvSpPr>
+        <p:spPr bwMode="auto">
+          <a:noFill/>
+          <a:extLst>
+            <a:ext uri="{909E8E84-426E-40dd-AFC4-6F175D3DCCD1}">
+              <a14:hiddenFill xmlns:a14="http://schemas.microsoft.com/office/drawing/2010/main" xmlns="">
+                <a:solidFill>
+                  <a:srgbClr val="FFFFFF"/>
+                </a:solidFill>
+              </a14:hiddenFill>
+            </a:ext>
+            <a:ext uri="{91240B29-F687-4f45-9708-019B960494DF}">
+              <a14:hiddenLine xmlns:a14="http://schemas.microsoft.com/office/drawing/2010/main" xmlns="" w="9525">
+                <a:solidFill>
+                  <a:srgbClr val="000000"/>
+                </a:solidFill>
+                <a:miter lim="800000"/>
+                <a:headEnd/>
+                <a:tailEnd/>
+              </a14:hiddenLine>
+            </a:ext>
+          </a:extLst>
+        </p:spPr>
+        <p:txBody>
+          <a:bodyPr wrap="square" numCol="1" anchor="t" anchorCtr="0" compatLnSpc="1">
+            <a:prstTxWarp prst="textNoShape">
+              <a:avLst/>
+            </a:prstTxWarp>
+          </a:bodyPr>
+          <a:lstStyle/>
+          <a:p>
+            <a:pPr>
+              <a:spcBef>
+                <a:spcPct val="0"/>
+              </a:spcBef>
+            </a:pPr>
+            <a:r>
+              <a:rPr lang="en-US" dirty="0">
+                <a:latin typeface="BentonSans Book" charset="0"/>
+              </a:rPr>
+              <a:t>Image &amp; Copy</a:t>
+            </a:r>
+          </a:p>
+        </p:txBody>
+      </p:sp>
+    </p:spTree>
+    <p:extLst>
+      <p:ext uri="{BB962C8B-B14F-4D97-AF65-F5344CB8AC3E}">
+        <p14:creationId xmlns:p14="http://schemas.microsoft.com/office/powerpoint/2010/main" val="4277145548"/>
+      </p:ext>
+    </p:extLst>
+  </p:cSld>
+  <p:clrMapOvr>
+    <a:masterClrMapping/>
+  </p:clrMapOvr>
+</p:notes>
+</file>
+
+<file path=ppt/notesSlides/notesSlide29.xml><?xml version="1.0" encoding="utf-8"?>
+<p:notes xmlns:a="http://schemas.openxmlformats.org/drawingml/2006/main" xmlns:r="http://schemas.openxmlformats.org/officeDocument/2006/relationships" xmlns:p="http://schemas.openxmlformats.org/presentationml/2006/main">
+  <p:cSld>
+    <p:spTree>
+      <p:nvGrpSpPr>
+        <p:cNvPr id="1" name=""/>
+        <p:cNvGrpSpPr/>
+        <p:nvPr/>
+      </p:nvGrpSpPr>
+      <p:grpSpPr>
+        <a:xfrm>
+          <a:off x="0" y="0"/>
+          <a:ext cx="0" cy="0"/>
+          <a:chOff x="0" y="0"/>
+          <a:chExt cx="0" cy="0"/>
+        </a:xfrm>
+      </p:grpSpPr>
+      <p:sp>
+        <p:nvSpPr>
+          <p:cNvPr id="38913" name="Slide Image Placeholder 1"/>
+          <p:cNvSpPr>
+            <a:spLocks noGrp="1" noRot="1" noChangeAspect="1"/>
+          </p:cNvSpPr>
+          <p:nvPr>
+            <p:ph type="sldImg"/>
+          </p:nvPr>
+        </p:nvSpPr>
+        <p:spPr bwMode="auto">
+          <a:noFill/>
+          <a:ln>
+            <a:solidFill>
+              <a:srgbClr val="000000"/>
+            </a:solidFill>
+            <a:miter lim="800000"/>
+            <a:headEnd/>
+            <a:tailEnd/>
+          </a:ln>
+          <a:extLst>
+            <a:ext uri="{909E8E84-426E-40dd-AFC4-6F175D3DCCD1}">
+              <a14:hiddenFill xmlns:a14="http://schemas.microsoft.com/office/drawing/2010/main" xmlns="">
+                <a:solidFill>
+                  <a:srgbClr val="FFFFFF"/>
+                </a:solidFill>
+              </a14:hiddenFill>
+            </a:ext>
+            <a:ext uri="{FAA26D3D-D897-4be2-8F04-BA451C77F1D7}">
+              <ma14:placeholderFlag xmlns:ma14="http://schemas.microsoft.com/office/mac/drawingml/2011/main" xmlns="" val="1"/>
+            </a:ext>
+          </a:extLst>
+        </p:spPr>
+      </p:sp>
+      <p:sp>
+        <p:nvSpPr>
+          <p:cNvPr id="38914" name="Notes Placeholder 2"/>
+          <p:cNvSpPr>
+            <a:spLocks noGrp="1"/>
+          </p:cNvSpPr>
+          <p:nvPr>
+            <p:ph type="body" idx="1"/>
+          </p:nvPr>
+        </p:nvSpPr>
+        <p:spPr bwMode="auto">
+          <a:noFill/>
+          <a:extLst>
+            <a:ext uri="{909E8E84-426E-40dd-AFC4-6F175D3DCCD1}">
+              <a14:hiddenFill xmlns:a14="http://schemas.microsoft.com/office/drawing/2010/main" xmlns="">
+                <a:solidFill>
+                  <a:srgbClr val="FFFFFF"/>
+                </a:solidFill>
+              </a14:hiddenFill>
+            </a:ext>
+            <a:ext uri="{91240B29-F687-4f45-9708-019B960494DF}">
+              <a14:hiddenLine xmlns:a14="http://schemas.microsoft.com/office/drawing/2010/main" xmlns="" w="9525">
+                <a:solidFill>
+                  <a:srgbClr val="000000"/>
+                </a:solidFill>
+                <a:miter lim="800000"/>
+                <a:headEnd/>
+                <a:tailEnd/>
+              </a14:hiddenLine>
+            </a:ext>
+          </a:extLst>
+        </p:spPr>
+        <p:txBody>
+          <a:bodyPr wrap="square" numCol="1" anchor="t" anchorCtr="0" compatLnSpc="1">
+            <a:prstTxWarp prst="textNoShape">
+              <a:avLst/>
+            </a:prstTxWarp>
+          </a:bodyPr>
+          <a:lstStyle/>
+          <a:p>
+            <a:pPr>
+              <a:spcBef>
+                <a:spcPct val="0"/>
+              </a:spcBef>
+            </a:pPr>
+            <a:r>
+              <a:rPr lang="en-US">
+                <a:latin typeface="BentonSans Book" charset="0"/>
+              </a:rPr>
+              <a:t>Section Header</a:t>
+            </a:r>
+          </a:p>
+        </p:txBody>
+      </p:sp>
+    </p:spTree>
+  </p:cSld>
+  <p:clrMapOvr>
+    <a:masterClrMapping/>
+  </p:clrMapOvr>
+</p:notes>
+</file>
+
+<file path=ppt/notesSlides/notesSlide3.xml><?xml version="1.0" encoding="utf-8"?>
 <p:notes xmlns:a="http://schemas.openxmlformats.org/drawingml/2006/main" xmlns:r="http://schemas.openxmlformats.org/officeDocument/2006/relationships" xmlns:p="http://schemas.openxmlformats.org/presentationml/2006/main">
   <p:cSld>
     <p:spTree>
@@ -2887,7 +4249,685 @@
 </p:notes>
 </file>
 
-<file path=ppt/notesSlides/notesSlide20.xml><?xml version="1.0" encoding="utf-8"?>
+<file path=ppt/notesSlides/notesSlide30.xml><?xml version="1.0" encoding="utf-8"?>
+<p:notes xmlns:a="http://schemas.openxmlformats.org/drawingml/2006/main" xmlns:r="http://schemas.openxmlformats.org/officeDocument/2006/relationships" xmlns:p="http://schemas.openxmlformats.org/presentationml/2006/main">
+  <p:cSld>
+    <p:spTree>
+      <p:nvGrpSpPr>
+        <p:cNvPr id="1" name=""/>
+        <p:cNvGrpSpPr/>
+        <p:nvPr/>
+      </p:nvGrpSpPr>
+      <p:grpSpPr>
+        <a:xfrm>
+          <a:off x="0" y="0"/>
+          <a:ext cx="0" cy="0"/>
+          <a:chOff x="0" y="0"/>
+          <a:chExt cx="0" cy="0"/>
+        </a:xfrm>
+      </p:grpSpPr>
+      <p:sp>
+        <p:nvSpPr>
+          <p:cNvPr id="43009" name="Slide Image Placeholder 1"/>
+          <p:cNvSpPr>
+            <a:spLocks noGrp="1" noRot="1" noChangeAspect="1"/>
+          </p:cNvSpPr>
+          <p:nvPr>
+            <p:ph type="sldImg"/>
+          </p:nvPr>
+        </p:nvSpPr>
+        <p:spPr bwMode="auto">
+          <a:noFill/>
+          <a:ln>
+            <a:solidFill>
+              <a:srgbClr val="000000"/>
+            </a:solidFill>
+            <a:miter lim="800000"/>
+            <a:headEnd/>
+            <a:tailEnd/>
+          </a:ln>
+          <a:extLst>
+            <a:ext uri="{909E8E84-426E-40dd-AFC4-6F175D3DCCD1}">
+              <a14:hiddenFill xmlns:a14="http://schemas.microsoft.com/office/drawing/2010/main" xmlns="">
+                <a:solidFill>
+                  <a:srgbClr val="FFFFFF"/>
+                </a:solidFill>
+              </a14:hiddenFill>
+            </a:ext>
+            <a:ext uri="{FAA26D3D-D897-4be2-8F04-BA451C77F1D7}">
+              <ma14:placeholderFlag xmlns:ma14="http://schemas.microsoft.com/office/mac/drawingml/2011/main" xmlns="" val="1"/>
+            </a:ext>
+          </a:extLst>
+        </p:spPr>
+      </p:sp>
+      <p:sp>
+        <p:nvSpPr>
+          <p:cNvPr id="43010" name="Notes Placeholder 2"/>
+          <p:cNvSpPr>
+            <a:spLocks noGrp="1"/>
+          </p:cNvSpPr>
+          <p:nvPr>
+            <p:ph type="body" idx="1"/>
+          </p:nvPr>
+        </p:nvSpPr>
+        <p:spPr bwMode="auto">
+          <a:noFill/>
+          <a:extLst>
+            <a:ext uri="{909E8E84-426E-40dd-AFC4-6F175D3DCCD1}">
+              <a14:hiddenFill xmlns:a14="http://schemas.microsoft.com/office/drawing/2010/main" xmlns="">
+                <a:solidFill>
+                  <a:srgbClr val="FFFFFF"/>
+                </a:solidFill>
+              </a14:hiddenFill>
+            </a:ext>
+            <a:ext uri="{91240B29-F687-4f45-9708-019B960494DF}">
+              <a14:hiddenLine xmlns:a14="http://schemas.microsoft.com/office/drawing/2010/main" xmlns="" w="9525">
+                <a:solidFill>
+                  <a:srgbClr val="000000"/>
+                </a:solidFill>
+                <a:miter lim="800000"/>
+                <a:headEnd/>
+                <a:tailEnd/>
+              </a14:hiddenLine>
+            </a:ext>
+          </a:extLst>
+        </p:spPr>
+        <p:txBody>
+          <a:bodyPr wrap="square" numCol="1" anchor="t" anchorCtr="0" compatLnSpc="1">
+            <a:prstTxWarp prst="textNoShape">
+              <a:avLst/>
+            </a:prstTxWarp>
+          </a:bodyPr>
+          <a:lstStyle/>
+          <a:p>
+            <a:pPr>
+              <a:spcBef>
+                <a:spcPct val="0"/>
+              </a:spcBef>
+            </a:pPr>
+            <a:r>
+              <a:rPr lang="en-US">
+                <a:latin typeface="BentonSans Book" charset="0"/>
+              </a:rPr>
+              <a:t>Title Only</a:t>
+            </a:r>
+          </a:p>
+        </p:txBody>
+      </p:sp>
+    </p:spTree>
+  </p:cSld>
+  <p:clrMapOvr>
+    <a:masterClrMapping/>
+  </p:clrMapOvr>
+</p:notes>
+</file>
+
+<file path=ppt/notesSlides/notesSlide31.xml><?xml version="1.0" encoding="utf-8"?>
+<p:notes xmlns:a="http://schemas.openxmlformats.org/drawingml/2006/main" xmlns:r="http://schemas.openxmlformats.org/officeDocument/2006/relationships" xmlns:p="http://schemas.openxmlformats.org/presentationml/2006/main">
+  <p:cSld>
+    <p:spTree>
+      <p:nvGrpSpPr>
+        <p:cNvPr id="1" name=""/>
+        <p:cNvGrpSpPr/>
+        <p:nvPr/>
+      </p:nvGrpSpPr>
+      <p:grpSpPr>
+        <a:xfrm>
+          <a:off x="0" y="0"/>
+          <a:ext cx="0" cy="0"/>
+          <a:chOff x="0" y="0"/>
+          <a:chExt cx="0" cy="0"/>
+        </a:xfrm>
+      </p:grpSpPr>
+      <p:sp>
+        <p:nvSpPr>
+          <p:cNvPr id="44033" name="Slide Image Placeholder 1"/>
+          <p:cNvSpPr>
+            <a:spLocks noGrp="1" noRot="1" noChangeAspect="1"/>
+          </p:cNvSpPr>
+          <p:nvPr>
+            <p:ph type="sldImg"/>
+          </p:nvPr>
+        </p:nvSpPr>
+        <p:spPr bwMode="auto">
+          <a:noFill/>
+          <a:ln>
+            <a:solidFill>
+              <a:srgbClr val="000000"/>
+            </a:solidFill>
+            <a:miter lim="800000"/>
+            <a:headEnd/>
+            <a:tailEnd/>
+          </a:ln>
+          <a:extLst>
+            <a:ext uri="{909E8E84-426E-40dd-AFC4-6F175D3DCCD1}">
+              <a14:hiddenFill xmlns:a14="http://schemas.microsoft.com/office/drawing/2010/main" xmlns="">
+                <a:solidFill>
+                  <a:srgbClr val="FFFFFF"/>
+                </a:solidFill>
+              </a14:hiddenFill>
+            </a:ext>
+            <a:ext uri="{FAA26D3D-D897-4be2-8F04-BA451C77F1D7}">
+              <ma14:placeholderFlag xmlns:ma14="http://schemas.microsoft.com/office/mac/drawingml/2011/main" xmlns="" val="1"/>
+            </a:ext>
+          </a:extLst>
+        </p:spPr>
+      </p:sp>
+      <p:sp>
+        <p:nvSpPr>
+          <p:cNvPr id="44034" name="Notes Placeholder 2"/>
+          <p:cNvSpPr>
+            <a:spLocks noGrp="1"/>
+          </p:cNvSpPr>
+          <p:nvPr>
+            <p:ph type="body" idx="1"/>
+          </p:nvPr>
+        </p:nvSpPr>
+        <p:spPr bwMode="auto">
+          <a:noFill/>
+          <a:extLst>
+            <a:ext uri="{909E8E84-426E-40dd-AFC4-6F175D3DCCD1}">
+              <a14:hiddenFill xmlns:a14="http://schemas.microsoft.com/office/drawing/2010/main" xmlns="">
+                <a:solidFill>
+                  <a:srgbClr val="FFFFFF"/>
+                </a:solidFill>
+              </a14:hiddenFill>
+            </a:ext>
+            <a:ext uri="{91240B29-F687-4f45-9708-019B960494DF}">
+              <a14:hiddenLine xmlns:a14="http://schemas.microsoft.com/office/drawing/2010/main" xmlns="" w="9525">
+                <a:solidFill>
+                  <a:srgbClr val="000000"/>
+                </a:solidFill>
+                <a:miter lim="800000"/>
+                <a:headEnd/>
+                <a:tailEnd/>
+              </a14:hiddenLine>
+            </a:ext>
+          </a:extLst>
+        </p:spPr>
+        <p:txBody>
+          <a:bodyPr wrap="square" numCol="1" anchor="t" anchorCtr="0" compatLnSpc="1">
+            <a:prstTxWarp prst="textNoShape">
+              <a:avLst/>
+            </a:prstTxWarp>
+          </a:bodyPr>
+          <a:lstStyle/>
+          <a:p>
+            <a:pPr>
+              <a:spcBef>
+                <a:spcPct val="0"/>
+              </a:spcBef>
+            </a:pPr>
+            <a:r>
+              <a:rPr lang="en-US">
+                <a:latin typeface="BentonSans Book" charset="0"/>
+              </a:rPr>
+              <a:t>Title &amp; Copy</a:t>
+            </a:r>
+          </a:p>
+        </p:txBody>
+      </p:sp>
+    </p:spTree>
+  </p:cSld>
+  <p:clrMapOvr>
+    <a:masterClrMapping/>
+  </p:clrMapOvr>
+</p:notes>
+</file>
+
+<file path=ppt/notesSlides/notesSlide32.xml><?xml version="1.0" encoding="utf-8"?>
+<p:notes xmlns:a="http://schemas.openxmlformats.org/drawingml/2006/main" xmlns:r="http://schemas.openxmlformats.org/officeDocument/2006/relationships" xmlns:p="http://schemas.openxmlformats.org/presentationml/2006/main">
+  <p:cSld>
+    <p:spTree>
+      <p:nvGrpSpPr>
+        <p:cNvPr id="1" name=""/>
+        <p:cNvGrpSpPr/>
+        <p:nvPr/>
+      </p:nvGrpSpPr>
+      <p:grpSpPr>
+        <a:xfrm>
+          <a:off x="0" y="0"/>
+          <a:ext cx="0" cy="0"/>
+          <a:chOff x="0" y="0"/>
+          <a:chExt cx="0" cy="0"/>
+        </a:xfrm>
+      </p:grpSpPr>
+      <p:sp>
+        <p:nvSpPr>
+          <p:cNvPr id="45057" name="Slide Image Placeholder 1"/>
+          <p:cNvSpPr>
+            <a:spLocks noGrp="1" noRot="1" noChangeAspect="1"/>
+          </p:cNvSpPr>
+          <p:nvPr>
+            <p:ph type="sldImg"/>
+          </p:nvPr>
+        </p:nvSpPr>
+        <p:spPr bwMode="auto">
+          <a:noFill/>
+          <a:ln>
+            <a:solidFill>
+              <a:srgbClr val="000000"/>
+            </a:solidFill>
+            <a:miter lim="800000"/>
+            <a:headEnd/>
+            <a:tailEnd/>
+          </a:ln>
+          <a:extLst>
+            <a:ext uri="{909E8E84-426E-40dd-AFC4-6F175D3DCCD1}">
+              <a14:hiddenFill xmlns:a14="http://schemas.microsoft.com/office/drawing/2010/main" xmlns="">
+                <a:solidFill>
+                  <a:srgbClr val="FFFFFF"/>
+                </a:solidFill>
+              </a14:hiddenFill>
+            </a:ext>
+            <a:ext uri="{FAA26D3D-D897-4be2-8F04-BA451C77F1D7}">
+              <ma14:placeholderFlag xmlns:ma14="http://schemas.microsoft.com/office/mac/drawingml/2011/main" xmlns="" val="1"/>
+            </a:ext>
+          </a:extLst>
+        </p:spPr>
+      </p:sp>
+      <p:sp>
+        <p:nvSpPr>
+          <p:cNvPr id="45058" name="Notes Placeholder 2"/>
+          <p:cNvSpPr>
+            <a:spLocks noGrp="1"/>
+          </p:cNvSpPr>
+          <p:nvPr>
+            <p:ph type="body" idx="1"/>
+          </p:nvPr>
+        </p:nvSpPr>
+        <p:spPr bwMode="auto">
+          <a:noFill/>
+          <a:extLst>
+            <a:ext uri="{909E8E84-426E-40dd-AFC4-6F175D3DCCD1}">
+              <a14:hiddenFill xmlns:a14="http://schemas.microsoft.com/office/drawing/2010/main" xmlns="">
+                <a:solidFill>
+                  <a:srgbClr val="FFFFFF"/>
+                </a:solidFill>
+              </a14:hiddenFill>
+            </a:ext>
+            <a:ext uri="{91240B29-F687-4f45-9708-019B960494DF}">
+              <a14:hiddenLine xmlns:a14="http://schemas.microsoft.com/office/drawing/2010/main" xmlns="" w="9525">
+                <a:solidFill>
+                  <a:srgbClr val="000000"/>
+                </a:solidFill>
+                <a:miter lim="800000"/>
+                <a:headEnd/>
+                <a:tailEnd/>
+              </a14:hiddenLine>
+            </a:ext>
+          </a:extLst>
+        </p:spPr>
+        <p:txBody>
+          <a:bodyPr wrap="square" numCol="1" anchor="t" anchorCtr="0" compatLnSpc="1">
+            <a:prstTxWarp prst="textNoShape">
+              <a:avLst/>
+            </a:prstTxWarp>
+          </a:bodyPr>
+          <a:lstStyle/>
+          <a:p>
+            <a:pPr>
+              <a:spcBef>
+                <a:spcPct val="0"/>
+              </a:spcBef>
+            </a:pPr>
+            <a:r>
+              <a:rPr lang="en-US">
+                <a:latin typeface="BentonSans Book" charset="0"/>
+              </a:rPr>
+              <a:t>Numbered List</a:t>
+            </a:r>
+          </a:p>
+        </p:txBody>
+      </p:sp>
+    </p:spTree>
+  </p:cSld>
+  <p:clrMapOvr>
+    <a:masterClrMapping/>
+  </p:clrMapOvr>
+</p:notes>
+</file>
+
+<file path=ppt/notesSlides/notesSlide33.xml><?xml version="1.0" encoding="utf-8"?>
+<p:notes xmlns:a="http://schemas.openxmlformats.org/drawingml/2006/main" xmlns:r="http://schemas.openxmlformats.org/officeDocument/2006/relationships" xmlns:p="http://schemas.openxmlformats.org/presentationml/2006/main">
+  <p:cSld>
+    <p:spTree>
+      <p:nvGrpSpPr>
+        <p:cNvPr id="1" name=""/>
+        <p:cNvGrpSpPr/>
+        <p:nvPr/>
+      </p:nvGrpSpPr>
+      <p:grpSpPr>
+        <a:xfrm>
+          <a:off x="0" y="0"/>
+          <a:ext cx="0" cy="0"/>
+          <a:chOff x="0" y="0"/>
+          <a:chExt cx="0" cy="0"/>
+        </a:xfrm>
+      </p:grpSpPr>
+      <p:sp>
+        <p:nvSpPr>
+          <p:cNvPr id="47105" name="Slide Image Placeholder 1"/>
+          <p:cNvSpPr>
+            <a:spLocks noGrp="1" noRot="1" noChangeAspect="1"/>
+          </p:cNvSpPr>
+          <p:nvPr>
+            <p:ph type="sldImg"/>
+          </p:nvPr>
+        </p:nvSpPr>
+        <p:spPr bwMode="auto">
+          <a:noFill/>
+          <a:ln>
+            <a:solidFill>
+              <a:srgbClr val="000000"/>
+            </a:solidFill>
+            <a:miter lim="800000"/>
+            <a:headEnd/>
+            <a:tailEnd/>
+          </a:ln>
+          <a:extLst>
+            <a:ext uri="{909E8E84-426E-40dd-AFC4-6F175D3DCCD1}">
+              <a14:hiddenFill xmlns:a14="http://schemas.microsoft.com/office/drawing/2010/main" xmlns="">
+                <a:solidFill>
+                  <a:srgbClr val="FFFFFF"/>
+                </a:solidFill>
+              </a14:hiddenFill>
+            </a:ext>
+            <a:ext uri="{FAA26D3D-D897-4be2-8F04-BA451C77F1D7}">
+              <ma14:placeholderFlag xmlns:ma14="http://schemas.microsoft.com/office/mac/drawingml/2011/main" xmlns="" val="1"/>
+            </a:ext>
+          </a:extLst>
+        </p:spPr>
+      </p:sp>
+      <p:sp>
+        <p:nvSpPr>
+          <p:cNvPr id="47106" name="Notes Placeholder 2"/>
+          <p:cNvSpPr>
+            <a:spLocks noGrp="1"/>
+          </p:cNvSpPr>
+          <p:nvPr>
+            <p:ph type="body" idx="1"/>
+          </p:nvPr>
+        </p:nvSpPr>
+        <p:spPr bwMode="auto">
+          <a:noFill/>
+          <a:extLst>
+            <a:ext uri="{909E8E84-426E-40dd-AFC4-6F175D3DCCD1}">
+              <a14:hiddenFill xmlns:a14="http://schemas.microsoft.com/office/drawing/2010/main" xmlns="">
+                <a:solidFill>
+                  <a:srgbClr val="FFFFFF"/>
+                </a:solidFill>
+              </a14:hiddenFill>
+            </a:ext>
+            <a:ext uri="{91240B29-F687-4f45-9708-019B960494DF}">
+              <a14:hiddenLine xmlns:a14="http://schemas.microsoft.com/office/drawing/2010/main" xmlns="" w="9525">
+                <a:solidFill>
+                  <a:srgbClr val="000000"/>
+                </a:solidFill>
+                <a:miter lim="800000"/>
+                <a:headEnd/>
+                <a:tailEnd/>
+              </a14:hiddenLine>
+            </a:ext>
+          </a:extLst>
+        </p:spPr>
+        <p:txBody>
+          <a:bodyPr wrap="square" numCol="1" anchor="t" anchorCtr="0" compatLnSpc="1">
+            <a:prstTxWarp prst="textNoShape">
+              <a:avLst/>
+            </a:prstTxWarp>
+          </a:bodyPr>
+          <a:lstStyle/>
+          <a:p>
+            <a:pPr>
+              <a:spcBef>
+                <a:spcPct val="0"/>
+              </a:spcBef>
+            </a:pPr>
+            <a:r>
+              <a:rPr lang="en-US">
+                <a:latin typeface="BentonSans Book" charset="0"/>
+              </a:rPr>
+              <a:t>Bulleted Copy – 2 Column</a:t>
+            </a:r>
+          </a:p>
+        </p:txBody>
+      </p:sp>
+    </p:spTree>
+  </p:cSld>
+  <p:clrMapOvr>
+    <a:masterClrMapping/>
+  </p:clrMapOvr>
+</p:notes>
+</file>
+
+<file path=ppt/notesSlides/notesSlide34.xml><?xml version="1.0" encoding="utf-8"?>
+<p:notes xmlns:a="http://schemas.openxmlformats.org/drawingml/2006/main" xmlns:r="http://schemas.openxmlformats.org/officeDocument/2006/relationships" xmlns:p="http://schemas.openxmlformats.org/presentationml/2006/main">
+  <p:cSld>
+    <p:spTree>
+      <p:nvGrpSpPr>
+        <p:cNvPr id="1" name=""/>
+        <p:cNvGrpSpPr/>
+        <p:nvPr/>
+      </p:nvGrpSpPr>
+      <p:grpSpPr>
+        <a:xfrm>
+          <a:off x="0" y="0"/>
+          <a:ext cx="0" cy="0"/>
+          <a:chOff x="0" y="0"/>
+          <a:chExt cx="0" cy="0"/>
+        </a:xfrm>
+      </p:grpSpPr>
+      <p:sp>
+        <p:nvSpPr>
+          <p:cNvPr id="48129" name="Slide Image Placeholder 1"/>
+          <p:cNvSpPr>
+            <a:spLocks noGrp="1" noRot="1" noChangeAspect="1"/>
+          </p:cNvSpPr>
+          <p:nvPr>
+            <p:ph type="sldImg"/>
+          </p:nvPr>
+        </p:nvSpPr>
+        <p:spPr bwMode="auto">
+          <a:noFill/>
+          <a:ln>
+            <a:solidFill>
+              <a:srgbClr val="000000"/>
+            </a:solidFill>
+            <a:miter lim="800000"/>
+            <a:headEnd/>
+            <a:tailEnd/>
+          </a:ln>
+          <a:extLst>
+            <a:ext uri="{909E8E84-426E-40dd-AFC4-6F175D3DCCD1}">
+              <a14:hiddenFill xmlns:a14="http://schemas.microsoft.com/office/drawing/2010/main" xmlns="">
+                <a:solidFill>
+                  <a:srgbClr val="FFFFFF"/>
+                </a:solidFill>
+              </a14:hiddenFill>
+            </a:ext>
+            <a:ext uri="{FAA26D3D-D897-4be2-8F04-BA451C77F1D7}">
+              <ma14:placeholderFlag xmlns:ma14="http://schemas.microsoft.com/office/mac/drawingml/2011/main" xmlns="" val="1"/>
+            </a:ext>
+          </a:extLst>
+        </p:spPr>
+      </p:sp>
+      <p:sp>
+        <p:nvSpPr>
+          <p:cNvPr id="48130" name="Notes Placeholder 2"/>
+          <p:cNvSpPr>
+            <a:spLocks noGrp="1"/>
+          </p:cNvSpPr>
+          <p:nvPr>
+            <p:ph type="body" idx="1"/>
+          </p:nvPr>
+        </p:nvSpPr>
+        <p:spPr bwMode="auto">
+          <a:noFill/>
+          <a:extLst>
+            <a:ext uri="{909E8E84-426E-40dd-AFC4-6F175D3DCCD1}">
+              <a14:hiddenFill xmlns:a14="http://schemas.microsoft.com/office/drawing/2010/main" xmlns="">
+                <a:solidFill>
+                  <a:srgbClr val="FFFFFF"/>
+                </a:solidFill>
+              </a14:hiddenFill>
+            </a:ext>
+            <a:ext uri="{91240B29-F687-4f45-9708-019B960494DF}">
+              <a14:hiddenLine xmlns:a14="http://schemas.microsoft.com/office/drawing/2010/main" xmlns="" w="9525">
+                <a:solidFill>
+                  <a:srgbClr val="000000"/>
+                </a:solidFill>
+                <a:miter lim="800000"/>
+                <a:headEnd/>
+                <a:tailEnd/>
+              </a14:hiddenLine>
+            </a:ext>
+          </a:extLst>
+        </p:spPr>
+        <p:txBody>
+          <a:bodyPr wrap="square" numCol="1" anchor="t" anchorCtr="0" compatLnSpc="1">
+            <a:prstTxWarp prst="textNoShape">
+              <a:avLst/>
+            </a:prstTxWarp>
+          </a:bodyPr>
+          <a:lstStyle/>
+          <a:p>
+            <a:pPr>
+              <a:spcBef>
+                <a:spcPct val="0"/>
+              </a:spcBef>
+            </a:pPr>
+            <a:r>
+              <a:rPr lang="en-US">
+                <a:latin typeface="BentonSans Book" charset="0"/>
+              </a:rPr>
+              <a:t>Quote</a:t>
+            </a:r>
+          </a:p>
+        </p:txBody>
+      </p:sp>
+    </p:spTree>
+  </p:cSld>
+  <p:clrMapOvr>
+    <a:masterClrMapping/>
+  </p:clrMapOvr>
+</p:notes>
+</file>
+
+<file path=ppt/notesSlides/notesSlide35.xml><?xml version="1.0" encoding="utf-8"?>
+<p:notes xmlns:a="http://schemas.openxmlformats.org/drawingml/2006/main" xmlns:r="http://schemas.openxmlformats.org/officeDocument/2006/relationships" xmlns:p="http://schemas.openxmlformats.org/presentationml/2006/main">
+  <p:cSld>
+    <p:spTree>
+      <p:nvGrpSpPr>
+        <p:cNvPr id="1" name=""/>
+        <p:cNvGrpSpPr/>
+        <p:nvPr/>
+      </p:nvGrpSpPr>
+      <p:grpSpPr>
+        <a:xfrm>
+          <a:off x="0" y="0"/>
+          <a:ext cx="0" cy="0"/>
+          <a:chOff x="0" y="0"/>
+          <a:chExt cx="0" cy="0"/>
+        </a:xfrm>
+      </p:grpSpPr>
+      <p:sp>
+        <p:nvSpPr>
+          <p:cNvPr id="49153" name="Slide Image Placeholder 1"/>
+          <p:cNvSpPr>
+            <a:spLocks noGrp="1" noRot="1" noChangeAspect="1"/>
+          </p:cNvSpPr>
+          <p:nvPr>
+            <p:ph type="sldImg"/>
+          </p:nvPr>
+        </p:nvSpPr>
+        <p:spPr bwMode="auto">
+          <a:noFill/>
+          <a:ln>
+            <a:solidFill>
+              <a:srgbClr val="000000"/>
+            </a:solidFill>
+            <a:miter lim="800000"/>
+            <a:headEnd/>
+            <a:tailEnd/>
+          </a:ln>
+          <a:extLst>
+            <a:ext uri="{909E8E84-426E-40dd-AFC4-6F175D3DCCD1}">
+              <a14:hiddenFill xmlns:a14="http://schemas.microsoft.com/office/drawing/2010/main" xmlns="">
+                <a:solidFill>
+                  <a:srgbClr val="FFFFFF"/>
+                </a:solidFill>
+              </a14:hiddenFill>
+            </a:ext>
+            <a:ext uri="{FAA26D3D-D897-4be2-8F04-BA451C77F1D7}">
+              <ma14:placeholderFlag xmlns:ma14="http://schemas.microsoft.com/office/mac/drawingml/2011/main" xmlns="" val="1"/>
+            </a:ext>
+          </a:extLst>
+        </p:spPr>
+      </p:sp>
+      <p:sp>
+        <p:nvSpPr>
+          <p:cNvPr id="49154" name="Notes Placeholder 2"/>
+          <p:cNvSpPr>
+            <a:spLocks noGrp="1"/>
+          </p:cNvSpPr>
+          <p:nvPr>
+            <p:ph type="body" idx="1"/>
+          </p:nvPr>
+        </p:nvSpPr>
+        <p:spPr bwMode="auto">
+          <a:noFill/>
+          <a:extLst>
+            <a:ext uri="{909E8E84-426E-40dd-AFC4-6F175D3DCCD1}">
+              <a14:hiddenFill xmlns:a14="http://schemas.microsoft.com/office/drawing/2010/main" xmlns="">
+                <a:solidFill>
+                  <a:srgbClr val="FFFFFF"/>
+                </a:solidFill>
+              </a14:hiddenFill>
+            </a:ext>
+            <a:ext uri="{91240B29-F687-4f45-9708-019B960494DF}">
+              <a14:hiddenLine xmlns:a14="http://schemas.microsoft.com/office/drawing/2010/main" xmlns="" w="9525">
+                <a:solidFill>
+                  <a:srgbClr val="000000"/>
+                </a:solidFill>
+                <a:miter lim="800000"/>
+                <a:headEnd/>
+                <a:tailEnd/>
+              </a14:hiddenLine>
+            </a:ext>
+          </a:extLst>
+        </p:spPr>
+        <p:txBody>
+          <a:bodyPr wrap="square" numCol="1" anchor="t" anchorCtr="0" compatLnSpc="1">
+            <a:prstTxWarp prst="textNoShape">
+              <a:avLst/>
+            </a:prstTxWarp>
+          </a:bodyPr>
+          <a:lstStyle/>
+          <a:p>
+            <a:pPr>
+              <a:spcBef>
+                <a:spcPct val="0"/>
+              </a:spcBef>
+            </a:pPr>
+            <a:r>
+              <a:rPr lang="en-US">
+                <a:latin typeface="BentonSans Book" charset="0"/>
+              </a:rPr>
+              <a:t>Image &amp; Copy</a:t>
+            </a:r>
+          </a:p>
+        </p:txBody>
+      </p:sp>
+    </p:spTree>
+  </p:cSld>
+  <p:clrMapOvr>
+    <a:masterClrMapping/>
+  </p:clrMapOvr>
+</p:notes>
+</file>
+
+<file path=ppt/notesSlides/notesSlide36.xml><?xml version="1.0" encoding="utf-8"?>
 <p:notes xmlns:a="http://schemas.openxmlformats.org/drawingml/2006/main" xmlns:r="http://schemas.openxmlformats.org/officeDocument/2006/relationships" xmlns:p="http://schemas.openxmlformats.org/presentationml/2006/main">
   <p:cSld>
     <p:spTree>
@@ -2984,935 +5024,6 @@
               </a:spcBef>
             </a:pPr>
             <a:r>
-              <a:rPr lang="en-US" dirty="0">
-                <a:hlinkClick r:id="rId3"/>
-              </a:rPr>
-              <a:t>https://www.meta-synthesis.com/webbook/35_pt/pt_database.php?Button=pre-1900+Formulations</a:t>
-            </a:r>
-            <a:endParaRPr lang="en-US" dirty="0">
-              <a:latin typeface="BentonSans Book" charset="0"/>
-            </a:endParaRPr>
-          </a:p>
-        </p:txBody>
-      </p:sp>
-    </p:spTree>
-    <p:extLst>
-      <p:ext uri="{BB962C8B-B14F-4D97-AF65-F5344CB8AC3E}">
-        <p14:creationId xmlns:p14="http://schemas.microsoft.com/office/powerpoint/2010/main" val="69022353"/>
-      </p:ext>
-    </p:extLst>
-  </p:cSld>
-  <p:clrMapOvr>
-    <a:masterClrMapping/>
-  </p:clrMapOvr>
-</p:notes>
-</file>
-
-<file path=ppt/notesSlides/notesSlide21.xml><?xml version="1.0" encoding="utf-8"?>
-<p:notes xmlns:a="http://schemas.openxmlformats.org/drawingml/2006/main" xmlns:r="http://schemas.openxmlformats.org/officeDocument/2006/relationships" xmlns:p="http://schemas.openxmlformats.org/presentationml/2006/main">
-  <p:cSld>
-    <p:spTree>
-      <p:nvGrpSpPr>
-        <p:cNvPr id="1" name=""/>
-        <p:cNvGrpSpPr/>
-        <p:nvPr/>
-      </p:nvGrpSpPr>
-      <p:grpSpPr>
-        <a:xfrm>
-          <a:off x="0" y="0"/>
-          <a:ext cx="0" cy="0"/>
-          <a:chOff x="0" y="0"/>
-          <a:chExt cx="0" cy="0"/>
-        </a:xfrm>
-      </p:grpSpPr>
-      <p:sp>
-        <p:nvSpPr>
-          <p:cNvPr id="51201" name="Slide Image Placeholder 1"/>
-          <p:cNvSpPr>
-            <a:spLocks noGrp="1" noRot="1" noChangeAspect="1"/>
-          </p:cNvSpPr>
-          <p:nvPr>
-            <p:ph type="sldImg"/>
-          </p:nvPr>
-        </p:nvSpPr>
-        <p:spPr bwMode="auto">
-          <a:noFill/>
-          <a:ln>
-            <a:solidFill>
-              <a:srgbClr val="000000"/>
-            </a:solidFill>
-            <a:miter lim="800000"/>
-            <a:headEnd/>
-            <a:tailEnd/>
-          </a:ln>
-          <a:extLst>
-            <a:ext uri="{909E8E84-426E-40dd-AFC4-6F175D3DCCD1}">
-              <a14:hiddenFill xmlns:a14="http://schemas.microsoft.com/office/drawing/2010/main" xmlns="">
-                <a:solidFill>
-                  <a:srgbClr val="FFFFFF"/>
-                </a:solidFill>
-              </a14:hiddenFill>
-            </a:ext>
-            <a:ext uri="{FAA26D3D-D897-4be2-8F04-BA451C77F1D7}">
-              <ma14:placeholderFlag xmlns:ma14="http://schemas.microsoft.com/office/mac/drawingml/2011/main" xmlns="" val="1"/>
-            </a:ext>
-          </a:extLst>
-        </p:spPr>
-      </p:sp>
-      <p:sp>
-        <p:nvSpPr>
-          <p:cNvPr id="51202" name="Notes Placeholder 2"/>
-          <p:cNvSpPr>
-            <a:spLocks noGrp="1"/>
-          </p:cNvSpPr>
-          <p:nvPr>
-            <p:ph type="body" idx="1"/>
-          </p:nvPr>
-        </p:nvSpPr>
-        <p:spPr bwMode="auto">
-          <a:noFill/>
-          <a:extLst>
-            <a:ext uri="{909E8E84-426E-40dd-AFC4-6F175D3DCCD1}">
-              <a14:hiddenFill xmlns:a14="http://schemas.microsoft.com/office/drawing/2010/main" xmlns="">
-                <a:solidFill>
-                  <a:srgbClr val="FFFFFF"/>
-                </a:solidFill>
-              </a14:hiddenFill>
-            </a:ext>
-            <a:ext uri="{91240B29-F687-4f45-9708-019B960494DF}">
-              <a14:hiddenLine xmlns:a14="http://schemas.microsoft.com/office/drawing/2010/main" xmlns="" w="9525">
-                <a:solidFill>
-                  <a:srgbClr val="000000"/>
-                </a:solidFill>
-                <a:miter lim="800000"/>
-                <a:headEnd/>
-                <a:tailEnd/>
-              </a14:hiddenLine>
-            </a:ext>
-          </a:extLst>
-        </p:spPr>
-        <p:txBody>
-          <a:bodyPr wrap="square" numCol="1" anchor="t" anchorCtr="0" compatLnSpc="1">
-            <a:prstTxWarp prst="textNoShape">
-              <a:avLst/>
-            </a:prstTxWarp>
-          </a:bodyPr>
-          <a:lstStyle/>
-          <a:p>
-            <a:pPr>
-              <a:spcBef>
-                <a:spcPct val="0"/>
-              </a:spcBef>
-            </a:pPr>
-            <a:r>
-              <a:rPr lang="en-US" dirty="0">
-                <a:hlinkClick r:id="rId3"/>
-              </a:rPr>
-              <a:t>https://saylordotorg.github.io/text_introductory-chemistry/s12-04-electronic-structure-and-the-p.html</a:t>
-            </a:r>
-            <a:endParaRPr lang="en-US" dirty="0">
-              <a:latin typeface="BentonSans Book" charset="0"/>
-            </a:endParaRPr>
-          </a:p>
-        </p:txBody>
-      </p:sp>
-    </p:spTree>
-    <p:extLst>
-      <p:ext uri="{BB962C8B-B14F-4D97-AF65-F5344CB8AC3E}">
-        <p14:creationId xmlns:p14="http://schemas.microsoft.com/office/powerpoint/2010/main" val="2926795780"/>
-      </p:ext>
-    </p:extLst>
-  </p:cSld>
-  <p:clrMapOvr>
-    <a:masterClrMapping/>
-  </p:clrMapOvr>
-</p:notes>
-</file>
-
-<file path=ppt/notesSlides/notesSlide22.xml><?xml version="1.0" encoding="utf-8"?>
-<p:notes xmlns:a="http://schemas.openxmlformats.org/drawingml/2006/main" xmlns:r="http://schemas.openxmlformats.org/officeDocument/2006/relationships" xmlns:p="http://schemas.openxmlformats.org/presentationml/2006/main">
-  <p:cSld>
-    <p:spTree>
-      <p:nvGrpSpPr>
-        <p:cNvPr id="1" name=""/>
-        <p:cNvGrpSpPr/>
-        <p:nvPr/>
-      </p:nvGrpSpPr>
-      <p:grpSpPr>
-        <a:xfrm>
-          <a:off x="0" y="0"/>
-          <a:ext cx="0" cy="0"/>
-          <a:chOff x="0" y="0"/>
-          <a:chExt cx="0" cy="0"/>
-        </a:xfrm>
-      </p:grpSpPr>
-      <p:sp>
-        <p:nvSpPr>
-          <p:cNvPr id="46081" name="Slide Image Placeholder 1"/>
-          <p:cNvSpPr>
-            <a:spLocks noGrp="1" noRot="1" noChangeAspect="1"/>
-          </p:cNvSpPr>
-          <p:nvPr>
-            <p:ph type="sldImg"/>
-          </p:nvPr>
-        </p:nvSpPr>
-        <p:spPr bwMode="auto">
-          <a:noFill/>
-          <a:ln>
-            <a:solidFill>
-              <a:srgbClr val="000000"/>
-            </a:solidFill>
-            <a:miter lim="800000"/>
-            <a:headEnd/>
-            <a:tailEnd/>
-          </a:ln>
-          <a:extLst>
-            <a:ext uri="{909E8E84-426E-40dd-AFC4-6F175D3DCCD1}">
-              <a14:hiddenFill xmlns:a14="http://schemas.microsoft.com/office/drawing/2010/main" xmlns="">
-                <a:solidFill>
-                  <a:srgbClr val="FFFFFF"/>
-                </a:solidFill>
-              </a14:hiddenFill>
-            </a:ext>
-            <a:ext uri="{FAA26D3D-D897-4be2-8F04-BA451C77F1D7}">
-              <ma14:placeholderFlag xmlns:ma14="http://schemas.microsoft.com/office/mac/drawingml/2011/main" xmlns="" val="1"/>
-            </a:ext>
-          </a:extLst>
-        </p:spPr>
-      </p:sp>
-      <p:sp>
-        <p:nvSpPr>
-          <p:cNvPr id="46082" name="Notes Placeholder 2"/>
-          <p:cNvSpPr>
-            <a:spLocks noGrp="1"/>
-          </p:cNvSpPr>
-          <p:nvPr>
-            <p:ph type="body" idx="1"/>
-          </p:nvPr>
-        </p:nvSpPr>
-        <p:spPr bwMode="auto">
-          <a:noFill/>
-          <a:extLst>
-            <a:ext uri="{909E8E84-426E-40dd-AFC4-6F175D3DCCD1}">
-              <a14:hiddenFill xmlns:a14="http://schemas.microsoft.com/office/drawing/2010/main" xmlns="">
-                <a:solidFill>
-                  <a:srgbClr val="FFFFFF"/>
-                </a:solidFill>
-              </a14:hiddenFill>
-            </a:ext>
-            <a:ext uri="{91240B29-F687-4f45-9708-019B960494DF}">
-              <a14:hiddenLine xmlns:a14="http://schemas.microsoft.com/office/drawing/2010/main" xmlns="" w="9525">
-                <a:solidFill>
-                  <a:srgbClr val="000000"/>
-                </a:solidFill>
-                <a:miter lim="800000"/>
-                <a:headEnd/>
-                <a:tailEnd/>
-              </a14:hiddenLine>
-            </a:ext>
-          </a:extLst>
-        </p:spPr>
-        <p:txBody>
-          <a:bodyPr wrap="square" numCol="1" anchor="t" anchorCtr="0" compatLnSpc="1">
-            <a:prstTxWarp prst="textNoShape">
-              <a:avLst/>
-            </a:prstTxWarp>
-          </a:bodyPr>
-          <a:lstStyle/>
-          <a:p>
-            <a:endParaRPr lang="en-US" b="0" dirty="0">
-              <a:effectLst/>
-            </a:endParaRPr>
-          </a:p>
-          <a:p>
-            <a:pPr lvl="2" rtl="0" fontAlgn="base"/>
-            <a:r>
-              <a:rPr lang="en-US" sz="1800" b="0" i="0" u="none" strike="noStrike" kern="1200" dirty="0">
-                <a:solidFill>
-                  <a:schemeClr val="tx1"/>
-                </a:solidFill>
-                <a:effectLst/>
-                <a:latin typeface="BentonSans Book"/>
-                <a:ea typeface="ＭＳ Ｐゴシック" charset="0"/>
-                <a:cs typeface="+mn-cs"/>
-              </a:rPr>
-              <a:t>Steven Levitt, author of Freakonomics</a:t>
-            </a:r>
-          </a:p>
-          <a:p>
-            <a:pPr lvl="3" rtl="0" fontAlgn="base"/>
-            <a:r>
-              <a:rPr lang="en-US" sz="1800" b="0" i="0" u="none" strike="noStrike" kern="1200" dirty="0">
-                <a:solidFill>
-                  <a:schemeClr val="tx1"/>
-                </a:solidFill>
-                <a:effectLst/>
-                <a:latin typeface="BentonSans Book"/>
-                <a:ea typeface="ＭＳ Ｐゴシック" charset="0"/>
-                <a:cs typeface="+mn-cs"/>
-              </a:rPr>
-              <a:t>This shows test answers for students in different classrooms</a:t>
-            </a:r>
-          </a:p>
-          <a:p>
-            <a:pPr lvl="3" rtl="0" fontAlgn="base"/>
-            <a:r>
-              <a:rPr lang="en-US" sz="1800" b="0" i="0" u="none" strike="noStrike" kern="1200" dirty="0">
-                <a:solidFill>
-                  <a:schemeClr val="tx1"/>
-                </a:solidFill>
-                <a:effectLst/>
-                <a:latin typeface="BentonSans Book"/>
-                <a:ea typeface="ＭＳ Ｐゴシック" charset="0"/>
-                <a:cs typeface="+mn-cs"/>
-              </a:rPr>
-              <a:t>A letter indicates a correct answer and a number indicates an incorrect answer</a:t>
-            </a:r>
-          </a:p>
-          <a:p>
-            <a:pPr lvl="3" rtl="0" fontAlgn="base"/>
-            <a:r>
-              <a:rPr lang="en-US" sz="1800" b="0" i="0" u="none" strike="noStrike" kern="1200" dirty="0">
-                <a:solidFill>
-                  <a:schemeClr val="tx1"/>
-                </a:solidFill>
-                <a:effectLst/>
-                <a:latin typeface="BentonSans Book"/>
-                <a:ea typeface="ＭＳ Ｐゴシック" charset="0"/>
-                <a:cs typeface="+mn-cs"/>
-              </a:rPr>
-              <a:t>This data is trying to tell us that over 200 teachers in the Chicago public school system are cheating</a:t>
-            </a:r>
-          </a:p>
-          <a:p>
-            <a:pPr lvl="3" rtl="0" fontAlgn="base"/>
-            <a:r>
-              <a:rPr lang="en-US" sz="1800" b="0" i="0" u="none" strike="noStrike" kern="1200" dirty="0">
-                <a:solidFill>
-                  <a:schemeClr val="tx1"/>
-                </a:solidFill>
-                <a:effectLst/>
-                <a:latin typeface="BentonSans Book"/>
-                <a:ea typeface="ＭＳ Ｐゴシック" charset="0"/>
-                <a:cs typeface="+mn-cs"/>
-              </a:rPr>
-              <a:t>They’re changing the answers that students are filling out on tests to make themselves look better</a:t>
-            </a:r>
-          </a:p>
-          <a:p>
-            <a:pPr lvl="3" rtl="0" fontAlgn="base"/>
-            <a:r>
-              <a:rPr lang="en-US" sz="1800" b="0" i="0" u="none" strike="noStrike" kern="1200" dirty="0">
-                <a:solidFill>
-                  <a:schemeClr val="tx1"/>
-                </a:solidFill>
-                <a:effectLst/>
-                <a:latin typeface="BentonSans Book"/>
-                <a:ea typeface="ＭＳ Ｐゴシック" charset="0"/>
-                <a:cs typeface="+mn-cs"/>
-              </a:rPr>
-              <a:t>You’ll see it if you just look at it the right way</a:t>
-            </a:r>
-          </a:p>
-          <a:p>
-            <a:pPr lvl="3" rtl="0" fontAlgn="base"/>
-            <a:r>
-              <a:rPr lang="en-US" sz="1800" b="0" i="0" u="none" strike="noStrike" kern="1200" dirty="0">
-                <a:solidFill>
-                  <a:schemeClr val="tx1"/>
-                </a:solidFill>
-                <a:effectLst/>
-                <a:latin typeface="BentonSans Book"/>
-                <a:ea typeface="ＭＳ Ｐゴシック" charset="0"/>
-                <a:cs typeface="+mn-cs"/>
-              </a:rPr>
-              <a:t>The Chicago Public Schools teaches more than 400,00 students a year. In 1996 The Chicago Public School system adopted “high-stakes” testing. This enacted minimum scores required on a number of tests in the 3rd, 6th and 8th grade. What was unique here was that it held the school accountable for these scores. For example, a school could be shut down entirely if it didn’t meet minimum reading scores or staff members could have a raise withheld, a promotion cancelled or even be dismissed if they did not meet certain thresholds. </a:t>
-            </a:r>
-          </a:p>
-          <a:p>
-            <a:pPr lvl="3" rtl="0" fontAlgn="base"/>
-            <a:r>
-              <a:rPr lang="en-US" sz="1800" b="0" i="0" u="none" strike="noStrike" kern="1200" dirty="0">
-                <a:solidFill>
-                  <a:schemeClr val="tx1"/>
-                </a:solidFill>
-                <a:effectLst/>
-                <a:latin typeface="BentonSans Book"/>
-                <a:ea typeface="ＭＳ Ｐゴシック" charset="0"/>
-                <a:cs typeface="+mn-cs"/>
-              </a:rPr>
-              <a:t>Chicago Public Schools made available a database of the test answers for every CPS student from third grade through seventh grade from 1993 to 2000. This amounts to roughly 30,000 students per grade per year, more than 700,000 sets of test answers, and nearly 100 million individual answers. The data, organized by classroom, included each student’s question-by-question answer strings for reading and math tests</a:t>
-            </a:r>
-          </a:p>
-        </p:txBody>
-      </p:sp>
-    </p:spTree>
-    <p:extLst>
-      <p:ext uri="{BB962C8B-B14F-4D97-AF65-F5344CB8AC3E}">
-        <p14:creationId xmlns:p14="http://schemas.microsoft.com/office/powerpoint/2010/main" val="820239968"/>
-      </p:ext>
-    </p:extLst>
-  </p:cSld>
-  <p:clrMapOvr>
-    <a:masterClrMapping/>
-  </p:clrMapOvr>
-</p:notes>
-</file>
-
-<file path=ppt/notesSlides/notesSlide23.xml><?xml version="1.0" encoding="utf-8"?>
-<p:notes xmlns:a="http://schemas.openxmlformats.org/drawingml/2006/main" xmlns:r="http://schemas.openxmlformats.org/officeDocument/2006/relationships" xmlns:p="http://schemas.openxmlformats.org/presentationml/2006/main">
-  <p:cSld>
-    <p:spTree>
-      <p:nvGrpSpPr>
-        <p:cNvPr id="1" name=""/>
-        <p:cNvGrpSpPr/>
-        <p:nvPr/>
-      </p:nvGrpSpPr>
-      <p:grpSpPr>
-        <a:xfrm>
-          <a:off x="0" y="0"/>
-          <a:ext cx="0" cy="0"/>
-          <a:chOff x="0" y="0"/>
-          <a:chExt cx="0" cy="0"/>
-        </a:xfrm>
-      </p:grpSpPr>
-      <p:sp>
-        <p:nvSpPr>
-          <p:cNvPr id="49153" name="Slide Image Placeholder 1"/>
-          <p:cNvSpPr>
-            <a:spLocks noGrp="1" noRot="1" noChangeAspect="1"/>
-          </p:cNvSpPr>
-          <p:nvPr>
-            <p:ph type="sldImg"/>
-          </p:nvPr>
-        </p:nvSpPr>
-        <p:spPr bwMode="auto">
-          <a:noFill/>
-          <a:ln>
-            <a:solidFill>
-              <a:srgbClr val="000000"/>
-            </a:solidFill>
-            <a:miter lim="800000"/>
-            <a:headEnd/>
-            <a:tailEnd/>
-          </a:ln>
-          <a:extLst>
-            <a:ext uri="{909E8E84-426E-40dd-AFC4-6F175D3DCCD1}">
-              <a14:hiddenFill xmlns:a14="http://schemas.microsoft.com/office/drawing/2010/main" xmlns="">
-                <a:solidFill>
-                  <a:srgbClr val="FFFFFF"/>
-                </a:solidFill>
-              </a14:hiddenFill>
-            </a:ext>
-            <a:ext uri="{FAA26D3D-D897-4be2-8F04-BA451C77F1D7}">
-              <ma14:placeholderFlag xmlns:ma14="http://schemas.microsoft.com/office/mac/drawingml/2011/main" xmlns="" val="1"/>
-            </a:ext>
-          </a:extLst>
-        </p:spPr>
-      </p:sp>
-      <p:sp>
-        <p:nvSpPr>
-          <p:cNvPr id="49154" name="Notes Placeholder 2"/>
-          <p:cNvSpPr>
-            <a:spLocks noGrp="1"/>
-          </p:cNvSpPr>
-          <p:nvPr>
-            <p:ph type="body" idx="1"/>
-          </p:nvPr>
-        </p:nvSpPr>
-        <p:spPr bwMode="auto">
-          <a:noFill/>
-          <a:extLst>
-            <a:ext uri="{909E8E84-426E-40dd-AFC4-6F175D3DCCD1}">
-              <a14:hiddenFill xmlns:a14="http://schemas.microsoft.com/office/drawing/2010/main" xmlns="">
-                <a:solidFill>
-                  <a:srgbClr val="FFFFFF"/>
-                </a:solidFill>
-              </a14:hiddenFill>
-            </a:ext>
-            <a:ext uri="{91240B29-F687-4f45-9708-019B960494DF}">
-              <a14:hiddenLine xmlns:a14="http://schemas.microsoft.com/office/drawing/2010/main" xmlns="" w="9525">
-                <a:solidFill>
-                  <a:srgbClr val="000000"/>
-                </a:solidFill>
-                <a:miter lim="800000"/>
-                <a:headEnd/>
-                <a:tailEnd/>
-              </a14:hiddenLine>
-            </a:ext>
-          </a:extLst>
-        </p:spPr>
-        <p:txBody>
-          <a:bodyPr wrap="square" numCol="1" anchor="t" anchorCtr="0" compatLnSpc="1">
-            <a:prstTxWarp prst="textNoShape">
-              <a:avLst/>
-            </a:prstTxWarp>
-          </a:bodyPr>
-          <a:lstStyle/>
-          <a:p>
-            <a:pPr>
-              <a:spcBef>
-                <a:spcPct val="0"/>
-              </a:spcBef>
-            </a:pPr>
-            <a:r>
-              <a:rPr lang="en-US" dirty="0">
-                <a:latin typeface="BentonSans Book" charset="0"/>
-              </a:rPr>
-              <a:t>Image &amp; Copy</a:t>
-            </a:r>
-          </a:p>
-        </p:txBody>
-      </p:sp>
-    </p:spTree>
-    <p:extLst>
-      <p:ext uri="{BB962C8B-B14F-4D97-AF65-F5344CB8AC3E}">
-        <p14:creationId xmlns:p14="http://schemas.microsoft.com/office/powerpoint/2010/main" val="4277145548"/>
-      </p:ext>
-    </p:extLst>
-  </p:cSld>
-  <p:clrMapOvr>
-    <a:masterClrMapping/>
-  </p:clrMapOvr>
-</p:notes>
-</file>
-
-<file path=ppt/notesSlides/notesSlide24.xml><?xml version="1.0" encoding="utf-8"?>
-<p:notes xmlns:a="http://schemas.openxmlformats.org/drawingml/2006/main" xmlns:r="http://schemas.openxmlformats.org/officeDocument/2006/relationships" xmlns:p="http://schemas.openxmlformats.org/presentationml/2006/main">
-  <p:cSld>
-    <p:spTree>
-      <p:nvGrpSpPr>
-        <p:cNvPr id="1" name=""/>
-        <p:cNvGrpSpPr/>
-        <p:nvPr/>
-      </p:nvGrpSpPr>
-      <p:grpSpPr>
-        <a:xfrm>
-          <a:off x="0" y="0"/>
-          <a:ext cx="0" cy="0"/>
-          <a:chOff x="0" y="0"/>
-          <a:chExt cx="0" cy="0"/>
-        </a:xfrm>
-      </p:grpSpPr>
-      <p:sp>
-        <p:nvSpPr>
-          <p:cNvPr id="47105" name="Slide Image Placeholder 1"/>
-          <p:cNvSpPr>
-            <a:spLocks noGrp="1" noRot="1" noChangeAspect="1"/>
-          </p:cNvSpPr>
-          <p:nvPr>
-            <p:ph type="sldImg"/>
-          </p:nvPr>
-        </p:nvSpPr>
-        <p:spPr bwMode="auto">
-          <a:noFill/>
-          <a:ln>
-            <a:solidFill>
-              <a:srgbClr val="000000"/>
-            </a:solidFill>
-            <a:miter lim="800000"/>
-            <a:headEnd/>
-            <a:tailEnd/>
-          </a:ln>
-          <a:extLst>
-            <a:ext uri="{909E8E84-426E-40dd-AFC4-6F175D3DCCD1}">
-              <a14:hiddenFill xmlns:a14="http://schemas.microsoft.com/office/drawing/2010/main" xmlns="">
-                <a:solidFill>
-                  <a:srgbClr val="FFFFFF"/>
-                </a:solidFill>
-              </a14:hiddenFill>
-            </a:ext>
-            <a:ext uri="{FAA26D3D-D897-4be2-8F04-BA451C77F1D7}">
-              <ma14:placeholderFlag xmlns:ma14="http://schemas.microsoft.com/office/mac/drawingml/2011/main" xmlns="" val="1"/>
-            </a:ext>
-          </a:extLst>
-        </p:spPr>
-      </p:sp>
-      <p:sp>
-        <p:nvSpPr>
-          <p:cNvPr id="47106" name="Notes Placeholder 2"/>
-          <p:cNvSpPr>
-            <a:spLocks noGrp="1"/>
-          </p:cNvSpPr>
-          <p:nvPr>
-            <p:ph type="body" idx="1"/>
-          </p:nvPr>
-        </p:nvSpPr>
-        <p:spPr bwMode="auto">
-          <a:noFill/>
-          <a:extLst>
-            <a:ext uri="{909E8E84-426E-40dd-AFC4-6F175D3DCCD1}">
-              <a14:hiddenFill xmlns:a14="http://schemas.microsoft.com/office/drawing/2010/main" xmlns="">
-                <a:solidFill>
-                  <a:srgbClr val="FFFFFF"/>
-                </a:solidFill>
-              </a14:hiddenFill>
-            </a:ext>
-            <a:ext uri="{91240B29-F687-4f45-9708-019B960494DF}">
-              <a14:hiddenLine xmlns:a14="http://schemas.microsoft.com/office/drawing/2010/main" xmlns="" w="9525">
-                <a:solidFill>
-                  <a:srgbClr val="000000"/>
-                </a:solidFill>
-                <a:miter lim="800000"/>
-                <a:headEnd/>
-                <a:tailEnd/>
-              </a14:hiddenLine>
-            </a:ext>
-          </a:extLst>
-        </p:spPr>
-        <p:txBody>
-          <a:bodyPr wrap="square" numCol="1" anchor="t" anchorCtr="0" compatLnSpc="1">
-            <a:prstTxWarp prst="textNoShape">
-              <a:avLst/>
-            </a:prstTxWarp>
-          </a:bodyPr>
-          <a:lstStyle/>
-          <a:p>
-            <a:pPr>
-              <a:spcBef>
-                <a:spcPct val="0"/>
-              </a:spcBef>
-            </a:pPr>
-            <a:r>
-              <a:rPr lang="en-US">
-                <a:latin typeface="BentonSans Book" charset="0"/>
-              </a:rPr>
-              <a:t>Bulleted Copy – 2 Column</a:t>
-            </a:r>
-          </a:p>
-        </p:txBody>
-      </p:sp>
-    </p:spTree>
-  </p:cSld>
-  <p:clrMapOvr>
-    <a:masterClrMapping/>
-  </p:clrMapOvr>
-</p:notes>
-</file>
-
-<file path=ppt/notesSlides/notesSlide25.xml><?xml version="1.0" encoding="utf-8"?>
-<p:notes xmlns:a="http://schemas.openxmlformats.org/drawingml/2006/main" xmlns:r="http://schemas.openxmlformats.org/officeDocument/2006/relationships" xmlns:p="http://schemas.openxmlformats.org/presentationml/2006/main">
-  <p:cSld>
-    <p:spTree>
-      <p:nvGrpSpPr>
-        <p:cNvPr id="1" name=""/>
-        <p:cNvGrpSpPr/>
-        <p:nvPr/>
-      </p:nvGrpSpPr>
-      <p:grpSpPr>
-        <a:xfrm>
-          <a:off x="0" y="0"/>
-          <a:ext cx="0" cy="0"/>
-          <a:chOff x="0" y="0"/>
-          <a:chExt cx="0" cy="0"/>
-        </a:xfrm>
-      </p:grpSpPr>
-      <p:sp>
-        <p:nvSpPr>
-          <p:cNvPr id="48129" name="Slide Image Placeholder 1"/>
-          <p:cNvSpPr>
-            <a:spLocks noGrp="1" noRot="1" noChangeAspect="1"/>
-          </p:cNvSpPr>
-          <p:nvPr>
-            <p:ph type="sldImg"/>
-          </p:nvPr>
-        </p:nvSpPr>
-        <p:spPr bwMode="auto">
-          <a:noFill/>
-          <a:ln>
-            <a:solidFill>
-              <a:srgbClr val="000000"/>
-            </a:solidFill>
-            <a:miter lim="800000"/>
-            <a:headEnd/>
-            <a:tailEnd/>
-          </a:ln>
-          <a:extLst>
-            <a:ext uri="{909E8E84-426E-40dd-AFC4-6F175D3DCCD1}">
-              <a14:hiddenFill xmlns:a14="http://schemas.microsoft.com/office/drawing/2010/main" xmlns="">
-                <a:solidFill>
-                  <a:srgbClr val="FFFFFF"/>
-                </a:solidFill>
-              </a14:hiddenFill>
-            </a:ext>
-            <a:ext uri="{FAA26D3D-D897-4be2-8F04-BA451C77F1D7}">
-              <ma14:placeholderFlag xmlns:ma14="http://schemas.microsoft.com/office/mac/drawingml/2011/main" xmlns="" val="1"/>
-            </a:ext>
-          </a:extLst>
-        </p:spPr>
-      </p:sp>
-      <p:sp>
-        <p:nvSpPr>
-          <p:cNvPr id="48130" name="Notes Placeholder 2"/>
-          <p:cNvSpPr>
-            <a:spLocks noGrp="1"/>
-          </p:cNvSpPr>
-          <p:nvPr>
-            <p:ph type="body" idx="1"/>
-          </p:nvPr>
-        </p:nvSpPr>
-        <p:spPr bwMode="auto">
-          <a:noFill/>
-          <a:extLst>
-            <a:ext uri="{909E8E84-426E-40dd-AFC4-6F175D3DCCD1}">
-              <a14:hiddenFill xmlns:a14="http://schemas.microsoft.com/office/drawing/2010/main" xmlns="">
-                <a:solidFill>
-                  <a:srgbClr val="FFFFFF"/>
-                </a:solidFill>
-              </a14:hiddenFill>
-            </a:ext>
-            <a:ext uri="{91240B29-F687-4f45-9708-019B960494DF}">
-              <a14:hiddenLine xmlns:a14="http://schemas.microsoft.com/office/drawing/2010/main" xmlns="" w="9525">
-                <a:solidFill>
-                  <a:srgbClr val="000000"/>
-                </a:solidFill>
-                <a:miter lim="800000"/>
-                <a:headEnd/>
-                <a:tailEnd/>
-              </a14:hiddenLine>
-            </a:ext>
-          </a:extLst>
-        </p:spPr>
-        <p:txBody>
-          <a:bodyPr wrap="square" numCol="1" anchor="t" anchorCtr="0" compatLnSpc="1">
-            <a:prstTxWarp prst="textNoShape">
-              <a:avLst/>
-            </a:prstTxWarp>
-          </a:bodyPr>
-          <a:lstStyle/>
-          <a:p>
-            <a:pPr>
-              <a:spcBef>
-                <a:spcPct val="0"/>
-              </a:spcBef>
-            </a:pPr>
-            <a:r>
-              <a:rPr lang="en-US">
-                <a:latin typeface="BentonSans Book" charset="0"/>
-              </a:rPr>
-              <a:t>Quote</a:t>
-            </a:r>
-          </a:p>
-        </p:txBody>
-      </p:sp>
-    </p:spTree>
-  </p:cSld>
-  <p:clrMapOvr>
-    <a:masterClrMapping/>
-  </p:clrMapOvr>
-</p:notes>
-</file>
-
-<file path=ppt/notesSlides/notesSlide26.xml><?xml version="1.0" encoding="utf-8"?>
-<p:notes xmlns:a="http://schemas.openxmlformats.org/drawingml/2006/main" xmlns:r="http://schemas.openxmlformats.org/officeDocument/2006/relationships" xmlns:p="http://schemas.openxmlformats.org/presentationml/2006/main">
-  <p:cSld>
-    <p:spTree>
-      <p:nvGrpSpPr>
-        <p:cNvPr id="1" name=""/>
-        <p:cNvGrpSpPr/>
-        <p:nvPr/>
-      </p:nvGrpSpPr>
-      <p:grpSpPr>
-        <a:xfrm>
-          <a:off x="0" y="0"/>
-          <a:ext cx="0" cy="0"/>
-          <a:chOff x="0" y="0"/>
-          <a:chExt cx="0" cy="0"/>
-        </a:xfrm>
-      </p:grpSpPr>
-      <p:sp>
-        <p:nvSpPr>
-          <p:cNvPr id="49153" name="Slide Image Placeholder 1"/>
-          <p:cNvSpPr>
-            <a:spLocks noGrp="1" noRot="1" noChangeAspect="1"/>
-          </p:cNvSpPr>
-          <p:nvPr>
-            <p:ph type="sldImg"/>
-          </p:nvPr>
-        </p:nvSpPr>
-        <p:spPr bwMode="auto">
-          <a:noFill/>
-          <a:ln>
-            <a:solidFill>
-              <a:srgbClr val="000000"/>
-            </a:solidFill>
-            <a:miter lim="800000"/>
-            <a:headEnd/>
-            <a:tailEnd/>
-          </a:ln>
-          <a:extLst>
-            <a:ext uri="{909E8E84-426E-40dd-AFC4-6F175D3DCCD1}">
-              <a14:hiddenFill xmlns:a14="http://schemas.microsoft.com/office/drawing/2010/main" xmlns="">
-                <a:solidFill>
-                  <a:srgbClr val="FFFFFF"/>
-                </a:solidFill>
-              </a14:hiddenFill>
-            </a:ext>
-            <a:ext uri="{FAA26D3D-D897-4be2-8F04-BA451C77F1D7}">
-              <ma14:placeholderFlag xmlns:ma14="http://schemas.microsoft.com/office/mac/drawingml/2011/main" xmlns="" val="1"/>
-            </a:ext>
-          </a:extLst>
-        </p:spPr>
-      </p:sp>
-      <p:sp>
-        <p:nvSpPr>
-          <p:cNvPr id="49154" name="Notes Placeholder 2"/>
-          <p:cNvSpPr>
-            <a:spLocks noGrp="1"/>
-          </p:cNvSpPr>
-          <p:nvPr>
-            <p:ph type="body" idx="1"/>
-          </p:nvPr>
-        </p:nvSpPr>
-        <p:spPr bwMode="auto">
-          <a:noFill/>
-          <a:extLst>
-            <a:ext uri="{909E8E84-426E-40dd-AFC4-6F175D3DCCD1}">
-              <a14:hiddenFill xmlns:a14="http://schemas.microsoft.com/office/drawing/2010/main" xmlns="">
-                <a:solidFill>
-                  <a:srgbClr val="FFFFFF"/>
-                </a:solidFill>
-              </a14:hiddenFill>
-            </a:ext>
-            <a:ext uri="{91240B29-F687-4f45-9708-019B960494DF}">
-              <a14:hiddenLine xmlns:a14="http://schemas.microsoft.com/office/drawing/2010/main" xmlns="" w="9525">
-                <a:solidFill>
-                  <a:srgbClr val="000000"/>
-                </a:solidFill>
-                <a:miter lim="800000"/>
-                <a:headEnd/>
-                <a:tailEnd/>
-              </a14:hiddenLine>
-            </a:ext>
-          </a:extLst>
-        </p:spPr>
-        <p:txBody>
-          <a:bodyPr wrap="square" numCol="1" anchor="t" anchorCtr="0" compatLnSpc="1">
-            <a:prstTxWarp prst="textNoShape">
-              <a:avLst/>
-            </a:prstTxWarp>
-          </a:bodyPr>
-          <a:lstStyle/>
-          <a:p>
-            <a:pPr>
-              <a:spcBef>
-                <a:spcPct val="0"/>
-              </a:spcBef>
-            </a:pPr>
-            <a:r>
-              <a:rPr lang="en-US">
-                <a:latin typeface="BentonSans Book" charset="0"/>
-              </a:rPr>
-              <a:t>Image &amp; Copy</a:t>
-            </a:r>
-          </a:p>
-        </p:txBody>
-      </p:sp>
-    </p:spTree>
-  </p:cSld>
-  <p:clrMapOvr>
-    <a:masterClrMapping/>
-  </p:clrMapOvr>
-</p:notes>
-</file>
-
-<file path=ppt/notesSlides/notesSlide27.xml><?xml version="1.0" encoding="utf-8"?>
-<p:notes xmlns:a="http://schemas.openxmlformats.org/drawingml/2006/main" xmlns:r="http://schemas.openxmlformats.org/officeDocument/2006/relationships" xmlns:p="http://schemas.openxmlformats.org/presentationml/2006/main">
-  <p:cSld>
-    <p:spTree>
-      <p:nvGrpSpPr>
-        <p:cNvPr id="1" name=""/>
-        <p:cNvGrpSpPr/>
-        <p:nvPr/>
-      </p:nvGrpSpPr>
-      <p:grpSpPr>
-        <a:xfrm>
-          <a:off x="0" y="0"/>
-          <a:ext cx="0" cy="0"/>
-          <a:chOff x="0" y="0"/>
-          <a:chExt cx="0" cy="0"/>
-        </a:xfrm>
-      </p:grpSpPr>
-      <p:sp>
-        <p:nvSpPr>
-          <p:cNvPr id="52225" name="Slide Image Placeholder 1"/>
-          <p:cNvSpPr>
-            <a:spLocks noGrp="1" noRot="1" noChangeAspect="1"/>
-          </p:cNvSpPr>
-          <p:nvPr>
-            <p:ph type="sldImg"/>
-          </p:nvPr>
-        </p:nvSpPr>
-        <p:spPr bwMode="auto">
-          <a:noFill/>
-          <a:ln>
-            <a:solidFill>
-              <a:srgbClr val="000000"/>
-            </a:solidFill>
-            <a:miter lim="800000"/>
-            <a:headEnd/>
-            <a:tailEnd/>
-          </a:ln>
-          <a:extLst>
-            <a:ext uri="{909E8E84-426E-40dd-AFC4-6F175D3DCCD1}">
-              <a14:hiddenFill xmlns:a14="http://schemas.microsoft.com/office/drawing/2010/main" xmlns="">
-                <a:solidFill>
-                  <a:srgbClr val="FFFFFF"/>
-                </a:solidFill>
-              </a14:hiddenFill>
-            </a:ext>
-            <a:ext uri="{FAA26D3D-D897-4be2-8F04-BA451C77F1D7}">
-              <ma14:placeholderFlag xmlns:ma14="http://schemas.microsoft.com/office/mac/drawingml/2011/main" xmlns="" val="1"/>
-            </a:ext>
-          </a:extLst>
-        </p:spPr>
-      </p:sp>
-      <p:sp>
-        <p:nvSpPr>
-          <p:cNvPr id="52226" name="Notes Placeholder 2"/>
-          <p:cNvSpPr>
-            <a:spLocks noGrp="1"/>
-          </p:cNvSpPr>
-          <p:nvPr>
-            <p:ph type="body" idx="1"/>
-          </p:nvPr>
-        </p:nvSpPr>
-        <p:spPr bwMode="auto">
-          <a:noFill/>
-          <a:extLst>
-            <a:ext uri="{909E8E84-426E-40dd-AFC4-6F175D3DCCD1}">
-              <a14:hiddenFill xmlns:a14="http://schemas.microsoft.com/office/drawing/2010/main" xmlns="">
-                <a:solidFill>
-                  <a:srgbClr val="FFFFFF"/>
-                </a:solidFill>
-              </a14:hiddenFill>
-            </a:ext>
-            <a:ext uri="{91240B29-F687-4f45-9708-019B960494DF}">
-              <a14:hiddenLine xmlns:a14="http://schemas.microsoft.com/office/drawing/2010/main" xmlns="" w="9525">
-                <a:solidFill>
-                  <a:srgbClr val="000000"/>
-                </a:solidFill>
-                <a:miter lim="800000"/>
-                <a:headEnd/>
-                <a:tailEnd/>
-              </a14:hiddenLine>
-            </a:ext>
-          </a:extLst>
-        </p:spPr>
-        <p:txBody>
-          <a:bodyPr wrap="square" numCol="1" anchor="t" anchorCtr="0" compatLnSpc="1">
-            <a:prstTxWarp prst="textNoShape">
-              <a:avLst/>
-            </a:prstTxWarp>
-          </a:bodyPr>
-          <a:lstStyle/>
-          <a:p>
-            <a:pPr>
-              <a:spcBef>
-                <a:spcPct val="0"/>
-              </a:spcBef>
-            </a:pPr>
-            <a:r>
               <a:rPr lang="en-US">
                 <a:latin typeface="BentonSans Book" charset="0"/>
               </a:rPr>
@@ -3929,7 +5040,7 @@
 </p:notes>
 </file>
 
-<file path=ppt/notesSlides/notesSlide28.xml><?xml version="1.0" encoding="utf-8"?>
+<file path=ppt/notesSlides/notesSlide37.xml><?xml version="1.0" encoding="utf-8"?>
 <p:notes xmlns:a="http://schemas.openxmlformats.org/drawingml/2006/main" xmlns:r="http://schemas.openxmlformats.org/officeDocument/2006/relationships" xmlns:p="http://schemas.openxmlformats.org/presentationml/2006/main">
   <p:cSld>
     <p:spTree>
@@ -4255,7 +5366,7 @@
 </p:notes>
 </file>
 
-<file path=ppt/notesSlides/notesSlide29.xml><?xml version="1.0" encoding="utf-8"?>
+<file path=ppt/notesSlides/notesSlide38.xml><?xml version="1.0" encoding="utf-8"?>
 <p:notes xmlns:a="http://schemas.openxmlformats.org/drawingml/2006/main" xmlns:r="http://schemas.openxmlformats.org/officeDocument/2006/relationships" xmlns:p="http://schemas.openxmlformats.org/presentationml/2006/main">
   <p:cSld>
     <p:spTree>
@@ -4745,123 +5856,7 @@
 </p:notes>
 </file>
 
-<file path=ppt/notesSlides/notesSlide3.xml><?xml version="1.0" encoding="utf-8"?>
-<p:notes xmlns:a="http://schemas.openxmlformats.org/drawingml/2006/main" xmlns:r="http://schemas.openxmlformats.org/officeDocument/2006/relationships" xmlns:p="http://schemas.openxmlformats.org/presentationml/2006/main">
-  <p:cSld>
-    <p:spTree>
-      <p:nvGrpSpPr>
-        <p:cNvPr id="1" name=""/>
-        <p:cNvGrpSpPr/>
-        <p:nvPr/>
-      </p:nvGrpSpPr>
-      <p:grpSpPr>
-        <a:xfrm>
-          <a:off x="0" y="0"/>
-          <a:ext cx="0" cy="0"/>
-          <a:chOff x="0" y="0"/>
-          <a:chExt cx="0" cy="0"/>
-        </a:xfrm>
-      </p:grpSpPr>
-      <p:sp>
-        <p:nvSpPr>
-          <p:cNvPr id="51201" name="Slide Image Placeholder 1"/>
-          <p:cNvSpPr>
-            <a:spLocks noGrp="1" noRot="1" noChangeAspect="1"/>
-          </p:cNvSpPr>
-          <p:nvPr>
-            <p:ph type="sldImg"/>
-          </p:nvPr>
-        </p:nvSpPr>
-        <p:spPr bwMode="auto">
-          <a:noFill/>
-          <a:ln>
-            <a:solidFill>
-              <a:srgbClr val="000000"/>
-            </a:solidFill>
-            <a:miter lim="800000"/>
-            <a:headEnd/>
-            <a:tailEnd/>
-          </a:ln>
-          <a:extLst>
-            <a:ext uri="{909E8E84-426E-40dd-AFC4-6F175D3DCCD1}">
-              <a14:hiddenFill xmlns:a14="http://schemas.microsoft.com/office/drawing/2010/main" xmlns="">
-                <a:solidFill>
-                  <a:srgbClr val="FFFFFF"/>
-                </a:solidFill>
-              </a14:hiddenFill>
-            </a:ext>
-            <a:ext uri="{FAA26D3D-D897-4be2-8F04-BA451C77F1D7}">
-              <ma14:placeholderFlag xmlns:ma14="http://schemas.microsoft.com/office/mac/drawingml/2011/main" xmlns="" val="1"/>
-            </a:ext>
-          </a:extLst>
-        </p:spPr>
-      </p:sp>
-      <p:sp>
-        <p:nvSpPr>
-          <p:cNvPr id="51202" name="Notes Placeholder 2"/>
-          <p:cNvSpPr>
-            <a:spLocks noGrp="1"/>
-          </p:cNvSpPr>
-          <p:nvPr>
-            <p:ph type="body" idx="1"/>
-          </p:nvPr>
-        </p:nvSpPr>
-        <p:spPr bwMode="auto">
-          <a:noFill/>
-          <a:extLst>
-            <a:ext uri="{909E8E84-426E-40dd-AFC4-6F175D3DCCD1}">
-              <a14:hiddenFill xmlns:a14="http://schemas.microsoft.com/office/drawing/2010/main" xmlns="">
-                <a:solidFill>
-                  <a:srgbClr val="FFFFFF"/>
-                </a:solidFill>
-              </a14:hiddenFill>
-            </a:ext>
-            <a:ext uri="{91240B29-F687-4f45-9708-019B960494DF}">
-              <a14:hiddenLine xmlns:a14="http://schemas.microsoft.com/office/drawing/2010/main" xmlns="" w="9525">
-                <a:solidFill>
-                  <a:srgbClr val="000000"/>
-                </a:solidFill>
-                <a:miter lim="800000"/>
-                <a:headEnd/>
-                <a:tailEnd/>
-              </a14:hiddenLine>
-            </a:ext>
-          </a:extLst>
-        </p:spPr>
-        <p:txBody>
-          <a:bodyPr wrap="square" numCol="1" anchor="t" anchorCtr="0" compatLnSpc="1">
-            <a:prstTxWarp prst="textNoShape">
-              <a:avLst/>
-            </a:prstTxWarp>
-          </a:bodyPr>
-          <a:lstStyle/>
-          <a:p>
-            <a:pPr>
-              <a:spcBef>
-                <a:spcPct val="0"/>
-              </a:spcBef>
-            </a:pPr>
-            <a:r>
-              <a:rPr lang="en-US" dirty="0">
-                <a:hlinkClick r:id="rId3"/>
-              </a:rPr>
-              <a:t>https://mangarock.com/manga/mrs-serie-154427</a:t>
-            </a:r>
-            <a:endParaRPr lang="en-US" dirty="0">
-              <a:latin typeface="BentonSans Book" charset="0"/>
-            </a:endParaRPr>
-          </a:p>
-        </p:txBody>
-      </p:sp>
-    </p:spTree>
-  </p:cSld>
-  <p:clrMapOvr>
-    <a:masterClrMapping/>
-  </p:clrMapOvr>
-</p:notes>
-</file>
-
-<file path=ppt/notesSlides/notesSlide30.xml><?xml version="1.0" encoding="utf-8"?>
+<file path=ppt/notesSlides/notesSlide39.xml><?xml version="1.0" encoding="utf-8"?>
 <p:notes xmlns:a="http://schemas.openxmlformats.org/drawingml/2006/main" xmlns:r="http://schemas.openxmlformats.org/officeDocument/2006/relationships" xmlns:p="http://schemas.openxmlformats.org/presentationml/2006/main">
   <p:cSld>
     <p:spTree>
@@ -5351,7 +6346,128 @@
 </p:notes>
 </file>
 
-<file path=ppt/notesSlides/notesSlide31.xml><?xml version="1.0" encoding="utf-8"?>
+<file path=ppt/notesSlides/notesSlide4.xml><?xml version="1.0" encoding="utf-8"?>
+<p:notes xmlns:a="http://schemas.openxmlformats.org/drawingml/2006/main" xmlns:r="http://schemas.openxmlformats.org/officeDocument/2006/relationships" xmlns:p="http://schemas.openxmlformats.org/presentationml/2006/main">
+  <p:cSld>
+    <p:spTree>
+      <p:nvGrpSpPr>
+        <p:cNvPr id="1" name=""/>
+        <p:cNvGrpSpPr/>
+        <p:nvPr/>
+      </p:nvGrpSpPr>
+      <p:grpSpPr>
+        <a:xfrm>
+          <a:off x="0" y="0"/>
+          <a:ext cx="0" cy="0"/>
+          <a:chOff x="0" y="0"/>
+          <a:chExt cx="0" cy="0"/>
+        </a:xfrm>
+      </p:grpSpPr>
+      <p:sp>
+        <p:nvSpPr>
+          <p:cNvPr id="51201" name="Slide Image Placeholder 1"/>
+          <p:cNvSpPr>
+            <a:spLocks noGrp="1" noRot="1" noChangeAspect="1"/>
+          </p:cNvSpPr>
+          <p:nvPr>
+            <p:ph type="sldImg"/>
+          </p:nvPr>
+        </p:nvSpPr>
+        <p:spPr bwMode="auto">
+          <a:noFill/>
+          <a:ln>
+            <a:solidFill>
+              <a:srgbClr val="000000"/>
+            </a:solidFill>
+            <a:miter lim="800000"/>
+            <a:headEnd/>
+            <a:tailEnd/>
+          </a:ln>
+          <a:extLst>
+            <a:ext uri="{909E8E84-426E-40dd-AFC4-6F175D3DCCD1}">
+              <a14:hiddenFill xmlns:a14="http://schemas.microsoft.com/office/drawing/2010/main" xmlns="">
+                <a:solidFill>
+                  <a:srgbClr val="FFFFFF"/>
+                </a:solidFill>
+              </a14:hiddenFill>
+            </a:ext>
+            <a:ext uri="{FAA26D3D-D897-4be2-8F04-BA451C77F1D7}">
+              <ma14:placeholderFlag xmlns:ma14="http://schemas.microsoft.com/office/mac/drawingml/2011/main" xmlns="" val="1"/>
+            </a:ext>
+          </a:extLst>
+        </p:spPr>
+      </p:sp>
+      <p:sp>
+        <p:nvSpPr>
+          <p:cNvPr id="51202" name="Notes Placeholder 2"/>
+          <p:cNvSpPr>
+            <a:spLocks noGrp="1"/>
+          </p:cNvSpPr>
+          <p:nvPr>
+            <p:ph type="body" idx="1"/>
+          </p:nvPr>
+        </p:nvSpPr>
+        <p:spPr bwMode="auto">
+          <a:noFill/>
+          <a:extLst>
+            <a:ext uri="{909E8E84-426E-40dd-AFC4-6F175D3DCCD1}">
+              <a14:hiddenFill xmlns:a14="http://schemas.microsoft.com/office/drawing/2010/main" xmlns="">
+                <a:solidFill>
+                  <a:srgbClr val="FFFFFF"/>
+                </a:solidFill>
+              </a14:hiddenFill>
+            </a:ext>
+            <a:ext uri="{91240B29-F687-4f45-9708-019B960494DF}">
+              <a14:hiddenLine xmlns:a14="http://schemas.microsoft.com/office/drawing/2010/main" xmlns="" w="9525">
+                <a:solidFill>
+                  <a:srgbClr val="000000"/>
+                </a:solidFill>
+                <a:miter lim="800000"/>
+                <a:headEnd/>
+                <a:tailEnd/>
+              </a14:hiddenLine>
+            </a:ext>
+          </a:extLst>
+        </p:spPr>
+        <p:txBody>
+          <a:bodyPr wrap="square" numCol="1" anchor="t" anchorCtr="0" compatLnSpc="1">
+            <a:prstTxWarp prst="textNoShape">
+              <a:avLst/>
+            </a:prstTxWarp>
+          </a:bodyPr>
+          <a:lstStyle/>
+          <a:p>
+            <a:pPr>
+              <a:spcBef>
+                <a:spcPct val="0"/>
+              </a:spcBef>
+            </a:pPr>
+            <a:r>
+              <a:rPr lang="en-US" dirty="0">
+                <a:hlinkClick r:id="rId3"/>
+              </a:rPr>
+              <a:t>https://mangarock.com/manga/mrs-serie-154427</a:t>
+            </a:r>
+            <a:endParaRPr lang="en-US" dirty="0">
+              <a:latin typeface="BentonSans Book" charset="0"/>
+            </a:endParaRPr>
+          </a:p>
+        </p:txBody>
+      </p:sp>
+    </p:spTree>
+    <p:extLst>
+      <p:ext uri="{BB962C8B-B14F-4D97-AF65-F5344CB8AC3E}">
+        <p14:creationId xmlns:p14="http://schemas.microsoft.com/office/powerpoint/2010/main" val="3777176415"/>
+      </p:ext>
+    </p:extLst>
+  </p:cSld>
+  <p:clrMapOvr>
+    <a:masterClrMapping/>
+  </p:clrMapOvr>
+</p:notes>
+</file>
+
+<file path=ppt/notesSlides/notesSlide40.xml><?xml version="1.0" encoding="utf-8"?>
 <p:notes xmlns:a="http://schemas.openxmlformats.org/drawingml/2006/main" xmlns:r="http://schemas.openxmlformats.org/officeDocument/2006/relationships" xmlns:p="http://schemas.openxmlformats.org/presentationml/2006/main">
   <p:cSld>
     <p:spTree>
@@ -5841,7 +6957,7 @@
 </p:notes>
 </file>
 
-<file path=ppt/notesSlides/notesSlide32.xml><?xml version="1.0" encoding="utf-8"?>
+<file path=ppt/notesSlides/notesSlide41.xml><?xml version="1.0" encoding="utf-8"?>
 <p:notes xmlns:a="http://schemas.openxmlformats.org/drawingml/2006/main" xmlns:r="http://schemas.openxmlformats.org/officeDocument/2006/relationships" xmlns:p="http://schemas.openxmlformats.org/presentationml/2006/main">
   <p:cSld>
     <p:spTree>
@@ -6331,7 +7447,7 @@
 </p:notes>
 </file>
 
-<file path=ppt/notesSlides/notesSlide33.xml><?xml version="1.0" encoding="utf-8"?>
+<file path=ppt/notesSlides/notesSlide42.xml><?xml version="1.0" encoding="utf-8"?>
 <p:notes xmlns:a="http://schemas.openxmlformats.org/drawingml/2006/main" xmlns:r="http://schemas.openxmlformats.org/officeDocument/2006/relationships" xmlns:p="http://schemas.openxmlformats.org/presentationml/2006/main">
   <p:cSld>
     <p:spTree>
@@ -6821,7 +7937,7 @@
 </p:notes>
 </file>
 
-<file path=ppt/notesSlides/notesSlide34.xml><?xml version="1.0" encoding="utf-8"?>
+<file path=ppt/notesSlides/notesSlide43.xml><?xml version="1.0" encoding="utf-8"?>
 <p:notes xmlns:a="http://schemas.openxmlformats.org/drawingml/2006/main" xmlns:r="http://schemas.openxmlformats.org/officeDocument/2006/relationships" xmlns:p="http://schemas.openxmlformats.org/presentationml/2006/main">
   <p:cSld>
     <p:spTree>
@@ -7311,7 +8427,7 @@
 </p:notes>
 </file>
 
-<file path=ppt/notesSlides/notesSlide35.xml><?xml version="1.0" encoding="utf-8"?>
+<file path=ppt/notesSlides/notesSlide44.xml><?xml version="1.0" encoding="utf-8"?>
 <p:notes xmlns:a="http://schemas.openxmlformats.org/drawingml/2006/main" xmlns:r="http://schemas.openxmlformats.org/officeDocument/2006/relationships" xmlns:p="http://schemas.openxmlformats.org/presentationml/2006/main">
   <p:cSld>
     <p:spTree>
@@ -7429,7 +8545,7 @@
 </p:notes>
 </file>
 
-<file path=ppt/notesSlides/notesSlide36.xml><?xml version="1.0" encoding="utf-8"?>
+<file path=ppt/notesSlides/notesSlide45.xml><?xml version="1.0" encoding="utf-8"?>
 <p:notes xmlns:a="http://schemas.openxmlformats.org/drawingml/2006/main" xmlns:r="http://schemas.openxmlformats.org/officeDocument/2006/relationships" xmlns:p="http://schemas.openxmlformats.org/presentationml/2006/main">
   <p:cSld>
     <p:spTree>
@@ -7538,127 +8654,6 @@
     <p:extLst>
       <p:ext uri="{BB962C8B-B14F-4D97-AF65-F5344CB8AC3E}">
         <p14:creationId xmlns:p14="http://schemas.microsoft.com/office/powerpoint/2010/main" val="2330032350"/>
-      </p:ext>
-    </p:extLst>
-  </p:cSld>
-  <p:clrMapOvr>
-    <a:masterClrMapping/>
-  </p:clrMapOvr>
-</p:notes>
-</file>
-
-<file path=ppt/notesSlides/notesSlide4.xml><?xml version="1.0" encoding="utf-8"?>
-<p:notes xmlns:a="http://schemas.openxmlformats.org/drawingml/2006/main" xmlns:r="http://schemas.openxmlformats.org/officeDocument/2006/relationships" xmlns:p="http://schemas.openxmlformats.org/presentationml/2006/main">
-  <p:cSld>
-    <p:spTree>
-      <p:nvGrpSpPr>
-        <p:cNvPr id="1" name=""/>
-        <p:cNvGrpSpPr/>
-        <p:nvPr/>
-      </p:nvGrpSpPr>
-      <p:grpSpPr>
-        <a:xfrm>
-          <a:off x="0" y="0"/>
-          <a:ext cx="0" cy="0"/>
-          <a:chOff x="0" y="0"/>
-          <a:chExt cx="0" cy="0"/>
-        </a:xfrm>
-      </p:grpSpPr>
-      <p:sp>
-        <p:nvSpPr>
-          <p:cNvPr id="51201" name="Slide Image Placeholder 1"/>
-          <p:cNvSpPr>
-            <a:spLocks noGrp="1" noRot="1" noChangeAspect="1"/>
-          </p:cNvSpPr>
-          <p:nvPr>
-            <p:ph type="sldImg"/>
-          </p:nvPr>
-        </p:nvSpPr>
-        <p:spPr bwMode="auto">
-          <a:noFill/>
-          <a:ln>
-            <a:solidFill>
-              <a:srgbClr val="000000"/>
-            </a:solidFill>
-            <a:miter lim="800000"/>
-            <a:headEnd/>
-            <a:tailEnd/>
-          </a:ln>
-          <a:extLst>
-            <a:ext uri="{909E8E84-426E-40dd-AFC4-6F175D3DCCD1}">
-              <a14:hiddenFill xmlns:a14="http://schemas.microsoft.com/office/drawing/2010/main" xmlns="">
-                <a:solidFill>
-                  <a:srgbClr val="FFFFFF"/>
-                </a:solidFill>
-              </a14:hiddenFill>
-            </a:ext>
-            <a:ext uri="{FAA26D3D-D897-4be2-8F04-BA451C77F1D7}">
-              <ma14:placeholderFlag xmlns:ma14="http://schemas.microsoft.com/office/mac/drawingml/2011/main" xmlns="" val="1"/>
-            </a:ext>
-          </a:extLst>
-        </p:spPr>
-      </p:sp>
-      <p:sp>
-        <p:nvSpPr>
-          <p:cNvPr id="51202" name="Notes Placeholder 2"/>
-          <p:cNvSpPr>
-            <a:spLocks noGrp="1"/>
-          </p:cNvSpPr>
-          <p:nvPr>
-            <p:ph type="body" idx="1"/>
-          </p:nvPr>
-        </p:nvSpPr>
-        <p:spPr bwMode="auto">
-          <a:noFill/>
-          <a:extLst>
-            <a:ext uri="{909E8E84-426E-40dd-AFC4-6F175D3DCCD1}">
-              <a14:hiddenFill xmlns:a14="http://schemas.microsoft.com/office/drawing/2010/main" xmlns="">
-                <a:solidFill>
-                  <a:srgbClr val="FFFFFF"/>
-                </a:solidFill>
-              </a14:hiddenFill>
-            </a:ext>
-            <a:ext uri="{91240B29-F687-4f45-9708-019B960494DF}">
-              <a14:hiddenLine xmlns:a14="http://schemas.microsoft.com/office/drawing/2010/main" xmlns="" w="9525">
-                <a:solidFill>
-                  <a:srgbClr val="000000"/>
-                </a:solidFill>
-                <a:miter lim="800000"/>
-                <a:headEnd/>
-                <a:tailEnd/>
-              </a14:hiddenLine>
-            </a:ext>
-          </a:extLst>
-        </p:spPr>
-        <p:txBody>
-          <a:bodyPr wrap="square" numCol="1" anchor="t" anchorCtr="0" compatLnSpc="1">
-            <a:prstTxWarp prst="textNoShape">
-              <a:avLst/>
-            </a:prstTxWarp>
-          </a:bodyPr>
-          <a:lstStyle/>
-          <a:p>
-            <a:pPr>
-              <a:spcBef>
-                <a:spcPct val="0"/>
-              </a:spcBef>
-            </a:pPr>
-            <a:r>
-              <a:rPr lang="en-US" dirty="0">
-                <a:hlinkClick r:id="rId3"/>
-              </a:rPr>
-              <a:t>https://www.utexas.edu/</a:t>
-            </a:r>
-            <a:endParaRPr lang="en-US" dirty="0">
-              <a:latin typeface="BentonSans Book" charset="0"/>
-            </a:endParaRPr>
-          </a:p>
-        </p:txBody>
-      </p:sp>
-    </p:spTree>
-    <p:extLst>
-      <p:ext uri="{BB962C8B-B14F-4D97-AF65-F5344CB8AC3E}">
-        <p14:creationId xmlns:p14="http://schemas.microsoft.com/office/powerpoint/2010/main" val="3294059804"/>
       </p:ext>
     </p:extLst>
   </p:cSld>
@@ -8139,7 +9134,7 @@
       </p:grpSpPr>
       <p:sp>
         <p:nvSpPr>
-          <p:cNvPr id="38913" name="Slide Image Placeholder 1"/>
+          <p:cNvPr id="48129" name="Slide Image Placeholder 1"/>
           <p:cNvSpPr>
             <a:spLocks noGrp="1" noRot="1" noChangeAspect="1"/>
           </p:cNvSpPr>
@@ -8173,7 +9168,7 @@
       </p:sp>
       <p:sp>
         <p:nvSpPr>
-          <p:cNvPr id="38914" name="Notes Placeholder 2"/>
+          <p:cNvPr id="48130" name="Notes Placeholder 2"/>
           <p:cNvSpPr>
             <a:spLocks noGrp="1"/>
           </p:cNvSpPr>
@@ -8217,15 +9212,23 @@
               </a:spcBef>
             </a:pPr>
             <a:r>
-              <a:rPr lang="en-US">
-                <a:latin typeface="BentonSans Book" charset="0"/>
+              <a:rPr lang="en-US" dirty="0">
+                <a:hlinkClick r:id="rId3"/>
               </a:rPr>
-              <a:t>Section Header</a:t>
+              <a:t>https://healthitanalytics.com/news/big-data-to-see-explosive-growth-challenging-healthcare-organizations</a:t>
             </a:r>
+            <a:endParaRPr lang="en-US" dirty="0">
+              <a:latin typeface="BentonSans Book" charset="0"/>
+            </a:endParaRPr>
           </a:p>
         </p:txBody>
       </p:sp>
     </p:spTree>
+    <p:extLst>
+      <p:ext uri="{BB962C8B-B14F-4D97-AF65-F5344CB8AC3E}">
+        <p14:creationId xmlns:p14="http://schemas.microsoft.com/office/powerpoint/2010/main" val="4089722674"/>
+      </p:ext>
+    </p:extLst>
   </p:cSld>
   <p:clrMapOvr>
     <a:masterClrMapping/>
@@ -11521,26 +12524,14 @@
           <a:lstStyle/>
           <a:p>
             <a:r>
-              <a:rPr lang="en-US">
+              <a:rPr lang="en-US" dirty="0">
                 <a:solidFill>
                   <a:srgbClr val="4C4C4C"/>
                 </a:solidFill>
                 <a:latin typeface="BentonSans Book" charset="0"/>
               </a:rPr>
-              <a:t>Dat</a:t>
+              <a:t>Growth of Data</a:t>
             </a:r>
-            <a:r>
-              <a:rPr lang="en-US">
-                <a:latin typeface="BentonSans Book" charset="0"/>
-              </a:rPr>
-              <a:t>a Growth</a:t>
-            </a:r>
-            <a:endParaRPr lang="en-US" dirty="0">
-              <a:solidFill>
-                <a:srgbClr val="4C4C4C"/>
-              </a:solidFill>
-              <a:latin typeface="BentonSans Book" charset="0"/>
-            </a:endParaRPr>
           </a:p>
         </p:txBody>
       </p:sp>
@@ -11549,10 +12540,2601 @@
   <p:clrMapOvr>
     <a:masterClrMapping/>
   </p:clrMapOvr>
+  <p:transition spd="slow">
+    <p:push dir="u"/>
+  </p:transition>
 </p:sld>
 </file>
 
 <file path=ppt/slides/slide11.xml><?xml version="1.0" encoding="utf-8"?>
+<p:sld xmlns:a="http://schemas.openxmlformats.org/drawingml/2006/main" xmlns:r="http://schemas.openxmlformats.org/officeDocument/2006/relationships" xmlns:p="http://schemas.openxmlformats.org/presentationml/2006/main">
+  <p:cSld>
+    <p:spTree>
+      <p:nvGrpSpPr>
+        <p:cNvPr id="1" name=""/>
+        <p:cNvGrpSpPr/>
+        <p:nvPr/>
+      </p:nvGrpSpPr>
+      <p:grpSpPr>
+        <a:xfrm>
+          <a:off x="0" y="0"/>
+          <a:ext cx="0" cy="0"/>
+          <a:chOff x="0" y="0"/>
+          <a:chExt cx="0" cy="0"/>
+        </a:xfrm>
+      </p:grpSpPr>
+      <p:sp>
+        <p:nvSpPr>
+          <p:cNvPr id="16385" name="Title 1"/>
+          <p:cNvSpPr>
+            <a:spLocks noGrp="1"/>
+          </p:cNvSpPr>
+          <p:nvPr>
+            <p:ph type="title"/>
+          </p:nvPr>
+        </p:nvSpPr>
+        <p:spPr>
+          <a:xfrm>
+            <a:off x="861432" y="2466277"/>
+            <a:ext cx="12907536" cy="2011000"/>
+          </a:xfrm>
+        </p:spPr>
+        <p:txBody>
+          <a:bodyPr/>
+          <a:lstStyle/>
+          <a:p>
+            <a:pPr algn="ctr"/>
+            <a:r>
+              <a:rPr lang="en-US" dirty="0">
+                <a:solidFill>
+                  <a:srgbClr val="4C4C4C"/>
+                </a:solidFill>
+                <a:latin typeface="BentonSans Book" charset="0"/>
+              </a:rPr>
+              <a:t>“</a:t>
+            </a:r>
+            <a:r>
+              <a:rPr lang="en-US" dirty="0"/>
+              <a:t>Healthcare data will experience a compound annual growth rate (CAGR) of 36 percent through 2025</a:t>
+            </a:r>
+            <a:r>
+              <a:rPr lang="en-US" dirty="0">
+                <a:solidFill>
+                  <a:srgbClr val="4C4C4C"/>
+                </a:solidFill>
+                <a:latin typeface="BentonSans Book" charset="0"/>
+              </a:rPr>
+              <a:t>.”</a:t>
+            </a:r>
+          </a:p>
+        </p:txBody>
+      </p:sp>
+      <p:sp>
+        <p:nvSpPr>
+          <p:cNvPr id="3" name="Text Placeholder 2"/>
+          <p:cNvSpPr>
+            <a:spLocks noGrp="1"/>
+          </p:cNvSpPr>
+          <p:nvPr>
+            <p:ph type="body" sz="quarter" idx="11"/>
+          </p:nvPr>
+        </p:nvSpPr>
+        <p:spPr>
+          <a:xfrm>
+            <a:off x="3505007" y="4477277"/>
+            <a:ext cx="8077200" cy="276225"/>
+          </a:xfrm>
+        </p:spPr>
+        <p:txBody>
+          <a:bodyPr/>
+          <a:lstStyle/>
+          <a:p>
+            <a:pPr defTabSz="1306221" fontAlgn="auto">
+              <a:spcAft>
+                <a:spcPts val="0"/>
+              </a:spcAft>
+              <a:buFont typeface="Arial" panose="020B0604020202020204" pitchFamily="34" charset="0"/>
+              <a:buNone/>
+              <a:defRPr/>
+            </a:pPr>
+            <a:r>
+              <a:rPr lang="en-US" sz="1800" dirty="0">
+                <a:ea typeface="+mn-ea"/>
+              </a:rPr>
+              <a:t>Jessica Kent, </a:t>
+            </a:r>
+            <a:r>
+              <a:rPr lang="en-US" sz="1800" dirty="0">
+                <a:ea typeface="+mn-ea"/>
+                <a:hlinkClick r:id="rId3"/>
+              </a:rPr>
+              <a:t>Health IT Analytics</a:t>
+            </a:r>
+            <a:r>
+              <a:rPr lang="en-US" sz="1800" dirty="0">
+                <a:ea typeface="+mn-ea"/>
+              </a:rPr>
+              <a:t>, 2018</a:t>
+            </a:r>
+          </a:p>
+        </p:txBody>
+      </p:sp>
+    </p:spTree>
+    <p:extLst>
+      <p:ext uri="{BB962C8B-B14F-4D97-AF65-F5344CB8AC3E}">
+        <p14:creationId xmlns:p14="http://schemas.microsoft.com/office/powerpoint/2010/main" val="2616641568"/>
+      </p:ext>
+    </p:extLst>
+  </p:cSld>
+  <p:clrMapOvr>
+    <a:masterClrMapping/>
+  </p:clrMapOvr>
+  <p:transition spd="slow">
+    <p:cover/>
+  </p:transition>
+</p:sld>
+</file>
+
+<file path=ppt/slides/slide12.xml><?xml version="1.0" encoding="utf-8"?>
+<p:sld xmlns:a="http://schemas.openxmlformats.org/drawingml/2006/main" xmlns:r="http://schemas.openxmlformats.org/officeDocument/2006/relationships" xmlns:p="http://schemas.openxmlformats.org/presentationml/2006/main">
+  <p:cSld>
+    <p:spTree>
+      <p:nvGrpSpPr>
+        <p:cNvPr id="1" name=""/>
+        <p:cNvGrpSpPr/>
+        <p:nvPr/>
+      </p:nvGrpSpPr>
+      <p:grpSpPr>
+        <a:xfrm>
+          <a:off x="0" y="0"/>
+          <a:ext cx="0" cy="0"/>
+          <a:chOff x="0" y="0"/>
+          <a:chExt cx="0" cy="0"/>
+        </a:xfrm>
+      </p:grpSpPr>
+      <p:sp>
+        <p:nvSpPr>
+          <p:cNvPr id="16385" name="Title 1"/>
+          <p:cNvSpPr>
+            <a:spLocks noGrp="1"/>
+          </p:cNvSpPr>
+          <p:nvPr>
+            <p:ph type="title"/>
+          </p:nvPr>
+        </p:nvSpPr>
+        <p:spPr>
+          <a:xfrm>
+            <a:off x="830766" y="1462669"/>
+            <a:ext cx="12907536" cy="4005392"/>
+          </a:xfrm>
+        </p:spPr>
+        <p:txBody>
+          <a:bodyPr/>
+          <a:lstStyle/>
+          <a:p>
+            <a:pPr algn="ctr"/>
+            <a:r>
+              <a:rPr lang="en-US" dirty="0">
+                <a:solidFill>
+                  <a:srgbClr val="4C4C4C"/>
+                </a:solidFill>
+                <a:latin typeface="BentonSans Book" charset="0"/>
+              </a:rPr>
+              <a:t>“…</a:t>
+            </a:r>
+            <a:r>
+              <a:rPr lang="en-US" dirty="0"/>
+              <a:t>data in the manufacturing industry is projected to see a CAGR of 30 percent, financial services data is expected to grow at a rate of 26 percent, and data in the media and entertainment industry will increase at a compound rate of 25 percent</a:t>
+            </a:r>
+            <a:r>
+              <a:rPr lang="en-US" dirty="0">
+                <a:solidFill>
+                  <a:srgbClr val="4C4C4C"/>
+                </a:solidFill>
+                <a:latin typeface="BentonSans Book" charset="0"/>
+              </a:rPr>
+              <a:t>.”</a:t>
+            </a:r>
+          </a:p>
+        </p:txBody>
+      </p:sp>
+      <p:sp>
+        <p:nvSpPr>
+          <p:cNvPr id="3" name="Text Placeholder 2"/>
+          <p:cNvSpPr>
+            <a:spLocks noGrp="1"/>
+          </p:cNvSpPr>
+          <p:nvPr>
+            <p:ph type="body" sz="quarter" idx="11"/>
+          </p:nvPr>
+        </p:nvSpPr>
+        <p:spPr>
+          <a:xfrm>
+            <a:off x="3560763" y="5568177"/>
+            <a:ext cx="8077200" cy="276225"/>
+          </a:xfrm>
+        </p:spPr>
+        <p:txBody>
+          <a:bodyPr/>
+          <a:lstStyle/>
+          <a:p>
+            <a:pPr defTabSz="1306221" fontAlgn="auto">
+              <a:spcAft>
+                <a:spcPts val="0"/>
+              </a:spcAft>
+              <a:buFont typeface="Arial" panose="020B0604020202020204" pitchFamily="34" charset="0"/>
+              <a:buNone/>
+              <a:defRPr/>
+            </a:pPr>
+            <a:r>
+              <a:rPr lang="en-US" sz="1800" dirty="0">
+                <a:ea typeface="+mn-ea"/>
+              </a:rPr>
+              <a:t>Jessica Kent, </a:t>
+            </a:r>
+            <a:r>
+              <a:rPr lang="en-US" sz="1800" dirty="0">
+                <a:ea typeface="+mn-ea"/>
+                <a:hlinkClick r:id="rId3"/>
+              </a:rPr>
+              <a:t>Health IT Analytics</a:t>
+            </a:r>
+            <a:r>
+              <a:rPr lang="en-US" sz="1800" dirty="0">
+                <a:ea typeface="+mn-ea"/>
+              </a:rPr>
+              <a:t>, 2018</a:t>
+            </a:r>
+          </a:p>
+        </p:txBody>
+      </p:sp>
+    </p:spTree>
+    <p:extLst>
+      <p:ext uri="{BB962C8B-B14F-4D97-AF65-F5344CB8AC3E}">
+        <p14:creationId xmlns:p14="http://schemas.microsoft.com/office/powerpoint/2010/main" val="1485955218"/>
+      </p:ext>
+    </p:extLst>
+  </p:cSld>
+  <p:clrMapOvr>
+    <a:masterClrMapping/>
+  </p:clrMapOvr>
+  <p:transition spd="slow">
+    <p:cover/>
+  </p:transition>
+</p:sld>
+</file>
+
+<file path=ppt/slides/slide13.xml><?xml version="1.0" encoding="utf-8"?>
+<p:sld xmlns:a="http://schemas.openxmlformats.org/drawingml/2006/main" xmlns:r="http://schemas.openxmlformats.org/officeDocument/2006/relationships" xmlns:p="http://schemas.openxmlformats.org/presentationml/2006/main">
+  <p:cSld>
+    <p:spTree>
+      <p:nvGrpSpPr>
+        <p:cNvPr id="1" name=""/>
+        <p:cNvGrpSpPr/>
+        <p:nvPr/>
+      </p:nvGrpSpPr>
+      <p:grpSpPr>
+        <a:xfrm>
+          <a:off x="0" y="0"/>
+          <a:ext cx="0" cy="0"/>
+          <a:chOff x="0" y="0"/>
+          <a:chExt cx="0" cy="0"/>
+        </a:xfrm>
+      </p:grpSpPr>
+      <p:sp>
+        <p:nvSpPr>
+          <p:cNvPr id="16385" name="Title 1"/>
+          <p:cNvSpPr>
+            <a:spLocks noGrp="1"/>
+          </p:cNvSpPr>
+          <p:nvPr>
+            <p:ph type="title"/>
+          </p:nvPr>
+        </p:nvSpPr>
+        <p:spPr>
+          <a:xfrm>
+            <a:off x="861432" y="1734012"/>
+            <a:ext cx="12907536" cy="3340594"/>
+          </a:xfrm>
+        </p:spPr>
+        <p:txBody>
+          <a:bodyPr/>
+          <a:lstStyle/>
+          <a:p>
+            <a:pPr algn="ctr"/>
+            <a:r>
+              <a:rPr lang="en-US" dirty="0">
+                <a:solidFill>
+                  <a:srgbClr val="4C4C4C"/>
+                </a:solidFill>
+                <a:latin typeface="BentonSans Book" charset="0"/>
+              </a:rPr>
+              <a:t>“Worldwide Big Data market revenues for software and services are projected to increase from $42B in 2018 to $103B in 2027, attaining a Compound Annual Growth Rate (CAGR) of 10.48% according to </a:t>
+            </a:r>
+            <a:r>
+              <a:rPr lang="en-US" dirty="0" err="1">
+                <a:solidFill>
+                  <a:srgbClr val="4C4C4C"/>
+                </a:solidFill>
+                <a:latin typeface="BentonSans Book" charset="0"/>
+              </a:rPr>
+              <a:t>Wikibon</a:t>
+            </a:r>
+            <a:r>
+              <a:rPr lang="en-US" dirty="0">
+                <a:solidFill>
+                  <a:srgbClr val="4C4C4C"/>
+                </a:solidFill>
+                <a:latin typeface="BentonSans Book" charset="0"/>
+              </a:rPr>
+              <a:t>.”</a:t>
+            </a:r>
+          </a:p>
+        </p:txBody>
+      </p:sp>
+      <p:sp>
+        <p:nvSpPr>
+          <p:cNvPr id="3" name="Text Placeholder 2"/>
+          <p:cNvSpPr>
+            <a:spLocks noGrp="1"/>
+          </p:cNvSpPr>
+          <p:nvPr>
+            <p:ph type="body" sz="quarter" idx="11"/>
+          </p:nvPr>
+        </p:nvSpPr>
+        <p:spPr>
+          <a:xfrm>
+            <a:off x="3276600" y="5108533"/>
+            <a:ext cx="8077200" cy="276225"/>
+          </a:xfrm>
+        </p:spPr>
+        <p:txBody>
+          <a:bodyPr/>
+          <a:lstStyle/>
+          <a:p>
+            <a:pPr defTabSz="1306221" fontAlgn="auto">
+              <a:spcAft>
+                <a:spcPts val="0"/>
+              </a:spcAft>
+              <a:buFont typeface="Arial" panose="020B0604020202020204" pitchFamily="34" charset="0"/>
+              <a:buNone/>
+              <a:defRPr/>
+            </a:pPr>
+            <a:r>
+              <a:rPr lang="en-US" sz="1800" dirty="0">
+                <a:ea typeface="+mn-ea"/>
+              </a:rPr>
+              <a:t>Louis Columbus, </a:t>
+            </a:r>
+            <a:r>
+              <a:rPr lang="en-US" sz="1800" dirty="0">
+                <a:ea typeface="+mn-ea"/>
+                <a:hlinkClick r:id="rId3"/>
+              </a:rPr>
+              <a:t>Forbes</a:t>
+            </a:r>
+            <a:r>
+              <a:rPr lang="en-US" sz="1800" dirty="0">
+                <a:ea typeface="+mn-ea"/>
+              </a:rPr>
+              <a:t>, 2018</a:t>
+            </a:r>
+          </a:p>
+        </p:txBody>
+      </p:sp>
+    </p:spTree>
+    <p:extLst>
+      <p:ext uri="{BB962C8B-B14F-4D97-AF65-F5344CB8AC3E}">
+        <p14:creationId xmlns:p14="http://schemas.microsoft.com/office/powerpoint/2010/main" val="4255814435"/>
+      </p:ext>
+    </p:extLst>
+  </p:cSld>
+  <p:clrMapOvr>
+    <a:masterClrMapping/>
+  </p:clrMapOvr>
+  <p:transition spd="slow">
+    <p:cover/>
+  </p:transition>
+</p:sld>
+</file>
+
+<file path=ppt/slides/slide14.xml><?xml version="1.0" encoding="utf-8"?>
+<p:sld xmlns:a="http://schemas.openxmlformats.org/drawingml/2006/main" xmlns:r="http://schemas.openxmlformats.org/officeDocument/2006/relationships" xmlns:p="http://schemas.openxmlformats.org/presentationml/2006/main">
+  <p:cSld>
+    <p:spTree>
+      <p:nvGrpSpPr>
+        <p:cNvPr id="1" name=""/>
+        <p:cNvGrpSpPr/>
+        <p:nvPr/>
+      </p:nvGrpSpPr>
+      <p:grpSpPr>
+        <a:xfrm>
+          <a:off x="0" y="0"/>
+          <a:ext cx="0" cy="0"/>
+          <a:chOff x="0" y="0"/>
+          <a:chExt cx="0" cy="0"/>
+        </a:xfrm>
+      </p:grpSpPr>
+      <p:sp>
+        <p:nvSpPr>
+          <p:cNvPr id="16385" name="Title 1"/>
+          <p:cNvSpPr>
+            <a:spLocks noGrp="1"/>
+          </p:cNvSpPr>
+          <p:nvPr>
+            <p:ph type="title"/>
+          </p:nvPr>
+        </p:nvSpPr>
+        <p:spPr>
+          <a:xfrm>
+            <a:off x="861432" y="1332572"/>
+            <a:ext cx="12907536" cy="4005392"/>
+          </a:xfrm>
+        </p:spPr>
+        <p:txBody>
+          <a:bodyPr/>
+          <a:lstStyle/>
+          <a:p>
+            <a:pPr algn="ctr"/>
+            <a:r>
+              <a:rPr lang="en-US" dirty="0">
+                <a:solidFill>
+                  <a:srgbClr val="4C4C4C"/>
+                </a:solidFill>
+                <a:latin typeface="BentonSans Book" charset="0"/>
+              </a:rPr>
+              <a:t>“According to an Accenture study, 79% of enterprise executives agree that companies that do not embrace Big Data will lose their competitive position and could face extinction. Even more, 83%, have pursued Big Data projects to seize a competitive edge.”</a:t>
+            </a:r>
+          </a:p>
+        </p:txBody>
+      </p:sp>
+      <p:sp>
+        <p:nvSpPr>
+          <p:cNvPr id="3" name="Text Placeholder 2"/>
+          <p:cNvSpPr>
+            <a:spLocks noGrp="1"/>
+          </p:cNvSpPr>
+          <p:nvPr>
+            <p:ph type="body" sz="quarter" idx="11"/>
+          </p:nvPr>
+        </p:nvSpPr>
+        <p:spPr>
+          <a:xfrm>
+            <a:off x="3276600" y="5325987"/>
+            <a:ext cx="8077200" cy="276225"/>
+          </a:xfrm>
+        </p:spPr>
+        <p:txBody>
+          <a:bodyPr/>
+          <a:lstStyle/>
+          <a:p>
+            <a:pPr defTabSz="1306221" fontAlgn="auto">
+              <a:spcAft>
+                <a:spcPts val="0"/>
+              </a:spcAft>
+              <a:buFont typeface="Arial" panose="020B0604020202020204" pitchFamily="34" charset="0"/>
+              <a:buNone/>
+              <a:defRPr/>
+            </a:pPr>
+            <a:r>
+              <a:rPr lang="en-US" sz="1800" dirty="0">
+                <a:ea typeface="+mn-ea"/>
+              </a:rPr>
+              <a:t>Louis Columbus, </a:t>
+            </a:r>
+            <a:r>
+              <a:rPr lang="en-US" sz="1800" dirty="0">
+                <a:ea typeface="+mn-ea"/>
+                <a:hlinkClick r:id="rId3"/>
+              </a:rPr>
+              <a:t>Forbes</a:t>
+            </a:r>
+            <a:r>
+              <a:rPr lang="en-US" sz="1800" dirty="0">
+                <a:ea typeface="+mn-ea"/>
+              </a:rPr>
+              <a:t>, 2018</a:t>
+            </a:r>
+          </a:p>
+        </p:txBody>
+      </p:sp>
+    </p:spTree>
+    <p:extLst>
+      <p:ext uri="{BB962C8B-B14F-4D97-AF65-F5344CB8AC3E}">
+        <p14:creationId xmlns:p14="http://schemas.microsoft.com/office/powerpoint/2010/main" val="387790956"/>
+      </p:ext>
+    </p:extLst>
+  </p:cSld>
+  <p:clrMapOvr>
+    <a:masterClrMapping/>
+  </p:clrMapOvr>
+  <p:transition spd="slow">
+    <p:cover/>
+  </p:transition>
+</p:sld>
+</file>
+
+<file path=ppt/slides/slide15.xml><?xml version="1.0" encoding="utf-8"?>
+<p:sld xmlns:a="http://schemas.openxmlformats.org/drawingml/2006/main" xmlns:r="http://schemas.openxmlformats.org/officeDocument/2006/relationships" xmlns:p="http://schemas.openxmlformats.org/presentationml/2006/main">
+  <p:cSld>
+    <p:spTree>
+      <p:nvGrpSpPr>
+        <p:cNvPr id="1" name=""/>
+        <p:cNvGrpSpPr/>
+        <p:nvPr/>
+      </p:nvGrpSpPr>
+      <p:grpSpPr>
+        <a:xfrm>
+          <a:off x="0" y="0"/>
+          <a:ext cx="0" cy="0"/>
+          <a:chOff x="0" y="0"/>
+          <a:chExt cx="0" cy="0"/>
+        </a:xfrm>
+      </p:grpSpPr>
+      <p:sp>
+        <p:nvSpPr>
+          <p:cNvPr id="16385" name="Title 1"/>
+          <p:cNvSpPr>
+            <a:spLocks noGrp="1"/>
+          </p:cNvSpPr>
+          <p:nvPr>
+            <p:ph type="title"/>
+          </p:nvPr>
+        </p:nvSpPr>
+        <p:spPr>
+          <a:xfrm>
+            <a:off x="861432" y="1143005"/>
+            <a:ext cx="12907536" cy="4670189"/>
+          </a:xfrm>
+        </p:spPr>
+        <p:txBody>
+          <a:bodyPr/>
+          <a:lstStyle/>
+          <a:p>
+            <a:pPr algn="ctr"/>
+            <a:r>
+              <a:rPr lang="en-US" dirty="0"/>
+              <a:t>“The Hadoop and Big Data Market are projected to grow from $17.1B in 2017 to $99.31B in 2022 attaining a 28.5% CAGR. The greatest period of projected growth is in 2021 and 2022 when the market is projected to jump $30B in value in one year. Source: </a:t>
+            </a:r>
+            <a:r>
+              <a:rPr lang="en-US" dirty="0" err="1"/>
+              <a:t>StrategyMRC</a:t>
+            </a:r>
+            <a:r>
+              <a:rPr lang="en-US" dirty="0"/>
+              <a:t> and reported by Statista.”</a:t>
+            </a:r>
+          </a:p>
+        </p:txBody>
+      </p:sp>
+      <p:sp>
+        <p:nvSpPr>
+          <p:cNvPr id="3" name="Text Placeholder 2"/>
+          <p:cNvSpPr>
+            <a:spLocks noGrp="1"/>
+          </p:cNvSpPr>
+          <p:nvPr>
+            <p:ph type="body" sz="quarter" idx="11"/>
+          </p:nvPr>
+        </p:nvSpPr>
+        <p:spPr>
+          <a:xfrm>
+            <a:off x="3276600" y="5861243"/>
+            <a:ext cx="8077200" cy="276225"/>
+          </a:xfrm>
+        </p:spPr>
+        <p:txBody>
+          <a:bodyPr/>
+          <a:lstStyle/>
+          <a:p>
+            <a:pPr defTabSz="1306221" fontAlgn="auto">
+              <a:spcAft>
+                <a:spcPts val="0"/>
+              </a:spcAft>
+              <a:buFont typeface="Arial" panose="020B0604020202020204" pitchFamily="34" charset="0"/>
+              <a:buNone/>
+              <a:defRPr/>
+            </a:pPr>
+            <a:r>
+              <a:rPr lang="en-US" sz="1800" dirty="0">
+                <a:ea typeface="+mn-ea"/>
+              </a:rPr>
+              <a:t>Louis Columbus, </a:t>
+            </a:r>
+            <a:r>
+              <a:rPr lang="en-US" sz="1800" dirty="0">
+                <a:ea typeface="+mn-ea"/>
+                <a:hlinkClick r:id="rId3"/>
+              </a:rPr>
+              <a:t>Forbes</a:t>
+            </a:r>
+            <a:r>
+              <a:rPr lang="en-US" sz="1800" dirty="0">
+                <a:ea typeface="+mn-ea"/>
+              </a:rPr>
+              <a:t>, 2018</a:t>
+            </a:r>
+          </a:p>
+        </p:txBody>
+      </p:sp>
+    </p:spTree>
+    <p:extLst>
+      <p:ext uri="{BB962C8B-B14F-4D97-AF65-F5344CB8AC3E}">
+        <p14:creationId xmlns:p14="http://schemas.microsoft.com/office/powerpoint/2010/main" val="112958601"/>
+      </p:ext>
+    </p:extLst>
+  </p:cSld>
+  <p:clrMapOvr>
+    <a:masterClrMapping/>
+  </p:clrMapOvr>
+  <p:transition spd="slow">
+    <p:cover/>
+  </p:transition>
+</p:sld>
+</file>
+
+<file path=ppt/slides/slide16.xml><?xml version="1.0" encoding="utf-8"?>
+<p:sld xmlns:a="http://schemas.openxmlformats.org/drawingml/2006/main" xmlns:r="http://schemas.openxmlformats.org/officeDocument/2006/relationships" xmlns:p="http://schemas.openxmlformats.org/presentationml/2006/main">
+  <p:cSld>
+    <p:spTree>
+      <p:nvGrpSpPr>
+        <p:cNvPr id="1" name=""/>
+        <p:cNvGrpSpPr/>
+        <p:nvPr/>
+      </p:nvGrpSpPr>
+      <p:grpSpPr>
+        <a:xfrm>
+          <a:off x="0" y="0"/>
+          <a:ext cx="0" cy="0"/>
+          <a:chOff x="0" y="0"/>
+          <a:chExt cx="0" cy="0"/>
+        </a:xfrm>
+      </p:grpSpPr>
+      <p:sp>
+        <p:nvSpPr>
+          <p:cNvPr id="16385" name="Title 1"/>
+          <p:cNvSpPr>
+            <a:spLocks noGrp="1"/>
+          </p:cNvSpPr>
+          <p:nvPr>
+            <p:ph type="title"/>
+          </p:nvPr>
+        </p:nvSpPr>
+        <p:spPr>
+          <a:xfrm>
+            <a:off x="861432" y="1120700"/>
+            <a:ext cx="12907536" cy="4670189"/>
+          </a:xfrm>
+        </p:spPr>
+        <p:txBody>
+          <a:bodyPr/>
+          <a:lstStyle/>
+          <a:p>
+            <a:pPr algn="ctr"/>
+            <a:r>
+              <a:rPr lang="en-US" dirty="0"/>
+              <a:t>“The Hadoop and Big Data Market are projected to grow from $17.1B in 2017 to $99.31B in 2022 attaining a 28.5% CAGR. The greatest period of projected growth is in 2021 and 2022 when the market is projected to jump $30B in value in one year. Source: </a:t>
+            </a:r>
+            <a:r>
+              <a:rPr lang="en-US" dirty="0" err="1"/>
+              <a:t>StrategyMRC</a:t>
+            </a:r>
+            <a:r>
+              <a:rPr lang="en-US" dirty="0"/>
+              <a:t> and reported by Statista.”</a:t>
+            </a:r>
+          </a:p>
+        </p:txBody>
+      </p:sp>
+      <p:sp>
+        <p:nvSpPr>
+          <p:cNvPr id="3" name="Text Placeholder 2"/>
+          <p:cNvSpPr>
+            <a:spLocks noGrp="1"/>
+          </p:cNvSpPr>
+          <p:nvPr>
+            <p:ph type="body" sz="quarter" idx="11"/>
+          </p:nvPr>
+        </p:nvSpPr>
+        <p:spPr>
+          <a:xfrm>
+            <a:off x="3276600" y="5861243"/>
+            <a:ext cx="8077200" cy="276225"/>
+          </a:xfrm>
+        </p:spPr>
+        <p:txBody>
+          <a:bodyPr/>
+          <a:lstStyle/>
+          <a:p>
+            <a:pPr defTabSz="1306221" fontAlgn="auto">
+              <a:spcAft>
+                <a:spcPts val="0"/>
+              </a:spcAft>
+              <a:buFont typeface="Arial" panose="020B0604020202020204" pitchFamily="34" charset="0"/>
+              <a:buNone/>
+              <a:defRPr/>
+            </a:pPr>
+            <a:r>
+              <a:rPr lang="en-US" sz="1800" dirty="0">
+                <a:ea typeface="+mn-ea"/>
+              </a:rPr>
+              <a:t>Louis Columbus, </a:t>
+            </a:r>
+            <a:r>
+              <a:rPr lang="en-US" sz="1800" dirty="0">
+                <a:ea typeface="+mn-ea"/>
+                <a:hlinkClick r:id="rId3"/>
+              </a:rPr>
+              <a:t>Forbes</a:t>
+            </a:r>
+            <a:r>
+              <a:rPr lang="en-US" sz="1800" dirty="0">
+                <a:ea typeface="+mn-ea"/>
+              </a:rPr>
+              <a:t>, 2018</a:t>
+            </a:r>
+          </a:p>
+        </p:txBody>
+      </p:sp>
+    </p:spTree>
+    <p:extLst>
+      <p:ext uri="{BB962C8B-B14F-4D97-AF65-F5344CB8AC3E}">
+        <p14:creationId xmlns:p14="http://schemas.microsoft.com/office/powerpoint/2010/main" val="3983564150"/>
+      </p:ext>
+    </p:extLst>
+  </p:cSld>
+  <p:clrMapOvr>
+    <a:masterClrMapping/>
+  </p:clrMapOvr>
+  <p:transition spd="slow">
+    <p:cover/>
+  </p:transition>
+</p:sld>
+</file>
+
+<file path=ppt/slides/slide17.xml><?xml version="1.0" encoding="utf-8"?>
+<p:sld xmlns:a="http://schemas.openxmlformats.org/drawingml/2006/main" xmlns:r="http://schemas.openxmlformats.org/officeDocument/2006/relationships" xmlns:p="http://schemas.openxmlformats.org/presentationml/2006/main">
+  <p:cSld>
+    <p:spTree>
+      <p:nvGrpSpPr>
+        <p:cNvPr id="1" name=""/>
+        <p:cNvGrpSpPr/>
+        <p:nvPr/>
+      </p:nvGrpSpPr>
+      <p:grpSpPr>
+        <a:xfrm>
+          <a:off x="0" y="0"/>
+          <a:ext cx="0" cy="0"/>
+          <a:chOff x="0" y="0"/>
+          <a:chExt cx="0" cy="0"/>
+        </a:xfrm>
+      </p:grpSpPr>
+      <p:sp>
+        <p:nvSpPr>
+          <p:cNvPr id="16385" name="Title 1"/>
+          <p:cNvSpPr>
+            <a:spLocks noGrp="1"/>
+          </p:cNvSpPr>
+          <p:nvPr>
+            <p:ph type="title"/>
+          </p:nvPr>
+        </p:nvSpPr>
+        <p:spPr>
+          <a:xfrm>
+            <a:off x="861432" y="3278458"/>
+            <a:ext cx="12907536" cy="1346202"/>
+          </a:xfrm>
+        </p:spPr>
+        <p:txBody>
+          <a:bodyPr/>
+          <a:lstStyle/>
+          <a:p>
+            <a:pPr algn="ctr"/>
+            <a:r>
+              <a:rPr lang="en-US" dirty="0"/>
+              <a:t>“90% of the data in the world today has been created in the last two years.”</a:t>
+            </a:r>
+          </a:p>
+        </p:txBody>
+      </p:sp>
+      <p:sp>
+        <p:nvSpPr>
+          <p:cNvPr id="3" name="Text Placeholder 2"/>
+          <p:cNvSpPr>
+            <a:spLocks noGrp="1"/>
+          </p:cNvSpPr>
+          <p:nvPr>
+            <p:ph type="body" sz="quarter" idx="11"/>
+          </p:nvPr>
+        </p:nvSpPr>
+        <p:spPr>
+          <a:xfrm>
+            <a:off x="3276600" y="4679213"/>
+            <a:ext cx="8077200" cy="276225"/>
+          </a:xfrm>
+        </p:spPr>
+        <p:txBody>
+          <a:bodyPr/>
+          <a:lstStyle/>
+          <a:p>
+            <a:pPr defTabSz="1306221" fontAlgn="auto">
+              <a:spcAft>
+                <a:spcPts val="0"/>
+              </a:spcAft>
+              <a:defRPr/>
+            </a:pPr>
+            <a:r>
+              <a:rPr lang="en-US" sz="1800" dirty="0"/>
+              <a:t>Ralph Jacobson, </a:t>
+            </a:r>
+            <a:r>
+              <a:rPr lang="en-US" sz="1800" dirty="0">
+                <a:hlinkClick r:id="rId3"/>
+              </a:rPr>
+              <a:t>IBM</a:t>
+            </a:r>
+            <a:r>
+              <a:rPr lang="en-US" sz="1800" dirty="0"/>
+              <a:t>, 2013</a:t>
+            </a:r>
+          </a:p>
+        </p:txBody>
+      </p:sp>
+    </p:spTree>
+    <p:extLst>
+      <p:ext uri="{BB962C8B-B14F-4D97-AF65-F5344CB8AC3E}">
+        <p14:creationId xmlns:p14="http://schemas.microsoft.com/office/powerpoint/2010/main" val="710967404"/>
+      </p:ext>
+    </p:extLst>
+  </p:cSld>
+  <p:clrMapOvr>
+    <a:masterClrMapping/>
+  </p:clrMapOvr>
+  <p:transition spd="slow">
+    <p:cover/>
+  </p:transition>
+</p:sld>
+</file>
+
+<file path=ppt/slides/slide18.xml><?xml version="1.0" encoding="utf-8"?>
+<p:sld xmlns:a="http://schemas.openxmlformats.org/drawingml/2006/main" xmlns:r="http://schemas.openxmlformats.org/officeDocument/2006/relationships" xmlns:p="http://schemas.openxmlformats.org/presentationml/2006/main">
+  <p:cSld>
+    <p:spTree>
+      <p:nvGrpSpPr>
+        <p:cNvPr id="1" name=""/>
+        <p:cNvGrpSpPr/>
+        <p:nvPr/>
+      </p:nvGrpSpPr>
+      <p:grpSpPr>
+        <a:xfrm>
+          <a:off x="0" y="0"/>
+          <a:ext cx="0" cy="0"/>
+          <a:chOff x="0" y="0"/>
+          <a:chExt cx="0" cy="0"/>
+        </a:xfrm>
+      </p:grpSpPr>
+      <p:sp>
+        <p:nvSpPr>
+          <p:cNvPr id="2" name="Content Placeholder 1"/>
+          <p:cNvSpPr>
+            <a:spLocks noGrp="1"/>
+          </p:cNvSpPr>
+          <p:nvPr>
+            <p:ph idx="14"/>
+          </p:nvPr>
+        </p:nvSpPr>
+        <p:spPr>
+          <a:xfrm>
+            <a:off x="704476" y="1893515"/>
+            <a:ext cx="13273820" cy="3816429"/>
+          </a:xfrm>
+        </p:spPr>
+        <p:txBody>
+          <a:bodyPr/>
+          <a:lstStyle/>
+          <a:p>
+            <a:pPr marL="457200" indent="-457200" defTabSz="1306221" fontAlgn="auto">
+              <a:defRPr/>
+            </a:pPr>
+            <a:r>
+              <a:rPr lang="en-US" sz="2400" dirty="0">
+                <a:ea typeface="+mn-ea"/>
+              </a:rPr>
+              <a:t>40,000 average Google searches as of 5/27/19 (</a:t>
+            </a:r>
+            <a:r>
+              <a:rPr lang="en-US" sz="2400" dirty="0">
+                <a:ea typeface="+mn-ea"/>
+                <a:hlinkClick r:id="rId3"/>
+              </a:rPr>
+              <a:t>Internet Live Stats</a:t>
+            </a:r>
+            <a:r>
+              <a:rPr lang="en-US" sz="2400" dirty="0">
+                <a:ea typeface="+mn-ea"/>
+              </a:rPr>
+              <a:t>)</a:t>
+            </a:r>
+            <a:endParaRPr lang="en-US" sz="2400" dirty="0"/>
+          </a:p>
+          <a:p>
+            <a:pPr marL="457200" indent="-457200" defTabSz="1306221" fontAlgn="auto">
+              <a:defRPr/>
+            </a:pPr>
+            <a:r>
+              <a:rPr lang="en-US" sz="2400" dirty="0"/>
+              <a:t>57,870 YouTube videos watched on average in 2018 (</a:t>
+            </a:r>
+            <a:r>
+              <a:rPr lang="en-US" sz="2400" dirty="0">
+                <a:hlinkClick r:id="rId4"/>
+              </a:rPr>
+              <a:t>YouTube</a:t>
+            </a:r>
+            <a:r>
+              <a:rPr lang="en-US" sz="2400" dirty="0"/>
+              <a:t>)</a:t>
+            </a:r>
+          </a:p>
+          <a:p>
+            <a:pPr marL="457200" indent="-457200" defTabSz="1306221" fontAlgn="auto">
+              <a:defRPr/>
+            </a:pPr>
+            <a:r>
+              <a:rPr lang="en-US" sz="2400" dirty="0"/>
+              <a:t>11,574 hours of YouTube video watched on average in 2018 (</a:t>
+            </a:r>
+            <a:r>
+              <a:rPr lang="en-US" sz="2400" dirty="0">
+                <a:hlinkClick r:id="rId4"/>
+              </a:rPr>
+              <a:t>YouTube</a:t>
+            </a:r>
+            <a:r>
+              <a:rPr lang="en-US" sz="2400" dirty="0"/>
+              <a:t>)</a:t>
+            </a:r>
+            <a:endParaRPr lang="en-US" sz="2400" dirty="0">
+              <a:ea typeface="+mn-ea"/>
+            </a:endParaRPr>
+          </a:p>
+          <a:p>
+            <a:pPr marL="457200" indent="-457200" defTabSz="1306221" fontAlgn="auto">
+              <a:defRPr/>
+            </a:pPr>
+            <a:r>
+              <a:rPr lang="en-US" sz="2400" dirty="0">
+                <a:ea typeface="+mn-ea"/>
+              </a:rPr>
+              <a:t>34,722 Snapchat photos shared on average in 2018 (</a:t>
+            </a:r>
+            <a:r>
+              <a:rPr lang="en-US" sz="2400" dirty="0">
+                <a:ea typeface="+mn-ea"/>
+                <a:hlinkClick r:id="rId5"/>
+              </a:rPr>
+              <a:t>Snapchat</a:t>
+            </a:r>
+            <a:r>
+              <a:rPr lang="en-US" sz="2400" dirty="0">
+                <a:ea typeface="+mn-ea"/>
+              </a:rPr>
+              <a:t>)</a:t>
+            </a:r>
+          </a:p>
+          <a:p>
+            <a:pPr marL="457200" indent="-457200" defTabSz="1306221" fontAlgn="auto">
+              <a:defRPr/>
+            </a:pPr>
+            <a:r>
+              <a:rPr lang="en-US" sz="2400" dirty="0">
+                <a:ea typeface="+mn-ea"/>
+              </a:rPr>
+              <a:t>1,157 Instagram photos and videos uploaded as of 9/17/18 (</a:t>
+            </a:r>
+            <a:r>
+              <a:rPr lang="en-US" sz="2400" dirty="0" err="1">
+                <a:ea typeface="+mn-ea"/>
+                <a:hlinkClick r:id="rId6"/>
+              </a:rPr>
+              <a:t>Omnicore</a:t>
+            </a:r>
+            <a:r>
+              <a:rPr lang="en-US" sz="2400" dirty="0">
+                <a:ea typeface="+mn-ea"/>
+              </a:rPr>
+              <a:t>)</a:t>
+            </a:r>
+          </a:p>
+          <a:p>
+            <a:pPr marL="457200" indent="-457200" defTabSz="1306221" fontAlgn="auto">
+              <a:defRPr/>
+            </a:pPr>
+            <a:r>
+              <a:rPr lang="en-US" sz="2400" dirty="0">
+                <a:ea typeface="+mn-ea"/>
+              </a:rPr>
+              <a:t>6,000 tweets on Twitter as of 5/17/19 </a:t>
+            </a:r>
+            <a:r>
+              <a:rPr lang="en-US" sz="2400" dirty="0"/>
+              <a:t>(</a:t>
+            </a:r>
+            <a:r>
+              <a:rPr lang="en-US" sz="2400" dirty="0">
+                <a:hlinkClick r:id="rId7"/>
+              </a:rPr>
+              <a:t>Internet Live Stats</a:t>
+            </a:r>
+            <a:r>
+              <a:rPr lang="en-US" sz="2400" dirty="0"/>
+              <a:t>)</a:t>
+            </a:r>
+          </a:p>
+          <a:p>
+            <a:pPr marL="739775" lvl="1" indent="-457200" defTabSz="1306221" fontAlgn="auto">
+              <a:defRPr/>
+            </a:pPr>
+            <a:r>
+              <a:rPr lang="en-US" sz="2000" dirty="0">
+                <a:ea typeface="+mn-ea"/>
+              </a:rPr>
+              <a:t>Record second was 143,199 on August 3, 2013 when Castle in the Sky aired in Japan (</a:t>
+            </a:r>
+            <a:r>
+              <a:rPr lang="en-US" sz="2000" dirty="0">
+                <a:ea typeface="+mn-ea"/>
+                <a:hlinkClick r:id="rId8"/>
+              </a:rPr>
+              <a:t>Twitter</a:t>
+            </a:r>
+            <a:r>
+              <a:rPr lang="en-US" sz="2000" dirty="0">
+                <a:ea typeface="+mn-ea"/>
+              </a:rPr>
+              <a:t>)</a:t>
+            </a:r>
+          </a:p>
+          <a:p>
+            <a:pPr marL="739775" lvl="1" indent="-457200" defTabSz="1306221" fontAlgn="auto">
+              <a:defRPr/>
+            </a:pPr>
+            <a:r>
+              <a:rPr lang="en-US" sz="2000" dirty="0">
+                <a:ea typeface="+mn-ea"/>
+              </a:rPr>
+              <a:t>Previous record was set on June 25, 2009 at 456 tweets after Michael Jackson’s death (</a:t>
+            </a:r>
+            <a:r>
+              <a:rPr lang="en-US" sz="2000" dirty="0">
+                <a:ea typeface="+mn-ea"/>
+                <a:hlinkClick r:id="rId9"/>
+              </a:rPr>
+              <a:t>Twitter</a:t>
+            </a:r>
+            <a:r>
+              <a:rPr lang="en-US" sz="2000" dirty="0">
+                <a:ea typeface="+mn-ea"/>
+              </a:rPr>
+              <a:t>)</a:t>
+            </a:r>
+          </a:p>
+          <a:p>
+            <a:pPr marL="457200" indent="-457200" defTabSz="1306221" fontAlgn="auto">
+              <a:defRPr/>
+            </a:pPr>
+            <a:endParaRPr lang="en-US" sz="2400" dirty="0">
+              <a:ea typeface="+mn-ea"/>
+            </a:endParaRPr>
+          </a:p>
+        </p:txBody>
+      </p:sp>
+      <p:sp>
+        <p:nvSpPr>
+          <p:cNvPr id="3" name="Text Placeholder 2"/>
+          <p:cNvSpPr>
+            <a:spLocks noGrp="1"/>
+          </p:cNvSpPr>
+          <p:nvPr>
+            <p:ph type="body" sz="quarter" idx="12"/>
+          </p:nvPr>
+        </p:nvSpPr>
+        <p:spPr>
+          <a:prstGeom prst="rect">
+            <a:avLst/>
+          </a:prstGeom>
+        </p:spPr>
+        <p:txBody>
+          <a:bodyPr/>
+          <a:lstStyle/>
+          <a:p>
+            <a:pPr defTabSz="1306221" fontAlgn="auto">
+              <a:spcAft>
+                <a:spcPts val="0"/>
+              </a:spcAft>
+              <a:defRPr/>
+            </a:pPr>
+            <a:r>
+              <a:rPr lang="en-US" dirty="0">
+                <a:ea typeface="+mn-ea"/>
+              </a:rPr>
+              <a:t>Amount of data per second</a:t>
+            </a:r>
+          </a:p>
+        </p:txBody>
+      </p:sp>
+    </p:spTree>
+    <p:extLst>
+      <p:ext uri="{BB962C8B-B14F-4D97-AF65-F5344CB8AC3E}">
+        <p14:creationId xmlns:p14="http://schemas.microsoft.com/office/powerpoint/2010/main" val="3753771489"/>
+      </p:ext>
+    </p:extLst>
+  </p:cSld>
+  <p:clrMapOvr>
+    <a:masterClrMapping/>
+  </p:clrMapOvr>
+  <p:transition spd="slow">
+    <p:cover/>
+  </p:transition>
+  <p:timing>
+    <p:tnLst>
+      <p:par>
+        <p:cTn id="1" dur="indefinite" restart="never" nodeType="tmRoot">
+          <p:childTnLst>
+            <p:seq concurrent="1" nextAc="seek">
+              <p:cTn id="2" dur="indefinite" nodeType="mainSeq">
+                <p:childTnLst>
+                  <p:par>
+                    <p:cTn id="3" fill="hold">
+                      <p:stCondLst>
+                        <p:cond delay="indefinite"/>
+                      </p:stCondLst>
+                      <p:childTnLst>
+                        <p:par>
+                          <p:cTn id="4" fill="hold">
+                            <p:stCondLst>
+                              <p:cond delay="0"/>
+                            </p:stCondLst>
+                            <p:childTnLst>
+                              <p:par>
+                                <p:cTn id="5" presetID="10" presetClass="entr" presetSubtype="0" fill="hold" grpId="0" nodeType="clickEffect">
+                                  <p:stCondLst>
+                                    <p:cond delay="0"/>
+                                  </p:stCondLst>
+                                  <p:childTnLst>
+                                    <p:set>
+                                      <p:cBhvr>
+                                        <p:cTn id="6" dur="1" fill="hold">
+                                          <p:stCondLst>
+                                            <p:cond delay="0"/>
+                                          </p:stCondLst>
+                                        </p:cTn>
+                                        <p:tgtEl>
+                                          <p:spTgt spid="2">
+                                            <p:txEl>
+                                              <p:pRg st="0" end="0"/>
+                                            </p:txEl>
+                                          </p:spTgt>
+                                        </p:tgtEl>
+                                        <p:attrNameLst>
+                                          <p:attrName>style.visibility</p:attrName>
+                                        </p:attrNameLst>
+                                      </p:cBhvr>
+                                      <p:to>
+                                        <p:strVal val="visible"/>
+                                      </p:to>
+                                    </p:set>
+                                    <p:animEffect transition="in" filter="fade">
+                                      <p:cBhvr>
+                                        <p:cTn id="7" dur="500"/>
+                                        <p:tgtEl>
+                                          <p:spTgt spid="2">
+                                            <p:txEl>
+                                              <p:pRg st="0" end="0"/>
+                                            </p:txEl>
+                                          </p:spTgt>
+                                        </p:tgtEl>
+                                      </p:cBhvr>
+                                    </p:animEffect>
+                                  </p:childTnLst>
+                                </p:cTn>
+                              </p:par>
+                            </p:childTnLst>
+                          </p:cTn>
+                        </p:par>
+                      </p:childTnLst>
+                    </p:cTn>
+                  </p:par>
+                  <p:par>
+                    <p:cTn id="8" fill="hold">
+                      <p:stCondLst>
+                        <p:cond delay="indefinite"/>
+                      </p:stCondLst>
+                      <p:childTnLst>
+                        <p:par>
+                          <p:cTn id="9" fill="hold">
+                            <p:stCondLst>
+                              <p:cond delay="0"/>
+                            </p:stCondLst>
+                            <p:childTnLst>
+                              <p:par>
+                                <p:cTn id="10" presetID="10" presetClass="entr" presetSubtype="0" fill="hold" grpId="0" nodeType="clickEffect">
+                                  <p:stCondLst>
+                                    <p:cond delay="0"/>
+                                  </p:stCondLst>
+                                  <p:childTnLst>
+                                    <p:set>
+                                      <p:cBhvr>
+                                        <p:cTn id="11" dur="1" fill="hold">
+                                          <p:stCondLst>
+                                            <p:cond delay="0"/>
+                                          </p:stCondLst>
+                                        </p:cTn>
+                                        <p:tgtEl>
+                                          <p:spTgt spid="2">
+                                            <p:txEl>
+                                              <p:pRg st="1" end="1"/>
+                                            </p:txEl>
+                                          </p:spTgt>
+                                        </p:tgtEl>
+                                        <p:attrNameLst>
+                                          <p:attrName>style.visibility</p:attrName>
+                                        </p:attrNameLst>
+                                      </p:cBhvr>
+                                      <p:to>
+                                        <p:strVal val="visible"/>
+                                      </p:to>
+                                    </p:set>
+                                    <p:animEffect transition="in" filter="fade">
+                                      <p:cBhvr>
+                                        <p:cTn id="12" dur="500"/>
+                                        <p:tgtEl>
+                                          <p:spTgt spid="2">
+                                            <p:txEl>
+                                              <p:pRg st="1" end="1"/>
+                                            </p:txEl>
+                                          </p:spTgt>
+                                        </p:tgtEl>
+                                      </p:cBhvr>
+                                    </p:animEffect>
+                                  </p:childTnLst>
+                                </p:cTn>
+                              </p:par>
+                            </p:childTnLst>
+                          </p:cTn>
+                        </p:par>
+                      </p:childTnLst>
+                    </p:cTn>
+                  </p:par>
+                  <p:par>
+                    <p:cTn id="13" fill="hold">
+                      <p:stCondLst>
+                        <p:cond delay="indefinite"/>
+                      </p:stCondLst>
+                      <p:childTnLst>
+                        <p:par>
+                          <p:cTn id="14" fill="hold">
+                            <p:stCondLst>
+                              <p:cond delay="0"/>
+                            </p:stCondLst>
+                            <p:childTnLst>
+                              <p:par>
+                                <p:cTn id="15" presetID="10" presetClass="entr" presetSubtype="0" fill="hold" grpId="0" nodeType="clickEffect">
+                                  <p:stCondLst>
+                                    <p:cond delay="0"/>
+                                  </p:stCondLst>
+                                  <p:childTnLst>
+                                    <p:set>
+                                      <p:cBhvr>
+                                        <p:cTn id="16" dur="1" fill="hold">
+                                          <p:stCondLst>
+                                            <p:cond delay="0"/>
+                                          </p:stCondLst>
+                                        </p:cTn>
+                                        <p:tgtEl>
+                                          <p:spTgt spid="2">
+                                            <p:txEl>
+                                              <p:pRg st="2" end="2"/>
+                                            </p:txEl>
+                                          </p:spTgt>
+                                        </p:tgtEl>
+                                        <p:attrNameLst>
+                                          <p:attrName>style.visibility</p:attrName>
+                                        </p:attrNameLst>
+                                      </p:cBhvr>
+                                      <p:to>
+                                        <p:strVal val="visible"/>
+                                      </p:to>
+                                    </p:set>
+                                    <p:animEffect transition="in" filter="fade">
+                                      <p:cBhvr>
+                                        <p:cTn id="17" dur="500"/>
+                                        <p:tgtEl>
+                                          <p:spTgt spid="2">
+                                            <p:txEl>
+                                              <p:pRg st="2" end="2"/>
+                                            </p:txEl>
+                                          </p:spTgt>
+                                        </p:tgtEl>
+                                      </p:cBhvr>
+                                    </p:animEffect>
+                                  </p:childTnLst>
+                                </p:cTn>
+                              </p:par>
+                            </p:childTnLst>
+                          </p:cTn>
+                        </p:par>
+                      </p:childTnLst>
+                    </p:cTn>
+                  </p:par>
+                  <p:par>
+                    <p:cTn id="18" fill="hold">
+                      <p:stCondLst>
+                        <p:cond delay="indefinite"/>
+                      </p:stCondLst>
+                      <p:childTnLst>
+                        <p:par>
+                          <p:cTn id="19" fill="hold">
+                            <p:stCondLst>
+                              <p:cond delay="0"/>
+                            </p:stCondLst>
+                            <p:childTnLst>
+                              <p:par>
+                                <p:cTn id="20" presetID="10" presetClass="entr" presetSubtype="0" fill="hold" grpId="0" nodeType="clickEffect">
+                                  <p:stCondLst>
+                                    <p:cond delay="0"/>
+                                  </p:stCondLst>
+                                  <p:childTnLst>
+                                    <p:set>
+                                      <p:cBhvr>
+                                        <p:cTn id="21" dur="1" fill="hold">
+                                          <p:stCondLst>
+                                            <p:cond delay="0"/>
+                                          </p:stCondLst>
+                                        </p:cTn>
+                                        <p:tgtEl>
+                                          <p:spTgt spid="2">
+                                            <p:txEl>
+                                              <p:pRg st="3" end="3"/>
+                                            </p:txEl>
+                                          </p:spTgt>
+                                        </p:tgtEl>
+                                        <p:attrNameLst>
+                                          <p:attrName>style.visibility</p:attrName>
+                                        </p:attrNameLst>
+                                      </p:cBhvr>
+                                      <p:to>
+                                        <p:strVal val="visible"/>
+                                      </p:to>
+                                    </p:set>
+                                    <p:animEffect transition="in" filter="fade">
+                                      <p:cBhvr>
+                                        <p:cTn id="22" dur="500"/>
+                                        <p:tgtEl>
+                                          <p:spTgt spid="2">
+                                            <p:txEl>
+                                              <p:pRg st="3" end="3"/>
+                                            </p:txEl>
+                                          </p:spTgt>
+                                        </p:tgtEl>
+                                      </p:cBhvr>
+                                    </p:animEffect>
+                                  </p:childTnLst>
+                                </p:cTn>
+                              </p:par>
+                            </p:childTnLst>
+                          </p:cTn>
+                        </p:par>
+                      </p:childTnLst>
+                    </p:cTn>
+                  </p:par>
+                  <p:par>
+                    <p:cTn id="23" fill="hold">
+                      <p:stCondLst>
+                        <p:cond delay="indefinite"/>
+                      </p:stCondLst>
+                      <p:childTnLst>
+                        <p:par>
+                          <p:cTn id="24" fill="hold">
+                            <p:stCondLst>
+                              <p:cond delay="0"/>
+                            </p:stCondLst>
+                            <p:childTnLst>
+                              <p:par>
+                                <p:cTn id="25" presetID="10" presetClass="entr" presetSubtype="0" fill="hold" grpId="0" nodeType="clickEffect">
+                                  <p:stCondLst>
+                                    <p:cond delay="0"/>
+                                  </p:stCondLst>
+                                  <p:childTnLst>
+                                    <p:set>
+                                      <p:cBhvr>
+                                        <p:cTn id="26" dur="1" fill="hold">
+                                          <p:stCondLst>
+                                            <p:cond delay="0"/>
+                                          </p:stCondLst>
+                                        </p:cTn>
+                                        <p:tgtEl>
+                                          <p:spTgt spid="2">
+                                            <p:txEl>
+                                              <p:pRg st="4" end="4"/>
+                                            </p:txEl>
+                                          </p:spTgt>
+                                        </p:tgtEl>
+                                        <p:attrNameLst>
+                                          <p:attrName>style.visibility</p:attrName>
+                                        </p:attrNameLst>
+                                      </p:cBhvr>
+                                      <p:to>
+                                        <p:strVal val="visible"/>
+                                      </p:to>
+                                    </p:set>
+                                    <p:animEffect transition="in" filter="fade">
+                                      <p:cBhvr>
+                                        <p:cTn id="27" dur="500"/>
+                                        <p:tgtEl>
+                                          <p:spTgt spid="2">
+                                            <p:txEl>
+                                              <p:pRg st="4" end="4"/>
+                                            </p:txEl>
+                                          </p:spTgt>
+                                        </p:tgtEl>
+                                      </p:cBhvr>
+                                    </p:animEffect>
+                                  </p:childTnLst>
+                                </p:cTn>
+                              </p:par>
+                            </p:childTnLst>
+                          </p:cTn>
+                        </p:par>
+                      </p:childTnLst>
+                    </p:cTn>
+                  </p:par>
+                  <p:par>
+                    <p:cTn id="28" fill="hold">
+                      <p:stCondLst>
+                        <p:cond delay="indefinite"/>
+                      </p:stCondLst>
+                      <p:childTnLst>
+                        <p:par>
+                          <p:cTn id="29" fill="hold">
+                            <p:stCondLst>
+                              <p:cond delay="0"/>
+                            </p:stCondLst>
+                            <p:childTnLst>
+                              <p:par>
+                                <p:cTn id="30" presetID="10" presetClass="entr" presetSubtype="0" fill="hold" grpId="0" nodeType="clickEffect">
+                                  <p:stCondLst>
+                                    <p:cond delay="0"/>
+                                  </p:stCondLst>
+                                  <p:childTnLst>
+                                    <p:set>
+                                      <p:cBhvr>
+                                        <p:cTn id="31" dur="1" fill="hold">
+                                          <p:stCondLst>
+                                            <p:cond delay="0"/>
+                                          </p:stCondLst>
+                                        </p:cTn>
+                                        <p:tgtEl>
+                                          <p:spTgt spid="2">
+                                            <p:txEl>
+                                              <p:pRg st="5" end="5"/>
+                                            </p:txEl>
+                                          </p:spTgt>
+                                        </p:tgtEl>
+                                        <p:attrNameLst>
+                                          <p:attrName>style.visibility</p:attrName>
+                                        </p:attrNameLst>
+                                      </p:cBhvr>
+                                      <p:to>
+                                        <p:strVal val="visible"/>
+                                      </p:to>
+                                    </p:set>
+                                    <p:animEffect transition="in" filter="fade">
+                                      <p:cBhvr>
+                                        <p:cTn id="32" dur="500"/>
+                                        <p:tgtEl>
+                                          <p:spTgt spid="2">
+                                            <p:txEl>
+                                              <p:pRg st="5" end="5"/>
+                                            </p:txEl>
+                                          </p:spTgt>
+                                        </p:tgtEl>
+                                      </p:cBhvr>
+                                    </p:animEffect>
+                                  </p:childTnLst>
+                                </p:cTn>
+                              </p:par>
+                            </p:childTnLst>
+                          </p:cTn>
+                        </p:par>
+                      </p:childTnLst>
+                    </p:cTn>
+                  </p:par>
+                  <p:par>
+                    <p:cTn id="33" fill="hold">
+                      <p:stCondLst>
+                        <p:cond delay="indefinite"/>
+                      </p:stCondLst>
+                      <p:childTnLst>
+                        <p:par>
+                          <p:cTn id="34" fill="hold">
+                            <p:stCondLst>
+                              <p:cond delay="0"/>
+                            </p:stCondLst>
+                            <p:childTnLst>
+                              <p:par>
+                                <p:cTn id="35" presetID="10" presetClass="entr" presetSubtype="0" fill="hold" grpId="0" nodeType="clickEffect">
+                                  <p:stCondLst>
+                                    <p:cond delay="0"/>
+                                  </p:stCondLst>
+                                  <p:childTnLst>
+                                    <p:set>
+                                      <p:cBhvr>
+                                        <p:cTn id="36" dur="1" fill="hold">
+                                          <p:stCondLst>
+                                            <p:cond delay="0"/>
+                                          </p:stCondLst>
+                                        </p:cTn>
+                                        <p:tgtEl>
+                                          <p:spTgt spid="2">
+                                            <p:txEl>
+                                              <p:pRg st="6" end="6"/>
+                                            </p:txEl>
+                                          </p:spTgt>
+                                        </p:tgtEl>
+                                        <p:attrNameLst>
+                                          <p:attrName>style.visibility</p:attrName>
+                                        </p:attrNameLst>
+                                      </p:cBhvr>
+                                      <p:to>
+                                        <p:strVal val="visible"/>
+                                      </p:to>
+                                    </p:set>
+                                    <p:animEffect transition="in" filter="fade">
+                                      <p:cBhvr>
+                                        <p:cTn id="37" dur="500"/>
+                                        <p:tgtEl>
+                                          <p:spTgt spid="2">
+                                            <p:txEl>
+                                              <p:pRg st="6" end="6"/>
+                                            </p:txEl>
+                                          </p:spTgt>
+                                        </p:tgtEl>
+                                      </p:cBhvr>
+                                    </p:animEffect>
+                                  </p:childTnLst>
+                                </p:cTn>
+                              </p:par>
+                            </p:childTnLst>
+                          </p:cTn>
+                        </p:par>
+                      </p:childTnLst>
+                    </p:cTn>
+                  </p:par>
+                  <p:par>
+                    <p:cTn id="38" fill="hold">
+                      <p:stCondLst>
+                        <p:cond delay="indefinite"/>
+                      </p:stCondLst>
+                      <p:childTnLst>
+                        <p:par>
+                          <p:cTn id="39" fill="hold">
+                            <p:stCondLst>
+                              <p:cond delay="0"/>
+                            </p:stCondLst>
+                            <p:childTnLst>
+                              <p:par>
+                                <p:cTn id="40" presetID="10" presetClass="entr" presetSubtype="0" fill="hold" grpId="0" nodeType="clickEffect">
+                                  <p:stCondLst>
+                                    <p:cond delay="0"/>
+                                  </p:stCondLst>
+                                  <p:childTnLst>
+                                    <p:set>
+                                      <p:cBhvr>
+                                        <p:cTn id="41" dur="1" fill="hold">
+                                          <p:stCondLst>
+                                            <p:cond delay="0"/>
+                                          </p:stCondLst>
+                                        </p:cTn>
+                                        <p:tgtEl>
+                                          <p:spTgt spid="2">
+                                            <p:txEl>
+                                              <p:pRg st="7" end="7"/>
+                                            </p:txEl>
+                                          </p:spTgt>
+                                        </p:tgtEl>
+                                        <p:attrNameLst>
+                                          <p:attrName>style.visibility</p:attrName>
+                                        </p:attrNameLst>
+                                      </p:cBhvr>
+                                      <p:to>
+                                        <p:strVal val="visible"/>
+                                      </p:to>
+                                    </p:set>
+                                    <p:animEffect transition="in" filter="fade">
+                                      <p:cBhvr>
+                                        <p:cTn id="42" dur="500"/>
+                                        <p:tgtEl>
+                                          <p:spTgt spid="2">
+                                            <p:txEl>
+                                              <p:pRg st="7" end="7"/>
+                                            </p:txEl>
+                                          </p:spTgt>
+                                        </p:tgtEl>
+                                      </p:cBhvr>
+                                    </p:animEffect>
+                                  </p:childTnLst>
+                                </p:cTn>
+                              </p:par>
+                            </p:childTnLst>
+                          </p:cTn>
+                        </p:par>
+                      </p:childTnLst>
+                    </p:cTn>
+                  </p:par>
+                </p:childTnLst>
+              </p:cTn>
+              <p:prevCondLst>
+                <p:cond evt="onPrev" delay="0">
+                  <p:tgtEl>
+                    <p:sldTgt/>
+                  </p:tgtEl>
+                </p:cond>
+              </p:prevCondLst>
+              <p:nextCondLst>
+                <p:cond evt="onNext" delay="0">
+                  <p:tgtEl>
+                    <p:sldTgt/>
+                  </p:tgtEl>
+                </p:cond>
+              </p:nextCondLst>
+            </p:seq>
+          </p:childTnLst>
+        </p:cTn>
+      </p:par>
+    </p:tnLst>
+    <p:bldLst>
+      <p:bldP spid="2" grpId="0" uiExpand="1" build="p"/>
+    </p:bldLst>
+  </p:timing>
+</p:sld>
+</file>
+
+<file path=ppt/slides/slide19.xml><?xml version="1.0" encoding="utf-8"?>
+<p:sld xmlns:a="http://schemas.openxmlformats.org/drawingml/2006/main" xmlns:r="http://schemas.openxmlformats.org/officeDocument/2006/relationships" xmlns:p="http://schemas.openxmlformats.org/presentationml/2006/main">
+  <p:cSld>
+    <p:spTree>
+      <p:nvGrpSpPr>
+        <p:cNvPr id="1" name=""/>
+        <p:cNvGrpSpPr/>
+        <p:nvPr/>
+      </p:nvGrpSpPr>
+      <p:grpSpPr>
+        <a:xfrm>
+          <a:off x="0" y="0"/>
+          <a:ext cx="0" cy="0"/>
+          <a:chOff x="0" y="0"/>
+          <a:chExt cx="0" cy="0"/>
+        </a:xfrm>
+      </p:grpSpPr>
+      <p:sp>
+        <p:nvSpPr>
+          <p:cNvPr id="2" name="Content Placeholder 1"/>
+          <p:cNvSpPr>
+            <a:spLocks noGrp="1"/>
+          </p:cNvSpPr>
+          <p:nvPr>
+            <p:ph idx="14"/>
+          </p:nvPr>
+        </p:nvSpPr>
+        <p:spPr>
+          <a:xfrm>
+            <a:off x="704476" y="1893515"/>
+            <a:ext cx="13273820" cy="4401205"/>
+          </a:xfrm>
+        </p:spPr>
+        <p:txBody>
+          <a:bodyPr/>
+          <a:lstStyle/>
+          <a:p>
+            <a:pPr marL="457200" indent="-457200" defTabSz="1306221" fontAlgn="auto">
+              <a:defRPr/>
+            </a:pPr>
+            <a:r>
+              <a:rPr lang="en-US" sz="2400" dirty="0">
+                <a:ea typeface="+mn-ea"/>
+              </a:rPr>
+              <a:t>More opportunities to collect data</a:t>
+            </a:r>
+          </a:p>
+          <a:p>
+            <a:pPr marL="739775" lvl="1" indent="-457200" defTabSz="1306221" fontAlgn="auto">
+              <a:defRPr/>
+            </a:pPr>
+            <a:r>
+              <a:rPr lang="en-US" sz="2000" dirty="0">
+                <a:ea typeface="+mn-ea"/>
+              </a:rPr>
+              <a:t>Virtual Assistants, chatbots</a:t>
+            </a:r>
+          </a:p>
+          <a:p>
+            <a:pPr marL="739775" lvl="1" indent="-457200" defTabSz="1306221" fontAlgn="auto">
+              <a:defRPr/>
+            </a:pPr>
+            <a:r>
+              <a:rPr lang="en-US" sz="2000" dirty="0">
+                <a:ea typeface="+mn-ea"/>
+              </a:rPr>
+              <a:t>More “smart” devices (50 billion collecting data by 2020, </a:t>
+            </a:r>
+            <a:r>
+              <a:rPr lang="en-US" sz="2000" dirty="0">
+                <a:ea typeface="+mn-ea"/>
+                <a:hlinkClick r:id="rId3"/>
+              </a:rPr>
+              <a:t>according to </a:t>
+            </a:r>
+            <a:r>
+              <a:rPr lang="en-US" sz="2000" dirty="0" err="1">
+                <a:ea typeface="+mn-ea"/>
+                <a:hlinkClick r:id="rId3"/>
+              </a:rPr>
+              <a:t>Attunity</a:t>
+            </a:r>
+            <a:r>
+              <a:rPr lang="en-US" sz="2000" dirty="0">
+                <a:ea typeface="+mn-ea"/>
+              </a:rPr>
+              <a:t>)</a:t>
+            </a:r>
+          </a:p>
+          <a:p>
+            <a:pPr marL="739775" lvl="1" indent="-457200" defTabSz="1306221" fontAlgn="auto">
+              <a:defRPr/>
+            </a:pPr>
+            <a:r>
+              <a:rPr lang="en-US" sz="2000" dirty="0">
+                <a:ea typeface="+mn-ea"/>
+              </a:rPr>
+              <a:t>Consumers are sharing more information (social media, photo sharing, purchase transactions, etc.)</a:t>
+            </a:r>
+          </a:p>
+          <a:p>
+            <a:pPr marL="739775" lvl="1" indent="-457200" defTabSz="1306221" fontAlgn="auto">
+              <a:defRPr/>
+            </a:pPr>
+            <a:r>
+              <a:rPr lang="en-US" sz="2000" dirty="0">
+                <a:ea typeface="+mn-ea"/>
+              </a:rPr>
+              <a:t>More people to collect data from (increasing world population, increasing percent of digital users)</a:t>
+            </a:r>
+          </a:p>
+          <a:p>
+            <a:pPr marL="739775" lvl="1" indent="-457200" defTabSz="1306221" fontAlgn="auto">
+              <a:defRPr/>
+            </a:pPr>
+            <a:r>
+              <a:rPr lang="en-US" sz="2000" dirty="0">
+                <a:ea typeface="+mn-ea"/>
+              </a:rPr>
+              <a:t>Telemetry (feature usage, performance, etc.)</a:t>
+            </a:r>
+          </a:p>
+          <a:p>
+            <a:pPr marL="457200" indent="-457200" defTabSz="1306221" fontAlgn="auto">
+              <a:defRPr/>
+            </a:pPr>
+            <a:r>
+              <a:rPr lang="en-US" sz="2400" dirty="0">
+                <a:ea typeface="+mn-ea"/>
+              </a:rPr>
+              <a:t>Data is increasingly utilizable</a:t>
+            </a:r>
+          </a:p>
+          <a:p>
+            <a:pPr marL="739775" lvl="1" indent="-457200" defTabSz="1306221" fontAlgn="auto">
+              <a:defRPr/>
+            </a:pPr>
+            <a:r>
+              <a:rPr lang="en-US" sz="2000" dirty="0">
+                <a:ea typeface="+mn-ea"/>
+              </a:rPr>
+              <a:t>Modern tools such as machine learning and modern visual analytics</a:t>
+            </a:r>
+          </a:p>
+          <a:p>
+            <a:pPr marL="739775" lvl="1" indent="-457200" defTabSz="1306221" fontAlgn="auto">
+              <a:defRPr/>
+            </a:pPr>
+            <a:r>
+              <a:rPr lang="en-US" sz="2000" dirty="0">
+                <a:ea typeface="+mn-ea"/>
+              </a:rPr>
+              <a:t>Applicable to more scenarios such as machine learning (autonomous cars, image recognition)</a:t>
+            </a:r>
+          </a:p>
+          <a:p>
+            <a:pPr marL="457200" indent="-457200" defTabSz="1306221" fontAlgn="auto">
+              <a:defRPr/>
+            </a:pPr>
+            <a:r>
+              <a:rPr lang="en-US" sz="2400" dirty="0">
+                <a:ea typeface="+mn-ea"/>
+              </a:rPr>
+              <a:t>It’s new (see “Technology Adoption Over Time”)</a:t>
+            </a:r>
+          </a:p>
+          <a:p>
+            <a:pPr marL="457200" indent="-457200" defTabSz="1306221" fontAlgn="auto">
+              <a:defRPr/>
+            </a:pPr>
+            <a:endParaRPr lang="en-US" sz="2400" dirty="0">
+              <a:ea typeface="+mn-ea"/>
+            </a:endParaRPr>
+          </a:p>
+        </p:txBody>
+      </p:sp>
+      <p:sp>
+        <p:nvSpPr>
+          <p:cNvPr id="3" name="Text Placeholder 2"/>
+          <p:cNvSpPr>
+            <a:spLocks noGrp="1"/>
+          </p:cNvSpPr>
+          <p:nvPr>
+            <p:ph type="body" sz="quarter" idx="12"/>
+          </p:nvPr>
+        </p:nvSpPr>
+        <p:spPr>
+          <a:prstGeom prst="rect">
+            <a:avLst/>
+          </a:prstGeom>
+        </p:spPr>
+        <p:txBody>
+          <a:bodyPr/>
+          <a:lstStyle/>
+          <a:p>
+            <a:pPr defTabSz="1306221" fontAlgn="auto">
+              <a:spcAft>
+                <a:spcPts val="0"/>
+              </a:spcAft>
+              <a:defRPr/>
+            </a:pPr>
+            <a:r>
+              <a:rPr lang="en-US" dirty="0">
+                <a:ea typeface="+mn-ea"/>
+              </a:rPr>
+              <a:t>Why is there more data?</a:t>
+            </a:r>
+          </a:p>
+        </p:txBody>
+      </p:sp>
+    </p:spTree>
+    <p:extLst>
+      <p:ext uri="{BB962C8B-B14F-4D97-AF65-F5344CB8AC3E}">
+        <p14:creationId xmlns:p14="http://schemas.microsoft.com/office/powerpoint/2010/main" val="1412509278"/>
+      </p:ext>
+    </p:extLst>
+  </p:cSld>
+  <p:clrMapOvr>
+    <a:masterClrMapping/>
+  </p:clrMapOvr>
+  <p:transition spd="slow">
+    <p:cover/>
+  </p:transition>
+  <p:timing>
+    <p:tnLst>
+      <p:par>
+        <p:cTn id="1" dur="indefinite" restart="never" nodeType="tmRoot">
+          <p:childTnLst>
+            <p:seq concurrent="1" nextAc="seek">
+              <p:cTn id="2" dur="indefinite" nodeType="mainSeq">
+                <p:childTnLst>
+                  <p:par>
+                    <p:cTn id="3" fill="hold">
+                      <p:stCondLst>
+                        <p:cond delay="indefinite"/>
+                      </p:stCondLst>
+                      <p:childTnLst>
+                        <p:par>
+                          <p:cTn id="4" fill="hold">
+                            <p:stCondLst>
+                              <p:cond delay="0"/>
+                            </p:stCondLst>
+                            <p:childTnLst>
+                              <p:par>
+                                <p:cTn id="5" presetID="10" presetClass="entr" presetSubtype="0" fill="hold" grpId="0" nodeType="clickEffect">
+                                  <p:stCondLst>
+                                    <p:cond delay="0"/>
+                                  </p:stCondLst>
+                                  <p:childTnLst>
+                                    <p:set>
+                                      <p:cBhvr>
+                                        <p:cTn id="6" dur="1" fill="hold">
+                                          <p:stCondLst>
+                                            <p:cond delay="0"/>
+                                          </p:stCondLst>
+                                        </p:cTn>
+                                        <p:tgtEl>
+                                          <p:spTgt spid="2">
+                                            <p:txEl>
+                                              <p:pRg st="0" end="0"/>
+                                            </p:txEl>
+                                          </p:spTgt>
+                                        </p:tgtEl>
+                                        <p:attrNameLst>
+                                          <p:attrName>style.visibility</p:attrName>
+                                        </p:attrNameLst>
+                                      </p:cBhvr>
+                                      <p:to>
+                                        <p:strVal val="visible"/>
+                                      </p:to>
+                                    </p:set>
+                                    <p:animEffect transition="in" filter="fade">
+                                      <p:cBhvr>
+                                        <p:cTn id="7" dur="500"/>
+                                        <p:tgtEl>
+                                          <p:spTgt spid="2">
+                                            <p:txEl>
+                                              <p:pRg st="0" end="0"/>
+                                            </p:txEl>
+                                          </p:spTgt>
+                                        </p:tgtEl>
+                                      </p:cBhvr>
+                                    </p:animEffect>
+                                  </p:childTnLst>
+                                </p:cTn>
+                              </p:par>
+                            </p:childTnLst>
+                          </p:cTn>
+                        </p:par>
+                      </p:childTnLst>
+                    </p:cTn>
+                  </p:par>
+                  <p:par>
+                    <p:cTn id="8" fill="hold">
+                      <p:stCondLst>
+                        <p:cond delay="indefinite"/>
+                      </p:stCondLst>
+                      <p:childTnLst>
+                        <p:par>
+                          <p:cTn id="9" fill="hold">
+                            <p:stCondLst>
+                              <p:cond delay="0"/>
+                            </p:stCondLst>
+                            <p:childTnLst>
+                              <p:par>
+                                <p:cTn id="10" presetID="10" presetClass="entr" presetSubtype="0" fill="hold" grpId="0" nodeType="clickEffect">
+                                  <p:stCondLst>
+                                    <p:cond delay="0"/>
+                                  </p:stCondLst>
+                                  <p:childTnLst>
+                                    <p:set>
+                                      <p:cBhvr>
+                                        <p:cTn id="11" dur="1" fill="hold">
+                                          <p:stCondLst>
+                                            <p:cond delay="0"/>
+                                          </p:stCondLst>
+                                        </p:cTn>
+                                        <p:tgtEl>
+                                          <p:spTgt spid="2">
+                                            <p:txEl>
+                                              <p:pRg st="1" end="1"/>
+                                            </p:txEl>
+                                          </p:spTgt>
+                                        </p:tgtEl>
+                                        <p:attrNameLst>
+                                          <p:attrName>style.visibility</p:attrName>
+                                        </p:attrNameLst>
+                                      </p:cBhvr>
+                                      <p:to>
+                                        <p:strVal val="visible"/>
+                                      </p:to>
+                                    </p:set>
+                                    <p:animEffect transition="in" filter="fade">
+                                      <p:cBhvr>
+                                        <p:cTn id="12" dur="500"/>
+                                        <p:tgtEl>
+                                          <p:spTgt spid="2">
+                                            <p:txEl>
+                                              <p:pRg st="1" end="1"/>
+                                            </p:txEl>
+                                          </p:spTgt>
+                                        </p:tgtEl>
+                                      </p:cBhvr>
+                                    </p:animEffect>
+                                  </p:childTnLst>
+                                </p:cTn>
+                              </p:par>
+                            </p:childTnLst>
+                          </p:cTn>
+                        </p:par>
+                      </p:childTnLst>
+                    </p:cTn>
+                  </p:par>
+                  <p:par>
+                    <p:cTn id="13" fill="hold">
+                      <p:stCondLst>
+                        <p:cond delay="indefinite"/>
+                      </p:stCondLst>
+                      <p:childTnLst>
+                        <p:par>
+                          <p:cTn id="14" fill="hold">
+                            <p:stCondLst>
+                              <p:cond delay="0"/>
+                            </p:stCondLst>
+                            <p:childTnLst>
+                              <p:par>
+                                <p:cTn id="15" presetID="10" presetClass="entr" presetSubtype="0" fill="hold" grpId="0" nodeType="clickEffect">
+                                  <p:stCondLst>
+                                    <p:cond delay="0"/>
+                                  </p:stCondLst>
+                                  <p:childTnLst>
+                                    <p:set>
+                                      <p:cBhvr>
+                                        <p:cTn id="16" dur="1" fill="hold">
+                                          <p:stCondLst>
+                                            <p:cond delay="0"/>
+                                          </p:stCondLst>
+                                        </p:cTn>
+                                        <p:tgtEl>
+                                          <p:spTgt spid="2">
+                                            <p:txEl>
+                                              <p:pRg st="2" end="2"/>
+                                            </p:txEl>
+                                          </p:spTgt>
+                                        </p:tgtEl>
+                                        <p:attrNameLst>
+                                          <p:attrName>style.visibility</p:attrName>
+                                        </p:attrNameLst>
+                                      </p:cBhvr>
+                                      <p:to>
+                                        <p:strVal val="visible"/>
+                                      </p:to>
+                                    </p:set>
+                                    <p:animEffect transition="in" filter="fade">
+                                      <p:cBhvr>
+                                        <p:cTn id="17" dur="500"/>
+                                        <p:tgtEl>
+                                          <p:spTgt spid="2">
+                                            <p:txEl>
+                                              <p:pRg st="2" end="2"/>
+                                            </p:txEl>
+                                          </p:spTgt>
+                                        </p:tgtEl>
+                                      </p:cBhvr>
+                                    </p:animEffect>
+                                  </p:childTnLst>
+                                </p:cTn>
+                              </p:par>
+                            </p:childTnLst>
+                          </p:cTn>
+                        </p:par>
+                      </p:childTnLst>
+                    </p:cTn>
+                  </p:par>
+                  <p:par>
+                    <p:cTn id="18" fill="hold">
+                      <p:stCondLst>
+                        <p:cond delay="indefinite"/>
+                      </p:stCondLst>
+                      <p:childTnLst>
+                        <p:par>
+                          <p:cTn id="19" fill="hold">
+                            <p:stCondLst>
+                              <p:cond delay="0"/>
+                            </p:stCondLst>
+                            <p:childTnLst>
+                              <p:par>
+                                <p:cTn id="20" presetID="10" presetClass="entr" presetSubtype="0" fill="hold" grpId="0" nodeType="clickEffect">
+                                  <p:stCondLst>
+                                    <p:cond delay="0"/>
+                                  </p:stCondLst>
+                                  <p:childTnLst>
+                                    <p:set>
+                                      <p:cBhvr>
+                                        <p:cTn id="21" dur="1" fill="hold">
+                                          <p:stCondLst>
+                                            <p:cond delay="0"/>
+                                          </p:stCondLst>
+                                        </p:cTn>
+                                        <p:tgtEl>
+                                          <p:spTgt spid="2">
+                                            <p:txEl>
+                                              <p:pRg st="3" end="3"/>
+                                            </p:txEl>
+                                          </p:spTgt>
+                                        </p:tgtEl>
+                                        <p:attrNameLst>
+                                          <p:attrName>style.visibility</p:attrName>
+                                        </p:attrNameLst>
+                                      </p:cBhvr>
+                                      <p:to>
+                                        <p:strVal val="visible"/>
+                                      </p:to>
+                                    </p:set>
+                                    <p:animEffect transition="in" filter="fade">
+                                      <p:cBhvr>
+                                        <p:cTn id="22" dur="500"/>
+                                        <p:tgtEl>
+                                          <p:spTgt spid="2">
+                                            <p:txEl>
+                                              <p:pRg st="3" end="3"/>
+                                            </p:txEl>
+                                          </p:spTgt>
+                                        </p:tgtEl>
+                                      </p:cBhvr>
+                                    </p:animEffect>
+                                  </p:childTnLst>
+                                </p:cTn>
+                              </p:par>
+                            </p:childTnLst>
+                          </p:cTn>
+                        </p:par>
+                      </p:childTnLst>
+                    </p:cTn>
+                  </p:par>
+                  <p:par>
+                    <p:cTn id="23" fill="hold">
+                      <p:stCondLst>
+                        <p:cond delay="indefinite"/>
+                      </p:stCondLst>
+                      <p:childTnLst>
+                        <p:par>
+                          <p:cTn id="24" fill="hold">
+                            <p:stCondLst>
+                              <p:cond delay="0"/>
+                            </p:stCondLst>
+                            <p:childTnLst>
+                              <p:par>
+                                <p:cTn id="25" presetID="10" presetClass="entr" presetSubtype="0" fill="hold" grpId="0" nodeType="clickEffect">
+                                  <p:stCondLst>
+                                    <p:cond delay="0"/>
+                                  </p:stCondLst>
+                                  <p:childTnLst>
+                                    <p:set>
+                                      <p:cBhvr>
+                                        <p:cTn id="26" dur="1" fill="hold">
+                                          <p:stCondLst>
+                                            <p:cond delay="0"/>
+                                          </p:stCondLst>
+                                        </p:cTn>
+                                        <p:tgtEl>
+                                          <p:spTgt spid="2">
+                                            <p:txEl>
+                                              <p:pRg st="4" end="4"/>
+                                            </p:txEl>
+                                          </p:spTgt>
+                                        </p:tgtEl>
+                                        <p:attrNameLst>
+                                          <p:attrName>style.visibility</p:attrName>
+                                        </p:attrNameLst>
+                                      </p:cBhvr>
+                                      <p:to>
+                                        <p:strVal val="visible"/>
+                                      </p:to>
+                                    </p:set>
+                                    <p:animEffect transition="in" filter="fade">
+                                      <p:cBhvr>
+                                        <p:cTn id="27" dur="500"/>
+                                        <p:tgtEl>
+                                          <p:spTgt spid="2">
+                                            <p:txEl>
+                                              <p:pRg st="4" end="4"/>
+                                            </p:txEl>
+                                          </p:spTgt>
+                                        </p:tgtEl>
+                                      </p:cBhvr>
+                                    </p:animEffect>
+                                  </p:childTnLst>
+                                </p:cTn>
+                              </p:par>
+                            </p:childTnLst>
+                          </p:cTn>
+                        </p:par>
+                      </p:childTnLst>
+                    </p:cTn>
+                  </p:par>
+                  <p:par>
+                    <p:cTn id="28" fill="hold">
+                      <p:stCondLst>
+                        <p:cond delay="indefinite"/>
+                      </p:stCondLst>
+                      <p:childTnLst>
+                        <p:par>
+                          <p:cTn id="29" fill="hold">
+                            <p:stCondLst>
+                              <p:cond delay="0"/>
+                            </p:stCondLst>
+                            <p:childTnLst>
+                              <p:par>
+                                <p:cTn id="30" presetID="10" presetClass="entr" presetSubtype="0" fill="hold" grpId="0" nodeType="clickEffect">
+                                  <p:stCondLst>
+                                    <p:cond delay="0"/>
+                                  </p:stCondLst>
+                                  <p:childTnLst>
+                                    <p:set>
+                                      <p:cBhvr>
+                                        <p:cTn id="31" dur="1" fill="hold">
+                                          <p:stCondLst>
+                                            <p:cond delay="0"/>
+                                          </p:stCondLst>
+                                        </p:cTn>
+                                        <p:tgtEl>
+                                          <p:spTgt spid="2">
+                                            <p:txEl>
+                                              <p:pRg st="5" end="5"/>
+                                            </p:txEl>
+                                          </p:spTgt>
+                                        </p:tgtEl>
+                                        <p:attrNameLst>
+                                          <p:attrName>style.visibility</p:attrName>
+                                        </p:attrNameLst>
+                                      </p:cBhvr>
+                                      <p:to>
+                                        <p:strVal val="visible"/>
+                                      </p:to>
+                                    </p:set>
+                                    <p:animEffect transition="in" filter="fade">
+                                      <p:cBhvr>
+                                        <p:cTn id="32" dur="500"/>
+                                        <p:tgtEl>
+                                          <p:spTgt spid="2">
+                                            <p:txEl>
+                                              <p:pRg st="5" end="5"/>
+                                            </p:txEl>
+                                          </p:spTgt>
+                                        </p:tgtEl>
+                                      </p:cBhvr>
+                                    </p:animEffect>
+                                  </p:childTnLst>
+                                </p:cTn>
+                              </p:par>
+                            </p:childTnLst>
+                          </p:cTn>
+                        </p:par>
+                      </p:childTnLst>
+                    </p:cTn>
+                  </p:par>
+                  <p:par>
+                    <p:cTn id="33" fill="hold">
+                      <p:stCondLst>
+                        <p:cond delay="indefinite"/>
+                      </p:stCondLst>
+                      <p:childTnLst>
+                        <p:par>
+                          <p:cTn id="34" fill="hold">
+                            <p:stCondLst>
+                              <p:cond delay="0"/>
+                            </p:stCondLst>
+                            <p:childTnLst>
+                              <p:par>
+                                <p:cTn id="35" presetID="10" presetClass="entr" presetSubtype="0" fill="hold" grpId="0" nodeType="clickEffect">
+                                  <p:stCondLst>
+                                    <p:cond delay="0"/>
+                                  </p:stCondLst>
+                                  <p:childTnLst>
+                                    <p:set>
+                                      <p:cBhvr>
+                                        <p:cTn id="36" dur="1" fill="hold">
+                                          <p:stCondLst>
+                                            <p:cond delay="0"/>
+                                          </p:stCondLst>
+                                        </p:cTn>
+                                        <p:tgtEl>
+                                          <p:spTgt spid="2">
+                                            <p:txEl>
+                                              <p:pRg st="6" end="6"/>
+                                            </p:txEl>
+                                          </p:spTgt>
+                                        </p:tgtEl>
+                                        <p:attrNameLst>
+                                          <p:attrName>style.visibility</p:attrName>
+                                        </p:attrNameLst>
+                                      </p:cBhvr>
+                                      <p:to>
+                                        <p:strVal val="visible"/>
+                                      </p:to>
+                                    </p:set>
+                                    <p:animEffect transition="in" filter="fade">
+                                      <p:cBhvr>
+                                        <p:cTn id="37" dur="500"/>
+                                        <p:tgtEl>
+                                          <p:spTgt spid="2">
+                                            <p:txEl>
+                                              <p:pRg st="6" end="6"/>
+                                            </p:txEl>
+                                          </p:spTgt>
+                                        </p:tgtEl>
+                                      </p:cBhvr>
+                                    </p:animEffect>
+                                  </p:childTnLst>
+                                </p:cTn>
+                              </p:par>
+                            </p:childTnLst>
+                          </p:cTn>
+                        </p:par>
+                      </p:childTnLst>
+                    </p:cTn>
+                  </p:par>
+                  <p:par>
+                    <p:cTn id="38" fill="hold">
+                      <p:stCondLst>
+                        <p:cond delay="indefinite"/>
+                      </p:stCondLst>
+                      <p:childTnLst>
+                        <p:par>
+                          <p:cTn id="39" fill="hold">
+                            <p:stCondLst>
+                              <p:cond delay="0"/>
+                            </p:stCondLst>
+                            <p:childTnLst>
+                              <p:par>
+                                <p:cTn id="40" presetID="10" presetClass="entr" presetSubtype="0" fill="hold" grpId="0" nodeType="clickEffect">
+                                  <p:stCondLst>
+                                    <p:cond delay="0"/>
+                                  </p:stCondLst>
+                                  <p:childTnLst>
+                                    <p:set>
+                                      <p:cBhvr>
+                                        <p:cTn id="41" dur="1" fill="hold">
+                                          <p:stCondLst>
+                                            <p:cond delay="0"/>
+                                          </p:stCondLst>
+                                        </p:cTn>
+                                        <p:tgtEl>
+                                          <p:spTgt spid="2">
+                                            <p:txEl>
+                                              <p:pRg st="7" end="7"/>
+                                            </p:txEl>
+                                          </p:spTgt>
+                                        </p:tgtEl>
+                                        <p:attrNameLst>
+                                          <p:attrName>style.visibility</p:attrName>
+                                        </p:attrNameLst>
+                                      </p:cBhvr>
+                                      <p:to>
+                                        <p:strVal val="visible"/>
+                                      </p:to>
+                                    </p:set>
+                                    <p:animEffect transition="in" filter="fade">
+                                      <p:cBhvr>
+                                        <p:cTn id="42" dur="500"/>
+                                        <p:tgtEl>
+                                          <p:spTgt spid="2">
+                                            <p:txEl>
+                                              <p:pRg st="7" end="7"/>
+                                            </p:txEl>
+                                          </p:spTgt>
+                                        </p:tgtEl>
+                                      </p:cBhvr>
+                                    </p:animEffect>
+                                  </p:childTnLst>
+                                </p:cTn>
+                              </p:par>
+                            </p:childTnLst>
+                          </p:cTn>
+                        </p:par>
+                      </p:childTnLst>
+                    </p:cTn>
+                  </p:par>
+                  <p:par>
+                    <p:cTn id="43" fill="hold">
+                      <p:stCondLst>
+                        <p:cond delay="indefinite"/>
+                      </p:stCondLst>
+                      <p:childTnLst>
+                        <p:par>
+                          <p:cTn id="44" fill="hold">
+                            <p:stCondLst>
+                              <p:cond delay="0"/>
+                            </p:stCondLst>
+                            <p:childTnLst>
+                              <p:par>
+                                <p:cTn id="45" presetID="10" presetClass="entr" presetSubtype="0" fill="hold" grpId="0" nodeType="clickEffect">
+                                  <p:stCondLst>
+                                    <p:cond delay="0"/>
+                                  </p:stCondLst>
+                                  <p:childTnLst>
+                                    <p:set>
+                                      <p:cBhvr>
+                                        <p:cTn id="46" dur="1" fill="hold">
+                                          <p:stCondLst>
+                                            <p:cond delay="0"/>
+                                          </p:stCondLst>
+                                        </p:cTn>
+                                        <p:tgtEl>
+                                          <p:spTgt spid="2">
+                                            <p:txEl>
+                                              <p:pRg st="8" end="8"/>
+                                            </p:txEl>
+                                          </p:spTgt>
+                                        </p:tgtEl>
+                                        <p:attrNameLst>
+                                          <p:attrName>style.visibility</p:attrName>
+                                        </p:attrNameLst>
+                                      </p:cBhvr>
+                                      <p:to>
+                                        <p:strVal val="visible"/>
+                                      </p:to>
+                                    </p:set>
+                                    <p:animEffect transition="in" filter="fade">
+                                      <p:cBhvr>
+                                        <p:cTn id="47" dur="500"/>
+                                        <p:tgtEl>
+                                          <p:spTgt spid="2">
+                                            <p:txEl>
+                                              <p:pRg st="8" end="8"/>
+                                            </p:txEl>
+                                          </p:spTgt>
+                                        </p:tgtEl>
+                                      </p:cBhvr>
+                                    </p:animEffect>
+                                  </p:childTnLst>
+                                </p:cTn>
+                              </p:par>
+                            </p:childTnLst>
+                          </p:cTn>
+                        </p:par>
+                      </p:childTnLst>
+                    </p:cTn>
+                  </p:par>
+                  <p:par>
+                    <p:cTn id="48" fill="hold">
+                      <p:stCondLst>
+                        <p:cond delay="indefinite"/>
+                      </p:stCondLst>
+                      <p:childTnLst>
+                        <p:par>
+                          <p:cTn id="49" fill="hold">
+                            <p:stCondLst>
+                              <p:cond delay="0"/>
+                            </p:stCondLst>
+                            <p:childTnLst>
+                              <p:par>
+                                <p:cTn id="50" presetID="10" presetClass="entr" presetSubtype="0" fill="hold" grpId="0" nodeType="clickEffect">
+                                  <p:stCondLst>
+                                    <p:cond delay="0"/>
+                                  </p:stCondLst>
+                                  <p:childTnLst>
+                                    <p:set>
+                                      <p:cBhvr>
+                                        <p:cTn id="51" dur="1" fill="hold">
+                                          <p:stCondLst>
+                                            <p:cond delay="0"/>
+                                          </p:stCondLst>
+                                        </p:cTn>
+                                        <p:tgtEl>
+                                          <p:spTgt spid="2">
+                                            <p:txEl>
+                                              <p:pRg st="9" end="9"/>
+                                            </p:txEl>
+                                          </p:spTgt>
+                                        </p:tgtEl>
+                                        <p:attrNameLst>
+                                          <p:attrName>style.visibility</p:attrName>
+                                        </p:attrNameLst>
+                                      </p:cBhvr>
+                                      <p:to>
+                                        <p:strVal val="visible"/>
+                                      </p:to>
+                                    </p:set>
+                                    <p:animEffect transition="in" filter="fade">
+                                      <p:cBhvr>
+                                        <p:cTn id="52" dur="500"/>
+                                        <p:tgtEl>
+                                          <p:spTgt spid="2">
+                                            <p:txEl>
+                                              <p:pRg st="9" end="9"/>
+                                            </p:txEl>
+                                          </p:spTgt>
+                                        </p:tgtEl>
+                                      </p:cBhvr>
+                                    </p:animEffect>
+                                  </p:childTnLst>
+                                </p:cTn>
+                              </p:par>
+                            </p:childTnLst>
+                          </p:cTn>
+                        </p:par>
+                      </p:childTnLst>
+                    </p:cTn>
+                  </p:par>
+                </p:childTnLst>
+              </p:cTn>
+              <p:prevCondLst>
+                <p:cond evt="onPrev" delay="0">
+                  <p:tgtEl>
+                    <p:sldTgt/>
+                  </p:tgtEl>
+                </p:cond>
+              </p:prevCondLst>
+              <p:nextCondLst>
+                <p:cond evt="onNext" delay="0">
+                  <p:tgtEl>
+                    <p:sldTgt/>
+                  </p:tgtEl>
+                </p:cond>
+              </p:nextCondLst>
+            </p:seq>
+          </p:childTnLst>
+        </p:cTn>
+      </p:par>
+    </p:tnLst>
+    <p:bldLst>
+      <p:bldP spid="2" grpId="0" uiExpand="1" build="p"/>
+    </p:bldLst>
+  </p:timing>
+</p:sld>
+</file>
+
+<file path=ppt/slides/slide2.xml><?xml version="1.0" encoding="utf-8"?>
+<p:sld xmlns:a="http://schemas.openxmlformats.org/drawingml/2006/main" xmlns:r="http://schemas.openxmlformats.org/officeDocument/2006/relationships" xmlns:p="http://schemas.openxmlformats.org/presentationml/2006/main">
+  <p:cSld>
+    <p:spTree>
+      <p:nvGrpSpPr>
+        <p:cNvPr id="1" name=""/>
+        <p:cNvGrpSpPr/>
+        <p:nvPr/>
+      </p:nvGrpSpPr>
+      <p:grpSpPr>
+        <a:xfrm>
+          <a:off x="0" y="0"/>
+          <a:ext cx="0" cy="0"/>
+          <a:chOff x="0" y="0"/>
+          <a:chExt cx="0" cy="0"/>
+        </a:xfrm>
+      </p:grpSpPr>
+      <p:sp>
+        <p:nvSpPr>
+          <p:cNvPr id="21505" name="Title 1"/>
+          <p:cNvSpPr>
+            <a:spLocks noGrp="1"/>
+          </p:cNvSpPr>
+          <p:nvPr>
+            <p:ph type="title" idx="4294967295"/>
+          </p:nvPr>
+        </p:nvSpPr>
+        <p:spPr>
+          <a:xfrm>
+            <a:off x="704850" y="1811338"/>
+            <a:ext cx="13274675" cy="567848"/>
+          </a:xfrm>
+        </p:spPr>
+        <p:txBody>
+          <a:bodyPr/>
+          <a:lstStyle/>
+          <a:p>
+            <a:r>
+              <a:rPr lang="en-US" dirty="0">
+                <a:solidFill>
+                  <a:srgbClr val="4C4C4C"/>
+                </a:solidFill>
+                <a:latin typeface="BentonSans Book" charset="0"/>
+              </a:rPr>
+              <a:t>About Me</a:t>
+            </a:r>
+          </a:p>
+        </p:txBody>
+      </p:sp>
+    </p:spTree>
+    <p:extLst>
+      <p:ext uri="{BB962C8B-B14F-4D97-AF65-F5344CB8AC3E}">
+        <p14:creationId xmlns:p14="http://schemas.microsoft.com/office/powerpoint/2010/main" val="395676606"/>
+      </p:ext>
+    </p:extLst>
+  </p:cSld>
+  <p:clrMapOvr>
+    <a:masterClrMapping/>
+  </p:clrMapOvr>
+  <p:transition spd="slow">
+    <p:push dir="u"/>
+  </p:transition>
+</p:sld>
+</file>
+
+<file path=ppt/slides/slide20.xml><?xml version="1.0" encoding="utf-8"?>
 <p:sld xmlns:a="http://schemas.openxmlformats.org/drawingml/2006/main" xmlns:r="http://schemas.openxmlformats.org/officeDocument/2006/relationships" xmlns:p="http://schemas.openxmlformats.org/presentationml/2006/main">
   <p:cSld>
     <p:spTree>
@@ -11596,22 +15178,7 @@
                 </a:solidFill>
                 <a:latin typeface="BentonSans Book" charset="0"/>
               </a:rPr>
-              <a:t>[Topic </a:t>
-            </a:r>
-            <a:r>
-              <a:rPr lang="en-US" dirty="0">
-                <a:latin typeface="BentonSans Book" charset="0"/>
-              </a:rPr>
-              <a:t>Two</a:t>
-            </a:r>
-            <a:r>
-              <a:rPr lang="en-US" dirty="0">
-                <a:solidFill>
-                  <a:srgbClr val="4C4C4C"/>
-                </a:solidFill>
-                <a:latin typeface="BentonSans Book" charset="0"/>
-              </a:rPr>
-              <a:t>]</a:t>
+              <a:t>Why Data Matters – Three Examples</a:t>
             </a:r>
           </a:p>
         </p:txBody>
@@ -11626,444 +15193,13 @@
   <p:clrMapOvr>
     <a:masterClrMapping/>
   </p:clrMapOvr>
+  <p:transition spd="slow">
+    <p:push dir="u"/>
+  </p:transition>
 </p:sld>
 </file>
 
-<file path=ppt/slides/slide12.xml><?xml version="1.0" encoding="utf-8"?>
-<p:sld xmlns:a="http://schemas.openxmlformats.org/drawingml/2006/main" xmlns:r="http://schemas.openxmlformats.org/officeDocument/2006/relationships" xmlns:p="http://schemas.openxmlformats.org/presentationml/2006/main">
-  <p:cSld>
-    <p:spTree>
-      <p:nvGrpSpPr>
-        <p:cNvPr id="1" name=""/>
-        <p:cNvGrpSpPr/>
-        <p:nvPr/>
-      </p:nvGrpSpPr>
-      <p:grpSpPr>
-        <a:xfrm>
-          <a:off x="0" y="0"/>
-          <a:ext cx="0" cy="0"/>
-          <a:chOff x="0" y="0"/>
-          <a:chExt cx="0" cy="0"/>
-        </a:xfrm>
-      </p:grpSpPr>
-      <p:sp>
-        <p:nvSpPr>
-          <p:cNvPr id="7169" name="Title 1"/>
-          <p:cNvSpPr>
-            <a:spLocks noGrp="1"/>
-          </p:cNvSpPr>
-          <p:nvPr>
-            <p:ph type="title" idx="4294967295"/>
-          </p:nvPr>
-        </p:nvSpPr>
-        <p:spPr>
-          <a:xfrm>
-            <a:off x="704850" y="1811338"/>
-            <a:ext cx="13274675" cy="577081"/>
-          </a:xfrm>
-        </p:spPr>
-        <p:txBody>
-          <a:bodyPr/>
-          <a:lstStyle/>
-          <a:p>
-            <a:r>
-              <a:rPr lang="en-US" dirty="0">
-                <a:solidFill>
-                  <a:srgbClr val="4C4C4C"/>
-                </a:solidFill>
-                <a:latin typeface="BentonSans Book" charset="0"/>
-              </a:rPr>
-              <a:t>[Topic </a:t>
-            </a:r>
-            <a:r>
-              <a:rPr lang="en-US" dirty="0">
-                <a:latin typeface="BentonSans Book" charset="0"/>
-              </a:rPr>
-              <a:t>Three</a:t>
-            </a:r>
-            <a:r>
-              <a:rPr lang="en-US" dirty="0">
-                <a:solidFill>
-                  <a:srgbClr val="4C4C4C"/>
-                </a:solidFill>
-                <a:latin typeface="BentonSans Book" charset="0"/>
-              </a:rPr>
-              <a:t>]</a:t>
-            </a:r>
-          </a:p>
-        </p:txBody>
-      </p:sp>
-    </p:spTree>
-    <p:extLst>
-      <p:ext uri="{BB962C8B-B14F-4D97-AF65-F5344CB8AC3E}">
-        <p14:creationId xmlns:p14="http://schemas.microsoft.com/office/powerpoint/2010/main" val="54645820"/>
-      </p:ext>
-    </p:extLst>
-  </p:cSld>
-  <p:clrMapOvr>
-    <a:masterClrMapping/>
-  </p:clrMapOvr>
-</p:sld>
-</file>
-
-<file path=ppt/slides/slide13.xml><?xml version="1.0" encoding="utf-8"?>
-<p:sld xmlns:a="http://schemas.openxmlformats.org/drawingml/2006/main" xmlns:r="http://schemas.openxmlformats.org/officeDocument/2006/relationships" xmlns:p="http://schemas.openxmlformats.org/presentationml/2006/main">
-  <p:cSld>
-    <p:spTree>
-      <p:nvGrpSpPr>
-        <p:cNvPr id="1" name=""/>
-        <p:cNvGrpSpPr/>
-        <p:nvPr/>
-      </p:nvGrpSpPr>
-      <p:grpSpPr>
-        <a:xfrm>
-          <a:off x="0" y="0"/>
-          <a:ext cx="0" cy="0"/>
-          <a:chOff x="0" y="0"/>
-          <a:chExt cx="0" cy="0"/>
-        </a:xfrm>
-      </p:grpSpPr>
-      <p:sp>
-        <p:nvSpPr>
-          <p:cNvPr id="7" name="Text Placeholder 1"/>
-          <p:cNvSpPr>
-            <a:spLocks noGrp="1"/>
-          </p:cNvSpPr>
-          <p:nvPr>
-            <p:ph type="body" sz="quarter" idx="12"/>
-          </p:nvPr>
-        </p:nvSpPr>
-        <p:spPr>
-          <a:xfrm>
-            <a:off x="710057" y="598699"/>
-            <a:ext cx="13269093" cy="1269578"/>
-          </a:xfrm>
-          <a:prstGeom prst="rect">
-            <a:avLst/>
-          </a:prstGeom>
-        </p:spPr>
-        <p:txBody>
-          <a:bodyPr/>
-          <a:lstStyle/>
-          <a:p>
-            <a:pPr defTabSz="1306221" fontAlgn="auto">
-              <a:lnSpc>
-                <a:spcPct val="80000"/>
-              </a:lnSpc>
-              <a:spcAft>
-                <a:spcPts val="0"/>
-              </a:spcAft>
-              <a:buFont typeface="Arial" panose="020B0604020202020204" pitchFamily="34" charset="0"/>
-              <a:buNone/>
-              <a:defRPr/>
-            </a:pPr>
-            <a:r>
-              <a:rPr lang="en-US" dirty="0">
-                <a:ea typeface="+mn-ea"/>
-              </a:rPr>
-              <a:t>[Title/Topic]</a:t>
-            </a:r>
-          </a:p>
-          <a:p>
-            <a:pPr defTabSz="1306221" fontAlgn="auto">
-              <a:lnSpc>
-                <a:spcPct val="80000"/>
-              </a:lnSpc>
-              <a:spcAft>
-                <a:spcPts val="0"/>
-              </a:spcAft>
-              <a:buFont typeface="Arial" panose="020B0604020202020204" pitchFamily="34" charset="0"/>
-              <a:buNone/>
-              <a:defRPr/>
-            </a:pPr>
-            <a:r>
-              <a:rPr lang="en-US" dirty="0">
-                <a:ea typeface="+mn-ea"/>
-              </a:rPr>
-              <a:t>2 lines max</a:t>
-            </a:r>
-          </a:p>
-        </p:txBody>
-      </p:sp>
-    </p:spTree>
-  </p:cSld>
-  <p:clrMapOvr>
-    <a:masterClrMapping/>
-  </p:clrMapOvr>
-</p:sld>
-</file>
-
-<file path=ppt/slides/slide14.xml><?xml version="1.0" encoding="utf-8"?>
-<p:sld xmlns:a="http://schemas.openxmlformats.org/drawingml/2006/main" xmlns:r="http://schemas.openxmlformats.org/officeDocument/2006/relationships" xmlns:p="http://schemas.openxmlformats.org/presentationml/2006/main">
-  <p:cSld>
-    <p:spTree>
-      <p:nvGrpSpPr>
-        <p:cNvPr id="1" name=""/>
-        <p:cNvGrpSpPr/>
-        <p:nvPr/>
-      </p:nvGrpSpPr>
-      <p:grpSpPr>
-        <a:xfrm>
-          <a:off x="0" y="0"/>
-          <a:ext cx="0" cy="0"/>
-          <a:chOff x="0" y="0"/>
-          <a:chExt cx="0" cy="0"/>
-        </a:xfrm>
-      </p:grpSpPr>
-      <p:sp>
-        <p:nvSpPr>
-          <p:cNvPr id="5" name="Text Placeholder 1"/>
-          <p:cNvSpPr>
-            <a:spLocks noGrp="1"/>
-          </p:cNvSpPr>
-          <p:nvPr>
-            <p:ph type="body" sz="quarter" idx="12"/>
-          </p:nvPr>
-        </p:nvSpPr>
-        <p:spPr>
-          <a:prstGeom prst="rect">
-            <a:avLst/>
-          </a:prstGeom>
-        </p:spPr>
-        <p:txBody>
-          <a:bodyPr/>
-          <a:lstStyle/>
-          <a:p>
-            <a:pPr defTabSz="1306221" fontAlgn="auto">
-              <a:lnSpc>
-                <a:spcPct val="80000"/>
-              </a:lnSpc>
-              <a:spcAft>
-                <a:spcPts val="0"/>
-              </a:spcAft>
-              <a:buFont typeface="Arial" panose="020B0604020202020204" pitchFamily="34" charset="0"/>
-              <a:buNone/>
-              <a:defRPr/>
-            </a:pPr>
-            <a:r>
-              <a:rPr lang="en-US" dirty="0">
-                <a:ea typeface="+mn-ea"/>
-              </a:rPr>
-              <a:t>[Title/Topic]</a:t>
-            </a:r>
-          </a:p>
-        </p:txBody>
-      </p:sp>
-      <p:sp>
-        <p:nvSpPr>
-          <p:cNvPr id="3" name="Content Placeholder 2"/>
-          <p:cNvSpPr>
-            <a:spLocks noGrp="1"/>
-          </p:cNvSpPr>
-          <p:nvPr>
-            <p:ph idx="14"/>
-          </p:nvPr>
-        </p:nvSpPr>
-        <p:spPr/>
-        <p:txBody>
-          <a:bodyPr/>
-          <a:lstStyle/>
-          <a:p>
-            <a:pPr defTabSz="1306221" fontAlgn="auto">
-              <a:defRPr/>
-            </a:pPr>
-            <a:r>
-              <a:rPr lang="en-US" dirty="0">
-                <a:ea typeface="+mn-ea"/>
-              </a:rPr>
-              <a:t>[Copy content] </a:t>
-            </a:r>
-          </a:p>
-        </p:txBody>
-      </p:sp>
-    </p:spTree>
-  </p:cSld>
-  <p:clrMapOvr>
-    <a:masterClrMapping/>
-  </p:clrMapOvr>
-</p:sld>
-</file>
-
-<file path=ppt/slides/slide15.xml><?xml version="1.0" encoding="utf-8"?>
-<p:sld xmlns:a="http://schemas.openxmlformats.org/drawingml/2006/main" xmlns:r="http://schemas.openxmlformats.org/officeDocument/2006/relationships" xmlns:p="http://schemas.openxmlformats.org/presentationml/2006/main">
-  <p:cSld>
-    <p:spTree>
-      <p:nvGrpSpPr>
-        <p:cNvPr id="1" name=""/>
-        <p:cNvGrpSpPr/>
-        <p:nvPr/>
-      </p:nvGrpSpPr>
-      <p:grpSpPr>
-        <a:xfrm>
-          <a:off x="0" y="0"/>
-          <a:ext cx="0" cy="0"/>
-          <a:chOff x="0" y="0"/>
-          <a:chExt cx="0" cy="0"/>
-        </a:xfrm>
-      </p:grpSpPr>
-      <p:sp>
-        <p:nvSpPr>
-          <p:cNvPr id="5" name="Content Placeholder 4"/>
-          <p:cNvSpPr>
-            <a:spLocks noGrp="1"/>
-          </p:cNvSpPr>
-          <p:nvPr>
-            <p:ph idx="14"/>
-          </p:nvPr>
-        </p:nvSpPr>
-        <p:spPr>
-          <a:xfrm>
-            <a:off x="704357" y="1893515"/>
-            <a:ext cx="13274793" cy="3477875"/>
-          </a:xfrm>
-        </p:spPr>
-        <p:txBody>
-          <a:bodyPr/>
-          <a:lstStyle/>
-          <a:p>
-            <a:pPr defTabSz="1306221" fontAlgn="auto">
-              <a:defRPr/>
-            </a:pPr>
-            <a:r>
-              <a:rPr lang="en-US" dirty="0">
-                <a:ea typeface="+mn-ea"/>
-              </a:rPr>
-              <a:t>Why does data matter?</a:t>
-            </a:r>
-          </a:p>
-          <a:p>
-            <a:pPr defTabSz="1306221" fontAlgn="auto">
-              <a:defRPr/>
-            </a:pPr>
-            <a:r>
-              <a:rPr lang="en-US" dirty="0">
-                <a:ea typeface="+mn-ea"/>
-              </a:rPr>
-              <a:t>[High-level content] </a:t>
-            </a:r>
-          </a:p>
-          <a:p>
-            <a:pPr lvl="1" defTabSz="1306221" fontAlgn="auto">
-              <a:defRPr/>
-            </a:pPr>
-            <a:r>
-              <a:rPr lang="en-US" dirty="0">
-                <a:ea typeface="+mn-ea"/>
-              </a:rPr>
-              <a:t>[Secondary information about high-level content]</a:t>
-            </a:r>
-          </a:p>
-          <a:p>
-            <a:pPr lvl="2" defTabSz="1306221" fontAlgn="auto">
-              <a:buFont typeface="Arial"/>
-              <a:buChar char="•"/>
-              <a:defRPr/>
-            </a:pPr>
-            <a:r>
-              <a:rPr lang="en-US" dirty="0">
-                <a:ea typeface="+mn-ea"/>
-              </a:rPr>
-              <a:t>[More details]</a:t>
-            </a:r>
-          </a:p>
-          <a:p>
-            <a:pPr lvl="2" defTabSz="1306221" fontAlgn="auto">
-              <a:buFont typeface="Arial"/>
-              <a:buChar char="•"/>
-              <a:defRPr/>
-            </a:pPr>
-            <a:r>
-              <a:rPr lang="en-US" dirty="0">
-                <a:ea typeface="+mn-ea"/>
-              </a:rPr>
-              <a:t>[More details] </a:t>
-            </a:r>
-          </a:p>
-          <a:p>
-            <a:pPr lvl="2" defTabSz="1306221" fontAlgn="auto">
-              <a:buFont typeface="Arial"/>
-              <a:buChar char="•"/>
-              <a:defRPr/>
-            </a:pPr>
-            <a:r>
-              <a:rPr lang="en-US" dirty="0">
-                <a:ea typeface="+mn-ea"/>
-              </a:rPr>
-              <a:t>[More details]</a:t>
-            </a:r>
-          </a:p>
-          <a:p>
-            <a:pPr lvl="1" defTabSz="1306221" fontAlgn="auto">
-              <a:defRPr/>
-            </a:pPr>
-            <a:r>
-              <a:rPr lang="en-US" dirty="0">
-                <a:ea typeface="+mn-ea"/>
-              </a:rPr>
-              <a:t>[Secondary information about high-level content]</a:t>
-            </a:r>
-          </a:p>
-          <a:p>
-            <a:pPr lvl="1" defTabSz="1306221" fontAlgn="auto">
-              <a:defRPr/>
-            </a:pPr>
-            <a:r>
-              <a:rPr lang="en-US" dirty="0">
-                <a:ea typeface="+mn-ea"/>
-              </a:rPr>
-              <a:t> [High-level content]</a:t>
-            </a:r>
-          </a:p>
-        </p:txBody>
-      </p:sp>
-      <p:sp>
-        <p:nvSpPr>
-          <p:cNvPr id="6" name="Text Placeholder 1"/>
-          <p:cNvSpPr>
-            <a:spLocks noGrp="1"/>
-          </p:cNvSpPr>
-          <p:nvPr>
-            <p:ph type="body" sz="quarter" idx="12"/>
-          </p:nvPr>
-        </p:nvSpPr>
-        <p:spPr>
-          <a:prstGeom prst="rect">
-            <a:avLst/>
-          </a:prstGeom>
-        </p:spPr>
-        <p:txBody>
-          <a:bodyPr/>
-          <a:lstStyle/>
-          <a:p>
-            <a:pPr defTabSz="1306221" fontAlgn="auto">
-              <a:lnSpc>
-                <a:spcPct val="80000"/>
-              </a:lnSpc>
-              <a:spcAft>
-                <a:spcPts val="0"/>
-              </a:spcAft>
-              <a:buFont typeface="Arial" panose="020B0604020202020204" pitchFamily="34" charset="0"/>
-              <a:buNone/>
-              <a:defRPr/>
-            </a:pPr>
-            <a:r>
-              <a:rPr lang="en-US" dirty="0">
-                <a:ea typeface="+mn-ea"/>
-              </a:rPr>
-              <a:t>[Title/Topic]</a:t>
-            </a:r>
-          </a:p>
-        </p:txBody>
-      </p:sp>
-    </p:spTree>
-  </p:cSld>
-  <p:clrMapOvr>
-    <a:masterClrMapping/>
-  </p:clrMapOvr>
-</p:sld>
-</file>
-
-<file path=ppt/slides/slide16.xml><?xml version="1.0" encoding="utf-8"?>
+<file path=ppt/slides/slide21.xml><?xml version="1.0" encoding="utf-8"?>
 <p:sld xmlns:a="http://schemas.openxmlformats.org/drawingml/2006/main" xmlns:r="http://schemas.openxmlformats.org/officeDocument/2006/relationships" xmlns:p="http://schemas.openxmlformats.org/presentationml/2006/main">
   <p:cSld>
     <p:spTree>
@@ -12272,6 +15408,9 @@
   <p:clrMapOvr>
     <a:masterClrMapping/>
   </p:clrMapOvr>
+  <p:transition spd="slow">
+    <p:cover/>
+  </p:transition>
   <p:timing>
     <p:tnLst>
       <p:par>
@@ -12293,7 +15432,7 @@
                             </p:stCondLst>
                             <p:childTnLst>
                               <p:par>
-                                <p:cTn id="5" presetID="1" presetClass="entr" presetSubtype="0" fill="hold" grpId="0" nodeType="clickEffect">
+                                <p:cTn id="5" presetID="10" presetClass="entr" presetSubtype="0" fill="hold" grpId="0" nodeType="clickEffect">
                                   <p:stCondLst>
                                     <p:cond delay="0"/>
                                   </p:stCondLst>
@@ -12320,6 +15459,18 @@
                                         <p:strVal val="visible"/>
                                       </p:to>
                                     </p:set>
+                                    <p:animEffect transition="in" filter="fade">
+                                      <p:cBhvr>
+                                        <p:cTn id="7" dur="500"/>
+                                        <p:tgtEl>
+                                          <p:spTgt spid="4">
+                                            <p:txEl>
+                                              <p:pRg st="0" end="0"/>
+                                            </p:txEl>
+                                          </p:spTgt>
+                                        </p:tgtEl>
+                                      </p:cBhvr>
+                                    </p:animEffect>
                                   </p:childTnLst>
                                 </p:cTn>
                               </p:par>
@@ -12330,26 +15481,270 @@
                     </p:cTn>
                   </p:par>
                   <p:par>
-                    <p:cTn id="7" fill="hold">
+                    <p:cTn id="8" fill="hold">
                       <p:stCondLst>
                         <p:cond delay="indefinite"/>
                       </p:stCondLst>
                       <p:childTnLst>
                         <p:par>
-                          <p:cTn id="8" fill="hold">
+                          <p:cTn id="9" fill="hold">
                             <p:stCondLst>
                               <p:cond delay="0"/>
                             </p:stCondLst>
                             <p:childTnLst>
                               <p:par>
-                                <p:cTn id="9" presetID="10" presetClass="exit" presetSubtype="0" fill="hold" nodeType="clickEffect">
+                                <p:cTn id="10" presetID="10" presetClass="entr" presetSubtype="0" fill="hold" grpId="0" nodeType="clickEffect">
+                                  <p:stCondLst>
+                                    <p:cond delay="0"/>
+                                  </p:stCondLst>
+                                  <p:childTnLst>
+                                    <p:set>
+                                      <p:cBhvr>
+                                        <p:cTn id="11" dur="1" fill="hold">
+                                          <p:stCondLst>
+                                            <p:cond delay="0"/>
+                                          </p:stCondLst>
+                                        </p:cTn>
+                                        <p:tgtEl>
+                                          <p:spTgt spid="4">
+                                            <p:txEl>
+                                              <p:pRg st="1" end="1"/>
+                                            </p:txEl>
+                                          </p:spTgt>
+                                        </p:tgtEl>
+                                        <p:attrNameLst>
+                                          <p:attrName>style.visibility</p:attrName>
+                                        </p:attrNameLst>
+                                      </p:cBhvr>
+                                      <p:to>
+                                        <p:strVal val="visible"/>
+                                      </p:to>
+                                    </p:set>
+                                    <p:animEffect transition="in" filter="fade">
+                                      <p:cBhvr>
+                                        <p:cTn id="12" dur="500"/>
+                                        <p:tgtEl>
+                                          <p:spTgt spid="4">
+                                            <p:txEl>
+                                              <p:pRg st="1" end="1"/>
+                                            </p:txEl>
+                                          </p:spTgt>
+                                        </p:tgtEl>
+                                      </p:cBhvr>
+                                    </p:animEffect>
+                                  </p:childTnLst>
+                                </p:cTn>
+                              </p:par>
+                            </p:childTnLst>
+                          </p:cTn>
+                        </p:par>
+                      </p:childTnLst>
+                    </p:cTn>
+                  </p:par>
+                  <p:par>
+                    <p:cTn id="13" fill="hold">
+                      <p:stCondLst>
+                        <p:cond delay="indefinite"/>
+                      </p:stCondLst>
+                      <p:childTnLst>
+                        <p:par>
+                          <p:cTn id="14" fill="hold">
+                            <p:stCondLst>
+                              <p:cond delay="0"/>
+                            </p:stCondLst>
+                            <p:childTnLst>
+                              <p:par>
+                                <p:cTn id="15" presetID="10" presetClass="entr" presetSubtype="0" fill="hold" grpId="0" nodeType="clickEffect">
+                                  <p:stCondLst>
+                                    <p:cond delay="0"/>
+                                  </p:stCondLst>
+                                  <p:childTnLst>
+                                    <p:set>
+                                      <p:cBhvr>
+                                        <p:cTn id="16" dur="1" fill="hold">
+                                          <p:stCondLst>
+                                            <p:cond delay="0"/>
+                                          </p:stCondLst>
+                                        </p:cTn>
+                                        <p:tgtEl>
+                                          <p:spTgt spid="4">
+                                            <p:txEl>
+                                              <p:pRg st="2" end="2"/>
+                                            </p:txEl>
+                                          </p:spTgt>
+                                        </p:tgtEl>
+                                        <p:attrNameLst>
+                                          <p:attrName>style.visibility</p:attrName>
+                                        </p:attrNameLst>
+                                      </p:cBhvr>
+                                      <p:to>
+                                        <p:strVal val="visible"/>
+                                      </p:to>
+                                    </p:set>
+                                    <p:animEffect transition="in" filter="fade">
+                                      <p:cBhvr>
+                                        <p:cTn id="17" dur="500"/>
+                                        <p:tgtEl>
+                                          <p:spTgt spid="4">
+                                            <p:txEl>
+                                              <p:pRg st="2" end="2"/>
+                                            </p:txEl>
+                                          </p:spTgt>
+                                        </p:tgtEl>
+                                      </p:cBhvr>
+                                    </p:animEffect>
+                                  </p:childTnLst>
+                                </p:cTn>
+                              </p:par>
+                            </p:childTnLst>
+                          </p:cTn>
+                        </p:par>
+                      </p:childTnLst>
+                    </p:cTn>
+                  </p:par>
+                  <p:par>
+                    <p:cTn id="18" fill="hold">
+                      <p:stCondLst>
+                        <p:cond delay="indefinite"/>
+                      </p:stCondLst>
+                      <p:childTnLst>
+                        <p:par>
+                          <p:cTn id="19" fill="hold">
+                            <p:stCondLst>
+                              <p:cond delay="0"/>
+                            </p:stCondLst>
+                            <p:childTnLst>
+                              <p:par>
+                                <p:cTn id="20" presetID="10" presetClass="entr" presetSubtype="0" fill="hold" grpId="0" nodeType="clickEffect">
+                                  <p:stCondLst>
+                                    <p:cond delay="0"/>
+                                  </p:stCondLst>
+                                  <p:childTnLst>
+                                    <p:set>
+                                      <p:cBhvr>
+                                        <p:cTn id="21" dur="1" fill="hold">
+                                          <p:stCondLst>
+                                            <p:cond delay="0"/>
+                                          </p:stCondLst>
+                                        </p:cTn>
+                                        <p:tgtEl>
+                                          <p:spTgt spid="4">
+                                            <p:txEl>
+                                              <p:pRg st="3" end="3"/>
+                                            </p:txEl>
+                                          </p:spTgt>
+                                        </p:tgtEl>
+                                        <p:attrNameLst>
+                                          <p:attrName>style.visibility</p:attrName>
+                                        </p:attrNameLst>
+                                      </p:cBhvr>
+                                      <p:to>
+                                        <p:strVal val="visible"/>
+                                      </p:to>
+                                    </p:set>
+                                    <p:animEffect transition="in" filter="fade">
+                                      <p:cBhvr>
+                                        <p:cTn id="22" dur="500"/>
+                                        <p:tgtEl>
+                                          <p:spTgt spid="4">
+                                            <p:txEl>
+                                              <p:pRg st="3" end="3"/>
+                                            </p:txEl>
+                                          </p:spTgt>
+                                        </p:tgtEl>
+                                      </p:cBhvr>
+                                    </p:animEffect>
+                                  </p:childTnLst>
+                                </p:cTn>
+                              </p:par>
+                            </p:childTnLst>
+                          </p:cTn>
+                        </p:par>
+                      </p:childTnLst>
+                    </p:cTn>
+                  </p:par>
+                  <p:par>
+                    <p:cTn id="23" fill="hold">
+                      <p:stCondLst>
+                        <p:cond delay="indefinite"/>
+                      </p:stCondLst>
+                      <p:childTnLst>
+                        <p:par>
+                          <p:cTn id="24" fill="hold">
+                            <p:stCondLst>
+                              <p:cond delay="0"/>
+                            </p:stCondLst>
+                            <p:childTnLst>
+                              <p:par>
+                                <p:cTn id="25" presetID="10" presetClass="entr" presetSubtype="0" fill="hold" grpId="0" nodeType="clickEffect">
+                                  <p:stCondLst>
+                                    <p:cond delay="0"/>
+                                  </p:stCondLst>
+                                  <p:childTnLst>
+                                    <p:set>
+                                      <p:cBhvr>
+                                        <p:cTn id="26" dur="1" fill="hold">
+                                          <p:stCondLst>
+                                            <p:cond delay="0"/>
+                                          </p:stCondLst>
+                                        </p:cTn>
+                                        <p:tgtEl>
+                                          <p:spTgt spid="4">
+                                            <p:txEl>
+                                              <p:pRg st="4" end="4"/>
+                                            </p:txEl>
+                                          </p:spTgt>
+                                        </p:tgtEl>
+                                        <p:attrNameLst>
+                                          <p:attrName>style.visibility</p:attrName>
+                                        </p:attrNameLst>
+                                      </p:cBhvr>
+                                      <p:to>
+                                        <p:strVal val="visible"/>
+                                      </p:to>
+                                    </p:set>
+                                    <p:animEffect transition="in" filter="fade">
+                                      <p:cBhvr>
+                                        <p:cTn id="27" dur="500"/>
+                                        <p:tgtEl>
+                                          <p:spTgt spid="4">
+                                            <p:txEl>
+                                              <p:pRg st="4" end="4"/>
+                                            </p:txEl>
+                                          </p:spTgt>
+                                        </p:tgtEl>
+                                      </p:cBhvr>
+                                    </p:animEffect>
+                                  </p:childTnLst>
+                                </p:cTn>
+                              </p:par>
+                            </p:childTnLst>
+                          </p:cTn>
+                        </p:par>
+                      </p:childTnLst>
+                    </p:cTn>
+                  </p:par>
+                  <p:par>
+                    <p:cTn id="28" fill="hold">
+                      <p:stCondLst>
+                        <p:cond delay="indefinite"/>
+                      </p:stCondLst>
+                      <p:childTnLst>
+                        <p:par>
+                          <p:cTn id="29" fill="hold">
+                            <p:stCondLst>
+                              <p:cond delay="0"/>
+                            </p:stCondLst>
+                            <p:childTnLst>
+                              <p:par>
+                                <p:cTn id="30" presetID="10" presetClass="exit" presetSubtype="0" fill="hold" nodeType="clickEffect">
                                   <p:stCondLst>
                                     <p:cond delay="0"/>
                                   </p:stCondLst>
                                   <p:childTnLst>
                                     <p:animEffect transition="out" filter="fade">
                                       <p:cBhvr>
-                                        <p:cTn id="10" dur="500"/>
+                                        <p:cTn id="31" dur="500"/>
                                         <p:tgtEl>
                                           <p:spTgt spid="6"/>
                                         </p:tgtEl>
@@ -12357,7 +15752,7 @@
                                     </p:animEffect>
                                     <p:set>
                                       <p:cBhvr>
-                                        <p:cTn id="11" dur="1" fill="hold">
+                                        <p:cTn id="32" dur="1" fill="hold">
                                           <p:stCondLst>
                                             <p:cond delay="499"/>
                                           </p:stCondLst>
@@ -12380,20 +15775,20 @@
                           </p:cTn>
                         </p:par>
                         <p:par>
-                          <p:cTn id="12" fill="hold">
+                          <p:cTn id="33" fill="hold">
                             <p:stCondLst>
                               <p:cond delay="500"/>
                             </p:stCondLst>
                             <p:childTnLst>
                               <p:par>
-                                <p:cTn id="13" presetID="10" presetClass="entr" presetSubtype="0" fill="hold" nodeType="afterEffect">
+                                <p:cTn id="34" presetID="10" presetClass="entr" presetSubtype="0" fill="hold" nodeType="afterEffect">
                                   <p:stCondLst>
                                     <p:cond delay="0"/>
                                   </p:stCondLst>
                                   <p:childTnLst>
                                     <p:set>
                                       <p:cBhvr>
-                                        <p:cTn id="14" dur="1" fill="hold">
+                                        <p:cTn id="35" dur="1" fill="hold">
                                           <p:stCondLst>
                                             <p:cond delay="0"/>
                                           </p:stCondLst>
@@ -12411,208 +15806,12 @@
                                     </p:set>
                                     <p:animEffect transition="in" filter="fade">
                                       <p:cBhvr>
-                                        <p:cTn id="15" dur="500"/>
+                                        <p:cTn id="36" dur="500"/>
                                         <p:tgtEl>
                                           <p:spTgt spid="2050"/>
                                         </p:tgtEl>
                                       </p:cBhvr>
                                     </p:animEffect>
-                                  </p:childTnLst>
-                                </p:cTn>
-                              </p:par>
-                            </p:childTnLst>
-                          </p:cTn>
-                        </p:par>
-                      </p:childTnLst>
-                    </p:cTn>
-                  </p:par>
-                  <p:par>
-                    <p:cTn id="16" fill="hold">
-                      <p:stCondLst>
-                        <p:cond delay="indefinite"/>
-                      </p:stCondLst>
-                      <p:childTnLst>
-                        <p:par>
-                          <p:cTn id="17" fill="hold">
-                            <p:stCondLst>
-                              <p:cond delay="0"/>
-                            </p:stCondLst>
-                            <p:childTnLst>
-                              <p:par>
-                                <p:cTn id="18" presetID="1" presetClass="entr" presetSubtype="0" fill="hold" grpId="0" nodeType="clickEffect">
-                                  <p:stCondLst>
-                                    <p:cond delay="0"/>
-                                  </p:stCondLst>
-                                  <p:childTnLst>
-                                    <p:set>
-                                      <p:cBhvr>
-                                        <p:cTn id="19" dur="1" fill="hold">
-                                          <p:stCondLst>
-                                            <p:cond delay="0"/>
-                                          </p:stCondLst>
-                                        </p:cTn>
-                                        <p:tgtEl>
-                                          <p:spTgt spid="4">
-                                            <p:txEl>
-                                              <p:pRg st="1" end="1"/>
-                                            </p:txEl>
-                                          </p:spTgt>
-                                        </p:tgtEl>
-                                        <p:attrNameLst>
-                                          <p:attrName>style.visibility</p:attrName>
-                                        </p:attrNameLst>
-                                      </p:cBhvr>
-                                      <p:to>
-                                        <p:strVal val="visible"/>
-                                      </p:to>
-                                    </p:set>
-                                  </p:childTnLst>
-                                </p:cTn>
-                              </p:par>
-                            </p:childTnLst>
-                          </p:cTn>
-                        </p:par>
-                      </p:childTnLst>
-                    </p:cTn>
-                  </p:par>
-                  <p:par>
-                    <p:cTn id="20" fill="hold">
-                      <p:stCondLst>
-                        <p:cond delay="indefinite"/>
-                      </p:stCondLst>
-                      <p:childTnLst>
-                        <p:par>
-                          <p:cTn id="21" fill="hold">
-                            <p:stCondLst>
-                              <p:cond delay="0"/>
-                            </p:stCondLst>
-                            <p:childTnLst>
-                              <p:par>
-                                <p:cTn id="22" presetID="1" presetClass="entr" presetSubtype="0" fill="hold" grpId="0" nodeType="clickEffect">
-                                  <p:stCondLst>
-                                    <p:cond delay="0"/>
-                                  </p:stCondLst>
-                                  <p:childTnLst>
-                                    <p:set>
-                                      <p:cBhvr>
-                                        <p:cTn id="23" dur="1" fill="hold">
-                                          <p:stCondLst>
-                                            <p:cond delay="0"/>
-                                          </p:stCondLst>
-                                        </p:cTn>
-                                        <p:tgtEl>
-                                          <p:spTgt spid="4">
-                                            <p:txEl>
-                                              <p:pRg st="2" end="2"/>
-                                            </p:txEl>
-                                          </p:spTgt>
-                                        </p:tgtEl>
-                                        <p:attrNameLst>
-                                          <p:attrName>style.visibility</p:attrName>
-                                        </p:attrNameLst>
-                                      </p:cBhvr>
-                                      <p:to>
-                                        <p:strVal val="visible"/>
-                                      </p:to>
-                                    </p:set>
-                                  </p:childTnLst>
-                                </p:cTn>
-                              </p:par>
-                            </p:childTnLst>
-                          </p:cTn>
-                        </p:par>
-                      </p:childTnLst>
-                    </p:cTn>
-                  </p:par>
-                  <p:par>
-                    <p:cTn id="24" fill="hold">
-                      <p:stCondLst>
-                        <p:cond delay="indefinite"/>
-                      </p:stCondLst>
-                      <p:childTnLst>
-                        <p:par>
-                          <p:cTn id="25" fill="hold">
-                            <p:stCondLst>
-                              <p:cond delay="0"/>
-                            </p:stCondLst>
-                            <p:childTnLst>
-                              <p:par>
-                                <p:cTn id="26" presetID="1" presetClass="entr" presetSubtype="0" fill="hold" grpId="0" nodeType="clickEffect">
-                                  <p:stCondLst>
-                                    <p:cond delay="0"/>
-                                  </p:stCondLst>
-                                  <p:childTnLst>
-                                    <p:set>
-                                      <p:cBhvr>
-                                        <p:cTn id="27" dur="1" fill="hold">
-                                          <p:stCondLst>
-                                            <p:cond delay="0"/>
-                                          </p:stCondLst>
-                                        </p:cTn>
-                                        <p:tgtEl>
-                                          <p:spTgt spid="4">
-                                            <p:txEl>
-                                              <p:pRg st="3" end="3"/>
-                                            </p:txEl>
-                                          </p:spTgt>
-                                        </p:tgtEl>
-                                        <p:attrNameLst>
-                                          <p:attrName>style.visibility</p:attrName>
-                                        </p:attrNameLst>
-                                      </p:cBhvr>
-                                      <p:to>
-                                        <p:strVal val="visible"/>
-                                      </p:to>
-                                    </p:set>
-                                  </p:childTnLst>
-                                </p:cTn>
-                              </p:par>
-                            </p:childTnLst>
-                          </p:cTn>
-                        </p:par>
-                      </p:childTnLst>
-                    </p:cTn>
-                  </p:par>
-                  <p:par>
-                    <p:cTn id="28" fill="hold">
-                      <p:stCondLst>
-                        <p:cond delay="indefinite"/>
-                      </p:stCondLst>
-                      <p:childTnLst>
-                        <p:par>
-                          <p:cTn id="29" fill="hold">
-                            <p:stCondLst>
-                              <p:cond delay="0"/>
-                            </p:stCondLst>
-                            <p:childTnLst>
-                              <p:par>
-                                <p:cTn id="30" presetID="1" presetClass="entr" presetSubtype="0" fill="hold" grpId="0" nodeType="clickEffect">
-                                  <p:stCondLst>
-                                    <p:cond delay="0"/>
-                                  </p:stCondLst>
-                                  <p:childTnLst>
-                                    <p:set>
-                                      <p:cBhvr>
-                                        <p:cTn id="31" dur="1" fill="hold">
-                                          <p:stCondLst>
-                                            <p:cond delay="0"/>
-                                          </p:stCondLst>
-                                        </p:cTn>
-                                        <p:tgtEl>
-                                          <p:spTgt spid="4">
-                                            <p:txEl>
-                                              <p:pRg st="4" end="4"/>
-                                            </p:txEl>
-                                          </p:spTgt>
-                                        </p:tgtEl>
-                                        <p:attrNameLst>
-                                          <p:attrName>style.visibility</p:attrName>
-                                        </p:attrNameLst>
-                                      </p:cBhvr>
-                                      <p:to>
-                                        <p:strVal val="visible"/>
-                                      </p:to>
-                                    </p:set>
                                   </p:childTnLst>
                                 </p:cTn>
                               </p:par>
@@ -12644,13 +15843,13 @@
       </p:par>
     </p:tnLst>
     <p:bldLst>
-      <p:bldP spid="4" grpId="0" uiExpand="1" build="p"/>
+      <p:bldP spid="4" grpId="0" build="p"/>
     </p:bldLst>
   </p:timing>
 </p:sld>
 </file>
 
-<file path=ppt/slides/slide17.xml><?xml version="1.0" encoding="utf-8"?>
+<file path=ppt/slides/slide22.xml><?xml version="1.0" encoding="utf-8"?>
 <p:sld xmlns:a="http://schemas.openxmlformats.org/drawingml/2006/main" xmlns:r="http://schemas.openxmlformats.org/officeDocument/2006/relationships" xmlns:p="http://schemas.openxmlformats.org/presentationml/2006/main">
   <p:cSld>
     <p:spTree>
@@ -12933,6 +16132,9 @@
   <p:clrMapOvr>
     <a:masterClrMapping/>
   </p:clrMapOvr>
+  <p:transition spd="slow">
+    <p:cover/>
+  </p:transition>
   <p:timing>
     <p:tnLst>
       <p:par>
@@ -13413,7 +16615,7 @@
 </p:sld>
 </file>
 
-<file path=ppt/slides/slide18.xml><?xml version="1.0" encoding="utf-8"?>
+<file path=ppt/slides/slide23.xml><?xml version="1.0" encoding="utf-8"?>
 <p:sld xmlns:a="http://schemas.openxmlformats.org/drawingml/2006/main" xmlns:r="http://schemas.openxmlformats.org/officeDocument/2006/relationships" xmlns:p="http://schemas.openxmlformats.org/presentationml/2006/main">
   <p:cSld>
     <p:spTree>
@@ -13594,6 +16796,9 @@
   <p:clrMapOvr>
     <a:masterClrMapping/>
   </p:clrMapOvr>
+  <p:transition spd="slow">
+    <p:cover/>
+  </p:transition>
   <p:timing>
     <p:tnLst>
       <p:par>
@@ -13777,7 +16982,7 @@
 </p:sld>
 </file>
 
-<file path=ppt/slides/slide19.xml><?xml version="1.0" encoding="utf-8"?>
+<file path=ppt/slides/slide24.xml><?xml version="1.0" encoding="utf-8"?>
 <p:sld xmlns:a="http://schemas.openxmlformats.org/drawingml/2006/main" xmlns:r="http://schemas.openxmlformats.org/officeDocument/2006/relationships" xmlns:p="http://schemas.openxmlformats.org/presentationml/2006/main">
   <p:cSld>
     <p:spTree>
@@ -13886,75 +17091,13 @@
   <p:clrMapOvr>
     <a:masterClrMapping/>
   </p:clrMapOvr>
-</p:sld>
-</file>
-
-<file path=ppt/slides/slide2.xml><?xml version="1.0" encoding="utf-8"?>
-<p:sld xmlns:a="http://schemas.openxmlformats.org/drawingml/2006/main" xmlns:r="http://schemas.openxmlformats.org/officeDocument/2006/relationships" xmlns:p="http://schemas.openxmlformats.org/presentationml/2006/main">
-  <p:cSld>
-    <p:spTree>
-      <p:nvGrpSpPr>
-        <p:cNvPr id="1" name=""/>
-        <p:cNvGrpSpPr/>
-        <p:nvPr/>
-      </p:nvGrpSpPr>
-      <p:grpSpPr>
-        <a:xfrm>
-          <a:off x="0" y="0"/>
-          <a:ext cx="0" cy="0"/>
-          <a:chOff x="0" y="0"/>
-          <a:chExt cx="0" cy="0"/>
-        </a:xfrm>
-      </p:grpSpPr>
-      <p:sp>
-        <p:nvSpPr>
-          <p:cNvPr id="21505" name="Title 1"/>
-          <p:cNvSpPr>
-            <a:spLocks noGrp="1"/>
-          </p:cNvSpPr>
-          <p:nvPr>
-            <p:ph type="title" idx="4294967295"/>
-          </p:nvPr>
-        </p:nvSpPr>
-        <p:spPr>
-          <a:xfrm>
-            <a:off x="704850" y="1811338"/>
-            <a:ext cx="13274675" cy="567848"/>
-          </a:xfrm>
-        </p:spPr>
-        <p:txBody>
-          <a:bodyPr/>
-          <a:lstStyle/>
-          <a:p>
-            <a:r>
-              <a:rPr lang="en-US" dirty="0">
-                <a:solidFill>
-                  <a:srgbClr val="4C4C4C"/>
-                </a:solidFill>
-                <a:latin typeface="BentonSans Book" charset="0"/>
-              </a:rPr>
-              <a:t>About Me</a:t>
-            </a:r>
-          </a:p>
-        </p:txBody>
-      </p:sp>
-    </p:spTree>
-    <p:extLst>
-      <p:ext uri="{BB962C8B-B14F-4D97-AF65-F5344CB8AC3E}">
-        <p14:creationId xmlns:p14="http://schemas.microsoft.com/office/powerpoint/2010/main" val="395676606"/>
-      </p:ext>
-    </p:extLst>
-  </p:cSld>
-  <p:clrMapOvr>
-    <a:masterClrMapping/>
-  </p:clrMapOvr>
   <p:transition spd="slow">
-    <p:push dir="u"/>
+    <p:cover/>
   </p:transition>
 </p:sld>
 </file>
 
-<file path=ppt/slides/slide20.xml><?xml version="1.0" encoding="utf-8"?>
+<file path=ppt/slides/slide25.xml><?xml version="1.0" encoding="utf-8"?>
 <p:sld xmlns:a="http://schemas.openxmlformats.org/drawingml/2006/main" xmlns:r="http://schemas.openxmlformats.org/officeDocument/2006/relationships" xmlns:p="http://schemas.openxmlformats.org/presentationml/2006/main">
   <p:cSld>
     <p:spTree>
@@ -14266,10 +17409,13 @@
   <p:clrMapOvr>
     <a:masterClrMapping/>
   </p:clrMapOvr>
+  <p:transition spd="slow">
+    <p:cover/>
+  </p:transition>
 </p:sld>
 </file>
 
-<file path=ppt/slides/slide21.xml><?xml version="1.0" encoding="utf-8"?>
+<file path=ppt/slides/slide26.xml><?xml version="1.0" encoding="utf-8"?>
 <p:sld xmlns:a="http://schemas.openxmlformats.org/drawingml/2006/main" xmlns:r="http://schemas.openxmlformats.org/officeDocument/2006/relationships" xmlns:p="http://schemas.openxmlformats.org/presentationml/2006/main">
   <p:cSld>
     <p:spTree>
@@ -14628,6 +17774,9 @@
   <p:clrMapOvr>
     <a:masterClrMapping/>
   </p:clrMapOvr>
+  <p:transition spd="slow">
+    <p:cover/>
+  </p:transition>
   <p:timing>
     <p:tnLst>
       <p:par>
@@ -14749,7 +17898,7 @@
 </p:sld>
 </file>
 
-<file path=ppt/slides/slide22.xml><?xml version="1.0" encoding="utf-8"?>
+<file path=ppt/slides/slide27.xml><?xml version="1.0" encoding="utf-8"?>
 <p:sld xmlns:a="http://schemas.openxmlformats.org/drawingml/2006/main" xmlns:r="http://schemas.openxmlformats.org/officeDocument/2006/relationships" xmlns:p="http://schemas.openxmlformats.org/presentationml/2006/main">
   <p:cSld>
     <p:spTree>
@@ -15155,6 +18304,9 @@
   <p:clrMapOvr>
     <a:masterClrMapping/>
   </p:clrMapOvr>
+  <p:transition spd="slow">
+    <p:cover/>
+  </p:transition>
   <p:timing>
     <p:tnLst>
       <p:par>
@@ -15329,7 +18481,7 @@
 </p:sld>
 </file>
 
-<file path=ppt/slides/slide23.xml><?xml version="1.0" encoding="utf-8"?>
+<file path=ppt/slides/slide28.xml><?xml version="1.0" encoding="utf-8"?>
 <p:sld xmlns:a="http://schemas.openxmlformats.org/drawingml/2006/main" xmlns:r="http://schemas.openxmlformats.org/officeDocument/2006/relationships" xmlns:p="http://schemas.openxmlformats.org/presentationml/2006/main">
   <p:cSld>
     <p:spTree>
@@ -15403,10 +18555,13 @@
   <p:clrMapOvr>
     <a:masterClrMapping/>
   </p:clrMapOvr>
+  <p:transition spd="slow">
+    <p:cover/>
+  </p:transition>
 </p:sld>
 </file>
 
-<file path=ppt/slides/slide24.xml><?xml version="1.0" encoding="utf-8"?>
+<file path=ppt/slides/slide29.xml><?xml version="1.0" encoding="utf-8"?>
 <p:sld xmlns:a="http://schemas.openxmlformats.org/drawingml/2006/main" xmlns:r="http://schemas.openxmlformats.org/officeDocument/2006/relationships" xmlns:p="http://schemas.openxmlformats.org/presentationml/2006/main">
   <p:cSld>
     <p:spTree>
@@ -15674,6 +18829,9 @@
   <p:clrMapOvr>
     <a:masterClrMapping/>
   </p:clrMapOvr>
+  <p:transition spd="slow">
+    <p:cover/>
+  </p:transition>
   <p:timing>
     <p:tnLst>
       <p:par>
@@ -16074,7 +19232,71 @@
 </p:sld>
 </file>
 
-<file path=ppt/slides/slide25.xml><?xml version="1.0" encoding="utf-8"?>
+<file path=ppt/slides/slide3.xml><?xml version="1.0" encoding="utf-8"?>
+<p:sld xmlns:a="http://schemas.openxmlformats.org/drawingml/2006/main" xmlns:r="http://schemas.openxmlformats.org/officeDocument/2006/relationships" xmlns:p="http://schemas.openxmlformats.org/presentationml/2006/main">
+  <p:cSld>
+    <p:spTree>
+      <p:nvGrpSpPr>
+        <p:cNvPr id="1" name=""/>
+        <p:cNvGrpSpPr/>
+        <p:nvPr/>
+      </p:nvGrpSpPr>
+      <p:grpSpPr>
+        <a:xfrm>
+          <a:off x="0" y="0"/>
+          <a:ext cx="0" cy="0"/>
+          <a:chOff x="0" y="0"/>
+          <a:chExt cx="0" cy="0"/>
+        </a:xfrm>
+      </p:grpSpPr>
+      <p:pic>
+        <p:nvPicPr>
+          <p:cNvPr id="5" name="Picture Placeholder 4">
+            <a:extLst>
+              <a:ext uri="{FF2B5EF4-FFF2-40B4-BE49-F238E27FC236}">
+                <a16:creationId xmlns:a16="http://schemas.microsoft.com/office/drawing/2014/main" id="{E66CED44-C35F-44AF-91DC-1CF5A3398EE6}"/>
+              </a:ext>
+            </a:extLst>
+          </p:cNvPr>
+          <p:cNvPicPr>
+            <a:picLocks noGrp="1" noChangeAspect="1"/>
+          </p:cNvPicPr>
+          <p:nvPr>
+            <p:ph type="pic" sz="quarter" idx="10"/>
+          </p:nvPr>
+        </p:nvPicPr>
+        <p:blipFill>
+          <a:blip r:embed="rId3" cstate="email">
+            <a:extLst>
+              <a:ext uri="{28A0092B-C50C-407E-A947-70E740481C1C}">
+                <a14:useLocalDpi xmlns:a14="http://schemas.microsoft.com/office/drawing/2010/main" val="0"/>
+              </a:ext>
+            </a:extLst>
+          </a:blip>
+          <a:srcRect l="1980" r="1980"/>
+          <a:stretch>
+            <a:fillRect/>
+          </a:stretch>
+        </p:blipFill>
+        <p:spPr/>
+      </p:pic>
+    </p:spTree>
+    <p:extLst>
+      <p:ext uri="{BB962C8B-B14F-4D97-AF65-F5344CB8AC3E}">
+        <p14:creationId xmlns:p14="http://schemas.microsoft.com/office/powerpoint/2010/main" val="1124204281"/>
+      </p:ext>
+    </p:extLst>
+  </p:cSld>
+  <p:clrMapOvr>
+    <a:masterClrMapping/>
+  </p:clrMapOvr>
+  <p:transition spd="slow">
+    <p:cover/>
+  </p:transition>
+</p:sld>
+</file>
+
+<file path=ppt/slides/slide30.xml><?xml version="1.0" encoding="utf-8"?>
 <p:sld xmlns:a="http://schemas.openxmlformats.org/drawingml/2006/main" xmlns:r="http://schemas.openxmlformats.org/officeDocument/2006/relationships" xmlns:p="http://schemas.openxmlformats.org/presentationml/2006/main">
   <p:cSld>
     <p:spTree>
@@ -16276,6 +19498,9 @@
   <p:clrMapOvr>
     <a:masterClrMapping/>
   </p:clrMapOvr>
+  <p:transition spd="slow">
+    <p:cover/>
+  </p:transition>
   <p:timing>
     <p:tnLst>
       <p:par>
@@ -16397,7 +19622,429 @@
 </p:sld>
 </file>
 
-<file path=ppt/slides/slide26.xml><?xml version="1.0" encoding="utf-8"?>
+<file path=ppt/slides/slide31.xml><?xml version="1.0" encoding="utf-8"?>
+<p:sld xmlns:a="http://schemas.openxmlformats.org/drawingml/2006/main" xmlns:r="http://schemas.openxmlformats.org/officeDocument/2006/relationships" xmlns:p="http://schemas.openxmlformats.org/presentationml/2006/main">
+  <p:cSld>
+    <p:spTree>
+      <p:nvGrpSpPr>
+        <p:cNvPr id="1" name=""/>
+        <p:cNvGrpSpPr/>
+        <p:nvPr/>
+      </p:nvGrpSpPr>
+      <p:grpSpPr>
+        <a:xfrm>
+          <a:off x="0" y="0"/>
+          <a:ext cx="0" cy="0"/>
+          <a:chOff x="0" y="0"/>
+          <a:chExt cx="0" cy="0"/>
+        </a:xfrm>
+      </p:grpSpPr>
+      <p:sp>
+        <p:nvSpPr>
+          <p:cNvPr id="7169" name="Title 1"/>
+          <p:cNvSpPr>
+            <a:spLocks noGrp="1"/>
+          </p:cNvSpPr>
+          <p:nvPr>
+            <p:ph type="title" idx="4294967295"/>
+          </p:nvPr>
+        </p:nvSpPr>
+        <p:spPr>
+          <a:xfrm>
+            <a:off x="704850" y="1811338"/>
+            <a:ext cx="13274675" cy="577081"/>
+          </a:xfrm>
+        </p:spPr>
+        <p:txBody>
+          <a:bodyPr/>
+          <a:lstStyle/>
+          <a:p>
+            <a:r>
+              <a:rPr lang="en-US" dirty="0">
+                <a:solidFill>
+                  <a:srgbClr val="4C4C4C"/>
+                </a:solidFill>
+                <a:latin typeface="BentonSans Book" charset="0"/>
+              </a:rPr>
+              <a:t>Tableau</a:t>
+            </a:r>
+          </a:p>
+        </p:txBody>
+      </p:sp>
+    </p:spTree>
+    <p:extLst>
+      <p:ext uri="{BB962C8B-B14F-4D97-AF65-F5344CB8AC3E}">
+        <p14:creationId xmlns:p14="http://schemas.microsoft.com/office/powerpoint/2010/main" val="54645820"/>
+      </p:ext>
+    </p:extLst>
+  </p:cSld>
+  <p:clrMapOvr>
+    <a:masterClrMapping/>
+  </p:clrMapOvr>
+  <p:transition spd="slow">
+    <p:push dir="u"/>
+  </p:transition>
+</p:sld>
+</file>
+
+<file path=ppt/slides/slide32.xml><?xml version="1.0" encoding="utf-8"?>
+<p:sld xmlns:a="http://schemas.openxmlformats.org/drawingml/2006/main" xmlns:r="http://schemas.openxmlformats.org/officeDocument/2006/relationships" xmlns:p="http://schemas.openxmlformats.org/presentationml/2006/main">
+  <p:cSld>
+    <p:spTree>
+      <p:nvGrpSpPr>
+        <p:cNvPr id="1" name=""/>
+        <p:cNvGrpSpPr/>
+        <p:nvPr/>
+      </p:nvGrpSpPr>
+      <p:grpSpPr>
+        <a:xfrm>
+          <a:off x="0" y="0"/>
+          <a:ext cx="0" cy="0"/>
+          <a:chOff x="0" y="0"/>
+          <a:chExt cx="0" cy="0"/>
+        </a:xfrm>
+      </p:grpSpPr>
+      <p:sp>
+        <p:nvSpPr>
+          <p:cNvPr id="7" name="Text Placeholder 1"/>
+          <p:cNvSpPr>
+            <a:spLocks noGrp="1"/>
+          </p:cNvSpPr>
+          <p:nvPr>
+            <p:ph type="body" sz="quarter" idx="12"/>
+          </p:nvPr>
+        </p:nvSpPr>
+        <p:spPr>
+          <a:xfrm>
+            <a:off x="710057" y="598699"/>
+            <a:ext cx="13269093" cy="1269578"/>
+          </a:xfrm>
+          <a:prstGeom prst="rect">
+            <a:avLst/>
+          </a:prstGeom>
+        </p:spPr>
+        <p:txBody>
+          <a:bodyPr/>
+          <a:lstStyle/>
+          <a:p>
+            <a:pPr defTabSz="1306221" fontAlgn="auto">
+              <a:lnSpc>
+                <a:spcPct val="80000"/>
+              </a:lnSpc>
+              <a:spcAft>
+                <a:spcPts val="0"/>
+              </a:spcAft>
+              <a:buFont typeface="Arial" panose="020B0604020202020204" pitchFamily="34" charset="0"/>
+              <a:buNone/>
+              <a:defRPr/>
+            </a:pPr>
+            <a:r>
+              <a:rPr lang="en-US" dirty="0">
+                <a:ea typeface="+mn-ea"/>
+              </a:rPr>
+              <a:t>[Title/Topic]</a:t>
+            </a:r>
+          </a:p>
+          <a:p>
+            <a:pPr defTabSz="1306221" fontAlgn="auto">
+              <a:lnSpc>
+                <a:spcPct val="80000"/>
+              </a:lnSpc>
+              <a:spcAft>
+                <a:spcPts val="0"/>
+              </a:spcAft>
+              <a:buFont typeface="Arial" panose="020B0604020202020204" pitchFamily="34" charset="0"/>
+              <a:buNone/>
+              <a:defRPr/>
+            </a:pPr>
+            <a:r>
+              <a:rPr lang="en-US" dirty="0">
+                <a:ea typeface="+mn-ea"/>
+              </a:rPr>
+              <a:t>2 lines max</a:t>
+            </a:r>
+          </a:p>
+        </p:txBody>
+      </p:sp>
+    </p:spTree>
+  </p:cSld>
+  <p:clrMapOvr>
+    <a:masterClrMapping/>
+  </p:clrMapOvr>
+</p:sld>
+</file>
+
+<file path=ppt/slides/slide33.xml><?xml version="1.0" encoding="utf-8"?>
+<p:sld xmlns:a="http://schemas.openxmlformats.org/drawingml/2006/main" xmlns:r="http://schemas.openxmlformats.org/officeDocument/2006/relationships" xmlns:p="http://schemas.openxmlformats.org/presentationml/2006/main">
+  <p:cSld>
+    <p:spTree>
+      <p:nvGrpSpPr>
+        <p:cNvPr id="1" name=""/>
+        <p:cNvGrpSpPr/>
+        <p:nvPr/>
+      </p:nvGrpSpPr>
+      <p:grpSpPr>
+        <a:xfrm>
+          <a:off x="0" y="0"/>
+          <a:ext cx="0" cy="0"/>
+          <a:chOff x="0" y="0"/>
+          <a:chExt cx="0" cy="0"/>
+        </a:xfrm>
+      </p:grpSpPr>
+      <p:sp>
+        <p:nvSpPr>
+          <p:cNvPr id="5" name="Text Placeholder 1"/>
+          <p:cNvSpPr>
+            <a:spLocks noGrp="1"/>
+          </p:cNvSpPr>
+          <p:nvPr>
+            <p:ph type="body" sz="quarter" idx="12"/>
+          </p:nvPr>
+        </p:nvSpPr>
+        <p:spPr>
+          <a:prstGeom prst="rect">
+            <a:avLst/>
+          </a:prstGeom>
+        </p:spPr>
+        <p:txBody>
+          <a:bodyPr/>
+          <a:lstStyle/>
+          <a:p>
+            <a:pPr defTabSz="1306221" fontAlgn="auto">
+              <a:lnSpc>
+                <a:spcPct val="80000"/>
+              </a:lnSpc>
+              <a:spcAft>
+                <a:spcPts val="0"/>
+              </a:spcAft>
+              <a:buFont typeface="Arial" panose="020B0604020202020204" pitchFamily="34" charset="0"/>
+              <a:buNone/>
+              <a:defRPr/>
+            </a:pPr>
+            <a:r>
+              <a:rPr lang="en-US" dirty="0">
+                <a:ea typeface="+mn-ea"/>
+              </a:rPr>
+              <a:t>[Title/Topic]</a:t>
+            </a:r>
+          </a:p>
+        </p:txBody>
+      </p:sp>
+      <p:sp>
+        <p:nvSpPr>
+          <p:cNvPr id="3" name="Content Placeholder 2"/>
+          <p:cNvSpPr>
+            <a:spLocks noGrp="1"/>
+          </p:cNvSpPr>
+          <p:nvPr>
+            <p:ph idx="14"/>
+          </p:nvPr>
+        </p:nvSpPr>
+        <p:spPr/>
+        <p:txBody>
+          <a:bodyPr/>
+          <a:lstStyle/>
+          <a:p>
+            <a:pPr defTabSz="1306221" fontAlgn="auto">
+              <a:defRPr/>
+            </a:pPr>
+            <a:r>
+              <a:rPr lang="en-US" dirty="0">
+                <a:ea typeface="+mn-ea"/>
+              </a:rPr>
+              <a:t>[Copy content] </a:t>
+            </a:r>
+          </a:p>
+        </p:txBody>
+      </p:sp>
+    </p:spTree>
+  </p:cSld>
+  <p:clrMapOvr>
+    <a:masterClrMapping/>
+  </p:clrMapOvr>
+</p:sld>
+</file>
+
+<file path=ppt/slides/slide34.xml><?xml version="1.0" encoding="utf-8"?>
+<p:sld xmlns:a="http://schemas.openxmlformats.org/drawingml/2006/main" xmlns:r="http://schemas.openxmlformats.org/officeDocument/2006/relationships" xmlns:p="http://schemas.openxmlformats.org/presentationml/2006/main">
+  <p:cSld>
+    <p:spTree>
+      <p:nvGrpSpPr>
+        <p:cNvPr id="1" name=""/>
+        <p:cNvGrpSpPr/>
+        <p:nvPr/>
+      </p:nvGrpSpPr>
+      <p:grpSpPr>
+        <a:xfrm>
+          <a:off x="0" y="0"/>
+          <a:ext cx="0" cy="0"/>
+          <a:chOff x="0" y="0"/>
+          <a:chExt cx="0" cy="0"/>
+        </a:xfrm>
+      </p:grpSpPr>
+      <p:sp>
+        <p:nvSpPr>
+          <p:cNvPr id="5" name="Content Placeholder 4"/>
+          <p:cNvSpPr>
+            <a:spLocks noGrp="1"/>
+          </p:cNvSpPr>
+          <p:nvPr>
+            <p:ph idx="14"/>
+          </p:nvPr>
+        </p:nvSpPr>
+        <p:spPr>
+          <a:xfrm>
+            <a:off x="704357" y="1893515"/>
+            <a:ext cx="13274793" cy="3477875"/>
+          </a:xfrm>
+        </p:spPr>
+        <p:txBody>
+          <a:bodyPr/>
+          <a:lstStyle/>
+          <a:p>
+            <a:pPr defTabSz="1306221" fontAlgn="auto">
+              <a:defRPr/>
+            </a:pPr>
+            <a:r>
+              <a:rPr lang="en-US" dirty="0">
+                <a:ea typeface="+mn-ea"/>
+              </a:rPr>
+              <a:t>Why does data matter?</a:t>
+            </a:r>
+          </a:p>
+          <a:p>
+            <a:pPr defTabSz="1306221" fontAlgn="auto">
+              <a:defRPr/>
+            </a:pPr>
+            <a:r>
+              <a:rPr lang="en-US" dirty="0">
+                <a:ea typeface="+mn-ea"/>
+              </a:rPr>
+              <a:t>[High-level content] </a:t>
+            </a:r>
+          </a:p>
+          <a:p>
+            <a:pPr lvl="1" defTabSz="1306221" fontAlgn="auto">
+              <a:defRPr/>
+            </a:pPr>
+            <a:r>
+              <a:rPr lang="en-US" dirty="0">
+                <a:ea typeface="+mn-ea"/>
+              </a:rPr>
+              <a:t>[Secondary information about high-level content]</a:t>
+            </a:r>
+          </a:p>
+          <a:p>
+            <a:pPr lvl="2" defTabSz="1306221" fontAlgn="auto">
+              <a:buFont typeface="Arial"/>
+              <a:buChar char="•"/>
+              <a:defRPr/>
+            </a:pPr>
+            <a:r>
+              <a:rPr lang="en-US" dirty="0">
+                <a:ea typeface="+mn-ea"/>
+              </a:rPr>
+              <a:t>[More details]</a:t>
+            </a:r>
+          </a:p>
+          <a:p>
+            <a:pPr lvl="2" defTabSz="1306221" fontAlgn="auto">
+              <a:buFont typeface="Arial"/>
+              <a:buChar char="•"/>
+              <a:defRPr/>
+            </a:pPr>
+            <a:r>
+              <a:rPr lang="en-US" dirty="0">
+                <a:ea typeface="+mn-ea"/>
+              </a:rPr>
+              <a:t>[More details] </a:t>
+            </a:r>
+          </a:p>
+          <a:p>
+            <a:pPr lvl="2" defTabSz="1306221" fontAlgn="auto">
+              <a:buFont typeface="Arial"/>
+              <a:buChar char="•"/>
+              <a:defRPr/>
+            </a:pPr>
+            <a:r>
+              <a:rPr lang="en-US" dirty="0">
+                <a:ea typeface="+mn-ea"/>
+              </a:rPr>
+              <a:t>[More details]</a:t>
+            </a:r>
+          </a:p>
+          <a:p>
+            <a:pPr lvl="1" defTabSz="1306221" fontAlgn="auto">
+              <a:defRPr/>
+            </a:pPr>
+            <a:r>
+              <a:rPr lang="en-US" dirty="0">
+                <a:ea typeface="+mn-ea"/>
+              </a:rPr>
+              <a:t>[Secondary information about high-level content]</a:t>
+            </a:r>
+          </a:p>
+          <a:p>
+            <a:pPr lvl="1" defTabSz="1306221" fontAlgn="auto">
+              <a:defRPr/>
+            </a:pPr>
+            <a:r>
+              <a:rPr lang="en-US" dirty="0">
+                <a:ea typeface="+mn-ea"/>
+              </a:rPr>
+              <a:t> [High-level content]</a:t>
+            </a:r>
+          </a:p>
+        </p:txBody>
+      </p:sp>
+      <p:sp>
+        <p:nvSpPr>
+          <p:cNvPr id="6" name="Text Placeholder 1"/>
+          <p:cNvSpPr>
+            <a:spLocks noGrp="1"/>
+          </p:cNvSpPr>
+          <p:nvPr>
+            <p:ph type="body" sz="quarter" idx="12"/>
+          </p:nvPr>
+        </p:nvSpPr>
+        <p:spPr>
+          <a:prstGeom prst="rect">
+            <a:avLst/>
+          </a:prstGeom>
+        </p:spPr>
+        <p:txBody>
+          <a:bodyPr/>
+          <a:lstStyle/>
+          <a:p>
+            <a:pPr defTabSz="1306221" fontAlgn="auto">
+              <a:lnSpc>
+                <a:spcPct val="80000"/>
+              </a:lnSpc>
+              <a:spcAft>
+                <a:spcPts val="0"/>
+              </a:spcAft>
+              <a:buFont typeface="Arial" panose="020B0604020202020204" pitchFamily="34" charset="0"/>
+              <a:buNone/>
+              <a:defRPr/>
+            </a:pPr>
+            <a:r>
+              <a:rPr lang="en-US" dirty="0">
+                <a:ea typeface="+mn-ea"/>
+              </a:rPr>
+              <a:t>[Title/Topic]</a:t>
+            </a:r>
+          </a:p>
+        </p:txBody>
+      </p:sp>
+    </p:spTree>
+  </p:cSld>
+  <p:clrMapOvr>
+    <a:masterClrMapping/>
+  </p:clrMapOvr>
+</p:sld>
+</file>
+
+<file path=ppt/slides/slide35.xml><?xml version="1.0" encoding="utf-8"?>
 <p:sld xmlns:a="http://schemas.openxmlformats.org/drawingml/2006/main" xmlns:r="http://schemas.openxmlformats.org/officeDocument/2006/relationships" xmlns:p="http://schemas.openxmlformats.org/presentationml/2006/main">
   <p:cSld>
     <p:spTree>
@@ -16577,7 +20224,7 @@
 </p:sld>
 </file>
 
-<file path=ppt/slides/slide27.xml><?xml version="1.0" encoding="utf-8"?>
+<file path=ppt/slides/slide36.xml><?xml version="1.0" encoding="utf-8"?>
 <p:sld xmlns:a="http://schemas.openxmlformats.org/drawingml/2006/main" xmlns:r="http://schemas.openxmlformats.org/officeDocument/2006/relationships" xmlns:p="http://schemas.openxmlformats.org/presentationml/2006/main">
   <p:cSld>
     <p:spTree>
@@ -16671,7 +20318,7 @@
 </p:sld>
 </file>
 
-<file path=ppt/slides/slide28.xml><?xml version="1.0" encoding="utf-8"?>
+<file path=ppt/slides/slide37.xml><?xml version="1.0" encoding="utf-8"?>
 <p:sld xmlns:a="http://schemas.openxmlformats.org/drawingml/2006/main" xmlns:r="http://schemas.openxmlformats.org/officeDocument/2006/relationships" xmlns:p="http://schemas.openxmlformats.org/presentationml/2006/main">
   <p:cSld>
     <p:spTree>
@@ -16772,7 +20419,7 @@
 </p:sld>
 </file>
 
-<file path=ppt/slides/slide29.xml><?xml version="1.0" encoding="utf-8"?>
+<file path=ppt/slides/slide38.xml><?xml version="1.0" encoding="utf-8"?>
 <p:sld xmlns:a="http://schemas.openxmlformats.org/drawingml/2006/main" xmlns:r="http://schemas.openxmlformats.org/officeDocument/2006/relationships" xmlns:p="http://schemas.openxmlformats.org/presentationml/2006/main">
   <p:cSld>
     <p:spTree>
@@ -16861,71 +20508,7 @@
 </p:sld>
 </file>
 
-<file path=ppt/slides/slide3.xml><?xml version="1.0" encoding="utf-8"?>
-<p:sld xmlns:a="http://schemas.openxmlformats.org/drawingml/2006/main" xmlns:r="http://schemas.openxmlformats.org/officeDocument/2006/relationships" xmlns:p="http://schemas.openxmlformats.org/presentationml/2006/main">
-  <p:cSld>
-    <p:spTree>
-      <p:nvGrpSpPr>
-        <p:cNvPr id="1" name=""/>
-        <p:cNvGrpSpPr/>
-        <p:nvPr/>
-      </p:nvGrpSpPr>
-      <p:grpSpPr>
-        <a:xfrm>
-          <a:off x="0" y="0"/>
-          <a:ext cx="0" cy="0"/>
-          <a:chOff x="0" y="0"/>
-          <a:chExt cx="0" cy="0"/>
-        </a:xfrm>
-      </p:grpSpPr>
-      <p:pic>
-        <p:nvPicPr>
-          <p:cNvPr id="6" name="Picture Placeholder 5">
-            <a:extLst>
-              <a:ext uri="{FF2B5EF4-FFF2-40B4-BE49-F238E27FC236}">
-                <a16:creationId xmlns:a16="http://schemas.microsoft.com/office/drawing/2014/main" id="{7859933E-B0D3-4887-A439-4FB1935464D1}"/>
-              </a:ext>
-            </a:extLst>
-          </p:cNvPr>
-          <p:cNvPicPr>
-            <a:picLocks noGrp="1" noChangeAspect="1"/>
-          </p:cNvPicPr>
-          <p:nvPr>
-            <p:ph type="pic" sz="quarter" idx="10"/>
-          </p:nvPr>
-        </p:nvPicPr>
-        <p:blipFill>
-          <a:blip r:embed="rId3">
-            <a:extLst>
-              <a:ext uri="{28A0092B-C50C-407E-A947-70E740481C1C}">
-                <a14:useLocalDpi xmlns:a14="http://schemas.microsoft.com/office/drawing/2010/main" val="0"/>
-              </a:ext>
-            </a:extLst>
-          </a:blip>
-          <a:srcRect t="3229" b="3229"/>
-          <a:stretch>
-            <a:fillRect/>
-          </a:stretch>
-        </p:blipFill>
-        <p:spPr/>
-      </p:pic>
-    </p:spTree>
-    <p:extLst>
-      <p:ext uri="{BB962C8B-B14F-4D97-AF65-F5344CB8AC3E}">
-        <p14:creationId xmlns:p14="http://schemas.microsoft.com/office/powerpoint/2010/main" val="2464762266"/>
-      </p:ext>
-    </p:extLst>
-  </p:cSld>
-  <p:clrMapOvr>
-    <a:masterClrMapping/>
-  </p:clrMapOvr>
-  <p:transition spd="slow">
-    <p:cover/>
-  </p:transition>
-</p:sld>
-</file>
-
-<file path=ppt/slides/slide30.xml><?xml version="1.0" encoding="utf-8"?>
+<file path=ppt/slides/slide39.xml><?xml version="1.0" encoding="utf-8"?>
 <p:sld xmlns:a="http://schemas.openxmlformats.org/drawingml/2006/main" xmlns:r="http://schemas.openxmlformats.org/officeDocument/2006/relationships" xmlns:p="http://schemas.openxmlformats.org/presentationml/2006/main">
   <p:cSld>
     <p:spTree>
@@ -16982,7 +20565,71 @@
 </p:sld>
 </file>
 
-<file path=ppt/slides/slide31.xml><?xml version="1.0" encoding="utf-8"?>
+<file path=ppt/slides/slide4.xml><?xml version="1.0" encoding="utf-8"?>
+<p:sld xmlns:a="http://schemas.openxmlformats.org/drawingml/2006/main" xmlns:r="http://schemas.openxmlformats.org/officeDocument/2006/relationships" xmlns:p="http://schemas.openxmlformats.org/presentationml/2006/main">
+  <p:cSld>
+    <p:spTree>
+      <p:nvGrpSpPr>
+        <p:cNvPr id="1" name=""/>
+        <p:cNvGrpSpPr/>
+        <p:nvPr/>
+      </p:nvGrpSpPr>
+      <p:grpSpPr>
+        <a:xfrm>
+          <a:off x="0" y="0"/>
+          <a:ext cx="0" cy="0"/>
+          <a:chOff x="0" y="0"/>
+          <a:chExt cx="0" cy="0"/>
+        </a:xfrm>
+      </p:grpSpPr>
+      <p:pic>
+        <p:nvPicPr>
+          <p:cNvPr id="6" name="Picture Placeholder 5">
+            <a:extLst>
+              <a:ext uri="{FF2B5EF4-FFF2-40B4-BE49-F238E27FC236}">
+                <a16:creationId xmlns:a16="http://schemas.microsoft.com/office/drawing/2014/main" id="{F7F89766-138E-4143-9B57-976D4CA07254}"/>
+              </a:ext>
+            </a:extLst>
+          </p:cNvPr>
+          <p:cNvPicPr>
+            <a:picLocks noGrp="1" noChangeAspect="1"/>
+          </p:cNvPicPr>
+          <p:nvPr>
+            <p:ph type="pic" sz="quarter" idx="10"/>
+          </p:nvPr>
+        </p:nvPicPr>
+        <p:blipFill>
+          <a:blip r:embed="rId2" cstate="email">
+            <a:extLst>
+              <a:ext uri="{28A0092B-C50C-407E-A947-70E740481C1C}">
+                <a14:useLocalDpi xmlns:a14="http://schemas.microsoft.com/office/drawing/2010/main" val="0"/>
+              </a:ext>
+            </a:extLst>
+          </a:blip>
+          <a:srcRect t="7813" b="7813"/>
+          <a:stretch>
+            <a:fillRect/>
+          </a:stretch>
+        </p:blipFill>
+        <p:spPr/>
+      </p:pic>
+    </p:spTree>
+    <p:extLst>
+      <p:ext uri="{BB962C8B-B14F-4D97-AF65-F5344CB8AC3E}">
+        <p14:creationId xmlns:p14="http://schemas.microsoft.com/office/powerpoint/2010/main" val="732574801"/>
+      </p:ext>
+    </p:extLst>
+  </p:cSld>
+  <p:clrMapOvr>
+    <a:masterClrMapping/>
+  </p:clrMapOvr>
+  <p:transition spd="slow">
+    <p:cover/>
+  </p:transition>
+</p:sld>
+</file>
+
+<file path=ppt/slides/slide40.xml><?xml version="1.0" encoding="utf-8"?>
 <p:sld xmlns:a="http://schemas.openxmlformats.org/drawingml/2006/main" xmlns:r="http://schemas.openxmlformats.org/officeDocument/2006/relationships" xmlns:p="http://schemas.openxmlformats.org/presentationml/2006/main">
   <p:cSld>
     <p:spTree>
@@ -17190,7 +20837,7 @@
 </p:sld>
 </file>
 
-<file path=ppt/slides/slide32.xml><?xml version="1.0" encoding="utf-8"?>
+<file path=ppt/slides/slide41.xml><?xml version="1.0" encoding="utf-8"?>
 <p:sld xmlns:a="http://schemas.openxmlformats.org/drawingml/2006/main" xmlns:r="http://schemas.openxmlformats.org/officeDocument/2006/relationships" xmlns:p="http://schemas.openxmlformats.org/presentationml/2006/main">
   <p:cSld>
     <p:spTree>
@@ -18477,7 +22124,7 @@
 </p:sld>
 </file>
 
-<file path=ppt/slides/slide33.xml><?xml version="1.0" encoding="utf-8"?>
+<file path=ppt/slides/slide42.xml><?xml version="1.0" encoding="utf-8"?>
 <p:sld xmlns:a="http://schemas.openxmlformats.org/drawingml/2006/main" xmlns:r="http://schemas.openxmlformats.org/officeDocument/2006/relationships" xmlns:p="http://schemas.openxmlformats.org/presentationml/2006/main">
   <p:cSld>
     <p:spTree>
@@ -18712,7 +22359,7 @@
 </p:sld>
 </file>
 
-<file path=ppt/slides/slide34.xml><?xml version="1.0" encoding="utf-8"?>
+<file path=ppt/slides/slide43.xml><?xml version="1.0" encoding="utf-8"?>
 <p:sld xmlns:a="http://schemas.openxmlformats.org/drawingml/2006/main" xmlns:r="http://schemas.openxmlformats.org/officeDocument/2006/relationships" xmlns:p="http://schemas.openxmlformats.org/presentationml/2006/main">
   <p:cSld>
     <p:spTree>
@@ -19282,7 +22929,7 @@
 </p:sld>
 </file>
 
-<file path=ppt/slides/slide35.xml><?xml version="1.0" encoding="utf-8"?>
+<file path=ppt/slides/slide44.xml><?xml version="1.0" encoding="utf-8"?>
 <p:sld xmlns:a="http://schemas.openxmlformats.org/drawingml/2006/main" xmlns:r="http://schemas.openxmlformats.org/officeDocument/2006/relationships" xmlns:p="http://schemas.openxmlformats.org/presentationml/2006/main">
   <p:cSld>
     <p:spTree>
@@ -19706,7 +23353,7 @@
 </p:sld>
 </file>
 
-<file path=ppt/slides/slide36.xml><?xml version="1.0" encoding="utf-8"?>
+<file path=ppt/slides/slide45.xml><?xml version="1.0" encoding="utf-8"?>
 <p:sld xmlns:a="http://schemas.openxmlformats.org/drawingml/2006/main" xmlns:r="http://schemas.openxmlformats.org/officeDocument/2006/relationships" xmlns:p="http://schemas.openxmlformats.org/presentationml/2006/main">
   <p:cSld>
     <p:spTree>
@@ -20539,7 +24186,7 @@
 </p:sld>
 </file>
 
-<file path=ppt/slides/slide37.xml><?xml version="1.0" encoding="utf-8"?>
+<file path=ppt/slides/slide46.xml><?xml version="1.0" encoding="utf-8"?>
 <p:sld xmlns:a="http://schemas.openxmlformats.org/drawingml/2006/main" xmlns:r="http://schemas.openxmlformats.org/officeDocument/2006/relationships" xmlns:p="http://schemas.openxmlformats.org/presentationml/2006/main">
   <p:cSld>
     <p:spTree>
@@ -42068,7 +45715,7 @@
 </p:sld>
 </file>
 
-<file path=ppt/slides/slide38.xml><?xml version="1.0" encoding="utf-8"?>
+<file path=ppt/slides/slide47.xml><?xml version="1.0" encoding="utf-8"?>
 <p:sld xmlns:a="http://schemas.openxmlformats.org/drawingml/2006/main" xmlns:r="http://schemas.openxmlformats.org/officeDocument/2006/relationships" xmlns:p="http://schemas.openxmlformats.org/presentationml/2006/main">
   <p:cSld>
     <p:spTree>
@@ -42508,7 +46155,7 @@
 </p:sld>
 </file>
 
-<file path=ppt/slides/slide39.xml><?xml version="1.0" encoding="utf-8"?>
+<file path=ppt/slides/slide48.xml><?xml version="1.0" encoding="utf-8"?>
 <p:sld xmlns:a="http://schemas.openxmlformats.org/drawingml/2006/main" xmlns:r="http://schemas.openxmlformats.org/officeDocument/2006/relationships" xmlns:p="http://schemas.openxmlformats.org/presentationml/2006/main">
   <p:cSld>
     <p:spTree>
@@ -42604,81 +46251,7 @@
 </p:sld>
 </file>
 
-<file path=ppt/slides/slide4.xml><?xml version="1.0" encoding="utf-8"?>
-<p:sld xmlns:a="http://schemas.openxmlformats.org/drawingml/2006/main" xmlns:r="http://schemas.openxmlformats.org/officeDocument/2006/relationships" xmlns:p="http://schemas.openxmlformats.org/presentationml/2006/main">
-  <p:cSld>
-    <p:spTree>
-      <p:nvGrpSpPr>
-        <p:cNvPr id="1" name=""/>
-        <p:cNvGrpSpPr/>
-        <p:nvPr/>
-      </p:nvGrpSpPr>
-      <p:grpSpPr>
-        <a:xfrm>
-          <a:off x="0" y="0"/>
-          <a:ext cx="0" cy="0"/>
-          <a:chOff x="0" y="0"/>
-          <a:chExt cx="0" cy="0"/>
-        </a:xfrm>
-      </p:grpSpPr>
-      <p:pic>
-        <p:nvPicPr>
-          <p:cNvPr id="3" name="Picture Placeholder 2">
-            <a:extLst>
-              <a:ext uri="{FF2B5EF4-FFF2-40B4-BE49-F238E27FC236}">
-                <a16:creationId xmlns:a16="http://schemas.microsoft.com/office/drawing/2014/main" id="{A2D3BACB-C8DA-4078-B269-D1D01454F625}"/>
-              </a:ext>
-            </a:extLst>
-          </p:cNvPr>
-          <p:cNvPicPr>
-            <a:picLocks noGrp="1" noChangeAspect="1"/>
-          </p:cNvPicPr>
-          <p:nvPr>
-            <p:ph type="pic" sz="quarter" idx="10"/>
-          </p:nvPr>
-        </p:nvPicPr>
-        <p:blipFill>
-          <a:blip r:embed="rId3">
-            <a:extLst>
-              <a:ext uri="{28A0092B-C50C-407E-A947-70E740481C1C}">
-                <a14:useLocalDpi xmlns:a14="http://schemas.microsoft.com/office/drawing/2010/main" val="0"/>
-              </a:ext>
-            </a:extLst>
-          </a:blip>
-          <a:srcRect l="16636" r="16636"/>
-          <a:stretch>
-            <a:fillRect/>
-          </a:stretch>
-        </p:blipFill>
-        <p:spPr bwMode="auto">
-          <a:xfrm>
-            <a:off x="0" y="0"/>
-            <a:ext cx="14630400" cy="8229600"/>
-          </a:xfrm>
-          <a:ln>
-            <a:miter lim="800000"/>
-            <a:headEnd/>
-            <a:tailEnd/>
-          </a:ln>
-          <a:extLst>
-            <a:ext uri="{FAA26D3D-D897-4be2-8F04-BA451C77F1D7}">
-              <ma14:placeholderFlag xmlns:ma14="http://schemas.microsoft.com/office/mac/drawingml/2011/main" xmlns="" val="1"/>
-            </a:ext>
-          </a:extLst>
-        </p:spPr>
-      </p:pic>
-    </p:spTree>
-  </p:cSld>
-  <p:clrMapOvr>
-    <a:masterClrMapping/>
-  </p:clrMapOvr>
-  <p:transition spd="slow">
-    <p:cover/>
-  </p:transition>
-</p:sld>
-</file>
-
-<file path=ppt/slides/slide40.xml><?xml version="1.0" encoding="utf-8"?>
+<file path=ppt/slides/slide49.xml><?xml version="1.0" encoding="utf-8"?>
 <p:sld xmlns:a="http://schemas.openxmlformats.org/drawingml/2006/main" xmlns:r="http://schemas.openxmlformats.org/officeDocument/2006/relationships" xmlns:p="http://schemas.openxmlformats.org/presentationml/2006/main">
   <p:cSld>
     <p:spTree>
@@ -43112,7 +46685,71 @@
 </p:sld>
 </file>
 
-<file path=ppt/slides/slide41.xml><?xml version="1.0" encoding="utf-8"?>
+<file path=ppt/slides/slide5.xml><?xml version="1.0" encoding="utf-8"?>
+<p:sld xmlns:a="http://schemas.openxmlformats.org/drawingml/2006/main" xmlns:r="http://schemas.openxmlformats.org/officeDocument/2006/relationships" xmlns:p="http://schemas.openxmlformats.org/presentationml/2006/main">
+  <p:cSld>
+    <p:spTree>
+      <p:nvGrpSpPr>
+        <p:cNvPr id="1" name=""/>
+        <p:cNvGrpSpPr/>
+        <p:nvPr/>
+      </p:nvGrpSpPr>
+      <p:grpSpPr>
+        <a:xfrm>
+          <a:off x="0" y="0"/>
+          <a:ext cx="0" cy="0"/>
+          <a:chOff x="0" y="0"/>
+          <a:chExt cx="0" cy="0"/>
+        </a:xfrm>
+      </p:grpSpPr>
+      <p:pic>
+        <p:nvPicPr>
+          <p:cNvPr id="6" name="Picture Placeholder 5">
+            <a:extLst>
+              <a:ext uri="{FF2B5EF4-FFF2-40B4-BE49-F238E27FC236}">
+                <a16:creationId xmlns:a16="http://schemas.microsoft.com/office/drawing/2014/main" id="{7859933E-B0D3-4887-A439-4FB1935464D1}"/>
+              </a:ext>
+            </a:extLst>
+          </p:cNvPr>
+          <p:cNvPicPr>
+            <a:picLocks noGrp="1" noChangeAspect="1"/>
+          </p:cNvPicPr>
+          <p:nvPr>
+            <p:ph type="pic" sz="quarter" idx="10"/>
+          </p:nvPr>
+        </p:nvPicPr>
+        <p:blipFill>
+          <a:blip r:embed="rId3">
+            <a:extLst>
+              <a:ext uri="{28A0092B-C50C-407E-A947-70E740481C1C}">
+                <a14:useLocalDpi xmlns:a14="http://schemas.microsoft.com/office/drawing/2010/main" val="0"/>
+              </a:ext>
+            </a:extLst>
+          </a:blip>
+          <a:srcRect t="3229" b="3229"/>
+          <a:stretch>
+            <a:fillRect/>
+          </a:stretch>
+        </p:blipFill>
+        <p:spPr/>
+      </p:pic>
+    </p:spTree>
+    <p:extLst>
+      <p:ext uri="{BB962C8B-B14F-4D97-AF65-F5344CB8AC3E}">
+        <p14:creationId xmlns:p14="http://schemas.microsoft.com/office/powerpoint/2010/main" val="2464762266"/>
+      </p:ext>
+    </p:extLst>
+  </p:cSld>
+  <p:clrMapOvr>
+    <a:masterClrMapping/>
+  </p:clrMapOvr>
+  <p:transition spd="slow">
+    <p:cover/>
+  </p:transition>
+</p:sld>
+</file>
+
+<file path=ppt/slides/slide50.xml><?xml version="1.0" encoding="utf-8"?>
 <p:sld xmlns:a="http://schemas.openxmlformats.org/drawingml/2006/main" xmlns:r="http://schemas.openxmlformats.org/officeDocument/2006/relationships" xmlns:p="http://schemas.openxmlformats.org/presentationml/2006/main">
   <p:cSld>
     <p:spTree>
@@ -45072,7 +48709,7 @@
 </p:sld>
 </file>
 
-<file path=ppt/slides/slide42.xml><?xml version="1.0" encoding="utf-8"?>
+<file path=ppt/slides/slide51.xml><?xml version="1.0" encoding="utf-8"?>
 <p:sld xmlns:a="http://schemas.openxmlformats.org/drawingml/2006/main" xmlns:r="http://schemas.openxmlformats.org/officeDocument/2006/relationships" xmlns:p="http://schemas.openxmlformats.org/presentationml/2006/main">
   <p:cSld>
     <p:spTree>
@@ -47186,7 +50823,7 @@
 </p:sld>
 </file>
 
-<file path=ppt/slides/slide43.xml><?xml version="1.0" encoding="utf-8"?>
+<file path=ppt/slides/slide52.xml><?xml version="1.0" encoding="utf-8"?>
 <p:sld xmlns:a="http://schemas.openxmlformats.org/drawingml/2006/main" xmlns:r="http://schemas.openxmlformats.org/officeDocument/2006/relationships" xmlns:p="http://schemas.openxmlformats.org/presentationml/2006/main">
   <p:cSld>
     <p:spTree>
@@ -48770,7 +52407,7 @@
 </p:sld>
 </file>
 
-<file path=ppt/slides/slide44.xml><?xml version="1.0" encoding="utf-8"?>
+<file path=ppt/slides/slide53.xml><?xml version="1.0" encoding="utf-8"?>
 <p:sld xmlns:a="http://schemas.openxmlformats.org/drawingml/2006/main" xmlns:r="http://schemas.openxmlformats.org/officeDocument/2006/relationships" xmlns:p="http://schemas.openxmlformats.org/presentationml/2006/main">
   <p:cSld>
     <p:spTree>
@@ -48869,7 +52506,7 @@
 </p:sld>
 </file>
 
-<file path=ppt/slides/slide45.xml><?xml version="1.0" encoding="utf-8"?>
+<file path=ppt/slides/slide54.xml><?xml version="1.0" encoding="utf-8"?>
 <p:sld xmlns:a="http://schemas.openxmlformats.org/drawingml/2006/main" xmlns:r="http://schemas.openxmlformats.org/officeDocument/2006/relationships" xmlns:p="http://schemas.openxmlformats.org/presentationml/2006/main">
   <p:cSld>
     <p:spTree>
@@ -48975,7 +52612,7 @@
 </p:sld>
 </file>
 
-<file path=ppt/slides/slide46.xml><?xml version="1.0" encoding="utf-8"?>
+<file path=ppt/slides/slide55.xml><?xml version="1.0" encoding="utf-8"?>
 <p:sld xmlns:a="http://schemas.openxmlformats.org/drawingml/2006/main" xmlns:r="http://schemas.openxmlformats.org/officeDocument/2006/relationships" xmlns:p="http://schemas.openxmlformats.org/presentationml/2006/main">
   <p:cSld>
     <p:spTree>
@@ -49071,70 +52708,6 @@
 </p:sld>
 </file>
 
-<file path=ppt/slides/slide5.xml><?xml version="1.0" encoding="utf-8"?>
-<p:sld xmlns:a="http://schemas.openxmlformats.org/drawingml/2006/main" xmlns:r="http://schemas.openxmlformats.org/officeDocument/2006/relationships" xmlns:p="http://schemas.openxmlformats.org/presentationml/2006/main">
-  <p:cSld>
-    <p:spTree>
-      <p:nvGrpSpPr>
-        <p:cNvPr id="1" name=""/>
-        <p:cNvGrpSpPr/>
-        <p:nvPr/>
-      </p:nvGrpSpPr>
-      <p:grpSpPr>
-        <a:xfrm>
-          <a:off x="0" y="0"/>
-          <a:ext cx="0" cy="0"/>
-          <a:chOff x="0" y="0"/>
-          <a:chExt cx="0" cy="0"/>
-        </a:xfrm>
-      </p:grpSpPr>
-      <p:pic>
-        <p:nvPicPr>
-          <p:cNvPr id="5" name="Picture Placeholder 4">
-            <a:extLst>
-              <a:ext uri="{FF2B5EF4-FFF2-40B4-BE49-F238E27FC236}">
-                <a16:creationId xmlns:a16="http://schemas.microsoft.com/office/drawing/2014/main" id="{E66CED44-C35F-44AF-91DC-1CF5A3398EE6}"/>
-              </a:ext>
-            </a:extLst>
-          </p:cNvPr>
-          <p:cNvPicPr>
-            <a:picLocks noGrp="1" noChangeAspect="1"/>
-          </p:cNvPicPr>
-          <p:nvPr>
-            <p:ph type="pic" sz="quarter" idx="10"/>
-          </p:nvPr>
-        </p:nvPicPr>
-        <p:blipFill>
-          <a:blip r:embed="rId3" cstate="email">
-            <a:extLst>
-              <a:ext uri="{28A0092B-C50C-407E-A947-70E740481C1C}">
-                <a14:useLocalDpi xmlns:a14="http://schemas.microsoft.com/office/drawing/2010/main" val="0"/>
-              </a:ext>
-            </a:extLst>
-          </a:blip>
-          <a:srcRect l="1980" r="1980"/>
-          <a:stretch>
-            <a:fillRect/>
-          </a:stretch>
-        </p:blipFill>
-        <p:spPr/>
-      </p:pic>
-    </p:spTree>
-    <p:extLst>
-      <p:ext uri="{BB962C8B-B14F-4D97-AF65-F5344CB8AC3E}">
-        <p14:creationId xmlns:p14="http://schemas.microsoft.com/office/powerpoint/2010/main" val="1124204281"/>
-      </p:ext>
-    </p:extLst>
-  </p:cSld>
-  <p:clrMapOvr>
-    <a:masterClrMapping/>
-  </p:clrMapOvr>
-  <p:transition spd="slow">
-    <p:cover/>
-  </p:transition>
-</p:sld>
-</file>
-
 <file path=ppt/slides/slide6.xml><?xml version="1.0" encoding="utf-8"?>
 <p:sld xmlns:a="http://schemas.openxmlformats.org/drawingml/2006/main" xmlns:r="http://schemas.openxmlformats.org/officeDocument/2006/relationships" xmlns:p="http://schemas.openxmlformats.org/presentationml/2006/main">
   <p:cSld>
@@ -49157,7 +52730,7 @@
           <p:cNvPr id="6" name="Picture Placeholder 5">
             <a:extLst>
               <a:ext uri="{FF2B5EF4-FFF2-40B4-BE49-F238E27FC236}">
-                <a16:creationId xmlns:a16="http://schemas.microsoft.com/office/drawing/2014/main" id="{F7F89766-138E-4143-9B57-976D4CA07254}"/>
+                <a16:creationId xmlns:a16="http://schemas.microsoft.com/office/drawing/2014/main" id="{F6810550-FA35-41AB-BC35-0A00834A69BD}"/>
               </a:ext>
             </a:extLst>
           </p:cNvPr>
@@ -49169,14 +52742,14 @@
           </p:nvPr>
         </p:nvPicPr>
         <p:blipFill>
-          <a:blip r:embed="rId2" cstate="email">
+          <a:blip r:embed="rId3" cstate="email">
             <a:extLst>
               <a:ext uri="{28A0092B-C50C-407E-A947-70E740481C1C}">
                 <a14:useLocalDpi xmlns:a14="http://schemas.microsoft.com/office/drawing/2010/main" val="0"/>
               </a:ext>
             </a:extLst>
           </a:blip>
-          <a:srcRect t="7813" b="7813"/>
+          <a:srcRect t="12507" b="12507"/>
           <a:stretch>
             <a:fillRect/>
           </a:stretch>
@@ -49186,7 +52759,7 @@
     </p:spTree>
     <p:extLst>
       <p:ext uri="{BB962C8B-B14F-4D97-AF65-F5344CB8AC3E}">
-        <p14:creationId xmlns:p14="http://schemas.microsoft.com/office/powerpoint/2010/main" val="732574801"/>
+        <p14:creationId xmlns:p14="http://schemas.microsoft.com/office/powerpoint/2010/main" val="2423496030"/>
       </p:ext>
     </p:extLst>
   </p:cSld>
@@ -49274,7 +52847,7 @@
                 <a:ea typeface="+mn-ea"/>
                 <a:cs typeface="+mn-cs"/>
               </a:rPr>
-              <a:t>Move to the Web Team (mostly)</a:t>
+              <a:t>Move to the Web Team</a:t>
             </a:r>
           </a:p>
         </p:txBody>
@@ -49386,7 +52959,7 @@
               <a:rPr lang="en-US" dirty="0">
                 <a:ea typeface="+mn-ea"/>
               </a:rPr>
-              <a:t>Data Growth</a:t>
+              <a:t>Growth of Data</a:t>
             </a:r>
           </a:p>
           <a:p>
@@ -49400,7 +52973,7 @@
               <a:rPr lang="en-US" dirty="0">
                 <a:ea typeface="+mn-ea"/>
               </a:rPr>
-              <a:t>Why Does Data Matter?</a:t>
+              <a:t>Why Data Matters – Three Examples</a:t>
             </a:r>
           </a:p>
           <a:p>
@@ -49432,7 +53005,7 @@
         <p:spPr>
           <a:xfrm>
             <a:off x="8545513" y="1812925"/>
-            <a:ext cx="5414962" cy="3951288"/>
+            <a:ext cx="5414962" cy="579518"/>
           </a:xfrm>
         </p:spPr>
         <p:txBody>
@@ -49442,67 +53015,9 @@
             <a:pPr>
               <a:defRPr/>
             </a:pPr>
-            <a:r>
-              <a:rPr lang="en-US" dirty="0">
-                <a:ea typeface="+mn-ea"/>
-              </a:rPr>
-              <a:t>Slide [#]</a:t>
-            </a:r>
-          </a:p>
-          <a:p>
-            <a:pPr>
-              <a:defRPr/>
-            </a:pPr>
-            <a:r>
-              <a:rPr lang="en-US" dirty="0">
-                <a:ea typeface="+mn-ea"/>
-              </a:rPr>
-              <a:t>Slide [#]</a:t>
-            </a:r>
-          </a:p>
-          <a:p>
-            <a:pPr>
-              <a:defRPr/>
-            </a:pPr>
-            <a:r>
-              <a:rPr lang="en-US" dirty="0">
-                <a:ea typeface="+mn-ea"/>
-              </a:rPr>
-              <a:t>Slide [#]</a:t>
-            </a:r>
-          </a:p>
-          <a:p>
-            <a:pPr>
-              <a:defRPr/>
-            </a:pPr>
-            <a:r>
-              <a:rPr lang="en-US" dirty="0">
-                <a:ea typeface="+mn-ea"/>
-              </a:rPr>
-              <a:t>Slide [#]</a:t>
-            </a:r>
-          </a:p>
-          <a:p>
-            <a:pPr>
-              <a:defRPr/>
-            </a:pPr>
-            <a:r>
-              <a:rPr lang="en-US" dirty="0">
-                <a:ea typeface="+mn-ea"/>
-              </a:rPr>
-              <a:t>Slide [#]</a:t>
-            </a:r>
-          </a:p>
-          <a:p>
-            <a:pPr>
-              <a:defRPr/>
-            </a:pPr>
-            <a:r>
-              <a:rPr lang="en-US" dirty="0">
-                <a:ea typeface="+mn-ea"/>
-              </a:rPr>
-              <a:t>Slide [#]</a:t>
-            </a:r>
+            <a:endParaRPr lang="en-US" dirty="0">
+              <a:ea typeface="+mn-ea"/>
+            </a:endParaRPr>
           </a:p>
         </p:txBody>
       </p:sp>
@@ -49519,7 +53034,7 @@
         <p:spPr>
           <a:xfrm>
             <a:off x="712788" y="600075"/>
-            <a:ext cx="13244512" cy="635000"/>
+            <a:ext cx="13244512" cy="567848"/>
           </a:xfrm>
         </p:spPr>
         <p:txBody>
@@ -49536,7 +53051,7 @@
               <a:rPr lang="en-US" dirty="0">
                 <a:ea typeface="+mn-ea"/>
               </a:rPr>
-              <a:t>Table of Contents/Agenda</a:t>
+              <a:t>Agenda</a:t>
             </a:r>
           </a:p>
         </p:txBody>
@@ -49546,6 +53061,9 @@
   <p:clrMapOvr>
     <a:masterClrMapping/>
   </p:clrMapOvr>
+  <p:transition spd="slow">
+    <p:push dir="u"/>
+  </p:transition>
 </p:sld>
 </file>
 

--- a/lecture.pptx
+++ b/lecture.pptx
@@ -5,10 +5,10 @@
     <p:sldMasterId id="2147483875" r:id="rId1"/>
   </p:sldMasterIdLst>
   <p:notesMasterIdLst>
-    <p:notesMasterId r:id="rId57"/>
+    <p:notesMasterId r:id="rId59"/>
   </p:notesMasterIdLst>
   <p:handoutMasterIdLst>
-    <p:handoutMasterId r:id="rId58"/>
+    <p:handoutMasterId r:id="rId60"/>
   </p:handoutMasterIdLst>
   <p:sldIdLst>
     <p:sldId id="256" r:id="rId2"/>
@@ -42,30 +42,32 @@
     <p:sldId id="541" r:id="rId30"/>
     <p:sldId id="542" r:id="rId31"/>
     <p:sldId id="531" r:id="rId32"/>
-    <p:sldId id="419" r:id="rId33"/>
-    <p:sldId id="526" r:id="rId34"/>
-    <p:sldId id="318" r:id="rId35"/>
-    <p:sldId id="525" r:id="rId36"/>
-    <p:sldId id="319" r:id="rId37"/>
-    <p:sldId id="422" r:id="rId38"/>
-    <p:sldId id="343" r:id="rId39"/>
-    <p:sldId id="523" r:id="rId40"/>
-    <p:sldId id="511" r:id="rId41"/>
-    <p:sldId id="502" r:id="rId42"/>
-    <p:sldId id="503" r:id="rId43"/>
-    <p:sldId id="504" r:id="rId44"/>
-    <p:sldId id="524" r:id="rId45"/>
-    <p:sldId id="513" r:id="rId46"/>
-    <p:sldId id="514" r:id="rId47"/>
-    <p:sldId id="532" r:id="rId48"/>
-    <p:sldId id="533" r:id="rId49"/>
-    <p:sldId id="534" r:id="rId50"/>
-    <p:sldId id="509" r:id="rId51"/>
-    <p:sldId id="510" r:id="rId52"/>
-    <p:sldId id="508" r:id="rId53"/>
-    <p:sldId id="536" r:id="rId54"/>
-    <p:sldId id="537" r:id="rId55"/>
-    <p:sldId id="538" r:id="rId56"/>
+    <p:sldId id="567" r:id="rId33"/>
+    <p:sldId id="566" r:id="rId34"/>
+    <p:sldId id="419" r:id="rId35"/>
+    <p:sldId id="526" r:id="rId36"/>
+    <p:sldId id="318" r:id="rId37"/>
+    <p:sldId id="525" r:id="rId38"/>
+    <p:sldId id="319" r:id="rId39"/>
+    <p:sldId id="422" r:id="rId40"/>
+    <p:sldId id="343" r:id="rId41"/>
+    <p:sldId id="523" r:id="rId42"/>
+    <p:sldId id="511" r:id="rId43"/>
+    <p:sldId id="502" r:id="rId44"/>
+    <p:sldId id="503" r:id="rId45"/>
+    <p:sldId id="504" r:id="rId46"/>
+    <p:sldId id="524" r:id="rId47"/>
+    <p:sldId id="513" r:id="rId48"/>
+    <p:sldId id="514" r:id="rId49"/>
+    <p:sldId id="532" r:id="rId50"/>
+    <p:sldId id="533" r:id="rId51"/>
+    <p:sldId id="534" r:id="rId52"/>
+    <p:sldId id="509" r:id="rId53"/>
+    <p:sldId id="510" r:id="rId54"/>
+    <p:sldId id="508" r:id="rId55"/>
+    <p:sldId id="536" r:id="rId56"/>
+    <p:sldId id="537" r:id="rId57"/>
+    <p:sldId id="538" r:id="rId58"/>
   </p:sldIdLst>
   <p:sldSz cx="14630400" cy="8229600"/>
   <p:notesSz cx="6858000" cy="9144000"/>
@@ -4268,6 +4270,185 @@
       </p:grpSpPr>
       <p:sp>
         <p:nvSpPr>
+          <p:cNvPr id="2" name="Slide Image Placeholder 1"/>
+          <p:cNvSpPr>
+            <a:spLocks noGrp="1" noRot="1" noChangeAspect="1"/>
+          </p:cNvSpPr>
+          <p:nvPr>
+            <p:ph type="sldImg"/>
+          </p:nvPr>
+        </p:nvSpPr>
+        <p:spPr/>
+      </p:sp>
+      <p:sp>
+        <p:nvSpPr>
+          <p:cNvPr id="3" name="Notes Placeholder 2"/>
+          <p:cNvSpPr>
+            <a:spLocks noGrp="1"/>
+          </p:cNvSpPr>
+          <p:nvPr>
+            <p:ph type="body" idx="1"/>
+          </p:nvPr>
+        </p:nvSpPr>
+        <p:spPr/>
+        <p:txBody>
+          <a:bodyPr/>
+          <a:lstStyle/>
+          <a:p>
+            <a:endParaRPr lang="en-US" dirty="0"/>
+          </a:p>
+        </p:txBody>
+      </p:sp>
+    </p:spTree>
+    <p:extLst>
+      <p:ext uri="{BB962C8B-B14F-4D97-AF65-F5344CB8AC3E}">
+        <p14:creationId xmlns:p14="http://schemas.microsoft.com/office/powerpoint/2010/main" val="3559071881"/>
+      </p:ext>
+    </p:extLst>
+  </p:cSld>
+  <p:clrMapOvr>
+    <a:masterClrMapping/>
+  </p:clrMapOvr>
+</p:notes>
+</file>
+
+<file path=ppt/notesSlides/notesSlide31.xml><?xml version="1.0" encoding="utf-8"?>
+<p:notes xmlns:a="http://schemas.openxmlformats.org/drawingml/2006/main" xmlns:r="http://schemas.openxmlformats.org/officeDocument/2006/relationships" xmlns:p="http://schemas.openxmlformats.org/presentationml/2006/main">
+  <p:cSld>
+    <p:spTree>
+      <p:nvGrpSpPr>
+        <p:cNvPr id="1" name=""/>
+        <p:cNvGrpSpPr/>
+        <p:nvPr/>
+      </p:nvGrpSpPr>
+      <p:grpSpPr>
+        <a:xfrm>
+          <a:off x="0" y="0"/>
+          <a:ext cx="0" cy="0"/>
+          <a:chOff x="0" y="0"/>
+          <a:chExt cx="0" cy="0"/>
+        </a:xfrm>
+      </p:grpSpPr>
+      <p:sp>
+        <p:nvSpPr>
+          <p:cNvPr id="36865" name="Slide Image Placeholder 1"/>
+          <p:cNvSpPr>
+            <a:spLocks noGrp="1" noRot="1" noChangeAspect="1"/>
+          </p:cNvSpPr>
+          <p:nvPr>
+            <p:ph type="sldImg"/>
+          </p:nvPr>
+        </p:nvSpPr>
+        <p:spPr bwMode="auto">
+          <a:noFill/>
+          <a:ln>
+            <a:solidFill>
+              <a:srgbClr val="000000"/>
+            </a:solidFill>
+            <a:miter lim="800000"/>
+            <a:headEnd/>
+            <a:tailEnd/>
+          </a:ln>
+          <a:extLst>
+            <a:ext uri="{909E8E84-426E-40dd-AFC4-6F175D3DCCD1}">
+              <a14:hiddenFill xmlns:a14="http://schemas.microsoft.com/office/drawing/2010/main" xmlns="">
+                <a:solidFill>
+                  <a:srgbClr val="FFFFFF"/>
+                </a:solidFill>
+              </a14:hiddenFill>
+            </a:ext>
+            <a:ext uri="{FAA26D3D-D897-4be2-8F04-BA451C77F1D7}">
+              <ma14:placeholderFlag xmlns:ma14="http://schemas.microsoft.com/office/mac/drawingml/2011/main" xmlns="" val="1"/>
+            </a:ext>
+          </a:extLst>
+        </p:spPr>
+      </p:sp>
+      <p:sp>
+        <p:nvSpPr>
+          <p:cNvPr id="36866" name="Notes Placeholder 2"/>
+          <p:cNvSpPr>
+            <a:spLocks noGrp="1"/>
+          </p:cNvSpPr>
+          <p:nvPr>
+            <p:ph type="body" idx="1"/>
+          </p:nvPr>
+        </p:nvSpPr>
+        <p:spPr bwMode="auto">
+          <a:noFill/>
+          <a:extLst>
+            <a:ext uri="{909E8E84-426E-40dd-AFC4-6F175D3DCCD1}">
+              <a14:hiddenFill xmlns:a14="http://schemas.microsoft.com/office/drawing/2010/main" xmlns="">
+                <a:solidFill>
+                  <a:srgbClr val="FFFFFF"/>
+                </a:solidFill>
+              </a14:hiddenFill>
+            </a:ext>
+            <a:ext uri="{91240B29-F687-4f45-9708-019B960494DF}">
+              <a14:hiddenLine xmlns:a14="http://schemas.microsoft.com/office/drawing/2010/main" xmlns="" w="9525">
+                <a:solidFill>
+                  <a:srgbClr val="000000"/>
+                </a:solidFill>
+                <a:miter lim="800000"/>
+                <a:headEnd/>
+                <a:tailEnd/>
+              </a14:hiddenLine>
+            </a:ext>
+          </a:extLst>
+        </p:spPr>
+        <p:txBody>
+          <a:bodyPr wrap="square" numCol="1" anchor="t" anchorCtr="0" compatLnSpc="1">
+            <a:prstTxWarp prst="textNoShape">
+              <a:avLst/>
+            </a:prstTxWarp>
+          </a:bodyPr>
+          <a:lstStyle/>
+          <a:p>
+            <a:pPr>
+              <a:spcBef>
+                <a:spcPct val="0"/>
+              </a:spcBef>
+            </a:pPr>
+            <a:r>
+              <a:rPr lang="en-US" dirty="0">
+                <a:latin typeface="BentonSans Book" charset="0"/>
+              </a:rPr>
+              <a:t>Title Slide</a:t>
+            </a:r>
+          </a:p>
+        </p:txBody>
+      </p:sp>
+    </p:spTree>
+    <p:extLst>
+      <p:ext uri="{BB962C8B-B14F-4D97-AF65-F5344CB8AC3E}">
+        <p14:creationId xmlns:p14="http://schemas.microsoft.com/office/powerpoint/2010/main" val="3693581521"/>
+      </p:ext>
+    </p:extLst>
+  </p:cSld>
+  <p:clrMapOvr>
+    <a:masterClrMapping/>
+  </p:clrMapOvr>
+</p:notes>
+</file>
+
+<file path=ppt/notesSlides/notesSlide32.xml><?xml version="1.0" encoding="utf-8"?>
+<p:notes xmlns:a="http://schemas.openxmlformats.org/drawingml/2006/main" xmlns:r="http://schemas.openxmlformats.org/officeDocument/2006/relationships" xmlns:p="http://schemas.openxmlformats.org/presentationml/2006/main">
+  <p:cSld>
+    <p:spTree>
+      <p:nvGrpSpPr>
+        <p:cNvPr id="1" name=""/>
+        <p:cNvGrpSpPr/>
+        <p:nvPr/>
+      </p:nvGrpSpPr>
+      <p:grpSpPr>
+        <a:xfrm>
+          <a:off x="0" y="0"/>
+          <a:ext cx="0" cy="0"/>
+          <a:chOff x="0" y="0"/>
+          <a:chExt cx="0" cy="0"/>
+        </a:xfrm>
+      </p:grpSpPr>
+      <p:sp>
+        <p:nvSpPr>
           <p:cNvPr id="43009" name="Slide Image Placeholder 1"/>
           <p:cNvSpPr>
             <a:spLocks noGrp="1" noRot="1" noChangeAspect="1"/>
@@ -4362,7 +4543,7 @@
 </p:notes>
 </file>
 
-<file path=ppt/notesSlides/notesSlide31.xml><?xml version="1.0" encoding="utf-8"?>
+<file path=ppt/notesSlides/notesSlide33.xml><?xml version="1.0" encoding="utf-8"?>
 <p:notes xmlns:a="http://schemas.openxmlformats.org/drawingml/2006/main" xmlns:r="http://schemas.openxmlformats.org/officeDocument/2006/relationships" xmlns:p="http://schemas.openxmlformats.org/presentationml/2006/main">
   <p:cSld>
     <p:spTree>
@@ -4475,7 +4656,7 @@
 </p:notes>
 </file>
 
-<file path=ppt/notesSlides/notesSlide32.xml><?xml version="1.0" encoding="utf-8"?>
+<file path=ppt/notesSlides/notesSlide34.xml><?xml version="1.0" encoding="utf-8"?>
 <p:notes xmlns:a="http://schemas.openxmlformats.org/drawingml/2006/main" xmlns:r="http://schemas.openxmlformats.org/officeDocument/2006/relationships" xmlns:p="http://schemas.openxmlformats.org/presentationml/2006/main">
   <p:cSld>
     <p:spTree>
@@ -4588,7 +4769,7 @@
 </p:notes>
 </file>
 
-<file path=ppt/notesSlides/notesSlide33.xml><?xml version="1.0" encoding="utf-8"?>
+<file path=ppt/notesSlides/notesSlide35.xml><?xml version="1.0" encoding="utf-8"?>
 <p:notes xmlns:a="http://schemas.openxmlformats.org/drawingml/2006/main" xmlns:r="http://schemas.openxmlformats.org/officeDocument/2006/relationships" xmlns:p="http://schemas.openxmlformats.org/presentationml/2006/main">
   <p:cSld>
     <p:spTree>
@@ -4701,7 +4882,7 @@
 </p:notes>
 </file>
 
-<file path=ppt/notesSlides/notesSlide34.xml><?xml version="1.0" encoding="utf-8"?>
+<file path=ppt/notesSlides/notesSlide36.xml><?xml version="1.0" encoding="utf-8"?>
 <p:notes xmlns:a="http://schemas.openxmlformats.org/drawingml/2006/main" xmlns:r="http://schemas.openxmlformats.org/officeDocument/2006/relationships" xmlns:p="http://schemas.openxmlformats.org/presentationml/2006/main">
   <p:cSld>
     <p:spTree>
@@ -4814,7 +4995,7 @@
 </p:notes>
 </file>
 
-<file path=ppt/notesSlides/notesSlide35.xml><?xml version="1.0" encoding="utf-8"?>
+<file path=ppt/notesSlides/notesSlide37.xml><?xml version="1.0" encoding="utf-8"?>
 <p:notes xmlns:a="http://schemas.openxmlformats.org/drawingml/2006/main" xmlns:r="http://schemas.openxmlformats.org/officeDocument/2006/relationships" xmlns:p="http://schemas.openxmlformats.org/presentationml/2006/main">
   <p:cSld>
     <p:spTree>
@@ -4927,7 +5108,7 @@
 </p:notes>
 </file>
 
-<file path=ppt/notesSlides/notesSlide36.xml><?xml version="1.0" encoding="utf-8"?>
+<file path=ppt/notesSlides/notesSlide38.xml><?xml version="1.0" encoding="utf-8"?>
 <p:notes xmlns:a="http://schemas.openxmlformats.org/drawingml/2006/main" xmlns:r="http://schemas.openxmlformats.org/officeDocument/2006/relationships" xmlns:p="http://schemas.openxmlformats.org/presentationml/2006/main">
   <p:cSld>
     <p:spTree>
@@ -5040,7 +5221,7 @@
 </p:notes>
 </file>
 
-<file path=ppt/notesSlides/notesSlide37.xml><?xml version="1.0" encoding="utf-8"?>
+<file path=ppt/notesSlides/notesSlide39.xml><?xml version="1.0" encoding="utf-8"?>
 <p:notes xmlns:a="http://schemas.openxmlformats.org/drawingml/2006/main" xmlns:r="http://schemas.openxmlformats.org/officeDocument/2006/relationships" xmlns:p="http://schemas.openxmlformats.org/presentationml/2006/main">
   <p:cSld>
     <p:spTree>
@@ -5366,7 +5547,128 @@
 </p:notes>
 </file>
 
-<file path=ppt/notesSlides/notesSlide38.xml><?xml version="1.0" encoding="utf-8"?>
+<file path=ppt/notesSlides/notesSlide4.xml><?xml version="1.0" encoding="utf-8"?>
+<p:notes xmlns:a="http://schemas.openxmlformats.org/drawingml/2006/main" xmlns:r="http://schemas.openxmlformats.org/officeDocument/2006/relationships" xmlns:p="http://schemas.openxmlformats.org/presentationml/2006/main">
+  <p:cSld>
+    <p:spTree>
+      <p:nvGrpSpPr>
+        <p:cNvPr id="1" name=""/>
+        <p:cNvGrpSpPr/>
+        <p:nvPr/>
+      </p:nvGrpSpPr>
+      <p:grpSpPr>
+        <a:xfrm>
+          <a:off x="0" y="0"/>
+          <a:ext cx="0" cy="0"/>
+          <a:chOff x="0" y="0"/>
+          <a:chExt cx="0" cy="0"/>
+        </a:xfrm>
+      </p:grpSpPr>
+      <p:sp>
+        <p:nvSpPr>
+          <p:cNvPr id="51201" name="Slide Image Placeholder 1"/>
+          <p:cNvSpPr>
+            <a:spLocks noGrp="1" noRot="1" noChangeAspect="1"/>
+          </p:cNvSpPr>
+          <p:nvPr>
+            <p:ph type="sldImg"/>
+          </p:nvPr>
+        </p:nvSpPr>
+        <p:spPr bwMode="auto">
+          <a:noFill/>
+          <a:ln>
+            <a:solidFill>
+              <a:srgbClr val="000000"/>
+            </a:solidFill>
+            <a:miter lim="800000"/>
+            <a:headEnd/>
+            <a:tailEnd/>
+          </a:ln>
+          <a:extLst>
+            <a:ext uri="{909E8E84-426E-40dd-AFC4-6F175D3DCCD1}">
+              <a14:hiddenFill xmlns:a14="http://schemas.microsoft.com/office/drawing/2010/main" xmlns="">
+                <a:solidFill>
+                  <a:srgbClr val="FFFFFF"/>
+                </a:solidFill>
+              </a14:hiddenFill>
+            </a:ext>
+            <a:ext uri="{FAA26D3D-D897-4be2-8F04-BA451C77F1D7}">
+              <ma14:placeholderFlag xmlns:ma14="http://schemas.microsoft.com/office/mac/drawingml/2011/main" xmlns="" val="1"/>
+            </a:ext>
+          </a:extLst>
+        </p:spPr>
+      </p:sp>
+      <p:sp>
+        <p:nvSpPr>
+          <p:cNvPr id="51202" name="Notes Placeholder 2"/>
+          <p:cNvSpPr>
+            <a:spLocks noGrp="1"/>
+          </p:cNvSpPr>
+          <p:nvPr>
+            <p:ph type="body" idx="1"/>
+          </p:nvPr>
+        </p:nvSpPr>
+        <p:spPr bwMode="auto">
+          <a:noFill/>
+          <a:extLst>
+            <a:ext uri="{909E8E84-426E-40dd-AFC4-6F175D3DCCD1}">
+              <a14:hiddenFill xmlns:a14="http://schemas.microsoft.com/office/drawing/2010/main" xmlns="">
+                <a:solidFill>
+                  <a:srgbClr val="FFFFFF"/>
+                </a:solidFill>
+              </a14:hiddenFill>
+            </a:ext>
+            <a:ext uri="{91240B29-F687-4f45-9708-019B960494DF}">
+              <a14:hiddenLine xmlns:a14="http://schemas.microsoft.com/office/drawing/2010/main" xmlns="" w="9525">
+                <a:solidFill>
+                  <a:srgbClr val="000000"/>
+                </a:solidFill>
+                <a:miter lim="800000"/>
+                <a:headEnd/>
+                <a:tailEnd/>
+              </a14:hiddenLine>
+            </a:ext>
+          </a:extLst>
+        </p:spPr>
+        <p:txBody>
+          <a:bodyPr wrap="square" numCol="1" anchor="t" anchorCtr="0" compatLnSpc="1">
+            <a:prstTxWarp prst="textNoShape">
+              <a:avLst/>
+            </a:prstTxWarp>
+          </a:bodyPr>
+          <a:lstStyle/>
+          <a:p>
+            <a:pPr>
+              <a:spcBef>
+                <a:spcPct val="0"/>
+              </a:spcBef>
+            </a:pPr>
+            <a:r>
+              <a:rPr lang="en-US" dirty="0">
+                <a:hlinkClick r:id="rId3"/>
+              </a:rPr>
+              <a:t>https://mangarock.com/manga/mrs-serie-154427</a:t>
+            </a:r>
+            <a:endParaRPr lang="en-US" dirty="0">
+              <a:latin typeface="BentonSans Book" charset="0"/>
+            </a:endParaRPr>
+          </a:p>
+        </p:txBody>
+      </p:sp>
+    </p:spTree>
+    <p:extLst>
+      <p:ext uri="{BB962C8B-B14F-4D97-AF65-F5344CB8AC3E}">
+        <p14:creationId xmlns:p14="http://schemas.microsoft.com/office/powerpoint/2010/main" val="3777176415"/>
+      </p:ext>
+    </p:extLst>
+  </p:cSld>
+  <p:clrMapOvr>
+    <a:masterClrMapping/>
+  </p:clrMapOvr>
+</p:notes>
+</file>
+
+<file path=ppt/notesSlides/notesSlide40.xml><?xml version="1.0" encoding="utf-8"?>
 <p:notes xmlns:a="http://schemas.openxmlformats.org/drawingml/2006/main" xmlns:r="http://schemas.openxmlformats.org/officeDocument/2006/relationships" xmlns:p="http://schemas.openxmlformats.org/presentationml/2006/main">
   <p:cSld>
     <p:spTree>
@@ -5856,7 +6158,7 @@
 </p:notes>
 </file>
 
-<file path=ppt/notesSlides/notesSlide39.xml><?xml version="1.0" encoding="utf-8"?>
+<file path=ppt/notesSlides/notesSlide41.xml><?xml version="1.0" encoding="utf-8"?>
 <p:notes xmlns:a="http://schemas.openxmlformats.org/drawingml/2006/main" xmlns:r="http://schemas.openxmlformats.org/officeDocument/2006/relationships" xmlns:p="http://schemas.openxmlformats.org/presentationml/2006/main">
   <p:cSld>
     <p:spTree>
@@ -6346,128 +6648,7 @@
 </p:notes>
 </file>
 
-<file path=ppt/notesSlides/notesSlide4.xml><?xml version="1.0" encoding="utf-8"?>
-<p:notes xmlns:a="http://schemas.openxmlformats.org/drawingml/2006/main" xmlns:r="http://schemas.openxmlformats.org/officeDocument/2006/relationships" xmlns:p="http://schemas.openxmlformats.org/presentationml/2006/main">
-  <p:cSld>
-    <p:spTree>
-      <p:nvGrpSpPr>
-        <p:cNvPr id="1" name=""/>
-        <p:cNvGrpSpPr/>
-        <p:nvPr/>
-      </p:nvGrpSpPr>
-      <p:grpSpPr>
-        <a:xfrm>
-          <a:off x="0" y="0"/>
-          <a:ext cx="0" cy="0"/>
-          <a:chOff x="0" y="0"/>
-          <a:chExt cx="0" cy="0"/>
-        </a:xfrm>
-      </p:grpSpPr>
-      <p:sp>
-        <p:nvSpPr>
-          <p:cNvPr id="51201" name="Slide Image Placeholder 1"/>
-          <p:cNvSpPr>
-            <a:spLocks noGrp="1" noRot="1" noChangeAspect="1"/>
-          </p:cNvSpPr>
-          <p:nvPr>
-            <p:ph type="sldImg"/>
-          </p:nvPr>
-        </p:nvSpPr>
-        <p:spPr bwMode="auto">
-          <a:noFill/>
-          <a:ln>
-            <a:solidFill>
-              <a:srgbClr val="000000"/>
-            </a:solidFill>
-            <a:miter lim="800000"/>
-            <a:headEnd/>
-            <a:tailEnd/>
-          </a:ln>
-          <a:extLst>
-            <a:ext uri="{909E8E84-426E-40dd-AFC4-6F175D3DCCD1}">
-              <a14:hiddenFill xmlns:a14="http://schemas.microsoft.com/office/drawing/2010/main" xmlns="">
-                <a:solidFill>
-                  <a:srgbClr val="FFFFFF"/>
-                </a:solidFill>
-              </a14:hiddenFill>
-            </a:ext>
-            <a:ext uri="{FAA26D3D-D897-4be2-8F04-BA451C77F1D7}">
-              <ma14:placeholderFlag xmlns:ma14="http://schemas.microsoft.com/office/mac/drawingml/2011/main" xmlns="" val="1"/>
-            </a:ext>
-          </a:extLst>
-        </p:spPr>
-      </p:sp>
-      <p:sp>
-        <p:nvSpPr>
-          <p:cNvPr id="51202" name="Notes Placeholder 2"/>
-          <p:cNvSpPr>
-            <a:spLocks noGrp="1"/>
-          </p:cNvSpPr>
-          <p:nvPr>
-            <p:ph type="body" idx="1"/>
-          </p:nvPr>
-        </p:nvSpPr>
-        <p:spPr bwMode="auto">
-          <a:noFill/>
-          <a:extLst>
-            <a:ext uri="{909E8E84-426E-40dd-AFC4-6F175D3DCCD1}">
-              <a14:hiddenFill xmlns:a14="http://schemas.microsoft.com/office/drawing/2010/main" xmlns="">
-                <a:solidFill>
-                  <a:srgbClr val="FFFFFF"/>
-                </a:solidFill>
-              </a14:hiddenFill>
-            </a:ext>
-            <a:ext uri="{91240B29-F687-4f45-9708-019B960494DF}">
-              <a14:hiddenLine xmlns:a14="http://schemas.microsoft.com/office/drawing/2010/main" xmlns="" w="9525">
-                <a:solidFill>
-                  <a:srgbClr val="000000"/>
-                </a:solidFill>
-                <a:miter lim="800000"/>
-                <a:headEnd/>
-                <a:tailEnd/>
-              </a14:hiddenLine>
-            </a:ext>
-          </a:extLst>
-        </p:spPr>
-        <p:txBody>
-          <a:bodyPr wrap="square" numCol="1" anchor="t" anchorCtr="0" compatLnSpc="1">
-            <a:prstTxWarp prst="textNoShape">
-              <a:avLst/>
-            </a:prstTxWarp>
-          </a:bodyPr>
-          <a:lstStyle/>
-          <a:p>
-            <a:pPr>
-              <a:spcBef>
-                <a:spcPct val="0"/>
-              </a:spcBef>
-            </a:pPr>
-            <a:r>
-              <a:rPr lang="en-US" dirty="0">
-                <a:hlinkClick r:id="rId3"/>
-              </a:rPr>
-              <a:t>https://mangarock.com/manga/mrs-serie-154427</a:t>
-            </a:r>
-            <a:endParaRPr lang="en-US" dirty="0">
-              <a:latin typeface="BentonSans Book" charset="0"/>
-            </a:endParaRPr>
-          </a:p>
-        </p:txBody>
-      </p:sp>
-    </p:spTree>
-    <p:extLst>
-      <p:ext uri="{BB962C8B-B14F-4D97-AF65-F5344CB8AC3E}">
-        <p14:creationId xmlns:p14="http://schemas.microsoft.com/office/powerpoint/2010/main" val="3777176415"/>
-      </p:ext>
-    </p:extLst>
-  </p:cSld>
-  <p:clrMapOvr>
-    <a:masterClrMapping/>
-  </p:clrMapOvr>
-</p:notes>
-</file>
-
-<file path=ppt/notesSlides/notesSlide40.xml><?xml version="1.0" encoding="utf-8"?>
+<file path=ppt/notesSlides/notesSlide42.xml><?xml version="1.0" encoding="utf-8"?>
 <p:notes xmlns:a="http://schemas.openxmlformats.org/drawingml/2006/main" xmlns:r="http://schemas.openxmlformats.org/officeDocument/2006/relationships" xmlns:p="http://schemas.openxmlformats.org/presentationml/2006/main">
   <p:cSld>
     <p:spTree>
@@ -6957,7 +7138,7 @@
 </p:notes>
 </file>
 
-<file path=ppt/notesSlides/notesSlide41.xml><?xml version="1.0" encoding="utf-8"?>
+<file path=ppt/notesSlides/notesSlide43.xml><?xml version="1.0" encoding="utf-8"?>
 <p:notes xmlns:a="http://schemas.openxmlformats.org/drawingml/2006/main" xmlns:r="http://schemas.openxmlformats.org/officeDocument/2006/relationships" xmlns:p="http://schemas.openxmlformats.org/presentationml/2006/main">
   <p:cSld>
     <p:spTree>
@@ -7447,7 +7628,7 @@
 </p:notes>
 </file>
 
-<file path=ppt/notesSlides/notesSlide42.xml><?xml version="1.0" encoding="utf-8"?>
+<file path=ppt/notesSlides/notesSlide44.xml><?xml version="1.0" encoding="utf-8"?>
 <p:notes xmlns:a="http://schemas.openxmlformats.org/drawingml/2006/main" xmlns:r="http://schemas.openxmlformats.org/officeDocument/2006/relationships" xmlns:p="http://schemas.openxmlformats.org/presentationml/2006/main">
   <p:cSld>
     <p:spTree>
@@ -7937,7 +8118,7 @@
 </p:notes>
 </file>
 
-<file path=ppt/notesSlides/notesSlide43.xml><?xml version="1.0" encoding="utf-8"?>
+<file path=ppt/notesSlides/notesSlide45.xml><?xml version="1.0" encoding="utf-8"?>
 <p:notes xmlns:a="http://schemas.openxmlformats.org/drawingml/2006/main" xmlns:r="http://schemas.openxmlformats.org/officeDocument/2006/relationships" xmlns:p="http://schemas.openxmlformats.org/presentationml/2006/main">
   <p:cSld>
     <p:spTree>
@@ -8427,7 +8608,7 @@
 </p:notes>
 </file>
 
-<file path=ppt/notesSlides/notesSlide44.xml><?xml version="1.0" encoding="utf-8"?>
+<file path=ppt/notesSlides/notesSlide46.xml><?xml version="1.0" encoding="utf-8"?>
 <p:notes xmlns:a="http://schemas.openxmlformats.org/drawingml/2006/main" xmlns:r="http://schemas.openxmlformats.org/officeDocument/2006/relationships" xmlns:p="http://schemas.openxmlformats.org/presentationml/2006/main">
   <p:cSld>
     <p:spTree>
@@ -8545,7 +8726,7 @@
 </p:notes>
 </file>
 
-<file path=ppt/notesSlides/notesSlide45.xml><?xml version="1.0" encoding="utf-8"?>
+<file path=ppt/notesSlides/notesSlide47.xml><?xml version="1.0" encoding="utf-8"?>
 <p:notes xmlns:a="http://schemas.openxmlformats.org/drawingml/2006/main" xmlns:r="http://schemas.openxmlformats.org/officeDocument/2006/relationships" xmlns:p="http://schemas.openxmlformats.org/presentationml/2006/main">
   <p:cSld>
     <p:spTree>
@@ -19706,6 +19887,364 @@
       </p:grpSpPr>
       <p:sp>
         <p:nvSpPr>
+          <p:cNvPr id="2" name="Content Placeholder 1"/>
+          <p:cNvSpPr>
+            <a:spLocks noGrp="1"/>
+          </p:cNvSpPr>
+          <p:nvPr>
+            <p:ph idx="14"/>
+          </p:nvPr>
+        </p:nvSpPr>
+        <p:spPr>
+          <a:xfrm>
+            <a:off x="704476" y="1893515"/>
+            <a:ext cx="13273820" cy="3939540"/>
+          </a:xfrm>
+        </p:spPr>
+        <p:txBody>
+          <a:bodyPr/>
+          <a:lstStyle/>
+          <a:p>
+            <a:pPr marL="457200" indent="-457200" defTabSz="1306221" fontAlgn="auto">
+              <a:defRPr/>
+            </a:pPr>
+            <a:r>
+              <a:rPr lang="en-US" sz="2400" dirty="0">
+                <a:ea typeface="+mn-ea"/>
+                <a:hlinkClick r:id="rId3"/>
+              </a:rPr>
+              <a:t>Community Forums</a:t>
+            </a:r>
+            <a:r>
+              <a:rPr lang="en-US" sz="2400" dirty="0">
+                <a:ea typeface="+mn-ea"/>
+              </a:rPr>
+              <a:t> (</a:t>
+            </a:r>
+            <a:r>
+              <a:rPr lang="en-US" sz="2400" dirty="0">
+                <a:ea typeface="+mn-ea"/>
+                <a:hlinkClick r:id="rId4"/>
+              </a:rPr>
+              <a:t>Web Data Connector</a:t>
+            </a:r>
+            <a:r>
+              <a:rPr lang="en-US" sz="2400" dirty="0">
+                <a:ea typeface="+mn-ea"/>
+              </a:rPr>
+              <a:t>)</a:t>
+            </a:r>
+          </a:p>
+          <a:p>
+            <a:pPr marL="457200" indent="-457200" defTabSz="1306221" fontAlgn="auto">
+              <a:defRPr/>
+            </a:pPr>
+            <a:r>
+              <a:rPr lang="en-US" sz="2400" dirty="0">
+                <a:ea typeface="+mn-ea"/>
+                <a:hlinkClick r:id="rId5"/>
+              </a:rPr>
+              <a:t>Tableau Help</a:t>
+            </a:r>
+            <a:endParaRPr lang="en-US" sz="2400" dirty="0">
+              <a:ea typeface="+mn-ea"/>
+            </a:endParaRPr>
+          </a:p>
+          <a:p>
+            <a:pPr marL="457200" indent="-457200" defTabSz="1306221" fontAlgn="auto">
+              <a:defRPr/>
+            </a:pPr>
+            <a:r>
+              <a:rPr lang="en-US" sz="2400" dirty="0">
+                <a:ea typeface="+mn-ea"/>
+                <a:hlinkClick r:id="rId6"/>
+              </a:rPr>
+              <a:t>Getting Started with Tableau</a:t>
+            </a:r>
+            <a:endParaRPr lang="en-US" sz="2400" dirty="0">
+              <a:ea typeface="+mn-ea"/>
+            </a:endParaRPr>
+          </a:p>
+          <a:p>
+            <a:pPr marL="457200" indent="-457200" defTabSz="1306221" fontAlgn="auto">
+              <a:defRPr/>
+            </a:pPr>
+            <a:r>
+              <a:rPr lang="en-US" sz="2400" dirty="0">
+                <a:ea typeface="+mn-ea"/>
+                <a:hlinkClick r:id="rId7"/>
+              </a:rPr>
+              <a:t>Dashboard Best Practices</a:t>
+            </a:r>
+            <a:endParaRPr lang="en-US" sz="2400" dirty="0">
+              <a:ea typeface="+mn-ea"/>
+            </a:endParaRPr>
+          </a:p>
+          <a:p>
+            <a:pPr marL="457200" indent="-457200" defTabSz="1306221" fontAlgn="auto">
+              <a:defRPr/>
+            </a:pPr>
+            <a:r>
+              <a:rPr lang="en-US" sz="2400" dirty="0">
+                <a:ea typeface="+mn-ea"/>
+                <a:hlinkClick r:id="rId8"/>
+              </a:rPr>
+              <a:t>Using Web Data Connector</a:t>
+            </a:r>
+            <a:endParaRPr lang="en-US" sz="2400" dirty="0">
+              <a:ea typeface="+mn-ea"/>
+            </a:endParaRPr>
+          </a:p>
+          <a:p>
+            <a:pPr marL="457200" indent="-457200" defTabSz="1306221" fontAlgn="auto">
+              <a:defRPr/>
+            </a:pPr>
+            <a:r>
+              <a:rPr lang="en-US" sz="2400" dirty="0">
+                <a:ea typeface="+mn-ea"/>
+                <a:hlinkClick r:id="rId9"/>
+              </a:rPr>
+              <a:t>Web Data Connector Tutorial</a:t>
+            </a:r>
+            <a:endParaRPr lang="en-US" sz="2400" dirty="0">
+              <a:ea typeface="+mn-ea"/>
+            </a:endParaRPr>
+          </a:p>
+          <a:p>
+            <a:pPr marL="457200" indent="-457200" defTabSz="1306221" fontAlgn="auto">
+              <a:defRPr/>
+            </a:pPr>
+            <a:r>
+              <a:rPr lang="en-US" sz="2400" dirty="0">
+                <a:ea typeface="+mn-ea"/>
+                <a:hlinkClick r:id="rId10"/>
+              </a:rPr>
+              <a:t>Tableau Web Data Connector Home</a:t>
+            </a:r>
+            <a:endParaRPr lang="en-US" sz="2400" dirty="0">
+              <a:ea typeface="+mn-ea"/>
+            </a:endParaRPr>
+          </a:p>
+          <a:p>
+            <a:pPr marL="457200" indent="-457200" defTabSz="1306221" fontAlgn="auto">
+              <a:defRPr/>
+            </a:pPr>
+            <a:r>
+              <a:rPr lang="en-US" sz="2400" dirty="0">
+                <a:ea typeface="+mn-ea"/>
+                <a:hlinkClick r:id="rId11"/>
+              </a:rPr>
+              <a:t>Web Data Connector Examples</a:t>
+            </a:r>
+            <a:endParaRPr lang="en-US" sz="2400" dirty="0">
+              <a:ea typeface="+mn-ea"/>
+            </a:endParaRPr>
+          </a:p>
+          <a:p>
+            <a:pPr marL="457200" indent="-457200" defTabSz="1306221" fontAlgn="auto">
+              <a:defRPr/>
+            </a:pPr>
+            <a:endParaRPr lang="en-US" sz="2400" dirty="0">
+              <a:ea typeface="+mn-ea"/>
+            </a:endParaRPr>
+          </a:p>
+        </p:txBody>
+      </p:sp>
+      <p:sp>
+        <p:nvSpPr>
+          <p:cNvPr id="3" name="Text Placeholder 2"/>
+          <p:cNvSpPr>
+            <a:spLocks noGrp="1"/>
+          </p:cNvSpPr>
+          <p:nvPr>
+            <p:ph type="body" sz="quarter" idx="12"/>
+          </p:nvPr>
+        </p:nvSpPr>
+        <p:spPr>
+          <a:prstGeom prst="rect">
+            <a:avLst/>
+          </a:prstGeom>
+        </p:spPr>
+        <p:txBody>
+          <a:bodyPr/>
+          <a:lstStyle/>
+          <a:p>
+            <a:pPr defTabSz="1306221" fontAlgn="auto">
+              <a:spcAft>
+                <a:spcPts val="0"/>
+              </a:spcAft>
+              <a:defRPr/>
+            </a:pPr>
+            <a:r>
+              <a:rPr lang="en-US" dirty="0">
+                <a:ea typeface="+mn-ea"/>
+              </a:rPr>
+              <a:t>Tableau Resources</a:t>
+            </a:r>
+          </a:p>
+        </p:txBody>
+      </p:sp>
+    </p:spTree>
+    <p:extLst>
+      <p:ext uri="{BB962C8B-B14F-4D97-AF65-F5344CB8AC3E}">
+        <p14:creationId xmlns:p14="http://schemas.microsoft.com/office/powerpoint/2010/main" val="2569842244"/>
+      </p:ext>
+    </p:extLst>
+  </p:cSld>
+  <p:clrMapOvr>
+    <a:masterClrMapping/>
+  </p:clrMapOvr>
+  <p:transition spd="slow">
+    <p:cover/>
+  </p:transition>
+</p:sld>
+</file>
+
+<file path=ppt/slides/slide33.xml><?xml version="1.0" encoding="utf-8"?>
+<p:sld xmlns:a="http://schemas.openxmlformats.org/drawingml/2006/main" xmlns:r="http://schemas.openxmlformats.org/officeDocument/2006/relationships" xmlns:p="http://schemas.openxmlformats.org/presentationml/2006/main">
+  <p:cSld>
+    <p:spTree>
+      <p:nvGrpSpPr>
+        <p:cNvPr id="1" name=""/>
+        <p:cNvGrpSpPr/>
+        <p:nvPr/>
+      </p:nvGrpSpPr>
+      <p:grpSpPr>
+        <a:xfrm>
+          <a:off x="0" y="0"/>
+          <a:ext cx="0" cy="0"/>
+          <a:chOff x="0" y="0"/>
+          <a:chExt cx="0" cy="0"/>
+        </a:xfrm>
+      </p:grpSpPr>
+      <p:sp>
+        <p:nvSpPr>
+          <p:cNvPr id="3" name="Text Placeholder 2"/>
+          <p:cNvSpPr>
+            <a:spLocks noGrp="1"/>
+          </p:cNvSpPr>
+          <p:nvPr>
+            <p:ph type="body" sz="quarter" idx="11"/>
+          </p:nvPr>
+        </p:nvSpPr>
+        <p:spPr>
+          <a:xfrm>
+            <a:off x="687388" y="1812925"/>
+            <a:ext cx="13244512" cy="1577035"/>
+          </a:xfrm>
+        </p:spPr>
+        <p:txBody>
+          <a:bodyPr/>
+          <a:lstStyle/>
+          <a:p>
+            <a:pPr defTabSz="1306221" fontAlgn="auto">
+              <a:spcAft>
+                <a:spcPts val="0"/>
+              </a:spcAft>
+              <a:buFont typeface="Arial" panose="020B0604020202020204" pitchFamily="34" charset="0"/>
+              <a:buNone/>
+              <a:defRPr/>
+            </a:pPr>
+            <a:r>
+              <a:rPr lang="en-US" dirty="0">
+                <a:ea typeface="+mn-ea"/>
+              </a:rPr>
+              <a:t>Any Questions?</a:t>
+            </a:r>
+          </a:p>
+          <a:p>
+            <a:pPr defTabSz="1306221" fontAlgn="auto">
+              <a:lnSpc>
+                <a:spcPct val="110000"/>
+              </a:lnSpc>
+              <a:spcBef>
+                <a:spcPts val="1776"/>
+              </a:spcBef>
+              <a:spcAft>
+                <a:spcPts val="0"/>
+              </a:spcAft>
+              <a:defRPr/>
+            </a:pPr>
+            <a:r>
+              <a:rPr lang="en-US" sz="2400" dirty="0">
+                <a:latin typeface="Merriweather Light"/>
+                <a:ea typeface="+mn-ea"/>
+                <a:cs typeface="Merriweather Light"/>
+              </a:rPr>
+              <a:t>Slides, workbooks and assets are available at</a:t>
+            </a:r>
+          </a:p>
+          <a:p>
+            <a:pPr defTabSz="1306221" fontAlgn="auto">
+              <a:lnSpc>
+                <a:spcPct val="110000"/>
+              </a:lnSpc>
+              <a:spcBef>
+                <a:spcPts val="0"/>
+              </a:spcBef>
+              <a:spcAft>
+                <a:spcPts val="0"/>
+              </a:spcAft>
+              <a:defRPr/>
+            </a:pPr>
+            <a:r>
+              <a:rPr lang="en-US" sz="2400" dirty="0">
+                <a:hlinkClick r:id="rId3"/>
+              </a:rPr>
+              <a:t>https://github.com/spencer-shadley/data-lecture</a:t>
+            </a:r>
+            <a:endParaRPr lang="en-US" sz="2400" dirty="0">
+              <a:latin typeface="Merriweather Light"/>
+              <a:ea typeface="+mn-ea"/>
+              <a:cs typeface="Merriweather Light"/>
+            </a:endParaRPr>
+          </a:p>
+        </p:txBody>
+      </p:sp>
+    </p:spTree>
+    <p:extLst>
+      <p:ext uri="{BB962C8B-B14F-4D97-AF65-F5344CB8AC3E}">
+        <p14:creationId xmlns:p14="http://schemas.microsoft.com/office/powerpoint/2010/main" val="2795426859"/>
+      </p:ext>
+    </p:extLst>
+  </p:cSld>
+  <p:clrMapOvr>
+    <a:masterClrMapping/>
+  </p:clrMapOvr>
+  <mc:AlternateContent xmlns:mc="http://schemas.openxmlformats.org/markup-compatibility/2006">
+    <mc:Choice xmlns:p15="http://schemas.microsoft.com/office/powerpoint/2012/main" Requires="p15">
+      <p:transition xmlns:p14="http://schemas.microsoft.com/office/powerpoint/2010/main" spd="slow" p14:dur="2000">
+        <p15:prstTrans prst="fallOver"/>
+      </p:transition>
+    </mc:Choice>
+    <mc:Fallback>
+      <p:transition spd="slow">
+        <p:fade/>
+      </p:transition>
+    </mc:Fallback>
+  </mc:AlternateContent>
+</p:sld>
+</file>
+
+<file path=ppt/slides/slide34.xml><?xml version="1.0" encoding="utf-8"?>
+<p:sld xmlns:a="http://schemas.openxmlformats.org/drawingml/2006/main" xmlns:r="http://schemas.openxmlformats.org/officeDocument/2006/relationships" xmlns:p="http://schemas.openxmlformats.org/presentationml/2006/main">
+  <p:cSld>
+    <p:spTree>
+      <p:nvGrpSpPr>
+        <p:cNvPr id="1" name=""/>
+        <p:cNvGrpSpPr/>
+        <p:nvPr/>
+      </p:nvGrpSpPr>
+      <p:grpSpPr>
+        <a:xfrm>
+          <a:off x="0" y="0"/>
+          <a:ext cx="0" cy="0"/>
+          <a:chOff x="0" y="0"/>
+          <a:chExt cx="0" cy="0"/>
+        </a:xfrm>
+      </p:grpSpPr>
+      <p:sp>
+        <p:nvSpPr>
           <p:cNvPr id="7" name="Text Placeholder 1"/>
           <p:cNvSpPr>
             <a:spLocks noGrp="1"/>
@@ -19774,7 +20313,7 @@
 </p:sld>
 </file>
 
-<file path=ppt/slides/slide33.xml><?xml version="1.0" encoding="utf-8"?>
+<file path=ppt/slides/slide35.xml><?xml version="1.0" encoding="utf-8"?>
 <p:sld xmlns:a="http://schemas.openxmlformats.org/drawingml/2006/main" xmlns:r="http://schemas.openxmlformats.org/officeDocument/2006/relationships" xmlns:p="http://schemas.openxmlformats.org/presentationml/2006/main">
   <p:cSld>
     <p:spTree>
@@ -19865,7 +20404,7 @@
 </p:sld>
 </file>
 
-<file path=ppt/slides/slide34.xml><?xml version="1.0" encoding="utf-8"?>
+<file path=ppt/slides/slide36.xml><?xml version="1.0" encoding="utf-8"?>
 <p:sld xmlns:a="http://schemas.openxmlformats.org/drawingml/2006/main" xmlns:r="http://schemas.openxmlformats.org/officeDocument/2006/relationships" xmlns:p="http://schemas.openxmlformats.org/presentationml/2006/main">
   <p:cSld>
     <p:spTree>
@@ -20044,7 +20583,7 @@
 </p:sld>
 </file>
 
-<file path=ppt/slides/slide35.xml><?xml version="1.0" encoding="utf-8"?>
+<file path=ppt/slides/slide37.xml><?xml version="1.0" encoding="utf-8"?>
 <p:sld xmlns:a="http://schemas.openxmlformats.org/drawingml/2006/main" xmlns:r="http://schemas.openxmlformats.org/officeDocument/2006/relationships" xmlns:p="http://schemas.openxmlformats.org/presentationml/2006/main">
   <p:cSld>
     <p:spTree>
@@ -20224,7 +20763,7 @@
 </p:sld>
 </file>
 
-<file path=ppt/slides/slide36.xml><?xml version="1.0" encoding="utf-8"?>
+<file path=ppt/slides/slide38.xml><?xml version="1.0" encoding="utf-8"?>
 <p:sld xmlns:a="http://schemas.openxmlformats.org/drawingml/2006/main" xmlns:r="http://schemas.openxmlformats.org/officeDocument/2006/relationships" xmlns:p="http://schemas.openxmlformats.org/presentationml/2006/main">
   <p:cSld>
     <p:spTree>
@@ -20318,7 +20857,7 @@
 </p:sld>
 </file>
 
-<file path=ppt/slides/slide37.xml><?xml version="1.0" encoding="utf-8"?>
+<file path=ppt/slides/slide39.xml><?xml version="1.0" encoding="utf-8"?>
 <p:sld xmlns:a="http://schemas.openxmlformats.org/drawingml/2006/main" xmlns:r="http://schemas.openxmlformats.org/officeDocument/2006/relationships" xmlns:p="http://schemas.openxmlformats.org/presentationml/2006/main">
   <p:cSld>
     <p:spTree>
@@ -20419,152 +20958,6 @@
 </p:sld>
 </file>
 
-<file path=ppt/slides/slide38.xml><?xml version="1.0" encoding="utf-8"?>
-<p:sld xmlns:a="http://schemas.openxmlformats.org/drawingml/2006/main" xmlns:r="http://schemas.openxmlformats.org/officeDocument/2006/relationships" xmlns:p="http://schemas.openxmlformats.org/presentationml/2006/main">
-  <p:cSld>
-    <p:spTree>
-      <p:nvGrpSpPr>
-        <p:cNvPr id="1" name=""/>
-        <p:cNvGrpSpPr/>
-        <p:nvPr/>
-      </p:nvGrpSpPr>
-      <p:grpSpPr>
-        <a:xfrm>
-          <a:off x="0" y="0"/>
-          <a:ext cx="0" cy="0"/>
-          <a:chOff x="0" y="0"/>
-          <a:chExt cx="0" cy="0"/>
-        </a:xfrm>
-      </p:grpSpPr>
-      <p:sp>
-        <p:nvSpPr>
-          <p:cNvPr id="20481" name="Picture Placeholder 1"/>
-          <p:cNvSpPr>
-            <a:spLocks noGrp="1"/>
-          </p:cNvSpPr>
-          <p:nvPr>
-            <p:ph type="pic" sz="quarter" idx="10"/>
-          </p:nvPr>
-        </p:nvSpPr>
-        <p:spPr bwMode="auto">
-          <a:xfrm>
-            <a:off x="0" y="0"/>
-            <a:ext cx="14630400" cy="8229600"/>
-          </a:xfrm>
-          <a:noFill/>
-          <a:ln>
-            <a:miter lim="800000"/>
-            <a:headEnd/>
-            <a:tailEnd/>
-          </a:ln>
-          <a:extLst>
-            <a:ext uri="{909E8E84-426E-40dd-AFC4-6F175D3DCCD1}">
-              <a14:hiddenFill xmlns:a14="http://schemas.microsoft.com/office/drawing/2010/main" xmlns="">
-                <a:solidFill>
-                  <a:srgbClr val="FFFFFF"/>
-                </a:solidFill>
-              </a14:hiddenFill>
-            </a:ext>
-            <a:ext uri="{FAA26D3D-D897-4be2-8F04-BA451C77F1D7}">
-              <ma14:placeholderFlag xmlns:ma14="http://schemas.microsoft.com/office/mac/drawingml/2011/main" xmlns="" val="1"/>
-            </a:ext>
-          </a:extLst>
-        </p:spPr>
-      </p:sp>
-      <p:pic>
-        <p:nvPicPr>
-          <p:cNvPr id="6" name="Picture 5" descr="Bottom_Viz_August-09.png"/>
-          <p:cNvPicPr>
-            <a:picLocks noChangeAspect="1"/>
-          </p:cNvPicPr>
-          <p:nvPr/>
-        </p:nvPicPr>
-        <p:blipFill rotWithShape="1">
-          <a:blip r:embed="rId3" cstate="email">
-            <a:extLst>
-              <a:ext uri="{28A0092B-C50C-407E-A947-70E740481C1C}">
-                <a14:useLocalDpi xmlns:a14="http://schemas.microsoft.com/office/drawing/2010/main" val="0"/>
-              </a:ext>
-            </a:extLst>
-          </a:blip>
-          <a:srcRect l="1098" b="58330"/>
-          <a:stretch/>
-        </p:blipFill>
-        <p:spPr>
-          <a:xfrm flipH="1">
-            <a:off x="0" y="6910529"/>
-            <a:ext cx="14630400" cy="1319071"/>
-          </a:xfrm>
-          <a:prstGeom prst="rect">
-            <a:avLst/>
-          </a:prstGeom>
-        </p:spPr>
-      </p:pic>
-    </p:spTree>
-  </p:cSld>
-  <p:clrMapOvr>
-    <a:masterClrMapping/>
-  </p:clrMapOvr>
-</p:sld>
-</file>
-
-<file path=ppt/slides/slide39.xml><?xml version="1.0" encoding="utf-8"?>
-<p:sld xmlns:a="http://schemas.openxmlformats.org/drawingml/2006/main" xmlns:r="http://schemas.openxmlformats.org/officeDocument/2006/relationships" xmlns:p="http://schemas.openxmlformats.org/presentationml/2006/main">
-  <p:cSld>
-    <p:spTree>
-      <p:nvGrpSpPr>
-        <p:cNvPr id="1" name=""/>
-        <p:cNvGrpSpPr/>
-        <p:nvPr/>
-      </p:nvGrpSpPr>
-      <p:grpSpPr>
-        <a:xfrm>
-          <a:off x="0" y="0"/>
-          <a:ext cx="0" cy="0"/>
-          <a:chOff x="0" y="0"/>
-          <a:chExt cx="0" cy="0"/>
-        </a:xfrm>
-      </p:grpSpPr>
-      <p:sp>
-        <p:nvSpPr>
-          <p:cNvPr id="21505" name="Title 1"/>
-          <p:cNvSpPr>
-            <a:spLocks noGrp="1"/>
-          </p:cNvSpPr>
-          <p:nvPr>
-            <p:ph type="title" idx="4294967295"/>
-          </p:nvPr>
-        </p:nvSpPr>
-        <p:spPr>
-          <a:xfrm>
-            <a:off x="704850" y="1811338"/>
-            <a:ext cx="13274675" cy="635000"/>
-          </a:xfrm>
-        </p:spPr>
-        <p:txBody>
-          <a:bodyPr/>
-          <a:lstStyle/>
-          <a:p>
-            <a:r>
-              <a:rPr lang="en-US">
-                <a:solidFill>
-                  <a:srgbClr val="4C4C4C"/>
-                </a:solidFill>
-                <a:latin typeface="BentonSans Book" charset="0"/>
-              </a:rPr>
-              <a:t>Instructional Slides</a:t>
-            </a:r>
-          </a:p>
-        </p:txBody>
-      </p:sp>
-    </p:spTree>
-  </p:cSld>
-  <p:clrMapOvr>
-    <a:masterClrMapping/>
-  </p:clrMapOvr>
-</p:sld>
-</file>
-
 <file path=ppt/slides/slide4.xml><?xml version="1.0" encoding="utf-8"?>
 <p:sld xmlns:a="http://schemas.openxmlformats.org/drawingml/2006/main" xmlns:r="http://schemas.openxmlformats.org/officeDocument/2006/relationships" xmlns:p="http://schemas.openxmlformats.org/presentationml/2006/main">
   <p:cSld>
@@ -20630,6 +21023,152 @@
 </file>
 
 <file path=ppt/slides/slide40.xml><?xml version="1.0" encoding="utf-8"?>
+<p:sld xmlns:a="http://schemas.openxmlformats.org/drawingml/2006/main" xmlns:r="http://schemas.openxmlformats.org/officeDocument/2006/relationships" xmlns:p="http://schemas.openxmlformats.org/presentationml/2006/main">
+  <p:cSld>
+    <p:spTree>
+      <p:nvGrpSpPr>
+        <p:cNvPr id="1" name=""/>
+        <p:cNvGrpSpPr/>
+        <p:nvPr/>
+      </p:nvGrpSpPr>
+      <p:grpSpPr>
+        <a:xfrm>
+          <a:off x="0" y="0"/>
+          <a:ext cx="0" cy="0"/>
+          <a:chOff x="0" y="0"/>
+          <a:chExt cx="0" cy="0"/>
+        </a:xfrm>
+      </p:grpSpPr>
+      <p:sp>
+        <p:nvSpPr>
+          <p:cNvPr id="20481" name="Picture Placeholder 1"/>
+          <p:cNvSpPr>
+            <a:spLocks noGrp="1"/>
+          </p:cNvSpPr>
+          <p:nvPr>
+            <p:ph type="pic" sz="quarter" idx="10"/>
+          </p:nvPr>
+        </p:nvSpPr>
+        <p:spPr bwMode="auto">
+          <a:xfrm>
+            <a:off x="0" y="0"/>
+            <a:ext cx="14630400" cy="8229600"/>
+          </a:xfrm>
+          <a:noFill/>
+          <a:ln>
+            <a:miter lim="800000"/>
+            <a:headEnd/>
+            <a:tailEnd/>
+          </a:ln>
+          <a:extLst>
+            <a:ext uri="{909E8E84-426E-40dd-AFC4-6F175D3DCCD1}">
+              <a14:hiddenFill xmlns:a14="http://schemas.microsoft.com/office/drawing/2010/main" xmlns="">
+                <a:solidFill>
+                  <a:srgbClr val="FFFFFF"/>
+                </a:solidFill>
+              </a14:hiddenFill>
+            </a:ext>
+            <a:ext uri="{FAA26D3D-D897-4be2-8F04-BA451C77F1D7}">
+              <ma14:placeholderFlag xmlns:ma14="http://schemas.microsoft.com/office/mac/drawingml/2011/main" xmlns="" val="1"/>
+            </a:ext>
+          </a:extLst>
+        </p:spPr>
+      </p:sp>
+      <p:pic>
+        <p:nvPicPr>
+          <p:cNvPr id="6" name="Picture 5" descr="Bottom_Viz_August-09.png"/>
+          <p:cNvPicPr>
+            <a:picLocks noChangeAspect="1"/>
+          </p:cNvPicPr>
+          <p:nvPr/>
+        </p:nvPicPr>
+        <p:blipFill rotWithShape="1">
+          <a:blip r:embed="rId3" cstate="email">
+            <a:extLst>
+              <a:ext uri="{28A0092B-C50C-407E-A947-70E740481C1C}">
+                <a14:useLocalDpi xmlns:a14="http://schemas.microsoft.com/office/drawing/2010/main" val="0"/>
+              </a:ext>
+            </a:extLst>
+          </a:blip>
+          <a:srcRect l="1098" b="58330"/>
+          <a:stretch/>
+        </p:blipFill>
+        <p:spPr>
+          <a:xfrm flipH="1">
+            <a:off x="0" y="6910529"/>
+            <a:ext cx="14630400" cy="1319071"/>
+          </a:xfrm>
+          <a:prstGeom prst="rect">
+            <a:avLst/>
+          </a:prstGeom>
+        </p:spPr>
+      </p:pic>
+    </p:spTree>
+  </p:cSld>
+  <p:clrMapOvr>
+    <a:masterClrMapping/>
+  </p:clrMapOvr>
+</p:sld>
+</file>
+
+<file path=ppt/slides/slide41.xml><?xml version="1.0" encoding="utf-8"?>
+<p:sld xmlns:a="http://schemas.openxmlformats.org/drawingml/2006/main" xmlns:r="http://schemas.openxmlformats.org/officeDocument/2006/relationships" xmlns:p="http://schemas.openxmlformats.org/presentationml/2006/main">
+  <p:cSld>
+    <p:spTree>
+      <p:nvGrpSpPr>
+        <p:cNvPr id="1" name=""/>
+        <p:cNvGrpSpPr/>
+        <p:nvPr/>
+      </p:nvGrpSpPr>
+      <p:grpSpPr>
+        <a:xfrm>
+          <a:off x="0" y="0"/>
+          <a:ext cx="0" cy="0"/>
+          <a:chOff x="0" y="0"/>
+          <a:chExt cx="0" cy="0"/>
+        </a:xfrm>
+      </p:grpSpPr>
+      <p:sp>
+        <p:nvSpPr>
+          <p:cNvPr id="21505" name="Title 1"/>
+          <p:cNvSpPr>
+            <a:spLocks noGrp="1"/>
+          </p:cNvSpPr>
+          <p:nvPr>
+            <p:ph type="title" idx="4294967295"/>
+          </p:nvPr>
+        </p:nvSpPr>
+        <p:spPr>
+          <a:xfrm>
+            <a:off x="704850" y="1811338"/>
+            <a:ext cx="13274675" cy="635000"/>
+          </a:xfrm>
+        </p:spPr>
+        <p:txBody>
+          <a:bodyPr/>
+          <a:lstStyle/>
+          <a:p>
+            <a:r>
+              <a:rPr lang="en-US">
+                <a:solidFill>
+                  <a:srgbClr val="4C4C4C"/>
+                </a:solidFill>
+                <a:latin typeface="BentonSans Book" charset="0"/>
+              </a:rPr>
+              <a:t>Instructional Slides</a:t>
+            </a:r>
+          </a:p>
+        </p:txBody>
+      </p:sp>
+    </p:spTree>
+  </p:cSld>
+  <p:clrMapOvr>
+    <a:masterClrMapping/>
+  </p:clrMapOvr>
+</p:sld>
+</file>
+
+<file path=ppt/slides/slide42.xml><?xml version="1.0" encoding="utf-8"?>
 <p:sld xmlns:a="http://schemas.openxmlformats.org/drawingml/2006/main" xmlns:r="http://schemas.openxmlformats.org/officeDocument/2006/relationships" xmlns:p="http://schemas.openxmlformats.org/presentationml/2006/main">
   <p:cSld>
     <p:spTree>
@@ -20837,7 +21376,7 @@
 </p:sld>
 </file>
 
-<file path=ppt/slides/slide41.xml><?xml version="1.0" encoding="utf-8"?>
+<file path=ppt/slides/slide43.xml><?xml version="1.0" encoding="utf-8"?>
 <p:sld xmlns:a="http://schemas.openxmlformats.org/drawingml/2006/main" xmlns:r="http://schemas.openxmlformats.org/officeDocument/2006/relationships" xmlns:p="http://schemas.openxmlformats.org/presentationml/2006/main">
   <p:cSld>
     <p:spTree>
@@ -22124,7 +22663,7 @@
 </p:sld>
 </file>
 
-<file path=ppt/slides/slide42.xml><?xml version="1.0" encoding="utf-8"?>
+<file path=ppt/slides/slide44.xml><?xml version="1.0" encoding="utf-8"?>
 <p:sld xmlns:a="http://schemas.openxmlformats.org/drawingml/2006/main" xmlns:r="http://schemas.openxmlformats.org/officeDocument/2006/relationships" xmlns:p="http://schemas.openxmlformats.org/presentationml/2006/main">
   <p:cSld>
     <p:spTree>
@@ -22359,7 +22898,7 @@
 </p:sld>
 </file>
 
-<file path=ppt/slides/slide43.xml><?xml version="1.0" encoding="utf-8"?>
+<file path=ppt/slides/slide45.xml><?xml version="1.0" encoding="utf-8"?>
 <p:sld xmlns:a="http://schemas.openxmlformats.org/drawingml/2006/main" xmlns:r="http://schemas.openxmlformats.org/officeDocument/2006/relationships" xmlns:p="http://schemas.openxmlformats.org/presentationml/2006/main">
   <p:cSld>
     <p:spTree>
@@ -22929,7 +23468,7 @@
 </p:sld>
 </file>
 
-<file path=ppt/slides/slide44.xml><?xml version="1.0" encoding="utf-8"?>
+<file path=ppt/slides/slide46.xml><?xml version="1.0" encoding="utf-8"?>
 <p:sld xmlns:a="http://schemas.openxmlformats.org/drawingml/2006/main" xmlns:r="http://schemas.openxmlformats.org/officeDocument/2006/relationships" xmlns:p="http://schemas.openxmlformats.org/presentationml/2006/main">
   <p:cSld>
     <p:spTree>
@@ -23353,7 +23892,7 @@
 </p:sld>
 </file>
 
-<file path=ppt/slides/slide45.xml><?xml version="1.0" encoding="utf-8"?>
+<file path=ppt/slides/slide47.xml><?xml version="1.0" encoding="utf-8"?>
 <p:sld xmlns:a="http://schemas.openxmlformats.org/drawingml/2006/main" xmlns:r="http://schemas.openxmlformats.org/officeDocument/2006/relationships" xmlns:p="http://schemas.openxmlformats.org/presentationml/2006/main">
   <p:cSld>
     <p:spTree>
@@ -24186,7 +24725,7 @@
 </p:sld>
 </file>
 
-<file path=ppt/slides/slide46.xml><?xml version="1.0" encoding="utf-8"?>
+<file path=ppt/slides/slide48.xml><?xml version="1.0" encoding="utf-8"?>
 <p:sld xmlns:a="http://schemas.openxmlformats.org/drawingml/2006/main" xmlns:r="http://schemas.openxmlformats.org/officeDocument/2006/relationships" xmlns:p="http://schemas.openxmlformats.org/presentationml/2006/main">
   <p:cSld>
     <p:spTree>
@@ -45715,7 +46254,7 @@
 </p:sld>
 </file>
 
-<file path=ppt/slides/slide47.xml><?xml version="1.0" encoding="utf-8"?>
+<file path=ppt/slides/slide49.xml><?xml version="1.0" encoding="utf-8"?>
 <p:sld xmlns:a="http://schemas.openxmlformats.org/drawingml/2006/main" xmlns:r="http://schemas.openxmlformats.org/officeDocument/2006/relationships" xmlns:p="http://schemas.openxmlformats.org/presentationml/2006/main">
   <p:cSld>
     <p:spTree>
@@ -46155,7 +46694,71 @@
 </p:sld>
 </file>
 
-<file path=ppt/slides/slide48.xml><?xml version="1.0" encoding="utf-8"?>
+<file path=ppt/slides/slide5.xml><?xml version="1.0" encoding="utf-8"?>
+<p:sld xmlns:a="http://schemas.openxmlformats.org/drawingml/2006/main" xmlns:r="http://schemas.openxmlformats.org/officeDocument/2006/relationships" xmlns:p="http://schemas.openxmlformats.org/presentationml/2006/main">
+  <p:cSld>
+    <p:spTree>
+      <p:nvGrpSpPr>
+        <p:cNvPr id="1" name=""/>
+        <p:cNvGrpSpPr/>
+        <p:nvPr/>
+      </p:nvGrpSpPr>
+      <p:grpSpPr>
+        <a:xfrm>
+          <a:off x="0" y="0"/>
+          <a:ext cx="0" cy="0"/>
+          <a:chOff x="0" y="0"/>
+          <a:chExt cx="0" cy="0"/>
+        </a:xfrm>
+      </p:grpSpPr>
+      <p:pic>
+        <p:nvPicPr>
+          <p:cNvPr id="6" name="Picture Placeholder 5">
+            <a:extLst>
+              <a:ext uri="{FF2B5EF4-FFF2-40B4-BE49-F238E27FC236}">
+                <a16:creationId xmlns:a16="http://schemas.microsoft.com/office/drawing/2014/main" id="{7859933E-B0D3-4887-A439-4FB1935464D1}"/>
+              </a:ext>
+            </a:extLst>
+          </p:cNvPr>
+          <p:cNvPicPr>
+            <a:picLocks noGrp="1" noChangeAspect="1"/>
+          </p:cNvPicPr>
+          <p:nvPr>
+            <p:ph type="pic" sz="quarter" idx="10"/>
+          </p:nvPr>
+        </p:nvPicPr>
+        <p:blipFill>
+          <a:blip r:embed="rId3">
+            <a:extLst>
+              <a:ext uri="{28A0092B-C50C-407E-A947-70E740481C1C}">
+                <a14:useLocalDpi xmlns:a14="http://schemas.microsoft.com/office/drawing/2010/main" val="0"/>
+              </a:ext>
+            </a:extLst>
+          </a:blip>
+          <a:srcRect t="3229" b="3229"/>
+          <a:stretch>
+            <a:fillRect/>
+          </a:stretch>
+        </p:blipFill>
+        <p:spPr/>
+      </p:pic>
+    </p:spTree>
+    <p:extLst>
+      <p:ext uri="{BB962C8B-B14F-4D97-AF65-F5344CB8AC3E}">
+        <p14:creationId xmlns:p14="http://schemas.microsoft.com/office/powerpoint/2010/main" val="2464762266"/>
+      </p:ext>
+    </p:extLst>
+  </p:cSld>
+  <p:clrMapOvr>
+    <a:masterClrMapping/>
+  </p:clrMapOvr>
+  <p:transition spd="slow">
+    <p:cover/>
+  </p:transition>
+</p:sld>
+</file>
+
+<file path=ppt/slides/slide50.xml><?xml version="1.0" encoding="utf-8"?>
 <p:sld xmlns:a="http://schemas.openxmlformats.org/drawingml/2006/main" xmlns:r="http://schemas.openxmlformats.org/officeDocument/2006/relationships" xmlns:p="http://schemas.openxmlformats.org/presentationml/2006/main">
   <p:cSld>
     <p:spTree>
@@ -46251,7 +46854,7 @@
 </p:sld>
 </file>
 
-<file path=ppt/slides/slide49.xml><?xml version="1.0" encoding="utf-8"?>
+<file path=ppt/slides/slide51.xml><?xml version="1.0" encoding="utf-8"?>
 <p:sld xmlns:a="http://schemas.openxmlformats.org/drawingml/2006/main" xmlns:r="http://schemas.openxmlformats.org/officeDocument/2006/relationships" xmlns:p="http://schemas.openxmlformats.org/presentationml/2006/main">
   <p:cSld>
     <p:spTree>
@@ -46685,71 +47288,7 @@
 </p:sld>
 </file>
 
-<file path=ppt/slides/slide5.xml><?xml version="1.0" encoding="utf-8"?>
-<p:sld xmlns:a="http://schemas.openxmlformats.org/drawingml/2006/main" xmlns:r="http://schemas.openxmlformats.org/officeDocument/2006/relationships" xmlns:p="http://schemas.openxmlformats.org/presentationml/2006/main">
-  <p:cSld>
-    <p:spTree>
-      <p:nvGrpSpPr>
-        <p:cNvPr id="1" name=""/>
-        <p:cNvGrpSpPr/>
-        <p:nvPr/>
-      </p:nvGrpSpPr>
-      <p:grpSpPr>
-        <a:xfrm>
-          <a:off x="0" y="0"/>
-          <a:ext cx="0" cy="0"/>
-          <a:chOff x="0" y="0"/>
-          <a:chExt cx="0" cy="0"/>
-        </a:xfrm>
-      </p:grpSpPr>
-      <p:pic>
-        <p:nvPicPr>
-          <p:cNvPr id="6" name="Picture Placeholder 5">
-            <a:extLst>
-              <a:ext uri="{FF2B5EF4-FFF2-40B4-BE49-F238E27FC236}">
-                <a16:creationId xmlns:a16="http://schemas.microsoft.com/office/drawing/2014/main" id="{7859933E-B0D3-4887-A439-4FB1935464D1}"/>
-              </a:ext>
-            </a:extLst>
-          </p:cNvPr>
-          <p:cNvPicPr>
-            <a:picLocks noGrp="1" noChangeAspect="1"/>
-          </p:cNvPicPr>
-          <p:nvPr>
-            <p:ph type="pic" sz="quarter" idx="10"/>
-          </p:nvPr>
-        </p:nvPicPr>
-        <p:blipFill>
-          <a:blip r:embed="rId3">
-            <a:extLst>
-              <a:ext uri="{28A0092B-C50C-407E-A947-70E740481C1C}">
-                <a14:useLocalDpi xmlns:a14="http://schemas.microsoft.com/office/drawing/2010/main" val="0"/>
-              </a:ext>
-            </a:extLst>
-          </a:blip>
-          <a:srcRect t="3229" b="3229"/>
-          <a:stretch>
-            <a:fillRect/>
-          </a:stretch>
-        </p:blipFill>
-        <p:spPr/>
-      </p:pic>
-    </p:spTree>
-    <p:extLst>
-      <p:ext uri="{BB962C8B-B14F-4D97-AF65-F5344CB8AC3E}">
-        <p14:creationId xmlns:p14="http://schemas.microsoft.com/office/powerpoint/2010/main" val="2464762266"/>
-      </p:ext>
-    </p:extLst>
-  </p:cSld>
-  <p:clrMapOvr>
-    <a:masterClrMapping/>
-  </p:clrMapOvr>
-  <p:transition spd="slow">
-    <p:cover/>
-  </p:transition>
-</p:sld>
-</file>
-
-<file path=ppt/slides/slide50.xml><?xml version="1.0" encoding="utf-8"?>
+<file path=ppt/slides/slide52.xml><?xml version="1.0" encoding="utf-8"?>
 <p:sld xmlns:a="http://schemas.openxmlformats.org/drawingml/2006/main" xmlns:r="http://schemas.openxmlformats.org/officeDocument/2006/relationships" xmlns:p="http://schemas.openxmlformats.org/presentationml/2006/main">
   <p:cSld>
     <p:spTree>
@@ -48709,7 +49248,7 @@
 </p:sld>
 </file>
 
-<file path=ppt/slides/slide51.xml><?xml version="1.0" encoding="utf-8"?>
+<file path=ppt/slides/slide53.xml><?xml version="1.0" encoding="utf-8"?>
 <p:sld xmlns:a="http://schemas.openxmlformats.org/drawingml/2006/main" xmlns:r="http://schemas.openxmlformats.org/officeDocument/2006/relationships" xmlns:p="http://schemas.openxmlformats.org/presentationml/2006/main">
   <p:cSld>
     <p:spTree>
@@ -50823,7 +51362,7 @@
 </p:sld>
 </file>
 
-<file path=ppt/slides/slide52.xml><?xml version="1.0" encoding="utf-8"?>
+<file path=ppt/slides/slide54.xml><?xml version="1.0" encoding="utf-8"?>
 <p:sld xmlns:a="http://schemas.openxmlformats.org/drawingml/2006/main" xmlns:r="http://schemas.openxmlformats.org/officeDocument/2006/relationships" xmlns:p="http://schemas.openxmlformats.org/presentationml/2006/main">
   <p:cSld>
     <p:spTree>
@@ -52407,7 +52946,7 @@
 </p:sld>
 </file>
 
-<file path=ppt/slides/slide53.xml><?xml version="1.0" encoding="utf-8"?>
+<file path=ppt/slides/slide55.xml><?xml version="1.0" encoding="utf-8"?>
 <p:sld xmlns:a="http://schemas.openxmlformats.org/drawingml/2006/main" xmlns:r="http://schemas.openxmlformats.org/officeDocument/2006/relationships" xmlns:p="http://schemas.openxmlformats.org/presentationml/2006/main">
   <p:cSld>
     <p:spTree>
@@ -52506,7 +53045,7 @@
 </p:sld>
 </file>
 
-<file path=ppt/slides/slide54.xml><?xml version="1.0" encoding="utf-8"?>
+<file path=ppt/slides/slide56.xml><?xml version="1.0" encoding="utf-8"?>
 <p:sld xmlns:a="http://schemas.openxmlformats.org/drawingml/2006/main" xmlns:r="http://schemas.openxmlformats.org/officeDocument/2006/relationships" xmlns:p="http://schemas.openxmlformats.org/presentationml/2006/main">
   <p:cSld>
     <p:spTree>
@@ -52612,7 +53151,7 @@
 </p:sld>
 </file>
 
-<file path=ppt/slides/slide55.xml><?xml version="1.0" encoding="utf-8"?>
+<file path=ppt/slides/slide57.xml><?xml version="1.0" encoding="utf-8"?>
 <p:sld xmlns:a="http://schemas.openxmlformats.org/drawingml/2006/main" xmlns:r="http://schemas.openxmlformats.org/officeDocument/2006/relationships" xmlns:p="http://schemas.openxmlformats.org/presentationml/2006/main">
   <p:cSld>
     <p:spTree>

--- a/lecture.pptx
+++ b/lecture.pptx
@@ -5,10 +5,10 @@
     <p:sldMasterId id="2147483875" r:id="rId1"/>
   </p:sldMasterIdLst>
   <p:notesMasterIdLst>
-    <p:notesMasterId r:id="rId59"/>
+    <p:notesMasterId r:id="rId58"/>
   </p:notesMasterIdLst>
   <p:handoutMasterIdLst>
-    <p:handoutMasterId r:id="rId60"/>
+    <p:handoutMasterId r:id="rId59"/>
   </p:handoutMasterIdLst>
   <p:sldIdLst>
     <p:sldId id="256" r:id="rId2"/>
@@ -26,48 +26,47 @@
     <p:sldId id="558" r:id="rId14"/>
     <p:sldId id="559" r:id="rId15"/>
     <p:sldId id="560" r:id="rId16"/>
-    <p:sldId id="561" r:id="rId17"/>
-    <p:sldId id="565" r:id="rId18"/>
-    <p:sldId id="563" r:id="rId19"/>
-    <p:sldId id="557" r:id="rId20"/>
-    <p:sldId id="530" r:id="rId21"/>
-    <p:sldId id="501" r:id="rId22"/>
-    <p:sldId id="540" r:id="rId23"/>
-    <p:sldId id="543" r:id="rId24"/>
-    <p:sldId id="544" r:id="rId25"/>
-    <p:sldId id="546" r:id="rId26"/>
-    <p:sldId id="547" r:id="rId27"/>
-    <p:sldId id="548" r:id="rId28"/>
-    <p:sldId id="549" r:id="rId29"/>
-    <p:sldId id="541" r:id="rId30"/>
-    <p:sldId id="542" r:id="rId31"/>
-    <p:sldId id="531" r:id="rId32"/>
-    <p:sldId id="567" r:id="rId33"/>
-    <p:sldId id="566" r:id="rId34"/>
-    <p:sldId id="419" r:id="rId35"/>
-    <p:sldId id="526" r:id="rId36"/>
-    <p:sldId id="318" r:id="rId37"/>
-    <p:sldId id="525" r:id="rId38"/>
-    <p:sldId id="319" r:id="rId39"/>
-    <p:sldId id="422" r:id="rId40"/>
-    <p:sldId id="343" r:id="rId41"/>
-    <p:sldId id="523" r:id="rId42"/>
-    <p:sldId id="511" r:id="rId43"/>
-    <p:sldId id="502" r:id="rId44"/>
-    <p:sldId id="503" r:id="rId45"/>
-    <p:sldId id="504" r:id="rId46"/>
-    <p:sldId id="524" r:id="rId47"/>
-    <p:sldId id="513" r:id="rId48"/>
-    <p:sldId id="514" r:id="rId49"/>
-    <p:sldId id="532" r:id="rId50"/>
-    <p:sldId id="533" r:id="rId51"/>
-    <p:sldId id="534" r:id="rId52"/>
-    <p:sldId id="509" r:id="rId53"/>
-    <p:sldId id="510" r:id="rId54"/>
-    <p:sldId id="508" r:id="rId55"/>
-    <p:sldId id="536" r:id="rId56"/>
-    <p:sldId id="537" r:id="rId57"/>
-    <p:sldId id="538" r:id="rId58"/>
+    <p:sldId id="565" r:id="rId17"/>
+    <p:sldId id="563" r:id="rId18"/>
+    <p:sldId id="557" r:id="rId19"/>
+    <p:sldId id="530" r:id="rId20"/>
+    <p:sldId id="501" r:id="rId21"/>
+    <p:sldId id="540" r:id="rId22"/>
+    <p:sldId id="543" r:id="rId23"/>
+    <p:sldId id="544" r:id="rId24"/>
+    <p:sldId id="546" r:id="rId25"/>
+    <p:sldId id="547" r:id="rId26"/>
+    <p:sldId id="548" r:id="rId27"/>
+    <p:sldId id="549" r:id="rId28"/>
+    <p:sldId id="541" r:id="rId29"/>
+    <p:sldId id="542" r:id="rId30"/>
+    <p:sldId id="531" r:id="rId31"/>
+    <p:sldId id="567" r:id="rId32"/>
+    <p:sldId id="566" r:id="rId33"/>
+    <p:sldId id="419" r:id="rId34"/>
+    <p:sldId id="526" r:id="rId35"/>
+    <p:sldId id="318" r:id="rId36"/>
+    <p:sldId id="525" r:id="rId37"/>
+    <p:sldId id="319" r:id="rId38"/>
+    <p:sldId id="422" r:id="rId39"/>
+    <p:sldId id="343" r:id="rId40"/>
+    <p:sldId id="523" r:id="rId41"/>
+    <p:sldId id="511" r:id="rId42"/>
+    <p:sldId id="502" r:id="rId43"/>
+    <p:sldId id="503" r:id="rId44"/>
+    <p:sldId id="504" r:id="rId45"/>
+    <p:sldId id="524" r:id="rId46"/>
+    <p:sldId id="513" r:id="rId47"/>
+    <p:sldId id="514" r:id="rId48"/>
+    <p:sldId id="532" r:id="rId49"/>
+    <p:sldId id="533" r:id="rId50"/>
+    <p:sldId id="534" r:id="rId51"/>
+    <p:sldId id="509" r:id="rId52"/>
+    <p:sldId id="510" r:id="rId53"/>
+    <p:sldId id="508" r:id="rId54"/>
+    <p:sldId id="536" r:id="rId55"/>
+    <p:sldId id="537" r:id="rId56"/>
+    <p:sldId id="538" r:id="rId57"/>
   </p:sldIdLst>
   <p:sldSz cx="14630400" cy="8229600"/>
   <p:notesSz cx="6858000" cy="9144000"/>
@@ -1583,127 +1582,6 @@
               <a:rPr lang="en-US" dirty="0">
                 <a:hlinkClick r:id="rId3"/>
               </a:rPr>
-              <a:t>https://www.forbes.com/sites/louiscolumbus/2018/05/23/10-charts-that-will-change-your-perspective-of-big-datas-growth/#6743ec3d2926</a:t>
-            </a:r>
-            <a:endParaRPr lang="en-US" dirty="0">
-              <a:latin typeface="BentonSans Book" charset="0"/>
-            </a:endParaRPr>
-          </a:p>
-        </p:txBody>
-      </p:sp>
-    </p:spTree>
-    <p:extLst>
-      <p:ext uri="{BB962C8B-B14F-4D97-AF65-F5344CB8AC3E}">
-        <p14:creationId xmlns:p14="http://schemas.microsoft.com/office/powerpoint/2010/main" val="1735436956"/>
-      </p:ext>
-    </p:extLst>
-  </p:cSld>
-  <p:clrMapOvr>
-    <a:masterClrMapping/>
-  </p:clrMapOvr>
-</p:notes>
-</file>
-
-<file path=ppt/notesSlides/notesSlide15.xml><?xml version="1.0" encoding="utf-8"?>
-<p:notes xmlns:a="http://schemas.openxmlformats.org/drawingml/2006/main" xmlns:r="http://schemas.openxmlformats.org/officeDocument/2006/relationships" xmlns:p="http://schemas.openxmlformats.org/presentationml/2006/main">
-  <p:cSld>
-    <p:spTree>
-      <p:nvGrpSpPr>
-        <p:cNvPr id="1" name=""/>
-        <p:cNvGrpSpPr/>
-        <p:nvPr/>
-      </p:nvGrpSpPr>
-      <p:grpSpPr>
-        <a:xfrm>
-          <a:off x="0" y="0"/>
-          <a:ext cx="0" cy="0"/>
-          <a:chOff x="0" y="0"/>
-          <a:chExt cx="0" cy="0"/>
-        </a:xfrm>
-      </p:grpSpPr>
-      <p:sp>
-        <p:nvSpPr>
-          <p:cNvPr id="48129" name="Slide Image Placeholder 1"/>
-          <p:cNvSpPr>
-            <a:spLocks noGrp="1" noRot="1" noChangeAspect="1"/>
-          </p:cNvSpPr>
-          <p:nvPr>
-            <p:ph type="sldImg"/>
-          </p:nvPr>
-        </p:nvSpPr>
-        <p:spPr bwMode="auto">
-          <a:noFill/>
-          <a:ln>
-            <a:solidFill>
-              <a:srgbClr val="000000"/>
-            </a:solidFill>
-            <a:miter lim="800000"/>
-            <a:headEnd/>
-            <a:tailEnd/>
-          </a:ln>
-          <a:extLst>
-            <a:ext uri="{909E8E84-426E-40dd-AFC4-6F175D3DCCD1}">
-              <a14:hiddenFill xmlns:a14="http://schemas.microsoft.com/office/drawing/2010/main" xmlns="">
-                <a:solidFill>
-                  <a:srgbClr val="FFFFFF"/>
-                </a:solidFill>
-              </a14:hiddenFill>
-            </a:ext>
-            <a:ext uri="{FAA26D3D-D897-4be2-8F04-BA451C77F1D7}">
-              <ma14:placeholderFlag xmlns:ma14="http://schemas.microsoft.com/office/mac/drawingml/2011/main" xmlns="" val="1"/>
-            </a:ext>
-          </a:extLst>
-        </p:spPr>
-      </p:sp>
-      <p:sp>
-        <p:nvSpPr>
-          <p:cNvPr id="48130" name="Notes Placeholder 2"/>
-          <p:cNvSpPr>
-            <a:spLocks noGrp="1"/>
-          </p:cNvSpPr>
-          <p:nvPr>
-            <p:ph type="body" idx="1"/>
-          </p:nvPr>
-        </p:nvSpPr>
-        <p:spPr bwMode="auto">
-          <a:noFill/>
-          <a:extLst>
-            <a:ext uri="{909E8E84-426E-40dd-AFC4-6F175D3DCCD1}">
-              <a14:hiddenFill xmlns:a14="http://schemas.microsoft.com/office/drawing/2010/main" xmlns="">
-                <a:solidFill>
-                  <a:srgbClr val="FFFFFF"/>
-                </a:solidFill>
-              </a14:hiddenFill>
-            </a:ext>
-            <a:ext uri="{91240B29-F687-4f45-9708-019B960494DF}">
-              <a14:hiddenLine xmlns:a14="http://schemas.microsoft.com/office/drawing/2010/main" xmlns="" w="9525">
-                <a:solidFill>
-                  <a:srgbClr val="000000"/>
-                </a:solidFill>
-                <a:miter lim="800000"/>
-                <a:headEnd/>
-                <a:tailEnd/>
-              </a14:hiddenLine>
-            </a:ext>
-          </a:extLst>
-        </p:spPr>
-        <p:txBody>
-          <a:bodyPr wrap="square" numCol="1" anchor="t" anchorCtr="0" compatLnSpc="1">
-            <a:prstTxWarp prst="textNoShape">
-              <a:avLst/>
-            </a:prstTxWarp>
-          </a:bodyPr>
-          <a:lstStyle/>
-          <a:p>
-            <a:pPr>
-              <a:spcBef>
-                <a:spcPct val="0"/>
-              </a:spcBef>
-            </a:pPr>
-            <a:r>
-              <a:rPr lang="en-US" dirty="0">
-                <a:hlinkClick r:id="rId3"/>
-              </a:rPr>
               <a:t>https://www.ibm.com/blogs/insights-on-business/consumer-products/2-5-quintillion-bytes-of-data-created-every-day-how-does-cpg-retail-manage-it/</a:t>
             </a:r>
             <a:endParaRPr lang="en-US" dirty="0">
@@ -1725,7 +1603,7 @@
 </p:notes>
 </file>
 
-<file path=ppt/notesSlides/notesSlide16.xml><?xml version="1.0" encoding="utf-8"?>
+<file path=ppt/notesSlides/notesSlide15.xml><?xml version="1.0" encoding="utf-8"?>
 <p:notes xmlns:a="http://schemas.openxmlformats.org/drawingml/2006/main" xmlns:r="http://schemas.openxmlformats.org/officeDocument/2006/relationships" xmlns:p="http://schemas.openxmlformats.org/presentationml/2006/main">
   <p:cSld>
     <p:spTree>
@@ -1786,7 +1664,7 @@
 </p:notes>
 </file>
 
-<file path=ppt/notesSlides/notesSlide17.xml><?xml version="1.0" encoding="utf-8"?>
+<file path=ppt/notesSlides/notesSlide16.xml><?xml version="1.0" encoding="utf-8"?>
 <p:notes xmlns:a="http://schemas.openxmlformats.org/drawingml/2006/main" xmlns:r="http://schemas.openxmlformats.org/officeDocument/2006/relationships" xmlns:p="http://schemas.openxmlformats.org/presentationml/2006/main">
   <p:cSld>
     <p:spTree>
@@ -1867,7 +1745,7 @@
 </p:notes>
 </file>
 
-<file path=ppt/notesSlides/notesSlide18.xml><?xml version="1.0" encoding="utf-8"?>
+<file path=ppt/notesSlides/notesSlide17.xml><?xml version="1.0" encoding="utf-8"?>
 <p:notes xmlns:a="http://schemas.openxmlformats.org/drawingml/2006/main" xmlns:r="http://schemas.openxmlformats.org/officeDocument/2006/relationships" xmlns:p="http://schemas.openxmlformats.org/presentationml/2006/main">
   <p:cSld>
     <p:spTree>
@@ -1980,7 +1858,7 @@
 </p:notes>
 </file>
 
-<file path=ppt/notesSlides/notesSlide19.xml><?xml version="1.0" encoding="utf-8"?>
+<file path=ppt/notesSlides/notesSlide18.xml><?xml version="1.0" encoding="utf-8"?>
 <p:notes xmlns:a="http://schemas.openxmlformats.org/drawingml/2006/main" xmlns:r="http://schemas.openxmlformats.org/officeDocument/2006/relationships" xmlns:p="http://schemas.openxmlformats.org/presentationml/2006/main">
   <p:cSld>
     <p:spTree>
@@ -2405,6 +2283,350 @@
         </p:txBody>
       </p:sp>
     </p:spTree>
+  </p:cSld>
+  <p:clrMapOvr>
+    <a:masterClrMapping/>
+  </p:clrMapOvr>
+</p:notes>
+</file>
+
+<file path=ppt/notesSlides/notesSlide19.xml><?xml version="1.0" encoding="utf-8"?>
+<p:notes xmlns:a="http://schemas.openxmlformats.org/drawingml/2006/main" xmlns:r="http://schemas.openxmlformats.org/officeDocument/2006/relationships" xmlns:p="http://schemas.openxmlformats.org/presentationml/2006/main">
+  <p:cSld>
+    <p:spTree>
+      <p:nvGrpSpPr>
+        <p:cNvPr id="1" name=""/>
+        <p:cNvGrpSpPr/>
+        <p:nvPr/>
+      </p:nvGrpSpPr>
+      <p:grpSpPr>
+        <a:xfrm>
+          <a:off x="0" y="0"/>
+          <a:ext cx="0" cy="0"/>
+          <a:chOff x="0" y="0"/>
+          <a:chExt cx="0" cy="0"/>
+        </a:xfrm>
+      </p:grpSpPr>
+      <p:sp>
+        <p:nvSpPr>
+          <p:cNvPr id="46081" name="Slide Image Placeholder 1"/>
+          <p:cNvSpPr>
+            <a:spLocks noGrp="1" noRot="1" noChangeAspect="1"/>
+          </p:cNvSpPr>
+          <p:nvPr>
+            <p:ph type="sldImg"/>
+          </p:nvPr>
+        </p:nvSpPr>
+        <p:spPr bwMode="auto">
+          <a:noFill/>
+          <a:ln>
+            <a:solidFill>
+              <a:srgbClr val="000000"/>
+            </a:solidFill>
+            <a:miter lim="800000"/>
+            <a:headEnd/>
+            <a:tailEnd/>
+          </a:ln>
+          <a:extLst>
+            <a:ext uri="{909E8E84-426E-40dd-AFC4-6F175D3DCCD1}">
+              <a14:hiddenFill xmlns:a14="http://schemas.microsoft.com/office/drawing/2010/main" xmlns="">
+                <a:solidFill>
+                  <a:srgbClr val="FFFFFF"/>
+                </a:solidFill>
+              </a14:hiddenFill>
+            </a:ext>
+            <a:ext uri="{FAA26D3D-D897-4be2-8F04-BA451C77F1D7}">
+              <ma14:placeholderFlag xmlns:ma14="http://schemas.microsoft.com/office/mac/drawingml/2011/main" xmlns="" val="1"/>
+            </a:ext>
+          </a:extLst>
+        </p:spPr>
+      </p:sp>
+      <p:sp>
+        <p:nvSpPr>
+          <p:cNvPr id="46082" name="Notes Placeholder 2"/>
+          <p:cNvSpPr>
+            <a:spLocks noGrp="1"/>
+          </p:cNvSpPr>
+          <p:nvPr>
+            <p:ph type="body" idx="1"/>
+          </p:nvPr>
+        </p:nvSpPr>
+        <p:spPr bwMode="auto">
+          <a:noFill/>
+          <a:extLst>
+            <a:ext uri="{909E8E84-426E-40dd-AFC4-6F175D3DCCD1}">
+              <a14:hiddenFill xmlns:a14="http://schemas.microsoft.com/office/drawing/2010/main" xmlns="">
+                <a:solidFill>
+                  <a:srgbClr val="FFFFFF"/>
+                </a:solidFill>
+              </a14:hiddenFill>
+            </a:ext>
+            <a:ext uri="{91240B29-F687-4f45-9708-019B960494DF}">
+              <a14:hiddenLine xmlns:a14="http://schemas.microsoft.com/office/drawing/2010/main" xmlns="" w="9525">
+                <a:solidFill>
+                  <a:srgbClr val="000000"/>
+                </a:solidFill>
+                <a:miter lim="800000"/>
+                <a:headEnd/>
+                <a:tailEnd/>
+              </a14:hiddenLine>
+            </a:ext>
+          </a:extLst>
+        </p:spPr>
+        <p:txBody>
+          <a:bodyPr wrap="square" numCol="1" anchor="t" anchorCtr="0" compatLnSpc="1">
+            <a:prstTxWarp prst="textNoShape">
+              <a:avLst/>
+            </a:prstTxWarp>
+          </a:bodyPr>
+          <a:lstStyle/>
+          <a:p>
+            <a:r>
+              <a:rPr lang="en-US" b="0" dirty="0">
+                <a:effectLst/>
+              </a:rPr>
+              <a:t>Picture credit: </a:t>
+            </a:r>
+            <a:r>
+              <a:rPr lang="en-US" dirty="0">
+                <a:hlinkClick r:id="rId3"/>
+              </a:rPr>
+              <a:t>https://www.npr.org/sections/health-shots/2015/01/12/375663920/the-doctor-who-championed-hand-washing-and-saved-women-s-lives</a:t>
+            </a:r>
+            <a:endParaRPr lang="en-US" b="0" dirty="0">
+              <a:effectLst/>
+            </a:endParaRPr>
+          </a:p>
+          <a:p>
+            <a:pPr lvl="3" rtl="0" fontAlgn="base"/>
+            <a:r>
+              <a:rPr lang="en-US" sz="1800" b="0" i="0" u="none" strike="noStrike" kern="1200" dirty="0">
+                <a:solidFill>
+                  <a:schemeClr val="tx1"/>
+                </a:solidFill>
+                <a:effectLst/>
+                <a:latin typeface="BentonSans Book"/>
+                <a:ea typeface="ＭＳ Ｐゴシック" charset="0"/>
+                <a:cs typeface="+mn-cs"/>
+              </a:rPr>
+              <a:t>- Simple Table from 1847</a:t>
+            </a:r>
+          </a:p>
+          <a:p>
+            <a:pPr lvl="3" rtl="0" fontAlgn="base"/>
+            <a:r>
+              <a:rPr lang="en-US" sz="1800" b="0" i="0" u="none" strike="noStrike" kern="1200" dirty="0">
+                <a:solidFill>
+                  <a:schemeClr val="tx1"/>
+                </a:solidFill>
+                <a:effectLst/>
+                <a:latin typeface="BentonSans Book"/>
+                <a:ea typeface="ＭＳ Ｐゴシック" charset="0"/>
+                <a:cs typeface="+mn-cs"/>
+              </a:rPr>
+              <a:t>- Microscopic germs, invisible to the eye, can make us sick!</a:t>
+            </a:r>
+          </a:p>
+          <a:p>
+            <a:pPr lvl="3" rtl="0" fontAlgn="base"/>
+            <a:r>
+              <a:rPr lang="en-US" sz="1800" b="0" i="0" u="none" strike="noStrike" kern="1200" dirty="0">
+                <a:solidFill>
+                  <a:schemeClr val="tx1"/>
+                </a:solidFill>
+                <a:effectLst/>
+                <a:latin typeface="BentonSans Book"/>
+                <a:ea typeface="ＭＳ Ｐゴシック" charset="0"/>
+                <a:cs typeface="+mn-cs"/>
+              </a:rPr>
+              <a:t>- A doctor who doesn’t wash his hands can spread his disease from one person to another</a:t>
+            </a:r>
+          </a:p>
+          <a:p>
+            <a:pPr lvl="3" rtl="0" fontAlgn="base"/>
+            <a:r>
+              <a:rPr lang="en-US" sz="1800" b="0" i="0" u="none" strike="noStrike" kern="1200" dirty="0">
+                <a:solidFill>
+                  <a:schemeClr val="tx1"/>
+                </a:solidFill>
+                <a:effectLst/>
+                <a:latin typeface="BentonSans Book"/>
+                <a:ea typeface="ＭＳ Ｐゴシック" charset="0"/>
+                <a:cs typeface="+mn-cs"/>
+              </a:rPr>
+              <a:t>- Discovery made with data by Ignaz Semmelweis</a:t>
+            </a:r>
+          </a:p>
+          <a:p>
+            <a:pPr lvl="3" rtl="0" fontAlgn="base"/>
+            <a:r>
+              <a:rPr lang="en-US" sz="1800" b="0" i="0" u="none" strike="noStrike" kern="1200" dirty="0">
+                <a:solidFill>
+                  <a:schemeClr val="tx1"/>
+                </a:solidFill>
+                <a:effectLst/>
+                <a:latin typeface="BentonSans Book"/>
+                <a:ea typeface="ＭＳ Ｐゴシック" charset="0"/>
+                <a:cs typeface="+mn-cs"/>
+              </a:rPr>
+              <a:t>- In his first year, in fact in his first six months, using this data right here, after being turned down from a more prestigious job he discovered the Germ Theory of Disease</a:t>
+            </a:r>
+          </a:p>
+          <a:p>
+            <a:pPr lvl="3" rtl="0" fontAlgn="base"/>
+            <a:r>
+              <a:rPr lang="en-US" sz="1800" b="0" i="0" u="none" strike="noStrike" kern="1200" dirty="0">
+                <a:solidFill>
+                  <a:schemeClr val="tx1"/>
+                </a:solidFill>
+                <a:effectLst/>
+                <a:latin typeface="BentonSans Book"/>
+                <a:ea typeface="ＭＳ Ｐゴシック" charset="0"/>
+                <a:cs typeface="+mn-cs"/>
+              </a:rPr>
+              <a:t>- He noticed that doctors coming from autopsies who then delivered babies had dramatically higher maternal mortality rates due to puerperal fever.</a:t>
+            </a:r>
+          </a:p>
+          <a:p>
+            <a:pPr lvl="3" rtl="0" fontAlgn="base"/>
+            <a:r>
+              <a:rPr lang="en-US" sz="1800" b="0" i="0" u="none" strike="noStrike" kern="1200" dirty="0">
+                <a:solidFill>
+                  <a:schemeClr val="tx1"/>
+                </a:solidFill>
+                <a:effectLst/>
+                <a:latin typeface="BentonSans Book"/>
+                <a:ea typeface="ＭＳ Ｐゴシック" charset="0"/>
+                <a:cs typeface="+mn-cs"/>
+              </a:rPr>
+              <a:t>- After asking doctors to wash their hands before examining pregnant women he documented a reduction in mortality rate from 18% to 2.2% over a year</a:t>
+            </a:r>
+          </a:p>
+          <a:p>
+            <a:pPr lvl="3" rtl="0" fontAlgn="base"/>
+            <a:r>
+              <a:rPr lang="en-US" sz="1800" b="0" i="0" u="none" strike="noStrike" kern="1200" dirty="0">
+                <a:solidFill>
+                  <a:schemeClr val="tx1"/>
+                </a:solidFill>
+                <a:effectLst/>
+                <a:latin typeface="BentonSans Book"/>
+                <a:ea typeface="ＭＳ Ｐゴシック" charset="0"/>
+                <a:cs typeface="+mn-cs"/>
+              </a:rPr>
+              <a:t>- He, originally, was mocked for this. He had no explanation but from the data he knew that when doctors washed their hands it saved lives.</a:t>
+            </a:r>
+          </a:p>
+          <a:p>
+            <a:pPr lvl="3" rtl="0" fontAlgn="base"/>
+            <a:r>
+              <a:rPr lang="en-US" sz="1800" b="0" i="0" u="none" strike="noStrike" kern="1200" dirty="0">
+                <a:solidFill>
+                  <a:schemeClr val="tx1"/>
+                </a:solidFill>
+                <a:effectLst/>
+                <a:latin typeface="BentonSans Book"/>
+                <a:ea typeface="ＭＳ Ｐゴシック" charset="0"/>
+                <a:cs typeface="+mn-cs"/>
+              </a:rPr>
+              <a:t>- He died in an insane asylum at age 47 before his theory was ever accepted.</a:t>
+            </a:r>
+          </a:p>
+          <a:p>
+            <a:pPr lvl="3" rtl="0" fontAlgn="base"/>
+            <a:r>
+              <a:rPr lang="en-US" sz="1800" b="0" i="0" u="none" strike="noStrike" kern="1200" dirty="0">
+                <a:solidFill>
+                  <a:schemeClr val="tx1"/>
+                </a:solidFill>
+                <a:effectLst/>
+                <a:latin typeface="BentonSans Book"/>
+                <a:ea typeface="ＭＳ Ｐゴシック" charset="0"/>
+                <a:cs typeface="+mn-cs"/>
+              </a:rPr>
+              <a:t>- A few years after his death in 1865, Louis Pasteur confirmed germ theory and Joseph Lister used their research to practice and operate with hygienic methods with great success.</a:t>
+            </a:r>
+          </a:p>
+          <a:p>
+            <a:pPr lvl="3" rtl="0" fontAlgn="base"/>
+            <a:r>
+              <a:rPr lang="en-US" sz="1800" b="0" i="0" u="none" strike="noStrike" kern="1200" dirty="0">
+                <a:solidFill>
+                  <a:schemeClr val="tx1"/>
+                </a:solidFill>
+                <a:effectLst/>
+                <a:latin typeface="BentonSans Book"/>
+                <a:ea typeface="ＭＳ Ｐゴシック" charset="0"/>
+                <a:cs typeface="+mn-cs"/>
+              </a:rPr>
+              <a:t>- John Snow also contributed to this replacement of miasma theory (disease spread through bad air, even caused by things like bad breath).</a:t>
+            </a:r>
+          </a:p>
+          <a:p>
+            <a:pPr lvl="4" rtl="0" fontAlgn="base"/>
+            <a:r>
+              <a:rPr lang="en-US" sz="1800" b="0" i="0" u="none" strike="noStrike" kern="1200" dirty="0">
+                <a:solidFill>
+                  <a:schemeClr val="tx1"/>
+                </a:solidFill>
+                <a:effectLst/>
+                <a:latin typeface="BentonSans Book"/>
+                <a:ea typeface="ＭＳ Ｐゴシック" charset="0"/>
+                <a:cs typeface="+mn-cs"/>
+              </a:rPr>
+              <a:t>- Game of Thrones!</a:t>
+            </a:r>
+          </a:p>
+          <a:p>
+            <a:pPr lvl="0"/>
+            <a:r>
+              <a:rPr lang="en-US" sz="2000" b="0" i="0" u="none" strike="noStrike" kern="1200" dirty="0">
+                <a:solidFill>
+                  <a:schemeClr val="tx1"/>
+                </a:solidFill>
+                <a:effectLst/>
+                <a:latin typeface="BentonSans Book"/>
+                <a:ea typeface="ＭＳ Ｐゴシック" charset="0"/>
+                <a:cs typeface="ＭＳ Ｐゴシック" charset="0"/>
+              </a:rPr>
+              <a:t>		- Wrote essay called </a:t>
+            </a:r>
+            <a:r>
+              <a:rPr lang="en-US" sz="1800" b="0" i="1" u="none" strike="noStrike" kern="1200" dirty="0">
+                <a:solidFill>
+                  <a:schemeClr val="tx1"/>
+                </a:solidFill>
+                <a:effectLst/>
+                <a:latin typeface="BentonSans Book"/>
+                <a:ea typeface="ＭＳ Ｐゴシック" charset="0"/>
+                <a:cs typeface="ＭＳ Ｐゴシック" charset="0"/>
+              </a:rPr>
+              <a:t>On the Mode of Communication of Cholera </a:t>
+            </a:r>
+            <a:r>
+              <a:rPr lang="en-US" sz="1800" b="0" i="0" u="none" strike="noStrike" kern="1200" dirty="0">
+                <a:solidFill>
+                  <a:schemeClr val="tx1"/>
+                </a:solidFill>
+                <a:effectLst/>
+                <a:latin typeface="BentonSans Book"/>
+                <a:ea typeface="ＭＳ Ｐゴシック" charset="0"/>
+                <a:cs typeface="ＭＳ Ｐゴシック" charset="0"/>
+              </a:rPr>
+              <a:t>in 1849</a:t>
+            </a:r>
+            <a:endParaRPr lang="en-US" dirty="0">
+              <a:latin typeface="BentonSans Book" charset="0"/>
+            </a:endParaRPr>
+          </a:p>
+        </p:txBody>
+      </p:sp>
+    </p:spTree>
+    <p:extLst>
+      <p:ext uri="{BB962C8B-B14F-4D97-AF65-F5344CB8AC3E}">
+        <p14:creationId xmlns:p14="http://schemas.microsoft.com/office/powerpoint/2010/main" val="509396539"/>
+      </p:ext>
+    </p:extLst>
   </p:cSld>
   <p:clrMapOvr>
     <a:masterClrMapping/>
@@ -2624,350 +2846,6 @@
           </a:bodyPr>
           <a:lstStyle/>
           <a:p>
-            <a:r>
-              <a:rPr lang="en-US" b="0" dirty="0">
-                <a:effectLst/>
-              </a:rPr>
-              <a:t>Picture credit: </a:t>
-            </a:r>
-            <a:r>
-              <a:rPr lang="en-US" dirty="0">
-                <a:hlinkClick r:id="rId3"/>
-              </a:rPr>
-              <a:t>https://www.npr.org/sections/health-shots/2015/01/12/375663920/the-doctor-who-championed-hand-washing-and-saved-women-s-lives</a:t>
-            </a:r>
-            <a:endParaRPr lang="en-US" b="0" dirty="0">
-              <a:effectLst/>
-            </a:endParaRPr>
-          </a:p>
-          <a:p>
-            <a:pPr lvl="3" rtl="0" fontAlgn="base"/>
-            <a:r>
-              <a:rPr lang="en-US" sz="1800" b="0" i="0" u="none" strike="noStrike" kern="1200" dirty="0">
-                <a:solidFill>
-                  <a:schemeClr val="tx1"/>
-                </a:solidFill>
-                <a:effectLst/>
-                <a:latin typeface="BentonSans Book"/>
-                <a:ea typeface="ＭＳ Ｐゴシック" charset="0"/>
-                <a:cs typeface="+mn-cs"/>
-              </a:rPr>
-              <a:t>- Simple Table from 1847</a:t>
-            </a:r>
-          </a:p>
-          <a:p>
-            <a:pPr lvl="3" rtl="0" fontAlgn="base"/>
-            <a:r>
-              <a:rPr lang="en-US" sz="1800" b="0" i="0" u="none" strike="noStrike" kern="1200" dirty="0">
-                <a:solidFill>
-                  <a:schemeClr val="tx1"/>
-                </a:solidFill>
-                <a:effectLst/>
-                <a:latin typeface="BentonSans Book"/>
-                <a:ea typeface="ＭＳ Ｐゴシック" charset="0"/>
-                <a:cs typeface="+mn-cs"/>
-              </a:rPr>
-              <a:t>- Microscopic germs, invisible to the eye, can make us sick!</a:t>
-            </a:r>
-          </a:p>
-          <a:p>
-            <a:pPr lvl="3" rtl="0" fontAlgn="base"/>
-            <a:r>
-              <a:rPr lang="en-US" sz="1800" b="0" i="0" u="none" strike="noStrike" kern="1200" dirty="0">
-                <a:solidFill>
-                  <a:schemeClr val="tx1"/>
-                </a:solidFill>
-                <a:effectLst/>
-                <a:latin typeface="BentonSans Book"/>
-                <a:ea typeface="ＭＳ Ｐゴシック" charset="0"/>
-                <a:cs typeface="+mn-cs"/>
-              </a:rPr>
-              <a:t>- A doctor who doesn’t wash his hands can spread his disease from one person to another</a:t>
-            </a:r>
-          </a:p>
-          <a:p>
-            <a:pPr lvl="3" rtl="0" fontAlgn="base"/>
-            <a:r>
-              <a:rPr lang="en-US" sz="1800" b="0" i="0" u="none" strike="noStrike" kern="1200" dirty="0">
-                <a:solidFill>
-                  <a:schemeClr val="tx1"/>
-                </a:solidFill>
-                <a:effectLst/>
-                <a:latin typeface="BentonSans Book"/>
-                <a:ea typeface="ＭＳ Ｐゴシック" charset="0"/>
-                <a:cs typeface="+mn-cs"/>
-              </a:rPr>
-              <a:t>- Discovery made with data by Ignaz Semmelweis</a:t>
-            </a:r>
-          </a:p>
-          <a:p>
-            <a:pPr lvl="3" rtl="0" fontAlgn="base"/>
-            <a:r>
-              <a:rPr lang="en-US" sz="1800" b="0" i="0" u="none" strike="noStrike" kern="1200" dirty="0">
-                <a:solidFill>
-                  <a:schemeClr val="tx1"/>
-                </a:solidFill>
-                <a:effectLst/>
-                <a:latin typeface="BentonSans Book"/>
-                <a:ea typeface="ＭＳ Ｐゴシック" charset="0"/>
-                <a:cs typeface="+mn-cs"/>
-              </a:rPr>
-              <a:t>- In his first year, in fact in his first six months, using this data right here, after being turned down from a more prestigious job he discovered the Germ Theory of Disease</a:t>
-            </a:r>
-          </a:p>
-          <a:p>
-            <a:pPr lvl="3" rtl="0" fontAlgn="base"/>
-            <a:r>
-              <a:rPr lang="en-US" sz="1800" b="0" i="0" u="none" strike="noStrike" kern="1200" dirty="0">
-                <a:solidFill>
-                  <a:schemeClr val="tx1"/>
-                </a:solidFill>
-                <a:effectLst/>
-                <a:latin typeface="BentonSans Book"/>
-                <a:ea typeface="ＭＳ Ｐゴシック" charset="0"/>
-                <a:cs typeface="+mn-cs"/>
-              </a:rPr>
-              <a:t>- He noticed that doctors coming from autopsies who then delivered babies had dramatically higher maternal mortality rates due to puerperal fever.</a:t>
-            </a:r>
-          </a:p>
-          <a:p>
-            <a:pPr lvl="3" rtl="0" fontAlgn="base"/>
-            <a:r>
-              <a:rPr lang="en-US" sz="1800" b="0" i="0" u="none" strike="noStrike" kern="1200" dirty="0">
-                <a:solidFill>
-                  <a:schemeClr val="tx1"/>
-                </a:solidFill>
-                <a:effectLst/>
-                <a:latin typeface="BentonSans Book"/>
-                <a:ea typeface="ＭＳ Ｐゴシック" charset="0"/>
-                <a:cs typeface="+mn-cs"/>
-              </a:rPr>
-              <a:t>- After asking doctors to wash their hands before examining pregnant women he documented a reduction in mortality rate from 18% to 2.2% over a year</a:t>
-            </a:r>
-          </a:p>
-          <a:p>
-            <a:pPr lvl="3" rtl="0" fontAlgn="base"/>
-            <a:r>
-              <a:rPr lang="en-US" sz="1800" b="0" i="0" u="none" strike="noStrike" kern="1200" dirty="0">
-                <a:solidFill>
-                  <a:schemeClr val="tx1"/>
-                </a:solidFill>
-                <a:effectLst/>
-                <a:latin typeface="BentonSans Book"/>
-                <a:ea typeface="ＭＳ Ｐゴシック" charset="0"/>
-                <a:cs typeface="+mn-cs"/>
-              </a:rPr>
-              <a:t>- He, originally, was mocked for this. He had no explanation but from the data he knew that when doctors washed their hands it saved lives.</a:t>
-            </a:r>
-          </a:p>
-          <a:p>
-            <a:pPr lvl="3" rtl="0" fontAlgn="base"/>
-            <a:r>
-              <a:rPr lang="en-US" sz="1800" b="0" i="0" u="none" strike="noStrike" kern="1200" dirty="0">
-                <a:solidFill>
-                  <a:schemeClr val="tx1"/>
-                </a:solidFill>
-                <a:effectLst/>
-                <a:latin typeface="BentonSans Book"/>
-                <a:ea typeface="ＭＳ Ｐゴシック" charset="0"/>
-                <a:cs typeface="+mn-cs"/>
-              </a:rPr>
-              <a:t>- He died in an insane asylum at age 47 before his theory was ever accepted.</a:t>
-            </a:r>
-          </a:p>
-          <a:p>
-            <a:pPr lvl="3" rtl="0" fontAlgn="base"/>
-            <a:r>
-              <a:rPr lang="en-US" sz="1800" b="0" i="0" u="none" strike="noStrike" kern="1200" dirty="0">
-                <a:solidFill>
-                  <a:schemeClr val="tx1"/>
-                </a:solidFill>
-                <a:effectLst/>
-                <a:latin typeface="BentonSans Book"/>
-                <a:ea typeface="ＭＳ Ｐゴシック" charset="0"/>
-                <a:cs typeface="+mn-cs"/>
-              </a:rPr>
-              <a:t>- A few years after his death in 1865, Louis Pasteur confirmed germ theory and Joseph Lister used their research to practice and operate with hygienic methods with great success.</a:t>
-            </a:r>
-          </a:p>
-          <a:p>
-            <a:pPr lvl="3" rtl="0" fontAlgn="base"/>
-            <a:r>
-              <a:rPr lang="en-US" sz="1800" b="0" i="0" u="none" strike="noStrike" kern="1200" dirty="0">
-                <a:solidFill>
-                  <a:schemeClr val="tx1"/>
-                </a:solidFill>
-                <a:effectLst/>
-                <a:latin typeface="BentonSans Book"/>
-                <a:ea typeface="ＭＳ Ｐゴシック" charset="0"/>
-                <a:cs typeface="+mn-cs"/>
-              </a:rPr>
-              <a:t>- John Snow also contributed to this replacement of miasma theory (disease spread through bad air, even caused by things like bad breath).</a:t>
-            </a:r>
-          </a:p>
-          <a:p>
-            <a:pPr lvl="4" rtl="0" fontAlgn="base"/>
-            <a:r>
-              <a:rPr lang="en-US" sz="1800" b="0" i="0" u="none" strike="noStrike" kern="1200" dirty="0">
-                <a:solidFill>
-                  <a:schemeClr val="tx1"/>
-                </a:solidFill>
-                <a:effectLst/>
-                <a:latin typeface="BentonSans Book"/>
-                <a:ea typeface="ＭＳ Ｐゴシック" charset="0"/>
-                <a:cs typeface="+mn-cs"/>
-              </a:rPr>
-              <a:t>- Game of Thrones!</a:t>
-            </a:r>
-          </a:p>
-          <a:p>
-            <a:pPr lvl="0"/>
-            <a:r>
-              <a:rPr lang="en-US" sz="2000" b="0" i="0" u="none" strike="noStrike" kern="1200" dirty="0">
-                <a:solidFill>
-                  <a:schemeClr val="tx1"/>
-                </a:solidFill>
-                <a:effectLst/>
-                <a:latin typeface="BentonSans Book"/>
-                <a:ea typeface="ＭＳ Ｐゴシック" charset="0"/>
-                <a:cs typeface="ＭＳ Ｐゴシック" charset="0"/>
-              </a:rPr>
-              <a:t>		- Wrote essay called </a:t>
-            </a:r>
-            <a:r>
-              <a:rPr lang="en-US" sz="1800" b="0" i="1" u="none" strike="noStrike" kern="1200" dirty="0">
-                <a:solidFill>
-                  <a:schemeClr val="tx1"/>
-                </a:solidFill>
-                <a:effectLst/>
-                <a:latin typeface="BentonSans Book"/>
-                <a:ea typeface="ＭＳ Ｐゴシック" charset="0"/>
-                <a:cs typeface="ＭＳ Ｐゴシック" charset="0"/>
-              </a:rPr>
-              <a:t>On the Mode of Communication of Cholera </a:t>
-            </a:r>
-            <a:r>
-              <a:rPr lang="en-US" sz="1800" b="0" i="0" u="none" strike="noStrike" kern="1200" dirty="0">
-                <a:solidFill>
-                  <a:schemeClr val="tx1"/>
-                </a:solidFill>
-                <a:effectLst/>
-                <a:latin typeface="BentonSans Book"/>
-                <a:ea typeface="ＭＳ Ｐゴシック" charset="0"/>
-                <a:cs typeface="ＭＳ Ｐゴシック" charset="0"/>
-              </a:rPr>
-              <a:t>in 1849</a:t>
-            </a:r>
-            <a:endParaRPr lang="en-US" dirty="0">
-              <a:latin typeface="BentonSans Book" charset="0"/>
-            </a:endParaRPr>
-          </a:p>
-        </p:txBody>
-      </p:sp>
-    </p:spTree>
-    <p:extLst>
-      <p:ext uri="{BB962C8B-B14F-4D97-AF65-F5344CB8AC3E}">
-        <p14:creationId xmlns:p14="http://schemas.microsoft.com/office/powerpoint/2010/main" val="509396539"/>
-      </p:ext>
-    </p:extLst>
-  </p:cSld>
-  <p:clrMapOvr>
-    <a:masterClrMapping/>
-  </p:clrMapOvr>
-</p:notes>
-</file>
-
-<file path=ppt/notesSlides/notesSlide21.xml><?xml version="1.0" encoding="utf-8"?>
-<p:notes xmlns:a="http://schemas.openxmlformats.org/drawingml/2006/main" xmlns:r="http://schemas.openxmlformats.org/officeDocument/2006/relationships" xmlns:p="http://schemas.openxmlformats.org/presentationml/2006/main">
-  <p:cSld>
-    <p:spTree>
-      <p:nvGrpSpPr>
-        <p:cNvPr id="1" name=""/>
-        <p:cNvGrpSpPr/>
-        <p:nvPr/>
-      </p:nvGrpSpPr>
-      <p:grpSpPr>
-        <a:xfrm>
-          <a:off x="0" y="0"/>
-          <a:ext cx="0" cy="0"/>
-          <a:chOff x="0" y="0"/>
-          <a:chExt cx="0" cy="0"/>
-        </a:xfrm>
-      </p:grpSpPr>
-      <p:sp>
-        <p:nvSpPr>
-          <p:cNvPr id="46081" name="Slide Image Placeholder 1"/>
-          <p:cNvSpPr>
-            <a:spLocks noGrp="1" noRot="1" noChangeAspect="1"/>
-          </p:cNvSpPr>
-          <p:nvPr>
-            <p:ph type="sldImg"/>
-          </p:nvPr>
-        </p:nvSpPr>
-        <p:spPr bwMode="auto">
-          <a:noFill/>
-          <a:ln>
-            <a:solidFill>
-              <a:srgbClr val="000000"/>
-            </a:solidFill>
-            <a:miter lim="800000"/>
-            <a:headEnd/>
-            <a:tailEnd/>
-          </a:ln>
-          <a:extLst>
-            <a:ext uri="{909E8E84-426E-40dd-AFC4-6F175D3DCCD1}">
-              <a14:hiddenFill xmlns:a14="http://schemas.microsoft.com/office/drawing/2010/main" xmlns="">
-                <a:solidFill>
-                  <a:srgbClr val="FFFFFF"/>
-                </a:solidFill>
-              </a14:hiddenFill>
-            </a:ext>
-            <a:ext uri="{FAA26D3D-D897-4be2-8F04-BA451C77F1D7}">
-              <ma14:placeholderFlag xmlns:ma14="http://schemas.microsoft.com/office/mac/drawingml/2011/main" xmlns="" val="1"/>
-            </a:ext>
-          </a:extLst>
-        </p:spPr>
-      </p:sp>
-      <p:sp>
-        <p:nvSpPr>
-          <p:cNvPr id="46082" name="Notes Placeholder 2"/>
-          <p:cNvSpPr>
-            <a:spLocks noGrp="1"/>
-          </p:cNvSpPr>
-          <p:nvPr>
-            <p:ph type="body" idx="1"/>
-          </p:nvPr>
-        </p:nvSpPr>
-        <p:spPr bwMode="auto">
-          <a:noFill/>
-          <a:extLst>
-            <a:ext uri="{909E8E84-426E-40dd-AFC4-6F175D3DCCD1}">
-              <a14:hiddenFill xmlns:a14="http://schemas.microsoft.com/office/drawing/2010/main" xmlns="">
-                <a:solidFill>
-                  <a:srgbClr val="FFFFFF"/>
-                </a:solidFill>
-              </a14:hiddenFill>
-            </a:ext>
-            <a:ext uri="{91240B29-F687-4f45-9708-019B960494DF}">
-              <a14:hiddenLine xmlns:a14="http://schemas.microsoft.com/office/drawing/2010/main" xmlns="" w="9525">
-                <a:solidFill>
-                  <a:srgbClr val="000000"/>
-                </a:solidFill>
-                <a:miter lim="800000"/>
-                <a:headEnd/>
-                <a:tailEnd/>
-              </a14:hiddenLine>
-            </a:ext>
-          </a:extLst>
-        </p:spPr>
-        <p:txBody>
-          <a:bodyPr wrap="square" numCol="1" anchor="t" anchorCtr="0" compatLnSpc="1">
-            <a:prstTxWarp prst="textNoShape">
-              <a:avLst/>
-            </a:prstTxWarp>
-          </a:bodyPr>
-          <a:lstStyle/>
-          <a:p>
             <a:endParaRPr lang="en-US" b="0" dirty="0">
               <a:effectLst/>
             </a:endParaRPr>
@@ -3067,7 +2945,7 @@
 </p:notes>
 </file>
 
-<file path=ppt/notesSlides/notesSlide22.xml><?xml version="1.0" encoding="utf-8"?>
+<file path=ppt/notesSlides/notesSlide21.xml><?xml version="1.0" encoding="utf-8"?>
 <p:notes xmlns:a="http://schemas.openxmlformats.org/drawingml/2006/main" xmlns:r="http://schemas.openxmlformats.org/officeDocument/2006/relationships" xmlns:p="http://schemas.openxmlformats.org/presentationml/2006/main">
   <p:cSld>
     <p:spTree>
@@ -3176,6 +3054,127 @@
     <p:extLst>
       <p:ext uri="{BB962C8B-B14F-4D97-AF65-F5344CB8AC3E}">
         <p14:creationId xmlns:p14="http://schemas.microsoft.com/office/powerpoint/2010/main" val="3221621139"/>
+      </p:ext>
+    </p:extLst>
+  </p:cSld>
+  <p:clrMapOvr>
+    <a:masterClrMapping/>
+  </p:clrMapOvr>
+</p:notes>
+</file>
+
+<file path=ppt/notesSlides/notesSlide22.xml><?xml version="1.0" encoding="utf-8"?>
+<p:notes xmlns:a="http://schemas.openxmlformats.org/drawingml/2006/main" xmlns:r="http://schemas.openxmlformats.org/officeDocument/2006/relationships" xmlns:p="http://schemas.openxmlformats.org/presentationml/2006/main">
+  <p:cSld>
+    <p:spTree>
+      <p:nvGrpSpPr>
+        <p:cNvPr id="1" name=""/>
+        <p:cNvGrpSpPr/>
+        <p:nvPr/>
+      </p:nvGrpSpPr>
+      <p:grpSpPr>
+        <a:xfrm>
+          <a:off x="0" y="0"/>
+          <a:ext cx="0" cy="0"/>
+          <a:chOff x="0" y="0"/>
+          <a:chExt cx="0" cy="0"/>
+        </a:xfrm>
+      </p:grpSpPr>
+      <p:sp>
+        <p:nvSpPr>
+          <p:cNvPr id="52225" name="Slide Image Placeholder 1"/>
+          <p:cNvSpPr>
+            <a:spLocks noGrp="1" noRot="1" noChangeAspect="1"/>
+          </p:cNvSpPr>
+          <p:nvPr>
+            <p:ph type="sldImg"/>
+          </p:nvPr>
+        </p:nvSpPr>
+        <p:spPr bwMode="auto">
+          <a:noFill/>
+          <a:ln>
+            <a:solidFill>
+              <a:srgbClr val="000000"/>
+            </a:solidFill>
+            <a:miter lim="800000"/>
+            <a:headEnd/>
+            <a:tailEnd/>
+          </a:ln>
+          <a:extLst>
+            <a:ext uri="{909E8E84-426E-40dd-AFC4-6F175D3DCCD1}">
+              <a14:hiddenFill xmlns:a14="http://schemas.microsoft.com/office/drawing/2010/main" xmlns="">
+                <a:solidFill>
+                  <a:srgbClr val="FFFFFF"/>
+                </a:solidFill>
+              </a14:hiddenFill>
+            </a:ext>
+            <a:ext uri="{FAA26D3D-D897-4be2-8F04-BA451C77F1D7}">
+              <ma14:placeholderFlag xmlns:ma14="http://schemas.microsoft.com/office/mac/drawingml/2011/main" xmlns="" val="1"/>
+            </a:ext>
+          </a:extLst>
+        </p:spPr>
+      </p:sp>
+      <p:sp>
+        <p:nvSpPr>
+          <p:cNvPr id="52226" name="Notes Placeholder 2"/>
+          <p:cNvSpPr>
+            <a:spLocks noGrp="1"/>
+          </p:cNvSpPr>
+          <p:nvPr>
+            <p:ph type="body" idx="1"/>
+          </p:nvPr>
+        </p:nvSpPr>
+        <p:spPr bwMode="auto">
+          <a:noFill/>
+          <a:extLst>
+            <a:ext uri="{909E8E84-426E-40dd-AFC4-6F175D3DCCD1}">
+              <a14:hiddenFill xmlns:a14="http://schemas.microsoft.com/office/drawing/2010/main" xmlns="">
+                <a:solidFill>
+                  <a:srgbClr val="FFFFFF"/>
+                </a:solidFill>
+              </a14:hiddenFill>
+            </a:ext>
+            <a:ext uri="{91240B29-F687-4f45-9708-019B960494DF}">
+              <a14:hiddenLine xmlns:a14="http://schemas.microsoft.com/office/drawing/2010/main" xmlns="" w="9525">
+                <a:solidFill>
+                  <a:srgbClr val="000000"/>
+                </a:solidFill>
+                <a:miter lim="800000"/>
+                <a:headEnd/>
+                <a:tailEnd/>
+              </a14:hiddenLine>
+            </a:ext>
+          </a:extLst>
+        </p:spPr>
+        <p:txBody>
+          <a:bodyPr wrap="square" numCol="1" anchor="t" anchorCtr="0" compatLnSpc="1">
+            <a:prstTxWarp prst="textNoShape">
+              <a:avLst/>
+            </a:prstTxWarp>
+          </a:bodyPr>
+          <a:lstStyle/>
+          <a:p>
+            <a:pPr>
+              <a:spcBef>
+                <a:spcPct val="0"/>
+              </a:spcBef>
+            </a:pPr>
+            <a:r>
+              <a:rPr lang="en-US" dirty="0">
+                <a:hlinkClick r:id="rId3"/>
+              </a:rPr>
+              <a:t>https://www.meta-synthesis.com/webbook/35_pt/pt_database.php?Button=pre-1900+Formulations</a:t>
+            </a:r>
+            <a:endParaRPr lang="en-US" dirty="0">
+              <a:latin typeface="BentonSans Book" charset="0"/>
+            </a:endParaRPr>
+          </a:p>
+        </p:txBody>
+      </p:sp>
+    </p:spTree>
+    <p:extLst>
+      <p:ext uri="{BB962C8B-B14F-4D97-AF65-F5344CB8AC3E}">
+        <p14:creationId xmlns:p14="http://schemas.microsoft.com/office/powerpoint/2010/main" val="4182658893"/>
       </p:ext>
     </p:extLst>
   </p:cSld>
@@ -3296,7 +3295,7 @@
     </p:spTree>
     <p:extLst>
       <p:ext uri="{BB962C8B-B14F-4D97-AF65-F5344CB8AC3E}">
-        <p14:creationId xmlns:p14="http://schemas.microsoft.com/office/powerpoint/2010/main" val="4182658893"/>
+        <p14:creationId xmlns:p14="http://schemas.microsoft.com/office/powerpoint/2010/main" val="2121838283"/>
       </p:ext>
     </p:extLst>
   </p:cSld>
@@ -3417,7 +3416,7 @@
     </p:spTree>
     <p:extLst>
       <p:ext uri="{BB962C8B-B14F-4D97-AF65-F5344CB8AC3E}">
-        <p14:creationId xmlns:p14="http://schemas.microsoft.com/office/powerpoint/2010/main" val="2121838283"/>
+        <p14:creationId xmlns:p14="http://schemas.microsoft.com/office/powerpoint/2010/main" val="69022353"/>
       </p:ext>
     </p:extLst>
   </p:cSld>
@@ -3428,127 +3427,6 @@
 </file>
 
 <file path=ppt/notesSlides/notesSlide25.xml><?xml version="1.0" encoding="utf-8"?>
-<p:notes xmlns:a="http://schemas.openxmlformats.org/drawingml/2006/main" xmlns:r="http://schemas.openxmlformats.org/officeDocument/2006/relationships" xmlns:p="http://schemas.openxmlformats.org/presentationml/2006/main">
-  <p:cSld>
-    <p:spTree>
-      <p:nvGrpSpPr>
-        <p:cNvPr id="1" name=""/>
-        <p:cNvGrpSpPr/>
-        <p:nvPr/>
-      </p:nvGrpSpPr>
-      <p:grpSpPr>
-        <a:xfrm>
-          <a:off x="0" y="0"/>
-          <a:ext cx="0" cy="0"/>
-          <a:chOff x="0" y="0"/>
-          <a:chExt cx="0" cy="0"/>
-        </a:xfrm>
-      </p:grpSpPr>
-      <p:sp>
-        <p:nvSpPr>
-          <p:cNvPr id="52225" name="Slide Image Placeholder 1"/>
-          <p:cNvSpPr>
-            <a:spLocks noGrp="1" noRot="1" noChangeAspect="1"/>
-          </p:cNvSpPr>
-          <p:nvPr>
-            <p:ph type="sldImg"/>
-          </p:nvPr>
-        </p:nvSpPr>
-        <p:spPr bwMode="auto">
-          <a:noFill/>
-          <a:ln>
-            <a:solidFill>
-              <a:srgbClr val="000000"/>
-            </a:solidFill>
-            <a:miter lim="800000"/>
-            <a:headEnd/>
-            <a:tailEnd/>
-          </a:ln>
-          <a:extLst>
-            <a:ext uri="{909E8E84-426E-40dd-AFC4-6F175D3DCCD1}">
-              <a14:hiddenFill xmlns:a14="http://schemas.microsoft.com/office/drawing/2010/main" xmlns="">
-                <a:solidFill>
-                  <a:srgbClr val="FFFFFF"/>
-                </a:solidFill>
-              </a14:hiddenFill>
-            </a:ext>
-            <a:ext uri="{FAA26D3D-D897-4be2-8F04-BA451C77F1D7}">
-              <ma14:placeholderFlag xmlns:ma14="http://schemas.microsoft.com/office/mac/drawingml/2011/main" xmlns="" val="1"/>
-            </a:ext>
-          </a:extLst>
-        </p:spPr>
-      </p:sp>
-      <p:sp>
-        <p:nvSpPr>
-          <p:cNvPr id="52226" name="Notes Placeholder 2"/>
-          <p:cNvSpPr>
-            <a:spLocks noGrp="1"/>
-          </p:cNvSpPr>
-          <p:nvPr>
-            <p:ph type="body" idx="1"/>
-          </p:nvPr>
-        </p:nvSpPr>
-        <p:spPr bwMode="auto">
-          <a:noFill/>
-          <a:extLst>
-            <a:ext uri="{909E8E84-426E-40dd-AFC4-6F175D3DCCD1}">
-              <a14:hiddenFill xmlns:a14="http://schemas.microsoft.com/office/drawing/2010/main" xmlns="">
-                <a:solidFill>
-                  <a:srgbClr val="FFFFFF"/>
-                </a:solidFill>
-              </a14:hiddenFill>
-            </a:ext>
-            <a:ext uri="{91240B29-F687-4f45-9708-019B960494DF}">
-              <a14:hiddenLine xmlns:a14="http://schemas.microsoft.com/office/drawing/2010/main" xmlns="" w="9525">
-                <a:solidFill>
-                  <a:srgbClr val="000000"/>
-                </a:solidFill>
-                <a:miter lim="800000"/>
-                <a:headEnd/>
-                <a:tailEnd/>
-              </a14:hiddenLine>
-            </a:ext>
-          </a:extLst>
-        </p:spPr>
-        <p:txBody>
-          <a:bodyPr wrap="square" numCol="1" anchor="t" anchorCtr="0" compatLnSpc="1">
-            <a:prstTxWarp prst="textNoShape">
-              <a:avLst/>
-            </a:prstTxWarp>
-          </a:bodyPr>
-          <a:lstStyle/>
-          <a:p>
-            <a:pPr>
-              <a:spcBef>
-                <a:spcPct val="0"/>
-              </a:spcBef>
-            </a:pPr>
-            <a:r>
-              <a:rPr lang="en-US" dirty="0">
-                <a:hlinkClick r:id="rId3"/>
-              </a:rPr>
-              <a:t>https://www.meta-synthesis.com/webbook/35_pt/pt_database.php?Button=pre-1900+Formulations</a:t>
-            </a:r>
-            <a:endParaRPr lang="en-US" dirty="0">
-              <a:latin typeface="BentonSans Book" charset="0"/>
-            </a:endParaRPr>
-          </a:p>
-        </p:txBody>
-      </p:sp>
-    </p:spTree>
-    <p:extLst>
-      <p:ext uri="{BB962C8B-B14F-4D97-AF65-F5344CB8AC3E}">
-        <p14:creationId xmlns:p14="http://schemas.microsoft.com/office/powerpoint/2010/main" val="69022353"/>
-      </p:ext>
-    </p:extLst>
-  </p:cSld>
-  <p:clrMapOvr>
-    <a:masterClrMapping/>
-  </p:clrMapOvr>
-</p:notes>
-</file>
-
-<file path=ppt/notesSlides/notesSlide26.xml><?xml version="1.0" encoding="utf-8"?>
 <p:notes xmlns:a="http://schemas.openxmlformats.org/drawingml/2006/main" xmlns:r="http://schemas.openxmlformats.org/officeDocument/2006/relationships" xmlns:p="http://schemas.openxmlformats.org/presentationml/2006/main">
   <p:cSld>
     <p:spTree>
@@ -3669,7 +3547,7 @@
 </p:notes>
 </file>
 
-<file path=ppt/notesSlides/notesSlide27.xml><?xml version="1.0" encoding="utf-8"?>
+<file path=ppt/notesSlides/notesSlide26.xml><?xml version="1.0" encoding="utf-8"?>
 <p:notes xmlns:a="http://schemas.openxmlformats.org/drawingml/2006/main" xmlns:r="http://schemas.openxmlformats.org/officeDocument/2006/relationships" xmlns:p="http://schemas.openxmlformats.org/presentationml/2006/main">
   <p:cSld>
     <p:spTree>
@@ -3899,7 +3777,7 @@
 </p:notes>
 </file>
 
-<file path=ppt/notesSlides/notesSlide28.xml><?xml version="1.0" encoding="utf-8"?>
+<file path=ppt/notesSlides/notesSlide27.xml><?xml version="1.0" encoding="utf-8"?>
 <p:notes xmlns:a="http://schemas.openxmlformats.org/drawingml/2006/main" xmlns:r="http://schemas.openxmlformats.org/officeDocument/2006/relationships" xmlns:p="http://schemas.openxmlformats.org/presentationml/2006/main">
   <p:cSld>
     <p:spTree>
@@ -4017,7 +3895,7 @@
 </p:notes>
 </file>
 
-<file path=ppt/notesSlides/notesSlide29.xml><?xml version="1.0" encoding="utf-8"?>
+<file path=ppt/notesSlides/notesSlide28.xml><?xml version="1.0" encoding="utf-8"?>
 <p:notes xmlns:a="http://schemas.openxmlformats.org/drawingml/2006/main" xmlns:r="http://schemas.openxmlformats.org/officeDocument/2006/relationships" xmlns:p="http://schemas.openxmlformats.org/presentationml/2006/main">
   <p:cSld>
     <p:spTree>
@@ -4123,6 +4001,67 @@
         </p:txBody>
       </p:sp>
     </p:spTree>
+  </p:cSld>
+  <p:clrMapOvr>
+    <a:masterClrMapping/>
+  </p:clrMapOvr>
+</p:notes>
+</file>
+
+<file path=ppt/notesSlides/notesSlide29.xml><?xml version="1.0" encoding="utf-8"?>
+<p:notes xmlns:a="http://schemas.openxmlformats.org/drawingml/2006/main" xmlns:r="http://schemas.openxmlformats.org/officeDocument/2006/relationships" xmlns:p="http://schemas.openxmlformats.org/presentationml/2006/main">
+  <p:cSld>
+    <p:spTree>
+      <p:nvGrpSpPr>
+        <p:cNvPr id="1" name=""/>
+        <p:cNvGrpSpPr/>
+        <p:nvPr/>
+      </p:nvGrpSpPr>
+      <p:grpSpPr>
+        <a:xfrm>
+          <a:off x="0" y="0"/>
+          <a:ext cx="0" cy="0"/>
+          <a:chOff x="0" y="0"/>
+          <a:chExt cx="0" cy="0"/>
+        </a:xfrm>
+      </p:grpSpPr>
+      <p:sp>
+        <p:nvSpPr>
+          <p:cNvPr id="2" name="Slide Image Placeholder 1"/>
+          <p:cNvSpPr>
+            <a:spLocks noGrp="1" noRot="1" noChangeAspect="1"/>
+          </p:cNvSpPr>
+          <p:nvPr>
+            <p:ph type="sldImg"/>
+          </p:nvPr>
+        </p:nvSpPr>
+        <p:spPr/>
+      </p:sp>
+      <p:sp>
+        <p:nvSpPr>
+          <p:cNvPr id="3" name="Notes Placeholder 2"/>
+          <p:cNvSpPr>
+            <a:spLocks noGrp="1"/>
+          </p:cNvSpPr>
+          <p:nvPr>
+            <p:ph type="body" idx="1"/>
+          </p:nvPr>
+        </p:nvSpPr>
+        <p:spPr/>
+        <p:txBody>
+          <a:bodyPr/>
+          <a:lstStyle/>
+          <a:p>
+            <a:endParaRPr lang="en-US" dirty="0"/>
+          </a:p>
+        </p:txBody>
+      </p:sp>
+    </p:spTree>
+    <p:extLst>
+      <p:ext uri="{BB962C8B-B14F-4D97-AF65-F5344CB8AC3E}">
+        <p14:creationId xmlns:p14="http://schemas.microsoft.com/office/powerpoint/2010/main" val="3559071881"/>
+      </p:ext>
+    </p:extLst>
   </p:cSld>
   <p:clrMapOvr>
     <a:masterClrMapping/>
@@ -4270,67 +4209,6 @@
       </p:grpSpPr>
       <p:sp>
         <p:nvSpPr>
-          <p:cNvPr id="2" name="Slide Image Placeholder 1"/>
-          <p:cNvSpPr>
-            <a:spLocks noGrp="1" noRot="1" noChangeAspect="1"/>
-          </p:cNvSpPr>
-          <p:nvPr>
-            <p:ph type="sldImg"/>
-          </p:nvPr>
-        </p:nvSpPr>
-        <p:spPr/>
-      </p:sp>
-      <p:sp>
-        <p:nvSpPr>
-          <p:cNvPr id="3" name="Notes Placeholder 2"/>
-          <p:cNvSpPr>
-            <a:spLocks noGrp="1"/>
-          </p:cNvSpPr>
-          <p:nvPr>
-            <p:ph type="body" idx="1"/>
-          </p:nvPr>
-        </p:nvSpPr>
-        <p:spPr/>
-        <p:txBody>
-          <a:bodyPr/>
-          <a:lstStyle/>
-          <a:p>
-            <a:endParaRPr lang="en-US" dirty="0"/>
-          </a:p>
-        </p:txBody>
-      </p:sp>
-    </p:spTree>
-    <p:extLst>
-      <p:ext uri="{BB962C8B-B14F-4D97-AF65-F5344CB8AC3E}">
-        <p14:creationId xmlns:p14="http://schemas.microsoft.com/office/powerpoint/2010/main" val="3559071881"/>
-      </p:ext>
-    </p:extLst>
-  </p:cSld>
-  <p:clrMapOvr>
-    <a:masterClrMapping/>
-  </p:clrMapOvr>
-</p:notes>
-</file>
-
-<file path=ppt/notesSlides/notesSlide31.xml><?xml version="1.0" encoding="utf-8"?>
-<p:notes xmlns:a="http://schemas.openxmlformats.org/drawingml/2006/main" xmlns:r="http://schemas.openxmlformats.org/officeDocument/2006/relationships" xmlns:p="http://schemas.openxmlformats.org/presentationml/2006/main">
-  <p:cSld>
-    <p:spTree>
-      <p:nvGrpSpPr>
-        <p:cNvPr id="1" name=""/>
-        <p:cNvGrpSpPr/>
-        <p:nvPr/>
-      </p:nvGrpSpPr>
-      <p:grpSpPr>
-        <a:xfrm>
-          <a:off x="0" y="0"/>
-          <a:ext cx="0" cy="0"/>
-          <a:chOff x="0" y="0"/>
-          <a:chExt cx="0" cy="0"/>
-        </a:xfrm>
-      </p:grpSpPr>
-      <p:sp>
-        <p:nvSpPr>
           <p:cNvPr id="36865" name="Slide Image Placeholder 1"/>
           <p:cNvSpPr>
             <a:spLocks noGrp="1" noRot="1" noChangeAspect="1"/>
@@ -4430,7 +4308,7 @@
 </p:notes>
 </file>
 
-<file path=ppt/notesSlides/notesSlide32.xml><?xml version="1.0" encoding="utf-8"?>
+<file path=ppt/notesSlides/notesSlide31.xml><?xml version="1.0" encoding="utf-8"?>
 <p:notes xmlns:a="http://schemas.openxmlformats.org/drawingml/2006/main" xmlns:r="http://schemas.openxmlformats.org/officeDocument/2006/relationships" xmlns:p="http://schemas.openxmlformats.org/presentationml/2006/main">
   <p:cSld>
     <p:spTree>
@@ -4543,7 +4421,7 @@
 </p:notes>
 </file>
 
-<file path=ppt/notesSlides/notesSlide33.xml><?xml version="1.0" encoding="utf-8"?>
+<file path=ppt/notesSlides/notesSlide32.xml><?xml version="1.0" encoding="utf-8"?>
 <p:notes xmlns:a="http://schemas.openxmlformats.org/drawingml/2006/main" xmlns:r="http://schemas.openxmlformats.org/officeDocument/2006/relationships" xmlns:p="http://schemas.openxmlformats.org/presentationml/2006/main">
   <p:cSld>
     <p:spTree>
@@ -4656,7 +4534,7 @@
 </p:notes>
 </file>
 
-<file path=ppt/notesSlides/notesSlide34.xml><?xml version="1.0" encoding="utf-8"?>
+<file path=ppt/notesSlides/notesSlide33.xml><?xml version="1.0" encoding="utf-8"?>
 <p:notes xmlns:a="http://schemas.openxmlformats.org/drawingml/2006/main" xmlns:r="http://schemas.openxmlformats.org/officeDocument/2006/relationships" xmlns:p="http://schemas.openxmlformats.org/presentationml/2006/main">
   <p:cSld>
     <p:spTree>
@@ -4769,7 +4647,7 @@
 </p:notes>
 </file>
 
-<file path=ppt/notesSlides/notesSlide35.xml><?xml version="1.0" encoding="utf-8"?>
+<file path=ppt/notesSlides/notesSlide34.xml><?xml version="1.0" encoding="utf-8"?>
 <p:notes xmlns:a="http://schemas.openxmlformats.org/drawingml/2006/main" xmlns:r="http://schemas.openxmlformats.org/officeDocument/2006/relationships" xmlns:p="http://schemas.openxmlformats.org/presentationml/2006/main">
   <p:cSld>
     <p:spTree>
@@ -4882,7 +4760,7 @@
 </p:notes>
 </file>
 
-<file path=ppt/notesSlides/notesSlide36.xml><?xml version="1.0" encoding="utf-8"?>
+<file path=ppt/notesSlides/notesSlide35.xml><?xml version="1.0" encoding="utf-8"?>
 <p:notes xmlns:a="http://schemas.openxmlformats.org/drawingml/2006/main" xmlns:r="http://schemas.openxmlformats.org/officeDocument/2006/relationships" xmlns:p="http://schemas.openxmlformats.org/presentationml/2006/main">
   <p:cSld>
     <p:spTree>
@@ -4995,7 +4873,7 @@
 </p:notes>
 </file>
 
-<file path=ppt/notesSlides/notesSlide37.xml><?xml version="1.0" encoding="utf-8"?>
+<file path=ppt/notesSlides/notesSlide36.xml><?xml version="1.0" encoding="utf-8"?>
 <p:notes xmlns:a="http://schemas.openxmlformats.org/drawingml/2006/main" xmlns:r="http://schemas.openxmlformats.org/officeDocument/2006/relationships" xmlns:p="http://schemas.openxmlformats.org/presentationml/2006/main">
   <p:cSld>
     <p:spTree>
@@ -5108,7 +4986,7 @@
 </p:notes>
 </file>
 
-<file path=ppt/notesSlides/notesSlide38.xml><?xml version="1.0" encoding="utf-8"?>
+<file path=ppt/notesSlides/notesSlide37.xml><?xml version="1.0" encoding="utf-8"?>
 <p:notes xmlns:a="http://schemas.openxmlformats.org/drawingml/2006/main" xmlns:r="http://schemas.openxmlformats.org/officeDocument/2006/relationships" xmlns:p="http://schemas.openxmlformats.org/presentationml/2006/main">
   <p:cSld>
     <p:spTree>
@@ -5221,7 +5099,7 @@
 </p:notes>
 </file>
 
-<file path=ppt/notesSlides/notesSlide39.xml><?xml version="1.0" encoding="utf-8"?>
+<file path=ppt/notesSlides/notesSlide38.xml><?xml version="1.0" encoding="utf-8"?>
 <p:notes xmlns:a="http://schemas.openxmlformats.org/drawingml/2006/main" xmlns:r="http://schemas.openxmlformats.org/officeDocument/2006/relationships" xmlns:p="http://schemas.openxmlformats.org/presentationml/2006/main">
   <p:cSld>
     <p:spTree>
@@ -5547,128 +5425,7 @@
 </p:notes>
 </file>
 
-<file path=ppt/notesSlides/notesSlide4.xml><?xml version="1.0" encoding="utf-8"?>
-<p:notes xmlns:a="http://schemas.openxmlformats.org/drawingml/2006/main" xmlns:r="http://schemas.openxmlformats.org/officeDocument/2006/relationships" xmlns:p="http://schemas.openxmlformats.org/presentationml/2006/main">
-  <p:cSld>
-    <p:spTree>
-      <p:nvGrpSpPr>
-        <p:cNvPr id="1" name=""/>
-        <p:cNvGrpSpPr/>
-        <p:nvPr/>
-      </p:nvGrpSpPr>
-      <p:grpSpPr>
-        <a:xfrm>
-          <a:off x="0" y="0"/>
-          <a:ext cx="0" cy="0"/>
-          <a:chOff x="0" y="0"/>
-          <a:chExt cx="0" cy="0"/>
-        </a:xfrm>
-      </p:grpSpPr>
-      <p:sp>
-        <p:nvSpPr>
-          <p:cNvPr id="51201" name="Slide Image Placeholder 1"/>
-          <p:cNvSpPr>
-            <a:spLocks noGrp="1" noRot="1" noChangeAspect="1"/>
-          </p:cNvSpPr>
-          <p:nvPr>
-            <p:ph type="sldImg"/>
-          </p:nvPr>
-        </p:nvSpPr>
-        <p:spPr bwMode="auto">
-          <a:noFill/>
-          <a:ln>
-            <a:solidFill>
-              <a:srgbClr val="000000"/>
-            </a:solidFill>
-            <a:miter lim="800000"/>
-            <a:headEnd/>
-            <a:tailEnd/>
-          </a:ln>
-          <a:extLst>
-            <a:ext uri="{909E8E84-426E-40dd-AFC4-6F175D3DCCD1}">
-              <a14:hiddenFill xmlns:a14="http://schemas.microsoft.com/office/drawing/2010/main" xmlns="">
-                <a:solidFill>
-                  <a:srgbClr val="FFFFFF"/>
-                </a:solidFill>
-              </a14:hiddenFill>
-            </a:ext>
-            <a:ext uri="{FAA26D3D-D897-4be2-8F04-BA451C77F1D7}">
-              <ma14:placeholderFlag xmlns:ma14="http://schemas.microsoft.com/office/mac/drawingml/2011/main" xmlns="" val="1"/>
-            </a:ext>
-          </a:extLst>
-        </p:spPr>
-      </p:sp>
-      <p:sp>
-        <p:nvSpPr>
-          <p:cNvPr id="51202" name="Notes Placeholder 2"/>
-          <p:cNvSpPr>
-            <a:spLocks noGrp="1"/>
-          </p:cNvSpPr>
-          <p:nvPr>
-            <p:ph type="body" idx="1"/>
-          </p:nvPr>
-        </p:nvSpPr>
-        <p:spPr bwMode="auto">
-          <a:noFill/>
-          <a:extLst>
-            <a:ext uri="{909E8E84-426E-40dd-AFC4-6F175D3DCCD1}">
-              <a14:hiddenFill xmlns:a14="http://schemas.microsoft.com/office/drawing/2010/main" xmlns="">
-                <a:solidFill>
-                  <a:srgbClr val="FFFFFF"/>
-                </a:solidFill>
-              </a14:hiddenFill>
-            </a:ext>
-            <a:ext uri="{91240B29-F687-4f45-9708-019B960494DF}">
-              <a14:hiddenLine xmlns:a14="http://schemas.microsoft.com/office/drawing/2010/main" xmlns="" w="9525">
-                <a:solidFill>
-                  <a:srgbClr val="000000"/>
-                </a:solidFill>
-                <a:miter lim="800000"/>
-                <a:headEnd/>
-                <a:tailEnd/>
-              </a14:hiddenLine>
-            </a:ext>
-          </a:extLst>
-        </p:spPr>
-        <p:txBody>
-          <a:bodyPr wrap="square" numCol="1" anchor="t" anchorCtr="0" compatLnSpc="1">
-            <a:prstTxWarp prst="textNoShape">
-              <a:avLst/>
-            </a:prstTxWarp>
-          </a:bodyPr>
-          <a:lstStyle/>
-          <a:p>
-            <a:pPr>
-              <a:spcBef>
-                <a:spcPct val="0"/>
-              </a:spcBef>
-            </a:pPr>
-            <a:r>
-              <a:rPr lang="en-US" dirty="0">
-                <a:hlinkClick r:id="rId3"/>
-              </a:rPr>
-              <a:t>https://mangarock.com/manga/mrs-serie-154427</a:t>
-            </a:r>
-            <a:endParaRPr lang="en-US" dirty="0">
-              <a:latin typeface="BentonSans Book" charset="0"/>
-            </a:endParaRPr>
-          </a:p>
-        </p:txBody>
-      </p:sp>
-    </p:spTree>
-    <p:extLst>
-      <p:ext uri="{BB962C8B-B14F-4D97-AF65-F5344CB8AC3E}">
-        <p14:creationId xmlns:p14="http://schemas.microsoft.com/office/powerpoint/2010/main" val="3777176415"/>
-      </p:ext>
-    </p:extLst>
-  </p:cSld>
-  <p:clrMapOvr>
-    <a:masterClrMapping/>
-  </p:clrMapOvr>
-</p:notes>
-</file>
-
-<file path=ppt/notesSlides/notesSlide40.xml><?xml version="1.0" encoding="utf-8"?>
+<file path=ppt/notesSlides/notesSlide39.xml><?xml version="1.0" encoding="utf-8"?>
 <p:notes xmlns:a="http://schemas.openxmlformats.org/drawingml/2006/main" xmlns:r="http://schemas.openxmlformats.org/officeDocument/2006/relationships" xmlns:p="http://schemas.openxmlformats.org/presentationml/2006/main">
   <p:cSld>
     <p:spTree>
@@ -6158,7 +5915,128 @@
 </p:notes>
 </file>
 
-<file path=ppt/notesSlides/notesSlide41.xml><?xml version="1.0" encoding="utf-8"?>
+<file path=ppt/notesSlides/notesSlide4.xml><?xml version="1.0" encoding="utf-8"?>
+<p:notes xmlns:a="http://schemas.openxmlformats.org/drawingml/2006/main" xmlns:r="http://schemas.openxmlformats.org/officeDocument/2006/relationships" xmlns:p="http://schemas.openxmlformats.org/presentationml/2006/main">
+  <p:cSld>
+    <p:spTree>
+      <p:nvGrpSpPr>
+        <p:cNvPr id="1" name=""/>
+        <p:cNvGrpSpPr/>
+        <p:nvPr/>
+      </p:nvGrpSpPr>
+      <p:grpSpPr>
+        <a:xfrm>
+          <a:off x="0" y="0"/>
+          <a:ext cx="0" cy="0"/>
+          <a:chOff x="0" y="0"/>
+          <a:chExt cx="0" cy="0"/>
+        </a:xfrm>
+      </p:grpSpPr>
+      <p:sp>
+        <p:nvSpPr>
+          <p:cNvPr id="51201" name="Slide Image Placeholder 1"/>
+          <p:cNvSpPr>
+            <a:spLocks noGrp="1" noRot="1" noChangeAspect="1"/>
+          </p:cNvSpPr>
+          <p:nvPr>
+            <p:ph type="sldImg"/>
+          </p:nvPr>
+        </p:nvSpPr>
+        <p:spPr bwMode="auto">
+          <a:noFill/>
+          <a:ln>
+            <a:solidFill>
+              <a:srgbClr val="000000"/>
+            </a:solidFill>
+            <a:miter lim="800000"/>
+            <a:headEnd/>
+            <a:tailEnd/>
+          </a:ln>
+          <a:extLst>
+            <a:ext uri="{909E8E84-426E-40dd-AFC4-6F175D3DCCD1}">
+              <a14:hiddenFill xmlns:a14="http://schemas.microsoft.com/office/drawing/2010/main" xmlns="">
+                <a:solidFill>
+                  <a:srgbClr val="FFFFFF"/>
+                </a:solidFill>
+              </a14:hiddenFill>
+            </a:ext>
+            <a:ext uri="{FAA26D3D-D897-4be2-8F04-BA451C77F1D7}">
+              <ma14:placeholderFlag xmlns:ma14="http://schemas.microsoft.com/office/mac/drawingml/2011/main" xmlns="" val="1"/>
+            </a:ext>
+          </a:extLst>
+        </p:spPr>
+      </p:sp>
+      <p:sp>
+        <p:nvSpPr>
+          <p:cNvPr id="51202" name="Notes Placeholder 2"/>
+          <p:cNvSpPr>
+            <a:spLocks noGrp="1"/>
+          </p:cNvSpPr>
+          <p:nvPr>
+            <p:ph type="body" idx="1"/>
+          </p:nvPr>
+        </p:nvSpPr>
+        <p:spPr bwMode="auto">
+          <a:noFill/>
+          <a:extLst>
+            <a:ext uri="{909E8E84-426E-40dd-AFC4-6F175D3DCCD1}">
+              <a14:hiddenFill xmlns:a14="http://schemas.microsoft.com/office/drawing/2010/main" xmlns="">
+                <a:solidFill>
+                  <a:srgbClr val="FFFFFF"/>
+                </a:solidFill>
+              </a14:hiddenFill>
+            </a:ext>
+            <a:ext uri="{91240B29-F687-4f45-9708-019B960494DF}">
+              <a14:hiddenLine xmlns:a14="http://schemas.microsoft.com/office/drawing/2010/main" xmlns="" w="9525">
+                <a:solidFill>
+                  <a:srgbClr val="000000"/>
+                </a:solidFill>
+                <a:miter lim="800000"/>
+                <a:headEnd/>
+                <a:tailEnd/>
+              </a14:hiddenLine>
+            </a:ext>
+          </a:extLst>
+        </p:spPr>
+        <p:txBody>
+          <a:bodyPr wrap="square" numCol="1" anchor="t" anchorCtr="0" compatLnSpc="1">
+            <a:prstTxWarp prst="textNoShape">
+              <a:avLst/>
+            </a:prstTxWarp>
+          </a:bodyPr>
+          <a:lstStyle/>
+          <a:p>
+            <a:pPr>
+              <a:spcBef>
+                <a:spcPct val="0"/>
+              </a:spcBef>
+            </a:pPr>
+            <a:r>
+              <a:rPr lang="en-US" dirty="0">
+                <a:hlinkClick r:id="rId3"/>
+              </a:rPr>
+              <a:t>https://mangarock.com/manga/mrs-serie-154427</a:t>
+            </a:r>
+            <a:endParaRPr lang="en-US" dirty="0">
+              <a:latin typeface="BentonSans Book" charset="0"/>
+            </a:endParaRPr>
+          </a:p>
+        </p:txBody>
+      </p:sp>
+    </p:spTree>
+    <p:extLst>
+      <p:ext uri="{BB962C8B-B14F-4D97-AF65-F5344CB8AC3E}">
+        <p14:creationId xmlns:p14="http://schemas.microsoft.com/office/powerpoint/2010/main" val="3777176415"/>
+      </p:ext>
+    </p:extLst>
+  </p:cSld>
+  <p:clrMapOvr>
+    <a:masterClrMapping/>
+  </p:clrMapOvr>
+</p:notes>
+</file>
+
+<file path=ppt/notesSlides/notesSlide40.xml><?xml version="1.0" encoding="utf-8"?>
 <p:notes xmlns:a="http://schemas.openxmlformats.org/drawingml/2006/main" xmlns:r="http://schemas.openxmlformats.org/officeDocument/2006/relationships" xmlns:p="http://schemas.openxmlformats.org/presentationml/2006/main">
   <p:cSld>
     <p:spTree>
@@ -6648,7 +6526,7 @@
 </p:notes>
 </file>
 
-<file path=ppt/notesSlides/notesSlide42.xml><?xml version="1.0" encoding="utf-8"?>
+<file path=ppt/notesSlides/notesSlide41.xml><?xml version="1.0" encoding="utf-8"?>
 <p:notes xmlns:a="http://schemas.openxmlformats.org/drawingml/2006/main" xmlns:r="http://schemas.openxmlformats.org/officeDocument/2006/relationships" xmlns:p="http://schemas.openxmlformats.org/presentationml/2006/main">
   <p:cSld>
     <p:spTree>
@@ -7138,7 +7016,7 @@
 </p:notes>
 </file>
 
-<file path=ppt/notesSlides/notesSlide43.xml><?xml version="1.0" encoding="utf-8"?>
+<file path=ppt/notesSlides/notesSlide42.xml><?xml version="1.0" encoding="utf-8"?>
 <p:notes xmlns:a="http://schemas.openxmlformats.org/drawingml/2006/main" xmlns:r="http://schemas.openxmlformats.org/officeDocument/2006/relationships" xmlns:p="http://schemas.openxmlformats.org/presentationml/2006/main">
   <p:cSld>
     <p:spTree>
@@ -7628,7 +7506,7 @@
 </p:notes>
 </file>
 
-<file path=ppt/notesSlides/notesSlide44.xml><?xml version="1.0" encoding="utf-8"?>
+<file path=ppt/notesSlides/notesSlide43.xml><?xml version="1.0" encoding="utf-8"?>
 <p:notes xmlns:a="http://schemas.openxmlformats.org/drawingml/2006/main" xmlns:r="http://schemas.openxmlformats.org/officeDocument/2006/relationships" xmlns:p="http://schemas.openxmlformats.org/presentationml/2006/main">
   <p:cSld>
     <p:spTree>
@@ -8118,7 +7996,7 @@
 </p:notes>
 </file>
 
-<file path=ppt/notesSlides/notesSlide45.xml><?xml version="1.0" encoding="utf-8"?>
+<file path=ppt/notesSlides/notesSlide44.xml><?xml version="1.0" encoding="utf-8"?>
 <p:notes xmlns:a="http://schemas.openxmlformats.org/drawingml/2006/main" xmlns:r="http://schemas.openxmlformats.org/officeDocument/2006/relationships" xmlns:p="http://schemas.openxmlformats.org/presentationml/2006/main">
   <p:cSld>
     <p:spTree>
@@ -8608,7 +8486,7 @@
 </p:notes>
 </file>
 
-<file path=ppt/notesSlides/notesSlide46.xml><?xml version="1.0" encoding="utf-8"?>
+<file path=ppt/notesSlides/notesSlide45.xml><?xml version="1.0" encoding="utf-8"?>
 <p:notes xmlns:a="http://schemas.openxmlformats.org/drawingml/2006/main" xmlns:r="http://schemas.openxmlformats.org/officeDocument/2006/relationships" xmlns:p="http://schemas.openxmlformats.org/presentationml/2006/main">
   <p:cSld>
     <p:spTree>
@@ -8726,7 +8604,7 @@
 </p:notes>
 </file>
 
-<file path=ppt/notesSlides/notesSlide47.xml><?xml version="1.0" encoding="utf-8"?>
+<file path=ppt/notesSlides/notesSlide46.xml><?xml version="1.0" encoding="utf-8"?>
 <p:notes xmlns:a="http://schemas.openxmlformats.org/drawingml/2006/main" xmlns:r="http://schemas.openxmlformats.org/officeDocument/2006/relationships" xmlns:p="http://schemas.openxmlformats.org/presentationml/2006/main">
   <p:cSld>
     <p:spTree>
@@ -13383,125 +13261,6 @@
         </p:nvSpPr>
         <p:spPr>
           <a:xfrm>
-            <a:off x="861432" y="1120700"/>
-            <a:ext cx="12907536" cy="4670189"/>
-          </a:xfrm>
-        </p:spPr>
-        <p:txBody>
-          <a:bodyPr/>
-          <a:lstStyle/>
-          <a:p>
-            <a:pPr algn="ctr"/>
-            <a:r>
-              <a:rPr lang="en-US" dirty="0"/>
-              <a:t>“The Hadoop and Big Data Market are projected to grow from $17.1B in 2017 to $99.31B in 2022 attaining a 28.5% CAGR. The greatest period of projected growth is in 2021 and 2022 when the market is projected to jump $30B in value in one year. Source: </a:t>
-            </a:r>
-            <a:r>
-              <a:rPr lang="en-US" dirty="0" err="1"/>
-              <a:t>StrategyMRC</a:t>
-            </a:r>
-            <a:r>
-              <a:rPr lang="en-US" dirty="0"/>
-              <a:t> and reported by Statista.”</a:t>
-            </a:r>
-          </a:p>
-        </p:txBody>
-      </p:sp>
-      <p:sp>
-        <p:nvSpPr>
-          <p:cNvPr id="3" name="Text Placeholder 2"/>
-          <p:cNvSpPr>
-            <a:spLocks noGrp="1"/>
-          </p:cNvSpPr>
-          <p:nvPr>
-            <p:ph type="body" sz="quarter" idx="11"/>
-          </p:nvPr>
-        </p:nvSpPr>
-        <p:spPr>
-          <a:xfrm>
-            <a:off x="3276600" y="5861243"/>
-            <a:ext cx="8077200" cy="276225"/>
-          </a:xfrm>
-        </p:spPr>
-        <p:txBody>
-          <a:bodyPr/>
-          <a:lstStyle/>
-          <a:p>
-            <a:pPr defTabSz="1306221" fontAlgn="auto">
-              <a:spcAft>
-                <a:spcPts val="0"/>
-              </a:spcAft>
-              <a:buFont typeface="Arial" panose="020B0604020202020204" pitchFamily="34" charset="0"/>
-              <a:buNone/>
-              <a:defRPr/>
-            </a:pPr>
-            <a:r>
-              <a:rPr lang="en-US" sz="1800" dirty="0">
-                <a:ea typeface="+mn-ea"/>
-              </a:rPr>
-              <a:t>Louis Columbus, </a:t>
-            </a:r>
-            <a:r>
-              <a:rPr lang="en-US" sz="1800" dirty="0">
-                <a:ea typeface="+mn-ea"/>
-                <a:hlinkClick r:id="rId3"/>
-              </a:rPr>
-              <a:t>Forbes</a:t>
-            </a:r>
-            <a:r>
-              <a:rPr lang="en-US" sz="1800" dirty="0">
-                <a:ea typeface="+mn-ea"/>
-              </a:rPr>
-              <a:t>, 2018</a:t>
-            </a:r>
-          </a:p>
-        </p:txBody>
-      </p:sp>
-    </p:spTree>
-    <p:extLst>
-      <p:ext uri="{BB962C8B-B14F-4D97-AF65-F5344CB8AC3E}">
-        <p14:creationId xmlns:p14="http://schemas.microsoft.com/office/powerpoint/2010/main" val="3983564150"/>
-      </p:ext>
-    </p:extLst>
-  </p:cSld>
-  <p:clrMapOvr>
-    <a:masterClrMapping/>
-  </p:clrMapOvr>
-  <p:transition spd="slow">
-    <p:cover/>
-  </p:transition>
-</p:sld>
-</file>
-
-<file path=ppt/slides/slide17.xml><?xml version="1.0" encoding="utf-8"?>
-<p:sld xmlns:a="http://schemas.openxmlformats.org/drawingml/2006/main" xmlns:r="http://schemas.openxmlformats.org/officeDocument/2006/relationships" xmlns:p="http://schemas.openxmlformats.org/presentationml/2006/main">
-  <p:cSld>
-    <p:spTree>
-      <p:nvGrpSpPr>
-        <p:cNvPr id="1" name=""/>
-        <p:cNvGrpSpPr/>
-        <p:nvPr/>
-      </p:nvGrpSpPr>
-      <p:grpSpPr>
-        <a:xfrm>
-          <a:off x="0" y="0"/>
-          <a:ext cx="0" cy="0"/>
-          <a:chOff x="0" y="0"/>
-          <a:chExt cx="0" cy="0"/>
-        </a:xfrm>
-      </p:grpSpPr>
-      <p:sp>
-        <p:nvSpPr>
-          <p:cNvPr id="16385" name="Title 1"/>
-          <p:cNvSpPr>
-            <a:spLocks noGrp="1"/>
-          </p:cNvSpPr>
-          <p:nvPr>
-            <p:ph type="title"/>
-          </p:nvPr>
-        </p:nvSpPr>
-        <p:spPr>
-          <a:xfrm>
             <a:off x="861432" y="3278458"/>
             <a:ext cx="12907536" cy="1346202"/>
           </a:xfrm>
@@ -13577,7 +13336,7 @@
 </p:sld>
 </file>
 
-<file path=ppt/slides/slide18.xml><?xml version="1.0" encoding="utf-8"?>
+<file path=ppt/slides/slide17.xml><?xml version="1.0" encoding="utf-8"?>
 <p:sld xmlns:a="http://schemas.openxmlformats.org/drawingml/2006/main" xmlns:r="http://schemas.openxmlformats.org/officeDocument/2006/relationships" xmlns:p="http://schemas.openxmlformats.org/presentationml/2006/main">
   <p:cSld>
     <p:spTree>
@@ -14381,7 +14140,7 @@
 </p:sld>
 </file>
 
-<file path=ppt/slides/slide19.xml><?xml version="1.0" encoding="utf-8"?>
+<file path=ppt/slides/slide18.xml><?xml version="1.0" encoding="utf-8"?>
 <p:sld xmlns:a="http://schemas.openxmlformats.org/drawingml/2006/main" xmlns:r="http://schemas.openxmlformats.org/officeDocument/2006/relationships" xmlns:p="http://schemas.openxmlformats.org/presentationml/2006/main">
   <p:cSld>
     <p:spTree>
@@ -15250,6 +15009,71 @@
 </p:sld>
 </file>
 
+<file path=ppt/slides/slide19.xml><?xml version="1.0" encoding="utf-8"?>
+<p:sld xmlns:a="http://schemas.openxmlformats.org/drawingml/2006/main" xmlns:r="http://schemas.openxmlformats.org/officeDocument/2006/relationships" xmlns:p="http://schemas.openxmlformats.org/presentationml/2006/main">
+  <p:cSld>
+    <p:spTree>
+      <p:nvGrpSpPr>
+        <p:cNvPr id="1" name=""/>
+        <p:cNvGrpSpPr/>
+        <p:nvPr/>
+      </p:nvGrpSpPr>
+      <p:grpSpPr>
+        <a:xfrm>
+          <a:off x="0" y="0"/>
+          <a:ext cx="0" cy="0"/>
+          <a:chOff x="0" y="0"/>
+          <a:chExt cx="0" cy="0"/>
+        </a:xfrm>
+      </p:grpSpPr>
+      <p:sp>
+        <p:nvSpPr>
+          <p:cNvPr id="7169" name="Title 1"/>
+          <p:cNvSpPr>
+            <a:spLocks noGrp="1"/>
+          </p:cNvSpPr>
+          <p:nvPr>
+            <p:ph type="title" idx="4294967295"/>
+          </p:nvPr>
+        </p:nvSpPr>
+        <p:spPr>
+          <a:xfrm>
+            <a:off x="704850" y="1811338"/>
+            <a:ext cx="13274675" cy="577081"/>
+          </a:xfrm>
+        </p:spPr>
+        <p:txBody>
+          <a:bodyPr/>
+          <a:lstStyle/>
+          <a:p>
+            <a:r>
+              <a:rPr lang="en-US" dirty="0">
+                <a:solidFill>
+                  <a:srgbClr val="4C4C4C"/>
+                </a:solidFill>
+                <a:latin typeface="BentonSans Book" charset="0"/>
+              </a:rPr>
+              <a:t>Why Data Matters – Three Examples</a:t>
+            </a:r>
+          </a:p>
+        </p:txBody>
+      </p:sp>
+    </p:spTree>
+    <p:extLst>
+      <p:ext uri="{BB962C8B-B14F-4D97-AF65-F5344CB8AC3E}">
+        <p14:creationId xmlns:p14="http://schemas.microsoft.com/office/powerpoint/2010/main" val="3038465581"/>
+      </p:ext>
+    </p:extLst>
+  </p:cSld>
+  <p:clrMapOvr>
+    <a:masterClrMapping/>
+  </p:clrMapOvr>
+  <p:transition spd="slow">
+    <p:push dir="u"/>
+  </p:transition>
+</p:sld>
+</file>
+
 <file path=ppt/slides/slide2.xml><?xml version="1.0" encoding="utf-8"?>
 <p:sld xmlns:a="http://schemas.openxmlformats.org/drawingml/2006/main" xmlns:r="http://schemas.openxmlformats.org/officeDocument/2006/relationships" xmlns:p="http://schemas.openxmlformats.org/presentationml/2006/main">
   <p:cSld>
@@ -15316,71 +15140,6 @@
 </file>
 
 <file path=ppt/slides/slide20.xml><?xml version="1.0" encoding="utf-8"?>
-<p:sld xmlns:a="http://schemas.openxmlformats.org/drawingml/2006/main" xmlns:r="http://schemas.openxmlformats.org/officeDocument/2006/relationships" xmlns:p="http://schemas.openxmlformats.org/presentationml/2006/main">
-  <p:cSld>
-    <p:spTree>
-      <p:nvGrpSpPr>
-        <p:cNvPr id="1" name=""/>
-        <p:cNvGrpSpPr/>
-        <p:nvPr/>
-      </p:nvGrpSpPr>
-      <p:grpSpPr>
-        <a:xfrm>
-          <a:off x="0" y="0"/>
-          <a:ext cx="0" cy="0"/>
-          <a:chOff x="0" y="0"/>
-          <a:chExt cx="0" cy="0"/>
-        </a:xfrm>
-      </p:grpSpPr>
-      <p:sp>
-        <p:nvSpPr>
-          <p:cNvPr id="7169" name="Title 1"/>
-          <p:cNvSpPr>
-            <a:spLocks noGrp="1"/>
-          </p:cNvSpPr>
-          <p:nvPr>
-            <p:ph type="title" idx="4294967295"/>
-          </p:nvPr>
-        </p:nvSpPr>
-        <p:spPr>
-          <a:xfrm>
-            <a:off x="704850" y="1811338"/>
-            <a:ext cx="13274675" cy="577081"/>
-          </a:xfrm>
-        </p:spPr>
-        <p:txBody>
-          <a:bodyPr/>
-          <a:lstStyle/>
-          <a:p>
-            <a:r>
-              <a:rPr lang="en-US" dirty="0">
-                <a:solidFill>
-                  <a:srgbClr val="4C4C4C"/>
-                </a:solidFill>
-                <a:latin typeface="BentonSans Book" charset="0"/>
-              </a:rPr>
-              <a:t>Why Data Matters – Three Examples</a:t>
-            </a:r>
-          </a:p>
-        </p:txBody>
-      </p:sp>
-    </p:spTree>
-    <p:extLst>
-      <p:ext uri="{BB962C8B-B14F-4D97-AF65-F5344CB8AC3E}">
-        <p14:creationId xmlns:p14="http://schemas.microsoft.com/office/powerpoint/2010/main" val="3038465581"/>
-      </p:ext>
-    </p:extLst>
-  </p:cSld>
-  <p:clrMapOvr>
-    <a:masterClrMapping/>
-  </p:clrMapOvr>
-  <p:transition spd="slow">
-    <p:push dir="u"/>
-  </p:transition>
-</p:sld>
-</file>
-
-<file path=ppt/slides/slide21.xml><?xml version="1.0" encoding="utf-8"?>
 <p:sld xmlns:a="http://schemas.openxmlformats.org/drawingml/2006/main" xmlns:r="http://schemas.openxmlformats.org/officeDocument/2006/relationships" xmlns:p="http://schemas.openxmlformats.org/presentationml/2006/main">
   <p:cSld>
     <p:spTree>
@@ -15674,258 +15433,14 @@
                             </p:stCondLst>
                             <p:childTnLst>
                               <p:par>
-                                <p:cTn id="10" presetID="10" presetClass="entr" presetSubtype="0" fill="hold" grpId="0" nodeType="clickEffect">
-                                  <p:stCondLst>
-                                    <p:cond delay="0"/>
-                                  </p:stCondLst>
-                                  <p:childTnLst>
-                                    <p:set>
-                                      <p:cBhvr>
-                                        <p:cTn id="11" dur="1" fill="hold">
-                                          <p:stCondLst>
-                                            <p:cond delay="0"/>
-                                          </p:stCondLst>
-                                        </p:cTn>
-                                        <p:tgtEl>
-                                          <p:spTgt spid="4">
-                                            <p:txEl>
-                                              <p:pRg st="1" end="1"/>
-                                            </p:txEl>
-                                          </p:spTgt>
-                                        </p:tgtEl>
-                                        <p:attrNameLst>
-                                          <p:attrName>style.visibility</p:attrName>
-                                        </p:attrNameLst>
-                                      </p:cBhvr>
-                                      <p:to>
-                                        <p:strVal val="visible"/>
-                                      </p:to>
-                                    </p:set>
-                                    <p:animEffect transition="in" filter="fade">
-                                      <p:cBhvr>
-                                        <p:cTn id="12" dur="500"/>
-                                        <p:tgtEl>
-                                          <p:spTgt spid="4">
-                                            <p:txEl>
-                                              <p:pRg st="1" end="1"/>
-                                            </p:txEl>
-                                          </p:spTgt>
-                                        </p:tgtEl>
-                                      </p:cBhvr>
-                                    </p:animEffect>
-                                  </p:childTnLst>
-                                </p:cTn>
-                              </p:par>
-                            </p:childTnLst>
-                          </p:cTn>
-                        </p:par>
-                      </p:childTnLst>
-                    </p:cTn>
-                  </p:par>
-                  <p:par>
-                    <p:cTn id="13" fill="hold">
-                      <p:stCondLst>
-                        <p:cond delay="indefinite"/>
-                      </p:stCondLst>
-                      <p:childTnLst>
-                        <p:par>
-                          <p:cTn id="14" fill="hold">
-                            <p:stCondLst>
-                              <p:cond delay="0"/>
-                            </p:stCondLst>
-                            <p:childTnLst>
-                              <p:par>
-                                <p:cTn id="15" presetID="10" presetClass="entr" presetSubtype="0" fill="hold" grpId="0" nodeType="clickEffect">
-                                  <p:stCondLst>
-                                    <p:cond delay="0"/>
-                                  </p:stCondLst>
-                                  <p:childTnLst>
-                                    <p:set>
-                                      <p:cBhvr>
-                                        <p:cTn id="16" dur="1" fill="hold">
-                                          <p:stCondLst>
-                                            <p:cond delay="0"/>
-                                          </p:stCondLst>
-                                        </p:cTn>
-                                        <p:tgtEl>
-                                          <p:spTgt spid="4">
-                                            <p:txEl>
-                                              <p:pRg st="2" end="2"/>
-                                            </p:txEl>
-                                          </p:spTgt>
-                                        </p:tgtEl>
-                                        <p:attrNameLst>
-                                          <p:attrName>style.visibility</p:attrName>
-                                        </p:attrNameLst>
-                                      </p:cBhvr>
-                                      <p:to>
-                                        <p:strVal val="visible"/>
-                                      </p:to>
-                                    </p:set>
-                                    <p:animEffect transition="in" filter="fade">
-                                      <p:cBhvr>
-                                        <p:cTn id="17" dur="500"/>
-                                        <p:tgtEl>
-                                          <p:spTgt spid="4">
-                                            <p:txEl>
-                                              <p:pRg st="2" end="2"/>
-                                            </p:txEl>
-                                          </p:spTgt>
-                                        </p:tgtEl>
-                                      </p:cBhvr>
-                                    </p:animEffect>
-                                  </p:childTnLst>
-                                </p:cTn>
-                              </p:par>
-                            </p:childTnLst>
-                          </p:cTn>
-                        </p:par>
-                      </p:childTnLst>
-                    </p:cTn>
-                  </p:par>
-                  <p:par>
-                    <p:cTn id="18" fill="hold">
-                      <p:stCondLst>
-                        <p:cond delay="indefinite"/>
-                      </p:stCondLst>
-                      <p:childTnLst>
-                        <p:par>
-                          <p:cTn id="19" fill="hold">
-                            <p:stCondLst>
-                              <p:cond delay="0"/>
-                            </p:stCondLst>
-                            <p:childTnLst>
-                              <p:par>
-                                <p:cTn id="20" presetID="10" presetClass="entr" presetSubtype="0" fill="hold" grpId="0" nodeType="clickEffect">
-                                  <p:stCondLst>
-                                    <p:cond delay="0"/>
-                                  </p:stCondLst>
-                                  <p:childTnLst>
-                                    <p:set>
-                                      <p:cBhvr>
-                                        <p:cTn id="21" dur="1" fill="hold">
-                                          <p:stCondLst>
-                                            <p:cond delay="0"/>
-                                          </p:stCondLst>
-                                        </p:cTn>
-                                        <p:tgtEl>
-                                          <p:spTgt spid="4">
-                                            <p:txEl>
-                                              <p:pRg st="3" end="3"/>
-                                            </p:txEl>
-                                          </p:spTgt>
-                                        </p:tgtEl>
-                                        <p:attrNameLst>
-                                          <p:attrName>style.visibility</p:attrName>
-                                        </p:attrNameLst>
-                                      </p:cBhvr>
-                                      <p:to>
-                                        <p:strVal val="visible"/>
-                                      </p:to>
-                                    </p:set>
-                                    <p:animEffect transition="in" filter="fade">
-                                      <p:cBhvr>
-                                        <p:cTn id="22" dur="500"/>
-                                        <p:tgtEl>
-                                          <p:spTgt spid="4">
-                                            <p:txEl>
-                                              <p:pRg st="3" end="3"/>
-                                            </p:txEl>
-                                          </p:spTgt>
-                                        </p:tgtEl>
-                                      </p:cBhvr>
-                                    </p:animEffect>
-                                  </p:childTnLst>
-                                </p:cTn>
-                              </p:par>
-                            </p:childTnLst>
-                          </p:cTn>
-                        </p:par>
-                      </p:childTnLst>
-                    </p:cTn>
-                  </p:par>
-                  <p:par>
-                    <p:cTn id="23" fill="hold">
-                      <p:stCondLst>
-                        <p:cond delay="indefinite"/>
-                      </p:stCondLst>
-                      <p:childTnLst>
-                        <p:par>
-                          <p:cTn id="24" fill="hold">
-                            <p:stCondLst>
-                              <p:cond delay="0"/>
-                            </p:stCondLst>
-                            <p:childTnLst>
-                              <p:par>
-                                <p:cTn id="25" presetID="10" presetClass="entr" presetSubtype="0" fill="hold" grpId="0" nodeType="clickEffect">
-                                  <p:stCondLst>
-                                    <p:cond delay="0"/>
-                                  </p:stCondLst>
-                                  <p:childTnLst>
-                                    <p:set>
-                                      <p:cBhvr>
-                                        <p:cTn id="26" dur="1" fill="hold">
-                                          <p:stCondLst>
-                                            <p:cond delay="0"/>
-                                          </p:stCondLst>
-                                        </p:cTn>
-                                        <p:tgtEl>
-                                          <p:spTgt spid="4">
-                                            <p:txEl>
-                                              <p:pRg st="4" end="4"/>
-                                            </p:txEl>
-                                          </p:spTgt>
-                                        </p:tgtEl>
-                                        <p:attrNameLst>
-                                          <p:attrName>style.visibility</p:attrName>
-                                        </p:attrNameLst>
-                                      </p:cBhvr>
-                                      <p:to>
-                                        <p:strVal val="visible"/>
-                                      </p:to>
-                                    </p:set>
-                                    <p:animEffect transition="in" filter="fade">
-                                      <p:cBhvr>
-                                        <p:cTn id="27" dur="500"/>
-                                        <p:tgtEl>
-                                          <p:spTgt spid="4">
-                                            <p:txEl>
-                                              <p:pRg st="4" end="4"/>
-                                            </p:txEl>
-                                          </p:spTgt>
-                                        </p:tgtEl>
-                                      </p:cBhvr>
-                                    </p:animEffect>
-                                  </p:childTnLst>
-                                </p:cTn>
-                              </p:par>
-                            </p:childTnLst>
-                          </p:cTn>
-                        </p:par>
-                      </p:childTnLst>
-                    </p:cTn>
-                  </p:par>
-                  <p:par>
-                    <p:cTn id="28" fill="hold">
-                      <p:stCondLst>
-                        <p:cond delay="indefinite"/>
-                      </p:stCondLst>
-                      <p:childTnLst>
-                        <p:par>
-                          <p:cTn id="29" fill="hold">
-                            <p:stCondLst>
-                              <p:cond delay="0"/>
-                            </p:stCondLst>
-                            <p:childTnLst>
-                              <p:par>
-                                <p:cTn id="30" presetID="10" presetClass="exit" presetSubtype="0" fill="hold" nodeType="clickEffect">
+                                <p:cTn id="10" presetID="10" presetClass="exit" presetSubtype="0" fill="hold" nodeType="clickEffect">
                                   <p:stCondLst>
                                     <p:cond delay="0"/>
                                   </p:stCondLst>
                                   <p:childTnLst>
                                     <p:animEffect transition="out" filter="fade">
                                       <p:cBhvr>
-                                        <p:cTn id="31" dur="500"/>
+                                        <p:cTn id="11" dur="500"/>
                                         <p:tgtEl>
                                           <p:spTgt spid="6"/>
                                         </p:tgtEl>
@@ -15933,7 +15448,7 @@
                                     </p:animEffect>
                                     <p:set>
                                       <p:cBhvr>
-                                        <p:cTn id="32" dur="1" fill="hold">
+                                        <p:cTn id="12" dur="1" fill="hold">
                                           <p:stCondLst>
                                             <p:cond delay="499"/>
                                           </p:stCondLst>
@@ -15956,20 +15471,20 @@
                           </p:cTn>
                         </p:par>
                         <p:par>
-                          <p:cTn id="33" fill="hold">
+                          <p:cTn id="13" fill="hold">
                             <p:stCondLst>
                               <p:cond delay="500"/>
                             </p:stCondLst>
                             <p:childTnLst>
                               <p:par>
-                                <p:cTn id="34" presetID="10" presetClass="entr" presetSubtype="0" fill="hold" nodeType="afterEffect">
+                                <p:cTn id="14" presetID="10" presetClass="entr" presetSubtype="0" fill="hold" nodeType="afterEffect">
                                   <p:stCondLst>
                                     <p:cond delay="0"/>
                                   </p:stCondLst>
                                   <p:childTnLst>
                                     <p:set>
                                       <p:cBhvr>
-                                        <p:cTn id="35" dur="1" fill="hold">
+                                        <p:cTn id="15" dur="1" fill="hold">
                                           <p:stCondLst>
                                             <p:cond delay="0"/>
                                           </p:stCondLst>
@@ -15987,9 +15502,253 @@
                                     </p:set>
                                     <p:animEffect transition="in" filter="fade">
                                       <p:cBhvr>
+                                        <p:cTn id="16" dur="500"/>
+                                        <p:tgtEl>
+                                          <p:spTgt spid="2050"/>
+                                        </p:tgtEl>
+                                      </p:cBhvr>
+                                    </p:animEffect>
+                                  </p:childTnLst>
+                                </p:cTn>
+                              </p:par>
+                            </p:childTnLst>
+                          </p:cTn>
+                        </p:par>
+                      </p:childTnLst>
+                    </p:cTn>
+                  </p:par>
+                  <p:par>
+                    <p:cTn id="17" fill="hold">
+                      <p:stCondLst>
+                        <p:cond delay="indefinite"/>
+                      </p:stCondLst>
+                      <p:childTnLst>
+                        <p:par>
+                          <p:cTn id="18" fill="hold">
+                            <p:stCondLst>
+                              <p:cond delay="0"/>
+                            </p:stCondLst>
+                            <p:childTnLst>
+                              <p:par>
+                                <p:cTn id="19" presetID="10" presetClass="entr" presetSubtype="0" fill="hold" grpId="0" nodeType="clickEffect">
+                                  <p:stCondLst>
+                                    <p:cond delay="0"/>
+                                  </p:stCondLst>
+                                  <p:childTnLst>
+                                    <p:set>
+                                      <p:cBhvr>
+                                        <p:cTn id="20" dur="1" fill="hold">
+                                          <p:stCondLst>
+                                            <p:cond delay="0"/>
+                                          </p:stCondLst>
+                                        </p:cTn>
+                                        <p:tgtEl>
+                                          <p:spTgt spid="4">
+                                            <p:txEl>
+                                              <p:pRg st="1" end="1"/>
+                                            </p:txEl>
+                                          </p:spTgt>
+                                        </p:tgtEl>
+                                        <p:attrNameLst>
+                                          <p:attrName>style.visibility</p:attrName>
+                                        </p:attrNameLst>
+                                      </p:cBhvr>
+                                      <p:to>
+                                        <p:strVal val="visible"/>
+                                      </p:to>
+                                    </p:set>
+                                    <p:animEffect transition="in" filter="fade">
+                                      <p:cBhvr>
+                                        <p:cTn id="21" dur="500"/>
+                                        <p:tgtEl>
+                                          <p:spTgt spid="4">
+                                            <p:txEl>
+                                              <p:pRg st="1" end="1"/>
+                                            </p:txEl>
+                                          </p:spTgt>
+                                        </p:tgtEl>
+                                      </p:cBhvr>
+                                    </p:animEffect>
+                                  </p:childTnLst>
+                                </p:cTn>
+                              </p:par>
+                            </p:childTnLst>
+                          </p:cTn>
+                        </p:par>
+                      </p:childTnLst>
+                    </p:cTn>
+                  </p:par>
+                  <p:par>
+                    <p:cTn id="22" fill="hold">
+                      <p:stCondLst>
+                        <p:cond delay="indefinite"/>
+                      </p:stCondLst>
+                      <p:childTnLst>
+                        <p:par>
+                          <p:cTn id="23" fill="hold">
+                            <p:stCondLst>
+                              <p:cond delay="0"/>
+                            </p:stCondLst>
+                            <p:childTnLst>
+                              <p:par>
+                                <p:cTn id="24" presetID="10" presetClass="entr" presetSubtype="0" fill="hold" grpId="0" nodeType="clickEffect">
+                                  <p:stCondLst>
+                                    <p:cond delay="0"/>
+                                  </p:stCondLst>
+                                  <p:childTnLst>
+                                    <p:set>
+                                      <p:cBhvr>
+                                        <p:cTn id="25" dur="1" fill="hold">
+                                          <p:stCondLst>
+                                            <p:cond delay="0"/>
+                                          </p:stCondLst>
+                                        </p:cTn>
+                                        <p:tgtEl>
+                                          <p:spTgt spid="4">
+                                            <p:txEl>
+                                              <p:pRg st="2" end="2"/>
+                                            </p:txEl>
+                                          </p:spTgt>
+                                        </p:tgtEl>
+                                        <p:attrNameLst>
+                                          <p:attrName>style.visibility</p:attrName>
+                                        </p:attrNameLst>
+                                      </p:cBhvr>
+                                      <p:to>
+                                        <p:strVal val="visible"/>
+                                      </p:to>
+                                    </p:set>
+                                    <p:animEffect transition="in" filter="fade">
+                                      <p:cBhvr>
+                                        <p:cTn id="26" dur="500"/>
+                                        <p:tgtEl>
+                                          <p:spTgt spid="4">
+                                            <p:txEl>
+                                              <p:pRg st="2" end="2"/>
+                                            </p:txEl>
+                                          </p:spTgt>
+                                        </p:tgtEl>
+                                      </p:cBhvr>
+                                    </p:animEffect>
+                                  </p:childTnLst>
+                                </p:cTn>
+                              </p:par>
+                            </p:childTnLst>
+                          </p:cTn>
+                        </p:par>
+                      </p:childTnLst>
+                    </p:cTn>
+                  </p:par>
+                  <p:par>
+                    <p:cTn id="27" fill="hold">
+                      <p:stCondLst>
+                        <p:cond delay="indefinite"/>
+                      </p:stCondLst>
+                      <p:childTnLst>
+                        <p:par>
+                          <p:cTn id="28" fill="hold">
+                            <p:stCondLst>
+                              <p:cond delay="0"/>
+                            </p:stCondLst>
+                            <p:childTnLst>
+                              <p:par>
+                                <p:cTn id="29" presetID="10" presetClass="entr" presetSubtype="0" fill="hold" grpId="0" nodeType="clickEffect">
+                                  <p:stCondLst>
+                                    <p:cond delay="0"/>
+                                  </p:stCondLst>
+                                  <p:childTnLst>
+                                    <p:set>
+                                      <p:cBhvr>
+                                        <p:cTn id="30" dur="1" fill="hold">
+                                          <p:stCondLst>
+                                            <p:cond delay="0"/>
+                                          </p:stCondLst>
+                                        </p:cTn>
+                                        <p:tgtEl>
+                                          <p:spTgt spid="4">
+                                            <p:txEl>
+                                              <p:pRg st="3" end="3"/>
+                                            </p:txEl>
+                                          </p:spTgt>
+                                        </p:tgtEl>
+                                        <p:attrNameLst>
+                                          <p:attrName>style.visibility</p:attrName>
+                                        </p:attrNameLst>
+                                      </p:cBhvr>
+                                      <p:to>
+                                        <p:strVal val="visible"/>
+                                      </p:to>
+                                    </p:set>
+                                    <p:animEffect transition="in" filter="fade">
+                                      <p:cBhvr>
+                                        <p:cTn id="31" dur="500"/>
+                                        <p:tgtEl>
+                                          <p:spTgt spid="4">
+                                            <p:txEl>
+                                              <p:pRg st="3" end="3"/>
+                                            </p:txEl>
+                                          </p:spTgt>
+                                        </p:tgtEl>
+                                      </p:cBhvr>
+                                    </p:animEffect>
+                                  </p:childTnLst>
+                                </p:cTn>
+                              </p:par>
+                            </p:childTnLst>
+                          </p:cTn>
+                        </p:par>
+                      </p:childTnLst>
+                    </p:cTn>
+                  </p:par>
+                  <p:par>
+                    <p:cTn id="32" fill="hold">
+                      <p:stCondLst>
+                        <p:cond delay="indefinite"/>
+                      </p:stCondLst>
+                      <p:childTnLst>
+                        <p:par>
+                          <p:cTn id="33" fill="hold">
+                            <p:stCondLst>
+                              <p:cond delay="0"/>
+                            </p:stCondLst>
+                            <p:childTnLst>
+                              <p:par>
+                                <p:cTn id="34" presetID="10" presetClass="entr" presetSubtype="0" fill="hold" grpId="0" nodeType="clickEffect">
+                                  <p:stCondLst>
+                                    <p:cond delay="0"/>
+                                  </p:stCondLst>
+                                  <p:childTnLst>
+                                    <p:set>
+                                      <p:cBhvr>
+                                        <p:cTn id="35" dur="1" fill="hold">
+                                          <p:stCondLst>
+                                            <p:cond delay="0"/>
+                                          </p:stCondLst>
+                                        </p:cTn>
+                                        <p:tgtEl>
+                                          <p:spTgt spid="4">
+                                            <p:txEl>
+                                              <p:pRg st="4" end="4"/>
+                                            </p:txEl>
+                                          </p:spTgt>
+                                        </p:tgtEl>
+                                        <p:attrNameLst>
+                                          <p:attrName>style.visibility</p:attrName>
+                                        </p:attrNameLst>
+                                      </p:cBhvr>
+                                      <p:to>
+                                        <p:strVal val="visible"/>
+                                      </p:to>
+                                    </p:set>
+                                    <p:animEffect transition="in" filter="fade">
+                                      <p:cBhvr>
                                         <p:cTn id="36" dur="500"/>
                                         <p:tgtEl>
-                                          <p:spTgt spid="2050"/>
+                                          <p:spTgt spid="4">
+                                            <p:txEl>
+                                              <p:pRg st="4" end="4"/>
+                                            </p:txEl>
+                                          </p:spTgt>
                                         </p:tgtEl>
                                       </p:cBhvr>
                                     </p:animEffect>
@@ -16024,13 +15783,13 @@
       </p:par>
     </p:tnLst>
     <p:bldLst>
-      <p:bldP spid="4" grpId="0" build="p"/>
+      <p:bldP spid="4" grpId="0" uiExpand="1" build="p"/>
     </p:bldLst>
   </p:timing>
 </p:sld>
 </file>
 
-<file path=ppt/slides/slide22.xml><?xml version="1.0" encoding="utf-8"?>
+<file path=ppt/slides/slide21.xml><?xml version="1.0" encoding="utf-8"?>
 <p:sld xmlns:a="http://schemas.openxmlformats.org/drawingml/2006/main" xmlns:r="http://schemas.openxmlformats.org/officeDocument/2006/relationships" xmlns:p="http://schemas.openxmlformats.org/presentationml/2006/main">
   <p:cSld>
     <p:spTree>
@@ -16796,7 +16555,7 @@
 </p:sld>
 </file>
 
-<file path=ppt/slides/slide23.xml><?xml version="1.0" encoding="utf-8"?>
+<file path=ppt/slides/slide22.xml><?xml version="1.0" encoding="utf-8"?>
 <p:sld xmlns:a="http://schemas.openxmlformats.org/drawingml/2006/main" xmlns:r="http://schemas.openxmlformats.org/officeDocument/2006/relationships" xmlns:p="http://schemas.openxmlformats.org/presentationml/2006/main">
   <p:cSld>
     <p:spTree>
@@ -17163,7 +16922,7 @@
 </p:sld>
 </file>
 
-<file path=ppt/slides/slide24.xml><?xml version="1.0" encoding="utf-8"?>
+<file path=ppt/slides/slide23.xml><?xml version="1.0" encoding="utf-8"?>
 <p:sld xmlns:a="http://schemas.openxmlformats.org/drawingml/2006/main" xmlns:r="http://schemas.openxmlformats.org/officeDocument/2006/relationships" xmlns:p="http://schemas.openxmlformats.org/presentationml/2006/main">
   <p:cSld>
     <p:spTree>
@@ -17278,7 +17037,7 @@
 </p:sld>
 </file>
 
-<file path=ppt/slides/slide25.xml><?xml version="1.0" encoding="utf-8"?>
+<file path=ppt/slides/slide24.xml><?xml version="1.0" encoding="utf-8"?>
 <p:sld xmlns:a="http://schemas.openxmlformats.org/drawingml/2006/main" xmlns:r="http://schemas.openxmlformats.org/officeDocument/2006/relationships" xmlns:p="http://schemas.openxmlformats.org/presentationml/2006/main">
   <p:cSld>
     <p:spTree>
@@ -17596,7 +17355,7 @@
 </p:sld>
 </file>
 
-<file path=ppt/slides/slide26.xml><?xml version="1.0" encoding="utf-8"?>
+<file path=ppt/slides/slide25.xml><?xml version="1.0" encoding="utf-8"?>
 <p:sld xmlns:a="http://schemas.openxmlformats.org/drawingml/2006/main" xmlns:r="http://schemas.openxmlformats.org/officeDocument/2006/relationships" xmlns:p="http://schemas.openxmlformats.org/presentationml/2006/main">
   <p:cSld>
     <p:spTree>
@@ -18079,7 +17838,7 @@
 </p:sld>
 </file>
 
-<file path=ppt/slides/slide27.xml><?xml version="1.0" encoding="utf-8"?>
+<file path=ppt/slides/slide26.xml><?xml version="1.0" encoding="utf-8"?>
 <p:sld xmlns:a="http://schemas.openxmlformats.org/drawingml/2006/main" xmlns:r="http://schemas.openxmlformats.org/officeDocument/2006/relationships" xmlns:p="http://schemas.openxmlformats.org/presentationml/2006/main">
   <p:cSld>
     <p:spTree>
@@ -18662,7 +18421,7 @@
 </p:sld>
 </file>
 
-<file path=ppt/slides/slide28.xml><?xml version="1.0" encoding="utf-8"?>
+<file path=ppt/slides/slide27.xml><?xml version="1.0" encoding="utf-8"?>
 <p:sld xmlns:a="http://schemas.openxmlformats.org/drawingml/2006/main" xmlns:r="http://schemas.openxmlformats.org/officeDocument/2006/relationships" xmlns:p="http://schemas.openxmlformats.org/presentationml/2006/main">
   <p:cSld>
     <p:spTree>
@@ -18742,7 +18501,7 @@
 </p:sld>
 </file>
 
-<file path=ppt/slides/slide29.xml><?xml version="1.0" encoding="utf-8"?>
+<file path=ppt/slides/slide28.xml><?xml version="1.0" encoding="utf-8"?>
 <p:sld xmlns:a="http://schemas.openxmlformats.org/drawingml/2006/main" xmlns:r="http://schemas.openxmlformats.org/officeDocument/2006/relationships" xmlns:p="http://schemas.openxmlformats.org/presentationml/2006/main">
   <p:cSld>
     <p:spTree>
@@ -19413,71 +19172,7 @@
 </p:sld>
 </file>
 
-<file path=ppt/slides/slide3.xml><?xml version="1.0" encoding="utf-8"?>
-<p:sld xmlns:a="http://schemas.openxmlformats.org/drawingml/2006/main" xmlns:r="http://schemas.openxmlformats.org/officeDocument/2006/relationships" xmlns:p="http://schemas.openxmlformats.org/presentationml/2006/main">
-  <p:cSld>
-    <p:spTree>
-      <p:nvGrpSpPr>
-        <p:cNvPr id="1" name=""/>
-        <p:cNvGrpSpPr/>
-        <p:nvPr/>
-      </p:nvGrpSpPr>
-      <p:grpSpPr>
-        <a:xfrm>
-          <a:off x="0" y="0"/>
-          <a:ext cx="0" cy="0"/>
-          <a:chOff x="0" y="0"/>
-          <a:chExt cx="0" cy="0"/>
-        </a:xfrm>
-      </p:grpSpPr>
-      <p:pic>
-        <p:nvPicPr>
-          <p:cNvPr id="5" name="Picture Placeholder 4">
-            <a:extLst>
-              <a:ext uri="{FF2B5EF4-FFF2-40B4-BE49-F238E27FC236}">
-                <a16:creationId xmlns:a16="http://schemas.microsoft.com/office/drawing/2014/main" id="{E66CED44-C35F-44AF-91DC-1CF5A3398EE6}"/>
-              </a:ext>
-            </a:extLst>
-          </p:cNvPr>
-          <p:cNvPicPr>
-            <a:picLocks noGrp="1" noChangeAspect="1"/>
-          </p:cNvPicPr>
-          <p:nvPr>
-            <p:ph type="pic" sz="quarter" idx="10"/>
-          </p:nvPr>
-        </p:nvPicPr>
-        <p:blipFill>
-          <a:blip r:embed="rId3" cstate="email">
-            <a:extLst>
-              <a:ext uri="{28A0092B-C50C-407E-A947-70E740481C1C}">
-                <a14:useLocalDpi xmlns:a14="http://schemas.microsoft.com/office/drawing/2010/main" val="0"/>
-              </a:ext>
-            </a:extLst>
-          </a:blip>
-          <a:srcRect l="1980" r="1980"/>
-          <a:stretch>
-            <a:fillRect/>
-          </a:stretch>
-        </p:blipFill>
-        <p:spPr/>
-      </p:pic>
-    </p:spTree>
-    <p:extLst>
-      <p:ext uri="{BB962C8B-B14F-4D97-AF65-F5344CB8AC3E}">
-        <p14:creationId xmlns:p14="http://schemas.microsoft.com/office/powerpoint/2010/main" val="1124204281"/>
-      </p:ext>
-    </p:extLst>
-  </p:cSld>
-  <p:clrMapOvr>
-    <a:masterClrMapping/>
-  </p:clrMapOvr>
-  <p:transition spd="slow">
-    <p:cover/>
-  </p:transition>
-</p:sld>
-</file>
-
-<file path=ppt/slides/slide30.xml><?xml version="1.0" encoding="utf-8"?>
+<file path=ppt/slides/slide29.xml><?xml version="1.0" encoding="utf-8"?>
 <p:sld xmlns:a="http://schemas.openxmlformats.org/drawingml/2006/main" xmlns:r="http://schemas.openxmlformats.org/officeDocument/2006/relationships" xmlns:p="http://schemas.openxmlformats.org/presentationml/2006/main">
   <p:cSld>
     <p:spTree>
@@ -19803,7 +19498,71 @@
 </p:sld>
 </file>
 
-<file path=ppt/slides/slide31.xml><?xml version="1.0" encoding="utf-8"?>
+<file path=ppt/slides/slide3.xml><?xml version="1.0" encoding="utf-8"?>
+<p:sld xmlns:a="http://schemas.openxmlformats.org/drawingml/2006/main" xmlns:r="http://schemas.openxmlformats.org/officeDocument/2006/relationships" xmlns:p="http://schemas.openxmlformats.org/presentationml/2006/main">
+  <p:cSld>
+    <p:spTree>
+      <p:nvGrpSpPr>
+        <p:cNvPr id="1" name=""/>
+        <p:cNvGrpSpPr/>
+        <p:nvPr/>
+      </p:nvGrpSpPr>
+      <p:grpSpPr>
+        <a:xfrm>
+          <a:off x="0" y="0"/>
+          <a:ext cx="0" cy="0"/>
+          <a:chOff x="0" y="0"/>
+          <a:chExt cx="0" cy="0"/>
+        </a:xfrm>
+      </p:grpSpPr>
+      <p:pic>
+        <p:nvPicPr>
+          <p:cNvPr id="5" name="Picture Placeholder 4">
+            <a:extLst>
+              <a:ext uri="{FF2B5EF4-FFF2-40B4-BE49-F238E27FC236}">
+                <a16:creationId xmlns:a16="http://schemas.microsoft.com/office/drawing/2014/main" id="{E66CED44-C35F-44AF-91DC-1CF5A3398EE6}"/>
+              </a:ext>
+            </a:extLst>
+          </p:cNvPr>
+          <p:cNvPicPr>
+            <a:picLocks noGrp="1" noChangeAspect="1"/>
+          </p:cNvPicPr>
+          <p:nvPr>
+            <p:ph type="pic" sz="quarter" idx="10"/>
+          </p:nvPr>
+        </p:nvPicPr>
+        <p:blipFill>
+          <a:blip r:embed="rId3" cstate="email">
+            <a:extLst>
+              <a:ext uri="{28A0092B-C50C-407E-A947-70E740481C1C}">
+                <a14:useLocalDpi xmlns:a14="http://schemas.microsoft.com/office/drawing/2010/main" val="0"/>
+              </a:ext>
+            </a:extLst>
+          </a:blip>
+          <a:srcRect l="1980" r="1980"/>
+          <a:stretch>
+            <a:fillRect/>
+          </a:stretch>
+        </p:blipFill>
+        <p:spPr/>
+      </p:pic>
+    </p:spTree>
+    <p:extLst>
+      <p:ext uri="{BB962C8B-B14F-4D97-AF65-F5344CB8AC3E}">
+        <p14:creationId xmlns:p14="http://schemas.microsoft.com/office/powerpoint/2010/main" val="1124204281"/>
+      </p:ext>
+    </p:extLst>
+  </p:cSld>
+  <p:clrMapOvr>
+    <a:masterClrMapping/>
+  </p:clrMapOvr>
+  <p:transition spd="slow">
+    <p:cover/>
+  </p:transition>
+</p:sld>
+</file>
+
+<file path=ppt/slides/slide30.xml><?xml version="1.0" encoding="utf-8"?>
 <p:sld xmlns:a="http://schemas.openxmlformats.org/drawingml/2006/main" xmlns:r="http://schemas.openxmlformats.org/officeDocument/2006/relationships" xmlns:p="http://schemas.openxmlformats.org/presentationml/2006/main">
   <p:cSld>
     <p:spTree>
@@ -19868,7 +19627,7 @@
 </p:sld>
 </file>
 
-<file path=ppt/slides/slide32.xml><?xml version="1.0" encoding="utf-8"?>
+<file path=ppt/slides/slide31.xml><?xml version="1.0" encoding="utf-8"?>
 <p:sld xmlns:a="http://schemas.openxmlformats.org/drawingml/2006/main" xmlns:r="http://schemas.openxmlformats.org/officeDocument/2006/relationships" xmlns:p="http://schemas.openxmlformats.org/presentationml/2006/main">
   <p:cSld>
     <p:spTree>
@@ -20100,7 +19859,7 @@
 </p:sld>
 </file>
 
-<file path=ppt/slides/slide33.xml><?xml version="1.0" encoding="utf-8"?>
+<file path=ppt/slides/slide32.xml><?xml version="1.0" encoding="utf-8"?>
 <p:sld xmlns:a="http://schemas.openxmlformats.org/drawingml/2006/main" xmlns:r="http://schemas.openxmlformats.org/officeDocument/2006/relationships" xmlns:p="http://schemas.openxmlformats.org/presentationml/2006/main">
   <p:cSld>
     <p:spTree>
@@ -20226,7 +19985,7 @@
 </p:sld>
 </file>
 
-<file path=ppt/slides/slide34.xml><?xml version="1.0" encoding="utf-8"?>
+<file path=ppt/slides/slide33.xml><?xml version="1.0" encoding="utf-8"?>
 <p:sld xmlns:a="http://schemas.openxmlformats.org/drawingml/2006/main" xmlns:r="http://schemas.openxmlformats.org/officeDocument/2006/relationships" xmlns:p="http://schemas.openxmlformats.org/presentationml/2006/main">
   <p:cSld>
     <p:spTree>
@@ -20313,7 +20072,7 @@
 </p:sld>
 </file>
 
-<file path=ppt/slides/slide35.xml><?xml version="1.0" encoding="utf-8"?>
+<file path=ppt/slides/slide34.xml><?xml version="1.0" encoding="utf-8"?>
 <p:sld xmlns:a="http://schemas.openxmlformats.org/drawingml/2006/main" xmlns:r="http://schemas.openxmlformats.org/officeDocument/2006/relationships" xmlns:p="http://schemas.openxmlformats.org/presentationml/2006/main">
   <p:cSld>
     <p:spTree>
@@ -20404,7 +20163,7 @@
 </p:sld>
 </file>
 
-<file path=ppt/slides/slide36.xml><?xml version="1.0" encoding="utf-8"?>
+<file path=ppt/slides/slide35.xml><?xml version="1.0" encoding="utf-8"?>
 <p:sld xmlns:a="http://schemas.openxmlformats.org/drawingml/2006/main" xmlns:r="http://schemas.openxmlformats.org/officeDocument/2006/relationships" xmlns:p="http://schemas.openxmlformats.org/presentationml/2006/main">
   <p:cSld>
     <p:spTree>
@@ -20583,7 +20342,7 @@
 </p:sld>
 </file>
 
-<file path=ppt/slides/slide37.xml><?xml version="1.0" encoding="utf-8"?>
+<file path=ppt/slides/slide36.xml><?xml version="1.0" encoding="utf-8"?>
 <p:sld xmlns:a="http://schemas.openxmlformats.org/drawingml/2006/main" xmlns:r="http://schemas.openxmlformats.org/officeDocument/2006/relationships" xmlns:p="http://schemas.openxmlformats.org/presentationml/2006/main">
   <p:cSld>
     <p:spTree>
@@ -20763,7 +20522,7 @@
 </p:sld>
 </file>
 
-<file path=ppt/slides/slide38.xml><?xml version="1.0" encoding="utf-8"?>
+<file path=ppt/slides/slide37.xml><?xml version="1.0" encoding="utf-8"?>
 <p:sld xmlns:a="http://schemas.openxmlformats.org/drawingml/2006/main" xmlns:r="http://schemas.openxmlformats.org/officeDocument/2006/relationships" xmlns:p="http://schemas.openxmlformats.org/presentationml/2006/main">
   <p:cSld>
     <p:spTree>
@@ -20857,7 +20616,7 @@
 </p:sld>
 </file>
 
-<file path=ppt/slides/slide39.xml><?xml version="1.0" encoding="utf-8"?>
+<file path=ppt/slides/slide38.xml><?xml version="1.0" encoding="utf-8"?>
 <p:sld xmlns:a="http://schemas.openxmlformats.org/drawingml/2006/main" xmlns:r="http://schemas.openxmlformats.org/officeDocument/2006/relationships" xmlns:p="http://schemas.openxmlformats.org/presentationml/2006/main">
   <p:cSld>
     <p:spTree>
@@ -20958,6 +20717,95 @@
 </p:sld>
 </file>
 
+<file path=ppt/slides/slide39.xml><?xml version="1.0" encoding="utf-8"?>
+<p:sld xmlns:a="http://schemas.openxmlformats.org/drawingml/2006/main" xmlns:r="http://schemas.openxmlformats.org/officeDocument/2006/relationships" xmlns:p="http://schemas.openxmlformats.org/presentationml/2006/main">
+  <p:cSld>
+    <p:spTree>
+      <p:nvGrpSpPr>
+        <p:cNvPr id="1" name=""/>
+        <p:cNvGrpSpPr/>
+        <p:nvPr/>
+      </p:nvGrpSpPr>
+      <p:grpSpPr>
+        <a:xfrm>
+          <a:off x="0" y="0"/>
+          <a:ext cx="0" cy="0"/>
+          <a:chOff x="0" y="0"/>
+          <a:chExt cx="0" cy="0"/>
+        </a:xfrm>
+      </p:grpSpPr>
+      <p:sp>
+        <p:nvSpPr>
+          <p:cNvPr id="20481" name="Picture Placeholder 1"/>
+          <p:cNvSpPr>
+            <a:spLocks noGrp="1"/>
+          </p:cNvSpPr>
+          <p:nvPr>
+            <p:ph type="pic" sz="quarter" idx="10"/>
+          </p:nvPr>
+        </p:nvSpPr>
+        <p:spPr bwMode="auto">
+          <a:xfrm>
+            <a:off x="0" y="0"/>
+            <a:ext cx="14630400" cy="8229600"/>
+          </a:xfrm>
+          <a:noFill/>
+          <a:ln>
+            <a:miter lim="800000"/>
+            <a:headEnd/>
+            <a:tailEnd/>
+          </a:ln>
+          <a:extLst>
+            <a:ext uri="{909E8E84-426E-40dd-AFC4-6F175D3DCCD1}">
+              <a14:hiddenFill xmlns:a14="http://schemas.microsoft.com/office/drawing/2010/main" xmlns="">
+                <a:solidFill>
+                  <a:srgbClr val="FFFFFF"/>
+                </a:solidFill>
+              </a14:hiddenFill>
+            </a:ext>
+            <a:ext uri="{FAA26D3D-D897-4be2-8F04-BA451C77F1D7}">
+              <ma14:placeholderFlag xmlns:ma14="http://schemas.microsoft.com/office/mac/drawingml/2011/main" xmlns="" val="1"/>
+            </a:ext>
+          </a:extLst>
+        </p:spPr>
+      </p:sp>
+      <p:pic>
+        <p:nvPicPr>
+          <p:cNvPr id="6" name="Picture 5" descr="Bottom_Viz_August-09.png"/>
+          <p:cNvPicPr>
+            <a:picLocks noChangeAspect="1"/>
+          </p:cNvPicPr>
+          <p:nvPr/>
+        </p:nvPicPr>
+        <p:blipFill rotWithShape="1">
+          <a:blip r:embed="rId3" cstate="email">
+            <a:extLst>
+              <a:ext uri="{28A0092B-C50C-407E-A947-70E740481C1C}">
+                <a14:useLocalDpi xmlns:a14="http://schemas.microsoft.com/office/drawing/2010/main" val="0"/>
+              </a:ext>
+            </a:extLst>
+          </a:blip>
+          <a:srcRect l="1098" b="58330"/>
+          <a:stretch/>
+        </p:blipFill>
+        <p:spPr>
+          <a:xfrm flipH="1">
+            <a:off x="0" y="6910529"/>
+            <a:ext cx="14630400" cy="1319071"/>
+          </a:xfrm>
+          <a:prstGeom prst="rect">
+            <a:avLst/>
+          </a:prstGeom>
+        </p:spPr>
+      </p:pic>
+    </p:spTree>
+  </p:cSld>
+  <p:clrMapOvr>
+    <a:masterClrMapping/>
+  </p:clrMapOvr>
+</p:sld>
+</file>
+
 <file path=ppt/slides/slide4.xml><?xml version="1.0" encoding="utf-8"?>
 <p:sld xmlns:a="http://schemas.openxmlformats.org/drawingml/2006/main" xmlns:r="http://schemas.openxmlformats.org/officeDocument/2006/relationships" xmlns:p="http://schemas.openxmlformats.org/presentationml/2006/main">
   <p:cSld>
@@ -21041,95 +20889,6 @@
       </p:grpSpPr>
       <p:sp>
         <p:nvSpPr>
-          <p:cNvPr id="20481" name="Picture Placeholder 1"/>
-          <p:cNvSpPr>
-            <a:spLocks noGrp="1"/>
-          </p:cNvSpPr>
-          <p:nvPr>
-            <p:ph type="pic" sz="quarter" idx="10"/>
-          </p:nvPr>
-        </p:nvSpPr>
-        <p:spPr bwMode="auto">
-          <a:xfrm>
-            <a:off x="0" y="0"/>
-            <a:ext cx="14630400" cy="8229600"/>
-          </a:xfrm>
-          <a:noFill/>
-          <a:ln>
-            <a:miter lim="800000"/>
-            <a:headEnd/>
-            <a:tailEnd/>
-          </a:ln>
-          <a:extLst>
-            <a:ext uri="{909E8E84-426E-40dd-AFC4-6F175D3DCCD1}">
-              <a14:hiddenFill xmlns:a14="http://schemas.microsoft.com/office/drawing/2010/main" xmlns="">
-                <a:solidFill>
-                  <a:srgbClr val="FFFFFF"/>
-                </a:solidFill>
-              </a14:hiddenFill>
-            </a:ext>
-            <a:ext uri="{FAA26D3D-D897-4be2-8F04-BA451C77F1D7}">
-              <ma14:placeholderFlag xmlns:ma14="http://schemas.microsoft.com/office/mac/drawingml/2011/main" xmlns="" val="1"/>
-            </a:ext>
-          </a:extLst>
-        </p:spPr>
-      </p:sp>
-      <p:pic>
-        <p:nvPicPr>
-          <p:cNvPr id="6" name="Picture 5" descr="Bottom_Viz_August-09.png"/>
-          <p:cNvPicPr>
-            <a:picLocks noChangeAspect="1"/>
-          </p:cNvPicPr>
-          <p:nvPr/>
-        </p:nvPicPr>
-        <p:blipFill rotWithShape="1">
-          <a:blip r:embed="rId3" cstate="email">
-            <a:extLst>
-              <a:ext uri="{28A0092B-C50C-407E-A947-70E740481C1C}">
-                <a14:useLocalDpi xmlns:a14="http://schemas.microsoft.com/office/drawing/2010/main" val="0"/>
-              </a:ext>
-            </a:extLst>
-          </a:blip>
-          <a:srcRect l="1098" b="58330"/>
-          <a:stretch/>
-        </p:blipFill>
-        <p:spPr>
-          <a:xfrm flipH="1">
-            <a:off x="0" y="6910529"/>
-            <a:ext cx="14630400" cy="1319071"/>
-          </a:xfrm>
-          <a:prstGeom prst="rect">
-            <a:avLst/>
-          </a:prstGeom>
-        </p:spPr>
-      </p:pic>
-    </p:spTree>
-  </p:cSld>
-  <p:clrMapOvr>
-    <a:masterClrMapping/>
-  </p:clrMapOvr>
-</p:sld>
-</file>
-
-<file path=ppt/slides/slide41.xml><?xml version="1.0" encoding="utf-8"?>
-<p:sld xmlns:a="http://schemas.openxmlformats.org/drawingml/2006/main" xmlns:r="http://schemas.openxmlformats.org/officeDocument/2006/relationships" xmlns:p="http://schemas.openxmlformats.org/presentationml/2006/main">
-  <p:cSld>
-    <p:spTree>
-      <p:nvGrpSpPr>
-        <p:cNvPr id="1" name=""/>
-        <p:cNvGrpSpPr/>
-        <p:nvPr/>
-      </p:nvGrpSpPr>
-      <p:grpSpPr>
-        <a:xfrm>
-          <a:off x="0" y="0"/>
-          <a:ext cx="0" cy="0"/>
-          <a:chOff x="0" y="0"/>
-          <a:chExt cx="0" cy="0"/>
-        </a:xfrm>
-      </p:grpSpPr>
-      <p:sp>
-        <p:nvSpPr>
           <p:cNvPr id="21505" name="Title 1"/>
           <p:cNvSpPr>
             <a:spLocks noGrp="1"/>
@@ -21168,7 +20927,7 @@
 </p:sld>
 </file>
 
-<file path=ppt/slides/slide42.xml><?xml version="1.0" encoding="utf-8"?>
+<file path=ppt/slides/slide41.xml><?xml version="1.0" encoding="utf-8"?>
 <p:sld xmlns:a="http://schemas.openxmlformats.org/drawingml/2006/main" xmlns:r="http://schemas.openxmlformats.org/officeDocument/2006/relationships" xmlns:p="http://schemas.openxmlformats.org/presentationml/2006/main">
   <p:cSld>
     <p:spTree>
@@ -21376,7 +21135,7 @@
 </p:sld>
 </file>
 
-<file path=ppt/slides/slide43.xml><?xml version="1.0" encoding="utf-8"?>
+<file path=ppt/slides/slide42.xml><?xml version="1.0" encoding="utf-8"?>
 <p:sld xmlns:a="http://schemas.openxmlformats.org/drawingml/2006/main" xmlns:r="http://schemas.openxmlformats.org/officeDocument/2006/relationships" xmlns:p="http://schemas.openxmlformats.org/presentationml/2006/main">
   <p:cSld>
     <p:spTree>
@@ -22663,7 +22422,7 @@
 </p:sld>
 </file>
 
-<file path=ppt/slides/slide44.xml><?xml version="1.0" encoding="utf-8"?>
+<file path=ppt/slides/slide43.xml><?xml version="1.0" encoding="utf-8"?>
 <p:sld xmlns:a="http://schemas.openxmlformats.org/drawingml/2006/main" xmlns:r="http://schemas.openxmlformats.org/officeDocument/2006/relationships" xmlns:p="http://schemas.openxmlformats.org/presentationml/2006/main">
   <p:cSld>
     <p:spTree>
@@ -22898,7 +22657,7 @@
 </p:sld>
 </file>
 
-<file path=ppt/slides/slide45.xml><?xml version="1.0" encoding="utf-8"?>
+<file path=ppt/slides/slide44.xml><?xml version="1.0" encoding="utf-8"?>
 <p:sld xmlns:a="http://schemas.openxmlformats.org/drawingml/2006/main" xmlns:r="http://schemas.openxmlformats.org/officeDocument/2006/relationships" xmlns:p="http://schemas.openxmlformats.org/presentationml/2006/main">
   <p:cSld>
     <p:spTree>
@@ -23468,7 +23227,7 @@
 </p:sld>
 </file>
 
-<file path=ppt/slides/slide46.xml><?xml version="1.0" encoding="utf-8"?>
+<file path=ppt/slides/slide45.xml><?xml version="1.0" encoding="utf-8"?>
 <p:sld xmlns:a="http://schemas.openxmlformats.org/drawingml/2006/main" xmlns:r="http://schemas.openxmlformats.org/officeDocument/2006/relationships" xmlns:p="http://schemas.openxmlformats.org/presentationml/2006/main">
   <p:cSld>
     <p:spTree>
@@ -23892,7 +23651,7 @@
 </p:sld>
 </file>
 
-<file path=ppt/slides/slide47.xml><?xml version="1.0" encoding="utf-8"?>
+<file path=ppt/slides/slide46.xml><?xml version="1.0" encoding="utf-8"?>
 <p:sld xmlns:a="http://schemas.openxmlformats.org/drawingml/2006/main" xmlns:r="http://schemas.openxmlformats.org/officeDocument/2006/relationships" xmlns:p="http://schemas.openxmlformats.org/presentationml/2006/main">
   <p:cSld>
     <p:spTree>
@@ -24725,7 +24484,7 @@
 </p:sld>
 </file>
 
-<file path=ppt/slides/slide48.xml><?xml version="1.0" encoding="utf-8"?>
+<file path=ppt/slides/slide47.xml><?xml version="1.0" encoding="utf-8"?>
 <p:sld xmlns:a="http://schemas.openxmlformats.org/drawingml/2006/main" xmlns:r="http://schemas.openxmlformats.org/officeDocument/2006/relationships" xmlns:p="http://schemas.openxmlformats.org/presentationml/2006/main">
   <p:cSld>
     <p:spTree>
@@ -46254,7 +46013,7 @@
 </p:sld>
 </file>
 
-<file path=ppt/slides/slide49.xml><?xml version="1.0" encoding="utf-8"?>
+<file path=ppt/slides/slide48.xml><?xml version="1.0" encoding="utf-8"?>
 <p:sld xmlns:a="http://schemas.openxmlformats.org/drawingml/2006/main" xmlns:r="http://schemas.openxmlformats.org/officeDocument/2006/relationships" xmlns:p="http://schemas.openxmlformats.org/presentationml/2006/main">
   <p:cSld>
     <p:spTree>
@@ -46694,71 +46453,7 @@
 </p:sld>
 </file>
 
-<file path=ppt/slides/slide5.xml><?xml version="1.0" encoding="utf-8"?>
-<p:sld xmlns:a="http://schemas.openxmlformats.org/drawingml/2006/main" xmlns:r="http://schemas.openxmlformats.org/officeDocument/2006/relationships" xmlns:p="http://schemas.openxmlformats.org/presentationml/2006/main">
-  <p:cSld>
-    <p:spTree>
-      <p:nvGrpSpPr>
-        <p:cNvPr id="1" name=""/>
-        <p:cNvGrpSpPr/>
-        <p:nvPr/>
-      </p:nvGrpSpPr>
-      <p:grpSpPr>
-        <a:xfrm>
-          <a:off x="0" y="0"/>
-          <a:ext cx="0" cy="0"/>
-          <a:chOff x="0" y="0"/>
-          <a:chExt cx="0" cy="0"/>
-        </a:xfrm>
-      </p:grpSpPr>
-      <p:pic>
-        <p:nvPicPr>
-          <p:cNvPr id="6" name="Picture Placeholder 5">
-            <a:extLst>
-              <a:ext uri="{FF2B5EF4-FFF2-40B4-BE49-F238E27FC236}">
-                <a16:creationId xmlns:a16="http://schemas.microsoft.com/office/drawing/2014/main" id="{7859933E-B0D3-4887-A439-4FB1935464D1}"/>
-              </a:ext>
-            </a:extLst>
-          </p:cNvPr>
-          <p:cNvPicPr>
-            <a:picLocks noGrp="1" noChangeAspect="1"/>
-          </p:cNvPicPr>
-          <p:nvPr>
-            <p:ph type="pic" sz="quarter" idx="10"/>
-          </p:nvPr>
-        </p:nvPicPr>
-        <p:blipFill>
-          <a:blip r:embed="rId3">
-            <a:extLst>
-              <a:ext uri="{28A0092B-C50C-407E-A947-70E740481C1C}">
-                <a14:useLocalDpi xmlns:a14="http://schemas.microsoft.com/office/drawing/2010/main" val="0"/>
-              </a:ext>
-            </a:extLst>
-          </a:blip>
-          <a:srcRect t="3229" b="3229"/>
-          <a:stretch>
-            <a:fillRect/>
-          </a:stretch>
-        </p:blipFill>
-        <p:spPr/>
-      </p:pic>
-    </p:spTree>
-    <p:extLst>
-      <p:ext uri="{BB962C8B-B14F-4D97-AF65-F5344CB8AC3E}">
-        <p14:creationId xmlns:p14="http://schemas.microsoft.com/office/powerpoint/2010/main" val="2464762266"/>
-      </p:ext>
-    </p:extLst>
-  </p:cSld>
-  <p:clrMapOvr>
-    <a:masterClrMapping/>
-  </p:clrMapOvr>
-  <p:transition spd="slow">
-    <p:cover/>
-  </p:transition>
-</p:sld>
-</file>
-
-<file path=ppt/slides/slide50.xml><?xml version="1.0" encoding="utf-8"?>
+<file path=ppt/slides/slide49.xml><?xml version="1.0" encoding="utf-8"?>
 <p:sld xmlns:a="http://schemas.openxmlformats.org/drawingml/2006/main" xmlns:r="http://schemas.openxmlformats.org/officeDocument/2006/relationships" xmlns:p="http://schemas.openxmlformats.org/presentationml/2006/main">
   <p:cSld>
     <p:spTree>
@@ -46854,7 +46549,71 @@
 </p:sld>
 </file>
 
-<file path=ppt/slides/slide51.xml><?xml version="1.0" encoding="utf-8"?>
+<file path=ppt/slides/slide5.xml><?xml version="1.0" encoding="utf-8"?>
+<p:sld xmlns:a="http://schemas.openxmlformats.org/drawingml/2006/main" xmlns:r="http://schemas.openxmlformats.org/officeDocument/2006/relationships" xmlns:p="http://schemas.openxmlformats.org/presentationml/2006/main">
+  <p:cSld>
+    <p:spTree>
+      <p:nvGrpSpPr>
+        <p:cNvPr id="1" name=""/>
+        <p:cNvGrpSpPr/>
+        <p:nvPr/>
+      </p:nvGrpSpPr>
+      <p:grpSpPr>
+        <a:xfrm>
+          <a:off x="0" y="0"/>
+          <a:ext cx="0" cy="0"/>
+          <a:chOff x="0" y="0"/>
+          <a:chExt cx="0" cy="0"/>
+        </a:xfrm>
+      </p:grpSpPr>
+      <p:pic>
+        <p:nvPicPr>
+          <p:cNvPr id="6" name="Picture Placeholder 5">
+            <a:extLst>
+              <a:ext uri="{FF2B5EF4-FFF2-40B4-BE49-F238E27FC236}">
+                <a16:creationId xmlns:a16="http://schemas.microsoft.com/office/drawing/2014/main" id="{7859933E-B0D3-4887-A439-4FB1935464D1}"/>
+              </a:ext>
+            </a:extLst>
+          </p:cNvPr>
+          <p:cNvPicPr>
+            <a:picLocks noGrp="1" noChangeAspect="1"/>
+          </p:cNvPicPr>
+          <p:nvPr>
+            <p:ph type="pic" sz="quarter" idx="10"/>
+          </p:nvPr>
+        </p:nvPicPr>
+        <p:blipFill>
+          <a:blip r:embed="rId3">
+            <a:extLst>
+              <a:ext uri="{28A0092B-C50C-407E-A947-70E740481C1C}">
+                <a14:useLocalDpi xmlns:a14="http://schemas.microsoft.com/office/drawing/2010/main" val="0"/>
+              </a:ext>
+            </a:extLst>
+          </a:blip>
+          <a:srcRect t="3229" b="3229"/>
+          <a:stretch>
+            <a:fillRect/>
+          </a:stretch>
+        </p:blipFill>
+        <p:spPr/>
+      </p:pic>
+    </p:spTree>
+    <p:extLst>
+      <p:ext uri="{BB962C8B-B14F-4D97-AF65-F5344CB8AC3E}">
+        <p14:creationId xmlns:p14="http://schemas.microsoft.com/office/powerpoint/2010/main" val="2464762266"/>
+      </p:ext>
+    </p:extLst>
+  </p:cSld>
+  <p:clrMapOvr>
+    <a:masterClrMapping/>
+  </p:clrMapOvr>
+  <p:transition spd="slow">
+    <p:cover/>
+  </p:transition>
+</p:sld>
+</file>
+
+<file path=ppt/slides/slide50.xml><?xml version="1.0" encoding="utf-8"?>
 <p:sld xmlns:a="http://schemas.openxmlformats.org/drawingml/2006/main" xmlns:r="http://schemas.openxmlformats.org/officeDocument/2006/relationships" xmlns:p="http://schemas.openxmlformats.org/presentationml/2006/main">
   <p:cSld>
     <p:spTree>
@@ -47288,7 +47047,7 @@
 </p:sld>
 </file>
 
-<file path=ppt/slides/slide52.xml><?xml version="1.0" encoding="utf-8"?>
+<file path=ppt/slides/slide51.xml><?xml version="1.0" encoding="utf-8"?>
 <p:sld xmlns:a="http://schemas.openxmlformats.org/drawingml/2006/main" xmlns:r="http://schemas.openxmlformats.org/officeDocument/2006/relationships" xmlns:p="http://schemas.openxmlformats.org/presentationml/2006/main">
   <p:cSld>
     <p:spTree>
@@ -49248,7 +49007,7 @@
 </p:sld>
 </file>
 
-<file path=ppt/slides/slide53.xml><?xml version="1.0" encoding="utf-8"?>
+<file path=ppt/slides/slide52.xml><?xml version="1.0" encoding="utf-8"?>
 <p:sld xmlns:a="http://schemas.openxmlformats.org/drawingml/2006/main" xmlns:r="http://schemas.openxmlformats.org/officeDocument/2006/relationships" xmlns:p="http://schemas.openxmlformats.org/presentationml/2006/main">
   <p:cSld>
     <p:spTree>
@@ -51362,7 +51121,7 @@
 </p:sld>
 </file>
 
-<file path=ppt/slides/slide54.xml><?xml version="1.0" encoding="utf-8"?>
+<file path=ppt/slides/slide53.xml><?xml version="1.0" encoding="utf-8"?>
 <p:sld xmlns:a="http://schemas.openxmlformats.org/drawingml/2006/main" xmlns:r="http://schemas.openxmlformats.org/officeDocument/2006/relationships" xmlns:p="http://schemas.openxmlformats.org/presentationml/2006/main">
   <p:cSld>
     <p:spTree>
@@ -52946,7 +52705,7 @@
 </p:sld>
 </file>
 
-<file path=ppt/slides/slide55.xml><?xml version="1.0" encoding="utf-8"?>
+<file path=ppt/slides/slide54.xml><?xml version="1.0" encoding="utf-8"?>
 <p:sld xmlns:a="http://schemas.openxmlformats.org/drawingml/2006/main" xmlns:r="http://schemas.openxmlformats.org/officeDocument/2006/relationships" xmlns:p="http://schemas.openxmlformats.org/presentationml/2006/main">
   <p:cSld>
     <p:spTree>
@@ -53045,7 +52804,7 @@
 </p:sld>
 </file>
 
-<file path=ppt/slides/slide56.xml><?xml version="1.0" encoding="utf-8"?>
+<file path=ppt/slides/slide55.xml><?xml version="1.0" encoding="utf-8"?>
 <p:sld xmlns:a="http://schemas.openxmlformats.org/drawingml/2006/main" xmlns:r="http://schemas.openxmlformats.org/officeDocument/2006/relationships" xmlns:p="http://schemas.openxmlformats.org/presentationml/2006/main">
   <p:cSld>
     <p:spTree>
@@ -53151,7 +52910,7 @@
 </p:sld>
 </file>
 
-<file path=ppt/slides/slide57.xml><?xml version="1.0" encoding="utf-8"?>
+<file path=ppt/slides/slide56.xml><?xml version="1.0" encoding="utf-8"?>
 <p:sld xmlns:a="http://schemas.openxmlformats.org/drawingml/2006/main" xmlns:r="http://schemas.openxmlformats.org/officeDocument/2006/relationships" xmlns:p="http://schemas.openxmlformats.org/presentationml/2006/main">
   <p:cSld>
     <p:spTree>

--- a/lecture.pptx
+++ b/lecture.pptx
@@ -5,10 +5,10 @@
     <p:sldMasterId id="2147483875" r:id="rId1"/>
   </p:sldMasterIdLst>
   <p:notesMasterIdLst>
-    <p:notesMasterId r:id="rId58"/>
+    <p:notesMasterId r:id="rId59"/>
   </p:notesMasterIdLst>
   <p:handoutMasterIdLst>
-    <p:handoutMasterId r:id="rId59"/>
+    <p:handoutMasterId r:id="rId60"/>
   </p:handoutMasterIdLst>
   <p:sldIdLst>
     <p:sldId id="256" r:id="rId2"/>
@@ -42,31 +42,32 @@
     <p:sldId id="542" r:id="rId30"/>
     <p:sldId id="531" r:id="rId31"/>
     <p:sldId id="567" r:id="rId32"/>
-    <p:sldId id="566" r:id="rId33"/>
-    <p:sldId id="419" r:id="rId34"/>
-    <p:sldId id="526" r:id="rId35"/>
-    <p:sldId id="318" r:id="rId36"/>
-    <p:sldId id="525" r:id="rId37"/>
-    <p:sldId id="319" r:id="rId38"/>
-    <p:sldId id="422" r:id="rId39"/>
-    <p:sldId id="343" r:id="rId40"/>
-    <p:sldId id="523" r:id="rId41"/>
-    <p:sldId id="511" r:id="rId42"/>
-    <p:sldId id="502" r:id="rId43"/>
-    <p:sldId id="503" r:id="rId44"/>
-    <p:sldId id="504" r:id="rId45"/>
-    <p:sldId id="524" r:id="rId46"/>
-    <p:sldId id="513" r:id="rId47"/>
-    <p:sldId id="514" r:id="rId48"/>
-    <p:sldId id="532" r:id="rId49"/>
-    <p:sldId id="533" r:id="rId50"/>
-    <p:sldId id="534" r:id="rId51"/>
-    <p:sldId id="509" r:id="rId52"/>
-    <p:sldId id="510" r:id="rId53"/>
-    <p:sldId id="508" r:id="rId54"/>
-    <p:sldId id="536" r:id="rId55"/>
-    <p:sldId id="537" r:id="rId56"/>
-    <p:sldId id="538" r:id="rId57"/>
+    <p:sldId id="568" r:id="rId33"/>
+    <p:sldId id="566" r:id="rId34"/>
+    <p:sldId id="419" r:id="rId35"/>
+    <p:sldId id="526" r:id="rId36"/>
+    <p:sldId id="318" r:id="rId37"/>
+    <p:sldId id="525" r:id="rId38"/>
+    <p:sldId id="319" r:id="rId39"/>
+    <p:sldId id="422" r:id="rId40"/>
+    <p:sldId id="343" r:id="rId41"/>
+    <p:sldId id="523" r:id="rId42"/>
+    <p:sldId id="511" r:id="rId43"/>
+    <p:sldId id="502" r:id="rId44"/>
+    <p:sldId id="503" r:id="rId45"/>
+    <p:sldId id="504" r:id="rId46"/>
+    <p:sldId id="524" r:id="rId47"/>
+    <p:sldId id="513" r:id="rId48"/>
+    <p:sldId id="514" r:id="rId49"/>
+    <p:sldId id="532" r:id="rId50"/>
+    <p:sldId id="533" r:id="rId51"/>
+    <p:sldId id="534" r:id="rId52"/>
+    <p:sldId id="509" r:id="rId53"/>
+    <p:sldId id="510" r:id="rId54"/>
+    <p:sldId id="508" r:id="rId55"/>
+    <p:sldId id="536" r:id="rId56"/>
+    <p:sldId id="537" r:id="rId57"/>
+    <p:sldId id="538" r:id="rId58"/>
   </p:sldIdLst>
   <p:sldSz cx="14630400" cy="8229600"/>
   <p:notesSz cx="6858000" cy="9144000"/>
@@ -924,14 +925,14 @@
           </a:ln>
           <a:extLst>
             <a:ext uri="{909E8E84-426E-40dd-AFC4-6F175D3DCCD1}">
-              <a14:hiddenFill xmlns:a14="http://schemas.microsoft.com/office/drawing/2010/main" xmlns="">
+              <a14:hiddenFill xmlns="" xmlns:a14="http://schemas.microsoft.com/office/drawing/2010/main">
                 <a:solidFill>
                   <a:srgbClr val="FFFFFF"/>
                 </a:solidFill>
               </a14:hiddenFill>
             </a:ext>
             <a:ext uri="{FAA26D3D-D897-4be2-8F04-BA451C77F1D7}">
-              <ma14:placeholderFlag xmlns:ma14="http://schemas.microsoft.com/office/mac/drawingml/2011/main" xmlns="" val="1"/>
+              <ma14:placeholderFlag xmlns="" xmlns:ma14="http://schemas.microsoft.com/office/mac/drawingml/2011/main" val="1"/>
             </a:ext>
           </a:extLst>
         </p:spPr>
@@ -950,14 +951,14 @@
           <a:noFill/>
           <a:extLst>
             <a:ext uri="{909E8E84-426E-40dd-AFC4-6F175D3DCCD1}">
-              <a14:hiddenFill xmlns:a14="http://schemas.microsoft.com/office/drawing/2010/main" xmlns="">
+              <a14:hiddenFill xmlns="" xmlns:a14="http://schemas.microsoft.com/office/drawing/2010/main">
                 <a:solidFill>
                   <a:srgbClr val="FFFFFF"/>
                 </a:solidFill>
               </a14:hiddenFill>
             </a:ext>
             <a:ext uri="{91240B29-F687-4f45-9708-019B960494DF}">
-              <a14:hiddenLine xmlns:a14="http://schemas.microsoft.com/office/drawing/2010/main" xmlns="" w="9525">
+              <a14:hiddenLine xmlns="" xmlns:a14="http://schemas.microsoft.com/office/drawing/2010/main" w="9525">
                 <a:solidFill>
                   <a:srgbClr val="000000"/>
                 </a:solidFill>
@@ -1037,14 +1038,14 @@
           </a:ln>
           <a:extLst>
             <a:ext uri="{909E8E84-426E-40dd-AFC4-6F175D3DCCD1}">
-              <a14:hiddenFill xmlns:a14="http://schemas.microsoft.com/office/drawing/2010/main" xmlns="">
+              <a14:hiddenFill xmlns="" xmlns:a14="http://schemas.microsoft.com/office/drawing/2010/main">
                 <a:solidFill>
                   <a:srgbClr val="FFFFFF"/>
                 </a:solidFill>
               </a14:hiddenFill>
             </a:ext>
             <a:ext uri="{FAA26D3D-D897-4be2-8F04-BA451C77F1D7}">
-              <ma14:placeholderFlag xmlns:ma14="http://schemas.microsoft.com/office/mac/drawingml/2011/main" xmlns="" val="1"/>
+              <ma14:placeholderFlag xmlns="" xmlns:ma14="http://schemas.microsoft.com/office/mac/drawingml/2011/main" val="1"/>
             </a:ext>
           </a:extLst>
         </p:spPr>
@@ -1063,14 +1064,14 @@
           <a:noFill/>
           <a:extLst>
             <a:ext uri="{909E8E84-426E-40dd-AFC4-6F175D3DCCD1}">
-              <a14:hiddenFill xmlns:a14="http://schemas.microsoft.com/office/drawing/2010/main" xmlns="">
+              <a14:hiddenFill xmlns="" xmlns:a14="http://schemas.microsoft.com/office/drawing/2010/main">
                 <a:solidFill>
                   <a:srgbClr val="FFFFFF"/>
                 </a:solidFill>
               </a14:hiddenFill>
             </a:ext>
             <a:ext uri="{91240B29-F687-4f45-9708-019B960494DF}">
-              <a14:hiddenLine xmlns:a14="http://schemas.microsoft.com/office/drawing/2010/main" xmlns="" w="9525">
+              <a14:hiddenLine xmlns="" xmlns:a14="http://schemas.microsoft.com/office/drawing/2010/main" w="9525">
                 <a:solidFill>
                   <a:srgbClr val="000000"/>
                 </a:solidFill>
@@ -1158,14 +1159,14 @@
           </a:ln>
           <a:extLst>
             <a:ext uri="{909E8E84-426E-40dd-AFC4-6F175D3DCCD1}">
-              <a14:hiddenFill xmlns:a14="http://schemas.microsoft.com/office/drawing/2010/main" xmlns="">
+              <a14:hiddenFill xmlns="" xmlns:a14="http://schemas.microsoft.com/office/drawing/2010/main">
                 <a:solidFill>
                   <a:srgbClr val="FFFFFF"/>
                 </a:solidFill>
               </a14:hiddenFill>
             </a:ext>
             <a:ext uri="{FAA26D3D-D897-4be2-8F04-BA451C77F1D7}">
-              <ma14:placeholderFlag xmlns:ma14="http://schemas.microsoft.com/office/mac/drawingml/2011/main" xmlns="" val="1"/>
+              <ma14:placeholderFlag xmlns="" xmlns:ma14="http://schemas.microsoft.com/office/mac/drawingml/2011/main" val="1"/>
             </a:ext>
           </a:extLst>
         </p:spPr>
@@ -1184,14 +1185,14 @@
           <a:noFill/>
           <a:extLst>
             <a:ext uri="{909E8E84-426E-40dd-AFC4-6F175D3DCCD1}">
-              <a14:hiddenFill xmlns:a14="http://schemas.microsoft.com/office/drawing/2010/main" xmlns="">
+              <a14:hiddenFill xmlns="" xmlns:a14="http://schemas.microsoft.com/office/drawing/2010/main">
                 <a:solidFill>
                   <a:srgbClr val="FFFFFF"/>
                 </a:solidFill>
               </a14:hiddenFill>
             </a:ext>
             <a:ext uri="{91240B29-F687-4f45-9708-019B960494DF}">
-              <a14:hiddenLine xmlns:a14="http://schemas.microsoft.com/office/drawing/2010/main" xmlns="" w="9525">
+              <a14:hiddenLine xmlns="" xmlns:a14="http://schemas.microsoft.com/office/drawing/2010/main" w="9525">
                 <a:solidFill>
                   <a:srgbClr val="000000"/>
                 </a:solidFill>
@@ -1279,14 +1280,14 @@
           </a:ln>
           <a:extLst>
             <a:ext uri="{909E8E84-426E-40dd-AFC4-6F175D3DCCD1}">
-              <a14:hiddenFill xmlns:a14="http://schemas.microsoft.com/office/drawing/2010/main" xmlns="">
+              <a14:hiddenFill xmlns="" xmlns:a14="http://schemas.microsoft.com/office/drawing/2010/main">
                 <a:solidFill>
                   <a:srgbClr val="FFFFFF"/>
                 </a:solidFill>
               </a14:hiddenFill>
             </a:ext>
             <a:ext uri="{FAA26D3D-D897-4be2-8F04-BA451C77F1D7}">
-              <ma14:placeholderFlag xmlns:ma14="http://schemas.microsoft.com/office/mac/drawingml/2011/main" xmlns="" val="1"/>
+              <ma14:placeholderFlag xmlns="" xmlns:ma14="http://schemas.microsoft.com/office/mac/drawingml/2011/main" val="1"/>
             </a:ext>
           </a:extLst>
         </p:spPr>
@@ -1305,14 +1306,14 @@
           <a:noFill/>
           <a:extLst>
             <a:ext uri="{909E8E84-426E-40dd-AFC4-6F175D3DCCD1}">
-              <a14:hiddenFill xmlns:a14="http://schemas.microsoft.com/office/drawing/2010/main" xmlns="">
+              <a14:hiddenFill xmlns="" xmlns:a14="http://schemas.microsoft.com/office/drawing/2010/main">
                 <a:solidFill>
                   <a:srgbClr val="FFFFFF"/>
                 </a:solidFill>
               </a14:hiddenFill>
             </a:ext>
             <a:ext uri="{91240B29-F687-4f45-9708-019B960494DF}">
-              <a14:hiddenLine xmlns:a14="http://schemas.microsoft.com/office/drawing/2010/main" xmlns="" w="9525">
+              <a14:hiddenLine xmlns="" xmlns:a14="http://schemas.microsoft.com/office/drawing/2010/main" w="9525">
                 <a:solidFill>
                   <a:srgbClr val="000000"/>
                 </a:solidFill>
@@ -1400,14 +1401,14 @@
           </a:ln>
           <a:extLst>
             <a:ext uri="{909E8E84-426E-40dd-AFC4-6F175D3DCCD1}">
-              <a14:hiddenFill xmlns:a14="http://schemas.microsoft.com/office/drawing/2010/main" xmlns="">
+              <a14:hiddenFill xmlns="" xmlns:a14="http://schemas.microsoft.com/office/drawing/2010/main">
                 <a:solidFill>
                   <a:srgbClr val="FFFFFF"/>
                 </a:solidFill>
               </a14:hiddenFill>
             </a:ext>
             <a:ext uri="{FAA26D3D-D897-4be2-8F04-BA451C77F1D7}">
-              <ma14:placeholderFlag xmlns:ma14="http://schemas.microsoft.com/office/mac/drawingml/2011/main" xmlns="" val="1"/>
+              <ma14:placeholderFlag xmlns="" xmlns:ma14="http://schemas.microsoft.com/office/mac/drawingml/2011/main" val="1"/>
             </a:ext>
           </a:extLst>
         </p:spPr>
@@ -1426,14 +1427,14 @@
           <a:noFill/>
           <a:extLst>
             <a:ext uri="{909E8E84-426E-40dd-AFC4-6F175D3DCCD1}">
-              <a14:hiddenFill xmlns:a14="http://schemas.microsoft.com/office/drawing/2010/main" xmlns="">
+              <a14:hiddenFill xmlns="" xmlns:a14="http://schemas.microsoft.com/office/drawing/2010/main">
                 <a:solidFill>
                   <a:srgbClr val="FFFFFF"/>
                 </a:solidFill>
               </a14:hiddenFill>
             </a:ext>
             <a:ext uri="{91240B29-F687-4f45-9708-019B960494DF}">
-              <a14:hiddenLine xmlns:a14="http://schemas.microsoft.com/office/drawing/2010/main" xmlns="" w="9525">
+              <a14:hiddenLine xmlns="" xmlns:a14="http://schemas.microsoft.com/office/drawing/2010/main" w="9525">
                 <a:solidFill>
                   <a:srgbClr val="000000"/>
                 </a:solidFill>
@@ -1521,14 +1522,14 @@
           </a:ln>
           <a:extLst>
             <a:ext uri="{909E8E84-426E-40dd-AFC4-6F175D3DCCD1}">
-              <a14:hiddenFill xmlns:a14="http://schemas.microsoft.com/office/drawing/2010/main" xmlns="">
+              <a14:hiddenFill xmlns="" xmlns:a14="http://schemas.microsoft.com/office/drawing/2010/main">
                 <a:solidFill>
                   <a:srgbClr val="FFFFFF"/>
                 </a:solidFill>
               </a14:hiddenFill>
             </a:ext>
             <a:ext uri="{FAA26D3D-D897-4be2-8F04-BA451C77F1D7}">
-              <ma14:placeholderFlag xmlns:ma14="http://schemas.microsoft.com/office/mac/drawingml/2011/main" xmlns="" val="1"/>
+              <ma14:placeholderFlag xmlns="" xmlns:ma14="http://schemas.microsoft.com/office/mac/drawingml/2011/main" val="1"/>
             </a:ext>
           </a:extLst>
         </p:spPr>
@@ -1547,14 +1548,14 @@
           <a:noFill/>
           <a:extLst>
             <a:ext uri="{909E8E84-426E-40dd-AFC4-6F175D3DCCD1}">
-              <a14:hiddenFill xmlns:a14="http://schemas.microsoft.com/office/drawing/2010/main" xmlns="">
+              <a14:hiddenFill xmlns="" xmlns:a14="http://schemas.microsoft.com/office/drawing/2010/main">
                 <a:solidFill>
                   <a:srgbClr val="FFFFFF"/>
                 </a:solidFill>
               </a14:hiddenFill>
             </a:ext>
             <a:ext uri="{91240B29-F687-4f45-9708-019B960494DF}">
-              <a14:hiddenLine xmlns:a14="http://schemas.microsoft.com/office/drawing/2010/main" xmlns="" w="9525">
+              <a14:hiddenLine xmlns="" xmlns:a14="http://schemas.microsoft.com/office/drawing/2010/main" w="9525">
                 <a:solidFill>
                   <a:srgbClr val="000000"/>
                 </a:solidFill>
@@ -1784,14 +1785,14 @@
           </a:ln>
           <a:extLst>
             <a:ext uri="{909E8E84-426E-40dd-AFC4-6F175D3DCCD1}">
-              <a14:hiddenFill xmlns:a14="http://schemas.microsoft.com/office/drawing/2010/main" xmlns="">
+              <a14:hiddenFill xmlns="" xmlns:a14="http://schemas.microsoft.com/office/drawing/2010/main">
                 <a:solidFill>
                   <a:srgbClr val="FFFFFF"/>
                 </a:solidFill>
               </a14:hiddenFill>
             </a:ext>
             <a:ext uri="{FAA26D3D-D897-4be2-8F04-BA451C77F1D7}">
-              <ma14:placeholderFlag xmlns:ma14="http://schemas.microsoft.com/office/mac/drawingml/2011/main" xmlns="" val="1"/>
+              <ma14:placeholderFlag xmlns="" xmlns:ma14="http://schemas.microsoft.com/office/mac/drawingml/2011/main" val="1"/>
             </a:ext>
           </a:extLst>
         </p:spPr>
@@ -1810,14 +1811,14 @@
           <a:noFill/>
           <a:extLst>
             <a:ext uri="{909E8E84-426E-40dd-AFC4-6F175D3DCCD1}">
-              <a14:hiddenFill xmlns:a14="http://schemas.microsoft.com/office/drawing/2010/main" xmlns="">
+              <a14:hiddenFill xmlns="" xmlns:a14="http://schemas.microsoft.com/office/drawing/2010/main">
                 <a:solidFill>
                   <a:srgbClr val="FFFFFF"/>
                 </a:solidFill>
               </a14:hiddenFill>
             </a:ext>
             <a:ext uri="{91240B29-F687-4f45-9708-019B960494DF}">
-              <a14:hiddenLine xmlns:a14="http://schemas.microsoft.com/office/drawing/2010/main" xmlns="" w="9525">
+              <a14:hiddenLine xmlns="" xmlns:a14="http://schemas.microsoft.com/office/drawing/2010/main" w="9525">
                 <a:solidFill>
                   <a:srgbClr val="000000"/>
                 </a:solidFill>
@@ -1897,14 +1898,14 @@
           </a:ln>
           <a:extLst>
             <a:ext uri="{909E8E84-426E-40dd-AFC4-6F175D3DCCD1}">
-              <a14:hiddenFill xmlns:a14="http://schemas.microsoft.com/office/drawing/2010/main" xmlns="">
+              <a14:hiddenFill xmlns="" xmlns:a14="http://schemas.microsoft.com/office/drawing/2010/main">
                 <a:solidFill>
                   <a:srgbClr val="FFFFFF"/>
                 </a:solidFill>
               </a14:hiddenFill>
             </a:ext>
             <a:ext uri="{FAA26D3D-D897-4be2-8F04-BA451C77F1D7}">
-              <ma14:placeholderFlag xmlns:ma14="http://schemas.microsoft.com/office/mac/drawingml/2011/main" xmlns="" val="1"/>
+              <ma14:placeholderFlag xmlns="" xmlns:ma14="http://schemas.microsoft.com/office/mac/drawingml/2011/main" val="1"/>
             </a:ext>
           </a:extLst>
         </p:spPr>
@@ -1923,14 +1924,14 @@
           <a:noFill/>
           <a:extLst>
             <a:ext uri="{909E8E84-426E-40dd-AFC4-6F175D3DCCD1}">
-              <a14:hiddenFill xmlns:a14="http://schemas.microsoft.com/office/drawing/2010/main" xmlns="">
+              <a14:hiddenFill xmlns="" xmlns:a14="http://schemas.microsoft.com/office/drawing/2010/main">
                 <a:solidFill>
                   <a:srgbClr val="FFFFFF"/>
                 </a:solidFill>
               </a14:hiddenFill>
             </a:ext>
             <a:ext uri="{91240B29-F687-4f45-9708-019B960494DF}">
-              <a14:hiddenLine xmlns:a14="http://schemas.microsoft.com/office/drawing/2010/main" xmlns="" w="9525">
+              <a14:hiddenLine xmlns="" xmlns:a14="http://schemas.microsoft.com/office/drawing/2010/main" w="9525">
                 <a:solidFill>
                   <a:srgbClr val="000000"/>
                 </a:solidFill>
@@ -2329,14 +2330,14 @@
           </a:ln>
           <a:extLst>
             <a:ext uri="{909E8E84-426E-40dd-AFC4-6F175D3DCCD1}">
-              <a14:hiddenFill xmlns:a14="http://schemas.microsoft.com/office/drawing/2010/main" xmlns="">
+              <a14:hiddenFill xmlns="" xmlns:a14="http://schemas.microsoft.com/office/drawing/2010/main">
                 <a:solidFill>
                   <a:srgbClr val="FFFFFF"/>
                 </a:solidFill>
               </a14:hiddenFill>
             </a:ext>
             <a:ext uri="{FAA26D3D-D897-4be2-8F04-BA451C77F1D7}">
-              <ma14:placeholderFlag xmlns:ma14="http://schemas.microsoft.com/office/mac/drawingml/2011/main" xmlns="" val="1"/>
+              <ma14:placeholderFlag xmlns="" xmlns:ma14="http://schemas.microsoft.com/office/mac/drawingml/2011/main" val="1"/>
             </a:ext>
           </a:extLst>
         </p:spPr>
@@ -2355,14 +2356,14 @@
           <a:noFill/>
           <a:extLst>
             <a:ext uri="{909E8E84-426E-40dd-AFC4-6F175D3DCCD1}">
-              <a14:hiddenFill xmlns:a14="http://schemas.microsoft.com/office/drawing/2010/main" xmlns="">
+              <a14:hiddenFill xmlns="" xmlns:a14="http://schemas.microsoft.com/office/drawing/2010/main">
                 <a:solidFill>
                   <a:srgbClr val="FFFFFF"/>
                 </a:solidFill>
               </a14:hiddenFill>
             </a:ext>
             <a:ext uri="{91240B29-F687-4f45-9708-019B960494DF}">
-              <a14:hiddenLine xmlns:a14="http://schemas.microsoft.com/office/drawing/2010/main" xmlns="" w="9525">
+              <a14:hiddenLine xmlns="" xmlns:a14="http://schemas.microsoft.com/office/drawing/2010/main" w="9525">
                 <a:solidFill>
                   <a:srgbClr val="000000"/>
                 </a:solidFill>
@@ -2673,14 +2674,14 @@
           </a:ln>
           <a:extLst>
             <a:ext uri="{909E8E84-426E-40dd-AFC4-6F175D3DCCD1}">
-              <a14:hiddenFill xmlns:a14="http://schemas.microsoft.com/office/drawing/2010/main" xmlns="">
+              <a14:hiddenFill xmlns="" xmlns:a14="http://schemas.microsoft.com/office/drawing/2010/main">
                 <a:solidFill>
                   <a:srgbClr val="FFFFFF"/>
                 </a:solidFill>
               </a14:hiddenFill>
             </a:ext>
             <a:ext uri="{FAA26D3D-D897-4be2-8F04-BA451C77F1D7}">
-              <ma14:placeholderFlag xmlns:ma14="http://schemas.microsoft.com/office/mac/drawingml/2011/main" xmlns="" val="1"/>
+              <ma14:placeholderFlag xmlns="" xmlns:ma14="http://schemas.microsoft.com/office/mac/drawingml/2011/main" val="1"/>
             </a:ext>
           </a:extLst>
         </p:spPr>
@@ -2699,14 +2700,14 @@
           <a:noFill/>
           <a:extLst>
             <a:ext uri="{909E8E84-426E-40dd-AFC4-6F175D3DCCD1}">
-              <a14:hiddenFill xmlns:a14="http://schemas.microsoft.com/office/drawing/2010/main" xmlns="">
+              <a14:hiddenFill xmlns="" xmlns:a14="http://schemas.microsoft.com/office/drawing/2010/main">
                 <a:solidFill>
                   <a:srgbClr val="FFFFFF"/>
                 </a:solidFill>
               </a14:hiddenFill>
             </a:ext>
             <a:ext uri="{91240B29-F687-4f45-9708-019B960494DF}">
-              <a14:hiddenLine xmlns:a14="http://schemas.microsoft.com/office/drawing/2010/main" xmlns="" w="9525">
+              <a14:hiddenLine xmlns="" xmlns:a14="http://schemas.microsoft.com/office/drawing/2010/main" w="9525">
                 <a:solidFill>
                   <a:srgbClr val="000000"/>
                 </a:solidFill>
@@ -2794,14 +2795,14 @@
           </a:ln>
           <a:extLst>
             <a:ext uri="{909E8E84-426E-40dd-AFC4-6F175D3DCCD1}">
-              <a14:hiddenFill xmlns:a14="http://schemas.microsoft.com/office/drawing/2010/main" xmlns="">
+              <a14:hiddenFill xmlns="" xmlns:a14="http://schemas.microsoft.com/office/drawing/2010/main">
                 <a:solidFill>
                   <a:srgbClr val="FFFFFF"/>
                 </a:solidFill>
               </a14:hiddenFill>
             </a:ext>
             <a:ext uri="{FAA26D3D-D897-4be2-8F04-BA451C77F1D7}">
-              <ma14:placeholderFlag xmlns:ma14="http://schemas.microsoft.com/office/mac/drawingml/2011/main" xmlns="" val="1"/>
+              <ma14:placeholderFlag xmlns="" xmlns:ma14="http://schemas.microsoft.com/office/mac/drawingml/2011/main" val="1"/>
             </a:ext>
           </a:extLst>
         </p:spPr>
@@ -2820,14 +2821,14 @@
           <a:noFill/>
           <a:extLst>
             <a:ext uri="{909E8E84-426E-40dd-AFC4-6F175D3DCCD1}">
-              <a14:hiddenFill xmlns:a14="http://schemas.microsoft.com/office/drawing/2010/main" xmlns="">
+              <a14:hiddenFill xmlns="" xmlns:a14="http://schemas.microsoft.com/office/drawing/2010/main">
                 <a:solidFill>
                   <a:srgbClr val="FFFFFF"/>
                 </a:solidFill>
               </a14:hiddenFill>
             </a:ext>
             <a:ext uri="{91240B29-F687-4f45-9708-019B960494DF}">
-              <a14:hiddenLine xmlns:a14="http://schemas.microsoft.com/office/drawing/2010/main" xmlns="" w="9525">
+              <a14:hiddenLine xmlns="" xmlns:a14="http://schemas.microsoft.com/office/drawing/2010/main" w="9525">
                 <a:solidFill>
                   <a:srgbClr val="000000"/>
                 </a:solidFill>
@@ -2984,14 +2985,14 @@
           </a:ln>
           <a:extLst>
             <a:ext uri="{909E8E84-426E-40dd-AFC4-6F175D3DCCD1}">
-              <a14:hiddenFill xmlns:a14="http://schemas.microsoft.com/office/drawing/2010/main" xmlns="">
+              <a14:hiddenFill xmlns="" xmlns:a14="http://schemas.microsoft.com/office/drawing/2010/main">
                 <a:solidFill>
                   <a:srgbClr val="FFFFFF"/>
                 </a:solidFill>
               </a14:hiddenFill>
             </a:ext>
             <a:ext uri="{FAA26D3D-D897-4be2-8F04-BA451C77F1D7}">
-              <ma14:placeholderFlag xmlns:ma14="http://schemas.microsoft.com/office/mac/drawingml/2011/main" xmlns="" val="1"/>
+              <ma14:placeholderFlag xmlns="" xmlns:ma14="http://schemas.microsoft.com/office/mac/drawingml/2011/main" val="1"/>
             </a:ext>
           </a:extLst>
         </p:spPr>
@@ -3010,14 +3011,14 @@
           <a:noFill/>
           <a:extLst>
             <a:ext uri="{909E8E84-426E-40dd-AFC4-6F175D3DCCD1}">
-              <a14:hiddenFill xmlns:a14="http://schemas.microsoft.com/office/drawing/2010/main" xmlns="">
+              <a14:hiddenFill xmlns="" xmlns:a14="http://schemas.microsoft.com/office/drawing/2010/main">
                 <a:solidFill>
                   <a:srgbClr val="FFFFFF"/>
                 </a:solidFill>
               </a14:hiddenFill>
             </a:ext>
             <a:ext uri="{91240B29-F687-4f45-9708-019B960494DF}">
-              <a14:hiddenLine xmlns:a14="http://schemas.microsoft.com/office/drawing/2010/main" xmlns="" w="9525">
+              <a14:hiddenLine xmlns="" xmlns:a14="http://schemas.microsoft.com/office/drawing/2010/main" w="9525">
                 <a:solidFill>
                   <a:srgbClr val="000000"/>
                 </a:solidFill>
@@ -3102,14 +3103,14 @@
           </a:ln>
           <a:extLst>
             <a:ext uri="{909E8E84-426E-40dd-AFC4-6F175D3DCCD1}">
-              <a14:hiddenFill xmlns:a14="http://schemas.microsoft.com/office/drawing/2010/main" xmlns="">
+              <a14:hiddenFill xmlns="" xmlns:a14="http://schemas.microsoft.com/office/drawing/2010/main">
                 <a:solidFill>
                   <a:srgbClr val="FFFFFF"/>
                 </a:solidFill>
               </a14:hiddenFill>
             </a:ext>
             <a:ext uri="{FAA26D3D-D897-4be2-8F04-BA451C77F1D7}">
-              <ma14:placeholderFlag xmlns:ma14="http://schemas.microsoft.com/office/mac/drawingml/2011/main" xmlns="" val="1"/>
+              <ma14:placeholderFlag xmlns="" xmlns:ma14="http://schemas.microsoft.com/office/mac/drawingml/2011/main" val="1"/>
             </a:ext>
           </a:extLst>
         </p:spPr>
@@ -3128,14 +3129,14 @@
           <a:noFill/>
           <a:extLst>
             <a:ext uri="{909E8E84-426E-40dd-AFC4-6F175D3DCCD1}">
-              <a14:hiddenFill xmlns:a14="http://schemas.microsoft.com/office/drawing/2010/main" xmlns="">
+              <a14:hiddenFill xmlns="" xmlns:a14="http://schemas.microsoft.com/office/drawing/2010/main">
                 <a:solidFill>
                   <a:srgbClr val="FFFFFF"/>
                 </a:solidFill>
               </a14:hiddenFill>
             </a:ext>
             <a:ext uri="{91240B29-F687-4f45-9708-019B960494DF}">
-              <a14:hiddenLine xmlns:a14="http://schemas.microsoft.com/office/drawing/2010/main" xmlns="" w="9525">
+              <a14:hiddenLine xmlns="" xmlns:a14="http://schemas.microsoft.com/office/drawing/2010/main" w="9525">
                 <a:solidFill>
                   <a:srgbClr val="000000"/>
                 </a:solidFill>
@@ -3223,14 +3224,14 @@
           </a:ln>
           <a:extLst>
             <a:ext uri="{909E8E84-426E-40dd-AFC4-6F175D3DCCD1}">
-              <a14:hiddenFill xmlns:a14="http://schemas.microsoft.com/office/drawing/2010/main" xmlns="">
+              <a14:hiddenFill xmlns="" xmlns:a14="http://schemas.microsoft.com/office/drawing/2010/main">
                 <a:solidFill>
                   <a:srgbClr val="FFFFFF"/>
                 </a:solidFill>
               </a14:hiddenFill>
             </a:ext>
             <a:ext uri="{FAA26D3D-D897-4be2-8F04-BA451C77F1D7}">
-              <ma14:placeholderFlag xmlns:ma14="http://schemas.microsoft.com/office/mac/drawingml/2011/main" xmlns="" val="1"/>
+              <ma14:placeholderFlag xmlns="" xmlns:ma14="http://schemas.microsoft.com/office/mac/drawingml/2011/main" val="1"/>
             </a:ext>
           </a:extLst>
         </p:spPr>
@@ -3249,14 +3250,14 @@
           <a:noFill/>
           <a:extLst>
             <a:ext uri="{909E8E84-426E-40dd-AFC4-6F175D3DCCD1}">
-              <a14:hiddenFill xmlns:a14="http://schemas.microsoft.com/office/drawing/2010/main" xmlns="">
+              <a14:hiddenFill xmlns="" xmlns:a14="http://schemas.microsoft.com/office/drawing/2010/main">
                 <a:solidFill>
                   <a:srgbClr val="FFFFFF"/>
                 </a:solidFill>
               </a14:hiddenFill>
             </a:ext>
             <a:ext uri="{91240B29-F687-4f45-9708-019B960494DF}">
-              <a14:hiddenLine xmlns:a14="http://schemas.microsoft.com/office/drawing/2010/main" xmlns="" w="9525">
+              <a14:hiddenLine xmlns="" xmlns:a14="http://schemas.microsoft.com/office/drawing/2010/main" w="9525">
                 <a:solidFill>
                   <a:srgbClr val="000000"/>
                 </a:solidFill>
@@ -3344,14 +3345,14 @@
           </a:ln>
           <a:extLst>
             <a:ext uri="{909E8E84-426E-40dd-AFC4-6F175D3DCCD1}">
-              <a14:hiddenFill xmlns:a14="http://schemas.microsoft.com/office/drawing/2010/main" xmlns="">
+              <a14:hiddenFill xmlns="" xmlns:a14="http://schemas.microsoft.com/office/drawing/2010/main">
                 <a:solidFill>
                   <a:srgbClr val="FFFFFF"/>
                 </a:solidFill>
               </a14:hiddenFill>
             </a:ext>
             <a:ext uri="{FAA26D3D-D897-4be2-8F04-BA451C77F1D7}">
-              <ma14:placeholderFlag xmlns:ma14="http://schemas.microsoft.com/office/mac/drawingml/2011/main" xmlns="" val="1"/>
+              <ma14:placeholderFlag xmlns="" xmlns:ma14="http://schemas.microsoft.com/office/mac/drawingml/2011/main" val="1"/>
             </a:ext>
           </a:extLst>
         </p:spPr>
@@ -3370,14 +3371,14 @@
           <a:noFill/>
           <a:extLst>
             <a:ext uri="{909E8E84-426E-40dd-AFC4-6F175D3DCCD1}">
-              <a14:hiddenFill xmlns:a14="http://schemas.microsoft.com/office/drawing/2010/main" xmlns="">
+              <a14:hiddenFill xmlns="" xmlns:a14="http://schemas.microsoft.com/office/drawing/2010/main">
                 <a:solidFill>
                   <a:srgbClr val="FFFFFF"/>
                 </a:solidFill>
               </a14:hiddenFill>
             </a:ext>
             <a:ext uri="{91240B29-F687-4f45-9708-019B960494DF}">
-              <a14:hiddenLine xmlns:a14="http://schemas.microsoft.com/office/drawing/2010/main" xmlns="" w="9525">
+              <a14:hiddenLine xmlns="" xmlns:a14="http://schemas.microsoft.com/office/drawing/2010/main" w="9525">
                 <a:solidFill>
                   <a:srgbClr val="000000"/>
                 </a:solidFill>
@@ -3465,14 +3466,14 @@
           </a:ln>
           <a:extLst>
             <a:ext uri="{909E8E84-426E-40dd-AFC4-6F175D3DCCD1}">
-              <a14:hiddenFill xmlns:a14="http://schemas.microsoft.com/office/drawing/2010/main" xmlns="">
+              <a14:hiddenFill xmlns="" xmlns:a14="http://schemas.microsoft.com/office/drawing/2010/main">
                 <a:solidFill>
                   <a:srgbClr val="FFFFFF"/>
                 </a:solidFill>
               </a14:hiddenFill>
             </a:ext>
             <a:ext uri="{FAA26D3D-D897-4be2-8F04-BA451C77F1D7}">
-              <ma14:placeholderFlag xmlns:ma14="http://schemas.microsoft.com/office/mac/drawingml/2011/main" xmlns="" val="1"/>
+              <ma14:placeholderFlag xmlns="" xmlns:ma14="http://schemas.microsoft.com/office/mac/drawingml/2011/main" val="1"/>
             </a:ext>
           </a:extLst>
         </p:spPr>
@@ -3491,14 +3492,14 @@
           <a:noFill/>
           <a:extLst>
             <a:ext uri="{909E8E84-426E-40dd-AFC4-6F175D3DCCD1}">
-              <a14:hiddenFill xmlns:a14="http://schemas.microsoft.com/office/drawing/2010/main" xmlns="">
+              <a14:hiddenFill xmlns="" xmlns:a14="http://schemas.microsoft.com/office/drawing/2010/main">
                 <a:solidFill>
                   <a:srgbClr val="FFFFFF"/>
                 </a:solidFill>
               </a14:hiddenFill>
             </a:ext>
             <a:ext uri="{91240B29-F687-4f45-9708-019B960494DF}">
-              <a14:hiddenLine xmlns:a14="http://schemas.microsoft.com/office/drawing/2010/main" xmlns="" w="9525">
+              <a14:hiddenLine xmlns="" xmlns:a14="http://schemas.microsoft.com/office/drawing/2010/main" w="9525">
                 <a:solidFill>
                   <a:srgbClr val="000000"/>
                 </a:solidFill>
@@ -3586,14 +3587,14 @@
           </a:ln>
           <a:extLst>
             <a:ext uri="{909E8E84-426E-40dd-AFC4-6F175D3DCCD1}">
-              <a14:hiddenFill xmlns:a14="http://schemas.microsoft.com/office/drawing/2010/main" xmlns="">
+              <a14:hiddenFill xmlns="" xmlns:a14="http://schemas.microsoft.com/office/drawing/2010/main">
                 <a:solidFill>
                   <a:srgbClr val="FFFFFF"/>
                 </a:solidFill>
               </a14:hiddenFill>
             </a:ext>
             <a:ext uri="{FAA26D3D-D897-4be2-8F04-BA451C77F1D7}">
-              <ma14:placeholderFlag xmlns:ma14="http://schemas.microsoft.com/office/mac/drawingml/2011/main" xmlns="" val="1"/>
+              <ma14:placeholderFlag xmlns="" xmlns:ma14="http://schemas.microsoft.com/office/mac/drawingml/2011/main" val="1"/>
             </a:ext>
           </a:extLst>
         </p:spPr>
@@ -3612,14 +3613,14 @@
           <a:noFill/>
           <a:extLst>
             <a:ext uri="{909E8E84-426E-40dd-AFC4-6F175D3DCCD1}">
-              <a14:hiddenFill xmlns:a14="http://schemas.microsoft.com/office/drawing/2010/main" xmlns="">
+              <a14:hiddenFill xmlns="" xmlns:a14="http://schemas.microsoft.com/office/drawing/2010/main">
                 <a:solidFill>
                   <a:srgbClr val="FFFFFF"/>
                 </a:solidFill>
               </a14:hiddenFill>
             </a:ext>
             <a:ext uri="{91240B29-F687-4f45-9708-019B960494DF}">
-              <a14:hiddenLine xmlns:a14="http://schemas.microsoft.com/office/drawing/2010/main" xmlns="" w="9525">
+              <a14:hiddenLine xmlns="" xmlns:a14="http://schemas.microsoft.com/office/drawing/2010/main" w="9525">
                 <a:solidFill>
                   <a:srgbClr val="000000"/>
                 </a:solidFill>
@@ -3816,14 +3817,14 @@
           </a:ln>
           <a:extLst>
             <a:ext uri="{909E8E84-426E-40dd-AFC4-6F175D3DCCD1}">
-              <a14:hiddenFill xmlns:a14="http://schemas.microsoft.com/office/drawing/2010/main" xmlns="">
+              <a14:hiddenFill xmlns="" xmlns:a14="http://schemas.microsoft.com/office/drawing/2010/main">
                 <a:solidFill>
                   <a:srgbClr val="FFFFFF"/>
                 </a:solidFill>
               </a14:hiddenFill>
             </a:ext>
             <a:ext uri="{FAA26D3D-D897-4be2-8F04-BA451C77F1D7}">
-              <ma14:placeholderFlag xmlns:ma14="http://schemas.microsoft.com/office/mac/drawingml/2011/main" xmlns="" val="1"/>
+              <ma14:placeholderFlag xmlns="" xmlns:ma14="http://schemas.microsoft.com/office/mac/drawingml/2011/main" val="1"/>
             </a:ext>
           </a:extLst>
         </p:spPr>
@@ -3842,14 +3843,14 @@
           <a:noFill/>
           <a:extLst>
             <a:ext uri="{909E8E84-426E-40dd-AFC4-6F175D3DCCD1}">
-              <a14:hiddenFill xmlns:a14="http://schemas.microsoft.com/office/drawing/2010/main" xmlns="">
+              <a14:hiddenFill xmlns="" xmlns:a14="http://schemas.microsoft.com/office/drawing/2010/main">
                 <a:solidFill>
                   <a:srgbClr val="FFFFFF"/>
                 </a:solidFill>
               </a14:hiddenFill>
             </a:ext>
             <a:ext uri="{91240B29-F687-4f45-9708-019B960494DF}">
-              <a14:hiddenLine xmlns:a14="http://schemas.microsoft.com/office/drawing/2010/main" xmlns="" w="9525">
+              <a14:hiddenLine xmlns="" xmlns:a14="http://schemas.microsoft.com/office/drawing/2010/main" w="9525">
                 <a:solidFill>
                   <a:srgbClr val="000000"/>
                 </a:solidFill>
@@ -3934,14 +3935,14 @@
           </a:ln>
           <a:extLst>
             <a:ext uri="{909E8E84-426E-40dd-AFC4-6F175D3DCCD1}">
-              <a14:hiddenFill xmlns:a14="http://schemas.microsoft.com/office/drawing/2010/main" xmlns="">
+              <a14:hiddenFill xmlns="" xmlns:a14="http://schemas.microsoft.com/office/drawing/2010/main">
                 <a:solidFill>
                   <a:srgbClr val="FFFFFF"/>
                 </a:solidFill>
               </a14:hiddenFill>
             </a:ext>
             <a:ext uri="{FAA26D3D-D897-4be2-8F04-BA451C77F1D7}">
-              <ma14:placeholderFlag xmlns:ma14="http://schemas.microsoft.com/office/mac/drawingml/2011/main" xmlns="" val="1"/>
+              <ma14:placeholderFlag xmlns="" xmlns:ma14="http://schemas.microsoft.com/office/mac/drawingml/2011/main" val="1"/>
             </a:ext>
           </a:extLst>
         </p:spPr>
@@ -3960,14 +3961,14 @@
           <a:noFill/>
           <a:extLst>
             <a:ext uri="{909E8E84-426E-40dd-AFC4-6F175D3DCCD1}">
-              <a14:hiddenFill xmlns:a14="http://schemas.microsoft.com/office/drawing/2010/main" xmlns="">
+              <a14:hiddenFill xmlns="" xmlns:a14="http://schemas.microsoft.com/office/drawing/2010/main">
                 <a:solidFill>
                   <a:srgbClr val="FFFFFF"/>
                 </a:solidFill>
               </a14:hiddenFill>
             </a:ext>
             <a:ext uri="{91240B29-F687-4f45-9708-019B960494DF}">
-              <a14:hiddenLine xmlns:a14="http://schemas.microsoft.com/office/drawing/2010/main" xmlns="" w="9525">
+              <a14:hiddenLine xmlns="" xmlns:a14="http://schemas.microsoft.com/office/drawing/2010/main" w="9525">
                 <a:solidFill>
                   <a:srgbClr val="000000"/>
                 </a:solidFill>
@@ -4108,14 +4109,14 @@
           </a:ln>
           <a:extLst>
             <a:ext uri="{909E8E84-426E-40dd-AFC4-6F175D3DCCD1}">
-              <a14:hiddenFill xmlns:a14="http://schemas.microsoft.com/office/drawing/2010/main" xmlns="">
+              <a14:hiddenFill xmlns="" xmlns:a14="http://schemas.microsoft.com/office/drawing/2010/main">
                 <a:solidFill>
                   <a:srgbClr val="FFFFFF"/>
                 </a:solidFill>
               </a14:hiddenFill>
             </a:ext>
             <a:ext uri="{FAA26D3D-D897-4be2-8F04-BA451C77F1D7}">
-              <ma14:placeholderFlag xmlns:ma14="http://schemas.microsoft.com/office/mac/drawingml/2011/main" xmlns="" val="1"/>
+              <ma14:placeholderFlag xmlns="" xmlns:ma14="http://schemas.microsoft.com/office/mac/drawingml/2011/main" val="1"/>
             </a:ext>
           </a:extLst>
         </p:spPr>
@@ -4134,14 +4135,14 @@
           <a:noFill/>
           <a:extLst>
             <a:ext uri="{909E8E84-426E-40dd-AFC4-6F175D3DCCD1}">
-              <a14:hiddenFill xmlns:a14="http://schemas.microsoft.com/office/drawing/2010/main" xmlns="">
+              <a14:hiddenFill xmlns="" xmlns:a14="http://schemas.microsoft.com/office/drawing/2010/main">
                 <a:solidFill>
                   <a:srgbClr val="FFFFFF"/>
                 </a:solidFill>
               </a14:hiddenFill>
             </a:ext>
             <a:ext uri="{91240B29-F687-4f45-9708-019B960494DF}">
-              <a14:hiddenLine xmlns:a14="http://schemas.microsoft.com/office/drawing/2010/main" xmlns="" w="9525">
+              <a14:hiddenLine xmlns="" xmlns:a14="http://schemas.microsoft.com/office/drawing/2010/main" w="9525">
                 <a:solidFill>
                   <a:srgbClr val="000000"/>
                 </a:solidFill>
@@ -4209,6 +4210,67 @@
       </p:grpSpPr>
       <p:sp>
         <p:nvSpPr>
+          <p:cNvPr id="2" name="Slide Image Placeholder 1"/>
+          <p:cNvSpPr>
+            <a:spLocks noGrp="1" noRot="1" noChangeAspect="1"/>
+          </p:cNvSpPr>
+          <p:nvPr>
+            <p:ph type="sldImg"/>
+          </p:nvPr>
+        </p:nvSpPr>
+        <p:spPr/>
+      </p:sp>
+      <p:sp>
+        <p:nvSpPr>
+          <p:cNvPr id="3" name="Notes Placeholder 2"/>
+          <p:cNvSpPr>
+            <a:spLocks noGrp="1"/>
+          </p:cNvSpPr>
+          <p:nvPr>
+            <p:ph type="body" idx="1"/>
+          </p:nvPr>
+        </p:nvSpPr>
+        <p:spPr/>
+        <p:txBody>
+          <a:bodyPr/>
+          <a:lstStyle/>
+          <a:p>
+            <a:endParaRPr lang="en-US" dirty="0"/>
+          </a:p>
+        </p:txBody>
+      </p:sp>
+    </p:spTree>
+    <p:extLst>
+      <p:ext uri="{BB962C8B-B14F-4D97-AF65-F5344CB8AC3E}">
+        <p14:creationId xmlns:p14="http://schemas.microsoft.com/office/powerpoint/2010/main" val="2764254563"/>
+      </p:ext>
+    </p:extLst>
+  </p:cSld>
+  <p:clrMapOvr>
+    <a:masterClrMapping/>
+  </p:clrMapOvr>
+</p:notes>
+</file>
+
+<file path=ppt/notesSlides/notesSlide31.xml><?xml version="1.0" encoding="utf-8"?>
+<p:notes xmlns:a="http://schemas.openxmlformats.org/drawingml/2006/main" xmlns:r="http://schemas.openxmlformats.org/officeDocument/2006/relationships" xmlns:p="http://schemas.openxmlformats.org/presentationml/2006/main">
+  <p:cSld>
+    <p:spTree>
+      <p:nvGrpSpPr>
+        <p:cNvPr id="1" name=""/>
+        <p:cNvGrpSpPr/>
+        <p:nvPr/>
+      </p:nvGrpSpPr>
+      <p:grpSpPr>
+        <a:xfrm>
+          <a:off x="0" y="0"/>
+          <a:ext cx="0" cy="0"/>
+          <a:chOff x="0" y="0"/>
+          <a:chExt cx="0" cy="0"/>
+        </a:xfrm>
+      </p:grpSpPr>
+      <p:sp>
+        <p:nvSpPr>
           <p:cNvPr id="36865" name="Slide Image Placeholder 1"/>
           <p:cNvSpPr>
             <a:spLocks noGrp="1" noRot="1" noChangeAspect="1"/>
@@ -4229,14 +4291,14 @@
           </a:ln>
           <a:extLst>
             <a:ext uri="{909E8E84-426E-40dd-AFC4-6F175D3DCCD1}">
-              <a14:hiddenFill xmlns:a14="http://schemas.microsoft.com/office/drawing/2010/main" xmlns="">
+              <a14:hiddenFill xmlns="" xmlns:a14="http://schemas.microsoft.com/office/drawing/2010/main">
                 <a:solidFill>
                   <a:srgbClr val="FFFFFF"/>
                 </a:solidFill>
               </a14:hiddenFill>
             </a:ext>
             <a:ext uri="{FAA26D3D-D897-4be2-8F04-BA451C77F1D7}">
-              <ma14:placeholderFlag xmlns:ma14="http://schemas.microsoft.com/office/mac/drawingml/2011/main" xmlns="" val="1"/>
+              <ma14:placeholderFlag xmlns="" xmlns:ma14="http://schemas.microsoft.com/office/mac/drawingml/2011/main" val="1"/>
             </a:ext>
           </a:extLst>
         </p:spPr>
@@ -4255,14 +4317,14 @@
           <a:noFill/>
           <a:extLst>
             <a:ext uri="{909E8E84-426E-40dd-AFC4-6F175D3DCCD1}">
-              <a14:hiddenFill xmlns:a14="http://schemas.microsoft.com/office/drawing/2010/main" xmlns="">
+              <a14:hiddenFill xmlns="" xmlns:a14="http://schemas.microsoft.com/office/drawing/2010/main">
                 <a:solidFill>
                   <a:srgbClr val="FFFFFF"/>
                 </a:solidFill>
               </a14:hiddenFill>
             </a:ext>
             <a:ext uri="{91240B29-F687-4f45-9708-019B960494DF}">
-              <a14:hiddenLine xmlns:a14="http://schemas.microsoft.com/office/drawing/2010/main" xmlns="" w="9525">
+              <a14:hiddenLine xmlns="" xmlns:a14="http://schemas.microsoft.com/office/drawing/2010/main" w="9525">
                 <a:solidFill>
                   <a:srgbClr val="000000"/>
                 </a:solidFill>
@@ -4308,7 +4370,7 @@
 </p:notes>
 </file>
 
-<file path=ppt/notesSlides/notesSlide31.xml><?xml version="1.0" encoding="utf-8"?>
+<file path=ppt/notesSlides/notesSlide32.xml><?xml version="1.0" encoding="utf-8"?>
 <p:notes xmlns:a="http://schemas.openxmlformats.org/drawingml/2006/main" xmlns:r="http://schemas.openxmlformats.org/officeDocument/2006/relationships" xmlns:p="http://schemas.openxmlformats.org/presentationml/2006/main">
   <p:cSld>
     <p:spTree>
@@ -4347,14 +4409,14 @@
           </a:ln>
           <a:extLst>
             <a:ext uri="{909E8E84-426E-40dd-AFC4-6F175D3DCCD1}">
-              <a14:hiddenFill xmlns:a14="http://schemas.microsoft.com/office/drawing/2010/main" xmlns="">
+              <a14:hiddenFill xmlns="" xmlns:a14="http://schemas.microsoft.com/office/drawing/2010/main">
                 <a:solidFill>
                   <a:srgbClr val="FFFFFF"/>
                 </a:solidFill>
               </a14:hiddenFill>
             </a:ext>
             <a:ext uri="{FAA26D3D-D897-4be2-8F04-BA451C77F1D7}">
-              <ma14:placeholderFlag xmlns:ma14="http://schemas.microsoft.com/office/mac/drawingml/2011/main" xmlns="" val="1"/>
+              <ma14:placeholderFlag xmlns="" xmlns:ma14="http://schemas.microsoft.com/office/mac/drawingml/2011/main" val="1"/>
             </a:ext>
           </a:extLst>
         </p:spPr>
@@ -4373,14 +4435,14 @@
           <a:noFill/>
           <a:extLst>
             <a:ext uri="{909E8E84-426E-40dd-AFC4-6F175D3DCCD1}">
-              <a14:hiddenFill xmlns:a14="http://schemas.microsoft.com/office/drawing/2010/main" xmlns="">
+              <a14:hiddenFill xmlns="" xmlns:a14="http://schemas.microsoft.com/office/drawing/2010/main">
                 <a:solidFill>
                   <a:srgbClr val="FFFFFF"/>
                 </a:solidFill>
               </a14:hiddenFill>
             </a:ext>
             <a:ext uri="{91240B29-F687-4f45-9708-019B960494DF}">
-              <a14:hiddenLine xmlns:a14="http://schemas.microsoft.com/office/drawing/2010/main" xmlns="" w="9525">
+              <a14:hiddenLine xmlns="" xmlns:a14="http://schemas.microsoft.com/office/drawing/2010/main" w="9525">
                 <a:solidFill>
                   <a:srgbClr val="000000"/>
                 </a:solidFill>
@@ -4421,7 +4483,7 @@
 </p:notes>
 </file>
 
-<file path=ppt/notesSlides/notesSlide32.xml><?xml version="1.0" encoding="utf-8"?>
+<file path=ppt/notesSlides/notesSlide33.xml><?xml version="1.0" encoding="utf-8"?>
 <p:notes xmlns:a="http://schemas.openxmlformats.org/drawingml/2006/main" xmlns:r="http://schemas.openxmlformats.org/officeDocument/2006/relationships" xmlns:p="http://schemas.openxmlformats.org/presentationml/2006/main">
   <p:cSld>
     <p:spTree>
@@ -4460,14 +4522,14 @@
           </a:ln>
           <a:extLst>
             <a:ext uri="{909E8E84-426E-40dd-AFC4-6F175D3DCCD1}">
-              <a14:hiddenFill xmlns:a14="http://schemas.microsoft.com/office/drawing/2010/main" xmlns="">
+              <a14:hiddenFill xmlns="" xmlns:a14="http://schemas.microsoft.com/office/drawing/2010/main">
                 <a:solidFill>
                   <a:srgbClr val="FFFFFF"/>
                 </a:solidFill>
               </a14:hiddenFill>
             </a:ext>
             <a:ext uri="{FAA26D3D-D897-4be2-8F04-BA451C77F1D7}">
-              <ma14:placeholderFlag xmlns:ma14="http://schemas.microsoft.com/office/mac/drawingml/2011/main" xmlns="" val="1"/>
+              <ma14:placeholderFlag xmlns="" xmlns:ma14="http://schemas.microsoft.com/office/mac/drawingml/2011/main" val="1"/>
             </a:ext>
           </a:extLst>
         </p:spPr>
@@ -4486,14 +4548,14 @@
           <a:noFill/>
           <a:extLst>
             <a:ext uri="{909E8E84-426E-40dd-AFC4-6F175D3DCCD1}">
-              <a14:hiddenFill xmlns:a14="http://schemas.microsoft.com/office/drawing/2010/main" xmlns="">
+              <a14:hiddenFill xmlns="" xmlns:a14="http://schemas.microsoft.com/office/drawing/2010/main">
                 <a:solidFill>
                   <a:srgbClr val="FFFFFF"/>
                 </a:solidFill>
               </a14:hiddenFill>
             </a:ext>
             <a:ext uri="{91240B29-F687-4f45-9708-019B960494DF}">
-              <a14:hiddenLine xmlns:a14="http://schemas.microsoft.com/office/drawing/2010/main" xmlns="" w="9525">
+              <a14:hiddenLine xmlns="" xmlns:a14="http://schemas.microsoft.com/office/drawing/2010/main" w="9525">
                 <a:solidFill>
                   <a:srgbClr val="000000"/>
                 </a:solidFill>
@@ -4534,7 +4596,7 @@
 </p:notes>
 </file>
 
-<file path=ppt/notesSlides/notesSlide33.xml><?xml version="1.0" encoding="utf-8"?>
+<file path=ppt/notesSlides/notesSlide34.xml><?xml version="1.0" encoding="utf-8"?>
 <p:notes xmlns:a="http://schemas.openxmlformats.org/drawingml/2006/main" xmlns:r="http://schemas.openxmlformats.org/officeDocument/2006/relationships" xmlns:p="http://schemas.openxmlformats.org/presentationml/2006/main">
   <p:cSld>
     <p:spTree>
@@ -4573,14 +4635,14 @@
           </a:ln>
           <a:extLst>
             <a:ext uri="{909E8E84-426E-40dd-AFC4-6F175D3DCCD1}">
-              <a14:hiddenFill xmlns:a14="http://schemas.microsoft.com/office/drawing/2010/main" xmlns="">
+              <a14:hiddenFill xmlns="" xmlns:a14="http://schemas.microsoft.com/office/drawing/2010/main">
                 <a:solidFill>
                   <a:srgbClr val="FFFFFF"/>
                 </a:solidFill>
               </a14:hiddenFill>
             </a:ext>
             <a:ext uri="{FAA26D3D-D897-4be2-8F04-BA451C77F1D7}">
-              <ma14:placeholderFlag xmlns:ma14="http://schemas.microsoft.com/office/mac/drawingml/2011/main" xmlns="" val="1"/>
+              <ma14:placeholderFlag xmlns="" xmlns:ma14="http://schemas.microsoft.com/office/mac/drawingml/2011/main" val="1"/>
             </a:ext>
           </a:extLst>
         </p:spPr>
@@ -4599,14 +4661,14 @@
           <a:noFill/>
           <a:extLst>
             <a:ext uri="{909E8E84-426E-40dd-AFC4-6F175D3DCCD1}">
-              <a14:hiddenFill xmlns:a14="http://schemas.microsoft.com/office/drawing/2010/main" xmlns="">
+              <a14:hiddenFill xmlns="" xmlns:a14="http://schemas.microsoft.com/office/drawing/2010/main">
                 <a:solidFill>
                   <a:srgbClr val="FFFFFF"/>
                 </a:solidFill>
               </a14:hiddenFill>
             </a:ext>
             <a:ext uri="{91240B29-F687-4f45-9708-019B960494DF}">
-              <a14:hiddenLine xmlns:a14="http://schemas.microsoft.com/office/drawing/2010/main" xmlns="" w="9525">
+              <a14:hiddenLine xmlns="" xmlns:a14="http://schemas.microsoft.com/office/drawing/2010/main" w="9525">
                 <a:solidFill>
                   <a:srgbClr val="000000"/>
                 </a:solidFill>
@@ -4647,7 +4709,7 @@
 </p:notes>
 </file>
 
-<file path=ppt/notesSlides/notesSlide34.xml><?xml version="1.0" encoding="utf-8"?>
+<file path=ppt/notesSlides/notesSlide35.xml><?xml version="1.0" encoding="utf-8"?>
 <p:notes xmlns:a="http://schemas.openxmlformats.org/drawingml/2006/main" xmlns:r="http://schemas.openxmlformats.org/officeDocument/2006/relationships" xmlns:p="http://schemas.openxmlformats.org/presentationml/2006/main">
   <p:cSld>
     <p:spTree>
@@ -4686,14 +4748,14 @@
           </a:ln>
           <a:extLst>
             <a:ext uri="{909E8E84-426E-40dd-AFC4-6F175D3DCCD1}">
-              <a14:hiddenFill xmlns:a14="http://schemas.microsoft.com/office/drawing/2010/main" xmlns="">
+              <a14:hiddenFill xmlns="" xmlns:a14="http://schemas.microsoft.com/office/drawing/2010/main">
                 <a:solidFill>
                   <a:srgbClr val="FFFFFF"/>
                 </a:solidFill>
               </a14:hiddenFill>
             </a:ext>
             <a:ext uri="{FAA26D3D-D897-4be2-8F04-BA451C77F1D7}">
-              <ma14:placeholderFlag xmlns:ma14="http://schemas.microsoft.com/office/mac/drawingml/2011/main" xmlns="" val="1"/>
+              <ma14:placeholderFlag xmlns="" xmlns:ma14="http://schemas.microsoft.com/office/mac/drawingml/2011/main" val="1"/>
             </a:ext>
           </a:extLst>
         </p:spPr>
@@ -4712,14 +4774,14 @@
           <a:noFill/>
           <a:extLst>
             <a:ext uri="{909E8E84-426E-40dd-AFC4-6F175D3DCCD1}">
-              <a14:hiddenFill xmlns:a14="http://schemas.microsoft.com/office/drawing/2010/main" xmlns="">
+              <a14:hiddenFill xmlns="" xmlns:a14="http://schemas.microsoft.com/office/drawing/2010/main">
                 <a:solidFill>
                   <a:srgbClr val="FFFFFF"/>
                 </a:solidFill>
               </a14:hiddenFill>
             </a:ext>
             <a:ext uri="{91240B29-F687-4f45-9708-019B960494DF}">
-              <a14:hiddenLine xmlns:a14="http://schemas.microsoft.com/office/drawing/2010/main" xmlns="" w="9525">
+              <a14:hiddenLine xmlns="" xmlns:a14="http://schemas.microsoft.com/office/drawing/2010/main" w="9525">
                 <a:solidFill>
                   <a:srgbClr val="000000"/>
                 </a:solidFill>
@@ -4760,7 +4822,7 @@
 </p:notes>
 </file>
 
-<file path=ppt/notesSlides/notesSlide35.xml><?xml version="1.0" encoding="utf-8"?>
+<file path=ppt/notesSlides/notesSlide36.xml><?xml version="1.0" encoding="utf-8"?>
 <p:notes xmlns:a="http://schemas.openxmlformats.org/drawingml/2006/main" xmlns:r="http://schemas.openxmlformats.org/officeDocument/2006/relationships" xmlns:p="http://schemas.openxmlformats.org/presentationml/2006/main">
   <p:cSld>
     <p:spTree>
@@ -4799,14 +4861,14 @@
           </a:ln>
           <a:extLst>
             <a:ext uri="{909E8E84-426E-40dd-AFC4-6F175D3DCCD1}">
-              <a14:hiddenFill xmlns:a14="http://schemas.microsoft.com/office/drawing/2010/main" xmlns="">
+              <a14:hiddenFill xmlns="" xmlns:a14="http://schemas.microsoft.com/office/drawing/2010/main">
                 <a:solidFill>
                   <a:srgbClr val="FFFFFF"/>
                 </a:solidFill>
               </a14:hiddenFill>
             </a:ext>
             <a:ext uri="{FAA26D3D-D897-4be2-8F04-BA451C77F1D7}">
-              <ma14:placeholderFlag xmlns:ma14="http://schemas.microsoft.com/office/mac/drawingml/2011/main" xmlns="" val="1"/>
+              <ma14:placeholderFlag xmlns="" xmlns:ma14="http://schemas.microsoft.com/office/mac/drawingml/2011/main" val="1"/>
             </a:ext>
           </a:extLst>
         </p:spPr>
@@ -4825,14 +4887,14 @@
           <a:noFill/>
           <a:extLst>
             <a:ext uri="{909E8E84-426E-40dd-AFC4-6F175D3DCCD1}">
-              <a14:hiddenFill xmlns:a14="http://schemas.microsoft.com/office/drawing/2010/main" xmlns="">
+              <a14:hiddenFill xmlns="" xmlns:a14="http://schemas.microsoft.com/office/drawing/2010/main">
                 <a:solidFill>
                   <a:srgbClr val="FFFFFF"/>
                 </a:solidFill>
               </a14:hiddenFill>
             </a:ext>
             <a:ext uri="{91240B29-F687-4f45-9708-019B960494DF}">
-              <a14:hiddenLine xmlns:a14="http://schemas.microsoft.com/office/drawing/2010/main" xmlns="" w="9525">
+              <a14:hiddenLine xmlns="" xmlns:a14="http://schemas.microsoft.com/office/drawing/2010/main" w="9525">
                 <a:solidFill>
                   <a:srgbClr val="000000"/>
                 </a:solidFill>
@@ -4873,7 +4935,7 @@
 </p:notes>
 </file>
 
-<file path=ppt/notesSlides/notesSlide36.xml><?xml version="1.0" encoding="utf-8"?>
+<file path=ppt/notesSlides/notesSlide37.xml><?xml version="1.0" encoding="utf-8"?>
 <p:notes xmlns:a="http://schemas.openxmlformats.org/drawingml/2006/main" xmlns:r="http://schemas.openxmlformats.org/officeDocument/2006/relationships" xmlns:p="http://schemas.openxmlformats.org/presentationml/2006/main">
   <p:cSld>
     <p:spTree>
@@ -4912,14 +4974,14 @@
           </a:ln>
           <a:extLst>
             <a:ext uri="{909E8E84-426E-40dd-AFC4-6F175D3DCCD1}">
-              <a14:hiddenFill xmlns:a14="http://schemas.microsoft.com/office/drawing/2010/main" xmlns="">
+              <a14:hiddenFill xmlns="" xmlns:a14="http://schemas.microsoft.com/office/drawing/2010/main">
                 <a:solidFill>
                   <a:srgbClr val="FFFFFF"/>
                 </a:solidFill>
               </a14:hiddenFill>
             </a:ext>
             <a:ext uri="{FAA26D3D-D897-4be2-8F04-BA451C77F1D7}">
-              <ma14:placeholderFlag xmlns:ma14="http://schemas.microsoft.com/office/mac/drawingml/2011/main" xmlns="" val="1"/>
+              <ma14:placeholderFlag xmlns="" xmlns:ma14="http://schemas.microsoft.com/office/mac/drawingml/2011/main" val="1"/>
             </a:ext>
           </a:extLst>
         </p:spPr>
@@ -4938,14 +5000,14 @@
           <a:noFill/>
           <a:extLst>
             <a:ext uri="{909E8E84-426E-40dd-AFC4-6F175D3DCCD1}">
-              <a14:hiddenFill xmlns:a14="http://schemas.microsoft.com/office/drawing/2010/main" xmlns="">
+              <a14:hiddenFill xmlns="" xmlns:a14="http://schemas.microsoft.com/office/drawing/2010/main">
                 <a:solidFill>
                   <a:srgbClr val="FFFFFF"/>
                 </a:solidFill>
               </a14:hiddenFill>
             </a:ext>
             <a:ext uri="{91240B29-F687-4f45-9708-019B960494DF}">
-              <a14:hiddenLine xmlns:a14="http://schemas.microsoft.com/office/drawing/2010/main" xmlns="" w="9525">
+              <a14:hiddenLine xmlns="" xmlns:a14="http://schemas.microsoft.com/office/drawing/2010/main" w="9525">
                 <a:solidFill>
                   <a:srgbClr val="000000"/>
                 </a:solidFill>
@@ -4986,7 +5048,7 @@
 </p:notes>
 </file>
 
-<file path=ppt/notesSlides/notesSlide37.xml><?xml version="1.0" encoding="utf-8"?>
+<file path=ppt/notesSlides/notesSlide38.xml><?xml version="1.0" encoding="utf-8"?>
 <p:notes xmlns:a="http://schemas.openxmlformats.org/drawingml/2006/main" xmlns:r="http://schemas.openxmlformats.org/officeDocument/2006/relationships" xmlns:p="http://schemas.openxmlformats.org/presentationml/2006/main">
   <p:cSld>
     <p:spTree>
@@ -5025,14 +5087,14 @@
           </a:ln>
           <a:extLst>
             <a:ext uri="{909E8E84-426E-40dd-AFC4-6F175D3DCCD1}">
-              <a14:hiddenFill xmlns:a14="http://schemas.microsoft.com/office/drawing/2010/main" xmlns="">
+              <a14:hiddenFill xmlns="" xmlns:a14="http://schemas.microsoft.com/office/drawing/2010/main">
                 <a:solidFill>
                   <a:srgbClr val="FFFFFF"/>
                 </a:solidFill>
               </a14:hiddenFill>
             </a:ext>
             <a:ext uri="{FAA26D3D-D897-4be2-8F04-BA451C77F1D7}">
-              <ma14:placeholderFlag xmlns:ma14="http://schemas.microsoft.com/office/mac/drawingml/2011/main" xmlns="" val="1"/>
+              <ma14:placeholderFlag xmlns="" xmlns:ma14="http://schemas.microsoft.com/office/mac/drawingml/2011/main" val="1"/>
             </a:ext>
           </a:extLst>
         </p:spPr>
@@ -5051,14 +5113,14 @@
           <a:noFill/>
           <a:extLst>
             <a:ext uri="{909E8E84-426E-40dd-AFC4-6F175D3DCCD1}">
-              <a14:hiddenFill xmlns:a14="http://schemas.microsoft.com/office/drawing/2010/main" xmlns="">
+              <a14:hiddenFill xmlns="" xmlns:a14="http://schemas.microsoft.com/office/drawing/2010/main">
                 <a:solidFill>
                   <a:srgbClr val="FFFFFF"/>
                 </a:solidFill>
               </a14:hiddenFill>
             </a:ext>
             <a:ext uri="{91240B29-F687-4f45-9708-019B960494DF}">
-              <a14:hiddenLine xmlns:a14="http://schemas.microsoft.com/office/drawing/2010/main" xmlns="" w="9525">
+              <a14:hiddenLine xmlns="" xmlns:a14="http://schemas.microsoft.com/office/drawing/2010/main" w="9525">
                 <a:solidFill>
                   <a:srgbClr val="000000"/>
                 </a:solidFill>
@@ -5099,7 +5161,7 @@
 </p:notes>
 </file>
 
-<file path=ppt/notesSlides/notesSlide38.xml><?xml version="1.0" encoding="utf-8"?>
+<file path=ppt/notesSlides/notesSlide39.xml><?xml version="1.0" encoding="utf-8"?>
 <p:notes xmlns:a="http://schemas.openxmlformats.org/drawingml/2006/main" xmlns:r="http://schemas.openxmlformats.org/officeDocument/2006/relationships" xmlns:p="http://schemas.openxmlformats.org/presentationml/2006/main">
   <p:cSld>
     <p:spTree>
@@ -5138,14 +5200,14 @@
           </a:ln>
           <a:extLst>
             <a:ext uri="{909E8E84-426E-40dd-AFC4-6F175D3DCCD1}">
-              <a14:hiddenFill xmlns:a14="http://schemas.microsoft.com/office/drawing/2010/main" xmlns="">
+              <a14:hiddenFill xmlns="" xmlns:a14="http://schemas.microsoft.com/office/drawing/2010/main">
                 <a:solidFill>
                   <a:srgbClr val="FFFFFF"/>
                 </a:solidFill>
               </a14:hiddenFill>
             </a:ext>
             <a:ext uri="{FAA26D3D-D897-4be2-8F04-BA451C77F1D7}">
-              <ma14:placeholderFlag xmlns:ma14="http://schemas.microsoft.com/office/mac/drawingml/2011/main" xmlns="" val="1"/>
+              <ma14:placeholderFlag xmlns="" xmlns:ma14="http://schemas.microsoft.com/office/mac/drawingml/2011/main" val="1"/>
             </a:ext>
           </a:extLst>
         </p:spPr>
@@ -5164,14 +5226,14 @@
           <a:noFill/>
           <a:extLst>
             <a:ext uri="{909E8E84-426E-40dd-AFC4-6F175D3DCCD1}">
-              <a14:hiddenFill xmlns:a14="http://schemas.microsoft.com/office/drawing/2010/main" xmlns="">
+              <a14:hiddenFill xmlns="" xmlns:a14="http://schemas.microsoft.com/office/drawing/2010/main">
                 <a:solidFill>
                   <a:srgbClr val="FFFFFF"/>
                 </a:solidFill>
               </a14:hiddenFill>
             </a:ext>
             <a:ext uri="{91240B29-F687-4f45-9708-019B960494DF}">
-              <a14:hiddenLine xmlns:a14="http://schemas.microsoft.com/office/drawing/2010/main" xmlns="" w="9525">
+              <a14:hiddenLine xmlns="" xmlns:a14="http://schemas.microsoft.com/office/drawing/2010/main" w="9525">
                 <a:solidFill>
                   <a:srgbClr val="000000"/>
                 </a:solidFill>
@@ -5181,7 +5243,7 @@
               </a14:hiddenLine>
             </a:ext>
             <a:ext uri="{FAA26D3D-D897-4be2-8F04-BA451C77F1D7}">
-              <ma14:placeholderFlag xmlns:ma14="http://schemas.microsoft.com/office/mac/drawingml/2011/main" xmlns="" val="1"/>
+              <ma14:placeholderFlag xmlns="" xmlns:ma14="http://schemas.microsoft.com/office/mac/drawingml/2011/main" val="1"/>
             </a:ext>
           </a:extLst>
         </p:spPr>
@@ -5218,14 +5280,14 @@
           <a:noFill/>
           <a:extLst>
             <a:ext uri="{909E8E84-426E-40dd-AFC4-6F175D3DCCD1}">
-              <a14:hiddenFill xmlns:a14="http://schemas.microsoft.com/office/drawing/2010/main" xmlns="">
+              <a14:hiddenFill xmlns="" xmlns:a14="http://schemas.microsoft.com/office/drawing/2010/main">
                 <a:solidFill>
                   <a:srgbClr val="FFFFFF"/>
                 </a:solidFill>
               </a14:hiddenFill>
             </a:ext>
             <a:ext uri="{91240B29-F687-4f45-9708-019B960494DF}">
-              <a14:hiddenLine xmlns:a14="http://schemas.microsoft.com/office/drawing/2010/main" xmlns="" w="9525">
+              <a14:hiddenLine xmlns="" xmlns:a14="http://schemas.microsoft.com/office/drawing/2010/main" w="9525">
                 <a:solidFill>
                   <a:srgbClr val="000000"/>
                 </a:solidFill>
@@ -5425,7 +5487,128 @@
 </p:notes>
 </file>
 
-<file path=ppt/notesSlides/notesSlide39.xml><?xml version="1.0" encoding="utf-8"?>
+<file path=ppt/notesSlides/notesSlide4.xml><?xml version="1.0" encoding="utf-8"?>
+<p:notes xmlns:a="http://schemas.openxmlformats.org/drawingml/2006/main" xmlns:r="http://schemas.openxmlformats.org/officeDocument/2006/relationships" xmlns:p="http://schemas.openxmlformats.org/presentationml/2006/main">
+  <p:cSld>
+    <p:spTree>
+      <p:nvGrpSpPr>
+        <p:cNvPr id="1" name=""/>
+        <p:cNvGrpSpPr/>
+        <p:nvPr/>
+      </p:nvGrpSpPr>
+      <p:grpSpPr>
+        <a:xfrm>
+          <a:off x="0" y="0"/>
+          <a:ext cx="0" cy="0"/>
+          <a:chOff x="0" y="0"/>
+          <a:chExt cx="0" cy="0"/>
+        </a:xfrm>
+      </p:grpSpPr>
+      <p:sp>
+        <p:nvSpPr>
+          <p:cNvPr id="51201" name="Slide Image Placeholder 1"/>
+          <p:cNvSpPr>
+            <a:spLocks noGrp="1" noRot="1" noChangeAspect="1"/>
+          </p:cNvSpPr>
+          <p:nvPr>
+            <p:ph type="sldImg"/>
+          </p:nvPr>
+        </p:nvSpPr>
+        <p:spPr bwMode="auto">
+          <a:noFill/>
+          <a:ln>
+            <a:solidFill>
+              <a:srgbClr val="000000"/>
+            </a:solidFill>
+            <a:miter lim="800000"/>
+            <a:headEnd/>
+            <a:tailEnd/>
+          </a:ln>
+          <a:extLst>
+            <a:ext uri="{909E8E84-426E-40dd-AFC4-6F175D3DCCD1}">
+              <a14:hiddenFill xmlns="" xmlns:a14="http://schemas.microsoft.com/office/drawing/2010/main">
+                <a:solidFill>
+                  <a:srgbClr val="FFFFFF"/>
+                </a:solidFill>
+              </a14:hiddenFill>
+            </a:ext>
+            <a:ext uri="{FAA26D3D-D897-4be2-8F04-BA451C77F1D7}">
+              <ma14:placeholderFlag xmlns="" xmlns:ma14="http://schemas.microsoft.com/office/mac/drawingml/2011/main" val="1"/>
+            </a:ext>
+          </a:extLst>
+        </p:spPr>
+      </p:sp>
+      <p:sp>
+        <p:nvSpPr>
+          <p:cNvPr id="51202" name="Notes Placeholder 2"/>
+          <p:cNvSpPr>
+            <a:spLocks noGrp="1"/>
+          </p:cNvSpPr>
+          <p:nvPr>
+            <p:ph type="body" idx="1"/>
+          </p:nvPr>
+        </p:nvSpPr>
+        <p:spPr bwMode="auto">
+          <a:noFill/>
+          <a:extLst>
+            <a:ext uri="{909E8E84-426E-40dd-AFC4-6F175D3DCCD1}">
+              <a14:hiddenFill xmlns="" xmlns:a14="http://schemas.microsoft.com/office/drawing/2010/main">
+                <a:solidFill>
+                  <a:srgbClr val="FFFFFF"/>
+                </a:solidFill>
+              </a14:hiddenFill>
+            </a:ext>
+            <a:ext uri="{91240B29-F687-4f45-9708-019B960494DF}">
+              <a14:hiddenLine xmlns="" xmlns:a14="http://schemas.microsoft.com/office/drawing/2010/main" w="9525">
+                <a:solidFill>
+                  <a:srgbClr val="000000"/>
+                </a:solidFill>
+                <a:miter lim="800000"/>
+                <a:headEnd/>
+                <a:tailEnd/>
+              </a14:hiddenLine>
+            </a:ext>
+          </a:extLst>
+        </p:spPr>
+        <p:txBody>
+          <a:bodyPr wrap="square" numCol="1" anchor="t" anchorCtr="0" compatLnSpc="1">
+            <a:prstTxWarp prst="textNoShape">
+              <a:avLst/>
+            </a:prstTxWarp>
+          </a:bodyPr>
+          <a:lstStyle/>
+          <a:p>
+            <a:pPr>
+              <a:spcBef>
+                <a:spcPct val="0"/>
+              </a:spcBef>
+            </a:pPr>
+            <a:r>
+              <a:rPr lang="en-US" dirty="0">
+                <a:hlinkClick r:id="rId3"/>
+              </a:rPr>
+              <a:t>https://mangarock.com/manga/mrs-serie-154427</a:t>
+            </a:r>
+            <a:endParaRPr lang="en-US" dirty="0">
+              <a:latin typeface="BentonSans Book" charset="0"/>
+            </a:endParaRPr>
+          </a:p>
+        </p:txBody>
+      </p:sp>
+    </p:spTree>
+    <p:extLst>
+      <p:ext uri="{BB962C8B-B14F-4D97-AF65-F5344CB8AC3E}">
+        <p14:creationId xmlns:p14="http://schemas.microsoft.com/office/powerpoint/2010/main" val="3777176415"/>
+      </p:ext>
+    </p:extLst>
+  </p:cSld>
+  <p:clrMapOvr>
+    <a:masterClrMapping/>
+  </p:clrMapOvr>
+</p:notes>
+</file>
+
+<file path=ppt/notesSlides/notesSlide40.xml><?xml version="1.0" encoding="utf-8"?>
 <p:notes xmlns:a="http://schemas.openxmlformats.org/drawingml/2006/main" xmlns:r="http://schemas.openxmlformats.org/officeDocument/2006/relationships" xmlns:p="http://schemas.openxmlformats.org/presentationml/2006/main">
   <p:cSld>
     <p:spTree>
@@ -5464,14 +5647,14 @@
           </a:ln>
           <a:extLst>
             <a:ext uri="{909E8E84-426E-40dd-AFC4-6F175D3DCCD1}">
-              <a14:hiddenFill xmlns:a14="http://schemas.microsoft.com/office/drawing/2010/main" xmlns="">
+              <a14:hiddenFill xmlns="" xmlns:a14="http://schemas.microsoft.com/office/drawing/2010/main">
                 <a:solidFill>
                   <a:srgbClr val="FFFFFF"/>
                 </a:solidFill>
               </a14:hiddenFill>
             </a:ext>
             <a:ext uri="{FAA26D3D-D897-4be2-8F04-BA451C77F1D7}">
-              <ma14:placeholderFlag xmlns:ma14="http://schemas.microsoft.com/office/mac/drawingml/2011/main" xmlns="" val="1"/>
+              <ma14:placeholderFlag xmlns="" xmlns:ma14="http://schemas.microsoft.com/office/mac/drawingml/2011/main" val="1"/>
             </a:ext>
           </a:extLst>
         </p:spPr>
@@ -5490,14 +5673,14 @@
           <a:noFill/>
           <a:extLst>
             <a:ext uri="{909E8E84-426E-40dd-AFC4-6F175D3DCCD1}">
-              <a14:hiddenFill xmlns:a14="http://schemas.microsoft.com/office/drawing/2010/main" xmlns="">
+              <a14:hiddenFill xmlns="" xmlns:a14="http://schemas.microsoft.com/office/drawing/2010/main">
                 <a:solidFill>
                   <a:srgbClr val="FFFFFF"/>
                 </a:solidFill>
               </a14:hiddenFill>
             </a:ext>
             <a:ext uri="{91240B29-F687-4f45-9708-019B960494DF}">
-              <a14:hiddenLine xmlns:a14="http://schemas.microsoft.com/office/drawing/2010/main" xmlns="" w="9525">
+              <a14:hiddenLine xmlns="" xmlns:a14="http://schemas.microsoft.com/office/drawing/2010/main" w="9525">
                 <a:solidFill>
                   <a:srgbClr val="000000"/>
                 </a:solidFill>
@@ -5507,7 +5690,7 @@
               </a14:hiddenLine>
             </a:ext>
             <a:ext uri="{FAA26D3D-D897-4be2-8F04-BA451C77F1D7}">
-              <ma14:placeholderFlag xmlns:ma14="http://schemas.microsoft.com/office/mac/drawingml/2011/main" xmlns="" val="1"/>
+              <ma14:placeholderFlag xmlns="" xmlns:ma14="http://schemas.microsoft.com/office/mac/drawingml/2011/main" val="1"/>
             </a:ext>
           </a:extLst>
         </p:spPr>
@@ -5544,14 +5727,14 @@
           <a:noFill/>
           <a:extLst>
             <a:ext uri="{909E8E84-426E-40dd-AFC4-6F175D3DCCD1}">
-              <a14:hiddenFill xmlns:a14="http://schemas.microsoft.com/office/drawing/2010/main" xmlns="">
+              <a14:hiddenFill xmlns="" xmlns:a14="http://schemas.microsoft.com/office/drawing/2010/main">
                 <a:solidFill>
                   <a:srgbClr val="FFFFFF"/>
                 </a:solidFill>
               </a14:hiddenFill>
             </a:ext>
             <a:ext uri="{91240B29-F687-4f45-9708-019B960494DF}">
-              <a14:hiddenLine xmlns:a14="http://schemas.microsoft.com/office/drawing/2010/main" xmlns="" w="9525">
+              <a14:hiddenLine xmlns="" xmlns:a14="http://schemas.microsoft.com/office/drawing/2010/main" w="9525">
                 <a:solidFill>
                   <a:srgbClr val="000000"/>
                 </a:solidFill>
@@ -5746,14 +5929,14 @@
           <a:noFill/>
           <a:extLst>
             <a:ext uri="{909E8E84-426E-40dd-AFC4-6F175D3DCCD1}">
-              <a14:hiddenFill xmlns:a14="http://schemas.microsoft.com/office/drawing/2010/main" xmlns="">
+              <a14:hiddenFill xmlns="" xmlns:a14="http://schemas.microsoft.com/office/drawing/2010/main">
                 <a:solidFill>
                   <a:srgbClr val="FFFFFF"/>
                 </a:solidFill>
               </a14:hiddenFill>
             </a:ext>
             <a:ext uri="{91240B29-F687-4f45-9708-019B960494DF}">
-              <a14:hiddenLine xmlns:a14="http://schemas.microsoft.com/office/drawing/2010/main" xmlns="" w="9525">
+              <a14:hiddenLine xmlns="" xmlns:a14="http://schemas.microsoft.com/office/drawing/2010/main" w="9525">
                 <a:solidFill>
                   <a:srgbClr val="000000"/>
                 </a:solidFill>
@@ -5915,128 +6098,7 @@
 </p:notes>
 </file>
 
-<file path=ppt/notesSlides/notesSlide4.xml><?xml version="1.0" encoding="utf-8"?>
-<p:notes xmlns:a="http://schemas.openxmlformats.org/drawingml/2006/main" xmlns:r="http://schemas.openxmlformats.org/officeDocument/2006/relationships" xmlns:p="http://schemas.openxmlformats.org/presentationml/2006/main">
-  <p:cSld>
-    <p:spTree>
-      <p:nvGrpSpPr>
-        <p:cNvPr id="1" name=""/>
-        <p:cNvGrpSpPr/>
-        <p:nvPr/>
-      </p:nvGrpSpPr>
-      <p:grpSpPr>
-        <a:xfrm>
-          <a:off x="0" y="0"/>
-          <a:ext cx="0" cy="0"/>
-          <a:chOff x="0" y="0"/>
-          <a:chExt cx="0" cy="0"/>
-        </a:xfrm>
-      </p:grpSpPr>
-      <p:sp>
-        <p:nvSpPr>
-          <p:cNvPr id="51201" name="Slide Image Placeholder 1"/>
-          <p:cNvSpPr>
-            <a:spLocks noGrp="1" noRot="1" noChangeAspect="1"/>
-          </p:cNvSpPr>
-          <p:nvPr>
-            <p:ph type="sldImg"/>
-          </p:nvPr>
-        </p:nvSpPr>
-        <p:spPr bwMode="auto">
-          <a:noFill/>
-          <a:ln>
-            <a:solidFill>
-              <a:srgbClr val="000000"/>
-            </a:solidFill>
-            <a:miter lim="800000"/>
-            <a:headEnd/>
-            <a:tailEnd/>
-          </a:ln>
-          <a:extLst>
-            <a:ext uri="{909E8E84-426E-40dd-AFC4-6F175D3DCCD1}">
-              <a14:hiddenFill xmlns:a14="http://schemas.microsoft.com/office/drawing/2010/main" xmlns="">
-                <a:solidFill>
-                  <a:srgbClr val="FFFFFF"/>
-                </a:solidFill>
-              </a14:hiddenFill>
-            </a:ext>
-            <a:ext uri="{FAA26D3D-D897-4be2-8F04-BA451C77F1D7}">
-              <ma14:placeholderFlag xmlns:ma14="http://schemas.microsoft.com/office/mac/drawingml/2011/main" xmlns="" val="1"/>
-            </a:ext>
-          </a:extLst>
-        </p:spPr>
-      </p:sp>
-      <p:sp>
-        <p:nvSpPr>
-          <p:cNvPr id="51202" name="Notes Placeholder 2"/>
-          <p:cNvSpPr>
-            <a:spLocks noGrp="1"/>
-          </p:cNvSpPr>
-          <p:nvPr>
-            <p:ph type="body" idx="1"/>
-          </p:nvPr>
-        </p:nvSpPr>
-        <p:spPr bwMode="auto">
-          <a:noFill/>
-          <a:extLst>
-            <a:ext uri="{909E8E84-426E-40dd-AFC4-6F175D3DCCD1}">
-              <a14:hiddenFill xmlns:a14="http://schemas.microsoft.com/office/drawing/2010/main" xmlns="">
-                <a:solidFill>
-                  <a:srgbClr val="FFFFFF"/>
-                </a:solidFill>
-              </a14:hiddenFill>
-            </a:ext>
-            <a:ext uri="{91240B29-F687-4f45-9708-019B960494DF}">
-              <a14:hiddenLine xmlns:a14="http://schemas.microsoft.com/office/drawing/2010/main" xmlns="" w="9525">
-                <a:solidFill>
-                  <a:srgbClr val="000000"/>
-                </a:solidFill>
-                <a:miter lim="800000"/>
-                <a:headEnd/>
-                <a:tailEnd/>
-              </a14:hiddenLine>
-            </a:ext>
-          </a:extLst>
-        </p:spPr>
-        <p:txBody>
-          <a:bodyPr wrap="square" numCol="1" anchor="t" anchorCtr="0" compatLnSpc="1">
-            <a:prstTxWarp prst="textNoShape">
-              <a:avLst/>
-            </a:prstTxWarp>
-          </a:bodyPr>
-          <a:lstStyle/>
-          <a:p>
-            <a:pPr>
-              <a:spcBef>
-                <a:spcPct val="0"/>
-              </a:spcBef>
-            </a:pPr>
-            <a:r>
-              <a:rPr lang="en-US" dirty="0">
-                <a:hlinkClick r:id="rId3"/>
-              </a:rPr>
-              <a:t>https://mangarock.com/manga/mrs-serie-154427</a:t>
-            </a:r>
-            <a:endParaRPr lang="en-US" dirty="0">
-              <a:latin typeface="BentonSans Book" charset="0"/>
-            </a:endParaRPr>
-          </a:p>
-        </p:txBody>
-      </p:sp>
-    </p:spTree>
-    <p:extLst>
-      <p:ext uri="{BB962C8B-B14F-4D97-AF65-F5344CB8AC3E}">
-        <p14:creationId xmlns:p14="http://schemas.microsoft.com/office/powerpoint/2010/main" val="3777176415"/>
-      </p:ext>
-    </p:extLst>
-  </p:cSld>
-  <p:clrMapOvr>
-    <a:masterClrMapping/>
-  </p:clrMapOvr>
-</p:notes>
-</file>
-
-<file path=ppt/notesSlides/notesSlide40.xml><?xml version="1.0" encoding="utf-8"?>
+<file path=ppt/notesSlides/notesSlide41.xml><?xml version="1.0" encoding="utf-8"?>
 <p:notes xmlns:a="http://schemas.openxmlformats.org/drawingml/2006/main" xmlns:r="http://schemas.openxmlformats.org/officeDocument/2006/relationships" xmlns:p="http://schemas.openxmlformats.org/presentationml/2006/main">
   <p:cSld>
     <p:spTree>
@@ -6075,14 +6137,14 @@
           </a:ln>
           <a:extLst>
             <a:ext uri="{909E8E84-426E-40dd-AFC4-6F175D3DCCD1}">
-              <a14:hiddenFill xmlns:a14="http://schemas.microsoft.com/office/drawing/2010/main" xmlns="">
+              <a14:hiddenFill xmlns="" xmlns:a14="http://schemas.microsoft.com/office/drawing/2010/main">
                 <a:solidFill>
                   <a:srgbClr val="FFFFFF"/>
                 </a:solidFill>
               </a14:hiddenFill>
             </a:ext>
             <a:ext uri="{FAA26D3D-D897-4be2-8F04-BA451C77F1D7}">
-              <ma14:placeholderFlag xmlns:ma14="http://schemas.microsoft.com/office/mac/drawingml/2011/main" xmlns="" val="1"/>
+              <ma14:placeholderFlag xmlns="" xmlns:ma14="http://schemas.microsoft.com/office/mac/drawingml/2011/main" val="1"/>
             </a:ext>
           </a:extLst>
         </p:spPr>
@@ -6101,14 +6163,14 @@
           <a:noFill/>
           <a:extLst>
             <a:ext uri="{909E8E84-426E-40dd-AFC4-6F175D3DCCD1}">
-              <a14:hiddenFill xmlns:a14="http://schemas.microsoft.com/office/drawing/2010/main" xmlns="">
+              <a14:hiddenFill xmlns="" xmlns:a14="http://schemas.microsoft.com/office/drawing/2010/main">
                 <a:solidFill>
                   <a:srgbClr val="FFFFFF"/>
                 </a:solidFill>
               </a14:hiddenFill>
             </a:ext>
             <a:ext uri="{91240B29-F687-4f45-9708-019B960494DF}">
-              <a14:hiddenLine xmlns:a14="http://schemas.microsoft.com/office/drawing/2010/main" xmlns="" w="9525">
+              <a14:hiddenLine xmlns="" xmlns:a14="http://schemas.microsoft.com/office/drawing/2010/main" w="9525">
                 <a:solidFill>
                   <a:srgbClr val="000000"/>
                 </a:solidFill>
@@ -6118,7 +6180,7 @@
               </a14:hiddenLine>
             </a:ext>
             <a:ext uri="{FAA26D3D-D897-4be2-8F04-BA451C77F1D7}">
-              <ma14:placeholderFlag xmlns:ma14="http://schemas.microsoft.com/office/mac/drawingml/2011/main" xmlns="" val="1"/>
+              <ma14:placeholderFlag xmlns="" xmlns:ma14="http://schemas.microsoft.com/office/mac/drawingml/2011/main" val="1"/>
             </a:ext>
           </a:extLst>
         </p:spPr>
@@ -6155,14 +6217,14 @@
           <a:noFill/>
           <a:extLst>
             <a:ext uri="{909E8E84-426E-40dd-AFC4-6F175D3DCCD1}">
-              <a14:hiddenFill xmlns:a14="http://schemas.microsoft.com/office/drawing/2010/main" xmlns="">
+              <a14:hiddenFill xmlns="" xmlns:a14="http://schemas.microsoft.com/office/drawing/2010/main">
                 <a:solidFill>
                   <a:srgbClr val="FFFFFF"/>
                 </a:solidFill>
               </a14:hiddenFill>
             </a:ext>
             <a:ext uri="{91240B29-F687-4f45-9708-019B960494DF}">
-              <a14:hiddenLine xmlns:a14="http://schemas.microsoft.com/office/drawing/2010/main" xmlns="" w="9525">
+              <a14:hiddenLine xmlns="" xmlns:a14="http://schemas.microsoft.com/office/drawing/2010/main" w="9525">
                 <a:solidFill>
                   <a:srgbClr val="000000"/>
                 </a:solidFill>
@@ -6357,14 +6419,14 @@
           <a:noFill/>
           <a:extLst>
             <a:ext uri="{909E8E84-426E-40dd-AFC4-6F175D3DCCD1}">
-              <a14:hiddenFill xmlns:a14="http://schemas.microsoft.com/office/drawing/2010/main" xmlns="">
+              <a14:hiddenFill xmlns="" xmlns:a14="http://schemas.microsoft.com/office/drawing/2010/main">
                 <a:solidFill>
                   <a:srgbClr val="FFFFFF"/>
                 </a:solidFill>
               </a14:hiddenFill>
             </a:ext>
             <a:ext uri="{91240B29-F687-4f45-9708-019B960494DF}">
-              <a14:hiddenLine xmlns:a14="http://schemas.microsoft.com/office/drawing/2010/main" xmlns="" w="9525">
+              <a14:hiddenLine xmlns="" xmlns:a14="http://schemas.microsoft.com/office/drawing/2010/main" w="9525">
                 <a:solidFill>
                   <a:srgbClr val="000000"/>
                 </a:solidFill>
@@ -6526,7 +6588,7 @@
 </p:notes>
 </file>
 
-<file path=ppt/notesSlides/notesSlide41.xml><?xml version="1.0" encoding="utf-8"?>
+<file path=ppt/notesSlides/notesSlide42.xml><?xml version="1.0" encoding="utf-8"?>
 <p:notes xmlns:a="http://schemas.openxmlformats.org/drawingml/2006/main" xmlns:r="http://schemas.openxmlformats.org/officeDocument/2006/relationships" xmlns:p="http://schemas.openxmlformats.org/presentationml/2006/main">
   <p:cSld>
     <p:spTree>
@@ -6565,14 +6627,14 @@
           </a:ln>
           <a:extLst>
             <a:ext uri="{909E8E84-426E-40dd-AFC4-6F175D3DCCD1}">
-              <a14:hiddenFill xmlns:a14="http://schemas.microsoft.com/office/drawing/2010/main" xmlns="">
+              <a14:hiddenFill xmlns="" xmlns:a14="http://schemas.microsoft.com/office/drawing/2010/main">
                 <a:solidFill>
                   <a:srgbClr val="FFFFFF"/>
                 </a:solidFill>
               </a14:hiddenFill>
             </a:ext>
             <a:ext uri="{FAA26D3D-D897-4be2-8F04-BA451C77F1D7}">
-              <ma14:placeholderFlag xmlns:ma14="http://schemas.microsoft.com/office/mac/drawingml/2011/main" xmlns="" val="1"/>
+              <ma14:placeholderFlag xmlns="" xmlns:ma14="http://schemas.microsoft.com/office/mac/drawingml/2011/main" val="1"/>
             </a:ext>
           </a:extLst>
         </p:spPr>
@@ -6591,14 +6653,14 @@
           <a:noFill/>
           <a:extLst>
             <a:ext uri="{909E8E84-426E-40dd-AFC4-6F175D3DCCD1}">
-              <a14:hiddenFill xmlns:a14="http://schemas.microsoft.com/office/drawing/2010/main" xmlns="">
+              <a14:hiddenFill xmlns="" xmlns:a14="http://schemas.microsoft.com/office/drawing/2010/main">
                 <a:solidFill>
                   <a:srgbClr val="FFFFFF"/>
                 </a:solidFill>
               </a14:hiddenFill>
             </a:ext>
             <a:ext uri="{91240B29-F687-4f45-9708-019B960494DF}">
-              <a14:hiddenLine xmlns:a14="http://schemas.microsoft.com/office/drawing/2010/main" xmlns="" w="9525">
+              <a14:hiddenLine xmlns="" xmlns:a14="http://schemas.microsoft.com/office/drawing/2010/main" w="9525">
                 <a:solidFill>
                   <a:srgbClr val="000000"/>
                 </a:solidFill>
@@ -6608,7 +6670,7 @@
               </a14:hiddenLine>
             </a:ext>
             <a:ext uri="{FAA26D3D-D897-4be2-8F04-BA451C77F1D7}">
-              <ma14:placeholderFlag xmlns:ma14="http://schemas.microsoft.com/office/mac/drawingml/2011/main" xmlns="" val="1"/>
+              <ma14:placeholderFlag xmlns="" xmlns:ma14="http://schemas.microsoft.com/office/mac/drawingml/2011/main" val="1"/>
             </a:ext>
           </a:extLst>
         </p:spPr>
@@ -6645,14 +6707,14 @@
           <a:noFill/>
           <a:extLst>
             <a:ext uri="{909E8E84-426E-40dd-AFC4-6F175D3DCCD1}">
-              <a14:hiddenFill xmlns:a14="http://schemas.microsoft.com/office/drawing/2010/main" xmlns="">
+              <a14:hiddenFill xmlns="" xmlns:a14="http://schemas.microsoft.com/office/drawing/2010/main">
                 <a:solidFill>
                   <a:srgbClr val="FFFFFF"/>
                 </a:solidFill>
               </a14:hiddenFill>
             </a:ext>
             <a:ext uri="{91240B29-F687-4f45-9708-019B960494DF}">
-              <a14:hiddenLine xmlns:a14="http://schemas.microsoft.com/office/drawing/2010/main" xmlns="" w="9525">
+              <a14:hiddenLine xmlns="" xmlns:a14="http://schemas.microsoft.com/office/drawing/2010/main" w="9525">
                 <a:solidFill>
                   <a:srgbClr val="000000"/>
                 </a:solidFill>
@@ -6847,14 +6909,14 @@
           <a:noFill/>
           <a:extLst>
             <a:ext uri="{909E8E84-426E-40dd-AFC4-6F175D3DCCD1}">
-              <a14:hiddenFill xmlns:a14="http://schemas.microsoft.com/office/drawing/2010/main" xmlns="">
+              <a14:hiddenFill xmlns="" xmlns:a14="http://schemas.microsoft.com/office/drawing/2010/main">
                 <a:solidFill>
                   <a:srgbClr val="FFFFFF"/>
                 </a:solidFill>
               </a14:hiddenFill>
             </a:ext>
             <a:ext uri="{91240B29-F687-4f45-9708-019B960494DF}">
-              <a14:hiddenLine xmlns:a14="http://schemas.microsoft.com/office/drawing/2010/main" xmlns="" w="9525">
+              <a14:hiddenLine xmlns="" xmlns:a14="http://schemas.microsoft.com/office/drawing/2010/main" w="9525">
                 <a:solidFill>
                   <a:srgbClr val="000000"/>
                 </a:solidFill>
@@ -7016,7 +7078,7 @@
 </p:notes>
 </file>
 
-<file path=ppt/notesSlides/notesSlide42.xml><?xml version="1.0" encoding="utf-8"?>
+<file path=ppt/notesSlides/notesSlide43.xml><?xml version="1.0" encoding="utf-8"?>
 <p:notes xmlns:a="http://schemas.openxmlformats.org/drawingml/2006/main" xmlns:r="http://schemas.openxmlformats.org/officeDocument/2006/relationships" xmlns:p="http://schemas.openxmlformats.org/presentationml/2006/main">
   <p:cSld>
     <p:spTree>
@@ -7055,14 +7117,14 @@
           </a:ln>
           <a:extLst>
             <a:ext uri="{909E8E84-426E-40dd-AFC4-6F175D3DCCD1}">
-              <a14:hiddenFill xmlns:a14="http://schemas.microsoft.com/office/drawing/2010/main" xmlns="">
+              <a14:hiddenFill xmlns="" xmlns:a14="http://schemas.microsoft.com/office/drawing/2010/main">
                 <a:solidFill>
                   <a:srgbClr val="FFFFFF"/>
                 </a:solidFill>
               </a14:hiddenFill>
             </a:ext>
             <a:ext uri="{FAA26D3D-D897-4be2-8F04-BA451C77F1D7}">
-              <ma14:placeholderFlag xmlns:ma14="http://schemas.microsoft.com/office/mac/drawingml/2011/main" xmlns="" val="1"/>
+              <ma14:placeholderFlag xmlns="" xmlns:ma14="http://schemas.microsoft.com/office/mac/drawingml/2011/main" val="1"/>
             </a:ext>
           </a:extLst>
         </p:spPr>
@@ -7081,14 +7143,14 @@
           <a:noFill/>
           <a:extLst>
             <a:ext uri="{909E8E84-426E-40dd-AFC4-6F175D3DCCD1}">
-              <a14:hiddenFill xmlns:a14="http://schemas.microsoft.com/office/drawing/2010/main" xmlns="">
+              <a14:hiddenFill xmlns="" xmlns:a14="http://schemas.microsoft.com/office/drawing/2010/main">
                 <a:solidFill>
                   <a:srgbClr val="FFFFFF"/>
                 </a:solidFill>
               </a14:hiddenFill>
             </a:ext>
             <a:ext uri="{91240B29-F687-4f45-9708-019B960494DF}">
-              <a14:hiddenLine xmlns:a14="http://schemas.microsoft.com/office/drawing/2010/main" xmlns="" w="9525">
+              <a14:hiddenLine xmlns="" xmlns:a14="http://schemas.microsoft.com/office/drawing/2010/main" w="9525">
                 <a:solidFill>
                   <a:srgbClr val="000000"/>
                 </a:solidFill>
@@ -7098,7 +7160,7 @@
               </a14:hiddenLine>
             </a:ext>
             <a:ext uri="{FAA26D3D-D897-4be2-8F04-BA451C77F1D7}">
-              <ma14:placeholderFlag xmlns:ma14="http://schemas.microsoft.com/office/mac/drawingml/2011/main" xmlns="" val="1"/>
+              <ma14:placeholderFlag xmlns="" xmlns:ma14="http://schemas.microsoft.com/office/mac/drawingml/2011/main" val="1"/>
             </a:ext>
           </a:extLst>
         </p:spPr>
@@ -7135,14 +7197,14 @@
           <a:noFill/>
           <a:extLst>
             <a:ext uri="{909E8E84-426E-40dd-AFC4-6F175D3DCCD1}">
-              <a14:hiddenFill xmlns:a14="http://schemas.microsoft.com/office/drawing/2010/main" xmlns="">
+              <a14:hiddenFill xmlns="" xmlns:a14="http://schemas.microsoft.com/office/drawing/2010/main">
                 <a:solidFill>
                   <a:srgbClr val="FFFFFF"/>
                 </a:solidFill>
               </a14:hiddenFill>
             </a:ext>
             <a:ext uri="{91240B29-F687-4f45-9708-019B960494DF}">
-              <a14:hiddenLine xmlns:a14="http://schemas.microsoft.com/office/drawing/2010/main" xmlns="" w="9525">
+              <a14:hiddenLine xmlns="" xmlns:a14="http://schemas.microsoft.com/office/drawing/2010/main" w="9525">
                 <a:solidFill>
                   <a:srgbClr val="000000"/>
                 </a:solidFill>
@@ -7337,14 +7399,14 @@
           <a:noFill/>
           <a:extLst>
             <a:ext uri="{909E8E84-426E-40dd-AFC4-6F175D3DCCD1}">
-              <a14:hiddenFill xmlns:a14="http://schemas.microsoft.com/office/drawing/2010/main" xmlns="">
+              <a14:hiddenFill xmlns="" xmlns:a14="http://schemas.microsoft.com/office/drawing/2010/main">
                 <a:solidFill>
                   <a:srgbClr val="FFFFFF"/>
                 </a:solidFill>
               </a14:hiddenFill>
             </a:ext>
             <a:ext uri="{91240B29-F687-4f45-9708-019B960494DF}">
-              <a14:hiddenLine xmlns:a14="http://schemas.microsoft.com/office/drawing/2010/main" xmlns="" w="9525">
+              <a14:hiddenLine xmlns="" xmlns:a14="http://schemas.microsoft.com/office/drawing/2010/main" w="9525">
                 <a:solidFill>
                   <a:srgbClr val="000000"/>
                 </a:solidFill>
@@ -7506,7 +7568,7 @@
 </p:notes>
 </file>
 
-<file path=ppt/notesSlides/notesSlide43.xml><?xml version="1.0" encoding="utf-8"?>
+<file path=ppt/notesSlides/notesSlide44.xml><?xml version="1.0" encoding="utf-8"?>
 <p:notes xmlns:a="http://schemas.openxmlformats.org/drawingml/2006/main" xmlns:r="http://schemas.openxmlformats.org/officeDocument/2006/relationships" xmlns:p="http://schemas.openxmlformats.org/presentationml/2006/main">
   <p:cSld>
     <p:spTree>
@@ -7545,14 +7607,14 @@
           </a:ln>
           <a:extLst>
             <a:ext uri="{909E8E84-426E-40dd-AFC4-6F175D3DCCD1}">
-              <a14:hiddenFill xmlns:a14="http://schemas.microsoft.com/office/drawing/2010/main" xmlns="">
+              <a14:hiddenFill xmlns="" xmlns:a14="http://schemas.microsoft.com/office/drawing/2010/main">
                 <a:solidFill>
                   <a:srgbClr val="FFFFFF"/>
                 </a:solidFill>
               </a14:hiddenFill>
             </a:ext>
             <a:ext uri="{FAA26D3D-D897-4be2-8F04-BA451C77F1D7}">
-              <ma14:placeholderFlag xmlns:ma14="http://schemas.microsoft.com/office/mac/drawingml/2011/main" xmlns="" val="1"/>
+              <ma14:placeholderFlag xmlns="" xmlns:ma14="http://schemas.microsoft.com/office/mac/drawingml/2011/main" val="1"/>
             </a:ext>
           </a:extLst>
         </p:spPr>
@@ -7571,14 +7633,14 @@
           <a:noFill/>
           <a:extLst>
             <a:ext uri="{909E8E84-426E-40dd-AFC4-6F175D3DCCD1}">
-              <a14:hiddenFill xmlns:a14="http://schemas.microsoft.com/office/drawing/2010/main" xmlns="">
+              <a14:hiddenFill xmlns="" xmlns:a14="http://schemas.microsoft.com/office/drawing/2010/main">
                 <a:solidFill>
                   <a:srgbClr val="FFFFFF"/>
                 </a:solidFill>
               </a14:hiddenFill>
             </a:ext>
             <a:ext uri="{91240B29-F687-4f45-9708-019B960494DF}">
-              <a14:hiddenLine xmlns:a14="http://schemas.microsoft.com/office/drawing/2010/main" xmlns="" w="9525">
+              <a14:hiddenLine xmlns="" xmlns:a14="http://schemas.microsoft.com/office/drawing/2010/main" w="9525">
                 <a:solidFill>
                   <a:srgbClr val="000000"/>
                 </a:solidFill>
@@ -7588,7 +7650,7 @@
               </a14:hiddenLine>
             </a:ext>
             <a:ext uri="{FAA26D3D-D897-4be2-8F04-BA451C77F1D7}">
-              <ma14:placeholderFlag xmlns:ma14="http://schemas.microsoft.com/office/mac/drawingml/2011/main" xmlns="" val="1"/>
+              <ma14:placeholderFlag xmlns="" xmlns:ma14="http://schemas.microsoft.com/office/mac/drawingml/2011/main" val="1"/>
             </a:ext>
           </a:extLst>
         </p:spPr>
@@ -7625,14 +7687,14 @@
           <a:noFill/>
           <a:extLst>
             <a:ext uri="{909E8E84-426E-40dd-AFC4-6F175D3DCCD1}">
-              <a14:hiddenFill xmlns:a14="http://schemas.microsoft.com/office/drawing/2010/main" xmlns="">
+              <a14:hiddenFill xmlns="" xmlns:a14="http://schemas.microsoft.com/office/drawing/2010/main">
                 <a:solidFill>
                   <a:srgbClr val="FFFFFF"/>
                 </a:solidFill>
               </a14:hiddenFill>
             </a:ext>
             <a:ext uri="{91240B29-F687-4f45-9708-019B960494DF}">
-              <a14:hiddenLine xmlns:a14="http://schemas.microsoft.com/office/drawing/2010/main" xmlns="" w="9525">
+              <a14:hiddenLine xmlns="" xmlns:a14="http://schemas.microsoft.com/office/drawing/2010/main" w="9525">
                 <a:solidFill>
                   <a:srgbClr val="000000"/>
                 </a:solidFill>
@@ -7827,14 +7889,14 @@
           <a:noFill/>
           <a:extLst>
             <a:ext uri="{909E8E84-426E-40dd-AFC4-6F175D3DCCD1}">
-              <a14:hiddenFill xmlns:a14="http://schemas.microsoft.com/office/drawing/2010/main" xmlns="">
+              <a14:hiddenFill xmlns="" xmlns:a14="http://schemas.microsoft.com/office/drawing/2010/main">
                 <a:solidFill>
                   <a:srgbClr val="FFFFFF"/>
                 </a:solidFill>
               </a14:hiddenFill>
             </a:ext>
             <a:ext uri="{91240B29-F687-4f45-9708-019B960494DF}">
-              <a14:hiddenLine xmlns:a14="http://schemas.microsoft.com/office/drawing/2010/main" xmlns="" w="9525">
+              <a14:hiddenLine xmlns="" xmlns:a14="http://schemas.microsoft.com/office/drawing/2010/main" w="9525">
                 <a:solidFill>
                   <a:srgbClr val="000000"/>
                 </a:solidFill>
@@ -7996,7 +8058,7 @@
 </p:notes>
 </file>
 
-<file path=ppt/notesSlides/notesSlide44.xml><?xml version="1.0" encoding="utf-8"?>
+<file path=ppt/notesSlides/notesSlide45.xml><?xml version="1.0" encoding="utf-8"?>
 <p:notes xmlns:a="http://schemas.openxmlformats.org/drawingml/2006/main" xmlns:r="http://schemas.openxmlformats.org/officeDocument/2006/relationships" xmlns:p="http://schemas.openxmlformats.org/presentationml/2006/main">
   <p:cSld>
     <p:spTree>
@@ -8035,14 +8097,14 @@
           </a:ln>
           <a:extLst>
             <a:ext uri="{909E8E84-426E-40dd-AFC4-6F175D3DCCD1}">
-              <a14:hiddenFill xmlns:a14="http://schemas.microsoft.com/office/drawing/2010/main" xmlns="">
+              <a14:hiddenFill xmlns="" xmlns:a14="http://schemas.microsoft.com/office/drawing/2010/main">
                 <a:solidFill>
                   <a:srgbClr val="FFFFFF"/>
                 </a:solidFill>
               </a14:hiddenFill>
             </a:ext>
             <a:ext uri="{FAA26D3D-D897-4be2-8F04-BA451C77F1D7}">
-              <ma14:placeholderFlag xmlns:ma14="http://schemas.microsoft.com/office/mac/drawingml/2011/main" xmlns="" val="1"/>
+              <ma14:placeholderFlag xmlns="" xmlns:ma14="http://schemas.microsoft.com/office/mac/drawingml/2011/main" val="1"/>
             </a:ext>
           </a:extLst>
         </p:spPr>
@@ -8061,14 +8123,14 @@
           <a:noFill/>
           <a:extLst>
             <a:ext uri="{909E8E84-426E-40dd-AFC4-6F175D3DCCD1}">
-              <a14:hiddenFill xmlns:a14="http://schemas.microsoft.com/office/drawing/2010/main" xmlns="">
+              <a14:hiddenFill xmlns="" xmlns:a14="http://schemas.microsoft.com/office/drawing/2010/main">
                 <a:solidFill>
                   <a:srgbClr val="FFFFFF"/>
                 </a:solidFill>
               </a14:hiddenFill>
             </a:ext>
             <a:ext uri="{91240B29-F687-4f45-9708-019B960494DF}">
-              <a14:hiddenLine xmlns:a14="http://schemas.microsoft.com/office/drawing/2010/main" xmlns="" w="9525">
+              <a14:hiddenLine xmlns="" xmlns:a14="http://schemas.microsoft.com/office/drawing/2010/main" w="9525">
                 <a:solidFill>
                   <a:srgbClr val="000000"/>
                 </a:solidFill>
@@ -8078,7 +8140,7 @@
               </a14:hiddenLine>
             </a:ext>
             <a:ext uri="{FAA26D3D-D897-4be2-8F04-BA451C77F1D7}">
-              <ma14:placeholderFlag xmlns:ma14="http://schemas.microsoft.com/office/mac/drawingml/2011/main" xmlns="" val="1"/>
+              <ma14:placeholderFlag xmlns="" xmlns:ma14="http://schemas.microsoft.com/office/mac/drawingml/2011/main" val="1"/>
             </a:ext>
           </a:extLst>
         </p:spPr>
@@ -8115,14 +8177,14 @@
           <a:noFill/>
           <a:extLst>
             <a:ext uri="{909E8E84-426E-40dd-AFC4-6F175D3DCCD1}">
-              <a14:hiddenFill xmlns:a14="http://schemas.microsoft.com/office/drawing/2010/main" xmlns="">
+              <a14:hiddenFill xmlns="" xmlns:a14="http://schemas.microsoft.com/office/drawing/2010/main">
                 <a:solidFill>
                   <a:srgbClr val="FFFFFF"/>
                 </a:solidFill>
               </a14:hiddenFill>
             </a:ext>
             <a:ext uri="{91240B29-F687-4f45-9708-019B960494DF}">
-              <a14:hiddenLine xmlns:a14="http://schemas.microsoft.com/office/drawing/2010/main" xmlns="" w="9525">
+              <a14:hiddenLine xmlns="" xmlns:a14="http://schemas.microsoft.com/office/drawing/2010/main" w="9525">
                 <a:solidFill>
                   <a:srgbClr val="000000"/>
                 </a:solidFill>
@@ -8317,14 +8379,14 @@
           <a:noFill/>
           <a:extLst>
             <a:ext uri="{909E8E84-426E-40dd-AFC4-6F175D3DCCD1}">
-              <a14:hiddenFill xmlns:a14="http://schemas.microsoft.com/office/drawing/2010/main" xmlns="">
+              <a14:hiddenFill xmlns="" xmlns:a14="http://schemas.microsoft.com/office/drawing/2010/main">
                 <a:solidFill>
                   <a:srgbClr val="FFFFFF"/>
                 </a:solidFill>
               </a14:hiddenFill>
             </a:ext>
             <a:ext uri="{91240B29-F687-4f45-9708-019B960494DF}">
-              <a14:hiddenLine xmlns:a14="http://schemas.microsoft.com/office/drawing/2010/main" xmlns="" w="9525">
+              <a14:hiddenLine xmlns="" xmlns:a14="http://schemas.microsoft.com/office/drawing/2010/main" w="9525">
                 <a:solidFill>
                   <a:srgbClr val="000000"/>
                 </a:solidFill>
@@ -8486,7 +8548,7 @@
 </p:notes>
 </file>
 
-<file path=ppt/notesSlides/notesSlide45.xml><?xml version="1.0" encoding="utf-8"?>
+<file path=ppt/notesSlides/notesSlide46.xml><?xml version="1.0" encoding="utf-8"?>
 <p:notes xmlns:a="http://schemas.openxmlformats.org/drawingml/2006/main" xmlns:r="http://schemas.openxmlformats.org/officeDocument/2006/relationships" xmlns:p="http://schemas.openxmlformats.org/presentationml/2006/main">
   <p:cSld>
     <p:spTree>
@@ -8525,14 +8587,14 @@
           </a:ln>
           <a:extLst>
             <a:ext uri="{909E8E84-426E-40dd-AFC4-6F175D3DCCD1}">
-              <a14:hiddenFill xmlns:a14="http://schemas.microsoft.com/office/drawing/2010/main" xmlns="">
+              <a14:hiddenFill xmlns="" xmlns:a14="http://schemas.microsoft.com/office/drawing/2010/main">
                 <a:solidFill>
                   <a:srgbClr val="FFFFFF"/>
                 </a:solidFill>
               </a14:hiddenFill>
             </a:ext>
             <a:ext uri="{FAA26D3D-D897-4be2-8F04-BA451C77F1D7}">
-              <ma14:placeholderFlag xmlns:ma14="http://schemas.microsoft.com/office/mac/drawingml/2011/main" xmlns="" val="1"/>
+              <ma14:placeholderFlag xmlns="" xmlns:ma14="http://schemas.microsoft.com/office/mac/drawingml/2011/main" val="1"/>
             </a:ext>
           </a:extLst>
         </p:spPr>
@@ -8551,14 +8613,14 @@
           <a:noFill/>
           <a:extLst>
             <a:ext uri="{909E8E84-426E-40dd-AFC4-6F175D3DCCD1}">
-              <a14:hiddenFill xmlns:a14="http://schemas.microsoft.com/office/drawing/2010/main" xmlns="">
+              <a14:hiddenFill xmlns="" xmlns:a14="http://schemas.microsoft.com/office/drawing/2010/main">
                 <a:solidFill>
                   <a:srgbClr val="FFFFFF"/>
                 </a:solidFill>
               </a14:hiddenFill>
             </a:ext>
             <a:ext uri="{91240B29-F687-4f45-9708-019B960494DF}">
-              <a14:hiddenLine xmlns:a14="http://schemas.microsoft.com/office/drawing/2010/main" xmlns="" w="9525">
+              <a14:hiddenLine xmlns="" xmlns:a14="http://schemas.microsoft.com/office/drawing/2010/main" w="9525">
                 <a:solidFill>
                   <a:srgbClr val="000000"/>
                 </a:solidFill>
@@ -8604,7 +8666,7 @@
 </p:notes>
 </file>
 
-<file path=ppt/notesSlides/notesSlide46.xml><?xml version="1.0" encoding="utf-8"?>
+<file path=ppt/notesSlides/notesSlide47.xml><?xml version="1.0" encoding="utf-8"?>
 <p:notes xmlns:a="http://schemas.openxmlformats.org/drawingml/2006/main" xmlns:r="http://schemas.openxmlformats.org/officeDocument/2006/relationships" xmlns:p="http://schemas.openxmlformats.org/presentationml/2006/main">
   <p:cSld>
     <p:spTree>
@@ -8643,14 +8705,14 @@
           </a:ln>
           <a:extLst>
             <a:ext uri="{909E8E84-426E-40dd-AFC4-6F175D3DCCD1}">
-              <a14:hiddenFill xmlns:a14="http://schemas.microsoft.com/office/drawing/2010/main" xmlns="">
+              <a14:hiddenFill xmlns="" xmlns:a14="http://schemas.microsoft.com/office/drawing/2010/main">
                 <a:solidFill>
                   <a:srgbClr val="FFFFFF"/>
                 </a:solidFill>
               </a14:hiddenFill>
             </a:ext>
             <a:ext uri="{FAA26D3D-D897-4be2-8F04-BA451C77F1D7}">
-              <ma14:placeholderFlag xmlns:ma14="http://schemas.microsoft.com/office/mac/drawingml/2011/main" xmlns="" val="1"/>
+              <ma14:placeholderFlag xmlns="" xmlns:ma14="http://schemas.microsoft.com/office/mac/drawingml/2011/main" val="1"/>
             </a:ext>
           </a:extLst>
         </p:spPr>
@@ -8669,14 +8731,14 @@
           <a:noFill/>
           <a:extLst>
             <a:ext uri="{909E8E84-426E-40dd-AFC4-6F175D3DCCD1}">
-              <a14:hiddenFill xmlns:a14="http://schemas.microsoft.com/office/drawing/2010/main" xmlns="">
+              <a14:hiddenFill xmlns="" xmlns:a14="http://schemas.microsoft.com/office/drawing/2010/main">
                 <a:solidFill>
                   <a:srgbClr val="FFFFFF"/>
                 </a:solidFill>
               </a14:hiddenFill>
             </a:ext>
             <a:ext uri="{91240B29-F687-4f45-9708-019B960494DF}">
-              <a14:hiddenLine xmlns:a14="http://schemas.microsoft.com/office/drawing/2010/main" xmlns="" w="9525">
+              <a14:hiddenLine xmlns="" xmlns:a14="http://schemas.microsoft.com/office/drawing/2010/main" w="9525">
                 <a:solidFill>
                   <a:srgbClr val="000000"/>
                 </a:solidFill>
@@ -8761,14 +8823,14 @@
           </a:ln>
           <a:extLst>
             <a:ext uri="{909E8E84-426E-40dd-AFC4-6F175D3DCCD1}">
-              <a14:hiddenFill xmlns:a14="http://schemas.microsoft.com/office/drawing/2010/main" xmlns="">
+              <a14:hiddenFill xmlns="" xmlns:a14="http://schemas.microsoft.com/office/drawing/2010/main">
                 <a:solidFill>
                   <a:srgbClr val="FFFFFF"/>
                 </a:solidFill>
               </a14:hiddenFill>
             </a:ext>
             <a:ext uri="{FAA26D3D-D897-4be2-8F04-BA451C77F1D7}">
-              <ma14:placeholderFlag xmlns:ma14="http://schemas.microsoft.com/office/mac/drawingml/2011/main" xmlns="" val="1"/>
+              <ma14:placeholderFlag xmlns="" xmlns:ma14="http://schemas.microsoft.com/office/mac/drawingml/2011/main" val="1"/>
             </a:ext>
           </a:extLst>
         </p:spPr>
@@ -8787,14 +8849,14 @@
           <a:noFill/>
           <a:extLst>
             <a:ext uri="{909E8E84-426E-40dd-AFC4-6F175D3DCCD1}">
-              <a14:hiddenFill xmlns:a14="http://schemas.microsoft.com/office/drawing/2010/main" xmlns="">
+              <a14:hiddenFill xmlns="" xmlns:a14="http://schemas.microsoft.com/office/drawing/2010/main">
                 <a:solidFill>
                   <a:srgbClr val="FFFFFF"/>
                 </a:solidFill>
               </a14:hiddenFill>
             </a:ext>
             <a:ext uri="{91240B29-F687-4f45-9708-019B960494DF}">
-              <a14:hiddenLine xmlns:a14="http://schemas.microsoft.com/office/drawing/2010/main" xmlns="" w="9525">
+              <a14:hiddenLine xmlns="" xmlns:a14="http://schemas.microsoft.com/office/drawing/2010/main" w="9525">
                 <a:solidFill>
                   <a:srgbClr val="000000"/>
                 </a:solidFill>
@@ -8874,14 +8936,14 @@
           </a:ln>
           <a:extLst>
             <a:ext uri="{909E8E84-426E-40dd-AFC4-6F175D3DCCD1}">
-              <a14:hiddenFill xmlns:a14="http://schemas.microsoft.com/office/drawing/2010/main" xmlns="">
+              <a14:hiddenFill xmlns="" xmlns:a14="http://schemas.microsoft.com/office/drawing/2010/main">
                 <a:solidFill>
                   <a:srgbClr val="FFFFFF"/>
                 </a:solidFill>
               </a14:hiddenFill>
             </a:ext>
             <a:ext uri="{FAA26D3D-D897-4be2-8F04-BA451C77F1D7}">
-              <ma14:placeholderFlag xmlns:ma14="http://schemas.microsoft.com/office/mac/drawingml/2011/main" xmlns="" val="1"/>
+              <ma14:placeholderFlag xmlns="" xmlns:ma14="http://schemas.microsoft.com/office/mac/drawingml/2011/main" val="1"/>
             </a:ext>
           </a:extLst>
         </p:spPr>
@@ -8900,14 +8962,14 @@
           <a:noFill/>
           <a:extLst>
             <a:ext uri="{909E8E84-426E-40dd-AFC4-6F175D3DCCD1}">
-              <a14:hiddenFill xmlns:a14="http://schemas.microsoft.com/office/drawing/2010/main" xmlns="">
+              <a14:hiddenFill xmlns="" xmlns:a14="http://schemas.microsoft.com/office/drawing/2010/main">
                 <a:solidFill>
                   <a:srgbClr val="FFFFFF"/>
                 </a:solidFill>
               </a14:hiddenFill>
             </a:ext>
             <a:ext uri="{91240B29-F687-4f45-9708-019B960494DF}">
-              <a14:hiddenLine xmlns:a14="http://schemas.microsoft.com/office/drawing/2010/main" xmlns="" w="9525">
+              <a14:hiddenLine xmlns="" xmlns:a14="http://schemas.microsoft.com/office/drawing/2010/main" w="9525">
                 <a:solidFill>
                   <a:srgbClr val="000000"/>
                 </a:solidFill>
@@ -8987,14 +9049,14 @@
           </a:ln>
           <a:extLst>
             <a:ext uri="{909E8E84-426E-40dd-AFC4-6F175D3DCCD1}">
-              <a14:hiddenFill xmlns:a14="http://schemas.microsoft.com/office/drawing/2010/main" xmlns="">
+              <a14:hiddenFill xmlns="" xmlns:a14="http://schemas.microsoft.com/office/drawing/2010/main">
                 <a:solidFill>
                   <a:srgbClr val="FFFFFF"/>
                 </a:solidFill>
               </a14:hiddenFill>
             </a:ext>
             <a:ext uri="{FAA26D3D-D897-4be2-8F04-BA451C77F1D7}">
-              <ma14:placeholderFlag xmlns:ma14="http://schemas.microsoft.com/office/mac/drawingml/2011/main" xmlns="" val="1"/>
+              <ma14:placeholderFlag xmlns="" xmlns:ma14="http://schemas.microsoft.com/office/mac/drawingml/2011/main" val="1"/>
             </a:ext>
           </a:extLst>
         </p:spPr>
@@ -9013,14 +9075,14 @@
           <a:noFill/>
           <a:extLst>
             <a:ext uri="{909E8E84-426E-40dd-AFC4-6F175D3DCCD1}">
-              <a14:hiddenFill xmlns:a14="http://schemas.microsoft.com/office/drawing/2010/main" xmlns="">
+              <a14:hiddenFill xmlns="" xmlns:a14="http://schemas.microsoft.com/office/drawing/2010/main">
                 <a:solidFill>
                   <a:srgbClr val="FFFFFF"/>
                 </a:solidFill>
               </a14:hiddenFill>
             </a:ext>
             <a:ext uri="{91240B29-F687-4f45-9708-019B960494DF}">
-              <a14:hiddenLine xmlns:a14="http://schemas.microsoft.com/office/drawing/2010/main" xmlns="" w="9525">
+              <a14:hiddenLine xmlns="" xmlns:a14="http://schemas.microsoft.com/office/drawing/2010/main" w="9525">
                 <a:solidFill>
                   <a:srgbClr val="000000"/>
                 </a:solidFill>
@@ -9100,14 +9162,14 @@
           </a:ln>
           <a:extLst>
             <a:ext uri="{909E8E84-426E-40dd-AFC4-6F175D3DCCD1}">
-              <a14:hiddenFill xmlns:a14="http://schemas.microsoft.com/office/drawing/2010/main" xmlns="">
+              <a14:hiddenFill xmlns="" xmlns:a14="http://schemas.microsoft.com/office/drawing/2010/main">
                 <a:solidFill>
                   <a:srgbClr val="FFFFFF"/>
                 </a:solidFill>
               </a14:hiddenFill>
             </a:ext>
             <a:ext uri="{FAA26D3D-D897-4be2-8F04-BA451C77F1D7}">
-              <ma14:placeholderFlag xmlns:ma14="http://schemas.microsoft.com/office/mac/drawingml/2011/main" xmlns="" val="1"/>
+              <ma14:placeholderFlag xmlns="" xmlns:ma14="http://schemas.microsoft.com/office/mac/drawingml/2011/main" val="1"/>
             </a:ext>
           </a:extLst>
         </p:spPr>
@@ -9126,14 +9188,14 @@
           <a:noFill/>
           <a:extLst>
             <a:ext uri="{909E8E84-426E-40dd-AFC4-6F175D3DCCD1}">
-              <a14:hiddenFill xmlns:a14="http://schemas.microsoft.com/office/drawing/2010/main" xmlns="">
+              <a14:hiddenFill xmlns="" xmlns:a14="http://schemas.microsoft.com/office/drawing/2010/main">
                 <a:solidFill>
                   <a:srgbClr val="FFFFFF"/>
                 </a:solidFill>
               </a14:hiddenFill>
             </a:ext>
             <a:ext uri="{91240B29-F687-4f45-9708-019B960494DF}">
-              <a14:hiddenLine xmlns:a14="http://schemas.microsoft.com/office/drawing/2010/main" xmlns="" w="9525">
+              <a14:hiddenLine xmlns="" xmlns:a14="http://schemas.microsoft.com/office/drawing/2010/main" w="9525">
                 <a:solidFill>
                   <a:srgbClr val="000000"/>
                 </a:solidFill>
@@ -9213,14 +9275,14 @@
           </a:ln>
           <a:extLst>
             <a:ext uri="{909E8E84-426E-40dd-AFC4-6F175D3DCCD1}">
-              <a14:hiddenFill xmlns:a14="http://schemas.microsoft.com/office/drawing/2010/main" xmlns="">
+              <a14:hiddenFill xmlns="" xmlns:a14="http://schemas.microsoft.com/office/drawing/2010/main">
                 <a:solidFill>
                   <a:srgbClr val="FFFFFF"/>
                 </a:solidFill>
               </a14:hiddenFill>
             </a:ext>
             <a:ext uri="{FAA26D3D-D897-4be2-8F04-BA451C77F1D7}">
-              <ma14:placeholderFlag xmlns:ma14="http://schemas.microsoft.com/office/mac/drawingml/2011/main" xmlns="" val="1"/>
+              <ma14:placeholderFlag xmlns="" xmlns:ma14="http://schemas.microsoft.com/office/mac/drawingml/2011/main" val="1"/>
             </a:ext>
           </a:extLst>
         </p:spPr>
@@ -9239,14 +9301,14 @@
           <a:noFill/>
           <a:extLst>
             <a:ext uri="{909E8E84-426E-40dd-AFC4-6F175D3DCCD1}">
-              <a14:hiddenFill xmlns:a14="http://schemas.microsoft.com/office/drawing/2010/main" xmlns="">
+              <a14:hiddenFill xmlns="" xmlns:a14="http://schemas.microsoft.com/office/drawing/2010/main">
                 <a:solidFill>
                   <a:srgbClr val="FFFFFF"/>
                 </a:solidFill>
               </a14:hiddenFill>
             </a:ext>
             <a:ext uri="{91240B29-F687-4f45-9708-019B960494DF}">
-              <a14:hiddenLine xmlns:a14="http://schemas.microsoft.com/office/drawing/2010/main" xmlns="" w="9525">
+              <a14:hiddenLine xmlns="" xmlns:a14="http://schemas.microsoft.com/office/drawing/2010/main" w="9525">
                 <a:solidFill>
                   <a:srgbClr val="000000"/>
                 </a:solidFill>
@@ -9403,14 +9465,14 @@
           </a:ln>
           <a:extLst>
             <a:ext uri="{909E8E84-426E-40dd-AFC4-6F175D3DCCD1}">
-              <a14:hiddenFill xmlns:a14="http://schemas.microsoft.com/office/drawing/2010/main" xmlns="">
+              <a14:hiddenFill xmlns="" xmlns:a14="http://schemas.microsoft.com/office/drawing/2010/main">
                 <a:solidFill>
                   <a:srgbClr val="FFFFFF"/>
                 </a:solidFill>
               </a14:hiddenFill>
             </a:ext>
             <a:ext uri="{91240B29-F687-4f45-9708-019B960494DF}">
-              <a14:hiddenLine xmlns:a14="http://schemas.microsoft.com/office/drawing/2010/main" xmlns="" w="9525">
+              <a14:hiddenLine xmlns="" xmlns:a14="http://schemas.microsoft.com/office/drawing/2010/main" w="9525">
                 <a:solidFill>
                   <a:srgbClr val="000000"/>
                 </a:solidFill>
@@ -10161,14 +10223,14 @@
           </a:ln>
           <a:extLst>
             <a:ext uri="{909E8E84-426E-40dd-AFC4-6F175D3DCCD1}">
-              <a14:hiddenFill xmlns:a14="http://schemas.microsoft.com/office/drawing/2010/main" xmlns="">
+              <a14:hiddenFill xmlns="" xmlns:a14="http://schemas.microsoft.com/office/drawing/2010/main">
                 <a:solidFill>
                   <a:srgbClr val="FFFFFF"/>
                 </a:solidFill>
               </a14:hiddenFill>
             </a:ext>
             <a:ext uri="{91240B29-F687-4f45-9708-019B960494DF}">
-              <a14:hiddenLine xmlns:a14="http://schemas.microsoft.com/office/drawing/2010/main" xmlns="" w="9525">
+              <a14:hiddenLine xmlns="" xmlns:a14="http://schemas.microsoft.com/office/drawing/2010/main" w="9525">
                 <a:solidFill>
                   <a:srgbClr val="000000"/>
                 </a:solidFill>
@@ -11951,14 +12013,14 @@
           </a:ln>
           <a:extLst>
             <a:ext uri="{909E8E84-426E-40dd-AFC4-6F175D3DCCD1}">
-              <a14:hiddenFill xmlns:a14="http://schemas.microsoft.com/office/drawing/2010/main" xmlns="">
+              <a14:hiddenFill xmlns="" xmlns:a14="http://schemas.microsoft.com/office/drawing/2010/main">
                 <a:solidFill>
                   <a:srgbClr val="FFFFFF"/>
                 </a:solidFill>
               </a14:hiddenFill>
             </a:ext>
             <a:ext uri="{91240B29-F687-4f45-9708-019B960494DF}">
-              <a14:hiddenLine xmlns:a14="http://schemas.microsoft.com/office/drawing/2010/main" xmlns="" w="9525">
+              <a14:hiddenLine xmlns="" xmlns:a14="http://schemas.microsoft.com/office/drawing/2010/main" w="9525">
                 <a:solidFill>
                   <a:srgbClr val="000000"/>
                 </a:solidFill>
@@ -11968,7 +12030,7 @@
               </a14:hiddenLine>
             </a:ext>
             <a:ext uri="{FAA26D3D-D897-4be2-8F04-BA451C77F1D7}">
-              <ma14:placeholderFlag xmlns:ma14="http://schemas.microsoft.com/office/mac/drawingml/2011/main" xmlns="" val="1"/>
+              <ma14:placeholderFlag xmlns="" xmlns:ma14="http://schemas.microsoft.com/office/mac/drawingml/2011/main" val="1"/>
             </a:ext>
           </a:extLst>
         </p:spPr>
@@ -12530,13 +12592,13 @@
   <p:clrMapOvr>
     <a:masterClrMapping/>
   </p:clrMapOvr>
-  <mc:AlternateContent xmlns:mc="http://schemas.openxmlformats.org/markup-compatibility/2006">
-    <mc:Choice xmlns:p15="http://schemas.microsoft.com/office/powerpoint/2012/main" Requires="p15">
+  <mc:AlternateContent xmlns:mc="http://schemas.openxmlformats.org/markup-compatibility/2006" xmlns:p15="http://schemas.microsoft.com/office/powerpoint/2012/main">
+    <mc:Choice Requires="p15">
       <p:transition xmlns:p14="http://schemas.microsoft.com/office/powerpoint/2010/main" spd="slow" p14:dur="2000">
         <p15:prstTrans prst="drape"/>
       </p:transition>
     </mc:Choice>
-    <mc:Fallback>
+    <mc:Fallback xmlns="">
       <p:transition spd="slow">
         <p:fade/>
       </p:transition>
@@ -15417,30 +15479,21 @@
                             </p:childTnLst>
                           </p:cTn>
                         </p:par>
-                      </p:childTnLst>
-                    </p:cTn>
-                  </p:par>
-                  <p:par>
-                    <p:cTn id="8" fill="hold">
-                      <p:stCondLst>
-                        <p:cond delay="indefinite"/>
-                      </p:stCondLst>
-                      <p:childTnLst>
                         <p:par>
-                          <p:cTn id="9" fill="hold">
+                          <p:cTn id="8" fill="hold">
                             <p:stCondLst>
-                              <p:cond delay="0"/>
+                              <p:cond delay="500"/>
                             </p:stCondLst>
                             <p:childTnLst>
                               <p:par>
-                                <p:cTn id="10" presetID="10" presetClass="exit" presetSubtype="0" fill="hold" nodeType="clickEffect">
+                                <p:cTn id="9" presetID="10" presetClass="exit" presetSubtype="0" fill="hold" nodeType="afterEffect">
                                   <p:stCondLst>
                                     <p:cond delay="0"/>
                                   </p:stCondLst>
                                   <p:childTnLst>
                                     <p:animEffect transition="out" filter="fade">
                                       <p:cBhvr>
-                                        <p:cTn id="11" dur="500"/>
+                                        <p:cTn id="10" dur="500"/>
                                         <p:tgtEl>
                                           <p:spTgt spid="6"/>
                                         </p:tgtEl>
@@ -15448,7 +15501,7 @@
                                     </p:animEffect>
                                     <p:set>
                                       <p:cBhvr>
-                                        <p:cTn id="12" dur="1" fill="hold">
+                                        <p:cTn id="11" dur="1" fill="hold">
                                           <p:stCondLst>
                                             <p:cond delay="499"/>
                                           </p:stCondLst>
@@ -15471,20 +15524,20 @@
                           </p:cTn>
                         </p:par>
                         <p:par>
-                          <p:cTn id="13" fill="hold">
+                          <p:cTn id="12" fill="hold">
                             <p:stCondLst>
-                              <p:cond delay="500"/>
+                              <p:cond delay="1000"/>
                             </p:stCondLst>
                             <p:childTnLst>
                               <p:par>
-                                <p:cTn id="14" presetID="10" presetClass="entr" presetSubtype="0" fill="hold" nodeType="afterEffect">
+                                <p:cTn id="13" presetID="10" presetClass="entr" presetSubtype="0" fill="hold" nodeType="afterEffect">
                                   <p:stCondLst>
                                     <p:cond delay="0"/>
                                   </p:stCondLst>
                                   <p:childTnLst>
                                     <p:set>
                                       <p:cBhvr>
-                                        <p:cTn id="15" dur="1" fill="hold">
+                                        <p:cTn id="14" dur="1" fill="hold">
                                           <p:stCondLst>
                                             <p:cond delay="0"/>
                                           </p:stCondLst>
@@ -15502,7 +15555,7 @@
                                     </p:set>
                                     <p:animEffect transition="in" filter="fade">
                                       <p:cBhvr>
-                                        <p:cTn id="16" dur="500"/>
+                                        <p:cTn id="15" dur="500"/>
                                         <p:tgtEl>
                                           <p:spTgt spid="2050"/>
                                         </p:tgtEl>
@@ -15518,26 +15571,26 @@
                     </p:cTn>
                   </p:par>
                   <p:par>
-                    <p:cTn id="17" fill="hold">
+                    <p:cTn id="16" fill="hold">
                       <p:stCondLst>
                         <p:cond delay="indefinite"/>
                       </p:stCondLst>
                       <p:childTnLst>
                         <p:par>
-                          <p:cTn id="18" fill="hold">
+                          <p:cTn id="17" fill="hold">
                             <p:stCondLst>
                               <p:cond delay="0"/>
                             </p:stCondLst>
                             <p:childTnLst>
                               <p:par>
-                                <p:cTn id="19" presetID="10" presetClass="entr" presetSubtype="0" fill="hold" grpId="0" nodeType="clickEffect">
+                                <p:cTn id="18" presetID="10" presetClass="entr" presetSubtype="0" fill="hold" grpId="0" nodeType="clickEffect">
                                   <p:stCondLst>
                                     <p:cond delay="0"/>
                                   </p:stCondLst>
                                   <p:childTnLst>
                                     <p:set>
                                       <p:cBhvr>
-                                        <p:cTn id="20" dur="1" fill="hold">
+                                        <p:cTn id="19" dur="1" fill="hold">
                                           <p:stCondLst>
                                             <p:cond delay="0"/>
                                           </p:stCondLst>
@@ -15559,7 +15612,7 @@
                                     </p:set>
                                     <p:animEffect transition="in" filter="fade">
                                       <p:cBhvr>
-                                        <p:cTn id="21" dur="500"/>
+                                        <p:cTn id="20" dur="500"/>
                                         <p:tgtEl>
                                           <p:spTgt spid="4">
                                             <p:txEl>
@@ -15579,26 +15632,26 @@
                     </p:cTn>
                   </p:par>
                   <p:par>
-                    <p:cTn id="22" fill="hold">
+                    <p:cTn id="21" fill="hold">
                       <p:stCondLst>
                         <p:cond delay="indefinite"/>
                       </p:stCondLst>
                       <p:childTnLst>
                         <p:par>
-                          <p:cTn id="23" fill="hold">
+                          <p:cTn id="22" fill="hold">
                             <p:stCondLst>
                               <p:cond delay="0"/>
                             </p:stCondLst>
                             <p:childTnLst>
                               <p:par>
-                                <p:cTn id="24" presetID="10" presetClass="entr" presetSubtype="0" fill="hold" grpId="0" nodeType="clickEffect">
+                                <p:cTn id="23" presetID="10" presetClass="entr" presetSubtype="0" fill="hold" grpId="0" nodeType="clickEffect">
                                   <p:stCondLst>
                                     <p:cond delay="0"/>
                                   </p:stCondLst>
                                   <p:childTnLst>
                                     <p:set>
                                       <p:cBhvr>
-                                        <p:cTn id="25" dur="1" fill="hold">
+                                        <p:cTn id="24" dur="1" fill="hold">
                                           <p:stCondLst>
                                             <p:cond delay="0"/>
                                           </p:stCondLst>
@@ -15620,7 +15673,7 @@
                                     </p:set>
                                     <p:animEffect transition="in" filter="fade">
                                       <p:cBhvr>
-                                        <p:cTn id="26" dur="500"/>
+                                        <p:cTn id="25" dur="500"/>
                                         <p:tgtEl>
                                           <p:spTgt spid="4">
                                             <p:txEl>
@@ -15640,26 +15693,26 @@
                     </p:cTn>
                   </p:par>
                   <p:par>
-                    <p:cTn id="27" fill="hold">
+                    <p:cTn id="26" fill="hold">
                       <p:stCondLst>
                         <p:cond delay="indefinite"/>
                       </p:stCondLst>
                       <p:childTnLst>
                         <p:par>
-                          <p:cTn id="28" fill="hold">
+                          <p:cTn id="27" fill="hold">
                             <p:stCondLst>
                               <p:cond delay="0"/>
                             </p:stCondLst>
                             <p:childTnLst>
                               <p:par>
-                                <p:cTn id="29" presetID="10" presetClass="entr" presetSubtype="0" fill="hold" grpId="0" nodeType="clickEffect">
+                                <p:cTn id="28" presetID="10" presetClass="entr" presetSubtype="0" fill="hold" grpId="0" nodeType="clickEffect">
                                   <p:stCondLst>
                                     <p:cond delay="0"/>
                                   </p:stCondLst>
                                   <p:childTnLst>
                                     <p:set>
                                       <p:cBhvr>
-                                        <p:cTn id="30" dur="1" fill="hold">
+                                        <p:cTn id="29" dur="1" fill="hold">
                                           <p:stCondLst>
                                             <p:cond delay="0"/>
                                           </p:stCondLst>
@@ -15681,7 +15734,7 @@
                                     </p:set>
                                     <p:animEffect transition="in" filter="fade">
                                       <p:cBhvr>
-                                        <p:cTn id="31" dur="500"/>
+                                        <p:cTn id="30" dur="500"/>
                                         <p:tgtEl>
                                           <p:spTgt spid="4">
                                             <p:txEl>
@@ -15701,26 +15754,26 @@
                     </p:cTn>
                   </p:par>
                   <p:par>
-                    <p:cTn id="32" fill="hold">
+                    <p:cTn id="31" fill="hold">
                       <p:stCondLst>
                         <p:cond delay="indefinite"/>
                       </p:stCondLst>
                       <p:childTnLst>
                         <p:par>
-                          <p:cTn id="33" fill="hold">
+                          <p:cTn id="32" fill="hold">
                             <p:stCondLst>
                               <p:cond delay="0"/>
                             </p:stCondLst>
                             <p:childTnLst>
                               <p:par>
-                                <p:cTn id="34" presetID="10" presetClass="entr" presetSubtype="0" fill="hold" grpId="0" nodeType="clickEffect">
+                                <p:cTn id="33" presetID="10" presetClass="entr" presetSubtype="0" fill="hold" grpId="0" nodeType="clickEffect">
                                   <p:stCondLst>
                                     <p:cond delay="0"/>
                                   </p:stCondLst>
                                   <p:childTnLst>
                                     <p:set>
                                       <p:cBhvr>
-                                        <p:cTn id="35" dur="1" fill="hold">
+                                        <p:cTn id="34" dur="1" fill="hold">
                                           <p:stCondLst>
                                             <p:cond delay="0"/>
                                           </p:stCondLst>
@@ -15742,7 +15795,7 @@
                                     </p:set>
                                     <p:animEffect transition="in" filter="fade">
                                       <p:cBhvr>
-                                        <p:cTn id="36" dur="500"/>
+                                        <p:cTn id="35" dur="500"/>
                                         <p:tgtEl>
                                           <p:spTgt spid="4">
                                             <p:txEl>
@@ -16096,7 +16149,7 @@
                             </p:stCondLst>
                             <p:childTnLst>
                               <p:par>
-                                <p:cTn id="5" presetID="1" presetClass="entr" presetSubtype="0" fill="hold" grpId="0" nodeType="clickEffect">
+                                <p:cTn id="5" presetID="10" presetClass="entr" presetSubtype="0" fill="hold" grpId="0" nodeType="clickEffect">
                                   <p:stCondLst>
                                     <p:cond delay="0"/>
                                   </p:stCondLst>
@@ -16123,6 +16176,18 @@
                                         <p:strVal val="visible"/>
                                       </p:to>
                                     </p:set>
+                                    <p:animEffect transition="in" filter="fade">
+                                      <p:cBhvr>
+                                        <p:cTn id="7" dur="500"/>
+                                        <p:tgtEl>
+                                          <p:spTgt spid="4">
+                                            <p:txEl>
+                                              <p:pRg st="0" end="0"/>
+                                            </p:txEl>
+                                          </p:spTgt>
+                                        </p:tgtEl>
+                                      </p:cBhvr>
+                                    </p:animEffect>
                                   </p:childTnLst>
                                 </p:cTn>
                               </p:par>
@@ -16133,26 +16198,26 @@
                     </p:cTn>
                   </p:par>
                   <p:par>
-                    <p:cTn id="7" fill="hold">
+                    <p:cTn id="8" fill="hold">
                       <p:stCondLst>
                         <p:cond delay="indefinite"/>
                       </p:stCondLst>
                       <p:childTnLst>
                         <p:par>
-                          <p:cTn id="8" fill="hold">
+                          <p:cTn id="9" fill="hold">
                             <p:stCondLst>
                               <p:cond delay="0"/>
                             </p:stCondLst>
                             <p:childTnLst>
                               <p:par>
-                                <p:cTn id="9" presetID="1" presetClass="entr" presetSubtype="0" fill="hold" grpId="0" nodeType="clickEffect">
+                                <p:cTn id="10" presetID="10" presetClass="entr" presetSubtype="0" fill="hold" grpId="0" nodeType="clickEffect">
                                   <p:stCondLst>
                                     <p:cond delay="0"/>
                                   </p:stCondLst>
                                   <p:childTnLst>
                                     <p:set>
                                       <p:cBhvr>
-                                        <p:cTn id="10" dur="1" fill="hold">
+                                        <p:cTn id="11" dur="1" fill="hold">
                                           <p:stCondLst>
                                             <p:cond delay="0"/>
                                           </p:stCondLst>
@@ -16172,6 +16237,18 @@
                                         <p:strVal val="visible"/>
                                       </p:to>
                                     </p:set>
+                                    <p:animEffect transition="in" filter="fade">
+                                      <p:cBhvr>
+                                        <p:cTn id="12" dur="500"/>
+                                        <p:tgtEl>
+                                          <p:spTgt spid="4">
+                                            <p:txEl>
+                                              <p:pRg st="1" end="1"/>
+                                            </p:txEl>
+                                          </p:spTgt>
+                                        </p:tgtEl>
+                                      </p:cBhvr>
+                                    </p:animEffect>
                                   </p:childTnLst>
                                 </p:cTn>
                               </p:par>
@@ -16182,26 +16259,26 @@
                     </p:cTn>
                   </p:par>
                   <p:par>
-                    <p:cTn id="11" fill="hold">
+                    <p:cTn id="13" fill="hold">
                       <p:stCondLst>
                         <p:cond delay="indefinite"/>
                       </p:stCondLst>
                       <p:childTnLst>
                         <p:par>
-                          <p:cTn id="12" fill="hold">
+                          <p:cTn id="14" fill="hold">
                             <p:stCondLst>
                               <p:cond delay="0"/>
                             </p:stCondLst>
                             <p:childTnLst>
                               <p:par>
-                                <p:cTn id="13" presetID="1" presetClass="entr" presetSubtype="0" fill="hold" grpId="0" nodeType="clickEffect">
+                                <p:cTn id="15" presetID="10" presetClass="entr" presetSubtype="0" fill="hold" grpId="0" nodeType="clickEffect">
                                   <p:stCondLst>
                                     <p:cond delay="0"/>
                                   </p:stCondLst>
                                   <p:childTnLst>
                                     <p:set>
                                       <p:cBhvr>
-                                        <p:cTn id="14" dur="1" fill="hold">
+                                        <p:cTn id="16" dur="1" fill="hold">
                                           <p:stCondLst>
                                             <p:cond delay="0"/>
                                           </p:stCondLst>
@@ -16221,6 +16298,18 @@
                                         <p:strVal val="visible"/>
                                       </p:to>
                                     </p:set>
+                                    <p:animEffect transition="in" filter="fade">
+                                      <p:cBhvr>
+                                        <p:cTn id="17" dur="500"/>
+                                        <p:tgtEl>
+                                          <p:spTgt spid="4">
+                                            <p:txEl>
+                                              <p:pRg st="2" end="2"/>
+                                            </p:txEl>
+                                          </p:spTgt>
+                                        </p:tgtEl>
+                                      </p:cBhvr>
+                                    </p:animEffect>
                                   </p:childTnLst>
                                 </p:cTn>
                               </p:par>
@@ -16231,26 +16320,26 @@
                     </p:cTn>
                   </p:par>
                   <p:par>
-                    <p:cTn id="15" fill="hold">
+                    <p:cTn id="18" fill="hold">
                       <p:stCondLst>
                         <p:cond delay="indefinite"/>
                       </p:stCondLst>
                       <p:childTnLst>
                         <p:par>
-                          <p:cTn id="16" fill="hold">
+                          <p:cTn id="19" fill="hold">
                             <p:stCondLst>
                               <p:cond delay="0"/>
                             </p:stCondLst>
                             <p:childTnLst>
                               <p:par>
-                                <p:cTn id="17" presetID="1" presetClass="entr" presetSubtype="0" fill="hold" grpId="0" nodeType="clickEffect">
+                                <p:cTn id="20" presetID="10" presetClass="entr" presetSubtype="0" fill="hold" grpId="0" nodeType="clickEffect">
                                   <p:stCondLst>
                                     <p:cond delay="0"/>
                                   </p:stCondLst>
                                   <p:childTnLst>
                                     <p:set>
                                       <p:cBhvr>
-                                        <p:cTn id="18" dur="1" fill="hold">
+                                        <p:cTn id="21" dur="1" fill="hold">
                                           <p:stCondLst>
                                             <p:cond delay="0"/>
                                           </p:stCondLst>
@@ -16270,55 +16359,18 @@
                                         <p:strVal val="visible"/>
                                       </p:to>
                                     </p:set>
-                                  </p:childTnLst>
-                                </p:cTn>
-                              </p:par>
-                            </p:childTnLst>
-                          </p:cTn>
-                        </p:par>
-                      </p:childTnLst>
-                    </p:cTn>
-                  </p:par>
-                  <p:par>
-                    <p:cTn id="19" fill="hold">
-                      <p:stCondLst>
-                        <p:cond delay="indefinite"/>
-                      </p:stCondLst>
-                      <p:childTnLst>
-                        <p:par>
-                          <p:cTn id="20" fill="hold">
-                            <p:stCondLst>
-                              <p:cond delay="0"/>
-                            </p:stCondLst>
-                            <p:childTnLst>
-                              <p:par>
-                                <p:cTn id="21" presetID="1" presetClass="entr" presetSubtype="0" fill="hold" grpId="0" nodeType="clickEffect">
-                                  <p:stCondLst>
-                                    <p:cond delay="0"/>
-                                  </p:stCondLst>
-                                  <p:childTnLst>
-                                    <p:set>
+                                    <p:animEffect transition="in" filter="fade">
                                       <p:cBhvr>
-                                        <p:cTn id="22" dur="1" fill="hold">
-                                          <p:stCondLst>
-                                            <p:cond delay="0"/>
-                                          </p:stCondLst>
-                                        </p:cTn>
+                                        <p:cTn id="22" dur="500"/>
                                         <p:tgtEl>
                                           <p:spTgt spid="4">
                                             <p:txEl>
-                                              <p:pRg st="4" end="4"/>
+                                              <p:pRg st="3" end="3"/>
                                             </p:txEl>
                                           </p:spTgt>
                                         </p:tgtEl>
-                                        <p:attrNameLst>
-                                          <p:attrName>style.visibility</p:attrName>
-                                        </p:attrNameLst>
                                       </p:cBhvr>
-                                      <p:to>
-                                        <p:strVal val="visible"/>
-                                      </p:to>
-                                    </p:set>
+                                    </p:animEffect>
                                   </p:childTnLst>
                                 </p:cTn>
                               </p:par>
@@ -16341,7 +16393,7 @@
                             </p:stCondLst>
                             <p:childTnLst>
                               <p:par>
-                                <p:cTn id="25" presetID="1" presetClass="entr" presetSubtype="0" fill="hold" grpId="0" nodeType="clickEffect">
+                                <p:cTn id="25" presetID="10" presetClass="entr" presetSubtype="0" fill="hold" grpId="0" nodeType="clickEffect">
                                   <p:stCondLst>
                                     <p:cond delay="0"/>
                                   </p:stCondLst>
@@ -16349,6 +16401,67 @@
                                     <p:set>
                                       <p:cBhvr>
                                         <p:cTn id="26" dur="1" fill="hold">
+                                          <p:stCondLst>
+                                            <p:cond delay="0"/>
+                                          </p:stCondLst>
+                                        </p:cTn>
+                                        <p:tgtEl>
+                                          <p:spTgt spid="4">
+                                            <p:txEl>
+                                              <p:pRg st="4" end="4"/>
+                                            </p:txEl>
+                                          </p:spTgt>
+                                        </p:tgtEl>
+                                        <p:attrNameLst>
+                                          <p:attrName>style.visibility</p:attrName>
+                                        </p:attrNameLst>
+                                      </p:cBhvr>
+                                      <p:to>
+                                        <p:strVal val="visible"/>
+                                      </p:to>
+                                    </p:set>
+                                    <p:animEffect transition="in" filter="fade">
+                                      <p:cBhvr>
+                                        <p:cTn id="27" dur="500"/>
+                                        <p:tgtEl>
+                                          <p:spTgt spid="4">
+                                            <p:txEl>
+                                              <p:pRg st="4" end="4"/>
+                                            </p:txEl>
+                                          </p:spTgt>
+                                        </p:tgtEl>
+                                      </p:cBhvr>
+                                    </p:animEffect>
+                                  </p:childTnLst>
+                                </p:cTn>
+                              </p:par>
+                            </p:childTnLst>
+                          </p:cTn>
+                        </p:par>
+                      </p:childTnLst>
+                    </p:cTn>
+                  </p:par>
+                  <p:par>
+                    <p:cTn id="28" fill="hold">
+                      <p:stCondLst>
+                        <p:cond delay="indefinite"/>
+                      </p:stCondLst>
+                      <p:childTnLst>
+                        <p:par>
+                          <p:cTn id="29" fill="hold">
+                            <p:stCondLst>
+                              <p:cond delay="0"/>
+                            </p:stCondLst>
+                            <p:childTnLst>
+                              <p:par>
+                                <p:cTn id="30" presetID="10" presetClass="entr" presetSubtype="0" fill="hold" grpId="0" nodeType="clickEffect">
+                                  <p:stCondLst>
+                                    <p:cond delay="0"/>
+                                  </p:stCondLst>
+                                  <p:childTnLst>
+                                    <p:set>
+                                      <p:cBhvr>
+                                        <p:cTn id="31" dur="1" fill="hold">
                                           <p:stCondLst>
                                             <p:cond delay="0"/>
                                           </p:stCondLst>
@@ -16368,18 +16481,30 @@
                                         <p:strVal val="visible"/>
                                       </p:to>
                                     </p:set>
+                                    <p:animEffect transition="in" filter="fade">
+                                      <p:cBhvr>
+                                        <p:cTn id="32" dur="500"/>
+                                        <p:tgtEl>
+                                          <p:spTgt spid="4">
+                                            <p:txEl>
+                                              <p:pRg st="5" end="5"/>
+                                            </p:txEl>
+                                          </p:spTgt>
+                                        </p:tgtEl>
+                                      </p:cBhvr>
+                                    </p:animEffect>
                                   </p:childTnLst>
                                 </p:cTn>
                               </p:par>
                               <p:par>
-                                <p:cTn id="27" presetID="1" presetClass="entr" presetSubtype="0" fill="hold" grpId="0" nodeType="withEffect">
+                                <p:cTn id="33" presetID="10" presetClass="entr" presetSubtype="0" fill="hold" grpId="0" nodeType="withEffect">
                                   <p:stCondLst>
                                     <p:cond delay="0"/>
                                   </p:stCondLst>
                                   <p:childTnLst>
                                     <p:set>
                                       <p:cBhvr>
-                                        <p:cTn id="28" dur="1" fill="hold">
+                                        <p:cTn id="34" dur="1" fill="hold">
                                           <p:stCondLst>
                                             <p:cond delay="0"/>
                                           </p:stCondLst>
@@ -16399,18 +16524,30 @@
                                         <p:strVal val="visible"/>
                                       </p:to>
                                     </p:set>
+                                    <p:animEffect transition="in" filter="fade">
+                                      <p:cBhvr>
+                                        <p:cTn id="35" dur="500"/>
+                                        <p:tgtEl>
+                                          <p:spTgt spid="4">
+                                            <p:txEl>
+                                              <p:pRg st="6" end="6"/>
+                                            </p:txEl>
+                                          </p:spTgt>
+                                        </p:tgtEl>
+                                      </p:cBhvr>
+                                    </p:animEffect>
                                   </p:childTnLst>
                                 </p:cTn>
                               </p:par>
                               <p:par>
-                                <p:cTn id="29" presetID="1" presetClass="entr" presetSubtype="0" fill="hold" grpId="0" nodeType="withEffect">
+                                <p:cTn id="36" presetID="10" presetClass="entr" presetSubtype="0" fill="hold" grpId="0" nodeType="withEffect">
                                   <p:stCondLst>
                                     <p:cond delay="0"/>
                                   </p:stCondLst>
                                   <p:childTnLst>
                                     <p:set>
                                       <p:cBhvr>
-                                        <p:cTn id="30" dur="1" fill="hold">
+                                        <p:cTn id="37" dur="1" fill="hold">
                                           <p:stCondLst>
                                             <p:cond delay="0"/>
                                           </p:stCondLst>
@@ -16430,6 +16567,18 @@
                                         <p:strVal val="visible"/>
                                       </p:to>
                                     </p:set>
+                                    <p:animEffect transition="in" filter="fade">
+                                      <p:cBhvr>
+                                        <p:cTn id="38" dur="500"/>
+                                        <p:tgtEl>
+                                          <p:spTgt spid="4">
+                                            <p:txEl>
+                                              <p:pRg st="7" end="7"/>
+                                            </p:txEl>
+                                          </p:spTgt>
+                                        </p:tgtEl>
+                                      </p:cBhvr>
+                                    </p:animEffect>
                                   </p:childTnLst>
                                 </p:cTn>
                               </p:par>
@@ -16437,20 +16586,20 @@
                           </p:cTn>
                         </p:par>
                         <p:par>
-                          <p:cTn id="31" fill="hold">
+                          <p:cTn id="39" fill="hold">
                             <p:stCondLst>
-                              <p:cond delay="0"/>
+                              <p:cond delay="500"/>
                             </p:stCondLst>
                             <p:childTnLst>
                               <p:par>
-                                <p:cTn id="32" presetID="10" presetClass="exit" presetSubtype="0" fill="hold" nodeType="afterEffect">
+                                <p:cTn id="40" presetID="10" presetClass="exit" presetSubtype="0" fill="hold" nodeType="afterEffect">
                                   <p:stCondLst>
                                     <p:cond delay="0"/>
                                   </p:stCondLst>
                                   <p:childTnLst>
                                     <p:animEffect transition="out" filter="fade">
                                       <p:cBhvr>
-                                        <p:cTn id="33" dur="500"/>
+                                        <p:cTn id="41" dur="500"/>
                                         <p:tgtEl>
                                           <p:spTgt spid="6"/>
                                         </p:tgtEl>
@@ -16458,7 +16607,7 @@
                                     </p:animEffect>
                                     <p:set>
                                       <p:cBhvr>
-                                        <p:cTn id="34" dur="1" fill="hold">
+                                        <p:cTn id="42" dur="1" fill="hold">
                                           <p:stCondLst>
                                             <p:cond delay="499"/>
                                           </p:stCondLst>
@@ -16481,20 +16630,20 @@
                           </p:cTn>
                         </p:par>
                         <p:par>
-                          <p:cTn id="35" fill="hold">
+                          <p:cTn id="43" fill="hold">
                             <p:stCondLst>
-                              <p:cond delay="500"/>
+                              <p:cond delay="1000"/>
                             </p:stCondLst>
                             <p:childTnLst>
                               <p:par>
-                                <p:cTn id="36" presetID="10" presetClass="entr" presetSubtype="0" fill="hold" nodeType="afterEffect">
+                                <p:cTn id="44" presetID="10" presetClass="entr" presetSubtype="0" fill="hold" nodeType="afterEffect">
                                   <p:stCondLst>
                                     <p:cond delay="0"/>
                                   </p:stCondLst>
                                   <p:childTnLst>
                                     <p:set>
                                       <p:cBhvr>
-                                        <p:cTn id="37" dur="1" fill="hold">
+                                        <p:cTn id="45" dur="1" fill="hold">
                                           <p:stCondLst>
                                             <p:cond delay="0"/>
                                           </p:stCondLst>
@@ -16512,7 +16661,7 @@
                                     </p:set>
                                     <p:animEffect transition="in" filter="fade">
                                       <p:cBhvr>
-                                        <p:cTn id="38" dur="500"/>
+                                        <p:cTn id="46" dur="500"/>
                                         <p:tgtEl>
                                           <p:spTgt spid="1030"/>
                                         </p:tgtEl>
@@ -16549,7 +16698,7 @@
       </p:par>
     </p:tnLst>
     <p:bldLst>
-      <p:bldP spid="4" grpId="0" uiExpand="1" build="p"/>
+      <p:bldP spid="4" grpId="0" build="p"/>
     </p:bldLst>
   </p:timing>
 </p:sld>
@@ -16760,7 +16909,7 @@
                             </p:stCondLst>
                             <p:childTnLst>
                               <p:par>
-                                <p:cTn id="5" presetID="1" presetClass="entr" presetSubtype="0" fill="hold" grpId="0" nodeType="clickEffect">
+                                <p:cTn id="5" presetID="10" presetClass="entr" presetSubtype="0" fill="hold" grpId="0" nodeType="clickEffect">
                                   <p:stCondLst>
                                     <p:cond delay="0"/>
                                   </p:stCondLst>
@@ -16787,6 +16936,18 @@
                                         <p:strVal val="visible"/>
                                       </p:to>
                                     </p:set>
+                                    <p:animEffect transition="in" filter="fade">
+                                      <p:cBhvr>
+                                        <p:cTn id="7" dur="500"/>
+                                        <p:tgtEl>
+                                          <p:spTgt spid="4">
+                                            <p:txEl>
+                                              <p:pRg st="0" end="0"/>
+                                            </p:txEl>
+                                          </p:spTgt>
+                                        </p:tgtEl>
+                                      </p:cBhvr>
+                                    </p:animEffect>
                                   </p:childTnLst>
                                 </p:cTn>
                               </p:par>
@@ -16797,26 +16958,26 @@
                     </p:cTn>
                   </p:par>
                   <p:par>
-                    <p:cTn id="7" fill="hold">
+                    <p:cTn id="8" fill="hold">
                       <p:stCondLst>
                         <p:cond delay="indefinite"/>
                       </p:stCondLst>
                       <p:childTnLst>
                         <p:par>
-                          <p:cTn id="8" fill="hold">
+                          <p:cTn id="9" fill="hold">
                             <p:stCondLst>
                               <p:cond delay="0"/>
                             </p:stCondLst>
                             <p:childTnLst>
                               <p:par>
-                                <p:cTn id="9" presetID="1" presetClass="entr" presetSubtype="0" fill="hold" grpId="0" nodeType="clickEffect">
+                                <p:cTn id="10" presetID="10" presetClass="entr" presetSubtype="0" fill="hold" grpId="0" nodeType="clickEffect">
                                   <p:stCondLst>
                                     <p:cond delay="0"/>
                                   </p:stCondLst>
                                   <p:childTnLst>
                                     <p:set>
                                       <p:cBhvr>
-                                        <p:cTn id="10" dur="1" fill="hold">
+                                        <p:cTn id="11" dur="1" fill="hold">
                                           <p:stCondLst>
                                             <p:cond delay="0"/>
                                           </p:stCondLst>
@@ -16836,6 +16997,18 @@
                                         <p:strVal val="visible"/>
                                       </p:to>
                                     </p:set>
+                                    <p:animEffect transition="in" filter="fade">
+                                      <p:cBhvr>
+                                        <p:cTn id="12" dur="500"/>
+                                        <p:tgtEl>
+                                          <p:spTgt spid="4">
+                                            <p:txEl>
+                                              <p:pRg st="1" end="1"/>
+                                            </p:txEl>
+                                          </p:spTgt>
+                                        </p:tgtEl>
+                                      </p:cBhvr>
+                                    </p:animEffect>
                                   </p:childTnLst>
                                 </p:cTn>
                               </p:par>
@@ -16846,26 +17019,26 @@
                     </p:cTn>
                   </p:par>
                   <p:par>
-                    <p:cTn id="11" fill="hold">
+                    <p:cTn id="13" fill="hold">
                       <p:stCondLst>
                         <p:cond delay="indefinite"/>
                       </p:stCondLst>
                       <p:childTnLst>
                         <p:par>
-                          <p:cTn id="12" fill="hold">
+                          <p:cTn id="14" fill="hold">
                             <p:stCondLst>
                               <p:cond delay="0"/>
                             </p:stCondLst>
                             <p:childTnLst>
                               <p:par>
-                                <p:cTn id="13" presetID="1" presetClass="entr" presetSubtype="0" fill="hold" grpId="0" nodeType="clickEffect">
+                                <p:cTn id="15" presetID="10" presetClass="entr" presetSubtype="0" fill="hold" grpId="0" nodeType="clickEffect">
                                   <p:stCondLst>
                                     <p:cond delay="0"/>
                                   </p:stCondLst>
                                   <p:childTnLst>
                                     <p:set>
                                       <p:cBhvr>
-                                        <p:cTn id="14" dur="1" fill="hold">
+                                        <p:cTn id="16" dur="1" fill="hold">
                                           <p:stCondLst>
                                             <p:cond delay="0"/>
                                           </p:stCondLst>
@@ -16885,6 +17058,18 @@
                                         <p:strVal val="visible"/>
                                       </p:to>
                                     </p:set>
+                                    <p:animEffect transition="in" filter="fade">
+                                      <p:cBhvr>
+                                        <p:cTn id="17" dur="500"/>
+                                        <p:tgtEl>
+                                          <p:spTgt spid="4">
+                                            <p:txEl>
+                                              <p:pRg st="2" end="2"/>
+                                            </p:txEl>
+                                          </p:spTgt>
+                                        </p:tgtEl>
+                                      </p:cBhvr>
+                                    </p:animEffect>
                                   </p:childTnLst>
                                 </p:cTn>
                               </p:par>
@@ -18531,7 +18716,7 @@
         <p:spPr>
           <a:xfrm>
             <a:off x="7329803" y="1887752"/>
-            <a:ext cx="6649347" cy="6771084"/>
+            <a:ext cx="6649347" cy="6327886"/>
           </a:xfrm>
         </p:spPr>
         <p:txBody>
@@ -18604,6 +18789,28 @@
             </a:pPr>
             <a:r>
               <a:rPr lang="en-US" dirty="0"/>
+              <a:t>Letter == correct answer; number == incorrect</a:t>
+            </a:r>
+          </a:p>
+          <a:p>
+            <a:pPr marL="796925" lvl="1" indent="-457200" defTabSz="1306221" fontAlgn="auto">
+              <a:buFont typeface="Arial" panose="020B0604020202020204" pitchFamily="34" charset="0"/>
+              <a:buChar char="•"/>
+              <a:defRPr/>
+            </a:pPr>
+            <a:r>
+              <a:rPr lang="en-US" dirty="0"/>
+              <a:t>700,000 tests, organized by classroom</a:t>
+            </a:r>
+          </a:p>
+          <a:p>
+            <a:pPr marL="796925" lvl="1" indent="-457200" defTabSz="1306221" fontAlgn="auto">
+              <a:buFont typeface="Arial" panose="020B0604020202020204" pitchFamily="34" charset="0"/>
+              <a:buChar char="•"/>
+              <a:defRPr/>
+            </a:pPr>
+            <a:r>
+              <a:rPr lang="en-US" dirty="0"/>
               <a:t>1993 – 2000</a:t>
             </a:r>
           </a:p>
@@ -18626,38 +18833,8 @@
             </a:pPr>
             <a:r>
               <a:rPr lang="en-US" dirty="0"/>
-              <a:t>700,000 tests, organized by classroom</a:t>
-            </a:r>
-          </a:p>
-          <a:p>
-            <a:pPr marL="796925" lvl="1" indent="-457200" defTabSz="1306221" fontAlgn="auto">
-              <a:buFont typeface="Arial" panose="020B0604020202020204" pitchFamily="34" charset="0"/>
-              <a:buChar char="•"/>
-              <a:defRPr/>
-            </a:pPr>
-            <a:r>
-              <a:rPr lang="en-US" dirty="0"/>
               <a:t>100 million individual answers</a:t>
             </a:r>
-          </a:p>
-          <a:p>
-            <a:pPr marL="796925" lvl="1" indent="-457200" defTabSz="1306221" fontAlgn="auto">
-              <a:buFont typeface="Arial" panose="020B0604020202020204" pitchFamily="34" charset="0"/>
-              <a:buChar char="•"/>
-              <a:defRPr/>
-            </a:pPr>
-            <a:r>
-              <a:rPr lang="en-US" dirty="0"/>
-              <a:t>Letter == correct answer; number == incorrect</a:t>
-            </a:r>
-          </a:p>
-          <a:p>
-            <a:pPr marL="796925" lvl="1" indent="-457200" defTabSz="1306221" fontAlgn="auto">
-              <a:buFont typeface="Arial" panose="020B0604020202020204" pitchFamily="34" charset="0"/>
-              <a:buChar char="•"/>
-              <a:defRPr/>
-            </a:pPr>
-            <a:endParaRPr lang="en-US" dirty="0"/>
           </a:p>
           <a:p>
             <a:pPr marL="796925" lvl="1" indent="-457200" defTabSz="1306221" fontAlgn="auto">
@@ -18793,7 +18970,7 @@
                             </p:stCondLst>
                             <p:childTnLst>
                               <p:par>
-                                <p:cTn id="5" presetID="1" presetClass="entr" presetSubtype="0" fill="hold" grpId="0" nodeType="clickEffect">
+                                <p:cTn id="5" presetID="10" presetClass="entr" presetSubtype="0" fill="hold" grpId="0" nodeType="clickEffect">
                                   <p:stCondLst>
                                     <p:cond delay="0"/>
                                   </p:stCondLst>
@@ -18820,6 +18997,18 @@
                                         <p:strVal val="visible"/>
                                       </p:to>
                                     </p:set>
+                                    <p:animEffect transition="in" filter="fade">
+                                      <p:cBhvr>
+                                        <p:cTn id="7" dur="500"/>
+                                        <p:tgtEl>
+                                          <p:spTgt spid="4">
+                                            <p:txEl>
+                                              <p:pRg st="0" end="0"/>
+                                            </p:txEl>
+                                          </p:spTgt>
+                                        </p:tgtEl>
+                                      </p:cBhvr>
+                                    </p:animEffect>
                                   </p:childTnLst>
                                 </p:cTn>
                               </p:par>
@@ -18830,26 +19019,26 @@
                     </p:cTn>
                   </p:par>
                   <p:par>
-                    <p:cTn id="7" fill="hold">
+                    <p:cTn id="8" fill="hold">
                       <p:stCondLst>
                         <p:cond delay="indefinite"/>
                       </p:stCondLst>
                       <p:childTnLst>
                         <p:par>
-                          <p:cTn id="8" fill="hold">
+                          <p:cTn id="9" fill="hold">
                             <p:stCondLst>
                               <p:cond delay="0"/>
                             </p:stCondLst>
                             <p:childTnLst>
                               <p:par>
-                                <p:cTn id="9" presetID="1" presetClass="entr" presetSubtype="0" fill="hold" grpId="0" nodeType="clickEffect">
+                                <p:cTn id="10" presetID="10" presetClass="entr" presetSubtype="0" fill="hold" grpId="0" nodeType="clickEffect">
                                   <p:stCondLst>
                                     <p:cond delay="0"/>
                                   </p:stCondLst>
                                   <p:childTnLst>
                                     <p:set>
                                       <p:cBhvr>
-                                        <p:cTn id="10" dur="1" fill="hold">
+                                        <p:cTn id="11" dur="1" fill="hold">
                                           <p:stCondLst>
                                             <p:cond delay="0"/>
                                           </p:stCondLst>
@@ -18869,18 +19058,48 @@
                                         <p:strVal val="visible"/>
                                       </p:to>
                                     </p:set>
+                                    <p:animEffect transition="in" filter="fade">
+                                      <p:cBhvr>
+                                        <p:cTn id="12" dur="500"/>
+                                        <p:tgtEl>
+                                          <p:spTgt spid="4">
+                                            <p:txEl>
+                                              <p:pRg st="1" end="1"/>
+                                            </p:txEl>
+                                          </p:spTgt>
+                                        </p:tgtEl>
+                                      </p:cBhvr>
+                                    </p:animEffect>
                                   </p:childTnLst>
                                 </p:cTn>
                               </p:par>
+                            </p:childTnLst>
+                          </p:cTn>
+                        </p:par>
+                      </p:childTnLst>
+                    </p:cTn>
+                  </p:par>
+                  <p:par>
+                    <p:cTn id="13" fill="hold">
+                      <p:stCondLst>
+                        <p:cond delay="indefinite"/>
+                      </p:stCondLst>
+                      <p:childTnLst>
+                        <p:par>
+                          <p:cTn id="14" fill="hold">
+                            <p:stCondLst>
+                              <p:cond delay="0"/>
+                            </p:stCondLst>
+                            <p:childTnLst>
                               <p:par>
-                                <p:cTn id="11" presetID="1" presetClass="entr" presetSubtype="0" fill="hold" grpId="0" nodeType="withEffect">
+                                <p:cTn id="15" presetID="10" presetClass="entr" presetSubtype="0" fill="hold" grpId="0" nodeType="clickEffect">
                                   <p:stCondLst>
                                     <p:cond delay="0"/>
                                   </p:stCondLst>
                                   <p:childTnLst>
                                     <p:set>
                                       <p:cBhvr>
-                                        <p:cTn id="12" dur="1" fill="hold">
+                                        <p:cTn id="16" dur="1" fill="hold">
                                           <p:stCondLst>
                                             <p:cond delay="0"/>
                                           </p:stCondLst>
@@ -18900,18 +19119,48 @@
                                         <p:strVal val="visible"/>
                                       </p:to>
                                     </p:set>
+                                    <p:animEffect transition="in" filter="fade">
+                                      <p:cBhvr>
+                                        <p:cTn id="17" dur="500"/>
+                                        <p:tgtEl>
+                                          <p:spTgt spid="4">
+                                            <p:txEl>
+                                              <p:pRg st="2" end="2"/>
+                                            </p:txEl>
+                                          </p:spTgt>
+                                        </p:tgtEl>
+                                      </p:cBhvr>
+                                    </p:animEffect>
                                   </p:childTnLst>
                                 </p:cTn>
                               </p:par>
+                            </p:childTnLst>
+                          </p:cTn>
+                        </p:par>
+                      </p:childTnLst>
+                    </p:cTn>
+                  </p:par>
+                  <p:par>
+                    <p:cTn id="18" fill="hold">
+                      <p:stCondLst>
+                        <p:cond delay="indefinite"/>
+                      </p:stCondLst>
+                      <p:childTnLst>
+                        <p:par>
+                          <p:cTn id="19" fill="hold">
+                            <p:stCondLst>
+                              <p:cond delay="0"/>
+                            </p:stCondLst>
+                            <p:childTnLst>
                               <p:par>
-                                <p:cTn id="13" presetID="1" presetClass="entr" presetSubtype="0" fill="hold" grpId="0" nodeType="withEffect">
+                                <p:cTn id="20" presetID="10" presetClass="entr" presetSubtype="0" fill="hold" grpId="0" nodeType="clickEffect">
                                   <p:stCondLst>
                                     <p:cond delay="0"/>
                                   </p:stCondLst>
                                   <p:childTnLst>
                                     <p:set>
                                       <p:cBhvr>
-                                        <p:cTn id="14" dur="1" fill="hold">
+                                        <p:cTn id="21" dur="1" fill="hold">
                                           <p:stCondLst>
                                             <p:cond delay="0"/>
                                           </p:stCondLst>
@@ -18931,6 +19180,18 @@
                                         <p:strVal val="visible"/>
                                       </p:to>
                                     </p:set>
+                                    <p:animEffect transition="in" filter="fade">
+                                      <p:cBhvr>
+                                        <p:cTn id="22" dur="500"/>
+                                        <p:tgtEl>
+                                          <p:spTgt spid="4">
+                                            <p:txEl>
+                                              <p:pRg st="3" end="3"/>
+                                            </p:txEl>
+                                          </p:spTgt>
+                                        </p:tgtEl>
+                                      </p:cBhvr>
+                                    </p:animEffect>
                                   </p:childTnLst>
                                 </p:cTn>
                               </p:par>
@@ -18941,26 +19202,26 @@
                     </p:cTn>
                   </p:par>
                   <p:par>
-                    <p:cTn id="15" fill="hold">
+                    <p:cTn id="23" fill="hold">
                       <p:stCondLst>
                         <p:cond delay="indefinite"/>
                       </p:stCondLst>
                       <p:childTnLst>
                         <p:par>
-                          <p:cTn id="16" fill="hold">
+                          <p:cTn id="24" fill="hold">
                             <p:stCondLst>
                               <p:cond delay="0"/>
                             </p:stCondLst>
                             <p:childTnLst>
                               <p:par>
-                                <p:cTn id="17" presetID="1" presetClass="entr" presetSubtype="0" fill="hold" grpId="0" nodeType="clickEffect">
+                                <p:cTn id="25" presetID="10" presetClass="entr" presetSubtype="0" fill="hold" grpId="0" nodeType="clickEffect">
                                   <p:stCondLst>
                                     <p:cond delay="0"/>
                                   </p:stCondLst>
                                   <p:childTnLst>
                                     <p:set>
                                       <p:cBhvr>
-                                        <p:cTn id="18" dur="1" fill="hold">
+                                        <p:cTn id="26" dur="1" fill="hold">
                                           <p:stCondLst>
                                             <p:cond delay="0"/>
                                           </p:stCondLst>
@@ -18980,18 +19241,48 @@
                                         <p:strVal val="visible"/>
                                       </p:to>
                                     </p:set>
+                                    <p:animEffect transition="in" filter="fade">
+                                      <p:cBhvr>
+                                        <p:cTn id="27" dur="500"/>
+                                        <p:tgtEl>
+                                          <p:spTgt spid="4">
+                                            <p:txEl>
+                                              <p:pRg st="4" end="4"/>
+                                            </p:txEl>
+                                          </p:spTgt>
+                                        </p:tgtEl>
+                                      </p:cBhvr>
+                                    </p:animEffect>
                                   </p:childTnLst>
                                 </p:cTn>
                               </p:par>
+                            </p:childTnLst>
+                          </p:cTn>
+                        </p:par>
+                      </p:childTnLst>
+                    </p:cTn>
+                  </p:par>
+                  <p:par>
+                    <p:cTn id="28" fill="hold">
+                      <p:stCondLst>
+                        <p:cond delay="indefinite"/>
+                      </p:stCondLst>
+                      <p:childTnLst>
+                        <p:par>
+                          <p:cTn id="29" fill="hold">
+                            <p:stCondLst>
+                              <p:cond delay="0"/>
+                            </p:stCondLst>
+                            <p:childTnLst>
                               <p:par>
-                                <p:cTn id="19" presetID="1" presetClass="entr" presetSubtype="0" fill="hold" grpId="0" nodeType="withEffect">
+                                <p:cTn id="30" presetID="10" presetClass="entr" presetSubtype="0" fill="hold" grpId="0" nodeType="clickEffect">
                                   <p:stCondLst>
                                     <p:cond delay="0"/>
                                   </p:stCondLst>
                                   <p:childTnLst>
                                     <p:set>
                                       <p:cBhvr>
-                                        <p:cTn id="20" dur="1" fill="hold">
+                                        <p:cTn id="31" dur="1" fill="hold">
                                           <p:stCondLst>
                                             <p:cond delay="0"/>
                                           </p:stCondLst>
@@ -19011,18 +19302,48 @@
                                         <p:strVal val="visible"/>
                                       </p:to>
                                     </p:set>
+                                    <p:animEffect transition="in" filter="fade">
+                                      <p:cBhvr>
+                                        <p:cTn id="32" dur="500"/>
+                                        <p:tgtEl>
+                                          <p:spTgt spid="4">
+                                            <p:txEl>
+                                              <p:pRg st="5" end="5"/>
+                                            </p:txEl>
+                                          </p:spTgt>
+                                        </p:tgtEl>
+                                      </p:cBhvr>
+                                    </p:animEffect>
                                   </p:childTnLst>
                                 </p:cTn>
                               </p:par>
+                            </p:childTnLst>
+                          </p:cTn>
+                        </p:par>
+                      </p:childTnLst>
+                    </p:cTn>
+                  </p:par>
+                  <p:par>
+                    <p:cTn id="33" fill="hold">
+                      <p:stCondLst>
+                        <p:cond delay="indefinite"/>
+                      </p:stCondLst>
+                      <p:childTnLst>
+                        <p:par>
+                          <p:cTn id="34" fill="hold">
+                            <p:stCondLst>
+                              <p:cond delay="0"/>
+                            </p:stCondLst>
+                            <p:childTnLst>
                               <p:par>
-                                <p:cTn id="21" presetID="1" presetClass="entr" presetSubtype="0" fill="hold" grpId="0" nodeType="withEffect">
+                                <p:cTn id="35" presetID="10" presetClass="entr" presetSubtype="0" fill="hold" grpId="0" nodeType="clickEffect">
                                   <p:stCondLst>
                                     <p:cond delay="0"/>
                                   </p:stCondLst>
                                   <p:childTnLst>
                                     <p:set>
                                       <p:cBhvr>
-                                        <p:cTn id="22" dur="1" fill="hold">
+                                        <p:cTn id="36" dur="1" fill="hold">
                                           <p:stCondLst>
                                             <p:cond delay="0"/>
                                           </p:stCondLst>
@@ -19042,18 +19363,48 @@
                                         <p:strVal val="visible"/>
                                       </p:to>
                                     </p:set>
+                                    <p:animEffect transition="in" filter="fade">
+                                      <p:cBhvr>
+                                        <p:cTn id="37" dur="500"/>
+                                        <p:tgtEl>
+                                          <p:spTgt spid="4">
+                                            <p:txEl>
+                                              <p:pRg st="6" end="6"/>
+                                            </p:txEl>
+                                          </p:spTgt>
+                                        </p:tgtEl>
+                                      </p:cBhvr>
+                                    </p:animEffect>
                                   </p:childTnLst>
                                 </p:cTn>
                               </p:par>
+                            </p:childTnLst>
+                          </p:cTn>
+                        </p:par>
+                      </p:childTnLst>
+                    </p:cTn>
+                  </p:par>
+                  <p:par>
+                    <p:cTn id="38" fill="hold">
+                      <p:stCondLst>
+                        <p:cond delay="indefinite"/>
+                      </p:stCondLst>
+                      <p:childTnLst>
+                        <p:par>
+                          <p:cTn id="39" fill="hold">
+                            <p:stCondLst>
+                              <p:cond delay="0"/>
+                            </p:stCondLst>
+                            <p:childTnLst>
                               <p:par>
-                                <p:cTn id="23" presetID="1" presetClass="entr" presetSubtype="0" fill="hold" grpId="0" nodeType="withEffect">
+                                <p:cTn id="40" presetID="10" presetClass="entr" presetSubtype="0" fill="hold" grpId="0" nodeType="clickEffect">
                                   <p:stCondLst>
                                     <p:cond delay="0"/>
                                   </p:stCondLst>
                                   <p:childTnLst>
                                     <p:set>
                                       <p:cBhvr>
-                                        <p:cTn id="24" dur="1" fill="hold">
+                                        <p:cTn id="41" dur="1" fill="hold">
                                           <p:stCondLst>
                                             <p:cond delay="0"/>
                                           </p:stCondLst>
@@ -19073,18 +19424,48 @@
                                         <p:strVal val="visible"/>
                                       </p:to>
                                     </p:set>
+                                    <p:animEffect transition="in" filter="fade">
+                                      <p:cBhvr>
+                                        <p:cTn id="42" dur="500"/>
+                                        <p:tgtEl>
+                                          <p:spTgt spid="4">
+                                            <p:txEl>
+                                              <p:pRg st="7" end="7"/>
+                                            </p:txEl>
+                                          </p:spTgt>
+                                        </p:tgtEl>
+                                      </p:cBhvr>
+                                    </p:animEffect>
                                   </p:childTnLst>
                                 </p:cTn>
                               </p:par>
+                            </p:childTnLst>
+                          </p:cTn>
+                        </p:par>
+                      </p:childTnLst>
+                    </p:cTn>
+                  </p:par>
+                  <p:par>
+                    <p:cTn id="43" fill="hold">
+                      <p:stCondLst>
+                        <p:cond delay="indefinite"/>
+                      </p:stCondLst>
+                      <p:childTnLst>
+                        <p:par>
+                          <p:cTn id="44" fill="hold">
+                            <p:stCondLst>
+                              <p:cond delay="0"/>
+                            </p:stCondLst>
+                            <p:childTnLst>
                               <p:par>
-                                <p:cTn id="25" presetID="1" presetClass="entr" presetSubtype="0" fill="hold" grpId="0" nodeType="withEffect">
+                                <p:cTn id="45" presetID="10" presetClass="entr" presetSubtype="0" fill="hold" grpId="0" nodeType="clickEffect">
                                   <p:stCondLst>
                                     <p:cond delay="0"/>
                                   </p:stCondLst>
                                   <p:childTnLst>
                                     <p:set>
                                       <p:cBhvr>
-                                        <p:cTn id="26" dur="1" fill="hold">
+                                        <p:cTn id="46" dur="1" fill="hold">
                                           <p:stCondLst>
                                             <p:cond delay="0"/>
                                           </p:stCondLst>
@@ -19104,18 +19485,48 @@
                                         <p:strVal val="visible"/>
                                       </p:to>
                                     </p:set>
+                                    <p:animEffect transition="in" filter="fade">
+                                      <p:cBhvr>
+                                        <p:cTn id="47" dur="500"/>
+                                        <p:tgtEl>
+                                          <p:spTgt spid="4">
+                                            <p:txEl>
+                                              <p:pRg st="8" end="8"/>
+                                            </p:txEl>
+                                          </p:spTgt>
+                                        </p:tgtEl>
+                                      </p:cBhvr>
+                                    </p:animEffect>
                                   </p:childTnLst>
                                 </p:cTn>
                               </p:par>
+                            </p:childTnLst>
+                          </p:cTn>
+                        </p:par>
+                      </p:childTnLst>
+                    </p:cTn>
+                  </p:par>
+                  <p:par>
+                    <p:cTn id="48" fill="hold">
+                      <p:stCondLst>
+                        <p:cond delay="indefinite"/>
+                      </p:stCondLst>
+                      <p:childTnLst>
+                        <p:par>
+                          <p:cTn id="49" fill="hold">
+                            <p:stCondLst>
+                              <p:cond delay="0"/>
+                            </p:stCondLst>
+                            <p:childTnLst>
                               <p:par>
-                                <p:cTn id="27" presetID="1" presetClass="entr" presetSubtype="0" fill="hold" grpId="0" nodeType="withEffect">
+                                <p:cTn id="50" presetID="10" presetClass="entr" presetSubtype="0" fill="hold" grpId="0" nodeType="clickEffect">
                                   <p:stCondLst>
                                     <p:cond delay="0"/>
                                   </p:stCondLst>
                                   <p:childTnLst>
                                     <p:set>
                                       <p:cBhvr>
-                                        <p:cTn id="28" dur="1" fill="hold">
+                                        <p:cTn id="51" dur="1" fill="hold">
                                           <p:stCondLst>
                                             <p:cond delay="0"/>
                                           </p:stCondLst>
@@ -19135,6 +19546,18 @@
                                         <p:strVal val="visible"/>
                                       </p:to>
                                     </p:set>
+                                    <p:animEffect transition="in" filter="fade">
+                                      <p:cBhvr>
+                                        <p:cTn id="52" dur="500"/>
+                                        <p:tgtEl>
+                                          <p:spTgt spid="4">
+                                            <p:txEl>
+                                              <p:pRg st="9" end="9"/>
+                                            </p:txEl>
+                                          </p:spTgt>
+                                        </p:tgtEl>
+                                      </p:cBhvr>
+                                    </p:animEffect>
                                   </p:childTnLst>
                                 </p:cTn>
                               </p:par>
@@ -19878,6 +20301,376 @@
       </p:grpSpPr>
       <p:sp>
         <p:nvSpPr>
+          <p:cNvPr id="2" name="Content Placeholder 1"/>
+          <p:cNvSpPr>
+            <a:spLocks noGrp="1"/>
+          </p:cNvSpPr>
+          <p:nvPr>
+            <p:ph idx="14"/>
+          </p:nvPr>
+        </p:nvSpPr>
+        <p:spPr>
+          <a:xfrm>
+            <a:off x="704476" y="1893515"/>
+            <a:ext cx="13273820" cy="4909036"/>
+          </a:xfrm>
+        </p:spPr>
+        <p:txBody>
+          <a:bodyPr/>
+          <a:lstStyle/>
+          <a:p>
+            <a:pPr marL="457200" indent="-457200" defTabSz="1306221" fontAlgn="auto">
+              <a:defRPr/>
+            </a:pPr>
+            <a:r>
+              <a:rPr lang="en-US" sz="2400" dirty="0">
+                <a:ea typeface="+mn-ea"/>
+              </a:rPr>
+              <a:t>Data Scientist</a:t>
+            </a:r>
+          </a:p>
+          <a:p>
+            <a:pPr marL="739775" lvl="1" indent="-457200" defTabSz="1306221" fontAlgn="auto">
+              <a:defRPr/>
+            </a:pPr>
+            <a:r>
+              <a:rPr lang="en-US" sz="1600" dirty="0">
+                <a:ea typeface="+mn-ea"/>
+              </a:rPr>
+              <a:t>“Data investments in the financial services industry will account for nearly $9 Billion in 2018 alone” </a:t>
+            </a:r>
+            <a:r>
+              <a:rPr lang="en-US" sz="1600" dirty="0"/>
+              <a:t>(</a:t>
+            </a:r>
+            <a:r>
+              <a:rPr lang="en-US" sz="1600" dirty="0" err="1">
+                <a:hlinkClick r:id="rId3"/>
+              </a:rPr>
+              <a:t>Attunity</a:t>
+            </a:r>
+            <a:r>
+              <a:rPr lang="en-US" sz="1600" dirty="0">
+                <a:hlinkClick r:id="rId3"/>
+              </a:rPr>
+              <a:t>, 2018</a:t>
+            </a:r>
+            <a:r>
+              <a:rPr lang="en-US" sz="1600" dirty="0"/>
+              <a:t>)</a:t>
+            </a:r>
+            <a:r>
+              <a:rPr lang="en-US" sz="1600" dirty="0">
+                <a:ea typeface="+mn-ea"/>
+              </a:rPr>
+              <a:t> </a:t>
+            </a:r>
+          </a:p>
+          <a:p>
+            <a:pPr marL="739775" lvl="1" indent="-457200" defTabSz="1306221" fontAlgn="auto">
+              <a:defRPr/>
+            </a:pPr>
+            <a:r>
+              <a:rPr lang="en-US" sz="1600" dirty="0">
+                <a:ea typeface="+mn-ea"/>
+              </a:rPr>
+              <a:t>“AI’s impact on marketing is growing, predicted to reach nearly $40 billion by 2025.” </a:t>
+            </a:r>
+            <a:r>
+              <a:rPr lang="en-US" sz="1600" dirty="0"/>
+              <a:t>(</a:t>
+            </a:r>
+            <a:r>
+              <a:rPr lang="en-US" sz="1600" dirty="0" err="1">
+                <a:hlinkClick r:id="rId3"/>
+              </a:rPr>
+              <a:t>Attunity</a:t>
+            </a:r>
+            <a:r>
+              <a:rPr lang="en-US" sz="1600" dirty="0">
+                <a:hlinkClick r:id="rId3"/>
+              </a:rPr>
+              <a:t>, 2018</a:t>
+            </a:r>
+            <a:r>
+              <a:rPr lang="en-US" sz="1600" dirty="0"/>
+              <a:t>)</a:t>
+            </a:r>
+          </a:p>
+          <a:p>
+            <a:pPr marL="739775" lvl="1" indent="-457200" defTabSz="1306221" fontAlgn="auto">
+              <a:defRPr/>
+            </a:pPr>
+            <a:r>
+              <a:rPr lang="en-US" sz="1600" dirty="0">
+                <a:ea typeface="+mn-ea"/>
+              </a:rPr>
+              <a:t>“The salaries of data scientists are rapidly increasing with demand.” </a:t>
+            </a:r>
+            <a:r>
+              <a:rPr lang="en-US" sz="1600" dirty="0"/>
+              <a:t>(</a:t>
+            </a:r>
+            <a:r>
+              <a:rPr lang="en-US" sz="1600" dirty="0" err="1">
+                <a:hlinkClick r:id="rId3"/>
+              </a:rPr>
+              <a:t>Attunity</a:t>
+            </a:r>
+            <a:r>
+              <a:rPr lang="en-US" sz="1600" dirty="0">
+                <a:hlinkClick r:id="rId3"/>
+              </a:rPr>
+              <a:t>, 2018</a:t>
+            </a:r>
+            <a:r>
+              <a:rPr lang="en-US" sz="1600" dirty="0"/>
+              <a:t>)</a:t>
+            </a:r>
+          </a:p>
+          <a:p>
+            <a:pPr marL="739775" lvl="1" indent="-457200" defTabSz="1306221" fontAlgn="auto">
+              <a:defRPr/>
+            </a:pPr>
+            <a:r>
+              <a:rPr lang="en-US" sz="1600" dirty="0">
+                <a:ea typeface="+mn-ea"/>
+              </a:rPr>
+              <a:t>“Consider this figure: $136 billion per year. That’s the research firm IDC’s estimate of the size of the big data market, worldwide, in 2016. This figure should surprise no one with an interest in big data.” </a:t>
+            </a:r>
+            <a:r>
+              <a:rPr lang="en-US" sz="1600" dirty="0"/>
+              <a:t>(</a:t>
+            </a:r>
+            <a:r>
+              <a:rPr lang="en-US" sz="1600" dirty="0">
+                <a:hlinkClick r:id="rId4"/>
+              </a:rPr>
+              <a:t>Harvard Business Review, 2016</a:t>
+            </a:r>
+            <a:r>
+              <a:rPr lang="en-US" sz="1600" dirty="0"/>
+              <a:t>)</a:t>
+            </a:r>
+          </a:p>
+          <a:p>
+            <a:pPr marL="739775" lvl="1" indent="-457200" defTabSz="1306221" fontAlgn="auto">
+              <a:defRPr/>
+            </a:pPr>
+            <a:r>
+              <a:rPr lang="en-US" sz="1600" dirty="0">
+                <a:ea typeface="+mn-ea"/>
+              </a:rPr>
+              <a:t>“83% of data scientists polled feel that there is shortage of data scientists today” (</a:t>
+            </a:r>
+            <a:r>
+              <a:rPr lang="en-US" sz="1600" dirty="0">
+                <a:ea typeface="+mn-ea"/>
+                <a:hlinkClick r:id="rId5"/>
+              </a:rPr>
+              <a:t>CrowdFlower, 2016</a:t>
+            </a:r>
+            <a:r>
+              <a:rPr lang="en-US" sz="1600" dirty="0">
+                <a:ea typeface="+mn-ea"/>
+              </a:rPr>
+              <a:t>)</a:t>
+            </a:r>
+          </a:p>
+          <a:p>
+            <a:pPr marL="739775" lvl="1" indent="-457200" defTabSz="1306221" fontAlgn="auto">
+              <a:defRPr/>
+            </a:pPr>
+            <a:r>
+              <a:rPr lang="en-US" sz="1600" dirty="0">
+                <a:ea typeface="+mn-ea"/>
+              </a:rPr>
+              <a:t>“80% of data scientists feel really positive about their current gig” </a:t>
+            </a:r>
+            <a:r>
+              <a:rPr lang="en-US" sz="1600" dirty="0"/>
+              <a:t>(</a:t>
+            </a:r>
+            <a:r>
+              <a:rPr lang="en-US" sz="1600" dirty="0">
+                <a:hlinkClick r:id="rId5"/>
+              </a:rPr>
+              <a:t>CrowdFlower, 2016</a:t>
+            </a:r>
+            <a:r>
+              <a:rPr lang="en-US" sz="1600" dirty="0"/>
+              <a:t>)</a:t>
+            </a:r>
+          </a:p>
+          <a:p>
+            <a:pPr marL="739775" lvl="1" indent="-457200" defTabSz="1306221" fontAlgn="auto">
+              <a:defRPr/>
+            </a:pPr>
+            <a:r>
+              <a:rPr lang="en-US" sz="1600" dirty="0">
+                <a:ea typeface="+mn-ea"/>
+              </a:rPr>
+              <a:t>“b]y 2020 the number of Data Science and Analytics job listings is projected to grow by nearly 364,000 listings to approximately 2,720,000.” (</a:t>
+            </a:r>
+            <a:r>
+              <a:rPr lang="en-US" sz="1600" dirty="0">
+                <a:ea typeface="+mn-ea"/>
+                <a:hlinkClick r:id="rId6"/>
+              </a:rPr>
+              <a:t>Forbes, 2017</a:t>
+            </a:r>
+            <a:r>
+              <a:rPr lang="en-US" sz="1600" dirty="0">
+                <a:ea typeface="+mn-ea"/>
+              </a:rPr>
+              <a:t>)</a:t>
+            </a:r>
+          </a:p>
+          <a:p>
+            <a:pPr marL="457200" indent="-457200" defTabSz="1306221" fontAlgn="auto">
+              <a:defRPr/>
+            </a:pPr>
+            <a:r>
+              <a:rPr lang="en-US" sz="2400" dirty="0">
+                <a:ea typeface="+mn-ea"/>
+              </a:rPr>
+              <a:t>Data Analyst</a:t>
+            </a:r>
+          </a:p>
+          <a:p>
+            <a:pPr lvl="1"/>
+            <a:r>
+              <a:rPr lang="en-US" sz="1600" dirty="0">
+                <a:ea typeface="+mn-ea"/>
+              </a:rPr>
+              <a:t>“</a:t>
+            </a:r>
+            <a:r>
+              <a:rPr lang="en-US" sz="1600" dirty="0"/>
+              <a:t>Most companies only analyze 12% of the data they have.” (</a:t>
+            </a:r>
+            <a:r>
+              <a:rPr lang="en-US" sz="1600" dirty="0" err="1">
+                <a:hlinkClick r:id="rId3"/>
+              </a:rPr>
+              <a:t>Attunity</a:t>
+            </a:r>
+            <a:r>
+              <a:rPr lang="en-US" sz="1600" dirty="0">
+                <a:hlinkClick r:id="rId3"/>
+              </a:rPr>
+              <a:t>, 2018</a:t>
+            </a:r>
+            <a:r>
+              <a:rPr lang="en-US" sz="1600" dirty="0"/>
+              <a:t>)</a:t>
+            </a:r>
+          </a:p>
+          <a:p>
+            <a:pPr lvl="1"/>
+            <a:r>
+              <a:rPr lang="en-US" sz="1600" dirty="0">
+                <a:ea typeface="+mn-ea"/>
+              </a:rPr>
+              <a:t>“But here’s another number: $3.1 trillion, IBM’s estimate of the yearly cost of poor quality data, in the US alone, in 2016. While most people who deal in data every day know that bad data is costly, this figure stuns.” </a:t>
+            </a:r>
+            <a:r>
+              <a:rPr lang="en-US" sz="1600" dirty="0"/>
+              <a:t>(</a:t>
+            </a:r>
+            <a:r>
+              <a:rPr lang="en-US" sz="1600" dirty="0">
+                <a:hlinkClick r:id="rId4"/>
+              </a:rPr>
+              <a:t>Harvard Business Review, 2016</a:t>
+            </a:r>
+            <a:r>
+              <a:rPr lang="en-US" sz="1600" dirty="0"/>
+              <a:t>)</a:t>
+            </a:r>
+            <a:endParaRPr lang="en-US" sz="2400" dirty="0">
+              <a:ea typeface="+mn-ea"/>
+            </a:endParaRPr>
+          </a:p>
+          <a:p>
+            <a:pPr marL="457200" indent="-457200" defTabSz="1306221" fontAlgn="auto">
+              <a:defRPr/>
+            </a:pPr>
+            <a:endParaRPr lang="en-US" sz="2400" dirty="0">
+              <a:ea typeface="+mn-ea"/>
+            </a:endParaRPr>
+          </a:p>
+        </p:txBody>
+      </p:sp>
+      <p:sp>
+        <p:nvSpPr>
+          <p:cNvPr id="3" name="Text Placeholder 2"/>
+          <p:cNvSpPr>
+            <a:spLocks noGrp="1"/>
+          </p:cNvSpPr>
+          <p:nvPr>
+            <p:ph type="body" sz="quarter" idx="12"/>
+          </p:nvPr>
+        </p:nvSpPr>
+        <p:spPr>
+          <a:prstGeom prst="rect">
+            <a:avLst/>
+          </a:prstGeom>
+        </p:spPr>
+        <p:txBody>
+          <a:bodyPr/>
+          <a:lstStyle/>
+          <a:p>
+            <a:pPr defTabSz="1306221" fontAlgn="auto">
+              <a:spcAft>
+                <a:spcPts val="0"/>
+              </a:spcAft>
+              <a:defRPr/>
+            </a:pPr>
+            <a:r>
+              <a:rPr lang="en-US" dirty="0">
+                <a:ea typeface="+mn-ea"/>
+              </a:rPr>
+              <a:t>Career Opportunities</a:t>
+            </a:r>
+          </a:p>
+        </p:txBody>
+      </p:sp>
+    </p:spTree>
+    <p:extLst>
+      <p:ext uri="{BB962C8B-B14F-4D97-AF65-F5344CB8AC3E}">
+        <p14:creationId xmlns:p14="http://schemas.microsoft.com/office/powerpoint/2010/main" val="3229982424"/>
+      </p:ext>
+    </p:extLst>
+  </p:cSld>
+  <p:clrMapOvr>
+    <a:masterClrMapping/>
+  </p:clrMapOvr>
+  <p:transition spd="slow">
+    <p:push dir="u"/>
+  </p:transition>
+</p:sld>
+</file>
+
+<file path=ppt/slides/slide33.xml><?xml version="1.0" encoding="utf-8"?>
+<p:sld xmlns:a="http://schemas.openxmlformats.org/drawingml/2006/main" xmlns:r="http://schemas.openxmlformats.org/officeDocument/2006/relationships" xmlns:p="http://schemas.openxmlformats.org/presentationml/2006/main">
+  <p:cSld>
+    <p:spTree>
+      <p:nvGrpSpPr>
+        <p:cNvPr id="1" name=""/>
+        <p:cNvGrpSpPr/>
+        <p:nvPr/>
+      </p:nvGrpSpPr>
+      <p:grpSpPr>
+        <a:xfrm>
+          <a:off x="0" y="0"/>
+          <a:ext cx="0" cy="0"/>
+          <a:chOff x="0" y="0"/>
+          <a:chExt cx="0" cy="0"/>
+        </a:xfrm>
+      </p:grpSpPr>
+      <p:sp>
+        <p:nvSpPr>
           <p:cNvPr id="3" name="Text Placeholder 2"/>
           <p:cNvSpPr>
             <a:spLocks noGrp="1"/>
@@ -19970,13 +20763,13 @@
   <p:clrMapOvr>
     <a:masterClrMapping/>
   </p:clrMapOvr>
-  <mc:AlternateContent xmlns:mc="http://schemas.openxmlformats.org/markup-compatibility/2006">
-    <mc:Choice xmlns:p15="http://schemas.microsoft.com/office/powerpoint/2012/main" Requires="p15">
+  <mc:AlternateContent xmlns:mc="http://schemas.openxmlformats.org/markup-compatibility/2006" xmlns:p15="http://schemas.microsoft.com/office/powerpoint/2012/main">
+    <mc:Choice Requires="p15">
       <p:transition xmlns:p14="http://schemas.microsoft.com/office/powerpoint/2010/main" spd="slow" p14:dur="2000">
         <p15:prstTrans prst="fallOver"/>
       </p:transition>
     </mc:Choice>
-    <mc:Fallback>
+    <mc:Fallback xmlns="">
       <p:transition spd="slow">
         <p:fade/>
       </p:transition>
@@ -19985,7 +20778,7 @@
 </p:sld>
 </file>
 
-<file path=ppt/slides/slide33.xml><?xml version="1.0" encoding="utf-8"?>
+<file path=ppt/slides/slide34.xml><?xml version="1.0" encoding="utf-8"?>
 <p:sld xmlns:a="http://schemas.openxmlformats.org/drawingml/2006/main" xmlns:r="http://schemas.openxmlformats.org/officeDocument/2006/relationships" xmlns:p="http://schemas.openxmlformats.org/presentationml/2006/main">
   <p:cSld>
     <p:spTree>
@@ -20072,7 +20865,7 @@
 </p:sld>
 </file>
 
-<file path=ppt/slides/slide34.xml><?xml version="1.0" encoding="utf-8"?>
+<file path=ppt/slides/slide35.xml><?xml version="1.0" encoding="utf-8"?>
 <p:sld xmlns:a="http://schemas.openxmlformats.org/drawingml/2006/main" xmlns:r="http://schemas.openxmlformats.org/officeDocument/2006/relationships" xmlns:p="http://schemas.openxmlformats.org/presentationml/2006/main">
   <p:cSld>
     <p:spTree>
@@ -20163,7 +20956,7 @@
 </p:sld>
 </file>
 
-<file path=ppt/slides/slide35.xml><?xml version="1.0" encoding="utf-8"?>
+<file path=ppt/slides/slide36.xml><?xml version="1.0" encoding="utf-8"?>
 <p:sld xmlns:a="http://schemas.openxmlformats.org/drawingml/2006/main" xmlns:r="http://schemas.openxmlformats.org/officeDocument/2006/relationships" xmlns:p="http://schemas.openxmlformats.org/presentationml/2006/main">
   <p:cSld>
     <p:spTree>
@@ -20342,7 +21135,7 @@
 </p:sld>
 </file>
 
-<file path=ppt/slides/slide36.xml><?xml version="1.0" encoding="utf-8"?>
+<file path=ppt/slides/slide37.xml><?xml version="1.0" encoding="utf-8"?>
 <p:sld xmlns:a="http://schemas.openxmlformats.org/drawingml/2006/main" xmlns:r="http://schemas.openxmlformats.org/officeDocument/2006/relationships" xmlns:p="http://schemas.openxmlformats.org/presentationml/2006/main">
   <p:cSld>
     <p:spTree>
@@ -20522,7 +21315,7 @@
 </p:sld>
 </file>
 
-<file path=ppt/slides/slide37.xml><?xml version="1.0" encoding="utf-8"?>
+<file path=ppt/slides/slide38.xml><?xml version="1.0" encoding="utf-8"?>
 <p:sld xmlns:a="http://schemas.openxmlformats.org/drawingml/2006/main" xmlns:r="http://schemas.openxmlformats.org/officeDocument/2006/relationships" xmlns:p="http://schemas.openxmlformats.org/presentationml/2006/main">
   <p:cSld>
     <p:spTree>
@@ -20616,7 +21409,7 @@
 </p:sld>
 </file>
 
-<file path=ppt/slides/slide38.xml><?xml version="1.0" encoding="utf-8"?>
+<file path=ppt/slides/slide39.xml><?xml version="1.0" encoding="utf-8"?>
 <p:sld xmlns:a="http://schemas.openxmlformats.org/drawingml/2006/main" xmlns:r="http://schemas.openxmlformats.org/officeDocument/2006/relationships" xmlns:p="http://schemas.openxmlformats.org/presentationml/2006/main">
   <p:cSld>
     <p:spTree>
@@ -20717,95 +21510,6 @@
 </p:sld>
 </file>
 
-<file path=ppt/slides/slide39.xml><?xml version="1.0" encoding="utf-8"?>
-<p:sld xmlns:a="http://schemas.openxmlformats.org/drawingml/2006/main" xmlns:r="http://schemas.openxmlformats.org/officeDocument/2006/relationships" xmlns:p="http://schemas.openxmlformats.org/presentationml/2006/main">
-  <p:cSld>
-    <p:spTree>
-      <p:nvGrpSpPr>
-        <p:cNvPr id="1" name=""/>
-        <p:cNvGrpSpPr/>
-        <p:nvPr/>
-      </p:nvGrpSpPr>
-      <p:grpSpPr>
-        <a:xfrm>
-          <a:off x="0" y="0"/>
-          <a:ext cx="0" cy="0"/>
-          <a:chOff x="0" y="0"/>
-          <a:chExt cx="0" cy="0"/>
-        </a:xfrm>
-      </p:grpSpPr>
-      <p:sp>
-        <p:nvSpPr>
-          <p:cNvPr id="20481" name="Picture Placeholder 1"/>
-          <p:cNvSpPr>
-            <a:spLocks noGrp="1"/>
-          </p:cNvSpPr>
-          <p:nvPr>
-            <p:ph type="pic" sz="quarter" idx="10"/>
-          </p:nvPr>
-        </p:nvSpPr>
-        <p:spPr bwMode="auto">
-          <a:xfrm>
-            <a:off x="0" y="0"/>
-            <a:ext cx="14630400" cy="8229600"/>
-          </a:xfrm>
-          <a:noFill/>
-          <a:ln>
-            <a:miter lim="800000"/>
-            <a:headEnd/>
-            <a:tailEnd/>
-          </a:ln>
-          <a:extLst>
-            <a:ext uri="{909E8E84-426E-40dd-AFC4-6F175D3DCCD1}">
-              <a14:hiddenFill xmlns:a14="http://schemas.microsoft.com/office/drawing/2010/main" xmlns="">
-                <a:solidFill>
-                  <a:srgbClr val="FFFFFF"/>
-                </a:solidFill>
-              </a14:hiddenFill>
-            </a:ext>
-            <a:ext uri="{FAA26D3D-D897-4be2-8F04-BA451C77F1D7}">
-              <ma14:placeholderFlag xmlns:ma14="http://schemas.microsoft.com/office/mac/drawingml/2011/main" xmlns="" val="1"/>
-            </a:ext>
-          </a:extLst>
-        </p:spPr>
-      </p:sp>
-      <p:pic>
-        <p:nvPicPr>
-          <p:cNvPr id="6" name="Picture 5" descr="Bottom_Viz_August-09.png"/>
-          <p:cNvPicPr>
-            <a:picLocks noChangeAspect="1"/>
-          </p:cNvPicPr>
-          <p:nvPr/>
-        </p:nvPicPr>
-        <p:blipFill rotWithShape="1">
-          <a:blip r:embed="rId3" cstate="email">
-            <a:extLst>
-              <a:ext uri="{28A0092B-C50C-407E-A947-70E740481C1C}">
-                <a14:useLocalDpi xmlns:a14="http://schemas.microsoft.com/office/drawing/2010/main" val="0"/>
-              </a:ext>
-            </a:extLst>
-          </a:blip>
-          <a:srcRect l="1098" b="58330"/>
-          <a:stretch/>
-        </p:blipFill>
-        <p:spPr>
-          <a:xfrm flipH="1">
-            <a:off x="0" y="6910529"/>
-            <a:ext cx="14630400" cy="1319071"/>
-          </a:xfrm>
-          <a:prstGeom prst="rect">
-            <a:avLst/>
-          </a:prstGeom>
-        </p:spPr>
-      </p:pic>
-    </p:spTree>
-  </p:cSld>
-  <p:clrMapOvr>
-    <a:masterClrMapping/>
-  </p:clrMapOvr>
-</p:sld>
-</file>
-
 <file path=ppt/slides/slide4.xml><?xml version="1.0" encoding="utf-8"?>
 <p:sld xmlns:a="http://schemas.openxmlformats.org/drawingml/2006/main" xmlns:r="http://schemas.openxmlformats.org/officeDocument/2006/relationships" xmlns:p="http://schemas.openxmlformats.org/presentationml/2006/main">
   <p:cSld>
@@ -20889,6 +21593,95 @@
       </p:grpSpPr>
       <p:sp>
         <p:nvSpPr>
+          <p:cNvPr id="20481" name="Picture Placeholder 1"/>
+          <p:cNvSpPr>
+            <a:spLocks noGrp="1"/>
+          </p:cNvSpPr>
+          <p:nvPr>
+            <p:ph type="pic" sz="quarter" idx="10"/>
+          </p:nvPr>
+        </p:nvSpPr>
+        <p:spPr bwMode="auto">
+          <a:xfrm>
+            <a:off x="0" y="0"/>
+            <a:ext cx="14630400" cy="8229600"/>
+          </a:xfrm>
+          <a:noFill/>
+          <a:ln>
+            <a:miter lim="800000"/>
+            <a:headEnd/>
+            <a:tailEnd/>
+          </a:ln>
+          <a:extLst>
+            <a:ext uri="{909E8E84-426E-40dd-AFC4-6F175D3DCCD1}">
+              <a14:hiddenFill xmlns="" xmlns:a14="http://schemas.microsoft.com/office/drawing/2010/main">
+                <a:solidFill>
+                  <a:srgbClr val="FFFFFF"/>
+                </a:solidFill>
+              </a14:hiddenFill>
+            </a:ext>
+            <a:ext uri="{FAA26D3D-D897-4be2-8F04-BA451C77F1D7}">
+              <ma14:placeholderFlag xmlns="" xmlns:ma14="http://schemas.microsoft.com/office/mac/drawingml/2011/main" val="1"/>
+            </a:ext>
+          </a:extLst>
+        </p:spPr>
+      </p:sp>
+      <p:pic>
+        <p:nvPicPr>
+          <p:cNvPr id="6" name="Picture 5" descr="Bottom_Viz_August-09.png"/>
+          <p:cNvPicPr>
+            <a:picLocks noChangeAspect="1"/>
+          </p:cNvPicPr>
+          <p:nvPr/>
+        </p:nvPicPr>
+        <p:blipFill rotWithShape="1">
+          <a:blip r:embed="rId3" cstate="email">
+            <a:extLst>
+              <a:ext uri="{28A0092B-C50C-407E-A947-70E740481C1C}">
+                <a14:useLocalDpi xmlns:a14="http://schemas.microsoft.com/office/drawing/2010/main" val="0"/>
+              </a:ext>
+            </a:extLst>
+          </a:blip>
+          <a:srcRect l="1098" b="58330"/>
+          <a:stretch/>
+        </p:blipFill>
+        <p:spPr>
+          <a:xfrm flipH="1">
+            <a:off x="0" y="6910529"/>
+            <a:ext cx="14630400" cy="1319071"/>
+          </a:xfrm>
+          <a:prstGeom prst="rect">
+            <a:avLst/>
+          </a:prstGeom>
+        </p:spPr>
+      </p:pic>
+    </p:spTree>
+  </p:cSld>
+  <p:clrMapOvr>
+    <a:masterClrMapping/>
+  </p:clrMapOvr>
+</p:sld>
+</file>
+
+<file path=ppt/slides/slide41.xml><?xml version="1.0" encoding="utf-8"?>
+<p:sld xmlns:a="http://schemas.openxmlformats.org/drawingml/2006/main" xmlns:r="http://schemas.openxmlformats.org/officeDocument/2006/relationships" xmlns:p="http://schemas.openxmlformats.org/presentationml/2006/main">
+  <p:cSld>
+    <p:spTree>
+      <p:nvGrpSpPr>
+        <p:cNvPr id="1" name=""/>
+        <p:cNvGrpSpPr/>
+        <p:nvPr/>
+      </p:nvGrpSpPr>
+      <p:grpSpPr>
+        <a:xfrm>
+          <a:off x="0" y="0"/>
+          <a:ext cx="0" cy="0"/>
+          <a:chOff x="0" y="0"/>
+          <a:chExt cx="0" cy="0"/>
+        </a:xfrm>
+      </p:grpSpPr>
+      <p:sp>
+        <p:nvSpPr>
           <p:cNvPr id="21505" name="Title 1"/>
           <p:cNvSpPr>
             <a:spLocks noGrp="1"/>
@@ -20927,7 +21720,7 @@
 </p:sld>
 </file>
 
-<file path=ppt/slides/slide41.xml><?xml version="1.0" encoding="utf-8"?>
+<file path=ppt/slides/slide42.xml><?xml version="1.0" encoding="utf-8"?>
 <p:sld xmlns:a="http://schemas.openxmlformats.org/drawingml/2006/main" xmlns:r="http://schemas.openxmlformats.org/officeDocument/2006/relationships" xmlns:p="http://schemas.openxmlformats.org/presentationml/2006/main">
   <p:cSld>
     <p:spTree>
@@ -21135,7 +21928,7 @@
 </p:sld>
 </file>
 
-<file path=ppt/slides/slide42.xml><?xml version="1.0" encoding="utf-8"?>
+<file path=ppt/slides/slide43.xml><?xml version="1.0" encoding="utf-8"?>
 <p:sld xmlns:a="http://schemas.openxmlformats.org/drawingml/2006/main" xmlns:r="http://schemas.openxmlformats.org/officeDocument/2006/relationships" xmlns:p="http://schemas.openxmlformats.org/presentationml/2006/main">
   <p:cSld>
     <p:spTree>
@@ -22315,7 +23108,7 @@
           </a:ln>
           <a:extLst>
             <a:ext uri="{909E8E84-426E-40dd-AFC4-6F175D3DCCD1}">
-              <a14:hiddenFill xmlns:a14="http://schemas.microsoft.com/office/drawing/2010/main" xmlns="">
+              <a14:hiddenFill xmlns="" xmlns:a14="http://schemas.microsoft.com/office/drawing/2010/main">
                 <a:solidFill>
                   <a:srgbClr val="FFFFFF"/>
                 </a:solidFill>
@@ -22345,14 +23138,14 @@
           <a:noFill/>
           <a:extLst>
             <a:ext uri="{909E8E84-426E-40dd-AFC4-6F175D3DCCD1}">
-              <a14:hiddenFill xmlns:a14="http://schemas.microsoft.com/office/drawing/2010/main" xmlns="">
+              <a14:hiddenFill xmlns="" xmlns:a14="http://schemas.microsoft.com/office/drawing/2010/main">
                 <a:solidFill>
                   <a:srgbClr val="FFFFFF"/>
                 </a:solidFill>
               </a14:hiddenFill>
             </a:ext>
             <a:ext uri="{91240B29-F687-4f45-9708-019B960494DF}">
-              <a14:hiddenLine xmlns:a14="http://schemas.microsoft.com/office/drawing/2010/main" xmlns="" w="9525">
+              <a14:hiddenLine xmlns="" xmlns:a14="http://schemas.microsoft.com/office/drawing/2010/main" w="9525">
                 <a:solidFill>
                   <a:srgbClr val="000000"/>
                 </a:solidFill>
@@ -22422,7 +23215,7 @@
 </p:sld>
 </file>
 
-<file path=ppt/slides/slide43.xml><?xml version="1.0" encoding="utf-8"?>
+<file path=ppt/slides/slide44.xml><?xml version="1.0" encoding="utf-8"?>
 <p:sld xmlns:a="http://schemas.openxmlformats.org/drawingml/2006/main" xmlns:r="http://schemas.openxmlformats.org/officeDocument/2006/relationships" xmlns:p="http://schemas.openxmlformats.org/presentationml/2006/main">
   <p:cSld>
     <p:spTree>
@@ -22657,7 +23450,7 @@
 </p:sld>
 </file>
 
-<file path=ppt/slides/slide44.xml><?xml version="1.0" encoding="utf-8"?>
+<file path=ppt/slides/slide45.xml><?xml version="1.0" encoding="utf-8"?>
 <p:sld xmlns:a="http://schemas.openxmlformats.org/drawingml/2006/main" xmlns:r="http://schemas.openxmlformats.org/officeDocument/2006/relationships" xmlns:p="http://schemas.openxmlformats.org/presentationml/2006/main">
   <p:cSld>
     <p:spTree>
@@ -22695,14 +23488,14 @@
           <a:noFill/>
           <a:extLst>
             <a:ext uri="{909E8E84-426E-40dd-AFC4-6F175D3DCCD1}">
-              <a14:hiddenFill xmlns:a14="http://schemas.microsoft.com/office/drawing/2010/main" xmlns="">
+              <a14:hiddenFill xmlns="" xmlns:a14="http://schemas.microsoft.com/office/drawing/2010/main">
                 <a:solidFill>
                   <a:srgbClr val="FFFFFF"/>
                 </a:solidFill>
               </a14:hiddenFill>
             </a:ext>
             <a:ext uri="{91240B29-F687-4f45-9708-019B960494DF}">
-              <a14:hiddenLine xmlns:a14="http://schemas.microsoft.com/office/drawing/2010/main" xmlns="" w="9525">
+              <a14:hiddenLine xmlns="" xmlns:a14="http://schemas.microsoft.com/office/drawing/2010/main" w="9525">
                 <a:solidFill>
                   <a:srgbClr val="000000"/>
                 </a:solidFill>
@@ -22747,14 +23540,14 @@
           <a:noFill/>
           <a:extLst>
             <a:ext uri="{909E8E84-426E-40dd-AFC4-6F175D3DCCD1}">
-              <a14:hiddenFill xmlns:a14="http://schemas.microsoft.com/office/drawing/2010/main" xmlns="">
+              <a14:hiddenFill xmlns="" xmlns:a14="http://schemas.microsoft.com/office/drawing/2010/main">
                 <a:solidFill>
                   <a:srgbClr val="FFFFFF"/>
                 </a:solidFill>
               </a14:hiddenFill>
             </a:ext>
             <a:ext uri="{91240B29-F687-4f45-9708-019B960494DF}">
-              <a14:hiddenLine xmlns:a14="http://schemas.microsoft.com/office/drawing/2010/main" xmlns="" w="9525">
+              <a14:hiddenLine xmlns="" xmlns:a14="http://schemas.microsoft.com/office/drawing/2010/main" w="9525">
                 <a:solidFill>
                   <a:srgbClr val="000000"/>
                 </a:solidFill>
@@ -22945,7 +23738,7 @@
           </a:ln>
           <a:extLst>
             <a:ext uri="{909E8E84-426E-40dd-AFC4-6F175D3DCCD1}">
-              <a14:hiddenFill xmlns:a14="http://schemas.microsoft.com/office/drawing/2010/main" xmlns="">
+              <a14:hiddenFill xmlns="" xmlns:a14="http://schemas.microsoft.com/office/drawing/2010/main">
                 <a:solidFill>
                   <a:srgbClr val="FFFFFF"/>
                 </a:solidFill>
@@ -22989,14 +23782,14 @@
           </a:ln>
           <a:extLst>
             <a:ext uri="{909E8E84-426E-40dd-AFC4-6F175D3DCCD1}">
-              <a14:hiddenFill xmlns:a14="http://schemas.microsoft.com/office/drawing/2010/main" xmlns="">
+              <a14:hiddenFill xmlns="" xmlns:a14="http://schemas.microsoft.com/office/drawing/2010/main">
                 <a:solidFill>
                   <a:srgbClr val="FFFFFF"/>
                 </a:solidFill>
               </a14:hiddenFill>
             </a:ext>
             <a:ext uri="{91240B29-F687-4f45-9708-019B960494DF}">
-              <a14:hiddenLine xmlns:a14="http://schemas.microsoft.com/office/drawing/2010/main" xmlns="" w="9525">
+              <a14:hiddenLine xmlns="" xmlns:a14="http://schemas.microsoft.com/office/drawing/2010/main" w="9525">
                 <a:solidFill>
                   <a:srgbClr val="000000"/>
                 </a:solidFill>
@@ -23049,14 +23842,14 @@
           <a:effectLst/>
           <a:extLst>
             <a:ext uri="{909E8E84-426E-40dd-AFC4-6F175D3DCCD1}">
-              <a14:hiddenFill xmlns:a14="http://schemas.microsoft.com/office/drawing/2010/main" xmlns="">
+              <a14:hiddenFill xmlns="" xmlns:a14="http://schemas.microsoft.com/office/drawing/2010/main">
                 <a:solidFill>
                   <a:schemeClr val="accent1"/>
                 </a:solidFill>
               </a14:hiddenFill>
             </a:ext>
             <a:ext uri="{AF507438-7753-43e0-B8FC-AC1667EBCBE1}">
-              <a14:hiddenEffects xmlns:a14="http://schemas.microsoft.com/office/drawing/2010/main" xmlns="">
+              <a14:hiddenEffects xmlns="" xmlns:a14="http://schemas.microsoft.com/office/drawing/2010/main">
                 <a:effectLst>
                   <a:outerShdw dist="35921" dir="2700000" algn="ctr" rotWithShape="0">
                     <a:schemeClr val="bg2"/>
@@ -23227,7 +24020,7 @@
 </p:sld>
 </file>
 
-<file path=ppt/slides/slide45.xml><?xml version="1.0" encoding="utf-8"?>
+<file path=ppt/slides/slide46.xml><?xml version="1.0" encoding="utf-8"?>
 <p:sld xmlns:a="http://schemas.openxmlformats.org/drawingml/2006/main" xmlns:r="http://schemas.openxmlformats.org/officeDocument/2006/relationships" xmlns:p="http://schemas.openxmlformats.org/presentationml/2006/main">
   <p:cSld>
     <p:spTree>
@@ -23315,14 +24108,14 @@
           </a:ln>
           <a:extLst>
             <a:ext uri="{909E8E84-426E-40dd-AFC4-6F175D3DCCD1}">
-              <a14:hiddenFill xmlns:a14="http://schemas.microsoft.com/office/drawing/2010/main" xmlns="">
+              <a14:hiddenFill xmlns="" xmlns:a14="http://schemas.microsoft.com/office/drawing/2010/main">
                 <a:solidFill>
                   <a:srgbClr val="FFFFFF"/>
                 </a:solidFill>
               </a14:hiddenFill>
             </a:ext>
             <a:ext uri="{91240B29-F687-4f45-9708-019B960494DF}">
-              <a14:hiddenLine xmlns:a14="http://schemas.microsoft.com/office/drawing/2010/main" xmlns="" w="9525">
+              <a14:hiddenLine xmlns="" xmlns:a14="http://schemas.microsoft.com/office/drawing/2010/main" w="9525">
                 <a:solidFill>
                   <a:srgbClr val="000000"/>
                 </a:solidFill>
@@ -23605,14 +24398,14 @@
           </a:ln>
           <a:extLst>
             <a:ext uri="{909E8E84-426E-40dd-AFC4-6F175D3DCCD1}">
-              <a14:hiddenFill xmlns:a14="http://schemas.microsoft.com/office/drawing/2010/main" xmlns="">
+              <a14:hiddenFill xmlns="" xmlns:a14="http://schemas.microsoft.com/office/drawing/2010/main">
                 <a:solidFill>
                   <a:srgbClr val="FFFFFF"/>
                 </a:solidFill>
               </a14:hiddenFill>
             </a:ext>
             <a:ext uri="{91240B29-F687-4f45-9708-019B960494DF}">
-              <a14:hiddenLine xmlns:a14="http://schemas.microsoft.com/office/drawing/2010/main" xmlns="" w="9525">
+              <a14:hiddenLine xmlns="" xmlns:a14="http://schemas.microsoft.com/office/drawing/2010/main" w="9525">
                 <a:solidFill>
                   <a:srgbClr val="000000"/>
                 </a:solidFill>
@@ -23651,7 +24444,7 @@
 </p:sld>
 </file>
 
-<file path=ppt/slides/slide46.xml><?xml version="1.0" encoding="utf-8"?>
+<file path=ppt/slides/slide47.xml><?xml version="1.0" encoding="utf-8"?>
 <p:sld xmlns:a="http://schemas.openxmlformats.org/drawingml/2006/main" xmlns:r="http://schemas.openxmlformats.org/officeDocument/2006/relationships" xmlns:p="http://schemas.openxmlformats.org/presentationml/2006/main">
   <p:cSld>
     <p:spTree>
@@ -23815,14 +24608,14 @@
           </a:ln>
           <a:extLst>
             <a:ext uri="{909E8E84-426E-40dd-AFC4-6F175D3DCCD1}">
-              <a14:hiddenFill xmlns:a14="http://schemas.microsoft.com/office/drawing/2010/main" xmlns="">
+              <a14:hiddenFill xmlns="" xmlns:a14="http://schemas.microsoft.com/office/drawing/2010/main">
                 <a:solidFill>
                   <a:srgbClr val="FFFFFF"/>
                 </a:solidFill>
               </a14:hiddenFill>
             </a:ext>
             <a:ext uri="{91240B29-F687-4f45-9708-019B960494DF}">
-              <a14:hiddenLine xmlns:a14="http://schemas.microsoft.com/office/drawing/2010/main" xmlns="" w="9525">
+              <a14:hiddenLine xmlns="" xmlns:a14="http://schemas.microsoft.com/office/drawing/2010/main" w="9525">
                 <a:solidFill>
                   <a:srgbClr val="000000"/>
                 </a:solidFill>
@@ -23869,14 +24662,14 @@
           </a:ln>
           <a:extLst>
             <a:ext uri="{909E8E84-426E-40dd-AFC4-6F175D3DCCD1}">
-              <a14:hiddenFill xmlns:a14="http://schemas.microsoft.com/office/drawing/2010/main" xmlns="">
+              <a14:hiddenFill xmlns="" xmlns:a14="http://schemas.microsoft.com/office/drawing/2010/main">
                 <a:solidFill>
                   <a:srgbClr val="FFFFFF"/>
                 </a:solidFill>
               </a14:hiddenFill>
             </a:ext>
             <a:ext uri="{91240B29-F687-4f45-9708-019B960494DF}">
-              <a14:hiddenLine xmlns:a14="http://schemas.microsoft.com/office/drawing/2010/main" xmlns="" w="9525">
+              <a14:hiddenLine xmlns="" xmlns:a14="http://schemas.microsoft.com/office/drawing/2010/main" w="9525">
                 <a:solidFill>
                   <a:srgbClr val="000000"/>
                 </a:solidFill>
@@ -23923,14 +24716,14 @@
           </a:ln>
           <a:extLst>
             <a:ext uri="{909E8E84-426E-40dd-AFC4-6F175D3DCCD1}">
-              <a14:hiddenFill xmlns:a14="http://schemas.microsoft.com/office/drawing/2010/main" xmlns="">
+              <a14:hiddenFill xmlns="" xmlns:a14="http://schemas.microsoft.com/office/drawing/2010/main">
                 <a:solidFill>
                   <a:srgbClr val="FFFFFF"/>
                 </a:solidFill>
               </a14:hiddenFill>
             </a:ext>
             <a:ext uri="{91240B29-F687-4f45-9708-019B960494DF}">
-              <a14:hiddenLine xmlns:a14="http://schemas.microsoft.com/office/drawing/2010/main" xmlns="" w="9525">
+              <a14:hiddenLine xmlns="" xmlns:a14="http://schemas.microsoft.com/office/drawing/2010/main" w="9525">
                 <a:solidFill>
                   <a:srgbClr val="000000"/>
                 </a:solidFill>
@@ -24484,7 +25277,7 @@
 </p:sld>
 </file>
 
-<file path=ppt/slides/slide47.xml><?xml version="1.0" encoding="utf-8"?>
+<file path=ppt/slides/slide48.xml><?xml version="1.0" encoding="utf-8"?>
 <p:sld xmlns:a="http://schemas.openxmlformats.org/drawingml/2006/main" xmlns:r="http://schemas.openxmlformats.org/officeDocument/2006/relationships" xmlns:p="http://schemas.openxmlformats.org/presentationml/2006/main">
   <p:cSld>
     <p:spTree>
@@ -29053,7 +29846,7 @@
             </a:ln>
             <a:extLst>
               <a:ext uri="{91240B29-F687-4f45-9708-019B960494DF}">
-                <a14:hiddenLine xmlns:a14="http://schemas.microsoft.com/office/drawing/2010/main" xmlns="" w="9525">
+                <a14:hiddenLine xmlns="" xmlns:a14="http://schemas.microsoft.com/office/drawing/2010/main" w="9525">
                   <a:solidFill>
                     <a:srgbClr val="000000"/>
                   </a:solidFill>
@@ -29154,7 +29947,7 @@
             </a:ln>
             <a:extLst>
               <a:ext uri="{91240B29-F687-4f45-9708-019B960494DF}">
-                <a14:hiddenLine xmlns:a14="http://schemas.microsoft.com/office/drawing/2010/main" xmlns="" w="9525">
+                <a14:hiddenLine xmlns="" xmlns:a14="http://schemas.microsoft.com/office/drawing/2010/main" w="9525">
                   <a:solidFill>
                     <a:srgbClr val="000000"/>
                   </a:solidFill>
@@ -29255,7 +30048,7 @@
             </a:ln>
             <a:extLst>
               <a:ext uri="{91240B29-F687-4f45-9708-019B960494DF}">
-                <a14:hiddenLine xmlns:a14="http://schemas.microsoft.com/office/drawing/2010/main" xmlns="" w="9525">
+                <a14:hiddenLine xmlns="" xmlns:a14="http://schemas.microsoft.com/office/drawing/2010/main" w="9525">
                   <a:solidFill>
                     <a:srgbClr val="000000"/>
                   </a:solidFill>
@@ -29356,7 +30149,7 @@
             </a:ln>
             <a:extLst>
               <a:ext uri="{91240B29-F687-4f45-9708-019B960494DF}">
-                <a14:hiddenLine xmlns:a14="http://schemas.microsoft.com/office/drawing/2010/main" xmlns="" w="9525">
+                <a14:hiddenLine xmlns="" xmlns:a14="http://schemas.microsoft.com/office/drawing/2010/main" w="9525">
                   <a:solidFill>
                     <a:srgbClr val="000000"/>
                   </a:solidFill>
@@ -29457,7 +30250,7 @@
             </a:ln>
             <a:extLst>
               <a:ext uri="{91240B29-F687-4f45-9708-019B960494DF}">
-                <a14:hiddenLine xmlns:a14="http://schemas.microsoft.com/office/drawing/2010/main" xmlns="" w="9525">
+                <a14:hiddenLine xmlns="" xmlns:a14="http://schemas.microsoft.com/office/drawing/2010/main" w="9525">
                   <a:solidFill>
                     <a:srgbClr val="000000"/>
                   </a:solidFill>
@@ -32559,7 +33352,7 @@
             </a:ln>
             <a:extLst>
               <a:ext uri="{91240B29-F687-4f45-9708-019B960494DF}">
-                <a14:hiddenLine xmlns:a14="http://schemas.microsoft.com/office/drawing/2010/main" xmlns="" w="9525">
+                <a14:hiddenLine xmlns="" xmlns:a14="http://schemas.microsoft.com/office/drawing/2010/main" w="9525">
                   <a:solidFill>
                     <a:srgbClr val="000000"/>
                   </a:solidFill>
@@ -33295,7 +34088,7 @@
             </a:ln>
             <a:extLst>
               <a:ext uri="{91240B29-F687-4f45-9708-019B960494DF}">
-                <a14:hiddenLine xmlns:a14="http://schemas.microsoft.com/office/drawing/2010/main" xmlns="" w="9525">
+                <a14:hiddenLine xmlns="" xmlns:a14="http://schemas.microsoft.com/office/drawing/2010/main" w="9525">
                   <a:solidFill>
                     <a:srgbClr val="000000"/>
                   </a:solidFill>
@@ -33482,7 +34275,7 @@
             </a:ln>
             <a:extLst>
               <a:ext uri="{91240B29-F687-4f45-9708-019B960494DF}">
-                <a14:hiddenLine xmlns:a14="http://schemas.microsoft.com/office/drawing/2010/main" xmlns="" w="9525">
+                <a14:hiddenLine xmlns="" xmlns:a14="http://schemas.microsoft.com/office/drawing/2010/main" w="9525">
                   <a:solidFill>
                     <a:srgbClr val="000000"/>
                   </a:solidFill>
@@ -34576,7 +35369,7 @@
             </a:ln>
             <a:extLst>
               <a:ext uri="{91240B29-F687-4f45-9708-019B960494DF}">
-                <a14:hiddenLine xmlns:a14="http://schemas.microsoft.com/office/drawing/2010/main" xmlns="" w="9525">
+                <a14:hiddenLine xmlns="" xmlns:a14="http://schemas.microsoft.com/office/drawing/2010/main" w="9525">
                   <a:solidFill>
                     <a:srgbClr val="000000"/>
                   </a:solidFill>
@@ -37221,7 +38014,7 @@
           </a:ln>
           <a:extLst>
             <a:ext uri="{91240B29-F687-4f45-9708-019B960494DF}">
-              <a14:hiddenLine xmlns:a14="http://schemas.microsoft.com/office/drawing/2010/main" xmlns="" w="9525">
+              <a14:hiddenLine xmlns="" xmlns:a14="http://schemas.microsoft.com/office/drawing/2010/main" w="9525">
                 <a:solidFill>
                   <a:srgbClr val="000000"/>
                 </a:solidFill>
@@ -38600,7 +39393,7 @@
           </a:ln>
           <a:extLst>
             <a:ext uri="{91240B29-F687-4f45-9708-019B960494DF}">
-              <a14:hiddenLine xmlns:a14="http://schemas.microsoft.com/office/drawing/2010/main" xmlns="" w="9525">
+              <a14:hiddenLine xmlns="" xmlns:a14="http://schemas.microsoft.com/office/drawing/2010/main" w="9525">
                 <a:solidFill>
                   <a:srgbClr val="000000"/>
                 </a:solidFill>
@@ -38643,14 +39436,14 @@
           </a:ln>
           <a:extLst>
             <a:ext uri="{909E8E84-426E-40dd-AFC4-6F175D3DCCD1}">
-              <a14:hiddenFill xmlns:a14="http://schemas.microsoft.com/office/drawing/2010/main" xmlns="">
+              <a14:hiddenFill xmlns="" xmlns:a14="http://schemas.microsoft.com/office/drawing/2010/main">
                 <a:solidFill>
                   <a:srgbClr val="FFFFFF"/>
                 </a:solidFill>
               </a14:hiddenFill>
             </a:ext>
             <a:ext uri="{91240B29-F687-4f45-9708-019B960494DF}">
-              <a14:hiddenLine xmlns:a14="http://schemas.microsoft.com/office/drawing/2010/main" xmlns="" w="9525">
+              <a14:hiddenLine xmlns="" xmlns:a14="http://schemas.microsoft.com/office/drawing/2010/main" w="9525">
                 <a:solidFill>
                   <a:srgbClr val="000000"/>
                 </a:solidFill>
@@ -38814,14 +39607,14 @@
           </a:ln>
           <a:extLst>
             <a:ext uri="{909E8E84-426E-40dd-AFC4-6F175D3DCCD1}">
-              <a14:hiddenFill xmlns:a14="http://schemas.microsoft.com/office/drawing/2010/main" xmlns="">
+              <a14:hiddenFill xmlns="" xmlns:a14="http://schemas.microsoft.com/office/drawing/2010/main">
                 <a:solidFill>
                   <a:srgbClr val="FFFFFF"/>
                 </a:solidFill>
               </a14:hiddenFill>
             </a:ext>
             <a:ext uri="{91240B29-F687-4f45-9708-019B960494DF}">
-              <a14:hiddenLine xmlns:a14="http://schemas.microsoft.com/office/drawing/2010/main" xmlns="" w="9525">
+              <a14:hiddenLine xmlns="" xmlns:a14="http://schemas.microsoft.com/office/drawing/2010/main" w="9525">
                 <a:solidFill>
                   <a:srgbClr val="000000"/>
                 </a:solidFill>
@@ -38985,14 +39778,14 @@
           </a:ln>
           <a:extLst>
             <a:ext uri="{909E8E84-426E-40dd-AFC4-6F175D3DCCD1}">
-              <a14:hiddenFill xmlns:a14="http://schemas.microsoft.com/office/drawing/2010/main" xmlns="">
+              <a14:hiddenFill xmlns="" xmlns:a14="http://schemas.microsoft.com/office/drawing/2010/main">
                 <a:solidFill>
                   <a:srgbClr val="FFFFFF"/>
                 </a:solidFill>
               </a14:hiddenFill>
             </a:ext>
             <a:ext uri="{91240B29-F687-4f45-9708-019B960494DF}">
-              <a14:hiddenLine xmlns:a14="http://schemas.microsoft.com/office/drawing/2010/main" xmlns="" w="9525">
+              <a14:hiddenLine xmlns="" xmlns:a14="http://schemas.microsoft.com/office/drawing/2010/main" w="9525">
                 <a:solidFill>
                   <a:srgbClr val="000000"/>
                 </a:solidFill>
@@ -39156,14 +39949,14 @@
           </a:ln>
           <a:extLst>
             <a:ext uri="{909E8E84-426E-40dd-AFC4-6F175D3DCCD1}">
-              <a14:hiddenFill xmlns:a14="http://schemas.microsoft.com/office/drawing/2010/main" xmlns="">
+              <a14:hiddenFill xmlns="" xmlns:a14="http://schemas.microsoft.com/office/drawing/2010/main">
                 <a:solidFill>
                   <a:srgbClr val="FFFFFF"/>
                 </a:solidFill>
               </a14:hiddenFill>
             </a:ext>
             <a:ext uri="{91240B29-F687-4f45-9708-019B960494DF}">
-              <a14:hiddenLine xmlns:a14="http://schemas.microsoft.com/office/drawing/2010/main" xmlns="" w="9525">
+              <a14:hiddenLine xmlns="" xmlns:a14="http://schemas.microsoft.com/office/drawing/2010/main" w="9525">
                 <a:solidFill>
                   <a:srgbClr val="000000"/>
                 </a:solidFill>
@@ -39327,14 +40120,14 @@
           </a:ln>
           <a:extLst>
             <a:ext uri="{909E8E84-426E-40dd-AFC4-6F175D3DCCD1}">
-              <a14:hiddenFill xmlns:a14="http://schemas.microsoft.com/office/drawing/2010/main" xmlns="">
+              <a14:hiddenFill xmlns="" xmlns:a14="http://schemas.microsoft.com/office/drawing/2010/main">
                 <a:solidFill>
                   <a:srgbClr val="FFFFFF"/>
                 </a:solidFill>
               </a14:hiddenFill>
             </a:ext>
             <a:ext uri="{91240B29-F687-4f45-9708-019B960494DF}">
-              <a14:hiddenLine xmlns:a14="http://schemas.microsoft.com/office/drawing/2010/main" xmlns="" w="9525">
+              <a14:hiddenLine xmlns="" xmlns:a14="http://schemas.microsoft.com/office/drawing/2010/main" w="9525">
                 <a:solidFill>
                   <a:srgbClr val="000000"/>
                 </a:solidFill>
@@ -39498,14 +40291,14 @@
           </a:ln>
           <a:extLst>
             <a:ext uri="{909E8E84-426E-40dd-AFC4-6F175D3DCCD1}">
-              <a14:hiddenFill xmlns:a14="http://schemas.microsoft.com/office/drawing/2010/main" xmlns="">
+              <a14:hiddenFill xmlns="" xmlns:a14="http://schemas.microsoft.com/office/drawing/2010/main">
                 <a:solidFill>
                   <a:srgbClr val="FFFFFF"/>
                 </a:solidFill>
               </a14:hiddenFill>
             </a:ext>
             <a:ext uri="{91240B29-F687-4f45-9708-019B960494DF}">
-              <a14:hiddenLine xmlns:a14="http://schemas.microsoft.com/office/drawing/2010/main" xmlns="" w="9525">
+              <a14:hiddenLine xmlns="" xmlns:a14="http://schemas.microsoft.com/office/drawing/2010/main" w="9525">
                 <a:solidFill>
                   <a:srgbClr val="000000"/>
                 </a:solidFill>
@@ -41888,7 +42681,7 @@
           </a:ln>
           <a:extLst>
             <a:ext uri="{91240B29-F687-4f45-9708-019B960494DF}">
-              <a14:hiddenLine xmlns:a14="http://schemas.microsoft.com/office/drawing/2010/main" xmlns="" w="9525">
+              <a14:hiddenLine xmlns="" xmlns:a14="http://schemas.microsoft.com/office/drawing/2010/main" w="9525">
                 <a:solidFill>
                   <a:srgbClr val="000000"/>
                 </a:solidFill>
@@ -42346,7 +43139,7 @@
           </a:ln>
           <a:extLst>
             <a:ext uri="{91240B29-F687-4f45-9708-019B960494DF}">
-              <a14:hiddenLine xmlns:a14="http://schemas.microsoft.com/office/drawing/2010/main" xmlns="" w="9525">
+              <a14:hiddenLine xmlns="" xmlns:a14="http://schemas.microsoft.com/office/drawing/2010/main" w="9525">
                 <a:solidFill>
                   <a:srgbClr val="000000"/>
                 </a:solidFill>
@@ -42839,7 +43632,7 @@
             </a:ln>
             <a:extLst>
               <a:ext uri="{91240B29-F687-4f45-9708-019B960494DF}">
-                <a14:hiddenLine xmlns:a14="http://schemas.microsoft.com/office/drawing/2010/main" xmlns="" w="9525">
+                <a14:hiddenLine xmlns="" xmlns:a14="http://schemas.microsoft.com/office/drawing/2010/main" w="9525">
                   <a:solidFill>
                     <a:srgbClr val="000000"/>
                   </a:solidFill>
@@ -43575,7 +44368,7 @@
             </a:ln>
             <a:extLst>
               <a:ext uri="{91240B29-F687-4f45-9708-019B960494DF}">
-                <a14:hiddenLine xmlns:a14="http://schemas.microsoft.com/office/drawing/2010/main" xmlns="" w="9525">
+                <a14:hiddenLine xmlns="" xmlns:a14="http://schemas.microsoft.com/office/drawing/2010/main" w="9525">
                   <a:solidFill>
                     <a:srgbClr val="000000"/>
                   </a:solidFill>
@@ -43762,7 +44555,7 @@
             </a:ln>
             <a:extLst>
               <a:ext uri="{91240B29-F687-4f45-9708-019B960494DF}">
-                <a14:hiddenLine xmlns:a14="http://schemas.microsoft.com/office/drawing/2010/main" xmlns="" w="9525">
+                <a14:hiddenLine xmlns="" xmlns:a14="http://schemas.microsoft.com/office/drawing/2010/main" w="9525">
                   <a:solidFill>
                     <a:srgbClr val="000000"/>
                   </a:solidFill>
@@ -44856,7 +45649,7 @@
             </a:ln>
             <a:extLst>
               <a:ext uri="{91240B29-F687-4f45-9708-019B960494DF}">
-                <a14:hiddenLine xmlns:a14="http://schemas.microsoft.com/office/drawing/2010/main" xmlns="" w="9525">
+                <a14:hiddenLine xmlns="" xmlns:a14="http://schemas.microsoft.com/office/drawing/2010/main" w="9525">
                   <a:solidFill>
                     <a:srgbClr val="000000"/>
                   </a:solidFill>
@@ -45642,7 +46435,7 @@
           </a:ln>
           <a:extLst>
             <a:ext uri="{91240B29-F687-4f45-9708-019B960494DF}">
-              <a14:hiddenLine xmlns:a14="http://schemas.microsoft.com/office/drawing/2010/main" xmlns="" w="9525">
+              <a14:hiddenLine xmlns="" xmlns:a14="http://schemas.microsoft.com/office/drawing/2010/main" w="9525">
                 <a:solidFill>
                   <a:srgbClr val="000000"/>
                 </a:solidFill>
@@ -45685,14 +46478,14 @@
           </a:ln>
           <a:extLst>
             <a:ext uri="{909E8E84-426E-40dd-AFC4-6F175D3DCCD1}">
-              <a14:hiddenFill xmlns:a14="http://schemas.microsoft.com/office/drawing/2010/main" xmlns="">
+              <a14:hiddenFill xmlns="" xmlns:a14="http://schemas.microsoft.com/office/drawing/2010/main">
                 <a:solidFill>
                   <a:srgbClr val="FFFFFF"/>
                 </a:solidFill>
               </a14:hiddenFill>
             </a:ext>
             <a:ext uri="{91240B29-F687-4f45-9708-019B960494DF}">
-              <a14:hiddenLine xmlns:a14="http://schemas.microsoft.com/office/drawing/2010/main" xmlns="" w="9525">
+              <a14:hiddenLine xmlns="" xmlns:a14="http://schemas.microsoft.com/office/drawing/2010/main" w="9525">
                 <a:solidFill>
                   <a:srgbClr val="000000"/>
                 </a:solidFill>
@@ -45856,14 +46649,14 @@
           </a:ln>
           <a:extLst>
             <a:ext uri="{909E8E84-426E-40dd-AFC4-6F175D3DCCD1}">
-              <a14:hiddenFill xmlns:a14="http://schemas.microsoft.com/office/drawing/2010/main" xmlns="">
+              <a14:hiddenFill xmlns="" xmlns:a14="http://schemas.microsoft.com/office/drawing/2010/main">
                 <a:solidFill>
                   <a:srgbClr val="FFFFFF"/>
                 </a:solidFill>
               </a14:hiddenFill>
             </a:ext>
             <a:ext uri="{91240B29-F687-4f45-9708-019B960494DF}">
-              <a14:hiddenLine xmlns:a14="http://schemas.microsoft.com/office/drawing/2010/main" xmlns="" w="9525">
+              <a14:hiddenLine xmlns="" xmlns:a14="http://schemas.microsoft.com/office/drawing/2010/main" w="9525">
                 <a:solidFill>
                   <a:srgbClr val="000000"/>
                 </a:solidFill>
@@ -46013,7 +46806,7 @@
 </p:sld>
 </file>
 
-<file path=ppt/slides/slide48.xml><?xml version="1.0" encoding="utf-8"?>
+<file path=ppt/slides/slide49.xml><?xml version="1.0" encoding="utf-8"?>
 <p:sld xmlns:a="http://schemas.openxmlformats.org/drawingml/2006/main" xmlns:r="http://schemas.openxmlformats.org/officeDocument/2006/relationships" xmlns:p="http://schemas.openxmlformats.org/presentationml/2006/main">
   <p:cSld>
     <p:spTree>
@@ -46161,14 +46954,14 @@
           </a:ln>
           <a:extLst>
             <a:ext uri="{909E8E84-426E-40dd-AFC4-6F175D3DCCD1}">
-              <a14:hiddenFill xmlns:a14="http://schemas.microsoft.com/office/drawing/2010/main" xmlns="">
+              <a14:hiddenFill xmlns="" xmlns:a14="http://schemas.microsoft.com/office/drawing/2010/main">
                 <a:solidFill>
                   <a:srgbClr val="FFFFFF"/>
                 </a:solidFill>
               </a14:hiddenFill>
             </a:ext>
             <a:ext uri="{91240B29-F687-4f45-9708-019B960494DF}">
-              <a14:hiddenLine xmlns:a14="http://schemas.microsoft.com/office/drawing/2010/main" xmlns="" w="9525">
+              <a14:hiddenLine xmlns="" xmlns:a14="http://schemas.microsoft.com/office/drawing/2010/main" w="9525">
                 <a:solidFill>
                   <a:srgbClr val="000000"/>
                 </a:solidFill>
@@ -46215,14 +47008,14 @@
           </a:ln>
           <a:extLst>
             <a:ext uri="{909E8E84-426E-40dd-AFC4-6F175D3DCCD1}">
-              <a14:hiddenFill xmlns:a14="http://schemas.microsoft.com/office/drawing/2010/main" xmlns="">
+              <a14:hiddenFill xmlns="" xmlns:a14="http://schemas.microsoft.com/office/drawing/2010/main">
                 <a:solidFill>
                   <a:srgbClr val="FFFFFF"/>
                 </a:solidFill>
               </a14:hiddenFill>
             </a:ext>
             <a:ext uri="{91240B29-F687-4f45-9708-019B960494DF}">
-              <a14:hiddenLine xmlns:a14="http://schemas.microsoft.com/office/drawing/2010/main" xmlns="" w="9525">
+              <a14:hiddenLine xmlns="" xmlns:a14="http://schemas.microsoft.com/office/drawing/2010/main" w="9525">
                 <a:solidFill>
                   <a:srgbClr val="000000"/>
                 </a:solidFill>
@@ -46453,7 +47246,71 @@
 </p:sld>
 </file>
 
-<file path=ppt/slides/slide49.xml><?xml version="1.0" encoding="utf-8"?>
+<file path=ppt/slides/slide5.xml><?xml version="1.0" encoding="utf-8"?>
+<p:sld xmlns:a="http://schemas.openxmlformats.org/drawingml/2006/main" xmlns:r="http://schemas.openxmlformats.org/officeDocument/2006/relationships" xmlns:p="http://schemas.openxmlformats.org/presentationml/2006/main">
+  <p:cSld>
+    <p:spTree>
+      <p:nvGrpSpPr>
+        <p:cNvPr id="1" name=""/>
+        <p:cNvGrpSpPr/>
+        <p:nvPr/>
+      </p:nvGrpSpPr>
+      <p:grpSpPr>
+        <a:xfrm>
+          <a:off x="0" y="0"/>
+          <a:ext cx="0" cy="0"/>
+          <a:chOff x="0" y="0"/>
+          <a:chExt cx="0" cy="0"/>
+        </a:xfrm>
+      </p:grpSpPr>
+      <p:pic>
+        <p:nvPicPr>
+          <p:cNvPr id="6" name="Picture Placeholder 5">
+            <a:extLst>
+              <a:ext uri="{FF2B5EF4-FFF2-40B4-BE49-F238E27FC236}">
+                <a16:creationId xmlns:a16="http://schemas.microsoft.com/office/drawing/2014/main" id="{7859933E-B0D3-4887-A439-4FB1935464D1}"/>
+              </a:ext>
+            </a:extLst>
+          </p:cNvPr>
+          <p:cNvPicPr>
+            <a:picLocks noGrp="1" noChangeAspect="1"/>
+          </p:cNvPicPr>
+          <p:nvPr>
+            <p:ph type="pic" sz="quarter" idx="10"/>
+          </p:nvPr>
+        </p:nvPicPr>
+        <p:blipFill>
+          <a:blip r:embed="rId3">
+            <a:extLst>
+              <a:ext uri="{28A0092B-C50C-407E-A947-70E740481C1C}">
+                <a14:useLocalDpi xmlns:a14="http://schemas.microsoft.com/office/drawing/2010/main" val="0"/>
+              </a:ext>
+            </a:extLst>
+          </a:blip>
+          <a:srcRect t="3229" b="3229"/>
+          <a:stretch>
+            <a:fillRect/>
+          </a:stretch>
+        </p:blipFill>
+        <p:spPr/>
+      </p:pic>
+    </p:spTree>
+    <p:extLst>
+      <p:ext uri="{BB962C8B-B14F-4D97-AF65-F5344CB8AC3E}">
+        <p14:creationId xmlns:p14="http://schemas.microsoft.com/office/powerpoint/2010/main" val="2464762266"/>
+      </p:ext>
+    </p:extLst>
+  </p:cSld>
+  <p:clrMapOvr>
+    <a:masterClrMapping/>
+  </p:clrMapOvr>
+  <p:transition spd="slow">
+    <p:cover/>
+  </p:transition>
+</p:sld>
+</file>
+
+<file path=ppt/slides/slide50.xml><?xml version="1.0" encoding="utf-8"?>
 <p:sld xmlns:a="http://schemas.openxmlformats.org/drawingml/2006/main" xmlns:r="http://schemas.openxmlformats.org/officeDocument/2006/relationships" xmlns:p="http://schemas.openxmlformats.org/presentationml/2006/main">
   <p:cSld>
     <p:spTree>
@@ -46549,71 +47406,7 @@
 </p:sld>
 </file>
 
-<file path=ppt/slides/slide5.xml><?xml version="1.0" encoding="utf-8"?>
-<p:sld xmlns:a="http://schemas.openxmlformats.org/drawingml/2006/main" xmlns:r="http://schemas.openxmlformats.org/officeDocument/2006/relationships" xmlns:p="http://schemas.openxmlformats.org/presentationml/2006/main">
-  <p:cSld>
-    <p:spTree>
-      <p:nvGrpSpPr>
-        <p:cNvPr id="1" name=""/>
-        <p:cNvGrpSpPr/>
-        <p:nvPr/>
-      </p:nvGrpSpPr>
-      <p:grpSpPr>
-        <a:xfrm>
-          <a:off x="0" y="0"/>
-          <a:ext cx="0" cy="0"/>
-          <a:chOff x="0" y="0"/>
-          <a:chExt cx="0" cy="0"/>
-        </a:xfrm>
-      </p:grpSpPr>
-      <p:pic>
-        <p:nvPicPr>
-          <p:cNvPr id="6" name="Picture Placeholder 5">
-            <a:extLst>
-              <a:ext uri="{FF2B5EF4-FFF2-40B4-BE49-F238E27FC236}">
-                <a16:creationId xmlns:a16="http://schemas.microsoft.com/office/drawing/2014/main" id="{7859933E-B0D3-4887-A439-4FB1935464D1}"/>
-              </a:ext>
-            </a:extLst>
-          </p:cNvPr>
-          <p:cNvPicPr>
-            <a:picLocks noGrp="1" noChangeAspect="1"/>
-          </p:cNvPicPr>
-          <p:nvPr>
-            <p:ph type="pic" sz="quarter" idx="10"/>
-          </p:nvPr>
-        </p:nvPicPr>
-        <p:blipFill>
-          <a:blip r:embed="rId3">
-            <a:extLst>
-              <a:ext uri="{28A0092B-C50C-407E-A947-70E740481C1C}">
-                <a14:useLocalDpi xmlns:a14="http://schemas.microsoft.com/office/drawing/2010/main" val="0"/>
-              </a:ext>
-            </a:extLst>
-          </a:blip>
-          <a:srcRect t="3229" b="3229"/>
-          <a:stretch>
-            <a:fillRect/>
-          </a:stretch>
-        </p:blipFill>
-        <p:spPr/>
-      </p:pic>
-    </p:spTree>
-    <p:extLst>
-      <p:ext uri="{BB962C8B-B14F-4D97-AF65-F5344CB8AC3E}">
-        <p14:creationId xmlns:p14="http://schemas.microsoft.com/office/powerpoint/2010/main" val="2464762266"/>
-      </p:ext>
-    </p:extLst>
-  </p:cSld>
-  <p:clrMapOvr>
-    <a:masterClrMapping/>
-  </p:clrMapOvr>
-  <p:transition spd="slow">
-    <p:cover/>
-  </p:transition>
-</p:sld>
-</file>
-
-<file path=ppt/slides/slide50.xml><?xml version="1.0" encoding="utf-8"?>
+<file path=ppt/slides/slide51.xml><?xml version="1.0" encoding="utf-8"?>
 <p:sld xmlns:a="http://schemas.openxmlformats.org/drawingml/2006/main" xmlns:r="http://schemas.openxmlformats.org/officeDocument/2006/relationships" xmlns:p="http://schemas.openxmlformats.org/presentationml/2006/main">
   <p:cSld>
     <p:spTree>
@@ -46808,7 +47601,7 @@
           </a:solidFill>
           <a:extLst>
             <a:ext uri="{91240B29-F687-4f45-9708-019B960494DF}">
-              <a14:hiddenLine xmlns:a14="http://schemas.microsoft.com/office/drawing/2010/main" xmlns="" w="9525">
+              <a14:hiddenLine xmlns="" xmlns:a14="http://schemas.microsoft.com/office/drawing/2010/main" w="9525">
                 <a:solidFill>
                   <a:srgbClr val="000000"/>
                 </a:solidFill>
@@ -46878,7 +47671,7 @@
           </a:solidFill>
           <a:extLst>
             <a:ext uri="{91240B29-F687-4f45-9708-019B960494DF}">
-              <a14:hiddenLine xmlns:a14="http://schemas.microsoft.com/office/drawing/2010/main" xmlns="" w="9525">
+              <a14:hiddenLine xmlns="" xmlns:a14="http://schemas.microsoft.com/office/drawing/2010/main" w="9525">
                 <a:solidFill>
                   <a:srgbClr val="000000"/>
                 </a:solidFill>
@@ -46965,14 +47758,14 @@
           <a:noFill/>
           <a:extLst>
             <a:ext uri="{909E8E84-426E-40dd-AFC4-6F175D3DCCD1}">
-              <a14:hiddenFill xmlns:a14="http://schemas.microsoft.com/office/drawing/2010/main" xmlns="">
+              <a14:hiddenFill xmlns="" xmlns:a14="http://schemas.microsoft.com/office/drawing/2010/main">
                 <a:solidFill>
                   <a:srgbClr val="FFFFFF"/>
                 </a:solidFill>
               </a14:hiddenFill>
             </a:ext>
             <a:ext uri="{91240B29-F687-4f45-9708-019B960494DF}">
-              <a14:hiddenLine xmlns:a14="http://schemas.microsoft.com/office/drawing/2010/main" xmlns="" w="9525">
+              <a14:hiddenLine xmlns="" xmlns:a14="http://schemas.microsoft.com/office/drawing/2010/main" w="9525">
                 <a:solidFill>
                   <a:srgbClr val="000000"/>
                 </a:solidFill>
@@ -47047,7 +47840,7 @@
 </p:sld>
 </file>
 
-<file path=ppt/slides/slide51.xml><?xml version="1.0" encoding="utf-8"?>
+<file path=ppt/slides/slide52.xml><?xml version="1.0" encoding="utf-8"?>
 <p:sld xmlns:a="http://schemas.openxmlformats.org/drawingml/2006/main" xmlns:r="http://schemas.openxmlformats.org/officeDocument/2006/relationships" xmlns:p="http://schemas.openxmlformats.org/presentationml/2006/main">
   <p:cSld>
     <p:spTree>
@@ -49007,7 +49800,7 @@
 </p:sld>
 </file>
 
-<file path=ppt/slides/slide52.xml><?xml version="1.0" encoding="utf-8"?>
+<file path=ppt/slides/slide53.xml><?xml version="1.0" encoding="utf-8"?>
 <p:sld xmlns:a="http://schemas.openxmlformats.org/drawingml/2006/main" xmlns:r="http://schemas.openxmlformats.org/officeDocument/2006/relationships" xmlns:p="http://schemas.openxmlformats.org/presentationml/2006/main">
   <p:cSld>
     <p:spTree>
@@ -51121,7 +51914,7 @@
 </p:sld>
 </file>
 
-<file path=ppt/slides/slide53.xml><?xml version="1.0" encoding="utf-8"?>
+<file path=ppt/slides/slide54.xml><?xml version="1.0" encoding="utf-8"?>
 <p:sld xmlns:a="http://schemas.openxmlformats.org/drawingml/2006/main" xmlns:r="http://schemas.openxmlformats.org/officeDocument/2006/relationships" xmlns:p="http://schemas.openxmlformats.org/presentationml/2006/main">
   <p:cSld>
     <p:spTree>
@@ -52705,7 +53498,7 @@
 </p:sld>
 </file>
 
-<file path=ppt/slides/slide54.xml><?xml version="1.0" encoding="utf-8"?>
+<file path=ppt/slides/slide55.xml><?xml version="1.0" encoding="utf-8"?>
 <p:sld xmlns:a="http://schemas.openxmlformats.org/drawingml/2006/main" xmlns:r="http://schemas.openxmlformats.org/officeDocument/2006/relationships" xmlns:p="http://schemas.openxmlformats.org/presentationml/2006/main">
   <p:cSld>
     <p:spTree>
@@ -52804,7 +53597,7 @@
 </p:sld>
 </file>
 
-<file path=ppt/slides/slide55.xml><?xml version="1.0" encoding="utf-8"?>
+<file path=ppt/slides/slide56.xml><?xml version="1.0" encoding="utf-8"?>
 <p:sld xmlns:a="http://schemas.openxmlformats.org/drawingml/2006/main" xmlns:r="http://schemas.openxmlformats.org/officeDocument/2006/relationships" xmlns:p="http://schemas.openxmlformats.org/presentationml/2006/main">
   <p:cSld>
     <p:spTree>
@@ -52910,7 +53703,7 @@
 </p:sld>
 </file>
 
-<file path=ppt/slides/slide56.xml><?xml version="1.0" encoding="utf-8"?>
+<file path=ppt/slides/slide57.xml><?xml version="1.0" encoding="utf-8"?>
 <p:sld xmlns:a="http://schemas.openxmlformats.org/drawingml/2006/main" xmlns:r="http://schemas.openxmlformats.org/officeDocument/2006/relationships" xmlns:p="http://schemas.openxmlformats.org/presentationml/2006/main">
   <p:cSld>
     <p:spTree>
@@ -53240,7 +54033,7 @@
         <p:spPr>
           <a:xfrm>
             <a:off x="725488" y="1812925"/>
-            <a:ext cx="5337175" cy="1872179"/>
+            <a:ext cx="5337175" cy="2518510"/>
           </a:xfrm>
         </p:spPr>
         <p:txBody>
@@ -53286,6 +54079,20 @@
                 <a:ea typeface="+mn-ea"/>
               </a:rPr>
               <a:t>Tableau</a:t>
+            </a:r>
+          </a:p>
+          <a:p>
+            <a:pPr defTabSz="1306221" fontAlgn="auto">
+              <a:spcAft>
+                <a:spcPts val="0"/>
+              </a:spcAft>
+              <a:defRPr/>
+            </a:pPr>
+            <a:r>
+              <a:rPr lang="en-US" dirty="0">
+                <a:ea typeface="+mn-ea"/>
+              </a:rPr>
+              <a:t>Career Opportunity</a:t>
             </a:r>
           </a:p>
         </p:txBody>
@@ -53362,6 +54169,283 @@
   <p:transition spd="slow">
     <p:push dir="u"/>
   </p:transition>
+  <p:timing>
+    <p:tnLst>
+      <p:par>
+        <p:cTn id="1" dur="indefinite" restart="never" nodeType="tmRoot">
+          <p:childTnLst>
+            <p:seq concurrent="1" nextAc="seek">
+              <p:cTn id="2" dur="indefinite" nodeType="mainSeq">
+                <p:childTnLst>
+                  <p:par>
+                    <p:cTn id="3" fill="hold">
+                      <p:stCondLst>
+                        <p:cond delay="indefinite"/>
+                      </p:stCondLst>
+                      <p:childTnLst>
+                        <p:par>
+                          <p:cTn id="4" fill="hold">
+                            <p:stCondLst>
+                              <p:cond delay="0"/>
+                            </p:stCondLst>
+                            <p:childTnLst>
+                              <p:par>
+                                <p:cTn id="5" presetID="10" presetClass="entr" presetSubtype="0" fill="hold" grpId="0" nodeType="clickEffect">
+                                  <p:stCondLst>
+                                    <p:cond delay="0"/>
+                                  </p:stCondLst>
+                                  <p:childTnLst>
+                                    <p:set>
+                                      <p:cBhvr>
+                                        <p:cTn id="6" dur="1" fill="hold">
+                                          <p:stCondLst>
+                                            <p:cond delay="0"/>
+                                          </p:stCondLst>
+                                        </p:cTn>
+                                        <p:tgtEl>
+                                          <p:spTgt spid="8">
+                                            <p:txEl>
+                                              <p:pRg st="0" end="0"/>
+                                            </p:txEl>
+                                          </p:spTgt>
+                                        </p:tgtEl>
+                                        <p:attrNameLst>
+                                          <p:attrName>style.visibility</p:attrName>
+                                        </p:attrNameLst>
+                                      </p:cBhvr>
+                                      <p:to>
+                                        <p:strVal val="visible"/>
+                                      </p:to>
+                                    </p:set>
+                                    <p:animEffect transition="in" filter="fade">
+                                      <p:cBhvr>
+                                        <p:cTn id="7" dur="500"/>
+                                        <p:tgtEl>
+                                          <p:spTgt spid="8">
+                                            <p:txEl>
+                                              <p:pRg st="0" end="0"/>
+                                            </p:txEl>
+                                          </p:spTgt>
+                                        </p:tgtEl>
+                                      </p:cBhvr>
+                                    </p:animEffect>
+                                  </p:childTnLst>
+                                </p:cTn>
+                              </p:par>
+                            </p:childTnLst>
+                          </p:cTn>
+                        </p:par>
+                      </p:childTnLst>
+                    </p:cTn>
+                  </p:par>
+                  <p:par>
+                    <p:cTn id="8" fill="hold">
+                      <p:stCondLst>
+                        <p:cond delay="indefinite"/>
+                      </p:stCondLst>
+                      <p:childTnLst>
+                        <p:par>
+                          <p:cTn id="9" fill="hold">
+                            <p:stCondLst>
+                              <p:cond delay="0"/>
+                            </p:stCondLst>
+                            <p:childTnLst>
+                              <p:par>
+                                <p:cTn id="10" presetID="10" presetClass="entr" presetSubtype="0" fill="hold" grpId="0" nodeType="clickEffect">
+                                  <p:stCondLst>
+                                    <p:cond delay="0"/>
+                                  </p:stCondLst>
+                                  <p:childTnLst>
+                                    <p:set>
+                                      <p:cBhvr>
+                                        <p:cTn id="11" dur="1" fill="hold">
+                                          <p:stCondLst>
+                                            <p:cond delay="0"/>
+                                          </p:stCondLst>
+                                        </p:cTn>
+                                        <p:tgtEl>
+                                          <p:spTgt spid="8">
+                                            <p:txEl>
+                                              <p:pRg st="1" end="1"/>
+                                            </p:txEl>
+                                          </p:spTgt>
+                                        </p:tgtEl>
+                                        <p:attrNameLst>
+                                          <p:attrName>style.visibility</p:attrName>
+                                        </p:attrNameLst>
+                                      </p:cBhvr>
+                                      <p:to>
+                                        <p:strVal val="visible"/>
+                                      </p:to>
+                                    </p:set>
+                                    <p:animEffect transition="in" filter="fade">
+                                      <p:cBhvr>
+                                        <p:cTn id="12" dur="500"/>
+                                        <p:tgtEl>
+                                          <p:spTgt spid="8">
+                                            <p:txEl>
+                                              <p:pRg st="1" end="1"/>
+                                            </p:txEl>
+                                          </p:spTgt>
+                                        </p:tgtEl>
+                                      </p:cBhvr>
+                                    </p:animEffect>
+                                  </p:childTnLst>
+                                </p:cTn>
+                              </p:par>
+                            </p:childTnLst>
+                          </p:cTn>
+                        </p:par>
+                      </p:childTnLst>
+                    </p:cTn>
+                  </p:par>
+                  <p:par>
+                    <p:cTn id="13" fill="hold">
+                      <p:stCondLst>
+                        <p:cond delay="indefinite"/>
+                      </p:stCondLst>
+                      <p:childTnLst>
+                        <p:par>
+                          <p:cTn id="14" fill="hold">
+                            <p:stCondLst>
+                              <p:cond delay="0"/>
+                            </p:stCondLst>
+                            <p:childTnLst>
+                              <p:par>
+                                <p:cTn id="15" presetID="10" presetClass="entr" presetSubtype="0" fill="hold" grpId="0" nodeType="clickEffect">
+                                  <p:stCondLst>
+                                    <p:cond delay="0"/>
+                                  </p:stCondLst>
+                                  <p:childTnLst>
+                                    <p:set>
+                                      <p:cBhvr>
+                                        <p:cTn id="16" dur="1" fill="hold">
+                                          <p:stCondLst>
+                                            <p:cond delay="0"/>
+                                          </p:stCondLst>
+                                        </p:cTn>
+                                        <p:tgtEl>
+                                          <p:spTgt spid="8">
+                                            <p:txEl>
+                                              <p:pRg st="2" end="2"/>
+                                            </p:txEl>
+                                          </p:spTgt>
+                                        </p:tgtEl>
+                                        <p:attrNameLst>
+                                          <p:attrName>style.visibility</p:attrName>
+                                        </p:attrNameLst>
+                                      </p:cBhvr>
+                                      <p:to>
+                                        <p:strVal val="visible"/>
+                                      </p:to>
+                                    </p:set>
+                                    <p:animEffect transition="in" filter="fade">
+                                      <p:cBhvr>
+                                        <p:cTn id="17" dur="500"/>
+                                        <p:tgtEl>
+                                          <p:spTgt spid="8">
+                                            <p:txEl>
+                                              <p:pRg st="2" end="2"/>
+                                            </p:txEl>
+                                          </p:spTgt>
+                                        </p:tgtEl>
+                                      </p:cBhvr>
+                                    </p:animEffect>
+                                  </p:childTnLst>
+                                </p:cTn>
+                              </p:par>
+                            </p:childTnLst>
+                          </p:cTn>
+                        </p:par>
+                      </p:childTnLst>
+                    </p:cTn>
+                  </p:par>
+                  <p:par>
+                    <p:cTn id="18" fill="hold">
+                      <p:stCondLst>
+                        <p:cond delay="indefinite"/>
+                      </p:stCondLst>
+                      <p:childTnLst>
+                        <p:par>
+                          <p:cTn id="19" fill="hold">
+                            <p:stCondLst>
+                              <p:cond delay="0"/>
+                            </p:stCondLst>
+                            <p:childTnLst>
+                              <p:par>
+                                <p:cTn id="20" presetID="10" presetClass="entr" presetSubtype="0" fill="hold" grpId="0" nodeType="clickEffect">
+                                  <p:stCondLst>
+                                    <p:cond delay="0"/>
+                                  </p:stCondLst>
+                                  <p:childTnLst>
+                                    <p:set>
+                                      <p:cBhvr>
+                                        <p:cTn id="21" dur="1" fill="hold">
+                                          <p:stCondLst>
+                                            <p:cond delay="0"/>
+                                          </p:stCondLst>
+                                        </p:cTn>
+                                        <p:tgtEl>
+                                          <p:spTgt spid="8">
+                                            <p:txEl>
+                                              <p:pRg st="3" end="3"/>
+                                            </p:txEl>
+                                          </p:spTgt>
+                                        </p:tgtEl>
+                                        <p:attrNameLst>
+                                          <p:attrName>style.visibility</p:attrName>
+                                        </p:attrNameLst>
+                                      </p:cBhvr>
+                                      <p:to>
+                                        <p:strVal val="visible"/>
+                                      </p:to>
+                                    </p:set>
+                                    <p:animEffect transition="in" filter="fade">
+                                      <p:cBhvr>
+                                        <p:cTn id="22" dur="500"/>
+                                        <p:tgtEl>
+                                          <p:spTgt spid="8">
+                                            <p:txEl>
+                                              <p:pRg st="3" end="3"/>
+                                            </p:txEl>
+                                          </p:spTgt>
+                                        </p:tgtEl>
+                                      </p:cBhvr>
+                                    </p:animEffect>
+                                  </p:childTnLst>
+                                </p:cTn>
+                              </p:par>
+                            </p:childTnLst>
+                          </p:cTn>
+                        </p:par>
+                      </p:childTnLst>
+                    </p:cTn>
+                  </p:par>
+                </p:childTnLst>
+              </p:cTn>
+              <p:prevCondLst>
+                <p:cond evt="onPrev" delay="0">
+                  <p:tgtEl>
+                    <p:sldTgt/>
+                  </p:tgtEl>
+                </p:cond>
+              </p:prevCondLst>
+              <p:nextCondLst>
+                <p:cond evt="onNext" delay="0">
+                  <p:tgtEl>
+                    <p:sldTgt/>
+                  </p:tgtEl>
+                </p:cond>
+              </p:nextCondLst>
+            </p:seq>
+          </p:childTnLst>
+        </p:cTn>
+      </p:par>
+    </p:tnLst>
+    <p:bldLst>
+      <p:bldP spid="8" grpId="0" build="p"/>
+    </p:bldLst>
+  </p:timing>
 </p:sld>
 </file>
 

--- a/lecture.pptx
+++ b/lecture.pptx
@@ -8201,7 +8201,7 @@
         <p:spPr>
           <a:xfrm>
             <a:off x="687388" y="1812925"/>
-            <a:ext cx="13244512" cy="1650067"/>
+            <a:ext cx="13244512" cy="2131033"/>
           </a:xfrm>
         </p:spPr>
         <p:txBody>
@@ -8265,8 +8265,52 @@
                 <a:ea typeface="+mn-ea"/>
                 <a:cs typeface="Merriweather Light"/>
               </a:rPr>
-              <a:t>5/29/29 | sshadley@tableau.com</a:t>
-            </a:r>
+              <a:t>5/29/29</a:t>
+            </a:r>
+          </a:p>
+          <a:p>
+            <a:pPr defTabSz="1306221" fontAlgn="auto">
+              <a:lnSpc>
+                <a:spcPct val="110000"/>
+              </a:lnSpc>
+              <a:spcAft>
+                <a:spcPts val="0"/>
+              </a:spcAft>
+              <a:buFont typeface="Arial" panose="020B0604020202020204" pitchFamily="34" charset="0"/>
+              <a:buNone/>
+              <a:defRPr/>
+            </a:pPr>
+            <a:r>
+              <a:rPr lang="en-US" sz="2400" dirty="0">
+                <a:latin typeface="Merriweather Light"/>
+                <a:ea typeface="+mn-ea"/>
+                <a:cs typeface="Merriweather Light"/>
+                <a:hlinkClick r:id="rId3"/>
+              </a:rPr>
+              <a:t>sshadley@tableau.com</a:t>
+            </a:r>
+            <a:r>
+              <a:rPr lang="en-US" sz="2400" dirty="0">
+                <a:latin typeface="Merriweather Light"/>
+                <a:ea typeface="+mn-ea"/>
+                <a:cs typeface="Merriweather Light"/>
+              </a:rPr>
+              <a:t> | </a:t>
+            </a:r>
+            <a:r>
+              <a:rPr lang="en-US" sz="2400" dirty="0">
+                <a:latin typeface="Merriweather Light"/>
+                <a:ea typeface="+mn-ea"/>
+                <a:cs typeface="Merriweather Light"/>
+                <a:hlinkClick r:id="rId4"/>
+              </a:rPr>
+              <a:t>LinkedIn</a:t>
+            </a:r>
+            <a:endParaRPr lang="en-US" sz="2400" dirty="0">
+              <a:latin typeface="Merriweather Light"/>
+              <a:ea typeface="+mn-ea"/>
+              <a:cs typeface="Merriweather Light"/>
+            </a:endParaRPr>
           </a:p>
         </p:txBody>
       </p:sp>
@@ -10048,7 +10092,20 @@
               <a:rPr lang="en-US" sz="2400" dirty="0">
                 <a:ea typeface="+mn-ea"/>
               </a:rPr>
-              <a:t>It’s new (see “Technology Adoption Over Time”)</a:t>
+              <a:t>It’s new (see “Technology Adoption Over Time” </a:t>
+            </a:r>
+            <a:r>
+              <a:rPr lang="en-US" sz="2400" dirty="0">
+                <a:ea typeface="+mn-ea"/>
+                <a:hlinkClick r:id="rId4"/>
+              </a:rPr>
+              <a:t>workbook</a:t>
+            </a:r>
+            <a:r>
+              <a:rPr lang="en-US" sz="2400" dirty="0">
+                <a:ea typeface="+mn-ea"/>
+              </a:rPr>
+              <a:t>)</a:t>
             </a:r>
           </a:p>
           <a:p>
@@ -15845,8 +15902,17 @@
               <a:rPr lang="en-US" sz="2400" dirty="0">
                 <a:ea typeface="+mn-ea"/>
               </a:rPr>
-              <a:t> (lots of resources for Tableau Dashboard Design)</a:t>
-            </a:r>
+              <a:t> (Google for </a:t>
+            </a:r>
+            <a:r>
+              <a:rPr lang="en-US" sz="2400">
+                <a:ea typeface="+mn-ea"/>
+              </a:rPr>
+              <a:t>additional resources on “Tableau Dashboard Design”)</a:t>
+            </a:r>
+            <a:endParaRPr lang="en-US" sz="2400" dirty="0">
+              <a:ea typeface="+mn-ea"/>
+            </a:endParaRPr>
           </a:p>
           <a:p>
             <a:pPr marL="457200" indent="-457200" defTabSz="1306221" fontAlgn="auto">

--- a/lecture.pptx
+++ b/lecture.pptx
@@ -5,10 +5,10 @@
     <p:sldMasterId id="2147483875" r:id="rId1"/>
   </p:sldMasterIdLst>
   <p:notesMasterIdLst>
-    <p:notesMasterId r:id="rId35"/>
+    <p:notesMasterId r:id="rId36"/>
   </p:notesMasterIdLst>
   <p:handoutMasterIdLst>
-    <p:handoutMasterId r:id="rId36"/>
+    <p:handoutMasterId r:id="rId37"/>
   </p:handoutMasterIdLst>
   <p:sldIdLst>
     <p:sldId id="256" r:id="rId2"/>
@@ -41,9 +41,10 @@
     <p:sldId id="541" r:id="rId29"/>
     <p:sldId id="542" r:id="rId30"/>
     <p:sldId id="531" r:id="rId31"/>
-    <p:sldId id="567" r:id="rId32"/>
-    <p:sldId id="568" r:id="rId33"/>
-    <p:sldId id="566" r:id="rId34"/>
+    <p:sldId id="569" r:id="rId32"/>
+    <p:sldId id="567" r:id="rId33"/>
+    <p:sldId id="568" r:id="rId34"/>
+    <p:sldId id="566" r:id="rId35"/>
   </p:sldIdLst>
   <p:sldSz cx="14630400" cy="8229600"/>
   <p:notesSz cx="6858000" cy="9144000"/>
@@ -3969,11 +3970,247 @@
               </a:spcBef>
             </a:pPr>
             <a:r>
-              <a:rPr lang="en-US">
+              <a:rPr lang="en-US" b="1" dirty="0">
                 <a:latin typeface="BentonSans Book" charset="0"/>
               </a:rPr>
-              <a:t>Section Header</a:t>
-            </a:r>
+              <a:t>Germ Theory of Disease (two clinics)</a:t>
+            </a:r>
+          </a:p>
+          <a:p>
+            <a:pPr marL="342900" indent="-342900">
+              <a:spcBef>
+                <a:spcPct val="0"/>
+              </a:spcBef>
+              <a:buFont typeface="+mj-lt"/>
+              <a:buAutoNum type="arabicPeriod"/>
+            </a:pPr>
+            <a:r>
+              <a:rPr lang="en-US" dirty="0">
+                <a:latin typeface="BentonSans Book" charset="0"/>
+              </a:rPr>
+              <a:t>Start empty</a:t>
+            </a:r>
+          </a:p>
+          <a:p>
+            <a:pPr marL="342900" indent="-342900">
+              <a:spcBef>
+                <a:spcPct val="0"/>
+              </a:spcBef>
+              <a:buFont typeface="+mj-lt"/>
+              <a:buAutoNum type="arabicPeriod"/>
+            </a:pPr>
+            <a:r>
+              <a:rPr lang="en-US" dirty="0">
+                <a:latin typeface="BentonSans Book" charset="0"/>
+              </a:rPr>
+              <a:t>Drag “Clinic” to Columns</a:t>
+            </a:r>
+          </a:p>
+          <a:p>
+            <a:pPr marL="342900" indent="-342900">
+              <a:spcBef>
+                <a:spcPct val="0"/>
+              </a:spcBef>
+              <a:buFont typeface="+mj-lt"/>
+              <a:buAutoNum type="arabicPeriod"/>
+            </a:pPr>
+            <a:r>
+              <a:rPr lang="en-US" dirty="0">
+                <a:latin typeface="BentonSans Book" charset="0"/>
+              </a:rPr>
+              <a:t>Drag “Mortality Rate” to Rows</a:t>
+            </a:r>
+          </a:p>
+          <a:p>
+            <a:pPr marL="342900" indent="-342900">
+              <a:spcBef>
+                <a:spcPct val="0"/>
+              </a:spcBef>
+              <a:buFont typeface="+mj-lt"/>
+              <a:buAutoNum type="arabicPeriod"/>
+            </a:pPr>
+            <a:r>
+              <a:rPr lang="en-US" dirty="0">
+                <a:latin typeface="BentonSans Book" charset="0"/>
+              </a:rPr>
+              <a:t>Right click “Mortality Rate” &gt; Measure &gt; Average</a:t>
+            </a:r>
+          </a:p>
+          <a:p>
+            <a:pPr marL="342900" indent="-342900">
+              <a:spcBef>
+                <a:spcPct val="0"/>
+              </a:spcBef>
+              <a:buFont typeface="+mj-lt"/>
+              <a:buAutoNum type="arabicPeriod"/>
+            </a:pPr>
+            <a:r>
+              <a:rPr lang="en-US" dirty="0">
+                <a:latin typeface="BentonSans Book" charset="0"/>
+              </a:rPr>
+              <a:t>“Year” to “Columns”</a:t>
+            </a:r>
+          </a:p>
+          <a:p>
+            <a:pPr marL="342900" indent="-342900">
+              <a:spcBef>
+                <a:spcPct val="0"/>
+              </a:spcBef>
+              <a:buFont typeface="+mj-lt"/>
+              <a:buAutoNum type="arabicPeriod"/>
+            </a:pPr>
+            <a:r>
+              <a:rPr lang="en-US" dirty="0">
+                <a:latin typeface="BentonSans Book" charset="0"/>
+              </a:rPr>
+              <a:t>“Clinic” to “Color”</a:t>
+            </a:r>
+          </a:p>
+          <a:p>
+            <a:pPr marL="342900" indent="-342900">
+              <a:spcBef>
+                <a:spcPct val="0"/>
+              </a:spcBef>
+              <a:buFont typeface="+mj-lt"/>
+              <a:buAutoNum type="arabicPeriod"/>
+            </a:pPr>
+            <a:r>
+              <a:rPr lang="en-US" dirty="0">
+                <a:latin typeface="BentonSans Book" charset="0"/>
+              </a:rPr>
+              <a:t>“Births” to “Tooltip”</a:t>
+            </a:r>
+          </a:p>
+          <a:p>
+            <a:pPr marL="342900" indent="-342900">
+              <a:spcBef>
+                <a:spcPct val="0"/>
+              </a:spcBef>
+              <a:buFont typeface="+mj-lt"/>
+              <a:buAutoNum type="arabicPeriod"/>
+            </a:pPr>
+            <a:r>
+              <a:rPr lang="en-US" dirty="0">
+                <a:latin typeface="BentonSans Book" charset="0"/>
+              </a:rPr>
+              <a:t>“Deaths” to “Tooltip”</a:t>
+            </a:r>
+          </a:p>
+          <a:p>
+            <a:pPr marL="342900" indent="-342900">
+              <a:spcBef>
+                <a:spcPct val="0"/>
+              </a:spcBef>
+              <a:buFont typeface="+mj-lt"/>
+              <a:buAutoNum type="arabicPeriod"/>
+            </a:pPr>
+            <a:r>
+              <a:rPr lang="en-US" dirty="0">
+                <a:latin typeface="BentonSans Book" charset="0"/>
+              </a:rPr>
+              <a:t>Open “Tooltip”</a:t>
+            </a:r>
+          </a:p>
+          <a:p>
+            <a:pPr marL="342900" indent="-342900">
+              <a:spcBef>
+                <a:spcPct val="0"/>
+              </a:spcBef>
+              <a:buFont typeface="+mj-lt"/>
+              <a:buAutoNum type="arabicPeriod"/>
+            </a:pPr>
+            <a:r>
+              <a:rPr lang="en-US" dirty="0">
+                <a:latin typeface="BentonSans Book" charset="0"/>
+              </a:rPr>
+              <a:t>Add custom message</a:t>
+            </a:r>
+          </a:p>
+          <a:p>
+            <a:pPr marL="342900" indent="-342900">
+              <a:spcBef>
+                <a:spcPct val="0"/>
+              </a:spcBef>
+              <a:buFont typeface="+mj-lt"/>
+              <a:buAutoNum type="arabicPeriod"/>
+            </a:pPr>
+            <a:endParaRPr lang="en-US" dirty="0">
+              <a:latin typeface="BentonSans Book" charset="0"/>
+            </a:endParaRPr>
+          </a:p>
+          <a:p>
+            <a:pPr marL="0" indent="0">
+              <a:spcBef>
+                <a:spcPct val="0"/>
+              </a:spcBef>
+              <a:buFont typeface="+mj-lt"/>
+              <a:buNone/>
+            </a:pPr>
+            <a:endParaRPr lang="en-US" dirty="0">
+              <a:latin typeface="BentonSans Book" charset="0"/>
+            </a:endParaRPr>
+          </a:p>
+          <a:p>
+            <a:pPr>
+              <a:spcBef>
+                <a:spcPct val="0"/>
+              </a:spcBef>
+            </a:pPr>
+            <a:r>
+              <a:rPr lang="en-US" dirty="0">
+                <a:latin typeface="BentonSans Book" charset="0"/>
+              </a:rPr>
+              <a:t>Germ Theory of Disease</a:t>
+            </a:r>
+          </a:p>
+          <a:p>
+            <a:pPr>
+              <a:spcBef>
+                <a:spcPct val="0"/>
+              </a:spcBef>
+            </a:pPr>
+            <a:r>
+              <a:rPr lang="en-US" dirty="0">
+                <a:latin typeface="BentonSans Book" charset="0"/>
+              </a:rPr>
+              <a:t>Technology Adoption Over Time</a:t>
+            </a:r>
+          </a:p>
+          <a:p>
+            <a:pPr>
+              <a:spcBef>
+                <a:spcPct val="0"/>
+              </a:spcBef>
+            </a:pPr>
+            <a:r>
+              <a:rPr lang="en-US" dirty="0">
+                <a:latin typeface="BentonSans Book" charset="0"/>
+              </a:rPr>
+              <a:t>Anime</a:t>
+            </a:r>
+          </a:p>
+          <a:p>
+            <a:pPr>
+              <a:spcBef>
+                <a:spcPct val="0"/>
+              </a:spcBef>
+            </a:pPr>
+            <a:r>
+              <a:rPr lang="en-US" dirty="0">
+                <a:latin typeface="BentonSans Book" charset="0"/>
+              </a:rPr>
+              <a:t>Tableau Public</a:t>
+            </a:r>
+          </a:p>
+          <a:p>
+            <a:pPr>
+              <a:spcBef>
+                <a:spcPct val="0"/>
+              </a:spcBef>
+            </a:pPr>
+            <a:endParaRPr lang="en-US" dirty="0">
+              <a:latin typeface="BentonSans Book" charset="0"/>
+            </a:endParaRPr>
           </a:p>
         </p:txBody>
       </p:sp>
@@ -4036,7 +4273,7 @@
     </p:spTree>
     <p:extLst>
       <p:ext uri="{BB962C8B-B14F-4D97-AF65-F5344CB8AC3E}">
-        <p14:creationId xmlns:p14="http://schemas.microsoft.com/office/powerpoint/2010/main" val="3559071881"/>
+        <p14:creationId xmlns:p14="http://schemas.microsoft.com/office/powerpoint/2010/main" val="164648985"/>
       </p:ext>
     </p:extLst>
   </p:cSld>
@@ -4218,6 +4455,67 @@
     </p:spTree>
     <p:extLst>
       <p:ext uri="{BB962C8B-B14F-4D97-AF65-F5344CB8AC3E}">
+        <p14:creationId xmlns:p14="http://schemas.microsoft.com/office/powerpoint/2010/main" val="3559071881"/>
+      </p:ext>
+    </p:extLst>
+  </p:cSld>
+  <p:clrMapOvr>
+    <a:masterClrMapping/>
+  </p:clrMapOvr>
+</p:notes>
+</file>
+
+<file path=ppt/notesSlides/notesSlide31.xml><?xml version="1.0" encoding="utf-8"?>
+<p:notes xmlns:a="http://schemas.openxmlformats.org/drawingml/2006/main" xmlns:r="http://schemas.openxmlformats.org/officeDocument/2006/relationships" xmlns:p="http://schemas.openxmlformats.org/presentationml/2006/main">
+  <p:cSld>
+    <p:spTree>
+      <p:nvGrpSpPr>
+        <p:cNvPr id="1" name=""/>
+        <p:cNvGrpSpPr/>
+        <p:nvPr/>
+      </p:nvGrpSpPr>
+      <p:grpSpPr>
+        <a:xfrm>
+          <a:off x="0" y="0"/>
+          <a:ext cx="0" cy="0"/>
+          <a:chOff x="0" y="0"/>
+          <a:chExt cx="0" cy="0"/>
+        </a:xfrm>
+      </p:grpSpPr>
+      <p:sp>
+        <p:nvSpPr>
+          <p:cNvPr id="2" name="Slide Image Placeholder 1"/>
+          <p:cNvSpPr>
+            <a:spLocks noGrp="1" noRot="1" noChangeAspect="1"/>
+          </p:cNvSpPr>
+          <p:nvPr>
+            <p:ph type="sldImg"/>
+          </p:nvPr>
+        </p:nvSpPr>
+        <p:spPr/>
+      </p:sp>
+      <p:sp>
+        <p:nvSpPr>
+          <p:cNvPr id="3" name="Notes Placeholder 2"/>
+          <p:cNvSpPr>
+            <a:spLocks noGrp="1"/>
+          </p:cNvSpPr>
+          <p:nvPr>
+            <p:ph type="body" idx="1"/>
+          </p:nvPr>
+        </p:nvSpPr>
+        <p:spPr/>
+        <p:txBody>
+          <a:bodyPr/>
+          <a:lstStyle/>
+          <a:p>
+            <a:endParaRPr lang="en-US" dirty="0"/>
+          </a:p>
+        </p:txBody>
+      </p:sp>
+    </p:spTree>
+    <p:extLst>
+      <p:ext uri="{BB962C8B-B14F-4D97-AF65-F5344CB8AC3E}">
         <p14:creationId xmlns:p14="http://schemas.microsoft.com/office/powerpoint/2010/main" val="2764254563"/>
       </p:ext>
     </p:extLst>
@@ -4228,7 +4526,7 @@
 </p:notes>
 </file>
 
-<file path=ppt/notesSlides/notesSlide31.xml><?xml version="1.0" encoding="utf-8"?>
+<file path=ppt/notesSlides/notesSlide32.xml><?xml version="1.0" encoding="utf-8"?>
 <p:notes xmlns:a="http://schemas.openxmlformats.org/drawingml/2006/main" xmlns:r="http://schemas.openxmlformats.org/officeDocument/2006/relationships" xmlns:p="http://schemas.openxmlformats.org/presentationml/2006/main">
   <p:cSld>
     <p:spTree>
@@ -4442,12 +4740,6 @@
                 <a:spcPct val="0"/>
               </a:spcBef>
             </a:pPr>
-            <a:r>
-              <a:rPr lang="en-US" dirty="0">
-                <a:hlinkClick r:id="rId3"/>
-              </a:rPr>
-              <a:t>https://mangarock.com/manga/mrs-serie-154427</a:t>
-            </a:r>
             <a:endParaRPr lang="en-US" dirty="0">
               <a:latin typeface="BentonSans Book" charset="0"/>
             </a:endParaRPr>
@@ -15828,13 +16120,898 @@
           <a:lstStyle/>
           <a:p>
             <a:pPr marL="457200" indent="-457200" defTabSz="1306221" fontAlgn="auto">
+              <a:buFont typeface="+mj-lt"/>
+              <a:buAutoNum type="arabicPeriod"/>
               <a:defRPr/>
             </a:pPr>
+            <a:r>
+              <a:rPr lang="en-US" sz="2400" dirty="0">
+                <a:ea typeface="+mn-ea"/>
+              </a:rPr>
+              <a:t>Open “</a:t>
+            </a:r>
             <a:r>
               <a:rPr lang="en-US" sz="2400" dirty="0">
                 <a:ea typeface="+mn-ea"/>
                 <a:hlinkClick r:id="rId3"/>
               </a:rPr>
+              <a:t>Template/Germ Theory of Disease (two clinics)</a:t>
+            </a:r>
+            <a:r>
+              <a:rPr lang="en-US" sz="2400" dirty="0">
+                <a:ea typeface="+mn-ea"/>
+              </a:rPr>
+              <a:t>”</a:t>
+            </a:r>
+          </a:p>
+          <a:p>
+            <a:pPr marL="457200" indent="-457200" defTabSz="1306221" fontAlgn="auto">
+              <a:buFont typeface="+mj-lt"/>
+              <a:buAutoNum type="arabicPeriod"/>
+              <a:defRPr/>
+            </a:pPr>
+            <a:r>
+              <a:rPr lang="en-US" sz="2400" dirty="0">
+                <a:ea typeface="+mn-ea"/>
+              </a:rPr>
+              <a:t>Drag “Clinic” to Columns</a:t>
+            </a:r>
+          </a:p>
+          <a:p>
+            <a:pPr marL="457200" indent="-457200" defTabSz="1306221" fontAlgn="auto">
+              <a:buFont typeface="+mj-lt"/>
+              <a:buAutoNum type="arabicPeriod"/>
+              <a:defRPr/>
+            </a:pPr>
+            <a:r>
+              <a:rPr lang="en-US" sz="2400" dirty="0">
+                <a:ea typeface="+mn-ea"/>
+              </a:rPr>
+              <a:t>Drag “Mortality Rate” to Rows</a:t>
+            </a:r>
+          </a:p>
+          <a:p>
+            <a:pPr marL="457200" indent="-457200" defTabSz="1306221" fontAlgn="auto">
+              <a:buFont typeface="+mj-lt"/>
+              <a:buAutoNum type="arabicPeriod"/>
+              <a:defRPr/>
+            </a:pPr>
+            <a:r>
+              <a:rPr lang="en-US" sz="2400" dirty="0">
+                <a:ea typeface="+mn-ea"/>
+              </a:rPr>
+              <a:t>Right click “Mortality Rate” &gt; Measure &gt; Average</a:t>
+            </a:r>
+          </a:p>
+          <a:p>
+            <a:pPr marL="457200" indent="-457200" defTabSz="1306221" fontAlgn="auto">
+              <a:buFont typeface="+mj-lt"/>
+              <a:buAutoNum type="arabicPeriod"/>
+              <a:defRPr/>
+            </a:pPr>
+            <a:r>
+              <a:rPr lang="en-US" sz="2400" dirty="0">
+                <a:ea typeface="+mn-ea"/>
+              </a:rPr>
+              <a:t>“Year” to “Columns”</a:t>
+            </a:r>
+          </a:p>
+          <a:p>
+            <a:pPr marL="457200" indent="-457200" defTabSz="1306221" fontAlgn="auto">
+              <a:buFont typeface="+mj-lt"/>
+              <a:buAutoNum type="arabicPeriod"/>
+              <a:defRPr/>
+            </a:pPr>
+            <a:r>
+              <a:rPr lang="en-US" sz="2400" dirty="0">
+                <a:ea typeface="+mn-ea"/>
+              </a:rPr>
+              <a:t>“Clinic” to “Color”</a:t>
+            </a:r>
+          </a:p>
+          <a:p>
+            <a:pPr marL="457200" indent="-457200" defTabSz="1306221" fontAlgn="auto">
+              <a:buFont typeface="+mj-lt"/>
+              <a:buAutoNum type="arabicPeriod"/>
+              <a:defRPr/>
+            </a:pPr>
+            <a:r>
+              <a:rPr lang="en-US" sz="2400" dirty="0">
+                <a:ea typeface="+mn-ea"/>
+              </a:rPr>
+              <a:t>“Births” to “Tooltip”</a:t>
+            </a:r>
+          </a:p>
+          <a:p>
+            <a:pPr marL="457200" indent="-457200" defTabSz="1306221" fontAlgn="auto">
+              <a:buFont typeface="+mj-lt"/>
+              <a:buAutoNum type="arabicPeriod"/>
+              <a:defRPr/>
+            </a:pPr>
+            <a:r>
+              <a:rPr lang="en-US" sz="2400" dirty="0">
+                <a:ea typeface="+mn-ea"/>
+              </a:rPr>
+              <a:t>“Deaths” to “Tooltip”</a:t>
+            </a:r>
+          </a:p>
+          <a:p>
+            <a:pPr marL="457200" indent="-457200" defTabSz="1306221" fontAlgn="auto">
+              <a:buFont typeface="+mj-lt"/>
+              <a:buAutoNum type="arabicPeriod"/>
+              <a:defRPr/>
+            </a:pPr>
+            <a:r>
+              <a:rPr lang="en-US" sz="2400" dirty="0">
+                <a:ea typeface="+mn-ea"/>
+              </a:rPr>
+              <a:t>Open “Tooltip”</a:t>
+            </a:r>
+          </a:p>
+          <a:p>
+            <a:pPr marL="457200" indent="-457200" defTabSz="1306221" fontAlgn="auto">
+              <a:buFont typeface="+mj-lt"/>
+              <a:buAutoNum type="arabicPeriod"/>
+              <a:defRPr/>
+            </a:pPr>
+            <a:r>
+              <a:rPr lang="en-US" sz="2400" dirty="0">
+                <a:ea typeface="+mn-ea"/>
+              </a:rPr>
+              <a:t>Add </a:t>
+            </a:r>
+            <a:r>
+              <a:rPr lang="en-US" sz="2400">
+                <a:ea typeface="+mn-ea"/>
+              </a:rPr>
+              <a:t>custom Tooltip </a:t>
+            </a:r>
+            <a:r>
+              <a:rPr lang="en-US" sz="2400" dirty="0">
+                <a:ea typeface="+mn-ea"/>
+              </a:rPr>
+              <a:t>message</a:t>
+            </a:r>
+          </a:p>
+        </p:txBody>
+      </p:sp>
+      <p:sp>
+        <p:nvSpPr>
+          <p:cNvPr id="3" name="Text Placeholder 2"/>
+          <p:cNvSpPr>
+            <a:spLocks noGrp="1"/>
+          </p:cNvSpPr>
+          <p:nvPr>
+            <p:ph type="body" sz="quarter" idx="12"/>
+          </p:nvPr>
+        </p:nvSpPr>
+        <p:spPr>
+          <a:prstGeom prst="rect">
+            <a:avLst/>
+          </a:prstGeom>
+        </p:spPr>
+        <p:txBody>
+          <a:bodyPr/>
+          <a:lstStyle/>
+          <a:p>
+            <a:pPr>
+              <a:spcBef>
+                <a:spcPct val="0"/>
+              </a:spcBef>
+            </a:pPr>
+            <a:r>
+              <a:rPr lang="en-US" b="1" dirty="0">
+                <a:latin typeface="BentonSans Book" charset="0"/>
+              </a:rPr>
+              <a:t>Germ Theory of Disease (two clinics)</a:t>
+            </a:r>
+          </a:p>
+        </p:txBody>
+      </p:sp>
+    </p:spTree>
+    <p:extLst>
+      <p:ext uri="{BB962C8B-B14F-4D97-AF65-F5344CB8AC3E}">
+        <p14:creationId xmlns:p14="http://schemas.microsoft.com/office/powerpoint/2010/main" val="987329999"/>
+      </p:ext>
+    </p:extLst>
+  </p:cSld>
+  <p:clrMapOvr>
+    <a:masterClrMapping/>
+  </p:clrMapOvr>
+  <p:transition spd="slow">
+    <p:cover/>
+  </p:transition>
+  <p:timing>
+    <p:tnLst>
+      <p:par>
+        <p:cTn id="1" dur="indefinite" restart="never" nodeType="tmRoot">
+          <p:childTnLst>
+            <p:seq concurrent="1" nextAc="seek">
+              <p:cTn id="2" dur="indefinite" nodeType="mainSeq">
+                <p:childTnLst>
+                  <p:par>
+                    <p:cTn id="3" fill="hold">
+                      <p:stCondLst>
+                        <p:cond delay="indefinite"/>
+                      </p:stCondLst>
+                      <p:childTnLst>
+                        <p:par>
+                          <p:cTn id="4" fill="hold">
+                            <p:stCondLst>
+                              <p:cond delay="0"/>
+                            </p:stCondLst>
+                            <p:childTnLst>
+                              <p:par>
+                                <p:cTn id="5" presetID="10" presetClass="entr" presetSubtype="0" fill="hold" grpId="0" nodeType="clickEffect">
+                                  <p:stCondLst>
+                                    <p:cond delay="0"/>
+                                  </p:stCondLst>
+                                  <p:childTnLst>
+                                    <p:set>
+                                      <p:cBhvr>
+                                        <p:cTn id="6" dur="1" fill="hold">
+                                          <p:stCondLst>
+                                            <p:cond delay="0"/>
+                                          </p:stCondLst>
+                                        </p:cTn>
+                                        <p:tgtEl>
+                                          <p:spTgt spid="2">
+                                            <p:txEl>
+                                              <p:pRg st="0" end="0"/>
+                                            </p:txEl>
+                                          </p:spTgt>
+                                        </p:tgtEl>
+                                        <p:attrNameLst>
+                                          <p:attrName>style.visibility</p:attrName>
+                                        </p:attrNameLst>
+                                      </p:cBhvr>
+                                      <p:to>
+                                        <p:strVal val="visible"/>
+                                      </p:to>
+                                    </p:set>
+                                    <p:animEffect transition="in" filter="fade">
+                                      <p:cBhvr>
+                                        <p:cTn id="7" dur="500"/>
+                                        <p:tgtEl>
+                                          <p:spTgt spid="2">
+                                            <p:txEl>
+                                              <p:pRg st="0" end="0"/>
+                                            </p:txEl>
+                                          </p:spTgt>
+                                        </p:tgtEl>
+                                      </p:cBhvr>
+                                    </p:animEffect>
+                                  </p:childTnLst>
+                                </p:cTn>
+                              </p:par>
+                            </p:childTnLst>
+                          </p:cTn>
+                        </p:par>
+                      </p:childTnLst>
+                    </p:cTn>
+                  </p:par>
+                  <p:par>
+                    <p:cTn id="8" fill="hold">
+                      <p:stCondLst>
+                        <p:cond delay="indefinite"/>
+                      </p:stCondLst>
+                      <p:childTnLst>
+                        <p:par>
+                          <p:cTn id="9" fill="hold">
+                            <p:stCondLst>
+                              <p:cond delay="0"/>
+                            </p:stCondLst>
+                            <p:childTnLst>
+                              <p:par>
+                                <p:cTn id="10" presetID="10" presetClass="entr" presetSubtype="0" fill="hold" grpId="0" nodeType="clickEffect">
+                                  <p:stCondLst>
+                                    <p:cond delay="0"/>
+                                  </p:stCondLst>
+                                  <p:childTnLst>
+                                    <p:set>
+                                      <p:cBhvr>
+                                        <p:cTn id="11" dur="1" fill="hold">
+                                          <p:stCondLst>
+                                            <p:cond delay="0"/>
+                                          </p:stCondLst>
+                                        </p:cTn>
+                                        <p:tgtEl>
+                                          <p:spTgt spid="2">
+                                            <p:txEl>
+                                              <p:pRg st="1" end="1"/>
+                                            </p:txEl>
+                                          </p:spTgt>
+                                        </p:tgtEl>
+                                        <p:attrNameLst>
+                                          <p:attrName>style.visibility</p:attrName>
+                                        </p:attrNameLst>
+                                      </p:cBhvr>
+                                      <p:to>
+                                        <p:strVal val="visible"/>
+                                      </p:to>
+                                    </p:set>
+                                    <p:animEffect transition="in" filter="fade">
+                                      <p:cBhvr>
+                                        <p:cTn id="12" dur="500"/>
+                                        <p:tgtEl>
+                                          <p:spTgt spid="2">
+                                            <p:txEl>
+                                              <p:pRg st="1" end="1"/>
+                                            </p:txEl>
+                                          </p:spTgt>
+                                        </p:tgtEl>
+                                      </p:cBhvr>
+                                    </p:animEffect>
+                                  </p:childTnLst>
+                                </p:cTn>
+                              </p:par>
+                            </p:childTnLst>
+                          </p:cTn>
+                        </p:par>
+                      </p:childTnLst>
+                    </p:cTn>
+                  </p:par>
+                  <p:par>
+                    <p:cTn id="13" fill="hold">
+                      <p:stCondLst>
+                        <p:cond delay="indefinite"/>
+                      </p:stCondLst>
+                      <p:childTnLst>
+                        <p:par>
+                          <p:cTn id="14" fill="hold">
+                            <p:stCondLst>
+                              <p:cond delay="0"/>
+                            </p:stCondLst>
+                            <p:childTnLst>
+                              <p:par>
+                                <p:cTn id="15" presetID="10" presetClass="entr" presetSubtype="0" fill="hold" grpId="0" nodeType="clickEffect">
+                                  <p:stCondLst>
+                                    <p:cond delay="0"/>
+                                  </p:stCondLst>
+                                  <p:childTnLst>
+                                    <p:set>
+                                      <p:cBhvr>
+                                        <p:cTn id="16" dur="1" fill="hold">
+                                          <p:stCondLst>
+                                            <p:cond delay="0"/>
+                                          </p:stCondLst>
+                                        </p:cTn>
+                                        <p:tgtEl>
+                                          <p:spTgt spid="2">
+                                            <p:txEl>
+                                              <p:pRg st="2" end="2"/>
+                                            </p:txEl>
+                                          </p:spTgt>
+                                        </p:tgtEl>
+                                        <p:attrNameLst>
+                                          <p:attrName>style.visibility</p:attrName>
+                                        </p:attrNameLst>
+                                      </p:cBhvr>
+                                      <p:to>
+                                        <p:strVal val="visible"/>
+                                      </p:to>
+                                    </p:set>
+                                    <p:animEffect transition="in" filter="fade">
+                                      <p:cBhvr>
+                                        <p:cTn id="17" dur="500"/>
+                                        <p:tgtEl>
+                                          <p:spTgt spid="2">
+                                            <p:txEl>
+                                              <p:pRg st="2" end="2"/>
+                                            </p:txEl>
+                                          </p:spTgt>
+                                        </p:tgtEl>
+                                      </p:cBhvr>
+                                    </p:animEffect>
+                                  </p:childTnLst>
+                                </p:cTn>
+                              </p:par>
+                            </p:childTnLst>
+                          </p:cTn>
+                        </p:par>
+                      </p:childTnLst>
+                    </p:cTn>
+                  </p:par>
+                  <p:par>
+                    <p:cTn id="18" fill="hold">
+                      <p:stCondLst>
+                        <p:cond delay="indefinite"/>
+                      </p:stCondLst>
+                      <p:childTnLst>
+                        <p:par>
+                          <p:cTn id="19" fill="hold">
+                            <p:stCondLst>
+                              <p:cond delay="0"/>
+                            </p:stCondLst>
+                            <p:childTnLst>
+                              <p:par>
+                                <p:cTn id="20" presetID="10" presetClass="entr" presetSubtype="0" fill="hold" grpId="0" nodeType="clickEffect">
+                                  <p:stCondLst>
+                                    <p:cond delay="0"/>
+                                  </p:stCondLst>
+                                  <p:childTnLst>
+                                    <p:set>
+                                      <p:cBhvr>
+                                        <p:cTn id="21" dur="1" fill="hold">
+                                          <p:stCondLst>
+                                            <p:cond delay="0"/>
+                                          </p:stCondLst>
+                                        </p:cTn>
+                                        <p:tgtEl>
+                                          <p:spTgt spid="2">
+                                            <p:txEl>
+                                              <p:pRg st="3" end="3"/>
+                                            </p:txEl>
+                                          </p:spTgt>
+                                        </p:tgtEl>
+                                        <p:attrNameLst>
+                                          <p:attrName>style.visibility</p:attrName>
+                                        </p:attrNameLst>
+                                      </p:cBhvr>
+                                      <p:to>
+                                        <p:strVal val="visible"/>
+                                      </p:to>
+                                    </p:set>
+                                    <p:animEffect transition="in" filter="fade">
+                                      <p:cBhvr>
+                                        <p:cTn id="22" dur="500"/>
+                                        <p:tgtEl>
+                                          <p:spTgt spid="2">
+                                            <p:txEl>
+                                              <p:pRg st="3" end="3"/>
+                                            </p:txEl>
+                                          </p:spTgt>
+                                        </p:tgtEl>
+                                      </p:cBhvr>
+                                    </p:animEffect>
+                                  </p:childTnLst>
+                                </p:cTn>
+                              </p:par>
+                            </p:childTnLst>
+                          </p:cTn>
+                        </p:par>
+                      </p:childTnLst>
+                    </p:cTn>
+                  </p:par>
+                  <p:par>
+                    <p:cTn id="23" fill="hold">
+                      <p:stCondLst>
+                        <p:cond delay="indefinite"/>
+                      </p:stCondLst>
+                      <p:childTnLst>
+                        <p:par>
+                          <p:cTn id="24" fill="hold">
+                            <p:stCondLst>
+                              <p:cond delay="0"/>
+                            </p:stCondLst>
+                            <p:childTnLst>
+                              <p:par>
+                                <p:cTn id="25" presetID="10" presetClass="entr" presetSubtype="0" fill="hold" grpId="0" nodeType="clickEffect">
+                                  <p:stCondLst>
+                                    <p:cond delay="0"/>
+                                  </p:stCondLst>
+                                  <p:childTnLst>
+                                    <p:set>
+                                      <p:cBhvr>
+                                        <p:cTn id="26" dur="1" fill="hold">
+                                          <p:stCondLst>
+                                            <p:cond delay="0"/>
+                                          </p:stCondLst>
+                                        </p:cTn>
+                                        <p:tgtEl>
+                                          <p:spTgt spid="2">
+                                            <p:txEl>
+                                              <p:pRg st="4" end="4"/>
+                                            </p:txEl>
+                                          </p:spTgt>
+                                        </p:tgtEl>
+                                        <p:attrNameLst>
+                                          <p:attrName>style.visibility</p:attrName>
+                                        </p:attrNameLst>
+                                      </p:cBhvr>
+                                      <p:to>
+                                        <p:strVal val="visible"/>
+                                      </p:to>
+                                    </p:set>
+                                    <p:animEffect transition="in" filter="fade">
+                                      <p:cBhvr>
+                                        <p:cTn id="27" dur="500"/>
+                                        <p:tgtEl>
+                                          <p:spTgt spid="2">
+                                            <p:txEl>
+                                              <p:pRg st="4" end="4"/>
+                                            </p:txEl>
+                                          </p:spTgt>
+                                        </p:tgtEl>
+                                      </p:cBhvr>
+                                    </p:animEffect>
+                                  </p:childTnLst>
+                                </p:cTn>
+                              </p:par>
+                            </p:childTnLst>
+                          </p:cTn>
+                        </p:par>
+                      </p:childTnLst>
+                    </p:cTn>
+                  </p:par>
+                  <p:par>
+                    <p:cTn id="28" fill="hold">
+                      <p:stCondLst>
+                        <p:cond delay="indefinite"/>
+                      </p:stCondLst>
+                      <p:childTnLst>
+                        <p:par>
+                          <p:cTn id="29" fill="hold">
+                            <p:stCondLst>
+                              <p:cond delay="0"/>
+                            </p:stCondLst>
+                            <p:childTnLst>
+                              <p:par>
+                                <p:cTn id="30" presetID="10" presetClass="entr" presetSubtype="0" fill="hold" grpId="0" nodeType="clickEffect">
+                                  <p:stCondLst>
+                                    <p:cond delay="0"/>
+                                  </p:stCondLst>
+                                  <p:childTnLst>
+                                    <p:set>
+                                      <p:cBhvr>
+                                        <p:cTn id="31" dur="1" fill="hold">
+                                          <p:stCondLst>
+                                            <p:cond delay="0"/>
+                                          </p:stCondLst>
+                                        </p:cTn>
+                                        <p:tgtEl>
+                                          <p:spTgt spid="2">
+                                            <p:txEl>
+                                              <p:pRg st="5" end="5"/>
+                                            </p:txEl>
+                                          </p:spTgt>
+                                        </p:tgtEl>
+                                        <p:attrNameLst>
+                                          <p:attrName>style.visibility</p:attrName>
+                                        </p:attrNameLst>
+                                      </p:cBhvr>
+                                      <p:to>
+                                        <p:strVal val="visible"/>
+                                      </p:to>
+                                    </p:set>
+                                    <p:animEffect transition="in" filter="fade">
+                                      <p:cBhvr>
+                                        <p:cTn id="32" dur="500"/>
+                                        <p:tgtEl>
+                                          <p:spTgt spid="2">
+                                            <p:txEl>
+                                              <p:pRg st="5" end="5"/>
+                                            </p:txEl>
+                                          </p:spTgt>
+                                        </p:tgtEl>
+                                      </p:cBhvr>
+                                    </p:animEffect>
+                                  </p:childTnLst>
+                                </p:cTn>
+                              </p:par>
+                            </p:childTnLst>
+                          </p:cTn>
+                        </p:par>
+                      </p:childTnLst>
+                    </p:cTn>
+                  </p:par>
+                  <p:par>
+                    <p:cTn id="33" fill="hold">
+                      <p:stCondLst>
+                        <p:cond delay="indefinite"/>
+                      </p:stCondLst>
+                      <p:childTnLst>
+                        <p:par>
+                          <p:cTn id="34" fill="hold">
+                            <p:stCondLst>
+                              <p:cond delay="0"/>
+                            </p:stCondLst>
+                            <p:childTnLst>
+                              <p:par>
+                                <p:cTn id="35" presetID="10" presetClass="entr" presetSubtype="0" fill="hold" grpId="0" nodeType="clickEffect">
+                                  <p:stCondLst>
+                                    <p:cond delay="0"/>
+                                  </p:stCondLst>
+                                  <p:childTnLst>
+                                    <p:set>
+                                      <p:cBhvr>
+                                        <p:cTn id="36" dur="1" fill="hold">
+                                          <p:stCondLst>
+                                            <p:cond delay="0"/>
+                                          </p:stCondLst>
+                                        </p:cTn>
+                                        <p:tgtEl>
+                                          <p:spTgt spid="2">
+                                            <p:txEl>
+                                              <p:pRg st="6" end="6"/>
+                                            </p:txEl>
+                                          </p:spTgt>
+                                        </p:tgtEl>
+                                        <p:attrNameLst>
+                                          <p:attrName>style.visibility</p:attrName>
+                                        </p:attrNameLst>
+                                      </p:cBhvr>
+                                      <p:to>
+                                        <p:strVal val="visible"/>
+                                      </p:to>
+                                    </p:set>
+                                    <p:animEffect transition="in" filter="fade">
+                                      <p:cBhvr>
+                                        <p:cTn id="37" dur="500"/>
+                                        <p:tgtEl>
+                                          <p:spTgt spid="2">
+                                            <p:txEl>
+                                              <p:pRg st="6" end="6"/>
+                                            </p:txEl>
+                                          </p:spTgt>
+                                        </p:tgtEl>
+                                      </p:cBhvr>
+                                    </p:animEffect>
+                                  </p:childTnLst>
+                                </p:cTn>
+                              </p:par>
+                            </p:childTnLst>
+                          </p:cTn>
+                        </p:par>
+                      </p:childTnLst>
+                    </p:cTn>
+                  </p:par>
+                  <p:par>
+                    <p:cTn id="38" fill="hold">
+                      <p:stCondLst>
+                        <p:cond delay="indefinite"/>
+                      </p:stCondLst>
+                      <p:childTnLst>
+                        <p:par>
+                          <p:cTn id="39" fill="hold">
+                            <p:stCondLst>
+                              <p:cond delay="0"/>
+                            </p:stCondLst>
+                            <p:childTnLst>
+                              <p:par>
+                                <p:cTn id="40" presetID="10" presetClass="entr" presetSubtype="0" fill="hold" grpId="0" nodeType="clickEffect">
+                                  <p:stCondLst>
+                                    <p:cond delay="0"/>
+                                  </p:stCondLst>
+                                  <p:childTnLst>
+                                    <p:set>
+                                      <p:cBhvr>
+                                        <p:cTn id="41" dur="1" fill="hold">
+                                          <p:stCondLst>
+                                            <p:cond delay="0"/>
+                                          </p:stCondLst>
+                                        </p:cTn>
+                                        <p:tgtEl>
+                                          <p:spTgt spid="2">
+                                            <p:txEl>
+                                              <p:pRg st="7" end="7"/>
+                                            </p:txEl>
+                                          </p:spTgt>
+                                        </p:tgtEl>
+                                        <p:attrNameLst>
+                                          <p:attrName>style.visibility</p:attrName>
+                                        </p:attrNameLst>
+                                      </p:cBhvr>
+                                      <p:to>
+                                        <p:strVal val="visible"/>
+                                      </p:to>
+                                    </p:set>
+                                    <p:animEffect transition="in" filter="fade">
+                                      <p:cBhvr>
+                                        <p:cTn id="42" dur="500"/>
+                                        <p:tgtEl>
+                                          <p:spTgt spid="2">
+                                            <p:txEl>
+                                              <p:pRg st="7" end="7"/>
+                                            </p:txEl>
+                                          </p:spTgt>
+                                        </p:tgtEl>
+                                      </p:cBhvr>
+                                    </p:animEffect>
+                                  </p:childTnLst>
+                                </p:cTn>
+                              </p:par>
+                            </p:childTnLst>
+                          </p:cTn>
+                        </p:par>
+                      </p:childTnLst>
+                    </p:cTn>
+                  </p:par>
+                  <p:par>
+                    <p:cTn id="43" fill="hold">
+                      <p:stCondLst>
+                        <p:cond delay="indefinite"/>
+                      </p:stCondLst>
+                      <p:childTnLst>
+                        <p:par>
+                          <p:cTn id="44" fill="hold">
+                            <p:stCondLst>
+                              <p:cond delay="0"/>
+                            </p:stCondLst>
+                            <p:childTnLst>
+                              <p:par>
+                                <p:cTn id="45" presetID="10" presetClass="entr" presetSubtype="0" fill="hold" grpId="0" nodeType="clickEffect">
+                                  <p:stCondLst>
+                                    <p:cond delay="0"/>
+                                  </p:stCondLst>
+                                  <p:childTnLst>
+                                    <p:set>
+                                      <p:cBhvr>
+                                        <p:cTn id="46" dur="1" fill="hold">
+                                          <p:stCondLst>
+                                            <p:cond delay="0"/>
+                                          </p:stCondLst>
+                                        </p:cTn>
+                                        <p:tgtEl>
+                                          <p:spTgt spid="2">
+                                            <p:txEl>
+                                              <p:pRg st="8" end="8"/>
+                                            </p:txEl>
+                                          </p:spTgt>
+                                        </p:tgtEl>
+                                        <p:attrNameLst>
+                                          <p:attrName>style.visibility</p:attrName>
+                                        </p:attrNameLst>
+                                      </p:cBhvr>
+                                      <p:to>
+                                        <p:strVal val="visible"/>
+                                      </p:to>
+                                    </p:set>
+                                    <p:animEffect transition="in" filter="fade">
+                                      <p:cBhvr>
+                                        <p:cTn id="47" dur="500"/>
+                                        <p:tgtEl>
+                                          <p:spTgt spid="2">
+                                            <p:txEl>
+                                              <p:pRg st="8" end="8"/>
+                                            </p:txEl>
+                                          </p:spTgt>
+                                        </p:tgtEl>
+                                      </p:cBhvr>
+                                    </p:animEffect>
+                                  </p:childTnLst>
+                                </p:cTn>
+                              </p:par>
+                            </p:childTnLst>
+                          </p:cTn>
+                        </p:par>
+                      </p:childTnLst>
+                    </p:cTn>
+                  </p:par>
+                  <p:par>
+                    <p:cTn id="48" fill="hold">
+                      <p:stCondLst>
+                        <p:cond delay="indefinite"/>
+                      </p:stCondLst>
+                      <p:childTnLst>
+                        <p:par>
+                          <p:cTn id="49" fill="hold">
+                            <p:stCondLst>
+                              <p:cond delay="0"/>
+                            </p:stCondLst>
+                            <p:childTnLst>
+                              <p:par>
+                                <p:cTn id="50" presetID="10" presetClass="entr" presetSubtype="0" fill="hold" grpId="0" nodeType="clickEffect">
+                                  <p:stCondLst>
+                                    <p:cond delay="0"/>
+                                  </p:stCondLst>
+                                  <p:childTnLst>
+                                    <p:set>
+                                      <p:cBhvr>
+                                        <p:cTn id="51" dur="1" fill="hold">
+                                          <p:stCondLst>
+                                            <p:cond delay="0"/>
+                                          </p:stCondLst>
+                                        </p:cTn>
+                                        <p:tgtEl>
+                                          <p:spTgt spid="2">
+                                            <p:txEl>
+                                              <p:pRg st="9" end="9"/>
+                                            </p:txEl>
+                                          </p:spTgt>
+                                        </p:tgtEl>
+                                        <p:attrNameLst>
+                                          <p:attrName>style.visibility</p:attrName>
+                                        </p:attrNameLst>
+                                      </p:cBhvr>
+                                      <p:to>
+                                        <p:strVal val="visible"/>
+                                      </p:to>
+                                    </p:set>
+                                    <p:animEffect transition="in" filter="fade">
+                                      <p:cBhvr>
+                                        <p:cTn id="52" dur="500"/>
+                                        <p:tgtEl>
+                                          <p:spTgt spid="2">
+                                            <p:txEl>
+                                              <p:pRg st="9" end="9"/>
+                                            </p:txEl>
+                                          </p:spTgt>
+                                        </p:tgtEl>
+                                      </p:cBhvr>
+                                    </p:animEffect>
+                                  </p:childTnLst>
+                                </p:cTn>
+                              </p:par>
+                            </p:childTnLst>
+                          </p:cTn>
+                        </p:par>
+                      </p:childTnLst>
+                    </p:cTn>
+                  </p:par>
+                </p:childTnLst>
+              </p:cTn>
+              <p:prevCondLst>
+                <p:cond evt="onPrev" delay="0">
+                  <p:tgtEl>
+                    <p:sldTgt/>
+                  </p:tgtEl>
+                </p:cond>
+              </p:prevCondLst>
+              <p:nextCondLst>
+                <p:cond evt="onNext" delay="0">
+                  <p:tgtEl>
+                    <p:sldTgt/>
+                  </p:tgtEl>
+                </p:cond>
+              </p:nextCondLst>
+            </p:seq>
+          </p:childTnLst>
+        </p:cTn>
+      </p:par>
+    </p:tnLst>
+    <p:bldLst>
+      <p:bldP spid="2" grpId="0" uiExpand="1" build="p"/>
+    </p:bldLst>
+  </p:timing>
+</p:sld>
+</file>
+
+<file path=ppt/slides/slide32.xml><?xml version="1.0" encoding="utf-8"?>
+<p:sld xmlns:a="http://schemas.openxmlformats.org/drawingml/2006/main" xmlns:r="http://schemas.openxmlformats.org/officeDocument/2006/relationships" xmlns:p="http://schemas.openxmlformats.org/presentationml/2006/main">
+  <p:cSld>
+    <p:spTree>
+      <p:nvGrpSpPr>
+        <p:cNvPr id="1" name=""/>
+        <p:cNvGrpSpPr/>
+        <p:nvPr/>
+      </p:nvGrpSpPr>
+      <p:grpSpPr>
+        <a:xfrm>
+          <a:off x="0" y="0"/>
+          <a:ext cx="0" cy="0"/>
+          <a:chOff x="0" y="0"/>
+          <a:chExt cx="0" cy="0"/>
+        </a:xfrm>
+      </p:grpSpPr>
+      <p:sp>
+        <p:nvSpPr>
+          <p:cNvPr id="2" name="Content Placeholder 1"/>
+          <p:cNvSpPr>
+            <a:spLocks noGrp="1"/>
+          </p:cNvSpPr>
+          <p:nvPr>
+            <p:ph idx="14"/>
+          </p:nvPr>
+        </p:nvSpPr>
+        <p:spPr>
+          <a:xfrm>
+            <a:off x="704476" y="1893515"/>
+            <a:ext cx="13273820" cy="4385816"/>
+          </a:xfrm>
+        </p:spPr>
+        <p:txBody>
+          <a:bodyPr/>
+          <a:lstStyle/>
+          <a:p>
+            <a:pPr marL="457200" indent="-457200" defTabSz="1306221" fontAlgn="auto">
+              <a:defRPr/>
+            </a:pPr>
+            <a:r>
+              <a:rPr lang="en-US" sz="2400" dirty="0">
+                <a:ea typeface="+mn-ea"/>
+                <a:hlinkClick r:id="rId3"/>
+              </a:rPr>
               <a:t>Community Forums</a:t>
             </a:r>
             <a:r>
@@ -15902,17 +17079,8 @@
               <a:rPr lang="en-US" sz="2400" dirty="0">
                 <a:ea typeface="+mn-ea"/>
               </a:rPr>
-              <a:t> (Google for </a:t>
-            </a:r>
-            <a:r>
-              <a:rPr lang="en-US" sz="2400">
-                <a:ea typeface="+mn-ea"/>
-              </a:rPr>
-              <a:t>additional resources on “Tableau Dashboard Design”)</a:t>
-            </a:r>
-            <a:endParaRPr lang="en-US" sz="2400" dirty="0">
-              <a:ea typeface="+mn-ea"/>
-            </a:endParaRPr>
+              <a:t> (Google for additional resources on “Tableau Dashboard Design”)</a:t>
+            </a:r>
           </a:p>
           <a:p>
             <a:pPr marL="457200" indent="-457200" defTabSz="1306221" fontAlgn="auto">
@@ -15923,7 +17091,7 @@
                 <a:ea typeface="+mn-ea"/>
                 <a:hlinkClick r:id="rId8"/>
               </a:rPr>
-              <a:t>Using Web Data Connector</a:t>
+              <a:t>Using the Web Data Connector</a:t>
             </a:r>
             <a:endParaRPr lang="en-US" sz="2400" dirty="0">
               <a:ea typeface="+mn-ea"/>
@@ -16638,7 +17806,7 @@
 </p:sld>
 </file>
 
-<file path=ppt/slides/slide32.xml><?xml version="1.0" encoding="utf-8"?>
+<file path=ppt/slides/slide33.xml><?xml version="1.0" encoding="utf-8"?>
 <p:sld xmlns:a="http://schemas.openxmlformats.org/drawingml/2006/main" xmlns:r="http://schemas.openxmlformats.org/officeDocument/2006/relationships" xmlns:p="http://schemas.openxmlformats.org/presentationml/2006/main">
   <p:cSld>
     <p:spTree>
@@ -17712,7 +18880,7 @@
 </p:sld>
 </file>
 
-<file path=ppt/slides/slide33.xml><?xml version="1.0" encoding="utf-8"?>
+<file path=ppt/slides/slide34.xml><?xml version="1.0" encoding="utf-8"?>
 <p:sld xmlns:a="http://schemas.openxmlformats.org/drawingml/2006/main" xmlns:r="http://schemas.openxmlformats.org/officeDocument/2006/relationships" xmlns:p="http://schemas.openxmlformats.org/presentationml/2006/main">
   <p:cSld>
     <p:spTree>

--- a/lecture.pptx
+++ b/lecture.pptx
@@ -5,10 +5,10 @@
     <p:sldMasterId id="2147483875" r:id="rId1"/>
   </p:sldMasterIdLst>
   <p:notesMasterIdLst>
-    <p:notesMasterId r:id="rId36"/>
+    <p:notesMasterId r:id="rId38"/>
   </p:notesMasterIdLst>
   <p:handoutMasterIdLst>
-    <p:handoutMasterId r:id="rId37"/>
+    <p:handoutMasterId r:id="rId39"/>
   </p:handoutMasterIdLst>
   <p:sldIdLst>
     <p:sldId id="256" r:id="rId2"/>
@@ -42,9 +42,11 @@
     <p:sldId id="542" r:id="rId30"/>
     <p:sldId id="531" r:id="rId31"/>
     <p:sldId id="569" r:id="rId32"/>
-    <p:sldId id="567" r:id="rId33"/>
-    <p:sldId id="568" r:id="rId34"/>
-    <p:sldId id="566" r:id="rId35"/>
+    <p:sldId id="570" r:id="rId33"/>
+    <p:sldId id="571" r:id="rId34"/>
+    <p:sldId id="567" r:id="rId35"/>
+    <p:sldId id="568" r:id="rId36"/>
+    <p:sldId id="566" r:id="rId37"/>
   </p:sldIdLst>
   <p:sldSz cx="14630400" cy="8229600"/>
   <p:notesSz cx="6858000" cy="9144000"/>
@@ -4455,7 +4457,7 @@
     </p:spTree>
     <p:extLst>
       <p:ext uri="{BB962C8B-B14F-4D97-AF65-F5344CB8AC3E}">
-        <p14:creationId xmlns:p14="http://schemas.microsoft.com/office/powerpoint/2010/main" val="3559071881"/>
+        <p14:creationId xmlns:p14="http://schemas.microsoft.com/office/powerpoint/2010/main" val="989393269"/>
       </p:ext>
     </p:extLst>
   </p:cSld>
@@ -4516,6 +4518,128 @@
     </p:spTree>
     <p:extLst>
       <p:ext uri="{BB962C8B-B14F-4D97-AF65-F5344CB8AC3E}">
+        <p14:creationId xmlns:p14="http://schemas.microsoft.com/office/powerpoint/2010/main" val="3296685925"/>
+      </p:ext>
+    </p:extLst>
+  </p:cSld>
+  <p:clrMapOvr>
+    <a:masterClrMapping/>
+  </p:clrMapOvr>
+</p:notes>
+</file>
+
+<file path=ppt/notesSlides/notesSlide32.xml><?xml version="1.0" encoding="utf-8"?>
+<p:notes xmlns:a="http://schemas.openxmlformats.org/drawingml/2006/main" xmlns:r="http://schemas.openxmlformats.org/officeDocument/2006/relationships" xmlns:p="http://schemas.openxmlformats.org/presentationml/2006/main">
+  <p:cSld>
+    <p:spTree>
+      <p:nvGrpSpPr>
+        <p:cNvPr id="1" name=""/>
+        <p:cNvGrpSpPr/>
+        <p:nvPr/>
+      </p:nvGrpSpPr>
+      <p:grpSpPr>
+        <a:xfrm>
+          <a:off x="0" y="0"/>
+          <a:ext cx="0" cy="0"/>
+          <a:chOff x="0" y="0"/>
+          <a:chExt cx="0" cy="0"/>
+        </a:xfrm>
+      </p:grpSpPr>
+      <p:sp>
+        <p:nvSpPr>
+          <p:cNvPr id="2" name="Slide Image Placeholder 1"/>
+          <p:cNvSpPr>
+            <a:spLocks noGrp="1" noRot="1" noChangeAspect="1"/>
+          </p:cNvSpPr>
+          <p:nvPr>
+            <p:ph type="sldImg"/>
+          </p:nvPr>
+        </p:nvSpPr>
+        <p:spPr/>
+      </p:sp>
+      <p:sp>
+        <p:nvSpPr>
+          <p:cNvPr id="3" name="Notes Placeholder 2"/>
+          <p:cNvSpPr>
+            <a:spLocks noGrp="1"/>
+          </p:cNvSpPr>
+          <p:nvPr>
+            <p:ph type="body" idx="1"/>
+          </p:nvPr>
+        </p:nvSpPr>
+        <p:spPr/>
+        <p:txBody>
+          <a:bodyPr/>
+          <a:lstStyle/>
+          <a:p>
+            <a:endParaRPr lang="en-US" dirty="0"/>
+          </a:p>
+        </p:txBody>
+      </p:sp>
+    </p:spTree>
+    <p:extLst>
+      <p:ext uri="{BB962C8B-B14F-4D97-AF65-F5344CB8AC3E}">
+        <p14:creationId xmlns:p14="http://schemas.microsoft.com/office/powerpoint/2010/main" val="3559071881"/>
+      </p:ext>
+    </p:extLst>
+  </p:cSld>
+  <p:clrMapOvr>
+    <a:masterClrMapping/>
+  </p:clrMapOvr>
+</p:notes>
+</file>
+
+<file path=ppt/notesSlides/notesSlide33.xml><?xml version="1.0" encoding="utf-8"?>
+<p:notes xmlns:a="http://schemas.openxmlformats.org/drawingml/2006/main" xmlns:r="http://schemas.openxmlformats.org/officeDocument/2006/relationships" xmlns:p="http://schemas.openxmlformats.org/presentationml/2006/main">
+  <p:cSld>
+    <p:spTree>
+      <p:nvGrpSpPr>
+        <p:cNvPr id="1" name=""/>
+        <p:cNvGrpSpPr/>
+        <p:nvPr/>
+      </p:nvGrpSpPr>
+      <p:grpSpPr>
+        <a:xfrm>
+          <a:off x="0" y="0"/>
+          <a:ext cx="0" cy="0"/>
+          <a:chOff x="0" y="0"/>
+          <a:chExt cx="0" cy="0"/>
+        </a:xfrm>
+      </p:grpSpPr>
+      <p:sp>
+        <p:nvSpPr>
+          <p:cNvPr id="2" name="Slide Image Placeholder 1"/>
+          <p:cNvSpPr>
+            <a:spLocks noGrp="1" noRot="1" noChangeAspect="1"/>
+          </p:cNvSpPr>
+          <p:nvPr>
+            <p:ph type="sldImg"/>
+          </p:nvPr>
+        </p:nvSpPr>
+        <p:spPr/>
+      </p:sp>
+      <p:sp>
+        <p:nvSpPr>
+          <p:cNvPr id="3" name="Notes Placeholder 2"/>
+          <p:cNvSpPr>
+            <a:spLocks noGrp="1"/>
+          </p:cNvSpPr>
+          <p:nvPr>
+            <p:ph type="body" idx="1"/>
+          </p:nvPr>
+        </p:nvSpPr>
+        <p:spPr/>
+        <p:txBody>
+          <a:bodyPr/>
+          <a:lstStyle/>
+          <a:p>
+            <a:endParaRPr lang="en-US" dirty="0"/>
+          </a:p>
+        </p:txBody>
+      </p:sp>
+    </p:spTree>
+    <p:extLst>
+      <p:ext uri="{BB962C8B-B14F-4D97-AF65-F5344CB8AC3E}">
         <p14:creationId xmlns:p14="http://schemas.microsoft.com/office/powerpoint/2010/main" val="2764254563"/>
       </p:ext>
     </p:extLst>
@@ -4526,7 +4650,7 @@
 </p:notes>
 </file>
 
-<file path=ppt/notesSlides/notesSlide32.xml><?xml version="1.0" encoding="utf-8"?>
+<file path=ppt/notesSlides/notesSlide34.xml><?xml version="1.0" encoding="utf-8"?>
 <p:notes xmlns:a="http://schemas.openxmlformats.org/drawingml/2006/main" xmlns:r="http://schemas.openxmlformats.org/officeDocument/2006/relationships" xmlns:p="http://schemas.openxmlformats.org/presentationml/2006/main">
   <p:cSld>
     <p:spTree>
@@ -16128,7 +16252,7 @@
               <a:rPr lang="en-US" sz="2400" dirty="0">
                 <a:ea typeface="+mn-ea"/>
               </a:rPr>
-              <a:t>Open “</a:t>
+              <a:t>Open </a:t>
             </a:r>
             <a:r>
               <a:rPr lang="en-US" sz="2400" dirty="0">
@@ -16137,12 +16261,9 @@
               </a:rPr>
               <a:t>Template/Germ Theory of Disease (two clinics)</a:t>
             </a:r>
-            <a:r>
-              <a:rPr lang="en-US" sz="2400" dirty="0">
-                <a:ea typeface="+mn-ea"/>
-              </a:rPr>
-              <a:t>”</a:t>
-            </a:r>
+            <a:endParaRPr lang="en-US" sz="2400" dirty="0">
+              <a:ea typeface="+mn-ea"/>
+            </a:endParaRPr>
           </a:p>
           <a:p>
             <a:pPr marL="457200" indent="-457200" defTabSz="1306221" fontAlgn="auto">
@@ -16258,19 +16379,7 @@
               <a:rPr lang="en-US" sz="2400" dirty="0">
                 <a:ea typeface="+mn-ea"/>
               </a:rPr>
-              <a:t>Add </a:t>
-            </a:r>
-            <a:r>
-              <a:rPr lang="en-US" sz="2400">
-                <a:ea typeface="+mn-ea"/>
-              </a:rPr>
-              <a:t>custom Tooltip </a:t>
-            </a:r>
-            <a:r>
-              <a:rPr lang="en-US" sz="2400" dirty="0">
-                <a:ea typeface="+mn-ea"/>
-              </a:rPr>
-              <a:t>message</a:t>
+              <a:t>Add custom Tooltip message</a:t>
             </a:r>
           </a:p>
         </p:txBody>
@@ -16997,6 +17106,2062 @@
         <p:spPr>
           <a:xfrm>
             <a:off x="704476" y="1893515"/>
+            <a:ext cx="13273820" cy="5724644"/>
+          </a:xfrm>
+        </p:spPr>
+        <p:txBody>
+          <a:bodyPr/>
+          <a:lstStyle/>
+          <a:p>
+            <a:pPr marL="457200" indent="-457200" defTabSz="1306221" fontAlgn="auto">
+              <a:buFont typeface="+mj-lt"/>
+              <a:buAutoNum type="arabicPeriod"/>
+              <a:defRPr/>
+            </a:pPr>
+            <a:r>
+              <a:rPr lang="en-US" sz="2400" dirty="0">
+                <a:ea typeface="+mn-ea"/>
+              </a:rPr>
+              <a:t>Open </a:t>
+            </a:r>
+            <a:r>
+              <a:rPr lang="en-US" sz="2400" dirty="0">
+                <a:ea typeface="+mn-ea"/>
+                <a:hlinkClick r:id="rId3"/>
+              </a:rPr>
+              <a:t>Template/Germ Theory of Disease</a:t>
+            </a:r>
+            <a:endParaRPr lang="en-US" sz="2400" dirty="0">
+              <a:ea typeface="+mn-ea"/>
+            </a:endParaRPr>
+          </a:p>
+          <a:p>
+            <a:pPr marL="457200" indent="-457200" defTabSz="1306221" fontAlgn="auto">
+              <a:buFont typeface="+mj-lt"/>
+              <a:buAutoNum type="arabicPeriod"/>
+              <a:defRPr/>
+            </a:pPr>
+            <a:r>
+              <a:rPr lang="en-US" sz="2400" dirty="0">
+                <a:ea typeface="+mn-ea"/>
+              </a:rPr>
+              <a:t>Right click the empty area in “Measures” &gt; “Create Calculated Field…”</a:t>
+            </a:r>
+          </a:p>
+          <a:p>
+            <a:pPr marL="457200" indent="-457200" defTabSz="1306221" fontAlgn="auto">
+              <a:buFont typeface="+mj-lt"/>
+              <a:buAutoNum type="arabicPeriod"/>
+              <a:defRPr/>
+            </a:pPr>
+            <a:r>
+              <a:rPr lang="en-US" sz="2400" dirty="0">
+                <a:ea typeface="+mn-ea"/>
+              </a:rPr>
+              <a:t>Name the Calculated Field “Mortality Rate (%)”</a:t>
+            </a:r>
+          </a:p>
+          <a:p>
+            <a:pPr marL="457200" indent="-457200" defTabSz="1306221" fontAlgn="auto">
+              <a:buFont typeface="+mj-lt"/>
+              <a:buAutoNum type="arabicPeriod"/>
+              <a:defRPr/>
+            </a:pPr>
+            <a:r>
+              <a:rPr lang="en-US" sz="2400" dirty="0">
+                <a:ea typeface="+mn-ea"/>
+              </a:rPr>
+              <a:t>Type “[Deaths] / [Births] * 100” as the contents of the Calculated Field</a:t>
+            </a:r>
+          </a:p>
+          <a:p>
+            <a:pPr marL="457200" indent="-457200" defTabSz="1306221" fontAlgn="auto">
+              <a:buFont typeface="+mj-lt"/>
+              <a:buAutoNum type="arabicPeriod"/>
+              <a:defRPr/>
+            </a:pPr>
+            <a:r>
+              <a:rPr lang="en-US" sz="2400" dirty="0">
+                <a:ea typeface="+mn-ea"/>
+              </a:rPr>
+              <a:t>Double click your new Calculated Field “</a:t>
+            </a:r>
+            <a:r>
+              <a:rPr lang="en-US" sz="2400" dirty="0"/>
+              <a:t>Mortality Rate (%)</a:t>
+            </a:r>
+            <a:r>
+              <a:rPr lang="en-US" sz="2400" dirty="0">
+                <a:ea typeface="+mn-ea"/>
+              </a:rPr>
+              <a:t>”</a:t>
+            </a:r>
+          </a:p>
+          <a:p>
+            <a:pPr marL="457200" indent="-457200" defTabSz="1306221" fontAlgn="auto">
+              <a:buFont typeface="+mj-lt"/>
+              <a:buAutoNum type="arabicPeriod"/>
+              <a:defRPr/>
+            </a:pPr>
+            <a:r>
+              <a:rPr lang="en-US" sz="2400" dirty="0">
+                <a:ea typeface="+mn-ea"/>
+              </a:rPr>
+              <a:t>Right click “SUM(Rate (%))” &gt; “Measure” &gt; “Average”</a:t>
+            </a:r>
+          </a:p>
+          <a:p>
+            <a:pPr marL="457200" indent="-457200" defTabSz="1306221" fontAlgn="auto">
+              <a:buFont typeface="+mj-lt"/>
+              <a:buAutoNum type="arabicPeriod"/>
+              <a:defRPr/>
+            </a:pPr>
+            <a:r>
+              <a:rPr lang="en-US" sz="2400" dirty="0">
+                <a:ea typeface="+mn-ea"/>
+              </a:rPr>
+              <a:t>Double click “Date”</a:t>
+            </a:r>
+          </a:p>
+          <a:p>
+            <a:pPr marL="457200" indent="-457200" defTabSz="1306221" fontAlgn="auto">
+              <a:buFont typeface="+mj-lt"/>
+              <a:buAutoNum type="arabicPeriod"/>
+              <a:defRPr/>
+            </a:pPr>
+            <a:r>
+              <a:rPr lang="en-US" sz="2400" dirty="0">
+                <a:ea typeface="+mn-ea"/>
+              </a:rPr>
+              <a:t>Switch view to “Entire View”</a:t>
+            </a:r>
+          </a:p>
+          <a:p>
+            <a:pPr marL="457200" indent="-457200" defTabSz="1306221" fontAlgn="auto">
+              <a:buFont typeface="+mj-lt"/>
+              <a:buAutoNum type="arabicPeriod"/>
+              <a:defRPr/>
+            </a:pPr>
+            <a:r>
+              <a:rPr lang="en-US" sz="2400" dirty="0">
+                <a:ea typeface="+mn-ea"/>
+              </a:rPr>
+              <a:t>Right click “YEAR(Date)”</a:t>
+            </a:r>
+          </a:p>
+          <a:p>
+            <a:pPr marL="457200" indent="-457200" defTabSz="1306221" fontAlgn="auto">
+              <a:buFont typeface="+mj-lt"/>
+              <a:buAutoNum type="arabicPeriod"/>
+              <a:defRPr/>
+            </a:pPr>
+            <a:r>
+              <a:rPr lang="en-US" sz="2400" dirty="0">
+                <a:ea typeface="+mn-ea"/>
+              </a:rPr>
+              <a:t>Select “Exact Date”</a:t>
+            </a:r>
+          </a:p>
+          <a:p>
+            <a:pPr marL="457200" indent="-457200" defTabSz="1306221" fontAlgn="auto">
+              <a:buFont typeface="+mj-lt"/>
+              <a:buAutoNum type="arabicPeriod"/>
+              <a:defRPr/>
+            </a:pPr>
+            <a:r>
+              <a:rPr lang="en-US" sz="2400" dirty="0">
+                <a:ea typeface="+mn-ea"/>
+              </a:rPr>
+              <a:t>(notice there is a null row for December 1841)</a:t>
+            </a:r>
+          </a:p>
+          <a:p>
+            <a:pPr marL="457200" indent="-457200" defTabSz="1306221" fontAlgn="auto">
+              <a:buFont typeface="+mj-lt"/>
+              <a:buAutoNum type="arabicPeriod"/>
+              <a:defRPr/>
+            </a:pPr>
+            <a:r>
+              <a:rPr lang="en-US" sz="2400" dirty="0">
+                <a:ea typeface="+mn-ea"/>
+              </a:rPr>
+              <a:t>Click “1 null” &gt; “Filter data” from the bottom right</a:t>
+            </a:r>
+          </a:p>
+          <a:p>
+            <a:pPr marL="457200" indent="-457200" defTabSz="1306221" fontAlgn="auto">
+              <a:buFont typeface="+mj-lt"/>
+              <a:buAutoNum type="arabicPeriod"/>
+              <a:defRPr/>
+            </a:pPr>
+            <a:endParaRPr lang="en-US" sz="2400" dirty="0">
+              <a:ea typeface="+mn-ea"/>
+            </a:endParaRPr>
+          </a:p>
+        </p:txBody>
+      </p:sp>
+      <p:sp>
+        <p:nvSpPr>
+          <p:cNvPr id="3" name="Text Placeholder 2"/>
+          <p:cNvSpPr>
+            <a:spLocks noGrp="1"/>
+          </p:cNvSpPr>
+          <p:nvPr>
+            <p:ph type="body" sz="quarter" idx="12"/>
+          </p:nvPr>
+        </p:nvSpPr>
+        <p:spPr>
+          <a:prstGeom prst="rect">
+            <a:avLst/>
+          </a:prstGeom>
+        </p:spPr>
+        <p:txBody>
+          <a:bodyPr/>
+          <a:lstStyle/>
+          <a:p>
+            <a:pPr>
+              <a:spcBef>
+                <a:spcPct val="0"/>
+              </a:spcBef>
+            </a:pPr>
+            <a:r>
+              <a:rPr lang="en-US" b="1" dirty="0">
+                <a:latin typeface="BentonSans Book" charset="0"/>
+              </a:rPr>
+              <a:t>Germ Theory of Disease</a:t>
+            </a:r>
+          </a:p>
+        </p:txBody>
+      </p:sp>
+    </p:spTree>
+    <p:extLst>
+      <p:ext uri="{BB962C8B-B14F-4D97-AF65-F5344CB8AC3E}">
+        <p14:creationId xmlns:p14="http://schemas.microsoft.com/office/powerpoint/2010/main" val="1256773149"/>
+      </p:ext>
+    </p:extLst>
+  </p:cSld>
+  <p:clrMapOvr>
+    <a:masterClrMapping/>
+  </p:clrMapOvr>
+  <p:transition spd="slow">
+    <p:cover/>
+  </p:transition>
+  <p:timing>
+    <p:tnLst>
+      <p:par>
+        <p:cTn id="1" dur="indefinite" restart="never" nodeType="tmRoot">
+          <p:childTnLst>
+            <p:seq concurrent="1" nextAc="seek">
+              <p:cTn id="2" dur="indefinite" nodeType="mainSeq">
+                <p:childTnLst>
+                  <p:par>
+                    <p:cTn id="3" fill="hold">
+                      <p:stCondLst>
+                        <p:cond delay="indefinite"/>
+                      </p:stCondLst>
+                      <p:childTnLst>
+                        <p:par>
+                          <p:cTn id="4" fill="hold">
+                            <p:stCondLst>
+                              <p:cond delay="0"/>
+                            </p:stCondLst>
+                            <p:childTnLst>
+                              <p:par>
+                                <p:cTn id="5" presetID="10" presetClass="entr" presetSubtype="0" fill="hold" grpId="0" nodeType="clickEffect">
+                                  <p:stCondLst>
+                                    <p:cond delay="0"/>
+                                  </p:stCondLst>
+                                  <p:childTnLst>
+                                    <p:set>
+                                      <p:cBhvr>
+                                        <p:cTn id="6" dur="1" fill="hold">
+                                          <p:stCondLst>
+                                            <p:cond delay="0"/>
+                                          </p:stCondLst>
+                                        </p:cTn>
+                                        <p:tgtEl>
+                                          <p:spTgt spid="2">
+                                            <p:txEl>
+                                              <p:pRg st="0" end="0"/>
+                                            </p:txEl>
+                                          </p:spTgt>
+                                        </p:tgtEl>
+                                        <p:attrNameLst>
+                                          <p:attrName>style.visibility</p:attrName>
+                                        </p:attrNameLst>
+                                      </p:cBhvr>
+                                      <p:to>
+                                        <p:strVal val="visible"/>
+                                      </p:to>
+                                    </p:set>
+                                    <p:animEffect transition="in" filter="fade">
+                                      <p:cBhvr>
+                                        <p:cTn id="7" dur="500"/>
+                                        <p:tgtEl>
+                                          <p:spTgt spid="2">
+                                            <p:txEl>
+                                              <p:pRg st="0" end="0"/>
+                                            </p:txEl>
+                                          </p:spTgt>
+                                        </p:tgtEl>
+                                      </p:cBhvr>
+                                    </p:animEffect>
+                                  </p:childTnLst>
+                                </p:cTn>
+                              </p:par>
+                            </p:childTnLst>
+                          </p:cTn>
+                        </p:par>
+                      </p:childTnLst>
+                    </p:cTn>
+                  </p:par>
+                  <p:par>
+                    <p:cTn id="8" fill="hold">
+                      <p:stCondLst>
+                        <p:cond delay="indefinite"/>
+                      </p:stCondLst>
+                      <p:childTnLst>
+                        <p:par>
+                          <p:cTn id="9" fill="hold">
+                            <p:stCondLst>
+                              <p:cond delay="0"/>
+                            </p:stCondLst>
+                            <p:childTnLst>
+                              <p:par>
+                                <p:cTn id="10" presetID="10" presetClass="entr" presetSubtype="0" fill="hold" grpId="0" nodeType="clickEffect">
+                                  <p:stCondLst>
+                                    <p:cond delay="0"/>
+                                  </p:stCondLst>
+                                  <p:childTnLst>
+                                    <p:set>
+                                      <p:cBhvr>
+                                        <p:cTn id="11" dur="1" fill="hold">
+                                          <p:stCondLst>
+                                            <p:cond delay="0"/>
+                                          </p:stCondLst>
+                                        </p:cTn>
+                                        <p:tgtEl>
+                                          <p:spTgt spid="2">
+                                            <p:txEl>
+                                              <p:pRg st="1" end="1"/>
+                                            </p:txEl>
+                                          </p:spTgt>
+                                        </p:tgtEl>
+                                        <p:attrNameLst>
+                                          <p:attrName>style.visibility</p:attrName>
+                                        </p:attrNameLst>
+                                      </p:cBhvr>
+                                      <p:to>
+                                        <p:strVal val="visible"/>
+                                      </p:to>
+                                    </p:set>
+                                    <p:animEffect transition="in" filter="fade">
+                                      <p:cBhvr>
+                                        <p:cTn id="12" dur="500"/>
+                                        <p:tgtEl>
+                                          <p:spTgt spid="2">
+                                            <p:txEl>
+                                              <p:pRg st="1" end="1"/>
+                                            </p:txEl>
+                                          </p:spTgt>
+                                        </p:tgtEl>
+                                      </p:cBhvr>
+                                    </p:animEffect>
+                                  </p:childTnLst>
+                                </p:cTn>
+                              </p:par>
+                            </p:childTnLst>
+                          </p:cTn>
+                        </p:par>
+                      </p:childTnLst>
+                    </p:cTn>
+                  </p:par>
+                  <p:par>
+                    <p:cTn id="13" fill="hold">
+                      <p:stCondLst>
+                        <p:cond delay="indefinite"/>
+                      </p:stCondLst>
+                      <p:childTnLst>
+                        <p:par>
+                          <p:cTn id="14" fill="hold">
+                            <p:stCondLst>
+                              <p:cond delay="0"/>
+                            </p:stCondLst>
+                            <p:childTnLst>
+                              <p:par>
+                                <p:cTn id="15" presetID="10" presetClass="entr" presetSubtype="0" fill="hold" grpId="0" nodeType="clickEffect">
+                                  <p:stCondLst>
+                                    <p:cond delay="0"/>
+                                  </p:stCondLst>
+                                  <p:childTnLst>
+                                    <p:set>
+                                      <p:cBhvr>
+                                        <p:cTn id="16" dur="1" fill="hold">
+                                          <p:stCondLst>
+                                            <p:cond delay="0"/>
+                                          </p:stCondLst>
+                                        </p:cTn>
+                                        <p:tgtEl>
+                                          <p:spTgt spid="2">
+                                            <p:txEl>
+                                              <p:pRg st="2" end="2"/>
+                                            </p:txEl>
+                                          </p:spTgt>
+                                        </p:tgtEl>
+                                        <p:attrNameLst>
+                                          <p:attrName>style.visibility</p:attrName>
+                                        </p:attrNameLst>
+                                      </p:cBhvr>
+                                      <p:to>
+                                        <p:strVal val="visible"/>
+                                      </p:to>
+                                    </p:set>
+                                    <p:animEffect transition="in" filter="fade">
+                                      <p:cBhvr>
+                                        <p:cTn id="17" dur="500"/>
+                                        <p:tgtEl>
+                                          <p:spTgt spid="2">
+                                            <p:txEl>
+                                              <p:pRg st="2" end="2"/>
+                                            </p:txEl>
+                                          </p:spTgt>
+                                        </p:tgtEl>
+                                      </p:cBhvr>
+                                    </p:animEffect>
+                                  </p:childTnLst>
+                                </p:cTn>
+                              </p:par>
+                            </p:childTnLst>
+                          </p:cTn>
+                        </p:par>
+                      </p:childTnLst>
+                    </p:cTn>
+                  </p:par>
+                  <p:par>
+                    <p:cTn id="18" fill="hold">
+                      <p:stCondLst>
+                        <p:cond delay="indefinite"/>
+                      </p:stCondLst>
+                      <p:childTnLst>
+                        <p:par>
+                          <p:cTn id="19" fill="hold">
+                            <p:stCondLst>
+                              <p:cond delay="0"/>
+                            </p:stCondLst>
+                            <p:childTnLst>
+                              <p:par>
+                                <p:cTn id="20" presetID="10" presetClass="entr" presetSubtype="0" fill="hold" grpId="0" nodeType="clickEffect">
+                                  <p:stCondLst>
+                                    <p:cond delay="0"/>
+                                  </p:stCondLst>
+                                  <p:childTnLst>
+                                    <p:set>
+                                      <p:cBhvr>
+                                        <p:cTn id="21" dur="1" fill="hold">
+                                          <p:stCondLst>
+                                            <p:cond delay="0"/>
+                                          </p:stCondLst>
+                                        </p:cTn>
+                                        <p:tgtEl>
+                                          <p:spTgt spid="2">
+                                            <p:txEl>
+                                              <p:pRg st="3" end="3"/>
+                                            </p:txEl>
+                                          </p:spTgt>
+                                        </p:tgtEl>
+                                        <p:attrNameLst>
+                                          <p:attrName>style.visibility</p:attrName>
+                                        </p:attrNameLst>
+                                      </p:cBhvr>
+                                      <p:to>
+                                        <p:strVal val="visible"/>
+                                      </p:to>
+                                    </p:set>
+                                    <p:animEffect transition="in" filter="fade">
+                                      <p:cBhvr>
+                                        <p:cTn id="22" dur="500"/>
+                                        <p:tgtEl>
+                                          <p:spTgt spid="2">
+                                            <p:txEl>
+                                              <p:pRg st="3" end="3"/>
+                                            </p:txEl>
+                                          </p:spTgt>
+                                        </p:tgtEl>
+                                      </p:cBhvr>
+                                    </p:animEffect>
+                                  </p:childTnLst>
+                                </p:cTn>
+                              </p:par>
+                            </p:childTnLst>
+                          </p:cTn>
+                        </p:par>
+                      </p:childTnLst>
+                    </p:cTn>
+                  </p:par>
+                  <p:par>
+                    <p:cTn id="23" fill="hold">
+                      <p:stCondLst>
+                        <p:cond delay="indefinite"/>
+                      </p:stCondLst>
+                      <p:childTnLst>
+                        <p:par>
+                          <p:cTn id="24" fill="hold">
+                            <p:stCondLst>
+                              <p:cond delay="0"/>
+                            </p:stCondLst>
+                            <p:childTnLst>
+                              <p:par>
+                                <p:cTn id="25" presetID="10" presetClass="entr" presetSubtype="0" fill="hold" grpId="0" nodeType="clickEffect">
+                                  <p:stCondLst>
+                                    <p:cond delay="0"/>
+                                  </p:stCondLst>
+                                  <p:childTnLst>
+                                    <p:set>
+                                      <p:cBhvr>
+                                        <p:cTn id="26" dur="1" fill="hold">
+                                          <p:stCondLst>
+                                            <p:cond delay="0"/>
+                                          </p:stCondLst>
+                                        </p:cTn>
+                                        <p:tgtEl>
+                                          <p:spTgt spid="2">
+                                            <p:txEl>
+                                              <p:pRg st="4" end="4"/>
+                                            </p:txEl>
+                                          </p:spTgt>
+                                        </p:tgtEl>
+                                        <p:attrNameLst>
+                                          <p:attrName>style.visibility</p:attrName>
+                                        </p:attrNameLst>
+                                      </p:cBhvr>
+                                      <p:to>
+                                        <p:strVal val="visible"/>
+                                      </p:to>
+                                    </p:set>
+                                    <p:animEffect transition="in" filter="fade">
+                                      <p:cBhvr>
+                                        <p:cTn id="27" dur="500"/>
+                                        <p:tgtEl>
+                                          <p:spTgt spid="2">
+                                            <p:txEl>
+                                              <p:pRg st="4" end="4"/>
+                                            </p:txEl>
+                                          </p:spTgt>
+                                        </p:tgtEl>
+                                      </p:cBhvr>
+                                    </p:animEffect>
+                                  </p:childTnLst>
+                                </p:cTn>
+                              </p:par>
+                            </p:childTnLst>
+                          </p:cTn>
+                        </p:par>
+                      </p:childTnLst>
+                    </p:cTn>
+                  </p:par>
+                  <p:par>
+                    <p:cTn id="28" fill="hold">
+                      <p:stCondLst>
+                        <p:cond delay="indefinite"/>
+                      </p:stCondLst>
+                      <p:childTnLst>
+                        <p:par>
+                          <p:cTn id="29" fill="hold">
+                            <p:stCondLst>
+                              <p:cond delay="0"/>
+                            </p:stCondLst>
+                            <p:childTnLst>
+                              <p:par>
+                                <p:cTn id="30" presetID="10" presetClass="entr" presetSubtype="0" fill="hold" grpId="0" nodeType="clickEffect">
+                                  <p:stCondLst>
+                                    <p:cond delay="0"/>
+                                  </p:stCondLst>
+                                  <p:childTnLst>
+                                    <p:set>
+                                      <p:cBhvr>
+                                        <p:cTn id="31" dur="1" fill="hold">
+                                          <p:stCondLst>
+                                            <p:cond delay="0"/>
+                                          </p:stCondLst>
+                                        </p:cTn>
+                                        <p:tgtEl>
+                                          <p:spTgt spid="2">
+                                            <p:txEl>
+                                              <p:pRg st="5" end="5"/>
+                                            </p:txEl>
+                                          </p:spTgt>
+                                        </p:tgtEl>
+                                        <p:attrNameLst>
+                                          <p:attrName>style.visibility</p:attrName>
+                                        </p:attrNameLst>
+                                      </p:cBhvr>
+                                      <p:to>
+                                        <p:strVal val="visible"/>
+                                      </p:to>
+                                    </p:set>
+                                    <p:animEffect transition="in" filter="fade">
+                                      <p:cBhvr>
+                                        <p:cTn id="32" dur="500"/>
+                                        <p:tgtEl>
+                                          <p:spTgt spid="2">
+                                            <p:txEl>
+                                              <p:pRg st="5" end="5"/>
+                                            </p:txEl>
+                                          </p:spTgt>
+                                        </p:tgtEl>
+                                      </p:cBhvr>
+                                    </p:animEffect>
+                                  </p:childTnLst>
+                                </p:cTn>
+                              </p:par>
+                            </p:childTnLst>
+                          </p:cTn>
+                        </p:par>
+                      </p:childTnLst>
+                    </p:cTn>
+                  </p:par>
+                  <p:par>
+                    <p:cTn id="33" fill="hold">
+                      <p:stCondLst>
+                        <p:cond delay="indefinite"/>
+                      </p:stCondLst>
+                      <p:childTnLst>
+                        <p:par>
+                          <p:cTn id="34" fill="hold">
+                            <p:stCondLst>
+                              <p:cond delay="0"/>
+                            </p:stCondLst>
+                            <p:childTnLst>
+                              <p:par>
+                                <p:cTn id="35" presetID="10" presetClass="entr" presetSubtype="0" fill="hold" grpId="0" nodeType="clickEffect">
+                                  <p:stCondLst>
+                                    <p:cond delay="0"/>
+                                  </p:stCondLst>
+                                  <p:childTnLst>
+                                    <p:set>
+                                      <p:cBhvr>
+                                        <p:cTn id="36" dur="1" fill="hold">
+                                          <p:stCondLst>
+                                            <p:cond delay="0"/>
+                                          </p:stCondLst>
+                                        </p:cTn>
+                                        <p:tgtEl>
+                                          <p:spTgt spid="2">
+                                            <p:txEl>
+                                              <p:pRg st="6" end="6"/>
+                                            </p:txEl>
+                                          </p:spTgt>
+                                        </p:tgtEl>
+                                        <p:attrNameLst>
+                                          <p:attrName>style.visibility</p:attrName>
+                                        </p:attrNameLst>
+                                      </p:cBhvr>
+                                      <p:to>
+                                        <p:strVal val="visible"/>
+                                      </p:to>
+                                    </p:set>
+                                    <p:animEffect transition="in" filter="fade">
+                                      <p:cBhvr>
+                                        <p:cTn id="37" dur="500"/>
+                                        <p:tgtEl>
+                                          <p:spTgt spid="2">
+                                            <p:txEl>
+                                              <p:pRg st="6" end="6"/>
+                                            </p:txEl>
+                                          </p:spTgt>
+                                        </p:tgtEl>
+                                      </p:cBhvr>
+                                    </p:animEffect>
+                                  </p:childTnLst>
+                                </p:cTn>
+                              </p:par>
+                            </p:childTnLst>
+                          </p:cTn>
+                        </p:par>
+                      </p:childTnLst>
+                    </p:cTn>
+                  </p:par>
+                  <p:par>
+                    <p:cTn id="38" fill="hold">
+                      <p:stCondLst>
+                        <p:cond delay="indefinite"/>
+                      </p:stCondLst>
+                      <p:childTnLst>
+                        <p:par>
+                          <p:cTn id="39" fill="hold">
+                            <p:stCondLst>
+                              <p:cond delay="0"/>
+                            </p:stCondLst>
+                            <p:childTnLst>
+                              <p:par>
+                                <p:cTn id="40" presetID="10" presetClass="entr" presetSubtype="0" fill="hold" grpId="0" nodeType="clickEffect">
+                                  <p:stCondLst>
+                                    <p:cond delay="0"/>
+                                  </p:stCondLst>
+                                  <p:childTnLst>
+                                    <p:set>
+                                      <p:cBhvr>
+                                        <p:cTn id="41" dur="1" fill="hold">
+                                          <p:stCondLst>
+                                            <p:cond delay="0"/>
+                                          </p:stCondLst>
+                                        </p:cTn>
+                                        <p:tgtEl>
+                                          <p:spTgt spid="2">
+                                            <p:txEl>
+                                              <p:pRg st="7" end="7"/>
+                                            </p:txEl>
+                                          </p:spTgt>
+                                        </p:tgtEl>
+                                        <p:attrNameLst>
+                                          <p:attrName>style.visibility</p:attrName>
+                                        </p:attrNameLst>
+                                      </p:cBhvr>
+                                      <p:to>
+                                        <p:strVal val="visible"/>
+                                      </p:to>
+                                    </p:set>
+                                    <p:animEffect transition="in" filter="fade">
+                                      <p:cBhvr>
+                                        <p:cTn id="42" dur="500"/>
+                                        <p:tgtEl>
+                                          <p:spTgt spid="2">
+                                            <p:txEl>
+                                              <p:pRg st="7" end="7"/>
+                                            </p:txEl>
+                                          </p:spTgt>
+                                        </p:tgtEl>
+                                      </p:cBhvr>
+                                    </p:animEffect>
+                                  </p:childTnLst>
+                                </p:cTn>
+                              </p:par>
+                            </p:childTnLst>
+                          </p:cTn>
+                        </p:par>
+                      </p:childTnLst>
+                    </p:cTn>
+                  </p:par>
+                  <p:par>
+                    <p:cTn id="43" fill="hold">
+                      <p:stCondLst>
+                        <p:cond delay="indefinite"/>
+                      </p:stCondLst>
+                      <p:childTnLst>
+                        <p:par>
+                          <p:cTn id="44" fill="hold">
+                            <p:stCondLst>
+                              <p:cond delay="0"/>
+                            </p:stCondLst>
+                            <p:childTnLst>
+                              <p:par>
+                                <p:cTn id="45" presetID="10" presetClass="entr" presetSubtype="0" fill="hold" grpId="0" nodeType="clickEffect">
+                                  <p:stCondLst>
+                                    <p:cond delay="0"/>
+                                  </p:stCondLst>
+                                  <p:childTnLst>
+                                    <p:set>
+                                      <p:cBhvr>
+                                        <p:cTn id="46" dur="1" fill="hold">
+                                          <p:stCondLst>
+                                            <p:cond delay="0"/>
+                                          </p:stCondLst>
+                                        </p:cTn>
+                                        <p:tgtEl>
+                                          <p:spTgt spid="2">
+                                            <p:txEl>
+                                              <p:pRg st="8" end="8"/>
+                                            </p:txEl>
+                                          </p:spTgt>
+                                        </p:tgtEl>
+                                        <p:attrNameLst>
+                                          <p:attrName>style.visibility</p:attrName>
+                                        </p:attrNameLst>
+                                      </p:cBhvr>
+                                      <p:to>
+                                        <p:strVal val="visible"/>
+                                      </p:to>
+                                    </p:set>
+                                    <p:animEffect transition="in" filter="fade">
+                                      <p:cBhvr>
+                                        <p:cTn id="47" dur="500"/>
+                                        <p:tgtEl>
+                                          <p:spTgt spid="2">
+                                            <p:txEl>
+                                              <p:pRg st="8" end="8"/>
+                                            </p:txEl>
+                                          </p:spTgt>
+                                        </p:tgtEl>
+                                      </p:cBhvr>
+                                    </p:animEffect>
+                                  </p:childTnLst>
+                                </p:cTn>
+                              </p:par>
+                            </p:childTnLst>
+                          </p:cTn>
+                        </p:par>
+                      </p:childTnLst>
+                    </p:cTn>
+                  </p:par>
+                  <p:par>
+                    <p:cTn id="48" fill="hold">
+                      <p:stCondLst>
+                        <p:cond delay="indefinite"/>
+                      </p:stCondLst>
+                      <p:childTnLst>
+                        <p:par>
+                          <p:cTn id="49" fill="hold">
+                            <p:stCondLst>
+                              <p:cond delay="0"/>
+                            </p:stCondLst>
+                            <p:childTnLst>
+                              <p:par>
+                                <p:cTn id="50" presetID="10" presetClass="entr" presetSubtype="0" fill="hold" grpId="0" nodeType="clickEffect">
+                                  <p:stCondLst>
+                                    <p:cond delay="0"/>
+                                  </p:stCondLst>
+                                  <p:childTnLst>
+                                    <p:set>
+                                      <p:cBhvr>
+                                        <p:cTn id="51" dur="1" fill="hold">
+                                          <p:stCondLst>
+                                            <p:cond delay="0"/>
+                                          </p:stCondLst>
+                                        </p:cTn>
+                                        <p:tgtEl>
+                                          <p:spTgt spid="2">
+                                            <p:txEl>
+                                              <p:pRg st="9" end="9"/>
+                                            </p:txEl>
+                                          </p:spTgt>
+                                        </p:tgtEl>
+                                        <p:attrNameLst>
+                                          <p:attrName>style.visibility</p:attrName>
+                                        </p:attrNameLst>
+                                      </p:cBhvr>
+                                      <p:to>
+                                        <p:strVal val="visible"/>
+                                      </p:to>
+                                    </p:set>
+                                    <p:animEffect transition="in" filter="fade">
+                                      <p:cBhvr>
+                                        <p:cTn id="52" dur="500"/>
+                                        <p:tgtEl>
+                                          <p:spTgt spid="2">
+                                            <p:txEl>
+                                              <p:pRg st="9" end="9"/>
+                                            </p:txEl>
+                                          </p:spTgt>
+                                        </p:tgtEl>
+                                      </p:cBhvr>
+                                    </p:animEffect>
+                                  </p:childTnLst>
+                                </p:cTn>
+                              </p:par>
+                            </p:childTnLst>
+                          </p:cTn>
+                        </p:par>
+                      </p:childTnLst>
+                    </p:cTn>
+                  </p:par>
+                  <p:par>
+                    <p:cTn id="53" fill="hold">
+                      <p:stCondLst>
+                        <p:cond delay="indefinite"/>
+                      </p:stCondLst>
+                      <p:childTnLst>
+                        <p:par>
+                          <p:cTn id="54" fill="hold">
+                            <p:stCondLst>
+                              <p:cond delay="0"/>
+                            </p:stCondLst>
+                            <p:childTnLst>
+                              <p:par>
+                                <p:cTn id="55" presetID="10" presetClass="entr" presetSubtype="0" fill="hold" grpId="0" nodeType="clickEffect">
+                                  <p:stCondLst>
+                                    <p:cond delay="0"/>
+                                  </p:stCondLst>
+                                  <p:childTnLst>
+                                    <p:set>
+                                      <p:cBhvr>
+                                        <p:cTn id="56" dur="1" fill="hold">
+                                          <p:stCondLst>
+                                            <p:cond delay="0"/>
+                                          </p:stCondLst>
+                                        </p:cTn>
+                                        <p:tgtEl>
+                                          <p:spTgt spid="2">
+                                            <p:txEl>
+                                              <p:pRg st="10" end="10"/>
+                                            </p:txEl>
+                                          </p:spTgt>
+                                        </p:tgtEl>
+                                        <p:attrNameLst>
+                                          <p:attrName>style.visibility</p:attrName>
+                                        </p:attrNameLst>
+                                      </p:cBhvr>
+                                      <p:to>
+                                        <p:strVal val="visible"/>
+                                      </p:to>
+                                    </p:set>
+                                    <p:animEffect transition="in" filter="fade">
+                                      <p:cBhvr>
+                                        <p:cTn id="57" dur="500"/>
+                                        <p:tgtEl>
+                                          <p:spTgt spid="2">
+                                            <p:txEl>
+                                              <p:pRg st="10" end="10"/>
+                                            </p:txEl>
+                                          </p:spTgt>
+                                        </p:tgtEl>
+                                      </p:cBhvr>
+                                    </p:animEffect>
+                                  </p:childTnLst>
+                                </p:cTn>
+                              </p:par>
+                            </p:childTnLst>
+                          </p:cTn>
+                        </p:par>
+                      </p:childTnLst>
+                    </p:cTn>
+                  </p:par>
+                  <p:par>
+                    <p:cTn id="58" fill="hold">
+                      <p:stCondLst>
+                        <p:cond delay="indefinite"/>
+                      </p:stCondLst>
+                      <p:childTnLst>
+                        <p:par>
+                          <p:cTn id="59" fill="hold">
+                            <p:stCondLst>
+                              <p:cond delay="0"/>
+                            </p:stCondLst>
+                            <p:childTnLst>
+                              <p:par>
+                                <p:cTn id="60" presetID="10" presetClass="entr" presetSubtype="0" fill="hold" grpId="0" nodeType="clickEffect">
+                                  <p:stCondLst>
+                                    <p:cond delay="0"/>
+                                  </p:stCondLst>
+                                  <p:childTnLst>
+                                    <p:set>
+                                      <p:cBhvr>
+                                        <p:cTn id="61" dur="1" fill="hold">
+                                          <p:stCondLst>
+                                            <p:cond delay="0"/>
+                                          </p:stCondLst>
+                                        </p:cTn>
+                                        <p:tgtEl>
+                                          <p:spTgt spid="2">
+                                            <p:txEl>
+                                              <p:pRg st="11" end="11"/>
+                                            </p:txEl>
+                                          </p:spTgt>
+                                        </p:tgtEl>
+                                        <p:attrNameLst>
+                                          <p:attrName>style.visibility</p:attrName>
+                                        </p:attrNameLst>
+                                      </p:cBhvr>
+                                      <p:to>
+                                        <p:strVal val="visible"/>
+                                      </p:to>
+                                    </p:set>
+                                    <p:animEffect transition="in" filter="fade">
+                                      <p:cBhvr>
+                                        <p:cTn id="62" dur="500"/>
+                                        <p:tgtEl>
+                                          <p:spTgt spid="2">
+                                            <p:txEl>
+                                              <p:pRg st="11" end="11"/>
+                                            </p:txEl>
+                                          </p:spTgt>
+                                        </p:tgtEl>
+                                      </p:cBhvr>
+                                    </p:animEffect>
+                                  </p:childTnLst>
+                                </p:cTn>
+                              </p:par>
+                            </p:childTnLst>
+                          </p:cTn>
+                        </p:par>
+                      </p:childTnLst>
+                    </p:cTn>
+                  </p:par>
+                </p:childTnLst>
+              </p:cTn>
+              <p:prevCondLst>
+                <p:cond evt="onPrev" delay="0">
+                  <p:tgtEl>
+                    <p:sldTgt/>
+                  </p:tgtEl>
+                </p:cond>
+              </p:prevCondLst>
+              <p:nextCondLst>
+                <p:cond evt="onNext" delay="0">
+                  <p:tgtEl>
+                    <p:sldTgt/>
+                  </p:tgtEl>
+                </p:cond>
+              </p:nextCondLst>
+            </p:seq>
+          </p:childTnLst>
+        </p:cTn>
+      </p:par>
+    </p:tnLst>
+    <p:bldLst>
+      <p:bldP spid="2" grpId="0" uiExpand="1" build="p"/>
+    </p:bldLst>
+  </p:timing>
+</p:sld>
+</file>
+
+<file path=ppt/slides/slide33.xml><?xml version="1.0" encoding="utf-8"?>
+<p:sld xmlns:a="http://schemas.openxmlformats.org/drawingml/2006/main" xmlns:r="http://schemas.openxmlformats.org/officeDocument/2006/relationships" xmlns:p="http://schemas.openxmlformats.org/presentationml/2006/main">
+  <p:cSld>
+    <p:spTree>
+      <p:nvGrpSpPr>
+        <p:cNvPr id="1" name=""/>
+        <p:cNvGrpSpPr/>
+        <p:nvPr/>
+      </p:nvGrpSpPr>
+      <p:grpSpPr>
+        <a:xfrm>
+          <a:off x="0" y="0"/>
+          <a:ext cx="0" cy="0"/>
+          <a:chOff x="0" y="0"/>
+          <a:chExt cx="0" cy="0"/>
+        </a:xfrm>
+      </p:grpSpPr>
+      <p:sp>
+        <p:nvSpPr>
+          <p:cNvPr id="2" name="Content Placeholder 1"/>
+          <p:cNvSpPr>
+            <a:spLocks noGrp="1"/>
+          </p:cNvSpPr>
+          <p:nvPr>
+            <p:ph idx="14"/>
+          </p:nvPr>
+        </p:nvSpPr>
+        <p:spPr>
+          <a:xfrm>
+            <a:off x="704476" y="1893515"/>
+            <a:ext cx="13273820" cy="5724644"/>
+          </a:xfrm>
+        </p:spPr>
+        <p:txBody>
+          <a:bodyPr/>
+          <a:lstStyle/>
+          <a:p>
+            <a:pPr marL="457200" indent="-457200" defTabSz="1306221" fontAlgn="auto">
+              <a:buFont typeface="+mj-lt"/>
+              <a:buAutoNum type="arabicPeriod"/>
+              <a:defRPr/>
+            </a:pPr>
+            <a:r>
+              <a:rPr lang="en-US" sz="2400" dirty="0">
+                <a:ea typeface="+mn-ea"/>
+              </a:rPr>
+              <a:t>Select “Show Me” from the top right</a:t>
+            </a:r>
+          </a:p>
+          <a:p>
+            <a:pPr marL="457200" indent="-457200" defTabSz="1306221" fontAlgn="auto">
+              <a:buFont typeface="+mj-lt"/>
+              <a:buAutoNum type="arabicPeriod"/>
+              <a:defRPr/>
+            </a:pPr>
+            <a:r>
+              <a:rPr lang="en-US" sz="2400" dirty="0">
+                <a:ea typeface="+mn-ea"/>
+              </a:rPr>
+              <a:t>Select “area chart”</a:t>
+            </a:r>
+          </a:p>
+          <a:p>
+            <a:pPr marL="457200" indent="-457200" defTabSz="1306221" fontAlgn="auto">
+              <a:buFont typeface="+mj-lt"/>
+              <a:buAutoNum type="arabicPeriod"/>
+              <a:defRPr/>
+            </a:pPr>
+            <a:r>
+              <a:rPr lang="en-US" sz="2400" dirty="0">
+                <a:ea typeface="+mn-ea"/>
+              </a:rPr>
+              <a:t>(notice the date was automatically switched to “YEAR(Date)”)</a:t>
+            </a:r>
+          </a:p>
+          <a:p>
+            <a:pPr marL="457200" indent="-457200" defTabSz="1306221" fontAlgn="auto">
+              <a:buFont typeface="+mj-lt"/>
+              <a:buAutoNum type="arabicPeriod"/>
+              <a:defRPr/>
+            </a:pPr>
+            <a:r>
+              <a:rPr lang="en-US" sz="2400" dirty="0">
+                <a:ea typeface="+mn-ea"/>
+              </a:rPr>
+              <a:t>Click the “+” on the left side of the “YEAR(Date)” pill twice to get it to “MONTH(Date)” again</a:t>
+            </a:r>
+          </a:p>
+          <a:p>
+            <a:pPr marL="457200" indent="-457200" defTabSz="1306221" fontAlgn="auto">
+              <a:buFont typeface="+mj-lt"/>
+              <a:buAutoNum type="arabicPeriod"/>
+              <a:defRPr/>
+            </a:pPr>
+            <a:r>
+              <a:rPr lang="en-US" sz="2400" dirty="0">
+                <a:ea typeface="+mn-ea"/>
+              </a:rPr>
+              <a:t>(NOTE: alternatively instead of steps 1-4 we could change the mark type to “Area”)</a:t>
+            </a:r>
+          </a:p>
+          <a:p>
+            <a:pPr marL="457200" indent="-457200" defTabSz="1306221" fontAlgn="auto">
+              <a:buFont typeface="+mj-lt"/>
+              <a:buAutoNum type="arabicPeriod"/>
+              <a:defRPr/>
+            </a:pPr>
+            <a:r>
+              <a:rPr lang="en-US" sz="2400" dirty="0">
+                <a:ea typeface="+mn-ea"/>
+              </a:rPr>
+              <a:t>Double click the sheet tab (“Sheet 1”) and rename to “Mortality Rate over Time”</a:t>
+            </a:r>
+          </a:p>
+          <a:p>
+            <a:pPr marL="457200" indent="-457200" defTabSz="1306221" fontAlgn="auto">
+              <a:buFont typeface="+mj-lt"/>
+              <a:buAutoNum type="arabicPeriod"/>
+              <a:defRPr/>
+            </a:pPr>
+            <a:r>
+              <a:rPr lang="en-US" sz="2400" dirty="0">
+                <a:ea typeface="+mn-ea"/>
+              </a:rPr>
+              <a:t>Right click “Mortality Rate over Time” and select “Duplicate”</a:t>
+            </a:r>
+          </a:p>
+          <a:p>
+            <a:pPr marL="457200" indent="-457200" defTabSz="1306221" fontAlgn="auto">
+              <a:buFont typeface="+mj-lt"/>
+              <a:buAutoNum type="arabicPeriod"/>
+              <a:defRPr/>
+            </a:pPr>
+            <a:r>
+              <a:rPr lang="en-US" sz="2400" dirty="0">
+                <a:ea typeface="+mn-ea"/>
+              </a:rPr>
+              <a:t>Right click “MONTH(Date)” and select “Month”</a:t>
+            </a:r>
+          </a:p>
+          <a:p>
+            <a:pPr marL="457200" indent="-457200" defTabSz="1306221" fontAlgn="auto">
+              <a:buFont typeface="+mj-lt"/>
+              <a:buAutoNum type="arabicPeriod"/>
+              <a:defRPr/>
+            </a:pPr>
+            <a:r>
+              <a:rPr lang="en-US" sz="2400" dirty="0">
+                <a:ea typeface="+mn-ea"/>
+              </a:rPr>
+              <a:t>Go to the “Analytics” pane</a:t>
+            </a:r>
+          </a:p>
+          <a:p>
+            <a:pPr marL="457200" indent="-457200" defTabSz="1306221" fontAlgn="auto">
+              <a:buFont typeface="+mj-lt"/>
+              <a:buAutoNum type="arabicPeriod"/>
+              <a:defRPr/>
+            </a:pPr>
+            <a:r>
+              <a:rPr lang="en-US" sz="2400" dirty="0">
+                <a:ea typeface="+mn-ea"/>
+              </a:rPr>
+              <a:t>Drag out a “Trend Line” onto “Polynomial”</a:t>
+            </a:r>
+          </a:p>
+          <a:p>
+            <a:pPr marL="457200" indent="-457200" defTabSz="1306221" fontAlgn="auto">
+              <a:buFont typeface="+mj-lt"/>
+              <a:buAutoNum type="arabicPeriod"/>
+              <a:defRPr/>
+            </a:pPr>
+            <a:r>
+              <a:rPr lang="en-US" sz="2400" dirty="0">
+                <a:ea typeface="+mn-ea"/>
+              </a:rPr>
+              <a:t>Drag “Date” to “Color”</a:t>
+            </a:r>
+          </a:p>
+          <a:p>
+            <a:pPr marL="457200" indent="-457200" defTabSz="1306221" fontAlgn="auto">
+              <a:buFont typeface="+mj-lt"/>
+              <a:buAutoNum type="arabicPeriod"/>
+              <a:defRPr/>
+            </a:pPr>
+            <a:r>
+              <a:rPr lang="en-US" sz="2400" dirty="0">
+                <a:ea typeface="+mn-ea"/>
+              </a:rPr>
+              <a:t>Rename the sheet</a:t>
+            </a:r>
+          </a:p>
+          <a:p>
+            <a:pPr marL="457200" indent="-457200" defTabSz="1306221" fontAlgn="auto">
+              <a:buFont typeface="+mj-lt"/>
+              <a:buAutoNum type="arabicPeriod"/>
+              <a:defRPr/>
+            </a:pPr>
+            <a:endParaRPr lang="en-US" sz="2400" dirty="0">
+              <a:ea typeface="+mn-ea"/>
+            </a:endParaRPr>
+          </a:p>
+        </p:txBody>
+      </p:sp>
+      <p:sp>
+        <p:nvSpPr>
+          <p:cNvPr id="3" name="Text Placeholder 2"/>
+          <p:cNvSpPr>
+            <a:spLocks noGrp="1"/>
+          </p:cNvSpPr>
+          <p:nvPr>
+            <p:ph type="body" sz="quarter" idx="12"/>
+          </p:nvPr>
+        </p:nvSpPr>
+        <p:spPr>
+          <a:prstGeom prst="rect">
+            <a:avLst/>
+          </a:prstGeom>
+        </p:spPr>
+        <p:txBody>
+          <a:bodyPr/>
+          <a:lstStyle/>
+          <a:p>
+            <a:pPr>
+              <a:spcBef>
+                <a:spcPct val="0"/>
+              </a:spcBef>
+            </a:pPr>
+            <a:r>
+              <a:rPr lang="en-US" b="1" dirty="0">
+                <a:latin typeface="BentonSans Book" charset="0"/>
+              </a:rPr>
+              <a:t>Germ Theory of Disease (continued)</a:t>
+            </a:r>
+          </a:p>
+        </p:txBody>
+      </p:sp>
+    </p:spTree>
+    <p:extLst>
+      <p:ext uri="{BB962C8B-B14F-4D97-AF65-F5344CB8AC3E}">
+        <p14:creationId xmlns:p14="http://schemas.microsoft.com/office/powerpoint/2010/main" val="1829227786"/>
+      </p:ext>
+    </p:extLst>
+  </p:cSld>
+  <p:clrMapOvr>
+    <a:masterClrMapping/>
+  </p:clrMapOvr>
+  <p:transition spd="slow">
+    <p:cover/>
+  </p:transition>
+  <p:timing>
+    <p:tnLst>
+      <p:par>
+        <p:cTn id="1" dur="indefinite" restart="never" nodeType="tmRoot">
+          <p:childTnLst>
+            <p:seq concurrent="1" nextAc="seek">
+              <p:cTn id="2" dur="indefinite" nodeType="mainSeq">
+                <p:childTnLst>
+                  <p:par>
+                    <p:cTn id="3" fill="hold">
+                      <p:stCondLst>
+                        <p:cond delay="indefinite"/>
+                      </p:stCondLst>
+                      <p:childTnLst>
+                        <p:par>
+                          <p:cTn id="4" fill="hold">
+                            <p:stCondLst>
+                              <p:cond delay="0"/>
+                            </p:stCondLst>
+                            <p:childTnLst>
+                              <p:par>
+                                <p:cTn id="5" presetID="10" presetClass="entr" presetSubtype="0" fill="hold" grpId="0" nodeType="clickEffect">
+                                  <p:stCondLst>
+                                    <p:cond delay="0"/>
+                                  </p:stCondLst>
+                                  <p:childTnLst>
+                                    <p:set>
+                                      <p:cBhvr>
+                                        <p:cTn id="6" dur="1" fill="hold">
+                                          <p:stCondLst>
+                                            <p:cond delay="0"/>
+                                          </p:stCondLst>
+                                        </p:cTn>
+                                        <p:tgtEl>
+                                          <p:spTgt spid="2">
+                                            <p:txEl>
+                                              <p:pRg st="0" end="0"/>
+                                            </p:txEl>
+                                          </p:spTgt>
+                                        </p:tgtEl>
+                                        <p:attrNameLst>
+                                          <p:attrName>style.visibility</p:attrName>
+                                        </p:attrNameLst>
+                                      </p:cBhvr>
+                                      <p:to>
+                                        <p:strVal val="visible"/>
+                                      </p:to>
+                                    </p:set>
+                                    <p:animEffect transition="in" filter="fade">
+                                      <p:cBhvr>
+                                        <p:cTn id="7" dur="500"/>
+                                        <p:tgtEl>
+                                          <p:spTgt spid="2">
+                                            <p:txEl>
+                                              <p:pRg st="0" end="0"/>
+                                            </p:txEl>
+                                          </p:spTgt>
+                                        </p:tgtEl>
+                                      </p:cBhvr>
+                                    </p:animEffect>
+                                  </p:childTnLst>
+                                </p:cTn>
+                              </p:par>
+                            </p:childTnLst>
+                          </p:cTn>
+                        </p:par>
+                      </p:childTnLst>
+                    </p:cTn>
+                  </p:par>
+                  <p:par>
+                    <p:cTn id="8" fill="hold">
+                      <p:stCondLst>
+                        <p:cond delay="indefinite"/>
+                      </p:stCondLst>
+                      <p:childTnLst>
+                        <p:par>
+                          <p:cTn id="9" fill="hold">
+                            <p:stCondLst>
+                              <p:cond delay="0"/>
+                            </p:stCondLst>
+                            <p:childTnLst>
+                              <p:par>
+                                <p:cTn id="10" presetID="10" presetClass="entr" presetSubtype="0" fill="hold" grpId="0" nodeType="clickEffect">
+                                  <p:stCondLst>
+                                    <p:cond delay="0"/>
+                                  </p:stCondLst>
+                                  <p:childTnLst>
+                                    <p:set>
+                                      <p:cBhvr>
+                                        <p:cTn id="11" dur="1" fill="hold">
+                                          <p:stCondLst>
+                                            <p:cond delay="0"/>
+                                          </p:stCondLst>
+                                        </p:cTn>
+                                        <p:tgtEl>
+                                          <p:spTgt spid="2">
+                                            <p:txEl>
+                                              <p:pRg st="1" end="1"/>
+                                            </p:txEl>
+                                          </p:spTgt>
+                                        </p:tgtEl>
+                                        <p:attrNameLst>
+                                          <p:attrName>style.visibility</p:attrName>
+                                        </p:attrNameLst>
+                                      </p:cBhvr>
+                                      <p:to>
+                                        <p:strVal val="visible"/>
+                                      </p:to>
+                                    </p:set>
+                                    <p:animEffect transition="in" filter="fade">
+                                      <p:cBhvr>
+                                        <p:cTn id="12" dur="500"/>
+                                        <p:tgtEl>
+                                          <p:spTgt spid="2">
+                                            <p:txEl>
+                                              <p:pRg st="1" end="1"/>
+                                            </p:txEl>
+                                          </p:spTgt>
+                                        </p:tgtEl>
+                                      </p:cBhvr>
+                                    </p:animEffect>
+                                  </p:childTnLst>
+                                </p:cTn>
+                              </p:par>
+                            </p:childTnLst>
+                          </p:cTn>
+                        </p:par>
+                      </p:childTnLst>
+                    </p:cTn>
+                  </p:par>
+                  <p:par>
+                    <p:cTn id="13" fill="hold">
+                      <p:stCondLst>
+                        <p:cond delay="indefinite"/>
+                      </p:stCondLst>
+                      <p:childTnLst>
+                        <p:par>
+                          <p:cTn id="14" fill="hold">
+                            <p:stCondLst>
+                              <p:cond delay="0"/>
+                            </p:stCondLst>
+                            <p:childTnLst>
+                              <p:par>
+                                <p:cTn id="15" presetID="10" presetClass="entr" presetSubtype="0" fill="hold" grpId="0" nodeType="clickEffect">
+                                  <p:stCondLst>
+                                    <p:cond delay="0"/>
+                                  </p:stCondLst>
+                                  <p:childTnLst>
+                                    <p:set>
+                                      <p:cBhvr>
+                                        <p:cTn id="16" dur="1" fill="hold">
+                                          <p:stCondLst>
+                                            <p:cond delay="0"/>
+                                          </p:stCondLst>
+                                        </p:cTn>
+                                        <p:tgtEl>
+                                          <p:spTgt spid="2">
+                                            <p:txEl>
+                                              <p:pRg st="2" end="2"/>
+                                            </p:txEl>
+                                          </p:spTgt>
+                                        </p:tgtEl>
+                                        <p:attrNameLst>
+                                          <p:attrName>style.visibility</p:attrName>
+                                        </p:attrNameLst>
+                                      </p:cBhvr>
+                                      <p:to>
+                                        <p:strVal val="visible"/>
+                                      </p:to>
+                                    </p:set>
+                                    <p:animEffect transition="in" filter="fade">
+                                      <p:cBhvr>
+                                        <p:cTn id="17" dur="500"/>
+                                        <p:tgtEl>
+                                          <p:spTgt spid="2">
+                                            <p:txEl>
+                                              <p:pRg st="2" end="2"/>
+                                            </p:txEl>
+                                          </p:spTgt>
+                                        </p:tgtEl>
+                                      </p:cBhvr>
+                                    </p:animEffect>
+                                  </p:childTnLst>
+                                </p:cTn>
+                              </p:par>
+                            </p:childTnLst>
+                          </p:cTn>
+                        </p:par>
+                      </p:childTnLst>
+                    </p:cTn>
+                  </p:par>
+                  <p:par>
+                    <p:cTn id="18" fill="hold">
+                      <p:stCondLst>
+                        <p:cond delay="indefinite"/>
+                      </p:stCondLst>
+                      <p:childTnLst>
+                        <p:par>
+                          <p:cTn id="19" fill="hold">
+                            <p:stCondLst>
+                              <p:cond delay="0"/>
+                            </p:stCondLst>
+                            <p:childTnLst>
+                              <p:par>
+                                <p:cTn id="20" presetID="10" presetClass="entr" presetSubtype="0" fill="hold" grpId="0" nodeType="clickEffect">
+                                  <p:stCondLst>
+                                    <p:cond delay="0"/>
+                                  </p:stCondLst>
+                                  <p:childTnLst>
+                                    <p:set>
+                                      <p:cBhvr>
+                                        <p:cTn id="21" dur="1" fill="hold">
+                                          <p:stCondLst>
+                                            <p:cond delay="0"/>
+                                          </p:stCondLst>
+                                        </p:cTn>
+                                        <p:tgtEl>
+                                          <p:spTgt spid="2">
+                                            <p:txEl>
+                                              <p:pRg st="3" end="3"/>
+                                            </p:txEl>
+                                          </p:spTgt>
+                                        </p:tgtEl>
+                                        <p:attrNameLst>
+                                          <p:attrName>style.visibility</p:attrName>
+                                        </p:attrNameLst>
+                                      </p:cBhvr>
+                                      <p:to>
+                                        <p:strVal val="visible"/>
+                                      </p:to>
+                                    </p:set>
+                                    <p:animEffect transition="in" filter="fade">
+                                      <p:cBhvr>
+                                        <p:cTn id="22" dur="500"/>
+                                        <p:tgtEl>
+                                          <p:spTgt spid="2">
+                                            <p:txEl>
+                                              <p:pRg st="3" end="3"/>
+                                            </p:txEl>
+                                          </p:spTgt>
+                                        </p:tgtEl>
+                                      </p:cBhvr>
+                                    </p:animEffect>
+                                  </p:childTnLst>
+                                </p:cTn>
+                              </p:par>
+                            </p:childTnLst>
+                          </p:cTn>
+                        </p:par>
+                      </p:childTnLst>
+                    </p:cTn>
+                  </p:par>
+                  <p:par>
+                    <p:cTn id="23" fill="hold">
+                      <p:stCondLst>
+                        <p:cond delay="indefinite"/>
+                      </p:stCondLst>
+                      <p:childTnLst>
+                        <p:par>
+                          <p:cTn id="24" fill="hold">
+                            <p:stCondLst>
+                              <p:cond delay="0"/>
+                            </p:stCondLst>
+                            <p:childTnLst>
+                              <p:par>
+                                <p:cTn id="25" presetID="10" presetClass="entr" presetSubtype="0" fill="hold" grpId="0" nodeType="clickEffect">
+                                  <p:stCondLst>
+                                    <p:cond delay="0"/>
+                                  </p:stCondLst>
+                                  <p:childTnLst>
+                                    <p:set>
+                                      <p:cBhvr>
+                                        <p:cTn id="26" dur="1" fill="hold">
+                                          <p:stCondLst>
+                                            <p:cond delay="0"/>
+                                          </p:stCondLst>
+                                        </p:cTn>
+                                        <p:tgtEl>
+                                          <p:spTgt spid="2">
+                                            <p:txEl>
+                                              <p:pRg st="4" end="4"/>
+                                            </p:txEl>
+                                          </p:spTgt>
+                                        </p:tgtEl>
+                                        <p:attrNameLst>
+                                          <p:attrName>style.visibility</p:attrName>
+                                        </p:attrNameLst>
+                                      </p:cBhvr>
+                                      <p:to>
+                                        <p:strVal val="visible"/>
+                                      </p:to>
+                                    </p:set>
+                                    <p:animEffect transition="in" filter="fade">
+                                      <p:cBhvr>
+                                        <p:cTn id="27" dur="500"/>
+                                        <p:tgtEl>
+                                          <p:spTgt spid="2">
+                                            <p:txEl>
+                                              <p:pRg st="4" end="4"/>
+                                            </p:txEl>
+                                          </p:spTgt>
+                                        </p:tgtEl>
+                                      </p:cBhvr>
+                                    </p:animEffect>
+                                  </p:childTnLst>
+                                </p:cTn>
+                              </p:par>
+                            </p:childTnLst>
+                          </p:cTn>
+                        </p:par>
+                      </p:childTnLst>
+                    </p:cTn>
+                  </p:par>
+                  <p:par>
+                    <p:cTn id="28" fill="hold">
+                      <p:stCondLst>
+                        <p:cond delay="indefinite"/>
+                      </p:stCondLst>
+                      <p:childTnLst>
+                        <p:par>
+                          <p:cTn id="29" fill="hold">
+                            <p:stCondLst>
+                              <p:cond delay="0"/>
+                            </p:stCondLst>
+                            <p:childTnLst>
+                              <p:par>
+                                <p:cTn id="30" presetID="10" presetClass="entr" presetSubtype="0" fill="hold" grpId="0" nodeType="clickEffect">
+                                  <p:stCondLst>
+                                    <p:cond delay="0"/>
+                                  </p:stCondLst>
+                                  <p:childTnLst>
+                                    <p:set>
+                                      <p:cBhvr>
+                                        <p:cTn id="31" dur="1" fill="hold">
+                                          <p:stCondLst>
+                                            <p:cond delay="0"/>
+                                          </p:stCondLst>
+                                        </p:cTn>
+                                        <p:tgtEl>
+                                          <p:spTgt spid="2">
+                                            <p:txEl>
+                                              <p:pRg st="5" end="5"/>
+                                            </p:txEl>
+                                          </p:spTgt>
+                                        </p:tgtEl>
+                                        <p:attrNameLst>
+                                          <p:attrName>style.visibility</p:attrName>
+                                        </p:attrNameLst>
+                                      </p:cBhvr>
+                                      <p:to>
+                                        <p:strVal val="visible"/>
+                                      </p:to>
+                                    </p:set>
+                                    <p:animEffect transition="in" filter="fade">
+                                      <p:cBhvr>
+                                        <p:cTn id="32" dur="500"/>
+                                        <p:tgtEl>
+                                          <p:spTgt spid="2">
+                                            <p:txEl>
+                                              <p:pRg st="5" end="5"/>
+                                            </p:txEl>
+                                          </p:spTgt>
+                                        </p:tgtEl>
+                                      </p:cBhvr>
+                                    </p:animEffect>
+                                  </p:childTnLst>
+                                </p:cTn>
+                              </p:par>
+                            </p:childTnLst>
+                          </p:cTn>
+                        </p:par>
+                      </p:childTnLst>
+                    </p:cTn>
+                  </p:par>
+                  <p:par>
+                    <p:cTn id="33" fill="hold">
+                      <p:stCondLst>
+                        <p:cond delay="indefinite"/>
+                      </p:stCondLst>
+                      <p:childTnLst>
+                        <p:par>
+                          <p:cTn id="34" fill="hold">
+                            <p:stCondLst>
+                              <p:cond delay="0"/>
+                            </p:stCondLst>
+                            <p:childTnLst>
+                              <p:par>
+                                <p:cTn id="35" presetID="10" presetClass="entr" presetSubtype="0" fill="hold" grpId="0" nodeType="clickEffect">
+                                  <p:stCondLst>
+                                    <p:cond delay="0"/>
+                                  </p:stCondLst>
+                                  <p:childTnLst>
+                                    <p:set>
+                                      <p:cBhvr>
+                                        <p:cTn id="36" dur="1" fill="hold">
+                                          <p:stCondLst>
+                                            <p:cond delay="0"/>
+                                          </p:stCondLst>
+                                        </p:cTn>
+                                        <p:tgtEl>
+                                          <p:spTgt spid="2">
+                                            <p:txEl>
+                                              <p:pRg st="6" end="6"/>
+                                            </p:txEl>
+                                          </p:spTgt>
+                                        </p:tgtEl>
+                                        <p:attrNameLst>
+                                          <p:attrName>style.visibility</p:attrName>
+                                        </p:attrNameLst>
+                                      </p:cBhvr>
+                                      <p:to>
+                                        <p:strVal val="visible"/>
+                                      </p:to>
+                                    </p:set>
+                                    <p:animEffect transition="in" filter="fade">
+                                      <p:cBhvr>
+                                        <p:cTn id="37" dur="500"/>
+                                        <p:tgtEl>
+                                          <p:spTgt spid="2">
+                                            <p:txEl>
+                                              <p:pRg st="6" end="6"/>
+                                            </p:txEl>
+                                          </p:spTgt>
+                                        </p:tgtEl>
+                                      </p:cBhvr>
+                                    </p:animEffect>
+                                  </p:childTnLst>
+                                </p:cTn>
+                              </p:par>
+                            </p:childTnLst>
+                          </p:cTn>
+                        </p:par>
+                      </p:childTnLst>
+                    </p:cTn>
+                  </p:par>
+                  <p:par>
+                    <p:cTn id="38" fill="hold">
+                      <p:stCondLst>
+                        <p:cond delay="indefinite"/>
+                      </p:stCondLst>
+                      <p:childTnLst>
+                        <p:par>
+                          <p:cTn id="39" fill="hold">
+                            <p:stCondLst>
+                              <p:cond delay="0"/>
+                            </p:stCondLst>
+                            <p:childTnLst>
+                              <p:par>
+                                <p:cTn id="40" presetID="10" presetClass="entr" presetSubtype="0" fill="hold" grpId="0" nodeType="clickEffect">
+                                  <p:stCondLst>
+                                    <p:cond delay="0"/>
+                                  </p:stCondLst>
+                                  <p:childTnLst>
+                                    <p:set>
+                                      <p:cBhvr>
+                                        <p:cTn id="41" dur="1" fill="hold">
+                                          <p:stCondLst>
+                                            <p:cond delay="0"/>
+                                          </p:stCondLst>
+                                        </p:cTn>
+                                        <p:tgtEl>
+                                          <p:spTgt spid="2">
+                                            <p:txEl>
+                                              <p:pRg st="7" end="7"/>
+                                            </p:txEl>
+                                          </p:spTgt>
+                                        </p:tgtEl>
+                                        <p:attrNameLst>
+                                          <p:attrName>style.visibility</p:attrName>
+                                        </p:attrNameLst>
+                                      </p:cBhvr>
+                                      <p:to>
+                                        <p:strVal val="visible"/>
+                                      </p:to>
+                                    </p:set>
+                                    <p:animEffect transition="in" filter="fade">
+                                      <p:cBhvr>
+                                        <p:cTn id="42" dur="500"/>
+                                        <p:tgtEl>
+                                          <p:spTgt spid="2">
+                                            <p:txEl>
+                                              <p:pRg st="7" end="7"/>
+                                            </p:txEl>
+                                          </p:spTgt>
+                                        </p:tgtEl>
+                                      </p:cBhvr>
+                                    </p:animEffect>
+                                  </p:childTnLst>
+                                </p:cTn>
+                              </p:par>
+                            </p:childTnLst>
+                          </p:cTn>
+                        </p:par>
+                      </p:childTnLst>
+                    </p:cTn>
+                  </p:par>
+                  <p:par>
+                    <p:cTn id="43" fill="hold">
+                      <p:stCondLst>
+                        <p:cond delay="indefinite"/>
+                      </p:stCondLst>
+                      <p:childTnLst>
+                        <p:par>
+                          <p:cTn id="44" fill="hold">
+                            <p:stCondLst>
+                              <p:cond delay="0"/>
+                            </p:stCondLst>
+                            <p:childTnLst>
+                              <p:par>
+                                <p:cTn id="45" presetID="10" presetClass="entr" presetSubtype="0" fill="hold" grpId="0" nodeType="clickEffect">
+                                  <p:stCondLst>
+                                    <p:cond delay="0"/>
+                                  </p:stCondLst>
+                                  <p:childTnLst>
+                                    <p:set>
+                                      <p:cBhvr>
+                                        <p:cTn id="46" dur="1" fill="hold">
+                                          <p:stCondLst>
+                                            <p:cond delay="0"/>
+                                          </p:stCondLst>
+                                        </p:cTn>
+                                        <p:tgtEl>
+                                          <p:spTgt spid="2">
+                                            <p:txEl>
+                                              <p:pRg st="8" end="8"/>
+                                            </p:txEl>
+                                          </p:spTgt>
+                                        </p:tgtEl>
+                                        <p:attrNameLst>
+                                          <p:attrName>style.visibility</p:attrName>
+                                        </p:attrNameLst>
+                                      </p:cBhvr>
+                                      <p:to>
+                                        <p:strVal val="visible"/>
+                                      </p:to>
+                                    </p:set>
+                                    <p:animEffect transition="in" filter="fade">
+                                      <p:cBhvr>
+                                        <p:cTn id="47" dur="500"/>
+                                        <p:tgtEl>
+                                          <p:spTgt spid="2">
+                                            <p:txEl>
+                                              <p:pRg st="8" end="8"/>
+                                            </p:txEl>
+                                          </p:spTgt>
+                                        </p:tgtEl>
+                                      </p:cBhvr>
+                                    </p:animEffect>
+                                  </p:childTnLst>
+                                </p:cTn>
+                              </p:par>
+                            </p:childTnLst>
+                          </p:cTn>
+                        </p:par>
+                      </p:childTnLst>
+                    </p:cTn>
+                  </p:par>
+                  <p:par>
+                    <p:cTn id="48" fill="hold">
+                      <p:stCondLst>
+                        <p:cond delay="indefinite"/>
+                      </p:stCondLst>
+                      <p:childTnLst>
+                        <p:par>
+                          <p:cTn id="49" fill="hold">
+                            <p:stCondLst>
+                              <p:cond delay="0"/>
+                            </p:stCondLst>
+                            <p:childTnLst>
+                              <p:par>
+                                <p:cTn id="50" presetID="10" presetClass="entr" presetSubtype="0" fill="hold" grpId="0" nodeType="clickEffect">
+                                  <p:stCondLst>
+                                    <p:cond delay="0"/>
+                                  </p:stCondLst>
+                                  <p:childTnLst>
+                                    <p:set>
+                                      <p:cBhvr>
+                                        <p:cTn id="51" dur="1" fill="hold">
+                                          <p:stCondLst>
+                                            <p:cond delay="0"/>
+                                          </p:stCondLst>
+                                        </p:cTn>
+                                        <p:tgtEl>
+                                          <p:spTgt spid="2">
+                                            <p:txEl>
+                                              <p:pRg st="9" end="9"/>
+                                            </p:txEl>
+                                          </p:spTgt>
+                                        </p:tgtEl>
+                                        <p:attrNameLst>
+                                          <p:attrName>style.visibility</p:attrName>
+                                        </p:attrNameLst>
+                                      </p:cBhvr>
+                                      <p:to>
+                                        <p:strVal val="visible"/>
+                                      </p:to>
+                                    </p:set>
+                                    <p:animEffect transition="in" filter="fade">
+                                      <p:cBhvr>
+                                        <p:cTn id="52" dur="500"/>
+                                        <p:tgtEl>
+                                          <p:spTgt spid="2">
+                                            <p:txEl>
+                                              <p:pRg st="9" end="9"/>
+                                            </p:txEl>
+                                          </p:spTgt>
+                                        </p:tgtEl>
+                                      </p:cBhvr>
+                                    </p:animEffect>
+                                  </p:childTnLst>
+                                </p:cTn>
+                              </p:par>
+                            </p:childTnLst>
+                          </p:cTn>
+                        </p:par>
+                      </p:childTnLst>
+                    </p:cTn>
+                  </p:par>
+                  <p:par>
+                    <p:cTn id="53" fill="hold">
+                      <p:stCondLst>
+                        <p:cond delay="indefinite"/>
+                      </p:stCondLst>
+                      <p:childTnLst>
+                        <p:par>
+                          <p:cTn id="54" fill="hold">
+                            <p:stCondLst>
+                              <p:cond delay="0"/>
+                            </p:stCondLst>
+                            <p:childTnLst>
+                              <p:par>
+                                <p:cTn id="55" presetID="10" presetClass="entr" presetSubtype="0" fill="hold" grpId="0" nodeType="clickEffect">
+                                  <p:stCondLst>
+                                    <p:cond delay="0"/>
+                                  </p:stCondLst>
+                                  <p:childTnLst>
+                                    <p:set>
+                                      <p:cBhvr>
+                                        <p:cTn id="56" dur="1" fill="hold">
+                                          <p:stCondLst>
+                                            <p:cond delay="0"/>
+                                          </p:stCondLst>
+                                        </p:cTn>
+                                        <p:tgtEl>
+                                          <p:spTgt spid="2">
+                                            <p:txEl>
+                                              <p:pRg st="10" end="10"/>
+                                            </p:txEl>
+                                          </p:spTgt>
+                                        </p:tgtEl>
+                                        <p:attrNameLst>
+                                          <p:attrName>style.visibility</p:attrName>
+                                        </p:attrNameLst>
+                                      </p:cBhvr>
+                                      <p:to>
+                                        <p:strVal val="visible"/>
+                                      </p:to>
+                                    </p:set>
+                                    <p:animEffect transition="in" filter="fade">
+                                      <p:cBhvr>
+                                        <p:cTn id="57" dur="500"/>
+                                        <p:tgtEl>
+                                          <p:spTgt spid="2">
+                                            <p:txEl>
+                                              <p:pRg st="10" end="10"/>
+                                            </p:txEl>
+                                          </p:spTgt>
+                                        </p:tgtEl>
+                                      </p:cBhvr>
+                                    </p:animEffect>
+                                  </p:childTnLst>
+                                </p:cTn>
+                              </p:par>
+                            </p:childTnLst>
+                          </p:cTn>
+                        </p:par>
+                      </p:childTnLst>
+                    </p:cTn>
+                  </p:par>
+                  <p:par>
+                    <p:cTn id="58" fill="hold">
+                      <p:stCondLst>
+                        <p:cond delay="indefinite"/>
+                      </p:stCondLst>
+                      <p:childTnLst>
+                        <p:par>
+                          <p:cTn id="59" fill="hold">
+                            <p:stCondLst>
+                              <p:cond delay="0"/>
+                            </p:stCondLst>
+                            <p:childTnLst>
+                              <p:par>
+                                <p:cTn id="60" presetID="10" presetClass="entr" presetSubtype="0" fill="hold" grpId="0" nodeType="clickEffect">
+                                  <p:stCondLst>
+                                    <p:cond delay="0"/>
+                                  </p:stCondLst>
+                                  <p:childTnLst>
+                                    <p:set>
+                                      <p:cBhvr>
+                                        <p:cTn id="61" dur="1" fill="hold">
+                                          <p:stCondLst>
+                                            <p:cond delay="0"/>
+                                          </p:stCondLst>
+                                        </p:cTn>
+                                        <p:tgtEl>
+                                          <p:spTgt spid="2">
+                                            <p:txEl>
+                                              <p:pRg st="11" end="11"/>
+                                            </p:txEl>
+                                          </p:spTgt>
+                                        </p:tgtEl>
+                                        <p:attrNameLst>
+                                          <p:attrName>style.visibility</p:attrName>
+                                        </p:attrNameLst>
+                                      </p:cBhvr>
+                                      <p:to>
+                                        <p:strVal val="visible"/>
+                                      </p:to>
+                                    </p:set>
+                                    <p:animEffect transition="in" filter="fade">
+                                      <p:cBhvr>
+                                        <p:cTn id="62" dur="500"/>
+                                        <p:tgtEl>
+                                          <p:spTgt spid="2">
+                                            <p:txEl>
+                                              <p:pRg st="11" end="11"/>
+                                            </p:txEl>
+                                          </p:spTgt>
+                                        </p:tgtEl>
+                                      </p:cBhvr>
+                                    </p:animEffect>
+                                  </p:childTnLst>
+                                </p:cTn>
+                              </p:par>
+                            </p:childTnLst>
+                          </p:cTn>
+                        </p:par>
+                      </p:childTnLst>
+                    </p:cTn>
+                  </p:par>
+                </p:childTnLst>
+              </p:cTn>
+              <p:prevCondLst>
+                <p:cond evt="onPrev" delay="0">
+                  <p:tgtEl>
+                    <p:sldTgt/>
+                  </p:tgtEl>
+                </p:cond>
+              </p:prevCondLst>
+              <p:nextCondLst>
+                <p:cond evt="onNext" delay="0">
+                  <p:tgtEl>
+                    <p:sldTgt/>
+                  </p:tgtEl>
+                </p:cond>
+              </p:nextCondLst>
+            </p:seq>
+          </p:childTnLst>
+        </p:cTn>
+      </p:par>
+    </p:tnLst>
+    <p:bldLst>
+      <p:bldP spid="2" grpId="0" uiExpand="1" build="p"/>
+    </p:bldLst>
+  </p:timing>
+</p:sld>
+</file>
+
+<file path=ppt/slides/slide34.xml><?xml version="1.0" encoding="utf-8"?>
+<p:sld xmlns:a="http://schemas.openxmlformats.org/drawingml/2006/main" xmlns:r="http://schemas.openxmlformats.org/officeDocument/2006/relationships" xmlns:p="http://schemas.openxmlformats.org/presentationml/2006/main">
+  <p:cSld>
+    <p:spTree>
+      <p:nvGrpSpPr>
+        <p:cNvPr id="1" name=""/>
+        <p:cNvGrpSpPr/>
+        <p:nvPr/>
+      </p:nvGrpSpPr>
+      <p:grpSpPr>
+        <a:xfrm>
+          <a:off x="0" y="0"/>
+          <a:ext cx="0" cy="0"/>
+          <a:chOff x="0" y="0"/>
+          <a:chExt cx="0" cy="0"/>
+        </a:xfrm>
+      </p:grpSpPr>
+      <p:sp>
+        <p:nvSpPr>
+          <p:cNvPr id="2" name="Content Placeholder 1"/>
+          <p:cNvSpPr>
+            <a:spLocks noGrp="1"/>
+          </p:cNvSpPr>
+          <p:nvPr>
+            <p:ph idx="14"/>
+          </p:nvPr>
+        </p:nvSpPr>
+        <p:spPr>
+          <a:xfrm>
+            <a:off x="704476" y="1893515"/>
             <a:ext cx="13273820" cy="4385816"/>
           </a:xfrm>
         </p:spPr>
@@ -17806,7 +19971,7 @@
 </p:sld>
 </file>
 
-<file path=ppt/slides/slide33.xml><?xml version="1.0" encoding="utf-8"?>
+<file path=ppt/slides/slide35.xml><?xml version="1.0" encoding="utf-8"?>
 <p:sld xmlns:a="http://schemas.openxmlformats.org/drawingml/2006/main" xmlns:r="http://schemas.openxmlformats.org/officeDocument/2006/relationships" xmlns:p="http://schemas.openxmlformats.org/presentationml/2006/main">
   <p:cSld>
     <p:spTree>
@@ -18880,7 +21045,7 @@
 </p:sld>
 </file>
 
-<file path=ppt/slides/slide34.xml><?xml version="1.0" encoding="utf-8"?>
+<file path=ppt/slides/slide36.xml><?xml version="1.0" encoding="utf-8"?>
 <p:sld xmlns:a="http://schemas.openxmlformats.org/drawingml/2006/main" xmlns:r="http://schemas.openxmlformats.org/officeDocument/2006/relationships" xmlns:p="http://schemas.openxmlformats.org/presentationml/2006/main">
   <p:cSld>
     <p:spTree>

--- a/lecture.pptx
+++ b/lecture.pptx
@@ -5,10 +5,10 @@
     <p:sldMasterId id="2147483875" r:id="rId1"/>
   </p:sldMasterIdLst>
   <p:notesMasterIdLst>
-    <p:notesMasterId r:id="rId38"/>
+    <p:notesMasterId r:id="rId41"/>
   </p:notesMasterIdLst>
   <p:handoutMasterIdLst>
-    <p:handoutMasterId r:id="rId39"/>
+    <p:handoutMasterId r:id="rId42"/>
   </p:handoutMasterIdLst>
   <p:sldIdLst>
     <p:sldId id="256" r:id="rId2"/>
@@ -44,9 +44,12 @@
     <p:sldId id="569" r:id="rId32"/>
     <p:sldId id="570" r:id="rId33"/>
     <p:sldId id="571" r:id="rId34"/>
-    <p:sldId id="567" r:id="rId35"/>
-    <p:sldId id="568" r:id="rId36"/>
-    <p:sldId id="566" r:id="rId37"/>
+    <p:sldId id="572" r:id="rId35"/>
+    <p:sldId id="574" r:id="rId36"/>
+    <p:sldId id="573" r:id="rId37"/>
+    <p:sldId id="567" r:id="rId38"/>
+    <p:sldId id="568" r:id="rId39"/>
+    <p:sldId id="566" r:id="rId40"/>
   </p:sldIdLst>
   <p:sldSz cx="14630400" cy="8229600"/>
   <p:notesSz cx="6858000" cy="9144000"/>
@@ -3972,182 +3975,11 @@
               </a:spcBef>
             </a:pPr>
             <a:r>
-              <a:rPr lang="en-US" b="1" dirty="0">
+              <a:rPr lang="en-US" b="0" dirty="0">
                 <a:latin typeface="BentonSans Book" charset="0"/>
               </a:rPr>
               <a:t>Germ Theory of Disease (two clinics)</a:t>
             </a:r>
-          </a:p>
-          <a:p>
-            <a:pPr marL="342900" indent="-342900">
-              <a:spcBef>
-                <a:spcPct val="0"/>
-              </a:spcBef>
-              <a:buFont typeface="+mj-lt"/>
-              <a:buAutoNum type="arabicPeriod"/>
-            </a:pPr>
-            <a:r>
-              <a:rPr lang="en-US" dirty="0">
-                <a:latin typeface="BentonSans Book" charset="0"/>
-              </a:rPr>
-              <a:t>Start empty</a:t>
-            </a:r>
-          </a:p>
-          <a:p>
-            <a:pPr marL="342900" indent="-342900">
-              <a:spcBef>
-                <a:spcPct val="0"/>
-              </a:spcBef>
-              <a:buFont typeface="+mj-lt"/>
-              <a:buAutoNum type="arabicPeriod"/>
-            </a:pPr>
-            <a:r>
-              <a:rPr lang="en-US" dirty="0">
-                <a:latin typeface="BentonSans Book" charset="0"/>
-              </a:rPr>
-              <a:t>Drag “Clinic” to Columns</a:t>
-            </a:r>
-          </a:p>
-          <a:p>
-            <a:pPr marL="342900" indent="-342900">
-              <a:spcBef>
-                <a:spcPct val="0"/>
-              </a:spcBef>
-              <a:buFont typeface="+mj-lt"/>
-              <a:buAutoNum type="arabicPeriod"/>
-            </a:pPr>
-            <a:r>
-              <a:rPr lang="en-US" dirty="0">
-                <a:latin typeface="BentonSans Book" charset="0"/>
-              </a:rPr>
-              <a:t>Drag “Mortality Rate” to Rows</a:t>
-            </a:r>
-          </a:p>
-          <a:p>
-            <a:pPr marL="342900" indent="-342900">
-              <a:spcBef>
-                <a:spcPct val="0"/>
-              </a:spcBef>
-              <a:buFont typeface="+mj-lt"/>
-              <a:buAutoNum type="arabicPeriod"/>
-            </a:pPr>
-            <a:r>
-              <a:rPr lang="en-US" dirty="0">
-                <a:latin typeface="BentonSans Book" charset="0"/>
-              </a:rPr>
-              <a:t>Right click “Mortality Rate” &gt; Measure &gt; Average</a:t>
-            </a:r>
-          </a:p>
-          <a:p>
-            <a:pPr marL="342900" indent="-342900">
-              <a:spcBef>
-                <a:spcPct val="0"/>
-              </a:spcBef>
-              <a:buFont typeface="+mj-lt"/>
-              <a:buAutoNum type="arabicPeriod"/>
-            </a:pPr>
-            <a:r>
-              <a:rPr lang="en-US" dirty="0">
-                <a:latin typeface="BentonSans Book" charset="0"/>
-              </a:rPr>
-              <a:t>“Year” to “Columns”</a:t>
-            </a:r>
-          </a:p>
-          <a:p>
-            <a:pPr marL="342900" indent="-342900">
-              <a:spcBef>
-                <a:spcPct val="0"/>
-              </a:spcBef>
-              <a:buFont typeface="+mj-lt"/>
-              <a:buAutoNum type="arabicPeriod"/>
-            </a:pPr>
-            <a:r>
-              <a:rPr lang="en-US" dirty="0">
-                <a:latin typeface="BentonSans Book" charset="0"/>
-              </a:rPr>
-              <a:t>“Clinic” to “Color”</a:t>
-            </a:r>
-          </a:p>
-          <a:p>
-            <a:pPr marL="342900" indent="-342900">
-              <a:spcBef>
-                <a:spcPct val="0"/>
-              </a:spcBef>
-              <a:buFont typeface="+mj-lt"/>
-              <a:buAutoNum type="arabicPeriod"/>
-            </a:pPr>
-            <a:r>
-              <a:rPr lang="en-US" dirty="0">
-                <a:latin typeface="BentonSans Book" charset="0"/>
-              </a:rPr>
-              <a:t>“Births” to “Tooltip”</a:t>
-            </a:r>
-          </a:p>
-          <a:p>
-            <a:pPr marL="342900" indent="-342900">
-              <a:spcBef>
-                <a:spcPct val="0"/>
-              </a:spcBef>
-              <a:buFont typeface="+mj-lt"/>
-              <a:buAutoNum type="arabicPeriod"/>
-            </a:pPr>
-            <a:r>
-              <a:rPr lang="en-US" dirty="0">
-                <a:latin typeface="BentonSans Book" charset="0"/>
-              </a:rPr>
-              <a:t>“Deaths” to “Tooltip”</a:t>
-            </a:r>
-          </a:p>
-          <a:p>
-            <a:pPr marL="342900" indent="-342900">
-              <a:spcBef>
-                <a:spcPct val="0"/>
-              </a:spcBef>
-              <a:buFont typeface="+mj-lt"/>
-              <a:buAutoNum type="arabicPeriod"/>
-            </a:pPr>
-            <a:r>
-              <a:rPr lang="en-US" dirty="0">
-                <a:latin typeface="BentonSans Book" charset="0"/>
-              </a:rPr>
-              <a:t>Open “Tooltip”</a:t>
-            </a:r>
-          </a:p>
-          <a:p>
-            <a:pPr marL="342900" indent="-342900">
-              <a:spcBef>
-                <a:spcPct val="0"/>
-              </a:spcBef>
-              <a:buFont typeface="+mj-lt"/>
-              <a:buAutoNum type="arabicPeriod"/>
-            </a:pPr>
-            <a:r>
-              <a:rPr lang="en-US" dirty="0">
-                <a:latin typeface="BentonSans Book" charset="0"/>
-              </a:rPr>
-              <a:t>Add custom message</a:t>
-            </a:r>
-          </a:p>
-          <a:p>
-            <a:pPr marL="342900" indent="-342900">
-              <a:spcBef>
-                <a:spcPct val="0"/>
-              </a:spcBef>
-              <a:buFont typeface="+mj-lt"/>
-              <a:buAutoNum type="arabicPeriod"/>
-            </a:pPr>
-            <a:endParaRPr lang="en-US" dirty="0">
-              <a:latin typeface="BentonSans Book" charset="0"/>
-            </a:endParaRPr>
-          </a:p>
-          <a:p>
-            <a:pPr marL="0" indent="0">
-              <a:spcBef>
-                <a:spcPct val="0"/>
-              </a:spcBef>
-              <a:buFont typeface="+mj-lt"/>
-              <a:buNone/>
-            </a:pPr>
             <a:endParaRPr lang="en-US" dirty="0">
               <a:latin typeface="BentonSans Book" charset="0"/>
             </a:endParaRPr>
@@ -4511,7 +4343,10 @@
           <a:bodyPr/>
           <a:lstStyle/>
           <a:p>
-            <a:endParaRPr lang="en-US" dirty="0"/>
+            <a:r>
+              <a:rPr lang="en-US" dirty="0"/>
+              <a:t>Can add stuff to pages if desired (date or deaths might be interesting)</a:t>
+            </a:r>
           </a:p>
         </p:txBody>
       </p:sp>
@@ -4579,7 +4414,7 @@
     </p:spTree>
     <p:extLst>
       <p:ext uri="{BB962C8B-B14F-4D97-AF65-F5344CB8AC3E}">
-        <p14:creationId xmlns:p14="http://schemas.microsoft.com/office/powerpoint/2010/main" val="3559071881"/>
+        <p14:creationId xmlns:p14="http://schemas.microsoft.com/office/powerpoint/2010/main" val="3350560249"/>
       </p:ext>
     </p:extLst>
   </p:cSld>
@@ -4640,6 +4475,189 @@
     </p:spTree>
     <p:extLst>
       <p:ext uri="{BB962C8B-B14F-4D97-AF65-F5344CB8AC3E}">
+        <p14:creationId xmlns:p14="http://schemas.microsoft.com/office/powerpoint/2010/main" val="4070323610"/>
+      </p:ext>
+    </p:extLst>
+  </p:cSld>
+  <p:clrMapOvr>
+    <a:masterClrMapping/>
+  </p:clrMapOvr>
+</p:notes>
+</file>
+
+<file path=ppt/notesSlides/notesSlide34.xml><?xml version="1.0" encoding="utf-8"?>
+<p:notes xmlns:a="http://schemas.openxmlformats.org/drawingml/2006/main" xmlns:r="http://schemas.openxmlformats.org/officeDocument/2006/relationships" xmlns:p="http://schemas.openxmlformats.org/presentationml/2006/main">
+  <p:cSld>
+    <p:spTree>
+      <p:nvGrpSpPr>
+        <p:cNvPr id="1" name=""/>
+        <p:cNvGrpSpPr/>
+        <p:nvPr/>
+      </p:nvGrpSpPr>
+      <p:grpSpPr>
+        <a:xfrm>
+          <a:off x="0" y="0"/>
+          <a:ext cx="0" cy="0"/>
+          <a:chOff x="0" y="0"/>
+          <a:chExt cx="0" cy="0"/>
+        </a:xfrm>
+      </p:grpSpPr>
+      <p:sp>
+        <p:nvSpPr>
+          <p:cNvPr id="2" name="Slide Image Placeholder 1"/>
+          <p:cNvSpPr>
+            <a:spLocks noGrp="1" noRot="1" noChangeAspect="1"/>
+          </p:cNvSpPr>
+          <p:nvPr>
+            <p:ph type="sldImg"/>
+          </p:nvPr>
+        </p:nvSpPr>
+        <p:spPr/>
+      </p:sp>
+      <p:sp>
+        <p:nvSpPr>
+          <p:cNvPr id="3" name="Notes Placeholder 2"/>
+          <p:cNvSpPr>
+            <a:spLocks noGrp="1"/>
+          </p:cNvSpPr>
+          <p:nvPr>
+            <p:ph type="body" idx="1"/>
+          </p:nvPr>
+        </p:nvSpPr>
+        <p:spPr/>
+        <p:txBody>
+          <a:bodyPr/>
+          <a:lstStyle/>
+          <a:p>
+            <a:endParaRPr lang="en-US" dirty="0"/>
+          </a:p>
+        </p:txBody>
+      </p:sp>
+    </p:spTree>
+    <p:extLst>
+      <p:ext uri="{BB962C8B-B14F-4D97-AF65-F5344CB8AC3E}">
+        <p14:creationId xmlns:p14="http://schemas.microsoft.com/office/powerpoint/2010/main" val="1700628346"/>
+      </p:ext>
+    </p:extLst>
+  </p:cSld>
+  <p:clrMapOvr>
+    <a:masterClrMapping/>
+  </p:clrMapOvr>
+</p:notes>
+</file>
+
+<file path=ppt/notesSlides/notesSlide35.xml><?xml version="1.0" encoding="utf-8"?>
+<p:notes xmlns:a="http://schemas.openxmlformats.org/drawingml/2006/main" xmlns:r="http://schemas.openxmlformats.org/officeDocument/2006/relationships" xmlns:p="http://schemas.openxmlformats.org/presentationml/2006/main">
+  <p:cSld>
+    <p:spTree>
+      <p:nvGrpSpPr>
+        <p:cNvPr id="1" name=""/>
+        <p:cNvGrpSpPr/>
+        <p:nvPr/>
+      </p:nvGrpSpPr>
+      <p:grpSpPr>
+        <a:xfrm>
+          <a:off x="0" y="0"/>
+          <a:ext cx="0" cy="0"/>
+          <a:chOff x="0" y="0"/>
+          <a:chExt cx="0" cy="0"/>
+        </a:xfrm>
+      </p:grpSpPr>
+      <p:sp>
+        <p:nvSpPr>
+          <p:cNvPr id="2" name="Slide Image Placeholder 1"/>
+          <p:cNvSpPr>
+            <a:spLocks noGrp="1" noRot="1" noChangeAspect="1"/>
+          </p:cNvSpPr>
+          <p:nvPr>
+            <p:ph type="sldImg"/>
+          </p:nvPr>
+        </p:nvSpPr>
+        <p:spPr/>
+      </p:sp>
+      <p:sp>
+        <p:nvSpPr>
+          <p:cNvPr id="3" name="Notes Placeholder 2"/>
+          <p:cNvSpPr>
+            <a:spLocks noGrp="1"/>
+          </p:cNvSpPr>
+          <p:nvPr>
+            <p:ph type="body" idx="1"/>
+          </p:nvPr>
+        </p:nvSpPr>
+        <p:spPr/>
+        <p:txBody>
+          <a:bodyPr/>
+          <a:lstStyle/>
+          <a:p>
+            <a:endParaRPr lang="en-US" dirty="0"/>
+          </a:p>
+        </p:txBody>
+      </p:sp>
+    </p:spTree>
+    <p:extLst>
+      <p:ext uri="{BB962C8B-B14F-4D97-AF65-F5344CB8AC3E}">
+        <p14:creationId xmlns:p14="http://schemas.microsoft.com/office/powerpoint/2010/main" val="3559071881"/>
+      </p:ext>
+    </p:extLst>
+  </p:cSld>
+  <p:clrMapOvr>
+    <a:masterClrMapping/>
+  </p:clrMapOvr>
+</p:notes>
+</file>
+
+<file path=ppt/notesSlides/notesSlide36.xml><?xml version="1.0" encoding="utf-8"?>
+<p:notes xmlns:a="http://schemas.openxmlformats.org/drawingml/2006/main" xmlns:r="http://schemas.openxmlformats.org/officeDocument/2006/relationships" xmlns:p="http://schemas.openxmlformats.org/presentationml/2006/main">
+  <p:cSld>
+    <p:spTree>
+      <p:nvGrpSpPr>
+        <p:cNvPr id="1" name=""/>
+        <p:cNvGrpSpPr/>
+        <p:nvPr/>
+      </p:nvGrpSpPr>
+      <p:grpSpPr>
+        <a:xfrm>
+          <a:off x="0" y="0"/>
+          <a:ext cx="0" cy="0"/>
+          <a:chOff x="0" y="0"/>
+          <a:chExt cx="0" cy="0"/>
+        </a:xfrm>
+      </p:grpSpPr>
+      <p:sp>
+        <p:nvSpPr>
+          <p:cNvPr id="2" name="Slide Image Placeholder 1"/>
+          <p:cNvSpPr>
+            <a:spLocks noGrp="1" noRot="1" noChangeAspect="1"/>
+          </p:cNvSpPr>
+          <p:nvPr>
+            <p:ph type="sldImg"/>
+          </p:nvPr>
+        </p:nvSpPr>
+        <p:spPr/>
+      </p:sp>
+      <p:sp>
+        <p:nvSpPr>
+          <p:cNvPr id="3" name="Notes Placeholder 2"/>
+          <p:cNvSpPr>
+            <a:spLocks noGrp="1"/>
+          </p:cNvSpPr>
+          <p:nvPr>
+            <p:ph type="body" idx="1"/>
+          </p:nvPr>
+        </p:nvSpPr>
+        <p:spPr/>
+        <p:txBody>
+          <a:bodyPr/>
+          <a:lstStyle/>
+          <a:p>
+            <a:endParaRPr lang="en-US" dirty="0"/>
+          </a:p>
+        </p:txBody>
+      </p:sp>
+    </p:spTree>
+    <p:extLst>
+      <p:ext uri="{BB962C8B-B14F-4D97-AF65-F5344CB8AC3E}">
         <p14:creationId xmlns:p14="http://schemas.microsoft.com/office/powerpoint/2010/main" val="2764254563"/>
       </p:ext>
     </p:extLst>
@@ -4650,7 +4668,7 @@
 </p:notes>
 </file>
 
-<file path=ppt/notesSlides/notesSlide34.xml><?xml version="1.0" encoding="utf-8"?>
+<file path=ppt/notesSlides/notesSlide37.xml><?xml version="1.0" encoding="utf-8"?>
 <p:notes xmlns:a="http://schemas.openxmlformats.org/drawingml/2006/main" xmlns:r="http://schemas.openxmlformats.org/officeDocument/2006/relationships" xmlns:p="http://schemas.openxmlformats.org/presentationml/2006/main">
   <p:cSld>
     <p:spTree>
@@ -17328,7 +17346,7 @@
               <a:rPr lang="en-US" b="1" dirty="0">
                 <a:latin typeface="BentonSans Book" charset="0"/>
               </a:rPr>
-              <a:t>Germ Theory of Disease</a:t>
+              <a:t>Germ Theory of Disease – Basic Viz</a:t>
             </a:r>
           </a:p>
         </p:txBody>
@@ -18346,7 +18364,7 @@
               <a:rPr lang="en-US" b="1" dirty="0">
                 <a:latin typeface="BentonSans Book" charset="0"/>
               </a:rPr>
-              <a:t>Germ Theory of Disease (continued)</a:t>
+              <a:t>Germ Theory of Disease – Simple Viz</a:t>
             </a:r>
           </a:p>
         </p:txBody>
@@ -19162,6 +19180,1345 @@
         <p:spPr>
           <a:xfrm>
             <a:off x="704476" y="1893515"/>
+            <a:ext cx="13273820" cy="5601533"/>
+          </a:xfrm>
+        </p:spPr>
+        <p:txBody>
+          <a:bodyPr/>
+          <a:lstStyle/>
+          <a:p>
+            <a:pPr marL="457200" indent="-457200" defTabSz="1306221" fontAlgn="auto">
+              <a:buFont typeface="+mj-lt"/>
+              <a:buAutoNum type="arabicPeriod"/>
+              <a:defRPr/>
+            </a:pPr>
+            <a:r>
+              <a:rPr lang="en-US" sz="2400" dirty="0">
+                <a:ea typeface="+mn-ea"/>
+              </a:rPr>
+              <a:t>Duplicate “Mortality Rate over Time”</a:t>
+            </a:r>
+          </a:p>
+          <a:p>
+            <a:pPr marL="457200" indent="-457200" defTabSz="1306221" fontAlgn="auto">
+              <a:buFont typeface="+mj-lt"/>
+              <a:buAutoNum type="arabicPeriod"/>
+              <a:defRPr/>
+            </a:pPr>
+            <a:r>
+              <a:rPr lang="en-US" sz="2400" dirty="0">
+                <a:ea typeface="+mn-ea"/>
+              </a:rPr>
+              <a:t>Drag “Date” to “Pages”</a:t>
+            </a:r>
+          </a:p>
+          <a:p>
+            <a:pPr marL="457200" indent="-457200" defTabSz="1306221" fontAlgn="auto">
+              <a:buFont typeface="+mj-lt"/>
+              <a:buAutoNum type="arabicPeriod"/>
+              <a:defRPr/>
+            </a:pPr>
+            <a:r>
+              <a:rPr lang="en-US" sz="2400" dirty="0">
+                <a:ea typeface="+mn-ea"/>
+              </a:rPr>
+              <a:t>Right click “Date” pill and select “Month (May 2015)”</a:t>
+            </a:r>
+          </a:p>
+          <a:p>
+            <a:pPr marL="457200" indent="-457200" defTabSz="1306221" fontAlgn="auto">
+              <a:buFont typeface="+mj-lt"/>
+              <a:buAutoNum type="arabicPeriod"/>
+              <a:defRPr/>
+            </a:pPr>
+            <a:r>
+              <a:rPr lang="en-US" sz="2400" dirty="0">
+                <a:ea typeface="+mn-ea"/>
+              </a:rPr>
+              <a:t>Switch the “Marks” type to “Bar”</a:t>
+            </a:r>
+          </a:p>
+          <a:p>
+            <a:pPr marL="457200" indent="-457200" defTabSz="1306221" fontAlgn="auto">
+              <a:buFont typeface="+mj-lt"/>
+              <a:buAutoNum type="arabicPeriod"/>
+              <a:defRPr/>
+            </a:pPr>
+            <a:r>
+              <a:rPr lang="en-US" sz="2400" dirty="0">
+                <a:ea typeface="+mn-ea"/>
+              </a:rPr>
+              <a:t>Try clicking the “Play” button in the Pages card</a:t>
+            </a:r>
+          </a:p>
+          <a:p>
+            <a:pPr marL="457200" indent="-457200" defTabSz="1306221" fontAlgn="auto">
+              <a:buFont typeface="+mj-lt"/>
+              <a:buAutoNum type="arabicPeriod"/>
+              <a:defRPr/>
+            </a:pPr>
+            <a:r>
+              <a:rPr lang="en-US" sz="2400" dirty="0">
+                <a:ea typeface="+mn-ea"/>
+              </a:rPr>
+              <a:t>Check “Show history” in the Pages card</a:t>
+            </a:r>
+          </a:p>
+          <a:p>
+            <a:pPr marL="739775" lvl="1" indent="-457200" defTabSz="1306221" fontAlgn="auto">
+              <a:buFont typeface="+mj-lt"/>
+              <a:buAutoNum type="arabicPeriod"/>
+              <a:defRPr/>
+            </a:pPr>
+            <a:r>
+              <a:rPr lang="en-US" sz="2000" dirty="0">
+                <a:ea typeface="+mn-ea"/>
+              </a:rPr>
+              <a:t>Select the dropdown and choose “All”</a:t>
+            </a:r>
+          </a:p>
+          <a:p>
+            <a:pPr marL="457200" indent="-457200" defTabSz="1306221" fontAlgn="auto">
+              <a:buFont typeface="+mj-lt"/>
+              <a:buAutoNum type="arabicPeriod"/>
+              <a:defRPr/>
+            </a:pPr>
+            <a:r>
+              <a:rPr lang="en-US" sz="2400" dirty="0">
+                <a:ea typeface="+mn-ea"/>
+              </a:rPr>
+              <a:t>Try playing it again</a:t>
+            </a:r>
+          </a:p>
+          <a:p>
+            <a:pPr marL="457200" indent="-457200" defTabSz="1306221" fontAlgn="auto">
+              <a:buFont typeface="+mj-lt"/>
+              <a:buAutoNum type="arabicPeriod"/>
+              <a:defRPr/>
+            </a:pPr>
+            <a:r>
+              <a:rPr lang="en-US" sz="2400" dirty="0">
+                <a:ea typeface="+mn-ea"/>
+              </a:rPr>
+              <a:t>Rename the sheet “Mortality Rate through Time”</a:t>
+            </a:r>
+          </a:p>
+          <a:p>
+            <a:pPr marL="457200" indent="-457200" defTabSz="1306221" fontAlgn="auto">
+              <a:buFont typeface="+mj-lt"/>
+              <a:buAutoNum type="arabicPeriod"/>
+              <a:defRPr/>
+            </a:pPr>
+            <a:r>
+              <a:rPr lang="en-US" sz="2400" dirty="0">
+                <a:ea typeface="+mn-ea"/>
+              </a:rPr>
+              <a:t>Duplicate “Mortality Rate through Time”</a:t>
+            </a:r>
+          </a:p>
+          <a:p>
+            <a:pPr marL="457200" indent="-457200" defTabSz="1306221" fontAlgn="auto">
+              <a:buFont typeface="+mj-lt"/>
+              <a:buAutoNum type="arabicPeriod"/>
+              <a:defRPr/>
+            </a:pPr>
+            <a:r>
+              <a:rPr lang="en-US" sz="2400" dirty="0">
+                <a:ea typeface="+mn-ea"/>
+              </a:rPr>
+              <a:t>Replace the Pages “Date” with “Mortality Rate (%)” (drag it on top of the existing pill)</a:t>
+            </a:r>
+          </a:p>
+          <a:p>
+            <a:pPr marL="739775" lvl="1" indent="-457200" defTabSz="1306221" fontAlgn="auto">
+              <a:buFont typeface="+mj-lt"/>
+              <a:buAutoNum type="arabicPeriod"/>
+              <a:defRPr/>
+            </a:pPr>
+            <a:endParaRPr lang="en-US" sz="2000" dirty="0">
+              <a:ea typeface="+mn-ea"/>
+            </a:endParaRPr>
+          </a:p>
+          <a:p>
+            <a:pPr marL="457200" indent="-457200" defTabSz="1306221" fontAlgn="auto">
+              <a:buFont typeface="+mj-lt"/>
+              <a:buAutoNum type="arabicPeriod"/>
+              <a:defRPr/>
+            </a:pPr>
+            <a:endParaRPr lang="en-US" sz="2400" dirty="0">
+              <a:ea typeface="+mn-ea"/>
+            </a:endParaRPr>
+          </a:p>
+        </p:txBody>
+      </p:sp>
+      <p:sp>
+        <p:nvSpPr>
+          <p:cNvPr id="3" name="Text Placeholder 2"/>
+          <p:cNvSpPr>
+            <a:spLocks noGrp="1"/>
+          </p:cNvSpPr>
+          <p:nvPr>
+            <p:ph type="body" sz="quarter" idx="12"/>
+          </p:nvPr>
+        </p:nvSpPr>
+        <p:spPr>
+          <a:prstGeom prst="rect">
+            <a:avLst/>
+          </a:prstGeom>
+        </p:spPr>
+        <p:txBody>
+          <a:bodyPr/>
+          <a:lstStyle/>
+          <a:p>
+            <a:pPr>
+              <a:spcBef>
+                <a:spcPct val="0"/>
+              </a:spcBef>
+            </a:pPr>
+            <a:r>
+              <a:rPr lang="en-US" b="1" dirty="0">
+                <a:latin typeface="BentonSans Book" charset="0"/>
+              </a:rPr>
+              <a:t>Germ Theory of Disease – (slightly) Advanced Viz</a:t>
+            </a:r>
+          </a:p>
+        </p:txBody>
+      </p:sp>
+    </p:spTree>
+    <p:extLst>
+      <p:ext uri="{BB962C8B-B14F-4D97-AF65-F5344CB8AC3E}">
+        <p14:creationId xmlns:p14="http://schemas.microsoft.com/office/powerpoint/2010/main" val="181456720"/>
+      </p:ext>
+    </p:extLst>
+  </p:cSld>
+  <p:clrMapOvr>
+    <a:masterClrMapping/>
+  </p:clrMapOvr>
+  <p:transition spd="slow">
+    <p:cover/>
+  </p:transition>
+  <p:timing>
+    <p:tnLst>
+      <p:par>
+        <p:cTn id="1" dur="indefinite" restart="never" nodeType="tmRoot">
+          <p:childTnLst>
+            <p:seq concurrent="1" nextAc="seek">
+              <p:cTn id="2" dur="indefinite" nodeType="mainSeq">
+                <p:childTnLst>
+                  <p:par>
+                    <p:cTn id="3" fill="hold">
+                      <p:stCondLst>
+                        <p:cond delay="indefinite"/>
+                      </p:stCondLst>
+                      <p:childTnLst>
+                        <p:par>
+                          <p:cTn id="4" fill="hold">
+                            <p:stCondLst>
+                              <p:cond delay="0"/>
+                            </p:stCondLst>
+                            <p:childTnLst>
+                              <p:par>
+                                <p:cTn id="5" presetID="10" presetClass="entr" presetSubtype="0" fill="hold" grpId="0" nodeType="clickEffect">
+                                  <p:stCondLst>
+                                    <p:cond delay="0"/>
+                                  </p:stCondLst>
+                                  <p:childTnLst>
+                                    <p:set>
+                                      <p:cBhvr>
+                                        <p:cTn id="6" dur="1" fill="hold">
+                                          <p:stCondLst>
+                                            <p:cond delay="0"/>
+                                          </p:stCondLst>
+                                        </p:cTn>
+                                        <p:tgtEl>
+                                          <p:spTgt spid="2">
+                                            <p:txEl>
+                                              <p:pRg st="0" end="0"/>
+                                            </p:txEl>
+                                          </p:spTgt>
+                                        </p:tgtEl>
+                                        <p:attrNameLst>
+                                          <p:attrName>style.visibility</p:attrName>
+                                        </p:attrNameLst>
+                                      </p:cBhvr>
+                                      <p:to>
+                                        <p:strVal val="visible"/>
+                                      </p:to>
+                                    </p:set>
+                                    <p:animEffect transition="in" filter="fade">
+                                      <p:cBhvr>
+                                        <p:cTn id="7" dur="500"/>
+                                        <p:tgtEl>
+                                          <p:spTgt spid="2">
+                                            <p:txEl>
+                                              <p:pRg st="0" end="0"/>
+                                            </p:txEl>
+                                          </p:spTgt>
+                                        </p:tgtEl>
+                                      </p:cBhvr>
+                                    </p:animEffect>
+                                  </p:childTnLst>
+                                </p:cTn>
+                              </p:par>
+                            </p:childTnLst>
+                          </p:cTn>
+                        </p:par>
+                      </p:childTnLst>
+                    </p:cTn>
+                  </p:par>
+                  <p:par>
+                    <p:cTn id="8" fill="hold">
+                      <p:stCondLst>
+                        <p:cond delay="indefinite"/>
+                      </p:stCondLst>
+                      <p:childTnLst>
+                        <p:par>
+                          <p:cTn id="9" fill="hold">
+                            <p:stCondLst>
+                              <p:cond delay="0"/>
+                            </p:stCondLst>
+                            <p:childTnLst>
+                              <p:par>
+                                <p:cTn id="10" presetID="10" presetClass="entr" presetSubtype="0" fill="hold" grpId="0" nodeType="clickEffect">
+                                  <p:stCondLst>
+                                    <p:cond delay="0"/>
+                                  </p:stCondLst>
+                                  <p:childTnLst>
+                                    <p:set>
+                                      <p:cBhvr>
+                                        <p:cTn id="11" dur="1" fill="hold">
+                                          <p:stCondLst>
+                                            <p:cond delay="0"/>
+                                          </p:stCondLst>
+                                        </p:cTn>
+                                        <p:tgtEl>
+                                          <p:spTgt spid="2">
+                                            <p:txEl>
+                                              <p:pRg st="1" end="1"/>
+                                            </p:txEl>
+                                          </p:spTgt>
+                                        </p:tgtEl>
+                                        <p:attrNameLst>
+                                          <p:attrName>style.visibility</p:attrName>
+                                        </p:attrNameLst>
+                                      </p:cBhvr>
+                                      <p:to>
+                                        <p:strVal val="visible"/>
+                                      </p:to>
+                                    </p:set>
+                                    <p:animEffect transition="in" filter="fade">
+                                      <p:cBhvr>
+                                        <p:cTn id="12" dur="500"/>
+                                        <p:tgtEl>
+                                          <p:spTgt spid="2">
+                                            <p:txEl>
+                                              <p:pRg st="1" end="1"/>
+                                            </p:txEl>
+                                          </p:spTgt>
+                                        </p:tgtEl>
+                                      </p:cBhvr>
+                                    </p:animEffect>
+                                  </p:childTnLst>
+                                </p:cTn>
+                              </p:par>
+                            </p:childTnLst>
+                          </p:cTn>
+                        </p:par>
+                      </p:childTnLst>
+                    </p:cTn>
+                  </p:par>
+                  <p:par>
+                    <p:cTn id="13" fill="hold">
+                      <p:stCondLst>
+                        <p:cond delay="indefinite"/>
+                      </p:stCondLst>
+                      <p:childTnLst>
+                        <p:par>
+                          <p:cTn id="14" fill="hold">
+                            <p:stCondLst>
+                              <p:cond delay="0"/>
+                            </p:stCondLst>
+                            <p:childTnLst>
+                              <p:par>
+                                <p:cTn id="15" presetID="10" presetClass="entr" presetSubtype="0" fill="hold" grpId="0" nodeType="clickEffect">
+                                  <p:stCondLst>
+                                    <p:cond delay="0"/>
+                                  </p:stCondLst>
+                                  <p:childTnLst>
+                                    <p:set>
+                                      <p:cBhvr>
+                                        <p:cTn id="16" dur="1" fill="hold">
+                                          <p:stCondLst>
+                                            <p:cond delay="0"/>
+                                          </p:stCondLst>
+                                        </p:cTn>
+                                        <p:tgtEl>
+                                          <p:spTgt spid="2">
+                                            <p:txEl>
+                                              <p:pRg st="2" end="2"/>
+                                            </p:txEl>
+                                          </p:spTgt>
+                                        </p:tgtEl>
+                                        <p:attrNameLst>
+                                          <p:attrName>style.visibility</p:attrName>
+                                        </p:attrNameLst>
+                                      </p:cBhvr>
+                                      <p:to>
+                                        <p:strVal val="visible"/>
+                                      </p:to>
+                                    </p:set>
+                                    <p:animEffect transition="in" filter="fade">
+                                      <p:cBhvr>
+                                        <p:cTn id="17" dur="500"/>
+                                        <p:tgtEl>
+                                          <p:spTgt spid="2">
+                                            <p:txEl>
+                                              <p:pRg st="2" end="2"/>
+                                            </p:txEl>
+                                          </p:spTgt>
+                                        </p:tgtEl>
+                                      </p:cBhvr>
+                                    </p:animEffect>
+                                  </p:childTnLst>
+                                </p:cTn>
+                              </p:par>
+                            </p:childTnLst>
+                          </p:cTn>
+                        </p:par>
+                      </p:childTnLst>
+                    </p:cTn>
+                  </p:par>
+                  <p:par>
+                    <p:cTn id="18" fill="hold">
+                      <p:stCondLst>
+                        <p:cond delay="indefinite"/>
+                      </p:stCondLst>
+                      <p:childTnLst>
+                        <p:par>
+                          <p:cTn id="19" fill="hold">
+                            <p:stCondLst>
+                              <p:cond delay="0"/>
+                            </p:stCondLst>
+                            <p:childTnLst>
+                              <p:par>
+                                <p:cTn id="20" presetID="10" presetClass="entr" presetSubtype="0" fill="hold" grpId="0" nodeType="clickEffect">
+                                  <p:stCondLst>
+                                    <p:cond delay="0"/>
+                                  </p:stCondLst>
+                                  <p:childTnLst>
+                                    <p:set>
+                                      <p:cBhvr>
+                                        <p:cTn id="21" dur="1" fill="hold">
+                                          <p:stCondLst>
+                                            <p:cond delay="0"/>
+                                          </p:stCondLst>
+                                        </p:cTn>
+                                        <p:tgtEl>
+                                          <p:spTgt spid="2">
+                                            <p:txEl>
+                                              <p:pRg st="3" end="3"/>
+                                            </p:txEl>
+                                          </p:spTgt>
+                                        </p:tgtEl>
+                                        <p:attrNameLst>
+                                          <p:attrName>style.visibility</p:attrName>
+                                        </p:attrNameLst>
+                                      </p:cBhvr>
+                                      <p:to>
+                                        <p:strVal val="visible"/>
+                                      </p:to>
+                                    </p:set>
+                                    <p:animEffect transition="in" filter="fade">
+                                      <p:cBhvr>
+                                        <p:cTn id="22" dur="500"/>
+                                        <p:tgtEl>
+                                          <p:spTgt spid="2">
+                                            <p:txEl>
+                                              <p:pRg st="3" end="3"/>
+                                            </p:txEl>
+                                          </p:spTgt>
+                                        </p:tgtEl>
+                                      </p:cBhvr>
+                                    </p:animEffect>
+                                  </p:childTnLst>
+                                </p:cTn>
+                              </p:par>
+                            </p:childTnLst>
+                          </p:cTn>
+                        </p:par>
+                      </p:childTnLst>
+                    </p:cTn>
+                  </p:par>
+                  <p:par>
+                    <p:cTn id="23" fill="hold">
+                      <p:stCondLst>
+                        <p:cond delay="indefinite"/>
+                      </p:stCondLst>
+                      <p:childTnLst>
+                        <p:par>
+                          <p:cTn id="24" fill="hold">
+                            <p:stCondLst>
+                              <p:cond delay="0"/>
+                            </p:stCondLst>
+                            <p:childTnLst>
+                              <p:par>
+                                <p:cTn id="25" presetID="10" presetClass="entr" presetSubtype="0" fill="hold" grpId="0" nodeType="clickEffect">
+                                  <p:stCondLst>
+                                    <p:cond delay="0"/>
+                                  </p:stCondLst>
+                                  <p:childTnLst>
+                                    <p:set>
+                                      <p:cBhvr>
+                                        <p:cTn id="26" dur="1" fill="hold">
+                                          <p:stCondLst>
+                                            <p:cond delay="0"/>
+                                          </p:stCondLst>
+                                        </p:cTn>
+                                        <p:tgtEl>
+                                          <p:spTgt spid="2">
+                                            <p:txEl>
+                                              <p:pRg st="4" end="4"/>
+                                            </p:txEl>
+                                          </p:spTgt>
+                                        </p:tgtEl>
+                                        <p:attrNameLst>
+                                          <p:attrName>style.visibility</p:attrName>
+                                        </p:attrNameLst>
+                                      </p:cBhvr>
+                                      <p:to>
+                                        <p:strVal val="visible"/>
+                                      </p:to>
+                                    </p:set>
+                                    <p:animEffect transition="in" filter="fade">
+                                      <p:cBhvr>
+                                        <p:cTn id="27" dur="500"/>
+                                        <p:tgtEl>
+                                          <p:spTgt spid="2">
+                                            <p:txEl>
+                                              <p:pRg st="4" end="4"/>
+                                            </p:txEl>
+                                          </p:spTgt>
+                                        </p:tgtEl>
+                                      </p:cBhvr>
+                                    </p:animEffect>
+                                  </p:childTnLst>
+                                </p:cTn>
+                              </p:par>
+                            </p:childTnLst>
+                          </p:cTn>
+                        </p:par>
+                      </p:childTnLst>
+                    </p:cTn>
+                  </p:par>
+                  <p:par>
+                    <p:cTn id="28" fill="hold">
+                      <p:stCondLst>
+                        <p:cond delay="indefinite"/>
+                      </p:stCondLst>
+                      <p:childTnLst>
+                        <p:par>
+                          <p:cTn id="29" fill="hold">
+                            <p:stCondLst>
+                              <p:cond delay="0"/>
+                            </p:stCondLst>
+                            <p:childTnLst>
+                              <p:par>
+                                <p:cTn id="30" presetID="10" presetClass="entr" presetSubtype="0" fill="hold" grpId="0" nodeType="clickEffect">
+                                  <p:stCondLst>
+                                    <p:cond delay="0"/>
+                                  </p:stCondLst>
+                                  <p:childTnLst>
+                                    <p:set>
+                                      <p:cBhvr>
+                                        <p:cTn id="31" dur="1" fill="hold">
+                                          <p:stCondLst>
+                                            <p:cond delay="0"/>
+                                          </p:stCondLst>
+                                        </p:cTn>
+                                        <p:tgtEl>
+                                          <p:spTgt spid="2">
+                                            <p:txEl>
+                                              <p:pRg st="5" end="5"/>
+                                            </p:txEl>
+                                          </p:spTgt>
+                                        </p:tgtEl>
+                                        <p:attrNameLst>
+                                          <p:attrName>style.visibility</p:attrName>
+                                        </p:attrNameLst>
+                                      </p:cBhvr>
+                                      <p:to>
+                                        <p:strVal val="visible"/>
+                                      </p:to>
+                                    </p:set>
+                                    <p:animEffect transition="in" filter="fade">
+                                      <p:cBhvr>
+                                        <p:cTn id="32" dur="500"/>
+                                        <p:tgtEl>
+                                          <p:spTgt spid="2">
+                                            <p:txEl>
+                                              <p:pRg st="5" end="5"/>
+                                            </p:txEl>
+                                          </p:spTgt>
+                                        </p:tgtEl>
+                                      </p:cBhvr>
+                                    </p:animEffect>
+                                  </p:childTnLst>
+                                </p:cTn>
+                              </p:par>
+                              <p:par>
+                                <p:cTn id="33" presetID="10" presetClass="entr" presetSubtype="0" fill="hold" grpId="0" nodeType="withEffect">
+                                  <p:stCondLst>
+                                    <p:cond delay="0"/>
+                                  </p:stCondLst>
+                                  <p:childTnLst>
+                                    <p:set>
+                                      <p:cBhvr>
+                                        <p:cTn id="34" dur="1" fill="hold">
+                                          <p:stCondLst>
+                                            <p:cond delay="0"/>
+                                          </p:stCondLst>
+                                        </p:cTn>
+                                        <p:tgtEl>
+                                          <p:spTgt spid="2">
+                                            <p:txEl>
+                                              <p:pRg st="6" end="6"/>
+                                            </p:txEl>
+                                          </p:spTgt>
+                                        </p:tgtEl>
+                                        <p:attrNameLst>
+                                          <p:attrName>style.visibility</p:attrName>
+                                        </p:attrNameLst>
+                                      </p:cBhvr>
+                                      <p:to>
+                                        <p:strVal val="visible"/>
+                                      </p:to>
+                                    </p:set>
+                                    <p:animEffect transition="in" filter="fade">
+                                      <p:cBhvr>
+                                        <p:cTn id="35" dur="500"/>
+                                        <p:tgtEl>
+                                          <p:spTgt spid="2">
+                                            <p:txEl>
+                                              <p:pRg st="6" end="6"/>
+                                            </p:txEl>
+                                          </p:spTgt>
+                                        </p:tgtEl>
+                                      </p:cBhvr>
+                                    </p:animEffect>
+                                  </p:childTnLst>
+                                </p:cTn>
+                              </p:par>
+                            </p:childTnLst>
+                          </p:cTn>
+                        </p:par>
+                      </p:childTnLst>
+                    </p:cTn>
+                  </p:par>
+                  <p:par>
+                    <p:cTn id="36" fill="hold">
+                      <p:stCondLst>
+                        <p:cond delay="indefinite"/>
+                      </p:stCondLst>
+                      <p:childTnLst>
+                        <p:par>
+                          <p:cTn id="37" fill="hold">
+                            <p:stCondLst>
+                              <p:cond delay="0"/>
+                            </p:stCondLst>
+                            <p:childTnLst>
+                              <p:par>
+                                <p:cTn id="38" presetID="10" presetClass="entr" presetSubtype="0" fill="hold" grpId="0" nodeType="clickEffect">
+                                  <p:stCondLst>
+                                    <p:cond delay="0"/>
+                                  </p:stCondLst>
+                                  <p:childTnLst>
+                                    <p:set>
+                                      <p:cBhvr>
+                                        <p:cTn id="39" dur="1" fill="hold">
+                                          <p:stCondLst>
+                                            <p:cond delay="0"/>
+                                          </p:stCondLst>
+                                        </p:cTn>
+                                        <p:tgtEl>
+                                          <p:spTgt spid="2">
+                                            <p:txEl>
+                                              <p:pRg st="7" end="7"/>
+                                            </p:txEl>
+                                          </p:spTgt>
+                                        </p:tgtEl>
+                                        <p:attrNameLst>
+                                          <p:attrName>style.visibility</p:attrName>
+                                        </p:attrNameLst>
+                                      </p:cBhvr>
+                                      <p:to>
+                                        <p:strVal val="visible"/>
+                                      </p:to>
+                                    </p:set>
+                                    <p:animEffect transition="in" filter="fade">
+                                      <p:cBhvr>
+                                        <p:cTn id="40" dur="500"/>
+                                        <p:tgtEl>
+                                          <p:spTgt spid="2">
+                                            <p:txEl>
+                                              <p:pRg st="7" end="7"/>
+                                            </p:txEl>
+                                          </p:spTgt>
+                                        </p:tgtEl>
+                                      </p:cBhvr>
+                                    </p:animEffect>
+                                  </p:childTnLst>
+                                </p:cTn>
+                              </p:par>
+                            </p:childTnLst>
+                          </p:cTn>
+                        </p:par>
+                      </p:childTnLst>
+                    </p:cTn>
+                  </p:par>
+                  <p:par>
+                    <p:cTn id="41" fill="hold">
+                      <p:stCondLst>
+                        <p:cond delay="indefinite"/>
+                      </p:stCondLst>
+                      <p:childTnLst>
+                        <p:par>
+                          <p:cTn id="42" fill="hold">
+                            <p:stCondLst>
+                              <p:cond delay="0"/>
+                            </p:stCondLst>
+                            <p:childTnLst>
+                              <p:par>
+                                <p:cTn id="43" presetID="10" presetClass="entr" presetSubtype="0" fill="hold" grpId="0" nodeType="clickEffect">
+                                  <p:stCondLst>
+                                    <p:cond delay="0"/>
+                                  </p:stCondLst>
+                                  <p:childTnLst>
+                                    <p:set>
+                                      <p:cBhvr>
+                                        <p:cTn id="44" dur="1" fill="hold">
+                                          <p:stCondLst>
+                                            <p:cond delay="0"/>
+                                          </p:stCondLst>
+                                        </p:cTn>
+                                        <p:tgtEl>
+                                          <p:spTgt spid="2">
+                                            <p:txEl>
+                                              <p:pRg st="8" end="8"/>
+                                            </p:txEl>
+                                          </p:spTgt>
+                                        </p:tgtEl>
+                                        <p:attrNameLst>
+                                          <p:attrName>style.visibility</p:attrName>
+                                        </p:attrNameLst>
+                                      </p:cBhvr>
+                                      <p:to>
+                                        <p:strVal val="visible"/>
+                                      </p:to>
+                                    </p:set>
+                                    <p:animEffect transition="in" filter="fade">
+                                      <p:cBhvr>
+                                        <p:cTn id="45" dur="500"/>
+                                        <p:tgtEl>
+                                          <p:spTgt spid="2">
+                                            <p:txEl>
+                                              <p:pRg st="8" end="8"/>
+                                            </p:txEl>
+                                          </p:spTgt>
+                                        </p:tgtEl>
+                                      </p:cBhvr>
+                                    </p:animEffect>
+                                  </p:childTnLst>
+                                </p:cTn>
+                              </p:par>
+                            </p:childTnLst>
+                          </p:cTn>
+                        </p:par>
+                      </p:childTnLst>
+                    </p:cTn>
+                  </p:par>
+                  <p:par>
+                    <p:cTn id="46" fill="hold">
+                      <p:stCondLst>
+                        <p:cond delay="indefinite"/>
+                      </p:stCondLst>
+                      <p:childTnLst>
+                        <p:par>
+                          <p:cTn id="47" fill="hold">
+                            <p:stCondLst>
+                              <p:cond delay="0"/>
+                            </p:stCondLst>
+                            <p:childTnLst>
+                              <p:par>
+                                <p:cTn id="48" presetID="10" presetClass="entr" presetSubtype="0" fill="hold" grpId="0" nodeType="clickEffect">
+                                  <p:stCondLst>
+                                    <p:cond delay="0"/>
+                                  </p:stCondLst>
+                                  <p:childTnLst>
+                                    <p:set>
+                                      <p:cBhvr>
+                                        <p:cTn id="49" dur="1" fill="hold">
+                                          <p:stCondLst>
+                                            <p:cond delay="0"/>
+                                          </p:stCondLst>
+                                        </p:cTn>
+                                        <p:tgtEl>
+                                          <p:spTgt spid="2">
+                                            <p:txEl>
+                                              <p:pRg st="9" end="9"/>
+                                            </p:txEl>
+                                          </p:spTgt>
+                                        </p:tgtEl>
+                                        <p:attrNameLst>
+                                          <p:attrName>style.visibility</p:attrName>
+                                        </p:attrNameLst>
+                                      </p:cBhvr>
+                                      <p:to>
+                                        <p:strVal val="visible"/>
+                                      </p:to>
+                                    </p:set>
+                                    <p:animEffect transition="in" filter="fade">
+                                      <p:cBhvr>
+                                        <p:cTn id="50" dur="500"/>
+                                        <p:tgtEl>
+                                          <p:spTgt spid="2">
+                                            <p:txEl>
+                                              <p:pRg st="9" end="9"/>
+                                            </p:txEl>
+                                          </p:spTgt>
+                                        </p:tgtEl>
+                                      </p:cBhvr>
+                                    </p:animEffect>
+                                  </p:childTnLst>
+                                </p:cTn>
+                              </p:par>
+                            </p:childTnLst>
+                          </p:cTn>
+                        </p:par>
+                      </p:childTnLst>
+                    </p:cTn>
+                  </p:par>
+                  <p:par>
+                    <p:cTn id="51" fill="hold">
+                      <p:stCondLst>
+                        <p:cond delay="indefinite"/>
+                      </p:stCondLst>
+                      <p:childTnLst>
+                        <p:par>
+                          <p:cTn id="52" fill="hold">
+                            <p:stCondLst>
+                              <p:cond delay="0"/>
+                            </p:stCondLst>
+                            <p:childTnLst>
+                              <p:par>
+                                <p:cTn id="53" presetID="10" presetClass="entr" presetSubtype="0" fill="hold" grpId="0" nodeType="clickEffect">
+                                  <p:stCondLst>
+                                    <p:cond delay="0"/>
+                                  </p:stCondLst>
+                                  <p:childTnLst>
+                                    <p:set>
+                                      <p:cBhvr>
+                                        <p:cTn id="54" dur="1" fill="hold">
+                                          <p:stCondLst>
+                                            <p:cond delay="0"/>
+                                          </p:stCondLst>
+                                        </p:cTn>
+                                        <p:tgtEl>
+                                          <p:spTgt spid="2">
+                                            <p:txEl>
+                                              <p:pRg st="10" end="10"/>
+                                            </p:txEl>
+                                          </p:spTgt>
+                                        </p:tgtEl>
+                                        <p:attrNameLst>
+                                          <p:attrName>style.visibility</p:attrName>
+                                        </p:attrNameLst>
+                                      </p:cBhvr>
+                                      <p:to>
+                                        <p:strVal val="visible"/>
+                                      </p:to>
+                                    </p:set>
+                                    <p:animEffect transition="in" filter="fade">
+                                      <p:cBhvr>
+                                        <p:cTn id="55" dur="500"/>
+                                        <p:tgtEl>
+                                          <p:spTgt spid="2">
+                                            <p:txEl>
+                                              <p:pRg st="10" end="10"/>
+                                            </p:txEl>
+                                          </p:spTgt>
+                                        </p:tgtEl>
+                                      </p:cBhvr>
+                                    </p:animEffect>
+                                  </p:childTnLst>
+                                </p:cTn>
+                              </p:par>
+                            </p:childTnLst>
+                          </p:cTn>
+                        </p:par>
+                      </p:childTnLst>
+                    </p:cTn>
+                  </p:par>
+                </p:childTnLst>
+              </p:cTn>
+              <p:prevCondLst>
+                <p:cond evt="onPrev" delay="0">
+                  <p:tgtEl>
+                    <p:sldTgt/>
+                  </p:tgtEl>
+                </p:cond>
+              </p:prevCondLst>
+              <p:nextCondLst>
+                <p:cond evt="onNext" delay="0">
+                  <p:tgtEl>
+                    <p:sldTgt/>
+                  </p:tgtEl>
+                </p:cond>
+              </p:nextCondLst>
+            </p:seq>
+          </p:childTnLst>
+        </p:cTn>
+      </p:par>
+    </p:tnLst>
+    <p:bldLst>
+      <p:bldP spid="2" grpId="0" uiExpand="1" build="p"/>
+    </p:bldLst>
+  </p:timing>
+</p:sld>
+</file>
+
+<file path=ppt/slides/slide35.xml><?xml version="1.0" encoding="utf-8"?>
+<p:sld xmlns:a="http://schemas.openxmlformats.org/drawingml/2006/main" xmlns:r="http://schemas.openxmlformats.org/officeDocument/2006/relationships" xmlns:p="http://schemas.openxmlformats.org/presentationml/2006/main">
+  <p:cSld>
+    <p:spTree>
+      <p:nvGrpSpPr>
+        <p:cNvPr id="1" name=""/>
+        <p:cNvGrpSpPr/>
+        <p:nvPr/>
+      </p:nvGrpSpPr>
+      <p:grpSpPr>
+        <a:xfrm>
+          <a:off x="0" y="0"/>
+          <a:ext cx="0" cy="0"/>
+          <a:chOff x="0" y="0"/>
+          <a:chExt cx="0" cy="0"/>
+        </a:xfrm>
+      </p:grpSpPr>
+      <p:sp>
+        <p:nvSpPr>
+          <p:cNvPr id="2" name="Content Placeholder 1"/>
+          <p:cNvSpPr>
+            <a:spLocks noGrp="1"/>
+          </p:cNvSpPr>
+          <p:nvPr>
+            <p:ph idx="14"/>
+          </p:nvPr>
+        </p:nvSpPr>
+        <p:spPr>
+          <a:xfrm>
+            <a:off x="704476" y="1893515"/>
+            <a:ext cx="13273820" cy="3939540"/>
+          </a:xfrm>
+        </p:spPr>
+        <p:txBody>
+          <a:bodyPr/>
+          <a:lstStyle/>
+          <a:p>
+            <a:pPr marL="457200" indent="-457200" defTabSz="1306221" fontAlgn="auto">
+              <a:buFont typeface="+mj-lt"/>
+              <a:buAutoNum type="arabicPeriod"/>
+              <a:defRPr/>
+            </a:pPr>
+            <a:r>
+              <a:rPr lang="en-US" sz="2400" dirty="0"/>
+              <a:t>Create a new dashboard (the grid icon to the right of the tabs)</a:t>
+            </a:r>
+          </a:p>
+          <a:p>
+            <a:pPr marL="457200" indent="-457200" defTabSz="1306221" fontAlgn="auto">
+              <a:buFont typeface="+mj-lt"/>
+              <a:buAutoNum type="arabicPeriod"/>
+              <a:defRPr/>
+            </a:pPr>
+            <a:r>
+              <a:rPr lang="en-US" sz="2400" dirty="0"/>
+              <a:t>Switch “Size” to “Automatic”</a:t>
+            </a:r>
+          </a:p>
+          <a:p>
+            <a:pPr marL="457200" indent="-457200" defTabSz="1306221" fontAlgn="auto">
+              <a:buFont typeface="+mj-lt"/>
+              <a:buAutoNum type="arabicPeriod"/>
+              <a:defRPr/>
+            </a:pPr>
+            <a:r>
+              <a:rPr lang="en-US" sz="2400" dirty="0"/>
+              <a:t>Drag out “Mortality Rate over Time”</a:t>
+            </a:r>
+          </a:p>
+          <a:p>
+            <a:pPr marL="457200" indent="-457200" defTabSz="1306221" fontAlgn="auto">
+              <a:buFont typeface="+mj-lt"/>
+              <a:buAutoNum type="arabicPeriod"/>
+              <a:defRPr/>
+            </a:pPr>
+            <a:r>
+              <a:rPr lang="en-US" sz="2400" dirty="0"/>
+              <a:t>Drag out “Mortality By Month” (below “Mortality Rate over Time)</a:t>
+            </a:r>
+          </a:p>
+          <a:p>
+            <a:pPr marL="457200" indent="-457200" defTabSz="1306221" fontAlgn="auto">
+              <a:buFont typeface="+mj-lt"/>
+              <a:buAutoNum type="arabicPeriod"/>
+              <a:defRPr/>
+            </a:pPr>
+            <a:r>
+              <a:rPr lang="en-US" sz="2400" dirty="0"/>
+              <a:t>Select “Mortality By Month” and click the “Use as Filter” button</a:t>
+            </a:r>
+          </a:p>
+          <a:p>
+            <a:pPr marL="457200" indent="-457200" defTabSz="1306221" fontAlgn="auto">
+              <a:buFont typeface="+mj-lt"/>
+              <a:buAutoNum type="arabicPeriod"/>
+              <a:defRPr/>
+            </a:pPr>
+            <a:r>
+              <a:rPr lang="en-US" sz="2400" dirty="0"/>
+              <a:t>Try clicking a mark in the “Mortality By Month” sheet</a:t>
+            </a:r>
+          </a:p>
+          <a:p>
+            <a:pPr marL="457200" indent="-457200" defTabSz="1306221" fontAlgn="auto">
+              <a:buFont typeface="+mj-lt"/>
+              <a:buAutoNum type="arabicPeriod"/>
+              <a:defRPr/>
+            </a:pPr>
+            <a:r>
+              <a:rPr lang="en-US" sz="2400" dirty="0"/>
+              <a:t>Rename the dashboard (I called it “Mortality Rate Dashboard”)</a:t>
+            </a:r>
+          </a:p>
+          <a:p>
+            <a:pPr marL="457200" indent="-457200" defTabSz="1306221" fontAlgn="auto">
+              <a:buFont typeface="+mj-lt"/>
+              <a:buAutoNum type="arabicPeriod"/>
+              <a:defRPr/>
+            </a:pPr>
+            <a:endParaRPr lang="en-US" sz="2400" dirty="0"/>
+          </a:p>
+          <a:p>
+            <a:pPr marL="457200" indent="-457200" defTabSz="1306221" fontAlgn="auto">
+              <a:buFont typeface="+mj-lt"/>
+              <a:buAutoNum type="arabicPeriod"/>
+              <a:defRPr/>
+            </a:pPr>
+            <a:endParaRPr lang="en-US" sz="2400" dirty="0"/>
+          </a:p>
+        </p:txBody>
+      </p:sp>
+      <p:sp>
+        <p:nvSpPr>
+          <p:cNvPr id="3" name="Text Placeholder 2"/>
+          <p:cNvSpPr>
+            <a:spLocks noGrp="1"/>
+          </p:cNvSpPr>
+          <p:nvPr>
+            <p:ph type="body" sz="quarter" idx="12"/>
+          </p:nvPr>
+        </p:nvSpPr>
+        <p:spPr>
+          <a:prstGeom prst="rect">
+            <a:avLst/>
+          </a:prstGeom>
+        </p:spPr>
+        <p:txBody>
+          <a:bodyPr/>
+          <a:lstStyle/>
+          <a:p>
+            <a:pPr>
+              <a:spcBef>
+                <a:spcPct val="0"/>
+              </a:spcBef>
+            </a:pPr>
+            <a:r>
+              <a:rPr lang="en-US" b="1" dirty="0">
+                <a:latin typeface="BentonSans Book" charset="0"/>
+              </a:rPr>
+              <a:t>Germ Theory of Disease – Dashboard</a:t>
+            </a:r>
+          </a:p>
+        </p:txBody>
+      </p:sp>
+    </p:spTree>
+    <p:extLst>
+      <p:ext uri="{BB962C8B-B14F-4D97-AF65-F5344CB8AC3E}">
+        <p14:creationId xmlns:p14="http://schemas.microsoft.com/office/powerpoint/2010/main" val="3475227266"/>
+      </p:ext>
+    </p:extLst>
+  </p:cSld>
+  <p:clrMapOvr>
+    <a:masterClrMapping/>
+  </p:clrMapOvr>
+  <p:transition spd="slow">
+    <p:cover/>
+  </p:transition>
+</p:sld>
+</file>
+
+<file path=ppt/slides/slide36.xml><?xml version="1.0" encoding="utf-8"?>
+<p:sld xmlns:a="http://schemas.openxmlformats.org/drawingml/2006/main" xmlns:r="http://schemas.openxmlformats.org/officeDocument/2006/relationships" xmlns:p="http://schemas.openxmlformats.org/presentationml/2006/main">
+  <p:cSld>
+    <p:spTree>
+      <p:nvGrpSpPr>
+        <p:cNvPr id="1" name=""/>
+        <p:cNvGrpSpPr/>
+        <p:nvPr/>
+      </p:nvGrpSpPr>
+      <p:grpSpPr>
+        <a:xfrm>
+          <a:off x="0" y="0"/>
+          <a:ext cx="0" cy="0"/>
+          <a:chOff x="0" y="0"/>
+          <a:chExt cx="0" cy="0"/>
+        </a:xfrm>
+      </p:grpSpPr>
+      <p:sp>
+        <p:nvSpPr>
+          <p:cNvPr id="2" name="Content Placeholder 1"/>
+          <p:cNvSpPr>
+            <a:spLocks noGrp="1"/>
+          </p:cNvSpPr>
+          <p:nvPr>
+            <p:ph idx="14"/>
+          </p:nvPr>
+        </p:nvSpPr>
+        <p:spPr>
+          <a:xfrm>
+            <a:off x="704476" y="1893515"/>
+            <a:ext cx="13273820" cy="5278368"/>
+          </a:xfrm>
+        </p:spPr>
+        <p:txBody>
+          <a:bodyPr/>
+          <a:lstStyle/>
+          <a:p>
+            <a:pPr marL="457200" indent="-457200" defTabSz="1306221" fontAlgn="auto">
+              <a:buFont typeface="+mj-lt"/>
+              <a:buAutoNum type="arabicPeriod"/>
+              <a:defRPr/>
+            </a:pPr>
+            <a:r>
+              <a:rPr lang="en-US" sz="2400" dirty="0"/>
+              <a:t>Create a new dashboard (the grid icon to the right of the tabs)</a:t>
+            </a:r>
+          </a:p>
+          <a:p>
+            <a:pPr marL="457200" indent="-457200" defTabSz="1306221" fontAlgn="auto">
+              <a:buFont typeface="+mj-lt"/>
+              <a:buAutoNum type="arabicPeriod"/>
+              <a:defRPr/>
+            </a:pPr>
+            <a:r>
+              <a:rPr lang="en-US" sz="2400" dirty="0"/>
+              <a:t>Switch “Size” to “Automatic”</a:t>
+            </a:r>
+          </a:p>
+          <a:p>
+            <a:pPr marL="457200" indent="-457200" defTabSz="1306221" fontAlgn="auto">
+              <a:buFont typeface="+mj-lt"/>
+              <a:buAutoNum type="arabicPeriod"/>
+              <a:defRPr/>
+            </a:pPr>
+            <a:r>
+              <a:rPr lang="en-US" sz="2400" dirty="0"/>
+              <a:t>Drag out a “Vertical” Object</a:t>
+            </a:r>
+          </a:p>
+          <a:p>
+            <a:pPr marL="457200" indent="-457200" defTabSz="1306221" fontAlgn="auto">
+              <a:buFont typeface="+mj-lt"/>
+              <a:buAutoNum type="arabicPeriod"/>
+              <a:defRPr/>
+            </a:pPr>
+            <a:r>
+              <a:rPr lang="en-US" sz="2400" dirty="0"/>
+              <a:t>Drag a “Text” Object into the “Vertical” Object and enter “Try the page controls!”</a:t>
+            </a:r>
+          </a:p>
+          <a:p>
+            <a:pPr marL="457200" indent="-457200" defTabSz="1306221" fontAlgn="auto">
+              <a:buFont typeface="+mj-lt"/>
+              <a:buAutoNum type="arabicPeriod"/>
+              <a:defRPr/>
+            </a:pPr>
+            <a:r>
+              <a:rPr lang="en-US" sz="2400" dirty="0"/>
+              <a:t>Drag out a “Horizontal” Object into the “Vertical” Object, below the “Text” Object</a:t>
+            </a:r>
+          </a:p>
+          <a:p>
+            <a:pPr marL="457200" indent="-457200" defTabSz="1306221" fontAlgn="auto">
+              <a:buFont typeface="+mj-lt"/>
+              <a:buAutoNum type="arabicPeriod"/>
+              <a:defRPr/>
+            </a:pPr>
+            <a:r>
+              <a:rPr lang="en-US" sz="2400" dirty="0"/>
+              <a:t>Drop “Mortality Rate Through Time” in</a:t>
+            </a:r>
+          </a:p>
+          <a:p>
+            <a:pPr marL="457200" indent="-457200" defTabSz="1306221" fontAlgn="auto">
+              <a:buFont typeface="+mj-lt"/>
+              <a:buAutoNum type="arabicPeriod"/>
+              <a:defRPr/>
+            </a:pPr>
+            <a:r>
+              <a:rPr lang="en-US" sz="2400" dirty="0"/>
+              <a:t>Drop “Mortality Rate Through Time (2)” in (on the right)</a:t>
+            </a:r>
+          </a:p>
+          <a:p>
+            <a:pPr marL="457200" indent="-457200" defTabSz="1306221" fontAlgn="auto">
+              <a:buFont typeface="+mj-lt"/>
+              <a:buAutoNum type="arabicPeriod"/>
+              <a:defRPr/>
+            </a:pPr>
+            <a:r>
+              <a:rPr lang="en-US" sz="2400" dirty="0"/>
+              <a:t>Name the dashboard (</a:t>
+            </a:r>
+            <a:r>
+              <a:rPr lang="en-US" sz="2400"/>
+              <a:t>I called it “Mortality Rate Through Time Dashboard”)</a:t>
+            </a:r>
+            <a:endParaRPr lang="en-US" sz="2400" dirty="0"/>
+          </a:p>
+          <a:p>
+            <a:pPr marL="457200" indent="-457200" defTabSz="1306221" fontAlgn="auto">
+              <a:buFont typeface="+mj-lt"/>
+              <a:buAutoNum type="arabicPeriod"/>
+              <a:defRPr/>
+            </a:pPr>
+            <a:r>
+              <a:rPr lang="en-US" sz="2400" dirty="0"/>
+              <a:t>Can you get the page controls to be </a:t>
+            </a:r>
+            <a:r>
+              <a:rPr lang="en-US" sz="2400" dirty="0" err="1"/>
+              <a:t>inlined</a:t>
+            </a:r>
+            <a:r>
+              <a:rPr lang="en-US" sz="2400" dirty="0"/>
+              <a:t> above each sheet?</a:t>
+            </a:r>
+          </a:p>
+          <a:p>
+            <a:pPr marL="457200" indent="-457200" defTabSz="1306221" fontAlgn="auto">
+              <a:buFont typeface="+mj-lt"/>
+              <a:buAutoNum type="arabicPeriod"/>
+              <a:defRPr/>
+            </a:pPr>
+            <a:endParaRPr lang="en-US" sz="2400" dirty="0"/>
+          </a:p>
+          <a:p>
+            <a:pPr marL="457200" indent="-457200" defTabSz="1306221" fontAlgn="auto">
+              <a:buFont typeface="+mj-lt"/>
+              <a:buAutoNum type="arabicPeriod"/>
+              <a:defRPr/>
+            </a:pPr>
+            <a:endParaRPr lang="en-US" sz="2400" dirty="0"/>
+          </a:p>
+          <a:p>
+            <a:pPr marL="457200" indent="-457200" defTabSz="1306221" fontAlgn="auto">
+              <a:buFont typeface="+mj-lt"/>
+              <a:buAutoNum type="arabicPeriod"/>
+              <a:defRPr/>
+            </a:pPr>
+            <a:endParaRPr lang="en-US" sz="2400" dirty="0"/>
+          </a:p>
+        </p:txBody>
+      </p:sp>
+      <p:sp>
+        <p:nvSpPr>
+          <p:cNvPr id="3" name="Text Placeholder 2"/>
+          <p:cNvSpPr>
+            <a:spLocks noGrp="1"/>
+          </p:cNvSpPr>
+          <p:nvPr>
+            <p:ph type="body" sz="quarter" idx="12"/>
+          </p:nvPr>
+        </p:nvSpPr>
+        <p:spPr>
+          <a:prstGeom prst="rect">
+            <a:avLst/>
+          </a:prstGeom>
+        </p:spPr>
+        <p:txBody>
+          <a:bodyPr/>
+          <a:lstStyle/>
+          <a:p>
+            <a:pPr>
+              <a:spcBef>
+                <a:spcPct val="0"/>
+              </a:spcBef>
+            </a:pPr>
+            <a:r>
+              <a:rPr lang="en-US" b="1" dirty="0">
+                <a:latin typeface="BentonSans Book" charset="0"/>
+              </a:rPr>
+              <a:t>Germ Theory of Disease – Dashboard 2</a:t>
+            </a:r>
+          </a:p>
+        </p:txBody>
+      </p:sp>
+    </p:spTree>
+    <p:extLst>
+      <p:ext uri="{BB962C8B-B14F-4D97-AF65-F5344CB8AC3E}">
+        <p14:creationId xmlns:p14="http://schemas.microsoft.com/office/powerpoint/2010/main" val="155402121"/>
+      </p:ext>
+    </p:extLst>
+  </p:cSld>
+  <p:clrMapOvr>
+    <a:masterClrMapping/>
+  </p:clrMapOvr>
+  <p:transition spd="slow">
+    <p:cover/>
+  </p:transition>
+</p:sld>
+</file>
+
+<file path=ppt/slides/slide37.xml><?xml version="1.0" encoding="utf-8"?>
+<p:sld xmlns:a="http://schemas.openxmlformats.org/drawingml/2006/main" xmlns:r="http://schemas.openxmlformats.org/officeDocument/2006/relationships" xmlns:p="http://schemas.openxmlformats.org/presentationml/2006/main">
+  <p:cSld>
+    <p:spTree>
+      <p:nvGrpSpPr>
+        <p:cNvPr id="1" name=""/>
+        <p:cNvGrpSpPr/>
+        <p:nvPr/>
+      </p:nvGrpSpPr>
+      <p:grpSpPr>
+        <a:xfrm>
+          <a:off x="0" y="0"/>
+          <a:ext cx="0" cy="0"/>
+          <a:chOff x="0" y="0"/>
+          <a:chExt cx="0" cy="0"/>
+        </a:xfrm>
+      </p:grpSpPr>
+      <p:sp>
+        <p:nvSpPr>
+          <p:cNvPr id="2" name="Content Placeholder 1"/>
+          <p:cNvSpPr>
+            <a:spLocks noGrp="1"/>
+          </p:cNvSpPr>
+          <p:nvPr>
+            <p:ph idx="14"/>
+          </p:nvPr>
+        </p:nvSpPr>
+        <p:spPr>
+          <a:xfrm>
+            <a:off x="704476" y="1893515"/>
             <a:ext cx="13273820" cy="4385816"/>
           </a:xfrm>
         </p:spPr>
@@ -19971,7 +21328,7 @@
 </p:sld>
 </file>
 
-<file path=ppt/slides/slide35.xml><?xml version="1.0" encoding="utf-8"?>
+<file path=ppt/slides/slide38.xml><?xml version="1.0" encoding="utf-8"?>
 <p:sld xmlns:a="http://schemas.openxmlformats.org/drawingml/2006/main" xmlns:r="http://schemas.openxmlformats.org/officeDocument/2006/relationships" xmlns:p="http://schemas.openxmlformats.org/presentationml/2006/main">
   <p:cSld>
     <p:spTree>
@@ -21045,7 +22402,7 @@
 </p:sld>
 </file>
 
-<file path=ppt/slides/slide36.xml><?xml version="1.0" encoding="utf-8"?>
+<file path=ppt/slides/slide39.xml><?xml version="1.0" encoding="utf-8"?>
 <p:sld xmlns:a="http://schemas.openxmlformats.org/drawingml/2006/main" xmlns:r="http://schemas.openxmlformats.org/officeDocument/2006/relationships" xmlns:p="http://schemas.openxmlformats.org/presentationml/2006/main">
   <p:cSld>
     <p:spTree>
@@ -21578,7 +22935,7 @@
               <a:rPr lang="en-US" dirty="0">
                 <a:ea typeface="+mn-ea"/>
               </a:rPr>
-              <a:t>Tableau</a:t>
+              <a:t>Interactive Tableau Tutorial</a:t>
             </a:r>
           </a:p>
           <a:p>

--- a/lecture.pptx
+++ b/lecture.pptx
@@ -40,15 +40,15 @@
     <p:sldId id="549" r:id="rId28"/>
     <p:sldId id="541" r:id="rId29"/>
     <p:sldId id="542" r:id="rId30"/>
-    <p:sldId id="531" r:id="rId31"/>
-    <p:sldId id="569" r:id="rId32"/>
-    <p:sldId id="570" r:id="rId33"/>
-    <p:sldId id="571" r:id="rId34"/>
-    <p:sldId id="572" r:id="rId35"/>
-    <p:sldId id="574" r:id="rId36"/>
-    <p:sldId id="573" r:id="rId37"/>
-    <p:sldId id="567" r:id="rId38"/>
-    <p:sldId id="568" r:id="rId39"/>
+    <p:sldId id="568" r:id="rId31"/>
+    <p:sldId id="531" r:id="rId32"/>
+    <p:sldId id="569" r:id="rId33"/>
+    <p:sldId id="570" r:id="rId34"/>
+    <p:sldId id="571" r:id="rId35"/>
+    <p:sldId id="572" r:id="rId36"/>
+    <p:sldId id="574" r:id="rId37"/>
+    <p:sldId id="573" r:id="rId38"/>
+    <p:sldId id="567" r:id="rId39"/>
     <p:sldId id="566" r:id="rId40"/>
   </p:sldIdLst>
   <p:sldSz cx="14630400" cy="8229600"/>
@@ -3897,7 +3897,7 @@
       </p:grpSpPr>
       <p:sp>
         <p:nvSpPr>
-          <p:cNvPr id="38913" name="Slide Image Placeholder 1"/>
+          <p:cNvPr id="2" name="Slide Image Placeholder 1"/>
           <p:cNvSpPr>
             <a:spLocks noGrp="1" noRot="1" noChangeAspect="1"/>
           </p:cNvSpPr>
@@ -3905,33 +3905,11 @@
             <p:ph type="sldImg"/>
           </p:nvPr>
         </p:nvSpPr>
-        <p:spPr bwMode="auto">
-          <a:noFill/>
-          <a:ln>
-            <a:solidFill>
-              <a:srgbClr val="000000"/>
-            </a:solidFill>
-            <a:miter lim="800000"/>
-            <a:headEnd/>
-            <a:tailEnd/>
-          </a:ln>
-          <a:extLst>
-            <a:ext uri="{909E8E84-426E-40dd-AFC4-6F175D3DCCD1}">
-              <a14:hiddenFill xmlns:a14="http://schemas.microsoft.com/office/drawing/2010/main" xmlns="">
-                <a:solidFill>
-                  <a:srgbClr val="FFFFFF"/>
-                </a:solidFill>
-              </a14:hiddenFill>
-            </a:ext>
-            <a:ext uri="{FAA26D3D-D897-4be2-8F04-BA451C77F1D7}">
-              <ma14:placeholderFlag xmlns:ma14="http://schemas.microsoft.com/office/mac/drawingml/2011/main" xmlns="" val="1"/>
-            </a:ext>
-          </a:extLst>
-        </p:spPr>
+        <p:spPr/>
       </p:sp>
       <p:sp>
         <p:nvSpPr>
-          <p:cNvPr id="38914" name="Notes Placeholder 2"/>
+          <p:cNvPr id="3" name="Notes Placeholder 2"/>
           <p:cNvSpPr>
             <a:spLocks noGrp="1"/>
           </p:cNvSpPr>
@@ -3939,116 +3917,21 @@
             <p:ph type="body" idx="1"/>
           </p:nvPr>
         </p:nvSpPr>
-        <p:spPr bwMode="auto">
-          <a:noFill/>
-          <a:extLst>
-            <a:ext uri="{909E8E84-426E-40dd-AFC4-6F175D3DCCD1}">
-              <a14:hiddenFill xmlns:a14="http://schemas.microsoft.com/office/drawing/2010/main" xmlns="">
-                <a:solidFill>
-                  <a:srgbClr val="FFFFFF"/>
-                </a:solidFill>
-              </a14:hiddenFill>
-            </a:ext>
-            <a:ext uri="{91240B29-F687-4f45-9708-019B960494DF}">
-              <a14:hiddenLine xmlns:a14="http://schemas.microsoft.com/office/drawing/2010/main" xmlns="" w="9525">
-                <a:solidFill>
-                  <a:srgbClr val="000000"/>
-                </a:solidFill>
-                <a:miter lim="800000"/>
-                <a:headEnd/>
-                <a:tailEnd/>
-              </a14:hiddenLine>
-            </a:ext>
-          </a:extLst>
-        </p:spPr>
+        <p:spPr/>
         <p:txBody>
-          <a:bodyPr wrap="square" numCol="1" anchor="t" anchorCtr="0" compatLnSpc="1">
-            <a:prstTxWarp prst="textNoShape">
-              <a:avLst/>
-            </a:prstTxWarp>
-          </a:bodyPr>
+          <a:bodyPr/>
           <a:lstStyle/>
           <a:p>
-            <a:pPr>
-              <a:spcBef>
-                <a:spcPct val="0"/>
-              </a:spcBef>
-            </a:pPr>
-            <a:r>
-              <a:rPr lang="en-US" b="0" dirty="0">
-                <a:latin typeface="BentonSans Book" charset="0"/>
-              </a:rPr>
-              <a:t>Germ Theory of Disease (two clinics)</a:t>
-            </a:r>
-            <a:endParaRPr lang="en-US" dirty="0">
-              <a:latin typeface="BentonSans Book" charset="0"/>
-            </a:endParaRPr>
-          </a:p>
-          <a:p>
-            <a:pPr>
-              <a:spcBef>
-                <a:spcPct val="0"/>
-              </a:spcBef>
-            </a:pPr>
-            <a:r>
-              <a:rPr lang="en-US" dirty="0">
-                <a:latin typeface="BentonSans Book" charset="0"/>
-              </a:rPr>
-              <a:t>Germ Theory of Disease</a:t>
-            </a:r>
-          </a:p>
-          <a:p>
-            <a:pPr>
-              <a:spcBef>
-                <a:spcPct val="0"/>
-              </a:spcBef>
-            </a:pPr>
-            <a:r>
-              <a:rPr lang="en-US" dirty="0">
-                <a:latin typeface="BentonSans Book" charset="0"/>
-              </a:rPr>
-              <a:t>Technology Adoption Over Time</a:t>
-            </a:r>
-          </a:p>
-          <a:p>
-            <a:pPr>
-              <a:spcBef>
-                <a:spcPct val="0"/>
-              </a:spcBef>
-            </a:pPr>
-            <a:r>
-              <a:rPr lang="en-US" dirty="0">
-                <a:latin typeface="BentonSans Book" charset="0"/>
-              </a:rPr>
-              <a:t>Anime</a:t>
-            </a:r>
-          </a:p>
-          <a:p>
-            <a:pPr>
-              <a:spcBef>
-                <a:spcPct val="0"/>
-              </a:spcBef>
-            </a:pPr>
-            <a:r>
-              <a:rPr lang="en-US" dirty="0">
-                <a:latin typeface="BentonSans Book" charset="0"/>
-              </a:rPr>
-              <a:t>Tableau Public</a:t>
-            </a:r>
-          </a:p>
-          <a:p>
-            <a:pPr>
-              <a:spcBef>
-                <a:spcPct val="0"/>
-              </a:spcBef>
-            </a:pPr>
-            <a:endParaRPr lang="en-US" dirty="0">
-              <a:latin typeface="BentonSans Book" charset="0"/>
-            </a:endParaRPr>
+            <a:endParaRPr lang="en-US" dirty="0"/>
           </a:p>
         </p:txBody>
       </p:sp>
     </p:spTree>
+    <p:extLst>
+      <p:ext uri="{BB962C8B-B14F-4D97-AF65-F5344CB8AC3E}">
+        <p14:creationId xmlns:p14="http://schemas.microsoft.com/office/powerpoint/2010/main" val="2764254563"/>
+      </p:ext>
+    </p:extLst>
   </p:cSld>
   <p:clrMapOvr>
     <a:masterClrMapping/>
@@ -4075,7 +3958,7 @@
       </p:grpSpPr>
       <p:sp>
         <p:nvSpPr>
-          <p:cNvPr id="2" name="Slide Image Placeholder 1"/>
+          <p:cNvPr id="38913" name="Slide Image Placeholder 1"/>
           <p:cNvSpPr>
             <a:spLocks noGrp="1" noRot="1" noChangeAspect="1"/>
           </p:cNvSpPr>
@@ -4083,11 +3966,33 @@
             <p:ph type="sldImg"/>
           </p:nvPr>
         </p:nvSpPr>
-        <p:spPr/>
+        <p:spPr bwMode="auto">
+          <a:noFill/>
+          <a:ln>
+            <a:solidFill>
+              <a:srgbClr val="000000"/>
+            </a:solidFill>
+            <a:miter lim="800000"/>
+            <a:headEnd/>
+            <a:tailEnd/>
+          </a:ln>
+          <a:extLst>
+            <a:ext uri="{909E8E84-426E-40dd-AFC4-6F175D3DCCD1}">
+              <a14:hiddenFill xmlns:a14="http://schemas.microsoft.com/office/drawing/2010/main" xmlns="">
+                <a:solidFill>
+                  <a:srgbClr val="FFFFFF"/>
+                </a:solidFill>
+              </a14:hiddenFill>
+            </a:ext>
+            <a:ext uri="{FAA26D3D-D897-4be2-8F04-BA451C77F1D7}">
+              <ma14:placeholderFlag xmlns:ma14="http://schemas.microsoft.com/office/mac/drawingml/2011/main" xmlns="" val="1"/>
+            </a:ext>
+          </a:extLst>
+        </p:spPr>
       </p:sp>
       <p:sp>
         <p:nvSpPr>
-          <p:cNvPr id="3" name="Notes Placeholder 2"/>
+          <p:cNvPr id="38914" name="Notes Placeholder 2"/>
           <p:cNvSpPr>
             <a:spLocks noGrp="1"/>
           </p:cNvSpPr>
@@ -4095,21 +4000,116 @@
             <p:ph type="body" idx="1"/>
           </p:nvPr>
         </p:nvSpPr>
-        <p:spPr/>
+        <p:spPr bwMode="auto">
+          <a:noFill/>
+          <a:extLst>
+            <a:ext uri="{909E8E84-426E-40dd-AFC4-6F175D3DCCD1}">
+              <a14:hiddenFill xmlns:a14="http://schemas.microsoft.com/office/drawing/2010/main" xmlns="">
+                <a:solidFill>
+                  <a:srgbClr val="FFFFFF"/>
+                </a:solidFill>
+              </a14:hiddenFill>
+            </a:ext>
+            <a:ext uri="{91240B29-F687-4f45-9708-019B960494DF}">
+              <a14:hiddenLine xmlns:a14="http://schemas.microsoft.com/office/drawing/2010/main" xmlns="" w="9525">
+                <a:solidFill>
+                  <a:srgbClr val="000000"/>
+                </a:solidFill>
+                <a:miter lim="800000"/>
+                <a:headEnd/>
+                <a:tailEnd/>
+              </a14:hiddenLine>
+            </a:ext>
+          </a:extLst>
+        </p:spPr>
         <p:txBody>
-          <a:bodyPr/>
+          <a:bodyPr wrap="square" numCol="1" anchor="t" anchorCtr="0" compatLnSpc="1">
+            <a:prstTxWarp prst="textNoShape">
+              <a:avLst/>
+            </a:prstTxWarp>
+          </a:bodyPr>
           <a:lstStyle/>
           <a:p>
-            <a:endParaRPr lang="en-US" dirty="0"/>
+            <a:pPr>
+              <a:spcBef>
+                <a:spcPct val="0"/>
+              </a:spcBef>
+            </a:pPr>
+            <a:r>
+              <a:rPr lang="en-US" b="0" dirty="0">
+                <a:latin typeface="BentonSans Book" charset="0"/>
+              </a:rPr>
+              <a:t>Germ Theory of Disease (two clinics)</a:t>
+            </a:r>
+            <a:endParaRPr lang="en-US" dirty="0">
+              <a:latin typeface="BentonSans Book" charset="0"/>
+            </a:endParaRPr>
+          </a:p>
+          <a:p>
+            <a:pPr>
+              <a:spcBef>
+                <a:spcPct val="0"/>
+              </a:spcBef>
+            </a:pPr>
+            <a:r>
+              <a:rPr lang="en-US" dirty="0">
+                <a:latin typeface="BentonSans Book" charset="0"/>
+              </a:rPr>
+              <a:t>Germ Theory of Disease</a:t>
+            </a:r>
+          </a:p>
+          <a:p>
+            <a:pPr>
+              <a:spcBef>
+                <a:spcPct val="0"/>
+              </a:spcBef>
+            </a:pPr>
+            <a:r>
+              <a:rPr lang="en-US" dirty="0">
+                <a:latin typeface="BentonSans Book" charset="0"/>
+              </a:rPr>
+              <a:t>Technology Adoption Over Time</a:t>
+            </a:r>
+          </a:p>
+          <a:p>
+            <a:pPr>
+              <a:spcBef>
+                <a:spcPct val="0"/>
+              </a:spcBef>
+            </a:pPr>
+            <a:r>
+              <a:rPr lang="en-US" dirty="0">
+                <a:latin typeface="BentonSans Book" charset="0"/>
+              </a:rPr>
+              <a:t>Anime</a:t>
+            </a:r>
+          </a:p>
+          <a:p>
+            <a:pPr>
+              <a:spcBef>
+                <a:spcPct val="0"/>
+              </a:spcBef>
+            </a:pPr>
+            <a:r>
+              <a:rPr lang="en-US" dirty="0">
+                <a:latin typeface="BentonSans Book" charset="0"/>
+              </a:rPr>
+              <a:t>Tableau Public</a:t>
+            </a:r>
+          </a:p>
+          <a:p>
+            <a:pPr>
+              <a:spcBef>
+                <a:spcPct val="0"/>
+              </a:spcBef>
+            </a:pPr>
+            <a:endParaRPr lang="en-US" dirty="0">
+              <a:latin typeface="BentonSans Book" charset="0"/>
+            </a:endParaRPr>
           </a:p>
         </p:txBody>
       </p:sp>
     </p:spTree>
-    <p:extLst>
-      <p:ext uri="{BB962C8B-B14F-4D97-AF65-F5344CB8AC3E}">
-        <p14:creationId xmlns:p14="http://schemas.microsoft.com/office/powerpoint/2010/main" val="164648985"/>
-      </p:ext>
-    </p:extLst>
   </p:cSld>
   <p:clrMapOvr>
     <a:masterClrMapping/>
@@ -4289,7 +4289,7 @@
     </p:spTree>
     <p:extLst>
       <p:ext uri="{BB962C8B-B14F-4D97-AF65-F5344CB8AC3E}">
-        <p14:creationId xmlns:p14="http://schemas.microsoft.com/office/powerpoint/2010/main" val="989393269"/>
+        <p14:creationId xmlns:p14="http://schemas.microsoft.com/office/powerpoint/2010/main" val="164648985"/>
       </p:ext>
     </p:extLst>
   </p:cSld>
@@ -4343,17 +4343,14 @@
           <a:bodyPr/>
           <a:lstStyle/>
           <a:p>
-            <a:r>
-              <a:rPr lang="en-US" dirty="0"/>
-              <a:t>Can add stuff to pages if desired (date or deaths might be interesting)</a:t>
-            </a:r>
+            <a:endParaRPr lang="en-US" dirty="0"/>
           </a:p>
         </p:txBody>
       </p:sp>
     </p:spTree>
     <p:extLst>
       <p:ext uri="{BB962C8B-B14F-4D97-AF65-F5344CB8AC3E}">
-        <p14:creationId xmlns:p14="http://schemas.microsoft.com/office/powerpoint/2010/main" val="3296685925"/>
+        <p14:creationId xmlns:p14="http://schemas.microsoft.com/office/powerpoint/2010/main" val="989393269"/>
       </p:ext>
     </p:extLst>
   </p:cSld>
@@ -4407,14 +4404,17 @@
           <a:bodyPr/>
           <a:lstStyle/>
           <a:p>
-            <a:endParaRPr lang="en-US" dirty="0"/>
+            <a:r>
+              <a:rPr lang="en-US" dirty="0"/>
+              <a:t>Can add stuff to pages if desired (date or deaths might be interesting)</a:t>
+            </a:r>
           </a:p>
         </p:txBody>
       </p:sp>
     </p:spTree>
     <p:extLst>
       <p:ext uri="{BB962C8B-B14F-4D97-AF65-F5344CB8AC3E}">
-        <p14:creationId xmlns:p14="http://schemas.microsoft.com/office/powerpoint/2010/main" val="3350560249"/>
+        <p14:creationId xmlns:p14="http://schemas.microsoft.com/office/powerpoint/2010/main" val="3296685925"/>
       </p:ext>
     </p:extLst>
   </p:cSld>
@@ -4475,7 +4475,7 @@
     </p:spTree>
     <p:extLst>
       <p:ext uri="{BB962C8B-B14F-4D97-AF65-F5344CB8AC3E}">
-        <p14:creationId xmlns:p14="http://schemas.microsoft.com/office/powerpoint/2010/main" val="4070323610"/>
+        <p14:creationId xmlns:p14="http://schemas.microsoft.com/office/powerpoint/2010/main" val="3350560249"/>
       </p:ext>
     </p:extLst>
   </p:cSld>
@@ -4536,7 +4536,7 @@
     </p:spTree>
     <p:extLst>
       <p:ext uri="{BB962C8B-B14F-4D97-AF65-F5344CB8AC3E}">
-        <p14:creationId xmlns:p14="http://schemas.microsoft.com/office/powerpoint/2010/main" val="1700628346"/>
+        <p14:creationId xmlns:p14="http://schemas.microsoft.com/office/powerpoint/2010/main" val="4070323610"/>
       </p:ext>
     </p:extLst>
   </p:cSld>
@@ -4597,7 +4597,7 @@
     </p:spTree>
     <p:extLst>
       <p:ext uri="{BB962C8B-B14F-4D97-AF65-F5344CB8AC3E}">
-        <p14:creationId xmlns:p14="http://schemas.microsoft.com/office/powerpoint/2010/main" val="3559071881"/>
+        <p14:creationId xmlns:p14="http://schemas.microsoft.com/office/powerpoint/2010/main" val="1700628346"/>
       </p:ext>
     </p:extLst>
   </p:cSld>
@@ -4658,7 +4658,7 @@
     </p:spTree>
     <p:extLst>
       <p:ext uri="{BB962C8B-B14F-4D97-AF65-F5344CB8AC3E}">
-        <p14:creationId xmlns:p14="http://schemas.microsoft.com/office/powerpoint/2010/main" val="2764254563"/>
+        <p14:creationId xmlns:p14="http://schemas.microsoft.com/office/powerpoint/2010/main" val="3559071881"/>
       </p:ext>
     </p:extLst>
   </p:cSld>
@@ -16178,6 +16178,1080 @@
       </p:grpSpPr>
       <p:sp>
         <p:nvSpPr>
+          <p:cNvPr id="2" name="Content Placeholder 1"/>
+          <p:cNvSpPr>
+            <a:spLocks noGrp="1"/>
+          </p:cNvSpPr>
+          <p:nvPr>
+            <p:ph idx="14"/>
+          </p:nvPr>
+        </p:nvSpPr>
+        <p:spPr>
+          <a:xfrm>
+            <a:off x="704476" y="1893515"/>
+            <a:ext cx="13273820" cy="4909036"/>
+          </a:xfrm>
+        </p:spPr>
+        <p:txBody>
+          <a:bodyPr/>
+          <a:lstStyle/>
+          <a:p>
+            <a:pPr marL="457200" indent="-457200" defTabSz="1306221" fontAlgn="auto">
+              <a:defRPr/>
+            </a:pPr>
+            <a:r>
+              <a:rPr lang="en-US" sz="2400" dirty="0">
+                <a:ea typeface="+mn-ea"/>
+              </a:rPr>
+              <a:t>Data Scientist</a:t>
+            </a:r>
+          </a:p>
+          <a:p>
+            <a:pPr marL="739775" lvl="1" indent="-457200" defTabSz="1306221" fontAlgn="auto">
+              <a:defRPr/>
+            </a:pPr>
+            <a:r>
+              <a:rPr lang="en-US" sz="1600" dirty="0">
+                <a:ea typeface="+mn-ea"/>
+              </a:rPr>
+              <a:t>“Data investments in the financial services industry will account for nearly $9 Billion in 2018 alone” </a:t>
+            </a:r>
+            <a:r>
+              <a:rPr lang="en-US" sz="1600" dirty="0"/>
+              <a:t>(</a:t>
+            </a:r>
+            <a:r>
+              <a:rPr lang="en-US" sz="1600" dirty="0" err="1">
+                <a:hlinkClick r:id="rId3"/>
+              </a:rPr>
+              <a:t>Attunity</a:t>
+            </a:r>
+            <a:r>
+              <a:rPr lang="en-US" sz="1600" dirty="0">
+                <a:hlinkClick r:id="rId3"/>
+              </a:rPr>
+              <a:t>, 2018</a:t>
+            </a:r>
+            <a:r>
+              <a:rPr lang="en-US" sz="1600" dirty="0"/>
+              <a:t>)</a:t>
+            </a:r>
+            <a:r>
+              <a:rPr lang="en-US" sz="1600" dirty="0">
+                <a:ea typeface="+mn-ea"/>
+              </a:rPr>
+              <a:t> </a:t>
+            </a:r>
+          </a:p>
+          <a:p>
+            <a:pPr marL="739775" lvl="1" indent="-457200" defTabSz="1306221" fontAlgn="auto">
+              <a:defRPr/>
+            </a:pPr>
+            <a:r>
+              <a:rPr lang="en-US" sz="1600" dirty="0">
+                <a:ea typeface="+mn-ea"/>
+              </a:rPr>
+              <a:t>“AI’s impact on marketing is growing, predicted to reach nearly $40 billion by 2025.” </a:t>
+            </a:r>
+            <a:r>
+              <a:rPr lang="en-US" sz="1600" dirty="0"/>
+              <a:t>(</a:t>
+            </a:r>
+            <a:r>
+              <a:rPr lang="en-US" sz="1600" dirty="0" err="1">
+                <a:hlinkClick r:id="rId3"/>
+              </a:rPr>
+              <a:t>Attunity</a:t>
+            </a:r>
+            <a:r>
+              <a:rPr lang="en-US" sz="1600" dirty="0">
+                <a:hlinkClick r:id="rId3"/>
+              </a:rPr>
+              <a:t>, 2018</a:t>
+            </a:r>
+            <a:r>
+              <a:rPr lang="en-US" sz="1600" dirty="0"/>
+              <a:t>)</a:t>
+            </a:r>
+          </a:p>
+          <a:p>
+            <a:pPr marL="739775" lvl="1" indent="-457200" defTabSz="1306221" fontAlgn="auto">
+              <a:defRPr/>
+            </a:pPr>
+            <a:r>
+              <a:rPr lang="en-US" sz="1600" dirty="0">
+                <a:ea typeface="+mn-ea"/>
+              </a:rPr>
+              <a:t>“The salaries of data scientists are rapidly increasing with demand.” </a:t>
+            </a:r>
+            <a:r>
+              <a:rPr lang="en-US" sz="1600" dirty="0"/>
+              <a:t>(</a:t>
+            </a:r>
+            <a:r>
+              <a:rPr lang="en-US" sz="1600" dirty="0" err="1">
+                <a:hlinkClick r:id="rId3"/>
+              </a:rPr>
+              <a:t>Attunity</a:t>
+            </a:r>
+            <a:r>
+              <a:rPr lang="en-US" sz="1600" dirty="0">
+                <a:hlinkClick r:id="rId3"/>
+              </a:rPr>
+              <a:t>, 2018</a:t>
+            </a:r>
+            <a:r>
+              <a:rPr lang="en-US" sz="1600" dirty="0"/>
+              <a:t>)</a:t>
+            </a:r>
+          </a:p>
+          <a:p>
+            <a:pPr marL="739775" lvl="1" indent="-457200" defTabSz="1306221" fontAlgn="auto">
+              <a:defRPr/>
+            </a:pPr>
+            <a:r>
+              <a:rPr lang="en-US" sz="1600" dirty="0">
+                <a:ea typeface="+mn-ea"/>
+              </a:rPr>
+              <a:t>“Consider this figure: $136 billion per year. That’s the research firm IDC’s estimate of the size of the big data market, worldwide, in 2016. This figure should surprise no one with an interest in big data.” </a:t>
+            </a:r>
+            <a:r>
+              <a:rPr lang="en-US" sz="1600" dirty="0"/>
+              <a:t>(</a:t>
+            </a:r>
+            <a:r>
+              <a:rPr lang="en-US" sz="1600" dirty="0">
+                <a:hlinkClick r:id="rId4"/>
+              </a:rPr>
+              <a:t>Harvard Business Review, 2016</a:t>
+            </a:r>
+            <a:r>
+              <a:rPr lang="en-US" sz="1600" dirty="0"/>
+              <a:t>)</a:t>
+            </a:r>
+          </a:p>
+          <a:p>
+            <a:pPr marL="739775" lvl="1" indent="-457200" defTabSz="1306221" fontAlgn="auto">
+              <a:defRPr/>
+            </a:pPr>
+            <a:r>
+              <a:rPr lang="en-US" sz="1600" dirty="0">
+                <a:ea typeface="+mn-ea"/>
+              </a:rPr>
+              <a:t>“83% of data scientists polled feel that there is shortage of data scientists today” (</a:t>
+            </a:r>
+            <a:r>
+              <a:rPr lang="en-US" sz="1600" dirty="0">
+                <a:ea typeface="+mn-ea"/>
+                <a:hlinkClick r:id="rId5"/>
+              </a:rPr>
+              <a:t>CrowdFlower, 2016</a:t>
+            </a:r>
+            <a:r>
+              <a:rPr lang="en-US" sz="1600" dirty="0">
+                <a:ea typeface="+mn-ea"/>
+              </a:rPr>
+              <a:t>)</a:t>
+            </a:r>
+          </a:p>
+          <a:p>
+            <a:pPr marL="739775" lvl="1" indent="-457200" defTabSz="1306221" fontAlgn="auto">
+              <a:defRPr/>
+            </a:pPr>
+            <a:r>
+              <a:rPr lang="en-US" sz="1600" dirty="0">
+                <a:ea typeface="+mn-ea"/>
+              </a:rPr>
+              <a:t>“80% of data scientists feel really positive about their current gig” </a:t>
+            </a:r>
+            <a:r>
+              <a:rPr lang="en-US" sz="1600" dirty="0"/>
+              <a:t>(</a:t>
+            </a:r>
+            <a:r>
+              <a:rPr lang="en-US" sz="1600" dirty="0">
+                <a:hlinkClick r:id="rId5"/>
+              </a:rPr>
+              <a:t>CrowdFlower, 2016</a:t>
+            </a:r>
+            <a:r>
+              <a:rPr lang="en-US" sz="1600" dirty="0"/>
+              <a:t>)</a:t>
+            </a:r>
+          </a:p>
+          <a:p>
+            <a:pPr marL="739775" lvl="1" indent="-457200" defTabSz="1306221" fontAlgn="auto">
+              <a:defRPr/>
+            </a:pPr>
+            <a:r>
+              <a:rPr lang="en-US" sz="1600" dirty="0">
+                <a:ea typeface="+mn-ea"/>
+              </a:rPr>
+              <a:t>“[b]y 2020 the number of Data Science and Analytics job listings is projected to grow by nearly 364,000 listings to approximately 2,720,000.” (</a:t>
+            </a:r>
+            <a:r>
+              <a:rPr lang="en-US" sz="1600" dirty="0">
+                <a:ea typeface="+mn-ea"/>
+                <a:hlinkClick r:id="rId6"/>
+              </a:rPr>
+              <a:t>Forbes, 2017</a:t>
+            </a:r>
+            <a:r>
+              <a:rPr lang="en-US" sz="1600" dirty="0">
+                <a:ea typeface="+mn-ea"/>
+              </a:rPr>
+              <a:t>)</a:t>
+            </a:r>
+          </a:p>
+          <a:p>
+            <a:pPr marL="457200" indent="-457200" defTabSz="1306221" fontAlgn="auto">
+              <a:defRPr/>
+            </a:pPr>
+            <a:r>
+              <a:rPr lang="en-US" sz="2400" dirty="0">
+                <a:ea typeface="+mn-ea"/>
+              </a:rPr>
+              <a:t>Data Analyst</a:t>
+            </a:r>
+          </a:p>
+          <a:p>
+            <a:pPr lvl="1"/>
+            <a:r>
+              <a:rPr lang="en-US" sz="1600" dirty="0">
+                <a:ea typeface="+mn-ea"/>
+              </a:rPr>
+              <a:t>“</a:t>
+            </a:r>
+            <a:r>
+              <a:rPr lang="en-US" sz="1600" dirty="0"/>
+              <a:t>Most companies only analyze 12% of the data they have.” (</a:t>
+            </a:r>
+            <a:r>
+              <a:rPr lang="en-US" sz="1600" dirty="0" err="1">
+                <a:hlinkClick r:id="rId3"/>
+              </a:rPr>
+              <a:t>Attunity</a:t>
+            </a:r>
+            <a:r>
+              <a:rPr lang="en-US" sz="1600" dirty="0">
+                <a:hlinkClick r:id="rId3"/>
+              </a:rPr>
+              <a:t>, 2018</a:t>
+            </a:r>
+            <a:r>
+              <a:rPr lang="en-US" sz="1600" dirty="0"/>
+              <a:t>)</a:t>
+            </a:r>
+          </a:p>
+          <a:p>
+            <a:pPr lvl="1"/>
+            <a:r>
+              <a:rPr lang="en-US" sz="1600" dirty="0">
+                <a:ea typeface="+mn-ea"/>
+              </a:rPr>
+              <a:t>“But here’s another number: $3.1 trillion, IBM’s estimate of the yearly cost of poor quality data, in the US alone, in 2016. While most people who deal in data every day know that bad data is costly, this figure stuns.” </a:t>
+            </a:r>
+            <a:r>
+              <a:rPr lang="en-US" sz="1600" dirty="0"/>
+              <a:t>(</a:t>
+            </a:r>
+            <a:r>
+              <a:rPr lang="en-US" sz="1600" dirty="0">
+                <a:hlinkClick r:id="rId4"/>
+              </a:rPr>
+              <a:t>Harvard Business Review, 2016</a:t>
+            </a:r>
+            <a:r>
+              <a:rPr lang="en-US" sz="1600" dirty="0"/>
+              <a:t>)</a:t>
+            </a:r>
+            <a:endParaRPr lang="en-US" sz="2400" dirty="0">
+              <a:ea typeface="+mn-ea"/>
+            </a:endParaRPr>
+          </a:p>
+          <a:p>
+            <a:pPr marL="457200" indent="-457200" defTabSz="1306221" fontAlgn="auto">
+              <a:defRPr/>
+            </a:pPr>
+            <a:endParaRPr lang="en-US" sz="2400" dirty="0">
+              <a:ea typeface="+mn-ea"/>
+            </a:endParaRPr>
+          </a:p>
+        </p:txBody>
+      </p:sp>
+      <p:sp>
+        <p:nvSpPr>
+          <p:cNvPr id="3" name="Text Placeholder 2"/>
+          <p:cNvSpPr>
+            <a:spLocks noGrp="1"/>
+          </p:cNvSpPr>
+          <p:nvPr>
+            <p:ph type="body" sz="quarter" idx="12"/>
+          </p:nvPr>
+        </p:nvSpPr>
+        <p:spPr>
+          <a:prstGeom prst="rect">
+            <a:avLst/>
+          </a:prstGeom>
+        </p:spPr>
+        <p:txBody>
+          <a:bodyPr/>
+          <a:lstStyle/>
+          <a:p>
+            <a:pPr defTabSz="1306221" fontAlgn="auto">
+              <a:spcAft>
+                <a:spcPts val="0"/>
+              </a:spcAft>
+              <a:defRPr/>
+            </a:pPr>
+            <a:r>
+              <a:rPr lang="en-US" dirty="0">
+                <a:ea typeface="+mn-ea"/>
+              </a:rPr>
+              <a:t>Career Opportunities</a:t>
+            </a:r>
+          </a:p>
+        </p:txBody>
+      </p:sp>
+    </p:spTree>
+    <p:extLst>
+      <p:ext uri="{BB962C8B-B14F-4D97-AF65-F5344CB8AC3E}">
+        <p14:creationId xmlns:p14="http://schemas.microsoft.com/office/powerpoint/2010/main" val="3229982424"/>
+      </p:ext>
+    </p:extLst>
+  </p:cSld>
+  <p:clrMapOvr>
+    <a:masterClrMapping/>
+  </p:clrMapOvr>
+  <p:transition spd="slow">
+    <p:push dir="u"/>
+  </p:transition>
+  <p:timing>
+    <p:tnLst>
+      <p:par>
+        <p:cTn id="1" dur="indefinite" restart="never" nodeType="tmRoot">
+          <p:childTnLst>
+            <p:seq concurrent="1" nextAc="seek">
+              <p:cTn id="2" dur="indefinite" nodeType="mainSeq">
+                <p:childTnLst>
+                  <p:par>
+                    <p:cTn id="3" fill="hold">
+                      <p:stCondLst>
+                        <p:cond delay="indefinite"/>
+                      </p:stCondLst>
+                      <p:childTnLst>
+                        <p:par>
+                          <p:cTn id="4" fill="hold">
+                            <p:stCondLst>
+                              <p:cond delay="0"/>
+                            </p:stCondLst>
+                            <p:childTnLst>
+                              <p:par>
+                                <p:cTn id="5" presetID="10" presetClass="entr" presetSubtype="0" fill="hold" grpId="0" nodeType="clickEffect">
+                                  <p:stCondLst>
+                                    <p:cond delay="0"/>
+                                  </p:stCondLst>
+                                  <p:childTnLst>
+                                    <p:set>
+                                      <p:cBhvr>
+                                        <p:cTn id="6" dur="1" fill="hold">
+                                          <p:stCondLst>
+                                            <p:cond delay="0"/>
+                                          </p:stCondLst>
+                                        </p:cTn>
+                                        <p:tgtEl>
+                                          <p:spTgt spid="2">
+                                            <p:txEl>
+                                              <p:pRg st="0" end="0"/>
+                                            </p:txEl>
+                                          </p:spTgt>
+                                        </p:tgtEl>
+                                        <p:attrNameLst>
+                                          <p:attrName>style.visibility</p:attrName>
+                                        </p:attrNameLst>
+                                      </p:cBhvr>
+                                      <p:to>
+                                        <p:strVal val="visible"/>
+                                      </p:to>
+                                    </p:set>
+                                    <p:animEffect transition="in" filter="fade">
+                                      <p:cBhvr>
+                                        <p:cTn id="7" dur="500"/>
+                                        <p:tgtEl>
+                                          <p:spTgt spid="2">
+                                            <p:txEl>
+                                              <p:pRg st="0" end="0"/>
+                                            </p:txEl>
+                                          </p:spTgt>
+                                        </p:tgtEl>
+                                      </p:cBhvr>
+                                    </p:animEffect>
+                                  </p:childTnLst>
+                                </p:cTn>
+                              </p:par>
+                            </p:childTnLst>
+                          </p:cTn>
+                        </p:par>
+                      </p:childTnLst>
+                    </p:cTn>
+                  </p:par>
+                  <p:par>
+                    <p:cTn id="8" fill="hold">
+                      <p:stCondLst>
+                        <p:cond delay="indefinite"/>
+                      </p:stCondLst>
+                      <p:childTnLst>
+                        <p:par>
+                          <p:cTn id="9" fill="hold">
+                            <p:stCondLst>
+                              <p:cond delay="0"/>
+                            </p:stCondLst>
+                            <p:childTnLst>
+                              <p:par>
+                                <p:cTn id="10" presetID="10" presetClass="entr" presetSubtype="0" fill="hold" grpId="0" nodeType="clickEffect">
+                                  <p:stCondLst>
+                                    <p:cond delay="0"/>
+                                  </p:stCondLst>
+                                  <p:childTnLst>
+                                    <p:set>
+                                      <p:cBhvr>
+                                        <p:cTn id="11" dur="1" fill="hold">
+                                          <p:stCondLst>
+                                            <p:cond delay="0"/>
+                                          </p:stCondLst>
+                                        </p:cTn>
+                                        <p:tgtEl>
+                                          <p:spTgt spid="2">
+                                            <p:txEl>
+                                              <p:pRg st="1" end="1"/>
+                                            </p:txEl>
+                                          </p:spTgt>
+                                        </p:tgtEl>
+                                        <p:attrNameLst>
+                                          <p:attrName>style.visibility</p:attrName>
+                                        </p:attrNameLst>
+                                      </p:cBhvr>
+                                      <p:to>
+                                        <p:strVal val="visible"/>
+                                      </p:to>
+                                    </p:set>
+                                    <p:animEffect transition="in" filter="fade">
+                                      <p:cBhvr>
+                                        <p:cTn id="12" dur="500"/>
+                                        <p:tgtEl>
+                                          <p:spTgt spid="2">
+                                            <p:txEl>
+                                              <p:pRg st="1" end="1"/>
+                                            </p:txEl>
+                                          </p:spTgt>
+                                        </p:tgtEl>
+                                      </p:cBhvr>
+                                    </p:animEffect>
+                                  </p:childTnLst>
+                                </p:cTn>
+                              </p:par>
+                            </p:childTnLst>
+                          </p:cTn>
+                        </p:par>
+                      </p:childTnLst>
+                    </p:cTn>
+                  </p:par>
+                  <p:par>
+                    <p:cTn id="13" fill="hold">
+                      <p:stCondLst>
+                        <p:cond delay="indefinite"/>
+                      </p:stCondLst>
+                      <p:childTnLst>
+                        <p:par>
+                          <p:cTn id="14" fill="hold">
+                            <p:stCondLst>
+                              <p:cond delay="0"/>
+                            </p:stCondLst>
+                            <p:childTnLst>
+                              <p:par>
+                                <p:cTn id="15" presetID="10" presetClass="entr" presetSubtype="0" fill="hold" grpId="0" nodeType="clickEffect">
+                                  <p:stCondLst>
+                                    <p:cond delay="0"/>
+                                  </p:stCondLst>
+                                  <p:childTnLst>
+                                    <p:set>
+                                      <p:cBhvr>
+                                        <p:cTn id="16" dur="1" fill="hold">
+                                          <p:stCondLst>
+                                            <p:cond delay="0"/>
+                                          </p:stCondLst>
+                                        </p:cTn>
+                                        <p:tgtEl>
+                                          <p:spTgt spid="2">
+                                            <p:txEl>
+                                              <p:pRg st="2" end="2"/>
+                                            </p:txEl>
+                                          </p:spTgt>
+                                        </p:tgtEl>
+                                        <p:attrNameLst>
+                                          <p:attrName>style.visibility</p:attrName>
+                                        </p:attrNameLst>
+                                      </p:cBhvr>
+                                      <p:to>
+                                        <p:strVal val="visible"/>
+                                      </p:to>
+                                    </p:set>
+                                    <p:animEffect transition="in" filter="fade">
+                                      <p:cBhvr>
+                                        <p:cTn id="17" dur="500"/>
+                                        <p:tgtEl>
+                                          <p:spTgt spid="2">
+                                            <p:txEl>
+                                              <p:pRg st="2" end="2"/>
+                                            </p:txEl>
+                                          </p:spTgt>
+                                        </p:tgtEl>
+                                      </p:cBhvr>
+                                    </p:animEffect>
+                                  </p:childTnLst>
+                                </p:cTn>
+                              </p:par>
+                            </p:childTnLst>
+                          </p:cTn>
+                        </p:par>
+                      </p:childTnLst>
+                    </p:cTn>
+                  </p:par>
+                  <p:par>
+                    <p:cTn id="18" fill="hold">
+                      <p:stCondLst>
+                        <p:cond delay="indefinite"/>
+                      </p:stCondLst>
+                      <p:childTnLst>
+                        <p:par>
+                          <p:cTn id="19" fill="hold">
+                            <p:stCondLst>
+                              <p:cond delay="0"/>
+                            </p:stCondLst>
+                            <p:childTnLst>
+                              <p:par>
+                                <p:cTn id="20" presetID="10" presetClass="entr" presetSubtype="0" fill="hold" grpId="0" nodeType="clickEffect">
+                                  <p:stCondLst>
+                                    <p:cond delay="0"/>
+                                  </p:stCondLst>
+                                  <p:childTnLst>
+                                    <p:set>
+                                      <p:cBhvr>
+                                        <p:cTn id="21" dur="1" fill="hold">
+                                          <p:stCondLst>
+                                            <p:cond delay="0"/>
+                                          </p:stCondLst>
+                                        </p:cTn>
+                                        <p:tgtEl>
+                                          <p:spTgt spid="2">
+                                            <p:txEl>
+                                              <p:pRg st="3" end="3"/>
+                                            </p:txEl>
+                                          </p:spTgt>
+                                        </p:tgtEl>
+                                        <p:attrNameLst>
+                                          <p:attrName>style.visibility</p:attrName>
+                                        </p:attrNameLst>
+                                      </p:cBhvr>
+                                      <p:to>
+                                        <p:strVal val="visible"/>
+                                      </p:to>
+                                    </p:set>
+                                    <p:animEffect transition="in" filter="fade">
+                                      <p:cBhvr>
+                                        <p:cTn id="22" dur="500"/>
+                                        <p:tgtEl>
+                                          <p:spTgt spid="2">
+                                            <p:txEl>
+                                              <p:pRg st="3" end="3"/>
+                                            </p:txEl>
+                                          </p:spTgt>
+                                        </p:tgtEl>
+                                      </p:cBhvr>
+                                    </p:animEffect>
+                                  </p:childTnLst>
+                                </p:cTn>
+                              </p:par>
+                            </p:childTnLst>
+                          </p:cTn>
+                        </p:par>
+                      </p:childTnLst>
+                    </p:cTn>
+                  </p:par>
+                  <p:par>
+                    <p:cTn id="23" fill="hold">
+                      <p:stCondLst>
+                        <p:cond delay="indefinite"/>
+                      </p:stCondLst>
+                      <p:childTnLst>
+                        <p:par>
+                          <p:cTn id="24" fill="hold">
+                            <p:stCondLst>
+                              <p:cond delay="0"/>
+                            </p:stCondLst>
+                            <p:childTnLst>
+                              <p:par>
+                                <p:cTn id="25" presetID="10" presetClass="entr" presetSubtype="0" fill="hold" grpId="0" nodeType="clickEffect">
+                                  <p:stCondLst>
+                                    <p:cond delay="0"/>
+                                  </p:stCondLst>
+                                  <p:childTnLst>
+                                    <p:set>
+                                      <p:cBhvr>
+                                        <p:cTn id="26" dur="1" fill="hold">
+                                          <p:stCondLst>
+                                            <p:cond delay="0"/>
+                                          </p:stCondLst>
+                                        </p:cTn>
+                                        <p:tgtEl>
+                                          <p:spTgt spid="2">
+                                            <p:txEl>
+                                              <p:pRg st="4" end="4"/>
+                                            </p:txEl>
+                                          </p:spTgt>
+                                        </p:tgtEl>
+                                        <p:attrNameLst>
+                                          <p:attrName>style.visibility</p:attrName>
+                                        </p:attrNameLst>
+                                      </p:cBhvr>
+                                      <p:to>
+                                        <p:strVal val="visible"/>
+                                      </p:to>
+                                    </p:set>
+                                    <p:animEffect transition="in" filter="fade">
+                                      <p:cBhvr>
+                                        <p:cTn id="27" dur="500"/>
+                                        <p:tgtEl>
+                                          <p:spTgt spid="2">
+                                            <p:txEl>
+                                              <p:pRg st="4" end="4"/>
+                                            </p:txEl>
+                                          </p:spTgt>
+                                        </p:tgtEl>
+                                      </p:cBhvr>
+                                    </p:animEffect>
+                                  </p:childTnLst>
+                                </p:cTn>
+                              </p:par>
+                            </p:childTnLst>
+                          </p:cTn>
+                        </p:par>
+                      </p:childTnLst>
+                    </p:cTn>
+                  </p:par>
+                  <p:par>
+                    <p:cTn id="28" fill="hold">
+                      <p:stCondLst>
+                        <p:cond delay="indefinite"/>
+                      </p:stCondLst>
+                      <p:childTnLst>
+                        <p:par>
+                          <p:cTn id="29" fill="hold">
+                            <p:stCondLst>
+                              <p:cond delay="0"/>
+                            </p:stCondLst>
+                            <p:childTnLst>
+                              <p:par>
+                                <p:cTn id="30" presetID="10" presetClass="entr" presetSubtype="0" fill="hold" grpId="0" nodeType="clickEffect">
+                                  <p:stCondLst>
+                                    <p:cond delay="0"/>
+                                  </p:stCondLst>
+                                  <p:childTnLst>
+                                    <p:set>
+                                      <p:cBhvr>
+                                        <p:cTn id="31" dur="1" fill="hold">
+                                          <p:stCondLst>
+                                            <p:cond delay="0"/>
+                                          </p:stCondLst>
+                                        </p:cTn>
+                                        <p:tgtEl>
+                                          <p:spTgt spid="2">
+                                            <p:txEl>
+                                              <p:pRg st="5" end="5"/>
+                                            </p:txEl>
+                                          </p:spTgt>
+                                        </p:tgtEl>
+                                        <p:attrNameLst>
+                                          <p:attrName>style.visibility</p:attrName>
+                                        </p:attrNameLst>
+                                      </p:cBhvr>
+                                      <p:to>
+                                        <p:strVal val="visible"/>
+                                      </p:to>
+                                    </p:set>
+                                    <p:animEffect transition="in" filter="fade">
+                                      <p:cBhvr>
+                                        <p:cTn id="32" dur="500"/>
+                                        <p:tgtEl>
+                                          <p:spTgt spid="2">
+                                            <p:txEl>
+                                              <p:pRg st="5" end="5"/>
+                                            </p:txEl>
+                                          </p:spTgt>
+                                        </p:tgtEl>
+                                      </p:cBhvr>
+                                    </p:animEffect>
+                                  </p:childTnLst>
+                                </p:cTn>
+                              </p:par>
+                            </p:childTnLst>
+                          </p:cTn>
+                        </p:par>
+                      </p:childTnLst>
+                    </p:cTn>
+                  </p:par>
+                  <p:par>
+                    <p:cTn id="33" fill="hold">
+                      <p:stCondLst>
+                        <p:cond delay="indefinite"/>
+                      </p:stCondLst>
+                      <p:childTnLst>
+                        <p:par>
+                          <p:cTn id="34" fill="hold">
+                            <p:stCondLst>
+                              <p:cond delay="0"/>
+                            </p:stCondLst>
+                            <p:childTnLst>
+                              <p:par>
+                                <p:cTn id="35" presetID="10" presetClass="entr" presetSubtype="0" fill="hold" grpId="0" nodeType="clickEffect">
+                                  <p:stCondLst>
+                                    <p:cond delay="0"/>
+                                  </p:stCondLst>
+                                  <p:childTnLst>
+                                    <p:set>
+                                      <p:cBhvr>
+                                        <p:cTn id="36" dur="1" fill="hold">
+                                          <p:stCondLst>
+                                            <p:cond delay="0"/>
+                                          </p:stCondLst>
+                                        </p:cTn>
+                                        <p:tgtEl>
+                                          <p:spTgt spid="2">
+                                            <p:txEl>
+                                              <p:pRg st="6" end="6"/>
+                                            </p:txEl>
+                                          </p:spTgt>
+                                        </p:tgtEl>
+                                        <p:attrNameLst>
+                                          <p:attrName>style.visibility</p:attrName>
+                                        </p:attrNameLst>
+                                      </p:cBhvr>
+                                      <p:to>
+                                        <p:strVal val="visible"/>
+                                      </p:to>
+                                    </p:set>
+                                    <p:animEffect transition="in" filter="fade">
+                                      <p:cBhvr>
+                                        <p:cTn id="37" dur="500"/>
+                                        <p:tgtEl>
+                                          <p:spTgt spid="2">
+                                            <p:txEl>
+                                              <p:pRg st="6" end="6"/>
+                                            </p:txEl>
+                                          </p:spTgt>
+                                        </p:tgtEl>
+                                      </p:cBhvr>
+                                    </p:animEffect>
+                                  </p:childTnLst>
+                                </p:cTn>
+                              </p:par>
+                            </p:childTnLst>
+                          </p:cTn>
+                        </p:par>
+                      </p:childTnLst>
+                    </p:cTn>
+                  </p:par>
+                  <p:par>
+                    <p:cTn id="38" fill="hold">
+                      <p:stCondLst>
+                        <p:cond delay="indefinite"/>
+                      </p:stCondLst>
+                      <p:childTnLst>
+                        <p:par>
+                          <p:cTn id="39" fill="hold">
+                            <p:stCondLst>
+                              <p:cond delay="0"/>
+                            </p:stCondLst>
+                            <p:childTnLst>
+                              <p:par>
+                                <p:cTn id="40" presetID="10" presetClass="entr" presetSubtype="0" fill="hold" grpId="0" nodeType="clickEffect">
+                                  <p:stCondLst>
+                                    <p:cond delay="0"/>
+                                  </p:stCondLst>
+                                  <p:childTnLst>
+                                    <p:set>
+                                      <p:cBhvr>
+                                        <p:cTn id="41" dur="1" fill="hold">
+                                          <p:stCondLst>
+                                            <p:cond delay="0"/>
+                                          </p:stCondLst>
+                                        </p:cTn>
+                                        <p:tgtEl>
+                                          <p:spTgt spid="2">
+                                            <p:txEl>
+                                              <p:pRg st="7" end="7"/>
+                                            </p:txEl>
+                                          </p:spTgt>
+                                        </p:tgtEl>
+                                        <p:attrNameLst>
+                                          <p:attrName>style.visibility</p:attrName>
+                                        </p:attrNameLst>
+                                      </p:cBhvr>
+                                      <p:to>
+                                        <p:strVal val="visible"/>
+                                      </p:to>
+                                    </p:set>
+                                    <p:animEffect transition="in" filter="fade">
+                                      <p:cBhvr>
+                                        <p:cTn id="42" dur="500"/>
+                                        <p:tgtEl>
+                                          <p:spTgt spid="2">
+                                            <p:txEl>
+                                              <p:pRg st="7" end="7"/>
+                                            </p:txEl>
+                                          </p:spTgt>
+                                        </p:tgtEl>
+                                      </p:cBhvr>
+                                    </p:animEffect>
+                                  </p:childTnLst>
+                                </p:cTn>
+                              </p:par>
+                            </p:childTnLst>
+                          </p:cTn>
+                        </p:par>
+                      </p:childTnLst>
+                    </p:cTn>
+                  </p:par>
+                  <p:par>
+                    <p:cTn id="43" fill="hold">
+                      <p:stCondLst>
+                        <p:cond delay="indefinite"/>
+                      </p:stCondLst>
+                      <p:childTnLst>
+                        <p:par>
+                          <p:cTn id="44" fill="hold">
+                            <p:stCondLst>
+                              <p:cond delay="0"/>
+                            </p:stCondLst>
+                            <p:childTnLst>
+                              <p:par>
+                                <p:cTn id="45" presetID="10" presetClass="entr" presetSubtype="0" fill="hold" grpId="0" nodeType="clickEffect">
+                                  <p:stCondLst>
+                                    <p:cond delay="0"/>
+                                  </p:stCondLst>
+                                  <p:childTnLst>
+                                    <p:set>
+                                      <p:cBhvr>
+                                        <p:cTn id="46" dur="1" fill="hold">
+                                          <p:stCondLst>
+                                            <p:cond delay="0"/>
+                                          </p:stCondLst>
+                                        </p:cTn>
+                                        <p:tgtEl>
+                                          <p:spTgt spid="2">
+                                            <p:txEl>
+                                              <p:pRg st="8" end="8"/>
+                                            </p:txEl>
+                                          </p:spTgt>
+                                        </p:tgtEl>
+                                        <p:attrNameLst>
+                                          <p:attrName>style.visibility</p:attrName>
+                                        </p:attrNameLst>
+                                      </p:cBhvr>
+                                      <p:to>
+                                        <p:strVal val="visible"/>
+                                      </p:to>
+                                    </p:set>
+                                    <p:animEffect transition="in" filter="fade">
+                                      <p:cBhvr>
+                                        <p:cTn id="47" dur="500"/>
+                                        <p:tgtEl>
+                                          <p:spTgt spid="2">
+                                            <p:txEl>
+                                              <p:pRg st="8" end="8"/>
+                                            </p:txEl>
+                                          </p:spTgt>
+                                        </p:tgtEl>
+                                      </p:cBhvr>
+                                    </p:animEffect>
+                                  </p:childTnLst>
+                                </p:cTn>
+                              </p:par>
+                            </p:childTnLst>
+                          </p:cTn>
+                        </p:par>
+                      </p:childTnLst>
+                    </p:cTn>
+                  </p:par>
+                  <p:par>
+                    <p:cTn id="48" fill="hold">
+                      <p:stCondLst>
+                        <p:cond delay="indefinite"/>
+                      </p:stCondLst>
+                      <p:childTnLst>
+                        <p:par>
+                          <p:cTn id="49" fill="hold">
+                            <p:stCondLst>
+                              <p:cond delay="0"/>
+                            </p:stCondLst>
+                            <p:childTnLst>
+                              <p:par>
+                                <p:cTn id="50" presetID="10" presetClass="entr" presetSubtype="0" fill="hold" grpId="0" nodeType="clickEffect">
+                                  <p:stCondLst>
+                                    <p:cond delay="0"/>
+                                  </p:stCondLst>
+                                  <p:childTnLst>
+                                    <p:set>
+                                      <p:cBhvr>
+                                        <p:cTn id="51" dur="1" fill="hold">
+                                          <p:stCondLst>
+                                            <p:cond delay="0"/>
+                                          </p:stCondLst>
+                                        </p:cTn>
+                                        <p:tgtEl>
+                                          <p:spTgt spid="2">
+                                            <p:txEl>
+                                              <p:pRg st="9" end="9"/>
+                                            </p:txEl>
+                                          </p:spTgt>
+                                        </p:tgtEl>
+                                        <p:attrNameLst>
+                                          <p:attrName>style.visibility</p:attrName>
+                                        </p:attrNameLst>
+                                      </p:cBhvr>
+                                      <p:to>
+                                        <p:strVal val="visible"/>
+                                      </p:to>
+                                    </p:set>
+                                    <p:animEffect transition="in" filter="fade">
+                                      <p:cBhvr>
+                                        <p:cTn id="52" dur="500"/>
+                                        <p:tgtEl>
+                                          <p:spTgt spid="2">
+                                            <p:txEl>
+                                              <p:pRg st="9" end="9"/>
+                                            </p:txEl>
+                                          </p:spTgt>
+                                        </p:tgtEl>
+                                      </p:cBhvr>
+                                    </p:animEffect>
+                                  </p:childTnLst>
+                                </p:cTn>
+                              </p:par>
+                            </p:childTnLst>
+                          </p:cTn>
+                        </p:par>
+                      </p:childTnLst>
+                    </p:cTn>
+                  </p:par>
+                  <p:par>
+                    <p:cTn id="53" fill="hold">
+                      <p:stCondLst>
+                        <p:cond delay="indefinite"/>
+                      </p:stCondLst>
+                      <p:childTnLst>
+                        <p:par>
+                          <p:cTn id="54" fill="hold">
+                            <p:stCondLst>
+                              <p:cond delay="0"/>
+                            </p:stCondLst>
+                            <p:childTnLst>
+                              <p:par>
+                                <p:cTn id="55" presetID="10" presetClass="entr" presetSubtype="0" fill="hold" grpId="0" nodeType="clickEffect">
+                                  <p:stCondLst>
+                                    <p:cond delay="0"/>
+                                  </p:stCondLst>
+                                  <p:childTnLst>
+                                    <p:set>
+                                      <p:cBhvr>
+                                        <p:cTn id="56" dur="1" fill="hold">
+                                          <p:stCondLst>
+                                            <p:cond delay="0"/>
+                                          </p:stCondLst>
+                                        </p:cTn>
+                                        <p:tgtEl>
+                                          <p:spTgt spid="2">
+                                            <p:txEl>
+                                              <p:pRg st="10" end="10"/>
+                                            </p:txEl>
+                                          </p:spTgt>
+                                        </p:tgtEl>
+                                        <p:attrNameLst>
+                                          <p:attrName>style.visibility</p:attrName>
+                                        </p:attrNameLst>
+                                      </p:cBhvr>
+                                      <p:to>
+                                        <p:strVal val="visible"/>
+                                      </p:to>
+                                    </p:set>
+                                    <p:animEffect transition="in" filter="fade">
+                                      <p:cBhvr>
+                                        <p:cTn id="57" dur="500"/>
+                                        <p:tgtEl>
+                                          <p:spTgt spid="2">
+                                            <p:txEl>
+                                              <p:pRg st="10" end="10"/>
+                                            </p:txEl>
+                                          </p:spTgt>
+                                        </p:tgtEl>
+                                      </p:cBhvr>
+                                    </p:animEffect>
+                                  </p:childTnLst>
+                                </p:cTn>
+                              </p:par>
+                            </p:childTnLst>
+                          </p:cTn>
+                        </p:par>
+                      </p:childTnLst>
+                    </p:cTn>
+                  </p:par>
+                </p:childTnLst>
+              </p:cTn>
+              <p:prevCondLst>
+                <p:cond evt="onPrev" delay="0">
+                  <p:tgtEl>
+                    <p:sldTgt/>
+                  </p:tgtEl>
+                </p:cond>
+              </p:prevCondLst>
+              <p:nextCondLst>
+                <p:cond evt="onNext" delay="0">
+                  <p:tgtEl>
+                    <p:sldTgt/>
+                  </p:tgtEl>
+                </p:cond>
+              </p:nextCondLst>
+            </p:seq>
+          </p:childTnLst>
+        </p:cTn>
+      </p:par>
+    </p:tnLst>
+    <p:bldLst>
+      <p:bldP spid="2" grpId="0" uiExpand="1" build="p"/>
+    </p:bldLst>
+  </p:timing>
+</p:sld>
+</file>
+
+<file path=ppt/slides/slide31.xml><?xml version="1.0" encoding="utf-8"?>
+<p:sld xmlns:a="http://schemas.openxmlformats.org/drawingml/2006/main" xmlns:r="http://schemas.openxmlformats.org/officeDocument/2006/relationships" xmlns:p="http://schemas.openxmlformats.org/presentationml/2006/main">
+  <p:cSld>
+    <p:spTree>
+      <p:nvGrpSpPr>
+        <p:cNvPr id="1" name=""/>
+        <p:cNvGrpSpPr/>
+        <p:nvPr/>
+      </p:nvGrpSpPr>
+      <p:grpSpPr>
+        <a:xfrm>
+          <a:off x="0" y="0"/>
+          <a:ext cx="0" cy="0"/>
+          <a:chOff x="0" y="0"/>
+          <a:chExt cx="0" cy="0"/>
+        </a:xfrm>
+      </p:grpSpPr>
+      <p:sp>
+        <p:nvSpPr>
           <p:cNvPr id="7169" name="Title 1"/>
           <p:cNvSpPr>
             <a:spLocks noGrp="1"/>
@@ -16224,7 +17298,7 @@
 </p:sld>
 </file>
 
-<file path=ppt/slides/slide31.xml><?xml version="1.0" encoding="utf-8"?>
+<file path=ppt/slides/slide32.xml><?xml version="1.0" encoding="utf-8"?>
 <p:sld xmlns:a="http://schemas.openxmlformats.org/drawingml/2006/main" xmlns:r="http://schemas.openxmlformats.org/officeDocument/2006/relationships" xmlns:p="http://schemas.openxmlformats.org/presentationml/2006/main">
   <p:cSld>
     <p:spTree>
@@ -17052,1044 +18126,6 @@
                                           <p:spTgt spid="2">
                                             <p:txEl>
                                               <p:pRg st="9" end="9"/>
-                                            </p:txEl>
-                                          </p:spTgt>
-                                        </p:tgtEl>
-                                      </p:cBhvr>
-                                    </p:animEffect>
-                                  </p:childTnLst>
-                                </p:cTn>
-                              </p:par>
-                            </p:childTnLst>
-                          </p:cTn>
-                        </p:par>
-                      </p:childTnLst>
-                    </p:cTn>
-                  </p:par>
-                </p:childTnLst>
-              </p:cTn>
-              <p:prevCondLst>
-                <p:cond evt="onPrev" delay="0">
-                  <p:tgtEl>
-                    <p:sldTgt/>
-                  </p:tgtEl>
-                </p:cond>
-              </p:prevCondLst>
-              <p:nextCondLst>
-                <p:cond evt="onNext" delay="0">
-                  <p:tgtEl>
-                    <p:sldTgt/>
-                  </p:tgtEl>
-                </p:cond>
-              </p:nextCondLst>
-            </p:seq>
-          </p:childTnLst>
-        </p:cTn>
-      </p:par>
-    </p:tnLst>
-    <p:bldLst>
-      <p:bldP spid="2" grpId="0" uiExpand="1" build="p"/>
-    </p:bldLst>
-  </p:timing>
-</p:sld>
-</file>
-
-<file path=ppt/slides/slide32.xml><?xml version="1.0" encoding="utf-8"?>
-<p:sld xmlns:a="http://schemas.openxmlformats.org/drawingml/2006/main" xmlns:r="http://schemas.openxmlformats.org/officeDocument/2006/relationships" xmlns:p="http://schemas.openxmlformats.org/presentationml/2006/main">
-  <p:cSld>
-    <p:spTree>
-      <p:nvGrpSpPr>
-        <p:cNvPr id="1" name=""/>
-        <p:cNvGrpSpPr/>
-        <p:nvPr/>
-      </p:nvGrpSpPr>
-      <p:grpSpPr>
-        <a:xfrm>
-          <a:off x="0" y="0"/>
-          <a:ext cx="0" cy="0"/>
-          <a:chOff x="0" y="0"/>
-          <a:chExt cx="0" cy="0"/>
-        </a:xfrm>
-      </p:grpSpPr>
-      <p:sp>
-        <p:nvSpPr>
-          <p:cNvPr id="2" name="Content Placeholder 1"/>
-          <p:cNvSpPr>
-            <a:spLocks noGrp="1"/>
-          </p:cNvSpPr>
-          <p:nvPr>
-            <p:ph idx="14"/>
-          </p:nvPr>
-        </p:nvSpPr>
-        <p:spPr>
-          <a:xfrm>
-            <a:off x="704476" y="1893515"/>
-            <a:ext cx="13273820" cy="5724644"/>
-          </a:xfrm>
-        </p:spPr>
-        <p:txBody>
-          <a:bodyPr/>
-          <a:lstStyle/>
-          <a:p>
-            <a:pPr marL="457200" indent="-457200" defTabSz="1306221" fontAlgn="auto">
-              <a:buFont typeface="+mj-lt"/>
-              <a:buAutoNum type="arabicPeriod"/>
-              <a:defRPr/>
-            </a:pPr>
-            <a:r>
-              <a:rPr lang="en-US" sz="2400" dirty="0">
-                <a:ea typeface="+mn-ea"/>
-              </a:rPr>
-              <a:t>Open </a:t>
-            </a:r>
-            <a:r>
-              <a:rPr lang="en-US" sz="2400" dirty="0">
-                <a:ea typeface="+mn-ea"/>
-                <a:hlinkClick r:id="rId3"/>
-              </a:rPr>
-              <a:t>Template/Germ Theory of Disease</a:t>
-            </a:r>
-            <a:endParaRPr lang="en-US" sz="2400" dirty="0">
-              <a:ea typeface="+mn-ea"/>
-            </a:endParaRPr>
-          </a:p>
-          <a:p>
-            <a:pPr marL="457200" indent="-457200" defTabSz="1306221" fontAlgn="auto">
-              <a:buFont typeface="+mj-lt"/>
-              <a:buAutoNum type="arabicPeriod"/>
-              <a:defRPr/>
-            </a:pPr>
-            <a:r>
-              <a:rPr lang="en-US" sz="2400" dirty="0">
-                <a:ea typeface="+mn-ea"/>
-              </a:rPr>
-              <a:t>Right click the empty area in “Measures” &gt; “Create Calculated Field…”</a:t>
-            </a:r>
-          </a:p>
-          <a:p>
-            <a:pPr marL="457200" indent="-457200" defTabSz="1306221" fontAlgn="auto">
-              <a:buFont typeface="+mj-lt"/>
-              <a:buAutoNum type="arabicPeriod"/>
-              <a:defRPr/>
-            </a:pPr>
-            <a:r>
-              <a:rPr lang="en-US" sz="2400" dirty="0">
-                <a:ea typeface="+mn-ea"/>
-              </a:rPr>
-              <a:t>Name the Calculated Field “Mortality Rate (%)”</a:t>
-            </a:r>
-          </a:p>
-          <a:p>
-            <a:pPr marL="457200" indent="-457200" defTabSz="1306221" fontAlgn="auto">
-              <a:buFont typeface="+mj-lt"/>
-              <a:buAutoNum type="arabicPeriod"/>
-              <a:defRPr/>
-            </a:pPr>
-            <a:r>
-              <a:rPr lang="en-US" sz="2400" dirty="0">
-                <a:ea typeface="+mn-ea"/>
-              </a:rPr>
-              <a:t>Type “[Deaths] / [Births] * 100” as the contents of the Calculated Field</a:t>
-            </a:r>
-          </a:p>
-          <a:p>
-            <a:pPr marL="457200" indent="-457200" defTabSz="1306221" fontAlgn="auto">
-              <a:buFont typeface="+mj-lt"/>
-              <a:buAutoNum type="arabicPeriod"/>
-              <a:defRPr/>
-            </a:pPr>
-            <a:r>
-              <a:rPr lang="en-US" sz="2400" dirty="0">
-                <a:ea typeface="+mn-ea"/>
-              </a:rPr>
-              <a:t>Double click your new Calculated Field “</a:t>
-            </a:r>
-            <a:r>
-              <a:rPr lang="en-US" sz="2400" dirty="0"/>
-              <a:t>Mortality Rate (%)</a:t>
-            </a:r>
-            <a:r>
-              <a:rPr lang="en-US" sz="2400" dirty="0">
-                <a:ea typeface="+mn-ea"/>
-              </a:rPr>
-              <a:t>”</a:t>
-            </a:r>
-          </a:p>
-          <a:p>
-            <a:pPr marL="457200" indent="-457200" defTabSz="1306221" fontAlgn="auto">
-              <a:buFont typeface="+mj-lt"/>
-              <a:buAutoNum type="arabicPeriod"/>
-              <a:defRPr/>
-            </a:pPr>
-            <a:r>
-              <a:rPr lang="en-US" sz="2400" dirty="0">
-                <a:ea typeface="+mn-ea"/>
-              </a:rPr>
-              <a:t>Right click “SUM(Rate (%))” &gt; “Measure” &gt; “Average”</a:t>
-            </a:r>
-          </a:p>
-          <a:p>
-            <a:pPr marL="457200" indent="-457200" defTabSz="1306221" fontAlgn="auto">
-              <a:buFont typeface="+mj-lt"/>
-              <a:buAutoNum type="arabicPeriod"/>
-              <a:defRPr/>
-            </a:pPr>
-            <a:r>
-              <a:rPr lang="en-US" sz="2400" dirty="0">
-                <a:ea typeface="+mn-ea"/>
-              </a:rPr>
-              <a:t>Double click “Date”</a:t>
-            </a:r>
-          </a:p>
-          <a:p>
-            <a:pPr marL="457200" indent="-457200" defTabSz="1306221" fontAlgn="auto">
-              <a:buFont typeface="+mj-lt"/>
-              <a:buAutoNum type="arabicPeriod"/>
-              <a:defRPr/>
-            </a:pPr>
-            <a:r>
-              <a:rPr lang="en-US" sz="2400" dirty="0">
-                <a:ea typeface="+mn-ea"/>
-              </a:rPr>
-              <a:t>Switch view to “Entire View”</a:t>
-            </a:r>
-          </a:p>
-          <a:p>
-            <a:pPr marL="457200" indent="-457200" defTabSz="1306221" fontAlgn="auto">
-              <a:buFont typeface="+mj-lt"/>
-              <a:buAutoNum type="arabicPeriod"/>
-              <a:defRPr/>
-            </a:pPr>
-            <a:r>
-              <a:rPr lang="en-US" sz="2400" dirty="0">
-                <a:ea typeface="+mn-ea"/>
-              </a:rPr>
-              <a:t>Right click “YEAR(Date)”</a:t>
-            </a:r>
-          </a:p>
-          <a:p>
-            <a:pPr marL="457200" indent="-457200" defTabSz="1306221" fontAlgn="auto">
-              <a:buFont typeface="+mj-lt"/>
-              <a:buAutoNum type="arabicPeriod"/>
-              <a:defRPr/>
-            </a:pPr>
-            <a:r>
-              <a:rPr lang="en-US" sz="2400" dirty="0">
-                <a:ea typeface="+mn-ea"/>
-              </a:rPr>
-              <a:t>Select “Exact Date”</a:t>
-            </a:r>
-          </a:p>
-          <a:p>
-            <a:pPr marL="457200" indent="-457200" defTabSz="1306221" fontAlgn="auto">
-              <a:buFont typeface="+mj-lt"/>
-              <a:buAutoNum type="arabicPeriod"/>
-              <a:defRPr/>
-            </a:pPr>
-            <a:r>
-              <a:rPr lang="en-US" sz="2400" dirty="0">
-                <a:ea typeface="+mn-ea"/>
-              </a:rPr>
-              <a:t>(notice there is a null row for December 1841)</a:t>
-            </a:r>
-          </a:p>
-          <a:p>
-            <a:pPr marL="457200" indent="-457200" defTabSz="1306221" fontAlgn="auto">
-              <a:buFont typeface="+mj-lt"/>
-              <a:buAutoNum type="arabicPeriod"/>
-              <a:defRPr/>
-            </a:pPr>
-            <a:r>
-              <a:rPr lang="en-US" sz="2400" dirty="0">
-                <a:ea typeface="+mn-ea"/>
-              </a:rPr>
-              <a:t>Click “1 null” &gt; “Filter data” from the bottom right</a:t>
-            </a:r>
-          </a:p>
-          <a:p>
-            <a:pPr marL="457200" indent="-457200" defTabSz="1306221" fontAlgn="auto">
-              <a:buFont typeface="+mj-lt"/>
-              <a:buAutoNum type="arabicPeriod"/>
-              <a:defRPr/>
-            </a:pPr>
-            <a:endParaRPr lang="en-US" sz="2400" dirty="0">
-              <a:ea typeface="+mn-ea"/>
-            </a:endParaRPr>
-          </a:p>
-        </p:txBody>
-      </p:sp>
-      <p:sp>
-        <p:nvSpPr>
-          <p:cNvPr id="3" name="Text Placeholder 2"/>
-          <p:cNvSpPr>
-            <a:spLocks noGrp="1"/>
-          </p:cNvSpPr>
-          <p:nvPr>
-            <p:ph type="body" sz="quarter" idx="12"/>
-          </p:nvPr>
-        </p:nvSpPr>
-        <p:spPr>
-          <a:prstGeom prst="rect">
-            <a:avLst/>
-          </a:prstGeom>
-        </p:spPr>
-        <p:txBody>
-          <a:bodyPr/>
-          <a:lstStyle/>
-          <a:p>
-            <a:pPr>
-              <a:spcBef>
-                <a:spcPct val="0"/>
-              </a:spcBef>
-            </a:pPr>
-            <a:r>
-              <a:rPr lang="en-US" b="1" dirty="0">
-                <a:latin typeface="BentonSans Book" charset="0"/>
-              </a:rPr>
-              <a:t>Germ Theory of Disease – Basic Viz</a:t>
-            </a:r>
-          </a:p>
-        </p:txBody>
-      </p:sp>
-    </p:spTree>
-    <p:extLst>
-      <p:ext uri="{BB962C8B-B14F-4D97-AF65-F5344CB8AC3E}">
-        <p14:creationId xmlns:p14="http://schemas.microsoft.com/office/powerpoint/2010/main" val="1256773149"/>
-      </p:ext>
-    </p:extLst>
-  </p:cSld>
-  <p:clrMapOvr>
-    <a:masterClrMapping/>
-  </p:clrMapOvr>
-  <p:transition spd="slow">
-    <p:cover/>
-  </p:transition>
-  <p:timing>
-    <p:tnLst>
-      <p:par>
-        <p:cTn id="1" dur="indefinite" restart="never" nodeType="tmRoot">
-          <p:childTnLst>
-            <p:seq concurrent="1" nextAc="seek">
-              <p:cTn id="2" dur="indefinite" nodeType="mainSeq">
-                <p:childTnLst>
-                  <p:par>
-                    <p:cTn id="3" fill="hold">
-                      <p:stCondLst>
-                        <p:cond delay="indefinite"/>
-                      </p:stCondLst>
-                      <p:childTnLst>
-                        <p:par>
-                          <p:cTn id="4" fill="hold">
-                            <p:stCondLst>
-                              <p:cond delay="0"/>
-                            </p:stCondLst>
-                            <p:childTnLst>
-                              <p:par>
-                                <p:cTn id="5" presetID="10" presetClass="entr" presetSubtype="0" fill="hold" grpId="0" nodeType="clickEffect">
-                                  <p:stCondLst>
-                                    <p:cond delay="0"/>
-                                  </p:stCondLst>
-                                  <p:childTnLst>
-                                    <p:set>
-                                      <p:cBhvr>
-                                        <p:cTn id="6" dur="1" fill="hold">
-                                          <p:stCondLst>
-                                            <p:cond delay="0"/>
-                                          </p:stCondLst>
-                                        </p:cTn>
-                                        <p:tgtEl>
-                                          <p:spTgt spid="2">
-                                            <p:txEl>
-                                              <p:pRg st="0" end="0"/>
-                                            </p:txEl>
-                                          </p:spTgt>
-                                        </p:tgtEl>
-                                        <p:attrNameLst>
-                                          <p:attrName>style.visibility</p:attrName>
-                                        </p:attrNameLst>
-                                      </p:cBhvr>
-                                      <p:to>
-                                        <p:strVal val="visible"/>
-                                      </p:to>
-                                    </p:set>
-                                    <p:animEffect transition="in" filter="fade">
-                                      <p:cBhvr>
-                                        <p:cTn id="7" dur="500"/>
-                                        <p:tgtEl>
-                                          <p:spTgt spid="2">
-                                            <p:txEl>
-                                              <p:pRg st="0" end="0"/>
-                                            </p:txEl>
-                                          </p:spTgt>
-                                        </p:tgtEl>
-                                      </p:cBhvr>
-                                    </p:animEffect>
-                                  </p:childTnLst>
-                                </p:cTn>
-                              </p:par>
-                            </p:childTnLst>
-                          </p:cTn>
-                        </p:par>
-                      </p:childTnLst>
-                    </p:cTn>
-                  </p:par>
-                  <p:par>
-                    <p:cTn id="8" fill="hold">
-                      <p:stCondLst>
-                        <p:cond delay="indefinite"/>
-                      </p:stCondLst>
-                      <p:childTnLst>
-                        <p:par>
-                          <p:cTn id="9" fill="hold">
-                            <p:stCondLst>
-                              <p:cond delay="0"/>
-                            </p:stCondLst>
-                            <p:childTnLst>
-                              <p:par>
-                                <p:cTn id="10" presetID="10" presetClass="entr" presetSubtype="0" fill="hold" grpId="0" nodeType="clickEffect">
-                                  <p:stCondLst>
-                                    <p:cond delay="0"/>
-                                  </p:stCondLst>
-                                  <p:childTnLst>
-                                    <p:set>
-                                      <p:cBhvr>
-                                        <p:cTn id="11" dur="1" fill="hold">
-                                          <p:stCondLst>
-                                            <p:cond delay="0"/>
-                                          </p:stCondLst>
-                                        </p:cTn>
-                                        <p:tgtEl>
-                                          <p:spTgt spid="2">
-                                            <p:txEl>
-                                              <p:pRg st="1" end="1"/>
-                                            </p:txEl>
-                                          </p:spTgt>
-                                        </p:tgtEl>
-                                        <p:attrNameLst>
-                                          <p:attrName>style.visibility</p:attrName>
-                                        </p:attrNameLst>
-                                      </p:cBhvr>
-                                      <p:to>
-                                        <p:strVal val="visible"/>
-                                      </p:to>
-                                    </p:set>
-                                    <p:animEffect transition="in" filter="fade">
-                                      <p:cBhvr>
-                                        <p:cTn id="12" dur="500"/>
-                                        <p:tgtEl>
-                                          <p:spTgt spid="2">
-                                            <p:txEl>
-                                              <p:pRg st="1" end="1"/>
-                                            </p:txEl>
-                                          </p:spTgt>
-                                        </p:tgtEl>
-                                      </p:cBhvr>
-                                    </p:animEffect>
-                                  </p:childTnLst>
-                                </p:cTn>
-                              </p:par>
-                            </p:childTnLst>
-                          </p:cTn>
-                        </p:par>
-                      </p:childTnLst>
-                    </p:cTn>
-                  </p:par>
-                  <p:par>
-                    <p:cTn id="13" fill="hold">
-                      <p:stCondLst>
-                        <p:cond delay="indefinite"/>
-                      </p:stCondLst>
-                      <p:childTnLst>
-                        <p:par>
-                          <p:cTn id="14" fill="hold">
-                            <p:stCondLst>
-                              <p:cond delay="0"/>
-                            </p:stCondLst>
-                            <p:childTnLst>
-                              <p:par>
-                                <p:cTn id="15" presetID="10" presetClass="entr" presetSubtype="0" fill="hold" grpId="0" nodeType="clickEffect">
-                                  <p:stCondLst>
-                                    <p:cond delay="0"/>
-                                  </p:stCondLst>
-                                  <p:childTnLst>
-                                    <p:set>
-                                      <p:cBhvr>
-                                        <p:cTn id="16" dur="1" fill="hold">
-                                          <p:stCondLst>
-                                            <p:cond delay="0"/>
-                                          </p:stCondLst>
-                                        </p:cTn>
-                                        <p:tgtEl>
-                                          <p:spTgt spid="2">
-                                            <p:txEl>
-                                              <p:pRg st="2" end="2"/>
-                                            </p:txEl>
-                                          </p:spTgt>
-                                        </p:tgtEl>
-                                        <p:attrNameLst>
-                                          <p:attrName>style.visibility</p:attrName>
-                                        </p:attrNameLst>
-                                      </p:cBhvr>
-                                      <p:to>
-                                        <p:strVal val="visible"/>
-                                      </p:to>
-                                    </p:set>
-                                    <p:animEffect transition="in" filter="fade">
-                                      <p:cBhvr>
-                                        <p:cTn id="17" dur="500"/>
-                                        <p:tgtEl>
-                                          <p:spTgt spid="2">
-                                            <p:txEl>
-                                              <p:pRg st="2" end="2"/>
-                                            </p:txEl>
-                                          </p:spTgt>
-                                        </p:tgtEl>
-                                      </p:cBhvr>
-                                    </p:animEffect>
-                                  </p:childTnLst>
-                                </p:cTn>
-                              </p:par>
-                            </p:childTnLst>
-                          </p:cTn>
-                        </p:par>
-                      </p:childTnLst>
-                    </p:cTn>
-                  </p:par>
-                  <p:par>
-                    <p:cTn id="18" fill="hold">
-                      <p:stCondLst>
-                        <p:cond delay="indefinite"/>
-                      </p:stCondLst>
-                      <p:childTnLst>
-                        <p:par>
-                          <p:cTn id="19" fill="hold">
-                            <p:stCondLst>
-                              <p:cond delay="0"/>
-                            </p:stCondLst>
-                            <p:childTnLst>
-                              <p:par>
-                                <p:cTn id="20" presetID="10" presetClass="entr" presetSubtype="0" fill="hold" grpId="0" nodeType="clickEffect">
-                                  <p:stCondLst>
-                                    <p:cond delay="0"/>
-                                  </p:stCondLst>
-                                  <p:childTnLst>
-                                    <p:set>
-                                      <p:cBhvr>
-                                        <p:cTn id="21" dur="1" fill="hold">
-                                          <p:stCondLst>
-                                            <p:cond delay="0"/>
-                                          </p:stCondLst>
-                                        </p:cTn>
-                                        <p:tgtEl>
-                                          <p:spTgt spid="2">
-                                            <p:txEl>
-                                              <p:pRg st="3" end="3"/>
-                                            </p:txEl>
-                                          </p:spTgt>
-                                        </p:tgtEl>
-                                        <p:attrNameLst>
-                                          <p:attrName>style.visibility</p:attrName>
-                                        </p:attrNameLst>
-                                      </p:cBhvr>
-                                      <p:to>
-                                        <p:strVal val="visible"/>
-                                      </p:to>
-                                    </p:set>
-                                    <p:animEffect transition="in" filter="fade">
-                                      <p:cBhvr>
-                                        <p:cTn id="22" dur="500"/>
-                                        <p:tgtEl>
-                                          <p:spTgt spid="2">
-                                            <p:txEl>
-                                              <p:pRg st="3" end="3"/>
-                                            </p:txEl>
-                                          </p:spTgt>
-                                        </p:tgtEl>
-                                      </p:cBhvr>
-                                    </p:animEffect>
-                                  </p:childTnLst>
-                                </p:cTn>
-                              </p:par>
-                            </p:childTnLst>
-                          </p:cTn>
-                        </p:par>
-                      </p:childTnLst>
-                    </p:cTn>
-                  </p:par>
-                  <p:par>
-                    <p:cTn id="23" fill="hold">
-                      <p:stCondLst>
-                        <p:cond delay="indefinite"/>
-                      </p:stCondLst>
-                      <p:childTnLst>
-                        <p:par>
-                          <p:cTn id="24" fill="hold">
-                            <p:stCondLst>
-                              <p:cond delay="0"/>
-                            </p:stCondLst>
-                            <p:childTnLst>
-                              <p:par>
-                                <p:cTn id="25" presetID="10" presetClass="entr" presetSubtype="0" fill="hold" grpId="0" nodeType="clickEffect">
-                                  <p:stCondLst>
-                                    <p:cond delay="0"/>
-                                  </p:stCondLst>
-                                  <p:childTnLst>
-                                    <p:set>
-                                      <p:cBhvr>
-                                        <p:cTn id="26" dur="1" fill="hold">
-                                          <p:stCondLst>
-                                            <p:cond delay="0"/>
-                                          </p:stCondLst>
-                                        </p:cTn>
-                                        <p:tgtEl>
-                                          <p:spTgt spid="2">
-                                            <p:txEl>
-                                              <p:pRg st="4" end="4"/>
-                                            </p:txEl>
-                                          </p:spTgt>
-                                        </p:tgtEl>
-                                        <p:attrNameLst>
-                                          <p:attrName>style.visibility</p:attrName>
-                                        </p:attrNameLst>
-                                      </p:cBhvr>
-                                      <p:to>
-                                        <p:strVal val="visible"/>
-                                      </p:to>
-                                    </p:set>
-                                    <p:animEffect transition="in" filter="fade">
-                                      <p:cBhvr>
-                                        <p:cTn id="27" dur="500"/>
-                                        <p:tgtEl>
-                                          <p:spTgt spid="2">
-                                            <p:txEl>
-                                              <p:pRg st="4" end="4"/>
-                                            </p:txEl>
-                                          </p:spTgt>
-                                        </p:tgtEl>
-                                      </p:cBhvr>
-                                    </p:animEffect>
-                                  </p:childTnLst>
-                                </p:cTn>
-                              </p:par>
-                            </p:childTnLst>
-                          </p:cTn>
-                        </p:par>
-                      </p:childTnLst>
-                    </p:cTn>
-                  </p:par>
-                  <p:par>
-                    <p:cTn id="28" fill="hold">
-                      <p:stCondLst>
-                        <p:cond delay="indefinite"/>
-                      </p:stCondLst>
-                      <p:childTnLst>
-                        <p:par>
-                          <p:cTn id="29" fill="hold">
-                            <p:stCondLst>
-                              <p:cond delay="0"/>
-                            </p:stCondLst>
-                            <p:childTnLst>
-                              <p:par>
-                                <p:cTn id="30" presetID="10" presetClass="entr" presetSubtype="0" fill="hold" grpId="0" nodeType="clickEffect">
-                                  <p:stCondLst>
-                                    <p:cond delay="0"/>
-                                  </p:stCondLst>
-                                  <p:childTnLst>
-                                    <p:set>
-                                      <p:cBhvr>
-                                        <p:cTn id="31" dur="1" fill="hold">
-                                          <p:stCondLst>
-                                            <p:cond delay="0"/>
-                                          </p:stCondLst>
-                                        </p:cTn>
-                                        <p:tgtEl>
-                                          <p:spTgt spid="2">
-                                            <p:txEl>
-                                              <p:pRg st="5" end="5"/>
-                                            </p:txEl>
-                                          </p:spTgt>
-                                        </p:tgtEl>
-                                        <p:attrNameLst>
-                                          <p:attrName>style.visibility</p:attrName>
-                                        </p:attrNameLst>
-                                      </p:cBhvr>
-                                      <p:to>
-                                        <p:strVal val="visible"/>
-                                      </p:to>
-                                    </p:set>
-                                    <p:animEffect transition="in" filter="fade">
-                                      <p:cBhvr>
-                                        <p:cTn id="32" dur="500"/>
-                                        <p:tgtEl>
-                                          <p:spTgt spid="2">
-                                            <p:txEl>
-                                              <p:pRg st="5" end="5"/>
-                                            </p:txEl>
-                                          </p:spTgt>
-                                        </p:tgtEl>
-                                      </p:cBhvr>
-                                    </p:animEffect>
-                                  </p:childTnLst>
-                                </p:cTn>
-                              </p:par>
-                            </p:childTnLst>
-                          </p:cTn>
-                        </p:par>
-                      </p:childTnLst>
-                    </p:cTn>
-                  </p:par>
-                  <p:par>
-                    <p:cTn id="33" fill="hold">
-                      <p:stCondLst>
-                        <p:cond delay="indefinite"/>
-                      </p:stCondLst>
-                      <p:childTnLst>
-                        <p:par>
-                          <p:cTn id="34" fill="hold">
-                            <p:stCondLst>
-                              <p:cond delay="0"/>
-                            </p:stCondLst>
-                            <p:childTnLst>
-                              <p:par>
-                                <p:cTn id="35" presetID="10" presetClass="entr" presetSubtype="0" fill="hold" grpId="0" nodeType="clickEffect">
-                                  <p:stCondLst>
-                                    <p:cond delay="0"/>
-                                  </p:stCondLst>
-                                  <p:childTnLst>
-                                    <p:set>
-                                      <p:cBhvr>
-                                        <p:cTn id="36" dur="1" fill="hold">
-                                          <p:stCondLst>
-                                            <p:cond delay="0"/>
-                                          </p:stCondLst>
-                                        </p:cTn>
-                                        <p:tgtEl>
-                                          <p:spTgt spid="2">
-                                            <p:txEl>
-                                              <p:pRg st="6" end="6"/>
-                                            </p:txEl>
-                                          </p:spTgt>
-                                        </p:tgtEl>
-                                        <p:attrNameLst>
-                                          <p:attrName>style.visibility</p:attrName>
-                                        </p:attrNameLst>
-                                      </p:cBhvr>
-                                      <p:to>
-                                        <p:strVal val="visible"/>
-                                      </p:to>
-                                    </p:set>
-                                    <p:animEffect transition="in" filter="fade">
-                                      <p:cBhvr>
-                                        <p:cTn id="37" dur="500"/>
-                                        <p:tgtEl>
-                                          <p:spTgt spid="2">
-                                            <p:txEl>
-                                              <p:pRg st="6" end="6"/>
-                                            </p:txEl>
-                                          </p:spTgt>
-                                        </p:tgtEl>
-                                      </p:cBhvr>
-                                    </p:animEffect>
-                                  </p:childTnLst>
-                                </p:cTn>
-                              </p:par>
-                            </p:childTnLst>
-                          </p:cTn>
-                        </p:par>
-                      </p:childTnLst>
-                    </p:cTn>
-                  </p:par>
-                  <p:par>
-                    <p:cTn id="38" fill="hold">
-                      <p:stCondLst>
-                        <p:cond delay="indefinite"/>
-                      </p:stCondLst>
-                      <p:childTnLst>
-                        <p:par>
-                          <p:cTn id="39" fill="hold">
-                            <p:stCondLst>
-                              <p:cond delay="0"/>
-                            </p:stCondLst>
-                            <p:childTnLst>
-                              <p:par>
-                                <p:cTn id="40" presetID="10" presetClass="entr" presetSubtype="0" fill="hold" grpId="0" nodeType="clickEffect">
-                                  <p:stCondLst>
-                                    <p:cond delay="0"/>
-                                  </p:stCondLst>
-                                  <p:childTnLst>
-                                    <p:set>
-                                      <p:cBhvr>
-                                        <p:cTn id="41" dur="1" fill="hold">
-                                          <p:stCondLst>
-                                            <p:cond delay="0"/>
-                                          </p:stCondLst>
-                                        </p:cTn>
-                                        <p:tgtEl>
-                                          <p:spTgt spid="2">
-                                            <p:txEl>
-                                              <p:pRg st="7" end="7"/>
-                                            </p:txEl>
-                                          </p:spTgt>
-                                        </p:tgtEl>
-                                        <p:attrNameLst>
-                                          <p:attrName>style.visibility</p:attrName>
-                                        </p:attrNameLst>
-                                      </p:cBhvr>
-                                      <p:to>
-                                        <p:strVal val="visible"/>
-                                      </p:to>
-                                    </p:set>
-                                    <p:animEffect transition="in" filter="fade">
-                                      <p:cBhvr>
-                                        <p:cTn id="42" dur="500"/>
-                                        <p:tgtEl>
-                                          <p:spTgt spid="2">
-                                            <p:txEl>
-                                              <p:pRg st="7" end="7"/>
-                                            </p:txEl>
-                                          </p:spTgt>
-                                        </p:tgtEl>
-                                      </p:cBhvr>
-                                    </p:animEffect>
-                                  </p:childTnLst>
-                                </p:cTn>
-                              </p:par>
-                            </p:childTnLst>
-                          </p:cTn>
-                        </p:par>
-                      </p:childTnLst>
-                    </p:cTn>
-                  </p:par>
-                  <p:par>
-                    <p:cTn id="43" fill="hold">
-                      <p:stCondLst>
-                        <p:cond delay="indefinite"/>
-                      </p:stCondLst>
-                      <p:childTnLst>
-                        <p:par>
-                          <p:cTn id="44" fill="hold">
-                            <p:stCondLst>
-                              <p:cond delay="0"/>
-                            </p:stCondLst>
-                            <p:childTnLst>
-                              <p:par>
-                                <p:cTn id="45" presetID="10" presetClass="entr" presetSubtype="0" fill="hold" grpId="0" nodeType="clickEffect">
-                                  <p:stCondLst>
-                                    <p:cond delay="0"/>
-                                  </p:stCondLst>
-                                  <p:childTnLst>
-                                    <p:set>
-                                      <p:cBhvr>
-                                        <p:cTn id="46" dur="1" fill="hold">
-                                          <p:stCondLst>
-                                            <p:cond delay="0"/>
-                                          </p:stCondLst>
-                                        </p:cTn>
-                                        <p:tgtEl>
-                                          <p:spTgt spid="2">
-                                            <p:txEl>
-                                              <p:pRg st="8" end="8"/>
-                                            </p:txEl>
-                                          </p:spTgt>
-                                        </p:tgtEl>
-                                        <p:attrNameLst>
-                                          <p:attrName>style.visibility</p:attrName>
-                                        </p:attrNameLst>
-                                      </p:cBhvr>
-                                      <p:to>
-                                        <p:strVal val="visible"/>
-                                      </p:to>
-                                    </p:set>
-                                    <p:animEffect transition="in" filter="fade">
-                                      <p:cBhvr>
-                                        <p:cTn id="47" dur="500"/>
-                                        <p:tgtEl>
-                                          <p:spTgt spid="2">
-                                            <p:txEl>
-                                              <p:pRg st="8" end="8"/>
-                                            </p:txEl>
-                                          </p:spTgt>
-                                        </p:tgtEl>
-                                      </p:cBhvr>
-                                    </p:animEffect>
-                                  </p:childTnLst>
-                                </p:cTn>
-                              </p:par>
-                            </p:childTnLst>
-                          </p:cTn>
-                        </p:par>
-                      </p:childTnLst>
-                    </p:cTn>
-                  </p:par>
-                  <p:par>
-                    <p:cTn id="48" fill="hold">
-                      <p:stCondLst>
-                        <p:cond delay="indefinite"/>
-                      </p:stCondLst>
-                      <p:childTnLst>
-                        <p:par>
-                          <p:cTn id="49" fill="hold">
-                            <p:stCondLst>
-                              <p:cond delay="0"/>
-                            </p:stCondLst>
-                            <p:childTnLst>
-                              <p:par>
-                                <p:cTn id="50" presetID="10" presetClass="entr" presetSubtype="0" fill="hold" grpId="0" nodeType="clickEffect">
-                                  <p:stCondLst>
-                                    <p:cond delay="0"/>
-                                  </p:stCondLst>
-                                  <p:childTnLst>
-                                    <p:set>
-                                      <p:cBhvr>
-                                        <p:cTn id="51" dur="1" fill="hold">
-                                          <p:stCondLst>
-                                            <p:cond delay="0"/>
-                                          </p:stCondLst>
-                                        </p:cTn>
-                                        <p:tgtEl>
-                                          <p:spTgt spid="2">
-                                            <p:txEl>
-                                              <p:pRg st="9" end="9"/>
-                                            </p:txEl>
-                                          </p:spTgt>
-                                        </p:tgtEl>
-                                        <p:attrNameLst>
-                                          <p:attrName>style.visibility</p:attrName>
-                                        </p:attrNameLst>
-                                      </p:cBhvr>
-                                      <p:to>
-                                        <p:strVal val="visible"/>
-                                      </p:to>
-                                    </p:set>
-                                    <p:animEffect transition="in" filter="fade">
-                                      <p:cBhvr>
-                                        <p:cTn id="52" dur="500"/>
-                                        <p:tgtEl>
-                                          <p:spTgt spid="2">
-                                            <p:txEl>
-                                              <p:pRg st="9" end="9"/>
-                                            </p:txEl>
-                                          </p:spTgt>
-                                        </p:tgtEl>
-                                      </p:cBhvr>
-                                    </p:animEffect>
-                                  </p:childTnLst>
-                                </p:cTn>
-                              </p:par>
-                            </p:childTnLst>
-                          </p:cTn>
-                        </p:par>
-                      </p:childTnLst>
-                    </p:cTn>
-                  </p:par>
-                  <p:par>
-                    <p:cTn id="53" fill="hold">
-                      <p:stCondLst>
-                        <p:cond delay="indefinite"/>
-                      </p:stCondLst>
-                      <p:childTnLst>
-                        <p:par>
-                          <p:cTn id="54" fill="hold">
-                            <p:stCondLst>
-                              <p:cond delay="0"/>
-                            </p:stCondLst>
-                            <p:childTnLst>
-                              <p:par>
-                                <p:cTn id="55" presetID="10" presetClass="entr" presetSubtype="0" fill="hold" grpId="0" nodeType="clickEffect">
-                                  <p:stCondLst>
-                                    <p:cond delay="0"/>
-                                  </p:stCondLst>
-                                  <p:childTnLst>
-                                    <p:set>
-                                      <p:cBhvr>
-                                        <p:cTn id="56" dur="1" fill="hold">
-                                          <p:stCondLst>
-                                            <p:cond delay="0"/>
-                                          </p:stCondLst>
-                                        </p:cTn>
-                                        <p:tgtEl>
-                                          <p:spTgt spid="2">
-                                            <p:txEl>
-                                              <p:pRg st="10" end="10"/>
-                                            </p:txEl>
-                                          </p:spTgt>
-                                        </p:tgtEl>
-                                        <p:attrNameLst>
-                                          <p:attrName>style.visibility</p:attrName>
-                                        </p:attrNameLst>
-                                      </p:cBhvr>
-                                      <p:to>
-                                        <p:strVal val="visible"/>
-                                      </p:to>
-                                    </p:set>
-                                    <p:animEffect transition="in" filter="fade">
-                                      <p:cBhvr>
-                                        <p:cTn id="57" dur="500"/>
-                                        <p:tgtEl>
-                                          <p:spTgt spid="2">
-                                            <p:txEl>
-                                              <p:pRg st="10" end="10"/>
-                                            </p:txEl>
-                                          </p:spTgt>
-                                        </p:tgtEl>
-                                      </p:cBhvr>
-                                    </p:animEffect>
-                                  </p:childTnLst>
-                                </p:cTn>
-                              </p:par>
-                            </p:childTnLst>
-                          </p:cTn>
-                        </p:par>
-                      </p:childTnLst>
-                    </p:cTn>
-                  </p:par>
-                  <p:par>
-                    <p:cTn id="58" fill="hold">
-                      <p:stCondLst>
-                        <p:cond delay="indefinite"/>
-                      </p:stCondLst>
-                      <p:childTnLst>
-                        <p:par>
-                          <p:cTn id="59" fill="hold">
-                            <p:stCondLst>
-                              <p:cond delay="0"/>
-                            </p:stCondLst>
-                            <p:childTnLst>
-                              <p:par>
-                                <p:cTn id="60" presetID="10" presetClass="entr" presetSubtype="0" fill="hold" grpId="0" nodeType="clickEffect">
-                                  <p:stCondLst>
-                                    <p:cond delay="0"/>
-                                  </p:stCondLst>
-                                  <p:childTnLst>
-                                    <p:set>
-                                      <p:cBhvr>
-                                        <p:cTn id="61" dur="1" fill="hold">
-                                          <p:stCondLst>
-                                            <p:cond delay="0"/>
-                                          </p:stCondLst>
-                                        </p:cTn>
-                                        <p:tgtEl>
-                                          <p:spTgt spid="2">
-                                            <p:txEl>
-                                              <p:pRg st="11" end="11"/>
-                                            </p:txEl>
-                                          </p:spTgt>
-                                        </p:tgtEl>
-                                        <p:attrNameLst>
-                                          <p:attrName>style.visibility</p:attrName>
-                                        </p:attrNameLst>
-                                      </p:cBhvr>
-                                      <p:to>
-                                        <p:strVal val="visible"/>
-                                      </p:to>
-                                    </p:set>
-                                    <p:animEffect transition="in" filter="fade">
-                                      <p:cBhvr>
-                                        <p:cTn id="62" dur="500"/>
-                                        <p:tgtEl>
-                                          <p:spTgt spid="2">
-                                            <p:txEl>
-                                              <p:pRg st="11" end="11"/>
                                             </p:txEl>
                                           </p:spTgt>
                                         </p:tgtEl>
@@ -18178,8 +18214,18 @@
               <a:rPr lang="en-US" sz="2400" dirty="0">
                 <a:ea typeface="+mn-ea"/>
               </a:rPr>
-              <a:t>Select “Show Me” from the top right</a:t>
-            </a:r>
+              <a:t>Open </a:t>
+            </a:r>
+            <a:r>
+              <a:rPr lang="en-US" sz="2400" dirty="0">
+                <a:ea typeface="+mn-ea"/>
+                <a:hlinkClick r:id="rId3"/>
+              </a:rPr>
+              <a:t>Template/Germ Theory of Disease</a:t>
+            </a:r>
+            <a:endParaRPr lang="en-US" sz="2400" dirty="0">
+              <a:ea typeface="+mn-ea"/>
+            </a:endParaRPr>
           </a:p>
           <a:p>
             <a:pPr marL="457200" indent="-457200" defTabSz="1306221" fontAlgn="auto">
@@ -18191,7 +18237,7 @@
               <a:rPr lang="en-US" sz="2400" dirty="0">
                 <a:ea typeface="+mn-ea"/>
               </a:rPr>
-              <a:t>Select “area chart”</a:t>
+              <a:t>Right click the empty area in “Measures” &gt; “Create Calculated Field…”</a:t>
             </a:r>
           </a:p>
           <a:p>
@@ -18204,7 +18250,7 @@
               <a:rPr lang="en-US" sz="2400" dirty="0">
                 <a:ea typeface="+mn-ea"/>
               </a:rPr>
-              <a:t>(notice the date was automatically switched to “YEAR(Date)”)</a:t>
+              <a:t>Name the Calculated Field “Mortality Rate (%)”</a:t>
             </a:r>
           </a:p>
           <a:p>
@@ -18217,7 +18263,7 @@
               <a:rPr lang="en-US" sz="2400" dirty="0">
                 <a:ea typeface="+mn-ea"/>
               </a:rPr>
-              <a:t>Click the “+” on the left side of the “YEAR(Date)” pill twice to get it to “MONTH(Date)” again</a:t>
+              <a:t>Type “[Deaths] / [Births] * 100” as the contents of the Calculated Field</a:t>
             </a:r>
           </a:p>
           <a:p>
@@ -18230,7 +18276,17 @@
               <a:rPr lang="en-US" sz="2400" dirty="0">
                 <a:ea typeface="+mn-ea"/>
               </a:rPr>
-              <a:t>(NOTE: alternatively instead of steps 1-4 we could change the mark type to “Area”)</a:t>
+              <a:t>Double click your new Calculated Field “</a:t>
+            </a:r>
+            <a:r>
+              <a:rPr lang="en-US" sz="2400" dirty="0"/>
+              <a:t>Mortality Rate (%)</a:t>
+            </a:r>
+            <a:r>
+              <a:rPr lang="en-US" sz="2400" dirty="0">
+                <a:ea typeface="+mn-ea"/>
+              </a:rPr>
+              <a:t>”</a:t>
             </a:r>
           </a:p>
           <a:p>
@@ -18243,7 +18299,7 @@
               <a:rPr lang="en-US" sz="2400" dirty="0">
                 <a:ea typeface="+mn-ea"/>
               </a:rPr>
-              <a:t>Double click the sheet tab (“Sheet 1”) and rename to “Mortality Rate over Time”</a:t>
+              <a:t>Right click “SUM(Rate (%))” &gt; “Measure” &gt; “Average”</a:t>
             </a:r>
           </a:p>
           <a:p>
@@ -18256,7 +18312,7 @@
               <a:rPr lang="en-US" sz="2400" dirty="0">
                 <a:ea typeface="+mn-ea"/>
               </a:rPr>
-              <a:t>Right click “Mortality Rate over Time” and select “Duplicate”</a:t>
+              <a:t>Double click “Date”</a:t>
             </a:r>
           </a:p>
           <a:p>
@@ -18269,7 +18325,7 @@
               <a:rPr lang="en-US" sz="2400" dirty="0">
                 <a:ea typeface="+mn-ea"/>
               </a:rPr>
-              <a:t>Right click “MONTH(Date)” and select “Month”</a:t>
+              <a:t>Switch view to “Entire View”</a:t>
             </a:r>
           </a:p>
           <a:p>
@@ -18282,7 +18338,7 @@
               <a:rPr lang="en-US" sz="2400" dirty="0">
                 <a:ea typeface="+mn-ea"/>
               </a:rPr>
-              <a:t>Go to the “Analytics” pane</a:t>
+              <a:t>Right click “YEAR(Date)”</a:t>
             </a:r>
           </a:p>
           <a:p>
@@ -18295,7 +18351,7 @@
               <a:rPr lang="en-US" sz="2400" dirty="0">
                 <a:ea typeface="+mn-ea"/>
               </a:rPr>
-              <a:t>Drag out a “Trend Line” onto “Polynomial”</a:t>
+              <a:t>Select “Exact Date”</a:t>
             </a:r>
           </a:p>
           <a:p>
@@ -18308,7 +18364,7 @@
               <a:rPr lang="en-US" sz="2400" dirty="0">
                 <a:ea typeface="+mn-ea"/>
               </a:rPr>
-              <a:t>Drag “Date” to “Color”</a:t>
+              <a:t>(notice there is a null row for December 1841)</a:t>
             </a:r>
           </a:p>
           <a:p>
@@ -18321,7 +18377,7 @@
               <a:rPr lang="en-US" sz="2400" dirty="0">
                 <a:ea typeface="+mn-ea"/>
               </a:rPr>
-              <a:t>Rename the sheet</a:t>
+              <a:t>Click “1 null” &gt; “Filter data” from the bottom right</a:t>
             </a:r>
           </a:p>
           <a:p>
@@ -18364,7 +18420,7 @@
               <a:rPr lang="en-US" b="1" dirty="0">
                 <a:latin typeface="BentonSans Book" charset="0"/>
               </a:rPr>
-              <a:t>Germ Theory of Disease – Simple Viz</a:t>
+              <a:t>Germ Theory of Disease – Basic Viz</a:t>
             </a:r>
           </a:p>
         </p:txBody>
@@ -18372,7 +18428,7 @@
     </p:spTree>
     <p:extLst>
       <p:ext uri="{BB962C8B-B14F-4D97-AF65-F5344CB8AC3E}">
-        <p14:creationId xmlns:p14="http://schemas.microsoft.com/office/powerpoint/2010/main" val="1829227786"/>
+        <p14:creationId xmlns:p14="http://schemas.microsoft.com/office/powerpoint/2010/main" val="1256773149"/>
       </p:ext>
     </p:extLst>
   </p:cSld>
@@ -19180,7 +19236,7 @@
         <p:spPr>
           <a:xfrm>
             <a:off x="704476" y="1893515"/>
-            <a:ext cx="13273820" cy="5601533"/>
+            <a:ext cx="13273820" cy="5724644"/>
           </a:xfrm>
         </p:spPr>
         <p:txBody>
@@ -19196,7 +19252,7 @@
               <a:rPr lang="en-US" sz="2400" dirty="0">
                 <a:ea typeface="+mn-ea"/>
               </a:rPr>
-              <a:t>Duplicate “Mortality Rate over Time”</a:t>
+              <a:t>Select “Show Me” from the top right</a:t>
             </a:r>
           </a:p>
           <a:p>
@@ -19209,7 +19265,7 @@
               <a:rPr lang="en-US" sz="2400" dirty="0">
                 <a:ea typeface="+mn-ea"/>
               </a:rPr>
-              <a:t>Drag “Date” to “Pages”</a:t>
+              <a:t>Select “area chart”</a:t>
             </a:r>
           </a:p>
           <a:p>
@@ -19222,7 +19278,7 @@
               <a:rPr lang="en-US" sz="2400" dirty="0">
                 <a:ea typeface="+mn-ea"/>
               </a:rPr>
-              <a:t>Right click “Date” pill and select “Month (May 2015)”</a:t>
+              <a:t>(notice the date was automatically switched to “YEAR(Date)”)</a:t>
             </a:r>
           </a:p>
           <a:p>
@@ -19235,7 +19291,7 @@
               <a:rPr lang="en-US" sz="2400" dirty="0">
                 <a:ea typeface="+mn-ea"/>
               </a:rPr>
-              <a:t>Switch the “Marks” type to “Bar”</a:t>
+              <a:t>Click the “+” on the left side of the “YEAR(Date)” pill twice to get it to “MONTH(Date)” again</a:t>
             </a:r>
           </a:p>
           <a:p>
@@ -19248,7 +19304,7 @@
               <a:rPr lang="en-US" sz="2400" dirty="0">
                 <a:ea typeface="+mn-ea"/>
               </a:rPr>
-              <a:t>Try clicking the “Play” button in the Pages card</a:t>
+              <a:t>(NOTE: alternatively instead of steps 1-4 we could change the mark type to “Area”)</a:t>
             </a:r>
           </a:p>
           <a:p>
@@ -19261,20 +19317,7 @@
               <a:rPr lang="en-US" sz="2400" dirty="0">
                 <a:ea typeface="+mn-ea"/>
               </a:rPr>
-              <a:t>Check “Show history” in the Pages card</a:t>
-            </a:r>
-          </a:p>
-          <a:p>
-            <a:pPr marL="739775" lvl="1" indent="-457200" defTabSz="1306221" fontAlgn="auto">
-              <a:buFont typeface="+mj-lt"/>
-              <a:buAutoNum type="arabicPeriod"/>
-              <a:defRPr/>
-            </a:pPr>
-            <a:r>
-              <a:rPr lang="en-US" sz="2000" dirty="0">
-                <a:ea typeface="+mn-ea"/>
-              </a:rPr>
-              <a:t>Select the dropdown and choose “All”</a:t>
+              <a:t>Double click the sheet tab (“Sheet 1”) and rename to “Mortality Rate over Time”</a:t>
             </a:r>
           </a:p>
           <a:p>
@@ -19287,7 +19330,7 @@
               <a:rPr lang="en-US" sz="2400" dirty="0">
                 <a:ea typeface="+mn-ea"/>
               </a:rPr>
-              <a:t>Try playing it again</a:t>
+              <a:t>Right click “Mortality Rate over Time” and select “Duplicate”</a:t>
             </a:r>
           </a:p>
           <a:p>
@@ -19300,7 +19343,7 @@
               <a:rPr lang="en-US" sz="2400" dirty="0">
                 <a:ea typeface="+mn-ea"/>
               </a:rPr>
-              <a:t>Rename the sheet “Mortality Rate through Time”</a:t>
+              <a:t>Right click “MONTH(Date)” and select “Month”</a:t>
             </a:r>
           </a:p>
           <a:p>
@@ -19313,7 +19356,7 @@
               <a:rPr lang="en-US" sz="2400" dirty="0">
                 <a:ea typeface="+mn-ea"/>
               </a:rPr>
-              <a:t>Duplicate “Mortality Rate through Time”</a:t>
+              <a:t>Go to the “Analytics” pane</a:t>
             </a:r>
           </a:p>
           <a:p>
@@ -19326,18 +19369,34 @@
               <a:rPr lang="en-US" sz="2400" dirty="0">
                 <a:ea typeface="+mn-ea"/>
               </a:rPr>
-              <a:t>Replace the Pages “Date” with “Mortality Rate (%)” (drag it on top of the existing pill)</a:t>
-            </a:r>
-          </a:p>
-          <a:p>
-            <a:pPr marL="739775" lvl="1" indent="-457200" defTabSz="1306221" fontAlgn="auto">
+              <a:t>Drag out a “Trend Line” onto “Polynomial”</a:t>
+            </a:r>
+          </a:p>
+          <a:p>
+            <a:pPr marL="457200" indent="-457200" defTabSz="1306221" fontAlgn="auto">
               <a:buFont typeface="+mj-lt"/>
               <a:buAutoNum type="arabicPeriod"/>
               <a:defRPr/>
             </a:pPr>
-            <a:endParaRPr lang="en-US" sz="2000" dirty="0">
-              <a:ea typeface="+mn-ea"/>
-            </a:endParaRPr>
+            <a:r>
+              <a:rPr lang="en-US" sz="2400" dirty="0">
+                <a:ea typeface="+mn-ea"/>
+              </a:rPr>
+              <a:t>Drag “Date” to “Color”</a:t>
+            </a:r>
+          </a:p>
+          <a:p>
+            <a:pPr marL="457200" indent="-457200" defTabSz="1306221" fontAlgn="auto">
+              <a:buFont typeface="+mj-lt"/>
+              <a:buAutoNum type="arabicPeriod"/>
+              <a:defRPr/>
+            </a:pPr>
+            <a:r>
+              <a:rPr lang="en-US" sz="2400" dirty="0">
+                <a:ea typeface="+mn-ea"/>
+              </a:rPr>
+              <a:t>Rename the sheet</a:t>
+            </a:r>
           </a:p>
           <a:p>
             <a:pPr marL="457200" indent="-457200" defTabSz="1306221" fontAlgn="auto">
@@ -19379,7 +19438,7 @@
               <a:rPr lang="en-US" b="1" dirty="0">
                 <a:latin typeface="BentonSans Book" charset="0"/>
               </a:rPr>
-              <a:t>Germ Theory of Disease – (slightly) Advanced Viz</a:t>
+              <a:t>Germ Theory of Disease – Simple Viz</a:t>
             </a:r>
           </a:p>
         </p:txBody>
@@ -19387,7 +19446,7 @@
     </p:spTree>
     <p:extLst>
       <p:ext uri="{BB962C8B-B14F-4D97-AF65-F5344CB8AC3E}">
-        <p14:creationId xmlns:p14="http://schemas.microsoft.com/office/powerpoint/2010/main" val="181456720"/>
+        <p14:creationId xmlns:p14="http://schemas.microsoft.com/office/powerpoint/2010/main" val="1829227786"/>
       </p:ext>
     </p:extLst>
   </p:cSld>
@@ -19765,15 +19824,33 @@
                                   </p:childTnLst>
                                 </p:cTn>
                               </p:par>
+                            </p:childTnLst>
+                          </p:cTn>
+                        </p:par>
+                      </p:childTnLst>
+                    </p:cTn>
+                  </p:par>
+                  <p:par>
+                    <p:cTn id="33" fill="hold">
+                      <p:stCondLst>
+                        <p:cond delay="indefinite"/>
+                      </p:stCondLst>
+                      <p:childTnLst>
+                        <p:par>
+                          <p:cTn id="34" fill="hold">
+                            <p:stCondLst>
+                              <p:cond delay="0"/>
+                            </p:stCondLst>
+                            <p:childTnLst>
                               <p:par>
-                                <p:cTn id="33" presetID="10" presetClass="entr" presetSubtype="0" fill="hold" grpId="0" nodeType="withEffect">
+                                <p:cTn id="35" presetID="10" presetClass="entr" presetSubtype="0" fill="hold" grpId="0" nodeType="clickEffect">
                                   <p:stCondLst>
                                     <p:cond delay="0"/>
                                   </p:stCondLst>
                                   <p:childTnLst>
                                     <p:set>
                                       <p:cBhvr>
-                                        <p:cTn id="34" dur="1" fill="hold">
+                                        <p:cTn id="36" dur="1" fill="hold">
                                           <p:stCondLst>
                                             <p:cond delay="0"/>
                                           </p:stCondLst>
@@ -19795,7 +19872,7 @@
                                     </p:set>
                                     <p:animEffect transition="in" filter="fade">
                                       <p:cBhvr>
-                                        <p:cTn id="35" dur="500"/>
+                                        <p:cTn id="37" dur="500"/>
                                         <p:tgtEl>
                                           <p:spTgt spid="2">
                                             <p:txEl>
@@ -19815,26 +19892,26 @@
                     </p:cTn>
                   </p:par>
                   <p:par>
-                    <p:cTn id="36" fill="hold">
+                    <p:cTn id="38" fill="hold">
                       <p:stCondLst>
                         <p:cond delay="indefinite"/>
                       </p:stCondLst>
                       <p:childTnLst>
                         <p:par>
-                          <p:cTn id="37" fill="hold">
+                          <p:cTn id="39" fill="hold">
                             <p:stCondLst>
                               <p:cond delay="0"/>
                             </p:stCondLst>
                             <p:childTnLst>
                               <p:par>
-                                <p:cTn id="38" presetID="10" presetClass="entr" presetSubtype="0" fill="hold" grpId="0" nodeType="clickEffect">
+                                <p:cTn id="40" presetID="10" presetClass="entr" presetSubtype="0" fill="hold" grpId="0" nodeType="clickEffect">
                                   <p:stCondLst>
                                     <p:cond delay="0"/>
                                   </p:stCondLst>
                                   <p:childTnLst>
                                     <p:set>
                                       <p:cBhvr>
-                                        <p:cTn id="39" dur="1" fill="hold">
+                                        <p:cTn id="41" dur="1" fill="hold">
                                           <p:stCondLst>
                                             <p:cond delay="0"/>
                                           </p:stCondLst>
@@ -19856,7 +19933,7 @@
                                     </p:set>
                                     <p:animEffect transition="in" filter="fade">
                                       <p:cBhvr>
-                                        <p:cTn id="40" dur="500"/>
+                                        <p:cTn id="42" dur="500"/>
                                         <p:tgtEl>
                                           <p:spTgt spid="2">
                                             <p:txEl>
@@ -19876,26 +19953,26 @@
                     </p:cTn>
                   </p:par>
                   <p:par>
-                    <p:cTn id="41" fill="hold">
+                    <p:cTn id="43" fill="hold">
                       <p:stCondLst>
                         <p:cond delay="indefinite"/>
                       </p:stCondLst>
                       <p:childTnLst>
                         <p:par>
-                          <p:cTn id="42" fill="hold">
+                          <p:cTn id="44" fill="hold">
                             <p:stCondLst>
                               <p:cond delay="0"/>
                             </p:stCondLst>
                             <p:childTnLst>
                               <p:par>
-                                <p:cTn id="43" presetID="10" presetClass="entr" presetSubtype="0" fill="hold" grpId="0" nodeType="clickEffect">
+                                <p:cTn id="45" presetID="10" presetClass="entr" presetSubtype="0" fill="hold" grpId="0" nodeType="clickEffect">
                                   <p:stCondLst>
                                     <p:cond delay="0"/>
                                   </p:stCondLst>
                                   <p:childTnLst>
                                     <p:set>
                                       <p:cBhvr>
-                                        <p:cTn id="44" dur="1" fill="hold">
+                                        <p:cTn id="46" dur="1" fill="hold">
                                           <p:stCondLst>
                                             <p:cond delay="0"/>
                                           </p:stCondLst>
@@ -19917,7 +19994,7 @@
                                     </p:set>
                                     <p:animEffect transition="in" filter="fade">
                                       <p:cBhvr>
-                                        <p:cTn id="45" dur="500"/>
+                                        <p:cTn id="47" dur="500"/>
                                         <p:tgtEl>
                                           <p:spTgt spid="2">
                                             <p:txEl>
@@ -19937,26 +20014,26 @@
                     </p:cTn>
                   </p:par>
                   <p:par>
-                    <p:cTn id="46" fill="hold">
+                    <p:cTn id="48" fill="hold">
                       <p:stCondLst>
                         <p:cond delay="indefinite"/>
                       </p:stCondLst>
                       <p:childTnLst>
                         <p:par>
-                          <p:cTn id="47" fill="hold">
+                          <p:cTn id="49" fill="hold">
                             <p:stCondLst>
                               <p:cond delay="0"/>
                             </p:stCondLst>
                             <p:childTnLst>
                               <p:par>
-                                <p:cTn id="48" presetID="10" presetClass="entr" presetSubtype="0" fill="hold" grpId="0" nodeType="clickEffect">
+                                <p:cTn id="50" presetID="10" presetClass="entr" presetSubtype="0" fill="hold" grpId="0" nodeType="clickEffect">
                                   <p:stCondLst>
                                     <p:cond delay="0"/>
                                   </p:stCondLst>
                                   <p:childTnLst>
                                     <p:set>
                                       <p:cBhvr>
-                                        <p:cTn id="49" dur="1" fill="hold">
+                                        <p:cTn id="51" dur="1" fill="hold">
                                           <p:stCondLst>
                                             <p:cond delay="0"/>
                                           </p:stCondLst>
@@ -19978,7 +20055,7 @@
                                     </p:set>
                                     <p:animEffect transition="in" filter="fade">
                                       <p:cBhvr>
-                                        <p:cTn id="50" dur="500"/>
+                                        <p:cTn id="52" dur="500"/>
                                         <p:tgtEl>
                                           <p:spTgt spid="2">
                                             <p:txEl>
@@ -19998,26 +20075,26 @@
                     </p:cTn>
                   </p:par>
                   <p:par>
-                    <p:cTn id="51" fill="hold">
+                    <p:cTn id="53" fill="hold">
                       <p:stCondLst>
                         <p:cond delay="indefinite"/>
                       </p:stCondLst>
                       <p:childTnLst>
                         <p:par>
-                          <p:cTn id="52" fill="hold">
+                          <p:cTn id="54" fill="hold">
                             <p:stCondLst>
                               <p:cond delay="0"/>
                             </p:stCondLst>
                             <p:childTnLst>
                               <p:par>
-                                <p:cTn id="53" presetID="10" presetClass="entr" presetSubtype="0" fill="hold" grpId="0" nodeType="clickEffect">
+                                <p:cTn id="55" presetID="10" presetClass="entr" presetSubtype="0" fill="hold" grpId="0" nodeType="clickEffect">
                                   <p:stCondLst>
                                     <p:cond delay="0"/>
                                   </p:stCondLst>
                                   <p:childTnLst>
                                     <p:set>
                                       <p:cBhvr>
-                                        <p:cTn id="54" dur="1" fill="hold">
+                                        <p:cTn id="56" dur="1" fill="hold">
                                           <p:stCondLst>
                                             <p:cond delay="0"/>
                                           </p:stCondLst>
@@ -20039,11 +20116,72 @@
                                     </p:set>
                                     <p:animEffect transition="in" filter="fade">
                                       <p:cBhvr>
-                                        <p:cTn id="55" dur="500"/>
+                                        <p:cTn id="57" dur="500"/>
                                         <p:tgtEl>
                                           <p:spTgt spid="2">
                                             <p:txEl>
                                               <p:pRg st="10" end="10"/>
+                                            </p:txEl>
+                                          </p:spTgt>
+                                        </p:tgtEl>
+                                      </p:cBhvr>
+                                    </p:animEffect>
+                                  </p:childTnLst>
+                                </p:cTn>
+                              </p:par>
+                            </p:childTnLst>
+                          </p:cTn>
+                        </p:par>
+                      </p:childTnLst>
+                    </p:cTn>
+                  </p:par>
+                  <p:par>
+                    <p:cTn id="58" fill="hold">
+                      <p:stCondLst>
+                        <p:cond delay="indefinite"/>
+                      </p:stCondLst>
+                      <p:childTnLst>
+                        <p:par>
+                          <p:cTn id="59" fill="hold">
+                            <p:stCondLst>
+                              <p:cond delay="0"/>
+                            </p:stCondLst>
+                            <p:childTnLst>
+                              <p:par>
+                                <p:cTn id="60" presetID="10" presetClass="entr" presetSubtype="0" fill="hold" grpId="0" nodeType="clickEffect">
+                                  <p:stCondLst>
+                                    <p:cond delay="0"/>
+                                  </p:stCondLst>
+                                  <p:childTnLst>
+                                    <p:set>
+                                      <p:cBhvr>
+                                        <p:cTn id="61" dur="1" fill="hold">
+                                          <p:stCondLst>
+                                            <p:cond delay="0"/>
+                                          </p:stCondLst>
+                                        </p:cTn>
+                                        <p:tgtEl>
+                                          <p:spTgt spid="2">
+                                            <p:txEl>
+                                              <p:pRg st="11" end="11"/>
+                                            </p:txEl>
+                                          </p:spTgt>
+                                        </p:tgtEl>
+                                        <p:attrNameLst>
+                                          <p:attrName>style.visibility</p:attrName>
+                                        </p:attrNameLst>
+                                      </p:cBhvr>
+                                      <p:to>
+                                        <p:strVal val="visible"/>
+                                      </p:to>
+                                    </p:set>
+                                    <p:animEffect transition="in" filter="fade">
+                                      <p:cBhvr>
+                                        <p:cTn id="62" dur="500"/>
+                                        <p:tgtEl>
+                                          <p:spTgt spid="2">
+                                            <p:txEl>
+                                              <p:pRg st="11" end="11"/>
                                             </p:txEl>
                                           </p:spTgt>
                                         </p:tgtEl>
@@ -20116,7 +20254,7 @@
         <p:spPr>
           <a:xfrm>
             <a:off x="704476" y="1893515"/>
-            <a:ext cx="13273820" cy="3939540"/>
+            <a:ext cx="13273820" cy="5601533"/>
           </a:xfrm>
         </p:spPr>
         <p:txBody>
@@ -20129,8 +20267,10 @@
               <a:defRPr/>
             </a:pPr>
             <a:r>
-              <a:rPr lang="en-US" sz="2400" dirty="0"/>
-              <a:t>Create a new dashboard (the grid icon to the right of the tabs)</a:t>
+              <a:rPr lang="en-US" sz="2400" dirty="0">
+                <a:ea typeface="+mn-ea"/>
+              </a:rPr>
+              <a:t>Duplicate “Mortality Rate over Time”</a:t>
             </a:r>
           </a:p>
           <a:p>
@@ -20140,8 +20280,10 @@
               <a:defRPr/>
             </a:pPr>
             <a:r>
-              <a:rPr lang="en-US" sz="2400" dirty="0"/>
-              <a:t>Switch “Size” to “Automatic”</a:t>
+              <a:rPr lang="en-US" sz="2400" dirty="0">
+                <a:ea typeface="+mn-ea"/>
+              </a:rPr>
+              <a:t>Drag “Date” to “Pages”</a:t>
             </a:r>
           </a:p>
           <a:p>
@@ -20151,8 +20293,10 @@
               <a:defRPr/>
             </a:pPr>
             <a:r>
-              <a:rPr lang="en-US" sz="2400" dirty="0"/>
-              <a:t>Drag out “Mortality Rate over Time”</a:t>
+              <a:rPr lang="en-US" sz="2400" dirty="0">
+                <a:ea typeface="+mn-ea"/>
+              </a:rPr>
+              <a:t>Right click “Date” pill and select “Month (May 2015)”</a:t>
             </a:r>
           </a:p>
           <a:p>
@@ -20162,8 +20306,10 @@
               <a:defRPr/>
             </a:pPr>
             <a:r>
-              <a:rPr lang="en-US" sz="2400" dirty="0"/>
-              <a:t>Drag out “Mortality By Month” (below “Mortality Rate over Time)</a:t>
+              <a:rPr lang="en-US" sz="2400" dirty="0">
+                <a:ea typeface="+mn-ea"/>
+              </a:rPr>
+              <a:t>Switch the “Marks” type to “Bar”</a:t>
             </a:r>
           </a:p>
           <a:p>
@@ -20173,8 +20319,10 @@
               <a:defRPr/>
             </a:pPr>
             <a:r>
-              <a:rPr lang="en-US" sz="2400" dirty="0"/>
-              <a:t>Select “Mortality By Month” and click the “Use as Filter” button</a:t>
+              <a:rPr lang="en-US" sz="2400" dirty="0">
+                <a:ea typeface="+mn-ea"/>
+              </a:rPr>
+              <a:t>Try clicking the “Play” button in the Pages card</a:t>
             </a:r>
           </a:p>
           <a:p>
@@ -20184,8 +20332,23 @@
               <a:defRPr/>
             </a:pPr>
             <a:r>
-              <a:rPr lang="en-US" sz="2400" dirty="0"/>
-              <a:t>Try clicking a mark in the “Mortality By Month” sheet</a:t>
+              <a:rPr lang="en-US" sz="2400" dirty="0">
+                <a:ea typeface="+mn-ea"/>
+              </a:rPr>
+              <a:t>Check “Show history” in the Pages card</a:t>
+            </a:r>
+          </a:p>
+          <a:p>
+            <a:pPr marL="739775" lvl="1" indent="-457200" defTabSz="1306221" fontAlgn="auto">
+              <a:buFont typeface="+mj-lt"/>
+              <a:buAutoNum type="arabicPeriod"/>
+              <a:defRPr/>
+            </a:pPr>
+            <a:r>
+              <a:rPr lang="en-US" sz="2000" dirty="0">
+                <a:ea typeface="+mn-ea"/>
+              </a:rPr>
+              <a:t>Select the dropdown and choose “All”</a:t>
             </a:r>
           </a:p>
           <a:p>
@@ -20195,8 +20358,10 @@
               <a:defRPr/>
             </a:pPr>
             <a:r>
-              <a:rPr lang="en-US" sz="2400" dirty="0"/>
-              <a:t>Rename the dashboard (I called it “Mortality Rate Dashboard”)</a:t>
+              <a:rPr lang="en-US" sz="2400" dirty="0">
+                <a:ea typeface="+mn-ea"/>
+              </a:rPr>
+              <a:t>Try playing it again</a:t>
             </a:r>
           </a:p>
           <a:p>
@@ -20205,7 +20370,12 @@
               <a:buAutoNum type="arabicPeriod"/>
               <a:defRPr/>
             </a:pPr>
-            <a:endParaRPr lang="en-US" sz="2400" dirty="0"/>
+            <a:r>
+              <a:rPr lang="en-US" sz="2400" dirty="0">
+                <a:ea typeface="+mn-ea"/>
+              </a:rPr>
+              <a:t>Rename the sheet “Mortality Rate through Time”</a:t>
+            </a:r>
           </a:p>
           <a:p>
             <a:pPr marL="457200" indent="-457200" defTabSz="1306221" fontAlgn="auto">
@@ -20213,7 +20383,45 @@
               <a:buAutoNum type="arabicPeriod"/>
               <a:defRPr/>
             </a:pPr>
-            <a:endParaRPr lang="en-US" sz="2400" dirty="0"/>
+            <a:r>
+              <a:rPr lang="en-US" sz="2400" dirty="0">
+                <a:ea typeface="+mn-ea"/>
+              </a:rPr>
+              <a:t>Duplicate “Mortality Rate through Time”</a:t>
+            </a:r>
+          </a:p>
+          <a:p>
+            <a:pPr marL="457200" indent="-457200" defTabSz="1306221" fontAlgn="auto">
+              <a:buFont typeface="+mj-lt"/>
+              <a:buAutoNum type="arabicPeriod"/>
+              <a:defRPr/>
+            </a:pPr>
+            <a:r>
+              <a:rPr lang="en-US" sz="2400" dirty="0">
+                <a:ea typeface="+mn-ea"/>
+              </a:rPr>
+              <a:t>Replace the Pages “Date” with “Mortality Rate (%)” (drag it on top of the existing pill)</a:t>
+            </a:r>
+          </a:p>
+          <a:p>
+            <a:pPr marL="739775" lvl="1" indent="-457200" defTabSz="1306221" fontAlgn="auto">
+              <a:buFont typeface="+mj-lt"/>
+              <a:buAutoNum type="arabicPeriod"/>
+              <a:defRPr/>
+            </a:pPr>
+            <a:endParaRPr lang="en-US" sz="2000" dirty="0">
+              <a:ea typeface="+mn-ea"/>
+            </a:endParaRPr>
+          </a:p>
+          <a:p>
+            <a:pPr marL="457200" indent="-457200" defTabSz="1306221" fontAlgn="auto">
+              <a:buFont typeface="+mj-lt"/>
+              <a:buAutoNum type="arabicPeriod"/>
+              <a:defRPr/>
+            </a:pPr>
+            <a:endParaRPr lang="en-US" sz="2400" dirty="0">
+              <a:ea typeface="+mn-ea"/>
+            </a:endParaRPr>
           </a:p>
         </p:txBody>
       </p:sp>
@@ -20245,7 +20453,7 @@
               <a:rPr lang="en-US" b="1" dirty="0">
                 <a:latin typeface="BentonSans Book" charset="0"/>
               </a:rPr>
-              <a:t>Germ Theory of Disease – Dashboard</a:t>
+              <a:t>Germ Theory of Disease – (slightly) Advanced Viz</a:t>
             </a:r>
           </a:p>
         </p:txBody>
@@ -20253,7 +20461,7 @@
     </p:spTree>
     <p:extLst>
       <p:ext uri="{BB962C8B-B14F-4D97-AF65-F5344CB8AC3E}">
-        <p14:creationId xmlns:p14="http://schemas.microsoft.com/office/powerpoint/2010/main" val="3475227266"/>
+        <p14:creationId xmlns:p14="http://schemas.microsoft.com/office/powerpoint/2010/main" val="181456720"/>
       </p:ext>
     </p:extLst>
   </p:cSld>
@@ -20263,6 +20471,692 @@
   <p:transition spd="slow">
     <p:cover/>
   </p:transition>
+  <p:timing>
+    <p:tnLst>
+      <p:par>
+        <p:cTn id="1" dur="indefinite" restart="never" nodeType="tmRoot">
+          <p:childTnLst>
+            <p:seq concurrent="1" nextAc="seek">
+              <p:cTn id="2" dur="indefinite" nodeType="mainSeq">
+                <p:childTnLst>
+                  <p:par>
+                    <p:cTn id="3" fill="hold">
+                      <p:stCondLst>
+                        <p:cond delay="indefinite"/>
+                      </p:stCondLst>
+                      <p:childTnLst>
+                        <p:par>
+                          <p:cTn id="4" fill="hold">
+                            <p:stCondLst>
+                              <p:cond delay="0"/>
+                            </p:stCondLst>
+                            <p:childTnLst>
+                              <p:par>
+                                <p:cTn id="5" presetID="10" presetClass="entr" presetSubtype="0" fill="hold" grpId="0" nodeType="clickEffect">
+                                  <p:stCondLst>
+                                    <p:cond delay="0"/>
+                                  </p:stCondLst>
+                                  <p:childTnLst>
+                                    <p:set>
+                                      <p:cBhvr>
+                                        <p:cTn id="6" dur="1" fill="hold">
+                                          <p:stCondLst>
+                                            <p:cond delay="0"/>
+                                          </p:stCondLst>
+                                        </p:cTn>
+                                        <p:tgtEl>
+                                          <p:spTgt spid="2">
+                                            <p:txEl>
+                                              <p:pRg st="0" end="0"/>
+                                            </p:txEl>
+                                          </p:spTgt>
+                                        </p:tgtEl>
+                                        <p:attrNameLst>
+                                          <p:attrName>style.visibility</p:attrName>
+                                        </p:attrNameLst>
+                                      </p:cBhvr>
+                                      <p:to>
+                                        <p:strVal val="visible"/>
+                                      </p:to>
+                                    </p:set>
+                                    <p:animEffect transition="in" filter="fade">
+                                      <p:cBhvr>
+                                        <p:cTn id="7" dur="500"/>
+                                        <p:tgtEl>
+                                          <p:spTgt spid="2">
+                                            <p:txEl>
+                                              <p:pRg st="0" end="0"/>
+                                            </p:txEl>
+                                          </p:spTgt>
+                                        </p:tgtEl>
+                                      </p:cBhvr>
+                                    </p:animEffect>
+                                  </p:childTnLst>
+                                </p:cTn>
+                              </p:par>
+                            </p:childTnLst>
+                          </p:cTn>
+                        </p:par>
+                      </p:childTnLst>
+                    </p:cTn>
+                  </p:par>
+                  <p:par>
+                    <p:cTn id="8" fill="hold">
+                      <p:stCondLst>
+                        <p:cond delay="indefinite"/>
+                      </p:stCondLst>
+                      <p:childTnLst>
+                        <p:par>
+                          <p:cTn id="9" fill="hold">
+                            <p:stCondLst>
+                              <p:cond delay="0"/>
+                            </p:stCondLst>
+                            <p:childTnLst>
+                              <p:par>
+                                <p:cTn id="10" presetID="10" presetClass="entr" presetSubtype="0" fill="hold" grpId="0" nodeType="clickEffect">
+                                  <p:stCondLst>
+                                    <p:cond delay="0"/>
+                                  </p:stCondLst>
+                                  <p:childTnLst>
+                                    <p:set>
+                                      <p:cBhvr>
+                                        <p:cTn id="11" dur="1" fill="hold">
+                                          <p:stCondLst>
+                                            <p:cond delay="0"/>
+                                          </p:stCondLst>
+                                        </p:cTn>
+                                        <p:tgtEl>
+                                          <p:spTgt spid="2">
+                                            <p:txEl>
+                                              <p:pRg st="1" end="1"/>
+                                            </p:txEl>
+                                          </p:spTgt>
+                                        </p:tgtEl>
+                                        <p:attrNameLst>
+                                          <p:attrName>style.visibility</p:attrName>
+                                        </p:attrNameLst>
+                                      </p:cBhvr>
+                                      <p:to>
+                                        <p:strVal val="visible"/>
+                                      </p:to>
+                                    </p:set>
+                                    <p:animEffect transition="in" filter="fade">
+                                      <p:cBhvr>
+                                        <p:cTn id="12" dur="500"/>
+                                        <p:tgtEl>
+                                          <p:spTgt spid="2">
+                                            <p:txEl>
+                                              <p:pRg st="1" end="1"/>
+                                            </p:txEl>
+                                          </p:spTgt>
+                                        </p:tgtEl>
+                                      </p:cBhvr>
+                                    </p:animEffect>
+                                  </p:childTnLst>
+                                </p:cTn>
+                              </p:par>
+                            </p:childTnLst>
+                          </p:cTn>
+                        </p:par>
+                      </p:childTnLst>
+                    </p:cTn>
+                  </p:par>
+                  <p:par>
+                    <p:cTn id="13" fill="hold">
+                      <p:stCondLst>
+                        <p:cond delay="indefinite"/>
+                      </p:stCondLst>
+                      <p:childTnLst>
+                        <p:par>
+                          <p:cTn id="14" fill="hold">
+                            <p:stCondLst>
+                              <p:cond delay="0"/>
+                            </p:stCondLst>
+                            <p:childTnLst>
+                              <p:par>
+                                <p:cTn id="15" presetID="10" presetClass="entr" presetSubtype="0" fill="hold" grpId="0" nodeType="clickEffect">
+                                  <p:stCondLst>
+                                    <p:cond delay="0"/>
+                                  </p:stCondLst>
+                                  <p:childTnLst>
+                                    <p:set>
+                                      <p:cBhvr>
+                                        <p:cTn id="16" dur="1" fill="hold">
+                                          <p:stCondLst>
+                                            <p:cond delay="0"/>
+                                          </p:stCondLst>
+                                        </p:cTn>
+                                        <p:tgtEl>
+                                          <p:spTgt spid="2">
+                                            <p:txEl>
+                                              <p:pRg st="2" end="2"/>
+                                            </p:txEl>
+                                          </p:spTgt>
+                                        </p:tgtEl>
+                                        <p:attrNameLst>
+                                          <p:attrName>style.visibility</p:attrName>
+                                        </p:attrNameLst>
+                                      </p:cBhvr>
+                                      <p:to>
+                                        <p:strVal val="visible"/>
+                                      </p:to>
+                                    </p:set>
+                                    <p:animEffect transition="in" filter="fade">
+                                      <p:cBhvr>
+                                        <p:cTn id="17" dur="500"/>
+                                        <p:tgtEl>
+                                          <p:spTgt spid="2">
+                                            <p:txEl>
+                                              <p:pRg st="2" end="2"/>
+                                            </p:txEl>
+                                          </p:spTgt>
+                                        </p:tgtEl>
+                                      </p:cBhvr>
+                                    </p:animEffect>
+                                  </p:childTnLst>
+                                </p:cTn>
+                              </p:par>
+                            </p:childTnLst>
+                          </p:cTn>
+                        </p:par>
+                      </p:childTnLst>
+                    </p:cTn>
+                  </p:par>
+                  <p:par>
+                    <p:cTn id="18" fill="hold">
+                      <p:stCondLst>
+                        <p:cond delay="indefinite"/>
+                      </p:stCondLst>
+                      <p:childTnLst>
+                        <p:par>
+                          <p:cTn id="19" fill="hold">
+                            <p:stCondLst>
+                              <p:cond delay="0"/>
+                            </p:stCondLst>
+                            <p:childTnLst>
+                              <p:par>
+                                <p:cTn id="20" presetID="10" presetClass="entr" presetSubtype="0" fill="hold" grpId="0" nodeType="clickEffect">
+                                  <p:stCondLst>
+                                    <p:cond delay="0"/>
+                                  </p:stCondLst>
+                                  <p:childTnLst>
+                                    <p:set>
+                                      <p:cBhvr>
+                                        <p:cTn id="21" dur="1" fill="hold">
+                                          <p:stCondLst>
+                                            <p:cond delay="0"/>
+                                          </p:stCondLst>
+                                        </p:cTn>
+                                        <p:tgtEl>
+                                          <p:spTgt spid="2">
+                                            <p:txEl>
+                                              <p:pRg st="3" end="3"/>
+                                            </p:txEl>
+                                          </p:spTgt>
+                                        </p:tgtEl>
+                                        <p:attrNameLst>
+                                          <p:attrName>style.visibility</p:attrName>
+                                        </p:attrNameLst>
+                                      </p:cBhvr>
+                                      <p:to>
+                                        <p:strVal val="visible"/>
+                                      </p:to>
+                                    </p:set>
+                                    <p:animEffect transition="in" filter="fade">
+                                      <p:cBhvr>
+                                        <p:cTn id="22" dur="500"/>
+                                        <p:tgtEl>
+                                          <p:spTgt spid="2">
+                                            <p:txEl>
+                                              <p:pRg st="3" end="3"/>
+                                            </p:txEl>
+                                          </p:spTgt>
+                                        </p:tgtEl>
+                                      </p:cBhvr>
+                                    </p:animEffect>
+                                  </p:childTnLst>
+                                </p:cTn>
+                              </p:par>
+                            </p:childTnLst>
+                          </p:cTn>
+                        </p:par>
+                      </p:childTnLst>
+                    </p:cTn>
+                  </p:par>
+                  <p:par>
+                    <p:cTn id="23" fill="hold">
+                      <p:stCondLst>
+                        <p:cond delay="indefinite"/>
+                      </p:stCondLst>
+                      <p:childTnLst>
+                        <p:par>
+                          <p:cTn id="24" fill="hold">
+                            <p:stCondLst>
+                              <p:cond delay="0"/>
+                            </p:stCondLst>
+                            <p:childTnLst>
+                              <p:par>
+                                <p:cTn id="25" presetID="10" presetClass="entr" presetSubtype="0" fill="hold" grpId="0" nodeType="clickEffect">
+                                  <p:stCondLst>
+                                    <p:cond delay="0"/>
+                                  </p:stCondLst>
+                                  <p:childTnLst>
+                                    <p:set>
+                                      <p:cBhvr>
+                                        <p:cTn id="26" dur="1" fill="hold">
+                                          <p:stCondLst>
+                                            <p:cond delay="0"/>
+                                          </p:stCondLst>
+                                        </p:cTn>
+                                        <p:tgtEl>
+                                          <p:spTgt spid="2">
+                                            <p:txEl>
+                                              <p:pRg st="4" end="4"/>
+                                            </p:txEl>
+                                          </p:spTgt>
+                                        </p:tgtEl>
+                                        <p:attrNameLst>
+                                          <p:attrName>style.visibility</p:attrName>
+                                        </p:attrNameLst>
+                                      </p:cBhvr>
+                                      <p:to>
+                                        <p:strVal val="visible"/>
+                                      </p:to>
+                                    </p:set>
+                                    <p:animEffect transition="in" filter="fade">
+                                      <p:cBhvr>
+                                        <p:cTn id="27" dur="500"/>
+                                        <p:tgtEl>
+                                          <p:spTgt spid="2">
+                                            <p:txEl>
+                                              <p:pRg st="4" end="4"/>
+                                            </p:txEl>
+                                          </p:spTgt>
+                                        </p:tgtEl>
+                                      </p:cBhvr>
+                                    </p:animEffect>
+                                  </p:childTnLst>
+                                </p:cTn>
+                              </p:par>
+                            </p:childTnLst>
+                          </p:cTn>
+                        </p:par>
+                      </p:childTnLst>
+                    </p:cTn>
+                  </p:par>
+                  <p:par>
+                    <p:cTn id="28" fill="hold">
+                      <p:stCondLst>
+                        <p:cond delay="indefinite"/>
+                      </p:stCondLst>
+                      <p:childTnLst>
+                        <p:par>
+                          <p:cTn id="29" fill="hold">
+                            <p:stCondLst>
+                              <p:cond delay="0"/>
+                            </p:stCondLst>
+                            <p:childTnLst>
+                              <p:par>
+                                <p:cTn id="30" presetID="10" presetClass="entr" presetSubtype="0" fill="hold" grpId="0" nodeType="clickEffect">
+                                  <p:stCondLst>
+                                    <p:cond delay="0"/>
+                                  </p:stCondLst>
+                                  <p:childTnLst>
+                                    <p:set>
+                                      <p:cBhvr>
+                                        <p:cTn id="31" dur="1" fill="hold">
+                                          <p:stCondLst>
+                                            <p:cond delay="0"/>
+                                          </p:stCondLst>
+                                        </p:cTn>
+                                        <p:tgtEl>
+                                          <p:spTgt spid="2">
+                                            <p:txEl>
+                                              <p:pRg st="5" end="5"/>
+                                            </p:txEl>
+                                          </p:spTgt>
+                                        </p:tgtEl>
+                                        <p:attrNameLst>
+                                          <p:attrName>style.visibility</p:attrName>
+                                        </p:attrNameLst>
+                                      </p:cBhvr>
+                                      <p:to>
+                                        <p:strVal val="visible"/>
+                                      </p:to>
+                                    </p:set>
+                                    <p:animEffect transition="in" filter="fade">
+                                      <p:cBhvr>
+                                        <p:cTn id="32" dur="500"/>
+                                        <p:tgtEl>
+                                          <p:spTgt spid="2">
+                                            <p:txEl>
+                                              <p:pRg st="5" end="5"/>
+                                            </p:txEl>
+                                          </p:spTgt>
+                                        </p:tgtEl>
+                                      </p:cBhvr>
+                                    </p:animEffect>
+                                  </p:childTnLst>
+                                </p:cTn>
+                              </p:par>
+                              <p:par>
+                                <p:cTn id="33" presetID="10" presetClass="entr" presetSubtype="0" fill="hold" grpId="0" nodeType="withEffect">
+                                  <p:stCondLst>
+                                    <p:cond delay="0"/>
+                                  </p:stCondLst>
+                                  <p:childTnLst>
+                                    <p:set>
+                                      <p:cBhvr>
+                                        <p:cTn id="34" dur="1" fill="hold">
+                                          <p:stCondLst>
+                                            <p:cond delay="0"/>
+                                          </p:stCondLst>
+                                        </p:cTn>
+                                        <p:tgtEl>
+                                          <p:spTgt spid="2">
+                                            <p:txEl>
+                                              <p:pRg st="6" end="6"/>
+                                            </p:txEl>
+                                          </p:spTgt>
+                                        </p:tgtEl>
+                                        <p:attrNameLst>
+                                          <p:attrName>style.visibility</p:attrName>
+                                        </p:attrNameLst>
+                                      </p:cBhvr>
+                                      <p:to>
+                                        <p:strVal val="visible"/>
+                                      </p:to>
+                                    </p:set>
+                                    <p:animEffect transition="in" filter="fade">
+                                      <p:cBhvr>
+                                        <p:cTn id="35" dur="500"/>
+                                        <p:tgtEl>
+                                          <p:spTgt spid="2">
+                                            <p:txEl>
+                                              <p:pRg st="6" end="6"/>
+                                            </p:txEl>
+                                          </p:spTgt>
+                                        </p:tgtEl>
+                                      </p:cBhvr>
+                                    </p:animEffect>
+                                  </p:childTnLst>
+                                </p:cTn>
+                              </p:par>
+                            </p:childTnLst>
+                          </p:cTn>
+                        </p:par>
+                      </p:childTnLst>
+                    </p:cTn>
+                  </p:par>
+                  <p:par>
+                    <p:cTn id="36" fill="hold">
+                      <p:stCondLst>
+                        <p:cond delay="indefinite"/>
+                      </p:stCondLst>
+                      <p:childTnLst>
+                        <p:par>
+                          <p:cTn id="37" fill="hold">
+                            <p:stCondLst>
+                              <p:cond delay="0"/>
+                            </p:stCondLst>
+                            <p:childTnLst>
+                              <p:par>
+                                <p:cTn id="38" presetID="10" presetClass="entr" presetSubtype="0" fill="hold" grpId="0" nodeType="clickEffect">
+                                  <p:stCondLst>
+                                    <p:cond delay="0"/>
+                                  </p:stCondLst>
+                                  <p:childTnLst>
+                                    <p:set>
+                                      <p:cBhvr>
+                                        <p:cTn id="39" dur="1" fill="hold">
+                                          <p:stCondLst>
+                                            <p:cond delay="0"/>
+                                          </p:stCondLst>
+                                        </p:cTn>
+                                        <p:tgtEl>
+                                          <p:spTgt spid="2">
+                                            <p:txEl>
+                                              <p:pRg st="7" end="7"/>
+                                            </p:txEl>
+                                          </p:spTgt>
+                                        </p:tgtEl>
+                                        <p:attrNameLst>
+                                          <p:attrName>style.visibility</p:attrName>
+                                        </p:attrNameLst>
+                                      </p:cBhvr>
+                                      <p:to>
+                                        <p:strVal val="visible"/>
+                                      </p:to>
+                                    </p:set>
+                                    <p:animEffect transition="in" filter="fade">
+                                      <p:cBhvr>
+                                        <p:cTn id="40" dur="500"/>
+                                        <p:tgtEl>
+                                          <p:spTgt spid="2">
+                                            <p:txEl>
+                                              <p:pRg st="7" end="7"/>
+                                            </p:txEl>
+                                          </p:spTgt>
+                                        </p:tgtEl>
+                                      </p:cBhvr>
+                                    </p:animEffect>
+                                  </p:childTnLst>
+                                </p:cTn>
+                              </p:par>
+                            </p:childTnLst>
+                          </p:cTn>
+                        </p:par>
+                      </p:childTnLst>
+                    </p:cTn>
+                  </p:par>
+                  <p:par>
+                    <p:cTn id="41" fill="hold">
+                      <p:stCondLst>
+                        <p:cond delay="indefinite"/>
+                      </p:stCondLst>
+                      <p:childTnLst>
+                        <p:par>
+                          <p:cTn id="42" fill="hold">
+                            <p:stCondLst>
+                              <p:cond delay="0"/>
+                            </p:stCondLst>
+                            <p:childTnLst>
+                              <p:par>
+                                <p:cTn id="43" presetID="10" presetClass="entr" presetSubtype="0" fill="hold" grpId="0" nodeType="clickEffect">
+                                  <p:stCondLst>
+                                    <p:cond delay="0"/>
+                                  </p:stCondLst>
+                                  <p:childTnLst>
+                                    <p:set>
+                                      <p:cBhvr>
+                                        <p:cTn id="44" dur="1" fill="hold">
+                                          <p:stCondLst>
+                                            <p:cond delay="0"/>
+                                          </p:stCondLst>
+                                        </p:cTn>
+                                        <p:tgtEl>
+                                          <p:spTgt spid="2">
+                                            <p:txEl>
+                                              <p:pRg st="8" end="8"/>
+                                            </p:txEl>
+                                          </p:spTgt>
+                                        </p:tgtEl>
+                                        <p:attrNameLst>
+                                          <p:attrName>style.visibility</p:attrName>
+                                        </p:attrNameLst>
+                                      </p:cBhvr>
+                                      <p:to>
+                                        <p:strVal val="visible"/>
+                                      </p:to>
+                                    </p:set>
+                                    <p:animEffect transition="in" filter="fade">
+                                      <p:cBhvr>
+                                        <p:cTn id="45" dur="500"/>
+                                        <p:tgtEl>
+                                          <p:spTgt spid="2">
+                                            <p:txEl>
+                                              <p:pRg st="8" end="8"/>
+                                            </p:txEl>
+                                          </p:spTgt>
+                                        </p:tgtEl>
+                                      </p:cBhvr>
+                                    </p:animEffect>
+                                  </p:childTnLst>
+                                </p:cTn>
+                              </p:par>
+                            </p:childTnLst>
+                          </p:cTn>
+                        </p:par>
+                      </p:childTnLst>
+                    </p:cTn>
+                  </p:par>
+                  <p:par>
+                    <p:cTn id="46" fill="hold">
+                      <p:stCondLst>
+                        <p:cond delay="indefinite"/>
+                      </p:stCondLst>
+                      <p:childTnLst>
+                        <p:par>
+                          <p:cTn id="47" fill="hold">
+                            <p:stCondLst>
+                              <p:cond delay="0"/>
+                            </p:stCondLst>
+                            <p:childTnLst>
+                              <p:par>
+                                <p:cTn id="48" presetID="10" presetClass="entr" presetSubtype="0" fill="hold" grpId="0" nodeType="clickEffect">
+                                  <p:stCondLst>
+                                    <p:cond delay="0"/>
+                                  </p:stCondLst>
+                                  <p:childTnLst>
+                                    <p:set>
+                                      <p:cBhvr>
+                                        <p:cTn id="49" dur="1" fill="hold">
+                                          <p:stCondLst>
+                                            <p:cond delay="0"/>
+                                          </p:stCondLst>
+                                        </p:cTn>
+                                        <p:tgtEl>
+                                          <p:spTgt spid="2">
+                                            <p:txEl>
+                                              <p:pRg st="9" end="9"/>
+                                            </p:txEl>
+                                          </p:spTgt>
+                                        </p:tgtEl>
+                                        <p:attrNameLst>
+                                          <p:attrName>style.visibility</p:attrName>
+                                        </p:attrNameLst>
+                                      </p:cBhvr>
+                                      <p:to>
+                                        <p:strVal val="visible"/>
+                                      </p:to>
+                                    </p:set>
+                                    <p:animEffect transition="in" filter="fade">
+                                      <p:cBhvr>
+                                        <p:cTn id="50" dur="500"/>
+                                        <p:tgtEl>
+                                          <p:spTgt spid="2">
+                                            <p:txEl>
+                                              <p:pRg st="9" end="9"/>
+                                            </p:txEl>
+                                          </p:spTgt>
+                                        </p:tgtEl>
+                                      </p:cBhvr>
+                                    </p:animEffect>
+                                  </p:childTnLst>
+                                </p:cTn>
+                              </p:par>
+                            </p:childTnLst>
+                          </p:cTn>
+                        </p:par>
+                      </p:childTnLst>
+                    </p:cTn>
+                  </p:par>
+                  <p:par>
+                    <p:cTn id="51" fill="hold">
+                      <p:stCondLst>
+                        <p:cond delay="indefinite"/>
+                      </p:stCondLst>
+                      <p:childTnLst>
+                        <p:par>
+                          <p:cTn id="52" fill="hold">
+                            <p:stCondLst>
+                              <p:cond delay="0"/>
+                            </p:stCondLst>
+                            <p:childTnLst>
+                              <p:par>
+                                <p:cTn id="53" presetID="10" presetClass="entr" presetSubtype="0" fill="hold" grpId="0" nodeType="clickEffect">
+                                  <p:stCondLst>
+                                    <p:cond delay="0"/>
+                                  </p:stCondLst>
+                                  <p:childTnLst>
+                                    <p:set>
+                                      <p:cBhvr>
+                                        <p:cTn id="54" dur="1" fill="hold">
+                                          <p:stCondLst>
+                                            <p:cond delay="0"/>
+                                          </p:stCondLst>
+                                        </p:cTn>
+                                        <p:tgtEl>
+                                          <p:spTgt spid="2">
+                                            <p:txEl>
+                                              <p:pRg st="10" end="10"/>
+                                            </p:txEl>
+                                          </p:spTgt>
+                                        </p:tgtEl>
+                                        <p:attrNameLst>
+                                          <p:attrName>style.visibility</p:attrName>
+                                        </p:attrNameLst>
+                                      </p:cBhvr>
+                                      <p:to>
+                                        <p:strVal val="visible"/>
+                                      </p:to>
+                                    </p:set>
+                                    <p:animEffect transition="in" filter="fade">
+                                      <p:cBhvr>
+                                        <p:cTn id="55" dur="500"/>
+                                        <p:tgtEl>
+                                          <p:spTgt spid="2">
+                                            <p:txEl>
+                                              <p:pRg st="10" end="10"/>
+                                            </p:txEl>
+                                          </p:spTgt>
+                                        </p:tgtEl>
+                                      </p:cBhvr>
+                                    </p:animEffect>
+                                  </p:childTnLst>
+                                </p:cTn>
+                              </p:par>
+                            </p:childTnLst>
+                          </p:cTn>
+                        </p:par>
+                      </p:childTnLst>
+                    </p:cTn>
+                  </p:par>
+                </p:childTnLst>
+              </p:cTn>
+              <p:prevCondLst>
+                <p:cond evt="onPrev" delay="0">
+                  <p:tgtEl>
+                    <p:sldTgt/>
+                  </p:tgtEl>
+                </p:cond>
+              </p:prevCondLst>
+              <p:nextCondLst>
+                <p:cond evt="onNext" delay="0">
+                  <p:tgtEl>
+                    <p:sldTgt/>
+                  </p:tgtEl>
+                </p:cond>
+              </p:nextCondLst>
+            </p:seq>
+          </p:childTnLst>
+        </p:cTn>
+      </p:par>
+    </p:tnLst>
+    <p:bldLst>
+      <p:bldP spid="2" grpId="0" uiExpand="1" build="p"/>
+    </p:bldLst>
+  </p:timing>
 </p:sld>
 </file>
 
@@ -20296,7 +21190,7 @@
         <p:spPr>
           <a:xfrm>
             <a:off x="704476" y="1893515"/>
-            <a:ext cx="13273820" cy="5278368"/>
+            <a:ext cx="13273820" cy="3939540"/>
           </a:xfrm>
         </p:spPr>
         <p:txBody>
@@ -20332,7 +21226,7 @@
             </a:pPr>
             <a:r>
               <a:rPr lang="en-US" sz="2400" dirty="0"/>
-              <a:t>Drag out a “Vertical” Object</a:t>
+              <a:t>Drag out “Mortality Rate over Time”</a:t>
             </a:r>
           </a:p>
           <a:p>
@@ -20343,7 +21237,7 @@
             </a:pPr>
             <a:r>
               <a:rPr lang="en-US" sz="2400" dirty="0"/>
-              <a:t>Drag a “Text” Object into the “Vertical” Object and enter “Try the page controls!”</a:t>
+              <a:t>Drag out “Mortality By Month” (below “Mortality Rate over Time)</a:t>
             </a:r>
           </a:p>
           <a:p>
@@ -20354,7 +21248,7 @@
             </a:pPr>
             <a:r>
               <a:rPr lang="en-US" sz="2400" dirty="0"/>
-              <a:t>Drag out a “Horizontal” Object into the “Vertical” Object, below the “Text” Object</a:t>
+              <a:t>Select “Mortality By Month” and click the “Use as Filter” button</a:t>
             </a:r>
           </a:p>
           <a:p>
@@ -20365,7 +21259,7 @@
             </a:pPr>
             <a:r>
               <a:rPr lang="en-US" sz="2400" dirty="0"/>
-              <a:t>Drop “Mortality Rate Through Time” in</a:t>
+              <a:t>Try clicking a mark in the “Mortality By Month” sheet</a:t>
             </a:r>
           </a:p>
           <a:p>
@@ -20376,51 +21270,8 @@
             </a:pPr>
             <a:r>
               <a:rPr lang="en-US" sz="2400" dirty="0"/>
-              <a:t>Drop “Mortality Rate Through Time (2)” in (on the right)</a:t>
-            </a:r>
-          </a:p>
-          <a:p>
-            <a:pPr marL="457200" indent="-457200" defTabSz="1306221" fontAlgn="auto">
-              <a:buFont typeface="+mj-lt"/>
-              <a:buAutoNum type="arabicPeriod"/>
-              <a:defRPr/>
-            </a:pPr>
-            <a:r>
-              <a:rPr lang="en-US" sz="2400" dirty="0"/>
-              <a:t>Name the dashboard (</a:t>
-            </a:r>
-            <a:r>
-              <a:rPr lang="en-US" sz="2400"/>
-              <a:t>I called it “Mortality Rate Through Time Dashboard”)</a:t>
-            </a:r>
-            <a:endParaRPr lang="en-US" sz="2400" dirty="0"/>
-          </a:p>
-          <a:p>
-            <a:pPr marL="457200" indent="-457200" defTabSz="1306221" fontAlgn="auto">
-              <a:buFont typeface="+mj-lt"/>
-              <a:buAutoNum type="arabicPeriod"/>
-              <a:defRPr/>
-            </a:pPr>
-            <a:r>
-              <a:rPr lang="en-US" sz="2400" dirty="0"/>
-              <a:t>Can you get the page controls to be </a:t>
-            </a:r>
-            <a:r>
-              <a:rPr lang="en-US" sz="2400" dirty="0" err="1"/>
-              <a:t>inlined</a:t>
-            </a:r>
-            <a:r>
-              <a:rPr lang="en-US" sz="2400" dirty="0"/>
-              <a:t> above each sheet?</a:t>
-            </a:r>
-          </a:p>
-          <a:p>
-            <a:pPr marL="457200" indent="-457200" defTabSz="1306221" fontAlgn="auto">
-              <a:buFont typeface="+mj-lt"/>
-              <a:buAutoNum type="arabicPeriod"/>
-              <a:defRPr/>
-            </a:pPr>
-            <a:endParaRPr lang="en-US" sz="2400" dirty="0"/>
+              <a:t>Rename the dashboard (I called it “Mortality Rate Dashboard”)</a:t>
+            </a:r>
           </a:p>
           <a:p>
             <a:pPr marL="457200" indent="-457200" defTabSz="1306221" fontAlgn="auto">
@@ -20468,7 +21319,7 @@
               <a:rPr lang="en-US" b="1" dirty="0">
                 <a:latin typeface="BentonSans Book" charset="0"/>
               </a:rPr>
-              <a:t>Germ Theory of Disease – Dashboard 2</a:t>
+              <a:t>Germ Theory of Disease – Dashboard</a:t>
             </a:r>
           </a:p>
         </p:txBody>
@@ -20476,7 +21327,7 @@
     </p:spTree>
     <p:extLst>
       <p:ext uri="{BB962C8B-B14F-4D97-AF65-F5344CB8AC3E}">
-        <p14:creationId xmlns:p14="http://schemas.microsoft.com/office/powerpoint/2010/main" val="155402121"/>
+        <p14:creationId xmlns:p14="http://schemas.microsoft.com/office/powerpoint/2010/main" val="3475227266"/>
       </p:ext>
     </p:extLst>
   </p:cSld>
@@ -20519,6 +21370,216 @@
         <p:spPr>
           <a:xfrm>
             <a:off x="704476" y="1893515"/>
+            <a:ext cx="13273820" cy="5278368"/>
+          </a:xfrm>
+        </p:spPr>
+        <p:txBody>
+          <a:bodyPr/>
+          <a:lstStyle/>
+          <a:p>
+            <a:pPr marL="457200" indent="-457200" defTabSz="1306221" fontAlgn="auto">
+              <a:buFont typeface="+mj-lt"/>
+              <a:buAutoNum type="arabicPeriod"/>
+              <a:defRPr/>
+            </a:pPr>
+            <a:r>
+              <a:rPr lang="en-US" sz="2400" dirty="0"/>
+              <a:t>Create a new dashboard (the grid icon to the right of the tabs)</a:t>
+            </a:r>
+          </a:p>
+          <a:p>
+            <a:pPr marL="457200" indent="-457200" defTabSz="1306221" fontAlgn="auto">
+              <a:buFont typeface="+mj-lt"/>
+              <a:buAutoNum type="arabicPeriod"/>
+              <a:defRPr/>
+            </a:pPr>
+            <a:r>
+              <a:rPr lang="en-US" sz="2400" dirty="0"/>
+              <a:t>Switch “Size” to “Automatic”</a:t>
+            </a:r>
+          </a:p>
+          <a:p>
+            <a:pPr marL="457200" indent="-457200" defTabSz="1306221" fontAlgn="auto">
+              <a:buFont typeface="+mj-lt"/>
+              <a:buAutoNum type="arabicPeriod"/>
+              <a:defRPr/>
+            </a:pPr>
+            <a:r>
+              <a:rPr lang="en-US" sz="2400" dirty="0"/>
+              <a:t>Drag out a “Vertical” Object</a:t>
+            </a:r>
+          </a:p>
+          <a:p>
+            <a:pPr marL="457200" indent="-457200" defTabSz="1306221" fontAlgn="auto">
+              <a:buFont typeface="+mj-lt"/>
+              <a:buAutoNum type="arabicPeriod"/>
+              <a:defRPr/>
+            </a:pPr>
+            <a:r>
+              <a:rPr lang="en-US" sz="2400" dirty="0"/>
+              <a:t>Drag a “Text” Object into the “Vertical” Object and enter “Try the page controls!”</a:t>
+            </a:r>
+          </a:p>
+          <a:p>
+            <a:pPr marL="457200" indent="-457200" defTabSz="1306221" fontAlgn="auto">
+              <a:buFont typeface="+mj-lt"/>
+              <a:buAutoNum type="arabicPeriod"/>
+              <a:defRPr/>
+            </a:pPr>
+            <a:r>
+              <a:rPr lang="en-US" sz="2400" dirty="0"/>
+              <a:t>Drag out a “Horizontal” Object into the “Vertical” Object, below the “Text” Object</a:t>
+            </a:r>
+          </a:p>
+          <a:p>
+            <a:pPr marL="457200" indent="-457200" defTabSz="1306221" fontAlgn="auto">
+              <a:buFont typeface="+mj-lt"/>
+              <a:buAutoNum type="arabicPeriod"/>
+              <a:defRPr/>
+            </a:pPr>
+            <a:r>
+              <a:rPr lang="en-US" sz="2400" dirty="0"/>
+              <a:t>Drop “Mortality Rate Through Time” in</a:t>
+            </a:r>
+          </a:p>
+          <a:p>
+            <a:pPr marL="457200" indent="-457200" defTabSz="1306221" fontAlgn="auto">
+              <a:buFont typeface="+mj-lt"/>
+              <a:buAutoNum type="arabicPeriod"/>
+              <a:defRPr/>
+            </a:pPr>
+            <a:r>
+              <a:rPr lang="en-US" sz="2400" dirty="0"/>
+              <a:t>Drop “Mortality Rate Through Time (2)” in (on the right)</a:t>
+            </a:r>
+          </a:p>
+          <a:p>
+            <a:pPr marL="457200" indent="-457200" defTabSz="1306221" fontAlgn="auto">
+              <a:buFont typeface="+mj-lt"/>
+              <a:buAutoNum type="arabicPeriod"/>
+              <a:defRPr/>
+            </a:pPr>
+            <a:r>
+              <a:rPr lang="en-US" sz="2400" dirty="0"/>
+              <a:t>Name the dashboard (I called it “Mortality Rate Through Time Dashboard”)</a:t>
+            </a:r>
+          </a:p>
+          <a:p>
+            <a:pPr marL="457200" indent="-457200" defTabSz="1306221" fontAlgn="auto">
+              <a:buFont typeface="+mj-lt"/>
+              <a:buAutoNum type="arabicPeriod"/>
+              <a:defRPr/>
+            </a:pPr>
+            <a:r>
+              <a:rPr lang="en-US" sz="2400" dirty="0"/>
+              <a:t>Can you get the page controls to be inlined above each sheet?</a:t>
+            </a:r>
+          </a:p>
+          <a:p>
+            <a:pPr marL="457200" indent="-457200" defTabSz="1306221" fontAlgn="auto">
+              <a:buFont typeface="+mj-lt"/>
+              <a:buAutoNum type="arabicPeriod"/>
+              <a:defRPr/>
+            </a:pPr>
+            <a:endParaRPr lang="en-US" sz="2400" dirty="0"/>
+          </a:p>
+          <a:p>
+            <a:pPr marL="457200" indent="-457200" defTabSz="1306221" fontAlgn="auto">
+              <a:buFont typeface="+mj-lt"/>
+              <a:buAutoNum type="arabicPeriod"/>
+              <a:defRPr/>
+            </a:pPr>
+            <a:endParaRPr lang="en-US" sz="2400" dirty="0"/>
+          </a:p>
+          <a:p>
+            <a:pPr marL="457200" indent="-457200" defTabSz="1306221" fontAlgn="auto">
+              <a:buFont typeface="+mj-lt"/>
+              <a:buAutoNum type="arabicPeriod"/>
+              <a:defRPr/>
+            </a:pPr>
+            <a:endParaRPr lang="en-US" sz="2400" dirty="0"/>
+          </a:p>
+        </p:txBody>
+      </p:sp>
+      <p:sp>
+        <p:nvSpPr>
+          <p:cNvPr id="3" name="Text Placeholder 2"/>
+          <p:cNvSpPr>
+            <a:spLocks noGrp="1"/>
+          </p:cNvSpPr>
+          <p:nvPr>
+            <p:ph type="body" sz="quarter" idx="12"/>
+          </p:nvPr>
+        </p:nvSpPr>
+        <p:spPr>
+          <a:prstGeom prst="rect">
+            <a:avLst/>
+          </a:prstGeom>
+        </p:spPr>
+        <p:txBody>
+          <a:bodyPr/>
+          <a:lstStyle/>
+          <a:p>
+            <a:pPr>
+              <a:spcBef>
+                <a:spcPct val="0"/>
+              </a:spcBef>
+            </a:pPr>
+            <a:r>
+              <a:rPr lang="en-US" b="1" dirty="0">
+                <a:latin typeface="BentonSans Book" charset="0"/>
+              </a:rPr>
+              <a:t>Germ Theory of Disease – Dashboard 2</a:t>
+            </a:r>
+          </a:p>
+        </p:txBody>
+      </p:sp>
+    </p:spTree>
+    <p:extLst>
+      <p:ext uri="{BB962C8B-B14F-4D97-AF65-F5344CB8AC3E}">
+        <p14:creationId xmlns:p14="http://schemas.microsoft.com/office/powerpoint/2010/main" val="155402121"/>
+      </p:ext>
+    </p:extLst>
+  </p:cSld>
+  <p:clrMapOvr>
+    <a:masterClrMapping/>
+  </p:clrMapOvr>
+  <p:transition spd="slow">
+    <p:cover/>
+  </p:transition>
+</p:sld>
+</file>
+
+<file path=ppt/slides/slide38.xml><?xml version="1.0" encoding="utf-8"?>
+<p:sld xmlns:a="http://schemas.openxmlformats.org/drawingml/2006/main" xmlns:r="http://schemas.openxmlformats.org/officeDocument/2006/relationships" xmlns:p="http://schemas.openxmlformats.org/presentationml/2006/main">
+  <p:cSld>
+    <p:spTree>
+      <p:nvGrpSpPr>
+        <p:cNvPr id="1" name=""/>
+        <p:cNvGrpSpPr/>
+        <p:nvPr/>
+      </p:nvGrpSpPr>
+      <p:grpSpPr>
+        <a:xfrm>
+          <a:off x="0" y="0"/>
+          <a:ext cx="0" cy="0"/>
+          <a:chOff x="0" y="0"/>
+          <a:chExt cx="0" cy="0"/>
+        </a:xfrm>
+      </p:grpSpPr>
+      <p:sp>
+        <p:nvSpPr>
+          <p:cNvPr id="2" name="Content Placeholder 1"/>
+          <p:cNvSpPr>
+            <a:spLocks noGrp="1"/>
+          </p:cNvSpPr>
+          <p:nvPr>
+            <p:ph idx="14"/>
+          </p:nvPr>
+        </p:nvSpPr>
+        <p:spPr>
+          <a:xfrm>
+            <a:off x="704476" y="1893515"/>
             <a:ext cx="13273820" cy="4385816"/>
           </a:xfrm>
         </p:spPr>
@@ -21323,1080 +22384,6 @@
     </p:tnLst>
     <p:bldLst>
       <p:bldP spid="2" grpId="0" build="p"/>
-    </p:bldLst>
-  </p:timing>
-</p:sld>
-</file>
-
-<file path=ppt/slides/slide38.xml><?xml version="1.0" encoding="utf-8"?>
-<p:sld xmlns:a="http://schemas.openxmlformats.org/drawingml/2006/main" xmlns:r="http://schemas.openxmlformats.org/officeDocument/2006/relationships" xmlns:p="http://schemas.openxmlformats.org/presentationml/2006/main">
-  <p:cSld>
-    <p:spTree>
-      <p:nvGrpSpPr>
-        <p:cNvPr id="1" name=""/>
-        <p:cNvGrpSpPr/>
-        <p:nvPr/>
-      </p:nvGrpSpPr>
-      <p:grpSpPr>
-        <a:xfrm>
-          <a:off x="0" y="0"/>
-          <a:ext cx="0" cy="0"/>
-          <a:chOff x="0" y="0"/>
-          <a:chExt cx="0" cy="0"/>
-        </a:xfrm>
-      </p:grpSpPr>
-      <p:sp>
-        <p:nvSpPr>
-          <p:cNvPr id="2" name="Content Placeholder 1"/>
-          <p:cNvSpPr>
-            <a:spLocks noGrp="1"/>
-          </p:cNvSpPr>
-          <p:nvPr>
-            <p:ph idx="14"/>
-          </p:nvPr>
-        </p:nvSpPr>
-        <p:spPr>
-          <a:xfrm>
-            <a:off x="704476" y="1893515"/>
-            <a:ext cx="13273820" cy="4909036"/>
-          </a:xfrm>
-        </p:spPr>
-        <p:txBody>
-          <a:bodyPr/>
-          <a:lstStyle/>
-          <a:p>
-            <a:pPr marL="457200" indent="-457200" defTabSz="1306221" fontAlgn="auto">
-              <a:defRPr/>
-            </a:pPr>
-            <a:r>
-              <a:rPr lang="en-US" sz="2400" dirty="0">
-                <a:ea typeface="+mn-ea"/>
-              </a:rPr>
-              <a:t>Data Scientist</a:t>
-            </a:r>
-          </a:p>
-          <a:p>
-            <a:pPr marL="739775" lvl="1" indent="-457200" defTabSz="1306221" fontAlgn="auto">
-              <a:defRPr/>
-            </a:pPr>
-            <a:r>
-              <a:rPr lang="en-US" sz="1600" dirty="0">
-                <a:ea typeface="+mn-ea"/>
-              </a:rPr>
-              <a:t>“Data investments in the financial services industry will account for nearly $9 Billion in 2018 alone” </a:t>
-            </a:r>
-            <a:r>
-              <a:rPr lang="en-US" sz="1600" dirty="0"/>
-              <a:t>(</a:t>
-            </a:r>
-            <a:r>
-              <a:rPr lang="en-US" sz="1600" dirty="0" err="1">
-                <a:hlinkClick r:id="rId3"/>
-              </a:rPr>
-              <a:t>Attunity</a:t>
-            </a:r>
-            <a:r>
-              <a:rPr lang="en-US" sz="1600" dirty="0">
-                <a:hlinkClick r:id="rId3"/>
-              </a:rPr>
-              <a:t>, 2018</a:t>
-            </a:r>
-            <a:r>
-              <a:rPr lang="en-US" sz="1600" dirty="0"/>
-              <a:t>)</a:t>
-            </a:r>
-            <a:r>
-              <a:rPr lang="en-US" sz="1600" dirty="0">
-                <a:ea typeface="+mn-ea"/>
-              </a:rPr>
-              <a:t> </a:t>
-            </a:r>
-          </a:p>
-          <a:p>
-            <a:pPr marL="739775" lvl="1" indent="-457200" defTabSz="1306221" fontAlgn="auto">
-              <a:defRPr/>
-            </a:pPr>
-            <a:r>
-              <a:rPr lang="en-US" sz="1600" dirty="0">
-                <a:ea typeface="+mn-ea"/>
-              </a:rPr>
-              <a:t>“AI’s impact on marketing is growing, predicted to reach nearly $40 billion by 2025.” </a:t>
-            </a:r>
-            <a:r>
-              <a:rPr lang="en-US" sz="1600" dirty="0"/>
-              <a:t>(</a:t>
-            </a:r>
-            <a:r>
-              <a:rPr lang="en-US" sz="1600" dirty="0" err="1">
-                <a:hlinkClick r:id="rId3"/>
-              </a:rPr>
-              <a:t>Attunity</a:t>
-            </a:r>
-            <a:r>
-              <a:rPr lang="en-US" sz="1600" dirty="0">
-                <a:hlinkClick r:id="rId3"/>
-              </a:rPr>
-              <a:t>, 2018</a:t>
-            </a:r>
-            <a:r>
-              <a:rPr lang="en-US" sz="1600" dirty="0"/>
-              <a:t>)</a:t>
-            </a:r>
-          </a:p>
-          <a:p>
-            <a:pPr marL="739775" lvl="1" indent="-457200" defTabSz="1306221" fontAlgn="auto">
-              <a:defRPr/>
-            </a:pPr>
-            <a:r>
-              <a:rPr lang="en-US" sz="1600" dirty="0">
-                <a:ea typeface="+mn-ea"/>
-              </a:rPr>
-              <a:t>“The salaries of data scientists are rapidly increasing with demand.” </a:t>
-            </a:r>
-            <a:r>
-              <a:rPr lang="en-US" sz="1600" dirty="0"/>
-              <a:t>(</a:t>
-            </a:r>
-            <a:r>
-              <a:rPr lang="en-US" sz="1600" dirty="0" err="1">
-                <a:hlinkClick r:id="rId3"/>
-              </a:rPr>
-              <a:t>Attunity</a:t>
-            </a:r>
-            <a:r>
-              <a:rPr lang="en-US" sz="1600" dirty="0">
-                <a:hlinkClick r:id="rId3"/>
-              </a:rPr>
-              <a:t>, 2018</a:t>
-            </a:r>
-            <a:r>
-              <a:rPr lang="en-US" sz="1600" dirty="0"/>
-              <a:t>)</a:t>
-            </a:r>
-          </a:p>
-          <a:p>
-            <a:pPr marL="739775" lvl="1" indent="-457200" defTabSz="1306221" fontAlgn="auto">
-              <a:defRPr/>
-            </a:pPr>
-            <a:r>
-              <a:rPr lang="en-US" sz="1600" dirty="0">
-                <a:ea typeface="+mn-ea"/>
-              </a:rPr>
-              <a:t>“Consider this figure: $136 billion per year. That’s the research firm IDC’s estimate of the size of the big data market, worldwide, in 2016. This figure should surprise no one with an interest in big data.” </a:t>
-            </a:r>
-            <a:r>
-              <a:rPr lang="en-US" sz="1600" dirty="0"/>
-              <a:t>(</a:t>
-            </a:r>
-            <a:r>
-              <a:rPr lang="en-US" sz="1600" dirty="0">
-                <a:hlinkClick r:id="rId4"/>
-              </a:rPr>
-              <a:t>Harvard Business Review, 2016</a:t>
-            </a:r>
-            <a:r>
-              <a:rPr lang="en-US" sz="1600" dirty="0"/>
-              <a:t>)</a:t>
-            </a:r>
-          </a:p>
-          <a:p>
-            <a:pPr marL="739775" lvl="1" indent="-457200" defTabSz="1306221" fontAlgn="auto">
-              <a:defRPr/>
-            </a:pPr>
-            <a:r>
-              <a:rPr lang="en-US" sz="1600" dirty="0">
-                <a:ea typeface="+mn-ea"/>
-              </a:rPr>
-              <a:t>“83% of data scientists polled feel that there is shortage of data scientists today” (</a:t>
-            </a:r>
-            <a:r>
-              <a:rPr lang="en-US" sz="1600" dirty="0">
-                <a:ea typeface="+mn-ea"/>
-                <a:hlinkClick r:id="rId5"/>
-              </a:rPr>
-              <a:t>CrowdFlower, 2016</a:t>
-            </a:r>
-            <a:r>
-              <a:rPr lang="en-US" sz="1600" dirty="0">
-                <a:ea typeface="+mn-ea"/>
-              </a:rPr>
-              <a:t>)</a:t>
-            </a:r>
-          </a:p>
-          <a:p>
-            <a:pPr marL="739775" lvl="1" indent="-457200" defTabSz="1306221" fontAlgn="auto">
-              <a:defRPr/>
-            </a:pPr>
-            <a:r>
-              <a:rPr lang="en-US" sz="1600" dirty="0">
-                <a:ea typeface="+mn-ea"/>
-              </a:rPr>
-              <a:t>“80% of data scientists feel really positive about their current gig” </a:t>
-            </a:r>
-            <a:r>
-              <a:rPr lang="en-US" sz="1600" dirty="0"/>
-              <a:t>(</a:t>
-            </a:r>
-            <a:r>
-              <a:rPr lang="en-US" sz="1600" dirty="0">
-                <a:hlinkClick r:id="rId5"/>
-              </a:rPr>
-              <a:t>CrowdFlower, 2016</a:t>
-            </a:r>
-            <a:r>
-              <a:rPr lang="en-US" sz="1600" dirty="0"/>
-              <a:t>)</a:t>
-            </a:r>
-          </a:p>
-          <a:p>
-            <a:pPr marL="739775" lvl="1" indent="-457200" defTabSz="1306221" fontAlgn="auto">
-              <a:defRPr/>
-            </a:pPr>
-            <a:r>
-              <a:rPr lang="en-US" sz="1600" dirty="0">
-                <a:ea typeface="+mn-ea"/>
-              </a:rPr>
-              <a:t>“[b]y 2020 the number of Data Science and Analytics job listings is projected to grow by nearly 364,000 listings to approximately 2,720,000.” (</a:t>
-            </a:r>
-            <a:r>
-              <a:rPr lang="en-US" sz="1600" dirty="0">
-                <a:ea typeface="+mn-ea"/>
-                <a:hlinkClick r:id="rId6"/>
-              </a:rPr>
-              <a:t>Forbes, 2017</a:t>
-            </a:r>
-            <a:r>
-              <a:rPr lang="en-US" sz="1600" dirty="0">
-                <a:ea typeface="+mn-ea"/>
-              </a:rPr>
-              <a:t>)</a:t>
-            </a:r>
-          </a:p>
-          <a:p>
-            <a:pPr marL="457200" indent="-457200" defTabSz="1306221" fontAlgn="auto">
-              <a:defRPr/>
-            </a:pPr>
-            <a:r>
-              <a:rPr lang="en-US" sz="2400" dirty="0">
-                <a:ea typeface="+mn-ea"/>
-              </a:rPr>
-              <a:t>Data Analyst</a:t>
-            </a:r>
-          </a:p>
-          <a:p>
-            <a:pPr lvl="1"/>
-            <a:r>
-              <a:rPr lang="en-US" sz="1600" dirty="0">
-                <a:ea typeface="+mn-ea"/>
-              </a:rPr>
-              <a:t>“</a:t>
-            </a:r>
-            <a:r>
-              <a:rPr lang="en-US" sz="1600" dirty="0"/>
-              <a:t>Most companies only analyze 12% of the data they have.” (</a:t>
-            </a:r>
-            <a:r>
-              <a:rPr lang="en-US" sz="1600" dirty="0" err="1">
-                <a:hlinkClick r:id="rId3"/>
-              </a:rPr>
-              <a:t>Attunity</a:t>
-            </a:r>
-            <a:r>
-              <a:rPr lang="en-US" sz="1600" dirty="0">
-                <a:hlinkClick r:id="rId3"/>
-              </a:rPr>
-              <a:t>, 2018</a:t>
-            </a:r>
-            <a:r>
-              <a:rPr lang="en-US" sz="1600" dirty="0"/>
-              <a:t>)</a:t>
-            </a:r>
-          </a:p>
-          <a:p>
-            <a:pPr lvl="1"/>
-            <a:r>
-              <a:rPr lang="en-US" sz="1600" dirty="0">
-                <a:ea typeface="+mn-ea"/>
-              </a:rPr>
-              <a:t>“But here’s another number: $3.1 trillion, IBM’s estimate of the yearly cost of poor quality data, in the US alone, in 2016. While most people who deal in data every day know that bad data is costly, this figure stuns.” </a:t>
-            </a:r>
-            <a:r>
-              <a:rPr lang="en-US" sz="1600" dirty="0"/>
-              <a:t>(</a:t>
-            </a:r>
-            <a:r>
-              <a:rPr lang="en-US" sz="1600" dirty="0">
-                <a:hlinkClick r:id="rId4"/>
-              </a:rPr>
-              <a:t>Harvard Business Review, 2016</a:t>
-            </a:r>
-            <a:r>
-              <a:rPr lang="en-US" sz="1600" dirty="0"/>
-              <a:t>)</a:t>
-            </a:r>
-            <a:endParaRPr lang="en-US" sz="2400" dirty="0">
-              <a:ea typeface="+mn-ea"/>
-            </a:endParaRPr>
-          </a:p>
-          <a:p>
-            <a:pPr marL="457200" indent="-457200" defTabSz="1306221" fontAlgn="auto">
-              <a:defRPr/>
-            </a:pPr>
-            <a:endParaRPr lang="en-US" sz="2400" dirty="0">
-              <a:ea typeface="+mn-ea"/>
-            </a:endParaRPr>
-          </a:p>
-        </p:txBody>
-      </p:sp>
-      <p:sp>
-        <p:nvSpPr>
-          <p:cNvPr id="3" name="Text Placeholder 2"/>
-          <p:cNvSpPr>
-            <a:spLocks noGrp="1"/>
-          </p:cNvSpPr>
-          <p:nvPr>
-            <p:ph type="body" sz="quarter" idx="12"/>
-          </p:nvPr>
-        </p:nvSpPr>
-        <p:spPr>
-          <a:prstGeom prst="rect">
-            <a:avLst/>
-          </a:prstGeom>
-        </p:spPr>
-        <p:txBody>
-          <a:bodyPr/>
-          <a:lstStyle/>
-          <a:p>
-            <a:pPr defTabSz="1306221" fontAlgn="auto">
-              <a:spcAft>
-                <a:spcPts val="0"/>
-              </a:spcAft>
-              <a:defRPr/>
-            </a:pPr>
-            <a:r>
-              <a:rPr lang="en-US" dirty="0">
-                <a:ea typeface="+mn-ea"/>
-              </a:rPr>
-              <a:t>Career Opportunities</a:t>
-            </a:r>
-          </a:p>
-        </p:txBody>
-      </p:sp>
-    </p:spTree>
-    <p:extLst>
-      <p:ext uri="{BB962C8B-B14F-4D97-AF65-F5344CB8AC3E}">
-        <p14:creationId xmlns:p14="http://schemas.microsoft.com/office/powerpoint/2010/main" val="3229982424"/>
-      </p:ext>
-    </p:extLst>
-  </p:cSld>
-  <p:clrMapOvr>
-    <a:masterClrMapping/>
-  </p:clrMapOvr>
-  <p:transition spd="slow">
-    <p:push dir="u"/>
-  </p:transition>
-  <p:timing>
-    <p:tnLst>
-      <p:par>
-        <p:cTn id="1" dur="indefinite" restart="never" nodeType="tmRoot">
-          <p:childTnLst>
-            <p:seq concurrent="1" nextAc="seek">
-              <p:cTn id="2" dur="indefinite" nodeType="mainSeq">
-                <p:childTnLst>
-                  <p:par>
-                    <p:cTn id="3" fill="hold">
-                      <p:stCondLst>
-                        <p:cond delay="indefinite"/>
-                      </p:stCondLst>
-                      <p:childTnLst>
-                        <p:par>
-                          <p:cTn id="4" fill="hold">
-                            <p:stCondLst>
-                              <p:cond delay="0"/>
-                            </p:stCondLst>
-                            <p:childTnLst>
-                              <p:par>
-                                <p:cTn id="5" presetID="10" presetClass="entr" presetSubtype="0" fill="hold" grpId="0" nodeType="clickEffect">
-                                  <p:stCondLst>
-                                    <p:cond delay="0"/>
-                                  </p:stCondLst>
-                                  <p:childTnLst>
-                                    <p:set>
-                                      <p:cBhvr>
-                                        <p:cTn id="6" dur="1" fill="hold">
-                                          <p:stCondLst>
-                                            <p:cond delay="0"/>
-                                          </p:stCondLst>
-                                        </p:cTn>
-                                        <p:tgtEl>
-                                          <p:spTgt spid="2">
-                                            <p:txEl>
-                                              <p:pRg st="0" end="0"/>
-                                            </p:txEl>
-                                          </p:spTgt>
-                                        </p:tgtEl>
-                                        <p:attrNameLst>
-                                          <p:attrName>style.visibility</p:attrName>
-                                        </p:attrNameLst>
-                                      </p:cBhvr>
-                                      <p:to>
-                                        <p:strVal val="visible"/>
-                                      </p:to>
-                                    </p:set>
-                                    <p:animEffect transition="in" filter="fade">
-                                      <p:cBhvr>
-                                        <p:cTn id="7" dur="500"/>
-                                        <p:tgtEl>
-                                          <p:spTgt spid="2">
-                                            <p:txEl>
-                                              <p:pRg st="0" end="0"/>
-                                            </p:txEl>
-                                          </p:spTgt>
-                                        </p:tgtEl>
-                                      </p:cBhvr>
-                                    </p:animEffect>
-                                  </p:childTnLst>
-                                </p:cTn>
-                              </p:par>
-                            </p:childTnLst>
-                          </p:cTn>
-                        </p:par>
-                      </p:childTnLst>
-                    </p:cTn>
-                  </p:par>
-                  <p:par>
-                    <p:cTn id="8" fill="hold">
-                      <p:stCondLst>
-                        <p:cond delay="indefinite"/>
-                      </p:stCondLst>
-                      <p:childTnLst>
-                        <p:par>
-                          <p:cTn id="9" fill="hold">
-                            <p:stCondLst>
-                              <p:cond delay="0"/>
-                            </p:stCondLst>
-                            <p:childTnLst>
-                              <p:par>
-                                <p:cTn id="10" presetID="10" presetClass="entr" presetSubtype="0" fill="hold" grpId="0" nodeType="clickEffect">
-                                  <p:stCondLst>
-                                    <p:cond delay="0"/>
-                                  </p:stCondLst>
-                                  <p:childTnLst>
-                                    <p:set>
-                                      <p:cBhvr>
-                                        <p:cTn id="11" dur="1" fill="hold">
-                                          <p:stCondLst>
-                                            <p:cond delay="0"/>
-                                          </p:stCondLst>
-                                        </p:cTn>
-                                        <p:tgtEl>
-                                          <p:spTgt spid="2">
-                                            <p:txEl>
-                                              <p:pRg st="1" end="1"/>
-                                            </p:txEl>
-                                          </p:spTgt>
-                                        </p:tgtEl>
-                                        <p:attrNameLst>
-                                          <p:attrName>style.visibility</p:attrName>
-                                        </p:attrNameLst>
-                                      </p:cBhvr>
-                                      <p:to>
-                                        <p:strVal val="visible"/>
-                                      </p:to>
-                                    </p:set>
-                                    <p:animEffect transition="in" filter="fade">
-                                      <p:cBhvr>
-                                        <p:cTn id="12" dur="500"/>
-                                        <p:tgtEl>
-                                          <p:spTgt spid="2">
-                                            <p:txEl>
-                                              <p:pRg st="1" end="1"/>
-                                            </p:txEl>
-                                          </p:spTgt>
-                                        </p:tgtEl>
-                                      </p:cBhvr>
-                                    </p:animEffect>
-                                  </p:childTnLst>
-                                </p:cTn>
-                              </p:par>
-                            </p:childTnLst>
-                          </p:cTn>
-                        </p:par>
-                      </p:childTnLst>
-                    </p:cTn>
-                  </p:par>
-                  <p:par>
-                    <p:cTn id="13" fill="hold">
-                      <p:stCondLst>
-                        <p:cond delay="indefinite"/>
-                      </p:stCondLst>
-                      <p:childTnLst>
-                        <p:par>
-                          <p:cTn id="14" fill="hold">
-                            <p:stCondLst>
-                              <p:cond delay="0"/>
-                            </p:stCondLst>
-                            <p:childTnLst>
-                              <p:par>
-                                <p:cTn id="15" presetID="10" presetClass="entr" presetSubtype="0" fill="hold" grpId="0" nodeType="clickEffect">
-                                  <p:stCondLst>
-                                    <p:cond delay="0"/>
-                                  </p:stCondLst>
-                                  <p:childTnLst>
-                                    <p:set>
-                                      <p:cBhvr>
-                                        <p:cTn id="16" dur="1" fill="hold">
-                                          <p:stCondLst>
-                                            <p:cond delay="0"/>
-                                          </p:stCondLst>
-                                        </p:cTn>
-                                        <p:tgtEl>
-                                          <p:spTgt spid="2">
-                                            <p:txEl>
-                                              <p:pRg st="2" end="2"/>
-                                            </p:txEl>
-                                          </p:spTgt>
-                                        </p:tgtEl>
-                                        <p:attrNameLst>
-                                          <p:attrName>style.visibility</p:attrName>
-                                        </p:attrNameLst>
-                                      </p:cBhvr>
-                                      <p:to>
-                                        <p:strVal val="visible"/>
-                                      </p:to>
-                                    </p:set>
-                                    <p:animEffect transition="in" filter="fade">
-                                      <p:cBhvr>
-                                        <p:cTn id="17" dur="500"/>
-                                        <p:tgtEl>
-                                          <p:spTgt spid="2">
-                                            <p:txEl>
-                                              <p:pRg st="2" end="2"/>
-                                            </p:txEl>
-                                          </p:spTgt>
-                                        </p:tgtEl>
-                                      </p:cBhvr>
-                                    </p:animEffect>
-                                  </p:childTnLst>
-                                </p:cTn>
-                              </p:par>
-                            </p:childTnLst>
-                          </p:cTn>
-                        </p:par>
-                      </p:childTnLst>
-                    </p:cTn>
-                  </p:par>
-                  <p:par>
-                    <p:cTn id="18" fill="hold">
-                      <p:stCondLst>
-                        <p:cond delay="indefinite"/>
-                      </p:stCondLst>
-                      <p:childTnLst>
-                        <p:par>
-                          <p:cTn id="19" fill="hold">
-                            <p:stCondLst>
-                              <p:cond delay="0"/>
-                            </p:stCondLst>
-                            <p:childTnLst>
-                              <p:par>
-                                <p:cTn id="20" presetID="10" presetClass="entr" presetSubtype="0" fill="hold" grpId="0" nodeType="clickEffect">
-                                  <p:stCondLst>
-                                    <p:cond delay="0"/>
-                                  </p:stCondLst>
-                                  <p:childTnLst>
-                                    <p:set>
-                                      <p:cBhvr>
-                                        <p:cTn id="21" dur="1" fill="hold">
-                                          <p:stCondLst>
-                                            <p:cond delay="0"/>
-                                          </p:stCondLst>
-                                        </p:cTn>
-                                        <p:tgtEl>
-                                          <p:spTgt spid="2">
-                                            <p:txEl>
-                                              <p:pRg st="3" end="3"/>
-                                            </p:txEl>
-                                          </p:spTgt>
-                                        </p:tgtEl>
-                                        <p:attrNameLst>
-                                          <p:attrName>style.visibility</p:attrName>
-                                        </p:attrNameLst>
-                                      </p:cBhvr>
-                                      <p:to>
-                                        <p:strVal val="visible"/>
-                                      </p:to>
-                                    </p:set>
-                                    <p:animEffect transition="in" filter="fade">
-                                      <p:cBhvr>
-                                        <p:cTn id="22" dur="500"/>
-                                        <p:tgtEl>
-                                          <p:spTgt spid="2">
-                                            <p:txEl>
-                                              <p:pRg st="3" end="3"/>
-                                            </p:txEl>
-                                          </p:spTgt>
-                                        </p:tgtEl>
-                                      </p:cBhvr>
-                                    </p:animEffect>
-                                  </p:childTnLst>
-                                </p:cTn>
-                              </p:par>
-                            </p:childTnLst>
-                          </p:cTn>
-                        </p:par>
-                      </p:childTnLst>
-                    </p:cTn>
-                  </p:par>
-                  <p:par>
-                    <p:cTn id="23" fill="hold">
-                      <p:stCondLst>
-                        <p:cond delay="indefinite"/>
-                      </p:stCondLst>
-                      <p:childTnLst>
-                        <p:par>
-                          <p:cTn id="24" fill="hold">
-                            <p:stCondLst>
-                              <p:cond delay="0"/>
-                            </p:stCondLst>
-                            <p:childTnLst>
-                              <p:par>
-                                <p:cTn id="25" presetID="10" presetClass="entr" presetSubtype="0" fill="hold" grpId="0" nodeType="clickEffect">
-                                  <p:stCondLst>
-                                    <p:cond delay="0"/>
-                                  </p:stCondLst>
-                                  <p:childTnLst>
-                                    <p:set>
-                                      <p:cBhvr>
-                                        <p:cTn id="26" dur="1" fill="hold">
-                                          <p:stCondLst>
-                                            <p:cond delay="0"/>
-                                          </p:stCondLst>
-                                        </p:cTn>
-                                        <p:tgtEl>
-                                          <p:spTgt spid="2">
-                                            <p:txEl>
-                                              <p:pRg st="4" end="4"/>
-                                            </p:txEl>
-                                          </p:spTgt>
-                                        </p:tgtEl>
-                                        <p:attrNameLst>
-                                          <p:attrName>style.visibility</p:attrName>
-                                        </p:attrNameLst>
-                                      </p:cBhvr>
-                                      <p:to>
-                                        <p:strVal val="visible"/>
-                                      </p:to>
-                                    </p:set>
-                                    <p:animEffect transition="in" filter="fade">
-                                      <p:cBhvr>
-                                        <p:cTn id="27" dur="500"/>
-                                        <p:tgtEl>
-                                          <p:spTgt spid="2">
-                                            <p:txEl>
-                                              <p:pRg st="4" end="4"/>
-                                            </p:txEl>
-                                          </p:spTgt>
-                                        </p:tgtEl>
-                                      </p:cBhvr>
-                                    </p:animEffect>
-                                  </p:childTnLst>
-                                </p:cTn>
-                              </p:par>
-                            </p:childTnLst>
-                          </p:cTn>
-                        </p:par>
-                      </p:childTnLst>
-                    </p:cTn>
-                  </p:par>
-                  <p:par>
-                    <p:cTn id="28" fill="hold">
-                      <p:stCondLst>
-                        <p:cond delay="indefinite"/>
-                      </p:stCondLst>
-                      <p:childTnLst>
-                        <p:par>
-                          <p:cTn id="29" fill="hold">
-                            <p:stCondLst>
-                              <p:cond delay="0"/>
-                            </p:stCondLst>
-                            <p:childTnLst>
-                              <p:par>
-                                <p:cTn id="30" presetID="10" presetClass="entr" presetSubtype="0" fill="hold" grpId="0" nodeType="clickEffect">
-                                  <p:stCondLst>
-                                    <p:cond delay="0"/>
-                                  </p:stCondLst>
-                                  <p:childTnLst>
-                                    <p:set>
-                                      <p:cBhvr>
-                                        <p:cTn id="31" dur="1" fill="hold">
-                                          <p:stCondLst>
-                                            <p:cond delay="0"/>
-                                          </p:stCondLst>
-                                        </p:cTn>
-                                        <p:tgtEl>
-                                          <p:spTgt spid="2">
-                                            <p:txEl>
-                                              <p:pRg st="5" end="5"/>
-                                            </p:txEl>
-                                          </p:spTgt>
-                                        </p:tgtEl>
-                                        <p:attrNameLst>
-                                          <p:attrName>style.visibility</p:attrName>
-                                        </p:attrNameLst>
-                                      </p:cBhvr>
-                                      <p:to>
-                                        <p:strVal val="visible"/>
-                                      </p:to>
-                                    </p:set>
-                                    <p:animEffect transition="in" filter="fade">
-                                      <p:cBhvr>
-                                        <p:cTn id="32" dur="500"/>
-                                        <p:tgtEl>
-                                          <p:spTgt spid="2">
-                                            <p:txEl>
-                                              <p:pRg st="5" end="5"/>
-                                            </p:txEl>
-                                          </p:spTgt>
-                                        </p:tgtEl>
-                                      </p:cBhvr>
-                                    </p:animEffect>
-                                  </p:childTnLst>
-                                </p:cTn>
-                              </p:par>
-                            </p:childTnLst>
-                          </p:cTn>
-                        </p:par>
-                      </p:childTnLst>
-                    </p:cTn>
-                  </p:par>
-                  <p:par>
-                    <p:cTn id="33" fill="hold">
-                      <p:stCondLst>
-                        <p:cond delay="indefinite"/>
-                      </p:stCondLst>
-                      <p:childTnLst>
-                        <p:par>
-                          <p:cTn id="34" fill="hold">
-                            <p:stCondLst>
-                              <p:cond delay="0"/>
-                            </p:stCondLst>
-                            <p:childTnLst>
-                              <p:par>
-                                <p:cTn id="35" presetID="10" presetClass="entr" presetSubtype="0" fill="hold" grpId="0" nodeType="clickEffect">
-                                  <p:stCondLst>
-                                    <p:cond delay="0"/>
-                                  </p:stCondLst>
-                                  <p:childTnLst>
-                                    <p:set>
-                                      <p:cBhvr>
-                                        <p:cTn id="36" dur="1" fill="hold">
-                                          <p:stCondLst>
-                                            <p:cond delay="0"/>
-                                          </p:stCondLst>
-                                        </p:cTn>
-                                        <p:tgtEl>
-                                          <p:spTgt spid="2">
-                                            <p:txEl>
-                                              <p:pRg st="6" end="6"/>
-                                            </p:txEl>
-                                          </p:spTgt>
-                                        </p:tgtEl>
-                                        <p:attrNameLst>
-                                          <p:attrName>style.visibility</p:attrName>
-                                        </p:attrNameLst>
-                                      </p:cBhvr>
-                                      <p:to>
-                                        <p:strVal val="visible"/>
-                                      </p:to>
-                                    </p:set>
-                                    <p:animEffect transition="in" filter="fade">
-                                      <p:cBhvr>
-                                        <p:cTn id="37" dur="500"/>
-                                        <p:tgtEl>
-                                          <p:spTgt spid="2">
-                                            <p:txEl>
-                                              <p:pRg st="6" end="6"/>
-                                            </p:txEl>
-                                          </p:spTgt>
-                                        </p:tgtEl>
-                                      </p:cBhvr>
-                                    </p:animEffect>
-                                  </p:childTnLst>
-                                </p:cTn>
-                              </p:par>
-                            </p:childTnLst>
-                          </p:cTn>
-                        </p:par>
-                      </p:childTnLst>
-                    </p:cTn>
-                  </p:par>
-                  <p:par>
-                    <p:cTn id="38" fill="hold">
-                      <p:stCondLst>
-                        <p:cond delay="indefinite"/>
-                      </p:stCondLst>
-                      <p:childTnLst>
-                        <p:par>
-                          <p:cTn id="39" fill="hold">
-                            <p:stCondLst>
-                              <p:cond delay="0"/>
-                            </p:stCondLst>
-                            <p:childTnLst>
-                              <p:par>
-                                <p:cTn id="40" presetID="10" presetClass="entr" presetSubtype="0" fill="hold" grpId="0" nodeType="clickEffect">
-                                  <p:stCondLst>
-                                    <p:cond delay="0"/>
-                                  </p:stCondLst>
-                                  <p:childTnLst>
-                                    <p:set>
-                                      <p:cBhvr>
-                                        <p:cTn id="41" dur="1" fill="hold">
-                                          <p:stCondLst>
-                                            <p:cond delay="0"/>
-                                          </p:stCondLst>
-                                        </p:cTn>
-                                        <p:tgtEl>
-                                          <p:spTgt spid="2">
-                                            <p:txEl>
-                                              <p:pRg st="7" end="7"/>
-                                        